--- a/Präsentationen/Anfänger - Java mit NAO.pptx
+++ b/Präsentationen/Anfänger - Java mit NAO.pptx
@@ -5,7 +5,7 @@
     <p:sldMasterId id="2147483648" r:id="rId1"/>
   </p:sldMasterIdLst>
   <p:notesMasterIdLst>
-    <p:notesMasterId r:id="rId17"/>
+    <p:notesMasterId r:id="rId23"/>
   </p:notesMasterIdLst>
   <p:sldIdLst>
     <p:sldId id="288" r:id="rId2"/>
@@ -23,6 +23,12 @@
     <p:sldId id="295" r:id="rId14"/>
     <p:sldId id="296" r:id="rId15"/>
     <p:sldId id="297" r:id="rId16"/>
+    <p:sldId id="299" r:id="rId17"/>
+    <p:sldId id="300" r:id="rId18"/>
+    <p:sldId id="301" r:id="rId19"/>
+    <p:sldId id="298" r:id="rId20"/>
+    <p:sldId id="303" r:id="rId21"/>
+    <p:sldId id="302" r:id="rId22"/>
   </p:sldIdLst>
   <p:sldSz cx="9144000" cy="5715000" type="screen16x10"/>
   <p:notesSz cx="6858000" cy="9144000"/>
@@ -222,7 +228,7 @@
           <a:p>
             <a:fld id="{CC55654B-D41D-4425-B58F-55C2DEAC0691}" type="datetimeFigureOut">
               <a:rPr lang="de-DE" smtClean="0"/>
-              <a:t>10.03.2017</a:t>
+              <a:t>17.03.2017</a:t>
             </a:fld>
             <a:endParaRPr lang="de-DE"/>
           </a:p>
@@ -703,108 +709,98 @@
           <a:lstStyle/>
           <a:p>
             <a:r>
+              <a:rPr lang="de-DE" i="0" u="none" baseline="0" smtClean="0">
+                <a:sym typeface="Wingdings" panose="05000000000000000000" pitchFamily="2" charset="2"/>
+              </a:rPr>
+              <a:t>Ein Java-Programm beginnt stets an der gleichen Stelle</a:t>
+            </a:r>
+            <a:r>
               <a:rPr lang="de-DE" i="0" u="none" baseline="0" dirty="0" smtClean="0">
                 <a:sym typeface="Wingdings" panose="05000000000000000000" pitchFamily="2" charset="2"/>
               </a:rPr>
-              <a:t>Ein Java-Programm beginnt stets an der gleichen Stelle.</a:t>
-            </a:r>
-          </a:p>
-          <a:p>
+              <a:t>.</a:t>
+            </a:r>
+          </a:p>
+          <a:p>
+            <a:r>
+              <a:rPr lang="de-DE" i="0" u="none" baseline="0" smtClean="0">
+                <a:sym typeface="Wingdings" panose="05000000000000000000" pitchFamily="2" charset="2"/>
+              </a:rPr>
+              <a:t>Mit der Ausführung der sogenannten main-Methode. (/ „</a:t>
+            </a:r>
             <a:r>
               <a:rPr lang="de-DE" i="0" u="none" baseline="0" dirty="0" smtClean="0">
                 <a:sym typeface="Wingdings" panose="05000000000000000000" pitchFamily="2" charset="2"/>
               </a:rPr>
-              <a:t>Mit der Ausführung der sogenannten main-Methode. (/ „Hauptmethode“)</a:t>
-            </a:r>
-          </a:p>
-          <a:p>
+              <a:t>Hauptmethode“)</a:t>
+            </a:r>
+          </a:p>
+          <a:p>
+            <a:r>
+              <a:rPr lang="de-DE" i="0" u="none" baseline="0" smtClean="0">
+                <a:sym typeface="Wingdings" panose="05000000000000000000" pitchFamily="2" charset="2"/>
+              </a:rPr>
+              <a:t>Diese seht ihr hier</a:t>
+            </a:r>
             <a:r>
               <a:rPr lang="de-DE" i="0" u="none" baseline="0" dirty="0" smtClean="0">
                 <a:sym typeface="Wingdings" panose="05000000000000000000" pitchFamily="2" charset="2"/>
               </a:rPr>
-              <a:t>Diese seht ihr hier.</a:t>
-            </a:r>
-          </a:p>
-          <a:p>
-            <a:r>
-              <a:rPr lang="de-DE" i="1" u="none" baseline="0" dirty="0" smtClean="0">
+              <a:t>.</a:t>
+            </a:r>
+          </a:p>
+          <a:p>
+            <a:r>
+              <a:rPr lang="de-DE" i="0" u="none" baseline="0" smtClean="0">
                 <a:sym typeface="Wingdings" panose="05000000000000000000" pitchFamily="2" charset="2"/>
               </a:rPr>
+              <a:t>Syntax: „public static void main(String[] args</a:t>
+            </a:r>
+            <a:r>
+              <a:rPr lang="de-DE" i="0" u="none" baseline="0" dirty="0" smtClean="0">
+                <a:sym typeface="Wingdings" panose="05000000000000000000" pitchFamily="2" charset="2"/>
+              </a:rPr>
+              <a:t>)“</a:t>
+            </a:r>
+            <a:endParaRPr lang="de-DE" i="0" u="none" baseline="0" dirty="0" smtClean="0">
+              <a:sym typeface="Wingdings" panose="05000000000000000000" pitchFamily="2" charset="2"/>
+            </a:endParaRPr>
+          </a:p>
+          <a:p>
+            <a:r>
+              <a:rPr lang="de-DE" i="1" u="none" baseline="0" smtClean="0">
+                <a:sym typeface="Wingdings" panose="05000000000000000000" pitchFamily="2" charset="2"/>
+              </a:rPr>
               <a:t>Was die Main-Klasse soll ist für die Kids erstmal nicht wichtig, eventuell extra sagen, dass der großgeschriebene Main Klassenname</a:t>
-            </a:r>
-          </a:p>
-          <a:p>
-            <a:r>
-              <a:rPr lang="de-DE" i="1" u="none" baseline="0" dirty="0" smtClean="0">
-                <a:sym typeface="Wingdings" panose="05000000000000000000" pitchFamily="2" charset="2"/>
-              </a:rPr>
-              <a:t>nichts damit zu tun hat, dass das Programm hier beginnt sondern lediglich das</a:t>
-            </a:r>
-          </a:p>
-          <a:p>
-            <a:r>
-              <a:rPr lang="de-DE" i="1" u="none" baseline="0" dirty="0" err="1" smtClean="0">
-                <a:sym typeface="Wingdings" panose="05000000000000000000" pitchFamily="2" charset="2"/>
-              </a:rPr>
-              <a:t>public</a:t>
-            </a:r>
-            <a:r>
-              <a:rPr lang="de-DE" i="1" u="none" baseline="0" dirty="0" smtClean="0">
-                <a:sym typeface="Wingdings" panose="05000000000000000000" pitchFamily="2" charset="2"/>
-              </a:rPr>
-              <a:t> </a:t>
-            </a:r>
-            <a:r>
-              <a:rPr lang="de-DE" i="1" u="none" baseline="0" dirty="0" err="1" smtClean="0">
-                <a:sym typeface="Wingdings" panose="05000000000000000000" pitchFamily="2" charset="2"/>
-              </a:rPr>
-              <a:t>static</a:t>
-            </a:r>
-            <a:r>
-              <a:rPr lang="de-DE" i="1" u="none" baseline="0" dirty="0" smtClean="0">
-                <a:sym typeface="Wingdings" panose="05000000000000000000" pitchFamily="2" charset="2"/>
-              </a:rPr>
-              <a:t> </a:t>
-            </a:r>
-            <a:r>
-              <a:rPr lang="de-DE" i="1" u="none" baseline="0" dirty="0" err="1" smtClean="0">
-                <a:sym typeface="Wingdings" panose="05000000000000000000" pitchFamily="2" charset="2"/>
-              </a:rPr>
-              <a:t>void</a:t>
-            </a:r>
-            <a:r>
-              <a:rPr lang="de-DE" i="1" u="none" baseline="0" dirty="0" smtClean="0">
-                <a:sym typeface="Wingdings" panose="05000000000000000000" pitchFamily="2" charset="2"/>
-              </a:rPr>
-              <a:t> </a:t>
-            </a:r>
-            <a:r>
-              <a:rPr lang="de-DE" i="1" u="none" baseline="0" dirty="0" err="1" smtClean="0">
-                <a:sym typeface="Wingdings" panose="05000000000000000000" pitchFamily="2" charset="2"/>
-              </a:rPr>
-              <a:t>main</a:t>
-            </a:r>
-            <a:r>
-              <a:rPr lang="de-DE" i="1" u="none" baseline="0" dirty="0" smtClean="0">
-                <a:sym typeface="Wingdings" panose="05000000000000000000" pitchFamily="2" charset="2"/>
-              </a:rPr>
-              <a:t>(String[] </a:t>
-            </a:r>
-            <a:r>
-              <a:rPr lang="de-DE" i="1" u="none" baseline="0" dirty="0" err="1" smtClean="0">
-                <a:sym typeface="Wingdings" panose="05000000000000000000" pitchFamily="2" charset="2"/>
-              </a:rPr>
-              <a:t>args</a:t>
-            </a:r>
-            <a:r>
-              <a:rPr lang="de-DE" i="1" u="none" baseline="0" dirty="0" smtClean="0">
-                <a:sym typeface="Wingdings" panose="05000000000000000000" pitchFamily="2" charset="2"/>
-              </a:rPr>
-              <a:t>)!</a:t>
             </a:r>
             <a:endParaRPr lang="de-DE" i="1" u="none" baseline="0" dirty="0" smtClean="0">
               <a:sym typeface="Wingdings" panose="05000000000000000000" pitchFamily="2" charset="2"/>
             </a:endParaRPr>
+          </a:p>
+          <a:p>
+            <a:r>
+              <a:rPr lang="de-DE" i="1" u="none" baseline="0" smtClean="0">
+                <a:sym typeface="Wingdings" panose="05000000000000000000" pitchFamily="2" charset="2"/>
+              </a:rPr>
+              <a:t>nichts damit zu tun hat, dass das Programm hier beginnt sondern lediglich das</a:t>
+            </a:r>
+            <a:endParaRPr lang="de-DE" i="1" u="none" baseline="0" dirty="0" smtClean="0">
+              <a:sym typeface="Wingdings" panose="05000000000000000000" pitchFamily="2" charset="2"/>
+            </a:endParaRPr>
+          </a:p>
+          <a:p>
+            <a:r>
+              <a:rPr lang="de-DE" i="1" u="none" baseline="0" smtClean="0">
+                <a:sym typeface="Wingdings" panose="05000000000000000000" pitchFamily="2" charset="2"/>
+              </a:rPr>
+              <a:t>public static void main(String[] args</a:t>
+            </a:r>
+            <a:r>
+              <a:rPr lang="de-DE" i="1" u="none" baseline="0" dirty="0" smtClean="0">
+                <a:sym typeface="Wingdings" panose="05000000000000000000" pitchFamily="2" charset="2"/>
+              </a:rPr>
+              <a:t>)!</a:t>
+            </a:r>
           </a:p>
         </p:txBody>
       </p:sp>
@@ -889,14 +885,17 @@
           <a:lstStyle/>
           <a:p>
             <a:r>
+              <a:rPr lang="de-DE" i="1" u="none" baseline="0" smtClean="0">
+                <a:sym typeface="Wingdings" panose="05000000000000000000" pitchFamily="2" charset="2"/>
+              </a:rPr>
+              <a:t>Genau so unwichtig ist erstmal das Interface welches zum NAO verbindet und die Klasse selbst</a:t>
+            </a:r>
+            <a:r>
               <a:rPr lang="de-DE" i="1" u="none" baseline="0" dirty="0" smtClean="0">
                 <a:sym typeface="Wingdings" panose="05000000000000000000" pitchFamily="2" charset="2"/>
               </a:rPr>
-              <a:t>Genau so unwichtig ist erstmal das Interface welches zum NAO verbindet und die Klasse selbst.</a:t>
-            </a:r>
-            <a:endParaRPr lang="de-DE" i="1" u="none" baseline="0" dirty="0" smtClean="0">
-              <a:sym typeface="Wingdings" panose="05000000000000000000" pitchFamily="2" charset="2"/>
-            </a:endParaRPr>
+              <a:t>.</a:t>
+            </a:r>
           </a:p>
         </p:txBody>
       </p:sp>
@@ -1150,6 +1149,18 @@
           <a:bodyPr/>
           <a:lstStyle/>
           <a:p>
+            <a:r>
+              <a:rPr lang="de-DE" i="0" u="none" baseline="0" smtClean="0">
+                <a:sym typeface="Wingdings" panose="05000000000000000000" pitchFamily="2" charset="2"/>
+              </a:rPr>
+              <a:t>Der Datentyp int heißt, dass die Variable x nur Zahlen enthalten kann</a:t>
+            </a:r>
+            <a:r>
+              <a:rPr lang="de-DE" i="0" u="none" baseline="0" dirty="0" smtClean="0">
+                <a:sym typeface="Wingdings" panose="05000000000000000000" pitchFamily="2" charset="2"/>
+              </a:rPr>
+              <a:t>.</a:t>
+            </a:r>
             <a:endParaRPr lang="de-DE" i="0" u="none" baseline="0" dirty="0" smtClean="0">
               <a:sym typeface="Wingdings" panose="05000000000000000000" pitchFamily="2" charset="2"/>
             </a:endParaRPr>
@@ -1183,6 +1194,498 @@
     <p:extLst>
       <p:ext uri="{BB962C8B-B14F-4D97-AF65-F5344CB8AC3E}">
         <p14:creationId xmlns:p14="http://schemas.microsoft.com/office/powerpoint/2010/main" val="314358679"/>
+      </p:ext>
+    </p:extLst>
+  </p:cSld>
+  <p:clrMapOvr>
+    <a:masterClrMapping/>
+  </p:clrMapOvr>
+</p:notes>
+</file>
+
+<file path=ppt/notesSlides/notesSlide16.xml><?xml version="1.0" encoding="utf-8"?>
+<p:notes xmlns:a="http://schemas.openxmlformats.org/drawingml/2006/main" xmlns:r="http://schemas.openxmlformats.org/officeDocument/2006/relationships" xmlns:p="http://schemas.openxmlformats.org/presentationml/2006/main">
+  <p:cSld>
+    <p:spTree>
+      <p:nvGrpSpPr>
+        <p:cNvPr id="1" name=""/>
+        <p:cNvGrpSpPr/>
+        <p:nvPr/>
+      </p:nvGrpSpPr>
+      <p:grpSpPr>
+        <a:xfrm>
+          <a:off x="0" y="0"/>
+          <a:ext cx="0" cy="0"/>
+          <a:chOff x="0" y="0"/>
+          <a:chExt cx="0" cy="0"/>
+        </a:xfrm>
+      </p:grpSpPr>
+      <p:sp>
+        <p:nvSpPr>
+          <p:cNvPr id="2" name="Folienbildplatzhalter 1"/>
+          <p:cNvSpPr>
+            <a:spLocks noGrp="1" noRot="1" noChangeAspect="1"/>
+          </p:cNvSpPr>
+          <p:nvPr>
+            <p:ph type="sldImg"/>
+          </p:nvPr>
+        </p:nvSpPr>
+        <p:spPr/>
+      </p:sp>
+      <p:sp>
+        <p:nvSpPr>
+          <p:cNvPr id="3" name="Notizenplatzhalter 2"/>
+          <p:cNvSpPr>
+            <a:spLocks noGrp="1"/>
+          </p:cNvSpPr>
+          <p:nvPr>
+            <p:ph type="body" idx="1"/>
+          </p:nvPr>
+        </p:nvSpPr>
+        <p:spPr/>
+        <p:txBody>
+          <a:bodyPr/>
+          <a:lstStyle/>
+          <a:p>
+            <a:r>
+              <a:rPr lang="de-DE" i="0" u="none" baseline="0" smtClean="0">
+                <a:sym typeface="Wingdings" panose="05000000000000000000" pitchFamily="2" charset="2"/>
+              </a:rPr>
+              <a:t>Hier die „einfachen Datentypen“ in Java</a:t>
+            </a:r>
+            <a:r>
+              <a:rPr lang="de-DE" i="0" u="none" baseline="0" dirty="0" smtClean="0">
+                <a:sym typeface="Wingdings" panose="05000000000000000000" pitchFamily="2" charset="2"/>
+              </a:rPr>
+              <a:t>.</a:t>
+            </a:r>
+          </a:p>
+          <a:p>
+            <a:r>
+              <a:rPr lang="de-DE" i="0" u="none" baseline="0" smtClean="0">
+                <a:sym typeface="Wingdings" panose="05000000000000000000" pitchFamily="2" charset="2"/>
+              </a:rPr>
+              <a:t>Einfache Datentypen werden klein geschrieben und stehen immer vor dem Namen der Variable</a:t>
+            </a:r>
+            <a:r>
+              <a:rPr lang="de-DE" i="0" u="none" baseline="0" dirty="0" smtClean="0">
+                <a:sym typeface="Wingdings" panose="05000000000000000000" pitchFamily="2" charset="2"/>
+              </a:rPr>
+              <a:t>.</a:t>
+            </a:r>
+          </a:p>
+          <a:p>
+            <a:endParaRPr lang="de-DE" i="0" u="none" baseline="0" dirty="0" smtClean="0">
+              <a:sym typeface="Wingdings" panose="05000000000000000000" pitchFamily="2" charset="2"/>
+            </a:endParaRPr>
+          </a:p>
+          <a:p>
+            <a:r>
+              <a:rPr lang="de-DE" i="0" u="none" baseline="0" smtClean="0">
+                <a:sym typeface="Wingdings" panose="05000000000000000000" pitchFamily="2" charset="2"/>
+              </a:rPr>
+              <a:t>Standardwert ist der Wert einer Variablen die nur deklariert wurde, aber nicht initialisiert</a:t>
+            </a:r>
+            <a:r>
+              <a:rPr lang="de-DE" i="0" u="none" baseline="0" dirty="0" smtClean="0">
+                <a:sym typeface="Wingdings" panose="05000000000000000000" pitchFamily="2" charset="2"/>
+              </a:rPr>
+              <a:t>!</a:t>
+            </a:r>
+          </a:p>
+          <a:p>
+            <a:endParaRPr lang="de-DE" i="0" u="none" baseline="0" dirty="0" smtClean="0">
+              <a:sym typeface="Wingdings" panose="05000000000000000000" pitchFamily="2" charset="2"/>
+            </a:endParaRPr>
+          </a:p>
+          <a:p>
+            <a:r>
+              <a:rPr lang="de-DE" i="0" u="none" baseline="0" smtClean="0">
+                <a:sym typeface="Wingdings" panose="05000000000000000000" pitchFamily="2" charset="2"/>
+              </a:rPr>
+              <a:t>Überleitung: Die Kinder fragen was der Unterschied zwischen byte, short, int und long (und float und double) sein könnte, falls sie nicht selbst fragen</a:t>
+            </a:r>
+            <a:endParaRPr lang="de-DE" i="0" u="none" baseline="0" dirty="0" smtClean="0">
+              <a:sym typeface="Wingdings" panose="05000000000000000000" pitchFamily="2" charset="2"/>
+            </a:endParaRPr>
+          </a:p>
+        </p:txBody>
+      </p:sp>
+      <p:sp>
+        <p:nvSpPr>
+          <p:cNvPr id="4" name="Foliennummernplatzhalter 3"/>
+          <p:cNvSpPr>
+            <a:spLocks noGrp="1"/>
+          </p:cNvSpPr>
+          <p:nvPr>
+            <p:ph type="sldNum" sz="quarter" idx="10"/>
+          </p:nvPr>
+        </p:nvSpPr>
+        <p:spPr/>
+        <p:txBody>
+          <a:bodyPr/>
+          <a:lstStyle/>
+          <a:p>
+            <a:fld id="{16070E50-C463-4A5B-AC29-20274F3F33D2}" type="slidenum">
+              <a:rPr lang="de-DE" smtClean="0"/>
+              <a:t>16</a:t>
+            </a:fld>
+            <a:endParaRPr lang="de-DE"/>
+          </a:p>
+        </p:txBody>
+      </p:sp>
+    </p:spTree>
+    <p:extLst>
+      <p:ext uri="{BB962C8B-B14F-4D97-AF65-F5344CB8AC3E}">
+        <p14:creationId xmlns:p14="http://schemas.microsoft.com/office/powerpoint/2010/main" val="2047544418"/>
+      </p:ext>
+    </p:extLst>
+  </p:cSld>
+  <p:clrMapOvr>
+    <a:masterClrMapping/>
+  </p:clrMapOvr>
+</p:notes>
+</file>
+
+<file path=ppt/notesSlides/notesSlide17.xml><?xml version="1.0" encoding="utf-8"?>
+<p:notes xmlns:a="http://schemas.openxmlformats.org/drawingml/2006/main" xmlns:r="http://schemas.openxmlformats.org/officeDocument/2006/relationships" xmlns:p="http://schemas.openxmlformats.org/presentationml/2006/main">
+  <p:cSld>
+    <p:spTree>
+      <p:nvGrpSpPr>
+        <p:cNvPr id="1" name=""/>
+        <p:cNvGrpSpPr/>
+        <p:nvPr/>
+      </p:nvGrpSpPr>
+      <p:grpSpPr>
+        <a:xfrm>
+          <a:off x="0" y="0"/>
+          <a:ext cx="0" cy="0"/>
+          <a:chOff x="0" y="0"/>
+          <a:chExt cx="0" cy="0"/>
+        </a:xfrm>
+      </p:grpSpPr>
+      <p:sp>
+        <p:nvSpPr>
+          <p:cNvPr id="2" name="Folienbildplatzhalter 1"/>
+          <p:cNvSpPr>
+            <a:spLocks noGrp="1" noRot="1" noChangeAspect="1"/>
+          </p:cNvSpPr>
+          <p:nvPr>
+            <p:ph type="sldImg"/>
+          </p:nvPr>
+        </p:nvSpPr>
+        <p:spPr/>
+      </p:sp>
+      <p:sp>
+        <p:nvSpPr>
+          <p:cNvPr id="3" name="Notizenplatzhalter 2"/>
+          <p:cNvSpPr>
+            <a:spLocks noGrp="1"/>
+          </p:cNvSpPr>
+          <p:nvPr>
+            <p:ph type="body" idx="1"/>
+          </p:nvPr>
+        </p:nvSpPr>
+        <p:spPr/>
+        <p:txBody>
+          <a:bodyPr/>
+          <a:lstStyle/>
+          <a:p>
+            <a:r>
+              <a:rPr lang="de-DE" i="0" u="none" baseline="0" smtClean="0">
+                <a:sym typeface="Wingdings" panose="05000000000000000000" pitchFamily="2" charset="2"/>
+              </a:rPr>
+              <a:t>Selbst boolesche Werte werden vom Computer in einem ganzen Byte gespeichert</a:t>
+            </a:r>
+            <a:endParaRPr lang="de-DE" i="0" u="none" baseline="0" dirty="0" smtClean="0">
+              <a:sym typeface="Wingdings" panose="05000000000000000000" pitchFamily="2" charset="2"/>
+            </a:endParaRPr>
+          </a:p>
+          <a:p>
+            <a:endParaRPr lang="de-DE" i="0" u="none" baseline="0" dirty="0" smtClean="0">
+              <a:sym typeface="Wingdings" panose="05000000000000000000" pitchFamily="2" charset="2"/>
+            </a:endParaRPr>
+          </a:p>
+          <a:p>
+            <a:r>
+              <a:rPr lang="de-DE" i="0" u="none" baseline="0" smtClean="0">
+                <a:sym typeface="Wingdings" panose="05000000000000000000" pitchFamily="2" charset="2"/>
+              </a:rPr>
+              <a:t>Jetzt nochmal die Kinder fragen wo der Unterschied zwischen den Datentypen sein könnte</a:t>
+            </a:r>
+            <a:endParaRPr lang="de-DE" i="0" u="none" baseline="0" dirty="0" smtClean="0">
+              <a:sym typeface="Wingdings" panose="05000000000000000000" pitchFamily="2" charset="2"/>
+            </a:endParaRPr>
+          </a:p>
+        </p:txBody>
+      </p:sp>
+      <p:sp>
+        <p:nvSpPr>
+          <p:cNvPr id="4" name="Foliennummernplatzhalter 3"/>
+          <p:cNvSpPr>
+            <a:spLocks noGrp="1"/>
+          </p:cNvSpPr>
+          <p:nvPr>
+            <p:ph type="sldNum" sz="quarter" idx="10"/>
+          </p:nvPr>
+        </p:nvSpPr>
+        <p:spPr/>
+        <p:txBody>
+          <a:bodyPr/>
+          <a:lstStyle/>
+          <a:p>
+            <a:fld id="{16070E50-C463-4A5B-AC29-20274F3F33D2}" type="slidenum">
+              <a:rPr lang="de-DE" smtClean="0"/>
+              <a:t>17</a:t>
+            </a:fld>
+            <a:endParaRPr lang="de-DE"/>
+          </a:p>
+        </p:txBody>
+      </p:sp>
+    </p:spTree>
+    <p:extLst>
+      <p:ext uri="{BB962C8B-B14F-4D97-AF65-F5344CB8AC3E}">
+        <p14:creationId xmlns:p14="http://schemas.microsoft.com/office/powerpoint/2010/main" val="2816838124"/>
+      </p:ext>
+    </p:extLst>
+  </p:cSld>
+  <p:clrMapOvr>
+    <a:masterClrMapping/>
+  </p:clrMapOvr>
+</p:notes>
+</file>
+
+<file path=ppt/notesSlides/notesSlide18.xml><?xml version="1.0" encoding="utf-8"?>
+<p:notes xmlns:a="http://schemas.openxmlformats.org/drawingml/2006/main" xmlns:r="http://schemas.openxmlformats.org/officeDocument/2006/relationships" xmlns:p="http://schemas.openxmlformats.org/presentationml/2006/main">
+  <p:cSld>
+    <p:spTree>
+      <p:nvGrpSpPr>
+        <p:cNvPr id="1" name=""/>
+        <p:cNvGrpSpPr/>
+        <p:nvPr/>
+      </p:nvGrpSpPr>
+      <p:grpSpPr>
+        <a:xfrm>
+          <a:off x="0" y="0"/>
+          <a:ext cx="0" cy="0"/>
+          <a:chOff x="0" y="0"/>
+          <a:chExt cx="0" cy="0"/>
+        </a:xfrm>
+      </p:grpSpPr>
+      <p:sp>
+        <p:nvSpPr>
+          <p:cNvPr id="2" name="Folienbildplatzhalter 1"/>
+          <p:cNvSpPr>
+            <a:spLocks noGrp="1" noRot="1" noChangeAspect="1"/>
+          </p:cNvSpPr>
+          <p:nvPr>
+            <p:ph type="sldImg"/>
+          </p:nvPr>
+        </p:nvSpPr>
+        <p:spPr/>
+      </p:sp>
+      <p:sp>
+        <p:nvSpPr>
+          <p:cNvPr id="3" name="Notizenplatzhalter 2"/>
+          <p:cNvSpPr>
+            <a:spLocks noGrp="1"/>
+          </p:cNvSpPr>
+          <p:nvPr>
+            <p:ph type="body" idx="1"/>
+          </p:nvPr>
+        </p:nvSpPr>
+        <p:spPr/>
+        <p:txBody>
+          <a:bodyPr/>
+          <a:lstStyle/>
+          <a:p>
+            <a:r>
+              <a:rPr lang="de-DE" i="0" u="none" baseline="0" dirty="0" err="1" smtClean="0">
+                <a:sym typeface="Wingdings" panose="05000000000000000000" pitchFamily="2" charset="2"/>
+              </a:rPr>
+              <a:t>float</a:t>
+            </a:r>
+            <a:r>
+              <a:rPr lang="de-DE" i="0" u="none" baseline="0" dirty="0" smtClean="0">
+                <a:sym typeface="Wingdings" panose="05000000000000000000" pitchFamily="2" charset="2"/>
+              </a:rPr>
+              <a:t> und double sind hier nicht aufgezeigt, weil die Zahlen zu groß sind.</a:t>
+            </a:r>
+          </a:p>
+          <a:p>
+            <a:r>
+              <a:rPr lang="de-DE" i="0" u="none" baseline="0" dirty="0" smtClean="0">
+                <a:sym typeface="Wingdings" panose="05000000000000000000" pitchFamily="2" charset="2"/>
+              </a:rPr>
+              <a:t>Der Grund für die Höhe ist, dass nicht jede Zahl abgebildet wird.</a:t>
+            </a:r>
+          </a:p>
+          <a:p>
+            <a:r>
+              <a:rPr lang="de-DE" i="0" u="none" baseline="0" dirty="0" smtClean="0">
+                <a:sym typeface="Wingdings" panose="05000000000000000000" pitchFamily="2" charset="2"/>
+              </a:rPr>
+              <a:t>Minimum bei </a:t>
+            </a:r>
+            <a:r>
+              <a:rPr lang="de-DE" i="0" u="none" baseline="0" dirty="0" err="1" smtClean="0">
+                <a:sym typeface="Wingdings" panose="05000000000000000000" pitchFamily="2" charset="2"/>
+              </a:rPr>
+              <a:t>float</a:t>
+            </a:r>
+            <a:r>
+              <a:rPr lang="de-DE" i="0" u="none" baseline="0" dirty="0" smtClean="0">
+                <a:sym typeface="Wingdings" panose="05000000000000000000" pitchFamily="2" charset="2"/>
+              </a:rPr>
+              <a:t> ist niedriger als die niedrigste </a:t>
+            </a:r>
+            <a:r>
+              <a:rPr lang="de-DE" i="0" u="none" baseline="0" dirty="0" err="1" smtClean="0">
+                <a:sym typeface="Wingdings" panose="05000000000000000000" pitchFamily="2" charset="2"/>
+              </a:rPr>
+              <a:t>long</a:t>
+            </a:r>
+            <a:r>
+              <a:rPr lang="de-DE" i="0" u="none" baseline="0" dirty="0" smtClean="0">
+                <a:sym typeface="Wingdings" panose="05000000000000000000" pitchFamily="2" charset="2"/>
+              </a:rPr>
+              <a:t>-Zahl, aber die „nächste Zahl“ ist sehr weit entfernt.</a:t>
+            </a:r>
+          </a:p>
+          <a:p>
+            <a:r>
+              <a:rPr lang="de-DE" i="0" u="none" baseline="0" dirty="0" smtClean="0">
+                <a:sym typeface="Wingdings" panose="05000000000000000000" pitchFamily="2" charset="2"/>
+              </a:rPr>
+              <a:t>(„Die Dichte der Zahlen auf dem Zahlenstrahl ist bei Ganzzahl-Datentypen immer gleich, bei Gleitkommazahl-Datentypen nimmt sie mit dem Abstand zu 0 immer weiter zu“)</a:t>
+            </a:r>
+          </a:p>
+        </p:txBody>
+      </p:sp>
+      <p:sp>
+        <p:nvSpPr>
+          <p:cNvPr id="4" name="Foliennummernplatzhalter 3"/>
+          <p:cNvSpPr>
+            <a:spLocks noGrp="1"/>
+          </p:cNvSpPr>
+          <p:nvPr>
+            <p:ph type="sldNum" sz="quarter" idx="10"/>
+          </p:nvPr>
+        </p:nvSpPr>
+        <p:spPr/>
+        <p:txBody>
+          <a:bodyPr/>
+          <a:lstStyle/>
+          <a:p>
+            <a:fld id="{16070E50-C463-4A5B-AC29-20274F3F33D2}" type="slidenum">
+              <a:rPr lang="de-DE" smtClean="0"/>
+              <a:t>18</a:t>
+            </a:fld>
+            <a:endParaRPr lang="de-DE"/>
+          </a:p>
+        </p:txBody>
+      </p:sp>
+    </p:spTree>
+    <p:extLst>
+      <p:ext uri="{BB962C8B-B14F-4D97-AF65-F5344CB8AC3E}">
+        <p14:creationId xmlns:p14="http://schemas.microsoft.com/office/powerpoint/2010/main" val="3332791870"/>
+      </p:ext>
+    </p:extLst>
+  </p:cSld>
+  <p:clrMapOvr>
+    <a:masterClrMapping/>
+  </p:clrMapOvr>
+</p:notes>
+</file>
+
+<file path=ppt/notesSlides/notesSlide19.xml><?xml version="1.0" encoding="utf-8"?>
+<p:notes xmlns:a="http://schemas.openxmlformats.org/drawingml/2006/main" xmlns:r="http://schemas.openxmlformats.org/officeDocument/2006/relationships" xmlns:p="http://schemas.openxmlformats.org/presentationml/2006/main">
+  <p:cSld>
+    <p:spTree>
+      <p:nvGrpSpPr>
+        <p:cNvPr id="1" name=""/>
+        <p:cNvGrpSpPr/>
+        <p:nvPr/>
+      </p:nvGrpSpPr>
+      <p:grpSpPr>
+        <a:xfrm>
+          <a:off x="0" y="0"/>
+          <a:ext cx="0" cy="0"/>
+          <a:chOff x="0" y="0"/>
+          <a:chExt cx="0" cy="0"/>
+        </a:xfrm>
+      </p:grpSpPr>
+      <p:sp>
+        <p:nvSpPr>
+          <p:cNvPr id="2" name="Folienbildplatzhalter 1"/>
+          <p:cNvSpPr>
+            <a:spLocks noGrp="1" noRot="1" noChangeAspect="1"/>
+          </p:cNvSpPr>
+          <p:nvPr>
+            <p:ph type="sldImg"/>
+          </p:nvPr>
+        </p:nvSpPr>
+        <p:spPr/>
+      </p:sp>
+      <p:sp>
+        <p:nvSpPr>
+          <p:cNvPr id="3" name="Notizenplatzhalter 2"/>
+          <p:cNvSpPr>
+            <a:spLocks noGrp="1"/>
+          </p:cNvSpPr>
+          <p:nvPr>
+            <p:ph type="body" idx="1"/>
+          </p:nvPr>
+        </p:nvSpPr>
+        <p:spPr/>
+        <p:txBody>
+          <a:bodyPr/>
+          <a:lstStyle/>
+          <a:p>
+            <a:r>
+              <a:rPr lang="de-DE" i="0" u="none" baseline="0" dirty="0" smtClean="0">
+                <a:sym typeface="Wingdings" panose="05000000000000000000" pitchFamily="2" charset="2"/>
+              </a:rPr>
+              <a:t>Welchen Datentyp verwenden die Kids?</a:t>
+            </a:r>
+          </a:p>
+          <a:p>
+            <a:r>
+              <a:rPr lang="de-DE" i="0" u="none" baseline="0" dirty="0" smtClean="0">
+                <a:sym typeface="Wingdings" panose="05000000000000000000" pitchFamily="2" charset="2"/>
+              </a:rPr>
+              <a:t>Jeder Ganzzahl-Typ ist möglich aber bei den kleineren Datentypen kann es leichter zu „Overflows“ kommen</a:t>
+            </a:r>
+          </a:p>
+        </p:txBody>
+      </p:sp>
+      <p:sp>
+        <p:nvSpPr>
+          <p:cNvPr id="4" name="Foliennummernplatzhalter 3"/>
+          <p:cNvSpPr>
+            <a:spLocks noGrp="1"/>
+          </p:cNvSpPr>
+          <p:nvPr>
+            <p:ph type="sldNum" sz="quarter" idx="10"/>
+          </p:nvPr>
+        </p:nvSpPr>
+        <p:spPr/>
+        <p:txBody>
+          <a:bodyPr/>
+          <a:lstStyle/>
+          <a:p>
+            <a:fld id="{16070E50-C463-4A5B-AC29-20274F3F33D2}" type="slidenum">
+              <a:rPr lang="de-DE" smtClean="0"/>
+              <a:t>19</a:t>
+            </a:fld>
+            <a:endParaRPr lang="de-DE"/>
+          </a:p>
+        </p:txBody>
+      </p:sp>
+    </p:spTree>
+    <p:extLst>
+      <p:ext uri="{BB962C8B-B14F-4D97-AF65-F5344CB8AC3E}">
+        <p14:creationId xmlns:p14="http://schemas.microsoft.com/office/powerpoint/2010/main" val="1043509121"/>
       </p:ext>
     </p:extLst>
   </p:cSld>
@@ -1237,18 +1740,26 @@
           <a:lstStyle/>
           <a:p>
             <a:r>
-              <a:rPr lang="de-DE" dirty="0" smtClean="0"/>
+              <a:rPr lang="de-DE" smtClean="0"/>
               <a:t>Willkommen zum Java-Kurs</a:t>
             </a:r>
             <a:r>
+              <a:rPr lang="de-DE" baseline="0" smtClean="0"/>
+              <a:t> mit unserem humanoiden Roboter NAO</a:t>
+            </a:r>
+            <a:r>
               <a:rPr lang="de-DE" baseline="0" dirty="0" smtClean="0"/>
-              <a:t> mit unserem humanoiden Roboter NAO.</a:t>
-            </a:r>
-          </a:p>
-          <a:p>
+              <a:t>.</a:t>
+            </a:r>
+          </a:p>
+          <a:p>
+            <a:r>
+              <a:rPr lang="de-DE" baseline="0" smtClean="0"/>
+              <a:t>Wir lernen heute die ersten Schritte um mit der Programmiersprache „Java“ umzugehen</a:t>
+            </a:r>
             <a:r>
               <a:rPr lang="de-DE" baseline="0" dirty="0" smtClean="0"/>
-              <a:t>Wir lernen heute die ersten Schritte um mit der Programmiersprache „Java“ umzugehen.</a:t>
+              <a:t>.</a:t>
             </a:r>
           </a:p>
           <a:p>
@@ -1256,12 +1767,16 @@
           </a:p>
           <a:p>
             <a:r>
-              <a:rPr lang="de-DE" i="1" baseline="0" dirty="0" smtClean="0"/>
+              <a:rPr lang="de-DE" i="1" baseline="0" smtClean="0"/>
               <a:t>Überleitung: </a:t>
             </a:r>
             <a:r>
+              <a:rPr lang="de-DE" baseline="0" smtClean="0"/>
+              <a:t>Java ist eine von sehr vielen Programmiersprachen, mit denen man einem Computer genau sagen kann was er machen soll</a:t>
+            </a:r>
+            <a:r>
               <a:rPr lang="de-DE" baseline="0" dirty="0" smtClean="0"/>
-              <a:t>Java ist eine von sehr vielen Programmiersprachen, mit denen man einem Computer genau sagen kann was er machen soll.</a:t>
+              <a:t>.</a:t>
             </a:r>
             <a:endParaRPr lang="de-DE" baseline="0" dirty="0"/>
           </a:p>
@@ -1294,6 +1809,204 @@
     <p:extLst>
       <p:ext uri="{BB962C8B-B14F-4D97-AF65-F5344CB8AC3E}">
         <p14:creationId xmlns:p14="http://schemas.microsoft.com/office/powerpoint/2010/main" val="1303661584"/>
+      </p:ext>
+    </p:extLst>
+  </p:cSld>
+  <p:clrMapOvr>
+    <a:masterClrMapping/>
+  </p:clrMapOvr>
+</p:notes>
+</file>
+
+<file path=ppt/notesSlides/notesSlide20.xml><?xml version="1.0" encoding="utf-8"?>
+<p:notes xmlns:a="http://schemas.openxmlformats.org/drawingml/2006/main" xmlns:r="http://schemas.openxmlformats.org/officeDocument/2006/relationships" xmlns:p="http://schemas.openxmlformats.org/presentationml/2006/main">
+  <p:cSld>
+    <p:spTree>
+      <p:nvGrpSpPr>
+        <p:cNvPr id="1" name=""/>
+        <p:cNvGrpSpPr/>
+        <p:nvPr/>
+      </p:nvGrpSpPr>
+      <p:grpSpPr>
+        <a:xfrm>
+          <a:off x="0" y="0"/>
+          <a:ext cx="0" cy="0"/>
+          <a:chOff x="0" y="0"/>
+          <a:chExt cx="0" cy="0"/>
+        </a:xfrm>
+      </p:grpSpPr>
+      <p:sp>
+        <p:nvSpPr>
+          <p:cNvPr id="2" name="Folienbildplatzhalter 1"/>
+          <p:cNvSpPr>
+            <a:spLocks noGrp="1" noRot="1" noChangeAspect="1"/>
+          </p:cNvSpPr>
+          <p:nvPr>
+            <p:ph type="sldImg"/>
+          </p:nvPr>
+        </p:nvSpPr>
+        <p:spPr/>
+      </p:sp>
+      <p:sp>
+        <p:nvSpPr>
+          <p:cNvPr id="3" name="Notizenplatzhalter 2"/>
+          <p:cNvSpPr>
+            <a:spLocks noGrp="1"/>
+          </p:cNvSpPr>
+          <p:nvPr>
+            <p:ph type="body" idx="1"/>
+          </p:nvPr>
+        </p:nvSpPr>
+        <p:spPr/>
+        <p:txBody>
+          <a:bodyPr/>
+          <a:lstStyle/>
+          <a:p>
+            <a:r>
+              <a:rPr lang="de-DE" i="0" u="none" baseline="0" dirty="0" smtClean="0">
+                <a:sym typeface="Wingdings" panose="05000000000000000000" pitchFamily="2" charset="2"/>
+              </a:rPr>
+              <a:t>Wir schauen uns noch ein Mal an was wir gelernt haben.</a:t>
+            </a:r>
+          </a:p>
+          <a:p>
+            <a:r>
+              <a:rPr lang="de-DE" i="0" u="none" baseline="0" dirty="0" smtClean="0">
+                <a:sym typeface="Wingdings" panose="05000000000000000000" pitchFamily="2" charset="2"/>
+              </a:rPr>
+              <a:t>Finden die Schüler alle syntaktischen Fehler in diesem Code?</a:t>
+            </a:r>
+          </a:p>
+          <a:p>
+            <a:r>
+              <a:rPr lang="de-DE" i="0" u="none" baseline="0" dirty="0" smtClean="0">
+                <a:sym typeface="Wingdings" panose="05000000000000000000" pitchFamily="2" charset="2"/>
+              </a:rPr>
+              <a:t>Der semantische Fehler ist eher ein </a:t>
+            </a:r>
+            <a:r>
+              <a:rPr lang="de-DE" i="0" u="none" baseline="0" dirty="0" err="1" smtClean="0">
+                <a:sym typeface="Wingdings" panose="05000000000000000000" pitchFamily="2" charset="2"/>
+              </a:rPr>
+              <a:t>EasterEgg</a:t>
+            </a:r>
+            <a:endParaRPr lang="de-DE" i="0" u="none" baseline="0" dirty="0" smtClean="0">
+              <a:sym typeface="Wingdings" panose="05000000000000000000" pitchFamily="2" charset="2"/>
+            </a:endParaRPr>
+          </a:p>
+        </p:txBody>
+      </p:sp>
+      <p:sp>
+        <p:nvSpPr>
+          <p:cNvPr id="4" name="Foliennummernplatzhalter 3"/>
+          <p:cNvSpPr>
+            <a:spLocks noGrp="1"/>
+          </p:cNvSpPr>
+          <p:nvPr>
+            <p:ph type="sldNum" sz="quarter" idx="10"/>
+          </p:nvPr>
+        </p:nvSpPr>
+        <p:spPr/>
+        <p:txBody>
+          <a:bodyPr/>
+          <a:lstStyle/>
+          <a:p>
+            <a:fld id="{16070E50-C463-4A5B-AC29-20274F3F33D2}" type="slidenum">
+              <a:rPr lang="de-DE" smtClean="0"/>
+              <a:t>20</a:t>
+            </a:fld>
+            <a:endParaRPr lang="de-DE"/>
+          </a:p>
+        </p:txBody>
+      </p:sp>
+    </p:spTree>
+    <p:extLst>
+      <p:ext uri="{BB962C8B-B14F-4D97-AF65-F5344CB8AC3E}">
+        <p14:creationId xmlns:p14="http://schemas.microsoft.com/office/powerpoint/2010/main" val="3992569279"/>
+      </p:ext>
+    </p:extLst>
+  </p:cSld>
+  <p:clrMapOvr>
+    <a:masterClrMapping/>
+  </p:clrMapOvr>
+</p:notes>
+</file>
+
+<file path=ppt/notesSlides/notesSlide21.xml><?xml version="1.0" encoding="utf-8"?>
+<p:notes xmlns:a="http://schemas.openxmlformats.org/drawingml/2006/main" xmlns:r="http://schemas.openxmlformats.org/officeDocument/2006/relationships" xmlns:p="http://schemas.openxmlformats.org/presentationml/2006/main">
+  <p:cSld>
+    <p:spTree>
+      <p:nvGrpSpPr>
+        <p:cNvPr id="1" name=""/>
+        <p:cNvGrpSpPr/>
+        <p:nvPr/>
+      </p:nvGrpSpPr>
+      <p:grpSpPr>
+        <a:xfrm>
+          <a:off x="0" y="0"/>
+          <a:ext cx="0" cy="0"/>
+          <a:chOff x="0" y="0"/>
+          <a:chExt cx="0" cy="0"/>
+        </a:xfrm>
+      </p:grpSpPr>
+      <p:sp>
+        <p:nvSpPr>
+          <p:cNvPr id="2" name="Folienbildplatzhalter 1"/>
+          <p:cNvSpPr>
+            <a:spLocks noGrp="1" noRot="1" noChangeAspect="1"/>
+          </p:cNvSpPr>
+          <p:nvPr>
+            <p:ph type="sldImg"/>
+          </p:nvPr>
+        </p:nvSpPr>
+        <p:spPr/>
+      </p:sp>
+      <p:sp>
+        <p:nvSpPr>
+          <p:cNvPr id="3" name="Notizenplatzhalter 2"/>
+          <p:cNvSpPr>
+            <a:spLocks noGrp="1"/>
+          </p:cNvSpPr>
+          <p:nvPr>
+            <p:ph type="body" idx="1"/>
+          </p:nvPr>
+        </p:nvSpPr>
+        <p:spPr/>
+        <p:txBody>
+          <a:bodyPr/>
+          <a:lstStyle/>
+          <a:p>
+            <a:endParaRPr lang="de-DE" i="1" baseline="0" dirty="0" smtClean="0"/>
+          </a:p>
+        </p:txBody>
+      </p:sp>
+      <p:sp>
+        <p:nvSpPr>
+          <p:cNvPr id="4" name="Foliennummernplatzhalter 3"/>
+          <p:cNvSpPr>
+            <a:spLocks noGrp="1"/>
+          </p:cNvSpPr>
+          <p:nvPr>
+            <p:ph type="sldNum" sz="quarter" idx="10"/>
+          </p:nvPr>
+        </p:nvSpPr>
+        <p:spPr/>
+        <p:txBody>
+          <a:bodyPr/>
+          <a:lstStyle/>
+          <a:p>
+            <a:fld id="{16070E50-C463-4A5B-AC29-20274F3F33D2}" type="slidenum">
+              <a:rPr lang="de-DE" smtClean="0"/>
+              <a:t>21</a:t>
+            </a:fld>
+            <a:endParaRPr lang="de-DE"/>
+          </a:p>
+        </p:txBody>
+      </p:sp>
+    </p:spTree>
+    <p:extLst>
+      <p:ext uri="{BB962C8B-B14F-4D97-AF65-F5344CB8AC3E}">
+        <p14:creationId xmlns:p14="http://schemas.microsoft.com/office/powerpoint/2010/main" val="1617047020"/>
       </p:ext>
     </p:extLst>
   </p:cSld>
@@ -1348,12 +2061,16 @@
           <a:lstStyle/>
           <a:p>
             <a:r>
-              <a:rPr lang="de-DE" i="1" dirty="0" smtClean="0"/>
+              <a:rPr lang="de-DE" i="1" smtClean="0"/>
               <a:t>Ein Überblick über</a:t>
             </a:r>
             <a:r>
+              <a:rPr lang="de-DE" i="1" baseline="0" smtClean="0"/>
+              <a:t> die wichtigsten Programmiersprachen. Linien bedeuten dass die obere Programmiersprache die Entwicklung der unteren beeinflusst hat</a:t>
+            </a:r>
+            <a:r>
               <a:rPr lang="de-DE" i="1" baseline="0" dirty="0" smtClean="0"/>
-              <a:t> die wichtigsten Programmiersprachen. Linien bedeuten dass die obere Programmiersprache die Entwicklung der unteren beeinflusst hat.</a:t>
+              <a:t>.</a:t>
             </a:r>
           </a:p>
           <a:p>
@@ -1361,30 +2078,42 @@
           </a:p>
           <a:p>
             <a:r>
-              <a:rPr lang="de-DE" u="sng" baseline="0" dirty="0" smtClean="0"/>
+              <a:rPr lang="de-DE" u="sng" baseline="0" smtClean="0"/>
               <a:t>Prozedural:</a:t>
             </a:r>
             <a:r>
-              <a:rPr lang="de-DE" u="none" baseline="0" dirty="0" smtClean="0"/>
+              <a:rPr lang="de-DE" u="none" baseline="0" smtClean="0"/>
               <a:t> </a:t>
             </a:r>
             <a:r>
+              <a:rPr lang="de-DE" baseline="0" smtClean="0"/>
+              <a:t>Besitzt keine Klassen oder Objekte, kann aber Prozeduren/ Funktionen enthalten</a:t>
+            </a:r>
+            <a:r>
               <a:rPr lang="de-DE" baseline="0" dirty="0" smtClean="0"/>
-              <a:t>Besitzt keine Klassen oder Objekte, kann aber Prozeduren/ Funktionen enthalten.</a:t>
-            </a:r>
-          </a:p>
-          <a:p>
-            <a:r>
-              <a:rPr lang="de-DE" u="sng" baseline="0" dirty="0" smtClean="0"/>
+              <a:t>.</a:t>
+            </a:r>
+          </a:p>
+          <a:p>
+            <a:r>
+              <a:rPr lang="de-DE" u="sng" baseline="0" smtClean="0"/>
               <a:t>Objektorientiert:</a:t>
             </a:r>
             <a:r>
-              <a:rPr lang="de-DE" u="none" baseline="0" dirty="0" smtClean="0"/>
+              <a:rPr lang="de-DE" u="none" baseline="0" smtClean="0"/>
               <a:t> </a:t>
             </a:r>
             <a:r>
+              <a:rPr lang="de-DE" baseline="0" smtClean="0"/>
+              <a:t>Definiert sich durch das Vorhandensein der Konstrukte „Klasse“ und „</a:t>
+            </a:r>
+            <a:r>
               <a:rPr lang="de-DE" baseline="0" dirty="0" smtClean="0"/>
-              <a:t>Definiert sich durch das Vorhandensein der Konstrukte „Klasse“ und „Objekt“.</a:t>
+              <a:t>Objekt</a:t>
+            </a:r>
+            <a:r>
+              <a:rPr lang="de-DE" baseline="0" dirty="0" smtClean="0"/>
+              <a:t>“.</a:t>
             </a:r>
           </a:p>
           <a:p>
@@ -1392,94 +2121,124 @@
           </a:p>
           <a:p>
             <a:r>
+              <a:rPr lang="de-DE" i="1" baseline="0" smtClean="0"/>
+              <a:t>Für etwas höhere Klassen</a:t>
+            </a:r>
+            <a:r>
               <a:rPr lang="de-DE" i="1" baseline="0" dirty="0" smtClean="0"/>
-              <a:t>Für etwas höhere Klassen:</a:t>
-            </a:r>
-          </a:p>
-          <a:p>
+              <a:t>:</a:t>
+            </a:r>
+          </a:p>
+          <a:p>
+            <a:r>
+              <a:rPr lang="de-DE" baseline="0" smtClean="0"/>
+              <a:t>Funktionale und Logische Programmiersprachen sind sog. </a:t>
+            </a:r>
+            <a:r>
+              <a:rPr lang="de-DE" b="1" baseline="0" smtClean="0"/>
+              <a:t>deklarative</a:t>
+            </a:r>
+            <a:r>
+              <a:rPr lang="de-DE" baseline="0" smtClean="0"/>
+              <a:t> Programmiersprachen. Bei diesen sagt man dem Computer genauestens </a:t>
+            </a:r>
+            <a:r>
+              <a:rPr lang="de-DE" b="1" baseline="0" smtClean="0"/>
+              <a:t>was</a:t>
+            </a:r>
+            <a:r>
+              <a:rPr lang="de-DE" baseline="0" smtClean="0"/>
+              <a:t> er berechnen soll, aber </a:t>
+            </a:r>
+            <a:r>
+              <a:rPr lang="de-DE" b="1" baseline="0" smtClean="0"/>
+              <a:t>wie</a:t>
+            </a:r>
+            <a:r>
+              <a:rPr lang="de-DE" baseline="0" smtClean="0"/>
+              <a:t> er es berechnet entscheidet der Computer</a:t>
+            </a:r>
             <a:r>
               <a:rPr lang="de-DE" baseline="0" dirty="0" smtClean="0"/>
-              <a:t>Funktionale und Logische Programmiersprachen sind sog. </a:t>
-            </a:r>
-            <a:r>
-              <a:rPr lang="de-DE" b="1" baseline="0" dirty="0" smtClean="0"/>
-              <a:t>deklarative</a:t>
+              <a:t>.</a:t>
+            </a:r>
+          </a:p>
+          <a:p>
+            <a:r>
+              <a:rPr lang="de-DE" u="sng" baseline="0" smtClean="0"/>
+              <a:t>Funktional:</a:t>
+            </a:r>
+            <a:r>
+              <a:rPr lang="de-DE" baseline="0" smtClean="0"/>
+              <a:t> Basiert auf mathematischen Funktionen</a:t>
+            </a:r>
+            <a:endParaRPr lang="de-DE" baseline="0" dirty="0" smtClean="0"/>
+          </a:p>
+          <a:p>
+            <a:r>
+              <a:rPr lang="de-DE" u="sng" baseline="0" smtClean="0"/>
+              <a:t>Logisch:</a:t>
+            </a:r>
+            <a:r>
+              <a:rPr lang="de-DE" baseline="0" smtClean="0"/>
+              <a:t> Basiert auf mathematischer Logik, muss nicht unbedingt erläutert werden. Im Prinzip, definiert man in der Programmiersprache Wissen, und lässt das Programm von sich aus bestimmte Aussagen auf Wahrheitsgehalt oder Lösungen untersuchen</a:t>
             </a:r>
             <a:r>
               <a:rPr lang="de-DE" baseline="0" dirty="0" smtClean="0"/>
-              <a:t> Programmiersprachen. Bei diesen sagt man dem Computer genauestens </a:t>
-            </a:r>
-            <a:r>
-              <a:rPr lang="de-DE" b="1" baseline="0" dirty="0" smtClean="0"/>
-              <a:t>was</a:t>
+              <a:t>.</a:t>
+            </a:r>
+          </a:p>
+          <a:p>
+            <a:endParaRPr lang="de-DE" dirty="0" smtClean="0"/>
+          </a:p>
+          <a:p>
+            <a:r>
+              <a:rPr lang="de-DE" b="1" i="1" smtClean="0"/>
+              <a:t>Java</a:t>
+            </a:r>
+            <a:r>
+              <a:rPr lang="de-DE" b="1" i="1" smtClean="0"/>
+              <a:t>:</a:t>
+            </a:r>
+            <a:r>
+              <a:rPr lang="de-DE" smtClean="0"/>
+              <a:t> </a:t>
+            </a:r>
+            <a:endParaRPr lang="de-DE" dirty="0" smtClean="0"/>
+          </a:p>
+          <a:p>
+            <a:r>
+              <a:rPr lang="de-DE" smtClean="0"/>
+              <a:t>Ist</a:t>
+            </a:r>
+            <a:r>
+              <a:rPr lang="de-DE" baseline="0" smtClean="0"/>
+              <a:t> eine objektorientierte, imperative Sprache</a:t>
             </a:r>
             <a:r>
               <a:rPr lang="de-DE" baseline="0" dirty="0" smtClean="0"/>
-              <a:t> er berechnen soll, aber </a:t>
-            </a:r>
-            <a:r>
-              <a:rPr lang="de-DE" b="1" baseline="0" dirty="0" smtClean="0"/>
-              <a:t>wie</a:t>
+              <a:t>.</a:t>
+            </a:r>
+          </a:p>
+          <a:p>
+            <a:r>
+              <a:rPr lang="de-DE" baseline="0" smtClean="0"/>
+              <a:t>Imperativ heißt, man drückt mit ihr aus, wie der Computer arbeitet, spezifisch durch die Angabe von aufeinanderfolgenden Befehlen</a:t>
             </a:r>
             <a:r>
               <a:rPr lang="de-DE" baseline="0" dirty="0" smtClean="0"/>
-              <a:t> er es berechnet entscheidet der Computer.</a:t>
-            </a:r>
-          </a:p>
-          <a:p>
-            <a:r>
-              <a:rPr lang="de-DE" u="sng" baseline="0" dirty="0" smtClean="0"/>
-              <a:t>Funktional:</a:t>
+              <a:t>.</a:t>
+            </a:r>
+            <a:endParaRPr lang="de-DE" baseline="0" dirty="0"/>
+          </a:p>
+          <a:p>
+            <a:r>
+              <a:rPr lang="de-DE" baseline="0" smtClean="0"/>
+              <a:t>Zur Objektorientierung kommen wir gleich noch genauer</a:t>
             </a:r>
             <a:r>
               <a:rPr lang="de-DE" baseline="0" dirty="0" smtClean="0"/>
-              <a:t> Basiert auf mathematischen Funktionen</a:t>
-            </a:r>
-          </a:p>
-          <a:p>
-            <a:r>
-              <a:rPr lang="de-DE" u="sng" baseline="0" dirty="0" smtClean="0"/>
-              <a:t>Logisch:</a:t>
-            </a:r>
-            <a:r>
-              <a:rPr lang="de-DE" baseline="0" dirty="0" smtClean="0"/>
-              <a:t> Basiert auf mathematischer Logik, muss nicht unbedingt erläutert werden. Im Prinzip, definiert man in der Programmiersprache Wissen, und lässt das Programm von sich aus bestimmte Aussagen auf Wahrheitsgehalt oder Lösungen untersuchen.</a:t>
-            </a:r>
-          </a:p>
-          <a:p>
-            <a:endParaRPr lang="de-DE" dirty="0" smtClean="0"/>
-          </a:p>
-          <a:p>
-            <a:r>
-              <a:rPr lang="de-DE" b="1" i="1" dirty="0" smtClean="0"/>
-              <a:t>Java:</a:t>
-            </a:r>
-            <a:r>
-              <a:rPr lang="de-DE" dirty="0" smtClean="0"/>
-              <a:t> </a:t>
-            </a:r>
-          </a:p>
-          <a:p>
-            <a:r>
-              <a:rPr lang="de-DE" dirty="0" smtClean="0"/>
-              <a:t>Ist</a:t>
-            </a:r>
-            <a:r>
-              <a:rPr lang="de-DE" baseline="0" dirty="0" smtClean="0"/>
-              <a:t> eine objektorientierte, imperative Sprache.</a:t>
-            </a:r>
-          </a:p>
-          <a:p>
-            <a:r>
-              <a:rPr lang="de-DE" baseline="0" dirty="0" smtClean="0"/>
-              <a:t>Imperativ heißt, man drückt mit ihr aus, wie der Computer arbeitet, spezifisch durch die Angabe von aufeinanderfolgenden Befehlen.</a:t>
-            </a:r>
-            <a:endParaRPr lang="de-DE" baseline="0" dirty="0"/>
-          </a:p>
-          <a:p>
-            <a:r>
-              <a:rPr lang="de-DE" baseline="0" dirty="0" smtClean="0"/>
-              <a:t>Zur Objektorientierung kommen wir gleich noch genauer.</a:t>
+              <a:t>.</a:t>
             </a:r>
           </a:p>
         </p:txBody>
@@ -1565,25 +2324,38 @@
           <a:lstStyle/>
           <a:p>
             <a:r>
-              <a:rPr lang="de-DE" i="1" dirty="0" smtClean="0"/>
+              <a:rPr lang="de-DE" i="1" smtClean="0"/>
               <a:t>Die Themen für</a:t>
             </a:r>
             <a:r>
+              <a:rPr lang="de-DE" i="1" baseline="0" smtClean="0"/>
+              <a:t> den Anfänger-Kurs</a:t>
+            </a:r>
+            <a:r>
               <a:rPr lang="de-DE" i="1" baseline="0" dirty="0" smtClean="0"/>
-              <a:t> den Anfänger-Kurs.</a:t>
-            </a:r>
-          </a:p>
-          <a:p>
+              <a:t>.</a:t>
+            </a:r>
+          </a:p>
+          <a:p>
+            <a:r>
+              <a:rPr lang="de-DE" i="1" baseline="0" smtClean="0"/>
+              <a:t>Die Kids bekommen Aufgaben zu den Bereichen</a:t>
+            </a:r>
             <a:r>
               <a:rPr lang="de-DE" i="1" baseline="0" dirty="0" smtClean="0"/>
-              <a:t>Die Kids bekommen Aufgaben zu den Bereichen:</a:t>
-            </a:r>
-          </a:p>
-          <a:p>
-            <a:r>
-              <a:rPr lang="de-DE" i="1" baseline="0" dirty="0" smtClean="0"/>
-              <a:t>-Einfache Datentypen und Variablen</a:t>
-            </a:r>
+              <a:t>:</a:t>
+            </a:r>
+          </a:p>
+          <a:p>
+            <a:r>
+              <a:rPr lang="de-DE" i="1" baseline="0" smtClean="0"/>
+              <a:t>-</a:t>
+            </a:r>
+            <a:r>
+              <a:rPr lang="de-DE" i="1" baseline="0" smtClean="0"/>
+              <a:t>Einfache Datentypen und Variablen</a:t>
+            </a:r>
+            <a:endParaRPr lang="de-DE" i="1" baseline="0" dirty="0" smtClean="0"/>
           </a:p>
           <a:p>
             <a:r>
@@ -1716,16 +2488,20 @@
           <a:lstStyle/>
           <a:p>
             <a:r>
-              <a:rPr lang="de-DE" i="1" dirty="0" smtClean="0"/>
+              <a:rPr lang="de-DE" i="1" smtClean="0"/>
               <a:t>Überleitung:</a:t>
             </a:r>
             <a:r>
-              <a:rPr lang="de-DE" i="1" baseline="0" dirty="0" smtClean="0"/>
+              <a:rPr lang="de-DE" i="1" baseline="0" smtClean="0"/>
               <a:t> </a:t>
             </a:r>
             <a:r>
+              <a:rPr lang="de-DE" i="0" baseline="0" smtClean="0"/>
+              <a:t>Als erstes schauen wir uns an, was denn überhaupt genau ein Programm ist</a:t>
+            </a:r>
+            <a:r>
               <a:rPr lang="de-DE" i="0" baseline="0" dirty="0" smtClean="0"/>
-              <a:t>Als erstes schauen wir uns an, was denn überhaupt genau ein Programm ist.</a:t>
+              <a:t>.</a:t>
             </a:r>
             <a:endParaRPr lang="de-DE" i="1" baseline="0" dirty="0" smtClean="0"/>
           </a:p>
@@ -1812,27 +2588,41 @@
           <a:lstStyle/>
           <a:p>
             <a:r>
+              <a:rPr lang="de-DE" baseline="0" smtClean="0"/>
+              <a:t>Computer sind dumm und faul, weil sie nichts von allein können und nur genau das tun was man ihnen sagt</a:t>
+            </a:r>
+            <a:r>
               <a:rPr lang="de-DE" baseline="0" dirty="0" smtClean="0"/>
-              <a:t>Computer sind dumm und faul, weil sie nichts von allein können und nur genau das tun was man ihnen sagt.</a:t>
-            </a:r>
-          </a:p>
-          <a:p>
-            <a:r>
-              <a:rPr lang="de-DE" i="1" baseline="0" dirty="0" smtClean="0"/>
-              <a:t>*klick* Bild wird eingeblendet</a:t>
-            </a:r>
-          </a:p>
-          <a:p>
+              <a:t>.</a:t>
+            </a:r>
+          </a:p>
+          <a:p>
+            <a:r>
+              <a:rPr lang="de-DE" i="1" baseline="0" smtClean="0"/>
+              <a:t>*</a:t>
+            </a:r>
+            <a:r>
+              <a:rPr lang="de-DE" i="1" baseline="0" smtClean="0"/>
+              <a:t>klick* Bild wird eingeblendet</a:t>
+            </a:r>
+            <a:endParaRPr lang="de-DE" i="1" baseline="0" dirty="0" smtClean="0"/>
+          </a:p>
+          <a:p>
+            <a:r>
+              <a:rPr lang="de-DE" i="0" baseline="0" smtClean="0"/>
+              <a:t>Allerdings können sie dadurch auch keine menschliche Sprache verstehen</a:t>
+            </a:r>
             <a:r>
               <a:rPr lang="de-DE" i="0" baseline="0" dirty="0" smtClean="0"/>
-              <a:t>Allerdings können sie dadurch auch keine menschliche Sprache verstehen.</a:t>
-            </a:r>
-          </a:p>
-          <a:p>
-            <a:r>
-              <a:rPr lang="de-DE" i="0" baseline="0" dirty="0" smtClean="0"/>
+              <a:t>.</a:t>
+            </a:r>
+          </a:p>
+          <a:p>
+            <a:r>
+              <a:rPr lang="de-DE" i="0" baseline="0" smtClean="0"/>
               <a:t>Deshalb brauchen wir Computerprogramme</a:t>
             </a:r>
+            <a:endParaRPr lang="de-DE" i="0" baseline="0" dirty="0" smtClean="0"/>
           </a:p>
           <a:p>
             <a:pPr marL="0" marR="0" lvl="0" indent="0" algn="l" defTabSz="914400" rtl="0" eaLnBrk="1" fontAlgn="auto" latinLnBrk="0" hangingPunct="1">
@@ -1873,14 +2663,23 @@
               <a:defRPr/>
             </a:pPr>
             <a:r>
-              <a:rPr lang="de-DE" i="1" baseline="0" dirty="0" smtClean="0"/>
-              <a:t>*klick* Text wird eingeblendet</a:t>
-            </a:r>
-          </a:p>
-          <a:p>
+              <a:rPr lang="de-DE" i="1" baseline="0" smtClean="0"/>
+              <a:t>*</a:t>
+            </a:r>
+            <a:r>
+              <a:rPr lang="de-DE" i="1" baseline="0" smtClean="0"/>
+              <a:t>klick* Text wird eingeblendet</a:t>
+            </a:r>
+            <a:endParaRPr lang="de-DE" i="1" baseline="0" dirty="0" smtClean="0"/>
+          </a:p>
+          <a:p>
+            <a:r>
+              <a:rPr lang="de-DE" baseline="0" smtClean="0"/>
+              <a:t>Computerprogramm sind eine Folge von Befehlen die von einem Computer verstehbar sind</a:t>
+            </a:r>
             <a:r>
               <a:rPr lang="de-DE" baseline="0" dirty="0" smtClean="0"/>
-              <a:t>Computerprogramm sind eine Folge von Befehlen die von einem Computer verstehbar sind.</a:t>
+              <a:t>.</a:t>
             </a:r>
           </a:p>
           <a:p>
@@ -1902,14 +2701,23 @@
               <a:defRPr/>
             </a:pPr>
             <a:r>
-              <a:rPr lang="de-DE" i="1" baseline="0" dirty="0" smtClean="0"/>
-              <a:t>*klick* Bild wird eingeblendet</a:t>
-            </a:r>
-          </a:p>
-          <a:p>
+              <a:rPr lang="de-DE" i="1" baseline="0" smtClean="0"/>
+              <a:t>*</a:t>
+            </a:r>
+            <a:r>
+              <a:rPr lang="de-DE" i="1" baseline="0" smtClean="0"/>
+              <a:t>klick* Bild wird eingeblendet</a:t>
+            </a:r>
+            <a:endParaRPr lang="de-DE" i="1" baseline="0" dirty="0" smtClean="0"/>
+          </a:p>
+          <a:p>
+            <a:r>
+              <a:rPr lang="de-DE" baseline="0" smtClean="0"/>
+              <a:t>Das sieht dann in etwa so aus und bedeutet im Endeffekt das gleiche wie das was wir oben in menschlicher Sprache ausgedrückt haben</a:t>
+            </a:r>
             <a:r>
               <a:rPr lang="de-DE" baseline="0" dirty="0" smtClean="0"/>
-              <a:t>Das sieht dann in etwa so aus und bedeutet im Endeffekt das gleiche wie das was wir oben in menschlicher Sprache ausgedrückt haben.</a:t>
+              <a:t>.</a:t>
             </a:r>
           </a:p>
         </p:txBody>
@@ -2079,14 +2887,22 @@
           <a:lstStyle/>
           <a:p>
             <a:r>
+              <a:rPr lang="de-DE" baseline="0" smtClean="0"/>
+              <a:t>Betrachten wir noch einmal die beiden Befehlsfolgen von grade</a:t>
+            </a:r>
+            <a:r>
               <a:rPr lang="de-DE" baseline="0" dirty="0" smtClean="0"/>
-              <a:t>Betrachten wir noch einmal die beiden Befehlsfolgen von grade.</a:t>
-            </a:r>
-          </a:p>
-          <a:p>
+              <a:t>.</a:t>
+            </a:r>
+          </a:p>
+          <a:p>
+            <a:r>
+              <a:rPr lang="de-DE" baseline="0" smtClean="0"/>
+              <a:t>Eine der beiden ist in menschlicher Sprache und eine in der Programmiersprache Java, welche der Computer verstehen kann</a:t>
+            </a:r>
             <a:r>
               <a:rPr lang="de-DE" baseline="0" dirty="0" smtClean="0"/>
-              <a:t>Eine der beiden ist in menschlicher Sprache und eine in der Programmiersprache Java, welche der Computer verstehen kann.</a:t>
+              <a:t>.</a:t>
             </a:r>
           </a:p>
           <a:p>
@@ -2094,34 +2910,42 @@
           </a:p>
           <a:p>
             <a:r>
-              <a:rPr lang="de-DE" u="sng" baseline="0" dirty="0" smtClean="0"/>
+              <a:rPr lang="de-DE" u="sng" baseline="0" smtClean="0"/>
               <a:t>Semantik</a:t>
             </a:r>
             <a:r>
+              <a:rPr lang="de-DE" baseline="0" smtClean="0"/>
+              <a:t> beschreibt die Bedeutung des Programmes</a:t>
+            </a:r>
+            <a:r>
               <a:rPr lang="de-DE" baseline="0" dirty="0" smtClean="0"/>
-              <a:t> beschreibt die Bedeutung des Programmes.</a:t>
-            </a:r>
-          </a:p>
-          <a:p>
+              <a:t>.</a:t>
+            </a:r>
+          </a:p>
+          <a:p>
+            <a:r>
+              <a:rPr lang="de-DE" baseline="0" smtClean="0"/>
+              <a:t>Bezogen auf unsere beiden Befehlsfolgen könnte man also </a:t>
+            </a:r>
+            <a:r>
+              <a:rPr lang="de-DE" b="1" i="0" baseline="0" smtClean="0"/>
+              <a:t>vereinfacht</a:t>
+            </a:r>
+            <a:r>
+              <a:rPr lang="de-DE" baseline="0" smtClean="0"/>
+              <a:t> sagen beide haben </a:t>
+            </a:r>
+            <a:r>
+              <a:rPr lang="de-DE" b="1" i="0" baseline="0" smtClean="0"/>
+              <a:t>ungefähr </a:t>
+            </a:r>
+            <a:r>
+              <a:rPr lang="de-DE" baseline="0" smtClean="0"/>
+              <a:t>die selbe Bedeutung</a:t>
+            </a:r>
             <a:r>
               <a:rPr lang="de-DE" baseline="0" dirty="0" smtClean="0"/>
-              <a:t>Bezogen auf unsere beiden Befehlsfolgen könnte man also </a:t>
-            </a:r>
-            <a:r>
-              <a:rPr lang="de-DE" b="1" i="0" baseline="0" dirty="0" smtClean="0"/>
-              <a:t>vereinfacht</a:t>
-            </a:r>
-            <a:r>
-              <a:rPr lang="de-DE" baseline="0" dirty="0" smtClean="0"/>
-              <a:t> sagen beide haben </a:t>
-            </a:r>
-            <a:r>
-              <a:rPr lang="de-DE" b="1" i="0" baseline="0" dirty="0" smtClean="0"/>
-              <a:t>ungefähr </a:t>
-            </a:r>
-            <a:r>
-              <a:rPr lang="de-DE" baseline="0" dirty="0" smtClean="0"/>
-              <a:t>die selbe Bedeutung.</a:t>
+              <a:t>.</a:t>
             </a:r>
           </a:p>
           <a:p>
@@ -2129,30 +2953,46 @@
           </a:p>
           <a:p>
             <a:r>
-              <a:rPr lang="de-DE" u="sng" baseline="0" dirty="0" smtClean="0"/>
+              <a:rPr lang="de-DE" u="sng" baseline="0" smtClean="0"/>
               <a:t>Syntax</a:t>
             </a:r>
             <a:r>
+              <a:rPr lang="de-DE" u="none" baseline="0" smtClean="0"/>
+              <a:t> hingegen beschreibt die Form des Programmes</a:t>
+            </a:r>
+            <a:r>
               <a:rPr lang="de-DE" u="none" baseline="0" dirty="0" smtClean="0"/>
-              <a:t> hingegen beschreibt die Form des Programmes.</a:t>
-            </a:r>
-          </a:p>
-          <a:p>
+              <a:t>.</a:t>
+            </a:r>
+          </a:p>
+          <a:p>
+            <a:r>
+              <a:rPr lang="de-DE" u="none" baseline="0" smtClean="0"/>
+              <a:t>Also wie es geschrieben ist</a:t>
+            </a:r>
             <a:r>
               <a:rPr lang="de-DE" u="none" baseline="0" dirty="0" smtClean="0"/>
-              <a:t>Also wie es geschrieben ist.</a:t>
-            </a:r>
-          </a:p>
-          <a:p>
+              <a:t>.</a:t>
+            </a:r>
+          </a:p>
+          <a:p>
+            <a:r>
+              <a:rPr lang="de-DE" u="none" baseline="0" smtClean="0"/>
+              <a:t>Diese ist bei den beiden Befehlsfolgen stark unterschiedlich</a:t>
+            </a:r>
             <a:r>
               <a:rPr lang="de-DE" u="none" baseline="0" dirty="0" smtClean="0"/>
-              <a:t>Diese ist bei den beiden Befehlsfolgen stark unterschiedlich.</a:t>
-            </a:r>
-          </a:p>
-          <a:p>
+              <a:t>.</a:t>
+            </a:r>
+          </a:p>
+          <a:p>
+            <a:r>
+              <a:rPr lang="de-DE" u="none" baseline="0" smtClean="0"/>
+              <a:t>Während es für Menschen viele Arten gibt zu sagen das man eine mathematische Variable x mit einem bestimmten Wert hat, gibt es für den Computer nur sehr wenige oder sogar nur eine einzige</a:t>
+            </a:r>
             <a:r>
               <a:rPr lang="de-DE" u="none" baseline="0" dirty="0" smtClean="0"/>
-              <a:t>Während es für Menschen viele Arten gibt zu sagen das man eine mathematische Variable x mit einem bestimmten Wert hat, gibt es für den Computer nur sehr wenige oder sogar nur eine einzige.</a:t>
+              <a:t>.</a:t>
             </a:r>
           </a:p>
           <a:p>
@@ -2160,20 +3000,34 @@
           </a:p>
           <a:p>
             <a:r>
+              <a:rPr lang="de-DE" u="none" baseline="0" smtClean="0"/>
+              <a:t>Dies ist allerdings besonders wichtig, da es so zu keinen Unklarheiten bei der Kommunikation zwischen Mensch und Computer kommen kann</a:t>
+            </a:r>
+            <a:r>
               <a:rPr lang="de-DE" u="none" baseline="0" dirty="0" smtClean="0"/>
-              <a:t>Dies ist allerdings besonders wichtig, da es so zu keinen Unklarheiten bei der Kommunikation zwischen Mensch und Computer kommen kann.</a:t>
-            </a:r>
-          </a:p>
-          <a:p>
-            <a:r>
-              <a:rPr lang="de-DE" i="1" u="none" baseline="0" dirty="0" smtClean="0"/>
-              <a:t>(Und wenn doch, hat der Mensch einen Fehler gemacht </a:t>
+              <a:t>.</a:t>
+            </a:r>
+          </a:p>
+          <a:p>
+            <a:r>
+              <a:rPr lang="de-DE" i="1" u="none" baseline="0" smtClean="0"/>
+              <a:t>(</a:t>
+            </a:r>
+            <a:r>
+              <a:rPr lang="de-DE" i="1" u="none" baseline="0" smtClean="0"/>
+              <a:t>Und wenn doch, hat der Mensch einen Fehler gemacht </a:t>
+            </a:r>
+            <a:r>
+              <a:rPr lang="de-DE" i="1" u="none" baseline="0" smtClean="0">
+                <a:sym typeface="Wingdings" panose="05000000000000000000" pitchFamily="2" charset="2"/>
+              </a:rPr>
+              <a:t></a:t>
             </a:r>
             <a:r>
               <a:rPr lang="de-DE" i="1" u="none" baseline="0" dirty="0" smtClean="0">
                 <a:sym typeface="Wingdings" panose="05000000000000000000" pitchFamily="2" charset="2"/>
               </a:rPr>
-              <a:t>)</a:t>
+              <a:t>)</a:t>
             </a:r>
           </a:p>
         </p:txBody>
@@ -2259,18 +3113,30 @@
           <a:lstStyle/>
           <a:p>
             <a:r>
+              <a:rPr lang="de-DE" i="0" u="none" baseline="0" smtClean="0">
+                <a:sym typeface="Wingdings" panose="05000000000000000000" pitchFamily="2" charset="2"/>
+              </a:rPr>
+              <a:t>Für unseren Kurs heute beschäftigen wir uns aber deutlich mehr mit der Syntax von Java-Programmen</a:t>
+            </a:r>
+            <a:r>
               <a:rPr lang="de-DE" i="0" u="none" baseline="0" dirty="0" smtClean="0">
                 <a:sym typeface="Wingdings" panose="05000000000000000000" pitchFamily="2" charset="2"/>
               </a:rPr>
-              <a:t>Für unseren Kurs heute beschäftigen wir uns aber deutlich mehr mit der Syntax von Java-Programmen,</a:t>
-            </a:r>
-          </a:p>
-          <a:p>
+              <a:t>,</a:t>
+            </a:r>
+          </a:p>
+          <a:p>
+            <a:r>
+              <a:rPr lang="de-DE" i="0" u="none" baseline="0" smtClean="0">
+                <a:sym typeface="Wingdings" panose="05000000000000000000" pitchFamily="2" charset="2"/>
+              </a:rPr>
+              <a:t>also wie genau ihr eure Programme schreiben müsst, damit der Computer sie auch versteht</a:t>
+            </a:r>
             <a:r>
               <a:rPr lang="de-DE" i="0" u="none" baseline="0" dirty="0" smtClean="0">
                 <a:sym typeface="Wingdings" panose="05000000000000000000" pitchFamily="2" charset="2"/>
               </a:rPr>
-              <a:t>also wie genau ihr eure Programme schreiben müsst, damit der Computer sie auch versteht.</a:t>
+              <a:t>.</a:t>
             </a:r>
             <a:endParaRPr lang="de-DE" i="1" u="none" baseline="0" dirty="0" smtClean="0">
               <a:sym typeface="Wingdings" panose="05000000000000000000" pitchFamily="2" charset="2"/>
@@ -2391,7 +3257,7 @@
           <a:p>
             <a:fld id="{82DEAF87-53B6-4B16-83D2-2F0231427512}" type="datetimeFigureOut">
               <a:rPr lang="de-DE" smtClean="0"/>
-              <a:t>10.03.2017</a:t>
+              <a:t>17.03.2017</a:t>
             </a:fld>
             <a:endParaRPr lang="de-DE"/>
           </a:p>
@@ -2608,7 +3474,7 @@
           <a:p>
             <a:fld id="{82DEAF87-53B6-4B16-83D2-2F0231427512}" type="datetimeFigureOut">
               <a:rPr lang="de-DE" smtClean="0"/>
-              <a:t>10.03.2017</a:t>
+              <a:t>17.03.2017</a:t>
             </a:fld>
             <a:endParaRPr lang="de-DE"/>
           </a:p>
@@ -2818,7 +3684,7 @@
           <a:p>
             <a:fld id="{82DEAF87-53B6-4B16-83D2-2F0231427512}" type="datetimeFigureOut">
               <a:rPr lang="de-DE" smtClean="0"/>
-              <a:t>10.03.2017</a:t>
+              <a:t>17.03.2017</a:t>
             </a:fld>
             <a:endParaRPr lang="de-DE"/>
           </a:p>
@@ -3094,7 +3960,7 @@
           <a:p>
             <a:fld id="{82DEAF87-53B6-4B16-83D2-2F0231427512}" type="datetimeFigureOut">
               <a:rPr lang="de-DE" smtClean="0"/>
-              <a:t>10.03.2017</a:t>
+              <a:t>17.03.2017</a:t>
             </a:fld>
             <a:endParaRPr lang="de-DE"/>
           </a:p>
@@ -3377,7 +4243,7 @@
           <a:p>
             <a:fld id="{82DEAF87-53B6-4B16-83D2-2F0231427512}" type="datetimeFigureOut">
               <a:rPr lang="de-DE" smtClean="0"/>
-              <a:t>10.03.2017</a:t>
+              <a:t>17.03.2017</a:t>
             </a:fld>
             <a:endParaRPr lang="de-DE"/>
           </a:p>
@@ -3703,7 +4569,7 @@
           <a:p>
             <a:fld id="{82DEAF87-53B6-4B16-83D2-2F0231427512}" type="datetimeFigureOut">
               <a:rPr lang="de-DE" smtClean="0"/>
-              <a:t>10.03.2017</a:t>
+              <a:t>17.03.2017</a:t>
             </a:fld>
             <a:endParaRPr lang="de-DE"/>
           </a:p>
@@ -4169,7 +5035,7 @@
           <a:p>
             <a:fld id="{82DEAF87-53B6-4B16-83D2-2F0231427512}" type="datetimeFigureOut">
               <a:rPr lang="de-DE" smtClean="0"/>
-              <a:t>10.03.2017</a:t>
+              <a:t>17.03.2017</a:t>
             </a:fld>
             <a:endParaRPr lang="de-DE"/>
           </a:p>
@@ -4319,7 +5185,7 @@
           <a:p>
             <a:fld id="{82DEAF87-53B6-4B16-83D2-2F0231427512}" type="datetimeFigureOut">
               <a:rPr lang="de-DE" smtClean="0"/>
-              <a:t>10.03.2017</a:t>
+              <a:t>17.03.2017</a:t>
             </a:fld>
             <a:endParaRPr lang="de-DE"/>
           </a:p>
@@ -4438,7 +5304,7 @@
           <a:p>
             <a:fld id="{82DEAF87-53B6-4B16-83D2-2F0231427512}" type="datetimeFigureOut">
               <a:rPr lang="de-DE" smtClean="0"/>
-              <a:t>10.03.2017</a:t>
+              <a:t>17.03.2017</a:t>
             </a:fld>
             <a:endParaRPr lang="de-DE"/>
           </a:p>
@@ -4748,7 +5614,7 @@
           <a:p>
             <a:fld id="{82DEAF87-53B6-4B16-83D2-2F0231427512}" type="datetimeFigureOut">
               <a:rPr lang="de-DE" smtClean="0"/>
-              <a:t>10.03.2017</a:t>
+              <a:t>17.03.2017</a:t>
             </a:fld>
             <a:endParaRPr lang="de-DE"/>
           </a:p>
@@ -5034,7 +5900,7 @@
           <a:p>
             <a:fld id="{82DEAF87-53B6-4B16-83D2-2F0231427512}" type="datetimeFigureOut">
               <a:rPr lang="de-DE" smtClean="0"/>
-              <a:t>10.03.2017</a:t>
+              <a:t>17.03.2017</a:t>
             </a:fld>
             <a:endParaRPr lang="de-DE"/>
           </a:p>
@@ -5692,20 +6558,15 @@
               <a:buNone/>
             </a:pPr>
             <a:r>
-              <a:rPr lang="de-DE" sz="2000" dirty="0" smtClean="0">
+              <a:rPr lang="de-DE" sz="2000" smtClean="0">
                 <a:solidFill>
                   <a:schemeClr val="bg1">
                     <a:lumMod val="75000"/>
                   </a:schemeClr>
                 </a:solidFill>
               </a:rPr>
-              <a:t>Was ist ein Programm?</a:t>
-            </a:r>
-          </a:p>
-          <a:p>
-            <a:pPr marL="0" indent="0">
-              <a:buNone/>
-            </a:pPr>
+              <a:t>Was ist ein Programm</a:t>
+            </a:r>
             <a:r>
               <a:rPr lang="de-DE" sz="2000" dirty="0" smtClean="0">
                 <a:solidFill>
@@ -5714,7 +6575,7 @@
                   </a:schemeClr>
                 </a:solidFill>
               </a:rPr>
-              <a:t>Syntax und Semantik</a:t>
+              <a:t>?</a:t>
             </a:r>
           </a:p>
           <a:p>
@@ -5722,44 +6583,90 @@
               <a:buNone/>
             </a:pPr>
             <a:r>
-              <a:rPr lang="de-DE" sz="2000" dirty="0" smtClean="0">
+              <a:rPr lang="de-DE" sz="2000" smtClean="0">
                 <a:solidFill>
                   <a:schemeClr val="bg1">
                     <a:lumMod val="75000"/>
                   </a:schemeClr>
                 </a:solidFill>
               </a:rPr>
-              <a:t>Ein erstes Programm</a:t>
-            </a:r>
+              <a:t>Syntax und Semantik</a:t>
+            </a:r>
+            <a:endParaRPr lang="de-DE" sz="2000" dirty="0" smtClean="0">
+              <a:solidFill>
+                <a:schemeClr val="bg1">
+                  <a:lumMod val="75000"/>
+                </a:schemeClr>
+              </a:solidFill>
+            </a:endParaRPr>
           </a:p>
           <a:p>
             <a:pPr marL="0" indent="0">
               <a:buNone/>
             </a:pPr>
             <a:r>
-              <a:rPr lang="de-DE" sz="2000" dirty="0" smtClean="0">
+              <a:rPr lang="de-DE" sz="2000" smtClean="0">
                 <a:solidFill>
                   <a:schemeClr val="bg1">
                     <a:lumMod val="75000"/>
                   </a:schemeClr>
                 </a:solidFill>
               </a:rPr>
-              <a:t>Einfache Datentypen und Variablen</a:t>
-            </a:r>
+              <a:t>Ein erstes Programm</a:t>
+            </a:r>
+            <a:endParaRPr lang="de-DE" sz="2000" dirty="0" smtClean="0">
+              <a:solidFill>
+                <a:schemeClr val="bg1">
+                  <a:lumMod val="75000"/>
+                </a:schemeClr>
+              </a:solidFill>
+            </a:endParaRPr>
           </a:p>
           <a:p>
             <a:pPr marL="0" indent="0">
               <a:buNone/>
             </a:pPr>
             <a:r>
-              <a:rPr lang="de-DE" sz="2000" dirty="0" smtClean="0">
+              <a:rPr lang="de-DE" sz="2000" smtClean="0">
                 <a:solidFill>
                   <a:schemeClr val="bg1">
                     <a:lumMod val="75000"/>
                   </a:schemeClr>
                 </a:solidFill>
               </a:rPr>
-              <a:t>Abfragen, Schleifen</a:t>
+              <a:t>Primitive Datentypen und Variablen</a:t>
+            </a:r>
+            <a:endParaRPr lang="de-DE" sz="2000" dirty="0" smtClean="0">
+              <a:solidFill>
+                <a:schemeClr val="bg1">
+                  <a:lumMod val="75000"/>
+                </a:schemeClr>
+              </a:solidFill>
+            </a:endParaRPr>
+          </a:p>
+          <a:p>
+            <a:pPr marL="0" indent="0">
+              <a:buNone/>
+            </a:pPr>
+            <a:r>
+              <a:rPr lang="de-DE" sz="2000" err="1" smtClean="0">
+                <a:solidFill>
+                  <a:schemeClr val="bg1">
+                    <a:lumMod val="75000"/>
+                  </a:schemeClr>
+                </a:solidFill>
+              </a:rPr>
+              <a:t>Abfragen</a:t>
+            </a:r>
+            <a:r>
+              <a:rPr lang="de-DE" sz="2000" smtClean="0">
+                <a:solidFill>
+                  <a:schemeClr val="bg1">
+                    <a:lumMod val="75000"/>
+                  </a:schemeClr>
+                </a:solidFill>
+              </a:rPr>
+              <a:t>, Schleifen</a:t>
             </a:r>
             <a:endParaRPr lang="de-DE" sz="2000" dirty="0">
               <a:solidFill>
@@ -5789,7 +6696,7 @@
               <a:buNone/>
             </a:pPr>
             <a:r>
-              <a:rPr lang="de-DE" sz="2000" dirty="0" smtClean="0">
+              <a:rPr lang="de-DE" sz="2000" smtClean="0">
                 <a:solidFill>
                   <a:schemeClr val="bg1">
                     <a:lumMod val="75000"/>
@@ -5798,31 +6705,35 @@
               </a:rPr>
               <a:t>    Klassen und Objekte</a:t>
             </a:r>
+            <a:endParaRPr lang="de-DE" sz="2000" dirty="0" smtClean="0">
+              <a:solidFill>
+                <a:schemeClr val="bg1">
+                  <a:lumMod val="75000"/>
+                </a:schemeClr>
+              </a:solidFill>
+            </a:endParaRPr>
           </a:p>
           <a:p>
             <a:pPr marL="0" indent="0">
               <a:buNone/>
             </a:pPr>
             <a:r>
-              <a:rPr lang="de-DE" sz="2000" dirty="0">
+              <a:rPr lang="de-DE" sz="2000" smtClean="0">
                 <a:solidFill>
                   <a:schemeClr val="bg1">
                     <a:lumMod val="75000"/>
                   </a:schemeClr>
                 </a:solidFill>
               </a:rPr>
-              <a:t> </a:t>
-            </a:r>
-            <a:r>
-              <a:rPr lang="de-DE" sz="2000" dirty="0" smtClean="0">
-                <a:solidFill>
-                  <a:schemeClr val="bg1">
-                    <a:lumMod val="75000"/>
-                  </a:schemeClr>
-                </a:solidFill>
-              </a:rPr>
-              <a:t>   Attribute und Methoden</a:t>
-            </a:r>
+              <a:t>    Attribute und Methoden</a:t>
+            </a:r>
+            <a:endParaRPr lang="de-DE" sz="2000" dirty="0" smtClean="0">
+              <a:solidFill>
+                <a:schemeClr val="bg1">
+                  <a:lumMod val="75000"/>
+                </a:schemeClr>
+              </a:solidFill>
+            </a:endParaRPr>
           </a:p>
           <a:p>
             <a:pPr marL="0" indent="0">
@@ -5851,7 +6762,7 @@
               <a:buNone/>
             </a:pPr>
             <a:r>
-              <a:rPr lang="de-DE" sz="2000" dirty="0" smtClean="0">
+              <a:rPr lang="de-DE" sz="2000" smtClean="0">
                 <a:solidFill>
                   <a:schemeClr val="bg1">
                     <a:lumMod val="75000"/>
@@ -5977,20 +6888,15 @@
               <a:buNone/>
             </a:pPr>
             <a:r>
-              <a:rPr lang="de-DE" sz="2000" dirty="0">
+              <a:rPr lang="de-DE" sz="2000" smtClean="0">
                 <a:solidFill>
                   <a:schemeClr val="bg1">
                     <a:lumMod val="75000"/>
                   </a:schemeClr>
                 </a:solidFill>
               </a:rPr>
-              <a:t>Was ist ein Programm?</a:t>
-            </a:r>
-          </a:p>
-          <a:p>
-            <a:pPr marL="0" indent="0">
-              <a:buNone/>
-            </a:pPr>
+              <a:t>Was ist ein Programm</a:t>
+            </a:r>
             <a:r>
               <a:rPr lang="de-DE" sz="2000" dirty="0">
                 <a:solidFill>
@@ -5999,7 +6905,7 @@
                   </a:schemeClr>
                 </a:solidFill>
               </a:rPr>
-              <a:t>Syntax und Semantik</a:t>
+              <a:t>?</a:t>
             </a:r>
           </a:p>
           <a:p>
@@ -6007,83 +6913,100 @@
               <a:buNone/>
             </a:pPr>
             <a:r>
-              <a:rPr lang="de-DE" sz="2000" b="1" dirty="0"/>
-              <a:t>Ein erstes Programm</a:t>
-            </a:r>
-          </a:p>
-          <a:p>
-            <a:pPr marL="0" indent="0">
-              <a:buNone/>
-            </a:pPr>
-            <a:r>
-              <a:rPr lang="de-DE" sz="2000" dirty="0">
+              <a:rPr lang="de-DE" sz="2000" smtClean="0">
                 <a:solidFill>
                   <a:schemeClr val="bg1">
                     <a:lumMod val="75000"/>
                   </a:schemeClr>
                 </a:solidFill>
               </a:rPr>
-              <a:t>Einfache Datentypen und Variablen</a:t>
-            </a:r>
+              <a:t>Syntax und Semantik</a:t>
+            </a:r>
+            <a:endParaRPr lang="de-DE" sz="2000" dirty="0">
+              <a:solidFill>
+                <a:schemeClr val="bg1">
+                  <a:lumMod val="75000"/>
+                </a:schemeClr>
+              </a:solidFill>
+            </a:endParaRPr>
           </a:p>
           <a:p>
             <a:pPr marL="0" indent="0">
               <a:buNone/>
             </a:pPr>
             <a:r>
-              <a:rPr lang="de-DE" sz="2000" dirty="0">
+              <a:rPr lang="de-DE" sz="2000" b="1" smtClean="0"/>
+              <a:t>Ein erstes Programm</a:t>
+            </a:r>
+            <a:endParaRPr lang="de-DE" sz="2000" b="1" dirty="0"/>
+          </a:p>
+          <a:p>
+            <a:pPr marL="0" indent="0">
+              <a:buNone/>
+            </a:pPr>
+            <a:r>
+              <a:rPr lang="de-DE" sz="2000" smtClean="0">
                 <a:solidFill>
                   <a:schemeClr val="bg1">
                     <a:lumMod val="75000"/>
                   </a:schemeClr>
                 </a:solidFill>
               </a:rPr>
-              <a:t>Abfragen, Schleifen</a:t>
-            </a:r>
+              <a:t>Primitive Datentypen und Variablen</a:t>
+            </a:r>
+            <a:endParaRPr lang="de-DE" sz="2000" dirty="0">
+              <a:solidFill>
+                <a:schemeClr val="bg1">
+                  <a:lumMod val="75000"/>
+                </a:schemeClr>
+              </a:solidFill>
+            </a:endParaRPr>
           </a:p>
           <a:p>
             <a:pPr marL="0" indent="0">
               <a:buNone/>
             </a:pPr>
             <a:r>
-              <a:rPr lang="de-DE" sz="2000" i="1" dirty="0">
+              <a:rPr lang="de-DE" sz="2000" err="1" smtClean="0">
                 <a:solidFill>
                   <a:schemeClr val="bg1">
                     <a:lumMod val="75000"/>
                   </a:schemeClr>
                 </a:solidFill>
               </a:rPr>
-              <a:t>Objektorientierung:</a:t>
-            </a:r>
-          </a:p>
-          <a:p>
-            <a:pPr marL="0" indent="0">
-              <a:buNone/>
-            </a:pPr>
-            <a:r>
-              <a:rPr lang="de-DE" sz="2000" dirty="0">
+              <a:t>Abfragen</a:t>
+            </a:r>
+            <a:r>
+              <a:rPr lang="de-DE" sz="2000" smtClean="0">
                 <a:solidFill>
                   <a:schemeClr val="bg1">
                     <a:lumMod val="75000"/>
                   </a:schemeClr>
                 </a:solidFill>
               </a:rPr>
-              <a:t>    Klassen und Objekte</a:t>
-            </a:r>
+              <a:t>, Schleifen</a:t>
+            </a:r>
+            <a:endParaRPr lang="de-DE" sz="2000" dirty="0">
+              <a:solidFill>
+                <a:schemeClr val="bg1">
+                  <a:lumMod val="75000"/>
+                </a:schemeClr>
+              </a:solidFill>
+            </a:endParaRPr>
           </a:p>
           <a:p>
             <a:pPr marL="0" indent="0">
               <a:buNone/>
             </a:pPr>
             <a:r>
-              <a:rPr lang="de-DE" sz="2000" dirty="0">
+              <a:rPr lang="de-DE" sz="2000" i="1" dirty="0">
                 <a:solidFill>
                   <a:schemeClr val="bg1">
                     <a:lumMod val="75000"/>
                   </a:schemeClr>
                 </a:solidFill>
               </a:rPr>
-              <a:t>    Attribute und Methoden</a:t>
+              <a:t>Objektorientierung:</a:t>
             </a:r>
           </a:p>
           <a:p>
@@ -6091,30 +7014,81 @@
               <a:buNone/>
             </a:pPr>
             <a:r>
-              <a:rPr lang="de-DE" sz="2000" dirty="0">
+              <a:rPr lang="de-DE" sz="2000" smtClean="0">
                 <a:solidFill>
                   <a:schemeClr val="bg1">
                     <a:lumMod val="75000"/>
                   </a:schemeClr>
                 </a:solidFill>
               </a:rPr>
-              <a:t>Namenskonvention</a:t>
-            </a:r>
+              <a:t>    Klassen und Objekte</a:t>
+            </a:r>
+            <a:endParaRPr lang="de-DE" sz="2000" dirty="0">
+              <a:solidFill>
+                <a:schemeClr val="bg1">
+                  <a:lumMod val="75000"/>
+                </a:schemeClr>
+              </a:solidFill>
+            </a:endParaRPr>
           </a:p>
           <a:p>
             <a:pPr marL="0" indent="0">
               <a:buNone/>
             </a:pPr>
             <a:r>
-              <a:rPr lang="de-DE" sz="2000" dirty="0">
+              <a:rPr lang="de-DE" sz="2000" smtClean="0">
                 <a:solidFill>
                   <a:schemeClr val="bg1">
                     <a:lumMod val="75000"/>
                   </a:schemeClr>
                 </a:solidFill>
               </a:rPr>
+              <a:t>    Attribute und Methoden</a:t>
+            </a:r>
+            <a:endParaRPr lang="de-DE" sz="2000" dirty="0">
+              <a:solidFill>
+                <a:schemeClr val="bg1">
+                  <a:lumMod val="75000"/>
+                </a:schemeClr>
+              </a:solidFill>
+            </a:endParaRPr>
+          </a:p>
+          <a:p>
+            <a:pPr marL="0" indent="0">
+              <a:buNone/>
+            </a:pPr>
+            <a:r>
+              <a:rPr lang="de-DE" sz="2000" dirty="0">
+                <a:solidFill>
+                  <a:schemeClr val="bg1">
+                    <a:lumMod val="75000"/>
+                  </a:schemeClr>
+                </a:solidFill>
+              </a:rPr>
+              <a:t>Namenskonvention</a:t>
+            </a:r>
+          </a:p>
+          <a:p>
+            <a:pPr marL="0" indent="0">
+              <a:buNone/>
+            </a:pPr>
+            <a:r>
+              <a:rPr lang="de-DE" sz="2000" smtClean="0">
+                <a:solidFill>
+                  <a:schemeClr val="bg1">
+                    <a:lumMod val="75000"/>
+                  </a:schemeClr>
+                </a:solidFill>
+              </a:rPr>
               <a:t>Strings und Arrays</a:t>
             </a:r>
+            <a:endParaRPr lang="de-DE" sz="2000" dirty="0">
+              <a:solidFill>
+                <a:schemeClr val="bg1">
+                  <a:lumMod val="75000"/>
+                </a:schemeClr>
+              </a:solidFill>
+            </a:endParaRPr>
           </a:p>
         </p:txBody>
       </p:sp>
@@ -6183,7 +7157,7 @@
           <a:lstStyle/>
           <a:p>
             <a:r>
-              <a:rPr lang="de-DE" dirty="0" smtClean="0">
+              <a:rPr lang="de-DE" smtClean="0">
                 <a:solidFill>
                   <a:srgbClr val="831420"/>
                 </a:solidFill>
@@ -6225,16 +7199,21 @@
           </a:p>
           <a:p>
             <a:r>
-              <a:rPr lang="de-DE" sz="2000" dirty="0" smtClean="0"/>
+              <a:rPr lang="de-DE" sz="2000" smtClean="0"/>
               <a:t>Jedes Java-Programm</a:t>
             </a:r>
+            <a:r>
+              <a:rPr lang="de-DE" sz="2000" smtClean="0"/>
+              <a:t/>
+            </a:r>
             <a:br>
-              <a:rPr lang="de-DE" sz="2000" dirty="0" smtClean="0"/>
+              <a:rPr lang="de-DE" sz="2000" smtClean="0"/>
             </a:br>
             <a:r>
-              <a:rPr lang="de-DE" sz="2000" dirty="0" smtClean="0"/>
+              <a:rPr lang="de-DE" sz="2000" smtClean="0"/>
               <a:t>startet gleich</a:t>
             </a:r>
+            <a:endParaRPr lang="de-DE" sz="2000" dirty="0" smtClean="0"/>
           </a:p>
           <a:p>
             <a:endParaRPr lang="de-DE" sz="1600" dirty="0"/>
@@ -6250,54 +7229,30 @@
           </a:p>
           <a:p>
             <a:r>
-              <a:rPr lang="de-DE" sz="2000" dirty="0" smtClean="0"/>
+              <a:rPr lang="de-DE" sz="2000" smtClean="0"/>
               <a:t>Programme starten immer mit den Befehlen zwischen den</a:t>
             </a:r>
+            <a:r>
+              <a:rPr lang="de-DE" sz="2000" smtClean="0"/>
+              <a:t/>
+            </a:r>
             <a:br>
-              <a:rPr lang="de-DE" sz="2000" dirty="0" smtClean="0"/>
+              <a:rPr lang="de-DE" sz="2000" smtClean="0"/>
             </a:br>
             <a:r>
-              <a:rPr lang="de-DE" sz="2000" dirty="0" smtClean="0"/>
+              <a:rPr lang="de-DE" sz="2000" smtClean="0"/>
               <a:t>geschweiften Klammern { … } der</a:t>
             </a:r>
+            <a:r>
+              <a:rPr lang="de-DE" sz="2000" smtClean="0"/>
+              <a:t/>
+            </a:r>
             <a:br>
-              <a:rPr lang="de-DE" sz="2000" dirty="0" smtClean="0"/>
+              <a:rPr lang="de-DE" sz="2000" smtClean="0"/>
             </a:br>
             <a:r>
-              <a:rPr lang="de-DE" sz="2000" i="1" dirty="0" err="1" smtClean="0"/>
-              <a:t>public</a:t>
-            </a:r>
-            <a:r>
-              <a:rPr lang="de-DE" sz="2000" i="1" dirty="0" smtClean="0"/>
-              <a:t> </a:t>
-            </a:r>
-            <a:r>
-              <a:rPr lang="de-DE" sz="2000" i="1" dirty="0" err="1" smtClean="0"/>
-              <a:t>static</a:t>
-            </a:r>
-            <a:r>
-              <a:rPr lang="de-DE" sz="2000" i="1" dirty="0" smtClean="0"/>
-              <a:t> </a:t>
-            </a:r>
-            <a:r>
-              <a:rPr lang="de-DE" sz="2000" i="1" dirty="0" err="1" smtClean="0"/>
-              <a:t>void</a:t>
-            </a:r>
-            <a:r>
-              <a:rPr lang="de-DE" sz="2000" i="1" dirty="0" smtClean="0"/>
-              <a:t> </a:t>
-            </a:r>
-            <a:r>
-              <a:rPr lang="de-DE" sz="2000" i="1" dirty="0" err="1" smtClean="0"/>
-              <a:t>main</a:t>
-            </a:r>
-            <a:r>
-              <a:rPr lang="de-DE" sz="2000" i="1" dirty="0" smtClean="0"/>
-              <a:t>(String[] </a:t>
-            </a:r>
-            <a:r>
-              <a:rPr lang="de-DE" sz="2000" i="1" dirty="0" err="1" smtClean="0"/>
-              <a:t>args</a:t>
+              <a:rPr lang="de-DE" sz="2000" i="1" smtClean="0"/>
+              <a:t>public static void main(String[] args</a:t>
             </a:r>
             <a:r>
               <a:rPr lang="de-DE" sz="2000" i="1" dirty="0" smtClean="0"/>
@@ -6401,7 +7356,7 @@
           <a:lstStyle/>
           <a:p>
             <a:r>
-              <a:rPr lang="de-DE" dirty="0" smtClean="0">
+              <a:rPr lang="de-DE" smtClean="0">
                 <a:solidFill>
                   <a:srgbClr val="831420"/>
                 </a:solidFill>
@@ -6443,53 +7398,72 @@
           </a:p>
           <a:p>
             <a:r>
+              <a:rPr lang="de-DE" sz="2000" smtClean="0"/>
+              <a:t>Dieses Programm</a:t>
+            </a:r>
+            <a:r>
+              <a:rPr lang="de-DE" sz="2000"/>
+              <a:t/>
+            </a:r>
+            <a:br>
+              <a:rPr lang="de-DE" sz="2000"/>
+            </a:br>
+            <a:r>
+              <a:rPr lang="de-DE" sz="2000" smtClean="0"/>
+              <a:t>verbindet sich also erst</a:t>
+            </a:r>
+            <a:r>
+              <a:rPr lang="de-DE" sz="2000" smtClean="0"/>
+              <a:t/>
+            </a:r>
+            <a:br>
+              <a:rPr lang="de-DE" sz="2000" smtClean="0"/>
+            </a:br>
+            <a:r>
+              <a:rPr lang="de-DE" sz="2000" smtClean="0"/>
+              <a:t>zum NAO mit dem Namen</a:t>
+            </a:r>
+            <a:r>
+              <a:rPr lang="de-DE" sz="2000"/>
+              <a:t/>
+            </a:r>
+            <a:br>
+              <a:rPr lang="de-DE" sz="2000"/>
+            </a:br>
+            <a:r>
+              <a:rPr lang="de-DE" sz="2000" smtClean="0"/>
+              <a:t>Jay und lässt ihn dann</a:t>
+            </a:r>
+            <a:r>
               <a:rPr lang="de-DE" sz="2000" dirty="0" smtClean="0"/>
-              <a:t>Dieses Programm</a:t>
-            </a:r>
-            <a:r>
-              <a:rPr lang="de-DE" sz="2000" dirty="0"/>
               <a:t/>
-            </a:r>
-            <a:br>
-              <a:rPr lang="de-DE" sz="2000" dirty="0"/>
-            </a:br>
-            <a:r>
-              <a:rPr lang="de-DE" sz="2000" dirty="0" smtClean="0"/>
-              <a:t>verbindet sich also erst</a:t>
             </a:r>
             <a:br>
               <a:rPr lang="de-DE" sz="2000" dirty="0" smtClean="0"/>
             </a:br>
             <a:r>
+              <a:rPr lang="de-DE" sz="2000" smtClean="0"/>
+              <a:t>„</a:t>
+            </a:r>
+            <a:r>
+              <a:rPr lang="de-DE" sz="2000" smtClean="0"/>
+              <a:t>Hallo zusammen</a:t>
+            </a:r>
+            <a:r>
               <a:rPr lang="de-DE" sz="2000" dirty="0" smtClean="0"/>
-              <a:t>zum NAO mit dem Namen</a:t>
-            </a:r>
-            <a:r>
-              <a:rPr lang="de-DE" sz="2000" dirty="0"/>
+              <a:t>!“</a:t>
+            </a:r>
+            <a:r>
+              <a:rPr lang="de-DE" sz="2000" dirty="0" smtClean="0"/>
               <a:t/>
-            </a:r>
-            <a:br>
-              <a:rPr lang="de-DE" sz="2000" dirty="0"/>
-            </a:br>
-            <a:r>
-              <a:rPr lang="de-DE" sz="2000" dirty="0" smtClean="0"/>
-              <a:t>Jay und lässt ihn dann</a:t>
             </a:r>
             <a:br>
               <a:rPr lang="de-DE" sz="2000" dirty="0" smtClean="0"/>
             </a:br>
             <a:r>
               <a:rPr lang="de-DE" sz="2000" dirty="0" smtClean="0"/>
-              <a:t>„Hallo zusammen“</a:t>
-            </a:r>
-            <a:br>
-              <a:rPr lang="de-DE" sz="2000" dirty="0" smtClean="0"/>
-            </a:br>
-            <a:r>
-              <a:rPr lang="de-DE" sz="2000" dirty="0" smtClean="0"/>
               <a:t>aussprechen</a:t>
             </a:r>
-            <a:endParaRPr lang="de-DE" sz="2000" dirty="0"/>
           </a:p>
         </p:txBody>
       </p:sp>
@@ -6533,13 +7507,13 @@
   <p:clrMapOvr>
     <a:masterClrMapping/>
   </p:clrMapOvr>
-  <mc:AlternateContent xmlns:mc="http://schemas.openxmlformats.org/markup-compatibility/2006">
-    <mc:Choice xmlns:p14="http://schemas.microsoft.com/office/powerpoint/2010/main" Requires="p14">
+  <mc:AlternateContent xmlns:mc="http://schemas.openxmlformats.org/markup-compatibility/2006" xmlns:p14="http://schemas.microsoft.com/office/powerpoint/2010/main">
+    <mc:Choice Requires="p14">
       <p:transition spd="med" p14:dur="700">
         <p:fade/>
       </p:transition>
     </mc:Choice>
-    <mc:Fallback>
+    <mc:Fallback xmlns="">
       <p:transition spd="med">
         <p:fade/>
       </p:transition>
@@ -6630,20 +7604,15 @@
               <a:buNone/>
             </a:pPr>
             <a:r>
-              <a:rPr lang="de-DE" sz="2000" dirty="0">
+              <a:rPr lang="de-DE" sz="2000" smtClean="0">
                 <a:solidFill>
                   <a:schemeClr val="bg1">
                     <a:lumMod val="75000"/>
                   </a:schemeClr>
                 </a:solidFill>
               </a:rPr>
-              <a:t>Was ist ein Programm?</a:t>
-            </a:r>
-          </a:p>
-          <a:p>
-            <a:pPr marL="0" indent="0">
-              <a:buNone/>
-            </a:pPr>
+              <a:t>Was ist ein Programm</a:t>
+            </a:r>
             <a:r>
               <a:rPr lang="de-DE" sz="2000" dirty="0">
                 <a:solidFill>
@@ -6652,7 +7621,7 @@
                   </a:schemeClr>
                 </a:solidFill>
               </a:rPr>
-              <a:t>Syntax und Semantik</a:t>
+              <a:t>?</a:t>
             </a:r>
           </a:p>
           <a:p>
@@ -6660,83 +7629,100 @@
               <a:buNone/>
             </a:pPr>
             <a:r>
-              <a:rPr lang="de-DE" sz="2000" dirty="0">
+              <a:rPr lang="de-DE" sz="2000" smtClean="0">
                 <a:solidFill>
                   <a:schemeClr val="bg1">
                     <a:lumMod val="75000"/>
                   </a:schemeClr>
                 </a:solidFill>
               </a:rPr>
-              <a:t>Ein erstes Programm</a:t>
-            </a:r>
+              <a:t>Syntax und Semantik</a:t>
+            </a:r>
+            <a:endParaRPr lang="de-DE" sz="2000" dirty="0">
+              <a:solidFill>
+                <a:schemeClr val="bg1">
+                  <a:lumMod val="75000"/>
+                </a:schemeClr>
+              </a:solidFill>
+            </a:endParaRPr>
           </a:p>
           <a:p>
             <a:pPr marL="0" indent="0">
               <a:buNone/>
             </a:pPr>
             <a:r>
-              <a:rPr lang="de-DE" sz="2000" b="1" dirty="0"/>
-              <a:t>Einfache Datentypen und Variablen</a:t>
-            </a:r>
-          </a:p>
-          <a:p>
-            <a:pPr marL="0" indent="0">
-              <a:buNone/>
-            </a:pPr>
-            <a:r>
-              <a:rPr lang="de-DE" sz="2000" dirty="0">
+              <a:rPr lang="de-DE" sz="2000" smtClean="0">
                 <a:solidFill>
                   <a:schemeClr val="bg1">
                     <a:lumMod val="75000"/>
                   </a:schemeClr>
                 </a:solidFill>
               </a:rPr>
-              <a:t>Abfragen, Schleifen</a:t>
-            </a:r>
+              <a:t>Ein erstes Programm</a:t>
+            </a:r>
+            <a:endParaRPr lang="de-DE" sz="2000" dirty="0">
+              <a:solidFill>
+                <a:schemeClr val="bg1">
+                  <a:lumMod val="75000"/>
+                </a:schemeClr>
+              </a:solidFill>
+            </a:endParaRPr>
           </a:p>
           <a:p>
             <a:pPr marL="0" indent="0">
               <a:buNone/>
             </a:pPr>
             <a:r>
-              <a:rPr lang="de-DE" sz="2000" i="1" dirty="0">
+              <a:rPr lang="de-DE" sz="2000" b="1" smtClean="0"/>
+              <a:t>Primitive Datentypen und Variablen</a:t>
+            </a:r>
+            <a:endParaRPr lang="de-DE" sz="2000" b="1" dirty="0"/>
+          </a:p>
+          <a:p>
+            <a:pPr marL="0" indent="0">
+              <a:buNone/>
+            </a:pPr>
+            <a:r>
+              <a:rPr lang="de-DE" sz="2000" err="1" smtClean="0">
                 <a:solidFill>
                   <a:schemeClr val="bg1">
                     <a:lumMod val="75000"/>
                   </a:schemeClr>
                 </a:solidFill>
               </a:rPr>
-              <a:t>Objektorientierung:</a:t>
-            </a:r>
-          </a:p>
-          <a:p>
-            <a:pPr marL="0" indent="0">
-              <a:buNone/>
-            </a:pPr>
-            <a:r>
-              <a:rPr lang="de-DE" sz="2000" dirty="0">
+              <a:t>Abfragen</a:t>
+            </a:r>
+            <a:r>
+              <a:rPr lang="de-DE" sz="2000" smtClean="0">
                 <a:solidFill>
                   <a:schemeClr val="bg1">
                     <a:lumMod val="75000"/>
                   </a:schemeClr>
                 </a:solidFill>
               </a:rPr>
-              <a:t>    Klassen und Objekte</a:t>
-            </a:r>
+              <a:t>, Schleifen</a:t>
+            </a:r>
+            <a:endParaRPr lang="de-DE" sz="2000" dirty="0">
+              <a:solidFill>
+                <a:schemeClr val="bg1">
+                  <a:lumMod val="75000"/>
+                </a:schemeClr>
+              </a:solidFill>
+            </a:endParaRPr>
           </a:p>
           <a:p>
             <a:pPr marL="0" indent="0">
               <a:buNone/>
             </a:pPr>
             <a:r>
-              <a:rPr lang="de-DE" sz="2000" dirty="0">
+              <a:rPr lang="de-DE" sz="2000" i="1" dirty="0">
                 <a:solidFill>
                   <a:schemeClr val="bg1">
                     <a:lumMod val="75000"/>
                   </a:schemeClr>
                 </a:solidFill>
               </a:rPr>
-              <a:t>    Attribute und Methoden</a:t>
+              <a:t>Objektorientierung:</a:t>
             </a:r>
           </a:p>
           <a:p>
@@ -6744,30 +7730,81 @@
               <a:buNone/>
             </a:pPr>
             <a:r>
-              <a:rPr lang="de-DE" sz="2000" dirty="0">
+              <a:rPr lang="de-DE" sz="2000" smtClean="0">
                 <a:solidFill>
                   <a:schemeClr val="bg1">
                     <a:lumMod val="75000"/>
                   </a:schemeClr>
                 </a:solidFill>
               </a:rPr>
-              <a:t>Namenskonvention</a:t>
-            </a:r>
+              <a:t>    Klassen und Objekte</a:t>
+            </a:r>
+            <a:endParaRPr lang="de-DE" sz="2000" dirty="0">
+              <a:solidFill>
+                <a:schemeClr val="bg1">
+                  <a:lumMod val="75000"/>
+                </a:schemeClr>
+              </a:solidFill>
+            </a:endParaRPr>
           </a:p>
           <a:p>
             <a:pPr marL="0" indent="0">
               <a:buNone/>
             </a:pPr>
             <a:r>
-              <a:rPr lang="de-DE" sz="2000" dirty="0">
+              <a:rPr lang="de-DE" sz="2000" smtClean="0">
                 <a:solidFill>
                   <a:schemeClr val="bg1">
                     <a:lumMod val="75000"/>
                   </a:schemeClr>
                 </a:solidFill>
               </a:rPr>
+              <a:t>    Attribute und Methoden</a:t>
+            </a:r>
+            <a:endParaRPr lang="de-DE" sz="2000" dirty="0">
+              <a:solidFill>
+                <a:schemeClr val="bg1">
+                  <a:lumMod val="75000"/>
+                </a:schemeClr>
+              </a:solidFill>
+            </a:endParaRPr>
+          </a:p>
+          <a:p>
+            <a:pPr marL="0" indent="0">
+              <a:buNone/>
+            </a:pPr>
+            <a:r>
+              <a:rPr lang="de-DE" sz="2000" dirty="0">
+                <a:solidFill>
+                  <a:schemeClr val="bg1">
+                    <a:lumMod val="75000"/>
+                  </a:schemeClr>
+                </a:solidFill>
+              </a:rPr>
+              <a:t>Namenskonvention</a:t>
+            </a:r>
+          </a:p>
+          <a:p>
+            <a:pPr marL="0" indent="0">
+              <a:buNone/>
+            </a:pPr>
+            <a:r>
+              <a:rPr lang="de-DE" sz="2000" smtClean="0">
+                <a:solidFill>
+                  <a:schemeClr val="bg1">
+                    <a:lumMod val="75000"/>
+                  </a:schemeClr>
+                </a:solidFill>
+              </a:rPr>
               <a:t>Strings und Arrays</a:t>
             </a:r>
+            <a:endParaRPr lang="de-DE" sz="2000" dirty="0">
+              <a:solidFill>
+                <a:schemeClr val="bg1">
+                  <a:lumMod val="75000"/>
+                </a:schemeClr>
+              </a:solidFill>
+            </a:endParaRPr>
           </a:p>
         </p:txBody>
       </p:sp>
@@ -6836,12 +7873,20 @@
           <a:lstStyle/>
           <a:p>
             <a:r>
-              <a:rPr lang="de-DE" dirty="0" smtClean="0">
+              <a:rPr lang="de-DE" smtClean="0">
                 <a:solidFill>
                   <a:srgbClr val="831420"/>
                 </a:solidFill>
               </a:rPr>
-              <a:t>Einfache Datentypen und Variablen</a:t>
+              <a:t>Primitive </a:t>
+            </a:r>
+            <a:r>
+              <a:rPr lang="de-DE" smtClean="0">
+                <a:solidFill>
+                  <a:srgbClr val="831420"/>
+                </a:solidFill>
+              </a:rPr>
+              <a:t>Datentypen und Variablen</a:t>
             </a:r>
             <a:endParaRPr lang="de-DE" dirty="0">
               <a:solidFill>
@@ -6881,55 +7926,58 @@
           </a:p>
           <a:p>
             <a:r>
+              <a:rPr lang="de-DE" sz="2000" smtClean="0"/>
+              <a:t>Wir wollen unser Programm jetzt rechnen lassen</a:t>
+            </a:r>
+            <a:endParaRPr lang="de-DE" sz="2000" dirty="0"/>
+          </a:p>
+          <a:p>
+            <a:endParaRPr lang="de-DE" sz="2000" dirty="0" smtClean="0"/>
+          </a:p>
+          <a:p>
+            <a:r>
+              <a:rPr lang="de-DE" sz="2000" smtClean="0"/>
+              <a:t>Ähnlich wie in der Mathematik brauchen wir dafür </a:t>
+            </a:r>
+            <a:r>
+              <a:rPr lang="de-DE" sz="2000" u="sng" smtClean="0"/>
+              <a:t>Variablen</a:t>
+            </a:r>
+            <a:endParaRPr lang="de-DE" sz="2000" u="sng" dirty="0" smtClean="0"/>
+          </a:p>
+          <a:p>
+            <a:endParaRPr lang="de-DE" sz="2000" u="sng" dirty="0" smtClean="0"/>
+          </a:p>
+          <a:p>
+            <a:r>
+              <a:rPr lang="de-DE" sz="2000" smtClean="0"/>
+              <a:t>In Java hat </a:t>
+            </a:r>
+            <a:r>
+              <a:rPr lang="de-DE" sz="2000" i="1" smtClean="0"/>
+              <a:t>jede</a:t>
+            </a:r>
+            <a:r>
+              <a:rPr lang="de-DE" sz="2000" smtClean="0"/>
+              <a:t> Variable einen </a:t>
+            </a:r>
+            <a:r>
+              <a:rPr lang="de-DE" sz="2000" u="sng" smtClean="0"/>
+              <a:t>Datentypen</a:t>
+            </a:r>
+            <a:endParaRPr lang="de-DE" sz="2000" u="sng" dirty="0"/>
+          </a:p>
+          <a:p>
+            <a:endParaRPr lang="de-DE" sz="2000" u="sng" dirty="0" smtClean="0"/>
+          </a:p>
+          <a:p>
+            <a:r>
+              <a:rPr lang="de-DE" sz="2000" smtClean="0"/>
+              <a:t>Datentypen beschreiben was die Variable für einen Wert enthält</a:t>
+            </a:r>
+            <a:r>
               <a:rPr lang="de-DE" sz="2000" dirty="0" smtClean="0"/>
-              <a:t>Wir </a:t>
-            </a:r>
-            <a:r>
-              <a:rPr lang="de-DE" sz="2000" dirty="0"/>
-              <a:t>wollen unser Programm jetzt rechnen lassen</a:t>
-            </a:r>
-          </a:p>
-          <a:p>
-            <a:endParaRPr lang="de-DE" sz="2000" dirty="0" smtClean="0"/>
-          </a:p>
-          <a:p>
-            <a:r>
-              <a:rPr lang="de-DE" sz="2000" dirty="0" smtClean="0"/>
-              <a:t>Ähnlich wie in der Mathematik brauchen wir dafür </a:t>
-            </a:r>
-            <a:r>
-              <a:rPr lang="de-DE" sz="2000" u="sng" dirty="0" smtClean="0"/>
-              <a:t>Variablen</a:t>
-            </a:r>
-          </a:p>
-          <a:p>
-            <a:endParaRPr lang="de-DE" sz="2000" u="sng" dirty="0" smtClean="0"/>
-          </a:p>
-          <a:p>
-            <a:r>
-              <a:rPr lang="de-DE" sz="2000" dirty="0"/>
-              <a:t>In Java hat </a:t>
-            </a:r>
-            <a:r>
-              <a:rPr lang="de-DE" sz="2000" i="1" dirty="0"/>
-              <a:t>jede</a:t>
-            </a:r>
-            <a:r>
-              <a:rPr lang="de-DE" sz="2000" dirty="0"/>
-              <a:t> Variable einen </a:t>
-            </a:r>
-            <a:r>
-              <a:rPr lang="de-DE" sz="2000" u="sng" dirty="0"/>
-              <a:t>Datentypen</a:t>
-            </a:r>
-          </a:p>
-          <a:p>
-            <a:endParaRPr lang="de-DE" sz="2000" u="sng" dirty="0" smtClean="0"/>
-          </a:p>
-          <a:p>
-            <a:r>
-              <a:rPr lang="de-DE" sz="2000" dirty="0" smtClean="0"/>
-              <a:t>Datentypen beschreiben was die Variable für einen Wert enthält.</a:t>
+              <a:t>.</a:t>
             </a:r>
             <a:endParaRPr lang="de-DE" sz="2000" dirty="0"/>
           </a:p>
@@ -6945,13 +7993,13 @@
   <p:clrMapOvr>
     <a:masterClrMapping/>
   </p:clrMapOvr>
-  <mc:AlternateContent xmlns:mc="http://schemas.openxmlformats.org/markup-compatibility/2006">
-    <mc:Choice xmlns:p14="http://schemas.microsoft.com/office/powerpoint/2010/main" Requires="p14">
+  <mc:AlternateContent xmlns:mc="http://schemas.openxmlformats.org/markup-compatibility/2006" xmlns:p14="http://schemas.microsoft.com/office/powerpoint/2010/main">
+    <mc:Choice Requires="p14">
       <p:transition spd="slow" p14:dur="800">
         <p14:flythrough/>
       </p:transition>
     </mc:Choice>
-    <mc:Fallback>
+    <mc:Fallback xmlns="">
       <p:transition spd="slow">
         <p:fade/>
       </p:transition>
@@ -7000,12 +8048,20 @@
           <a:lstStyle/>
           <a:p>
             <a:r>
-              <a:rPr lang="de-DE" dirty="0" smtClean="0">
+              <a:rPr lang="de-DE" smtClean="0">
                 <a:solidFill>
                   <a:srgbClr val="831420"/>
                 </a:solidFill>
               </a:rPr>
-              <a:t>Einfache Datentypen und Variablen</a:t>
+              <a:t>Primitive </a:t>
+            </a:r>
+            <a:r>
+              <a:rPr lang="de-DE" smtClean="0">
+                <a:solidFill>
+                  <a:srgbClr val="831420"/>
+                </a:solidFill>
+              </a:rPr>
+              <a:t>Datentypen und Variablen</a:t>
             </a:r>
             <a:endParaRPr lang="de-DE" dirty="0">
               <a:solidFill>
@@ -7045,171 +8101,222 @@
           </a:p>
           <a:p>
             <a:r>
-              <a:rPr lang="de-DE" sz="2000" dirty="0" smtClean="0"/>
+              <a:rPr lang="de-DE" sz="2000" smtClean="0"/>
               <a:t> </a:t>
             </a:r>
             <a:r>
-              <a:rPr lang="de-DE" sz="2000" dirty="0" smtClean="0">
-                <a:solidFill>
-                  <a:schemeClr val="accent1"/>
+              <a:rPr lang="de-DE" sz="2000" smtClean="0">
+                <a:solidFill>
+                  <a:schemeClr val="bg1">
+                    <a:lumMod val="50000"/>
+                  </a:schemeClr>
                 </a:solidFill>
               </a:rPr>
               <a:t>x</a:t>
             </a:r>
             <a:r>
-              <a:rPr lang="de-DE" sz="2000" dirty="0" smtClean="0"/>
+              <a:rPr lang="de-DE" sz="2000" smtClean="0"/>
               <a:t> ist der Name der Variable</a:t>
             </a:r>
-          </a:p>
-          <a:p>
-            <a:r>
-              <a:rPr lang="de-DE" sz="2000" dirty="0" smtClean="0"/>
+            <a:endParaRPr lang="de-DE" sz="2000" dirty="0" smtClean="0"/>
+          </a:p>
+          <a:p>
+            <a:r>
+              <a:rPr lang="de-DE" sz="2000" smtClean="0"/>
               <a:t> </a:t>
             </a:r>
             <a:r>
-              <a:rPr lang="de-DE" sz="2000" dirty="0" err="1" smtClean="0">
-                <a:solidFill>
-                  <a:schemeClr val="accent1"/>
+              <a:rPr lang="de-DE" sz="2000" smtClean="0">
+                <a:solidFill>
+                  <a:schemeClr val="tx2"/>
                 </a:solidFill>
               </a:rPr>
               <a:t>int</a:t>
             </a:r>
             <a:r>
-              <a:rPr lang="de-DE" sz="2000" dirty="0" smtClean="0"/>
+              <a:rPr lang="de-DE" sz="2000" smtClean="0"/>
               <a:t> ist der Datentyp</a:t>
             </a:r>
-          </a:p>
-          <a:p>
-            <a:r>
-              <a:rPr lang="de-DE" sz="2000" dirty="0" smtClean="0"/>
+            <a:endParaRPr lang="de-DE" sz="2000" dirty="0" smtClean="0"/>
+          </a:p>
+          <a:p>
+            <a:r>
+              <a:rPr lang="de-DE" sz="2000" smtClean="0"/>
               <a:t> </a:t>
             </a:r>
             <a:r>
-              <a:rPr lang="de-DE" sz="2000" dirty="0" smtClean="0">
-                <a:solidFill>
-                  <a:schemeClr val="accent1"/>
+              <a:rPr lang="de-DE" sz="2000" smtClean="0">
+                <a:solidFill>
+                  <a:schemeClr val="tx2"/>
                 </a:solidFill>
               </a:rPr>
               <a:t>1</a:t>
             </a:r>
             <a:r>
-              <a:rPr lang="de-DE" sz="2000" dirty="0" smtClean="0"/>
+              <a:rPr lang="de-DE" sz="2000" smtClean="0"/>
               <a:t> ist der Wert</a:t>
             </a:r>
-          </a:p>
-          <a:p>
             <a:endParaRPr lang="de-DE" sz="2000" dirty="0" smtClean="0"/>
           </a:p>
           <a:p>
-            <a:r>
-              <a:rPr lang="de-DE" sz="2000" i="1" dirty="0" err="1" smtClean="0"/>
+            <a:endParaRPr lang="de-DE" sz="2000" dirty="0" smtClean="0"/>
+          </a:p>
+          <a:p>
+            <a:r>
+              <a:rPr lang="de-DE" sz="2000" i="1" smtClean="0"/>
+              <a:t> </a:t>
+            </a:r>
+            <a:r>
+              <a:rPr lang="de-DE" sz="2000" i="1" smtClean="0">
+                <a:solidFill>
+                  <a:schemeClr val="tx2"/>
+                </a:solidFill>
+              </a:rPr>
               <a:t>int</a:t>
             </a:r>
             <a:r>
-              <a:rPr lang="de-DE" sz="2000" i="1" dirty="0" smtClean="0"/>
-              <a:t> x;</a:t>
-            </a:r>
-            <a:r>
-              <a:rPr lang="de-DE" sz="2000" dirty="0" smtClean="0"/>
+              <a:rPr lang="de-DE" sz="2000" i="1" smtClean="0"/>
               <a:t> </a:t>
             </a:r>
             <a:r>
-              <a:rPr lang="de-DE" sz="2000" dirty="0"/>
-              <a:t>n</a:t>
-            </a:r>
-            <a:r>
-              <a:rPr lang="de-DE" sz="2000" dirty="0" smtClean="0"/>
-              <a:t>ennt man </a:t>
-            </a:r>
-            <a:r>
-              <a:rPr lang="de-DE" sz="2000" u="sng" dirty="0" smtClean="0"/>
+              <a:rPr lang="de-DE" sz="2000" i="1" smtClean="0">
+                <a:solidFill>
+                  <a:schemeClr val="bg1">
+                    <a:lumMod val="50000"/>
+                  </a:schemeClr>
+                </a:solidFill>
+              </a:rPr>
+              <a:t>x</a:t>
+            </a:r>
+            <a:r>
+              <a:rPr lang="de-DE" sz="2000" i="1" smtClean="0"/>
+              <a:t>;</a:t>
+            </a:r>
+            <a:r>
+              <a:rPr lang="de-DE" sz="2000" smtClean="0"/>
+              <a:t> nennt man </a:t>
+            </a:r>
+            <a:r>
+              <a:rPr lang="de-DE" sz="2000" u="sng" smtClean="0"/>
               <a:t>Deklaration</a:t>
             </a:r>
             <a:r>
-              <a:rPr lang="de-DE" sz="2000" dirty="0" smtClean="0"/>
+              <a:rPr lang="de-DE" sz="2000" smtClean="0"/>
               <a:t> der Variable x</a:t>
             </a:r>
-          </a:p>
-          <a:p>
-            <a:r>
-              <a:rPr lang="de-DE" sz="2000" i="1" dirty="0" smtClean="0"/>
-              <a:t>x = 1;</a:t>
-            </a:r>
-            <a:r>
-              <a:rPr lang="de-DE" sz="2000" dirty="0" smtClean="0"/>
+            <a:endParaRPr lang="de-DE" sz="2000" dirty="0" smtClean="0"/>
+          </a:p>
+          <a:p>
+            <a:r>
+              <a:rPr lang="de-DE" sz="2000" i="1" smtClean="0"/>
               <a:t> </a:t>
             </a:r>
             <a:r>
-              <a:rPr lang="de-DE" sz="2000" dirty="0"/>
-              <a:t>nennt man </a:t>
-            </a:r>
-            <a:r>
-              <a:rPr lang="de-DE" sz="2000" u="sng" dirty="0"/>
-              <a:t>I</a:t>
-            </a:r>
-            <a:r>
-              <a:rPr lang="de-DE" sz="2000" u="sng" dirty="0" smtClean="0"/>
-              <a:t>nitialisierung</a:t>
-            </a:r>
-            <a:r>
-              <a:rPr lang="de-DE" sz="2000" dirty="0" smtClean="0"/>
+              <a:rPr lang="de-DE" sz="2000" i="1" smtClean="0">
+                <a:solidFill>
+                  <a:schemeClr val="bg1">
+                    <a:lumMod val="50000"/>
+                  </a:schemeClr>
+                </a:solidFill>
+              </a:rPr>
+              <a:t>x</a:t>
+            </a:r>
+            <a:r>
+              <a:rPr lang="de-DE" sz="2000" i="1" smtClean="0"/>
+              <a:t> = </a:t>
+            </a:r>
+            <a:r>
+              <a:rPr lang="de-DE" sz="2000" i="1" smtClean="0">
+                <a:solidFill>
+                  <a:schemeClr val="tx2"/>
+                </a:solidFill>
+              </a:rPr>
+              <a:t>1</a:t>
+            </a:r>
+            <a:r>
+              <a:rPr lang="de-DE" sz="2000" i="1" smtClean="0"/>
+              <a:t>;</a:t>
+            </a:r>
+            <a:r>
+              <a:rPr lang="de-DE" sz="2000" smtClean="0"/>
+              <a:t> nennt man </a:t>
+            </a:r>
+            <a:r>
+              <a:rPr lang="de-DE" sz="2000" u="sng" smtClean="0"/>
+              <a:t>Initialisierung</a:t>
+            </a:r>
+            <a:r>
+              <a:rPr lang="de-DE" sz="2000" smtClean="0"/>
+              <a:t> der Variable x</a:t>
+            </a:r>
+            <a:endParaRPr lang="de-DE" sz="2000" dirty="0" smtClean="0"/>
+          </a:p>
+          <a:p>
+            <a:r>
+              <a:rPr lang="de-DE" sz="2000" i="1" smtClean="0"/>
               <a:t> </a:t>
             </a:r>
             <a:r>
-              <a:rPr lang="de-DE" sz="2000" dirty="0"/>
-              <a:t>der Variable </a:t>
-            </a:r>
-            <a:r>
-              <a:rPr lang="de-DE" sz="2000" dirty="0" smtClean="0"/>
+              <a:rPr lang="de-DE" sz="2000" i="1" smtClean="0">
+                <a:solidFill>
+                  <a:schemeClr val="tx2"/>
+                </a:solidFill>
+              </a:rPr>
+              <a:t>int</a:t>
+            </a:r>
+            <a:r>
+              <a:rPr lang="de-DE" sz="2000" i="1" smtClean="0"/>
+              <a:t> </a:t>
+            </a:r>
+            <a:r>
+              <a:rPr lang="de-DE" sz="2000" i="1" smtClean="0">
+                <a:solidFill>
+                  <a:schemeClr val="bg1">
+                    <a:lumMod val="50000"/>
+                  </a:schemeClr>
+                </a:solidFill>
+              </a:rPr>
               <a:t>x</a:t>
             </a:r>
-          </a:p>
-          <a:p>
-            <a:r>
-              <a:rPr lang="de-DE" sz="2000" i="1" dirty="0" err="1"/>
-              <a:t>int</a:t>
-            </a:r>
-            <a:r>
-              <a:rPr lang="de-DE" sz="2000" i="1" dirty="0"/>
-              <a:t> </a:t>
-            </a:r>
-            <a:r>
-              <a:rPr lang="de-DE" sz="2000" i="1" dirty="0" smtClean="0"/>
-              <a:t>x = 1;</a:t>
-            </a:r>
-            <a:r>
-              <a:rPr lang="de-DE" sz="2000" dirty="0" smtClean="0"/>
-              <a:t> </a:t>
-            </a:r>
-            <a:r>
-              <a:rPr lang="de-DE" sz="2000" dirty="0"/>
-              <a:t>nennt man </a:t>
-            </a:r>
-            <a:r>
-              <a:rPr lang="de-DE" sz="2000" u="sng" dirty="0" smtClean="0"/>
+            <a:r>
+              <a:rPr lang="de-DE" sz="2000" i="1" smtClean="0"/>
+              <a:t> = </a:t>
+            </a:r>
+            <a:r>
+              <a:rPr lang="de-DE" sz="2000" i="1" smtClean="0">
+                <a:solidFill>
+                  <a:schemeClr val="tx2"/>
+                </a:solidFill>
+              </a:rPr>
+              <a:t>1</a:t>
+            </a:r>
+            <a:r>
+              <a:rPr lang="de-DE" sz="2000" i="1" smtClean="0"/>
+              <a:t>;</a:t>
+            </a:r>
+            <a:r>
+              <a:rPr lang="de-DE" sz="2000" smtClean="0"/>
+              <a:t> nennt man </a:t>
+            </a:r>
+            <a:r>
+              <a:rPr lang="de-DE" sz="2000" u="sng" smtClean="0"/>
               <a:t>Definition</a:t>
             </a:r>
             <a:r>
-              <a:rPr lang="de-DE" sz="2000" dirty="0" smtClean="0"/>
-              <a:t> </a:t>
-            </a:r>
-            <a:r>
-              <a:rPr lang="de-DE" sz="2000" dirty="0"/>
-              <a:t>der </a:t>
-            </a:r>
-            <a:r>
-              <a:rPr lang="de-DE" sz="2000" dirty="0" smtClean="0"/>
-              <a:t>Variable x</a:t>
-            </a:r>
-          </a:p>
-          <a:p>
+              <a:rPr lang="de-DE" sz="2000" smtClean="0"/>
+              <a:t> der Variable x</a:t>
+            </a:r>
             <a:endParaRPr lang="de-DE" sz="2000" dirty="0" smtClean="0"/>
           </a:p>
           <a:p>
-            <a:r>
-              <a:rPr lang="de-DE" sz="2000" dirty="0" smtClean="0"/>
+            <a:endParaRPr lang="de-DE" sz="2000" dirty="0" smtClean="0"/>
+          </a:p>
+          <a:p>
+            <a:r>
+              <a:rPr lang="de-DE" sz="2000" smtClean="0"/>
               <a:t>Eine Definition ist das gleiche wie eine Deklaration mit Initialisierung</a:t>
             </a:r>
+            <a:endParaRPr lang="de-DE" sz="2000" dirty="0" smtClean="0"/>
           </a:p>
           <a:p>
             <a:endParaRPr lang="de-DE" sz="2000" dirty="0" smtClean="0"/>
@@ -7286,13 +8393,2200 @@
   <p:clrMapOvr>
     <a:masterClrMapping/>
   </p:clrMapOvr>
-  <mc:AlternateContent xmlns:mc="http://schemas.openxmlformats.org/markup-compatibility/2006">
-    <mc:Choice xmlns:p14="http://schemas.microsoft.com/office/powerpoint/2010/main" Requires="p14">
+  <mc:AlternateContent xmlns:mc="http://schemas.openxmlformats.org/markup-compatibility/2006" xmlns:p14="http://schemas.microsoft.com/office/powerpoint/2010/main">
+    <mc:Choice Requires="p14">
       <p:transition spd="slow" p14:dur="800">
         <p14:flythrough/>
       </p:transition>
     </mc:Choice>
-    <mc:Fallback>
+    <mc:Fallback xmlns="">
+      <p:transition spd="slow">
+        <p:fade/>
+      </p:transition>
+    </mc:Fallback>
+  </mc:AlternateContent>
+  <p:timing>
+    <p:tnLst>
+      <p:par>
+        <p:cTn id="1" dur="indefinite" restart="never" nodeType="tmRoot"/>
+      </p:par>
+    </p:tnLst>
+  </p:timing>
+</p:sld>
+</file>
+
+<file path=ppt/slides/slide16.xml><?xml version="1.0" encoding="utf-8"?>
+<p:sld xmlns:a="http://schemas.openxmlformats.org/drawingml/2006/main" xmlns:r="http://schemas.openxmlformats.org/officeDocument/2006/relationships" xmlns:p="http://schemas.openxmlformats.org/presentationml/2006/main">
+  <p:cSld>
+    <p:spTree>
+      <p:nvGrpSpPr>
+        <p:cNvPr id="1" name=""/>
+        <p:cNvGrpSpPr/>
+        <p:nvPr/>
+      </p:nvGrpSpPr>
+      <p:grpSpPr>
+        <a:xfrm>
+          <a:off x="0" y="0"/>
+          <a:ext cx="0" cy="0"/>
+          <a:chOff x="0" y="0"/>
+          <a:chExt cx="0" cy="0"/>
+        </a:xfrm>
+      </p:grpSpPr>
+      <p:sp>
+        <p:nvSpPr>
+          <p:cNvPr id="2" name="Titel 1"/>
+          <p:cNvSpPr>
+            <a:spLocks noGrp="1"/>
+          </p:cNvSpPr>
+          <p:nvPr>
+            <p:ph type="title"/>
+          </p:nvPr>
+        </p:nvSpPr>
+        <p:spPr/>
+        <p:txBody>
+          <a:bodyPr/>
+          <a:lstStyle/>
+          <a:p>
+            <a:r>
+              <a:rPr lang="de-DE" smtClean="0">
+                <a:solidFill>
+                  <a:srgbClr val="831420"/>
+                </a:solidFill>
+              </a:rPr>
+              <a:t>Primitive Datentypen und Variablen</a:t>
+            </a:r>
+            <a:endParaRPr lang="de-DE" dirty="0">
+              <a:solidFill>
+                <a:srgbClr val="831420"/>
+              </a:solidFill>
+            </a:endParaRPr>
+          </a:p>
+        </p:txBody>
+      </p:sp>
+      <p:sp>
+        <p:nvSpPr>
+          <p:cNvPr id="3" name="Inhaltsplatzhalter 2"/>
+          <p:cNvSpPr>
+            <a:spLocks noGrp="1"/>
+          </p:cNvSpPr>
+          <p:nvPr>
+            <p:ph idx="4294967295"/>
+          </p:nvPr>
+        </p:nvSpPr>
+        <p:spPr>
+          <a:xfrm>
+            <a:off x="179512" y="877280"/>
+            <a:ext cx="8496944" cy="4176464"/>
+          </a:xfrm>
+          <a:prstGeom prst="rect">
+            <a:avLst/>
+          </a:prstGeom>
+        </p:spPr>
+        <p:txBody>
+          <a:bodyPr anchor="t"/>
+          <a:lstStyle/>
+          <a:p>
+            <a:r>
+              <a:rPr lang="de-DE" sz="2000" dirty="0" smtClean="0"/>
+              <a:t>Der Datentyp steht immer vor dem Namen der Variable (Syntax)</a:t>
+            </a:r>
+          </a:p>
+          <a:p>
+            <a:endParaRPr lang="de-DE" sz="2000" dirty="0"/>
+          </a:p>
+          <a:p>
+            <a:r>
+              <a:rPr lang="de-DE" sz="2000" dirty="0" smtClean="0"/>
+              <a:t>Primitive Datentypen in Java sind:</a:t>
+            </a:r>
+          </a:p>
+          <a:p>
+            <a:pPr marL="457200" lvl="1" indent="0">
+              <a:buNone/>
+            </a:pPr>
+            <a:r>
+              <a:rPr lang="de-DE" sz="1600" b="1" u="sng" dirty="0" smtClean="0"/>
+              <a:t>Datentyp</a:t>
+            </a:r>
+            <a:r>
+              <a:rPr lang="de-DE" sz="1600" b="1" dirty="0" smtClean="0"/>
+              <a:t>	</a:t>
+            </a:r>
+            <a:r>
+              <a:rPr lang="de-DE" sz="1600" b="1" u="sng" dirty="0" smtClean="0"/>
+              <a:t>Beschreibung</a:t>
+            </a:r>
+            <a:r>
+              <a:rPr lang="de-DE" sz="1600" b="1" dirty="0" smtClean="0"/>
+              <a:t>	</a:t>
+            </a:r>
+            <a:r>
+              <a:rPr lang="de-DE" sz="1600" b="1" u="sng" dirty="0" smtClean="0"/>
+              <a:t>Beispielwerte</a:t>
+            </a:r>
+            <a:r>
+              <a:rPr lang="de-DE" sz="1600" b="1" dirty="0" smtClean="0"/>
+              <a:t>	</a:t>
+            </a:r>
+            <a:r>
+              <a:rPr lang="de-DE" sz="1600" b="1" u="sng" dirty="0" smtClean="0"/>
+              <a:t>Standardwert</a:t>
+            </a:r>
+            <a:endParaRPr lang="de-DE" sz="1600" b="1" u="sng" dirty="0" smtClean="0"/>
+          </a:p>
+          <a:p>
+            <a:pPr marL="457200" lvl="1" indent="0">
+              <a:buNone/>
+            </a:pPr>
+            <a:r>
+              <a:rPr lang="de-DE" sz="1600" dirty="0" err="1" smtClean="0">
+                <a:solidFill>
+                  <a:schemeClr val="tx2"/>
+                </a:solidFill>
+              </a:rPr>
+              <a:t>boolean</a:t>
+            </a:r>
+            <a:r>
+              <a:rPr lang="de-DE" sz="1600" dirty="0" smtClean="0"/>
+              <a:t>	</a:t>
+            </a:r>
+            <a:r>
+              <a:rPr lang="de-DE" sz="1600" i="1" dirty="0" smtClean="0"/>
+              <a:t>Wahrheitswert</a:t>
+            </a:r>
+            <a:r>
+              <a:rPr lang="de-DE" sz="1600" dirty="0" smtClean="0"/>
+              <a:t>	</a:t>
+            </a:r>
+            <a:r>
+              <a:rPr lang="de-DE" sz="1600" dirty="0" err="1" smtClean="0">
+                <a:solidFill>
+                  <a:schemeClr val="tx2"/>
+                </a:solidFill>
+              </a:rPr>
+              <a:t>true</a:t>
+            </a:r>
+            <a:r>
+              <a:rPr lang="de-DE" sz="1600" dirty="0" smtClean="0"/>
+              <a:t> / </a:t>
+            </a:r>
+            <a:r>
+              <a:rPr lang="de-DE" sz="1600" dirty="0" err="1" smtClean="0">
+                <a:solidFill>
+                  <a:schemeClr val="tx2"/>
+                </a:solidFill>
+              </a:rPr>
+              <a:t>false</a:t>
+            </a:r>
+            <a:r>
+              <a:rPr lang="de-DE" sz="1600" dirty="0" smtClean="0"/>
+              <a:t>		</a:t>
+            </a:r>
+            <a:r>
+              <a:rPr lang="de-DE" sz="1600" dirty="0" err="1" smtClean="0">
+                <a:solidFill>
+                  <a:schemeClr val="tx2"/>
+                </a:solidFill>
+              </a:rPr>
+              <a:t>false</a:t>
+            </a:r>
+            <a:endParaRPr lang="de-DE" sz="1600" dirty="0" smtClean="0">
+              <a:solidFill>
+                <a:schemeClr val="tx2"/>
+              </a:solidFill>
+            </a:endParaRPr>
+          </a:p>
+          <a:p>
+            <a:pPr marL="457200" lvl="1" indent="0">
+              <a:buNone/>
+            </a:pPr>
+            <a:r>
+              <a:rPr lang="de-DE" sz="1600" dirty="0" err="1" smtClean="0">
+                <a:solidFill>
+                  <a:schemeClr val="tx2"/>
+                </a:solidFill>
+              </a:rPr>
+              <a:t>char</a:t>
+            </a:r>
+            <a:r>
+              <a:rPr lang="de-DE" sz="1600" dirty="0" smtClean="0"/>
+              <a:t>		</a:t>
+            </a:r>
+            <a:r>
+              <a:rPr lang="de-DE" sz="1600" i="1" dirty="0" smtClean="0"/>
+              <a:t>Einzelnes Zeichen</a:t>
+            </a:r>
+            <a:r>
+              <a:rPr lang="de-DE" sz="1600" dirty="0" smtClean="0"/>
+              <a:t>	‘</a:t>
+            </a:r>
+            <a:r>
+              <a:rPr lang="de-DE" sz="1600" dirty="0">
+                <a:solidFill>
+                  <a:schemeClr val="accent3">
+                    <a:lumMod val="50000"/>
+                  </a:schemeClr>
+                </a:solidFill>
+              </a:rPr>
+              <a:t>a</a:t>
+            </a:r>
+            <a:r>
+              <a:rPr lang="de-DE" sz="1600" dirty="0" smtClean="0"/>
+              <a:t>‘, ‘</a:t>
+            </a:r>
+            <a:r>
+              <a:rPr lang="de-DE" sz="1600" dirty="0" smtClean="0">
+                <a:solidFill>
+                  <a:schemeClr val="accent3">
+                    <a:lumMod val="50000"/>
+                  </a:schemeClr>
+                </a:solidFill>
+              </a:rPr>
+              <a:t>b</a:t>
+            </a:r>
+            <a:r>
+              <a:rPr lang="de-DE" sz="1600" dirty="0" smtClean="0"/>
+              <a:t>‘, ‘</a:t>
+            </a:r>
+            <a:r>
+              <a:rPr lang="de-DE" sz="1600" dirty="0" smtClean="0">
+                <a:solidFill>
+                  <a:schemeClr val="accent3">
+                    <a:lumMod val="50000"/>
+                  </a:schemeClr>
+                </a:solidFill>
+              </a:rPr>
+              <a:t>c</a:t>
+            </a:r>
+            <a:r>
+              <a:rPr lang="de-DE" sz="1600" dirty="0" smtClean="0"/>
+              <a:t>‘, …	‘‘ </a:t>
+            </a:r>
+            <a:r>
+              <a:rPr lang="de-DE" sz="1600" dirty="0" smtClean="0">
+                <a:solidFill>
+                  <a:schemeClr val="bg1">
+                    <a:lumMod val="50000"/>
+                  </a:schemeClr>
+                </a:solidFill>
+              </a:rPr>
+              <a:t>(Leeres Zeichen)</a:t>
+            </a:r>
+            <a:endParaRPr lang="de-DE" sz="1600" dirty="0" smtClean="0">
+              <a:solidFill>
+                <a:schemeClr val="bg1">
+                  <a:lumMod val="50000"/>
+                </a:schemeClr>
+              </a:solidFill>
+            </a:endParaRPr>
+          </a:p>
+          <a:p>
+            <a:pPr marL="457200" lvl="1" indent="0">
+              <a:buNone/>
+            </a:pPr>
+            <a:r>
+              <a:rPr lang="de-DE" sz="1600" dirty="0" err="1" smtClean="0">
+                <a:solidFill>
+                  <a:schemeClr val="tx2"/>
+                </a:solidFill>
+              </a:rPr>
+              <a:t>byte</a:t>
+            </a:r>
+            <a:r>
+              <a:rPr lang="de-DE" sz="1600" dirty="0" smtClean="0"/>
+              <a:t>		</a:t>
+            </a:r>
+            <a:r>
+              <a:rPr lang="de-DE" sz="1600" i="1" dirty="0" smtClean="0"/>
+              <a:t>Ganze Zahl	</a:t>
+            </a:r>
+            <a:r>
+              <a:rPr lang="de-DE" sz="1600" dirty="0" smtClean="0"/>
+              <a:t>	</a:t>
+            </a:r>
+            <a:r>
+              <a:rPr lang="de-DE" sz="1600" dirty="0" smtClean="0">
+                <a:solidFill>
+                  <a:schemeClr val="tx2"/>
+                </a:solidFill>
+              </a:rPr>
+              <a:t>0</a:t>
+            </a:r>
+            <a:r>
+              <a:rPr lang="de-DE" sz="1600" dirty="0" smtClean="0"/>
+              <a:t>,</a:t>
+            </a:r>
+            <a:r>
+              <a:rPr lang="de-DE" sz="1600" dirty="0" smtClean="0">
+                <a:solidFill>
+                  <a:schemeClr val="tx2"/>
+                </a:solidFill>
+              </a:rPr>
+              <a:t>1</a:t>
+            </a:r>
+            <a:r>
+              <a:rPr lang="de-DE" sz="1600" dirty="0" smtClean="0"/>
+              <a:t>,</a:t>
+            </a:r>
+            <a:r>
+              <a:rPr lang="de-DE" sz="1600" dirty="0" smtClean="0">
+                <a:solidFill>
+                  <a:schemeClr val="tx2"/>
+                </a:solidFill>
+              </a:rPr>
+              <a:t>-1</a:t>
+            </a:r>
+            <a:r>
+              <a:rPr lang="de-DE" sz="1600" dirty="0" smtClean="0"/>
+              <a:t>,</a:t>
+            </a:r>
+            <a:r>
+              <a:rPr lang="de-DE" sz="1600" dirty="0" smtClean="0">
+                <a:solidFill>
+                  <a:schemeClr val="tx2"/>
+                </a:solidFill>
+              </a:rPr>
+              <a:t>2</a:t>
+            </a:r>
+            <a:r>
+              <a:rPr lang="de-DE" sz="1600" dirty="0" smtClean="0"/>
+              <a:t>,</a:t>
+            </a:r>
+            <a:r>
+              <a:rPr lang="de-DE" sz="1600" dirty="0" smtClean="0">
+                <a:solidFill>
+                  <a:schemeClr val="tx2"/>
+                </a:solidFill>
+              </a:rPr>
+              <a:t>-2</a:t>
+            </a:r>
+            <a:r>
+              <a:rPr lang="de-DE" sz="1600" dirty="0" smtClean="0"/>
+              <a:t>, …	</a:t>
+            </a:r>
+            <a:r>
+              <a:rPr lang="de-DE" sz="1600" dirty="0" smtClean="0">
+                <a:solidFill>
+                  <a:schemeClr val="tx2"/>
+                </a:solidFill>
+              </a:rPr>
+              <a:t>0</a:t>
+            </a:r>
+          </a:p>
+          <a:p>
+            <a:pPr marL="457200" lvl="1" indent="0">
+              <a:buNone/>
+            </a:pPr>
+            <a:r>
+              <a:rPr lang="de-DE" sz="1600" dirty="0" err="1" smtClean="0">
+                <a:solidFill>
+                  <a:schemeClr val="tx2"/>
+                </a:solidFill>
+              </a:rPr>
+              <a:t>short</a:t>
+            </a:r>
+            <a:r>
+              <a:rPr lang="de-DE" sz="1600" dirty="0" smtClean="0"/>
+              <a:t>	</a:t>
+            </a:r>
+            <a:r>
+              <a:rPr lang="de-DE" sz="1600" dirty="0"/>
+              <a:t>	</a:t>
+            </a:r>
+            <a:r>
+              <a:rPr lang="de-DE" sz="1600" i="1" dirty="0" smtClean="0"/>
+              <a:t>Ganze Zahl	</a:t>
+            </a:r>
+            <a:r>
+              <a:rPr lang="de-DE" sz="1600" dirty="0"/>
+              <a:t>	</a:t>
+            </a:r>
+            <a:r>
+              <a:rPr lang="de-DE" sz="1600" dirty="0">
+                <a:solidFill>
+                  <a:schemeClr val="tx2"/>
+                </a:solidFill>
+              </a:rPr>
+              <a:t>0</a:t>
+            </a:r>
+            <a:r>
+              <a:rPr lang="de-DE" sz="1600" dirty="0"/>
+              <a:t>,</a:t>
+            </a:r>
+            <a:r>
+              <a:rPr lang="de-DE" sz="1600" dirty="0">
+                <a:solidFill>
+                  <a:schemeClr val="tx2"/>
+                </a:solidFill>
+              </a:rPr>
+              <a:t>1</a:t>
+            </a:r>
+            <a:r>
+              <a:rPr lang="de-DE" sz="1600" dirty="0"/>
+              <a:t>,</a:t>
+            </a:r>
+            <a:r>
+              <a:rPr lang="de-DE" sz="1600" dirty="0">
+                <a:solidFill>
+                  <a:schemeClr val="tx2"/>
+                </a:solidFill>
+              </a:rPr>
+              <a:t>-1</a:t>
+            </a:r>
+            <a:r>
+              <a:rPr lang="de-DE" sz="1600" dirty="0"/>
+              <a:t>,</a:t>
+            </a:r>
+            <a:r>
+              <a:rPr lang="de-DE" sz="1600" dirty="0">
+                <a:solidFill>
+                  <a:schemeClr val="tx2"/>
+                </a:solidFill>
+              </a:rPr>
+              <a:t>2</a:t>
+            </a:r>
+            <a:r>
+              <a:rPr lang="de-DE" sz="1600" dirty="0"/>
+              <a:t>,</a:t>
+            </a:r>
+            <a:r>
+              <a:rPr lang="de-DE" sz="1600" dirty="0">
+                <a:solidFill>
+                  <a:schemeClr val="tx2"/>
+                </a:solidFill>
+              </a:rPr>
+              <a:t>-2</a:t>
+            </a:r>
+            <a:r>
+              <a:rPr lang="de-DE" sz="1600" dirty="0" smtClean="0"/>
+              <a:t>, …	</a:t>
+            </a:r>
+            <a:r>
+              <a:rPr lang="de-DE" sz="1600" dirty="0" smtClean="0">
+                <a:solidFill>
+                  <a:schemeClr val="tx2"/>
+                </a:solidFill>
+              </a:rPr>
+              <a:t>0</a:t>
+            </a:r>
+            <a:endParaRPr lang="de-DE" sz="1600" dirty="0" smtClean="0">
+              <a:solidFill>
+                <a:schemeClr val="tx2"/>
+              </a:solidFill>
+            </a:endParaRPr>
+          </a:p>
+          <a:p>
+            <a:pPr marL="457200" lvl="1" indent="0">
+              <a:buNone/>
+            </a:pPr>
+            <a:r>
+              <a:rPr lang="de-DE" sz="1600" dirty="0" err="1" smtClean="0">
+                <a:solidFill>
+                  <a:schemeClr val="tx2"/>
+                </a:solidFill>
+              </a:rPr>
+              <a:t>int</a:t>
+            </a:r>
+            <a:r>
+              <a:rPr lang="de-DE" sz="1600" dirty="0" smtClean="0"/>
+              <a:t>		</a:t>
+            </a:r>
+            <a:r>
+              <a:rPr lang="de-DE" sz="1600" i="1" dirty="0" smtClean="0"/>
+              <a:t>Ganze Zahl	</a:t>
+            </a:r>
+            <a:r>
+              <a:rPr lang="de-DE" sz="1600" dirty="0"/>
+              <a:t>	</a:t>
+            </a:r>
+            <a:r>
+              <a:rPr lang="de-DE" sz="1600" dirty="0">
+                <a:solidFill>
+                  <a:schemeClr val="tx2"/>
+                </a:solidFill>
+              </a:rPr>
+              <a:t>0</a:t>
+            </a:r>
+            <a:r>
+              <a:rPr lang="de-DE" sz="1600" dirty="0"/>
+              <a:t>,</a:t>
+            </a:r>
+            <a:r>
+              <a:rPr lang="de-DE" sz="1600" dirty="0">
+                <a:solidFill>
+                  <a:schemeClr val="tx2"/>
+                </a:solidFill>
+              </a:rPr>
+              <a:t>1</a:t>
+            </a:r>
+            <a:r>
+              <a:rPr lang="de-DE" sz="1600" dirty="0"/>
+              <a:t>,</a:t>
+            </a:r>
+            <a:r>
+              <a:rPr lang="de-DE" sz="1600" dirty="0">
+                <a:solidFill>
+                  <a:schemeClr val="tx2"/>
+                </a:solidFill>
+              </a:rPr>
+              <a:t>-1</a:t>
+            </a:r>
+            <a:r>
+              <a:rPr lang="de-DE" sz="1600" dirty="0"/>
+              <a:t>,</a:t>
+            </a:r>
+            <a:r>
+              <a:rPr lang="de-DE" sz="1600" dirty="0">
+                <a:solidFill>
+                  <a:schemeClr val="tx2"/>
+                </a:solidFill>
+              </a:rPr>
+              <a:t>2</a:t>
+            </a:r>
+            <a:r>
+              <a:rPr lang="de-DE" sz="1600" dirty="0"/>
+              <a:t>,</a:t>
+            </a:r>
+            <a:r>
+              <a:rPr lang="de-DE" sz="1600" dirty="0">
+                <a:solidFill>
+                  <a:schemeClr val="tx2"/>
+                </a:solidFill>
+              </a:rPr>
+              <a:t>-2</a:t>
+            </a:r>
+            <a:r>
+              <a:rPr lang="de-DE" sz="1600" dirty="0" smtClean="0"/>
+              <a:t>, …	</a:t>
+            </a:r>
+            <a:r>
+              <a:rPr lang="de-DE" sz="1600" dirty="0" smtClean="0">
+                <a:solidFill>
+                  <a:schemeClr val="tx2"/>
+                </a:solidFill>
+              </a:rPr>
+              <a:t>0</a:t>
+            </a:r>
+            <a:endParaRPr lang="de-DE" sz="1600" dirty="0">
+              <a:solidFill>
+                <a:schemeClr val="tx2"/>
+              </a:solidFill>
+            </a:endParaRPr>
+          </a:p>
+          <a:p>
+            <a:pPr marL="457200" lvl="1" indent="0">
+              <a:buNone/>
+            </a:pPr>
+            <a:r>
+              <a:rPr lang="de-DE" sz="1600" dirty="0" err="1" smtClean="0">
+                <a:solidFill>
+                  <a:schemeClr val="tx2"/>
+                </a:solidFill>
+              </a:rPr>
+              <a:t>long</a:t>
+            </a:r>
+            <a:r>
+              <a:rPr lang="de-DE" sz="1600" dirty="0" smtClean="0"/>
+              <a:t>	</a:t>
+            </a:r>
+            <a:r>
+              <a:rPr lang="de-DE" sz="1600" dirty="0"/>
+              <a:t>	</a:t>
+            </a:r>
+            <a:r>
+              <a:rPr lang="de-DE" sz="1600" i="1" dirty="0" smtClean="0"/>
+              <a:t>Ganze Zahl	</a:t>
+            </a:r>
+            <a:r>
+              <a:rPr lang="de-DE" sz="1600" dirty="0"/>
+              <a:t>	</a:t>
+            </a:r>
+            <a:r>
+              <a:rPr lang="de-DE" sz="1600" dirty="0">
+                <a:solidFill>
+                  <a:schemeClr val="tx2"/>
+                </a:solidFill>
+              </a:rPr>
+              <a:t>0</a:t>
+            </a:r>
+            <a:r>
+              <a:rPr lang="de-DE" sz="1600" dirty="0"/>
+              <a:t>,</a:t>
+            </a:r>
+            <a:r>
+              <a:rPr lang="de-DE" sz="1600" dirty="0">
+                <a:solidFill>
+                  <a:schemeClr val="tx2"/>
+                </a:solidFill>
+              </a:rPr>
+              <a:t>1</a:t>
+            </a:r>
+            <a:r>
+              <a:rPr lang="de-DE" sz="1600" dirty="0"/>
+              <a:t>,</a:t>
+            </a:r>
+            <a:r>
+              <a:rPr lang="de-DE" sz="1600" dirty="0">
+                <a:solidFill>
+                  <a:schemeClr val="tx2"/>
+                </a:solidFill>
+              </a:rPr>
+              <a:t>-1</a:t>
+            </a:r>
+            <a:r>
+              <a:rPr lang="de-DE" sz="1600" dirty="0"/>
+              <a:t>,</a:t>
+            </a:r>
+            <a:r>
+              <a:rPr lang="de-DE" sz="1600" dirty="0">
+                <a:solidFill>
+                  <a:schemeClr val="tx2"/>
+                </a:solidFill>
+              </a:rPr>
+              <a:t>2</a:t>
+            </a:r>
+            <a:r>
+              <a:rPr lang="de-DE" sz="1600" dirty="0"/>
+              <a:t>,</a:t>
+            </a:r>
+            <a:r>
+              <a:rPr lang="de-DE" sz="1600" dirty="0">
+                <a:solidFill>
+                  <a:schemeClr val="tx2"/>
+                </a:solidFill>
+              </a:rPr>
+              <a:t>-2</a:t>
+            </a:r>
+            <a:r>
+              <a:rPr lang="de-DE" sz="1600" dirty="0" smtClean="0"/>
+              <a:t>, …	</a:t>
+            </a:r>
+            <a:r>
+              <a:rPr lang="de-DE" sz="1600" dirty="0" smtClean="0">
+                <a:solidFill>
+                  <a:schemeClr val="tx2"/>
+                </a:solidFill>
+              </a:rPr>
+              <a:t>0</a:t>
+            </a:r>
+            <a:endParaRPr lang="de-DE" sz="1600" dirty="0" smtClean="0">
+              <a:solidFill>
+                <a:schemeClr val="tx2"/>
+              </a:solidFill>
+            </a:endParaRPr>
+          </a:p>
+          <a:p>
+            <a:pPr marL="457200" lvl="1" indent="0">
+              <a:buNone/>
+            </a:pPr>
+            <a:r>
+              <a:rPr lang="de-DE" sz="1600" dirty="0" err="1" smtClean="0">
+                <a:solidFill>
+                  <a:schemeClr val="tx2"/>
+                </a:solidFill>
+              </a:rPr>
+              <a:t>float</a:t>
+            </a:r>
+            <a:r>
+              <a:rPr lang="de-DE" sz="1600" dirty="0" smtClean="0"/>
+              <a:t>	</a:t>
+            </a:r>
+            <a:r>
+              <a:rPr lang="de-DE" sz="1600" dirty="0"/>
+              <a:t>	</a:t>
+            </a:r>
+            <a:r>
+              <a:rPr lang="de-DE" sz="1600" i="1" dirty="0" smtClean="0"/>
+              <a:t>Kommazahl</a:t>
+            </a:r>
+            <a:r>
+              <a:rPr lang="de-DE" sz="1600" dirty="0" smtClean="0"/>
+              <a:t>	</a:t>
+            </a:r>
+            <a:r>
+              <a:rPr lang="de-DE" sz="1600" dirty="0" smtClean="0">
+                <a:solidFill>
+                  <a:schemeClr val="tx2"/>
+                </a:solidFill>
+              </a:rPr>
+              <a:t>0.1</a:t>
+            </a:r>
+            <a:r>
+              <a:rPr lang="de-DE" sz="1600" dirty="0" smtClean="0"/>
+              <a:t>,</a:t>
+            </a:r>
+            <a:r>
+              <a:rPr lang="de-DE" sz="1600" dirty="0" smtClean="0">
+                <a:solidFill>
+                  <a:schemeClr val="tx2"/>
+                </a:solidFill>
+              </a:rPr>
+              <a:t>-0.2</a:t>
+            </a:r>
+            <a:r>
+              <a:rPr lang="de-DE" sz="1600" dirty="0" smtClean="0"/>
+              <a:t>,</a:t>
+            </a:r>
+            <a:r>
+              <a:rPr lang="de-DE" sz="1600" dirty="0" smtClean="0">
+                <a:solidFill>
+                  <a:schemeClr val="tx2"/>
+                </a:solidFill>
+              </a:rPr>
+              <a:t>0.01</a:t>
+            </a:r>
+            <a:r>
+              <a:rPr lang="de-DE" sz="1600" dirty="0" smtClean="0"/>
+              <a:t>, …	</a:t>
+            </a:r>
+            <a:r>
+              <a:rPr lang="de-DE" sz="1600" dirty="0" smtClean="0">
+                <a:solidFill>
+                  <a:schemeClr val="tx2"/>
+                </a:solidFill>
+              </a:rPr>
+              <a:t>0.0</a:t>
+            </a:r>
+          </a:p>
+          <a:p>
+            <a:pPr marL="457200" lvl="1" indent="0">
+              <a:buNone/>
+            </a:pPr>
+            <a:r>
+              <a:rPr lang="de-DE" sz="1600" dirty="0" smtClean="0">
+                <a:solidFill>
+                  <a:schemeClr val="tx2"/>
+                </a:solidFill>
+              </a:rPr>
+              <a:t>double</a:t>
+            </a:r>
+            <a:r>
+              <a:rPr lang="de-DE" sz="1600" dirty="0"/>
+              <a:t>	</a:t>
+            </a:r>
+            <a:r>
+              <a:rPr lang="de-DE" sz="1600" i="1" dirty="0" smtClean="0"/>
+              <a:t>Kommazahl</a:t>
+            </a:r>
+            <a:r>
+              <a:rPr lang="de-DE" sz="1600" dirty="0"/>
+              <a:t>	</a:t>
+            </a:r>
+            <a:r>
+              <a:rPr lang="de-DE" sz="1600" dirty="0">
+                <a:solidFill>
+                  <a:schemeClr val="tx2"/>
+                </a:solidFill>
+              </a:rPr>
+              <a:t>0.1</a:t>
+            </a:r>
+            <a:r>
+              <a:rPr lang="de-DE" sz="1600" dirty="0"/>
+              <a:t>,</a:t>
+            </a:r>
+            <a:r>
+              <a:rPr lang="de-DE" sz="1600" dirty="0">
+                <a:solidFill>
+                  <a:schemeClr val="tx2"/>
+                </a:solidFill>
+              </a:rPr>
+              <a:t>-0.2</a:t>
+            </a:r>
+            <a:r>
+              <a:rPr lang="de-DE" sz="1600" dirty="0"/>
+              <a:t>,</a:t>
+            </a:r>
+            <a:r>
+              <a:rPr lang="de-DE" sz="1600" dirty="0">
+                <a:solidFill>
+                  <a:schemeClr val="tx2"/>
+                </a:solidFill>
+              </a:rPr>
+              <a:t>0.01</a:t>
+            </a:r>
+            <a:r>
+              <a:rPr lang="de-DE" sz="1600" dirty="0" smtClean="0"/>
+              <a:t>, …	</a:t>
+            </a:r>
+            <a:r>
+              <a:rPr lang="de-DE" sz="1600" dirty="0" smtClean="0">
+                <a:solidFill>
+                  <a:schemeClr val="tx2"/>
+                </a:solidFill>
+              </a:rPr>
+              <a:t>0.0</a:t>
+            </a:r>
+            <a:endParaRPr lang="de-DE" sz="1600" dirty="0" smtClean="0">
+              <a:solidFill>
+                <a:schemeClr val="tx2"/>
+              </a:solidFill>
+            </a:endParaRPr>
+          </a:p>
+        </p:txBody>
+      </p:sp>
+    </p:spTree>
+    <p:extLst>
+      <p:ext uri="{BB962C8B-B14F-4D97-AF65-F5344CB8AC3E}">
+        <p14:creationId xmlns:p14="http://schemas.microsoft.com/office/powerpoint/2010/main" val="328645617"/>
+      </p:ext>
+    </p:extLst>
+  </p:cSld>
+  <p:clrMapOvr>
+    <a:masterClrMapping/>
+  </p:clrMapOvr>
+  <mc:AlternateContent xmlns:mc="http://schemas.openxmlformats.org/markup-compatibility/2006" xmlns:p14="http://schemas.microsoft.com/office/powerpoint/2010/main">
+    <mc:Choice Requires="p14">
+      <p:transition spd="slow" p14:dur="800">
+        <p14:flythrough/>
+      </p:transition>
+    </mc:Choice>
+    <mc:Fallback xmlns="">
+      <p:transition spd="slow">
+        <p:fade/>
+      </p:transition>
+    </mc:Fallback>
+  </mc:AlternateContent>
+  <p:timing>
+    <p:tnLst>
+      <p:par>
+        <p:cTn id="1" dur="indefinite" restart="never" nodeType="tmRoot"/>
+      </p:par>
+    </p:tnLst>
+  </p:timing>
+</p:sld>
+</file>
+
+<file path=ppt/slides/slide17.xml><?xml version="1.0" encoding="utf-8"?>
+<p:sld xmlns:a="http://schemas.openxmlformats.org/drawingml/2006/main" xmlns:r="http://schemas.openxmlformats.org/officeDocument/2006/relationships" xmlns:p="http://schemas.openxmlformats.org/presentationml/2006/main">
+  <p:cSld>
+    <p:spTree>
+      <p:nvGrpSpPr>
+        <p:cNvPr id="1" name=""/>
+        <p:cNvGrpSpPr/>
+        <p:nvPr/>
+      </p:nvGrpSpPr>
+      <p:grpSpPr>
+        <a:xfrm>
+          <a:off x="0" y="0"/>
+          <a:ext cx="0" cy="0"/>
+          <a:chOff x="0" y="0"/>
+          <a:chExt cx="0" cy="0"/>
+        </a:xfrm>
+      </p:grpSpPr>
+      <p:sp>
+        <p:nvSpPr>
+          <p:cNvPr id="2" name="Titel 1"/>
+          <p:cNvSpPr>
+            <a:spLocks noGrp="1"/>
+          </p:cNvSpPr>
+          <p:nvPr>
+            <p:ph type="title"/>
+          </p:nvPr>
+        </p:nvSpPr>
+        <p:spPr/>
+        <p:txBody>
+          <a:bodyPr/>
+          <a:lstStyle/>
+          <a:p>
+            <a:r>
+              <a:rPr lang="de-DE" smtClean="0">
+                <a:solidFill>
+                  <a:srgbClr val="831420"/>
+                </a:solidFill>
+              </a:rPr>
+              <a:t>Exkurs: Zahlen aus Sicht des Computers</a:t>
+            </a:r>
+            <a:endParaRPr lang="de-DE" dirty="0">
+              <a:solidFill>
+                <a:srgbClr val="831420"/>
+              </a:solidFill>
+            </a:endParaRPr>
+          </a:p>
+        </p:txBody>
+      </p:sp>
+      <p:sp>
+        <p:nvSpPr>
+          <p:cNvPr id="3" name="Inhaltsplatzhalter 2"/>
+          <p:cNvSpPr>
+            <a:spLocks noGrp="1"/>
+          </p:cNvSpPr>
+          <p:nvPr>
+            <p:ph idx="4294967295"/>
+          </p:nvPr>
+        </p:nvSpPr>
+        <p:spPr>
+          <a:xfrm>
+            <a:off x="179512" y="877280"/>
+            <a:ext cx="8496944" cy="4176464"/>
+          </a:xfrm>
+          <a:prstGeom prst="rect">
+            <a:avLst/>
+          </a:prstGeom>
+        </p:spPr>
+        <p:txBody>
+          <a:bodyPr anchor="t"/>
+          <a:lstStyle/>
+          <a:p>
+            <a:endParaRPr lang="de-DE" sz="2000" dirty="0" smtClean="0"/>
+          </a:p>
+          <a:p>
+            <a:r>
+              <a:rPr lang="de-DE" sz="2000" dirty="0" smtClean="0"/>
+              <a:t>Computer speichern alles in Nullen und Einsen</a:t>
+            </a:r>
+            <a:endParaRPr lang="de-DE" sz="2000" dirty="0"/>
+          </a:p>
+          <a:p>
+            <a:endParaRPr lang="de-DE" sz="2000" dirty="0" smtClean="0"/>
+          </a:p>
+          <a:p>
+            <a:r>
+              <a:rPr lang="de-DE" sz="2000" dirty="0" smtClean="0"/>
+              <a:t>Eine einzelne Null oder Eins nennt man </a:t>
+            </a:r>
+            <a:r>
+              <a:rPr lang="de-DE" sz="2000" u="sng" dirty="0" smtClean="0"/>
+              <a:t>Bit</a:t>
+            </a:r>
+          </a:p>
+          <a:p>
+            <a:pPr lvl="1"/>
+            <a:r>
+              <a:rPr lang="de-DE" sz="1600" dirty="0" smtClean="0"/>
+              <a:t>Ein Bit speichert also zwei Werte (0 oder 1 / Falsch oder Wahr)</a:t>
+            </a:r>
+            <a:endParaRPr lang="de-DE" sz="2000" dirty="0"/>
+          </a:p>
+          <a:p>
+            <a:endParaRPr lang="de-DE" sz="2000" dirty="0" smtClean="0"/>
+          </a:p>
+          <a:p>
+            <a:r>
+              <a:rPr lang="de-DE" sz="2000" dirty="0" smtClean="0"/>
+              <a:t>Wie viele Werte kann man in zwei Bits speichern? Wie viele in 8?</a:t>
+            </a:r>
+          </a:p>
+          <a:p>
+            <a:pPr lvl="1"/>
+            <a:r>
+              <a:rPr lang="de-DE" sz="1600" dirty="0" smtClean="0"/>
+              <a:t>Zwei Bits speichern vier Werte (2*2)</a:t>
+            </a:r>
+            <a:endParaRPr lang="de-DE" sz="2000" dirty="0" smtClean="0"/>
+          </a:p>
+          <a:p>
+            <a:endParaRPr lang="de-DE" sz="2000" dirty="0" smtClean="0"/>
+          </a:p>
+          <a:p>
+            <a:r>
+              <a:rPr lang="de-DE" sz="2000" dirty="0" smtClean="0"/>
+              <a:t>8 Bits nennt man 1 Byte und speichert 2</a:t>
+            </a:r>
+            <a:r>
+              <a:rPr lang="de-DE" sz="2000" baseline="30000" dirty="0" smtClean="0"/>
+              <a:t>8</a:t>
+            </a:r>
+            <a:r>
+              <a:rPr lang="de-DE" sz="2000" dirty="0" smtClean="0"/>
+              <a:t> = 256 Werte</a:t>
+            </a:r>
+          </a:p>
+          <a:p>
+            <a:pPr lvl="1"/>
+            <a:r>
+              <a:rPr lang="de-DE" sz="1600" dirty="0" smtClean="0"/>
+              <a:t>Java speichert grundsätzlich alles in Bytes und nicht in Bits!</a:t>
+            </a:r>
+            <a:endParaRPr lang="de-DE" sz="1600" dirty="0"/>
+          </a:p>
+        </p:txBody>
+      </p:sp>
+    </p:spTree>
+    <p:extLst>
+      <p:ext uri="{BB962C8B-B14F-4D97-AF65-F5344CB8AC3E}">
+        <p14:creationId xmlns:p14="http://schemas.microsoft.com/office/powerpoint/2010/main" val="2293035642"/>
+      </p:ext>
+    </p:extLst>
+  </p:cSld>
+  <p:clrMapOvr>
+    <a:masterClrMapping/>
+  </p:clrMapOvr>
+  <mc:AlternateContent xmlns:mc="http://schemas.openxmlformats.org/markup-compatibility/2006" xmlns:p14="http://schemas.microsoft.com/office/powerpoint/2010/main">
+    <mc:Choice Requires="p14">
+      <p:transition spd="slow" p14:dur="800">
+        <p14:flythrough/>
+      </p:transition>
+    </mc:Choice>
+    <mc:Fallback xmlns="">
+      <p:transition spd="slow">
+        <p:fade/>
+      </p:transition>
+    </mc:Fallback>
+  </mc:AlternateContent>
+  <p:timing>
+    <p:tnLst>
+      <p:par>
+        <p:cTn id="1" dur="indefinite" restart="never" nodeType="tmRoot">
+          <p:childTnLst>
+            <p:seq concurrent="1" nextAc="seek">
+              <p:cTn id="2" dur="indefinite" nodeType="mainSeq">
+                <p:childTnLst>
+                  <p:par>
+                    <p:cTn id="3" fill="hold">
+                      <p:stCondLst>
+                        <p:cond delay="indefinite"/>
+                      </p:stCondLst>
+                      <p:childTnLst>
+                        <p:par>
+                          <p:cTn id="4" fill="hold">
+                            <p:stCondLst>
+                              <p:cond delay="0"/>
+                            </p:stCondLst>
+                            <p:childTnLst>
+                              <p:par>
+                                <p:cTn id="5" presetID="10" presetClass="entr" presetSubtype="0" fill="hold" nodeType="clickEffect">
+                                  <p:stCondLst>
+                                    <p:cond delay="0"/>
+                                  </p:stCondLst>
+                                  <p:childTnLst>
+                                    <p:set>
+                                      <p:cBhvr>
+                                        <p:cTn id="6" dur="1" fill="hold">
+                                          <p:stCondLst>
+                                            <p:cond delay="0"/>
+                                          </p:stCondLst>
+                                        </p:cTn>
+                                        <p:tgtEl>
+                                          <p:spTgt spid="3">
+                                            <p:txEl>
+                                              <p:pRg st="7" end="7"/>
+                                            </p:txEl>
+                                          </p:spTgt>
+                                        </p:tgtEl>
+                                        <p:attrNameLst>
+                                          <p:attrName>style.visibility</p:attrName>
+                                        </p:attrNameLst>
+                                      </p:cBhvr>
+                                      <p:to>
+                                        <p:strVal val="visible"/>
+                                      </p:to>
+                                    </p:set>
+                                    <p:animEffect transition="in" filter="fade">
+                                      <p:cBhvr>
+                                        <p:cTn id="7" dur="500"/>
+                                        <p:tgtEl>
+                                          <p:spTgt spid="3">
+                                            <p:txEl>
+                                              <p:pRg st="7" end="7"/>
+                                            </p:txEl>
+                                          </p:spTgt>
+                                        </p:tgtEl>
+                                      </p:cBhvr>
+                                    </p:animEffect>
+                                  </p:childTnLst>
+                                </p:cTn>
+                              </p:par>
+                              <p:par>
+                                <p:cTn id="8" presetID="10" presetClass="entr" presetSubtype="0" fill="hold" nodeType="withEffect">
+                                  <p:stCondLst>
+                                    <p:cond delay="0"/>
+                                  </p:stCondLst>
+                                  <p:childTnLst>
+                                    <p:set>
+                                      <p:cBhvr>
+                                        <p:cTn id="9" dur="1" fill="hold">
+                                          <p:stCondLst>
+                                            <p:cond delay="0"/>
+                                          </p:stCondLst>
+                                        </p:cTn>
+                                        <p:tgtEl>
+                                          <p:spTgt spid="3">
+                                            <p:txEl>
+                                              <p:pRg st="9" end="9"/>
+                                            </p:txEl>
+                                          </p:spTgt>
+                                        </p:tgtEl>
+                                        <p:attrNameLst>
+                                          <p:attrName>style.visibility</p:attrName>
+                                        </p:attrNameLst>
+                                      </p:cBhvr>
+                                      <p:to>
+                                        <p:strVal val="visible"/>
+                                      </p:to>
+                                    </p:set>
+                                    <p:animEffect transition="in" filter="fade">
+                                      <p:cBhvr>
+                                        <p:cTn id="10" dur="500"/>
+                                        <p:tgtEl>
+                                          <p:spTgt spid="3">
+                                            <p:txEl>
+                                              <p:pRg st="9" end="9"/>
+                                            </p:txEl>
+                                          </p:spTgt>
+                                        </p:tgtEl>
+                                      </p:cBhvr>
+                                    </p:animEffect>
+                                  </p:childTnLst>
+                                </p:cTn>
+                              </p:par>
+                              <p:par>
+                                <p:cTn id="11" presetID="10" presetClass="entr" presetSubtype="0" fill="hold" nodeType="withEffect">
+                                  <p:stCondLst>
+                                    <p:cond delay="0"/>
+                                  </p:stCondLst>
+                                  <p:childTnLst>
+                                    <p:set>
+                                      <p:cBhvr>
+                                        <p:cTn id="12" dur="1" fill="hold">
+                                          <p:stCondLst>
+                                            <p:cond delay="0"/>
+                                          </p:stCondLst>
+                                        </p:cTn>
+                                        <p:tgtEl>
+                                          <p:spTgt spid="3">
+                                            <p:txEl>
+                                              <p:pRg st="10" end="10"/>
+                                            </p:txEl>
+                                          </p:spTgt>
+                                        </p:tgtEl>
+                                        <p:attrNameLst>
+                                          <p:attrName>style.visibility</p:attrName>
+                                        </p:attrNameLst>
+                                      </p:cBhvr>
+                                      <p:to>
+                                        <p:strVal val="visible"/>
+                                      </p:to>
+                                    </p:set>
+                                    <p:animEffect transition="in" filter="fade">
+                                      <p:cBhvr>
+                                        <p:cTn id="13" dur="500"/>
+                                        <p:tgtEl>
+                                          <p:spTgt spid="3">
+                                            <p:txEl>
+                                              <p:pRg st="10" end="10"/>
+                                            </p:txEl>
+                                          </p:spTgt>
+                                        </p:tgtEl>
+                                      </p:cBhvr>
+                                    </p:animEffect>
+                                  </p:childTnLst>
+                                </p:cTn>
+                              </p:par>
+                            </p:childTnLst>
+                          </p:cTn>
+                        </p:par>
+                      </p:childTnLst>
+                    </p:cTn>
+                  </p:par>
+                </p:childTnLst>
+              </p:cTn>
+              <p:prevCondLst>
+                <p:cond evt="onPrev" delay="0">
+                  <p:tgtEl>
+                    <p:sldTgt/>
+                  </p:tgtEl>
+                </p:cond>
+              </p:prevCondLst>
+              <p:nextCondLst>
+                <p:cond evt="onNext" delay="0">
+                  <p:tgtEl>
+                    <p:sldTgt/>
+                  </p:tgtEl>
+                </p:cond>
+              </p:nextCondLst>
+            </p:seq>
+          </p:childTnLst>
+        </p:cTn>
+      </p:par>
+    </p:tnLst>
+  </p:timing>
+</p:sld>
+</file>
+
+<file path=ppt/slides/slide18.xml><?xml version="1.0" encoding="utf-8"?>
+<p:sld xmlns:a="http://schemas.openxmlformats.org/drawingml/2006/main" xmlns:r="http://schemas.openxmlformats.org/officeDocument/2006/relationships" xmlns:p="http://schemas.openxmlformats.org/presentationml/2006/main">
+  <p:cSld>
+    <p:spTree>
+      <p:nvGrpSpPr>
+        <p:cNvPr id="1" name=""/>
+        <p:cNvGrpSpPr/>
+        <p:nvPr/>
+      </p:nvGrpSpPr>
+      <p:grpSpPr>
+        <a:xfrm>
+          <a:off x="0" y="0"/>
+          <a:ext cx="0" cy="0"/>
+          <a:chOff x="0" y="0"/>
+          <a:chExt cx="0" cy="0"/>
+        </a:xfrm>
+      </p:grpSpPr>
+      <p:sp>
+        <p:nvSpPr>
+          <p:cNvPr id="2" name="Titel 1"/>
+          <p:cNvSpPr>
+            <a:spLocks noGrp="1"/>
+          </p:cNvSpPr>
+          <p:nvPr>
+            <p:ph type="title"/>
+          </p:nvPr>
+        </p:nvSpPr>
+        <p:spPr/>
+        <p:txBody>
+          <a:bodyPr/>
+          <a:lstStyle/>
+          <a:p>
+            <a:r>
+              <a:rPr lang="de-DE" smtClean="0">
+                <a:solidFill>
+                  <a:srgbClr val="831420"/>
+                </a:solidFill>
+              </a:rPr>
+              <a:t>Primitive Datentypen und Variablen</a:t>
+            </a:r>
+            <a:endParaRPr lang="de-DE" dirty="0">
+              <a:solidFill>
+                <a:srgbClr val="831420"/>
+              </a:solidFill>
+            </a:endParaRPr>
+          </a:p>
+        </p:txBody>
+      </p:sp>
+      <p:sp>
+        <p:nvSpPr>
+          <p:cNvPr id="3" name="Inhaltsplatzhalter 2"/>
+          <p:cNvSpPr>
+            <a:spLocks noGrp="1"/>
+          </p:cNvSpPr>
+          <p:nvPr>
+            <p:ph idx="4294967295"/>
+          </p:nvPr>
+        </p:nvSpPr>
+        <p:spPr>
+          <a:xfrm>
+            <a:off x="179512" y="877280"/>
+            <a:ext cx="8496944" cy="4176464"/>
+          </a:xfrm>
+          <a:prstGeom prst="rect">
+            <a:avLst/>
+          </a:prstGeom>
+        </p:spPr>
+        <p:txBody>
+          <a:bodyPr anchor="t"/>
+          <a:lstStyle/>
+          <a:p>
+            <a:endParaRPr lang="de-DE" sz="2000" dirty="0" smtClean="0"/>
+          </a:p>
+          <a:p>
+            <a:endParaRPr lang="de-DE" sz="2000" dirty="0"/>
+          </a:p>
+          <a:p>
+            <a:r>
+              <a:rPr lang="de-DE" sz="2000" dirty="0" smtClean="0"/>
+              <a:t>Hier noch einmal die primitiven Datentypen für ganze Zahlen:</a:t>
+            </a:r>
+          </a:p>
+        </p:txBody>
+      </p:sp>
+      <p:graphicFrame>
+        <p:nvGraphicFramePr>
+          <p:cNvPr id="4" name="Tabelle 3"/>
+          <p:cNvGraphicFramePr>
+            <a:graphicFrameLocks noGrp="1"/>
+          </p:cNvGraphicFramePr>
+          <p:nvPr>
+            <p:extLst>
+              <p:ext uri="{D42A27DB-BD31-4B8C-83A1-F6EECF244321}">
+                <p14:modId xmlns:p14="http://schemas.microsoft.com/office/powerpoint/2010/main" val="348139863"/>
+              </p:ext>
+            </p:extLst>
+          </p:nvPr>
+        </p:nvGraphicFramePr>
+        <p:xfrm>
+          <a:off x="179512" y="2425452"/>
+          <a:ext cx="8532948" cy="1854200"/>
+        </p:xfrm>
+        <a:graphic>
+          <a:graphicData uri="http://schemas.openxmlformats.org/drawingml/2006/table">
+            <a:tbl>
+              <a:tblPr firstRow="1" bandRow="1">
+                <a:tableStyleId>{5C22544A-7EE6-4342-B048-85BDC9FD1C3A}</a:tableStyleId>
+              </a:tblPr>
+              <a:tblGrid>
+                <a:gridCol w="1692188"/>
+                <a:gridCol w="1512168"/>
+                <a:gridCol w="2520280"/>
+                <a:gridCol w="2808312"/>
+              </a:tblGrid>
+              <a:tr h="370840">
+                <a:tc>
+                  <a:txBody>
+                    <a:bodyPr/>
+                    <a:lstStyle/>
+                    <a:p>
+                      <a:r>
+                        <a:rPr lang="de-DE" sz="1600" u="sng" dirty="0" smtClean="0">
+                          <a:solidFill>
+                            <a:schemeClr val="tx1"/>
+                          </a:solidFill>
+                        </a:rPr>
+                        <a:t>Datentyp</a:t>
+                      </a:r>
+                      <a:endParaRPr lang="de-DE" sz="1600" u="sng" dirty="0">
+                        <a:solidFill>
+                          <a:schemeClr val="tx1"/>
+                        </a:solidFill>
+                      </a:endParaRPr>
+                    </a:p>
+                  </a:txBody>
+                  <a:tcPr>
+                    <a:noFill/>
+                  </a:tcPr>
+                </a:tc>
+                <a:tc>
+                  <a:txBody>
+                    <a:bodyPr/>
+                    <a:lstStyle/>
+                    <a:p>
+                      <a:r>
+                        <a:rPr lang="de-DE" sz="1600" u="sng" dirty="0" smtClean="0">
+                          <a:solidFill>
+                            <a:schemeClr val="tx1"/>
+                          </a:solidFill>
+                        </a:rPr>
+                        <a:t>Länge in Bytes</a:t>
+                      </a:r>
+                      <a:endParaRPr lang="de-DE" sz="1600" u="sng" dirty="0">
+                        <a:solidFill>
+                          <a:schemeClr val="tx1"/>
+                        </a:solidFill>
+                      </a:endParaRPr>
+                    </a:p>
+                  </a:txBody>
+                  <a:tcPr>
+                    <a:noFill/>
+                  </a:tcPr>
+                </a:tc>
+                <a:tc>
+                  <a:txBody>
+                    <a:bodyPr/>
+                    <a:lstStyle/>
+                    <a:p>
+                      <a:pPr algn="r"/>
+                      <a:r>
+                        <a:rPr lang="de-DE" sz="1600" u="sng" dirty="0" smtClean="0">
+                          <a:solidFill>
+                            <a:schemeClr val="tx1"/>
+                          </a:solidFill>
+                        </a:rPr>
+                        <a:t>Mindestwert</a:t>
+                      </a:r>
+                      <a:endParaRPr lang="de-DE" sz="1600" u="sng" dirty="0">
+                        <a:solidFill>
+                          <a:schemeClr val="tx1"/>
+                        </a:solidFill>
+                      </a:endParaRPr>
+                    </a:p>
+                  </a:txBody>
+                  <a:tcPr>
+                    <a:noFill/>
+                  </a:tcPr>
+                </a:tc>
+                <a:tc>
+                  <a:txBody>
+                    <a:bodyPr/>
+                    <a:lstStyle/>
+                    <a:p>
+                      <a:pPr algn="r"/>
+                      <a:r>
+                        <a:rPr lang="de-DE" sz="1600" u="sng" dirty="0" smtClean="0">
+                          <a:solidFill>
+                            <a:schemeClr val="tx1"/>
+                          </a:solidFill>
+                        </a:rPr>
+                        <a:t>Maximalwert</a:t>
+                      </a:r>
+                      <a:endParaRPr lang="de-DE" sz="1600" u="sng" dirty="0">
+                        <a:solidFill>
+                          <a:schemeClr val="tx1"/>
+                        </a:solidFill>
+                      </a:endParaRPr>
+                    </a:p>
+                  </a:txBody>
+                  <a:tcPr>
+                    <a:noFill/>
+                  </a:tcPr>
+                </a:tc>
+              </a:tr>
+              <a:tr h="370840">
+                <a:tc>
+                  <a:txBody>
+                    <a:bodyPr/>
+                    <a:lstStyle/>
+                    <a:p>
+                      <a:r>
+                        <a:rPr lang="de-DE" sz="1600" dirty="0" err="1" smtClean="0">
+                          <a:solidFill>
+                            <a:schemeClr val="tx2"/>
+                          </a:solidFill>
+                        </a:rPr>
+                        <a:t>byte</a:t>
+                      </a:r>
+                      <a:endParaRPr lang="de-DE" sz="1600" dirty="0">
+                        <a:solidFill>
+                          <a:schemeClr val="tx2"/>
+                        </a:solidFill>
+                      </a:endParaRPr>
+                    </a:p>
+                  </a:txBody>
+                  <a:tcPr>
+                    <a:noFill/>
+                  </a:tcPr>
+                </a:tc>
+                <a:tc>
+                  <a:txBody>
+                    <a:bodyPr/>
+                    <a:lstStyle/>
+                    <a:p>
+                      <a:r>
+                        <a:rPr lang="de-DE" sz="1600" dirty="0" smtClean="0">
+                          <a:solidFill>
+                            <a:schemeClr val="tx1"/>
+                          </a:solidFill>
+                        </a:rPr>
+                        <a:t>1</a:t>
+                      </a:r>
+                      <a:endParaRPr lang="de-DE" sz="1600" dirty="0">
+                        <a:solidFill>
+                          <a:schemeClr val="tx1"/>
+                        </a:solidFill>
+                      </a:endParaRPr>
+                    </a:p>
+                  </a:txBody>
+                  <a:tcPr>
+                    <a:noFill/>
+                  </a:tcPr>
+                </a:tc>
+                <a:tc>
+                  <a:txBody>
+                    <a:bodyPr/>
+                    <a:lstStyle/>
+                    <a:p>
+                      <a:pPr algn="r"/>
+                      <a:r>
+                        <a:rPr lang="de-DE" sz="1600" dirty="0" smtClean="0">
+                          <a:solidFill>
+                            <a:schemeClr val="tx2"/>
+                          </a:solidFill>
+                        </a:rPr>
+                        <a:t>-128</a:t>
+                      </a:r>
+                      <a:endParaRPr lang="de-DE" sz="1600" dirty="0">
+                        <a:solidFill>
+                          <a:schemeClr val="tx1"/>
+                        </a:solidFill>
+                      </a:endParaRPr>
+                    </a:p>
+                  </a:txBody>
+                  <a:tcPr>
+                    <a:noFill/>
+                  </a:tcPr>
+                </a:tc>
+                <a:tc>
+                  <a:txBody>
+                    <a:bodyPr/>
+                    <a:lstStyle/>
+                    <a:p>
+                      <a:pPr algn="r"/>
+                      <a:r>
+                        <a:rPr lang="de-DE" sz="1600" dirty="0" smtClean="0">
+                          <a:solidFill>
+                            <a:schemeClr val="tx2"/>
+                          </a:solidFill>
+                        </a:rPr>
+                        <a:t>127</a:t>
+                      </a:r>
+                      <a:endParaRPr lang="de-DE" sz="1600" dirty="0">
+                        <a:solidFill>
+                          <a:schemeClr val="tx1"/>
+                        </a:solidFill>
+                      </a:endParaRPr>
+                    </a:p>
+                  </a:txBody>
+                  <a:tcPr>
+                    <a:noFill/>
+                  </a:tcPr>
+                </a:tc>
+              </a:tr>
+              <a:tr h="370840">
+                <a:tc>
+                  <a:txBody>
+                    <a:bodyPr/>
+                    <a:lstStyle/>
+                    <a:p>
+                      <a:r>
+                        <a:rPr lang="de-DE" sz="1600" dirty="0" err="1" smtClean="0">
+                          <a:solidFill>
+                            <a:schemeClr val="tx2"/>
+                          </a:solidFill>
+                        </a:rPr>
+                        <a:t>short</a:t>
+                      </a:r>
+                      <a:endParaRPr lang="de-DE" sz="1600" dirty="0">
+                        <a:solidFill>
+                          <a:schemeClr val="tx2"/>
+                        </a:solidFill>
+                      </a:endParaRPr>
+                    </a:p>
+                  </a:txBody>
+                  <a:tcPr>
+                    <a:noFill/>
+                  </a:tcPr>
+                </a:tc>
+                <a:tc>
+                  <a:txBody>
+                    <a:bodyPr/>
+                    <a:lstStyle/>
+                    <a:p>
+                      <a:r>
+                        <a:rPr lang="de-DE" sz="1600" dirty="0" smtClean="0">
+                          <a:solidFill>
+                            <a:schemeClr val="tx1"/>
+                          </a:solidFill>
+                        </a:rPr>
+                        <a:t>2</a:t>
+                      </a:r>
+                      <a:endParaRPr lang="de-DE" sz="1600" dirty="0">
+                        <a:solidFill>
+                          <a:schemeClr val="tx1"/>
+                        </a:solidFill>
+                      </a:endParaRPr>
+                    </a:p>
+                  </a:txBody>
+                  <a:tcPr>
+                    <a:noFill/>
+                  </a:tcPr>
+                </a:tc>
+                <a:tc>
+                  <a:txBody>
+                    <a:bodyPr/>
+                    <a:lstStyle/>
+                    <a:p>
+                      <a:pPr algn="r"/>
+                      <a:r>
+                        <a:rPr lang="de-DE" sz="1600" dirty="0" smtClean="0">
+                          <a:solidFill>
+                            <a:schemeClr val="tx2"/>
+                          </a:solidFill>
+                        </a:rPr>
+                        <a:t>-32 768</a:t>
+                      </a:r>
+                      <a:endParaRPr lang="de-DE" sz="1600" dirty="0">
+                        <a:solidFill>
+                          <a:schemeClr val="tx1"/>
+                        </a:solidFill>
+                      </a:endParaRPr>
+                    </a:p>
+                  </a:txBody>
+                  <a:tcPr>
+                    <a:noFill/>
+                  </a:tcPr>
+                </a:tc>
+                <a:tc>
+                  <a:txBody>
+                    <a:bodyPr/>
+                    <a:lstStyle/>
+                    <a:p>
+                      <a:pPr algn="r"/>
+                      <a:r>
+                        <a:rPr lang="de-DE" sz="1600" dirty="0" smtClean="0">
+                          <a:solidFill>
+                            <a:schemeClr val="tx2"/>
+                          </a:solidFill>
+                        </a:rPr>
+                        <a:t>32 767</a:t>
+                      </a:r>
+                      <a:endParaRPr lang="de-DE" sz="1600" dirty="0">
+                        <a:solidFill>
+                          <a:schemeClr val="tx1"/>
+                        </a:solidFill>
+                      </a:endParaRPr>
+                    </a:p>
+                  </a:txBody>
+                  <a:tcPr>
+                    <a:noFill/>
+                  </a:tcPr>
+                </a:tc>
+              </a:tr>
+              <a:tr h="370840">
+                <a:tc>
+                  <a:txBody>
+                    <a:bodyPr/>
+                    <a:lstStyle/>
+                    <a:p>
+                      <a:r>
+                        <a:rPr lang="de-DE" sz="1600" dirty="0" err="1" smtClean="0">
+                          <a:solidFill>
+                            <a:schemeClr val="tx2"/>
+                          </a:solidFill>
+                        </a:rPr>
+                        <a:t>int</a:t>
+                      </a:r>
+                      <a:endParaRPr lang="de-DE" sz="1600" dirty="0">
+                        <a:solidFill>
+                          <a:schemeClr val="tx2"/>
+                        </a:solidFill>
+                      </a:endParaRPr>
+                    </a:p>
+                  </a:txBody>
+                  <a:tcPr>
+                    <a:noFill/>
+                  </a:tcPr>
+                </a:tc>
+                <a:tc>
+                  <a:txBody>
+                    <a:bodyPr/>
+                    <a:lstStyle/>
+                    <a:p>
+                      <a:r>
+                        <a:rPr lang="de-DE" sz="1600" dirty="0" smtClean="0">
+                          <a:solidFill>
+                            <a:schemeClr val="tx1"/>
+                          </a:solidFill>
+                        </a:rPr>
+                        <a:t>4</a:t>
+                      </a:r>
+                      <a:endParaRPr lang="de-DE" sz="1600" dirty="0">
+                        <a:solidFill>
+                          <a:schemeClr val="tx1"/>
+                        </a:solidFill>
+                      </a:endParaRPr>
+                    </a:p>
+                  </a:txBody>
+                  <a:tcPr>
+                    <a:noFill/>
+                  </a:tcPr>
+                </a:tc>
+                <a:tc>
+                  <a:txBody>
+                    <a:bodyPr/>
+                    <a:lstStyle/>
+                    <a:p>
+                      <a:pPr algn="r"/>
+                      <a:r>
+                        <a:rPr lang="de-DE" sz="1600" dirty="0" smtClean="0">
+                          <a:solidFill>
+                            <a:schemeClr val="tx2"/>
+                          </a:solidFill>
+                        </a:rPr>
+                        <a:t>-4 294 967 296</a:t>
+                      </a:r>
+                      <a:endParaRPr lang="de-DE" sz="1600" dirty="0">
+                        <a:solidFill>
+                          <a:schemeClr val="tx1"/>
+                        </a:solidFill>
+                      </a:endParaRPr>
+                    </a:p>
+                  </a:txBody>
+                  <a:tcPr>
+                    <a:noFill/>
+                  </a:tcPr>
+                </a:tc>
+                <a:tc>
+                  <a:txBody>
+                    <a:bodyPr/>
+                    <a:lstStyle/>
+                    <a:p>
+                      <a:pPr algn="r"/>
+                      <a:r>
+                        <a:rPr lang="de-DE" sz="1600" dirty="0" smtClean="0">
+                          <a:solidFill>
+                            <a:schemeClr val="tx2"/>
+                          </a:solidFill>
+                        </a:rPr>
+                        <a:t>4 294 967 296</a:t>
+                      </a:r>
+                      <a:endParaRPr lang="de-DE" sz="1600" dirty="0">
+                        <a:solidFill>
+                          <a:schemeClr val="tx1"/>
+                        </a:solidFill>
+                      </a:endParaRPr>
+                    </a:p>
+                  </a:txBody>
+                  <a:tcPr>
+                    <a:noFill/>
+                  </a:tcPr>
+                </a:tc>
+              </a:tr>
+              <a:tr h="370840">
+                <a:tc>
+                  <a:txBody>
+                    <a:bodyPr/>
+                    <a:lstStyle/>
+                    <a:p>
+                      <a:r>
+                        <a:rPr lang="de-DE" sz="1600" dirty="0" err="1" smtClean="0">
+                          <a:solidFill>
+                            <a:schemeClr val="tx2"/>
+                          </a:solidFill>
+                        </a:rPr>
+                        <a:t>long</a:t>
+                      </a:r>
+                      <a:endParaRPr lang="de-DE" sz="1600" dirty="0">
+                        <a:solidFill>
+                          <a:schemeClr val="tx2"/>
+                        </a:solidFill>
+                      </a:endParaRPr>
+                    </a:p>
+                  </a:txBody>
+                  <a:tcPr>
+                    <a:noFill/>
+                  </a:tcPr>
+                </a:tc>
+                <a:tc>
+                  <a:txBody>
+                    <a:bodyPr/>
+                    <a:lstStyle/>
+                    <a:p>
+                      <a:r>
+                        <a:rPr lang="de-DE" sz="1600" dirty="0" smtClean="0">
+                          <a:solidFill>
+                            <a:schemeClr val="tx1"/>
+                          </a:solidFill>
+                        </a:rPr>
+                        <a:t>8</a:t>
+                      </a:r>
+                      <a:endParaRPr lang="de-DE" sz="1600" dirty="0">
+                        <a:solidFill>
+                          <a:schemeClr val="tx1"/>
+                        </a:solidFill>
+                      </a:endParaRPr>
+                    </a:p>
+                  </a:txBody>
+                  <a:tcPr>
+                    <a:noFill/>
+                  </a:tcPr>
+                </a:tc>
+                <a:tc>
+                  <a:txBody>
+                    <a:bodyPr/>
+                    <a:lstStyle/>
+                    <a:p>
+                      <a:pPr algn="r"/>
+                      <a:r>
+                        <a:rPr lang="de-DE" sz="1600" dirty="0" smtClean="0">
+                          <a:solidFill>
+                            <a:schemeClr val="tx2"/>
+                          </a:solidFill>
+                        </a:rPr>
+                        <a:t>-9 223 372 036 854 775 808</a:t>
+                      </a:r>
+                      <a:endParaRPr lang="de-DE" sz="1600" dirty="0">
+                        <a:solidFill>
+                          <a:schemeClr val="tx1"/>
+                        </a:solidFill>
+                      </a:endParaRPr>
+                    </a:p>
+                  </a:txBody>
+                  <a:tcPr>
+                    <a:noFill/>
+                  </a:tcPr>
+                </a:tc>
+                <a:tc>
+                  <a:txBody>
+                    <a:bodyPr/>
+                    <a:lstStyle/>
+                    <a:p>
+                      <a:pPr algn="r"/>
+                      <a:r>
+                        <a:rPr lang="de-DE" sz="1600" dirty="0" smtClean="0">
+                          <a:solidFill>
+                            <a:schemeClr val="tx2"/>
+                          </a:solidFill>
+                        </a:rPr>
+                        <a:t>9 223 372 036 854 775 807</a:t>
+                      </a:r>
+                      <a:endParaRPr lang="de-DE" sz="1600" dirty="0">
+                        <a:solidFill>
+                          <a:schemeClr val="tx1"/>
+                        </a:solidFill>
+                      </a:endParaRPr>
+                    </a:p>
+                  </a:txBody>
+                  <a:tcPr>
+                    <a:noFill/>
+                  </a:tcPr>
+                </a:tc>
+              </a:tr>
+            </a:tbl>
+          </a:graphicData>
+        </a:graphic>
+      </p:graphicFrame>
+    </p:spTree>
+    <p:extLst>
+      <p:ext uri="{BB962C8B-B14F-4D97-AF65-F5344CB8AC3E}">
+        <p14:creationId xmlns:p14="http://schemas.microsoft.com/office/powerpoint/2010/main" val="3650371687"/>
+      </p:ext>
+    </p:extLst>
+  </p:cSld>
+  <p:clrMapOvr>
+    <a:masterClrMapping/>
+  </p:clrMapOvr>
+  <mc:AlternateContent xmlns:mc="http://schemas.openxmlformats.org/markup-compatibility/2006" xmlns:p14="http://schemas.microsoft.com/office/powerpoint/2010/main">
+    <mc:Choice Requires="p14">
+      <p:transition spd="slow" p14:dur="800">
+        <p14:flythrough/>
+      </p:transition>
+    </mc:Choice>
+    <mc:Fallback xmlns="">
+      <p:transition spd="slow">
+        <p:fade/>
+      </p:transition>
+    </mc:Fallback>
+  </mc:AlternateContent>
+  <p:timing>
+    <p:tnLst>
+      <p:par>
+        <p:cTn id="1" dur="indefinite" restart="never" nodeType="tmRoot"/>
+      </p:par>
+    </p:tnLst>
+  </p:timing>
+</p:sld>
+</file>
+
+<file path=ppt/slides/slide19.xml><?xml version="1.0" encoding="utf-8"?>
+<p:sld xmlns:a="http://schemas.openxmlformats.org/drawingml/2006/main" xmlns:r="http://schemas.openxmlformats.org/officeDocument/2006/relationships" xmlns:p="http://schemas.openxmlformats.org/presentationml/2006/main">
+  <p:cSld>
+    <p:spTree>
+      <p:nvGrpSpPr>
+        <p:cNvPr id="1" name=""/>
+        <p:cNvGrpSpPr/>
+        <p:nvPr/>
+      </p:nvGrpSpPr>
+      <p:grpSpPr>
+        <a:xfrm>
+          <a:off x="0" y="0"/>
+          <a:ext cx="0" cy="0"/>
+          <a:chOff x="0" y="0"/>
+          <a:chExt cx="0" cy="0"/>
+        </a:xfrm>
+      </p:grpSpPr>
+      <p:sp>
+        <p:nvSpPr>
+          <p:cNvPr id="2" name="Titel 1"/>
+          <p:cNvSpPr>
+            <a:spLocks noGrp="1"/>
+          </p:cNvSpPr>
+          <p:nvPr>
+            <p:ph type="title"/>
+          </p:nvPr>
+        </p:nvSpPr>
+        <p:spPr/>
+        <p:txBody>
+          <a:bodyPr/>
+          <a:lstStyle/>
+          <a:p>
+            <a:r>
+              <a:rPr lang="de-DE" dirty="0" smtClean="0">
+                <a:solidFill>
+                  <a:srgbClr val="831420"/>
+                </a:solidFill>
+              </a:rPr>
+              <a:t>Aufgabe: NAO Rechnet                           [1]</a:t>
+            </a:r>
+            <a:endParaRPr lang="de-DE" dirty="0">
+              <a:solidFill>
+                <a:srgbClr val="831420"/>
+              </a:solidFill>
+            </a:endParaRPr>
+          </a:p>
+        </p:txBody>
+      </p:sp>
+      <p:sp>
+        <p:nvSpPr>
+          <p:cNvPr id="3" name="Inhaltsplatzhalter 2"/>
+          <p:cNvSpPr>
+            <a:spLocks noGrp="1"/>
+          </p:cNvSpPr>
+          <p:nvPr>
+            <p:ph idx="4294967295"/>
+          </p:nvPr>
+        </p:nvSpPr>
+        <p:spPr>
+          <a:xfrm>
+            <a:off x="179512" y="1129308"/>
+            <a:ext cx="8496944" cy="3924436"/>
+          </a:xfrm>
+          <a:prstGeom prst="rect">
+            <a:avLst/>
+          </a:prstGeom>
+        </p:spPr>
+        <p:txBody>
+          <a:bodyPr anchor="t"/>
+          <a:lstStyle/>
+          <a:p>
+            <a:pPr marL="400050" lvl="1" indent="0">
+              <a:buNone/>
+            </a:pPr>
+            <a:r>
+              <a:rPr lang="de-DE" sz="2000" dirty="0" smtClean="0"/>
+              <a:t>Erstellt zwei Variablen </a:t>
+            </a:r>
+            <a:r>
+              <a:rPr lang="de-DE" sz="2000" dirty="0" smtClean="0">
+                <a:solidFill>
+                  <a:schemeClr val="tx2"/>
+                </a:solidFill>
+              </a:rPr>
+              <a:t>x</a:t>
+            </a:r>
+            <a:r>
+              <a:rPr lang="de-DE" sz="2000" dirty="0" smtClean="0"/>
+              <a:t> und </a:t>
+            </a:r>
+            <a:r>
+              <a:rPr lang="de-DE" sz="2000" dirty="0" smtClean="0">
+                <a:solidFill>
+                  <a:schemeClr val="tx2"/>
+                </a:solidFill>
+              </a:rPr>
+              <a:t>y</a:t>
+            </a:r>
+            <a:r>
+              <a:rPr lang="de-DE" sz="2000" dirty="0" smtClean="0">
+                <a:solidFill>
+                  <a:schemeClr val="accent1"/>
+                </a:solidFill>
+              </a:rPr>
+              <a:t> </a:t>
+            </a:r>
+            <a:r>
+              <a:rPr lang="de-DE" sz="2000" dirty="0" smtClean="0"/>
+              <a:t>und initialisiert diese mit ganzen Zahlen</a:t>
+            </a:r>
+          </a:p>
+          <a:p>
+            <a:pPr marL="400050" lvl="1" indent="0">
+              <a:buNone/>
+            </a:pPr>
+            <a:endParaRPr lang="de-DE" sz="2000" dirty="0" smtClean="0"/>
+          </a:p>
+          <a:p>
+            <a:pPr marL="400050" lvl="1" indent="0">
+              <a:buNone/>
+            </a:pPr>
+            <a:r>
+              <a:rPr lang="de-DE" sz="2000" dirty="0" smtClean="0"/>
+              <a:t>Definiert die Variablen </a:t>
+            </a:r>
+            <a:r>
+              <a:rPr lang="de-DE" sz="2000" dirty="0" smtClean="0">
+                <a:solidFill>
+                  <a:schemeClr val="tx2"/>
+                </a:solidFill>
+              </a:rPr>
+              <a:t>summe</a:t>
+            </a:r>
+            <a:r>
+              <a:rPr lang="de-DE" sz="2000" dirty="0" smtClean="0"/>
+              <a:t>, </a:t>
+            </a:r>
+            <a:r>
+              <a:rPr lang="de-DE" sz="2000" dirty="0" err="1" smtClean="0">
+                <a:solidFill>
+                  <a:schemeClr val="tx2"/>
+                </a:solidFill>
+              </a:rPr>
+              <a:t>differenz</a:t>
+            </a:r>
+            <a:r>
+              <a:rPr lang="de-DE" sz="2000" dirty="0" smtClean="0"/>
+              <a:t>, </a:t>
+            </a:r>
+            <a:r>
+              <a:rPr lang="de-DE" sz="2000" dirty="0" err="1" smtClean="0">
+                <a:solidFill>
+                  <a:schemeClr val="tx2"/>
+                </a:solidFill>
+              </a:rPr>
+              <a:t>produkt</a:t>
+            </a:r>
+            <a:r>
+              <a:rPr lang="de-DE" sz="2000" dirty="0" smtClean="0"/>
+              <a:t> und </a:t>
+            </a:r>
+            <a:r>
+              <a:rPr lang="de-DE" sz="2000" dirty="0" err="1" smtClean="0">
+                <a:solidFill>
+                  <a:schemeClr val="tx2"/>
+                </a:solidFill>
+              </a:rPr>
+              <a:t>quotient</a:t>
+            </a:r>
+            <a:r>
+              <a:rPr lang="de-DE" sz="2000" dirty="0" smtClean="0"/>
+              <a:t>, welche…</a:t>
+            </a:r>
+          </a:p>
+          <a:p>
+            <a:endParaRPr lang="de-DE" sz="2000" dirty="0" smtClean="0"/>
+          </a:p>
+          <a:p>
+            <a:pPr marL="857250" lvl="1" indent="-457200">
+              <a:buFont typeface="+mj-lt"/>
+              <a:buAutoNum type="alphaLcPeriod"/>
+            </a:pPr>
+            <a:r>
+              <a:rPr lang="de-DE" sz="2000" dirty="0" smtClean="0"/>
+              <a:t>Die Summe von </a:t>
+            </a:r>
+            <a:r>
+              <a:rPr lang="de-DE" sz="2000" dirty="0" smtClean="0">
+                <a:solidFill>
+                  <a:schemeClr val="tx2"/>
+                </a:solidFill>
+              </a:rPr>
+              <a:t>x</a:t>
+            </a:r>
+            <a:r>
+              <a:rPr lang="de-DE" sz="2000" dirty="0" smtClean="0"/>
+              <a:t> und </a:t>
+            </a:r>
+            <a:r>
+              <a:rPr lang="de-DE" sz="2000" dirty="0" smtClean="0">
+                <a:solidFill>
+                  <a:schemeClr val="tx2"/>
+                </a:solidFill>
+              </a:rPr>
+              <a:t>y</a:t>
+            </a:r>
+            <a:endParaRPr lang="de-DE" sz="2000" dirty="0">
+              <a:solidFill>
+                <a:schemeClr val="tx2"/>
+              </a:solidFill>
+            </a:endParaRPr>
+          </a:p>
+          <a:p>
+            <a:pPr marL="857250" lvl="1" indent="-457200">
+              <a:buFont typeface="+mj-lt"/>
+              <a:buAutoNum type="alphaLcPeriod"/>
+            </a:pPr>
+            <a:r>
+              <a:rPr lang="de-DE" sz="2000" dirty="0" smtClean="0"/>
+              <a:t>Eine Differenz zwischen </a:t>
+            </a:r>
+            <a:r>
+              <a:rPr lang="de-DE" sz="2000" dirty="0" smtClean="0">
+                <a:solidFill>
+                  <a:schemeClr val="tx2"/>
+                </a:solidFill>
+              </a:rPr>
+              <a:t>x</a:t>
+            </a:r>
+            <a:r>
+              <a:rPr lang="de-DE" sz="2000" dirty="0" smtClean="0"/>
+              <a:t> und </a:t>
+            </a:r>
+            <a:r>
+              <a:rPr lang="de-DE" sz="2000" dirty="0" smtClean="0">
+                <a:solidFill>
+                  <a:schemeClr val="tx2"/>
+                </a:solidFill>
+              </a:rPr>
+              <a:t>y</a:t>
+            </a:r>
+          </a:p>
+          <a:p>
+            <a:pPr marL="857250" lvl="1" indent="-457200">
+              <a:buFont typeface="+mj-lt"/>
+              <a:buAutoNum type="alphaLcPeriod"/>
+            </a:pPr>
+            <a:r>
+              <a:rPr lang="de-DE" sz="2000" dirty="0" smtClean="0"/>
+              <a:t>Das Produkt von </a:t>
+            </a:r>
+            <a:r>
+              <a:rPr lang="de-DE" sz="2000" dirty="0" smtClean="0">
+                <a:solidFill>
+                  <a:schemeClr val="tx2"/>
+                </a:solidFill>
+              </a:rPr>
+              <a:t>x</a:t>
+            </a:r>
+            <a:r>
+              <a:rPr lang="de-DE" sz="2000" dirty="0" smtClean="0"/>
+              <a:t> und </a:t>
+            </a:r>
+            <a:r>
+              <a:rPr lang="de-DE" sz="2000" dirty="0" smtClean="0">
+                <a:solidFill>
+                  <a:schemeClr val="tx2"/>
+                </a:solidFill>
+              </a:rPr>
+              <a:t>y</a:t>
+            </a:r>
+          </a:p>
+          <a:p>
+            <a:pPr marL="857250" lvl="1" indent="-457200">
+              <a:buFont typeface="+mj-lt"/>
+              <a:buAutoNum type="alphaLcPeriod"/>
+            </a:pPr>
+            <a:r>
+              <a:rPr lang="de-DE" sz="2000" dirty="0" smtClean="0"/>
+              <a:t>Einen Quotienten von </a:t>
+            </a:r>
+            <a:r>
+              <a:rPr lang="de-DE" sz="2000" dirty="0" smtClean="0">
+                <a:solidFill>
+                  <a:schemeClr val="tx2"/>
+                </a:solidFill>
+              </a:rPr>
+              <a:t>x</a:t>
+            </a:r>
+            <a:r>
+              <a:rPr lang="de-DE" sz="2000" dirty="0" smtClean="0"/>
+              <a:t> und </a:t>
+            </a:r>
+            <a:r>
+              <a:rPr lang="de-DE" sz="2000" dirty="0" smtClean="0">
+                <a:solidFill>
+                  <a:schemeClr val="tx2"/>
+                </a:solidFill>
+              </a:rPr>
+              <a:t>y</a:t>
+            </a:r>
+          </a:p>
+          <a:p>
+            <a:endParaRPr lang="de-DE" sz="2000" dirty="0"/>
+          </a:p>
+          <a:p>
+            <a:pPr marL="400050" lvl="1" indent="0">
+              <a:buNone/>
+            </a:pPr>
+            <a:r>
+              <a:rPr lang="de-DE" sz="2000" dirty="0" smtClean="0"/>
+              <a:t>enthalten sollen. </a:t>
+            </a:r>
+            <a:endParaRPr lang="de-DE" sz="2000" dirty="0" smtClean="0"/>
+          </a:p>
+        </p:txBody>
+      </p:sp>
+    </p:spTree>
+    <p:extLst>
+      <p:ext uri="{BB962C8B-B14F-4D97-AF65-F5344CB8AC3E}">
+        <p14:creationId xmlns:p14="http://schemas.microsoft.com/office/powerpoint/2010/main" val="428107664"/>
+      </p:ext>
+    </p:extLst>
+  </p:cSld>
+  <p:clrMapOvr>
+    <a:masterClrMapping/>
+  </p:clrMapOvr>
+  <mc:AlternateContent xmlns:mc="http://schemas.openxmlformats.org/markup-compatibility/2006" xmlns:p14="http://schemas.microsoft.com/office/powerpoint/2010/main">
+    <mc:Choice Requires="p14">
+      <p:transition spd="slow" p14:dur="800">
+        <p14:flythrough/>
+      </p:transition>
+    </mc:Choice>
+    <mc:Fallback xmlns="">
       <p:transition spd="slow">
         <p:fade/>
       </p:transition>
@@ -7397,7 +10691,7 @@
           <a:p>
             <a:pPr algn="ctr"/>
             <a:r>
-              <a:rPr lang="de-DE" sz="2400" b="1" dirty="0" smtClean="0">
+              <a:rPr lang="de-DE" sz="2400" b="1" smtClean="0">
                 <a:solidFill>
                   <a:schemeClr val="bg1"/>
                 </a:solidFill>
@@ -7474,6 +10768,678 @@
 </p:sld>
 </file>
 
+<file path=ppt/slides/slide20.xml><?xml version="1.0" encoding="utf-8"?>
+<p:sld xmlns:a="http://schemas.openxmlformats.org/drawingml/2006/main" xmlns:r="http://schemas.openxmlformats.org/officeDocument/2006/relationships" xmlns:p="http://schemas.openxmlformats.org/presentationml/2006/main">
+  <p:cSld>
+    <p:spTree>
+      <p:nvGrpSpPr>
+        <p:cNvPr id="1" name=""/>
+        <p:cNvGrpSpPr/>
+        <p:nvPr/>
+      </p:nvGrpSpPr>
+      <p:grpSpPr>
+        <a:xfrm>
+          <a:off x="0" y="0"/>
+          <a:ext cx="0" cy="0"/>
+          <a:chOff x="0" y="0"/>
+          <a:chExt cx="0" cy="0"/>
+        </a:xfrm>
+      </p:grpSpPr>
+      <p:sp>
+        <p:nvSpPr>
+          <p:cNvPr id="2" name="Titel 1"/>
+          <p:cNvSpPr>
+            <a:spLocks noGrp="1"/>
+          </p:cNvSpPr>
+          <p:nvPr>
+            <p:ph type="title"/>
+          </p:nvPr>
+        </p:nvSpPr>
+        <p:spPr/>
+        <p:txBody>
+          <a:bodyPr/>
+          <a:lstStyle/>
+          <a:p>
+            <a:r>
+              <a:rPr lang="de-DE" dirty="0" smtClean="0">
+                <a:solidFill>
+                  <a:srgbClr val="831420"/>
+                </a:solidFill>
+              </a:rPr>
+              <a:t>Fehlersuche</a:t>
+            </a:r>
+            <a:endParaRPr lang="de-DE" dirty="0">
+              <a:solidFill>
+                <a:srgbClr val="831420"/>
+              </a:solidFill>
+            </a:endParaRPr>
+          </a:p>
+        </p:txBody>
+      </p:sp>
+      <p:sp>
+        <p:nvSpPr>
+          <p:cNvPr id="3" name="Inhaltsplatzhalter 2"/>
+          <p:cNvSpPr>
+            <a:spLocks noGrp="1"/>
+          </p:cNvSpPr>
+          <p:nvPr>
+            <p:ph idx="4294967295"/>
+          </p:nvPr>
+        </p:nvSpPr>
+        <p:spPr>
+          <a:xfrm>
+            <a:off x="179512" y="877280"/>
+            <a:ext cx="8496944" cy="4176464"/>
+          </a:xfrm>
+          <a:prstGeom prst="rect">
+            <a:avLst/>
+          </a:prstGeom>
+        </p:spPr>
+        <p:txBody>
+          <a:bodyPr anchor="t"/>
+          <a:lstStyle/>
+          <a:p>
+            <a:r>
+              <a:rPr lang="de-DE" sz="2000" dirty="0" smtClean="0"/>
+              <a:t>Wie viele Fehler existieren in diesem kleinen Stück Code?</a:t>
+            </a:r>
+            <a:endParaRPr lang="de-DE" sz="1600" dirty="0"/>
+          </a:p>
+        </p:txBody>
+      </p:sp>
+      <p:pic>
+        <p:nvPicPr>
+          <p:cNvPr id="5" name="Grafik 4"/>
+          <p:cNvPicPr>
+            <a:picLocks noChangeAspect="1"/>
+          </p:cNvPicPr>
+          <p:nvPr/>
+        </p:nvPicPr>
+        <p:blipFill>
+          <a:blip r:embed="rId3">
+            <a:extLst>
+              <a:ext uri="{28A0092B-C50C-407E-A947-70E740481C1C}">
+                <a14:useLocalDpi xmlns:a14="http://schemas.microsoft.com/office/drawing/2010/main" val="0"/>
+              </a:ext>
+            </a:extLst>
+          </a:blip>
+          <a:stretch>
+            <a:fillRect/>
+          </a:stretch>
+        </p:blipFill>
+        <p:spPr>
+          <a:xfrm>
+            <a:off x="575556" y="1489348"/>
+            <a:ext cx="3682540" cy="1130159"/>
+          </a:xfrm>
+          <a:prstGeom prst="rect">
+            <a:avLst/>
+          </a:prstGeom>
+        </p:spPr>
+      </p:pic>
+      <p:pic>
+        <p:nvPicPr>
+          <p:cNvPr id="6" name="Grafik 5"/>
+          <p:cNvPicPr>
+            <a:picLocks noChangeAspect="1"/>
+          </p:cNvPicPr>
+          <p:nvPr/>
+        </p:nvPicPr>
+        <p:blipFill>
+          <a:blip r:embed="rId4">
+            <a:extLst>
+              <a:ext uri="{28A0092B-C50C-407E-A947-70E740481C1C}">
+                <a14:useLocalDpi xmlns:a14="http://schemas.microsoft.com/office/drawing/2010/main" val="0"/>
+              </a:ext>
+            </a:extLst>
+          </a:blip>
+          <a:stretch>
+            <a:fillRect/>
+          </a:stretch>
+        </p:blipFill>
+        <p:spPr>
+          <a:xfrm>
+            <a:off x="3976964" y="1525352"/>
+            <a:ext cx="126984" cy="190476"/>
+          </a:xfrm>
+          <a:prstGeom prst="rect">
+            <a:avLst/>
+          </a:prstGeom>
+        </p:spPr>
+      </p:pic>
+      <p:pic>
+        <p:nvPicPr>
+          <p:cNvPr id="7" name="Grafik 6"/>
+          <p:cNvPicPr>
+            <a:picLocks noChangeAspect="1"/>
+          </p:cNvPicPr>
+          <p:nvPr/>
+        </p:nvPicPr>
+        <p:blipFill>
+          <a:blip r:embed="rId4">
+            <a:extLst>
+              <a:ext uri="{28A0092B-C50C-407E-A947-70E740481C1C}">
+                <a14:useLocalDpi xmlns:a14="http://schemas.microsoft.com/office/drawing/2010/main" val="0"/>
+              </a:ext>
+            </a:extLst>
+          </a:blip>
+          <a:stretch>
+            <a:fillRect/>
+          </a:stretch>
+        </p:blipFill>
+        <p:spPr>
+          <a:xfrm>
+            <a:off x="2231740" y="1946944"/>
+            <a:ext cx="126984" cy="190476"/>
+          </a:xfrm>
+          <a:prstGeom prst="rect">
+            <a:avLst/>
+          </a:prstGeom>
+        </p:spPr>
+      </p:pic>
+      <p:pic>
+        <p:nvPicPr>
+          <p:cNvPr id="8" name="Grafik 7"/>
+          <p:cNvPicPr>
+            <a:picLocks noChangeAspect="1"/>
+          </p:cNvPicPr>
+          <p:nvPr/>
+        </p:nvPicPr>
+        <p:blipFill>
+          <a:blip r:embed="rId4">
+            <a:extLst>
+              <a:ext uri="{28A0092B-C50C-407E-A947-70E740481C1C}">
+                <a14:useLocalDpi xmlns:a14="http://schemas.microsoft.com/office/drawing/2010/main" val="0"/>
+              </a:ext>
+            </a:extLst>
+          </a:blip>
+          <a:stretch>
+            <a:fillRect/>
+          </a:stretch>
+        </p:blipFill>
+        <p:spPr>
+          <a:xfrm>
+            <a:off x="863588" y="2173424"/>
+            <a:ext cx="126984" cy="190476"/>
+          </a:xfrm>
+          <a:prstGeom prst="rect">
+            <a:avLst/>
+          </a:prstGeom>
+        </p:spPr>
+      </p:pic>
+    </p:spTree>
+    <p:extLst>
+      <p:ext uri="{BB962C8B-B14F-4D97-AF65-F5344CB8AC3E}">
+        <p14:creationId xmlns:p14="http://schemas.microsoft.com/office/powerpoint/2010/main" val="1621368188"/>
+      </p:ext>
+    </p:extLst>
+  </p:cSld>
+  <p:clrMapOvr>
+    <a:masterClrMapping/>
+  </p:clrMapOvr>
+  <mc:AlternateContent xmlns:mc="http://schemas.openxmlformats.org/markup-compatibility/2006" xmlns:p14="http://schemas.microsoft.com/office/powerpoint/2010/main">
+    <mc:Choice Requires="p14">
+      <p:transition spd="slow" p14:dur="800">
+        <p14:flythrough/>
+      </p:transition>
+    </mc:Choice>
+    <mc:Fallback xmlns="">
+      <p:transition spd="slow">
+        <p:fade/>
+      </p:transition>
+    </mc:Fallback>
+  </mc:AlternateContent>
+  <p:timing>
+    <p:tnLst>
+      <p:par>
+        <p:cTn id="1" dur="indefinite" restart="never" nodeType="tmRoot">
+          <p:childTnLst>
+            <p:seq concurrent="1" nextAc="seek">
+              <p:cTn id="2" dur="indefinite" nodeType="mainSeq">
+                <p:childTnLst>
+                  <p:par>
+                    <p:cTn id="3" fill="hold">
+                      <p:stCondLst>
+                        <p:cond delay="indefinite"/>
+                        <p:cond evt="onBegin" delay="0">
+                          <p:tn val="2"/>
+                        </p:cond>
+                      </p:stCondLst>
+                      <p:childTnLst>
+                        <p:par>
+                          <p:cTn id="4" fill="hold">
+                            <p:stCondLst>
+                              <p:cond delay="0"/>
+                            </p:stCondLst>
+                            <p:childTnLst>
+                              <p:par>
+                                <p:cTn id="5" presetID="10" presetClass="entr" presetSubtype="0" fill="hold" nodeType="withEffect">
+                                  <p:stCondLst>
+                                    <p:cond delay="0"/>
+                                  </p:stCondLst>
+                                  <p:childTnLst>
+                                    <p:set>
+                                      <p:cBhvr>
+                                        <p:cTn id="6" dur="1" fill="hold">
+                                          <p:stCondLst>
+                                            <p:cond delay="0"/>
+                                          </p:stCondLst>
+                                        </p:cTn>
+                                        <p:tgtEl>
+                                          <p:spTgt spid="3">
+                                            <p:txEl>
+                                              <p:pRg st="0" end="0"/>
+                                            </p:txEl>
+                                          </p:spTgt>
+                                        </p:tgtEl>
+                                        <p:attrNameLst>
+                                          <p:attrName>style.visibility</p:attrName>
+                                        </p:attrNameLst>
+                                      </p:cBhvr>
+                                      <p:to>
+                                        <p:strVal val="visible"/>
+                                      </p:to>
+                                    </p:set>
+                                    <p:animEffect transition="in" filter="fade">
+                                      <p:cBhvr>
+                                        <p:cTn id="7" dur="500"/>
+                                        <p:tgtEl>
+                                          <p:spTgt spid="3">
+                                            <p:txEl>
+                                              <p:pRg st="0" end="0"/>
+                                            </p:txEl>
+                                          </p:spTgt>
+                                        </p:tgtEl>
+                                      </p:cBhvr>
+                                    </p:animEffect>
+                                  </p:childTnLst>
+                                </p:cTn>
+                              </p:par>
+                            </p:childTnLst>
+                          </p:cTn>
+                        </p:par>
+                      </p:childTnLst>
+                    </p:cTn>
+                  </p:par>
+                  <p:par>
+                    <p:cTn id="8" fill="hold">
+                      <p:stCondLst>
+                        <p:cond delay="indefinite"/>
+                      </p:stCondLst>
+                      <p:childTnLst>
+                        <p:par>
+                          <p:cTn id="9" fill="hold">
+                            <p:stCondLst>
+                              <p:cond delay="0"/>
+                            </p:stCondLst>
+                            <p:childTnLst>
+                              <p:par>
+                                <p:cTn id="10" presetID="10" presetClass="entr" presetSubtype="0" fill="hold" nodeType="clickEffect">
+                                  <p:stCondLst>
+                                    <p:cond delay="0"/>
+                                  </p:stCondLst>
+                                  <p:childTnLst>
+                                    <p:set>
+                                      <p:cBhvr>
+                                        <p:cTn id="11" dur="1" fill="hold">
+                                          <p:stCondLst>
+                                            <p:cond delay="0"/>
+                                          </p:stCondLst>
+                                        </p:cTn>
+                                        <p:tgtEl>
+                                          <p:spTgt spid="6"/>
+                                        </p:tgtEl>
+                                        <p:attrNameLst>
+                                          <p:attrName>style.visibility</p:attrName>
+                                        </p:attrNameLst>
+                                      </p:cBhvr>
+                                      <p:to>
+                                        <p:strVal val="visible"/>
+                                      </p:to>
+                                    </p:set>
+                                    <p:animEffect transition="in" filter="fade">
+                                      <p:cBhvr>
+                                        <p:cTn id="12" dur="500"/>
+                                        <p:tgtEl>
+                                          <p:spTgt spid="6"/>
+                                        </p:tgtEl>
+                                      </p:cBhvr>
+                                    </p:animEffect>
+                                  </p:childTnLst>
+                                </p:cTn>
+                              </p:par>
+                            </p:childTnLst>
+                          </p:cTn>
+                        </p:par>
+                      </p:childTnLst>
+                    </p:cTn>
+                  </p:par>
+                </p:childTnLst>
+              </p:cTn>
+              <p:prevCondLst>
+                <p:cond evt="onPrev" delay="0">
+                  <p:tgtEl>
+                    <p:sldTgt/>
+                  </p:tgtEl>
+                </p:cond>
+              </p:prevCondLst>
+              <p:nextCondLst>
+                <p:cond evt="onNext" delay="0">
+                  <p:tgtEl>
+                    <p:sldTgt/>
+                  </p:tgtEl>
+                </p:cond>
+              </p:nextCondLst>
+            </p:seq>
+          </p:childTnLst>
+        </p:cTn>
+      </p:par>
+    </p:tnLst>
+  </p:timing>
+</p:sld>
+</file>
+
+<file path=ppt/slides/slide21.xml><?xml version="1.0" encoding="utf-8"?>
+<p:sld xmlns:a="http://schemas.openxmlformats.org/drawingml/2006/main" xmlns:r="http://schemas.openxmlformats.org/officeDocument/2006/relationships" xmlns:p="http://schemas.openxmlformats.org/presentationml/2006/main">
+  <p:cSld>
+    <p:spTree>
+      <p:nvGrpSpPr>
+        <p:cNvPr id="1" name=""/>
+        <p:cNvGrpSpPr/>
+        <p:nvPr/>
+      </p:nvGrpSpPr>
+      <p:grpSpPr>
+        <a:xfrm>
+          <a:off x="0" y="0"/>
+          <a:ext cx="0" cy="0"/>
+          <a:chOff x="0" y="0"/>
+          <a:chExt cx="0" cy="0"/>
+        </a:xfrm>
+      </p:grpSpPr>
+      <p:sp>
+        <p:nvSpPr>
+          <p:cNvPr id="2" name="Titel 1"/>
+          <p:cNvSpPr>
+            <a:spLocks noGrp="1"/>
+          </p:cNvSpPr>
+          <p:nvPr>
+            <p:ph type="title"/>
+          </p:nvPr>
+        </p:nvSpPr>
+        <p:spPr/>
+        <p:txBody>
+          <a:bodyPr/>
+          <a:lstStyle/>
+          <a:p>
+            <a:r>
+              <a:rPr lang="de-DE" smtClean="0">
+                <a:solidFill>
+                  <a:srgbClr val="831420"/>
+                </a:solidFill>
+              </a:rPr>
+              <a:t>Themen</a:t>
+            </a:r>
+            <a:endParaRPr lang="de-DE" dirty="0">
+              <a:solidFill>
+                <a:srgbClr val="831420"/>
+              </a:solidFill>
+            </a:endParaRPr>
+          </a:p>
+        </p:txBody>
+      </p:sp>
+      <p:sp>
+        <p:nvSpPr>
+          <p:cNvPr id="3" name="Inhaltsplatzhalter 2"/>
+          <p:cNvSpPr>
+            <a:spLocks noGrp="1"/>
+          </p:cNvSpPr>
+          <p:nvPr>
+            <p:ph idx="4294967295"/>
+          </p:nvPr>
+        </p:nvSpPr>
+        <p:spPr>
+          <a:xfrm>
+            <a:off x="179512" y="900000"/>
+            <a:ext cx="8496944" cy="4153744"/>
+          </a:xfrm>
+          <a:prstGeom prst="rect">
+            <a:avLst/>
+          </a:prstGeom>
+        </p:spPr>
+        <p:txBody>
+          <a:bodyPr anchor="ctr"/>
+          <a:lstStyle/>
+          <a:p>
+            <a:pPr marL="0" indent="0">
+              <a:buNone/>
+            </a:pPr>
+            <a:r>
+              <a:rPr lang="de-DE" sz="2000" dirty="0" smtClean="0">
+                <a:solidFill>
+                  <a:schemeClr val="bg1">
+                    <a:lumMod val="75000"/>
+                  </a:schemeClr>
+                </a:solidFill>
+              </a:rPr>
+              <a:t>Was ist ein Programm</a:t>
+            </a:r>
+            <a:r>
+              <a:rPr lang="de-DE" sz="2000" dirty="0">
+                <a:solidFill>
+                  <a:schemeClr val="bg1">
+                    <a:lumMod val="75000"/>
+                  </a:schemeClr>
+                </a:solidFill>
+              </a:rPr>
+              <a:t>?</a:t>
+            </a:r>
+          </a:p>
+          <a:p>
+            <a:pPr marL="0" indent="0">
+              <a:buNone/>
+            </a:pPr>
+            <a:r>
+              <a:rPr lang="de-DE" sz="2000" dirty="0" smtClean="0">
+                <a:solidFill>
+                  <a:schemeClr val="bg1">
+                    <a:lumMod val="75000"/>
+                  </a:schemeClr>
+                </a:solidFill>
+              </a:rPr>
+              <a:t>Syntax und Semantik</a:t>
+            </a:r>
+            <a:endParaRPr lang="de-DE" sz="2000" dirty="0">
+              <a:solidFill>
+                <a:schemeClr val="bg1">
+                  <a:lumMod val="75000"/>
+                </a:schemeClr>
+              </a:solidFill>
+            </a:endParaRPr>
+          </a:p>
+          <a:p>
+            <a:pPr marL="0" indent="0">
+              <a:buNone/>
+            </a:pPr>
+            <a:r>
+              <a:rPr lang="de-DE" sz="2000" dirty="0" smtClean="0">
+                <a:solidFill>
+                  <a:schemeClr val="bg1">
+                    <a:lumMod val="75000"/>
+                  </a:schemeClr>
+                </a:solidFill>
+              </a:rPr>
+              <a:t>Ein erstes Programm</a:t>
+            </a:r>
+            <a:endParaRPr lang="de-DE" sz="2000" dirty="0">
+              <a:solidFill>
+                <a:schemeClr val="bg1">
+                  <a:lumMod val="75000"/>
+                </a:schemeClr>
+              </a:solidFill>
+            </a:endParaRPr>
+          </a:p>
+          <a:p>
+            <a:pPr marL="0" indent="0">
+              <a:buNone/>
+            </a:pPr>
+            <a:r>
+              <a:rPr lang="de-DE" sz="2000" dirty="0" smtClean="0">
+                <a:solidFill>
+                  <a:schemeClr val="bg1">
+                    <a:lumMod val="75000"/>
+                  </a:schemeClr>
+                </a:solidFill>
+              </a:rPr>
+              <a:t>Primitive Datentypen und Variablen</a:t>
+            </a:r>
+            <a:endParaRPr lang="de-DE" sz="2000" dirty="0">
+              <a:solidFill>
+                <a:schemeClr val="bg1">
+                  <a:lumMod val="75000"/>
+                </a:schemeClr>
+              </a:solidFill>
+            </a:endParaRPr>
+          </a:p>
+          <a:p>
+            <a:pPr marL="0" indent="0">
+              <a:buNone/>
+            </a:pPr>
+            <a:r>
+              <a:rPr lang="de-DE" sz="2000" b="1" dirty="0" smtClean="0"/>
+              <a:t>Abfragen, Schleifen</a:t>
+            </a:r>
+            <a:endParaRPr lang="de-DE" sz="2000" b="1" dirty="0"/>
+          </a:p>
+          <a:p>
+            <a:pPr marL="0" indent="0">
+              <a:buNone/>
+            </a:pPr>
+            <a:r>
+              <a:rPr lang="de-DE" sz="2000" i="1" dirty="0">
+                <a:solidFill>
+                  <a:schemeClr val="bg1">
+                    <a:lumMod val="75000"/>
+                  </a:schemeClr>
+                </a:solidFill>
+              </a:rPr>
+              <a:t>Objektorientierung:</a:t>
+            </a:r>
+          </a:p>
+          <a:p>
+            <a:pPr marL="0" indent="0">
+              <a:buNone/>
+            </a:pPr>
+            <a:r>
+              <a:rPr lang="de-DE" sz="2000" dirty="0" smtClean="0">
+                <a:solidFill>
+                  <a:schemeClr val="bg1">
+                    <a:lumMod val="75000"/>
+                  </a:schemeClr>
+                </a:solidFill>
+              </a:rPr>
+              <a:t>    Klassen und Objekte</a:t>
+            </a:r>
+            <a:endParaRPr lang="de-DE" sz="2000" dirty="0">
+              <a:solidFill>
+                <a:schemeClr val="bg1">
+                  <a:lumMod val="75000"/>
+                </a:schemeClr>
+              </a:solidFill>
+            </a:endParaRPr>
+          </a:p>
+          <a:p>
+            <a:pPr marL="0" indent="0">
+              <a:buNone/>
+            </a:pPr>
+            <a:r>
+              <a:rPr lang="de-DE" sz="2000" dirty="0" smtClean="0">
+                <a:solidFill>
+                  <a:schemeClr val="bg1">
+                    <a:lumMod val="75000"/>
+                  </a:schemeClr>
+                </a:solidFill>
+              </a:rPr>
+              <a:t>    Attribute und Methoden</a:t>
+            </a:r>
+            <a:endParaRPr lang="de-DE" sz="2000" dirty="0">
+              <a:solidFill>
+                <a:schemeClr val="bg1">
+                  <a:lumMod val="75000"/>
+                </a:schemeClr>
+              </a:solidFill>
+            </a:endParaRPr>
+          </a:p>
+          <a:p>
+            <a:pPr marL="0" indent="0">
+              <a:buNone/>
+            </a:pPr>
+            <a:r>
+              <a:rPr lang="de-DE" sz="2000" dirty="0">
+                <a:solidFill>
+                  <a:schemeClr val="bg1">
+                    <a:lumMod val="75000"/>
+                  </a:schemeClr>
+                </a:solidFill>
+              </a:rPr>
+              <a:t>Namenskonvention</a:t>
+            </a:r>
+          </a:p>
+          <a:p>
+            <a:pPr marL="0" indent="0">
+              <a:buNone/>
+            </a:pPr>
+            <a:r>
+              <a:rPr lang="de-DE" sz="2000" dirty="0" smtClean="0">
+                <a:solidFill>
+                  <a:schemeClr val="bg1">
+                    <a:lumMod val="75000"/>
+                  </a:schemeClr>
+                </a:solidFill>
+              </a:rPr>
+              <a:t>Strings und Arrays</a:t>
+            </a:r>
+            <a:endParaRPr lang="de-DE" sz="2000" dirty="0">
+              <a:solidFill>
+                <a:schemeClr val="bg1">
+                  <a:lumMod val="75000"/>
+                </a:schemeClr>
+              </a:solidFill>
+            </a:endParaRPr>
+          </a:p>
+        </p:txBody>
+      </p:sp>
+    </p:spTree>
+    <p:extLst>
+      <p:ext uri="{BB962C8B-B14F-4D97-AF65-F5344CB8AC3E}">
+        <p14:creationId xmlns:p14="http://schemas.microsoft.com/office/powerpoint/2010/main" val="2521721127"/>
+      </p:ext>
+    </p:extLst>
+  </p:cSld>
+  <p:clrMapOvr>
+    <a:masterClrMapping/>
+  </p:clrMapOvr>
+  <mc:AlternateContent xmlns:mc="http://schemas.openxmlformats.org/markup-compatibility/2006" xmlns:p14="http://schemas.microsoft.com/office/powerpoint/2010/main">
+    <mc:Choice Requires="p14">
+      <p:transition spd="slow" p14:dur="800">
+        <p14:flythrough/>
+      </p:transition>
+    </mc:Choice>
+    <mc:Fallback xmlns="">
+      <p:transition spd="slow">
+        <p:fade/>
+      </p:transition>
+    </mc:Fallback>
+  </mc:AlternateContent>
+  <p:timing>
+    <p:tnLst>
+      <p:par>
+        <p:cTn id="1" dur="indefinite" restart="never" nodeType="tmRoot"/>
+      </p:par>
+    </p:tnLst>
+  </p:timing>
+</p:sld>
+</file>
+
 <file path=ppt/slides/slide3.xml><?xml version="1.0" encoding="utf-8"?>
 <p:sld xmlns:a="http://schemas.openxmlformats.org/drawingml/2006/main" xmlns:r="http://schemas.openxmlformats.org/officeDocument/2006/relationships" xmlns:p="http://schemas.openxmlformats.org/presentationml/2006/main">
   <p:cSld>
@@ -7549,9 +11515,10 @@
               <a:buNone/>
             </a:pPr>
             <a:r>
-              <a:rPr lang="de-DE" sz="2000" dirty="0" smtClean="0"/>
+              <a:rPr lang="de-DE" sz="2000" smtClean="0"/>
               <a:t>Wichtige Programmiersprachen - Überblick</a:t>
             </a:r>
+            <a:endParaRPr lang="de-DE" sz="2000" dirty="0" smtClean="0"/>
           </a:p>
           <a:p>
             <a:pPr marL="0" indent="0">
@@ -7698,8 +11665,12 @@
               <a:buNone/>
             </a:pPr>
             <a:r>
+              <a:rPr lang="de-DE" sz="2000" smtClean="0"/>
+              <a:t>Was ist ein Programm</a:t>
+            </a:r>
+            <a:r>
               <a:rPr lang="de-DE" sz="2000" dirty="0"/>
-              <a:t>Was ist ein Programm?</a:t>
+              <a:t>?</a:t>
             </a:r>
           </a:p>
           <a:p>
@@ -7707,36 +11678,44 @@
               <a:buNone/>
             </a:pPr>
             <a:r>
-              <a:rPr lang="de-DE" sz="2000" dirty="0"/>
+              <a:rPr lang="de-DE" sz="2000" smtClean="0"/>
               <a:t>Syntax und Semantik</a:t>
             </a:r>
+            <a:endParaRPr lang="de-DE" sz="2000" dirty="0"/>
           </a:p>
           <a:p>
             <a:pPr marL="0" indent="0">
               <a:buNone/>
             </a:pPr>
             <a:r>
-              <a:rPr lang="de-DE" sz="2000" dirty="0"/>
+              <a:rPr lang="de-DE" sz="2000" smtClean="0"/>
               <a:t>Ein erstes Programm</a:t>
             </a:r>
+            <a:endParaRPr lang="de-DE" sz="2000" dirty="0"/>
           </a:p>
           <a:p>
             <a:pPr marL="0" indent="0">
               <a:buNone/>
             </a:pPr>
             <a:r>
-              <a:rPr lang="de-DE" sz="2000" dirty="0"/>
-              <a:t>Einfache Datentypen und Variablen</a:t>
-            </a:r>
+              <a:rPr lang="de-DE" sz="2000" smtClean="0"/>
+              <a:t>Primitive Datentypen und Variablen</a:t>
+            </a:r>
+            <a:endParaRPr lang="de-DE" sz="2000" dirty="0"/>
           </a:p>
           <a:p>
             <a:pPr marL="0" indent="0">
               <a:buNone/>
             </a:pPr>
             <a:r>
-              <a:rPr lang="de-DE" sz="2000" dirty="0"/>
-              <a:t>Abfragen, Schleifen</a:t>
-            </a:r>
+              <a:rPr lang="de-DE" sz="2000" err="1" smtClean="0"/>
+              <a:t>Abfragen</a:t>
+            </a:r>
+            <a:r>
+              <a:rPr lang="de-DE" sz="2000" smtClean="0"/>
+              <a:t>, Schleifen</a:t>
+            </a:r>
+            <a:endParaRPr lang="de-DE" sz="2000" dirty="0"/>
           </a:p>
           <a:p>
             <a:pPr marL="0" indent="0">
@@ -7752,18 +11731,20 @@
               <a:buNone/>
             </a:pPr>
             <a:r>
-              <a:rPr lang="de-DE" sz="2000" dirty="0"/>
+              <a:rPr lang="de-DE" sz="2000" smtClean="0"/>
               <a:t>    Klassen und Objekte</a:t>
             </a:r>
+            <a:endParaRPr lang="de-DE" sz="2000" dirty="0"/>
           </a:p>
           <a:p>
             <a:pPr marL="0" indent="0">
               <a:buNone/>
             </a:pPr>
             <a:r>
-              <a:rPr lang="de-DE" sz="2000" dirty="0"/>
+              <a:rPr lang="de-DE" sz="2000" smtClean="0"/>
               <a:t>    Attribute und Methoden</a:t>
             </a:r>
+            <a:endParaRPr lang="de-DE" sz="2000" dirty="0"/>
           </a:p>
           <a:p>
             <a:pPr marL="0" indent="0">
@@ -7779,9 +11760,10 @@
               <a:buNone/>
             </a:pPr>
             <a:r>
-              <a:rPr lang="de-DE" sz="2000" dirty="0"/>
+              <a:rPr lang="de-DE" sz="2000" smtClean="0"/>
               <a:t>Strings und Arrays</a:t>
             </a:r>
+            <a:endParaRPr lang="de-DE" sz="2000" dirty="0"/>
           </a:p>
         </p:txBody>
       </p:sp>
@@ -7892,8 +11874,12 @@
               <a:buNone/>
             </a:pPr>
             <a:r>
+              <a:rPr lang="de-DE" sz="2000" b="1" smtClean="0"/>
+              <a:t>Was ist ein Programm</a:t>
+            </a:r>
+            <a:r>
               <a:rPr lang="de-DE" sz="2000" b="1" dirty="0"/>
-              <a:t>Was ist ein Programm?</a:t>
+              <a:t>?</a:t>
             </a:r>
           </a:p>
           <a:p>
@@ -7901,7 +11887,7 @@
               <a:buNone/>
             </a:pPr>
             <a:r>
-              <a:rPr lang="de-DE" sz="2000" dirty="0">
+              <a:rPr lang="de-DE" sz="2000" smtClean="0">
                 <a:solidFill>
                   <a:schemeClr val="bg1">
                     <a:lumMod val="75000"/>
@@ -7910,13 +11896,20 @@
               </a:rPr>
               <a:t>Syntax und Semantik</a:t>
             </a:r>
+            <a:endParaRPr lang="de-DE" sz="2000" dirty="0">
+              <a:solidFill>
+                <a:schemeClr val="bg1">
+                  <a:lumMod val="75000"/>
+                </a:schemeClr>
+              </a:solidFill>
+            </a:endParaRPr>
           </a:p>
           <a:p>
             <a:pPr marL="0" indent="0">
               <a:buNone/>
             </a:pPr>
             <a:r>
-              <a:rPr lang="de-DE" sz="2000" dirty="0">
+              <a:rPr lang="de-DE" sz="2000" smtClean="0">
                 <a:solidFill>
                   <a:schemeClr val="bg1">
                     <a:lumMod val="75000"/>
@@ -7925,80 +11918,91 @@
               </a:rPr>
               <a:t>Ein erstes Programm</a:t>
             </a:r>
+            <a:endParaRPr lang="de-DE" sz="2000" dirty="0">
+              <a:solidFill>
+                <a:schemeClr val="bg1">
+                  <a:lumMod val="75000"/>
+                </a:schemeClr>
+              </a:solidFill>
+            </a:endParaRPr>
           </a:p>
           <a:p>
             <a:pPr marL="0" indent="0">
               <a:buNone/>
             </a:pPr>
             <a:r>
-              <a:rPr lang="de-DE" sz="2000" dirty="0">
+              <a:rPr lang="de-DE" sz="2000" smtClean="0">
                 <a:solidFill>
                   <a:schemeClr val="bg1">
                     <a:lumMod val="75000"/>
                   </a:schemeClr>
                 </a:solidFill>
               </a:rPr>
-              <a:t>Einfache Datentypen und Variablen</a:t>
-            </a:r>
-          </a:p>
-          <a:p>
-            <a:pPr marL="0" indent="0">
-              <a:buNone/>
-            </a:pPr>
-            <a:r>
-              <a:rPr lang="de-DE" sz="2000" dirty="0">
+              <a:t>Primitive </a:t>
+            </a:r>
+            <a:r>
+              <a:rPr lang="de-DE" sz="2000" smtClean="0">
                 <a:solidFill>
                   <a:schemeClr val="bg1">
                     <a:lumMod val="75000"/>
                   </a:schemeClr>
                 </a:solidFill>
               </a:rPr>
-              <a:t>Abfragen, Schleifen</a:t>
-            </a:r>
+              <a:t>Datentypen und Variablen</a:t>
+            </a:r>
+            <a:endParaRPr lang="de-DE" sz="2000" dirty="0">
+              <a:solidFill>
+                <a:schemeClr val="bg1">
+                  <a:lumMod val="75000"/>
+                </a:schemeClr>
+              </a:solidFill>
+            </a:endParaRPr>
           </a:p>
           <a:p>
             <a:pPr marL="0" indent="0">
               <a:buNone/>
             </a:pPr>
             <a:r>
-              <a:rPr lang="de-DE" sz="2000" i="1" dirty="0">
+              <a:rPr lang="de-DE" sz="2000" err="1" smtClean="0">
                 <a:solidFill>
                   <a:schemeClr val="bg1">
                     <a:lumMod val="75000"/>
                   </a:schemeClr>
                 </a:solidFill>
               </a:rPr>
-              <a:t>Objektorientierung:</a:t>
-            </a:r>
-          </a:p>
-          <a:p>
-            <a:pPr marL="0" indent="0">
-              <a:buNone/>
-            </a:pPr>
-            <a:r>
-              <a:rPr lang="de-DE" sz="2000" dirty="0">
+              <a:t>Abfragen</a:t>
+            </a:r>
+            <a:r>
+              <a:rPr lang="de-DE" sz="2000" smtClean="0">
                 <a:solidFill>
                   <a:schemeClr val="bg1">
                     <a:lumMod val="75000"/>
                   </a:schemeClr>
                 </a:solidFill>
               </a:rPr>
-              <a:t>    Klassen und Objekte</a:t>
-            </a:r>
+              <a:t>, Schleifen</a:t>
+            </a:r>
+            <a:endParaRPr lang="de-DE" sz="2000" dirty="0">
+              <a:solidFill>
+                <a:schemeClr val="bg1">
+                  <a:lumMod val="75000"/>
+                </a:schemeClr>
+              </a:solidFill>
+            </a:endParaRPr>
           </a:p>
           <a:p>
             <a:pPr marL="0" indent="0">
               <a:buNone/>
             </a:pPr>
             <a:r>
-              <a:rPr lang="de-DE" sz="2000" dirty="0">
+              <a:rPr lang="de-DE" sz="2000" i="1" dirty="0">
                 <a:solidFill>
                   <a:schemeClr val="bg1">
                     <a:lumMod val="75000"/>
                   </a:schemeClr>
                 </a:solidFill>
               </a:rPr>
-              <a:t>    Attribute und Methoden</a:t>
+              <a:t>Objektorientierung:</a:t>
             </a:r>
           </a:p>
           <a:p>
@@ -8006,30 +12010,81 @@
               <a:buNone/>
             </a:pPr>
             <a:r>
-              <a:rPr lang="de-DE" sz="2000" dirty="0">
+              <a:rPr lang="de-DE" sz="2000" smtClean="0">
                 <a:solidFill>
                   <a:schemeClr val="bg1">
                     <a:lumMod val="75000"/>
                   </a:schemeClr>
                 </a:solidFill>
               </a:rPr>
-              <a:t>Namenskonvention</a:t>
-            </a:r>
+              <a:t>    Klassen und Objekte</a:t>
+            </a:r>
+            <a:endParaRPr lang="de-DE" sz="2000" dirty="0">
+              <a:solidFill>
+                <a:schemeClr val="bg1">
+                  <a:lumMod val="75000"/>
+                </a:schemeClr>
+              </a:solidFill>
+            </a:endParaRPr>
           </a:p>
           <a:p>
             <a:pPr marL="0" indent="0">
               <a:buNone/>
             </a:pPr>
             <a:r>
-              <a:rPr lang="de-DE" sz="2000" dirty="0">
+              <a:rPr lang="de-DE" sz="2000" smtClean="0">
                 <a:solidFill>
                   <a:schemeClr val="bg1">
                     <a:lumMod val="75000"/>
                   </a:schemeClr>
                 </a:solidFill>
               </a:rPr>
+              <a:t>    Attribute und Methoden</a:t>
+            </a:r>
+            <a:endParaRPr lang="de-DE" sz="2000" dirty="0">
+              <a:solidFill>
+                <a:schemeClr val="bg1">
+                  <a:lumMod val="75000"/>
+                </a:schemeClr>
+              </a:solidFill>
+            </a:endParaRPr>
+          </a:p>
+          <a:p>
+            <a:pPr marL="0" indent="0">
+              <a:buNone/>
+            </a:pPr>
+            <a:r>
+              <a:rPr lang="de-DE" sz="2000" dirty="0">
+                <a:solidFill>
+                  <a:schemeClr val="bg1">
+                    <a:lumMod val="75000"/>
+                  </a:schemeClr>
+                </a:solidFill>
+              </a:rPr>
+              <a:t>Namenskonvention</a:t>
+            </a:r>
+          </a:p>
+          <a:p>
+            <a:pPr marL="0" indent="0">
+              <a:buNone/>
+            </a:pPr>
+            <a:r>
+              <a:rPr lang="de-DE" sz="2000" smtClean="0">
+                <a:solidFill>
+                  <a:schemeClr val="bg1">
+                    <a:lumMod val="75000"/>
+                  </a:schemeClr>
+                </a:solidFill>
+              </a:rPr>
               <a:t>Strings und Arrays</a:t>
             </a:r>
+            <a:endParaRPr lang="de-DE" sz="2000" dirty="0">
+              <a:solidFill>
+                <a:schemeClr val="bg1">
+                  <a:lumMod val="75000"/>
+                </a:schemeClr>
+              </a:solidFill>
+            </a:endParaRPr>
           </a:p>
         </p:txBody>
       </p:sp>
@@ -8098,12 +12153,20 @@
           <a:lstStyle/>
           <a:p>
             <a:r>
+              <a:rPr lang="de-DE" smtClean="0">
+                <a:solidFill>
+                  <a:srgbClr val="831420"/>
+                </a:solidFill>
+              </a:rPr>
+              <a:t>Was ist ein Programm</a:t>
+            </a:r>
+            <a:r>
               <a:rPr lang="de-DE" dirty="0" smtClean="0">
                 <a:solidFill>
                   <a:srgbClr val="831420"/>
                 </a:solidFill>
               </a:rPr>
-              <a:t>Was ist ein Programm?</a:t>
+              <a:t>?</a:t>
             </a:r>
             <a:endParaRPr lang="de-DE" dirty="0">
               <a:solidFill>
@@ -8143,9 +12206,10 @@
           </a:p>
           <a:p>
             <a:r>
-              <a:rPr lang="de-DE" sz="2000" dirty="0" smtClean="0"/>
+              <a:rPr lang="de-DE" sz="2000" smtClean="0"/>
               <a:t>Computer sind dumm und faul</a:t>
             </a:r>
+            <a:endParaRPr lang="de-DE" sz="2000" dirty="0" smtClean="0"/>
           </a:p>
           <a:p>
             <a:pPr lvl="1">
@@ -8153,9 +12217,10 @@
               <a:buChar char="•"/>
             </a:pPr>
             <a:r>
-              <a:rPr lang="de-DE" sz="1600" dirty="0" smtClean="0"/>
+              <a:rPr lang="de-DE" sz="1600" smtClean="0"/>
               <a:t>sie können nichts von allein</a:t>
             </a:r>
+            <a:endParaRPr lang="de-DE" sz="1600" dirty="0" smtClean="0"/>
           </a:p>
           <a:p>
             <a:pPr lvl="1">
@@ -8163,15 +12228,17 @@
               <a:buChar char="•"/>
             </a:pPr>
             <a:r>
-              <a:rPr lang="de-DE" sz="1600" dirty="0" smtClean="0"/>
+              <a:rPr lang="de-DE" sz="1600" smtClean="0"/>
               <a:t>und machen nur was man ihnen sagt</a:t>
             </a:r>
-          </a:p>
-          <a:p>
-            <a:r>
-              <a:rPr lang="de-DE" sz="2000" dirty="0" smtClean="0"/>
+            <a:endParaRPr lang="de-DE" sz="1600" dirty="0" smtClean="0"/>
+          </a:p>
+          <a:p>
+            <a:r>
+              <a:rPr lang="de-DE" sz="2000" smtClean="0"/>
               <a:t>Ein Computerprogramm ist</a:t>
             </a:r>
+            <a:endParaRPr lang="de-DE" sz="2000" dirty="0" smtClean="0"/>
           </a:p>
           <a:p>
             <a:pPr lvl="1">
@@ -8179,7 +12246,7 @@
               <a:buChar char="•"/>
             </a:pPr>
             <a:r>
-              <a:rPr lang="de-DE" sz="1600" dirty="0" smtClean="0"/>
+              <a:rPr lang="de-DE" sz="1600" smtClean="0"/>
               <a:t>eine Abfolge von Befehlen</a:t>
             </a:r>
             <a:endParaRPr lang="de-DE" sz="1600" dirty="0"/>
@@ -8190,9 +12257,10 @@
               <a:buChar char="•"/>
             </a:pPr>
             <a:r>
-              <a:rPr lang="de-DE" sz="1600" dirty="0"/>
+              <a:rPr lang="de-DE" sz="1600" smtClean="0"/>
               <a:t>für den Computer verständlich</a:t>
             </a:r>
+            <a:endParaRPr lang="de-DE" sz="1600" dirty="0"/>
           </a:p>
           <a:p>
             <a:endParaRPr lang="de-DE" sz="2000" dirty="0" smtClean="0"/>
@@ -8642,29 +12710,15 @@
               <a:buNone/>
             </a:pPr>
             <a:r>
-              <a:rPr lang="de-DE" sz="2000" dirty="0">
+              <a:rPr lang="de-DE" sz="2000" smtClean="0">
                 <a:solidFill>
                   <a:schemeClr val="bg1">
                     <a:lumMod val="75000"/>
                   </a:schemeClr>
                 </a:solidFill>
               </a:rPr>
-              <a:t>Was ist ein Programm?</a:t>
-            </a:r>
-          </a:p>
-          <a:p>
-            <a:pPr marL="0" indent="0">
-              <a:buNone/>
-            </a:pPr>
-            <a:r>
-              <a:rPr lang="de-DE" sz="2000" b="1" dirty="0"/>
-              <a:t>Syntax und Semantik</a:t>
-            </a:r>
-          </a:p>
-          <a:p>
-            <a:pPr marL="0" indent="0">
-              <a:buNone/>
-            </a:pPr>
+              <a:t>Was ist ein Programm</a:t>
+            </a:r>
             <a:r>
               <a:rPr lang="de-DE" sz="2000" dirty="0">
                 <a:solidFill>
@@ -8673,7 +12727,7 @@
                   </a:schemeClr>
                 </a:solidFill>
               </a:rPr>
-              <a:t>Ein erstes Programm</a:t>
+              <a:t>?</a:t>
             </a:r>
           </a:p>
           <a:p>
@@ -8681,89 +12735,110 @@
               <a:buNone/>
             </a:pPr>
             <a:r>
-              <a:rPr lang="de-DE" sz="2000" dirty="0">
+              <a:rPr lang="de-DE" sz="2000" b="1" smtClean="0"/>
+              <a:t>Syntax und Semantik</a:t>
+            </a:r>
+            <a:endParaRPr lang="de-DE" sz="2000" b="1" dirty="0"/>
+          </a:p>
+          <a:p>
+            <a:pPr marL="0" indent="0">
+              <a:buNone/>
+            </a:pPr>
+            <a:r>
+              <a:rPr lang="de-DE" sz="2000" smtClean="0">
                 <a:solidFill>
                   <a:schemeClr val="bg1">
                     <a:lumMod val="75000"/>
                   </a:schemeClr>
                 </a:solidFill>
               </a:rPr>
-              <a:t>Einfache Datentypen und Variablen</a:t>
-            </a:r>
+              <a:t>Ein erstes Programm</a:t>
+            </a:r>
+            <a:endParaRPr lang="de-DE" sz="2000" dirty="0">
+              <a:solidFill>
+                <a:schemeClr val="bg1">
+                  <a:lumMod val="75000"/>
+                </a:schemeClr>
+              </a:solidFill>
+            </a:endParaRPr>
           </a:p>
           <a:p>
             <a:pPr marL="0" indent="0">
               <a:buNone/>
             </a:pPr>
             <a:r>
-              <a:rPr lang="de-DE" sz="2000" dirty="0">
+              <a:rPr lang="de-DE" sz="2000" smtClean="0">
                 <a:solidFill>
                   <a:schemeClr val="bg1">
                     <a:lumMod val="75000"/>
                   </a:schemeClr>
                 </a:solidFill>
               </a:rPr>
-              <a:t>Abfragen, Schleifen</a:t>
-            </a:r>
-          </a:p>
-          <a:p>
-            <a:pPr marL="0" indent="0">
-              <a:buNone/>
-            </a:pPr>
-            <a:r>
-              <a:rPr lang="de-DE" sz="2000" i="1" dirty="0">
+              <a:t>Primitive </a:t>
+            </a:r>
+            <a:r>
+              <a:rPr lang="de-DE" sz="2000" smtClean="0">
                 <a:solidFill>
                   <a:schemeClr val="bg1">
                     <a:lumMod val="75000"/>
                   </a:schemeClr>
                 </a:solidFill>
               </a:rPr>
-              <a:t>Objektorientierung:</a:t>
-            </a:r>
+              <a:t>Datentypen und Variablen</a:t>
+            </a:r>
+            <a:endParaRPr lang="de-DE" sz="2000" dirty="0">
+              <a:solidFill>
+                <a:schemeClr val="bg1">
+                  <a:lumMod val="75000"/>
+                </a:schemeClr>
+              </a:solidFill>
+            </a:endParaRPr>
           </a:p>
           <a:p>
             <a:pPr marL="0" indent="0">
               <a:buNone/>
             </a:pPr>
             <a:r>
-              <a:rPr lang="de-DE" sz="2000" dirty="0">
+              <a:rPr lang="de-DE" sz="2000" err="1" smtClean="0">
                 <a:solidFill>
                   <a:schemeClr val="bg1">
                     <a:lumMod val="75000"/>
                   </a:schemeClr>
                 </a:solidFill>
               </a:rPr>
-              <a:t>    Klassen und Objekte</a:t>
-            </a:r>
-          </a:p>
-          <a:p>
-            <a:pPr marL="0" indent="0">
-              <a:buNone/>
-            </a:pPr>
-            <a:r>
-              <a:rPr lang="de-DE" sz="2000" dirty="0">
+              <a:t>Abfragen</a:t>
+            </a:r>
+            <a:r>
+              <a:rPr lang="de-DE" sz="2000" smtClean="0">
                 <a:solidFill>
                   <a:schemeClr val="bg1">
                     <a:lumMod val="75000"/>
                   </a:schemeClr>
                 </a:solidFill>
               </a:rPr>
-              <a:t>    Attribute und Methoden</a:t>
-            </a:r>
+              <a:t>, Schleifen</a:t>
+            </a:r>
+            <a:endParaRPr lang="de-DE" sz="2000" dirty="0">
+              <a:solidFill>
+                <a:schemeClr val="bg1">
+                  <a:lumMod val="75000"/>
+                </a:schemeClr>
+              </a:solidFill>
+            </a:endParaRPr>
           </a:p>
           <a:p>
             <a:pPr marL="0" indent="0">
               <a:buNone/>
             </a:pPr>
             <a:r>
-              <a:rPr lang="de-DE" sz="2000" dirty="0">
+              <a:rPr lang="de-DE" sz="2000" i="1" dirty="0">
                 <a:solidFill>
                   <a:schemeClr val="bg1">
                     <a:lumMod val="75000"/>
                   </a:schemeClr>
                 </a:solidFill>
               </a:rPr>
-              <a:t>Namenskonvention</a:t>
+              <a:t>Objektorientierung:</a:t>
             </a:r>
           </a:p>
           <a:p>
@@ -8771,15 +12846,81 @@
               <a:buNone/>
             </a:pPr>
             <a:r>
-              <a:rPr lang="de-DE" sz="2000" dirty="0">
+              <a:rPr lang="de-DE" sz="2000" smtClean="0">
                 <a:solidFill>
                   <a:schemeClr val="bg1">
                     <a:lumMod val="75000"/>
                   </a:schemeClr>
                 </a:solidFill>
               </a:rPr>
+              <a:t>    Klassen und Objekte</a:t>
+            </a:r>
+            <a:endParaRPr lang="de-DE" sz="2000" dirty="0">
+              <a:solidFill>
+                <a:schemeClr val="bg1">
+                  <a:lumMod val="75000"/>
+                </a:schemeClr>
+              </a:solidFill>
+            </a:endParaRPr>
+          </a:p>
+          <a:p>
+            <a:pPr marL="0" indent="0">
+              <a:buNone/>
+            </a:pPr>
+            <a:r>
+              <a:rPr lang="de-DE" sz="2000" smtClean="0">
+                <a:solidFill>
+                  <a:schemeClr val="bg1">
+                    <a:lumMod val="75000"/>
+                  </a:schemeClr>
+                </a:solidFill>
+              </a:rPr>
+              <a:t>    Attribute und Methoden</a:t>
+            </a:r>
+            <a:endParaRPr lang="de-DE" sz="2000" dirty="0">
+              <a:solidFill>
+                <a:schemeClr val="bg1">
+                  <a:lumMod val="75000"/>
+                </a:schemeClr>
+              </a:solidFill>
+            </a:endParaRPr>
+          </a:p>
+          <a:p>
+            <a:pPr marL="0" indent="0">
+              <a:buNone/>
+            </a:pPr>
+            <a:r>
+              <a:rPr lang="de-DE" sz="2000" dirty="0">
+                <a:solidFill>
+                  <a:schemeClr val="bg1">
+                    <a:lumMod val="75000"/>
+                  </a:schemeClr>
+                </a:solidFill>
+              </a:rPr>
+              <a:t>Namenskonvention</a:t>
+            </a:r>
+          </a:p>
+          <a:p>
+            <a:pPr marL="0" indent="0">
+              <a:buNone/>
+            </a:pPr>
+            <a:r>
+              <a:rPr lang="de-DE" sz="2000" smtClean="0">
+                <a:solidFill>
+                  <a:schemeClr val="bg1">
+                    <a:lumMod val="75000"/>
+                  </a:schemeClr>
+                </a:solidFill>
+              </a:rPr>
               <a:t>Strings und Arrays</a:t>
             </a:r>
+            <a:endParaRPr lang="de-DE" sz="2000" dirty="0">
+              <a:solidFill>
+                <a:schemeClr val="bg1">
+                  <a:lumMod val="75000"/>
+                </a:schemeClr>
+              </a:solidFill>
+            </a:endParaRPr>
           </a:p>
         </p:txBody>
       </p:sp>
@@ -8848,7 +12989,7 @@
           <a:lstStyle/>
           <a:p>
             <a:r>
-              <a:rPr lang="de-DE" dirty="0" smtClean="0">
+              <a:rPr lang="de-DE" smtClean="0">
                 <a:solidFill>
                   <a:srgbClr val="831420"/>
                 </a:solidFill>
@@ -8903,6 +13044,7 @@
               <a:rPr lang="de-DE" sz="1600" dirty="0" smtClean="0"/>
               <a:t>Die Bedeutung des Programms</a:t>
             </a:r>
+            <a:endParaRPr lang="de-DE" sz="1600" dirty="0" smtClean="0"/>
           </a:p>
           <a:p>
             <a:pPr lvl="1">
@@ -8911,7 +13053,11 @@
             </a:pPr>
             <a:r>
               <a:rPr lang="de-DE" sz="1600" dirty="0" smtClean="0"/>
-              <a:t>Was macht das Programm?</a:t>
+              <a:t>Was macht das Programm</a:t>
+            </a:r>
+            <a:r>
+              <a:rPr lang="de-DE" sz="1600" dirty="0" smtClean="0"/>
+              <a:t>?</a:t>
             </a:r>
           </a:p>
           <a:p>
@@ -8932,6 +13078,7 @@
               <a:rPr lang="de-DE" sz="1600" dirty="0" smtClean="0"/>
               <a:t>Die Form des Programms</a:t>
             </a:r>
+            <a:endParaRPr lang="de-DE" sz="1600" dirty="0" smtClean="0"/>
           </a:p>
           <a:p>
             <a:pPr lvl="1">
@@ -8941,6 +13088,20 @@
             <a:r>
               <a:rPr lang="de-DE" sz="1600" dirty="0" smtClean="0"/>
               <a:t>Wie sieht das Programm aus?</a:t>
+            </a:r>
+          </a:p>
+          <a:p>
+            <a:pPr lvl="1">
+              <a:buFont typeface="Arial" panose="020B0604020202020204" pitchFamily="34" charset="0"/>
+              <a:buChar char="•"/>
+            </a:pPr>
+            <a:r>
+              <a:rPr lang="de-DE" sz="1600" dirty="0"/>
+              <a:t>Beispiele: Geschweifte Klammern, Semikolon nach jedem </a:t>
+            </a:r>
+            <a:r>
+              <a:rPr lang="de-DE" sz="1600" dirty="0" smtClean="0"/>
+              <a:t>Befehl</a:t>
             </a:r>
             <a:endParaRPr lang="de-DE" sz="1600" dirty="0"/>
           </a:p>
@@ -9185,7 +13346,7 @@
           <a:lstStyle/>
           <a:p>
             <a:r>
-              <a:rPr lang="de-DE" dirty="0" smtClean="0">
+              <a:rPr lang="de-DE" smtClean="0">
                 <a:solidFill>
                   <a:srgbClr val="831420"/>
                 </a:solidFill>
@@ -9248,6 +13409,11 @@
               </a:rPr>
               <a:t>Die Bedeutung des Programms</a:t>
             </a:r>
+            <a:endParaRPr lang="de-DE" sz="1600" dirty="0" smtClean="0">
+              <a:solidFill>
+                <a:srgbClr val="DDDDDD"/>
+              </a:solidFill>
+            </a:endParaRPr>
           </a:p>
           <a:p>
             <a:pPr lvl="1">
@@ -9260,7 +13426,15 @@
                   <a:srgbClr val="DDDDDD"/>
                 </a:solidFill>
               </a:rPr>
-              <a:t>Was macht das Programm?</a:t>
+              <a:t>Was macht das Programm</a:t>
+            </a:r>
+            <a:r>
+              <a:rPr lang="de-DE" sz="1600" dirty="0" smtClean="0">
+                <a:solidFill>
+                  <a:srgbClr val="DDDDDD"/>
+                </a:solidFill>
+              </a:rPr>
+              <a:t>?</a:t>
             </a:r>
           </a:p>
           <a:p>
@@ -9281,6 +13455,7 @@
               <a:rPr lang="de-DE" sz="1600" dirty="0" smtClean="0"/>
               <a:t>Die Form des Programms</a:t>
             </a:r>
+            <a:endParaRPr lang="de-DE" sz="1600" dirty="0" smtClean="0"/>
           </a:p>
           <a:p>
             <a:pPr lvl="1">
@@ -9290,6 +13465,16 @@
             <a:r>
               <a:rPr lang="de-DE" sz="1600" dirty="0" smtClean="0"/>
               <a:t>Wie sieht das Programm aus?</a:t>
+            </a:r>
+          </a:p>
+          <a:p>
+            <a:pPr lvl="1">
+              <a:buFont typeface="Arial" panose="020B0604020202020204" pitchFamily="34" charset="0"/>
+              <a:buChar char="•"/>
+            </a:pPr>
+            <a:r>
+              <a:rPr lang="de-DE" sz="1600" dirty="0" smtClean="0"/>
+              <a:t>Beispiele: Geschweifte Klammern, Semikolon nach jedem Befehl</a:t>
             </a:r>
             <a:endParaRPr lang="de-DE" sz="1600" dirty="0"/>
           </a:p>

--- a/Präsentationen/Anfänger - Java mit NAO.pptx
+++ b/Präsentationen/Anfänger - Java mit NAO.pptx
@@ -5,7 +5,7 @@
     <p:sldMasterId id="2147483648" r:id="rId1"/>
   </p:sldMasterIdLst>
   <p:notesMasterIdLst>
-    <p:notesMasterId r:id="rId23"/>
+    <p:notesMasterId r:id="rId32"/>
   </p:notesMasterIdLst>
   <p:sldIdLst>
     <p:sldId id="288" r:id="rId2"/>
@@ -29,6 +29,15 @@
     <p:sldId id="298" r:id="rId20"/>
     <p:sldId id="303" r:id="rId21"/>
     <p:sldId id="302" r:id="rId22"/>
+    <p:sldId id="304" r:id="rId23"/>
+    <p:sldId id="305" r:id="rId24"/>
+    <p:sldId id="306" r:id="rId25"/>
+    <p:sldId id="307" r:id="rId26"/>
+    <p:sldId id="308" r:id="rId27"/>
+    <p:sldId id="309" r:id="rId28"/>
+    <p:sldId id="310" r:id="rId29"/>
+    <p:sldId id="311" r:id="rId30"/>
+    <p:sldId id="312" r:id="rId31"/>
   </p:sldIdLst>
   <p:sldSz cx="9144000" cy="5715000" type="screen16x10"/>
   <p:notesSz cx="6858000" cy="9144000"/>
@@ -228,7 +237,7 @@
           <a:p>
             <a:fld id="{CC55654B-D41D-4425-B58F-55C2DEAC0691}" type="datetimeFigureOut">
               <a:rPr lang="de-DE" smtClean="0"/>
-              <a:t>17.03.2017</a:t>
+              <a:t>24.03.2017</a:t>
             </a:fld>
             <a:endParaRPr lang="de-DE"/>
           </a:p>
@@ -762,9 +771,6 @@
               </a:rPr>
               <a:t>)“</a:t>
             </a:r>
-            <a:endParaRPr lang="de-DE" i="0" u="none" baseline="0" dirty="0" smtClean="0">
-              <a:sym typeface="Wingdings" panose="05000000000000000000" pitchFamily="2" charset="2"/>
-            </a:endParaRPr>
           </a:p>
           <a:p>
             <a:r>
@@ -1161,9 +1167,6 @@
               </a:rPr>
               <a:t>.</a:t>
             </a:r>
-            <a:endParaRPr lang="de-DE" i="0" u="none" baseline="0" dirty="0" smtClean="0">
-              <a:sym typeface="Wingdings" panose="05000000000000000000" pitchFamily="2" charset="2"/>
-            </a:endParaRPr>
           </a:p>
         </p:txBody>
       </p:sp>
@@ -1654,8 +1657,38 @@
               <a:rPr lang="de-DE" i="0" u="none" baseline="0" dirty="0" smtClean="0">
                 <a:sym typeface="Wingdings" panose="05000000000000000000" pitchFamily="2" charset="2"/>
               </a:rPr>
-              <a:t>Jeder Ganzzahl-Typ ist möglich aber bei den kleineren Datentypen kann es leichter zu „Overflows“ kommen</a:t>
-            </a:r>
+              <a:t>Jeder Ganzzahl-Typ ist möglich aber bei den kleineren Datentypen kann es leichter zu „Overflows“ </a:t>
+            </a:r>
+            <a:r>
+              <a:rPr lang="de-DE" i="0" u="none" baseline="0" dirty="0" smtClean="0">
+                <a:sym typeface="Wingdings" panose="05000000000000000000" pitchFamily="2" charset="2"/>
+              </a:rPr>
+              <a:t>kommen</a:t>
+            </a:r>
+          </a:p>
+          <a:p>
+            <a:endParaRPr lang="de-DE" i="0" u="none" baseline="0" dirty="0" smtClean="0">
+              <a:sym typeface="Wingdings" panose="05000000000000000000" pitchFamily="2" charset="2"/>
+            </a:endParaRPr>
+          </a:p>
+          <a:p>
+            <a:r>
+              <a:rPr lang="de-DE" i="0" u="none" baseline="0" dirty="0" smtClean="0">
+                <a:sym typeface="Wingdings" panose="05000000000000000000" pitchFamily="2" charset="2"/>
+              </a:rPr>
+              <a:t>Die Kinder sollen selbst herausfinden, dass man summe = x + y;</a:t>
+            </a:r>
+          </a:p>
+          <a:p>
+            <a:r>
+              <a:rPr lang="de-DE" i="0" u="none" baseline="0" dirty="0" smtClean="0">
+                <a:sym typeface="Wingdings" panose="05000000000000000000" pitchFamily="2" charset="2"/>
+              </a:rPr>
+              <a:t>(Also die Operatoren) schreiben kann (Dies wurde nur ganz am Anfang einmal kurz in einem Beispielprogramm gezeigt)</a:t>
+            </a:r>
+            <a:endParaRPr lang="de-DE" i="0" u="none" baseline="0" dirty="0" smtClean="0">
+              <a:sym typeface="Wingdings" panose="05000000000000000000" pitchFamily="2" charset="2"/>
+            </a:endParaRPr>
           </a:p>
         </p:txBody>
       </p:sp>
@@ -1874,25 +1907,42 @@
               <a:rPr lang="de-DE" i="0" u="none" baseline="0" dirty="0" smtClean="0">
                 <a:sym typeface="Wingdings" panose="05000000000000000000" pitchFamily="2" charset="2"/>
               </a:rPr>
-              <a:t>Finden die Schüler alle syntaktischen Fehler in diesem Code?</a:t>
-            </a:r>
-          </a:p>
-          <a:p>
+              <a:t>Finden die Schüler alle syntaktischen Fehler in diesem Code</a:t>
+            </a:r>
             <a:r>
               <a:rPr lang="de-DE" i="0" u="none" baseline="0" dirty="0" smtClean="0">
                 <a:sym typeface="Wingdings" panose="05000000000000000000" pitchFamily="2" charset="2"/>
               </a:rPr>
-              <a:t>Der semantische Fehler ist eher ein </a:t>
+              <a:t>?</a:t>
+            </a:r>
+          </a:p>
+          <a:p>
+            <a:r>
+              <a:rPr lang="de-DE" i="0" u="none" baseline="0" dirty="0" smtClean="0">
+                <a:sym typeface="Wingdings" panose="05000000000000000000" pitchFamily="2" charset="2"/>
+              </a:rPr>
+              <a:t>Außerdem existiert noch ein semantischer Fehler:</a:t>
+            </a:r>
+          </a:p>
+          <a:p>
+            <a:r>
+              <a:rPr lang="de-DE" i="0" u="none" baseline="0" dirty="0" smtClean="0">
+                <a:sym typeface="Wingdings" panose="05000000000000000000" pitchFamily="2" charset="2"/>
+              </a:rPr>
+              <a:t>-Die Variable heißt </a:t>
             </a:r>
             <a:r>
               <a:rPr lang="de-DE" i="0" u="none" baseline="0" dirty="0" err="1" smtClean="0">
                 <a:sym typeface="Wingdings" panose="05000000000000000000" pitchFamily="2" charset="2"/>
               </a:rPr>
-              <a:t>EasterEgg</a:t>
-            </a:r>
-            <a:endParaRPr lang="de-DE" i="0" u="none" baseline="0" dirty="0" smtClean="0">
-              <a:sym typeface="Wingdings" panose="05000000000000000000" pitchFamily="2" charset="2"/>
-            </a:endParaRPr>
+              <a:t>differenz</a:t>
+            </a:r>
+            <a:r>
+              <a:rPr lang="de-DE" i="0" u="none" baseline="0" dirty="0" smtClean="0">
+                <a:sym typeface="Wingdings" panose="05000000000000000000" pitchFamily="2" charset="2"/>
+              </a:rPr>
+              <a:t> also sollte man annehmen dass sie diese auch enthält, sie enthält aber eine Summe</a:t>
+            </a:r>
           </a:p>
         </p:txBody>
       </p:sp>
@@ -2016,6 +2066,736 @@
 </p:notes>
 </file>
 
+<file path=ppt/notesSlides/notesSlide22.xml><?xml version="1.0" encoding="utf-8"?>
+<p:notes xmlns:a="http://schemas.openxmlformats.org/drawingml/2006/main" xmlns:r="http://schemas.openxmlformats.org/officeDocument/2006/relationships" xmlns:p="http://schemas.openxmlformats.org/presentationml/2006/main">
+  <p:cSld>
+    <p:spTree>
+      <p:nvGrpSpPr>
+        <p:cNvPr id="1" name=""/>
+        <p:cNvGrpSpPr/>
+        <p:nvPr/>
+      </p:nvGrpSpPr>
+      <p:grpSpPr>
+        <a:xfrm>
+          <a:off x="0" y="0"/>
+          <a:ext cx="0" cy="0"/>
+          <a:chOff x="0" y="0"/>
+          <a:chExt cx="0" cy="0"/>
+        </a:xfrm>
+      </p:grpSpPr>
+      <p:sp>
+        <p:nvSpPr>
+          <p:cNvPr id="2" name="Folienbildplatzhalter 1"/>
+          <p:cNvSpPr>
+            <a:spLocks noGrp="1" noRot="1" noChangeAspect="1"/>
+          </p:cNvSpPr>
+          <p:nvPr>
+            <p:ph type="sldImg"/>
+          </p:nvPr>
+        </p:nvSpPr>
+        <p:spPr/>
+      </p:sp>
+      <p:sp>
+        <p:nvSpPr>
+          <p:cNvPr id="3" name="Notizenplatzhalter 2"/>
+          <p:cNvSpPr>
+            <a:spLocks noGrp="1"/>
+          </p:cNvSpPr>
+          <p:nvPr>
+            <p:ph type="body" idx="1"/>
+          </p:nvPr>
+        </p:nvSpPr>
+        <p:spPr/>
+        <p:txBody>
+          <a:bodyPr/>
+          <a:lstStyle/>
+          <a:p>
+            <a:endParaRPr lang="de-DE" i="0" u="none" baseline="0" dirty="0" smtClean="0">
+              <a:sym typeface="Wingdings" panose="05000000000000000000" pitchFamily="2" charset="2"/>
+            </a:endParaRPr>
+          </a:p>
+        </p:txBody>
+      </p:sp>
+      <p:sp>
+        <p:nvSpPr>
+          <p:cNvPr id="4" name="Foliennummernplatzhalter 3"/>
+          <p:cNvSpPr>
+            <a:spLocks noGrp="1"/>
+          </p:cNvSpPr>
+          <p:nvPr>
+            <p:ph type="sldNum" sz="quarter" idx="10"/>
+          </p:nvPr>
+        </p:nvSpPr>
+        <p:spPr/>
+        <p:txBody>
+          <a:bodyPr/>
+          <a:lstStyle/>
+          <a:p>
+            <a:fld id="{16070E50-C463-4A5B-AC29-20274F3F33D2}" type="slidenum">
+              <a:rPr lang="de-DE" smtClean="0"/>
+              <a:t>22</a:t>
+            </a:fld>
+            <a:endParaRPr lang="de-DE"/>
+          </a:p>
+        </p:txBody>
+      </p:sp>
+    </p:spTree>
+    <p:extLst>
+      <p:ext uri="{BB962C8B-B14F-4D97-AF65-F5344CB8AC3E}">
+        <p14:creationId xmlns:p14="http://schemas.microsoft.com/office/powerpoint/2010/main" val="3909364405"/>
+      </p:ext>
+    </p:extLst>
+  </p:cSld>
+  <p:clrMapOvr>
+    <a:masterClrMapping/>
+  </p:clrMapOvr>
+</p:notes>
+</file>
+
+<file path=ppt/notesSlides/notesSlide23.xml><?xml version="1.0" encoding="utf-8"?>
+<p:notes xmlns:a="http://schemas.openxmlformats.org/drawingml/2006/main" xmlns:r="http://schemas.openxmlformats.org/officeDocument/2006/relationships" xmlns:p="http://schemas.openxmlformats.org/presentationml/2006/main">
+  <p:cSld>
+    <p:spTree>
+      <p:nvGrpSpPr>
+        <p:cNvPr id="1" name=""/>
+        <p:cNvGrpSpPr/>
+        <p:nvPr/>
+      </p:nvGrpSpPr>
+      <p:grpSpPr>
+        <a:xfrm>
+          <a:off x="0" y="0"/>
+          <a:ext cx="0" cy="0"/>
+          <a:chOff x="0" y="0"/>
+          <a:chExt cx="0" cy="0"/>
+        </a:xfrm>
+      </p:grpSpPr>
+      <p:sp>
+        <p:nvSpPr>
+          <p:cNvPr id="2" name="Folienbildplatzhalter 1"/>
+          <p:cNvSpPr>
+            <a:spLocks noGrp="1" noRot="1" noChangeAspect="1"/>
+          </p:cNvSpPr>
+          <p:nvPr>
+            <p:ph type="sldImg"/>
+          </p:nvPr>
+        </p:nvSpPr>
+        <p:spPr/>
+      </p:sp>
+      <p:sp>
+        <p:nvSpPr>
+          <p:cNvPr id="3" name="Notizenplatzhalter 2"/>
+          <p:cNvSpPr>
+            <a:spLocks noGrp="1"/>
+          </p:cNvSpPr>
+          <p:nvPr>
+            <p:ph type="body" idx="1"/>
+          </p:nvPr>
+        </p:nvSpPr>
+        <p:spPr/>
+        <p:txBody>
+          <a:bodyPr/>
+          <a:lstStyle/>
+          <a:p>
+            <a:endParaRPr lang="de-DE" i="0" u="none" baseline="0" dirty="0" smtClean="0">
+              <a:sym typeface="Wingdings" panose="05000000000000000000" pitchFamily="2" charset="2"/>
+            </a:endParaRPr>
+          </a:p>
+        </p:txBody>
+      </p:sp>
+      <p:sp>
+        <p:nvSpPr>
+          <p:cNvPr id="4" name="Foliennummernplatzhalter 3"/>
+          <p:cNvSpPr>
+            <a:spLocks noGrp="1"/>
+          </p:cNvSpPr>
+          <p:nvPr>
+            <p:ph type="sldNum" sz="quarter" idx="10"/>
+          </p:nvPr>
+        </p:nvSpPr>
+        <p:spPr/>
+        <p:txBody>
+          <a:bodyPr/>
+          <a:lstStyle/>
+          <a:p>
+            <a:fld id="{16070E50-C463-4A5B-AC29-20274F3F33D2}" type="slidenum">
+              <a:rPr lang="de-DE" smtClean="0"/>
+              <a:t>23</a:t>
+            </a:fld>
+            <a:endParaRPr lang="de-DE"/>
+          </a:p>
+        </p:txBody>
+      </p:sp>
+    </p:spTree>
+    <p:extLst>
+      <p:ext uri="{BB962C8B-B14F-4D97-AF65-F5344CB8AC3E}">
+        <p14:creationId xmlns:p14="http://schemas.microsoft.com/office/powerpoint/2010/main" val="1323838572"/>
+      </p:ext>
+    </p:extLst>
+  </p:cSld>
+  <p:clrMapOvr>
+    <a:masterClrMapping/>
+  </p:clrMapOvr>
+</p:notes>
+</file>
+
+<file path=ppt/notesSlides/notesSlide24.xml><?xml version="1.0" encoding="utf-8"?>
+<p:notes xmlns:a="http://schemas.openxmlformats.org/drawingml/2006/main" xmlns:r="http://schemas.openxmlformats.org/officeDocument/2006/relationships" xmlns:p="http://schemas.openxmlformats.org/presentationml/2006/main">
+  <p:cSld>
+    <p:spTree>
+      <p:nvGrpSpPr>
+        <p:cNvPr id="1" name=""/>
+        <p:cNvGrpSpPr/>
+        <p:nvPr/>
+      </p:nvGrpSpPr>
+      <p:grpSpPr>
+        <a:xfrm>
+          <a:off x="0" y="0"/>
+          <a:ext cx="0" cy="0"/>
+          <a:chOff x="0" y="0"/>
+          <a:chExt cx="0" cy="0"/>
+        </a:xfrm>
+      </p:grpSpPr>
+      <p:sp>
+        <p:nvSpPr>
+          <p:cNvPr id="2" name="Folienbildplatzhalter 1"/>
+          <p:cNvSpPr>
+            <a:spLocks noGrp="1" noRot="1" noChangeAspect="1"/>
+          </p:cNvSpPr>
+          <p:nvPr>
+            <p:ph type="sldImg"/>
+          </p:nvPr>
+        </p:nvSpPr>
+        <p:spPr/>
+      </p:sp>
+      <p:sp>
+        <p:nvSpPr>
+          <p:cNvPr id="3" name="Notizenplatzhalter 2"/>
+          <p:cNvSpPr>
+            <a:spLocks noGrp="1"/>
+          </p:cNvSpPr>
+          <p:nvPr>
+            <p:ph type="body" idx="1"/>
+          </p:nvPr>
+        </p:nvSpPr>
+        <p:spPr/>
+        <p:txBody>
+          <a:bodyPr/>
+          <a:lstStyle/>
+          <a:p>
+            <a:endParaRPr lang="de-DE" i="0" u="none" baseline="0" dirty="0" smtClean="0">
+              <a:sym typeface="Wingdings" panose="05000000000000000000" pitchFamily="2" charset="2"/>
+            </a:endParaRPr>
+          </a:p>
+        </p:txBody>
+      </p:sp>
+      <p:sp>
+        <p:nvSpPr>
+          <p:cNvPr id="4" name="Foliennummernplatzhalter 3"/>
+          <p:cNvSpPr>
+            <a:spLocks noGrp="1"/>
+          </p:cNvSpPr>
+          <p:nvPr>
+            <p:ph type="sldNum" sz="quarter" idx="10"/>
+          </p:nvPr>
+        </p:nvSpPr>
+        <p:spPr/>
+        <p:txBody>
+          <a:bodyPr/>
+          <a:lstStyle/>
+          <a:p>
+            <a:fld id="{16070E50-C463-4A5B-AC29-20274F3F33D2}" type="slidenum">
+              <a:rPr lang="de-DE" smtClean="0"/>
+              <a:t>24</a:t>
+            </a:fld>
+            <a:endParaRPr lang="de-DE"/>
+          </a:p>
+        </p:txBody>
+      </p:sp>
+    </p:spTree>
+    <p:extLst>
+      <p:ext uri="{BB962C8B-B14F-4D97-AF65-F5344CB8AC3E}">
+        <p14:creationId xmlns:p14="http://schemas.microsoft.com/office/powerpoint/2010/main" val="174258542"/>
+      </p:ext>
+    </p:extLst>
+  </p:cSld>
+  <p:clrMapOvr>
+    <a:masterClrMapping/>
+  </p:clrMapOvr>
+</p:notes>
+</file>
+
+<file path=ppt/notesSlides/notesSlide25.xml><?xml version="1.0" encoding="utf-8"?>
+<p:notes xmlns:a="http://schemas.openxmlformats.org/drawingml/2006/main" xmlns:r="http://schemas.openxmlformats.org/officeDocument/2006/relationships" xmlns:p="http://schemas.openxmlformats.org/presentationml/2006/main">
+  <p:cSld>
+    <p:spTree>
+      <p:nvGrpSpPr>
+        <p:cNvPr id="1" name=""/>
+        <p:cNvGrpSpPr/>
+        <p:nvPr/>
+      </p:nvGrpSpPr>
+      <p:grpSpPr>
+        <a:xfrm>
+          <a:off x="0" y="0"/>
+          <a:ext cx="0" cy="0"/>
+          <a:chOff x="0" y="0"/>
+          <a:chExt cx="0" cy="0"/>
+        </a:xfrm>
+      </p:grpSpPr>
+      <p:sp>
+        <p:nvSpPr>
+          <p:cNvPr id="2" name="Folienbildplatzhalter 1"/>
+          <p:cNvSpPr>
+            <a:spLocks noGrp="1" noRot="1" noChangeAspect="1"/>
+          </p:cNvSpPr>
+          <p:nvPr>
+            <p:ph type="sldImg"/>
+          </p:nvPr>
+        </p:nvSpPr>
+        <p:spPr/>
+      </p:sp>
+      <p:sp>
+        <p:nvSpPr>
+          <p:cNvPr id="3" name="Notizenplatzhalter 2"/>
+          <p:cNvSpPr>
+            <a:spLocks noGrp="1"/>
+          </p:cNvSpPr>
+          <p:nvPr>
+            <p:ph type="body" idx="1"/>
+          </p:nvPr>
+        </p:nvSpPr>
+        <p:spPr/>
+        <p:txBody>
+          <a:bodyPr/>
+          <a:lstStyle/>
+          <a:p>
+            <a:endParaRPr lang="de-DE" i="0" u="none" baseline="0" dirty="0" smtClean="0">
+              <a:sym typeface="Wingdings" panose="05000000000000000000" pitchFamily="2" charset="2"/>
+            </a:endParaRPr>
+          </a:p>
+        </p:txBody>
+      </p:sp>
+      <p:sp>
+        <p:nvSpPr>
+          <p:cNvPr id="4" name="Foliennummernplatzhalter 3"/>
+          <p:cNvSpPr>
+            <a:spLocks noGrp="1"/>
+          </p:cNvSpPr>
+          <p:nvPr>
+            <p:ph type="sldNum" sz="quarter" idx="10"/>
+          </p:nvPr>
+        </p:nvSpPr>
+        <p:spPr/>
+        <p:txBody>
+          <a:bodyPr/>
+          <a:lstStyle/>
+          <a:p>
+            <a:fld id="{16070E50-C463-4A5B-AC29-20274F3F33D2}" type="slidenum">
+              <a:rPr lang="de-DE" smtClean="0"/>
+              <a:t>25</a:t>
+            </a:fld>
+            <a:endParaRPr lang="de-DE"/>
+          </a:p>
+        </p:txBody>
+      </p:sp>
+    </p:spTree>
+    <p:extLst>
+      <p:ext uri="{BB962C8B-B14F-4D97-AF65-F5344CB8AC3E}">
+        <p14:creationId xmlns:p14="http://schemas.microsoft.com/office/powerpoint/2010/main" val="1311331382"/>
+      </p:ext>
+    </p:extLst>
+  </p:cSld>
+  <p:clrMapOvr>
+    <a:masterClrMapping/>
+  </p:clrMapOvr>
+</p:notes>
+</file>
+
+<file path=ppt/notesSlides/notesSlide26.xml><?xml version="1.0" encoding="utf-8"?>
+<p:notes xmlns:a="http://schemas.openxmlformats.org/drawingml/2006/main" xmlns:r="http://schemas.openxmlformats.org/officeDocument/2006/relationships" xmlns:p="http://schemas.openxmlformats.org/presentationml/2006/main">
+  <p:cSld>
+    <p:spTree>
+      <p:nvGrpSpPr>
+        <p:cNvPr id="1" name=""/>
+        <p:cNvGrpSpPr/>
+        <p:nvPr/>
+      </p:nvGrpSpPr>
+      <p:grpSpPr>
+        <a:xfrm>
+          <a:off x="0" y="0"/>
+          <a:ext cx="0" cy="0"/>
+          <a:chOff x="0" y="0"/>
+          <a:chExt cx="0" cy="0"/>
+        </a:xfrm>
+      </p:grpSpPr>
+      <p:sp>
+        <p:nvSpPr>
+          <p:cNvPr id="2" name="Folienbildplatzhalter 1"/>
+          <p:cNvSpPr>
+            <a:spLocks noGrp="1" noRot="1" noChangeAspect="1"/>
+          </p:cNvSpPr>
+          <p:nvPr>
+            <p:ph type="sldImg"/>
+          </p:nvPr>
+        </p:nvSpPr>
+        <p:spPr/>
+      </p:sp>
+      <p:sp>
+        <p:nvSpPr>
+          <p:cNvPr id="3" name="Notizenplatzhalter 2"/>
+          <p:cNvSpPr>
+            <a:spLocks noGrp="1"/>
+          </p:cNvSpPr>
+          <p:nvPr>
+            <p:ph type="body" idx="1"/>
+          </p:nvPr>
+        </p:nvSpPr>
+        <p:spPr/>
+        <p:txBody>
+          <a:bodyPr/>
+          <a:lstStyle/>
+          <a:p>
+            <a:endParaRPr lang="de-DE" i="0" u="none" baseline="0" dirty="0" smtClean="0">
+              <a:sym typeface="Wingdings" panose="05000000000000000000" pitchFamily="2" charset="2"/>
+            </a:endParaRPr>
+          </a:p>
+        </p:txBody>
+      </p:sp>
+      <p:sp>
+        <p:nvSpPr>
+          <p:cNvPr id="4" name="Foliennummernplatzhalter 3"/>
+          <p:cNvSpPr>
+            <a:spLocks noGrp="1"/>
+          </p:cNvSpPr>
+          <p:nvPr>
+            <p:ph type="sldNum" sz="quarter" idx="10"/>
+          </p:nvPr>
+        </p:nvSpPr>
+        <p:spPr/>
+        <p:txBody>
+          <a:bodyPr/>
+          <a:lstStyle/>
+          <a:p>
+            <a:fld id="{16070E50-C463-4A5B-AC29-20274F3F33D2}" type="slidenum">
+              <a:rPr lang="de-DE" smtClean="0"/>
+              <a:t>26</a:t>
+            </a:fld>
+            <a:endParaRPr lang="de-DE"/>
+          </a:p>
+        </p:txBody>
+      </p:sp>
+    </p:spTree>
+    <p:extLst>
+      <p:ext uri="{BB962C8B-B14F-4D97-AF65-F5344CB8AC3E}">
+        <p14:creationId xmlns:p14="http://schemas.microsoft.com/office/powerpoint/2010/main" val="2247655917"/>
+      </p:ext>
+    </p:extLst>
+  </p:cSld>
+  <p:clrMapOvr>
+    <a:masterClrMapping/>
+  </p:clrMapOvr>
+</p:notes>
+</file>
+
+<file path=ppt/notesSlides/notesSlide27.xml><?xml version="1.0" encoding="utf-8"?>
+<p:notes xmlns:a="http://schemas.openxmlformats.org/drawingml/2006/main" xmlns:r="http://schemas.openxmlformats.org/officeDocument/2006/relationships" xmlns:p="http://schemas.openxmlformats.org/presentationml/2006/main">
+  <p:cSld>
+    <p:spTree>
+      <p:nvGrpSpPr>
+        <p:cNvPr id="1" name=""/>
+        <p:cNvGrpSpPr/>
+        <p:nvPr/>
+      </p:nvGrpSpPr>
+      <p:grpSpPr>
+        <a:xfrm>
+          <a:off x="0" y="0"/>
+          <a:ext cx="0" cy="0"/>
+          <a:chOff x="0" y="0"/>
+          <a:chExt cx="0" cy="0"/>
+        </a:xfrm>
+      </p:grpSpPr>
+      <p:sp>
+        <p:nvSpPr>
+          <p:cNvPr id="2" name="Folienbildplatzhalter 1"/>
+          <p:cNvSpPr>
+            <a:spLocks noGrp="1" noRot="1" noChangeAspect="1"/>
+          </p:cNvSpPr>
+          <p:nvPr>
+            <p:ph type="sldImg"/>
+          </p:nvPr>
+        </p:nvSpPr>
+        <p:spPr/>
+      </p:sp>
+      <p:sp>
+        <p:nvSpPr>
+          <p:cNvPr id="3" name="Notizenplatzhalter 2"/>
+          <p:cNvSpPr>
+            <a:spLocks noGrp="1"/>
+          </p:cNvSpPr>
+          <p:nvPr>
+            <p:ph type="body" idx="1"/>
+          </p:nvPr>
+        </p:nvSpPr>
+        <p:spPr/>
+        <p:txBody>
+          <a:bodyPr/>
+          <a:lstStyle/>
+          <a:p>
+            <a:r>
+              <a:rPr lang="de-DE" i="0" u="none" baseline="0" dirty="0" smtClean="0">
+                <a:sym typeface="Wingdings" panose="05000000000000000000" pitchFamily="2" charset="2"/>
+              </a:rPr>
+              <a:t>Beide Beispiele ergeben das gleiche, es ist das erste Mal dass die Schüler „==„ sehen.</a:t>
+            </a:r>
+          </a:p>
+          <a:p>
+            <a:r>
+              <a:rPr lang="de-DE" i="0" u="none" baseline="0" dirty="0" smtClean="0">
+                <a:sym typeface="Wingdings" panose="05000000000000000000" pitchFamily="2" charset="2"/>
+              </a:rPr>
+              <a:t>Wenn die Schüler nicht fragen was es bedeutet, die Schüler selbst fragen was es bedeutet, und warum man nicht einfach i = 10 schreiben kann.</a:t>
+            </a:r>
+          </a:p>
+          <a:p>
+            <a:r>
+              <a:rPr lang="de-DE" i="0" u="none" baseline="0" dirty="0" smtClean="0">
+                <a:sym typeface="Wingdings" panose="05000000000000000000" pitchFamily="2" charset="2"/>
+              </a:rPr>
+              <a:t>Weitere Frage an die Schüler:</a:t>
+            </a:r>
+          </a:p>
+          <a:p>
+            <a:r>
+              <a:rPr lang="de-DE" i="0" u="none" baseline="0" dirty="0" smtClean="0">
+                <a:sym typeface="Wingdings" panose="05000000000000000000" pitchFamily="2" charset="2"/>
+              </a:rPr>
+              <a:t>Welches der Beispiele ist die bessere Lösung?</a:t>
+            </a:r>
+            <a:endParaRPr lang="de-DE" i="0" u="none" baseline="0" dirty="0" smtClean="0">
+              <a:sym typeface="Wingdings" panose="05000000000000000000" pitchFamily="2" charset="2"/>
+            </a:endParaRPr>
+          </a:p>
+        </p:txBody>
+      </p:sp>
+      <p:sp>
+        <p:nvSpPr>
+          <p:cNvPr id="4" name="Foliennummernplatzhalter 3"/>
+          <p:cNvSpPr>
+            <a:spLocks noGrp="1"/>
+          </p:cNvSpPr>
+          <p:nvPr>
+            <p:ph type="sldNum" sz="quarter" idx="10"/>
+          </p:nvPr>
+        </p:nvSpPr>
+        <p:spPr/>
+        <p:txBody>
+          <a:bodyPr/>
+          <a:lstStyle/>
+          <a:p>
+            <a:fld id="{16070E50-C463-4A5B-AC29-20274F3F33D2}" type="slidenum">
+              <a:rPr lang="de-DE" smtClean="0"/>
+              <a:t>27</a:t>
+            </a:fld>
+            <a:endParaRPr lang="de-DE"/>
+          </a:p>
+        </p:txBody>
+      </p:sp>
+    </p:spTree>
+    <p:extLst>
+      <p:ext uri="{BB962C8B-B14F-4D97-AF65-F5344CB8AC3E}">
+        <p14:creationId xmlns:p14="http://schemas.microsoft.com/office/powerpoint/2010/main" val="3542864354"/>
+      </p:ext>
+    </p:extLst>
+  </p:cSld>
+  <p:clrMapOvr>
+    <a:masterClrMapping/>
+  </p:clrMapOvr>
+</p:notes>
+</file>
+
+<file path=ppt/notesSlides/notesSlide28.xml><?xml version="1.0" encoding="utf-8"?>
+<p:notes xmlns:a="http://schemas.openxmlformats.org/drawingml/2006/main" xmlns:r="http://schemas.openxmlformats.org/officeDocument/2006/relationships" xmlns:p="http://schemas.openxmlformats.org/presentationml/2006/main">
+  <p:cSld>
+    <p:spTree>
+      <p:nvGrpSpPr>
+        <p:cNvPr id="1" name=""/>
+        <p:cNvGrpSpPr/>
+        <p:nvPr/>
+      </p:nvGrpSpPr>
+      <p:grpSpPr>
+        <a:xfrm>
+          <a:off x="0" y="0"/>
+          <a:ext cx="0" cy="0"/>
+          <a:chOff x="0" y="0"/>
+          <a:chExt cx="0" cy="0"/>
+        </a:xfrm>
+      </p:grpSpPr>
+      <p:sp>
+        <p:nvSpPr>
+          <p:cNvPr id="2" name="Folienbildplatzhalter 1"/>
+          <p:cNvSpPr>
+            <a:spLocks noGrp="1" noRot="1" noChangeAspect="1"/>
+          </p:cNvSpPr>
+          <p:nvPr>
+            <p:ph type="sldImg"/>
+          </p:nvPr>
+        </p:nvSpPr>
+        <p:spPr/>
+      </p:sp>
+      <p:sp>
+        <p:nvSpPr>
+          <p:cNvPr id="3" name="Notizenplatzhalter 2"/>
+          <p:cNvSpPr>
+            <a:spLocks noGrp="1"/>
+          </p:cNvSpPr>
+          <p:nvPr>
+            <p:ph type="body" idx="1"/>
+          </p:nvPr>
+        </p:nvSpPr>
+        <p:spPr/>
+        <p:txBody>
+          <a:bodyPr/>
+          <a:lstStyle/>
+          <a:p>
+            <a:r>
+              <a:rPr lang="de-DE" i="0" u="none" baseline="0" dirty="0" smtClean="0">
+                <a:sym typeface="Wingdings" panose="05000000000000000000" pitchFamily="2" charset="2"/>
+              </a:rPr>
+              <a:t>Wo ist der</a:t>
+            </a:r>
+            <a:endParaRPr lang="de-DE" i="0" u="none" baseline="0" dirty="0" smtClean="0">
+              <a:sym typeface="Wingdings" panose="05000000000000000000" pitchFamily="2" charset="2"/>
+            </a:endParaRPr>
+          </a:p>
+        </p:txBody>
+      </p:sp>
+      <p:sp>
+        <p:nvSpPr>
+          <p:cNvPr id="4" name="Foliennummernplatzhalter 3"/>
+          <p:cNvSpPr>
+            <a:spLocks noGrp="1"/>
+          </p:cNvSpPr>
+          <p:nvPr>
+            <p:ph type="sldNum" sz="quarter" idx="10"/>
+          </p:nvPr>
+        </p:nvSpPr>
+        <p:spPr/>
+        <p:txBody>
+          <a:bodyPr/>
+          <a:lstStyle/>
+          <a:p>
+            <a:fld id="{16070E50-C463-4A5B-AC29-20274F3F33D2}" type="slidenum">
+              <a:rPr lang="de-DE" smtClean="0"/>
+              <a:t>28</a:t>
+            </a:fld>
+            <a:endParaRPr lang="de-DE"/>
+          </a:p>
+        </p:txBody>
+      </p:sp>
+    </p:spTree>
+    <p:extLst>
+      <p:ext uri="{BB962C8B-B14F-4D97-AF65-F5344CB8AC3E}">
+        <p14:creationId xmlns:p14="http://schemas.microsoft.com/office/powerpoint/2010/main" val="3504687698"/>
+      </p:ext>
+    </p:extLst>
+  </p:cSld>
+  <p:clrMapOvr>
+    <a:masterClrMapping/>
+  </p:clrMapOvr>
+</p:notes>
+</file>
+
+<file path=ppt/notesSlides/notesSlide29.xml><?xml version="1.0" encoding="utf-8"?>
+<p:notes xmlns:a="http://schemas.openxmlformats.org/drawingml/2006/main" xmlns:r="http://schemas.openxmlformats.org/officeDocument/2006/relationships" xmlns:p="http://schemas.openxmlformats.org/presentationml/2006/main">
+  <p:cSld>
+    <p:spTree>
+      <p:nvGrpSpPr>
+        <p:cNvPr id="1" name=""/>
+        <p:cNvGrpSpPr/>
+        <p:nvPr/>
+      </p:nvGrpSpPr>
+      <p:grpSpPr>
+        <a:xfrm>
+          <a:off x="0" y="0"/>
+          <a:ext cx="0" cy="0"/>
+          <a:chOff x="0" y="0"/>
+          <a:chExt cx="0" cy="0"/>
+        </a:xfrm>
+      </p:grpSpPr>
+      <p:sp>
+        <p:nvSpPr>
+          <p:cNvPr id="2" name="Folienbildplatzhalter 1"/>
+          <p:cNvSpPr>
+            <a:spLocks noGrp="1" noRot="1" noChangeAspect="1"/>
+          </p:cNvSpPr>
+          <p:nvPr>
+            <p:ph type="sldImg"/>
+          </p:nvPr>
+        </p:nvSpPr>
+        <p:spPr/>
+      </p:sp>
+      <p:sp>
+        <p:nvSpPr>
+          <p:cNvPr id="3" name="Notizenplatzhalter 2"/>
+          <p:cNvSpPr>
+            <a:spLocks noGrp="1"/>
+          </p:cNvSpPr>
+          <p:nvPr>
+            <p:ph type="body" idx="1"/>
+          </p:nvPr>
+        </p:nvSpPr>
+        <p:spPr/>
+        <p:txBody>
+          <a:bodyPr/>
+          <a:lstStyle/>
+          <a:p>
+            <a:r>
+              <a:rPr lang="de-DE" i="0" u="none" baseline="0" dirty="0" smtClean="0">
+                <a:sym typeface="Wingdings" panose="05000000000000000000" pitchFamily="2" charset="2"/>
+              </a:rPr>
+              <a:t>Wo ist der</a:t>
+            </a:r>
+            <a:endParaRPr lang="de-DE" i="0" u="none" baseline="0" dirty="0" smtClean="0">
+              <a:sym typeface="Wingdings" panose="05000000000000000000" pitchFamily="2" charset="2"/>
+            </a:endParaRPr>
+          </a:p>
+        </p:txBody>
+      </p:sp>
+      <p:sp>
+        <p:nvSpPr>
+          <p:cNvPr id="4" name="Foliennummernplatzhalter 3"/>
+          <p:cNvSpPr>
+            <a:spLocks noGrp="1"/>
+          </p:cNvSpPr>
+          <p:nvPr>
+            <p:ph type="sldNum" sz="quarter" idx="10"/>
+          </p:nvPr>
+        </p:nvSpPr>
+        <p:spPr/>
+        <p:txBody>
+          <a:bodyPr/>
+          <a:lstStyle/>
+          <a:p>
+            <a:fld id="{16070E50-C463-4A5B-AC29-20274F3F33D2}" type="slidenum">
+              <a:rPr lang="de-DE" smtClean="0"/>
+              <a:t>29</a:t>
+            </a:fld>
+            <a:endParaRPr lang="de-DE"/>
+          </a:p>
+        </p:txBody>
+      </p:sp>
+    </p:spTree>
+    <p:extLst>
+      <p:ext uri="{BB962C8B-B14F-4D97-AF65-F5344CB8AC3E}">
+        <p14:creationId xmlns:p14="http://schemas.microsoft.com/office/powerpoint/2010/main" val="3651160594"/>
+      </p:ext>
+    </p:extLst>
+  </p:cSld>
+  <p:clrMapOvr>
+    <a:masterClrMapping/>
+  </p:clrMapOvr>
+</p:notes>
+</file>
+
 <file path=ppt/notesSlides/notesSlide3.xml><?xml version="1.0" encoding="utf-8"?>
 <p:notes xmlns:a="http://schemas.openxmlformats.org/drawingml/2006/main" xmlns:r="http://schemas.openxmlformats.org/officeDocument/2006/relationships" xmlns:p="http://schemas.openxmlformats.org/presentationml/2006/main">
   <p:cSld>
@@ -2109,11 +2889,7 @@
             </a:r>
             <a:r>
               <a:rPr lang="de-DE" baseline="0" dirty="0" smtClean="0"/>
-              <a:t>Objekt</a:t>
-            </a:r>
-            <a:r>
-              <a:rPr lang="de-DE" baseline="0" dirty="0" smtClean="0"/>
-              <a:t>“.</a:t>
+              <a:t>Objekt“.</a:t>
             </a:r>
           </a:p>
           <a:p>
@@ -2194,11 +2970,7 @@
           <a:p>
             <a:r>
               <a:rPr lang="de-DE" b="1" i="1" smtClean="0"/>
-              <a:t>Java</a:t>
-            </a:r>
-            <a:r>
-              <a:rPr lang="de-DE" b="1" i="1" smtClean="0"/>
-              <a:t>:</a:t>
+              <a:t>Java:</a:t>
             </a:r>
             <a:r>
               <a:rPr lang="de-DE" smtClean="0"/>
@@ -2270,6 +3042,92 @@
     <p:extLst>
       <p:ext uri="{BB962C8B-B14F-4D97-AF65-F5344CB8AC3E}">
         <p14:creationId xmlns:p14="http://schemas.microsoft.com/office/powerpoint/2010/main" val="1303661584"/>
+      </p:ext>
+    </p:extLst>
+  </p:cSld>
+  <p:clrMapOvr>
+    <a:masterClrMapping/>
+  </p:clrMapOvr>
+</p:notes>
+</file>
+
+<file path=ppt/notesSlides/notesSlide30.xml><?xml version="1.0" encoding="utf-8"?>
+<p:notes xmlns:a="http://schemas.openxmlformats.org/drawingml/2006/main" xmlns:r="http://schemas.openxmlformats.org/officeDocument/2006/relationships" xmlns:p="http://schemas.openxmlformats.org/presentationml/2006/main">
+  <p:cSld>
+    <p:spTree>
+      <p:nvGrpSpPr>
+        <p:cNvPr id="1" name=""/>
+        <p:cNvGrpSpPr/>
+        <p:nvPr/>
+      </p:nvGrpSpPr>
+      <p:grpSpPr>
+        <a:xfrm>
+          <a:off x="0" y="0"/>
+          <a:ext cx="0" cy="0"/>
+          <a:chOff x="0" y="0"/>
+          <a:chExt cx="0" cy="0"/>
+        </a:xfrm>
+      </p:grpSpPr>
+      <p:sp>
+        <p:nvSpPr>
+          <p:cNvPr id="2" name="Folienbildplatzhalter 1"/>
+          <p:cNvSpPr>
+            <a:spLocks noGrp="1" noRot="1" noChangeAspect="1"/>
+          </p:cNvSpPr>
+          <p:nvPr>
+            <p:ph type="sldImg"/>
+          </p:nvPr>
+        </p:nvSpPr>
+        <p:spPr/>
+      </p:sp>
+      <p:sp>
+        <p:nvSpPr>
+          <p:cNvPr id="3" name="Notizenplatzhalter 2"/>
+          <p:cNvSpPr>
+            <a:spLocks noGrp="1"/>
+          </p:cNvSpPr>
+          <p:nvPr>
+            <p:ph type="body" idx="1"/>
+          </p:nvPr>
+        </p:nvSpPr>
+        <p:spPr/>
+        <p:txBody>
+          <a:bodyPr/>
+          <a:lstStyle/>
+          <a:p>
+            <a:endParaRPr lang="de-DE" i="0" u="none" baseline="0" dirty="0" smtClean="0">
+              <a:sym typeface="Wingdings" panose="05000000000000000000" pitchFamily="2" charset="2"/>
+            </a:endParaRPr>
+          </a:p>
+        </p:txBody>
+      </p:sp>
+      <p:sp>
+        <p:nvSpPr>
+          <p:cNvPr id="4" name="Foliennummernplatzhalter 3"/>
+          <p:cNvSpPr>
+            <a:spLocks noGrp="1"/>
+          </p:cNvSpPr>
+          <p:nvPr>
+            <p:ph type="sldNum" sz="quarter" idx="10"/>
+          </p:nvPr>
+        </p:nvSpPr>
+        <p:spPr/>
+        <p:txBody>
+          <a:bodyPr/>
+          <a:lstStyle/>
+          <a:p>
+            <a:fld id="{16070E50-C463-4A5B-AC29-20274F3F33D2}" type="slidenum">
+              <a:rPr lang="de-DE" smtClean="0"/>
+              <a:t>30</a:t>
+            </a:fld>
+            <a:endParaRPr lang="de-DE"/>
+          </a:p>
+        </p:txBody>
+      </p:sp>
+    </p:spTree>
+    <p:extLst>
+      <p:ext uri="{BB962C8B-B14F-4D97-AF65-F5344CB8AC3E}">
+        <p14:creationId xmlns:p14="http://schemas.microsoft.com/office/powerpoint/2010/main" val="1492450897"/>
       </p:ext>
     </p:extLst>
   </p:cSld>
@@ -2349,11 +3207,7 @@
           <a:p>
             <a:r>
               <a:rPr lang="de-DE" i="1" baseline="0" smtClean="0"/>
-              <a:t>-</a:t>
-            </a:r>
-            <a:r>
-              <a:rPr lang="de-DE" i="1" baseline="0" smtClean="0"/>
-              <a:t>Einfache Datentypen und Variablen</a:t>
+              <a:t>-Einfache Datentypen und Variablen</a:t>
             </a:r>
             <a:endParaRPr lang="de-DE" i="1" baseline="0" dirty="0" smtClean="0"/>
           </a:p>
@@ -2599,11 +3453,7 @@
           <a:p>
             <a:r>
               <a:rPr lang="de-DE" i="1" baseline="0" smtClean="0"/>
-              <a:t>*</a:t>
-            </a:r>
-            <a:r>
-              <a:rPr lang="de-DE" i="1" baseline="0" smtClean="0"/>
-              <a:t>klick* Bild wird eingeblendet</a:t>
+              <a:t>*klick* Bild wird eingeblendet</a:t>
             </a:r>
             <a:endParaRPr lang="de-DE" i="1" baseline="0" dirty="0" smtClean="0"/>
           </a:p>
@@ -2664,11 +3514,7 @@
             </a:pPr>
             <a:r>
               <a:rPr lang="de-DE" i="1" baseline="0" smtClean="0"/>
-              <a:t>*</a:t>
-            </a:r>
-            <a:r>
-              <a:rPr lang="de-DE" i="1" baseline="0" smtClean="0"/>
-              <a:t>klick* Text wird eingeblendet</a:t>
+              <a:t>*klick* Text wird eingeblendet</a:t>
             </a:r>
             <a:endParaRPr lang="de-DE" i="1" baseline="0" dirty="0" smtClean="0"/>
           </a:p>
@@ -2702,11 +3548,7 @@
             </a:pPr>
             <a:r>
               <a:rPr lang="de-DE" i="1" baseline="0" smtClean="0"/>
-              <a:t>*</a:t>
-            </a:r>
-            <a:r>
-              <a:rPr lang="de-DE" i="1" baseline="0" smtClean="0"/>
-              <a:t>klick* Bild wird eingeblendet</a:t>
+              <a:t>*klick* Bild wird eingeblendet</a:t>
             </a:r>
             <a:endParaRPr lang="de-DE" i="1" baseline="0" dirty="0" smtClean="0"/>
           </a:p>
@@ -3011,11 +3853,7 @@
           <a:p>
             <a:r>
               <a:rPr lang="de-DE" i="1" u="none" baseline="0" smtClean="0"/>
-              <a:t>(</a:t>
-            </a:r>
-            <a:r>
-              <a:rPr lang="de-DE" i="1" u="none" baseline="0" smtClean="0"/>
-              <a:t>Und wenn doch, hat der Mensch einen Fehler gemacht </a:t>
+              <a:t>(Und wenn doch, hat der Mensch einen Fehler gemacht </a:t>
             </a:r>
             <a:r>
               <a:rPr lang="de-DE" i="1" u="none" baseline="0" smtClean="0">
@@ -3257,7 +4095,7 @@
           <a:p>
             <a:fld id="{82DEAF87-53B6-4B16-83D2-2F0231427512}" type="datetimeFigureOut">
               <a:rPr lang="de-DE" smtClean="0"/>
-              <a:t>17.03.2017</a:t>
+              <a:t>24.03.2017</a:t>
             </a:fld>
             <a:endParaRPr lang="de-DE"/>
           </a:p>
@@ -3474,7 +4312,7 @@
           <a:p>
             <a:fld id="{82DEAF87-53B6-4B16-83D2-2F0231427512}" type="datetimeFigureOut">
               <a:rPr lang="de-DE" smtClean="0"/>
-              <a:t>17.03.2017</a:t>
+              <a:t>24.03.2017</a:t>
             </a:fld>
             <a:endParaRPr lang="de-DE"/>
           </a:p>
@@ -3684,7 +4522,7 @@
           <a:p>
             <a:fld id="{82DEAF87-53B6-4B16-83D2-2F0231427512}" type="datetimeFigureOut">
               <a:rPr lang="de-DE" smtClean="0"/>
-              <a:t>17.03.2017</a:t>
+              <a:t>24.03.2017</a:t>
             </a:fld>
             <a:endParaRPr lang="de-DE"/>
           </a:p>
@@ -3960,7 +4798,7 @@
           <a:p>
             <a:fld id="{82DEAF87-53B6-4B16-83D2-2F0231427512}" type="datetimeFigureOut">
               <a:rPr lang="de-DE" smtClean="0"/>
-              <a:t>17.03.2017</a:t>
+              <a:t>24.03.2017</a:t>
             </a:fld>
             <a:endParaRPr lang="de-DE"/>
           </a:p>
@@ -4243,7 +5081,7 @@
           <a:p>
             <a:fld id="{82DEAF87-53B6-4B16-83D2-2F0231427512}" type="datetimeFigureOut">
               <a:rPr lang="de-DE" smtClean="0"/>
-              <a:t>17.03.2017</a:t>
+              <a:t>24.03.2017</a:t>
             </a:fld>
             <a:endParaRPr lang="de-DE"/>
           </a:p>
@@ -4569,7 +5407,7 @@
           <a:p>
             <a:fld id="{82DEAF87-53B6-4B16-83D2-2F0231427512}" type="datetimeFigureOut">
               <a:rPr lang="de-DE" smtClean="0"/>
-              <a:t>17.03.2017</a:t>
+              <a:t>24.03.2017</a:t>
             </a:fld>
             <a:endParaRPr lang="de-DE"/>
           </a:p>
@@ -5035,7 +5873,7 @@
           <a:p>
             <a:fld id="{82DEAF87-53B6-4B16-83D2-2F0231427512}" type="datetimeFigureOut">
               <a:rPr lang="de-DE" smtClean="0"/>
-              <a:t>17.03.2017</a:t>
+              <a:t>24.03.2017</a:t>
             </a:fld>
             <a:endParaRPr lang="de-DE"/>
           </a:p>
@@ -5185,7 +6023,7 @@
           <a:p>
             <a:fld id="{82DEAF87-53B6-4B16-83D2-2F0231427512}" type="datetimeFigureOut">
               <a:rPr lang="de-DE" smtClean="0"/>
-              <a:t>17.03.2017</a:t>
+              <a:t>24.03.2017</a:t>
             </a:fld>
             <a:endParaRPr lang="de-DE"/>
           </a:p>
@@ -5304,7 +6142,7 @@
           <a:p>
             <a:fld id="{82DEAF87-53B6-4B16-83D2-2F0231427512}" type="datetimeFigureOut">
               <a:rPr lang="de-DE" smtClean="0"/>
-              <a:t>17.03.2017</a:t>
+              <a:t>24.03.2017</a:t>
             </a:fld>
             <a:endParaRPr lang="de-DE"/>
           </a:p>
@@ -5614,7 +6452,7 @@
           <a:p>
             <a:fld id="{82DEAF87-53B6-4B16-83D2-2F0231427512}" type="datetimeFigureOut">
               <a:rPr lang="de-DE" smtClean="0"/>
-              <a:t>17.03.2017</a:t>
+              <a:t>24.03.2017</a:t>
             </a:fld>
             <a:endParaRPr lang="de-DE"/>
           </a:p>
@@ -5900,7 +6738,7 @@
           <a:p>
             <a:fld id="{82DEAF87-53B6-4B16-83D2-2F0231427512}" type="datetimeFigureOut">
               <a:rPr lang="de-DE" smtClean="0"/>
-              <a:t>17.03.2017</a:t>
+              <a:t>24.03.2017</a:t>
             </a:fld>
             <a:endParaRPr lang="de-DE"/>
           </a:p>
@@ -6484,7 +7322,7 @@
 </file>
 
 <file path=ppt/slides/slide1.xml><?xml version="1.0" encoding="utf-8"?>
-<p:sld xmlns:a="http://schemas.openxmlformats.org/drawingml/2006/main" xmlns:r="http://schemas.openxmlformats.org/officeDocument/2006/relationships" xmlns:p="http://schemas.openxmlformats.org/presentationml/2006/main">
+<p:sld xmlns:a="http://schemas.openxmlformats.org/drawingml/2006/main" xmlns:r="http://schemas.openxmlformats.org/officeDocument/2006/relationships" xmlns:p="http://schemas.openxmlformats.org/presentationml/2006/main" show="0">
   <p:cSld>
     <p:spTree>
       <p:nvGrpSpPr>
@@ -6791,13 +7629,13 @@
   <p:clrMapOvr>
     <a:masterClrMapping/>
   </p:clrMapOvr>
-  <mc:AlternateContent xmlns:mc="http://schemas.openxmlformats.org/markup-compatibility/2006" xmlns:p14="http://schemas.microsoft.com/office/powerpoint/2010/main">
-    <mc:Choice Requires="p14">
+  <mc:AlternateContent xmlns:mc="http://schemas.openxmlformats.org/markup-compatibility/2006">
+    <mc:Choice xmlns:p14="http://schemas.microsoft.com/office/powerpoint/2010/main" Requires="p14">
       <p:transition spd="slow" p14:dur="800">
         <p14:flythrough/>
       </p:transition>
     </mc:Choice>
-    <mc:Fallback xmlns="">
+    <mc:Fallback>
       <p:transition spd="slow">
         <p:fade/>
       </p:transition>
@@ -7192,28 +8030,24 @@
           </a:prstGeom>
         </p:spPr>
         <p:txBody>
-          <a:bodyPr anchor="t"/>
+          <a:bodyPr anchor="ctr"/>
           <a:lstStyle/>
           <a:p>
-            <a:endParaRPr lang="de-DE" sz="2000" dirty="0" smtClean="0"/>
-          </a:p>
-          <a:p>
-            <a:r>
-              <a:rPr lang="de-DE" sz="2000" smtClean="0"/>
-              <a:t>Jedes Java-Programm</a:t>
-            </a:r>
-            <a:r>
-              <a:rPr lang="de-DE" sz="2000" smtClean="0"/>
-              <a:t/>
+            <a:r>
+              <a:rPr lang="de-DE" sz="2000" dirty="0" smtClean="0"/>
+              <a:t>Jedes </a:t>
+            </a:r>
+            <a:r>
+              <a:rPr lang="de-DE" sz="2000" dirty="0" smtClean="0"/>
+              <a:t>Java-Programm</a:t>
             </a:r>
             <a:br>
-              <a:rPr lang="de-DE" sz="2000" smtClean="0"/>
+              <a:rPr lang="de-DE" sz="2000" dirty="0" smtClean="0"/>
             </a:br>
             <a:r>
-              <a:rPr lang="de-DE" sz="2000" smtClean="0"/>
+              <a:rPr lang="de-DE" sz="2000" dirty="0" smtClean="0"/>
               <a:t>startet gleich</a:t>
             </a:r>
-            <a:endParaRPr lang="de-DE" sz="2000" dirty="0" smtClean="0"/>
           </a:p>
           <a:p>
             <a:endParaRPr lang="de-DE" sz="1600" dirty="0"/>
@@ -7222,37 +8056,61 @@
             <a:endParaRPr lang="de-DE" sz="1600" dirty="0" smtClean="0"/>
           </a:p>
           <a:p>
-            <a:endParaRPr lang="de-DE" sz="2000" dirty="0" smtClean="0"/>
-          </a:p>
-          <a:p>
+            <a:pPr marL="0" indent="0">
+              <a:buNone/>
+            </a:pPr>
             <a:endParaRPr lang="de-DE" sz="2000" dirty="0"/>
           </a:p>
           <a:p>
             <a:r>
-              <a:rPr lang="de-DE" sz="2000" smtClean="0"/>
+              <a:rPr lang="de-DE" sz="2000" dirty="0" smtClean="0"/>
               <a:t>Programme starten immer mit den Befehlen zwischen den</a:t>
             </a:r>
-            <a:r>
-              <a:rPr lang="de-DE" sz="2000" smtClean="0"/>
-              <a:t/>
-            </a:r>
             <a:br>
-              <a:rPr lang="de-DE" sz="2000" smtClean="0"/>
+              <a:rPr lang="de-DE" sz="2000" dirty="0" smtClean="0"/>
             </a:br>
             <a:r>
-              <a:rPr lang="de-DE" sz="2000" smtClean="0"/>
+              <a:rPr lang="de-DE" sz="2000" dirty="0" smtClean="0"/>
               <a:t>geschweiften Klammern { … } der</a:t>
             </a:r>
-            <a:r>
-              <a:rPr lang="de-DE" sz="2000" smtClean="0"/>
-              <a:t/>
-            </a:r>
             <a:br>
-              <a:rPr lang="de-DE" sz="2000" smtClean="0"/>
+              <a:rPr lang="de-DE" sz="2000" dirty="0" smtClean="0"/>
             </a:br>
             <a:r>
-              <a:rPr lang="de-DE" sz="2000" i="1" smtClean="0"/>
-              <a:t>public static void main(String[] args</a:t>
+              <a:rPr lang="de-DE" sz="2000" i="1" dirty="0" err="1" smtClean="0"/>
+              <a:t>public</a:t>
+            </a:r>
+            <a:r>
+              <a:rPr lang="de-DE" sz="2000" i="1" dirty="0" smtClean="0"/>
+              <a:t> </a:t>
+            </a:r>
+            <a:r>
+              <a:rPr lang="de-DE" sz="2000" i="1" dirty="0" err="1" smtClean="0"/>
+              <a:t>static</a:t>
+            </a:r>
+            <a:r>
+              <a:rPr lang="de-DE" sz="2000" i="1" dirty="0" smtClean="0"/>
+              <a:t> </a:t>
+            </a:r>
+            <a:r>
+              <a:rPr lang="de-DE" sz="2000" i="1" dirty="0" err="1" smtClean="0"/>
+              <a:t>void</a:t>
+            </a:r>
+            <a:r>
+              <a:rPr lang="de-DE" sz="2000" i="1" dirty="0" smtClean="0"/>
+              <a:t> </a:t>
+            </a:r>
+            <a:r>
+              <a:rPr lang="de-DE" sz="2000" i="1" dirty="0" err="1" smtClean="0"/>
+              <a:t>main</a:t>
+            </a:r>
+            <a:r>
+              <a:rPr lang="de-DE" sz="2000" i="1" dirty="0" smtClean="0"/>
+              <a:t>(String[] </a:t>
+            </a:r>
+            <a:r>
+              <a:rPr lang="de-DE" sz="2000" i="1" dirty="0" err="1" smtClean="0"/>
+              <a:t>args</a:t>
             </a:r>
             <a:r>
               <a:rPr lang="de-DE" sz="2000" i="1" dirty="0" smtClean="0"/>
@@ -7316,7 +8174,91 @@
   <p:timing>
     <p:tnLst>
       <p:par>
-        <p:cTn id="1" dur="indefinite" restart="never" nodeType="tmRoot"/>
+        <p:cTn id="1" dur="indefinite" restart="never" nodeType="tmRoot">
+          <p:childTnLst>
+            <p:seq concurrent="1" nextAc="seek">
+              <p:cTn id="2" dur="indefinite" nodeType="mainSeq">
+                <p:childTnLst>
+                  <p:par>
+                    <p:cTn id="3" fill="hold">
+                      <p:stCondLst>
+                        <p:cond delay="indefinite"/>
+                      </p:stCondLst>
+                      <p:childTnLst>
+                        <p:par>
+                          <p:cTn id="4" fill="hold">
+                            <p:stCondLst>
+                              <p:cond delay="0"/>
+                            </p:stCondLst>
+                            <p:childTnLst>
+                              <p:par>
+                                <p:cTn id="5" presetID="10" presetClass="entr" presetSubtype="0" fill="hold" nodeType="clickEffect">
+                                  <p:stCondLst>
+                                    <p:cond delay="0"/>
+                                  </p:stCondLst>
+                                  <p:childTnLst>
+                                    <p:set>
+                                      <p:cBhvr>
+                                        <p:cTn id="6" dur="1" fill="hold">
+                                          <p:stCondLst>
+                                            <p:cond delay="0"/>
+                                          </p:stCondLst>
+                                        </p:cTn>
+                                        <p:tgtEl>
+                                          <p:spTgt spid="3">
+                                            <p:txEl>
+                                              <p:pRg st="4" end="4"/>
+                                            </p:txEl>
+                                          </p:spTgt>
+                                        </p:tgtEl>
+                                        <p:attrNameLst>
+                                          <p:attrName>style.visibility</p:attrName>
+                                        </p:attrNameLst>
+                                      </p:cBhvr>
+                                      <p:to>
+                                        <p:strVal val="visible"/>
+                                      </p:to>
+                                    </p:set>
+                                    <p:animEffect transition="in" filter="fade">
+                                      <p:cBhvr>
+                                        <p:cTn id="7" dur="500"/>
+                                        <p:tgtEl>
+                                          <p:spTgt spid="3">
+                                            <p:txEl>
+                                              <p:pRg st="4" end="4"/>
+                                            </p:txEl>
+                                          </p:spTgt>
+                                        </p:tgtEl>
+                                      </p:cBhvr>
+                                    </p:animEffect>
+                                  </p:childTnLst>
+                                </p:cTn>
+                              </p:par>
+                            </p:childTnLst>
+                          </p:cTn>
+                        </p:par>
+                      </p:childTnLst>
+                    </p:cTn>
+                  </p:par>
+                </p:childTnLst>
+              </p:cTn>
+              <p:prevCondLst>
+                <p:cond evt="onPrev" delay="0">
+                  <p:tgtEl>
+                    <p:sldTgt/>
+                  </p:tgtEl>
+                </p:cond>
+              </p:prevCondLst>
+              <p:nextCondLst>
+                <p:cond evt="onNext" delay="0">
+                  <p:tgtEl>
+                    <p:sldTgt/>
+                  </p:tgtEl>
+                </p:cond>
+              </p:nextCondLst>
+            </p:seq>
+          </p:childTnLst>
+        </p:cTn>
       </p:par>
     </p:tnLst>
   </p:timing>
@@ -7391,71 +8333,52 @@
           </a:prstGeom>
         </p:spPr>
         <p:txBody>
-          <a:bodyPr anchor="t"/>
+          <a:bodyPr anchor="ctr"/>
           <a:lstStyle/>
           <a:p>
-            <a:endParaRPr lang="de-DE" sz="2000" dirty="0" smtClean="0"/>
-          </a:p>
-          <a:p>
-            <a:r>
-              <a:rPr lang="de-DE" sz="2000" smtClean="0"/>
-              <a:t>Dieses Programm</a:t>
-            </a:r>
-            <a:r>
-              <a:rPr lang="de-DE" sz="2000"/>
+            <a:r>
+              <a:rPr lang="de-DE" sz="2000" dirty="0" smtClean="0"/>
+              <a:t>Dieses </a:t>
+            </a:r>
+            <a:r>
+              <a:rPr lang="de-DE" sz="2000" dirty="0" smtClean="0"/>
+              <a:t>Programm</a:t>
+            </a:r>
+            <a:r>
+              <a:rPr lang="de-DE" sz="2000" dirty="0"/>
               <a:t/>
             </a:r>
             <a:br>
-              <a:rPr lang="de-DE" sz="2000"/>
+              <a:rPr lang="de-DE" sz="2000" dirty="0"/>
             </a:br>
             <a:r>
-              <a:rPr lang="de-DE" sz="2000" smtClean="0"/>
+              <a:rPr lang="de-DE" sz="2000" dirty="0" smtClean="0"/>
               <a:t>verbindet sich also erst</a:t>
-            </a:r>
-            <a:r>
-              <a:rPr lang="de-DE" sz="2000" smtClean="0"/>
-              <a:t/>
-            </a:r>
-            <a:br>
-              <a:rPr lang="de-DE" sz="2000" smtClean="0"/>
-            </a:br>
-            <a:r>
-              <a:rPr lang="de-DE" sz="2000" smtClean="0"/>
-              <a:t>zum NAO mit dem Namen</a:t>
-            </a:r>
-            <a:r>
-              <a:rPr lang="de-DE" sz="2000"/>
-              <a:t/>
-            </a:r>
-            <a:br>
-              <a:rPr lang="de-DE" sz="2000"/>
-            </a:br>
-            <a:r>
-              <a:rPr lang="de-DE" sz="2000" smtClean="0"/>
-              <a:t>Jay und lässt ihn dann</a:t>
-            </a:r>
-            <a:r>
-              <a:rPr lang="de-DE" sz="2000" dirty="0" smtClean="0"/>
-              <a:t/>
             </a:r>
             <a:br>
               <a:rPr lang="de-DE" sz="2000" dirty="0" smtClean="0"/>
             </a:br>
             <a:r>
-              <a:rPr lang="de-DE" sz="2000" smtClean="0"/>
-              <a:t>„</a:t>
-            </a:r>
-            <a:r>
-              <a:rPr lang="de-DE" sz="2000" smtClean="0"/>
-              <a:t>Hallo zusammen</a:t>
-            </a:r>
-            <a:r>
               <a:rPr lang="de-DE" sz="2000" dirty="0" smtClean="0"/>
-              <a:t>!“</a:t>
-            </a:r>
+              <a:t>zum NAO mit dem Namen</a:t>
+            </a:r>
+            <a:r>
+              <a:rPr lang="de-DE" sz="2000" dirty="0"/>
+              <a:t/>
+            </a:r>
+            <a:br>
+              <a:rPr lang="de-DE" sz="2000" dirty="0"/>
+            </a:br>
             <a:r>
               <a:rPr lang="de-DE" sz="2000" dirty="0" smtClean="0"/>
-              <a:t/>
+              <a:t>Jay und lässt ihn dann</a:t>
+            </a:r>
+            <a:br>
+              <a:rPr lang="de-DE" sz="2000" dirty="0" smtClean="0"/>
+            </a:br>
+            <a:r>
+              <a:rPr lang="de-DE" sz="2000" dirty="0" smtClean="0"/>
+              <a:t>„Hallo zusammen!“</a:t>
             </a:r>
             <a:br>
               <a:rPr lang="de-DE" sz="2000" dirty="0" smtClean="0"/>
@@ -7489,7 +8412,7 @@
         </p:blipFill>
         <p:spPr>
           <a:xfrm>
-            <a:off x="3865660" y="1275008"/>
+            <a:off x="3865660" y="2246274"/>
             <a:ext cx="4810796" cy="1438476"/>
           </a:xfrm>
           <a:prstGeom prst="rect">
@@ -7878,15 +8801,7 @@
                   <a:srgbClr val="831420"/>
                 </a:solidFill>
               </a:rPr>
-              <a:t>Primitive </a:t>
-            </a:r>
-            <a:r>
-              <a:rPr lang="de-DE" smtClean="0">
-                <a:solidFill>
-                  <a:srgbClr val="831420"/>
-                </a:solidFill>
-              </a:rPr>
-              <a:t>Datentypen und Variablen</a:t>
+              <a:t>Primitive Datentypen und Variablen</a:t>
             </a:r>
             <a:endParaRPr lang="de-DE" dirty="0">
               <a:solidFill>
@@ -7916,68 +8831,61 @@
           </a:prstGeom>
         </p:spPr>
         <p:txBody>
-          <a:bodyPr anchor="t"/>
+          <a:bodyPr anchor="ctr"/>
           <a:lstStyle/>
           <a:p>
+            <a:r>
+              <a:rPr lang="de-DE" sz="2000" dirty="0" smtClean="0"/>
+              <a:t>Wir </a:t>
+            </a:r>
+            <a:r>
+              <a:rPr lang="de-DE" sz="2000" dirty="0" smtClean="0"/>
+              <a:t>wollen unser Programm jetzt rechnen lassen</a:t>
+            </a:r>
+            <a:endParaRPr lang="de-DE" sz="2000" dirty="0"/>
+          </a:p>
+          <a:p>
             <a:endParaRPr lang="de-DE" sz="2000" dirty="0" smtClean="0"/>
           </a:p>
           <a:p>
-            <a:endParaRPr lang="de-DE" sz="2000" dirty="0" smtClean="0"/>
-          </a:p>
-          <a:p>
-            <a:r>
-              <a:rPr lang="de-DE" sz="2000" smtClean="0"/>
-              <a:t>Wir wollen unser Programm jetzt rechnen lassen</a:t>
-            </a:r>
-            <a:endParaRPr lang="de-DE" sz="2000" dirty="0"/>
-          </a:p>
-          <a:p>
-            <a:endParaRPr lang="de-DE" sz="2000" dirty="0" smtClean="0"/>
-          </a:p>
-          <a:p>
-            <a:r>
-              <a:rPr lang="de-DE" sz="2000" smtClean="0"/>
+            <a:r>
+              <a:rPr lang="de-DE" sz="2000" dirty="0" smtClean="0"/>
               <a:t>Ähnlich wie in der Mathematik brauchen wir dafür </a:t>
             </a:r>
             <a:r>
-              <a:rPr lang="de-DE" sz="2000" u="sng" smtClean="0"/>
+              <a:rPr lang="de-DE" sz="2000" u="sng" dirty="0" smtClean="0"/>
               <a:t>Variablen</a:t>
             </a:r>
+          </a:p>
+          <a:p>
             <a:endParaRPr lang="de-DE" sz="2000" u="sng" dirty="0" smtClean="0"/>
           </a:p>
           <a:p>
+            <a:r>
+              <a:rPr lang="de-DE" sz="2000" dirty="0" smtClean="0"/>
+              <a:t>In Java hat </a:t>
+            </a:r>
+            <a:r>
+              <a:rPr lang="de-DE" sz="2000" i="1" dirty="0" smtClean="0"/>
+              <a:t>jede</a:t>
+            </a:r>
+            <a:r>
+              <a:rPr lang="de-DE" sz="2000" dirty="0" smtClean="0"/>
+              <a:t> Variable einen </a:t>
+            </a:r>
+            <a:r>
+              <a:rPr lang="de-DE" sz="2000" u="sng" dirty="0" smtClean="0"/>
+              <a:t>Datentypen</a:t>
+            </a:r>
+            <a:endParaRPr lang="de-DE" sz="2000" u="sng" dirty="0"/>
+          </a:p>
+          <a:p>
             <a:endParaRPr lang="de-DE" sz="2000" u="sng" dirty="0" smtClean="0"/>
           </a:p>
           <a:p>
             <a:r>
-              <a:rPr lang="de-DE" sz="2000" smtClean="0"/>
-              <a:t>In Java hat </a:t>
-            </a:r>
-            <a:r>
-              <a:rPr lang="de-DE" sz="2000" i="1" smtClean="0"/>
-              <a:t>jede</a:t>
-            </a:r>
-            <a:r>
-              <a:rPr lang="de-DE" sz="2000" smtClean="0"/>
-              <a:t> Variable einen </a:t>
-            </a:r>
-            <a:r>
-              <a:rPr lang="de-DE" sz="2000" u="sng" smtClean="0"/>
-              <a:t>Datentypen</a:t>
-            </a:r>
-            <a:endParaRPr lang="de-DE" sz="2000" u="sng" dirty="0"/>
-          </a:p>
-          <a:p>
-            <a:endParaRPr lang="de-DE" sz="2000" u="sng" dirty="0" smtClean="0"/>
-          </a:p>
-          <a:p>
-            <a:r>
-              <a:rPr lang="de-DE" sz="2000" smtClean="0"/>
-              <a:t>Datentypen beschreiben was die Variable für einen Wert enthält</a:t>
-            </a:r>
-            <a:r>
               <a:rPr lang="de-DE" sz="2000" dirty="0" smtClean="0"/>
-              <a:t>.</a:t>
+              <a:t>Datentypen beschreiben was die Variable für einen Wert enthält.</a:t>
             </a:r>
             <a:endParaRPr lang="de-DE" sz="2000" dirty="0"/>
           </a:p>
@@ -8008,7 +8916,213 @@
   <p:timing>
     <p:tnLst>
       <p:par>
-        <p:cTn id="1" dur="indefinite" restart="never" nodeType="tmRoot"/>
+        <p:cTn id="1" dur="indefinite" restart="never" nodeType="tmRoot">
+          <p:childTnLst>
+            <p:seq concurrent="1" nextAc="seek">
+              <p:cTn id="2" dur="indefinite" nodeType="mainSeq">
+                <p:childTnLst>
+                  <p:par>
+                    <p:cTn id="3" fill="hold">
+                      <p:stCondLst>
+                        <p:cond delay="indefinite"/>
+                      </p:stCondLst>
+                      <p:childTnLst>
+                        <p:par>
+                          <p:cTn id="4" fill="hold">
+                            <p:stCondLst>
+                              <p:cond delay="0"/>
+                            </p:stCondLst>
+                            <p:childTnLst>
+                              <p:par>
+                                <p:cTn id="5" presetID="10" presetClass="entr" presetSubtype="0" fill="hold" nodeType="clickEffect">
+                                  <p:stCondLst>
+                                    <p:cond delay="0"/>
+                                  </p:stCondLst>
+                                  <p:childTnLst>
+                                    <p:set>
+                                      <p:cBhvr>
+                                        <p:cTn id="6" dur="1" fill="hold">
+                                          <p:stCondLst>
+                                            <p:cond delay="0"/>
+                                          </p:stCondLst>
+                                        </p:cTn>
+                                        <p:tgtEl>
+                                          <p:spTgt spid="3">
+                                            <p:txEl>
+                                              <p:pRg st="2" end="2"/>
+                                            </p:txEl>
+                                          </p:spTgt>
+                                        </p:tgtEl>
+                                        <p:attrNameLst>
+                                          <p:attrName>style.visibility</p:attrName>
+                                        </p:attrNameLst>
+                                      </p:cBhvr>
+                                      <p:to>
+                                        <p:strVal val="visible"/>
+                                      </p:to>
+                                    </p:set>
+                                    <p:animEffect transition="in" filter="fade">
+                                      <p:cBhvr>
+                                        <p:cTn id="7" dur="500"/>
+                                        <p:tgtEl>
+                                          <p:spTgt spid="3">
+                                            <p:txEl>
+                                              <p:pRg st="2" end="2"/>
+                                            </p:txEl>
+                                          </p:spTgt>
+                                        </p:tgtEl>
+                                      </p:cBhvr>
+                                    </p:animEffect>
+                                  </p:childTnLst>
+                                </p:cTn>
+                              </p:par>
+                            </p:childTnLst>
+                          </p:cTn>
+                        </p:par>
+                      </p:childTnLst>
+                    </p:cTn>
+                  </p:par>
+                  <p:par>
+                    <p:cTn id="8" fill="hold">
+                      <p:stCondLst>
+                        <p:cond delay="indefinite"/>
+                      </p:stCondLst>
+                      <p:childTnLst>
+                        <p:par>
+                          <p:cTn id="9" fill="hold">
+                            <p:stCondLst>
+                              <p:cond delay="0"/>
+                            </p:stCondLst>
+                            <p:childTnLst>
+                              <p:par>
+                                <p:cTn id="10" presetID="10" presetClass="entr" presetSubtype="0" fill="hold" nodeType="clickEffect">
+                                  <p:stCondLst>
+                                    <p:cond delay="0"/>
+                                  </p:stCondLst>
+                                  <p:childTnLst>
+                                    <p:set>
+                                      <p:cBhvr>
+                                        <p:cTn id="11" dur="1" fill="hold">
+                                          <p:stCondLst>
+                                            <p:cond delay="0"/>
+                                          </p:stCondLst>
+                                        </p:cTn>
+                                        <p:tgtEl>
+                                          <p:spTgt spid="3">
+                                            <p:txEl>
+                                              <p:pRg st="4" end="4"/>
+                                            </p:txEl>
+                                          </p:spTgt>
+                                        </p:tgtEl>
+                                        <p:attrNameLst>
+                                          <p:attrName>style.visibility</p:attrName>
+                                        </p:attrNameLst>
+                                      </p:cBhvr>
+                                      <p:to>
+                                        <p:strVal val="visible"/>
+                                      </p:to>
+                                    </p:set>
+                                    <p:animEffect transition="in" filter="fade">
+                                      <p:cBhvr>
+                                        <p:cTn id="12" dur="500"/>
+                                        <p:tgtEl>
+                                          <p:spTgt spid="3">
+                                            <p:txEl>
+                                              <p:pRg st="4" end="4"/>
+                                            </p:txEl>
+                                          </p:spTgt>
+                                        </p:tgtEl>
+                                      </p:cBhvr>
+                                    </p:animEffect>
+                                  </p:childTnLst>
+                                </p:cTn>
+                              </p:par>
+                            </p:childTnLst>
+                          </p:cTn>
+                        </p:par>
+                      </p:childTnLst>
+                    </p:cTn>
+                  </p:par>
+                  <p:par>
+                    <p:cTn id="13" fill="hold">
+                      <p:stCondLst>
+                        <p:cond delay="indefinite"/>
+                      </p:stCondLst>
+                      <p:childTnLst>
+                        <p:par>
+                          <p:cTn id="14" fill="hold">
+                            <p:stCondLst>
+                              <p:cond delay="0"/>
+                            </p:stCondLst>
+                            <p:childTnLst>
+                              <p:par>
+                                <p:cTn id="15" presetID="10" presetClass="entr" presetSubtype="0" fill="hold" nodeType="clickEffect">
+                                  <p:stCondLst>
+                                    <p:cond delay="0"/>
+                                  </p:stCondLst>
+                                  <p:childTnLst>
+                                    <p:set>
+                                      <p:cBhvr>
+                                        <p:cTn id="16" dur="1" fill="hold">
+                                          <p:stCondLst>
+                                            <p:cond delay="0"/>
+                                          </p:stCondLst>
+                                        </p:cTn>
+                                        <p:tgtEl>
+                                          <p:spTgt spid="3">
+                                            <p:txEl>
+                                              <p:pRg st="6" end="6"/>
+                                            </p:txEl>
+                                          </p:spTgt>
+                                        </p:tgtEl>
+                                        <p:attrNameLst>
+                                          <p:attrName>style.visibility</p:attrName>
+                                        </p:attrNameLst>
+                                      </p:cBhvr>
+                                      <p:to>
+                                        <p:strVal val="visible"/>
+                                      </p:to>
+                                    </p:set>
+                                    <p:animEffect transition="in" filter="fade">
+                                      <p:cBhvr>
+                                        <p:cTn id="17" dur="500"/>
+                                        <p:tgtEl>
+                                          <p:spTgt spid="3">
+                                            <p:txEl>
+                                              <p:pRg st="6" end="6"/>
+                                            </p:txEl>
+                                          </p:spTgt>
+                                        </p:tgtEl>
+                                      </p:cBhvr>
+                                    </p:animEffect>
+                                  </p:childTnLst>
+                                </p:cTn>
+                              </p:par>
+                            </p:childTnLst>
+                          </p:cTn>
+                        </p:par>
+                      </p:childTnLst>
+                    </p:cTn>
+                  </p:par>
+                </p:childTnLst>
+              </p:cTn>
+              <p:prevCondLst>
+                <p:cond evt="onPrev" delay="0">
+                  <p:tgtEl>
+                    <p:sldTgt/>
+                  </p:tgtEl>
+                </p:cond>
+              </p:prevCondLst>
+              <p:nextCondLst>
+                <p:cond evt="onNext" delay="0">
+                  <p:tgtEl>
+                    <p:sldTgt/>
+                  </p:tgtEl>
+                </p:cond>
+              </p:nextCondLst>
+            </p:seq>
+          </p:childTnLst>
+        </p:cTn>
       </p:par>
     </p:tnLst>
   </p:timing>
@@ -8053,15 +9167,7 @@
                   <a:srgbClr val="831420"/>
                 </a:solidFill>
               </a:rPr>
-              <a:t>Primitive </a:t>
-            </a:r>
-            <a:r>
-              <a:rPr lang="de-DE" smtClean="0">
-                <a:solidFill>
-                  <a:srgbClr val="831420"/>
-                </a:solidFill>
-              </a:rPr>
-              <a:t>Datentypen und Variablen</a:t>
+              <a:t>Primitive Datentypen und Variablen</a:t>
             </a:r>
             <a:endParaRPr lang="de-DE" dirty="0">
               <a:solidFill>
@@ -8091,21 +9197,21 @@
           </a:prstGeom>
         </p:spPr>
         <p:txBody>
-          <a:bodyPr anchor="t"/>
+          <a:bodyPr anchor="ctr"/>
           <a:lstStyle/>
           <a:p>
             <a:pPr marL="0" indent="0">
               <a:buNone/>
             </a:pPr>
-            <a:endParaRPr lang="de-DE" sz="2000" dirty="0"/>
-          </a:p>
-          <a:p>
-            <a:r>
-              <a:rPr lang="de-DE" sz="2000" smtClean="0"/>
+            <a:endParaRPr lang="de-DE" sz="2000" dirty="0" smtClean="0"/>
+          </a:p>
+          <a:p>
+            <a:r>
+              <a:rPr lang="de-DE" sz="2000" dirty="0" smtClean="0"/>
               <a:t> </a:t>
             </a:r>
             <a:r>
-              <a:rPr lang="de-DE" sz="2000" smtClean="0">
+              <a:rPr lang="de-DE" sz="2000" dirty="0" smtClean="0">
                 <a:solidFill>
                   <a:schemeClr val="bg1">
                     <a:lumMod val="50000"/>
@@ -8115,18 +9221,56 @@
               <a:t>x</a:t>
             </a:r>
             <a:r>
-              <a:rPr lang="de-DE" sz="2000" smtClean="0"/>
+              <a:rPr lang="de-DE" sz="2000" dirty="0" smtClean="0"/>
               <a:t> ist der Name der Variable</a:t>
             </a:r>
+          </a:p>
+          <a:p>
+            <a:r>
+              <a:rPr lang="de-DE" sz="2000" dirty="0" smtClean="0"/>
+              <a:t> </a:t>
+            </a:r>
+            <a:r>
+              <a:rPr lang="de-DE" sz="2000" dirty="0" err="1" smtClean="0">
+                <a:solidFill>
+                  <a:schemeClr val="tx2"/>
+                </a:solidFill>
+              </a:rPr>
+              <a:t>int</a:t>
+            </a:r>
+            <a:r>
+              <a:rPr lang="de-DE" sz="2000" dirty="0" smtClean="0"/>
+              <a:t> ist der Datentyp</a:t>
+            </a:r>
+          </a:p>
+          <a:p>
+            <a:r>
+              <a:rPr lang="de-DE" sz="2000" dirty="0" smtClean="0"/>
+              <a:t> </a:t>
+            </a:r>
+            <a:r>
+              <a:rPr lang="de-DE" sz="2000" dirty="0" smtClean="0">
+                <a:solidFill>
+                  <a:schemeClr val="tx2"/>
+                </a:solidFill>
+              </a:rPr>
+              <a:t>1</a:t>
+            </a:r>
+            <a:r>
+              <a:rPr lang="de-DE" sz="2000" dirty="0" smtClean="0"/>
+              <a:t> ist der Wert</a:t>
+            </a:r>
+          </a:p>
+          <a:p>
             <a:endParaRPr lang="de-DE" sz="2000" dirty="0" smtClean="0"/>
           </a:p>
           <a:p>
             <a:r>
-              <a:rPr lang="de-DE" sz="2000" smtClean="0"/>
+              <a:rPr lang="de-DE" sz="2000" i="1" dirty="0" smtClean="0"/>
               <a:t> </a:t>
             </a:r>
             <a:r>
-              <a:rPr lang="de-DE" sz="2000" smtClean="0">
+              <a:rPr lang="de-DE" sz="2000" i="1" dirty="0" err="1" smtClean="0">
                 <a:solidFill>
                   <a:schemeClr val="tx2"/>
                 </a:solidFill>
@@ -8134,52 +9278,11 @@
               <a:t>int</a:t>
             </a:r>
             <a:r>
-              <a:rPr lang="de-DE" sz="2000" smtClean="0"/>
-              <a:t> ist der Datentyp</a:t>
-            </a:r>
-            <a:endParaRPr lang="de-DE" sz="2000" dirty="0" smtClean="0"/>
-          </a:p>
-          <a:p>
-            <a:r>
-              <a:rPr lang="de-DE" sz="2000" smtClean="0"/>
+              <a:rPr lang="de-DE" sz="2000" i="1" dirty="0" smtClean="0"/>
               <a:t> </a:t>
             </a:r>
             <a:r>
-              <a:rPr lang="de-DE" sz="2000" smtClean="0">
-                <a:solidFill>
-                  <a:schemeClr val="tx2"/>
-                </a:solidFill>
-              </a:rPr>
-              <a:t>1</a:t>
-            </a:r>
-            <a:r>
-              <a:rPr lang="de-DE" sz="2000" smtClean="0"/>
-              <a:t> ist der Wert</a:t>
-            </a:r>
-            <a:endParaRPr lang="de-DE" sz="2000" dirty="0" smtClean="0"/>
-          </a:p>
-          <a:p>
-            <a:endParaRPr lang="de-DE" sz="2000" dirty="0" smtClean="0"/>
-          </a:p>
-          <a:p>
-            <a:r>
-              <a:rPr lang="de-DE" sz="2000" i="1" smtClean="0"/>
-              <a:t> </a:t>
-            </a:r>
-            <a:r>
-              <a:rPr lang="de-DE" sz="2000" i="1" smtClean="0">
-                <a:solidFill>
-                  <a:schemeClr val="tx2"/>
-                </a:solidFill>
-              </a:rPr>
-              <a:t>int</a:t>
-            </a:r>
-            <a:r>
-              <a:rPr lang="de-DE" sz="2000" i="1" smtClean="0"/>
-              <a:t> </a:t>
-            </a:r>
-            <a:r>
-              <a:rPr lang="de-DE" sz="2000" i="1" smtClean="0">
+              <a:rPr lang="de-DE" sz="2000" i="1" dirty="0" smtClean="0">
                 <a:solidFill>
                   <a:schemeClr val="bg1">
                     <a:lumMod val="50000"/>
@@ -8189,30 +9292,29 @@
               <a:t>x</a:t>
             </a:r>
             <a:r>
-              <a:rPr lang="de-DE" sz="2000" i="1" smtClean="0"/>
+              <a:rPr lang="de-DE" sz="2000" i="1" dirty="0" smtClean="0"/>
               <a:t>;</a:t>
             </a:r>
             <a:r>
-              <a:rPr lang="de-DE" sz="2000" smtClean="0"/>
+              <a:rPr lang="de-DE" sz="2000" dirty="0" smtClean="0"/>
               <a:t> nennt man </a:t>
             </a:r>
             <a:r>
-              <a:rPr lang="de-DE" sz="2000" u="sng" smtClean="0"/>
+              <a:rPr lang="de-DE" sz="2000" u="sng" dirty="0" smtClean="0"/>
               <a:t>Deklaration</a:t>
             </a:r>
             <a:r>
-              <a:rPr lang="de-DE" sz="2000" smtClean="0"/>
+              <a:rPr lang="de-DE" sz="2000" dirty="0" smtClean="0"/>
               <a:t> der Variable x</a:t>
             </a:r>
-            <a:endParaRPr lang="de-DE" sz="2000" dirty="0" smtClean="0"/>
-          </a:p>
-          <a:p>
-            <a:r>
-              <a:rPr lang="de-DE" sz="2000" i="1" smtClean="0"/>
+          </a:p>
+          <a:p>
+            <a:r>
+              <a:rPr lang="de-DE" sz="2000" i="1" dirty="0" smtClean="0"/>
               <a:t> </a:t>
             </a:r>
             <a:r>
-              <a:rPr lang="de-DE" sz="2000" i="1" smtClean="0">
+              <a:rPr lang="de-DE" sz="2000" i="1" dirty="0" smtClean="0">
                 <a:solidFill>
                   <a:schemeClr val="bg1">
                     <a:lumMod val="50000"/>
@@ -8222,11 +9324,11 @@
               <a:t>x</a:t>
             </a:r>
             <a:r>
-              <a:rPr lang="de-DE" sz="2000" i="1" smtClean="0"/>
+              <a:rPr lang="de-DE" sz="2000" i="1" dirty="0" smtClean="0"/>
               <a:t> = </a:t>
             </a:r>
             <a:r>
-              <a:rPr lang="de-DE" sz="2000" i="1" smtClean="0">
+              <a:rPr lang="de-DE" sz="2000" i="1" dirty="0" smtClean="0">
                 <a:solidFill>
                   <a:schemeClr val="tx2"/>
                 </a:solidFill>
@@ -8234,30 +9336,29 @@
               <a:t>1</a:t>
             </a:r>
             <a:r>
-              <a:rPr lang="de-DE" sz="2000" i="1" smtClean="0"/>
+              <a:rPr lang="de-DE" sz="2000" i="1" dirty="0" smtClean="0"/>
               <a:t>;</a:t>
             </a:r>
             <a:r>
-              <a:rPr lang="de-DE" sz="2000" smtClean="0"/>
+              <a:rPr lang="de-DE" sz="2000" dirty="0" smtClean="0"/>
               <a:t> nennt man </a:t>
             </a:r>
             <a:r>
-              <a:rPr lang="de-DE" sz="2000" u="sng" smtClean="0"/>
+              <a:rPr lang="de-DE" sz="2000" u="sng" dirty="0" smtClean="0"/>
               <a:t>Initialisierung</a:t>
             </a:r>
             <a:r>
-              <a:rPr lang="de-DE" sz="2000" smtClean="0"/>
+              <a:rPr lang="de-DE" sz="2000" dirty="0" smtClean="0"/>
               <a:t> der Variable x</a:t>
             </a:r>
-            <a:endParaRPr lang="de-DE" sz="2000" dirty="0" smtClean="0"/>
-          </a:p>
-          <a:p>
-            <a:r>
-              <a:rPr lang="de-DE" sz="2000" i="1" smtClean="0"/>
+          </a:p>
+          <a:p>
+            <a:r>
+              <a:rPr lang="de-DE" sz="2000" i="1" dirty="0" smtClean="0"/>
               <a:t> </a:t>
             </a:r>
             <a:r>
-              <a:rPr lang="de-DE" sz="2000" i="1" smtClean="0">
+              <a:rPr lang="de-DE" sz="2000" i="1" dirty="0" err="1" smtClean="0">
                 <a:solidFill>
                   <a:schemeClr val="tx2"/>
                 </a:solidFill>
@@ -8265,11 +9366,11 @@
               <a:t>int</a:t>
             </a:r>
             <a:r>
-              <a:rPr lang="de-DE" sz="2000" i="1" smtClean="0"/>
+              <a:rPr lang="de-DE" sz="2000" i="1" dirty="0" smtClean="0"/>
               <a:t> </a:t>
             </a:r>
             <a:r>
-              <a:rPr lang="de-DE" sz="2000" i="1" smtClean="0">
+              <a:rPr lang="de-DE" sz="2000" i="1" dirty="0" smtClean="0">
                 <a:solidFill>
                   <a:schemeClr val="bg1">
                     <a:lumMod val="50000"/>
@@ -8279,11 +9380,11 @@
               <a:t>x</a:t>
             </a:r>
             <a:r>
-              <a:rPr lang="de-DE" sz="2000" i="1" smtClean="0"/>
+              <a:rPr lang="de-DE" sz="2000" i="1" dirty="0" smtClean="0"/>
               <a:t> = </a:t>
             </a:r>
             <a:r>
-              <a:rPr lang="de-DE" sz="2000" i="1" smtClean="0">
+              <a:rPr lang="de-DE" sz="2000" i="1" dirty="0" smtClean="0">
                 <a:solidFill>
                   <a:schemeClr val="tx2"/>
                 </a:solidFill>
@@ -8291,32 +9392,30 @@
               <a:t>1</a:t>
             </a:r>
             <a:r>
-              <a:rPr lang="de-DE" sz="2000" i="1" smtClean="0"/>
+              <a:rPr lang="de-DE" sz="2000" i="1" dirty="0" smtClean="0"/>
               <a:t>;</a:t>
             </a:r>
             <a:r>
-              <a:rPr lang="de-DE" sz="2000" smtClean="0"/>
+              <a:rPr lang="de-DE" sz="2000" dirty="0" smtClean="0"/>
               <a:t> nennt man </a:t>
             </a:r>
             <a:r>
-              <a:rPr lang="de-DE" sz="2000" u="sng" smtClean="0"/>
+              <a:rPr lang="de-DE" sz="2000" u="sng" dirty="0" smtClean="0"/>
               <a:t>Definition</a:t>
             </a:r>
             <a:r>
-              <a:rPr lang="de-DE" sz="2000" smtClean="0"/>
+              <a:rPr lang="de-DE" sz="2000" dirty="0" smtClean="0"/>
               <a:t> der Variable x</a:t>
             </a:r>
+          </a:p>
+          <a:p>
             <a:endParaRPr lang="de-DE" sz="2000" dirty="0" smtClean="0"/>
           </a:p>
           <a:p>
-            <a:endParaRPr lang="de-DE" sz="2000" dirty="0" smtClean="0"/>
-          </a:p>
-          <a:p>
-            <a:r>
-              <a:rPr lang="de-DE" sz="2000" smtClean="0"/>
+            <a:r>
+              <a:rPr lang="de-DE" sz="2000" dirty="0" smtClean="0"/>
               <a:t>Eine Definition ist das gleiche wie eine Deklaration mit Initialisierung</a:t>
             </a:r>
-            <a:endParaRPr lang="de-DE" sz="2000" dirty="0" smtClean="0"/>
           </a:p>
           <a:p>
             <a:endParaRPr lang="de-DE" sz="2000" dirty="0" smtClean="0"/>
@@ -8408,7 +9507,220 @@
   <p:timing>
     <p:tnLst>
       <p:par>
-        <p:cTn id="1" dur="indefinite" restart="never" nodeType="tmRoot"/>
+        <p:cTn id="1" dur="indefinite" restart="never" nodeType="tmRoot">
+          <p:childTnLst>
+            <p:seq concurrent="1" nextAc="seek">
+              <p:cTn id="2" dur="indefinite" nodeType="mainSeq">
+                <p:childTnLst>
+                  <p:par>
+                    <p:cTn id="3" fill="hold">
+                      <p:stCondLst>
+                        <p:cond delay="indefinite"/>
+                      </p:stCondLst>
+                      <p:childTnLst>
+                        <p:par>
+                          <p:cTn id="4" fill="hold">
+                            <p:stCondLst>
+                              <p:cond delay="0"/>
+                            </p:stCondLst>
+                            <p:childTnLst>
+                              <p:par>
+                                <p:cTn id="5" presetID="10" presetClass="entr" presetSubtype="0" fill="hold" nodeType="clickEffect">
+                                  <p:stCondLst>
+                                    <p:cond delay="0"/>
+                                  </p:stCondLst>
+                                  <p:childTnLst>
+                                    <p:set>
+                                      <p:cBhvr>
+                                        <p:cTn id="6" dur="1" fill="hold">
+                                          <p:stCondLst>
+                                            <p:cond delay="0"/>
+                                          </p:stCondLst>
+                                        </p:cTn>
+                                        <p:tgtEl>
+                                          <p:spTgt spid="3">
+                                            <p:txEl>
+                                              <p:pRg st="5" end="5"/>
+                                            </p:txEl>
+                                          </p:spTgt>
+                                        </p:tgtEl>
+                                        <p:attrNameLst>
+                                          <p:attrName>style.visibility</p:attrName>
+                                        </p:attrNameLst>
+                                      </p:cBhvr>
+                                      <p:to>
+                                        <p:strVal val="visible"/>
+                                      </p:to>
+                                    </p:set>
+                                    <p:animEffect transition="in" filter="fade">
+                                      <p:cBhvr>
+                                        <p:cTn id="7" dur="500"/>
+                                        <p:tgtEl>
+                                          <p:spTgt spid="3">
+                                            <p:txEl>
+                                              <p:pRg st="5" end="5"/>
+                                            </p:txEl>
+                                          </p:spTgt>
+                                        </p:tgtEl>
+                                      </p:cBhvr>
+                                    </p:animEffect>
+                                  </p:childTnLst>
+                                </p:cTn>
+                              </p:par>
+                              <p:par>
+                                <p:cTn id="8" presetID="10" presetClass="entr" presetSubtype="0" fill="hold" nodeType="withEffect">
+                                  <p:stCondLst>
+                                    <p:cond delay="0"/>
+                                  </p:stCondLst>
+                                  <p:childTnLst>
+                                    <p:set>
+                                      <p:cBhvr>
+                                        <p:cTn id="9" dur="1" fill="hold">
+                                          <p:stCondLst>
+                                            <p:cond delay="0"/>
+                                          </p:stCondLst>
+                                        </p:cTn>
+                                        <p:tgtEl>
+                                          <p:spTgt spid="3">
+                                            <p:txEl>
+                                              <p:pRg st="6" end="6"/>
+                                            </p:txEl>
+                                          </p:spTgt>
+                                        </p:tgtEl>
+                                        <p:attrNameLst>
+                                          <p:attrName>style.visibility</p:attrName>
+                                        </p:attrNameLst>
+                                      </p:cBhvr>
+                                      <p:to>
+                                        <p:strVal val="visible"/>
+                                      </p:to>
+                                    </p:set>
+                                    <p:animEffect transition="in" filter="fade">
+                                      <p:cBhvr>
+                                        <p:cTn id="10" dur="500"/>
+                                        <p:tgtEl>
+                                          <p:spTgt spid="3">
+                                            <p:txEl>
+                                              <p:pRg st="6" end="6"/>
+                                            </p:txEl>
+                                          </p:spTgt>
+                                        </p:tgtEl>
+                                      </p:cBhvr>
+                                    </p:animEffect>
+                                  </p:childTnLst>
+                                </p:cTn>
+                              </p:par>
+                              <p:par>
+                                <p:cTn id="11" presetID="10" presetClass="entr" presetSubtype="0" fill="hold" nodeType="withEffect">
+                                  <p:stCondLst>
+                                    <p:cond delay="0"/>
+                                  </p:stCondLst>
+                                  <p:childTnLst>
+                                    <p:set>
+                                      <p:cBhvr>
+                                        <p:cTn id="12" dur="1" fill="hold">
+                                          <p:stCondLst>
+                                            <p:cond delay="0"/>
+                                          </p:stCondLst>
+                                        </p:cTn>
+                                        <p:tgtEl>
+                                          <p:spTgt spid="3">
+                                            <p:txEl>
+                                              <p:pRg st="7" end="7"/>
+                                            </p:txEl>
+                                          </p:spTgt>
+                                        </p:tgtEl>
+                                        <p:attrNameLst>
+                                          <p:attrName>style.visibility</p:attrName>
+                                        </p:attrNameLst>
+                                      </p:cBhvr>
+                                      <p:to>
+                                        <p:strVal val="visible"/>
+                                      </p:to>
+                                    </p:set>
+                                    <p:animEffect transition="in" filter="fade">
+                                      <p:cBhvr>
+                                        <p:cTn id="13" dur="500"/>
+                                        <p:tgtEl>
+                                          <p:spTgt spid="3">
+                                            <p:txEl>
+                                              <p:pRg st="7" end="7"/>
+                                            </p:txEl>
+                                          </p:spTgt>
+                                        </p:tgtEl>
+                                      </p:cBhvr>
+                                    </p:animEffect>
+                                  </p:childTnLst>
+                                </p:cTn>
+                              </p:par>
+                              <p:par>
+                                <p:cTn id="14" presetID="10" presetClass="entr" presetSubtype="0" fill="hold" nodeType="withEffect">
+                                  <p:stCondLst>
+                                    <p:cond delay="0"/>
+                                  </p:stCondLst>
+                                  <p:childTnLst>
+                                    <p:set>
+                                      <p:cBhvr>
+                                        <p:cTn id="15" dur="1" fill="hold">
+                                          <p:stCondLst>
+                                            <p:cond delay="0"/>
+                                          </p:stCondLst>
+                                        </p:cTn>
+                                        <p:tgtEl>
+                                          <p:spTgt spid="3">
+                                            <p:txEl>
+                                              <p:pRg st="9" end="9"/>
+                                            </p:txEl>
+                                          </p:spTgt>
+                                        </p:tgtEl>
+                                        <p:attrNameLst>
+                                          <p:attrName>style.visibility</p:attrName>
+                                        </p:attrNameLst>
+                                      </p:cBhvr>
+                                      <p:to>
+                                        <p:strVal val="visible"/>
+                                      </p:to>
+                                    </p:set>
+                                    <p:animEffect transition="in" filter="fade">
+                                      <p:cBhvr>
+                                        <p:cTn id="16" dur="500"/>
+                                        <p:tgtEl>
+                                          <p:spTgt spid="3">
+                                            <p:txEl>
+                                              <p:pRg st="9" end="9"/>
+                                            </p:txEl>
+                                          </p:spTgt>
+                                        </p:tgtEl>
+                                      </p:cBhvr>
+                                    </p:animEffect>
+                                  </p:childTnLst>
+                                </p:cTn>
+                              </p:par>
+                            </p:childTnLst>
+                          </p:cTn>
+                        </p:par>
+                      </p:childTnLst>
+                    </p:cTn>
+                  </p:par>
+                </p:childTnLst>
+              </p:cTn>
+              <p:prevCondLst>
+                <p:cond evt="onPrev" delay="0">
+                  <p:tgtEl>
+                    <p:sldTgt/>
+                  </p:tgtEl>
+                </p:cond>
+              </p:prevCondLst>
+              <p:nextCondLst>
+                <p:cond evt="onNext" delay="0">
+                  <p:tgtEl>
+                    <p:sldTgt/>
+                  </p:tgtEl>
+                </p:cond>
+              </p:nextCondLst>
+            </p:seq>
+          </p:childTnLst>
+        </p:cTn>
       </p:par>
     </p:tnLst>
   </p:timing>
@@ -8532,7 +9844,6 @@
               <a:rPr lang="de-DE" sz="1600" b="1" u="sng" dirty="0" smtClean="0"/>
               <a:t>Standardwert</a:t>
             </a:r>
-            <a:endParaRPr lang="de-DE" sz="1600" b="1" u="sng" dirty="0" smtClean="0"/>
           </a:p>
           <a:p>
             <a:pPr marL="457200" lvl="1" indent="0">
@@ -8672,13 +9983,6 @@
               </a:rPr>
               <a:t>(Leeres Zeichen)</a:t>
             </a:r>
-            <a:endParaRPr lang="de-DE" sz="1600" dirty="0" smtClean="0">
-              <a:solidFill>
-                <a:schemeClr val="bg1">
-                  <a:lumMod val="50000"/>
-                </a:schemeClr>
-              </a:solidFill>
-            </a:endParaRPr>
           </a:p>
           <a:p>
             <a:pPr marL="457200" lvl="1" indent="0">
@@ -8869,11 +10173,6 @@
               </a:rPr>
               <a:t>0</a:t>
             </a:r>
-            <a:endParaRPr lang="de-DE" sz="1600" dirty="0" smtClean="0">
-              <a:solidFill>
-                <a:schemeClr val="tx2"/>
-              </a:solidFill>
-            </a:endParaRPr>
           </a:p>
           <a:p>
             <a:pPr marL="457200" lvl="1" indent="0">
@@ -9069,11 +10368,6 @@
               </a:rPr>
               <a:t>0</a:t>
             </a:r>
-            <a:endParaRPr lang="de-DE" sz="1600" dirty="0" smtClean="0">
-              <a:solidFill>
-                <a:schemeClr val="tx2"/>
-              </a:solidFill>
-            </a:endParaRPr>
           </a:p>
           <a:p>
             <a:pPr marL="457200" lvl="1" indent="0">
@@ -9216,11 +10510,6 @@
               </a:rPr>
               <a:t>0.0</a:t>
             </a:r>
-            <a:endParaRPr lang="de-DE" sz="1600" dirty="0" smtClean="0">
-              <a:solidFill>
-                <a:schemeClr val="tx2"/>
-              </a:solidFill>
-            </a:endParaRPr>
           </a:p>
         </p:txBody>
       </p:sp>
@@ -9324,15 +10613,16 @@
           </a:prstGeom>
         </p:spPr>
         <p:txBody>
-          <a:bodyPr anchor="t"/>
+          <a:bodyPr anchor="ctr"/>
           <a:lstStyle/>
           <a:p>
-            <a:endParaRPr lang="de-DE" sz="2000" dirty="0" smtClean="0"/>
-          </a:p>
-          <a:p>
             <a:r>
               <a:rPr lang="de-DE" sz="2000" dirty="0" smtClean="0"/>
-              <a:t>Computer speichern alles in Nullen und Einsen</a:t>
+              <a:t>Computer </a:t>
+            </a:r>
+            <a:r>
+              <a:rPr lang="de-DE" sz="2000" dirty="0" smtClean="0"/>
+              <a:t>speichern alles in Nullen und Einsen</a:t>
             </a:r>
             <a:endParaRPr lang="de-DE" sz="2000" dirty="0"/>
           </a:p>
@@ -9459,7 +10749,7 @@
                                         <p:tgtEl>
                                           <p:spTgt spid="3">
                                             <p:txEl>
-                                              <p:pRg st="7" end="7"/>
+                                              <p:pRg st="5" end="5"/>
                                             </p:txEl>
                                           </p:spTgt>
                                         </p:tgtEl>
@@ -9477,7 +10767,68 @@
                                         <p:tgtEl>
                                           <p:spTgt spid="3">
                                             <p:txEl>
-                                              <p:pRg st="7" end="7"/>
+                                              <p:pRg st="5" end="5"/>
+                                            </p:txEl>
+                                          </p:spTgt>
+                                        </p:tgtEl>
+                                      </p:cBhvr>
+                                    </p:animEffect>
+                                  </p:childTnLst>
+                                </p:cTn>
+                              </p:par>
+                            </p:childTnLst>
+                          </p:cTn>
+                        </p:par>
+                      </p:childTnLst>
+                    </p:cTn>
+                  </p:par>
+                  <p:par>
+                    <p:cTn id="8" fill="hold">
+                      <p:stCondLst>
+                        <p:cond delay="indefinite"/>
+                      </p:stCondLst>
+                      <p:childTnLst>
+                        <p:par>
+                          <p:cTn id="9" fill="hold">
+                            <p:stCondLst>
+                              <p:cond delay="0"/>
+                            </p:stCondLst>
+                            <p:childTnLst>
+                              <p:par>
+                                <p:cTn id="10" presetID="10" presetClass="entr" presetSubtype="0" fill="hold" nodeType="clickEffect">
+                                  <p:stCondLst>
+                                    <p:cond delay="0"/>
+                                  </p:stCondLst>
+                                  <p:childTnLst>
+                                    <p:set>
+                                      <p:cBhvr>
+                                        <p:cTn id="11" dur="1" fill="hold">
+                                          <p:stCondLst>
+                                            <p:cond delay="0"/>
+                                          </p:stCondLst>
+                                        </p:cTn>
+                                        <p:tgtEl>
+                                          <p:spTgt spid="3">
+                                            <p:txEl>
+                                              <p:pRg st="6" end="6"/>
+                                            </p:txEl>
+                                          </p:spTgt>
+                                        </p:tgtEl>
+                                        <p:attrNameLst>
+                                          <p:attrName>style.visibility</p:attrName>
+                                        </p:attrNameLst>
+                                      </p:cBhvr>
+                                      <p:to>
+                                        <p:strVal val="visible"/>
+                                      </p:to>
+                                    </p:set>
+                                    <p:animEffect transition="in" filter="fade">
+                                      <p:cBhvr>
+                                        <p:cTn id="12" dur="500"/>
+                                        <p:tgtEl>
+                                          <p:spTgt spid="3">
+                                            <p:txEl>
+                                              <p:pRg st="6" end="6"/>
                                             </p:txEl>
                                           </p:spTgt>
                                         </p:tgtEl>
@@ -9487,14 +10838,57 @@
                                 </p:cTn>
                               </p:par>
                               <p:par>
-                                <p:cTn id="8" presetID="10" presetClass="entr" presetSubtype="0" fill="hold" nodeType="withEffect">
+                                <p:cTn id="13" presetID="10" presetClass="entr" presetSubtype="0" fill="hold" nodeType="withEffect">
                                   <p:stCondLst>
                                     <p:cond delay="0"/>
                                   </p:stCondLst>
                                   <p:childTnLst>
                                     <p:set>
                                       <p:cBhvr>
-                                        <p:cTn id="9" dur="1" fill="hold">
+                                        <p:cTn id="14" dur="1" fill="hold">
+                                          <p:stCondLst>
+                                            <p:cond delay="0"/>
+                                          </p:stCondLst>
+                                        </p:cTn>
+                                        <p:tgtEl>
+                                          <p:spTgt spid="3">
+                                            <p:txEl>
+                                              <p:pRg st="8" end="8"/>
+                                            </p:txEl>
+                                          </p:spTgt>
+                                        </p:tgtEl>
+                                        <p:attrNameLst>
+                                          <p:attrName>style.visibility</p:attrName>
+                                        </p:attrNameLst>
+                                      </p:cBhvr>
+                                      <p:to>
+                                        <p:strVal val="visible"/>
+                                      </p:to>
+                                    </p:set>
+                                    <p:animEffect transition="in" filter="fade">
+                                      <p:cBhvr>
+                                        <p:cTn id="15" dur="500"/>
+                                        <p:tgtEl>
+                                          <p:spTgt spid="3">
+                                            <p:txEl>
+                                              <p:pRg st="8" end="8"/>
+                                            </p:txEl>
+                                          </p:spTgt>
+                                        </p:tgtEl>
+                                      </p:cBhvr>
+                                    </p:animEffect>
+                                  </p:childTnLst>
+                                </p:cTn>
+                              </p:par>
+                              <p:par>
+                                <p:cTn id="16" presetID="10" presetClass="entr" presetSubtype="0" fill="hold" nodeType="withEffect">
+                                  <p:stCondLst>
+                                    <p:cond delay="0"/>
+                                  </p:stCondLst>
+                                  <p:childTnLst>
+                                    <p:set>
+                                      <p:cBhvr>
+                                        <p:cTn id="17" dur="1" fill="hold">
                                           <p:stCondLst>
                                             <p:cond delay="0"/>
                                           </p:stCondLst>
@@ -9516,54 +10910,11 @@
                                     </p:set>
                                     <p:animEffect transition="in" filter="fade">
                                       <p:cBhvr>
-                                        <p:cTn id="10" dur="500"/>
+                                        <p:cTn id="18" dur="500"/>
                                         <p:tgtEl>
                                           <p:spTgt spid="3">
                                             <p:txEl>
                                               <p:pRg st="9" end="9"/>
-                                            </p:txEl>
-                                          </p:spTgt>
-                                        </p:tgtEl>
-                                      </p:cBhvr>
-                                    </p:animEffect>
-                                  </p:childTnLst>
-                                </p:cTn>
-                              </p:par>
-                              <p:par>
-                                <p:cTn id="11" presetID="10" presetClass="entr" presetSubtype="0" fill="hold" nodeType="withEffect">
-                                  <p:stCondLst>
-                                    <p:cond delay="0"/>
-                                  </p:stCondLst>
-                                  <p:childTnLst>
-                                    <p:set>
-                                      <p:cBhvr>
-                                        <p:cTn id="12" dur="1" fill="hold">
-                                          <p:stCondLst>
-                                            <p:cond delay="0"/>
-                                          </p:stCondLst>
-                                        </p:cTn>
-                                        <p:tgtEl>
-                                          <p:spTgt spid="3">
-                                            <p:txEl>
-                                              <p:pRg st="10" end="10"/>
-                                            </p:txEl>
-                                          </p:spTgt>
-                                        </p:tgtEl>
-                                        <p:attrNameLst>
-                                          <p:attrName>style.visibility</p:attrName>
-                                        </p:attrNameLst>
-                                      </p:cBhvr>
-                                      <p:to>
-                                        <p:strVal val="visible"/>
-                                      </p:to>
-                                    </p:set>
-                                    <p:animEffect transition="in" filter="fade">
-                                      <p:cBhvr>
-                                        <p:cTn id="13" dur="500"/>
-                                        <p:tgtEl>
-                                          <p:spTgt spid="3">
-                                            <p:txEl>
-                                              <p:pRg st="10" end="10"/>
                                             </p:txEl>
                                           </p:spTgt>
                                         </p:tgtEl>
@@ -10291,7 +11642,23 @@
                   <a:srgbClr val="831420"/>
                 </a:solidFill>
               </a:rPr>
-              <a:t>Aufgabe: NAO Rechnet                           [1]</a:t>
+              <a:t>Aufgabe: </a:t>
+            </a:r>
+            <a:r>
+              <a:rPr lang="de-DE" dirty="0" smtClean="0">
+                <a:solidFill>
+                  <a:srgbClr val="831420"/>
+                </a:solidFill>
+              </a:rPr>
+              <a:t>Rechnen                                   </a:t>
+            </a:r>
+            <a:r>
+              <a:rPr lang="de-DE" dirty="0" smtClean="0">
+                <a:solidFill>
+                  <a:srgbClr val="831420"/>
+                </a:solidFill>
+              </a:rPr>
+              <a:t>[1]</a:t>
             </a:r>
             <a:endParaRPr lang="de-DE" dirty="0">
               <a:solidFill>
@@ -10566,7 +11933,6 @@
               <a:rPr lang="de-DE" sz="2000" dirty="0" smtClean="0"/>
               <a:t>enthalten sollen. </a:t>
             </a:r>
-            <a:endParaRPr lang="de-DE" sz="2000" dirty="0" smtClean="0"/>
           </a:p>
         </p:txBody>
       </p:sp>
@@ -10869,7 +12235,7 @@
         </p:blipFill>
         <p:spPr>
           <a:xfrm>
-            <a:off x="575556" y="1489348"/>
+            <a:off x="585292" y="1641728"/>
             <a:ext cx="3682540" cy="1130159"/>
           </a:xfrm>
           <a:prstGeom prst="rect">
@@ -10879,7 +12245,7 @@
       </p:pic>
       <p:pic>
         <p:nvPicPr>
-          <p:cNvPr id="6" name="Grafik 5"/>
+          <p:cNvPr id="4" name="Grafik 3"/>
           <p:cNvPicPr>
             <a:picLocks noChangeAspect="1"/>
           </p:cNvPicPr>
@@ -10899,8 +12265,8 @@
         </p:blipFill>
         <p:spPr>
           <a:xfrm>
-            <a:off x="3976964" y="1525352"/>
-            <a:ext cx="126984" cy="190476"/>
+            <a:off x="3679052" y="1381410"/>
+            <a:ext cx="761905" cy="825397"/>
           </a:xfrm>
           <a:prstGeom prst="rect">
             <a:avLst/>
@@ -10909,7 +12275,7 @@
       </p:pic>
       <p:pic>
         <p:nvPicPr>
-          <p:cNvPr id="7" name="Grafik 6"/>
+          <p:cNvPr id="9" name="Grafik 8"/>
           <p:cNvPicPr>
             <a:picLocks noChangeAspect="1"/>
           </p:cNvPicPr>
@@ -10929,8 +12295,8 @@
         </p:blipFill>
         <p:spPr>
           <a:xfrm>
-            <a:off x="2231740" y="1946944"/>
-            <a:ext cx="126984" cy="190476"/>
+            <a:off x="1917440" y="1794108"/>
+            <a:ext cx="761905" cy="825397"/>
           </a:xfrm>
           <a:prstGeom prst="rect">
             <a:avLst/>
@@ -10939,7 +12305,7 @@
       </p:pic>
       <p:pic>
         <p:nvPicPr>
-          <p:cNvPr id="8" name="Grafik 7"/>
+          <p:cNvPr id="10" name="Grafik 9"/>
           <p:cNvPicPr>
             <a:picLocks noChangeAspect="1"/>
           </p:cNvPicPr>
@@ -10959,8 +12325,158 @@
         </p:blipFill>
         <p:spPr>
           <a:xfrm>
-            <a:off x="863588" y="2173424"/>
-            <a:ext cx="126984" cy="190476"/>
+            <a:off x="585292" y="2001768"/>
+            <a:ext cx="761905" cy="825397"/>
+          </a:xfrm>
+          <a:prstGeom prst="rect">
+            <a:avLst/>
+          </a:prstGeom>
+        </p:spPr>
+      </p:pic>
+      <p:pic>
+        <p:nvPicPr>
+          <p:cNvPr id="11" name="Grafik 10"/>
+          <p:cNvPicPr>
+            <a:picLocks noChangeAspect="1"/>
+          </p:cNvPicPr>
+          <p:nvPr/>
+        </p:nvPicPr>
+        <p:blipFill>
+          <a:blip r:embed="rId5">
+            <a:extLst>
+              <a:ext uri="{28A0092B-C50C-407E-A947-70E740481C1C}">
+                <a14:useLocalDpi xmlns:a14="http://schemas.microsoft.com/office/drawing/2010/main" val="0"/>
+              </a:ext>
+            </a:extLst>
+          </a:blip>
+          <a:stretch>
+            <a:fillRect/>
+          </a:stretch>
+        </p:blipFill>
+        <p:spPr>
+          <a:xfrm>
+            <a:off x="603520" y="3385617"/>
+            <a:ext cx="3644444" cy="1092063"/>
+          </a:xfrm>
+          <a:prstGeom prst="rect">
+            <a:avLst/>
+          </a:prstGeom>
+        </p:spPr>
+      </p:pic>
+      <p:pic>
+        <p:nvPicPr>
+          <p:cNvPr id="12" name="Grafik 11"/>
+          <p:cNvPicPr>
+            <a:picLocks noChangeAspect="1"/>
+          </p:cNvPicPr>
+          <p:nvPr/>
+        </p:nvPicPr>
+        <p:blipFill>
+          <a:blip r:embed="rId6">
+            <a:extLst>
+              <a:ext uri="{28A0092B-C50C-407E-A947-70E740481C1C}">
+                <a14:useLocalDpi xmlns:a14="http://schemas.microsoft.com/office/drawing/2010/main" val="0"/>
+              </a:ext>
+            </a:extLst>
+          </a:blip>
+          <a:stretch>
+            <a:fillRect/>
+          </a:stretch>
+        </p:blipFill>
+        <p:spPr>
+          <a:xfrm>
+            <a:off x="3679052" y="1381410"/>
+            <a:ext cx="761905" cy="825397"/>
+          </a:xfrm>
+          <a:prstGeom prst="rect">
+            <a:avLst/>
+          </a:prstGeom>
+        </p:spPr>
+      </p:pic>
+      <p:pic>
+        <p:nvPicPr>
+          <p:cNvPr id="13" name="Grafik 12"/>
+          <p:cNvPicPr>
+            <a:picLocks noChangeAspect="1"/>
+          </p:cNvPicPr>
+          <p:nvPr/>
+        </p:nvPicPr>
+        <p:blipFill>
+          <a:blip r:embed="rId6">
+            <a:extLst>
+              <a:ext uri="{28A0092B-C50C-407E-A947-70E740481C1C}">
+                <a14:useLocalDpi xmlns:a14="http://schemas.microsoft.com/office/drawing/2010/main" val="0"/>
+              </a:ext>
+            </a:extLst>
+          </a:blip>
+          <a:stretch>
+            <a:fillRect/>
+          </a:stretch>
+        </p:blipFill>
+        <p:spPr>
+          <a:xfrm>
+            <a:off x="1917439" y="1794108"/>
+            <a:ext cx="761905" cy="825397"/>
+          </a:xfrm>
+          <a:prstGeom prst="rect">
+            <a:avLst/>
+          </a:prstGeom>
+        </p:spPr>
+      </p:pic>
+      <p:pic>
+        <p:nvPicPr>
+          <p:cNvPr id="14" name="Grafik 13"/>
+          <p:cNvPicPr>
+            <a:picLocks noChangeAspect="1"/>
+          </p:cNvPicPr>
+          <p:nvPr/>
+        </p:nvPicPr>
+        <p:blipFill>
+          <a:blip r:embed="rId6">
+            <a:extLst>
+              <a:ext uri="{28A0092B-C50C-407E-A947-70E740481C1C}">
+                <a14:useLocalDpi xmlns:a14="http://schemas.microsoft.com/office/drawing/2010/main" val="0"/>
+              </a:ext>
+            </a:extLst>
+          </a:blip>
+          <a:stretch>
+            <a:fillRect/>
+          </a:stretch>
+        </p:blipFill>
+        <p:spPr>
+          <a:xfrm>
+            <a:off x="585292" y="2001768"/>
+            <a:ext cx="761905" cy="825397"/>
+          </a:xfrm>
+          <a:prstGeom prst="rect">
+            <a:avLst/>
+          </a:prstGeom>
+        </p:spPr>
+      </p:pic>
+      <p:pic>
+        <p:nvPicPr>
+          <p:cNvPr id="15" name="Grafik 14"/>
+          <p:cNvPicPr>
+            <a:picLocks noChangeAspect="1"/>
+          </p:cNvPicPr>
+          <p:nvPr/>
+        </p:nvPicPr>
+        <p:blipFill>
+          <a:blip r:embed="rId7">
+            <a:extLst>
+              <a:ext uri="{28A0092B-C50C-407E-A947-70E740481C1C}">
+                <a14:useLocalDpi xmlns:a14="http://schemas.microsoft.com/office/drawing/2010/main" val="0"/>
+              </a:ext>
+            </a:extLst>
+          </a:blip>
+          <a:stretch>
+            <a:fillRect/>
+          </a:stretch>
+        </p:blipFill>
+        <p:spPr>
+          <a:xfrm>
+            <a:off x="603520" y="3385617"/>
+            <a:ext cx="3644444" cy="1092063"/>
           </a:xfrm>
           <a:prstGeom prst="rect">
             <a:avLst/>
@@ -11061,6 +12577,1212 @@
                       </p:childTnLst>
                     </p:cTn>
                   </p:par>
+                </p:childTnLst>
+              </p:cTn>
+              <p:prevCondLst>
+                <p:cond evt="onPrev" delay="0">
+                  <p:tgtEl>
+                    <p:sldTgt/>
+                  </p:tgtEl>
+                </p:cond>
+              </p:prevCondLst>
+              <p:nextCondLst>
+                <p:cond evt="onNext" delay="0">
+                  <p:tgtEl>
+                    <p:sldTgt/>
+                  </p:tgtEl>
+                </p:cond>
+              </p:nextCondLst>
+            </p:seq>
+            <p:seq concurrent="1" nextAc="seek">
+              <p:cTn id="8" restart="whenNotActive" fill="hold" evtFilter="cancelBubble" nodeType="interactiveSeq">
+                <p:stCondLst>
+                  <p:cond evt="onClick" delay="0">
+                    <p:tgtEl>
+                      <p:spTgt spid="15"/>
+                    </p:tgtEl>
+                  </p:cond>
+                </p:stCondLst>
+                <p:endSync evt="end" delay="0">
+                  <p:rtn val="all"/>
+                </p:endSync>
+                <p:childTnLst>
+                  <p:par>
+                    <p:cTn id="9" fill="hold">
+                      <p:stCondLst>
+                        <p:cond delay="0"/>
+                      </p:stCondLst>
+                      <p:childTnLst>
+                        <p:par>
+                          <p:cTn id="10" fill="hold">
+                            <p:stCondLst>
+                              <p:cond delay="0"/>
+                            </p:stCondLst>
+                            <p:childTnLst>
+                              <p:par>
+                                <p:cTn id="11" presetID="10" presetClass="entr" presetSubtype="0" fill="hold" nodeType="clickEffect">
+                                  <p:stCondLst>
+                                    <p:cond delay="0"/>
+                                  </p:stCondLst>
+                                  <p:childTnLst>
+                                    <p:set>
+                                      <p:cBhvr>
+                                        <p:cTn id="12" dur="1" fill="hold">
+                                          <p:stCondLst>
+                                            <p:cond delay="0"/>
+                                          </p:stCondLst>
+                                        </p:cTn>
+                                        <p:tgtEl>
+                                          <p:spTgt spid="11"/>
+                                        </p:tgtEl>
+                                        <p:attrNameLst>
+                                          <p:attrName>style.visibility</p:attrName>
+                                        </p:attrNameLst>
+                                      </p:cBhvr>
+                                      <p:to>
+                                        <p:strVal val="visible"/>
+                                      </p:to>
+                                    </p:set>
+                                    <p:animEffect transition="in" filter="fade">
+                                      <p:cBhvr>
+                                        <p:cTn id="13" dur="500"/>
+                                        <p:tgtEl>
+                                          <p:spTgt spid="11"/>
+                                        </p:tgtEl>
+                                      </p:cBhvr>
+                                    </p:animEffect>
+                                  </p:childTnLst>
+                                </p:cTn>
+                              </p:par>
+                              <p:par>
+                                <p:cTn id="14" presetID="1" presetClass="exit" presetSubtype="0" fill="hold" nodeType="withEffect">
+                                  <p:stCondLst>
+                                    <p:cond delay="0"/>
+                                  </p:stCondLst>
+                                  <p:childTnLst>
+                                    <p:set>
+                                      <p:cBhvr>
+                                        <p:cTn id="15" dur="1" fill="hold">
+                                          <p:stCondLst>
+                                            <p:cond delay="0"/>
+                                          </p:stCondLst>
+                                        </p:cTn>
+                                        <p:tgtEl>
+                                          <p:spTgt spid="15"/>
+                                        </p:tgtEl>
+                                        <p:attrNameLst>
+                                          <p:attrName>style.visibility</p:attrName>
+                                        </p:attrNameLst>
+                                      </p:cBhvr>
+                                      <p:to>
+                                        <p:strVal val="hidden"/>
+                                      </p:to>
+                                    </p:set>
+                                  </p:childTnLst>
+                                </p:cTn>
+                              </p:par>
+                            </p:childTnLst>
+                          </p:cTn>
+                        </p:par>
+                      </p:childTnLst>
+                    </p:cTn>
+                  </p:par>
+                </p:childTnLst>
+              </p:cTn>
+              <p:nextCondLst>
+                <p:cond evt="onClick" delay="0">
+                  <p:tgtEl>
+                    <p:spTgt spid="15"/>
+                  </p:tgtEl>
+                </p:cond>
+              </p:nextCondLst>
+            </p:seq>
+            <p:seq concurrent="1" nextAc="seek">
+              <p:cTn id="16" restart="whenNotActive" fill="hold" evtFilter="cancelBubble" nodeType="interactiveSeq">
+                <p:stCondLst>
+                  <p:cond evt="onClick" delay="0">
+                    <p:tgtEl>
+                      <p:spTgt spid="14"/>
+                    </p:tgtEl>
+                  </p:cond>
+                </p:stCondLst>
+                <p:endSync evt="end" delay="0">
+                  <p:rtn val="all"/>
+                </p:endSync>
+                <p:childTnLst>
+                  <p:par>
+                    <p:cTn id="17" fill="hold">
+                      <p:stCondLst>
+                        <p:cond delay="0"/>
+                      </p:stCondLst>
+                      <p:childTnLst>
+                        <p:par>
+                          <p:cTn id="18" fill="hold">
+                            <p:stCondLst>
+                              <p:cond delay="0"/>
+                            </p:stCondLst>
+                            <p:childTnLst>
+                              <p:par>
+                                <p:cTn id="19" presetID="10" presetClass="entr" presetSubtype="0" fill="hold" nodeType="clickEffect">
+                                  <p:stCondLst>
+                                    <p:cond delay="0"/>
+                                  </p:stCondLst>
+                                  <p:childTnLst>
+                                    <p:set>
+                                      <p:cBhvr>
+                                        <p:cTn id="20" dur="1" fill="hold">
+                                          <p:stCondLst>
+                                            <p:cond delay="0"/>
+                                          </p:stCondLst>
+                                        </p:cTn>
+                                        <p:tgtEl>
+                                          <p:spTgt spid="10"/>
+                                        </p:tgtEl>
+                                        <p:attrNameLst>
+                                          <p:attrName>style.visibility</p:attrName>
+                                        </p:attrNameLst>
+                                      </p:cBhvr>
+                                      <p:to>
+                                        <p:strVal val="visible"/>
+                                      </p:to>
+                                    </p:set>
+                                    <p:animEffect transition="in" filter="fade">
+                                      <p:cBhvr>
+                                        <p:cTn id="21" dur="500"/>
+                                        <p:tgtEl>
+                                          <p:spTgt spid="10"/>
+                                        </p:tgtEl>
+                                      </p:cBhvr>
+                                    </p:animEffect>
+                                  </p:childTnLst>
+                                </p:cTn>
+                              </p:par>
+                              <p:par>
+                                <p:cTn id="22" presetID="1" presetClass="exit" presetSubtype="0" fill="hold" nodeType="withEffect">
+                                  <p:stCondLst>
+                                    <p:cond delay="0"/>
+                                  </p:stCondLst>
+                                  <p:childTnLst>
+                                    <p:set>
+                                      <p:cBhvr>
+                                        <p:cTn id="23" dur="1" fill="hold">
+                                          <p:stCondLst>
+                                            <p:cond delay="0"/>
+                                          </p:stCondLst>
+                                        </p:cTn>
+                                        <p:tgtEl>
+                                          <p:spTgt spid="14"/>
+                                        </p:tgtEl>
+                                        <p:attrNameLst>
+                                          <p:attrName>style.visibility</p:attrName>
+                                        </p:attrNameLst>
+                                      </p:cBhvr>
+                                      <p:to>
+                                        <p:strVal val="hidden"/>
+                                      </p:to>
+                                    </p:set>
+                                  </p:childTnLst>
+                                </p:cTn>
+                              </p:par>
+                            </p:childTnLst>
+                          </p:cTn>
+                        </p:par>
+                      </p:childTnLst>
+                    </p:cTn>
+                  </p:par>
+                </p:childTnLst>
+              </p:cTn>
+              <p:nextCondLst>
+                <p:cond evt="onClick" delay="0">
+                  <p:tgtEl>
+                    <p:spTgt spid="14"/>
+                  </p:tgtEl>
+                </p:cond>
+              </p:nextCondLst>
+            </p:seq>
+            <p:seq concurrent="1" nextAc="seek">
+              <p:cTn id="24" restart="whenNotActive" fill="hold" evtFilter="cancelBubble" nodeType="interactiveSeq">
+                <p:stCondLst>
+                  <p:cond evt="onClick" delay="0">
+                    <p:tgtEl>
+                      <p:spTgt spid="13"/>
+                    </p:tgtEl>
+                  </p:cond>
+                </p:stCondLst>
+                <p:endSync evt="end" delay="0">
+                  <p:rtn val="all"/>
+                </p:endSync>
+                <p:childTnLst>
+                  <p:par>
+                    <p:cTn id="25" fill="hold">
+                      <p:stCondLst>
+                        <p:cond delay="0"/>
+                      </p:stCondLst>
+                      <p:childTnLst>
+                        <p:par>
+                          <p:cTn id="26" fill="hold">
+                            <p:stCondLst>
+                              <p:cond delay="0"/>
+                            </p:stCondLst>
+                            <p:childTnLst>
+                              <p:par>
+                                <p:cTn id="27" presetID="10" presetClass="entr" presetSubtype="0" fill="hold" nodeType="clickEffect">
+                                  <p:stCondLst>
+                                    <p:cond delay="0"/>
+                                  </p:stCondLst>
+                                  <p:childTnLst>
+                                    <p:set>
+                                      <p:cBhvr>
+                                        <p:cTn id="28" dur="1" fill="hold">
+                                          <p:stCondLst>
+                                            <p:cond delay="0"/>
+                                          </p:stCondLst>
+                                        </p:cTn>
+                                        <p:tgtEl>
+                                          <p:spTgt spid="9"/>
+                                        </p:tgtEl>
+                                        <p:attrNameLst>
+                                          <p:attrName>style.visibility</p:attrName>
+                                        </p:attrNameLst>
+                                      </p:cBhvr>
+                                      <p:to>
+                                        <p:strVal val="visible"/>
+                                      </p:to>
+                                    </p:set>
+                                    <p:animEffect transition="in" filter="fade">
+                                      <p:cBhvr>
+                                        <p:cTn id="29" dur="500"/>
+                                        <p:tgtEl>
+                                          <p:spTgt spid="9"/>
+                                        </p:tgtEl>
+                                      </p:cBhvr>
+                                    </p:animEffect>
+                                  </p:childTnLst>
+                                </p:cTn>
+                              </p:par>
+                              <p:par>
+                                <p:cTn id="30" presetID="1" presetClass="exit" presetSubtype="0" fill="hold" nodeType="withEffect">
+                                  <p:stCondLst>
+                                    <p:cond delay="0"/>
+                                  </p:stCondLst>
+                                  <p:childTnLst>
+                                    <p:set>
+                                      <p:cBhvr>
+                                        <p:cTn id="31" dur="1" fill="hold">
+                                          <p:stCondLst>
+                                            <p:cond delay="0"/>
+                                          </p:stCondLst>
+                                        </p:cTn>
+                                        <p:tgtEl>
+                                          <p:spTgt spid="13"/>
+                                        </p:tgtEl>
+                                        <p:attrNameLst>
+                                          <p:attrName>style.visibility</p:attrName>
+                                        </p:attrNameLst>
+                                      </p:cBhvr>
+                                      <p:to>
+                                        <p:strVal val="hidden"/>
+                                      </p:to>
+                                    </p:set>
+                                  </p:childTnLst>
+                                </p:cTn>
+                              </p:par>
+                            </p:childTnLst>
+                          </p:cTn>
+                        </p:par>
+                      </p:childTnLst>
+                    </p:cTn>
+                  </p:par>
+                </p:childTnLst>
+              </p:cTn>
+              <p:nextCondLst>
+                <p:cond evt="onClick" delay="0">
+                  <p:tgtEl>
+                    <p:spTgt spid="13"/>
+                  </p:tgtEl>
+                </p:cond>
+              </p:nextCondLst>
+            </p:seq>
+            <p:seq concurrent="1" nextAc="seek">
+              <p:cTn id="32" restart="whenNotActive" fill="hold" evtFilter="cancelBubble" nodeType="interactiveSeq">
+                <p:stCondLst>
+                  <p:cond evt="onClick" delay="0">
+                    <p:tgtEl>
+                      <p:spTgt spid="12"/>
+                    </p:tgtEl>
+                  </p:cond>
+                </p:stCondLst>
+                <p:endSync evt="end" delay="0">
+                  <p:rtn val="all"/>
+                </p:endSync>
+                <p:childTnLst>
+                  <p:par>
+                    <p:cTn id="33" fill="hold">
+                      <p:stCondLst>
+                        <p:cond delay="0"/>
+                      </p:stCondLst>
+                      <p:childTnLst>
+                        <p:par>
+                          <p:cTn id="34" fill="hold">
+                            <p:stCondLst>
+                              <p:cond delay="0"/>
+                            </p:stCondLst>
+                            <p:childTnLst>
+                              <p:par>
+                                <p:cTn id="35" presetID="10" presetClass="entr" presetSubtype="0" fill="hold" nodeType="clickEffect">
+                                  <p:stCondLst>
+                                    <p:cond delay="0"/>
+                                  </p:stCondLst>
+                                  <p:childTnLst>
+                                    <p:set>
+                                      <p:cBhvr>
+                                        <p:cTn id="36" dur="1" fill="hold">
+                                          <p:stCondLst>
+                                            <p:cond delay="0"/>
+                                          </p:stCondLst>
+                                        </p:cTn>
+                                        <p:tgtEl>
+                                          <p:spTgt spid="4"/>
+                                        </p:tgtEl>
+                                        <p:attrNameLst>
+                                          <p:attrName>style.visibility</p:attrName>
+                                        </p:attrNameLst>
+                                      </p:cBhvr>
+                                      <p:to>
+                                        <p:strVal val="visible"/>
+                                      </p:to>
+                                    </p:set>
+                                    <p:animEffect transition="in" filter="fade">
+                                      <p:cBhvr>
+                                        <p:cTn id="37" dur="500"/>
+                                        <p:tgtEl>
+                                          <p:spTgt spid="4"/>
+                                        </p:tgtEl>
+                                      </p:cBhvr>
+                                    </p:animEffect>
+                                  </p:childTnLst>
+                                </p:cTn>
+                              </p:par>
+                              <p:par>
+                                <p:cTn id="38" presetID="1" presetClass="exit" presetSubtype="0" fill="hold" nodeType="withEffect">
+                                  <p:stCondLst>
+                                    <p:cond delay="0"/>
+                                  </p:stCondLst>
+                                  <p:childTnLst>
+                                    <p:set>
+                                      <p:cBhvr>
+                                        <p:cTn id="39" dur="1" fill="hold">
+                                          <p:stCondLst>
+                                            <p:cond delay="0"/>
+                                          </p:stCondLst>
+                                        </p:cTn>
+                                        <p:tgtEl>
+                                          <p:spTgt spid="12"/>
+                                        </p:tgtEl>
+                                        <p:attrNameLst>
+                                          <p:attrName>style.visibility</p:attrName>
+                                        </p:attrNameLst>
+                                      </p:cBhvr>
+                                      <p:to>
+                                        <p:strVal val="hidden"/>
+                                      </p:to>
+                                    </p:set>
+                                  </p:childTnLst>
+                                </p:cTn>
+                              </p:par>
+                            </p:childTnLst>
+                          </p:cTn>
+                        </p:par>
+                      </p:childTnLst>
+                    </p:cTn>
+                  </p:par>
+                </p:childTnLst>
+              </p:cTn>
+              <p:nextCondLst>
+                <p:cond evt="onClick" delay="0">
+                  <p:tgtEl>
+                    <p:spTgt spid="12"/>
+                  </p:tgtEl>
+                </p:cond>
+              </p:nextCondLst>
+            </p:seq>
+          </p:childTnLst>
+        </p:cTn>
+      </p:par>
+    </p:tnLst>
+  </p:timing>
+</p:sld>
+</file>
+
+<file path=ppt/slides/slide21.xml><?xml version="1.0" encoding="utf-8"?>
+<p:sld xmlns:a="http://schemas.openxmlformats.org/drawingml/2006/main" xmlns:r="http://schemas.openxmlformats.org/officeDocument/2006/relationships" xmlns:p="http://schemas.openxmlformats.org/presentationml/2006/main">
+  <p:cSld>
+    <p:spTree>
+      <p:nvGrpSpPr>
+        <p:cNvPr id="1" name=""/>
+        <p:cNvGrpSpPr/>
+        <p:nvPr/>
+      </p:nvGrpSpPr>
+      <p:grpSpPr>
+        <a:xfrm>
+          <a:off x="0" y="0"/>
+          <a:ext cx="0" cy="0"/>
+          <a:chOff x="0" y="0"/>
+          <a:chExt cx="0" cy="0"/>
+        </a:xfrm>
+      </p:grpSpPr>
+      <p:sp>
+        <p:nvSpPr>
+          <p:cNvPr id="2" name="Titel 1"/>
+          <p:cNvSpPr>
+            <a:spLocks noGrp="1"/>
+          </p:cNvSpPr>
+          <p:nvPr>
+            <p:ph type="title"/>
+          </p:nvPr>
+        </p:nvSpPr>
+        <p:spPr/>
+        <p:txBody>
+          <a:bodyPr/>
+          <a:lstStyle/>
+          <a:p>
+            <a:r>
+              <a:rPr lang="de-DE" smtClean="0">
+                <a:solidFill>
+                  <a:srgbClr val="831420"/>
+                </a:solidFill>
+              </a:rPr>
+              <a:t>Themen</a:t>
+            </a:r>
+            <a:endParaRPr lang="de-DE" dirty="0">
+              <a:solidFill>
+                <a:srgbClr val="831420"/>
+              </a:solidFill>
+            </a:endParaRPr>
+          </a:p>
+        </p:txBody>
+      </p:sp>
+      <p:sp>
+        <p:nvSpPr>
+          <p:cNvPr id="3" name="Inhaltsplatzhalter 2"/>
+          <p:cNvSpPr>
+            <a:spLocks noGrp="1"/>
+          </p:cNvSpPr>
+          <p:nvPr>
+            <p:ph idx="4294967295"/>
+          </p:nvPr>
+        </p:nvSpPr>
+        <p:spPr>
+          <a:xfrm>
+            <a:off x="179512" y="900000"/>
+            <a:ext cx="8496944" cy="4153744"/>
+          </a:xfrm>
+          <a:prstGeom prst="rect">
+            <a:avLst/>
+          </a:prstGeom>
+        </p:spPr>
+        <p:txBody>
+          <a:bodyPr anchor="ctr"/>
+          <a:lstStyle/>
+          <a:p>
+            <a:pPr marL="0" indent="0">
+              <a:buNone/>
+            </a:pPr>
+            <a:r>
+              <a:rPr lang="de-DE" sz="2000" dirty="0" smtClean="0">
+                <a:solidFill>
+                  <a:schemeClr val="bg1">
+                    <a:lumMod val="75000"/>
+                  </a:schemeClr>
+                </a:solidFill>
+              </a:rPr>
+              <a:t>Was ist ein Programm</a:t>
+            </a:r>
+            <a:r>
+              <a:rPr lang="de-DE" sz="2000" dirty="0">
+                <a:solidFill>
+                  <a:schemeClr val="bg1">
+                    <a:lumMod val="75000"/>
+                  </a:schemeClr>
+                </a:solidFill>
+              </a:rPr>
+              <a:t>?</a:t>
+            </a:r>
+          </a:p>
+          <a:p>
+            <a:pPr marL="0" indent="0">
+              <a:buNone/>
+            </a:pPr>
+            <a:r>
+              <a:rPr lang="de-DE" sz="2000" dirty="0" smtClean="0">
+                <a:solidFill>
+                  <a:schemeClr val="bg1">
+                    <a:lumMod val="75000"/>
+                  </a:schemeClr>
+                </a:solidFill>
+              </a:rPr>
+              <a:t>Syntax und Semantik</a:t>
+            </a:r>
+            <a:endParaRPr lang="de-DE" sz="2000" dirty="0">
+              <a:solidFill>
+                <a:schemeClr val="bg1">
+                  <a:lumMod val="75000"/>
+                </a:schemeClr>
+              </a:solidFill>
+            </a:endParaRPr>
+          </a:p>
+          <a:p>
+            <a:pPr marL="0" indent="0">
+              <a:buNone/>
+            </a:pPr>
+            <a:r>
+              <a:rPr lang="de-DE" sz="2000" dirty="0" smtClean="0">
+                <a:solidFill>
+                  <a:schemeClr val="bg1">
+                    <a:lumMod val="75000"/>
+                  </a:schemeClr>
+                </a:solidFill>
+              </a:rPr>
+              <a:t>Ein erstes Programm</a:t>
+            </a:r>
+            <a:endParaRPr lang="de-DE" sz="2000" dirty="0">
+              <a:solidFill>
+                <a:schemeClr val="bg1">
+                  <a:lumMod val="75000"/>
+                </a:schemeClr>
+              </a:solidFill>
+            </a:endParaRPr>
+          </a:p>
+          <a:p>
+            <a:pPr marL="0" indent="0">
+              <a:buNone/>
+            </a:pPr>
+            <a:r>
+              <a:rPr lang="de-DE" sz="2000" dirty="0" smtClean="0">
+                <a:solidFill>
+                  <a:schemeClr val="bg1">
+                    <a:lumMod val="75000"/>
+                  </a:schemeClr>
+                </a:solidFill>
+              </a:rPr>
+              <a:t>Primitive Datentypen und Variablen</a:t>
+            </a:r>
+            <a:endParaRPr lang="de-DE" sz="2000" dirty="0">
+              <a:solidFill>
+                <a:schemeClr val="bg1">
+                  <a:lumMod val="75000"/>
+                </a:schemeClr>
+              </a:solidFill>
+            </a:endParaRPr>
+          </a:p>
+          <a:p>
+            <a:pPr marL="0" indent="0">
+              <a:buNone/>
+            </a:pPr>
+            <a:r>
+              <a:rPr lang="de-DE" sz="2000" b="1" dirty="0" smtClean="0"/>
+              <a:t>Abfragen, Schleifen</a:t>
+            </a:r>
+            <a:endParaRPr lang="de-DE" sz="2000" b="1" dirty="0"/>
+          </a:p>
+          <a:p>
+            <a:pPr marL="0" indent="0">
+              <a:buNone/>
+            </a:pPr>
+            <a:r>
+              <a:rPr lang="de-DE" sz="2000" i="1" dirty="0">
+                <a:solidFill>
+                  <a:schemeClr val="bg1">
+                    <a:lumMod val="75000"/>
+                  </a:schemeClr>
+                </a:solidFill>
+              </a:rPr>
+              <a:t>Objektorientierung:</a:t>
+            </a:r>
+          </a:p>
+          <a:p>
+            <a:pPr marL="0" indent="0">
+              <a:buNone/>
+            </a:pPr>
+            <a:r>
+              <a:rPr lang="de-DE" sz="2000" dirty="0" smtClean="0">
+                <a:solidFill>
+                  <a:schemeClr val="bg1">
+                    <a:lumMod val="75000"/>
+                  </a:schemeClr>
+                </a:solidFill>
+              </a:rPr>
+              <a:t>    Klassen und Objekte</a:t>
+            </a:r>
+            <a:endParaRPr lang="de-DE" sz="2000" dirty="0">
+              <a:solidFill>
+                <a:schemeClr val="bg1">
+                  <a:lumMod val="75000"/>
+                </a:schemeClr>
+              </a:solidFill>
+            </a:endParaRPr>
+          </a:p>
+          <a:p>
+            <a:pPr marL="0" indent="0">
+              <a:buNone/>
+            </a:pPr>
+            <a:r>
+              <a:rPr lang="de-DE" sz="2000" dirty="0" smtClean="0">
+                <a:solidFill>
+                  <a:schemeClr val="bg1">
+                    <a:lumMod val="75000"/>
+                  </a:schemeClr>
+                </a:solidFill>
+              </a:rPr>
+              <a:t>    Attribute und Methoden</a:t>
+            </a:r>
+            <a:endParaRPr lang="de-DE" sz="2000" dirty="0">
+              <a:solidFill>
+                <a:schemeClr val="bg1">
+                  <a:lumMod val="75000"/>
+                </a:schemeClr>
+              </a:solidFill>
+            </a:endParaRPr>
+          </a:p>
+          <a:p>
+            <a:pPr marL="0" indent="0">
+              <a:buNone/>
+            </a:pPr>
+            <a:r>
+              <a:rPr lang="de-DE" sz="2000" dirty="0">
+                <a:solidFill>
+                  <a:schemeClr val="bg1">
+                    <a:lumMod val="75000"/>
+                  </a:schemeClr>
+                </a:solidFill>
+              </a:rPr>
+              <a:t>Namenskonvention</a:t>
+            </a:r>
+          </a:p>
+          <a:p>
+            <a:pPr marL="0" indent="0">
+              <a:buNone/>
+            </a:pPr>
+            <a:r>
+              <a:rPr lang="de-DE" sz="2000" dirty="0" smtClean="0">
+                <a:solidFill>
+                  <a:schemeClr val="bg1">
+                    <a:lumMod val="75000"/>
+                  </a:schemeClr>
+                </a:solidFill>
+              </a:rPr>
+              <a:t>Strings und Arrays</a:t>
+            </a:r>
+            <a:endParaRPr lang="de-DE" sz="2000" dirty="0">
+              <a:solidFill>
+                <a:schemeClr val="bg1">
+                  <a:lumMod val="75000"/>
+                </a:schemeClr>
+              </a:solidFill>
+            </a:endParaRPr>
+          </a:p>
+        </p:txBody>
+      </p:sp>
+    </p:spTree>
+    <p:extLst>
+      <p:ext uri="{BB962C8B-B14F-4D97-AF65-F5344CB8AC3E}">
+        <p14:creationId xmlns:p14="http://schemas.microsoft.com/office/powerpoint/2010/main" val="2521721127"/>
+      </p:ext>
+    </p:extLst>
+  </p:cSld>
+  <p:clrMapOvr>
+    <a:masterClrMapping/>
+  </p:clrMapOvr>
+  <mc:AlternateContent xmlns:mc="http://schemas.openxmlformats.org/markup-compatibility/2006" xmlns:p14="http://schemas.microsoft.com/office/powerpoint/2010/main">
+    <mc:Choice Requires="p14">
+      <p:transition spd="slow" p14:dur="800">
+        <p14:flythrough/>
+      </p:transition>
+    </mc:Choice>
+    <mc:Fallback xmlns="">
+      <p:transition spd="slow">
+        <p:fade/>
+      </p:transition>
+    </mc:Fallback>
+  </mc:AlternateContent>
+  <p:timing>
+    <p:tnLst>
+      <p:par>
+        <p:cTn id="1" dur="indefinite" restart="never" nodeType="tmRoot"/>
+      </p:par>
+    </p:tnLst>
+  </p:timing>
+</p:sld>
+</file>
+
+<file path=ppt/slides/slide22.xml><?xml version="1.0" encoding="utf-8"?>
+<p:sld xmlns:a="http://schemas.openxmlformats.org/drawingml/2006/main" xmlns:r="http://schemas.openxmlformats.org/officeDocument/2006/relationships" xmlns:p="http://schemas.openxmlformats.org/presentationml/2006/main">
+  <p:cSld>
+    <p:spTree>
+      <p:nvGrpSpPr>
+        <p:cNvPr id="1" name=""/>
+        <p:cNvGrpSpPr/>
+        <p:nvPr/>
+      </p:nvGrpSpPr>
+      <p:grpSpPr>
+        <a:xfrm>
+          <a:off x="0" y="0"/>
+          <a:ext cx="0" cy="0"/>
+          <a:chOff x="0" y="0"/>
+          <a:chExt cx="0" cy="0"/>
+        </a:xfrm>
+      </p:grpSpPr>
+      <p:sp>
+        <p:nvSpPr>
+          <p:cNvPr id="2" name="Titel 1"/>
+          <p:cNvSpPr>
+            <a:spLocks noGrp="1"/>
+          </p:cNvSpPr>
+          <p:nvPr>
+            <p:ph type="title"/>
+          </p:nvPr>
+        </p:nvSpPr>
+        <p:spPr/>
+        <p:txBody>
+          <a:bodyPr/>
+          <a:lstStyle/>
+          <a:p>
+            <a:r>
+              <a:rPr lang="de-DE" dirty="0" smtClean="0">
+                <a:solidFill>
+                  <a:srgbClr val="831420"/>
+                </a:solidFill>
+              </a:rPr>
+              <a:t>Abfragen und Schleifen</a:t>
+            </a:r>
+            <a:endParaRPr lang="de-DE" dirty="0">
+              <a:solidFill>
+                <a:srgbClr val="831420"/>
+              </a:solidFill>
+            </a:endParaRPr>
+          </a:p>
+        </p:txBody>
+      </p:sp>
+      <p:sp>
+        <p:nvSpPr>
+          <p:cNvPr id="3" name="Inhaltsplatzhalter 2"/>
+          <p:cNvSpPr>
+            <a:spLocks noGrp="1"/>
+          </p:cNvSpPr>
+          <p:nvPr>
+            <p:ph idx="4294967295"/>
+          </p:nvPr>
+        </p:nvSpPr>
+        <p:spPr>
+          <a:xfrm>
+            <a:off x="179512" y="877280"/>
+            <a:ext cx="8496944" cy="4176464"/>
+          </a:xfrm>
+          <a:prstGeom prst="rect">
+            <a:avLst/>
+          </a:prstGeom>
+        </p:spPr>
+        <p:txBody>
+          <a:bodyPr anchor="ctr"/>
+          <a:lstStyle/>
+          <a:p>
+            <a:r>
+              <a:rPr lang="de-DE" sz="2000" b="1" dirty="0" smtClean="0"/>
+              <a:t>Abfragen</a:t>
+            </a:r>
+            <a:endParaRPr lang="de-DE" sz="2000" dirty="0"/>
+          </a:p>
+          <a:p>
+            <a:pPr marL="0" indent="0">
+              <a:buNone/>
+            </a:pPr>
+            <a:r>
+              <a:rPr lang="de-DE" sz="2000" dirty="0" smtClean="0"/>
+              <a:t>	ermöglichen es nur unter bestimmten Bedingungen Code auszuführen</a:t>
+            </a:r>
+          </a:p>
+          <a:p>
+            <a:endParaRPr lang="de-DE" sz="2000" dirty="0" smtClean="0"/>
+          </a:p>
+          <a:p>
+            <a:pPr marL="0" indent="0">
+              <a:buNone/>
+            </a:pPr>
+            <a:endParaRPr lang="de-DE" sz="2000" dirty="0"/>
+          </a:p>
+          <a:p>
+            <a:r>
+              <a:rPr lang="de-DE" sz="2000" b="1" dirty="0" smtClean="0"/>
+              <a:t>Schleifen</a:t>
+            </a:r>
+            <a:endParaRPr lang="de-DE" sz="2000" dirty="0"/>
+          </a:p>
+          <a:p>
+            <a:pPr marL="0" indent="0">
+              <a:buNone/>
+            </a:pPr>
+            <a:r>
+              <a:rPr lang="de-DE" sz="2000" dirty="0" smtClean="0"/>
+              <a:t>	ermöglichen es Code immer und immer wieder auszuführen</a:t>
+            </a:r>
+          </a:p>
+        </p:txBody>
+      </p:sp>
+    </p:spTree>
+    <p:extLst>
+      <p:ext uri="{BB962C8B-B14F-4D97-AF65-F5344CB8AC3E}">
+        <p14:creationId xmlns:p14="http://schemas.microsoft.com/office/powerpoint/2010/main" val="2866466050"/>
+      </p:ext>
+    </p:extLst>
+  </p:cSld>
+  <p:clrMapOvr>
+    <a:masterClrMapping/>
+  </p:clrMapOvr>
+  <mc:AlternateContent xmlns:mc="http://schemas.openxmlformats.org/markup-compatibility/2006" xmlns:p14="http://schemas.microsoft.com/office/powerpoint/2010/main">
+    <mc:Choice Requires="p14">
+      <p:transition spd="slow" p14:dur="800">
+        <p14:flythrough/>
+      </p:transition>
+    </mc:Choice>
+    <mc:Fallback xmlns="">
+      <p:transition spd="slow">
+        <p:fade/>
+      </p:transition>
+    </mc:Fallback>
+  </mc:AlternateContent>
+  <p:timing>
+    <p:tnLst>
+      <p:par>
+        <p:cTn id="1" dur="indefinite" restart="never" nodeType="tmRoot"/>
+      </p:par>
+    </p:tnLst>
+  </p:timing>
+</p:sld>
+</file>
+
+<file path=ppt/slides/slide23.xml><?xml version="1.0" encoding="utf-8"?>
+<p:sld xmlns:a="http://schemas.openxmlformats.org/drawingml/2006/main" xmlns:r="http://schemas.openxmlformats.org/officeDocument/2006/relationships" xmlns:p="http://schemas.openxmlformats.org/presentationml/2006/main">
+  <p:cSld>
+    <p:spTree>
+      <p:nvGrpSpPr>
+        <p:cNvPr id="1" name=""/>
+        <p:cNvGrpSpPr/>
+        <p:nvPr/>
+      </p:nvGrpSpPr>
+      <p:grpSpPr>
+        <a:xfrm>
+          <a:off x="0" y="0"/>
+          <a:ext cx="0" cy="0"/>
+          <a:chOff x="0" y="0"/>
+          <a:chExt cx="0" cy="0"/>
+        </a:xfrm>
+      </p:grpSpPr>
+      <p:sp>
+        <p:nvSpPr>
+          <p:cNvPr id="2" name="Titel 1"/>
+          <p:cNvSpPr>
+            <a:spLocks noGrp="1"/>
+          </p:cNvSpPr>
+          <p:nvPr>
+            <p:ph type="title"/>
+          </p:nvPr>
+        </p:nvSpPr>
+        <p:spPr/>
+        <p:txBody>
+          <a:bodyPr/>
+          <a:lstStyle/>
+          <a:p>
+            <a:r>
+              <a:rPr lang="de-DE" dirty="0" smtClean="0">
+                <a:solidFill>
+                  <a:srgbClr val="831420"/>
+                </a:solidFill>
+              </a:rPr>
+              <a:t>Abfragen</a:t>
+            </a:r>
+            <a:endParaRPr lang="de-DE" dirty="0">
+              <a:solidFill>
+                <a:srgbClr val="831420"/>
+              </a:solidFill>
+            </a:endParaRPr>
+          </a:p>
+        </p:txBody>
+      </p:sp>
+      <p:sp>
+        <p:nvSpPr>
+          <p:cNvPr id="3" name="Inhaltsplatzhalter 2"/>
+          <p:cNvSpPr>
+            <a:spLocks noGrp="1"/>
+          </p:cNvSpPr>
+          <p:nvPr>
+            <p:ph idx="4294967295"/>
+          </p:nvPr>
+        </p:nvSpPr>
+        <p:spPr>
+          <a:xfrm>
+            <a:off x="179512" y="877280"/>
+            <a:ext cx="8496944" cy="4176464"/>
+          </a:xfrm>
+          <a:prstGeom prst="rect">
+            <a:avLst/>
+          </a:prstGeom>
+        </p:spPr>
+        <p:txBody>
+          <a:bodyPr anchor="t"/>
+          <a:lstStyle/>
+          <a:p>
+            <a:r>
+              <a:rPr lang="de-DE" sz="2000" dirty="0" smtClean="0"/>
+              <a:t>Abfragen sehen wie folgt aus:</a:t>
+            </a:r>
+          </a:p>
+          <a:p>
+            <a:endParaRPr lang="de-DE" sz="2000" dirty="0"/>
+          </a:p>
+          <a:p>
+            <a:endParaRPr lang="de-DE" sz="2000" dirty="0" smtClean="0"/>
+          </a:p>
+          <a:p>
+            <a:endParaRPr lang="de-DE" sz="2000" dirty="0"/>
+          </a:p>
+          <a:p>
+            <a:endParaRPr lang="de-DE" sz="2000" dirty="0" smtClean="0"/>
+          </a:p>
+          <a:p>
+            <a:endParaRPr lang="de-DE" sz="2000" dirty="0"/>
+          </a:p>
+          <a:p>
+            <a:r>
+              <a:rPr lang="de-DE" sz="2000" dirty="0" smtClean="0"/>
+              <a:t>Code im </a:t>
+            </a:r>
+            <a:r>
+              <a:rPr lang="de-DE" sz="2000" dirty="0" err="1" smtClean="0"/>
+              <a:t>if</a:t>
+            </a:r>
+            <a:r>
+              <a:rPr lang="de-DE" sz="2000" dirty="0" smtClean="0"/>
+              <a:t>-Zweig wird ausgeführt, wenn die Bedingung den </a:t>
+            </a:r>
+            <a:r>
+              <a:rPr lang="de-DE" sz="2000" dirty="0" smtClean="0">
+                <a:solidFill>
+                  <a:schemeClr val="tx2"/>
+                </a:solidFill>
+              </a:rPr>
+              <a:t>booleschen</a:t>
+            </a:r>
+            <a:r>
+              <a:rPr lang="de-DE" sz="2000" dirty="0" smtClean="0"/>
+              <a:t> Wert </a:t>
+            </a:r>
+            <a:r>
+              <a:rPr lang="de-DE" sz="2000" dirty="0" err="1" smtClean="0">
+                <a:solidFill>
+                  <a:schemeClr val="tx2"/>
+                </a:solidFill>
+              </a:rPr>
+              <a:t>true</a:t>
+            </a:r>
+            <a:r>
+              <a:rPr lang="de-DE" sz="2000" dirty="0" smtClean="0"/>
+              <a:t> ergibt</a:t>
+            </a:r>
+          </a:p>
+          <a:p>
+            <a:endParaRPr lang="de-DE" sz="2000" dirty="0"/>
+          </a:p>
+          <a:p>
+            <a:r>
+              <a:rPr lang="de-DE" sz="2000" dirty="0" smtClean="0"/>
+              <a:t>Code im </a:t>
+            </a:r>
+            <a:r>
+              <a:rPr lang="de-DE" sz="2000" dirty="0" err="1" smtClean="0"/>
+              <a:t>else</a:t>
+            </a:r>
+            <a:r>
+              <a:rPr lang="de-DE" sz="2000" dirty="0" smtClean="0"/>
+              <a:t>-Zweig wird ausgeführt, wenn die Bedingung den </a:t>
+            </a:r>
+            <a:r>
+              <a:rPr lang="de-DE" sz="2000" dirty="0" smtClean="0">
+                <a:solidFill>
+                  <a:schemeClr val="tx2"/>
+                </a:solidFill>
+              </a:rPr>
+              <a:t>booleschen</a:t>
+            </a:r>
+            <a:r>
+              <a:rPr lang="de-DE" sz="2000" dirty="0" smtClean="0"/>
+              <a:t> Wert </a:t>
+            </a:r>
+            <a:r>
+              <a:rPr lang="de-DE" sz="2000" dirty="0" err="1" smtClean="0">
+                <a:solidFill>
+                  <a:schemeClr val="tx2"/>
+                </a:solidFill>
+              </a:rPr>
+              <a:t>false</a:t>
+            </a:r>
+            <a:r>
+              <a:rPr lang="de-DE" sz="2000" dirty="0" smtClean="0"/>
+              <a:t> ergibt</a:t>
+            </a:r>
+          </a:p>
+        </p:txBody>
+      </p:sp>
+      <p:pic>
+        <p:nvPicPr>
+          <p:cNvPr id="5" name="Grafik 4"/>
+          <p:cNvPicPr>
+            <a:picLocks noChangeAspect="1"/>
+          </p:cNvPicPr>
+          <p:nvPr/>
+        </p:nvPicPr>
+        <p:blipFill>
+          <a:blip r:embed="rId3">
+            <a:extLst>
+              <a:ext uri="{28A0092B-C50C-407E-A947-70E740481C1C}">
+                <a14:useLocalDpi xmlns:a14="http://schemas.microsoft.com/office/drawing/2010/main" val="0"/>
+              </a:ext>
+            </a:extLst>
+          </a:blip>
+          <a:stretch>
+            <a:fillRect/>
+          </a:stretch>
+        </p:blipFill>
+        <p:spPr>
+          <a:xfrm>
+            <a:off x="4719656" y="1453344"/>
+            <a:ext cx="2715004" cy="1143160"/>
+          </a:xfrm>
+          <a:prstGeom prst="rect">
+            <a:avLst/>
+          </a:prstGeom>
+        </p:spPr>
+      </p:pic>
+      <p:pic>
+        <p:nvPicPr>
+          <p:cNvPr id="6" name="Grafik 5"/>
+          <p:cNvPicPr>
+            <a:picLocks noChangeAspect="1"/>
+          </p:cNvPicPr>
+          <p:nvPr/>
+        </p:nvPicPr>
+        <p:blipFill>
+          <a:blip r:embed="rId4">
+            <a:extLst>
+              <a:ext uri="{28A0092B-C50C-407E-A947-70E740481C1C}">
+                <a14:useLocalDpi xmlns:a14="http://schemas.microsoft.com/office/drawing/2010/main" val="0"/>
+              </a:ext>
+            </a:extLst>
+          </a:blip>
+          <a:stretch>
+            <a:fillRect/>
+          </a:stretch>
+        </p:blipFill>
+        <p:spPr>
+          <a:xfrm>
+            <a:off x="1151620" y="1453344"/>
+            <a:ext cx="2743583" cy="819264"/>
+          </a:xfrm>
+          <a:prstGeom prst="rect">
+            <a:avLst/>
+          </a:prstGeom>
+        </p:spPr>
+      </p:pic>
+    </p:spTree>
+    <p:extLst>
+      <p:ext uri="{BB962C8B-B14F-4D97-AF65-F5344CB8AC3E}">
+        <p14:creationId xmlns:p14="http://schemas.microsoft.com/office/powerpoint/2010/main" val="2624216921"/>
+      </p:ext>
+    </p:extLst>
+  </p:cSld>
+  <p:clrMapOvr>
+    <a:masterClrMapping/>
+  </p:clrMapOvr>
+  <mc:AlternateContent xmlns:mc="http://schemas.openxmlformats.org/markup-compatibility/2006" xmlns:p14="http://schemas.microsoft.com/office/powerpoint/2010/main">
+    <mc:Choice Requires="p14">
+      <p:transition spd="slow" p14:dur="800">
+        <p14:flythrough/>
+      </p:transition>
+    </mc:Choice>
+    <mc:Fallback xmlns="">
+      <p:transition spd="slow">
+        <p:fade/>
+      </p:transition>
+    </mc:Fallback>
+  </mc:AlternateContent>
+  <p:timing>
+    <p:tnLst>
+      <p:par>
+        <p:cTn id="1" dur="indefinite" restart="never" nodeType="tmRoot">
+          <p:childTnLst>
+            <p:seq concurrent="1" nextAc="seek">
+              <p:cTn id="2" dur="indefinite" nodeType="mainSeq">
+                <p:childTnLst>
+                  <p:par>
+                    <p:cTn id="3" fill="hold">
+                      <p:stCondLst>
+                        <p:cond delay="indefinite"/>
+                      </p:stCondLst>
+                      <p:childTnLst>
+                        <p:par>
+                          <p:cTn id="4" fill="hold">
+                            <p:stCondLst>
+                              <p:cond delay="0"/>
+                            </p:stCondLst>
+                            <p:childTnLst>
+                              <p:par>
+                                <p:cTn id="5" presetID="10" presetClass="entr" presetSubtype="0" fill="hold" nodeType="clickEffect">
+                                  <p:stCondLst>
+                                    <p:cond delay="0"/>
+                                  </p:stCondLst>
+                                  <p:childTnLst>
+                                    <p:set>
+                                      <p:cBhvr>
+                                        <p:cTn id="6" dur="1" fill="hold">
+                                          <p:stCondLst>
+                                            <p:cond delay="0"/>
+                                          </p:stCondLst>
+                                        </p:cTn>
+                                        <p:tgtEl>
+                                          <p:spTgt spid="3">
+                                            <p:txEl>
+                                              <p:pRg st="6" end="6"/>
+                                            </p:txEl>
+                                          </p:spTgt>
+                                        </p:tgtEl>
+                                        <p:attrNameLst>
+                                          <p:attrName>style.visibility</p:attrName>
+                                        </p:attrNameLst>
+                                      </p:cBhvr>
+                                      <p:to>
+                                        <p:strVal val="visible"/>
+                                      </p:to>
+                                    </p:set>
+                                    <p:animEffect transition="in" filter="fade">
+                                      <p:cBhvr>
+                                        <p:cTn id="7" dur="500"/>
+                                        <p:tgtEl>
+                                          <p:spTgt spid="3">
+                                            <p:txEl>
+                                              <p:pRg st="6" end="6"/>
+                                            </p:txEl>
+                                          </p:spTgt>
+                                        </p:tgtEl>
+                                      </p:cBhvr>
+                                    </p:animEffect>
+                                  </p:childTnLst>
+                                </p:cTn>
+                              </p:par>
+                            </p:childTnLst>
+                          </p:cTn>
+                        </p:par>
+                      </p:childTnLst>
+                    </p:cTn>
+                  </p:par>
                   <p:par>
                     <p:cTn id="8" fill="hold">
                       <p:stCondLst>
@@ -11087,7 +13809,11 @@
                                           </p:stCondLst>
                                         </p:cTn>
                                         <p:tgtEl>
-                                          <p:spTgt spid="6"/>
+                                          <p:spTgt spid="3">
+                                            <p:txEl>
+                                              <p:pRg st="8" end="8"/>
+                                            </p:txEl>
+                                          </p:spTgt>
                                         </p:tgtEl>
                                         <p:attrNameLst>
                                           <p:attrName>style.visibility</p:attrName>
@@ -11101,7 +13827,11 @@
                                       <p:cBhvr>
                                         <p:cTn id="12" dur="500"/>
                                         <p:tgtEl>
-                                          <p:spTgt spid="6"/>
+                                          <p:spTgt spid="3">
+                                            <p:txEl>
+                                              <p:pRg st="8" end="8"/>
+                                            </p:txEl>
+                                          </p:spTgt>
                                         </p:tgtEl>
                                       </p:cBhvr>
                                     </p:animEffect>
@@ -11139,7 +13869,7 @@
 </p:sld>
 </file>
 
-<file path=ppt/slides/slide21.xml><?xml version="1.0" encoding="utf-8"?>
+<file path=ppt/slides/slide24.xml><?xml version="1.0" encoding="utf-8"?>
 <p:sld xmlns:a="http://schemas.openxmlformats.org/drawingml/2006/main" xmlns:r="http://schemas.openxmlformats.org/officeDocument/2006/relationships" xmlns:p="http://schemas.openxmlformats.org/presentationml/2006/main">
   <p:cSld>
     <p:spTree>
@@ -11172,12 +13902,12 @@
           <a:lstStyle/>
           <a:p>
             <a:r>
-              <a:rPr lang="de-DE" smtClean="0">
+              <a:rPr lang="de-DE" dirty="0" smtClean="0">
                 <a:solidFill>
                   <a:srgbClr val="831420"/>
                 </a:solidFill>
               </a:rPr>
-              <a:t>Themen</a:t>
+              <a:t>Abfragen: Beispiele</a:t>
             </a:r>
             <a:endParaRPr lang="de-DE" dirty="0">
               <a:solidFill>
@@ -11187,20 +13917,291 @@
           </a:p>
         </p:txBody>
       </p:sp>
-      <p:sp>
-        <p:nvSpPr>
-          <p:cNvPr id="3" name="Inhaltsplatzhalter 2"/>
-          <p:cNvSpPr>
-            <a:spLocks noGrp="1"/>
-          </p:cNvSpPr>
+      <p:pic>
+        <p:nvPicPr>
+          <p:cNvPr id="4" name="Inhaltsplatzhalter 3"/>
+          <p:cNvPicPr>
+            <a:picLocks noGrp="1" noChangeAspect="1"/>
+          </p:cNvPicPr>
           <p:nvPr>
             <p:ph idx="4294967295"/>
           </p:nvPr>
-        </p:nvSpPr>
+        </p:nvPicPr>
+        <p:blipFill>
+          <a:blip r:embed="rId3">
+            <a:extLst>
+              <a:ext uri="{28A0092B-C50C-407E-A947-70E740481C1C}">
+                <a14:useLocalDpi xmlns:a14="http://schemas.microsoft.com/office/drawing/2010/main" val="0"/>
+              </a:ext>
+            </a:extLst>
+          </a:blip>
+          <a:stretch>
+            <a:fillRect/>
+          </a:stretch>
+        </p:blipFill>
         <p:spPr>
           <a:xfrm>
-            <a:off x="179512" y="900000"/>
-            <a:ext cx="8496944" cy="4153744"/>
+            <a:off x="899592" y="1561356"/>
+            <a:ext cx="3734321" cy="1152686"/>
+          </a:xfrm>
+          <a:prstGeom prst="rect">
+            <a:avLst/>
+          </a:prstGeom>
+        </p:spPr>
+      </p:pic>
+      <p:pic>
+        <p:nvPicPr>
+          <p:cNvPr id="5" name="Grafik 4"/>
+          <p:cNvPicPr>
+            <a:picLocks noChangeAspect="1"/>
+          </p:cNvPicPr>
+          <p:nvPr/>
+        </p:nvPicPr>
+        <p:blipFill>
+          <a:blip r:embed="rId4">
+            <a:extLst>
+              <a:ext uri="{28A0092B-C50C-407E-A947-70E740481C1C}">
+                <a14:useLocalDpi xmlns:a14="http://schemas.microsoft.com/office/drawing/2010/main" val="0"/>
+              </a:ext>
+            </a:extLst>
+          </a:blip>
+          <a:stretch>
+            <a:fillRect/>
+          </a:stretch>
+        </p:blipFill>
+        <p:spPr>
+          <a:xfrm>
+            <a:off x="3131840" y="3254102"/>
+            <a:ext cx="4848902" cy="1324160"/>
+          </a:xfrm>
+          <a:prstGeom prst="rect">
+            <a:avLst/>
+          </a:prstGeom>
+        </p:spPr>
+      </p:pic>
+    </p:spTree>
+    <p:extLst>
+      <p:ext uri="{BB962C8B-B14F-4D97-AF65-F5344CB8AC3E}">
+        <p14:creationId xmlns:p14="http://schemas.microsoft.com/office/powerpoint/2010/main" val="506464066"/>
+      </p:ext>
+    </p:extLst>
+  </p:cSld>
+  <p:clrMapOvr>
+    <a:masterClrMapping/>
+  </p:clrMapOvr>
+  <mc:AlternateContent xmlns:mc="http://schemas.openxmlformats.org/markup-compatibility/2006" xmlns:p14="http://schemas.microsoft.com/office/powerpoint/2010/main">
+    <mc:Choice Requires="p14">
+      <p:transition spd="slow" p14:dur="800">
+        <p14:flythrough/>
+      </p:transition>
+    </mc:Choice>
+    <mc:Fallback xmlns="">
+      <p:transition spd="slow">
+        <p:fade/>
+      </p:transition>
+    </mc:Fallback>
+  </mc:AlternateContent>
+  <p:timing>
+    <p:tnLst>
+      <p:par>
+        <p:cTn id="1" dur="indefinite" restart="never" nodeType="tmRoot">
+          <p:childTnLst>
+            <p:seq concurrent="1" nextAc="seek">
+              <p:cTn id="2" dur="indefinite" nodeType="mainSeq">
+                <p:childTnLst>
+                  <p:par>
+                    <p:cTn id="3" fill="hold">
+                      <p:stCondLst>
+                        <p:cond delay="indefinite"/>
+                      </p:stCondLst>
+                      <p:childTnLst>
+                        <p:par>
+                          <p:cTn id="4" fill="hold">
+                            <p:stCondLst>
+                              <p:cond delay="0"/>
+                            </p:stCondLst>
+                            <p:childTnLst>
+                              <p:par>
+                                <p:cTn id="5" presetID="10" presetClass="entr" presetSubtype="0" fill="hold" nodeType="clickEffect">
+                                  <p:stCondLst>
+                                    <p:cond delay="0"/>
+                                  </p:stCondLst>
+                                  <p:childTnLst>
+                                    <p:set>
+                                      <p:cBhvr>
+                                        <p:cTn id="6" dur="1" fill="hold">
+                                          <p:stCondLst>
+                                            <p:cond delay="0"/>
+                                          </p:stCondLst>
+                                        </p:cTn>
+                                        <p:tgtEl>
+                                          <p:spTgt spid="4"/>
+                                        </p:tgtEl>
+                                        <p:attrNameLst>
+                                          <p:attrName>style.visibility</p:attrName>
+                                        </p:attrNameLst>
+                                      </p:cBhvr>
+                                      <p:to>
+                                        <p:strVal val="visible"/>
+                                      </p:to>
+                                    </p:set>
+                                    <p:animEffect transition="in" filter="fade">
+                                      <p:cBhvr>
+                                        <p:cTn id="7" dur="500"/>
+                                        <p:tgtEl>
+                                          <p:spTgt spid="4"/>
+                                        </p:tgtEl>
+                                      </p:cBhvr>
+                                    </p:animEffect>
+                                  </p:childTnLst>
+                                </p:cTn>
+                              </p:par>
+                            </p:childTnLst>
+                          </p:cTn>
+                        </p:par>
+                      </p:childTnLst>
+                    </p:cTn>
+                  </p:par>
+                  <p:par>
+                    <p:cTn id="8" fill="hold">
+                      <p:stCondLst>
+                        <p:cond delay="indefinite"/>
+                      </p:stCondLst>
+                      <p:childTnLst>
+                        <p:par>
+                          <p:cTn id="9" fill="hold">
+                            <p:stCondLst>
+                              <p:cond delay="0"/>
+                            </p:stCondLst>
+                            <p:childTnLst>
+                              <p:par>
+                                <p:cTn id="10" presetID="10" presetClass="entr" presetSubtype="0" fill="hold" nodeType="clickEffect">
+                                  <p:stCondLst>
+                                    <p:cond delay="0"/>
+                                  </p:stCondLst>
+                                  <p:childTnLst>
+                                    <p:set>
+                                      <p:cBhvr>
+                                        <p:cTn id="11" dur="1" fill="hold">
+                                          <p:stCondLst>
+                                            <p:cond delay="0"/>
+                                          </p:stCondLst>
+                                        </p:cTn>
+                                        <p:tgtEl>
+                                          <p:spTgt spid="5"/>
+                                        </p:tgtEl>
+                                        <p:attrNameLst>
+                                          <p:attrName>style.visibility</p:attrName>
+                                        </p:attrNameLst>
+                                      </p:cBhvr>
+                                      <p:to>
+                                        <p:strVal val="visible"/>
+                                      </p:to>
+                                    </p:set>
+                                    <p:animEffect transition="in" filter="fade">
+                                      <p:cBhvr>
+                                        <p:cTn id="12" dur="500"/>
+                                        <p:tgtEl>
+                                          <p:spTgt spid="5"/>
+                                        </p:tgtEl>
+                                      </p:cBhvr>
+                                    </p:animEffect>
+                                  </p:childTnLst>
+                                </p:cTn>
+                              </p:par>
+                            </p:childTnLst>
+                          </p:cTn>
+                        </p:par>
+                      </p:childTnLst>
+                    </p:cTn>
+                  </p:par>
+                </p:childTnLst>
+              </p:cTn>
+              <p:prevCondLst>
+                <p:cond evt="onPrev" delay="0">
+                  <p:tgtEl>
+                    <p:sldTgt/>
+                  </p:tgtEl>
+                </p:cond>
+              </p:prevCondLst>
+              <p:nextCondLst>
+                <p:cond evt="onNext" delay="0">
+                  <p:tgtEl>
+                    <p:sldTgt/>
+                  </p:tgtEl>
+                </p:cond>
+              </p:nextCondLst>
+            </p:seq>
+          </p:childTnLst>
+        </p:cTn>
+      </p:par>
+    </p:tnLst>
+  </p:timing>
+</p:sld>
+</file>
+
+<file path=ppt/slides/slide25.xml><?xml version="1.0" encoding="utf-8"?>
+<p:sld xmlns:a="http://schemas.openxmlformats.org/drawingml/2006/main" xmlns:r="http://schemas.openxmlformats.org/officeDocument/2006/relationships" xmlns:p="http://schemas.openxmlformats.org/presentationml/2006/main">
+  <p:cSld>
+    <p:spTree>
+      <p:nvGrpSpPr>
+        <p:cNvPr id="1" name=""/>
+        <p:cNvGrpSpPr/>
+        <p:nvPr/>
+      </p:nvGrpSpPr>
+      <p:grpSpPr>
+        <a:xfrm>
+          <a:off x="0" y="0"/>
+          <a:ext cx="0" cy="0"/>
+          <a:chOff x="0" y="0"/>
+          <a:chExt cx="0" cy="0"/>
+        </a:xfrm>
+      </p:grpSpPr>
+      <p:sp>
+        <p:nvSpPr>
+          <p:cNvPr id="2" name="Titel 1"/>
+          <p:cNvSpPr>
+            <a:spLocks noGrp="1"/>
+          </p:cNvSpPr>
+          <p:nvPr>
+            <p:ph type="title"/>
+          </p:nvPr>
+        </p:nvSpPr>
+        <p:spPr/>
+        <p:txBody>
+          <a:bodyPr/>
+          <a:lstStyle/>
+          <a:p>
+            <a:r>
+              <a:rPr lang="de-DE" dirty="0" smtClean="0">
+                <a:solidFill>
+                  <a:srgbClr val="831420"/>
+                </a:solidFill>
+              </a:rPr>
+              <a:t>Aufgabe: Absoluter Wert                       [2]</a:t>
+            </a:r>
+            <a:endParaRPr lang="de-DE" dirty="0">
+              <a:solidFill>
+                <a:srgbClr val="831420"/>
+              </a:solidFill>
+            </a:endParaRPr>
+          </a:p>
+        </p:txBody>
+      </p:sp>
+      <p:sp>
+        <p:nvSpPr>
+          <p:cNvPr id="3" name="Inhaltsplatzhalter 2"/>
+          <p:cNvSpPr>
+            <a:spLocks noGrp="1"/>
+          </p:cNvSpPr>
+          <p:nvPr>
+            <p:ph idx="4294967295"/>
+          </p:nvPr>
+        </p:nvSpPr>
+        <p:spPr>
+          <a:xfrm>
+            <a:off x="179512" y="877280"/>
+            <a:ext cx="8496944" cy="4176464"/>
           </a:xfrm>
           <a:prstGeom prst="rect">
             <a:avLst/>
@@ -11210,29 +14211,174 @@
           <a:bodyPr anchor="ctr"/>
           <a:lstStyle/>
           <a:p>
+            <a:r>
+              <a:rPr lang="de-DE" sz="2000" dirty="0" smtClean="0"/>
+              <a:t> In der Datei für die Aufgabe ist bereits eine Konstante </a:t>
+            </a:r>
+            <a:r>
+              <a:rPr lang="de-DE" sz="2000" dirty="0" smtClean="0">
+                <a:solidFill>
+                  <a:schemeClr val="tx2"/>
+                </a:solidFill>
+              </a:rPr>
+              <a:t>ZUFALL</a:t>
+            </a:r>
+            <a:r>
+              <a:rPr lang="de-DE" sz="2000" dirty="0" smtClean="0"/>
+              <a:t> definiert</a:t>
+            </a:r>
+          </a:p>
+          <a:p>
+            <a:r>
+              <a:rPr lang="de-DE" sz="2000" dirty="0" smtClean="0"/>
+              <a:t> </a:t>
+            </a:r>
+            <a:r>
+              <a:rPr lang="de-DE" sz="2000" dirty="0" smtClean="0">
+                <a:solidFill>
+                  <a:schemeClr val="tx2"/>
+                </a:solidFill>
+              </a:rPr>
+              <a:t>ZUFALL</a:t>
+            </a:r>
+            <a:r>
+              <a:rPr lang="de-DE" sz="2000" dirty="0" smtClean="0"/>
+              <a:t> enthält einen zufälligen Wert von </a:t>
+            </a:r>
+            <a:r>
+              <a:rPr lang="de-DE" sz="2000" dirty="0" smtClean="0">
+                <a:solidFill>
+                  <a:schemeClr val="tx2"/>
+                </a:solidFill>
+              </a:rPr>
+              <a:t>-100</a:t>
+            </a:r>
+            <a:r>
+              <a:rPr lang="de-DE" sz="2000" dirty="0" smtClean="0"/>
+              <a:t> bis </a:t>
+            </a:r>
+            <a:r>
+              <a:rPr lang="de-DE" sz="2000" dirty="0" smtClean="0">
+                <a:solidFill>
+                  <a:schemeClr val="tx2"/>
+                </a:solidFill>
+              </a:rPr>
+              <a:t>100</a:t>
+            </a:r>
+          </a:p>
+          <a:p>
+            <a:endParaRPr lang="de-DE" sz="2000" dirty="0"/>
+          </a:p>
+          <a:p>
+            <a:pPr marL="457200" indent="-457200">
+              <a:buFont typeface="+mj-lt"/>
+              <a:buAutoNum type="alphaLcPeriod"/>
+            </a:pPr>
+            <a:r>
+              <a:rPr lang="de-DE" sz="2000" dirty="0" smtClean="0"/>
+              <a:t>Erstellt eine Variable </a:t>
+            </a:r>
+            <a:r>
+              <a:rPr lang="de-DE" sz="2000" dirty="0" smtClean="0">
+                <a:solidFill>
+                  <a:schemeClr val="tx2"/>
+                </a:solidFill>
+              </a:rPr>
+              <a:t>x</a:t>
+            </a:r>
+            <a:r>
+              <a:rPr lang="de-DE" sz="2000" dirty="0" smtClean="0"/>
+              <a:t>, welche den absoluten Wert von </a:t>
+            </a:r>
+            <a:r>
+              <a:rPr lang="de-DE" sz="2000" dirty="0" smtClean="0">
+                <a:solidFill>
+                  <a:schemeClr val="tx2"/>
+                </a:solidFill>
+              </a:rPr>
+              <a:t>ZUFALL</a:t>
+            </a:r>
+            <a:r>
+              <a:rPr lang="de-DE" sz="2000" dirty="0" smtClean="0"/>
+              <a:t> enthält</a:t>
+            </a:r>
+          </a:p>
+          <a:p>
+            <a:pPr marL="457200" indent="-457200">
+              <a:buFont typeface="+mj-lt"/>
+              <a:buAutoNum type="alphaLcPeriod"/>
+            </a:pPr>
+            <a:r>
+              <a:rPr lang="de-DE" sz="2000" dirty="0" smtClean="0"/>
+              <a:t>Erstellt eine Variable </a:t>
+            </a:r>
+            <a:r>
+              <a:rPr lang="de-DE" sz="2000" dirty="0" smtClean="0">
+                <a:solidFill>
+                  <a:schemeClr val="tx2"/>
+                </a:solidFill>
+              </a:rPr>
+              <a:t>y</a:t>
+            </a:r>
+            <a:r>
+              <a:rPr lang="de-DE" sz="2000" dirty="0" smtClean="0"/>
+              <a:t>, welche </a:t>
+            </a:r>
+            <a:r>
+              <a:rPr lang="de-DE" sz="2000" dirty="0" smtClean="0">
+                <a:solidFill>
+                  <a:schemeClr val="tx2"/>
+                </a:solidFill>
+              </a:rPr>
+              <a:t>wahr</a:t>
+            </a:r>
+            <a:r>
+              <a:rPr lang="de-DE" sz="2000" dirty="0" smtClean="0"/>
+              <a:t> ist, falls </a:t>
+            </a:r>
+            <a:r>
+              <a:rPr lang="de-DE" sz="2000" dirty="0" smtClean="0">
+                <a:solidFill>
+                  <a:schemeClr val="tx2"/>
+                </a:solidFill>
+              </a:rPr>
+              <a:t>x</a:t>
+            </a:r>
+            <a:r>
+              <a:rPr lang="de-DE" sz="2000" dirty="0" smtClean="0"/>
+              <a:t> größer ist als </a:t>
+            </a:r>
+            <a:r>
+              <a:rPr lang="de-DE" sz="2000" dirty="0" smtClean="0">
+                <a:solidFill>
+                  <a:schemeClr val="tx2"/>
+                </a:solidFill>
+              </a:rPr>
+              <a:t>50</a:t>
+            </a:r>
+          </a:p>
+          <a:p>
+            <a:pPr marL="457200" indent="-457200">
+              <a:buFont typeface="+mj-lt"/>
+              <a:buAutoNum type="alphaLcPeriod"/>
+            </a:pPr>
+            <a:endParaRPr lang="de-DE" sz="2000" dirty="0">
+              <a:solidFill>
+                <a:schemeClr val="tx2"/>
+              </a:solidFill>
+            </a:endParaRPr>
+          </a:p>
+          <a:p>
             <a:pPr marL="0" indent="0">
               <a:buNone/>
             </a:pPr>
-            <a:r>
-              <a:rPr lang="de-DE" sz="2000" dirty="0" smtClean="0">
-                <a:solidFill>
-                  <a:schemeClr val="bg1">
-                    <a:lumMod val="75000"/>
-                  </a:schemeClr>
-                </a:solidFill>
-              </a:rPr>
-              <a:t>Was ist ein Programm</a:t>
-            </a:r>
-            <a:r>
-              <a:rPr lang="de-DE" sz="2000" dirty="0">
-                <a:solidFill>
-                  <a:schemeClr val="bg1">
-                    <a:lumMod val="75000"/>
-                  </a:schemeClr>
-                </a:solidFill>
-              </a:rPr>
-              <a:t>?</a:t>
-            </a:r>
+            <a:endParaRPr lang="de-DE" sz="2000" dirty="0" smtClean="0">
+              <a:solidFill>
+                <a:schemeClr val="bg1">
+                  <a:lumMod val="65000"/>
+                </a:schemeClr>
+              </a:solidFill>
+            </a:endParaRPr>
           </a:p>
           <a:p>
             <a:pPr marL="0" indent="0">
@@ -11242,176 +14388,19 @@
               <a:rPr lang="de-DE" sz="2000" dirty="0" smtClean="0">
                 <a:solidFill>
                   <a:schemeClr val="bg1">
-                    <a:lumMod val="75000"/>
+                    <a:lumMod val="65000"/>
                   </a:schemeClr>
                 </a:solidFill>
               </a:rPr>
-              <a:t>Syntax und Semantik</a:t>
-            </a:r>
-            <a:endParaRPr lang="de-DE" sz="2000" dirty="0">
-              <a:solidFill>
-                <a:schemeClr val="bg1">
-                  <a:lumMod val="75000"/>
-                </a:schemeClr>
-              </a:solidFill>
-            </a:endParaRPr>
-          </a:p>
-          <a:p>
-            <a:pPr marL="0" indent="0">
-              <a:buNone/>
-            </a:pPr>
-            <a:r>
-              <a:rPr lang="de-DE" sz="2000" dirty="0" smtClean="0">
-                <a:solidFill>
-                  <a:schemeClr val="bg1">
-                    <a:lumMod val="75000"/>
-                  </a:schemeClr>
-                </a:solidFill>
-              </a:rPr>
-              <a:t>Ein erstes Programm</a:t>
-            </a:r>
-            <a:endParaRPr lang="de-DE" sz="2000" dirty="0">
-              <a:solidFill>
-                <a:schemeClr val="bg1">
-                  <a:lumMod val="75000"/>
-                </a:schemeClr>
-              </a:solidFill>
-            </a:endParaRPr>
-          </a:p>
-          <a:p>
-            <a:pPr marL="0" indent="0">
-              <a:buNone/>
-            </a:pPr>
-            <a:r>
-              <a:rPr lang="de-DE" sz="2000" dirty="0" smtClean="0">
-                <a:solidFill>
-                  <a:schemeClr val="bg1">
-                    <a:lumMod val="75000"/>
-                  </a:schemeClr>
-                </a:solidFill>
-              </a:rPr>
-              <a:t>Primitive Datentypen und Variablen</a:t>
-            </a:r>
-            <a:endParaRPr lang="de-DE" sz="2000" dirty="0">
-              <a:solidFill>
-                <a:schemeClr val="bg1">
-                  <a:lumMod val="75000"/>
-                </a:schemeClr>
-              </a:solidFill>
-            </a:endParaRPr>
-          </a:p>
-          <a:p>
-            <a:pPr marL="0" indent="0">
-              <a:buNone/>
-            </a:pPr>
-            <a:r>
-              <a:rPr lang="de-DE" sz="2000" b="1" dirty="0" smtClean="0"/>
-              <a:t>Abfragen, Schleifen</a:t>
-            </a:r>
-            <a:endParaRPr lang="de-DE" sz="2000" b="1" dirty="0"/>
-          </a:p>
-          <a:p>
-            <a:pPr marL="0" indent="0">
-              <a:buNone/>
-            </a:pPr>
-            <a:r>
-              <a:rPr lang="de-DE" sz="2000" i="1" dirty="0">
-                <a:solidFill>
-                  <a:schemeClr val="bg1">
-                    <a:lumMod val="75000"/>
-                  </a:schemeClr>
-                </a:solidFill>
-              </a:rPr>
-              <a:t>Objektorientierung:</a:t>
-            </a:r>
-          </a:p>
-          <a:p>
-            <a:pPr marL="0" indent="0">
-              <a:buNone/>
-            </a:pPr>
-            <a:r>
-              <a:rPr lang="de-DE" sz="2000" dirty="0" smtClean="0">
-                <a:solidFill>
-                  <a:schemeClr val="bg1">
-                    <a:lumMod val="75000"/>
-                  </a:schemeClr>
-                </a:solidFill>
-              </a:rPr>
-              <a:t>    Klassen und Objekte</a:t>
-            </a:r>
-            <a:endParaRPr lang="de-DE" sz="2000" dirty="0">
-              <a:solidFill>
-                <a:schemeClr val="bg1">
-                  <a:lumMod val="75000"/>
-                </a:schemeClr>
-              </a:solidFill>
-            </a:endParaRPr>
-          </a:p>
-          <a:p>
-            <a:pPr marL="0" indent="0">
-              <a:buNone/>
-            </a:pPr>
-            <a:r>
-              <a:rPr lang="de-DE" sz="2000" dirty="0" smtClean="0">
-                <a:solidFill>
-                  <a:schemeClr val="bg1">
-                    <a:lumMod val="75000"/>
-                  </a:schemeClr>
-                </a:solidFill>
-              </a:rPr>
-              <a:t>    Attribute und Methoden</a:t>
-            </a:r>
-            <a:endParaRPr lang="de-DE" sz="2000" dirty="0">
-              <a:solidFill>
-                <a:schemeClr val="bg1">
-                  <a:lumMod val="75000"/>
-                </a:schemeClr>
-              </a:solidFill>
-            </a:endParaRPr>
-          </a:p>
-          <a:p>
-            <a:pPr marL="0" indent="0">
-              <a:buNone/>
-            </a:pPr>
-            <a:r>
-              <a:rPr lang="de-DE" sz="2000" dirty="0">
-                <a:solidFill>
-                  <a:schemeClr val="bg1">
-                    <a:lumMod val="75000"/>
-                  </a:schemeClr>
-                </a:solidFill>
-              </a:rPr>
-              <a:t>Namenskonvention</a:t>
-            </a:r>
-          </a:p>
-          <a:p>
-            <a:pPr marL="0" indent="0">
-              <a:buNone/>
-            </a:pPr>
-            <a:r>
-              <a:rPr lang="de-DE" sz="2000" dirty="0" smtClean="0">
-                <a:solidFill>
-                  <a:schemeClr val="bg1">
-                    <a:lumMod val="75000"/>
-                  </a:schemeClr>
-                </a:solidFill>
-              </a:rPr>
-              <a:t>Strings und Arrays</a:t>
-            </a:r>
-            <a:endParaRPr lang="de-DE" sz="2000" dirty="0">
-              <a:solidFill>
-                <a:schemeClr val="bg1">
-                  <a:lumMod val="75000"/>
-                </a:schemeClr>
-              </a:solidFill>
-            </a:endParaRPr>
+              <a:t>	(Konstanten sind lediglich unveränderbare Variablen)</a:t>
+            </a:r>
           </a:p>
         </p:txBody>
       </p:sp>
     </p:spTree>
     <p:extLst>
       <p:ext uri="{BB962C8B-B14F-4D97-AF65-F5344CB8AC3E}">
-        <p14:creationId xmlns:p14="http://schemas.microsoft.com/office/powerpoint/2010/main" val="2521721127"/>
+        <p14:creationId xmlns:p14="http://schemas.microsoft.com/office/powerpoint/2010/main" val="821394625"/>
       </p:ext>
     </p:extLst>
   </p:cSld>
@@ -11434,6 +14423,1517 @@
     <p:tnLst>
       <p:par>
         <p:cTn id="1" dur="indefinite" restart="never" nodeType="tmRoot"/>
+      </p:par>
+    </p:tnLst>
+  </p:timing>
+</p:sld>
+</file>
+
+<file path=ppt/slides/slide26.xml><?xml version="1.0" encoding="utf-8"?>
+<p:sld xmlns:a="http://schemas.openxmlformats.org/drawingml/2006/main" xmlns:r="http://schemas.openxmlformats.org/officeDocument/2006/relationships" xmlns:p="http://schemas.openxmlformats.org/presentationml/2006/main">
+  <p:cSld>
+    <p:spTree>
+      <p:nvGrpSpPr>
+        <p:cNvPr id="1" name=""/>
+        <p:cNvGrpSpPr/>
+        <p:nvPr/>
+      </p:nvGrpSpPr>
+      <p:grpSpPr>
+        <a:xfrm>
+          <a:off x="0" y="0"/>
+          <a:ext cx="0" cy="0"/>
+          <a:chOff x="0" y="0"/>
+          <a:chExt cx="0" cy="0"/>
+        </a:xfrm>
+      </p:grpSpPr>
+      <p:sp>
+        <p:nvSpPr>
+          <p:cNvPr id="2" name="Titel 1"/>
+          <p:cNvSpPr>
+            <a:spLocks noGrp="1"/>
+          </p:cNvSpPr>
+          <p:nvPr>
+            <p:ph type="title"/>
+          </p:nvPr>
+        </p:nvSpPr>
+        <p:spPr/>
+        <p:txBody>
+          <a:bodyPr/>
+          <a:lstStyle/>
+          <a:p>
+            <a:r>
+              <a:rPr lang="de-DE" dirty="0" smtClean="0">
+                <a:solidFill>
+                  <a:srgbClr val="831420"/>
+                </a:solidFill>
+              </a:rPr>
+              <a:t>Schleifen – </a:t>
+            </a:r>
+            <a:r>
+              <a:rPr lang="de-DE" dirty="0" err="1" smtClean="0">
+                <a:solidFill>
+                  <a:srgbClr val="831420"/>
+                </a:solidFill>
+              </a:rPr>
+              <a:t>for</a:t>
+            </a:r>
+            <a:endParaRPr lang="de-DE" dirty="0">
+              <a:solidFill>
+                <a:srgbClr val="831420"/>
+              </a:solidFill>
+            </a:endParaRPr>
+          </a:p>
+        </p:txBody>
+      </p:sp>
+      <p:sp>
+        <p:nvSpPr>
+          <p:cNvPr id="3" name="Inhaltsplatzhalter 2"/>
+          <p:cNvSpPr>
+            <a:spLocks noGrp="1"/>
+          </p:cNvSpPr>
+          <p:nvPr>
+            <p:ph idx="4294967295"/>
+          </p:nvPr>
+        </p:nvSpPr>
+        <p:spPr>
+          <a:xfrm>
+            <a:off x="179512" y="877280"/>
+            <a:ext cx="8496944" cy="4176464"/>
+          </a:xfrm>
+          <a:prstGeom prst="rect">
+            <a:avLst/>
+          </a:prstGeom>
+        </p:spPr>
+        <p:txBody>
+          <a:bodyPr anchor="t"/>
+          <a:lstStyle/>
+          <a:p>
+            <a:r>
+              <a:rPr lang="de-DE" sz="2000" dirty="0" smtClean="0"/>
+              <a:t>Es gibt drei Schleifen-Arten, die erste ist die </a:t>
+            </a:r>
+            <a:r>
+              <a:rPr lang="de-DE" sz="2000" b="1" dirty="0" err="1" smtClean="0"/>
+              <a:t>for</a:t>
+            </a:r>
+            <a:r>
+              <a:rPr lang="de-DE" sz="2000" b="1" dirty="0" smtClean="0"/>
+              <a:t>-Schleife</a:t>
+            </a:r>
+          </a:p>
+          <a:p>
+            <a:endParaRPr lang="de-DE" sz="2000" b="1" dirty="0"/>
+          </a:p>
+          <a:p>
+            <a:endParaRPr lang="de-DE" sz="2000" b="1" dirty="0" smtClean="0"/>
+          </a:p>
+          <a:p>
+            <a:endParaRPr lang="de-DE" sz="2000" b="1" dirty="0"/>
+          </a:p>
+          <a:p>
+            <a:r>
+              <a:rPr lang="de-DE" sz="2000" dirty="0" smtClean="0"/>
+              <a:t>Die Initialisierung wird ein einziges Mal ausgeführt</a:t>
+            </a:r>
+            <a:br>
+              <a:rPr lang="de-DE" sz="2000" dirty="0" smtClean="0"/>
+            </a:br>
+            <a:r>
+              <a:rPr lang="de-DE" sz="2000" dirty="0" smtClean="0"/>
+              <a:t>(bevor die Schleife überhaupt beginnt)</a:t>
+            </a:r>
+          </a:p>
+          <a:p>
+            <a:endParaRPr lang="de-DE" sz="2000" dirty="0" smtClean="0"/>
+          </a:p>
+          <a:p>
+            <a:r>
+              <a:rPr lang="de-DE" sz="2000" dirty="0" smtClean="0"/>
+              <a:t>Die Bedingung wird jedes Mal überprüft bevor die Schleife noch einmal ausgeführt wird</a:t>
+            </a:r>
+          </a:p>
+          <a:p>
+            <a:endParaRPr lang="de-DE" sz="2000" dirty="0"/>
+          </a:p>
+          <a:p>
+            <a:r>
+              <a:rPr lang="de-DE" sz="2000" dirty="0" smtClean="0"/>
+              <a:t>Die Iteration wird nach jeder Ausführung der Schleife ausgeführt</a:t>
+            </a:r>
+          </a:p>
+        </p:txBody>
+      </p:sp>
+      <p:pic>
+        <p:nvPicPr>
+          <p:cNvPr id="4" name="Grafik 3"/>
+          <p:cNvPicPr>
+            <a:picLocks noChangeAspect="1"/>
+          </p:cNvPicPr>
+          <p:nvPr/>
+        </p:nvPicPr>
+        <p:blipFill>
+          <a:blip r:embed="rId3">
+            <a:extLst>
+              <a:ext uri="{28A0092B-C50C-407E-A947-70E740481C1C}">
+                <a14:useLocalDpi xmlns:a14="http://schemas.microsoft.com/office/drawing/2010/main" val="0"/>
+              </a:ext>
+            </a:extLst>
+          </a:blip>
+          <a:stretch>
+            <a:fillRect/>
+          </a:stretch>
+        </p:blipFill>
+        <p:spPr>
+          <a:xfrm>
+            <a:off x="1007604" y="1417340"/>
+            <a:ext cx="3324689" cy="828791"/>
+          </a:xfrm>
+          <a:prstGeom prst="rect">
+            <a:avLst/>
+          </a:prstGeom>
+        </p:spPr>
+      </p:pic>
+    </p:spTree>
+    <p:extLst>
+      <p:ext uri="{BB962C8B-B14F-4D97-AF65-F5344CB8AC3E}">
+        <p14:creationId xmlns:p14="http://schemas.microsoft.com/office/powerpoint/2010/main" val="3350148153"/>
+      </p:ext>
+    </p:extLst>
+  </p:cSld>
+  <p:clrMapOvr>
+    <a:masterClrMapping/>
+  </p:clrMapOvr>
+  <mc:AlternateContent xmlns:mc="http://schemas.openxmlformats.org/markup-compatibility/2006" xmlns:p14="http://schemas.microsoft.com/office/powerpoint/2010/main">
+    <mc:Choice Requires="p14">
+      <p:transition spd="slow" p14:dur="800">
+        <p14:flythrough/>
+      </p:transition>
+    </mc:Choice>
+    <mc:Fallback xmlns="">
+      <p:transition spd="slow">
+        <p:fade/>
+      </p:transition>
+    </mc:Fallback>
+  </mc:AlternateContent>
+  <p:timing>
+    <p:tnLst>
+      <p:par>
+        <p:cTn id="1" dur="indefinite" restart="never" nodeType="tmRoot">
+          <p:childTnLst>
+            <p:seq concurrent="1" nextAc="seek">
+              <p:cTn id="2" dur="indefinite" nodeType="mainSeq">
+                <p:childTnLst>
+                  <p:par>
+                    <p:cTn id="3" fill="hold">
+                      <p:stCondLst>
+                        <p:cond delay="indefinite"/>
+                      </p:stCondLst>
+                      <p:childTnLst>
+                        <p:par>
+                          <p:cTn id="4" fill="hold">
+                            <p:stCondLst>
+                              <p:cond delay="0"/>
+                            </p:stCondLst>
+                            <p:childTnLst>
+                              <p:par>
+                                <p:cTn id="5" presetID="10" presetClass="entr" presetSubtype="0" fill="hold" nodeType="clickEffect">
+                                  <p:stCondLst>
+                                    <p:cond delay="0"/>
+                                  </p:stCondLst>
+                                  <p:childTnLst>
+                                    <p:set>
+                                      <p:cBhvr>
+                                        <p:cTn id="6" dur="1" fill="hold">
+                                          <p:stCondLst>
+                                            <p:cond delay="0"/>
+                                          </p:stCondLst>
+                                        </p:cTn>
+                                        <p:tgtEl>
+                                          <p:spTgt spid="3">
+                                            <p:txEl>
+                                              <p:pRg st="4" end="4"/>
+                                            </p:txEl>
+                                          </p:spTgt>
+                                        </p:tgtEl>
+                                        <p:attrNameLst>
+                                          <p:attrName>style.visibility</p:attrName>
+                                        </p:attrNameLst>
+                                      </p:cBhvr>
+                                      <p:to>
+                                        <p:strVal val="visible"/>
+                                      </p:to>
+                                    </p:set>
+                                    <p:animEffect transition="in" filter="fade">
+                                      <p:cBhvr>
+                                        <p:cTn id="7" dur="500"/>
+                                        <p:tgtEl>
+                                          <p:spTgt spid="3">
+                                            <p:txEl>
+                                              <p:pRg st="4" end="4"/>
+                                            </p:txEl>
+                                          </p:spTgt>
+                                        </p:tgtEl>
+                                      </p:cBhvr>
+                                    </p:animEffect>
+                                  </p:childTnLst>
+                                </p:cTn>
+                              </p:par>
+                            </p:childTnLst>
+                          </p:cTn>
+                        </p:par>
+                      </p:childTnLst>
+                    </p:cTn>
+                  </p:par>
+                  <p:par>
+                    <p:cTn id="8" fill="hold">
+                      <p:stCondLst>
+                        <p:cond delay="indefinite"/>
+                      </p:stCondLst>
+                      <p:childTnLst>
+                        <p:par>
+                          <p:cTn id="9" fill="hold">
+                            <p:stCondLst>
+                              <p:cond delay="0"/>
+                            </p:stCondLst>
+                            <p:childTnLst>
+                              <p:par>
+                                <p:cTn id="10" presetID="10" presetClass="entr" presetSubtype="0" fill="hold" nodeType="clickEffect">
+                                  <p:stCondLst>
+                                    <p:cond delay="0"/>
+                                  </p:stCondLst>
+                                  <p:childTnLst>
+                                    <p:set>
+                                      <p:cBhvr>
+                                        <p:cTn id="11" dur="1" fill="hold">
+                                          <p:stCondLst>
+                                            <p:cond delay="0"/>
+                                          </p:stCondLst>
+                                        </p:cTn>
+                                        <p:tgtEl>
+                                          <p:spTgt spid="3">
+                                            <p:txEl>
+                                              <p:pRg st="6" end="6"/>
+                                            </p:txEl>
+                                          </p:spTgt>
+                                        </p:tgtEl>
+                                        <p:attrNameLst>
+                                          <p:attrName>style.visibility</p:attrName>
+                                        </p:attrNameLst>
+                                      </p:cBhvr>
+                                      <p:to>
+                                        <p:strVal val="visible"/>
+                                      </p:to>
+                                    </p:set>
+                                    <p:animEffect transition="in" filter="fade">
+                                      <p:cBhvr>
+                                        <p:cTn id="12" dur="500"/>
+                                        <p:tgtEl>
+                                          <p:spTgt spid="3">
+                                            <p:txEl>
+                                              <p:pRg st="6" end="6"/>
+                                            </p:txEl>
+                                          </p:spTgt>
+                                        </p:tgtEl>
+                                      </p:cBhvr>
+                                    </p:animEffect>
+                                  </p:childTnLst>
+                                </p:cTn>
+                              </p:par>
+                            </p:childTnLst>
+                          </p:cTn>
+                        </p:par>
+                      </p:childTnLst>
+                    </p:cTn>
+                  </p:par>
+                  <p:par>
+                    <p:cTn id="13" fill="hold">
+                      <p:stCondLst>
+                        <p:cond delay="indefinite"/>
+                      </p:stCondLst>
+                      <p:childTnLst>
+                        <p:par>
+                          <p:cTn id="14" fill="hold">
+                            <p:stCondLst>
+                              <p:cond delay="0"/>
+                            </p:stCondLst>
+                            <p:childTnLst>
+                              <p:par>
+                                <p:cTn id="15" presetID="10" presetClass="entr" presetSubtype="0" fill="hold" nodeType="clickEffect">
+                                  <p:stCondLst>
+                                    <p:cond delay="0"/>
+                                  </p:stCondLst>
+                                  <p:childTnLst>
+                                    <p:set>
+                                      <p:cBhvr>
+                                        <p:cTn id="16" dur="1" fill="hold">
+                                          <p:stCondLst>
+                                            <p:cond delay="0"/>
+                                          </p:stCondLst>
+                                        </p:cTn>
+                                        <p:tgtEl>
+                                          <p:spTgt spid="3">
+                                            <p:txEl>
+                                              <p:pRg st="8" end="8"/>
+                                            </p:txEl>
+                                          </p:spTgt>
+                                        </p:tgtEl>
+                                        <p:attrNameLst>
+                                          <p:attrName>style.visibility</p:attrName>
+                                        </p:attrNameLst>
+                                      </p:cBhvr>
+                                      <p:to>
+                                        <p:strVal val="visible"/>
+                                      </p:to>
+                                    </p:set>
+                                    <p:animEffect transition="in" filter="fade">
+                                      <p:cBhvr>
+                                        <p:cTn id="17" dur="500"/>
+                                        <p:tgtEl>
+                                          <p:spTgt spid="3">
+                                            <p:txEl>
+                                              <p:pRg st="8" end="8"/>
+                                            </p:txEl>
+                                          </p:spTgt>
+                                        </p:tgtEl>
+                                      </p:cBhvr>
+                                    </p:animEffect>
+                                  </p:childTnLst>
+                                </p:cTn>
+                              </p:par>
+                            </p:childTnLst>
+                          </p:cTn>
+                        </p:par>
+                      </p:childTnLst>
+                    </p:cTn>
+                  </p:par>
+                </p:childTnLst>
+              </p:cTn>
+              <p:prevCondLst>
+                <p:cond evt="onPrev" delay="0">
+                  <p:tgtEl>
+                    <p:sldTgt/>
+                  </p:tgtEl>
+                </p:cond>
+              </p:prevCondLst>
+              <p:nextCondLst>
+                <p:cond evt="onNext" delay="0">
+                  <p:tgtEl>
+                    <p:sldTgt/>
+                  </p:tgtEl>
+                </p:cond>
+              </p:nextCondLst>
+            </p:seq>
+          </p:childTnLst>
+        </p:cTn>
+      </p:par>
+    </p:tnLst>
+  </p:timing>
+</p:sld>
+</file>
+
+<file path=ppt/slides/slide27.xml><?xml version="1.0" encoding="utf-8"?>
+<p:sld xmlns:a="http://schemas.openxmlformats.org/drawingml/2006/main" xmlns:r="http://schemas.openxmlformats.org/officeDocument/2006/relationships" xmlns:p="http://schemas.openxmlformats.org/presentationml/2006/main">
+  <p:cSld>
+    <p:spTree>
+      <p:nvGrpSpPr>
+        <p:cNvPr id="1" name=""/>
+        <p:cNvGrpSpPr/>
+        <p:nvPr/>
+      </p:nvGrpSpPr>
+      <p:grpSpPr>
+        <a:xfrm>
+          <a:off x="0" y="0"/>
+          <a:ext cx="0" cy="0"/>
+          <a:chOff x="0" y="0"/>
+          <a:chExt cx="0" cy="0"/>
+        </a:xfrm>
+      </p:grpSpPr>
+      <p:sp>
+        <p:nvSpPr>
+          <p:cNvPr id="2" name="Titel 1"/>
+          <p:cNvSpPr>
+            <a:spLocks noGrp="1"/>
+          </p:cNvSpPr>
+          <p:nvPr>
+            <p:ph type="title"/>
+          </p:nvPr>
+        </p:nvSpPr>
+        <p:spPr/>
+        <p:txBody>
+          <a:bodyPr/>
+          <a:lstStyle/>
+          <a:p>
+            <a:r>
+              <a:rPr lang="de-DE" dirty="0" smtClean="0">
+                <a:solidFill>
+                  <a:srgbClr val="831420"/>
+                </a:solidFill>
+              </a:rPr>
+              <a:t>Schleifen – </a:t>
+            </a:r>
+            <a:r>
+              <a:rPr lang="de-DE" dirty="0" err="1" smtClean="0">
+                <a:solidFill>
+                  <a:srgbClr val="831420"/>
+                </a:solidFill>
+              </a:rPr>
+              <a:t>for</a:t>
+            </a:r>
+            <a:r>
+              <a:rPr lang="de-DE" dirty="0" smtClean="0">
+                <a:solidFill>
+                  <a:srgbClr val="831420"/>
+                </a:solidFill>
+              </a:rPr>
+              <a:t>: Beispiele</a:t>
+            </a:r>
+            <a:endParaRPr lang="de-DE" dirty="0">
+              <a:solidFill>
+                <a:srgbClr val="831420"/>
+              </a:solidFill>
+            </a:endParaRPr>
+          </a:p>
+        </p:txBody>
+      </p:sp>
+      <p:pic>
+        <p:nvPicPr>
+          <p:cNvPr id="6" name="Grafik 5"/>
+          <p:cNvPicPr>
+            <a:picLocks noChangeAspect="1"/>
+          </p:cNvPicPr>
+          <p:nvPr/>
+        </p:nvPicPr>
+        <p:blipFill>
+          <a:blip r:embed="rId3">
+            <a:extLst>
+              <a:ext uri="{28A0092B-C50C-407E-A947-70E740481C1C}">
+                <a14:useLocalDpi xmlns:a14="http://schemas.microsoft.com/office/drawing/2010/main" val="0"/>
+              </a:ext>
+            </a:extLst>
+          </a:blip>
+          <a:stretch>
+            <a:fillRect/>
+          </a:stretch>
+        </p:blipFill>
+        <p:spPr>
+          <a:xfrm>
+            <a:off x="1115616" y="1849388"/>
+            <a:ext cx="2791215" cy="790685"/>
+          </a:xfrm>
+          <a:prstGeom prst="rect">
+            <a:avLst/>
+          </a:prstGeom>
+        </p:spPr>
+      </p:pic>
+      <p:pic>
+        <p:nvPicPr>
+          <p:cNvPr id="7" name="Grafik 6"/>
+          <p:cNvPicPr>
+            <a:picLocks noChangeAspect="1"/>
+          </p:cNvPicPr>
+          <p:nvPr/>
+        </p:nvPicPr>
+        <p:blipFill>
+          <a:blip r:embed="rId4"/>
+          <a:stretch>
+            <a:fillRect/>
+          </a:stretch>
+        </p:blipFill>
+        <p:spPr>
+          <a:xfrm>
+            <a:off x="3887142" y="3145532"/>
+            <a:ext cx="2809875" cy="1447800"/>
+          </a:xfrm>
+          <a:prstGeom prst="rect">
+            <a:avLst/>
+          </a:prstGeom>
+        </p:spPr>
+      </p:pic>
+    </p:spTree>
+    <p:extLst>
+      <p:ext uri="{BB962C8B-B14F-4D97-AF65-F5344CB8AC3E}">
+        <p14:creationId xmlns:p14="http://schemas.microsoft.com/office/powerpoint/2010/main" val="3586001153"/>
+      </p:ext>
+    </p:extLst>
+  </p:cSld>
+  <p:clrMapOvr>
+    <a:masterClrMapping/>
+  </p:clrMapOvr>
+  <mc:AlternateContent xmlns:mc="http://schemas.openxmlformats.org/markup-compatibility/2006" xmlns:p14="http://schemas.microsoft.com/office/powerpoint/2010/main">
+    <mc:Choice Requires="p14">
+      <p:transition spd="slow" p14:dur="800">
+        <p14:flythrough/>
+      </p:transition>
+    </mc:Choice>
+    <mc:Fallback xmlns="">
+      <p:transition spd="slow">
+        <p:fade/>
+      </p:transition>
+    </mc:Fallback>
+  </mc:AlternateContent>
+  <p:timing>
+    <p:tnLst>
+      <p:par>
+        <p:cTn id="1" dur="indefinite" restart="never" nodeType="tmRoot">
+          <p:childTnLst>
+            <p:seq concurrent="1" nextAc="seek">
+              <p:cTn id="2" dur="indefinite" nodeType="mainSeq">
+                <p:childTnLst>
+                  <p:par>
+                    <p:cTn id="3" fill="hold">
+                      <p:stCondLst>
+                        <p:cond delay="indefinite"/>
+                      </p:stCondLst>
+                      <p:childTnLst>
+                        <p:par>
+                          <p:cTn id="4" fill="hold">
+                            <p:stCondLst>
+                              <p:cond delay="0"/>
+                            </p:stCondLst>
+                            <p:childTnLst>
+                              <p:par>
+                                <p:cTn id="5" presetID="10" presetClass="entr" presetSubtype="0" fill="hold" nodeType="clickEffect">
+                                  <p:stCondLst>
+                                    <p:cond delay="0"/>
+                                  </p:stCondLst>
+                                  <p:childTnLst>
+                                    <p:set>
+                                      <p:cBhvr>
+                                        <p:cTn id="6" dur="1" fill="hold">
+                                          <p:stCondLst>
+                                            <p:cond delay="0"/>
+                                          </p:stCondLst>
+                                        </p:cTn>
+                                        <p:tgtEl>
+                                          <p:spTgt spid="6"/>
+                                        </p:tgtEl>
+                                        <p:attrNameLst>
+                                          <p:attrName>style.visibility</p:attrName>
+                                        </p:attrNameLst>
+                                      </p:cBhvr>
+                                      <p:to>
+                                        <p:strVal val="visible"/>
+                                      </p:to>
+                                    </p:set>
+                                    <p:animEffect transition="in" filter="fade">
+                                      <p:cBhvr>
+                                        <p:cTn id="7" dur="500"/>
+                                        <p:tgtEl>
+                                          <p:spTgt spid="6"/>
+                                        </p:tgtEl>
+                                      </p:cBhvr>
+                                    </p:animEffect>
+                                  </p:childTnLst>
+                                </p:cTn>
+                              </p:par>
+                            </p:childTnLst>
+                          </p:cTn>
+                        </p:par>
+                      </p:childTnLst>
+                    </p:cTn>
+                  </p:par>
+                  <p:par>
+                    <p:cTn id="8" fill="hold">
+                      <p:stCondLst>
+                        <p:cond delay="indefinite"/>
+                      </p:stCondLst>
+                      <p:childTnLst>
+                        <p:par>
+                          <p:cTn id="9" fill="hold">
+                            <p:stCondLst>
+                              <p:cond delay="0"/>
+                            </p:stCondLst>
+                            <p:childTnLst>
+                              <p:par>
+                                <p:cTn id="10" presetID="10" presetClass="entr" presetSubtype="0" fill="hold" nodeType="clickEffect">
+                                  <p:stCondLst>
+                                    <p:cond delay="0"/>
+                                  </p:stCondLst>
+                                  <p:childTnLst>
+                                    <p:set>
+                                      <p:cBhvr>
+                                        <p:cTn id="11" dur="1" fill="hold">
+                                          <p:stCondLst>
+                                            <p:cond delay="0"/>
+                                          </p:stCondLst>
+                                        </p:cTn>
+                                        <p:tgtEl>
+                                          <p:spTgt spid="7"/>
+                                        </p:tgtEl>
+                                        <p:attrNameLst>
+                                          <p:attrName>style.visibility</p:attrName>
+                                        </p:attrNameLst>
+                                      </p:cBhvr>
+                                      <p:to>
+                                        <p:strVal val="visible"/>
+                                      </p:to>
+                                    </p:set>
+                                    <p:animEffect transition="in" filter="fade">
+                                      <p:cBhvr>
+                                        <p:cTn id="12" dur="500"/>
+                                        <p:tgtEl>
+                                          <p:spTgt spid="7"/>
+                                        </p:tgtEl>
+                                      </p:cBhvr>
+                                    </p:animEffect>
+                                  </p:childTnLst>
+                                </p:cTn>
+                              </p:par>
+                            </p:childTnLst>
+                          </p:cTn>
+                        </p:par>
+                      </p:childTnLst>
+                    </p:cTn>
+                  </p:par>
+                </p:childTnLst>
+              </p:cTn>
+              <p:prevCondLst>
+                <p:cond evt="onPrev" delay="0">
+                  <p:tgtEl>
+                    <p:sldTgt/>
+                  </p:tgtEl>
+                </p:cond>
+              </p:prevCondLst>
+              <p:nextCondLst>
+                <p:cond evt="onNext" delay="0">
+                  <p:tgtEl>
+                    <p:sldTgt/>
+                  </p:tgtEl>
+                </p:cond>
+              </p:nextCondLst>
+            </p:seq>
+          </p:childTnLst>
+        </p:cTn>
+      </p:par>
+    </p:tnLst>
+  </p:timing>
+</p:sld>
+</file>
+
+<file path=ppt/slides/slide28.xml><?xml version="1.0" encoding="utf-8"?>
+<p:sld xmlns:a="http://schemas.openxmlformats.org/drawingml/2006/main" xmlns:r="http://schemas.openxmlformats.org/officeDocument/2006/relationships" xmlns:p="http://schemas.openxmlformats.org/presentationml/2006/main">
+  <p:cSld>
+    <p:spTree>
+      <p:nvGrpSpPr>
+        <p:cNvPr id="1" name=""/>
+        <p:cNvGrpSpPr/>
+        <p:nvPr/>
+      </p:nvGrpSpPr>
+      <p:grpSpPr>
+        <a:xfrm>
+          <a:off x="0" y="0"/>
+          <a:ext cx="0" cy="0"/>
+          <a:chOff x="0" y="0"/>
+          <a:chExt cx="0" cy="0"/>
+        </a:xfrm>
+      </p:grpSpPr>
+      <p:sp>
+        <p:nvSpPr>
+          <p:cNvPr id="2" name="Titel 1"/>
+          <p:cNvSpPr>
+            <a:spLocks noGrp="1"/>
+          </p:cNvSpPr>
+          <p:nvPr>
+            <p:ph type="title"/>
+          </p:nvPr>
+        </p:nvSpPr>
+        <p:spPr/>
+        <p:txBody>
+          <a:bodyPr/>
+          <a:lstStyle/>
+          <a:p>
+            <a:r>
+              <a:rPr lang="de-DE" dirty="0" smtClean="0">
+                <a:solidFill>
+                  <a:srgbClr val="831420"/>
+                </a:solidFill>
+              </a:rPr>
+              <a:t>Schleifen – </a:t>
+            </a:r>
+            <a:r>
+              <a:rPr lang="de-DE" dirty="0" err="1" smtClean="0">
+                <a:solidFill>
+                  <a:srgbClr val="831420"/>
+                </a:solidFill>
+              </a:rPr>
+              <a:t>while</a:t>
+            </a:r>
+            <a:r>
+              <a:rPr lang="de-DE" dirty="0" smtClean="0">
+                <a:solidFill>
+                  <a:srgbClr val="831420"/>
+                </a:solidFill>
+              </a:rPr>
+              <a:t> &amp; do-</a:t>
+            </a:r>
+            <a:r>
+              <a:rPr lang="de-DE" dirty="0" err="1" smtClean="0">
+                <a:solidFill>
+                  <a:srgbClr val="831420"/>
+                </a:solidFill>
+              </a:rPr>
+              <a:t>while</a:t>
+            </a:r>
+            <a:endParaRPr lang="de-DE" dirty="0">
+              <a:solidFill>
+                <a:srgbClr val="831420"/>
+              </a:solidFill>
+            </a:endParaRPr>
+          </a:p>
+        </p:txBody>
+      </p:sp>
+      <p:sp>
+        <p:nvSpPr>
+          <p:cNvPr id="3" name="Inhaltsplatzhalter 2"/>
+          <p:cNvSpPr>
+            <a:spLocks noGrp="1"/>
+          </p:cNvSpPr>
+          <p:nvPr>
+            <p:ph idx="4294967295"/>
+          </p:nvPr>
+        </p:nvSpPr>
+        <p:spPr>
+          <a:xfrm>
+            <a:off x="179512" y="877280"/>
+            <a:ext cx="8496944" cy="4176464"/>
+          </a:xfrm>
+          <a:prstGeom prst="rect">
+            <a:avLst/>
+          </a:prstGeom>
+        </p:spPr>
+        <p:txBody>
+          <a:bodyPr anchor="t"/>
+          <a:lstStyle/>
+          <a:p>
+            <a:r>
+              <a:rPr lang="de-DE" sz="2000" dirty="0" smtClean="0"/>
+              <a:t>Die anderen beiden Schleifen-Arten, sind die </a:t>
+            </a:r>
+            <a:r>
+              <a:rPr lang="de-DE" sz="2000" b="1" dirty="0" err="1" smtClean="0"/>
+              <a:t>while</a:t>
+            </a:r>
+            <a:r>
+              <a:rPr lang="de-DE" sz="2000" b="1" dirty="0" smtClean="0"/>
+              <a:t>-Schleife</a:t>
+            </a:r>
+            <a:r>
+              <a:rPr lang="de-DE" sz="2000" dirty="0"/>
+              <a:t/>
+            </a:r>
+            <a:br>
+              <a:rPr lang="de-DE" sz="2000" dirty="0"/>
+            </a:br>
+            <a:r>
+              <a:rPr lang="de-DE" sz="2000" dirty="0" smtClean="0"/>
+              <a:t>und die </a:t>
+            </a:r>
+            <a:r>
+              <a:rPr lang="de-DE" sz="2000" b="1" dirty="0" smtClean="0"/>
+              <a:t>do-</a:t>
+            </a:r>
+            <a:r>
+              <a:rPr lang="de-DE" sz="2000" b="1" dirty="0" err="1" smtClean="0"/>
+              <a:t>while</a:t>
+            </a:r>
+            <a:r>
+              <a:rPr lang="de-DE" sz="2000" b="1" dirty="0" smtClean="0"/>
+              <a:t>-Schleife</a:t>
+            </a:r>
+            <a:endParaRPr lang="de-DE" sz="2000" b="1" dirty="0" smtClean="0"/>
+          </a:p>
+          <a:p>
+            <a:endParaRPr lang="de-DE" sz="2000" b="1" dirty="0"/>
+          </a:p>
+          <a:p>
+            <a:endParaRPr lang="de-DE" sz="2000" b="1" dirty="0" smtClean="0"/>
+          </a:p>
+          <a:p>
+            <a:endParaRPr lang="de-DE" sz="2000" b="1" dirty="0"/>
+          </a:p>
+          <a:p>
+            <a:r>
+              <a:rPr lang="de-DE" sz="2000" dirty="0" smtClean="0"/>
+              <a:t>Bei der </a:t>
+            </a:r>
+            <a:r>
+              <a:rPr lang="de-DE" sz="2000" dirty="0" err="1" smtClean="0"/>
+              <a:t>while</a:t>
+            </a:r>
+            <a:r>
+              <a:rPr lang="de-DE" sz="2000" dirty="0" smtClean="0"/>
+              <a:t>-Schleife wird die Bedingung wie bei der </a:t>
+            </a:r>
+            <a:r>
+              <a:rPr lang="de-DE" sz="2000" dirty="0" err="1" smtClean="0"/>
+              <a:t>for</a:t>
+            </a:r>
+            <a:r>
+              <a:rPr lang="de-DE" sz="2000" dirty="0" smtClean="0"/>
+              <a:t>-Schleife </a:t>
+            </a:r>
+            <a:r>
+              <a:rPr lang="de-DE" sz="2000" u="sng" dirty="0" smtClean="0"/>
+              <a:t>vor</a:t>
+            </a:r>
+            <a:r>
+              <a:rPr lang="de-DE" sz="2000" dirty="0" smtClean="0"/>
+              <a:t> jedem Ausführen getestet</a:t>
+            </a:r>
+          </a:p>
+          <a:p>
+            <a:endParaRPr lang="de-DE" sz="2000" dirty="0"/>
+          </a:p>
+          <a:p>
+            <a:r>
+              <a:rPr lang="de-DE" sz="2000" dirty="0" smtClean="0"/>
+              <a:t>Bei der do-</a:t>
+            </a:r>
+            <a:r>
+              <a:rPr lang="de-DE" sz="2000" dirty="0" err="1" smtClean="0"/>
+              <a:t>while</a:t>
+            </a:r>
+            <a:r>
+              <a:rPr lang="de-DE" sz="2000" dirty="0" smtClean="0"/>
+              <a:t>-Schleife wird die </a:t>
+            </a:r>
+            <a:r>
+              <a:rPr lang="de-DE" sz="2000" dirty="0" err="1" smtClean="0"/>
+              <a:t>Bedinung</a:t>
+            </a:r>
+            <a:r>
+              <a:rPr lang="de-DE" sz="2000" dirty="0" smtClean="0"/>
+              <a:t> </a:t>
+            </a:r>
+            <a:r>
+              <a:rPr lang="de-DE" sz="2000" u="sng" dirty="0" smtClean="0"/>
+              <a:t>nach</a:t>
+            </a:r>
+            <a:r>
+              <a:rPr lang="de-DE" sz="2000" dirty="0" smtClean="0"/>
+              <a:t> dem </a:t>
+            </a:r>
+            <a:r>
+              <a:rPr lang="de-DE" sz="2000" dirty="0" err="1" smtClean="0"/>
+              <a:t>Asuführen</a:t>
+            </a:r>
+            <a:r>
+              <a:rPr lang="de-DE" sz="2000" dirty="0" smtClean="0"/>
+              <a:t> getestet</a:t>
+            </a:r>
+          </a:p>
+          <a:p>
+            <a:endParaRPr lang="de-DE" sz="2000" dirty="0"/>
+          </a:p>
+          <a:p>
+            <a:r>
+              <a:rPr lang="de-DE" sz="2000" dirty="0" smtClean="0"/>
+              <a:t>Besser geeignet für komplexere Bedingungen ohne </a:t>
+            </a:r>
+            <a:r>
+              <a:rPr lang="de-DE" sz="2000" dirty="0"/>
+              <a:t>I</a:t>
+            </a:r>
+            <a:r>
+              <a:rPr lang="de-DE" sz="2000" dirty="0" smtClean="0"/>
+              <a:t>teration</a:t>
+            </a:r>
+          </a:p>
+        </p:txBody>
+      </p:sp>
+      <p:pic>
+        <p:nvPicPr>
+          <p:cNvPr id="5" name="Grafik 4"/>
+          <p:cNvPicPr>
+            <a:picLocks noChangeAspect="1"/>
+          </p:cNvPicPr>
+          <p:nvPr/>
+        </p:nvPicPr>
+        <p:blipFill>
+          <a:blip r:embed="rId3">
+            <a:extLst>
+              <a:ext uri="{28A0092B-C50C-407E-A947-70E740481C1C}">
+                <a14:useLocalDpi xmlns:a14="http://schemas.microsoft.com/office/drawing/2010/main" val="0"/>
+              </a:ext>
+            </a:extLst>
+          </a:blip>
+          <a:stretch>
+            <a:fillRect/>
+          </a:stretch>
+        </p:blipFill>
+        <p:spPr>
+          <a:xfrm>
+            <a:off x="1223628" y="1741959"/>
+            <a:ext cx="2695951" cy="771633"/>
+          </a:xfrm>
+          <a:prstGeom prst="rect">
+            <a:avLst/>
+          </a:prstGeom>
+        </p:spPr>
+      </p:pic>
+      <p:pic>
+        <p:nvPicPr>
+          <p:cNvPr id="6" name="Grafik 5"/>
+          <p:cNvPicPr>
+            <a:picLocks noChangeAspect="1"/>
+          </p:cNvPicPr>
+          <p:nvPr/>
+        </p:nvPicPr>
+        <p:blipFill>
+          <a:blip r:embed="rId4">
+            <a:extLst>
+              <a:ext uri="{28A0092B-C50C-407E-A947-70E740481C1C}">
+                <a14:useLocalDpi xmlns:a14="http://schemas.microsoft.com/office/drawing/2010/main" val="0"/>
+              </a:ext>
+            </a:extLst>
+          </a:blip>
+          <a:stretch>
+            <a:fillRect/>
+          </a:stretch>
+        </p:blipFill>
+        <p:spPr>
+          <a:xfrm>
+            <a:off x="4950042" y="1741376"/>
+            <a:ext cx="2695951" cy="771633"/>
+          </a:xfrm>
+          <a:prstGeom prst="rect">
+            <a:avLst/>
+          </a:prstGeom>
+        </p:spPr>
+      </p:pic>
+    </p:spTree>
+    <p:extLst>
+      <p:ext uri="{BB962C8B-B14F-4D97-AF65-F5344CB8AC3E}">
+        <p14:creationId xmlns:p14="http://schemas.microsoft.com/office/powerpoint/2010/main" val="422190518"/>
+      </p:ext>
+    </p:extLst>
+  </p:cSld>
+  <p:clrMapOvr>
+    <a:masterClrMapping/>
+  </p:clrMapOvr>
+  <mc:AlternateContent xmlns:mc="http://schemas.openxmlformats.org/markup-compatibility/2006" xmlns:p14="http://schemas.microsoft.com/office/powerpoint/2010/main">
+    <mc:Choice Requires="p14">
+      <p:transition spd="slow" p14:dur="800">
+        <p14:flythrough/>
+      </p:transition>
+    </mc:Choice>
+    <mc:Fallback xmlns="">
+      <p:transition spd="slow">
+        <p:fade/>
+      </p:transition>
+    </mc:Fallback>
+  </mc:AlternateContent>
+  <p:timing>
+    <p:tnLst>
+      <p:par>
+        <p:cTn id="1" dur="indefinite" restart="never" nodeType="tmRoot">
+          <p:childTnLst>
+            <p:seq concurrent="1" nextAc="seek">
+              <p:cTn id="2" dur="indefinite" nodeType="mainSeq">
+                <p:childTnLst>
+                  <p:par>
+                    <p:cTn id="3" fill="hold">
+                      <p:stCondLst>
+                        <p:cond delay="indefinite"/>
+                      </p:stCondLst>
+                      <p:childTnLst>
+                        <p:par>
+                          <p:cTn id="4" fill="hold">
+                            <p:stCondLst>
+                              <p:cond delay="0"/>
+                            </p:stCondLst>
+                            <p:childTnLst>
+                              <p:par>
+                                <p:cTn id="5" presetID="10" presetClass="entr" presetSubtype="0" fill="hold" nodeType="clickEffect">
+                                  <p:stCondLst>
+                                    <p:cond delay="0"/>
+                                  </p:stCondLst>
+                                  <p:childTnLst>
+                                    <p:set>
+                                      <p:cBhvr>
+                                        <p:cTn id="6" dur="1" fill="hold">
+                                          <p:stCondLst>
+                                            <p:cond delay="0"/>
+                                          </p:stCondLst>
+                                        </p:cTn>
+                                        <p:tgtEl>
+                                          <p:spTgt spid="3">
+                                            <p:txEl>
+                                              <p:pRg st="4" end="4"/>
+                                            </p:txEl>
+                                          </p:spTgt>
+                                        </p:tgtEl>
+                                        <p:attrNameLst>
+                                          <p:attrName>style.visibility</p:attrName>
+                                        </p:attrNameLst>
+                                      </p:cBhvr>
+                                      <p:to>
+                                        <p:strVal val="visible"/>
+                                      </p:to>
+                                    </p:set>
+                                    <p:animEffect transition="in" filter="fade">
+                                      <p:cBhvr>
+                                        <p:cTn id="7" dur="500"/>
+                                        <p:tgtEl>
+                                          <p:spTgt spid="3">
+                                            <p:txEl>
+                                              <p:pRg st="4" end="4"/>
+                                            </p:txEl>
+                                          </p:spTgt>
+                                        </p:tgtEl>
+                                      </p:cBhvr>
+                                    </p:animEffect>
+                                  </p:childTnLst>
+                                </p:cTn>
+                              </p:par>
+                            </p:childTnLst>
+                          </p:cTn>
+                        </p:par>
+                      </p:childTnLst>
+                    </p:cTn>
+                  </p:par>
+                  <p:par>
+                    <p:cTn id="8" fill="hold">
+                      <p:stCondLst>
+                        <p:cond delay="indefinite"/>
+                      </p:stCondLst>
+                      <p:childTnLst>
+                        <p:par>
+                          <p:cTn id="9" fill="hold">
+                            <p:stCondLst>
+                              <p:cond delay="0"/>
+                            </p:stCondLst>
+                            <p:childTnLst>
+                              <p:par>
+                                <p:cTn id="10" presetID="10" presetClass="entr" presetSubtype="0" fill="hold" nodeType="clickEffect">
+                                  <p:stCondLst>
+                                    <p:cond delay="0"/>
+                                  </p:stCondLst>
+                                  <p:childTnLst>
+                                    <p:set>
+                                      <p:cBhvr>
+                                        <p:cTn id="11" dur="1" fill="hold">
+                                          <p:stCondLst>
+                                            <p:cond delay="0"/>
+                                          </p:stCondLst>
+                                        </p:cTn>
+                                        <p:tgtEl>
+                                          <p:spTgt spid="3">
+                                            <p:txEl>
+                                              <p:pRg st="6" end="6"/>
+                                            </p:txEl>
+                                          </p:spTgt>
+                                        </p:tgtEl>
+                                        <p:attrNameLst>
+                                          <p:attrName>style.visibility</p:attrName>
+                                        </p:attrNameLst>
+                                      </p:cBhvr>
+                                      <p:to>
+                                        <p:strVal val="visible"/>
+                                      </p:to>
+                                    </p:set>
+                                    <p:animEffect transition="in" filter="fade">
+                                      <p:cBhvr>
+                                        <p:cTn id="12" dur="500"/>
+                                        <p:tgtEl>
+                                          <p:spTgt spid="3">
+                                            <p:txEl>
+                                              <p:pRg st="6" end="6"/>
+                                            </p:txEl>
+                                          </p:spTgt>
+                                        </p:tgtEl>
+                                      </p:cBhvr>
+                                    </p:animEffect>
+                                  </p:childTnLst>
+                                </p:cTn>
+                              </p:par>
+                            </p:childTnLst>
+                          </p:cTn>
+                        </p:par>
+                      </p:childTnLst>
+                    </p:cTn>
+                  </p:par>
+                  <p:par>
+                    <p:cTn id="13" fill="hold">
+                      <p:stCondLst>
+                        <p:cond delay="indefinite"/>
+                      </p:stCondLst>
+                      <p:childTnLst>
+                        <p:par>
+                          <p:cTn id="14" fill="hold">
+                            <p:stCondLst>
+                              <p:cond delay="0"/>
+                            </p:stCondLst>
+                            <p:childTnLst>
+                              <p:par>
+                                <p:cTn id="15" presetID="10" presetClass="entr" presetSubtype="0" fill="hold" nodeType="clickEffect">
+                                  <p:stCondLst>
+                                    <p:cond delay="0"/>
+                                  </p:stCondLst>
+                                  <p:childTnLst>
+                                    <p:set>
+                                      <p:cBhvr>
+                                        <p:cTn id="16" dur="1" fill="hold">
+                                          <p:stCondLst>
+                                            <p:cond delay="0"/>
+                                          </p:stCondLst>
+                                        </p:cTn>
+                                        <p:tgtEl>
+                                          <p:spTgt spid="3">
+                                            <p:txEl>
+                                              <p:pRg st="8" end="8"/>
+                                            </p:txEl>
+                                          </p:spTgt>
+                                        </p:tgtEl>
+                                        <p:attrNameLst>
+                                          <p:attrName>style.visibility</p:attrName>
+                                        </p:attrNameLst>
+                                      </p:cBhvr>
+                                      <p:to>
+                                        <p:strVal val="visible"/>
+                                      </p:to>
+                                    </p:set>
+                                    <p:animEffect transition="in" filter="fade">
+                                      <p:cBhvr>
+                                        <p:cTn id="17" dur="500"/>
+                                        <p:tgtEl>
+                                          <p:spTgt spid="3">
+                                            <p:txEl>
+                                              <p:pRg st="8" end="8"/>
+                                            </p:txEl>
+                                          </p:spTgt>
+                                        </p:tgtEl>
+                                      </p:cBhvr>
+                                    </p:animEffect>
+                                  </p:childTnLst>
+                                </p:cTn>
+                              </p:par>
+                            </p:childTnLst>
+                          </p:cTn>
+                        </p:par>
+                      </p:childTnLst>
+                    </p:cTn>
+                  </p:par>
+                </p:childTnLst>
+              </p:cTn>
+              <p:prevCondLst>
+                <p:cond evt="onPrev" delay="0">
+                  <p:tgtEl>
+                    <p:sldTgt/>
+                  </p:tgtEl>
+                </p:cond>
+              </p:prevCondLst>
+              <p:nextCondLst>
+                <p:cond evt="onNext" delay="0">
+                  <p:tgtEl>
+                    <p:sldTgt/>
+                  </p:tgtEl>
+                </p:cond>
+              </p:nextCondLst>
+            </p:seq>
+          </p:childTnLst>
+        </p:cTn>
+      </p:par>
+    </p:tnLst>
+  </p:timing>
+</p:sld>
+</file>
+
+<file path=ppt/slides/slide29.xml><?xml version="1.0" encoding="utf-8"?>
+<p:sld xmlns:a="http://schemas.openxmlformats.org/drawingml/2006/main" xmlns:r="http://schemas.openxmlformats.org/officeDocument/2006/relationships" xmlns:p="http://schemas.openxmlformats.org/presentationml/2006/main">
+  <p:cSld>
+    <p:spTree>
+      <p:nvGrpSpPr>
+        <p:cNvPr id="1" name=""/>
+        <p:cNvGrpSpPr/>
+        <p:nvPr/>
+      </p:nvGrpSpPr>
+      <p:grpSpPr>
+        <a:xfrm>
+          <a:off x="0" y="0"/>
+          <a:ext cx="0" cy="0"/>
+          <a:chOff x="0" y="0"/>
+          <a:chExt cx="0" cy="0"/>
+        </a:xfrm>
+      </p:grpSpPr>
+      <p:sp>
+        <p:nvSpPr>
+          <p:cNvPr id="2" name="Titel 1"/>
+          <p:cNvSpPr>
+            <a:spLocks noGrp="1"/>
+          </p:cNvSpPr>
+          <p:nvPr>
+            <p:ph type="title"/>
+          </p:nvPr>
+        </p:nvSpPr>
+        <p:spPr/>
+        <p:txBody>
+          <a:bodyPr/>
+          <a:lstStyle/>
+          <a:p>
+            <a:r>
+              <a:rPr lang="de-DE" dirty="0" smtClean="0">
+                <a:solidFill>
+                  <a:srgbClr val="831420"/>
+                </a:solidFill>
+              </a:rPr>
+              <a:t>Schleifen – </a:t>
+            </a:r>
+            <a:r>
+              <a:rPr lang="de-DE" dirty="0" err="1" smtClean="0">
+                <a:solidFill>
+                  <a:srgbClr val="831420"/>
+                </a:solidFill>
+              </a:rPr>
+              <a:t>while</a:t>
+            </a:r>
+            <a:r>
+              <a:rPr lang="de-DE" dirty="0" smtClean="0">
+                <a:solidFill>
+                  <a:srgbClr val="831420"/>
+                </a:solidFill>
+              </a:rPr>
+              <a:t> &amp; do-</a:t>
+            </a:r>
+            <a:r>
+              <a:rPr lang="de-DE" dirty="0" err="1" smtClean="0">
+                <a:solidFill>
+                  <a:srgbClr val="831420"/>
+                </a:solidFill>
+              </a:rPr>
+              <a:t>while</a:t>
+            </a:r>
+            <a:r>
+              <a:rPr lang="de-DE" dirty="0" smtClean="0">
+                <a:solidFill>
+                  <a:srgbClr val="831420"/>
+                </a:solidFill>
+              </a:rPr>
+              <a:t>: Beispiele</a:t>
+            </a:r>
+            <a:endParaRPr lang="de-DE" dirty="0">
+              <a:solidFill>
+                <a:srgbClr val="831420"/>
+              </a:solidFill>
+            </a:endParaRPr>
+          </a:p>
+        </p:txBody>
+      </p:sp>
+      <p:pic>
+        <p:nvPicPr>
+          <p:cNvPr id="4" name="Grafik 3"/>
+          <p:cNvPicPr>
+            <a:picLocks noChangeAspect="1"/>
+          </p:cNvPicPr>
+          <p:nvPr/>
+        </p:nvPicPr>
+        <p:blipFill>
+          <a:blip r:embed="rId3">
+            <a:extLst>
+              <a:ext uri="{28A0092B-C50C-407E-A947-70E740481C1C}">
+                <a14:useLocalDpi xmlns:a14="http://schemas.microsoft.com/office/drawing/2010/main" val="0"/>
+              </a:ext>
+            </a:extLst>
+          </a:blip>
+          <a:stretch>
+            <a:fillRect/>
+          </a:stretch>
+        </p:blipFill>
+        <p:spPr>
+          <a:xfrm>
+            <a:off x="1115616" y="1525352"/>
+            <a:ext cx="2715004" cy="1600423"/>
+          </a:xfrm>
+          <a:prstGeom prst="rect">
+            <a:avLst/>
+          </a:prstGeom>
+        </p:spPr>
+      </p:pic>
+      <p:pic>
+        <p:nvPicPr>
+          <p:cNvPr id="7" name="Grafik 6"/>
+          <p:cNvPicPr>
+            <a:picLocks noChangeAspect="1"/>
+          </p:cNvPicPr>
+          <p:nvPr/>
+        </p:nvPicPr>
+        <p:blipFill>
+          <a:blip r:embed="rId4">
+            <a:extLst>
+              <a:ext uri="{28A0092B-C50C-407E-A947-70E740481C1C}">
+                <a14:useLocalDpi xmlns:a14="http://schemas.microsoft.com/office/drawing/2010/main" val="0"/>
+              </a:ext>
+            </a:extLst>
+          </a:blip>
+          <a:stretch>
+            <a:fillRect/>
+          </a:stretch>
+        </p:blipFill>
+        <p:spPr>
+          <a:xfrm>
+            <a:off x="3830620" y="3721596"/>
+            <a:ext cx="3829584" cy="809738"/>
+          </a:xfrm>
+          <a:prstGeom prst="rect">
+            <a:avLst/>
+          </a:prstGeom>
+        </p:spPr>
+      </p:pic>
+    </p:spTree>
+    <p:extLst>
+      <p:ext uri="{BB962C8B-B14F-4D97-AF65-F5344CB8AC3E}">
+        <p14:creationId xmlns:p14="http://schemas.microsoft.com/office/powerpoint/2010/main" val="3915089098"/>
+      </p:ext>
+    </p:extLst>
+  </p:cSld>
+  <p:clrMapOvr>
+    <a:masterClrMapping/>
+  </p:clrMapOvr>
+  <mc:AlternateContent xmlns:mc="http://schemas.openxmlformats.org/markup-compatibility/2006" xmlns:p14="http://schemas.microsoft.com/office/powerpoint/2010/main">
+    <mc:Choice Requires="p14">
+      <p:transition spd="slow" p14:dur="800">
+        <p14:flythrough/>
+      </p:transition>
+    </mc:Choice>
+    <mc:Fallback xmlns="">
+      <p:transition spd="slow">
+        <p:fade/>
+      </p:transition>
+    </mc:Fallback>
+  </mc:AlternateContent>
+  <p:timing>
+    <p:tnLst>
+      <p:par>
+        <p:cTn id="1" dur="indefinite" restart="never" nodeType="tmRoot">
+          <p:childTnLst>
+            <p:seq concurrent="1" nextAc="seek">
+              <p:cTn id="2" dur="indefinite" nodeType="mainSeq">
+                <p:childTnLst>
+                  <p:par>
+                    <p:cTn id="3" fill="hold">
+                      <p:stCondLst>
+                        <p:cond delay="indefinite"/>
+                      </p:stCondLst>
+                      <p:childTnLst>
+                        <p:par>
+                          <p:cTn id="4" fill="hold">
+                            <p:stCondLst>
+                              <p:cond delay="0"/>
+                            </p:stCondLst>
+                            <p:childTnLst>
+                              <p:par>
+                                <p:cTn id="5" presetID="10" presetClass="entr" presetSubtype="0" fill="hold" nodeType="clickEffect">
+                                  <p:stCondLst>
+                                    <p:cond delay="0"/>
+                                  </p:stCondLst>
+                                  <p:childTnLst>
+                                    <p:set>
+                                      <p:cBhvr>
+                                        <p:cTn id="6" dur="1" fill="hold">
+                                          <p:stCondLst>
+                                            <p:cond delay="0"/>
+                                          </p:stCondLst>
+                                        </p:cTn>
+                                        <p:tgtEl>
+                                          <p:spTgt spid="4"/>
+                                        </p:tgtEl>
+                                        <p:attrNameLst>
+                                          <p:attrName>style.visibility</p:attrName>
+                                        </p:attrNameLst>
+                                      </p:cBhvr>
+                                      <p:to>
+                                        <p:strVal val="visible"/>
+                                      </p:to>
+                                    </p:set>
+                                    <p:animEffect transition="in" filter="fade">
+                                      <p:cBhvr>
+                                        <p:cTn id="7" dur="500"/>
+                                        <p:tgtEl>
+                                          <p:spTgt spid="4"/>
+                                        </p:tgtEl>
+                                      </p:cBhvr>
+                                    </p:animEffect>
+                                  </p:childTnLst>
+                                </p:cTn>
+                              </p:par>
+                            </p:childTnLst>
+                          </p:cTn>
+                        </p:par>
+                      </p:childTnLst>
+                    </p:cTn>
+                  </p:par>
+                  <p:par>
+                    <p:cTn id="8" fill="hold">
+                      <p:stCondLst>
+                        <p:cond delay="indefinite"/>
+                      </p:stCondLst>
+                      <p:childTnLst>
+                        <p:par>
+                          <p:cTn id="9" fill="hold">
+                            <p:stCondLst>
+                              <p:cond delay="0"/>
+                            </p:stCondLst>
+                            <p:childTnLst>
+                              <p:par>
+                                <p:cTn id="10" presetID="10" presetClass="entr" presetSubtype="0" fill="hold" nodeType="clickEffect">
+                                  <p:stCondLst>
+                                    <p:cond delay="0"/>
+                                  </p:stCondLst>
+                                  <p:childTnLst>
+                                    <p:set>
+                                      <p:cBhvr>
+                                        <p:cTn id="11" dur="1" fill="hold">
+                                          <p:stCondLst>
+                                            <p:cond delay="0"/>
+                                          </p:stCondLst>
+                                        </p:cTn>
+                                        <p:tgtEl>
+                                          <p:spTgt spid="7"/>
+                                        </p:tgtEl>
+                                        <p:attrNameLst>
+                                          <p:attrName>style.visibility</p:attrName>
+                                        </p:attrNameLst>
+                                      </p:cBhvr>
+                                      <p:to>
+                                        <p:strVal val="visible"/>
+                                      </p:to>
+                                    </p:set>
+                                    <p:animEffect transition="in" filter="fade">
+                                      <p:cBhvr>
+                                        <p:cTn id="12" dur="500"/>
+                                        <p:tgtEl>
+                                          <p:spTgt spid="7"/>
+                                        </p:tgtEl>
+                                      </p:cBhvr>
+                                    </p:animEffect>
+                                  </p:childTnLst>
+                                </p:cTn>
+                              </p:par>
+                            </p:childTnLst>
+                          </p:cTn>
+                        </p:par>
+                      </p:childTnLst>
+                    </p:cTn>
+                  </p:par>
+                </p:childTnLst>
+              </p:cTn>
+              <p:prevCondLst>
+                <p:cond evt="onPrev" delay="0">
+                  <p:tgtEl>
+                    <p:sldTgt/>
+                  </p:tgtEl>
+                </p:cond>
+              </p:prevCondLst>
+              <p:nextCondLst>
+                <p:cond evt="onNext" delay="0">
+                  <p:tgtEl>
+                    <p:sldTgt/>
+                  </p:tgtEl>
+                </p:cond>
+              </p:nextCondLst>
+            </p:seq>
+          </p:childTnLst>
+        </p:cTn>
       </p:par>
     </p:tnLst>
   </p:timing>
@@ -11590,6 +16090,349 @@
 </p:sld>
 </file>
 
+<file path=ppt/slides/slide30.xml><?xml version="1.0" encoding="utf-8"?>
+<p:sld xmlns:a="http://schemas.openxmlformats.org/drawingml/2006/main" xmlns:r="http://schemas.openxmlformats.org/officeDocument/2006/relationships" xmlns:p="http://schemas.openxmlformats.org/presentationml/2006/main">
+  <p:cSld>
+    <p:spTree>
+      <p:nvGrpSpPr>
+        <p:cNvPr id="1" name=""/>
+        <p:cNvGrpSpPr/>
+        <p:nvPr/>
+      </p:nvGrpSpPr>
+      <p:grpSpPr>
+        <a:xfrm>
+          <a:off x="0" y="0"/>
+          <a:ext cx="0" cy="0"/>
+          <a:chOff x="0" y="0"/>
+          <a:chExt cx="0" cy="0"/>
+        </a:xfrm>
+      </p:grpSpPr>
+      <p:sp>
+        <p:nvSpPr>
+          <p:cNvPr id="2" name="Titel 1"/>
+          <p:cNvSpPr>
+            <a:spLocks noGrp="1"/>
+          </p:cNvSpPr>
+          <p:nvPr>
+            <p:ph type="title"/>
+          </p:nvPr>
+        </p:nvSpPr>
+        <p:spPr/>
+        <p:txBody>
+          <a:bodyPr/>
+          <a:lstStyle/>
+          <a:p>
+            <a:r>
+              <a:rPr lang="de-DE" dirty="0" smtClean="0">
+                <a:solidFill>
+                  <a:srgbClr val="831420"/>
+                </a:solidFill>
+              </a:rPr>
+              <a:t>Aufgabe: Manuelle Multiplikation        [3]</a:t>
+            </a:r>
+            <a:endParaRPr lang="de-DE" dirty="0">
+              <a:solidFill>
+                <a:srgbClr val="831420"/>
+              </a:solidFill>
+            </a:endParaRPr>
+          </a:p>
+        </p:txBody>
+      </p:sp>
+      <p:sp>
+        <p:nvSpPr>
+          <p:cNvPr id="3" name="Inhaltsplatzhalter 2"/>
+          <p:cNvSpPr>
+            <a:spLocks noGrp="1"/>
+          </p:cNvSpPr>
+          <p:nvPr>
+            <p:ph idx="4294967295"/>
+          </p:nvPr>
+        </p:nvSpPr>
+        <p:spPr>
+          <a:xfrm>
+            <a:off x="179512" y="877280"/>
+            <a:ext cx="8496944" cy="4176464"/>
+          </a:xfrm>
+          <a:prstGeom prst="rect">
+            <a:avLst/>
+          </a:prstGeom>
+        </p:spPr>
+        <p:txBody>
+          <a:bodyPr anchor="ctr"/>
+          <a:lstStyle/>
+          <a:p>
+            <a:r>
+              <a:rPr lang="de-DE" sz="2000" dirty="0" smtClean="0"/>
+              <a:t>In der Aufgabe wurden bereits zwei Konstanten </a:t>
+            </a:r>
+            <a:r>
+              <a:rPr lang="de-DE" sz="2000" dirty="0" smtClean="0">
+                <a:solidFill>
+                  <a:schemeClr val="tx2"/>
+                </a:solidFill>
+              </a:rPr>
+              <a:t>X</a:t>
+            </a:r>
+            <a:r>
+              <a:rPr lang="de-DE" sz="2000" dirty="0" smtClean="0"/>
+              <a:t> und </a:t>
+            </a:r>
+            <a:r>
+              <a:rPr lang="de-DE" sz="2000" dirty="0" smtClean="0">
+                <a:solidFill>
+                  <a:schemeClr val="tx2"/>
+                </a:solidFill>
+              </a:rPr>
+              <a:t>Y</a:t>
+            </a:r>
+            <a:r>
+              <a:rPr lang="de-DE" sz="2000" dirty="0" smtClean="0"/>
+              <a:t> mit zufälligen ganzen Zahlen definiert</a:t>
+            </a:r>
+          </a:p>
+          <a:p>
+            <a:r>
+              <a:rPr lang="de-DE" sz="2000" dirty="0" smtClean="0"/>
+              <a:t>Außerdem wurden </a:t>
+            </a:r>
+            <a:r>
+              <a:rPr lang="de-DE" sz="2000" dirty="0" err="1" smtClean="0">
+                <a:solidFill>
+                  <a:schemeClr val="tx2"/>
+                </a:solidFill>
+              </a:rPr>
+              <a:t>produktA</a:t>
+            </a:r>
+            <a:r>
+              <a:rPr lang="de-DE" sz="2000" dirty="0" smtClean="0"/>
+              <a:t>, </a:t>
+            </a:r>
+            <a:r>
+              <a:rPr lang="de-DE" sz="2000" dirty="0" err="1" smtClean="0">
+                <a:solidFill>
+                  <a:schemeClr val="tx2"/>
+                </a:solidFill>
+              </a:rPr>
+              <a:t>produktB</a:t>
+            </a:r>
+            <a:r>
+              <a:rPr lang="de-DE" sz="2000" dirty="0" smtClean="0"/>
+              <a:t> und </a:t>
+            </a:r>
+            <a:r>
+              <a:rPr lang="de-DE" sz="2000" dirty="0" err="1" smtClean="0">
+                <a:solidFill>
+                  <a:schemeClr val="tx2"/>
+                </a:solidFill>
+              </a:rPr>
+              <a:t>produktC</a:t>
+            </a:r>
+            <a:r>
+              <a:rPr lang="de-DE" sz="2000" dirty="0" smtClean="0"/>
+              <a:t> definiert</a:t>
+            </a:r>
+          </a:p>
+          <a:p>
+            <a:endParaRPr lang="de-DE" sz="2000" dirty="0"/>
+          </a:p>
+          <a:p>
+            <a:r>
+              <a:rPr lang="de-DE" sz="2000" dirty="0" smtClean="0"/>
+              <a:t>Eure Aufgabe ist es eine Multiplikation von </a:t>
+            </a:r>
+            <a:r>
+              <a:rPr lang="de-DE" sz="2000" dirty="0" smtClean="0">
+                <a:solidFill>
+                  <a:schemeClr val="tx2"/>
+                </a:solidFill>
+              </a:rPr>
+              <a:t>X</a:t>
+            </a:r>
+            <a:r>
+              <a:rPr lang="de-DE" sz="2000" dirty="0" smtClean="0"/>
+              <a:t> und </a:t>
+            </a:r>
+            <a:r>
+              <a:rPr lang="de-DE" sz="2000" dirty="0" smtClean="0">
+                <a:solidFill>
+                  <a:schemeClr val="tx2"/>
+                </a:solidFill>
+              </a:rPr>
+              <a:t>Y</a:t>
+            </a:r>
+            <a:r>
+              <a:rPr lang="de-DE" sz="2000" dirty="0" smtClean="0"/>
+              <a:t> zu programmieren,</a:t>
+            </a:r>
+            <a:br>
+              <a:rPr lang="de-DE" sz="2000" dirty="0" smtClean="0"/>
+            </a:br>
+            <a:r>
+              <a:rPr lang="de-DE" sz="2000" dirty="0" smtClean="0"/>
+              <a:t>ohne * direkt zu benutzen!</a:t>
+            </a:r>
+          </a:p>
+          <a:p>
+            <a:endParaRPr lang="de-DE" sz="2000" dirty="0"/>
+          </a:p>
+          <a:p>
+            <a:pPr marL="457200" indent="-457200">
+              <a:buFont typeface="+mj-lt"/>
+              <a:buAutoNum type="alphaLcPeriod"/>
+            </a:pPr>
+            <a:r>
+              <a:rPr lang="de-DE" sz="2000" dirty="0" smtClean="0"/>
+              <a:t>Benutzt eine </a:t>
+            </a:r>
+            <a:r>
+              <a:rPr lang="de-DE" sz="2000" u="sng" dirty="0" err="1" smtClean="0"/>
+              <a:t>for</a:t>
+            </a:r>
+            <a:r>
+              <a:rPr lang="de-DE" sz="2000" u="sng" dirty="0" smtClean="0"/>
+              <a:t>-Schleife</a:t>
+            </a:r>
+            <a:r>
+              <a:rPr lang="de-DE" sz="2000" dirty="0" smtClean="0"/>
+              <a:t> und speichert das Ergebnis in </a:t>
+            </a:r>
+            <a:r>
+              <a:rPr lang="de-DE" sz="2000" dirty="0" err="1" smtClean="0">
+                <a:solidFill>
+                  <a:schemeClr val="tx2"/>
+                </a:solidFill>
+              </a:rPr>
+              <a:t>produktA</a:t>
+            </a:r>
+            <a:endParaRPr lang="de-DE" sz="2000" dirty="0" smtClean="0">
+              <a:solidFill>
+                <a:schemeClr val="tx2"/>
+              </a:solidFill>
+            </a:endParaRPr>
+          </a:p>
+          <a:p>
+            <a:pPr marL="457200" indent="-457200">
+              <a:buFont typeface="+mj-lt"/>
+              <a:buAutoNum type="alphaLcPeriod"/>
+            </a:pPr>
+            <a:r>
+              <a:rPr lang="de-DE" sz="2000" dirty="0"/>
+              <a:t>Benutzt eine </a:t>
+            </a:r>
+            <a:r>
+              <a:rPr lang="de-DE" sz="2000" u="sng" dirty="0" err="1" smtClean="0"/>
+              <a:t>while</a:t>
+            </a:r>
+            <a:r>
+              <a:rPr lang="de-DE" sz="2000" u="sng" dirty="0" smtClean="0"/>
+              <a:t>-Schleife</a:t>
+            </a:r>
+            <a:r>
+              <a:rPr lang="de-DE" sz="2000" dirty="0" smtClean="0"/>
+              <a:t> </a:t>
+            </a:r>
+            <a:r>
+              <a:rPr lang="de-DE" sz="2000" dirty="0"/>
+              <a:t>und speichert das Ergebnis in </a:t>
+            </a:r>
+            <a:r>
+              <a:rPr lang="de-DE" sz="2000" dirty="0" err="1" smtClean="0">
+                <a:solidFill>
+                  <a:schemeClr val="tx2"/>
+                </a:solidFill>
+              </a:rPr>
+              <a:t>produktB</a:t>
+            </a:r>
+            <a:endParaRPr lang="de-DE" sz="2000" dirty="0">
+              <a:solidFill>
+                <a:schemeClr val="tx2"/>
+              </a:solidFill>
+            </a:endParaRPr>
+          </a:p>
+          <a:p>
+            <a:pPr marL="457200" indent="-457200">
+              <a:buFont typeface="+mj-lt"/>
+              <a:buAutoNum type="alphaLcPeriod"/>
+            </a:pPr>
+            <a:r>
+              <a:rPr lang="de-DE" sz="2000" dirty="0"/>
+              <a:t>Benutzt eine </a:t>
+            </a:r>
+            <a:r>
+              <a:rPr lang="de-DE" sz="2000" u="sng" dirty="0" smtClean="0"/>
+              <a:t>do-</a:t>
+            </a:r>
+            <a:r>
+              <a:rPr lang="de-DE" sz="2000" u="sng" dirty="0" err="1" smtClean="0"/>
+              <a:t>while</a:t>
+            </a:r>
+            <a:r>
+              <a:rPr lang="de-DE" sz="2000" u="sng" dirty="0" smtClean="0"/>
+              <a:t>-Schleife</a:t>
+            </a:r>
+            <a:r>
+              <a:rPr lang="de-DE" sz="2000" dirty="0" smtClean="0"/>
+              <a:t> </a:t>
+            </a:r>
+            <a:r>
+              <a:rPr lang="de-DE" sz="2000" dirty="0"/>
+              <a:t>und speichert das Ergebnis in </a:t>
+            </a:r>
+            <a:r>
+              <a:rPr lang="de-DE" sz="2000" dirty="0" err="1" smtClean="0">
+                <a:solidFill>
+                  <a:schemeClr val="tx2"/>
+                </a:solidFill>
+              </a:rPr>
+              <a:t>produktC</a:t>
+            </a:r>
+            <a:endParaRPr lang="de-DE" sz="2000" dirty="0">
+              <a:solidFill>
+                <a:schemeClr val="tx2"/>
+              </a:solidFill>
+            </a:endParaRPr>
+          </a:p>
+          <a:p>
+            <a:pPr marL="457200" indent="-457200">
+              <a:buFont typeface="+mj-lt"/>
+              <a:buAutoNum type="alphaLcPeriod"/>
+            </a:pPr>
+            <a:endParaRPr lang="de-DE" sz="2000" dirty="0" smtClean="0"/>
+          </a:p>
+        </p:txBody>
+      </p:sp>
+    </p:spTree>
+    <p:extLst>
+      <p:ext uri="{BB962C8B-B14F-4D97-AF65-F5344CB8AC3E}">
+        <p14:creationId xmlns:p14="http://schemas.microsoft.com/office/powerpoint/2010/main" val="121147199"/>
+      </p:ext>
+    </p:extLst>
+  </p:cSld>
+  <p:clrMapOvr>
+    <a:masterClrMapping/>
+  </p:clrMapOvr>
+  <mc:AlternateContent xmlns:mc="http://schemas.openxmlformats.org/markup-compatibility/2006" xmlns:p14="http://schemas.microsoft.com/office/powerpoint/2010/main">
+    <mc:Choice Requires="p14">
+      <p:transition spd="slow" p14:dur="800">
+        <p14:flythrough/>
+      </p:transition>
+    </mc:Choice>
+    <mc:Fallback xmlns="">
+      <p:transition spd="slow">
+        <p:fade/>
+      </p:transition>
+    </mc:Fallback>
+  </mc:AlternateContent>
+  <p:timing>
+    <p:tnLst>
+      <p:par>
+        <p:cTn id="1" dur="indefinite" restart="never" nodeType="tmRoot"/>
+      </p:par>
+    </p:tnLst>
+  </p:timing>
+</p:sld>
+</file>
+
 <file path=ppt/slides/slide4.xml><?xml version="1.0" encoding="utf-8"?>
 <p:sld xmlns:a="http://schemas.openxmlformats.org/drawingml/2006/main" xmlns:r="http://schemas.openxmlformats.org/officeDocument/2006/relationships" xmlns:p="http://schemas.openxmlformats.org/presentationml/2006/main">
   <p:cSld>
@@ -11938,17 +16781,7 @@
                   </a:schemeClr>
                 </a:solidFill>
               </a:rPr>
-              <a:t>Primitive </a:t>
-            </a:r>
-            <a:r>
-              <a:rPr lang="de-DE" sz="2000" smtClean="0">
-                <a:solidFill>
-                  <a:schemeClr val="bg1">
-                    <a:lumMod val="75000"/>
-                  </a:schemeClr>
-                </a:solidFill>
-              </a:rPr>
-              <a:t>Datentypen und Variablen</a:t>
+              <a:t>Primitive Datentypen und Variablen</a:t>
             </a:r>
             <a:endParaRPr lang="de-DE" sz="2000" dirty="0">
               <a:solidFill>
@@ -12774,17 +17607,7 @@
                   </a:schemeClr>
                 </a:solidFill>
               </a:rPr>
-              <a:t>Primitive </a:t>
-            </a:r>
-            <a:r>
-              <a:rPr lang="de-DE" sz="2000" smtClean="0">
-                <a:solidFill>
-                  <a:schemeClr val="bg1">
-                    <a:lumMod val="75000"/>
-                  </a:schemeClr>
-                </a:solidFill>
-              </a:rPr>
-              <a:t>Datentypen und Variablen</a:t>
+              <a:t>Primitive Datentypen und Variablen</a:t>
             </a:r>
             <a:endParaRPr lang="de-DE" sz="2000" dirty="0">
               <a:solidFill>
@@ -13044,7 +17867,6 @@
               <a:rPr lang="de-DE" sz="1600" dirty="0" smtClean="0"/>
               <a:t>Die Bedeutung des Programms</a:t>
             </a:r>
-            <a:endParaRPr lang="de-DE" sz="1600" dirty="0" smtClean="0"/>
           </a:p>
           <a:p>
             <a:pPr lvl="1">
@@ -13053,11 +17875,7 @@
             </a:pPr>
             <a:r>
               <a:rPr lang="de-DE" sz="1600" dirty="0" smtClean="0"/>
-              <a:t>Was macht das Programm</a:t>
-            </a:r>
-            <a:r>
-              <a:rPr lang="de-DE" sz="1600" dirty="0" smtClean="0"/>
-              <a:t>?</a:t>
+              <a:t>Was macht das Programm?</a:t>
             </a:r>
           </a:p>
           <a:p>
@@ -13078,7 +17896,6 @@
               <a:rPr lang="de-DE" sz="1600" dirty="0" smtClean="0"/>
               <a:t>Die Form des Programms</a:t>
             </a:r>
-            <a:endParaRPr lang="de-DE" sz="1600" dirty="0" smtClean="0"/>
           </a:p>
           <a:p>
             <a:pPr lvl="1">
@@ -13288,6 +18105,343 @@
                       </p:childTnLst>
                     </p:cTn>
                   </p:par>
+                  <p:par>
+                    <p:cTn id="11" fill="hold">
+                      <p:stCondLst>
+                        <p:cond delay="indefinite"/>
+                      </p:stCondLst>
+                      <p:childTnLst>
+                        <p:par>
+                          <p:cTn id="12" fill="hold">
+                            <p:stCondLst>
+                              <p:cond delay="0"/>
+                            </p:stCondLst>
+                            <p:childTnLst>
+                              <p:par>
+                                <p:cTn id="13" presetID="10" presetClass="entr" presetSubtype="0" fill="hold" nodeType="clickEffect">
+                                  <p:stCondLst>
+                                    <p:cond delay="0"/>
+                                  </p:stCondLst>
+                                  <p:childTnLst>
+                                    <p:set>
+                                      <p:cBhvr>
+                                        <p:cTn id="14" dur="1" fill="hold">
+                                          <p:stCondLst>
+                                            <p:cond delay="0"/>
+                                          </p:stCondLst>
+                                        </p:cTn>
+                                        <p:tgtEl>
+                                          <p:spTgt spid="3">
+                                            <p:txEl>
+                                              <p:pRg st="1" end="1"/>
+                                            </p:txEl>
+                                          </p:spTgt>
+                                        </p:tgtEl>
+                                        <p:attrNameLst>
+                                          <p:attrName>style.visibility</p:attrName>
+                                        </p:attrNameLst>
+                                      </p:cBhvr>
+                                      <p:to>
+                                        <p:strVal val="visible"/>
+                                      </p:to>
+                                    </p:set>
+                                    <p:animEffect transition="in" filter="fade">
+                                      <p:cBhvr>
+                                        <p:cTn id="15" dur="500"/>
+                                        <p:tgtEl>
+                                          <p:spTgt spid="3">
+                                            <p:txEl>
+                                              <p:pRg st="1" end="1"/>
+                                            </p:txEl>
+                                          </p:spTgt>
+                                        </p:tgtEl>
+                                      </p:cBhvr>
+                                    </p:animEffect>
+                                  </p:childTnLst>
+                                </p:cTn>
+                              </p:par>
+                              <p:par>
+                                <p:cTn id="16" presetID="10" presetClass="entr" presetSubtype="0" fill="hold" nodeType="withEffect">
+                                  <p:stCondLst>
+                                    <p:cond delay="0"/>
+                                  </p:stCondLst>
+                                  <p:childTnLst>
+                                    <p:set>
+                                      <p:cBhvr>
+                                        <p:cTn id="17" dur="1" fill="hold">
+                                          <p:stCondLst>
+                                            <p:cond delay="0"/>
+                                          </p:stCondLst>
+                                        </p:cTn>
+                                        <p:tgtEl>
+                                          <p:spTgt spid="3">
+                                            <p:txEl>
+                                              <p:pRg st="2" end="2"/>
+                                            </p:txEl>
+                                          </p:spTgt>
+                                        </p:tgtEl>
+                                        <p:attrNameLst>
+                                          <p:attrName>style.visibility</p:attrName>
+                                        </p:attrNameLst>
+                                      </p:cBhvr>
+                                      <p:to>
+                                        <p:strVal val="visible"/>
+                                      </p:to>
+                                    </p:set>
+                                    <p:animEffect transition="in" filter="fade">
+                                      <p:cBhvr>
+                                        <p:cTn id="18" dur="500"/>
+                                        <p:tgtEl>
+                                          <p:spTgt spid="3">
+                                            <p:txEl>
+                                              <p:pRg st="2" end="2"/>
+                                            </p:txEl>
+                                          </p:spTgt>
+                                        </p:tgtEl>
+                                      </p:cBhvr>
+                                    </p:animEffect>
+                                  </p:childTnLst>
+                                </p:cTn>
+                              </p:par>
+                              <p:par>
+                                <p:cTn id="19" presetID="10" presetClass="entr" presetSubtype="0" fill="hold" nodeType="withEffect">
+                                  <p:stCondLst>
+                                    <p:cond delay="0"/>
+                                  </p:stCondLst>
+                                  <p:childTnLst>
+                                    <p:set>
+                                      <p:cBhvr>
+                                        <p:cTn id="20" dur="1" fill="hold">
+                                          <p:stCondLst>
+                                            <p:cond delay="0"/>
+                                          </p:stCondLst>
+                                        </p:cTn>
+                                        <p:tgtEl>
+                                          <p:spTgt spid="3">
+                                            <p:txEl>
+                                              <p:pRg st="3" end="3"/>
+                                            </p:txEl>
+                                          </p:spTgt>
+                                        </p:tgtEl>
+                                        <p:attrNameLst>
+                                          <p:attrName>style.visibility</p:attrName>
+                                        </p:attrNameLst>
+                                      </p:cBhvr>
+                                      <p:to>
+                                        <p:strVal val="visible"/>
+                                      </p:to>
+                                    </p:set>
+                                    <p:animEffect transition="in" filter="fade">
+                                      <p:cBhvr>
+                                        <p:cTn id="21" dur="500"/>
+                                        <p:tgtEl>
+                                          <p:spTgt spid="3">
+                                            <p:txEl>
+                                              <p:pRg st="3" end="3"/>
+                                            </p:txEl>
+                                          </p:spTgt>
+                                        </p:tgtEl>
+                                      </p:cBhvr>
+                                    </p:animEffect>
+                                  </p:childTnLst>
+                                </p:cTn>
+                              </p:par>
+                            </p:childTnLst>
+                          </p:cTn>
+                        </p:par>
+                      </p:childTnLst>
+                    </p:cTn>
+                  </p:par>
+                  <p:par>
+                    <p:cTn id="22" fill="hold">
+                      <p:stCondLst>
+                        <p:cond delay="indefinite"/>
+                      </p:stCondLst>
+                      <p:childTnLst>
+                        <p:par>
+                          <p:cTn id="23" fill="hold">
+                            <p:stCondLst>
+                              <p:cond delay="0"/>
+                            </p:stCondLst>
+                            <p:childTnLst>
+                              <p:par>
+                                <p:cTn id="24" presetID="10" presetClass="entr" presetSubtype="0" fill="hold" nodeType="clickEffect">
+                                  <p:stCondLst>
+                                    <p:cond delay="0"/>
+                                  </p:stCondLst>
+                                  <p:childTnLst>
+                                    <p:set>
+                                      <p:cBhvr>
+                                        <p:cTn id="25" dur="1" fill="hold">
+                                          <p:stCondLst>
+                                            <p:cond delay="0"/>
+                                          </p:stCondLst>
+                                        </p:cTn>
+                                        <p:tgtEl>
+                                          <p:spTgt spid="3">
+                                            <p:txEl>
+                                              <p:pRg st="5" end="5"/>
+                                            </p:txEl>
+                                          </p:spTgt>
+                                        </p:tgtEl>
+                                        <p:attrNameLst>
+                                          <p:attrName>style.visibility</p:attrName>
+                                        </p:attrNameLst>
+                                      </p:cBhvr>
+                                      <p:to>
+                                        <p:strVal val="visible"/>
+                                      </p:to>
+                                    </p:set>
+                                    <p:animEffect transition="in" filter="fade">
+                                      <p:cBhvr>
+                                        <p:cTn id="26" dur="500"/>
+                                        <p:tgtEl>
+                                          <p:spTgt spid="3">
+                                            <p:txEl>
+                                              <p:pRg st="5" end="5"/>
+                                            </p:txEl>
+                                          </p:spTgt>
+                                        </p:tgtEl>
+                                      </p:cBhvr>
+                                    </p:animEffect>
+                                  </p:childTnLst>
+                                </p:cTn>
+                              </p:par>
+                              <p:par>
+                                <p:cTn id="27" presetID="10" presetClass="entr" presetSubtype="0" fill="hold" nodeType="withEffect">
+                                  <p:stCondLst>
+                                    <p:cond delay="0"/>
+                                  </p:stCondLst>
+                                  <p:childTnLst>
+                                    <p:set>
+                                      <p:cBhvr>
+                                        <p:cTn id="28" dur="1" fill="hold">
+                                          <p:stCondLst>
+                                            <p:cond delay="0"/>
+                                          </p:stCondLst>
+                                        </p:cTn>
+                                        <p:tgtEl>
+                                          <p:spTgt spid="3">
+                                            <p:txEl>
+                                              <p:pRg st="6" end="6"/>
+                                            </p:txEl>
+                                          </p:spTgt>
+                                        </p:tgtEl>
+                                        <p:attrNameLst>
+                                          <p:attrName>style.visibility</p:attrName>
+                                        </p:attrNameLst>
+                                      </p:cBhvr>
+                                      <p:to>
+                                        <p:strVal val="visible"/>
+                                      </p:to>
+                                    </p:set>
+                                    <p:animEffect transition="in" filter="fade">
+                                      <p:cBhvr>
+                                        <p:cTn id="29" dur="500"/>
+                                        <p:tgtEl>
+                                          <p:spTgt spid="3">
+                                            <p:txEl>
+                                              <p:pRg st="6" end="6"/>
+                                            </p:txEl>
+                                          </p:spTgt>
+                                        </p:tgtEl>
+                                      </p:cBhvr>
+                                    </p:animEffect>
+                                  </p:childTnLst>
+                                </p:cTn>
+                              </p:par>
+                              <p:par>
+                                <p:cTn id="30" presetID="10" presetClass="entr" presetSubtype="0" fill="hold" nodeType="withEffect">
+                                  <p:stCondLst>
+                                    <p:cond delay="0"/>
+                                  </p:stCondLst>
+                                  <p:childTnLst>
+                                    <p:set>
+                                      <p:cBhvr>
+                                        <p:cTn id="31" dur="1" fill="hold">
+                                          <p:stCondLst>
+                                            <p:cond delay="0"/>
+                                          </p:stCondLst>
+                                        </p:cTn>
+                                        <p:tgtEl>
+                                          <p:spTgt spid="3">
+                                            <p:txEl>
+                                              <p:pRg st="7" end="7"/>
+                                            </p:txEl>
+                                          </p:spTgt>
+                                        </p:tgtEl>
+                                        <p:attrNameLst>
+                                          <p:attrName>style.visibility</p:attrName>
+                                        </p:attrNameLst>
+                                      </p:cBhvr>
+                                      <p:to>
+                                        <p:strVal val="visible"/>
+                                      </p:to>
+                                    </p:set>
+                                    <p:animEffect transition="in" filter="fade">
+                                      <p:cBhvr>
+                                        <p:cTn id="32" dur="500"/>
+                                        <p:tgtEl>
+                                          <p:spTgt spid="3">
+                                            <p:txEl>
+                                              <p:pRg st="7" end="7"/>
+                                            </p:txEl>
+                                          </p:spTgt>
+                                        </p:tgtEl>
+                                      </p:cBhvr>
+                                    </p:animEffect>
+                                  </p:childTnLst>
+                                </p:cTn>
+                              </p:par>
+                              <p:par>
+                                <p:cTn id="33" presetID="10" presetClass="entr" presetSubtype="0" fill="hold" nodeType="withEffect">
+                                  <p:stCondLst>
+                                    <p:cond delay="0"/>
+                                  </p:stCondLst>
+                                  <p:childTnLst>
+                                    <p:set>
+                                      <p:cBhvr>
+                                        <p:cTn id="34" dur="1" fill="hold">
+                                          <p:stCondLst>
+                                            <p:cond delay="0"/>
+                                          </p:stCondLst>
+                                        </p:cTn>
+                                        <p:tgtEl>
+                                          <p:spTgt spid="3">
+                                            <p:txEl>
+                                              <p:pRg st="8" end="8"/>
+                                            </p:txEl>
+                                          </p:spTgt>
+                                        </p:tgtEl>
+                                        <p:attrNameLst>
+                                          <p:attrName>style.visibility</p:attrName>
+                                        </p:attrNameLst>
+                                      </p:cBhvr>
+                                      <p:to>
+                                        <p:strVal val="visible"/>
+                                      </p:to>
+                                    </p:set>
+                                    <p:animEffect transition="in" filter="fade">
+                                      <p:cBhvr>
+                                        <p:cTn id="35" dur="500"/>
+                                        <p:tgtEl>
+                                          <p:spTgt spid="3">
+                                            <p:txEl>
+                                              <p:pRg st="8" end="8"/>
+                                            </p:txEl>
+                                          </p:spTgt>
+                                        </p:tgtEl>
+                                      </p:cBhvr>
+                                    </p:animEffect>
+                                  </p:childTnLst>
+                                </p:cTn>
+                              </p:par>
+                            </p:childTnLst>
+                          </p:cTn>
+                        </p:par>
+                      </p:childTnLst>
+                    </p:cTn>
+                  </p:par>
                 </p:childTnLst>
               </p:cTn>
               <p:prevCondLst>
@@ -13409,11 +18563,6 @@
               </a:rPr>
               <a:t>Die Bedeutung des Programms</a:t>
             </a:r>
-            <a:endParaRPr lang="de-DE" sz="1600" dirty="0" smtClean="0">
-              <a:solidFill>
-                <a:srgbClr val="DDDDDD"/>
-              </a:solidFill>
-            </a:endParaRPr>
           </a:p>
           <a:p>
             <a:pPr lvl="1">
@@ -13426,15 +18575,7 @@
                   <a:srgbClr val="DDDDDD"/>
                 </a:solidFill>
               </a:rPr>
-              <a:t>Was macht das Programm</a:t>
-            </a:r>
-            <a:r>
-              <a:rPr lang="de-DE" sz="1600" dirty="0" smtClean="0">
-                <a:solidFill>
-                  <a:srgbClr val="DDDDDD"/>
-                </a:solidFill>
-              </a:rPr>
-              <a:t>?</a:t>
+              <a:t>Was macht das Programm?</a:t>
             </a:r>
           </a:p>
           <a:p>
@@ -13455,7 +18596,6 @@
               <a:rPr lang="de-DE" sz="1600" dirty="0" smtClean="0"/>
               <a:t>Die Form des Programms</a:t>
             </a:r>
-            <a:endParaRPr lang="de-DE" sz="1600" dirty="0" smtClean="0"/>
           </a:p>
           <a:p>
             <a:pPr lvl="1">

--- a/Präsentationen/Anfänger - Java mit NAO.pptx
+++ b/Präsentationen/Anfänger - Java mit NAO.pptx
@@ -5,7 +5,7 @@
     <p:sldMasterId id="2147483648" r:id="rId1"/>
   </p:sldMasterIdLst>
   <p:notesMasterIdLst>
-    <p:notesMasterId r:id="rId32"/>
+    <p:notesMasterId r:id="rId53"/>
   </p:notesMasterIdLst>
   <p:sldIdLst>
     <p:sldId id="288" r:id="rId2"/>
@@ -38,6 +38,27 @@
     <p:sldId id="310" r:id="rId29"/>
     <p:sldId id="311" r:id="rId30"/>
     <p:sldId id="312" r:id="rId31"/>
+    <p:sldId id="313" r:id="rId32"/>
+    <p:sldId id="314" r:id="rId33"/>
+    <p:sldId id="316" r:id="rId34"/>
+    <p:sldId id="315" r:id="rId35"/>
+    <p:sldId id="317" r:id="rId36"/>
+    <p:sldId id="318" r:id="rId37"/>
+    <p:sldId id="321" r:id="rId38"/>
+    <p:sldId id="320" r:id="rId39"/>
+    <p:sldId id="322" r:id="rId40"/>
+    <p:sldId id="319" r:id="rId41"/>
+    <p:sldId id="323" r:id="rId42"/>
+    <p:sldId id="324" r:id="rId43"/>
+    <p:sldId id="326" r:id="rId44"/>
+    <p:sldId id="327" r:id="rId45"/>
+    <p:sldId id="328" r:id="rId46"/>
+    <p:sldId id="329" r:id="rId47"/>
+    <p:sldId id="330" r:id="rId48"/>
+    <p:sldId id="331" r:id="rId49"/>
+    <p:sldId id="332" r:id="rId50"/>
+    <p:sldId id="325" r:id="rId51"/>
+    <p:sldId id="333" r:id="rId52"/>
   </p:sldIdLst>
   <p:sldSz cx="9144000" cy="5715000" type="screen16x10"/>
   <p:notesSz cx="6858000" cy="9144000"/>
@@ -237,7 +258,7 @@
           <a:p>
             <a:fld id="{CC55654B-D41D-4425-B58F-55C2DEAC0691}" type="datetimeFigureOut">
               <a:rPr lang="de-DE" smtClean="0"/>
-              <a:t>24.03.2017</a:t>
+              <a:t>31.03.2017</a:t>
             </a:fld>
             <a:endParaRPr lang="de-DE"/>
           </a:p>
@@ -1657,13 +1678,7 @@
               <a:rPr lang="de-DE" i="0" u="none" baseline="0" dirty="0" smtClean="0">
                 <a:sym typeface="Wingdings" panose="05000000000000000000" pitchFamily="2" charset="2"/>
               </a:rPr>
-              <a:t>Jeder Ganzzahl-Typ ist möglich aber bei den kleineren Datentypen kann es leichter zu „Overflows“ </a:t>
-            </a:r>
-            <a:r>
-              <a:rPr lang="de-DE" i="0" u="none" baseline="0" dirty="0" smtClean="0">
-                <a:sym typeface="Wingdings" panose="05000000000000000000" pitchFamily="2" charset="2"/>
-              </a:rPr>
-              <a:t>kommen</a:t>
+              <a:t>Jeder Ganzzahl-Typ ist möglich aber bei den kleineren Datentypen kann es leichter zu „Overflows“ kommen</a:t>
             </a:r>
           </a:p>
           <a:p>
@@ -1686,9 +1701,6 @@
               </a:rPr>
               <a:t>(Also die Operatoren) schreiben kann (Dies wurde nur ganz am Anfang einmal kurz in einem Beispielprogramm gezeigt)</a:t>
             </a:r>
-            <a:endParaRPr lang="de-DE" i="0" u="none" baseline="0" dirty="0" smtClean="0">
-              <a:sym typeface="Wingdings" panose="05000000000000000000" pitchFamily="2" charset="2"/>
-            </a:endParaRPr>
           </a:p>
         </p:txBody>
       </p:sp>
@@ -1907,13 +1919,7 @@
               <a:rPr lang="de-DE" i="0" u="none" baseline="0" dirty="0" smtClean="0">
                 <a:sym typeface="Wingdings" panose="05000000000000000000" pitchFamily="2" charset="2"/>
               </a:rPr>
-              <a:t>Finden die Schüler alle syntaktischen Fehler in diesem Code</a:t>
-            </a:r>
-            <a:r>
-              <a:rPr lang="de-DE" i="0" u="none" baseline="0" dirty="0" smtClean="0">
-                <a:sym typeface="Wingdings" panose="05000000000000000000" pitchFamily="2" charset="2"/>
-              </a:rPr>
-              <a:t>?</a:t>
+              <a:t>Finden die Schüler alle syntaktischen Fehler in diesem Code?</a:t>
             </a:r>
           </a:p>
           <a:p>
@@ -2570,9 +2576,6 @@
               </a:rPr>
               <a:t>Welches der Beispiele ist die bessere Lösung?</a:t>
             </a:r>
-            <a:endParaRPr lang="de-DE" i="0" u="none" baseline="0" dirty="0" smtClean="0">
-              <a:sym typeface="Wingdings" panose="05000000000000000000" pitchFamily="2" charset="2"/>
-            </a:endParaRPr>
           </a:p>
         </p:txBody>
       </p:sp>
@@ -2662,9 +2665,6 @@
               </a:rPr>
               <a:t>Wo ist der</a:t>
             </a:r>
-            <a:endParaRPr lang="de-DE" i="0" u="none" baseline="0" dirty="0" smtClean="0">
-              <a:sym typeface="Wingdings" panose="05000000000000000000" pitchFamily="2" charset="2"/>
-            </a:endParaRPr>
           </a:p>
         </p:txBody>
       </p:sp>
@@ -2754,9 +2754,6 @@
               </a:rPr>
               <a:t>Wo ist der</a:t>
             </a:r>
-            <a:endParaRPr lang="de-DE" i="0" u="none" baseline="0" dirty="0" smtClean="0">
-              <a:sym typeface="Wingdings" panose="05000000000000000000" pitchFamily="2" charset="2"/>
-            </a:endParaRPr>
           </a:p>
         </p:txBody>
       </p:sp>
@@ -3137,6 +3134,935 @@
 </p:notes>
 </file>
 
+<file path=ppt/notesSlides/notesSlide31.xml><?xml version="1.0" encoding="utf-8"?>
+<p:notes xmlns:a="http://schemas.openxmlformats.org/drawingml/2006/main" xmlns:r="http://schemas.openxmlformats.org/officeDocument/2006/relationships" xmlns:p="http://schemas.openxmlformats.org/presentationml/2006/main">
+  <p:cSld>
+    <p:spTree>
+      <p:nvGrpSpPr>
+        <p:cNvPr id="1" name=""/>
+        <p:cNvGrpSpPr/>
+        <p:nvPr/>
+      </p:nvGrpSpPr>
+      <p:grpSpPr>
+        <a:xfrm>
+          <a:off x="0" y="0"/>
+          <a:ext cx="0" cy="0"/>
+          <a:chOff x="0" y="0"/>
+          <a:chExt cx="0" cy="0"/>
+        </a:xfrm>
+      </p:grpSpPr>
+      <p:sp>
+        <p:nvSpPr>
+          <p:cNvPr id="2" name="Folienbildplatzhalter 1"/>
+          <p:cNvSpPr>
+            <a:spLocks noGrp="1" noRot="1" noChangeAspect="1"/>
+          </p:cNvSpPr>
+          <p:nvPr>
+            <p:ph type="sldImg"/>
+          </p:nvPr>
+        </p:nvSpPr>
+        <p:spPr/>
+      </p:sp>
+      <p:sp>
+        <p:nvSpPr>
+          <p:cNvPr id="3" name="Notizenplatzhalter 2"/>
+          <p:cNvSpPr>
+            <a:spLocks noGrp="1"/>
+          </p:cNvSpPr>
+          <p:nvPr>
+            <p:ph type="body" idx="1"/>
+          </p:nvPr>
+        </p:nvSpPr>
+        <p:spPr/>
+        <p:txBody>
+          <a:bodyPr/>
+          <a:lstStyle/>
+          <a:p>
+            <a:endParaRPr lang="de-DE" i="1" baseline="0" dirty="0" smtClean="0"/>
+          </a:p>
+        </p:txBody>
+      </p:sp>
+      <p:sp>
+        <p:nvSpPr>
+          <p:cNvPr id="4" name="Foliennummernplatzhalter 3"/>
+          <p:cNvSpPr>
+            <a:spLocks noGrp="1"/>
+          </p:cNvSpPr>
+          <p:nvPr>
+            <p:ph type="sldNum" sz="quarter" idx="10"/>
+          </p:nvPr>
+        </p:nvSpPr>
+        <p:spPr/>
+        <p:txBody>
+          <a:bodyPr/>
+          <a:lstStyle/>
+          <a:p>
+            <a:fld id="{16070E50-C463-4A5B-AC29-20274F3F33D2}" type="slidenum">
+              <a:rPr lang="de-DE" smtClean="0"/>
+              <a:t>31</a:t>
+            </a:fld>
+            <a:endParaRPr lang="de-DE"/>
+          </a:p>
+        </p:txBody>
+      </p:sp>
+    </p:spTree>
+    <p:extLst>
+      <p:ext uri="{BB962C8B-B14F-4D97-AF65-F5344CB8AC3E}">
+        <p14:creationId xmlns:p14="http://schemas.microsoft.com/office/powerpoint/2010/main" val="2004073472"/>
+      </p:ext>
+    </p:extLst>
+  </p:cSld>
+  <p:clrMapOvr>
+    <a:masterClrMapping/>
+  </p:clrMapOvr>
+</p:notes>
+</file>
+
+<file path=ppt/notesSlides/notesSlide32.xml><?xml version="1.0" encoding="utf-8"?>
+<p:notes xmlns:a="http://schemas.openxmlformats.org/drawingml/2006/main" xmlns:r="http://schemas.openxmlformats.org/officeDocument/2006/relationships" xmlns:p="http://schemas.openxmlformats.org/presentationml/2006/main">
+  <p:cSld>
+    <p:spTree>
+      <p:nvGrpSpPr>
+        <p:cNvPr id="1" name=""/>
+        <p:cNvGrpSpPr/>
+        <p:nvPr/>
+      </p:nvGrpSpPr>
+      <p:grpSpPr>
+        <a:xfrm>
+          <a:off x="0" y="0"/>
+          <a:ext cx="0" cy="0"/>
+          <a:chOff x="0" y="0"/>
+          <a:chExt cx="0" cy="0"/>
+        </a:xfrm>
+      </p:grpSpPr>
+      <p:sp>
+        <p:nvSpPr>
+          <p:cNvPr id="2" name="Folienbildplatzhalter 1"/>
+          <p:cNvSpPr>
+            <a:spLocks noGrp="1" noRot="1" noChangeAspect="1"/>
+          </p:cNvSpPr>
+          <p:nvPr>
+            <p:ph type="sldImg"/>
+          </p:nvPr>
+        </p:nvSpPr>
+        <p:spPr/>
+      </p:sp>
+      <p:sp>
+        <p:nvSpPr>
+          <p:cNvPr id="3" name="Notizenplatzhalter 2"/>
+          <p:cNvSpPr>
+            <a:spLocks noGrp="1"/>
+          </p:cNvSpPr>
+          <p:nvPr>
+            <p:ph type="body" idx="1"/>
+          </p:nvPr>
+        </p:nvSpPr>
+        <p:spPr/>
+        <p:txBody>
+          <a:bodyPr/>
+          <a:lstStyle/>
+          <a:p>
+            <a:r>
+              <a:rPr lang="de-DE" i="0" u="none" baseline="0" dirty="0" smtClean="0">
+                <a:sym typeface="Wingdings" panose="05000000000000000000" pitchFamily="2" charset="2"/>
+              </a:rPr>
+              <a:t>Links eine einfache Deklaration einer Klasse. Sie besitzt eine Eigenschaft und eine Aktion, welche wir uns gleich genauer anschauen.</a:t>
+            </a:r>
+          </a:p>
+          <a:p>
+            <a:r>
+              <a:rPr lang="de-DE" i="0" u="none" baseline="0" dirty="0" smtClean="0">
+                <a:sym typeface="Wingdings" panose="05000000000000000000" pitchFamily="2" charset="2"/>
+              </a:rPr>
+              <a:t>Rechts seht ihr die Deklaration eines Objektes dieser Klasse. Diese sieht genau so aus wie eine normale Variablendeklaration.</a:t>
+            </a:r>
+          </a:p>
+        </p:txBody>
+      </p:sp>
+      <p:sp>
+        <p:nvSpPr>
+          <p:cNvPr id="4" name="Foliennummernplatzhalter 3"/>
+          <p:cNvSpPr>
+            <a:spLocks noGrp="1"/>
+          </p:cNvSpPr>
+          <p:nvPr>
+            <p:ph type="sldNum" sz="quarter" idx="10"/>
+          </p:nvPr>
+        </p:nvSpPr>
+        <p:spPr/>
+        <p:txBody>
+          <a:bodyPr/>
+          <a:lstStyle/>
+          <a:p>
+            <a:fld id="{16070E50-C463-4A5B-AC29-20274F3F33D2}" type="slidenum">
+              <a:rPr lang="de-DE" smtClean="0"/>
+              <a:t>32</a:t>
+            </a:fld>
+            <a:endParaRPr lang="de-DE"/>
+          </a:p>
+        </p:txBody>
+      </p:sp>
+    </p:spTree>
+    <p:extLst>
+      <p:ext uri="{BB962C8B-B14F-4D97-AF65-F5344CB8AC3E}">
+        <p14:creationId xmlns:p14="http://schemas.microsoft.com/office/powerpoint/2010/main" val="4018029785"/>
+      </p:ext>
+    </p:extLst>
+  </p:cSld>
+  <p:clrMapOvr>
+    <a:masterClrMapping/>
+  </p:clrMapOvr>
+</p:notes>
+</file>
+
+<file path=ppt/notesSlides/notesSlide33.xml><?xml version="1.0" encoding="utf-8"?>
+<p:notes xmlns:a="http://schemas.openxmlformats.org/drawingml/2006/main" xmlns:r="http://schemas.openxmlformats.org/officeDocument/2006/relationships" xmlns:p="http://schemas.openxmlformats.org/presentationml/2006/main">
+  <p:cSld>
+    <p:spTree>
+      <p:nvGrpSpPr>
+        <p:cNvPr id="1" name=""/>
+        <p:cNvGrpSpPr/>
+        <p:nvPr/>
+      </p:nvGrpSpPr>
+      <p:grpSpPr>
+        <a:xfrm>
+          <a:off x="0" y="0"/>
+          <a:ext cx="0" cy="0"/>
+          <a:chOff x="0" y="0"/>
+          <a:chExt cx="0" cy="0"/>
+        </a:xfrm>
+      </p:grpSpPr>
+      <p:sp>
+        <p:nvSpPr>
+          <p:cNvPr id="2" name="Folienbildplatzhalter 1"/>
+          <p:cNvSpPr>
+            <a:spLocks noGrp="1" noRot="1" noChangeAspect="1"/>
+          </p:cNvSpPr>
+          <p:nvPr>
+            <p:ph type="sldImg"/>
+          </p:nvPr>
+        </p:nvSpPr>
+        <p:spPr/>
+      </p:sp>
+      <p:sp>
+        <p:nvSpPr>
+          <p:cNvPr id="3" name="Notizenplatzhalter 2"/>
+          <p:cNvSpPr>
+            <a:spLocks noGrp="1"/>
+          </p:cNvSpPr>
+          <p:nvPr>
+            <p:ph type="body" idx="1"/>
+          </p:nvPr>
+        </p:nvSpPr>
+        <p:spPr/>
+        <p:txBody>
+          <a:bodyPr/>
+          <a:lstStyle/>
+          <a:p>
+            <a:r>
+              <a:rPr lang="de-DE" i="0" u="none" baseline="0" dirty="0" smtClean="0">
+                <a:sym typeface="Wingdings" panose="05000000000000000000" pitchFamily="2" charset="2"/>
+              </a:rPr>
+              <a:t>Während bei primitiven Datentypen festgelegte Werte für Variablen existieren,</a:t>
+            </a:r>
+          </a:p>
+          <a:p>
+            <a:r>
+              <a:rPr lang="de-DE" i="0" u="none" baseline="0" dirty="0" smtClean="0">
+                <a:sym typeface="Wingdings" panose="05000000000000000000" pitchFamily="2" charset="2"/>
+              </a:rPr>
+              <a:t>ist jedes Objektes einzigartig.</a:t>
+            </a:r>
+          </a:p>
+          <a:p>
+            <a:r>
+              <a:rPr lang="de-DE" i="0" u="none" baseline="0" dirty="0" smtClean="0">
+                <a:sym typeface="Wingdings" panose="05000000000000000000" pitchFamily="2" charset="2"/>
+              </a:rPr>
+              <a:t>Man erstellt ein neues Objekt indem man „</a:t>
+            </a:r>
+            <a:r>
+              <a:rPr lang="de-DE" i="0" u="none" baseline="0" dirty="0" err="1" smtClean="0">
+                <a:sym typeface="Wingdings" panose="05000000000000000000" pitchFamily="2" charset="2"/>
+              </a:rPr>
+              <a:t>new</a:t>
+            </a:r>
+            <a:r>
+              <a:rPr lang="de-DE" i="0" u="none" baseline="0" dirty="0" smtClean="0">
+                <a:sym typeface="Wingdings" panose="05000000000000000000" pitchFamily="2" charset="2"/>
+              </a:rPr>
+              <a:t> &lt;Klassenname&gt;()“ als Wert für das Objekt angibt.</a:t>
+            </a:r>
+          </a:p>
+          <a:p>
+            <a:r>
+              <a:rPr lang="de-DE" i="0" u="none" baseline="0" dirty="0" smtClean="0">
+                <a:sym typeface="Wingdings" panose="05000000000000000000" pitchFamily="2" charset="2"/>
+              </a:rPr>
+              <a:t>Man kann jetzt über das Objekt die Eigenschaften des Objektes verändern und das Objekt Aktionen ausführen lassen.</a:t>
+            </a:r>
+          </a:p>
+          <a:p>
+            <a:r>
+              <a:rPr lang="de-DE" i="0" u="none" baseline="0" dirty="0" smtClean="0">
+                <a:sym typeface="Wingdings" panose="05000000000000000000" pitchFamily="2" charset="2"/>
+              </a:rPr>
+              <a:t>Wie genau das geht sehen wir wenn wir jetzt über Attribute und Methoden sprechen,</a:t>
+            </a:r>
+          </a:p>
+          <a:p>
+            <a:r>
+              <a:rPr lang="de-DE" i="0" u="none" baseline="0" dirty="0" smtClean="0">
+                <a:sym typeface="Wingdings" panose="05000000000000000000" pitchFamily="2" charset="2"/>
+              </a:rPr>
+              <a:t>denn Attribute und Methoden…</a:t>
+            </a:r>
+          </a:p>
+          <a:p>
+            <a:endParaRPr lang="de-DE" i="0" u="none" baseline="0" dirty="0" smtClean="0">
+              <a:sym typeface="Wingdings" panose="05000000000000000000" pitchFamily="2" charset="2"/>
+            </a:endParaRPr>
+          </a:p>
+        </p:txBody>
+      </p:sp>
+      <p:sp>
+        <p:nvSpPr>
+          <p:cNvPr id="4" name="Foliennummernplatzhalter 3"/>
+          <p:cNvSpPr>
+            <a:spLocks noGrp="1"/>
+          </p:cNvSpPr>
+          <p:nvPr>
+            <p:ph type="sldNum" sz="quarter" idx="10"/>
+          </p:nvPr>
+        </p:nvSpPr>
+        <p:spPr/>
+        <p:txBody>
+          <a:bodyPr/>
+          <a:lstStyle/>
+          <a:p>
+            <a:fld id="{16070E50-C463-4A5B-AC29-20274F3F33D2}" type="slidenum">
+              <a:rPr lang="de-DE" smtClean="0"/>
+              <a:t>33</a:t>
+            </a:fld>
+            <a:endParaRPr lang="de-DE"/>
+          </a:p>
+        </p:txBody>
+      </p:sp>
+    </p:spTree>
+    <p:extLst>
+      <p:ext uri="{BB962C8B-B14F-4D97-AF65-F5344CB8AC3E}">
+        <p14:creationId xmlns:p14="http://schemas.microsoft.com/office/powerpoint/2010/main" val="844798573"/>
+      </p:ext>
+    </p:extLst>
+  </p:cSld>
+  <p:clrMapOvr>
+    <a:masterClrMapping/>
+  </p:clrMapOvr>
+</p:notes>
+</file>
+
+<file path=ppt/notesSlides/notesSlide34.xml><?xml version="1.0" encoding="utf-8"?>
+<p:notes xmlns:a="http://schemas.openxmlformats.org/drawingml/2006/main" xmlns:r="http://schemas.openxmlformats.org/officeDocument/2006/relationships" xmlns:p="http://schemas.openxmlformats.org/presentationml/2006/main">
+  <p:cSld>
+    <p:spTree>
+      <p:nvGrpSpPr>
+        <p:cNvPr id="1" name=""/>
+        <p:cNvGrpSpPr/>
+        <p:nvPr/>
+      </p:nvGrpSpPr>
+      <p:grpSpPr>
+        <a:xfrm>
+          <a:off x="0" y="0"/>
+          <a:ext cx="0" cy="0"/>
+          <a:chOff x="0" y="0"/>
+          <a:chExt cx="0" cy="0"/>
+        </a:xfrm>
+      </p:grpSpPr>
+      <p:sp>
+        <p:nvSpPr>
+          <p:cNvPr id="2" name="Folienbildplatzhalter 1"/>
+          <p:cNvSpPr>
+            <a:spLocks noGrp="1" noRot="1" noChangeAspect="1"/>
+          </p:cNvSpPr>
+          <p:nvPr>
+            <p:ph type="sldImg"/>
+          </p:nvPr>
+        </p:nvSpPr>
+        <p:spPr/>
+      </p:sp>
+      <p:sp>
+        <p:nvSpPr>
+          <p:cNvPr id="3" name="Notizenplatzhalter 2"/>
+          <p:cNvSpPr>
+            <a:spLocks noGrp="1"/>
+          </p:cNvSpPr>
+          <p:nvPr>
+            <p:ph type="body" idx="1"/>
+          </p:nvPr>
+        </p:nvSpPr>
+        <p:spPr/>
+        <p:txBody>
+          <a:bodyPr/>
+          <a:lstStyle/>
+          <a:p>
+            <a:r>
+              <a:rPr lang="de-DE" i="0" u="none" baseline="0" dirty="0" smtClean="0">
+                <a:sym typeface="Wingdings" panose="05000000000000000000" pitchFamily="2" charset="2"/>
+              </a:rPr>
+              <a:t>…nennt man die Eigenschaften, die die Klasse ihren Objekten vorgibt und</a:t>
+            </a:r>
+          </a:p>
+          <a:p>
+            <a:r>
+              <a:rPr lang="de-DE" i="0" u="none" baseline="0" dirty="0" smtClean="0">
+                <a:sym typeface="Wingdings" panose="05000000000000000000" pitchFamily="2" charset="2"/>
+              </a:rPr>
+              <a:t>die Aktionen die man Objekte der Klasse ausführen lassen kann.</a:t>
+            </a:r>
+          </a:p>
+        </p:txBody>
+      </p:sp>
+      <p:sp>
+        <p:nvSpPr>
+          <p:cNvPr id="4" name="Foliennummernplatzhalter 3"/>
+          <p:cNvSpPr>
+            <a:spLocks noGrp="1"/>
+          </p:cNvSpPr>
+          <p:nvPr>
+            <p:ph type="sldNum" sz="quarter" idx="10"/>
+          </p:nvPr>
+        </p:nvSpPr>
+        <p:spPr/>
+        <p:txBody>
+          <a:bodyPr/>
+          <a:lstStyle/>
+          <a:p>
+            <a:fld id="{16070E50-C463-4A5B-AC29-20274F3F33D2}" type="slidenum">
+              <a:rPr lang="de-DE" smtClean="0"/>
+              <a:t>34</a:t>
+            </a:fld>
+            <a:endParaRPr lang="de-DE"/>
+          </a:p>
+        </p:txBody>
+      </p:sp>
+    </p:spTree>
+    <p:extLst>
+      <p:ext uri="{BB962C8B-B14F-4D97-AF65-F5344CB8AC3E}">
+        <p14:creationId xmlns:p14="http://schemas.microsoft.com/office/powerpoint/2010/main" val="6589274"/>
+      </p:ext>
+    </p:extLst>
+  </p:cSld>
+  <p:clrMapOvr>
+    <a:masterClrMapping/>
+  </p:clrMapOvr>
+</p:notes>
+</file>
+
+<file path=ppt/notesSlides/notesSlide35.xml><?xml version="1.0" encoding="utf-8"?>
+<p:notes xmlns:a="http://schemas.openxmlformats.org/drawingml/2006/main" xmlns:r="http://schemas.openxmlformats.org/officeDocument/2006/relationships" xmlns:p="http://schemas.openxmlformats.org/presentationml/2006/main">
+  <p:cSld>
+    <p:spTree>
+      <p:nvGrpSpPr>
+        <p:cNvPr id="1" name=""/>
+        <p:cNvGrpSpPr/>
+        <p:nvPr/>
+      </p:nvGrpSpPr>
+      <p:grpSpPr>
+        <a:xfrm>
+          <a:off x="0" y="0"/>
+          <a:ext cx="0" cy="0"/>
+          <a:chOff x="0" y="0"/>
+          <a:chExt cx="0" cy="0"/>
+        </a:xfrm>
+      </p:grpSpPr>
+      <p:sp>
+        <p:nvSpPr>
+          <p:cNvPr id="2" name="Folienbildplatzhalter 1"/>
+          <p:cNvSpPr>
+            <a:spLocks noGrp="1" noRot="1" noChangeAspect="1"/>
+          </p:cNvSpPr>
+          <p:nvPr>
+            <p:ph type="sldImg"/>
+          </p:nvPr>
+        </p:nvSpPr>
+        <p:spPr/>
+      </p:sp>
+      <p:sp>
+        <p:nvSpPr>
+          <p:cNvPr id="3" name="Notizenplatzhalter 2"/>
+          <p:cNvSpPr>
+            <a:spLocks noGrp="1"/>
+          </p:cNvSpPr>
+          <p:nvPr>
+            <p:ph type="body" idx="1"/>
+          </p:nvPr>
+        </p:nvSpPr>
+        <p:spPr/>
+        <p:txBody>
+          <a:bodyPr/>
+          <a:lstStyle/>
+          <a:p>
+            <a:r>
+              <a:rPr lang="de-DE" i="0" u="none" baseline="0" dirty="0" smtClean="0">
+                <a:sym typeface="Wingdings" panose="05000000000000000000" pitchFamily="2" charset="2"/>
+              </a:rPr>
+              <a:t>Durch den Punkt nach einem Objekt erhält man Zugriff auf die Attribute und Methoden eines Objektes</a:t>
+            </a:r>
+          </a:p>
+        </p:txBody>
+      </p:sp>
+      <p:sp>
+        <p:nvSpPr>
+          <p:cNvPr id="4" name="Foliennummernplatzhalter 3"/>
+          <p:cNvSpPr>
+            <a:spLocks noGrp="1"/>
+          </p:cNvSpPr>
+          <p:nvPr>
+            <p:ph type="sldNum" sz="quarter" idx="10"/>
+          </p:nvPr>
+        </p:nvSpPr>
+        <p:spPr/>
+        <p:txBody>
+          <a:bodyPr/>
+          <a:lstStyle/>
+          <a:p>
+            <a:fld id="{16070E50-C463-4A5B-AC29-20274F3F33D2}" type="slidenum">
+              <a:rPr lang="de-DE" smtClean="0"/>
+              <a:t>35</a:t>
+            </a:fld>
+            <a:endParaRPr lang="de-DE"/>
+          </a:p>
+        </p:txBody>
+      </p:sp>
+    </p:spTree>
+    <p:extLst>
+      <p:ext uri="{BB962C8B-B14F-4D97-AF65-F5344CB8AC3E}">
+        <p14:creationId xmlns:p14="http://schemas.microsoft.com/office/powerpoint/2010/main" val="2991303682"/>
+      </p:ext>
+    </p:extLst>
+  </p:cSld>
+  <p:clrMapOvr>
+    <a:masterClrMapping/>
+  </p:clrMapOvr>
+</p:notes>
+</file>
+
+<file path=ppt/notesSlides/notesSlide36.xml><?xml version="1.0" encoding="utf-8"?>
+<p:notes xmlns:a="http://schemas.openxmlformats.org/drawingml/2006/main" xmlns:r="http://schemas.openxmlformats.org/officeDocument/2006/relationships" xmlns:p="http://schemas.openxmlformats.org/presentationml/2006/main">
+  <p:cSld>
+    <p:spTree>
+      <p:nvGrpSpPr>
+        <p:cNvPr id="1" name=""/>
+        <p:cNvGrpSpPr/>
+        <p:nvPr/>
+      </p:nvGrpSpPr>
+      <p:grpSpPr>
+        <a:xfrm>
+          <a:off x="0" y="0"/>
+          <a:ext cx="0" cy="0"/>
+          <a:chOff x="0" y="0"/>
+          <a:chExt cx="0" cy="0"/>
+        </a:xfrm>
+      </p:grpSpPr>
+      <p:sp>
+        <p:nvSpPr>
+          <p:cNvPr id="2" name="Folienbildplatzhalter 1"/>
+          <p:cNvSpPr>
+            <a:spLocks noGrp="1" noRot="1" noChangeAspect="1"/>
+          </p:cNvSpPr>
+          <p:nvPr>
+            <p:ph type="sldImg"/>
+          </p:nvPr>
+        </p:nvSpPr>
+        <p:spPr/>
+      </p:sp>
+      <p:sp>
+        <p:nvSpPr>
+          <p:cNvPr id="3" name="Notizenplatzhalter 2"/>
+          <p:cNvSpPr>
+            <a:spLocks noGrp="1"/>
+          </p:cNvSpPr>
+          <p:nvPr>
+            <p:ph type="body" idx="1"/>
+          </p:nvPr>
+        </p:nvSpPr>
+        <p:spPr/>
+        <p:txBody>
+          <a:bodyPr/>
+          <a:lstStyle/>
+          <a:p>
+            <a:r>
+              <a:rPr lang="de-DE" i="0" u="none" baseline="0" dirty="0" smtClean="0">
+                <a:sym typeface="Wingdings" panose="05000000000000000000" pitchFamily="2" charset="2"/>
+              </a:rPr>
+              <a:t>Wenn ein Objekt gleich einem anderen gesetzt wird </a:t>
+            </a:r>
+            <a:r>
+              <a:rPr lang="de-DE" i="0" u="none" baseline="0" dirty="0" err="1" smtClean="0">
+                <a:sym typeface="Wingdings" panose="05000000000000000000" pitchFamily="2" charset="2"/>
+              </a:rPr>
+              <a:t>wird</a:t>
+            </a:r>
+            <a:r>
+              <a:rPr lang="de-DE" i="0" u="none" baseline="0" dirty="0" smtClean="0">
+                <a:sym typeface="Wingdings" panose="05000000000000000000" pitchFamily="2" charset="2"/>
+              </a:rPr>
+              <a:t> kein neues erzeugt. Deshalb spielt es keine Rolle ob wir im zweiten Beispiel</a:t>
+            </a:r>
+          </a:p>
+          <a:p>
+            <a:r>
+              <a:rPr lang="de-DE" i="0" u="none" baseline="0" dirty="0" smtClean="0">
+                <a:sym typeface="Wingdings" panose="05000000000000000000" pitchFamily="2" charset="2"/>
+              </a:rPr>
+              <a:t>das </a:t>
+            </a:r>
+            <a:r>
+              <a:rPr lang="de-DE" i="0" u="none" baseline="0" dirty="0" err="1" smtClean="0">
+                <a:sym typeface="Wingdings" panose="05000000000000000000" pitchFamily="2" charset="2"/>
+              </a:rPr>
+              <a:t>ganzzahlAttribut</a:t>
+            </a:r>
+            <a:r>
+              <a:rPr lang="de-DE" i="0" u="none" baseline="0" dirty="0" smtClean="0">
+                <a:sym typeface="Wingdings" panose="05000000000000000000" pitchFamily="2" charset="2"/>
+              </a:rPr>
+              <a:t> von eins oder von zwei verändern. Beide Variablen enthalten das „selbe“ Objekt.</a:t>
+            </a:r>
+          </a:p>
+          <a:p>
+            <a:r>
+              <a:rPr lang="de-DE" i="0" u="none" baseline="0" dirty="0" smtClean="0">
+                <a:sym typeface="Wingdings" panose="05000000000000000000" pitchFamily="2" charset="2"/>
+              </a:rPr>
+              <a:t>Neue Objekte werden nur durch den </a:t>
+            </a:r>
+            <a:r>
+              <a:rPr lang="de-DE" i="0" u="none" baseline="0" dirty="0" err="1" smtClean="0">
+                <a:sym typeface="Wingdings" panose="05000000000000000000" pitchFamily="2" charset="2"/>
+              </a:rPr>
+              <a:t>new</a:t>
+            </a:r>
+            <a:r>
+              <a:rPr lang="de-DE" i="0" u="none" baseline="0" dirty="0" smtClean="0">
+                <a:sym typeface="Wingdings" panose="05000000000000000000" pitchFamily="2" charset="2"/>
+              </a:rPr>
+              <a:t>-Operator erzeugt!</a:t>
+            </a:r>
+          </a:p>
+        </p:txBody>
+      </p:sp>
+      <p:sp>
+        <p:nvSpPr>
+          <p:cNvPr id="4" name="Foliennummernplatzhalter 3"/>
+          <p:cNvSpPr>
+            <a:spLocks noGrp="1"/>
+          </p:cNvSpPr>
+          <p:nvPr>
+            <p:ph type="sldNum" sz="quarter" idx="10"/>
+          </p:nvPr>
+        </p:nvSpPr>
+        <p:spPr/>
+        <p:txBody>
+          <a:bodyPr/>
+          <a:lstStyle/>
+          <a:p>
+            <a:fld id="{16070E50-C463-4A5B-AC29-20274F3F33D2}" type="slidenum">
+              <a:rPr lang="de-DE" smtClean="0"/>
+              <a:t>36</a:t>
+            </a:fld>
+            <a:endParaRPr lang="de-DE"/>
+          </a:p>
+        </p:txBody>
+      </p:sp>
+    </p:spTree>
+    <p:extLst>
+      <p:ext uri="{BB962C8B-B14F-4D97-AF65-F5344CB8AC3E}">
+        <p14:creationId xmlns:p14="http://schemas.microsoft.com/office/powerpoint/2010/main" val="2406195495"/>
+      </p:ext>
+    </p:extLst>
+  </p:cSld>
+  <p:clrMapOvr>
+    <a:masterClrMapping/>
+  </p:clrMapOvr>
+</p:notes>
+</file>
+
+<file path=ppt/notesSlides/notesSlide37.xml><?xml version="1.0" encoding="utf-8"?>
+<p:notes xmlns:a="http://schemas.openxmlformats.org/drawingml/2006/main" xmlns:r="http://schemas.openxmlformats.org/officeDocument/2006/relationships" xmlns:p="http://schemas.openxmlformats.org/presentationml/2006/main">
+  <p:cSld>
+    <p:spTree>
+      <p:nvGrpSpPr>
+        <p:cNvPr id="1" name=""/>
+        <p:cNvGrpSpPr/>
+        <p:nvPr/>
+      </p:nvGrpSpPr>
+      <p:grpSpPr>
+        <a:xfrm>
+          <a:off x="0" y="0"/>
+          <a:ext cx="0" cy="0"/>
+          <a:chOff x="0" y="0"/>
+          <a:chExt cx="0" cy="0"/>
+        </a:xfrm>
+      </p:grpSpPr>
+      <p:sp>
+        <p:nvSpPr>
+          <p:cNvPr id="2" name="Folienbildplatzhalter 1"/>
+          <p:cNvSpPr>
+            <a:spLocks noGrp="1" noRot="1" noChangeAspect="1"/>
+          </p:cNvSpPr>
+          <p:nvPr>
+            <p:ph type="sldImg"/>
+          </p:nvPr>
+        </p:nvSpPr>
+        <p:spPr/>
+      </p:sp>
+      <p:sp>
+        <p:nvSpPr>
+          <p:cNvPr id="3" name="Notizenplatzhalter 2"/>
+          <p:cNvSpPr>
+            <a:spLocks noGrp="1"/>
+          </p:cNvSpPr>
+          <p:nvPr>
+            <p:ph type="body" idx="1"/>
+          </p:nvPr>
+        </p:nvSpPr>
+        <p:spPr/>
+        <p:txBody>
+          <a:bodyPr/>
+          <a:lstStyle/>
+          <a:p>
+            <a:endParaRPr lang="de-DE" i="1" baseline="0" dirty="0" smtClean="0"/>
+          </a:p>
+        </p:txBody>
+      </p:sp>
+      <p:sp>
+        <p:nvSpPr>
+          <p:cNvPr id="4" name="Foliennummernplatzhalter 3"/>
+          <p:cNvSpPr>
+            <a:spLocks noGrp="1"/>
+          </p:cNvSpPr>
+          <p:nvPr>
+            <p:ph type="sldNum" sz="quarter" idx="10"/>
+          </p:nvPr>
+        </p:nvSpPr>
+        <p:spPr/>
+        <p:txBody>
+          <a:bodyPr/>
+          <a:lstStyle/>
+          <a:p>
+            <a:fld id="{16070E50-C463-4A5B-AC29-20274F3F33D2}" type="slidenum">
+              <a:rPr lang="de-DE" smtClean="0"/>
+              <a:t>37</a:t>
+            </a:fld>
+            <a:endParaRPr lang="de-DE"/>
+          </a:p>
+        </p:txBody>
+      </p:sp>
+    </p:spTree>
+    <p:extLst>
+      <p:ext uri="{BB962C8B-B14F-4D97-AF65-F5344CB8AC3E}">
+        <p14:creationId xmlns:p14="http://schemas.microsoft.com/office/powerpoint/2010/main" val="256478923"/>
+      </p:ext>
+    </p:extLst>
+  </p:cSld>
+  <p:clrMapOvr>
+    <a:masterClrMapping/>
+  </p:clrMapOvr>
+</p:notes>
+</file>
+
+<file path=ppt/notesSlides/notesSlide38.xml><?xml version="1.0" encoding="utf-8"?>
+<p:notes xmlns:a="http://schemas.openxmlformats.org/drawingml/2006/main" xmlns:r="http://schemas.openxmlformats.org/officeDocument/2006/relationships" xmlns:p="http://schemas.openxmlformats.org/presentationml/2006/main">
+  <p:cSld>
+    <p:spTree>
+      <p:nvGrpSpPr>
+        <p:cNvPr id="1" name=""/>
+        <p:cNvGrpSpPr/>
+        <p:nvPr/>
+      </p:nvGrpSpPr>
+      <p:grpSpPr>
+        <a:xfrm>
+          <a:off x="0" y="0"/>
+          <a:ext cx="0" cy="0"/>
+          <a:chOff x="0" y="0"/>
+          <a:chExt cx="0" cy="0"/>
+        </a:xfrm>
+      </p:grpSpPr>
+      <p:sp>
+        <p:nvSpPr>
+          <p:cNvPr id="2" name="Folienbildplatzhalter 1"/>
+          <p:cNvSpPr>
+            <a:spLocks noGrp="1" noRot="1" noChangeAspect="1"/>
+          </p:cNvSpPr>
+          <p:nvPr>
+            <p:ph type="sldImg"/>
+          </p:nvPr>
+        </p:nvSpPr>
+        <p:spPr/>
+      </p:sp>
+      <p:sp>
+        <p:nvSpPr>
+          <p:cNvPr id="3" name="Notizenplatzhalter 2"/>
+          <p:cNvSpPr>
+            <a:spLocks noGrp="1"/>
+          </p:cNvSpPr>
+          <p:nvPr>
+            <p:ph type="body" idx="1"/>
+          </p:nvPr>
+        </p:nvSpPr>
+        <p:spPr/>
+        <p:txBody>
+          <a:bodyPr/>
+          <a:lstStyle/>
+          <a:p>
+            <a:endParaRPr lang="de-DE" i="0" u="none" baseline="0" dirty="0" smtClean="0">
+              <a:sym typeface="Wingdings" panose="05000000000000000000" pitchFamily="2" charset="2"/>
+            </a:endParaRPr>
+          </a:p>
+        </p:txBody>
+      </p:sp>
+      <p:sp>
+        <p:nvSpPr>
+          <p:cNvPr id="4" name="Foliennummernplatzhalter 3"/>
+          <p:cNvSpPr>
+            <a:spLocks noGrp="1"/>
+          </p:cNvSpPr>
+          <p:nvPr>
+            <p:ph type="sldNum" sz="quarter" idx="10"/>
+          </p:nvPr>
+        </p:nvSpPr>
+        <p:spPr/>
+        <p:txBody>
+          <a:bodyPr/>
+          <a:lstStyle/>
+          <a:p>
+            <a:fld id="{16070E50-C463-4A5B-AC29-20274F3F33D2}" type="slidenum">
+              <a:rPr lang="de-DE" smtClean="0"/>
+              <a:t>38</a:t>
+            </a:fld>
+            <a:endParaRPr lang="de-DE"/>
+          </a:p>
+        </p:txBody>
+      </p:sp>
+    </p:spTree>
+    <p:extLst>
+      <p:ext uri="{BB962C8B-B14F-4D97-AF65-F5344CB8AC3E}">
+        <p14:creationId xmlns:p14="http://schemas.microsoft.com/office/powerpoint/2010/main" val="508040793"/>
+      </p:ext>
+    </p:extLst>
+  </p:cSld>
+  <p:clrMapOvr>
+    <a:masterClrMapping/>
+  </p:clrMapOvr>
+</p:notes>
+</file>
+
+<file path=ppt/notesSlides/notesSlide39.xml><?xml version="1.0" encoding="utf-8"?>
+<p:notes xmlns:a="http://schemas.openxmlformats.org/drawingml/2006/main" xmlns:r="http://schemas.openxmlformats.org/officeDocument/2006/relationships" xmlns:p="http://schemas.openxmlformats.org/presentationml/2006/main">
+  <p:cSld>
+    <p:spTree>
+      <p:nvGrpSpPr>
+        <p:cNvPr id="1" name=""/>
+        <p:cNvGrpSpPr/>
+        <p:nvPr/>
+      </p:nvGrpSpPr>
+      <p:grpSpPr>
+        <a:xfrm>
+          <a:off x="0" y="0"/>
+          <a:ext cx="0" cy="0"/>
+          <a:chOff x="0" y="0"/>
+          <a:chExt cx="0" cy="0"/>
+        </a:xfrm>
+      </p:grpSpPr>
+      <p:sp>
+        <p:nvSpPr>
+          <p:cNvPr id="2" name="Folienbildplatzhalter 1"/>
+          <p:cNvSpPr>
+            <a:spLocks noGrp="1" noRot="1" noChangeAspect="1"/>
+          </p:cNvSpPr>
+          <p:nvPr>
+            <p:ph type="sldImg"/>
+          </p:nvPr>
+        </p:nvSpPr>
+        <p:spPr/>
+      </p:sp>
+      <p:sp>
+        <p:nvSpPr>
+          <p:cNvPr id="3" name="Notizenplatzhalter 2"/>
+          <p:cNvSpPr>
+            <a:spLocks noGrp="1"/>
+          </p:cNvSpPr>
+          <p:nvPr>
+            <p:ph type="body" idx="1"/>
+          </p:nvPr>
+        </p:nvSpPr>
+        <p:spPr/>
+        <p:txBody>
+          <a:bodyPr/>
+          <a:lstStyle/>
+          <a:p>
+            <a:r>
+              <a:rPr lang="de-DE" i="0" u="none" baseline="0" dirty="0" smtClean="0">
+                <a:sym typeface="Wingdings" panose="05000000000000000000" pitchFamily="2" charset="2"/>
+              </a:rPr>
+              <a:t>Klassennamen und Konstanten sind außerdem meistens Nomen,</a:t>
+            </a:r>
+          </a:p>
+          <a:p>
+            <a:r>
+              <a:rPr lang="de-DE" i="0" u="none" baseline="0" dirty="0" smtClean="0">
+                <a:sym typeface="Wingdings" panose="05000000000000000000" pitchFamily="2" charset="2"/>
+              </a:rPr>
+              <a:t>während Variablen und Attribute Adjektive</a:t>
+            </a:r>
+          </a:p>
+          <a:p>
+            <a:r>
+              <a:rPr lang="de-DE" i="0" u="none" baseline="0" dirty="0" smtClean="0">
+                <a:sym typeface="Wingdings" panose="05000000000000000000" pitchFamily="2" charset="2"/>
+              </a:rPr>
+              <a:t>und Methoden Verben sind.</a:t>
+            </a:r>
+          </a:p>
+        </p:txBody>
+      </p:sp>
+      <p:sp>
+        <p:nvSpPr>
+          <p:cNvPr id="4" name="Foliennummernplatzhalter 3"/>
+          <p:cNvSpPr>
+            <a:spLocks noGrp="1"/>
+          </p:cNvSpPr>
+          <p:nvPr>
+            <p:ph type="sldNum" sz="quarter" idx="10"/>
+          </p:nvPr>
+        </p:nvSpPr>
+        <p:spPr/>
+        <p:txBody>
+          <a:bodyPr/>
+          <a:lstStyle/>
+          <a:p>
+            <a:fld id="{16070E50-C463-4A5B-AC29-20274F3F33D2}" type="slidenum">
+              <a:rPr lang="de-DE" smtClean="0"/>
+              <a:t>39</a:t>
+            </a:fld>
+            <a:endParaRPr lang="de-DE"/>
+          </a:p>
+        </p:txBody>
+      </p:sp>
+    </p:spTree>
+    <p:extLst>
+      <p:ext uri="{BB962C8B-B14F-4D97-AF65-F5344CB8AC3E}">
+        <p14:creationId xmlns:p14="http://schemas.microsoft.com/office/powerpoint/2010/main" val="1584262849"/>
+      </p:ext>
+    </p:extLst>
+  </p:cSld>
+  <p:clrMapOvr>
+    <a:masterClrMapping/>
+  </p:clrMapOvr>
+</p:notes>
+</file>
+
 <file path=ppt/notesSlides/notesSlide4.xml><?xml version="1.0" encoding="utf-8"?>
 <p:notes xmlns:a="http://schemas.openxmlformats.org/drawingml/2006/main" xmlns:r="http://schemas.openxmlformats.org/officeDocument/2006/relationships" xmlns:p="http://schemas.openxmlformats.org/presentationml/2006/main">
   <p:cSld>
@@ -3182,11 +4108,11 @@
           <a:lstStyle/>
           <a:p>
             <a:r>
-              <a:rPr lang="de-DE" i="1" smtClean="0"/>
+              <a:rPr lang="de-DE" i="1" dirty="0" smtClean="0"/>
               <a:t>Die Themen für</a:t>
             </a:r>
             <a:r>
-              <a:rPr lang="de-DE" i="1" baseline="0" smtClean="0"/>
+              <a:rPr lang="de-DE" i="1" baseline="0" dirty="0" smtClean="0"/>
               <a:t> den Anfänger-Kurs</a:t>
             </a:r>
             <a:r>
@@ -3196,20 +4122,22 @@
           </a:p>
           <a:p>
             <a:r>
-              <a:rPr lang="de-DE" i="1" baseline="0" smtClean="0"/>
-              <a:t>Die Kids bekommen Aufgaben zu den Bereichen</a:t>
-            </a:r>
-            <a:r>
               <a:rPr lang="de-DE" i="1" baseline="0" dirty="0" smtClean="0"/>
-              <a:t>:</a:t>
-            </a:r>
-          </a:p>
-          <a:p>
-            <a:r>
-              <a:rPr lang="de-DE" i="1" baseline="0" smtClean="0"/>
+              <a:t>Leider können die Kids keine Aufgaben mit NAO machen, bevor diese Themen abgehandelt sind. Danach wartet allerdings eine größere Aufgabe auf die Kids, welche den NAO mit einbezieht.</a:t>
+            </a:r>
+            <a:endParaRPr lang="de-DE" i="1" baseline="0" dirty="0" smtClean="0"/>
+          </a:p>
+          <a:p>
+            <a:r>
+              <a:rPr lang="de-DE" i="1" baseline="0" dirty="0" smtClean="0"/>
+              <a:t>Die Kids bekommen Aufgaben zu den Bereichen:</a:t>
+            </a:r>
+          </a:p>
+          <a:p>
+            <a:r>
+              <a:rPr lang="de-DE" i="1" baseline="0" dirty="0" smtClean="0"/>
               <a:t>-Einfache Datentypen und Variablen</a:t>
             </a:r>
-            <a:endParaRPr lang="de-DE" i="1" baseline="0" dirty="0" smtClean="0"/>
           </a:p>
           <a:p>
             <a:r>
@@ -3288,6 +4216,965 @@
     <p:extLst>
       <p:ext uri="{BB962C8B-B14F-4D97-AF65-F5344CB8AC3E}">
         <p14:creationId xmlns:p14="http://schemas.microsoft.com/office/powerpoint/2010/main" val="99921034"/>
+      </p:ext>
+    </p:extLst>
+  </p:cSld>
+  <p:clrMapOvr>
+    <a:masterClrMapping/>
+  </p:clrMapOvr>
+</p:notes>
+</file>
+
+<file path=ppt/notesSlides/notesSlide40.xml><?xml version="1.0" encoding="utf-8"?>
+<p:notes xmlns:a="http://schemas.openxmlformats.org/drawingml/2006/main" xmlns:r="http://schemas.openxmlformats.org/officeDocument/2006/relationships" xmlns:p="http://schemas.openxmlformats.org/presentationml/2006/main">
+  <p:cSld>
+    <p:spTree>
+      <p:nvGrpSpPr>
+        <p:cNvPr id="1" name=""/>
+        <p:cNvGrpSpPr/>
+        <p:nvPr/>
+      </p:nvGrpSpPr>
+      <p:grpSpPr>
+        <a:xfrm>
+          <a:off x="0" y="0"/>
+          <a:ext cx="0" cy="0"/>
+          <a:chOff x="0" y="0"/>
+          <a:chExt cx="0" cy="0"/>
+        </a:xfrm>
+      </p:grpSpPr>
+      <p:sp>
+        <p:nvSpPr>
+          <p:cNvPr id="2" name="Folienbildplatzhalter 1"/>
+          <p:cNvSpPr>
+            <a:spLocks noGrp="1" noRot="1" noChangeAspect="1"/>
+          </p:cNvSpPr>
+          <p:nvPr>
+            <p:ph type="sldImg"/>
+          </p:nvPr>
+        </p:nvSpPr>
+        <p:spPr/>
+      </p:sp>
+      <p:sp>
+        <p:nvSpPr>
+          <p:cNvPr id="3" name="Notizenplatzhalter 2"/>
+          <p:cNvSpPr>
+            <a:spLocks noGrp="1"/>
+          </p:cNvSpPr>
+          <p:nvPr>
+            <p:ph type="body" idx="1"/>
+          </p:nvPr>
+        </p:nvSpPr>
+        <p:spPr/>
+        <p:txBody>
+          <a:bodyPr/>
+          <a:lstStyle/>
+          <a:p>
+            <a:endParaRPr lang="de-DE" i="0" u="none" baseline="0" dirty="0" smtClean="0">
+              <a:sym typeface="Wingdings" panose="05000000000000000000" pitchFamily="2" charset="2"/>
+            </a:endParaRPr>
+          </a:p>
+        </p:txBody>
+      </p:sp>
+      <p:sp>
+        <p:nvSpPr>
+          <p:cNvPr id="4" name="Foliennummernplatzhalter 3"/>
+          <p:cNvSpPr>
+            <a:spLocks noGrp="1"/>
+          </p:cNvSpPr>
+          <p:nvPr>
+            <p:ph type="sldNum" sz="quarter" idx="10"/>
+          </p:nvPr>
+        </p:nvSpPr>
+        <p:spPr/>
+        <p:txBody>
+          <a:bodyPr/>
+          <a:lstStyle/>
+          <a:p>
+            <a:fld id="{16070E50-C463-4A5B-AC29-20274F3F33D2}" type="slidenum">
+              <a:rPr lang="de-DE" smtClean="0"/>
+              <a:t>40</a:t>
+            </a:fld>
+            <a:endParaRPr lang="de-DE"/>
+          </a:p>
+        </p:txBody>
+      </p:sp>
+    </p:spTree>
+    <p:extLst>
+      <p:ext uri="{BB962C8B-B14F-4D97-AF65-F5344CB8AC3E}">
+        <p14:creationId xmlns:p14="http://schemas.microsoft.com/office/powerpoint/2010/main" val="2678853194"/>
+      </p:ext>
+    </p:extLst>
+  </p:cSld>
+  <p:clrMapOvr>
+    <a:masterClrMapping/>
+  </p:clrMapOvr>
+</p:notes>
+</file>
+
+<file path=ppt/notesSlides/notesSlide41.xml><?xml version="1.0" encoding="utf-8"?>
+<p:notes xmlns:a="http://schemas.openxmlformats.org/drawingml/2006/main" xmlns:r="http://schemas.openxmlformats.org/officeDocument/2006/relationships" xmlns:p="http://schemas.openxmlformats.org/presentationml/2006/main">
+  <p:cSld>
+    <p:spTree>
+      <p:nvGrpSpPr>
+        <p:cNvPr id="1" name=""/>
+        <p:cNvGrpSpPr/>
+        <p:nvPr/>
+      </p:nvGrpSpPr>
+      <p:grpSpPr>
+        <a:xfrm>
+          <a:off x="0" y="0"/>
+          <a:ext cx="0" cy="0"/>
+          <a:chOff x="0" y="0"/>
+          <a:chExt cx="0" cy="0"/>
+        </a:xfrm>
+      </p:grpSpPr>
+      <p:sp>
+        <p:nvSpPr>
+          <p:cNvPr id="2" name="Folienbildplatzhalter 1"/>
+          <p:cNvSpPr>
+            <a:spLocks noGrp="1" noRot="1" noChangeAspect="1"/>
+          </p:cNvSpPr>
+          <p:nvPr>
+            <p:ph type="sldImg"/>
+          </p:nvPr>
+        </p:nvSpPr>
+        <p:spPr/>
+      </p:sp>
+      <p:sp>
+        <p:nvSpPr>
+          <p:cNvPr id="3" name="Notizenplatzhalter 2"/>
+          <p:cNvSpPr>
+            <a:spLocks noGrp="1"/>
+          </p:cNvSpPr>
+          <p:nvPr>
+            <p:ph type="body" idx="1"/>
+          </p:nvPr>
+        </p:nvSpPr>
+        <p:spPr/>
+        <p:txBody>
+          <a:bodyPr/>
+          <a:lstStyle/>
+          <a:p>
+            <a:endParaRPr lang="de-DE" i="1" baseline="0" dirty="0" smtClean="0"/>
+          </a:p>
+        </p:txBody>
+      </p:sp>
+      <p:sp>
+        <p:nvSpPr>
+          <p:cNvPr id="4" name="Foliennummernplatzhalter 3"/>
+          <p:cNvSpPr>
+            <a:spLocks noGrp="1"/>
+          </p:cNvSpPr>
+          <p:nvPr>
+            <p:ph type="sldNum" sz="quarter" idx="10"/>
+          </p:nvPr>
+        </p:nvSpPr>
+        <p:spPr/>
+        <p:txBody>
+          <a:bodyPr/>
+          <a:lstStyle/>
+          <a:p>
+            <a:fld id="{16070E50-C463-4A5B-AC29-20274F3F33D2}" type="slidenum">
+              <a:rPr lang="de-DE" smtClean="0"/>
+              <a:t>41</a:t>
+            </a:fld>
+            <a:endParaRPr lang="de-DE"/>
+          </a:p>
+        </p:txBody>
+      </p:sp>
+    </p:spTree>
+    <p:extLst>
+      <p:ext uri="{BB962C8B-B14F-4D97-AF65-F5344CB8AC3E}">
+        <p14:creationId xmlns:p14="http://schemas.microsoft.com/office/powerpoint/2010/main" val="3705439041"/>
+      </p:ext>
+    </p:extLst>
+  </p:cSld>
+  <p:clrMapOvr>
+    <a:masterClrMapping/>
+  </p:clrMapOvr>
+</p:notes>
+</file>
+
+<file path=ppt/notesSlides/notesSlide42.xml><?xml version="1.0" encoding="utf-8"?>
+<p:notes xmlns:a="http://schemas.openxmlformats.org/drawingml/2006/main" xmlns:r="http://schemas.openxmlformats.org/officeDocument/2006/relationships" xmlns:p="http://schemas.openxmlformats.org/presentationml/2006/main">
+  <p:cSld>
+    <p:spTree>
+      <p:nvGrpSpPr>
+        <p:cNvPr id="1" name=""/>
+        <p:cNvGrpSpPr/>
+        <p:nvPr/>
+      </p:nvGrpSpPr>
+      <p:grpSpPr>
+        <a:xfrm>
+          <a:off x="0" y="0"/>
+          <a:ext cx="0" cy="0"/>
+          <a:chOff x="0" y="0"/>
+          <a:chExt cx="0" cy="0"/>
+        </a:xfrm>
+      </p:grpSpPr>
+      <p:sp>
+        <p:nvSpPr>
+          <p:cNvPr id="2" name="Folienbildplatzhalter 1"/>
+          <p:cNvSpPr>
+            <a:spLocks noGrp="1" noRot="1" noChangeAspect="1"/>
+          </p:cNvSpPr>
+          <p:nvPr>
+            <p:ph type="sldImg"/>
+          </p:nvPr>
+        </p:nvSpPr>
+        <p:spPr/>
+      </p:sp>
+      <p:sp>
+        <p:nvSpPr>
+          <p:cNvPr id="3" name="Notizenplatzhalter 2"/>
+          <p:cNvSpPr>
+            <a:spLocks noGrp="1"/>
+          </p:cNvSpPr>
+          <p:nvPr>
+            <p:ph type="body" idx="1"/>
+          </p:nvPr>
+        </p:nvSpPr>
+        <p:spPr/>
+        <p:txBody>
+          <a:bodyPr/>
+          <a:lstStyle/>
+          <a:p>
+            <a:endParaRPr lang="de-DE" i="0" u="none" baseline="0" dirty="0" smtClean="0">
+              <a:sym typeface="Wingdings" panose="05000000000000000000" pitchFamily="2" charset="2"/>
+            </a:endParaRPr>
+          </a:p>
+        </p:txBody>
+      </p:sp>
+      <p:sp>
+        <p:nvSpPr>
+          <p:cNvPr id="4" name="Foliennummernplatzhalter 3"/>
+          <p:cNvSpPr>
+            <a:spLocks noGrp="1"/>
+          </p:cNvSpPr>
+          <p:nvPr>
+            <p:ph type="sldNum" sz="quarter" idx="10"/>
+          </p:nvPr>
+        </p:nvSpPr>
+        <p:spPr/>
+        <p:txBody>
+          <a:bodyPr/>
+          <a:lstStyle/>
+          <a:p>
+            <a:fld id="{16070E50-C463-4A5B-AC29-20274F3F33D2}" type="slidenum">
+              <a:rPr lang="de-DE" smtClean="0"/>
+              <a:t>42</a:t>
+            </a:fld>
+            <a:endParaRPr lang="de-DE"/>
+          </a:p>
+        </p:txBody>
+      </p:sp>
+    </p:spTree>
+    <p:extLst>
+      <p:ext uri="{BB962C8B-B14F-4D97-AF65-F5344CB8AC3E}">
+        <p14:creationId xmlns:p14="http://schemas.microsoft.com/office/powerpoint/2010/main" val="2544278126"/>
+      </p:ext>
+    </p:extLst>
+  </p:cSld>
+  <p:clrMapOvr>
+    <a:masterClrMapping/>
+  </p:clrMapOvr>
+</p:notes>
+</file>
+
+<file path=ppt/notesSlides/notesSlide43.xml><?xml version="1.0" encoding="utf-8"?>
+<p:notes xmlns:a="http://schemas.openxmlformats.org/drawingml/2006/main" xmlns:r="http://schemas.openxmlformats.org/officeDocument/2006/relationships" xmlns:p="http://schemas.openxmlformats.org/presentationml/2006/main">
+  <p:cSld>
+    <p:spTree>
+      <p:nvGrpSpPr>
+        <p:cNvPr id="1" name=""/>
+        <p:cNvGrpSpPr/>
+        <p:nvPr/>
+      </p:nvGrpSpPr>
+      <p:grpSpPr>
+        <a:xfrm>
+          <a:off x="0" y="0"/>
+          <a:ext cx="0" cy="0"/>
+          <a:chOff x="0" y="0"/>
+          <a:chExt cx="0" cy="0"/>
+        </a:xfrm>
+      </p:grpSpPr>
+      <p:sp>
+        <p:nvSpPr>
+          <p:cNvPr id="2" name="Folienbildplatzhalter 1"/>
+          <p:cNvSpPr>
+            <a:spLocks noGrp="1" noRot="1" noChangeAspect="1"/>
+          </p:cNvSpPr>
+          <p:nvPr>
+            <p:ph type="sldImg"/>
+          </p:nvPr>
+        </p:nvSpPr>
+        <p:spPr/>
+      </p:sp>
+      <p:sp>
+        <p:nvSpPr>
+          <p:cNvPr id="3" name="Notizenplatzhalter 2"/>
+          <p:cNvSpPr>
+            <a:spLocks noGrp="1"/>
+          </p:cNvSpPr>
+          <p:nvPr>
+            <p:ph type="body" idx="1"/>
+          </p:nvPr>
+        </p:nvSpPr>
+        <p:spPr/>
+        <p:txBody>
+          <a:bodyPr/>
+          <a:lstStyle/>
+          <a:p>
+            <a:r>
+              <a:rPr lang="de-DE" i="0" u="none" baseline="0" dirty="0" smtClean="0">
+                <a:sym typeface="Wingdings" panose="05000000000000000000" pitchFamily="2" charset="2"/>
+              </a:rPr>
+              <a:t>Hier gibt es viel zu sehen, deshalb gehen wir das Beispiel noch ein Mal im Detail durch…</a:t>
+            </a:r>
+          </a:p>
+          <a:p>
+            <a:r>
+              <a:rPr lang="de-DE" i="0" u="none" baseline="0" dirty="0" smtClean="0">
+                <a:sym typeface="Wingdings" panose="05000000000000000000" pitchFamily="2" charset="2"/>
+              </a:rPr>
+              <a:t>(Auf den nächsten Folien)</a:t>
+            </a:r>
+          </a:p>
+        </p:txBody>
+      </p:sp>
+      <p:sp>
+        <p:nvSpPr>
+          <p:cNvPr id="4" name="Foliennummernplatzhalter 3"/>
+          <p:cNvSpPr>
+            <a:spLocks noGrp="1"/>
+          </p:cNvSpPr>
+          <p:nvPr>
+            <p:ph type="sldNum" sz="quarter" idx="10"/>
+          </p:nvPr>
+        </p:nvSpPr>
+        <p:spPr/>
+        <p:txBody>
+          <a:bodyPr/>
+          <a:lstStyle/>
+          <a:p>
+            <a:fld id="{16070E50-C463-4A5B-AC29-20274F3F33D2}" type="slidenum">
+              <a:rPr lang="de-DE" smtClean="0"/>
+              <a:t>43</a:t>
+            </a:fld>
+            <a:endParaRPr lang="de-DE"/>
+          </a:p>
+        </p:txBody>
+      </p:sp>
+    </p:spTree>
+    <p:extLst>
+      <p:ext uri="{BB962C8B-B14F-4D97-AF65-F5344CB8AC3E}">
+        <p14:creationId xmlns:p14="http://schemas.microsoft.com/office/powerpoint/2010/main" val="2359612141"/>
+      </p:ext>
+    </p:extLst>
+  </p:cSld>
+  <p:clrMapOvr>
+    <a:masterClrMapping/>
+  </p:clrMapOvr>
+</p:notes>
+</file>
+
+<file path=ppt/notesSlides/notesSlide44.xml><?xml version="1.0" encoding="utf-8"?>
+<p:notes xmlns:a="http://schemas.openxmlformats.org/drawingml/2006/main" xmlns:r="http://schemas.openxmlformats.org/officeDocument/2006/relationships" xmlns:p="http://schemas.openxmlformats.org/presentationml/2006/main">
+  <p:cSld>
+    <p:spTree>
+      <p:nvGrpSpPr>
+        <p:cNvPr id="1" name=""/>
+        <p:cNvGrpSpPr/>
+        <p:nvPr/>
+      </p:nvGrpSpPr>
+      <p:grpSpPr>
+        <a:xfrm>
+          <a:off x="0" y="0"/>
+          <a:ext cx="0" cy="0"/>
+          <a:chOff x="0" y="0"/>
+          <a:chExt cx="0" cy="0"/>
+        </a:xfrm>
+      </p:grpSpPr>
+      <p:sp>
+        <p:nvSpPr>
+          <p:cNvPr id="2" name="Folienbildplatzhalter 1"/>
+          <p:cNvSpPr>
+            <a:spLocks noGrp="1" noRot="1" noChangeAspect="1"/>
+          </p:cNvSpPr>
+          <p:nvPr>
+            <p:ph type="sldImg"/>
+          </p:nvPr>
+        </p:nvSpPr>
+        <p:spPr/>
+      </p:sp>
+      <p:sp>
+        <p:nvSpPr>
+          <p:cNvPr id="3" name="Notizenplatzhalter 2"/>
+          <p:cNvSpPr>
+            <a:spLocks noGrp="1"/>
+          </p:cNvSpPr>
+          <p:nvPr>
+            <p:ph type="body" idx="1"/>
+          </p:nvPr>
+        </p:nvSpPr>
+        <p:spPr/>
+        <p:txBody>
+          <a:bodyPr/>
+          <a:lstStyle/>
+          <a:p>
+            <a:r>
+              <a:rPr lang="de-DE" i="0" u="none" baseline="0" dirty="0" smtClean="0">
+                <a:sym typeface="Wingdings" panose="05000000000000000000" pitchFamily="2" charset="2"/>
+              </a:rPr>
+              <a:t>Als aller erstes sehen wir hier die möglichen Arten ein Array zu definieren.</a:t>
+            </a:r>
+          </a:p>
+          <a:p>
+            <a:r>
+              <a:rPr lang="de-DE" i="0" u="none" baseline="0" dirty="0" smtClean="0">
+                <a:sym typeface="Wingdings" panose="05000000000000000000" pitchFamily="2" charset="2"/>
+              </a:rPr>
+              <a:t>Entweder man benutzt </a:t>
+            </a:r>
+            <a:r>
+              <a:rPr lang="de-DE" i="0" u="none" baseline="0" dirty="0" err="1" smtClean="0">
+                <a:sym typeface="Wingdings" panose="05000000000000000000" pitchFamily="2" charset="2"/>
+              </a:rPr>
+              <a:t>new</a:t>
+            </a:r>
+            <a:r>
+              <a:rPr lang="de-DE" i="0" u="none" baseline="0" dirty="0" smtClean="0">
+                <a:sym typeface="Wingdings" panose="05000000000000000000" pitchFamily="2" charset="2"/>
+              </a:rPr>
+              <a:t> wie bei Objekten und gibt in den eckigen Klammern die Größe an</a:t>
+            </a:r>
+          </a:p>
+          <a:p>
+            <a:r>
+              <a:rPr lang="de-DE" i="0" u="none" baseline="0" dirty="0" smtClean="0">
+                <a:sym typeface="Wingdings" panose="05000000000000000000" pitchFamily="2" charset="2"/>
+              </a:rPr>
+              <a:t>Oder man benutzt {} und gibt dazwischen durch Komma getrennt direkt Werte zum Initialisieren ein</a:t>
+            </a:r>
+          </a:p>
+          <a:p>
+            <a:r>
+              <a:rPr lang="de-DE" i="0" u="none" baseline="0" dirty="0" smtClean="0">
+                <a:sym typeface="Wingdings" panose="05000000000000000000" pitchFamily="2" charset="2"/>
+              </a:rPr>
+              <a:t>Die Größe des Arrays bestimmt sich dann aus der Anzahl der eingegebenen Werte.</a:t>
+            </a:r>
+          </a:p>
+        </p:txBody>
+      </p:sp>
+      <p:sp>
+        <p:nvSpPr>
+          <p:cNvPr id="4" name="Foliennummernplatzhalter 3"/>
+          <p:cNvSpPr>
+            <a:spLocks noGrp="1"/>
+          </p:cNvSpPr>
+          <p:nvPr>
+            <p:ph type="sldNum" sz="quarter" idx="10"/>
+          </p:nvPr>
+        </p:nvSpPr>
+        <p:spPr/>
+        <p:txBody>
+          <a:bodyPr/>
+          <a:lstStyle/>
+          <a:p>
+            <a:fld id="{16070E50-C463-4A5B-AC29-20274F3F33D2}" type="slidenum">
+              <a:rPr lang="de-DE" smtClean="0"/>
+              <a:t>44</a:t>
+            </a:fld>
+            <a:endParaRPr lang="de-DE"/>
+          </a:p>
+        </p:txBody>
+      </p:sp>
+    </p:spTree>
+    <p:extLst>
+      <p:ext uri="{BB962C8B-B14F-4D97-AF65-F5344CB8AC3E}">
+        <p14:creationId xmlns:p14="http://schemas.microsoft.com/office/powerpoint/2010/main" val="2756526697"/>
+      </p:ext>
+    </p:extLst>
+  </p:cSld>
+  <p:clrMapOvr>
+    <a:masterClrMapping/>
+  </p:clrMapOvr>
+</p:notes>
+</file>
+
+<file path=ppt/notesSlides/notesSlide45.xml><?xml version="1.0" encoding="utf-8"?>
+<p:notes xmlns:a="http://schemas.openxmlformats.org/drawingml/2006/main" xmlns:r="http://schemas.openxmlformats.org/officeDocument/2006/relationships" xmlns:p="http://schemas.openxmlformats.org/presentationml/2006/main">
+  <p:cSld>
+    <p:spTree>
+      <p:nvGrpSpPr>
+        <p:cNvPr id="1" name=""/>
+        <p:cNvGrpSpPr/>
+        <p:nvPr/>
+      </p:nvGrpSpPr>
+      <p:grpSpPr>
+        <a:xfrm>
+          <a:off x="0" y="0"/>
+          <a:ext cx="0" cy="0"/>
+          <a:chOff x="0" y="0"/>
+          <a:chExt cx="0" cy="0"/>
+        </a:xfrm>
+      </p:grpSpPr>
+      <p:sp>
+        <p:nvSpPr>
+          <p:cNvPr id="2" name="Folienbildplatzhalter 1"/>
+          <p:cNvSpPr>
+            <a:spLocks noGrp="1" noRot="1" noChangeAspect="1"/>
+          </p:cNvSpPr>
+          <p:nvPr>
+            <p:ph type="sldImg"/>
+          </p:nvPr>
+        </p:nvSpPr>
+        <p:spPr/>
+      </p:sp>
+      <p:sp>
+        <p:nvSpPr>
+          <p:cNvPr id="3" name="Notizenplatzhalter 2"/>
+          <p:cNvSpPr>
+            <a:spLocks noGrp="1"/>
+          </p:cNvSpPr>
+          <p:nvPr>
+            <p:ph type="body" idx="1"/>
+          </p:nvPr>
+        </p:nvSpPr>
+        <p:spPr/>
+        <p:txBody>
+          <a:bodyPr/>
+          <a:lstStyle/>
+          <a:p>
+            <a:r>
+              <a:rPr lang="de-DE" i="0" u="none" baseline="0" dirty="0" smtClean="0">
+                <a:sym typeface="Wingdings" panose="05000000000000000000" pitchFamily="2" charset="2"/>
+              </a:rPr>
+              <a:t>Hier sehen wir wie man einzelne Elemente des Arrays manipulieren kann.</a:t>
+            </a:r>
+          </a:p>
+          <a:p>
+            <a:r>
+              <a:rPr lang="de-DE" i="0" u="none" baseline="0" dirty="0" smtClean="0">
+                <a:sym typeface="Wingdings" panose="05000000000000000000" pitchFamily="2" charset="2"/>
+              </a:rPr>
+              <a:t>Wir schreiben zum Beispiel in das erste Element des Arrays die Ganzzahl 7 und in das zweite die Ganzzahl 5</a:t>
+            </a:r>
+          </a:p>
+          <a:p>
+            <a:r>
+              <a:rPr lang="de-DE" i="0" u="none" baseline="0" dirty="0" smtClean="0">
+                <a:sym typeface="Wingdings" panose="05000000000000000000" pitchFamily="2" charset="2"/>
+              </a:rPr>
+              <a:t>Achtung: Das erste Element des Arrays hat immer den Index 0!</a:t>
+            </a:r>
+          </a:p>
+          <a:p>
+            <a:endParaRPr lang="de-DE" i="0" u="none" baseline="0" dirty="0" smtClean="0">
+              <a:sym typeface="Wingdings" panose="05000000000000000000" pitchFamily="2" charset="2"/>
+            </a:endParaRPr>
+          </a:p>
+        </p:txBody>
+      </p:sp>
+      <p:sp>
+        <p:nvSpPr>
+          <p:cNvPr id="4" name="Foliennummernplatzhalter 3"/>
+          <p:cNvSpPr>
+            <a:spLocks noGrp="1"/>
+          </p:cNvSpPr>
+          <p:nvPr>
+            <p:ph type="sldNum" sz="quarter" idx="10"/>
+          </p:nvPr>
+        </p:nvSpPr>
+        <p:spPr/>
+        <p:txBody>
+          <a:bodyPr/>
+          <a:lstStyle/>
+          <a:p>
+            <a:fld id="{16070E50-C463-4A5B-AC29-20274F3F33D2}" type="slidenum">
+              <a:rPr lang="de-DE" smtClean="0"/>
+              <a:t>45</a:t>
+            </a:fld>
+            <a:endParaRPr lang="de-DE"/>
+          </a:p>
+        </p:txBody>
+      </p:sp>
+    </p:spTree>
+    <p:extLst>
+      <p:ext uri="{BB962C8B-B14F-4D97-AF65-F5344CB8AC3E}">
+        <p14:creationId xmlns:p14="http://schemas.microsoft.com/office/powerpoint/2010/main" val="3502370864"/>
+      </p:ext>
+    </p:extLst>
+  </p:cSld>
+  <p:clrMapOvr>
+    <a:masterClrMapping/>
+  </p:clrMapOvr>
+</p:notes>
+</file>
+
+<file path=ppt/notesSlides/notesSlide46.xml><?xml version="1.0" encoding="utf-8"?>
+<p:notes xmlns:a="http://schemas.openxmlformats.org/drawingml/2006/main" xmlns:r="http://schemas.openxmlformats.org/officeDocument/2006/relationships" xmlns:p="http://schemas.openxmlformats.org/presentationml/2006/main">
+  <p:cSld>
+    <p:spTree>
+      <p:nvGrpSpPr>
+        <p:cNvPr id="1" name=""/>
+        <p:cNvGrpSpPr/>
+        <p:nvPr/>
+      </p:nvGrpSpPr>
+      <p:grpSpPr>
+        <a:xfrm>
+          <a:off x="0" y="0"/>
+          <a:ext cx="0" cy="0"/>
+          <a:chOff x="0" y="0"/>
+          <a:chExt cx="0" cy="0"/>
+        </a:xfrm>
+      </p:grpSpPr>
+      <p:sp>
+        <p:nvSpPr>
+          <p:cNvPr id="2" name="Folienbildplatzhalter 1"/>
+          <p:cNvSpPr>
+            <a:spLocks noGrp="1" noRot="1" noChangeAspect="1"/>
+          </p:cNvSpPr>
+          <p:nvPr>
+            <p:ph type="sldImg"/>
+          </p:nvPr>
+        </p:nvSpPr>
+        <p:spPr/>
+      </p:sp>
+      <p:sp>
+        <p:nvSpPr>
+          <p:cNvPr id="3" name="Notizenplatzhalter 2"/>
+          <p:cNvSpPr>
+            <a:spLocks noGrp="1"/>
+          </p:cNvSpPr>
+          <p:nvPr>
+            <p:ph type="body" idx="1"/>
+          </p:nvPr>
+        </p:nvSpPr>
+        <p:spPr/>
+        <p:txBody>
+          <a:bodyPr/>
+          <a:lstStyle/>
+          <a:p>
+            <a:r>
+              <a:rPr lang="de-DE" i="0" u="none" baseline="0" dirty="0" smtClean="0">
+                <a:sym typeface="Wingdings" panose="05000000000000000000" pitchFamily="2" charset="2"/>
+              </a:rPr>
+              <a:t>Wir können also praktisch x und y wie Variablen behandeln, solang wir einen Index angeben!</a:t>
+            </a:r>
+          </a:p>
+          <a:p>
+            <a:r>
+              <a:rPr lang="de-DE" i="0" u="none" baseline="0" dirty="0" smtClean="0">
+                <a:sym typeface="Wingdings" panose="05000000000000000000" pitchFamily="2" charset="2"/>
+              </a:rPr>
+              <a:t>Aber alle Elemente eines einzelnen Arrays müssen immer den gleichen Datentyp besitzen.</a:t>
+            </a:r>
+          </a:p>
+        </p:txBody>
+      </p:sp>
+      <p:sp>
+        <p:nvSpPr>
+          <p:cNvPr id="4" name="Foliennummernplatzhalter 3"/>
+          <p:cNvSpPr>
+            <a:spLocks noGrp="1"/>
+          </p:cNvSpPr>
+          <p:nvPr>
+            <p:ph type="sldNum" sz="quarter" idx="10"/>
+          </p:nvPr>
+        </p:nvSpPr>
+        <p:spPr/>
+        <p:txBody>
+          <a:bodyPr/>
+          <a:lstStyle/>
+          <a:p>
+            <a:fld id="{16070E50-C463-4A5B-AC29-20274F3F33D2}" type="slidenum">
+              <a:rPr lang="de-DE" smtClean="0"/>
+              <a:t>46</a:t>
+            </a:fld>
+            <a:endParaRPr lang="de-DE"/>
+          </a:p>
+        </p:txBody>
+      </p:sp>
+    </p:spTree>
+    <p:extLst>
+      <p:ext uri="{BB962C8B-B14F-4D97-AF65-F5344CB8AC3E}">
+        <p14:creationId xmlns:p14="http://schemas.microsoft.com/office/powerpoint/2010/main" val="3445126100"/>
+      </p:ext>
+    </p:extLst>
+  </p:cSld>
+  <p:clrMapOvr>
+    <a:masterClrMapping/>
+  </p:clrMapOvr>
+</p:notes>
+</file>
+
+<file path=ppt/notesSlides/notesSlide47.xml><?xml version="1.0" encoding="utf-8"?>
+<p:notes xmlns:a="http://schemas.openxmlformats.org/drawingml/2006/main" xmlns:r="http://schemas.openxmlformats.org/officeDocument/2006/relationships" xmlns:p="http://schemas.openxmlformats.org/presentationml/2006/main">
+  <p:cSld>
+    <p:spTree>
+      <p:nvGrpSpPr>
+        <p:cNvPr id="1" name=""/>
+        <p:cNvGrpSpPr/>
+        <p:nvPr/>
+      </p:nvGrpSpPr>
+      <p:grpSpPr>
+        <a:xfrm>
+          <a:off x="0" y="0"/>
+          <a:ext cx="0" cy="0"/>
+          <a:chOff x="0" y="0"/>
+          <a:chExt cx="0" cy="0"/>
+        </a:xfrm>
+      </p:grpSpPr>
+      <p:sp>
+        <p:nvSpPr>
+          <p:cNvPr id="2" name="Folienbildplatzhalter 1"/>
+          <p:cNvSpPr>
+            <a:spLocks noGrp="1" noRot="1" noChangeAspect="1"/>
+          </p:cNvSpPr>
+          <p:nvPr>
+            <p:ph type="sldImg"/>
+          </p:nvPr>
+        </p:nvSpPr>
+        <p:spPr/>
+      </p:sp>
+      <p:sp>
+        <p:nvSpPr>
+          <p:cNvPr id="3" name="Notizenplatzhalter 2"/>
+          <p:cNvSpPr>
+            <a:spLocks noGrp="1"/>
+          </p:cNvSpPr>
+          <p:nvPr>
+            <p:ph type="body" idx="1"/>
+          </p:nvPr>
+        </p:nvSpPr>
+        <p:spPr/>
+        <p:txBody>
+          <a:bodyPr/>
+          <a:lstStyle/>
+          <a:p>
+            <a:r>
+              <a:rPr lang="de-DE" i="0" u="none" baseline="0" dirty="0" smtClean="0">
+                <a:sym typeface="Wingdings" panose="05000000000000000000" pitchFamily="2" charset="2"/>
+              </a:rPr>
+              <a:t>Schließlich sehen wir hier noch, wie man die Länge des Arrays auslesen kann.</a:t>
+            </a:r>
+          </a:p>
+          <a:p>
+            <a:r>
+              <a:rPr lang="de-DE" i="0" u="none" baseline="0" dirty="0" smtClean="0">
+                <a:sym typeface="Wingdings" panose="05000000000000000000" pitchFamily="2" charset="2"/>
+              </a:rPr>
+              <a:t>Allerdings kann man die Länge über dieses Attribut nicht verändern!</a:t>
+            </a:r>
+          </a:p>
+          <a:p>
+            <a:endParaRPr lang="de-DE" i="0" u="none" baseline="0" dirty="0" smtClean="0">
+              <a:sym typeface="Wingdings" panose="05000000000000000000" pitchFamily="2" charset="2"/>
+            </a:endParaRPr>
+          </a:p>
+        </p:txBody>
+      </p:sp>
+      <p:sp>
+        <p:nvSpPr>
+          <p:cNvPr id="4" name="Foliennummernplatzhalter 3"/>
+          <p:cNvSpPr>
+            <a:spLocks noGrp="1"/>
+          </p:cNvSpPr>
+          <p:nvPr>
+            <p:ph type="sldNum" sz="quarter" idx="10"/>
+          </p:nvPr>
+        </p:nvSpPr>
+        <p:spPr/>
+        <p:txBody>
+          <a:bodyPr/>
+          <a:lstStyle/>
+          <a:p>
+            <a:fld id="{16070E50-C463-4A5B-AC29-20274F3F33D2}" type="slidenum">
+              <a:rPr lang="de-DE" smtClean="0"/>
+              <a:t>47</a:t>
+            </a:fld>
+            <a:endParaRPr lang="de-DE"/>
+          </a:p>
+        </p:txBody>
+      </p:sp>
+    </p:spTree>
+    <p:extLst>
+      <p:ext uri="{BB962C8B-B14F-4D97-AF65-F5344CB8AC3E}">
+        <p14:creationId xmlns:p14="http://schemas.microsoft.com/office/powerpoint/2010/main" val="2208439998"/>
+      </p:ext>
+    </p:extLst>
+  </p:cSld>
+  <p:clrMapOvr>
+    <a:masterClrMapping/>
+  </p:clrMapOvr>
+</p:notes>
+</file>
+
+<file path=ppt/notesSlides/notesSlide48.xml><?xml version="1.0" encoding="utf-8"?>
+<p:notes xmlns:a="http://schemas.openxmlformats.org/drawingml/2006/main" xmlns:r="http://schemas.openxmlformats.org/officeDocument/2006/relationships" xmlns:p="http://schemas.openxmlformats.org/presentationml/2006/main">
+  <p:cSld>
+    <p:spTree>
+      <p:nvGrpSpPr>
+        <p:cNvPr id="1" name=""/>
+        <p:cNvGrpSpPr/>
+        <p:nvPr/>
+      </p:nvGrpSpPr>
+      <p:grpSpPr>
+        <a:xfrm>
+          <a:off x="0" y="0"/>
+          <a:ext cx="0" cy="0"/>
+          <a:chOff x="0" y="0"/>
+          <a:chExt cx="0" cy="0"/>
+        </a:xfrm>
+      </p:grpSpPr>
+      <p:sp>
+        <p:nvSpPr>
+          <p:cNvPr id="2" name="Folienbildplatzhalter 1"/>
+          <p:cNvSpPr>
+            <a:spLocks noGrp="1" noRot="1" noChangeAspect="1"/>
+          </p:cNvSpPr>
+          <p:nvPr>
+            <p:ph type="sldImg"/>
+          </p:nvPr>
+        </p:nvSpPr>
+        <p:spPr/>
+      </p:sp>
+      <p:sp>
+        <p:nvSpPr>
+          <p:cNvPr id="3" name="Notizenplatzhalter 2"/>
+          <p:cNvSpPr>
+            <a:spLocks noGrp="1"/>
+          </p:cNvSpPr>
+          <p:nvPr>
+            <p:ph type="body" idx="1"/>
+          </p:nvPr>
+        </p:nvSpPr>
+        <p:spPr/>
+        <p:txBody>
+          <a:bodyPr/>
+          <a:lstStyle/>
+          <a:p>
+            <a:endParaRPr lang="de-DE" i="0" u="none" baseline="0" dirty="0" smtClean="0">
+              <a:sym typeface="Wingdings" panose="05000000000000000000" pitchFamily="2" charset="2"/>
+            </a:endParaRPr>
+          </a:p>
+        </p:txBody>
+      </p:sp>
+      <p:sp>
+        <p:nvSpPr>
+          <p:cNvPr id="4" name="Foliennummernplatzhalter 3"/>
+          <p:cNvSpPr>
+            <a:spLocks noGrp="1"/>
+          </p:cNvSpPr>
+          <p:nvPr>
+            <p:ph type="sldNum" sz="quarter" idx="10"/>
+          </p:nvPr>
+        </p:nvSpPr>
+        <p:spPr/>
+        <p:txBody>
+          <a:bodyPr/>
+          <a:lstStyle/>
+          <a:p>
+            <a:fld id="{16070E50-C463-4A5B-AC29-20274F3F33D2}" type="slidenum">
+              <a:rPr lang="de-DE" smtClean="0"/>
+              <a:t>48</a:t>
+            </a:fld>
+            <a:endParaRPr lang="de-DE"/>
+          </a:p>
+        </p:txBody>
+      </p:sp>
+    </p:spTree>
+    <p:extLst>
+      <p:ext uri="{BB962C8B-B14F-4D97-AF65-F5344CB8AC3E}">
+        <p14:creationId xmlns:p14="http://schemas.microsoft.com/office/powerpoint/2010/main" val="2332631835"/>
+      </p:ext>
+    </p:extLst>
+  </p:cSld>
+  <p:clrMapOvr>
+    <a:masterClrMapping/>
+  </p:clrMapOvr>
+</p:notes>
+</file>
+
+<file path=ppt/notesSlides/notesSlide49.xml><?xml version="1.0" encoding="utf-8"?>
+<p:notes xmlns:a="http://schemas.openxmlformats.org/drawingml/2006/main" xmlns:r="http://schemas.openxmlformats.org/officeDocument/2006/relationships" xmlns:p="http://schemas.openxmlformats.org/presentationml/2006/main">
+  <p:cSld>
+    <p:spTree>
+      <p:nvGrpSpPr>
+        <p:cNvPr id="1" name=""/>
+        <p:cNvGrpSpPr/>
+        <p:nvPr/>
+      </p:nvGrpSpPr>
+      <p:grpSpPr>
+        <a:xfrm>
+          <a:off x="0" y="0"/>
+          <a:ext cx="0" cy="0"/>
+          <a:chOff x="0" y="0"/>
+          <a:chExt cx="0" cy="0"/>
+        </a:xfrm>
+      </p:grpSpPr>
+      <p:sp>
+        <p:nvSpPr>
+          <p:cNvPr id="2" name="Folienbildplatzhalter 1"/>
+          <p:cNvSpPr>
+            <a:spLocks noGrp="1" noRot="1" noChangeAspect="1"/>
+          </p:cNvSpPr>
+          <p:nvPr>
+            <p:ph type="sldImg"/>
+          </p:nvPr>
+        </p:nvSpPr>
+        <p:spPr/>
+      </p:sp>
+      <p:sp>
+        <p:nvSpPr>
+          <p:cNvPr id="3" name="Notizenplatzhalter 2"/>
+          <p:cNvSpPr>
+            <a:spLocks noGrp="1"/>
+          </p:cNvSpPr>
+          <p:nvPr>
+            <p:ph type="body" idx="1"/>
+          </p:nvPr>
+        </p:nvSpPr>
+        <p:spPr/>
+        <p:txBody>
+          <a:bodyPr/>
+          <a:lstStyle/>
+          <a:p>
+            <a:endParaRPr lang="de-DE" i="0" u="none" baseline="0" dirty="0" smtClean="0">
+              <a:sym typeface="Wingdings" panose="05000000000000000000" pitchFamily="2" charset="2"/>
+            </a:endParaRPr>
+          </a:p>
+        </p:txBody>
+      </p:sp>
+      <p:sp>
+        <p:nvSpPr>
+          <p:cNvPr id="4" name="Foliennummernplatzhalter 3"/>
+          <p:cNvSpPr>
+            <a:spLocks noGrp="1"/>
+          </p:cNvSpPr>
+          <p:nvPr>
+            <p:ph type="sldNum" sz="quarter" idx="10"/>
+          </p:nvPr>
+        </p:nvSpPr>
+        <p:spPr/>
+        <p:txBody>
+          <a:bodyPr/>
+          <a:lstStyle/>
+          <a:p>
+            <a:fld id="{16070E50-C463-4A5B-AC29-20274F3F33D2}" type="slidenum">
+              <a:rPr lang="de-DE" smtClean="0"/>
+              <a:t>49</a:t>
+            </a:fld>
+            <a:endParaRPr lang="de-DE"/>
+          </a:p>
+        </p:txBody>
+      </p:sp>
+    </p:spTree>
+    <p:extLst>
+      <p:ext uri="{BB962C8B-B14F-4D97-AF65-F5344CB8AC3E}">
+        <p14:creationId xmlns:p14="http://schemas.microsoft.com/office/powerpoint/2010/main" val="2158353836"/>
       </p:ext>
     </p:extLst>
   </p:cSld>
@@ -3388,6 +5275,215 @@
     <p:extLst>
       <p:ext uri="{BB962C8B-B14F-4D97-AF65-F5344CB8AC3E}">
         <p14:creationId xmlns:p14="http://schemas.microsoft.com/office/powerpoint/2010/main" val="1214770159"/>
+      </p:ext>
+    </p:extLst>
+  </p:cSld>
+  <p:clrMapOvr>
+    <a:masterClrMapping/>
+  </p:clrMapOvr>
+</p:notes>
+</file>
+
+<file path=ppt/notesSlides/notesSlide50.xml><?xml version="1.0" encoding="utf-8"?>
+<p:notes xmlns:a="http://schemas.openxmlformats.org/drawingml/2006/main" xmlns:r="http://schemas.openxmlformats.org/officeDocument/2006/relationships" xmlns:p="http://schemas.openxmlformats.org/presentationml/2006/main">
+  <p:cSld>
+    <p:spTree>
+      <p:nvGrpSpPr>
+        <p:cNvPr id="1" name=""/>
+        <p:cNvGrpSpPr/>
+        <p:nvPr/>
+      </p:nvGrpSpPr>
+      <p:grpSpPr>
+        <a:xfrm>
+          <a:off x="0" y="0"/>
+          <a:ext cx="0" cy="0"/>
+          <a:chOff x="0" y="0"/>
+          <a:chExt cx="0" cy="0"/>
+        </a:xfrm>
+      </p:grpSpPr>
+      <p:sp>
+        <p:nvSpPr>
+          <p:cNvPr id="2" name="Folienbildplatzhalter 1"/>
+          <p:cNvSpPr>
+            <a:spLocks noGrp="1" noRot="1" noChangeAspect="1"/>
+          </p:cNvSpPr>
+          <p:nvPr>
+            <p:ph type="sldImg"/>
+          </p:nvPr>
+        </p:nvSpPr>
+        <p:spPr/>
+      </p:sp>
+      <p:sp>
+        <p:nvSpPr>
+          <p:cNvPr id="3" name="Notizenplatzhalter 2"/>
+          <p:cNvSpPr>
+            <a:spLocks noGrp="1"/>
+          </p:cNvSpPr>
+          <p:nvPr>
+            <p:ph type="body" idx="1"/>
+          </p:nvPr>
+        </p:nvSpPr>
+        <p:spPr/>
+        <p:txBody>
+          <a:bodyPr/>
+          <a:lstStyle/>
+          <a:p>
+            <a:r>
+              <a:rPr lang="de-DE" smtClean="0"/>
+              <a:t>Willkommen zum Java-Kurs</a:t>
+            </a:r>
+            <a:r>
+              <a:rPr lang="de-DE" baseline="0" smtClean="0"/>
+              <a:t> mit unserem humanoiden Roboter NAO</a:t>
+            </a:r>
+            <a:r>
+              <a:rPr lang="de-DE" baseline="0" dirty="0" smtClean="0"/>
+              <a:t>.</a:t>
+            </a:r>
+          </a:p>
+          <a:p>
+            <a:r>
+              <a:rPr lang="de-DE" baseline="0" smtClean="0"/>
+              <a:t>Wir lernen heute die ersten Schritte um mit der Programmiersprache „Java“ umzugehen</a:t>
+            </a:r>
+            <a:r>
+              <a:rPr lang="de-DE" baseline="0" dirty="0" smtClean="0"/>
+              <a:t>.</a:t>
+            </a:r>
+          </a:p>
+          <a:p>
+            <a:endParaRPr lang="de-DE" baseline="0" dirty="0" smtClean="0"/>
+          </a:p>
+          <a:p>
+            <a:r>
+              <a:rPr lang="de-DE" i="1" baseline="0" smtClean="0"/>
+              <a:t>Überleitung: </a:t>
+            </a:r>
+            <a:r>
+              <a:rPr lang="de-DE" baseline="0" smtClean="0"/>
+              <a:t>Java ist eine von sehr vielen Programmiersprachen, mit denen man einem Computer genau sagen kann was er machen soll</a:t>
+            </a:r>
+            <a:r>
+              <a:rPr lang="de-DE" baseline="0" dirty="0" smtClean="0"/>
+              <a:t>.</a:t>
+            </a:r>
+            <a:endParaRPr lang="de-DE" baseline="0" dirty="0"/>
+          </a:p>
+        </p:txBody>
+      </p:sp>
+      <p:sp>
+        <p:nvSpPr>
+          <p:cNvPr id="4" name="Foliennummernplatzhalter 3"/>
+          <p:cNvSpPr>
+            <a:spLocks noGrp="1"/>
+          </p:cNvSpPr>
+          <p:nvPr>
+            <p:ph type="sldNum" sz="quarter" idx="10"/>
+          </p:nvPr>
+        </p:nvSpPr>
+        <p:spPr/>
+        <p:txBody>
+          <a:bodyPr/>
+          <a:lstStyle/>
+          <a:p>
+            <a:fld id="{16070E50-C463-4A5B-AC29-20274F3F33D2}" type="slidenum">
+              <a:rPr lang="de-DE" smtClean="0"/>
+              <a:t>50</a:t>
+            </a:fld>
+            <a:endParaRPr lang="de-DE" dirty="0"/>
+          </a:p>
+        </p:txBody>
+      </p:sp>
+    </p:spTree>
+    <p:extLst>
+      <p:ext uri="{BB962C8B-B14F-4D97-AF65-F5344CB8AC3E}">
+        <p14:creationId xmlns:p14="http://schemas.microsoft.com/office/powerpoint/2010/main" val="1292877850"/>
+      </p:ext>
+    </p:extLst>
+  </p:cSld>
+  <p:clrMapOvr>
+    <a:masterClrMapping/>
+  </p:clrMapOvr>
+</p:notes>
+</file>
+
+<file path=ppt/notesSlides/notesSlide51.xml><?xml version="1.0" encoding="utf-8"?>
+<p:notes xmlns:a="http://schemas.openxmlformats.org/drawingml/2006/main" xmlns:r="http://schemas.openxmlformats.org/officeDocument/2006/relationships" xmlns:p="http://schemas.openxmlformats.org/presentationml/2006/main">
+  <p:cSld>
+    <p:spTree>
+      <p:nvGrpSpPr>
+        <p:cNvPr id="1" name=""/>
+        <p:cNvGrpSpPr/>
+        <p:nvPr/>
+      </p:nvGrpSpPr>
+      <p:grpSpPr>
+        <a:xfrm>
+          <a:off x="0" y="0"/>
+          <a:ext cx="0" cy="0"/>
+          <a:chOff x="0" y="0"/>
+          <a:chExt cx="0" cy="0"/>
+        </a:xfrm>
+      </p:grpSpPr>
+      <p:sp>
+        <p:nvSpPr>
+          <p:cNvPr id="2" name="Folienbildplatzhalter 1"/>
+          <p:cNvSpPr>
+            <a:spLocks noGrp="1" noRot="1" noChangeAspect="1"/>
+          </p:cNvSpPr>
+          <p:nvPr>
+            <p:ph type="sldImg"/>
+          </p:nvPr>
+        </p:nvSpPr>
+        <p:spPr/>
+      </p:sp>
+      <p:sp>
+        <p:nvSpPr>
+          <p:cNvPr id="3" name="Notizenplatzhalter 2"/>
+          <p:cNvSpPr>
+            <a:spLocks noGrp="1"/>
+          </p:cNvSpPr>
+          <p:nvPr>
+            <p:ph type="body" idx="1"/>
+          </p:nvPr>
+        </p:nvSpPr>
+        <p:spPr/>
+        <p:txBody>
+          <a:bodyPr/>
+          <a:lstStyle/>
+          <a:p>
+            <a:endParaRPr lang="de-DE" i="0" u="none" baseline="0" dirty="0" smtClean="0">
+              <a:sym typeface="Wingdings" panose="05000000000000000000" pitchFamily="2" charset="2"/>
+            </a:endParaRPr>
+          </a:p>
+        </p:txBody>
+      </p:sp>
+      <p:sp>
+        <p:nvSpPr>
+          <p:cNvPr id="4" name="Foliennummernplatzhalter 3"/>
+          <p:cNvSpPr>
+            <a:spLocks noGrp="1"/>
+          </p:cNvSpPr>
+          <p:nvPr>
+            <p:ph type="sldNum" sz="quarter" idx="10"/>
+          </p:nvPr>
+        </p:nvSpPr>
+        <p:spPr/>
+        <p:txBody>
+          <a:bodyPr/>
+          <a:lstStyle/>
+          <a:p>
+            <a:fld id="{16070E50-C463-4A5B-AC29-20274F3F33D2}" type="slidenum">
+              <a:rPr lang="de-DE" smtClean="0"/>
+              <a:t>51</a:t>
+            </a:fld>
+            <a:endParaRPr lang="de-DE"/>
+          </a:p>
+        </p:txBody>
+      </p:sp>
+    </p:spTree>
+    <p:extLst>
+      <p:ext uri="{BB962C8B-B14F-4D97-AF65-F5344CB8AC3E}">
+        <p14:creationId xmlns:p14="http://schemas.microsoft.com/office/powerpoint/2010/main" val="4168019596"/>
       </p:ext>
     </p:extLst>
   </p:cSld>
@@ -4095,7 +6191,7 @@
           <a:p>
             <a:fld id="{82DEAF87-53B6-4B16-83D2-2F0231427512}" type="datetimeFigureOut">
               <a:rPr lang="de-DE" smtClean="0"/>
-              <a:t>24.03.2017</a:t>
+              <a:t>31.03.2017</a:t>
             </a:fld>
             <a:endParaRPr lang="de-DE"/>
           </a:p>
@@ -4312,7 +6408,7 @@
           <a:p>
             <a:fld id="{82DEAF87-53B6-4B16-83D2-2F0231427512}" type="datetimeFigureOut">
               <a:rPr lang="de-DE" smtClean="0"/>
-              <a:t>24.03.2017</a:t>
+              <a:t>31.03.2017</a:t>
             </a:fld>
             <a:endParaRPr lang="de-DE"/>
           </a:p>
@@ -4522,7 +6618,7 @@
           <a:p>
             <a:fld id="{82DEAF87-53B6-4B16-83D2-2F0231427512}" type="datetimeFigureOut">
               <a:rPr lang="de-DE" smtClean="0"/>
-              <a:t>24.03.2017</a:t>
+              <a:t>31.03.2017</a:t>
             </a:fld>
             <a:endParaRPr lang="de-DE"/>
           </a:p>
@@ -4798,7 +6894,7 @@
           <a:p>
             <a:fld id="{82DEAF87-53B6-4B16-83D2-2F0231427512}" type="datetimeFigureOut">
               <a:rPr lang="de-DE" smtClean="0"/>
-              <a:t>24.03.2017</a:t>
+              <a:t>31.03.2017</a:t>
             </a:fld>
             <a:endParaRPr lang="de-DE"/>
           </a:p>
@@ -5081,7 +7177,7 @@
           <a:p>
             <a:fld id="{82DEAF87-53B6-4B16-83D2-2F0231427512}" type="datetimeFigureOut">
               <a:rPr lang="de-DE" smtClean="0"/>
-              <a:t>24.03.2017</a:t>
+              <a:t>31.03.2017</a:t>
             </a:fld>
             <a:endParaRPr lang="de-DE"/>
           </a:p>
@@ -5407,7 +7503,7 @@
           <a:p>
             <a:fld id="{82DEAF87-53B6-4B16-83D2-2F0231427512}" type="datetimeFigureOut">
               <a:rPr lang="de-DE" smtClean="0"/>
-              <a:t>24.03.2017</a:t>
+              <a:t>31.03.2017</a:t>
             </a:fld>
             <a:endParaRPr lang="de-DE"/>
           </a:p>
@@ -5873,7 +7969,7 @@
           <a:p>
             <a:fld id="{82DEAF87-53B6-4B16-83D2-2F0231427512}" type="datetimeFigureOut">
               <a:rPr lang="de-DE" smtClean="0"/>
-              <a:t>24.03.2017</a:t>
+              <a:t>31.03.2017</a:t>
             </a:fld>
             <a:endParaRPr lang="de-DE"/>
           </a:p>
@@ -6023,7 +8119,7 @@
           <a:p>
             <a:fld id="{82DEAF87-53B6-4B16-83D2-2F0231427512}" type="datetimeFigureOut">
               <a:rPr lang="de-DE" smtClean="0"/>
-              <a:t>24.03.2017</a:t>
+              <a:t>31.03.2017</a:t>
             </a:fld>
             <a:endParaRPr lang="de-DE"/>
           </a:p>
@@ -6142,7 +8238,7 @@
           <a:p>
             <a:fld id="{82DEAF87-53B6-4B16-83D2-2F0231427512}" type="datetimeFigureOut">
               <a:rPr lang="de-DE" smtClean="0"/>
-              <a:t>24.03.2017</a:t>
+              <a:t>31.03.2017</a:t>
             </a:fld>
             <a:endParaRPr lang="de-DE"/>
           </a:p>
@@ -6452,7 +8548,7 @@
           <a:p>
             <a:fld id="{82DEAF87-53B6-4B16-83D2-2F0231427512}" type="datetimeFigureOut">
               <a:rPr lang="de-DE" smtClean="0"/>
-              <a:t>24.03.2017</a:t>
+              <a:t>31.03.2017</a:t>
             </a:fld>
             <a:endParaRPr lang="de-DE"/>
           </a:p>
@@ -6738,7 +8834,7 @@
           <a:p>
             <a:fld id="{82DEAF87-53B6-4B16-83D2-2F0231427512}" type="datetimeFigureOut">
               <a:rPr lang="de-DE" smtClean="0"/>
-              <a:t>24.03.2017</a:t>
+              <a:t>31.03.2017</a:t>
             </a:fld>
             <a:endParaRPr lang="de-DE"/>
           </a:p>
@@ -7629,13 +9725,13 @@
   <p:clrMapOvr>
     <a:masterClrMapping/>
   </p:clrMapOvr>
-  <mc:AlternateContent xmlns:mc="http://schemas.openxmlformats.org/markup-compatibility/2006">
-    <mc:Choice xmlns:p14="http://schemas.microsoft.com/office/powerpoint/2010/main" Requires="p14">
+  <mc:AlternateContent xmlns:mc="http://schemas.openxmlformats.org/markup-compatibility/2006" xmlns:p14="http://schemas.microsoft.com/office/powerpoint/2010/main">
+    <mc:Choice Requires="p14">
       <p:transition spd="slow" p14:dur="800">
         <p14:flythrough/>
       </p:transition>
     </mc:Choice>
-    <mc:Fallback>
+    <mc:Fallback xmlns="">
       <p:transition spd="slow">
         <p:fade/>
       </p:transition>
@@ -8035,11 +10131,7 @@
           <a:p>
             <a:r>
               <a:rPr lang="de-DE" sz="2000" dirty="0" smtClean="0"/>
-              <a:t>Jedes </a:t>
-            </a:r>
-            <a:r>
-              <a:rPr lang="de-DE" sz="2000" dirty="0" smtClean="0"/>
-              <a:t>Java-Programm</a:t>
+              <a:t>Jedes Java-Programm</a:t>
             </a:r>
             <a:br>
               <a:rPr lang="de-DE" sz="2000" dirty="0" smtClean="0"/>
@@ -8338,11 +10430,7 @@
           <a:p>
             <a:r>
               <a:rPr lang="de-DE" sz="2000" dirty="0" smtClean="0"/>
-              <a:t>Dieses </a:t>
-            </a:r>
-            <a:r>
-              <a:rPr lang="de-DE" sz="2000" dirty="0" smtClean="0"/>
-              <a:t>Programm</a:t>
+              <a:t>Dieses Programm</a:t>
             </a:r>
             <a:r>
               <a:rPr lang="de-DE" sz="2000" dirty="0"/>
@@ -8836,11 +10924,7 @@
           <a:p>
             <a:r>
               <a:rPr lang="de-DE" sz="2000" dirty="0" smtClean="0"/>
-              <a:t>Wir </a:t>
-            </a:r>
-            <a:r>
-              <a:rPr lang="de-DE" sz="2000" dirty="0" smtClean="0"/>
-              <a:t>wollen unser Programm jetzt rechnen lassen</a:t>
+              <a:t>Wir wollen unser Programm jetzt rechnen lassen</a:t>
             </a:r>
             <a:endParaRPr lang="de-DE" sz="2000" dirty="0"/>
           </a:p>
@@ -10618,11 +12702,7 @@
           <a:p>
             <a:r>
               <a:rPr lang="de-DE" sz="2000" dirty="0" smtClean="0"/>
-              <a:t>Computer </a:t>
-            </a:r>
-            <a:r>
-              <a:rPr lang="de-DE" sz="2000" dirty="0" smtClean="0"/>
-              <a:t>speichern alles in Nullen und Einsen</a:t>
+              <a:t>Computer speichern alles in Nullen und Einsen</a:t>
             </a:r>
             <a:endParaRPr lang="de-DE" sz="2000" dirty="0"/>
           </a:p>
@@ -11642,23 +13722,7 @@
                   <a:srgbClr val="831420"/>
                 </a:solidFill>
               </a:rPr>
-              <a:t>Aufgabe: </a:t>
-            </a:r>
-            <a:r>
-              <a:rPr lang="de-DE" dirty="0" smtClean="0">
-                <a:solidFill>
-                  <a:srgbClr val="831420"/>
-                </a:solidFill>
-              </a:rPr>
-              <a:t>Rechnen                                   </a:t>
-            </a:r>
-            <a:r>
-              <a:rPr lang="de-DE" dirty="0" smtClean="0">
-                <a:solidFill>
-                  <a:srgbClr val="831420"/>
-                </a:solidFill>
-              </a:rPr>
-              <a:t>[1]</a:t>
+              <a:t>Aufgabe: Rechnen                                   [1]</a:t>
             </a:r>
             <a:endParaRPr lang="de-DE" dirty="0">
               <a:solidFill>
@@ -15240,7 +17304,6 @@
               <a:rPr lang="de-DE" sz="2000" b="1" dirty="0" smtClean="0"/>
               <a:t>-Schleife</a:t>
             </a:r>
-            <a:endParaRPr lang="de-DE" sz="2000" b="1" dirty="0" smtClean="0"/>
           </a:p>
           <a:p>
             <a:endParaRPr lang="de-DE" sz="2000" b="1" dirty="0"/>
@@ -16433,6 +18496,3563 @@
 </p:sld>
 </file>
 
+<file path=ppt/slides/slide31.xml><?xml version="1.0" encoding="utf-8"?>
+<p:sld xmlns:a="http://schemas.openxmlformats.org/drawingml/2006/main" xmlns:r="http://schemas.openxmlformats.org/officeDocument/2006/relationships" xmlns:p="http://schemas.openxmlformats.org/presentationml/2006/main">
+  <p:cSld>
+    <p:spTree>
+      <p:nvGrpSpPr>
+        <p:cNvPr id="1" name=""/>
+        <p:cNvGrpSpPr/>
+        <p:nvPr/>
+      </p:nvGrpSpPr>
+      <p:grpSpPr>
+        <a:xfrm>
+          <a:off x="0" y="0"/>
+          <a:ext cx="0" cy="0"/>
+          <a:chOff x="0" y="0"/>
+          <a:chExt cx="0" cy="0"/>
+        </a:xfrm>
+      </p:grpSpPr>
+      <p:sp>
+        <p:nvSpPr>
+          <p:cNvPr id="2" name="Titel 1"/>
+          <p:cNvSpPr>
+            <a:spLocks noGrp="1"/>
+          </p:cNvSpPr>
+          <p:nvPr>
+            <p:ph type="title"/>
+          </p:nvPr>
+        </p:nvSpPr>
+        <p:spPr/>
+        <p:txBody>
+          <a:bodyPr/>
+          <a:lstStyle/>
+          <a:p>
+            <a:r>
+              <a:rPr lang="de-DE" smtClean="0">
+                <a:solidFill>
+                  <a:srgbClr val="831420"/>
+                </a:solidFill>
+              </a:rPr>
+              <a:t>Themen</a:t>
+            </a:r>
+            <a:endParaRPr lang="de-DE" dirty="0">
+              <a:solidFill>
+                <a:srgbClr val="831420"/>
+              </a:solidFill>
+            </a:endParaRPr>
+          </a:p>
+        </p:txBody>
+      </p:sp>
+      <p:sp>
+        <p:nvSpPr>
+          <p:cNvPr id="3" name="Inhaltsplatzhalter 2"/>
+          <p:cNvSpPr>
+            <a:spLocks noGrp="1"/>
+          </p:cNvSpPr>
+          <p:nvPr>
+            <p:ph idx="4294967295"/>
+          </p:nvPr>
+        </p:nvSpPr>
+        <p:spPr>
+          <a:xfrm>
+            <a:off x="179512" y="900000"/>
+            <a:ext cx="8496944" cy="4153744"/>
+          </a:xfrm>
+          <a:prstGeom prst="rect">
+            <a:avLst/>
+          </a:prstGeom>
+        </p:spPr>
+        <p:txBody>
+          <a:bodyPr anchor="ctr"/>
+          <a:lstStyle/>
+          <a:p>
+            <a:pPr marL="0" indent="0">
+              <a:buNone/>
+            </a:pPr>
+            <a:r>
+              <a:rPr lang="de-DE" sz="2000" dirty="0" smtClean="0">
+                <a:solidFill>
+                  <a:schemeClr val="bg1">
+                    <a:lumMod val="75000"/>
+                  </a:schemeClr>
+                </a:solidFill>
+              </a:rPr>
+              <a:t>Was ist ein Programm</a:t>
+            </a:r>
+            <a:r>
+              <a:rPr lang="de-DE" sz="2000" dirty="0">
+                <a:solidFill>
+                  <a:schemeClr val="bg1">
+                    <a:lumMod val="75000"/>
+                  </a:schemeClr>
+                </a:solidFill>
+              </a:rPr>
+              <a:t>?</a:t>
+            </a:r>
+          </a:p>
+          <a:p>
+            <a:pPr marL="0" indent="0">
+              <a:buNone/>
+            </a:pPr>
+            <a:r>
+              <a:rPr lang="de-DE" sz="2000" dirty="0" smtClean="0">
+                <a:solidFill>
+                  <a:schemeClr val="bg1">
+                    <a:lumMod val="75000"/>
+                  </a:schemeClr>
+                </a:solidFill>
+              </a:rPr>
+              <a:t>Syntax und Semantik</a:t>
+            </a:r>
+            <a:endParaRPr lang="de-DE" sz="2000" dirty="0">
+              <a:solidFill>
+                <a:schemeClr val="bg1">
+                  <a:lumMod val="75000"/>
+                </a:schemeClr>
+              </a:solidFill>
+            </a:endParaRPr>
+          </a:p>
+          <a:p>
+            <a:pPr marL="0" indent="0">
+              <a:buNone/>
+            </a:pPr>
+            <a:r>
+              <a:rPr lang="de-DE" sz="2000" dirty="0" smtClean="0">
+                <a:solidFill>
+                  <a:schemeClr val="bg1">
+                    <a:lumMod val="75000"/>
+                  </a:schemeClr>
+                </a:solidFill>
+              </a:rPr>
+              <a:t>Ein erstes Programm</a:t>
+            </a:r>
+            <a:endParaRPr lang="de-DE" sz="2000" dirty="0">
+              <a:solidFill>
+                <a:schemeClr val="bg1">
+                  <a:lumMod val="75000"/>
+                </a:schemeClr>
+              </a:solidFill>
+            </a:endParaRPr>
+          </a:p>
+          <a:p>
+            <a:pPr marL="0" indent="0">
+              <a:buNone/>
+            </a:pPr>
+            <a:r>
+              <a:rPr lang="de-DE" sz="2000" dirty="0" smtClean="0">
+                <a:solidFill>
+                  <a:schemeClr val="bg1">
+                    <a:lumMod val="75000"/>
+                  </a:schemeClr>
+                </a:solidFill>
+              </a:rPr>
+              <a:t>Primitive Datentypen und Variablen</a:t>
+            </a:r>
+            <a:endParaRPr lang="de-DE" sz="2000" dirty="0">
+              <a:solidFill>
+                <a:schemeClr val="bg1">
+                  <a:lumMod val="75000"/>
+                </a:schemeClr>
+              </a:solidFill>
+            </a:endParaRPr>
+          </a:p>
+          <a:p>
+            <a:pPr marL="0" indent="0">
+              <a:buNone/>
+            </a:pPr>
+            <a:r>
+              <a:rPr lang="de-DE" sz="2000" dirty="0" smtClean="0">
+                <a:solidFill>
+                  <a:schemeClr val="bg1">
+                    <a:lumMod val="75000"/>
+                  </a:schemeClr>
+                </a:solidFill>
+              </a:rPr>
+              <a:t>Abfragen, Schleifen</a:t>
+            </a:r>
+            <a:endParaRPr lang="de-DE" sz="2000" dirty="0">
+              <a:solidFill>
+                <a:schemeClr val="bg1">
+                  <a:lumMod val="75000"/>
+                </a:schemeClr>
+              </a:solidFill>
+            </a:endParaRPr>
+          </a:p>
+          <a:p>
+            <a:pPr marL="0" indent="0">
+              <a:buNone/>
+            </a:pPr>
+            <a:r>
+              <a:rPr lang="de-DE" sz="2000" i="1" dirty="0"/>
+              <a:t>Objektorientierung:</a:t>
+            </a:r>
+          </a:p>
+          <a:p>
+            <a:pPr marL="0" indent="0">
+              <a:buNone/>
+            </a:pPr>
+            <a:r>
+              <a:rPr lang="de-DE" sz="2000" dirty="0" smtClean="0">
+                <a:solidFill>
+                  <a:schemeClr val="bg1">
+                    <a:lumMod val="75000"/>
+                  </a:schemeClr>
+                </a:solidFill>
+              </a:rPr>
+              <a:t>    </a:t>
+            </a:r>
+            <a:r>
+              <a:rPr lang="de-DE" sz="2000" b="1" dirty="0" smtClean="0"/>
+              <a:t>Klassen und Objekte</a:t>
+            </a:r>
+            <a:endParaRPr lang="de-DE" sz="2000" b="1" dirty="0"/>
+          </a:p>
+          <a:p>
+            <a:pPr marL="0" indent="0">
+              <a:buNone/>
+            </a:pPr>
+            <a:r>
+              <a:rPr lang="de-DE" sz="2000" dirty="0" smtClean="0">
+                <a:solidFill>
+                  <a:schemeClr val="bg1">
+                    <a:lumMod val="75000"/>
+                  </a:schemeClr>
+                </a:solidFill>
+              </a:rPr>
+              <a:t>    </a:t>
+            </a:r>
+            <a:r>
+              <a:rPr lang="de-DE" sz="2000" b="1" dirty="0" smtClean="0"/>
+              <a:t>Attribute und Methoden</a:t>
+            </a:r>
+            <a:endParaRPr lang="de-DE" sz="2000" b="1" dirty="0"/>
+          </a:p>
+          <a:p>
+            <a:pPr marL="0" indent="0">
+              <a:buNone/>
+            </a:pPr>
+            <a:r>
+              <a:rPr lang="de-DE" sz="2000" dirty="0">
+                <a:solidFill>
+                  <a:schemeClr val="bg1">
+                    <a:lumMod val="75000"/>
+                  </a:schemeClr>
+                </a:solidFill>
+              </a:rPr>
+              <a:t>Namenskonvention</a:t>
+            </a:r>
+          </a:p>
+          <a:p>
+            <a:pPr marL="0" indent="0">
+              <a:buNone/>
+            </a:pPr>
+            <a:r>
+              <a:rPr lang="de-DE" sz="2000" dirty="0" smtClean="0">
+                <a:solidFill>
+                  <a:schemeClr val="bg1">
+                    <a:lumMod val="75000"/>
+                  </a:schemeClr>
+                </a:solidFill>
+              </a:rPr>
+              <a:t>Strings und Arrays</a:t>
+            </a:r>
+            <a:endParaRPr lang="de-DE" sz="2000" dirty="0">
+              <a:solidFill>
+                <a:schemeClr val="bg1">
+                  <a:lumMod val="75000"/>
+                </a:schemeClr>
+              </a:solidFill>
+            </a:endParaRPr>
+          </a:p>
+        </p:txBody>
+      </p:sp>
+    </p:spTree>
+    <p:extLst>
+      <p:ext uri="{BB962C8B-B14F-4D97-AF65-F5344CB8AC3E}">
+        <p14:creationId xmlns:p14="http://schemas.microsoft.com/office/powerpoint/2010/main" val="1057600308"/>
+      </p:ext>
+    </p:extLst>
+  </p:cSld>
+  <p:clrMapOvr>
+    <a:masterClrMapping/>
+  </p:clrMapOvr>
+  <mc:AlternateContent xmlns:mc="http://schemas.openxmlformats.org/markup-compatibility/2006" xmlns:p14="http://schemas.microsoft.com/office/powerpoint/2010/main">
+    <mc:Choice Requires="p14">
+      <p:transition spd="slow" p14:dur="800">
+        <p14:flythrough/>
+      </p:transition>
+    </mc:Choice>
+    <mc:Fallback xmlns="">
+      <p:transition spd="slow">
+        <p:fade/>
+      </p:transition>
+    </mc:Fallback>
+  </mc:AlternateContent>
+  <p:timing>
+    <p:tnLst>
+      <p:par>
+        <p:cTn id="1" dur="indefinite" restart="never" nodeType="tmRoot"/>
+      </p:par>
+    </p:tnLst>
+  </p:timing>
+</p:sld>
+</file>
+
+<file path=ppt/slides/slide32.xml><?xml version="1.0" encoding="utf-8"?>
+<p:sld xmlns:a="http://schemas.openxmlformats.org/drawingml/2006/main" xmlns:r="http://schemas.openxmlformats.org/officeDocument/2006/relationships" xmlns:p="http://schemas.openxmlformats.org/presentationml/2006/main">
+  <p:cSld>
+    <p:spTree>
+      <p:nvGrpSpPr>
+        <p:cNvPr id="1" name=""/>
+        <p:cNvGrpSpPr/>
+        <p:nvPr/>
+      </p:nvGrpSpPr>
+      <p:grpSpPr>
+        <a:xfrm>
+          <a:off x="0" y="0"/>
+          <a:ext cx="0" cy="0"/>
+          <a:chOff x="0" y="0"/>
+          <a:chExt cx="0" cy="0"/>
+        </a:xfrm>
+      </p:grpSpPr>
+      <p:sp>
+        <p:nvSpPr>
+          <p:cNvPr id="2" name="Titel 1"/>
+          <p:cNvSpPr>
+            <a:spLocks noGrp="1"/>
+          </p:cNvSpPr>
+          <p:nvPr>
+            <p:ph type="title"/>
+          </p:nvPr>
+        </p:nvSpPr>
+        <p:spPr/>
+        <p:txBody>
+          <a:bodyPr/>
+          <a:lstStyle/>
+          <a:p>
+            <a:r>
+              <a:rPr lang="de-DE" dirty="0" smtClean="0">
+                <a:solidFill>
+                  <a:srgbClr val="831420"/>
+                </a:solidFill>
+              </a:rPr>
+              <a:t>OO: Klassen und Objekte</a:t>
+            </a:r>
+            <a:endParaRPr lang="de-DE" dirty="0">
+              <a:solidFill>
+                <a:srgbClr val="831420"/>
+              </a:solidFill>
+            </a:endParaRPr>
+          </a:p>
+        </p:txBody>
+      </p:sp>
+      <p:sp>
+        <p:nvSpPr>
+          <p:cNvPr id="3" name="Inhaltsplatzhalter 2"/>
+          <p:cNvSpPr>
+            <a:spLocks noGrp="1"/>
+          </p:cNvSpPr>
+          <p:nvPr>
+            <p:ph idx="4294967295"/>
+          </p:nvPr>
+        </p:nvSpPr>
+        <p:spPr>
+          <a:xfrm>
+            <a:off x="179512" y="877280"/>
+            <a:ext cx="8496944" cy="4176464"/>
+          </a:xfrm>
+          <a:prstGeom prst="rect">
+            <a:avLst/>
+          </a:prstGeom>
+        </p:spPr>
+        <p:txBody>
+          <a:bodyPr anchor="t"/>
+          <a:lstStyle/>
+          <a:p>
+            <a:r>
+              <a:rPr lang="de-DE" sz="2000" u="sng" dirty="0" smtClean="0"/>
+              <a:t>Klassen</a:t>
+            </a:r>
+            <a:r>
+              <a:rPr lang="de-DE" sz="2000" dirty="0" smtClean="0"/>
+              <a:t> sind wie </a:t>
+            </a:r>
+            <a:r>
+              <a:rPr lang="de-DE" sz="2000" b="1" dirty="0" smtClean="0"/>
+              <a:t>Baupläne </a:t>
+            </a:r>
+            <a:r>
+              <a:rPr lang="de-DE" sz="2000" dirty="0" smtClean="0"/>
+              <a:t>für </a:t>
+            </a:r>
+            <a:r>
+              <a:rPr lang="de-DE" sz="2000" u="sng" dirty="0" smtClean="0"/>
+              <a:t>Objekte</a:t>
+            </a:r>
+          </a:p>
+          <a:p>
+            <a:endParaRPr lang="de-DE" sz="2000" b="1" u="sng" dirty="0"/>
+          </a:p>
+          <a:p>
+            <a:r>
+              <a:rPr lang="de-DE" sz="2000" dirty="0" smtClean="0"/>
+              <a:t>Klassen verfügen über Eigenschaften und Aktionen</a:t>
+            </a:r>
+          </a:p>
+          <a:p>
+            <a:pPr lvl="1"/>
+            <a:r>
+              <a:rPr lang="de-DE" sz="1600" dirty="0" smtClean="0"/>
+              <a:t>Alle Objekte der Klasse haben diese Eigenschaften und können diese Aktionen durchführen</a:t>
+            </a:r>
+          </a:p>
+          <a:p>
+            <a:endParaRPr lang="de-DE" sz="2000" dirty="0" smtClean="0"/>
+          </a:p>
+          <a:p>
+            <a:r>
+              <a:rPr lang="de-DE" sz="2000" dirty="0" smtClean="0"/>
+              <a:t>Eine Klasse ist wie ein neuer Datentyp für Variablen</a:t>
+            </a:r>
+          </a:p>
+          <a:p>
+            <a:pPr lvl="1"/>
+            <a:r>
+              <a:rPr lang="de-DE" sz="1600" dirty="0" smtClean="0"/>
+              <a:t>Variablen mit einer Klasse als Datentyp sind Objekte</a:t>
+            </a:r>
+            <a:endParaRPr lang="de-DE" sz="1600" dirty="0"/>
+          </a:p>
+        </p:txBody>
+      </p:sp>
+      <p:pic>
+        <p:nvPicPr>
+          <p:cNvPr id="5" name="Grafik 4"/>
+          <p:cNvPicPr>
+            <a:picLocks noChangeAspect="1"/>
+          </p:cNvPicPr>
+          <p:nvPr/>
+        </p:nvPicPr>
+        <p:blipFill>
+          <a:blip r:embed="rId3">
+            <a:extLst>
+              <a:ext uri="{28A0092B-C50C-407E-A947-70E740481C1C}">
+                <a14:useLocalDpi xmlns:a14="http://schemas.microsoft.com/office/drawing/2010/main" val="0"/>
+              </a:ext>
+            </a:extLst>
+          </a:blip>
+          <a:stretch>
+            <a:fillRect/>
+          </a:stretch>
+        </p:blipFill>
+        <p:spPr>
+          <a:xfrm>
+            <a:off x="4964623" y="3973622"/>
+            <a:ext cx="2705478" cy="466790"/>
+          </a:xfrm>
+          <a:prstGeom prst="rect">
+            <a:avLst/>
+          </a:prstGeom>
+        </p:spPr>
+      </p:pic>
+      <p:pic>
+        <p:nvPicPr>
+          <p:cNvPr id="9" name="Grafik 8"/>
+          <p:cNvPicPr>
+            <a:picLocks noChangeAspect="1"/>
+          </p:cNvPicPr>
+          <p:nvPr/>
+        </p:nvPicPr>
+        <p:blipFill>
+          <a:blip r:embed="rId4">
+            <a:extLst>
+              <a:ext uri="{28A0092B-C50C-407E-A947-70E740481C1C}">
+                <a14:useLocalDpi xmlns:a14="http://schemas.microsoft.com/office/drawing/2010/main" val="0"/>
+              </a:ext>
+            </a:extLst>
+          </a:blip>
+          <a:stretch>
+            <a:fillRect/>
+          </a:stretch>
+        </p:blipFill>
+        <p:spPr>
+          <a:xfrm>
+            <a:off x="933539" y="3573516"/>
+            <a:ext cx="3277057" cy="1267002"/>
+          </a:xfrm>
+          <a:prstGeom prst="rect">
+            <a:avLst/>
+          </a:prstGeom>
+        </p:spPr>
+      </p:pic>
+    </p:spTree>
+    <p:extLst>
+      <p:ext uri="{BB962C8B-B14F-4D97-AF65-F5344CB8AC3E}">
+        <p14:creationId xmlns:p14="http://schemas.microsoft.com/office/powerpoint/2010/main" val="752978748"/>
+      </p:ext>
+    </p:extLst>
+  </p:cSld>
+  <p:clrMapOvr>
+    <a:masterClrMapping/>
+  </p:clrMapOvr>
+  <mc:AlternateContent xmlns:mc="http://schemas.openxmlformats.org/markup-compatibility/2006" xmlns:p14="http://schemas.microsoft.com/office/powerpoint/2010/main">
+    <mc:Choice Requires="p14">
+      <p:transition spd="slow" p14:dur="800">
+        <p14:flythrough/>
+      </p:transition>
+    </mc:Choice>
+    <mc:Fallback xmlns="">
+      <p:transition spd="slow">
+        <p:fade/>
+      </p:transition>
+    </mc:Fallback>
+  </mc:AlternateContent>
+  <p:timing>
+    <p:tnLst>
+      <p:par>
+        <p:cTn id="1" dur="indefinite" restart="never" nodeType="tmRoot">
+          <p:childTnLst>
+            <p:seq concurrent="1" nextAc="seek">
+              <p:cTn id="2" dur="indefinite" nodeType="mainSeq">
+                <p:childTnLst>
+                  <p:par>
+                    <p:cTn id="3" fill="hold">
+                      <p:stCondLst>
+                        <p:cond delay="indefinite"/>
+                      </p:stCondLst>
+                      <p:childTnLst>
+                        <p:par>
+                          <p:cTn id="4" fill="hold">
+                            <p:stCondLst>
+                              <p:cond delay="0"/>
+                            </p:stCondLst>
+                            <p:childTnLst>
+                              <p:par>
+                                <p:cTn id="5" presetID="10" presetClass="entr" presetSubtype="0" fill="hold" nodeType="clickEffect">
+                                  <p:stCondLst>
+                                    <p:cond delay="0"/>
+                                  </p:stCondLst>
+                                  <p:childTnLst>
+                                    <p:set>
+                                      <p:cBhvr>
+                                        <p:cTn id="6" dur="1" fill="hold">
+                                          <p:stCondLst>
+                                            <p:cond delay="0"/>
+                                          </p:stCondLst>
+                                        </p:cTn>
+                                        <p:tgtEl>
+                                          <p:spTgt spid="3">
+                                            <p:txEl>
+                                              <p:pRg st="2" end="2"/>
+                                            </p:txEl>
+                                          </p:spTgt>
+                                        </p:tgtEl>
+                                        <p:attrNameLst>
+                                          <p:attrName>style.visibility</p:attrName>
+                                        </p:attrNameLst>
+                                      </p:cBhvr>
+                                      <p:to>
+                                        <p:strVal val="visible"/>
+                                      </p:to>
+                                    </p:set>
+                                    <p:animEffect transition="in" filter="fade">
+                                      <p:cBhvr>
+                                        <p:cTn id="7" dur="500"/>
+                                        <p:tgtEl>
+                                          <p:spTgt spid="3">
+                                            <p:txEl>
+                                              <p:pRg st="2" end="2"/>
+                                            </p:txEl>
+                                          </p:spTgt>
+                                        </p:tgtEl>
+                                      </p:cBhvr>
+                                    </p:animEffect>
+                                  </p:childTnLst>
+                                </p:cTn>
+                              </p:par>
+                              <p:par>
+                                <p:cTn id="8" presetID="10" presetClass="entr" presetSubtype="0" fill="hold" nodeType="withEffect">
+                                  <p:stCondLst>
+                                    <p:cond delay="0"/>
+                                  </p:stCondLst>
+                                  <p:childTnLst>
+                                    <p:set>
+                                      <p:cBhvr>
+                                        <p:cTn id="9" dur="1" fill="hold">
+                                          <p:stCondLst>
+                                            <p:cond delay="0"/>
+                                          </p:stCondLst>
+                                        </p:cTn>
+                                        <p:tgtEl>
+                                          <p:spTgt spid="3">
+                                            <p:txEl>
+                                              <p:pRg st="3" end="3"/>
+                                            </p:txEl>
+                                          </p:spTgt>
+                                        </p:tgtEl>
+                                        <p:attrNameLst>
+                                          <p:attrName>style.visibility</p:attrName>
+                                        </p:attrNameLst>
+                                      </p:cBhvr>
+                                      <p:to>
+                                        <p:strVal val="visible"/>
+                                      </p:to>
+                                    </p:set>
+                                    <p:animEffect transition="in" filter="fade">
+                                      <p:cBhvr>
+                                        <p:cTn id="10" dur="500"/>
+                                        <p:tgtEl>
+                                          <p:spTgt spid="3">
+                                            <p:txEl>
+                                              <p:pRg st="3" end="3"/>
+                                            </p:txEl>
+                                          </p:spTgt>
+                                        </p:tgtEl>
+                                      </p:cBhvr>
+                                    </p:animEffect>
+                                  </p:childTnLst>
+                                </p:cTn>
+                              </p:par>
+                            </p:childTnLst>
+                          </p:cTn>
+                        </p:par>
+                      </p:childTnLst>
+                    </p:cTn>
+                  </p:par>
+                  <p:par>
+                    <p:cTn id="11" fill="hold">
+                      <p:stCondLst>
+                        <p:cond delay="indefinite"/>
+                      </p:stCondLst>
+                      <p:childTnLst>
+                        <p:par>
+                          <p:cTn id="12" fill="hold">
+                            <p:stCondLst>
+                              <p:cond delay="0"/>
+                            </p:stCondLst>
+                            <p:childTnLst>
+                              <p:par>
+                                <p:cTn id="13" presetID="10" presetClass="entr" presetSubtype="0" fill="hold" nodeType="clickEffect">
+                                  <p:stCondLst>
+                                    <p:cond delay="0"/>
+                                  </p:stCondLst>
+                                  <p:childTnLst>
+                                    <p:set>
+                                      <p:cBhvr>
+                                        <p:cTn id="14" dur="1" fill="hold">
+                                          <p:stCondLst>
+                                            <p:cond delay="0"/>
+                                          </p:stCondLst>
+                                        </p:cTn>
+                                        <p:tgtEl>
+                                          <p:spTgt spid="3">
+                                            <p:txEl>
+                                              <p:pRg st="5" end="5"/>
+                                            </p:txEl>
+                                          </p:spTgt>
+                                        </p:tgtEl>
+                                        <p:attrNameLst>
+                                          <p:attrName>style.visibility</p:attrName>
+                                        </p:attrNameLst>
+                                      </p:cBhvr>
+                                      <p:to>
+                                        <p:strVal val="visible"/>
+                                      </p:to>
+                                    </p:set>
+                                    <p:animEffect transition="in" filter="fade">
+                                      <p:cBhvr>
+                                        <p:cTn id="15" dur="500"/>
+                                        <p:tgtEl>
+                                          <p:spTgt spid="3">
+                                            <p:txEl>
+                                              <p:pRg st="5" end="5"/>
+                                            </p:txEl>
+                                          </p:spTgt>
+                                        </p:tgtEl>
+                                      </p:cBhvr>
+                                    </p:animEffect>
+                                  </p:childTnLst>
+                                </p:cTn>
+                              </p:par>
+                              <p:par>
+                                <p:cTn id="16" presetID="10" presetClass="entr" presetSubtype="0" fill="hold" nodeType="withEffect">
+                                  <p:stCondLst>
+                                    <p:cond delay="0"/>
+                                  </p:stCondLst>
+                                  <p:childTnLst>
+                                    <p:set>
+                                      <p:cBhvr>
+                                        <p:cTn id="17" dur="1" fill="hold">
+                                          <p:stCondLst>
+                                            <p:cond delay="0"/>
+                                          </p:stCondLst>
+                                        </p:cTn>
+                                        <p:tgtEl>
+                                          <p:spTgt spid="3">
+                                            <p:txEl>
+                                              <p:pRg st="6" end="6"/>
+                                            </p:txEl>
+                                          </p:spTgt>
+                                        </p:tgtEl>
+                                        <p:attrNameLst>
+                                          <p:attrName>style.visibility</p:attrName>
+                                        </p:attrNameLst>
+                                      </p:cBhvr>
+                                      <p:to>
+                                        <p:strVal val="visible"/>
+                                      </p:to>
+                                    </p:set>
+                                    <p:animEffect transition="in" filter="fade">
+                                      <p:cBhvr>
+                                        <p:cTn id="18" dur="500"/>
+                                        <p:tgtEl>
+                                          <p:spTgt spid="3">
+                                            <p:txEl>
+                                              <p:pRg st="6" end="6"/>
+                                            </p:txEl>
+                                          </p:spTgt>
+                                        </p:tgtEl>
+                                      </p:cBhvr>
+                                    </p:animEffect>
+                                  </p:childTnLst>
+                                </p:cTn>
+                              </p:par>
+                            </p:childTnLst>
+                          </p:cTn>
+                        </p:par>
+                      </p:childTnLst>
+                    </p:cTn>
+                  </p:par>
+                  <p:par>
+                    <p:cTn id="19" fill="hold">
+                      <p:stCondLst>
+                        <p:cond delay="indefinite"/>
+                      </p:stCondLst>
+                      <p:childTnLst>
+                        <p:par>
+                          <p:cTn id="20" fill="hold">
+                            <p:stCondLst>
+                              <p:cond delay="0"/>
+                            </p:stCondLst>
+                            <p:childTnLst>
+                              <p:par>
+                                <p:cTn id="21" presetID="10" presetClass="entr" presetSubtype="0" fill="hold" nodeType="clickEffect">
+                                  <p:stCondLst>
+                                    <p:cond delay="0"/>
+                                  </p:stCondLst>
+                                  <p:childTnLst>
+                                    <p:set>
+                                      <p:cBhvr>
+                                        <p:cTn id="22" dur="1" fill="hold">
+                                          <p:stCondLst>
+                                            <p:cond delay="0"/>
+                                          </p:stCondLst>
+                                        </p:cTn>
+                                        <p:tgtEl>
+                                          <p:spTgt spid="9"/>
+                                        </p:tgtEl>
+                                        <p:attrNameLst>
+                                          <p:attrName>style.visibility</p:attrName>
+                                        </p:attrNameLst>
+                                      </p:cBhvr>
+                                      <p:to>
+                                        <p:strVal val="visible"/>
+                                      </p:to>
+                                    </p:set>
+                                    <p:animEffect transition="in" filter="fade">
+                                      <p:cBhvr>
+                                        <p:cTn id="23" dur="500"/>
+                                        <p:tgtEl>
+                                          <p:spTgt spid="9"/>
+                                        </p:tgtEl>
+                                      </p:cBhvr>
+                                    </p:animEffect>
+                                  </p:childTnLst>
+                                </p:cTn>
+                              </p:par>
+                              <p:par>
+                                <p:cTn id="24" presetID="10" presetClass="entr" presetSubtype="0" fill="hold" nodeType="withEffect">
+                                  <p:stCondLst>
+                                    <p:cond delay="0"/>
+                                  </p:stCondLst>
+                                  <p:childTnLst>
+                                    <p:set>
+                                      <p:cBhvr>
+                                        <p:cTn id="25" dur="1" fill="hold">
+                                          <p:stCondLst>
+                                            <p:cond delay="0"/>
+                                          </p:stCondLst>
+                                        </p:cTn>
+                                        <p:tgtEl>
+                                          <p:spTgt spid="5"/>
+                                        </p:tgtEl>
+                                        <p:attrNameLst>
+                                          <p:attrName>style.visibility</p:attrName>
+                                        </p:attrNameLst>
+                                      </p:cBhvr>
+                                      <p:to>
+                                        <p:strVal val="visible"/>
+                                      </p:to>
+                                    </p:set>
+                                    <p:animEffect transition="in" filter="fade">
+                                      <p:cBhvr>
+                                        <p:cTn id="26" dur="500"/>
+                                        <p:tgtEl>
+                                          <p:spTgt spid="5"/>
+                                        </p:tgtEl>
+                                      </p:cBhvr>
+                                    </p:animEffect>
+                                  </p:childTnLst>
+                                </p:cTn>
+                              </p:par>
+                            </p:childTnLst>
+                          </p:cTn>
+                        </p:par>
+                      </p:childTnLst>
+                    </p:cTn>
+                  </p:par>
+                </p:childTnLst>
+              </p:cTn>
+              <p:prevCondLst>
+                <p:cond evt="onPrev" delay="0">
+                  <p:tgtEl>
+                    <p:sldTgt/>
+                  </p:tgtEl>
+                </p:cond>
+              </p:prevCondLst>
+              <p:nextCondLst>
+                <p:cond evt="onNext" delay="0">
+                  <p:tgtEl>
+                    <p:sldTgt/>
+                  </p:tgtEl>
+                </p:cond>
+              </p:nextCondLst>
+            </p:seq>
+          </p:childTnLst>
+        </p:cTn>
+      </p:par>
+    </p:tnLst>
+  </p:timing>
+</p:sld>
+</file>
+
+<file path=ppt/slides/slide33.xml><?xml version="1.0" encoding="utf-8"?>
+<p:sld xmlns:a="http://schemas.openxmlformats.org/drawingml/2006/main" xmlns:r="http://schemas.openxmlformats.org/officeDocument/2006/relationships" xmlns:p="http://schemas.openxmlformats.org/presentationml/2006/main">
+  <p:cSld>
+    <p:spTree>
+      <p:nvGrpSpPr>
+        <p:cNvPr id="1" name=""/>
+        <p:cNvGrpSpPr/>
+        <p:nvPr/>
+      </p:nvGrpSpPr>
+      <p:grpSpPr>
+        <a:xfrm>
+          <a:off x="0" y="0"/>
+          <a:ext cx="0" cy="0"/>
+          <a:chOff x="0" y="0"/>
+          <a:chExt cx="0" cy="0"/>
+        </a:xfrm>
+      </p:grpSpPr>
+      <p:sp>
+        <p:nvSpPr>
+          <p:cNvPr id="2" name="Titel 1"/>
+          <p:cNvSpPr>
+            <a:spLocks noGrp="1"/>
+          </p:cNvSpPr>
+          <p:nvPr>
+            <p:ph type="title"/>
+          </p:nvPr>
+        </p:nvSpPr>
+        <p:spPr/>
+        <p:txBody>
+          <a:bodyPr/>
+          <a:lstStyle/>
+          <a:p>
+            <a:r>
+              <a:rPr lang="de-DE" dirty="0" smtClean="0">
+                <a:solidFill>
+                  <a:srgbClr val="831420"/>
+                </a:solidFill>
+              </a:rPr>
+              <a:t>OO: Klassen und Objekte</a:t>
+            </a:r>
+            <a:endParaRPr lang="de-DE" dirty="0">
+              <a:solidFill>
+                <a:srgbClr val="831420"/>
+              </a:solidFill>
+            </a:endParaRPr>
+          </a:p>
+        </p:txBody>
+      </p:sp>
+      <p:sp>
+        <p:nvSpPr>
+          <p:cNvPr id="3" name="Inhaltsplatzhalter 2"/>
+          <p:cNvSpPr>
+            <a:spLocks noGrp="1"/>
+          </p:cNvSpPr>
+          <p:nvPr>
+            <p:ph idx="4294967295"/>
+          </p:nvPr>
+        </p:nvSpPr>
+        <p:spPr>
+          <a:xfrm>
+            <a:off x="179512" y="877280"/>
+            <a:ext cx="8496944" cy="4176464"/>
+          </a:xfrm>
+          <a:prstGeom prst="rect">
+            <a:avLst/>
+          </a:prstGeom>
+        </p:spPr>
+        <p:txBody>
+          <a:bodyPr anchor="t"/>
+          <a:lstStyle/>
+          <a:p>
+            <a:endParaRPr lang="de-DE" sz="2000" dirty="0" smtClean="0"/>
+          </a:p>
+          <a:p>
+            <a:endParaRPr lang="de-DE" sz="2000" dirty="0"/>
+          </a:p>
+          <a:p>
+            <a:r>
+              <a:rPr lang="de-DE" sz="2000" dirty="0" smtClean="0"/>
+              <a:t>Vergleich von Definitionen: Variablen und Objekte</a:t>
+            </a:r>
+            <a:endParaRPr lang="de-DE" sz="2000" dirty="0"/>
+          </a:p>
+        </p:txBody>
+      </p:sp>
+      <p:pic>
+        <p:nvPicPr>
+          <p:cNvPr id="6" name="Grafik 5"/>
+          <p:cNvPicPr>
+            <a:picLocks noChangeAspect="1"/>
+          </p:cNvPicPr>
+          <p:nvPr/>
+        </p:nvPicPr>
+        <p:blipFill>
+          <a:blip r:embed="rId3">
+            <a:extLst>
+              <a:ext uri="{28A0092B-C50C-407E-A947-70E740481C1C}">
+                <a14:useLocalDpi xmlns:a14="http://schemas.microsoft.com/office/drawing/2010/main" val="0"/>
+              </a:ext>
+            </a:extLst>
+          </a:blip>
+          <a:stretch>
+            <a:fillRect/>
+          </a:stretch>
+        </p:blipFill>
+        <p:spPr>
+          <a:xfrm>
+            <a:off x="1115616" y="2498722"/>
+            <a:ext cx="2734057" cy="933580"/>
+          </a:xfrm>
+          <a:prstGeom prst="rect">
+            <a:avLst/>
+          </a:prstGeom>
+        </p:spPr>
+      </p:pic>
+    </p:spTree>
+    <p:extLst>
+      <p:ext uri="{BB962C8B-B14F-4D97-AF65-F5344CB8AC3E}">
+        <p14:creationId xmlns:p14="http://schemas.microsoft.com/office/powerpoint/2010/main" val="4182067068"/>
+      </p:ext>
+    </p:extLst>
+  </p:cSld>
+  <p:clrMapOvr>
+    <a:masterClrMapping/>
+  </p:clrMapOvr>
+  <mc:AlternateContent xmlns:mc="http://schemas.openxmlformats.org/markup-compatibility/2006" xmlns:p14="http://schemas.microsoft.com/office/powerpoint/2010/main">
+    <mc:Choice Requires="p14">
+      <p:transition spd="slow" p14:dur="800">
+        <p14:flythrough/>
+      </p:transition>
+    </mc:Choice>
+    <mc:Fallback xmlns="">
+      <p:transition spd="slow">
+        <p:fade/>
+      </p:transition>
+    </mc:Fallback>
+  </mc:AlternateContent>
+  <p:timing>
+    <p:tnLst>
+      <p:par>
+        <p:cTn id="1" dur="indefinite" restart="never" nodeType="tmRoot"/>
+      </p:par>
+    </p:tnLst>
+  </p:timing>
+</p:sld>
+</file>
+
+<file path=ppt/slides/slide34.xml><?xml version="1.0" encoding="utf-8"?>
+<p:sld xmlns:a="http://schemas.openxmlformats.org/drawingml/2006/main" xmlns:r="http://schemas.openxmlformats.org/officeDocument/2006/relationships" xmlns:p="http://schemas.openxmlformats.org/presentationml/2006/main">
+  <p:cSld>
+    <p:spTree>
+      <p:nvGrpSpPr>
+        <p:cNvPr id="1" name=""/>
+        <p:cNvGrpSpPr/>
+        <p:nvPr/>
+      </p:nvGrpSpPr>
+      <p:grpSpPr>
+        <a:xfrm>
+          <a:off x="0" y="0"/>
+          <a:ext cx="0" cy="0"/>
+          <a:chOff x="0" y="0"/>
+          <a:chExt cx="0" cy="0"/>
+        </a:xfrm>
+      </p:grpSpPr>
+      <p:sp>
+        <p:nvSpPr>
+          <p:cNvPr id="2" name="Titel 1"/>
+          <p:cNvSpPr>
+            <a:spLocks noGrp="1"/>
+          </p:cNvSpPr>
+          <p:nvPr>
+            <p:ph type="title"/>
+          </p:nvPr>
+        </p:nvSpPr>
+        <p:spPr/>
+        <p:txBody>
+          <a:bodyPr/>
+          <a:lstStyle/>
+          <a:p>
+            <a:r>
+              <a:rPr lang="de-DE" dirty="0" smtClean="0">
+                <a:solidFill>
+                  <a:srgbClr val="831420"/>
+                </a:solidFill>
+              </a:rPr>
+              <a:t>OO: Attribute und Methoden</a:t>
+            </a:r>
+            <a:endParaRPr lang="de-DE" dirty="0">
+              <a:solidFill>
+                <a:srgbClr val="831420"/>
+              </a:solidFill>
+            </a:endParaRPr>
+          </a:p>
+        </p:txBody>
+      </p:sp>
+      <p:sp>
+        <p:nvSpPr>
+          <p:cNvPr id="3" name="Inhaltsplatzhalter 2"/>
+          <p:cNvSpPr>
+            <a:spLocks noGrp="1"/>
+          </p:cNvSpPr>
+          <p:nvPr>
+            <p:ph idx="4294967295"/>
+          </p:nvPr>
+        </p:nvSpPr>
+        <p:spPr>
+          <a:xfrm>
+            <a:off x="179512" y="877280"/>
+            <a:ext cx="8496944" cy="4176464"/>
+          </a:xfrm>
+          <a:prstGeom prst="rect">
+            <a:avLst/>
+          </a:prstGeom>
+        </p:spPr>
+        <p:txBody>
+          <a:bodyPr anchor="t"/>
+          <a:lstStyle/>
+          <a:p>
+            <a:endParaRPr lang="de-DE" sz="2000" u="sng" dirty="0" smtClean="0"/>
+          </a:p>
+          <a:p>
+            <a:r>
+              <a:rPr lang="de-DE" sz="2000" u="sng" dirty="0" smtClean="0"/>
+              <a:t>Attribute</a:t>
+            </a:r>
+            <a:r>
+              <a:rPr lang="de-DE" sz="2000" dirty="0" smtClean="0"/>
+              <a:t> sind die Eigenschaften die jedes Objekt der Klasse hat</a:t>
+            </a:r>
+          </a:p>
+          <a:p>
+            <a:endParaRPr lang="de-DE" sz="2000" u="sng" dirty="0" smtClean="0"/>
+          </a:p>
+          <a:p>
+            <a:r>
+              <a:rPr lang="de-DE" sz="2000" u="sng" dirty="0" smtClean="0"/>
+              <a:t>Methoden </a:t>
+            </a:r>
+            <a:r>
+              <a:rPr lang="de-DE" sz="2000" dirty="0" smtClean="0"/>
+              <a:t>sind die Aktionen die jedes Objekt ausführen kann</a:t>
+            </a:r>
+            <a:endParaRPr lang="de-DE" sz="2000" u="sng" dirty="0" smtClean="0"/>
+          </a:p>
+        </p:txBody>
+      </p:sp>
+      <p:pic>
+        <p:nvPicPr>
+          <p:cNvPr id="6" name="Grafik 5"/>
+          <p:cNvPicPr>
+            <a:picLocks noChangeAspect="1"/>
+          </p:cNvPicPr>
+          <p:nvPr/>
+        </p:nvPicPr>
+        <p:blipFill>
+          <a:blip r:embed="rId3">
+            <a:extLst>
+              <a:ext uri="{28A0092B-C50C-407E-A947-70E740481C1C}">
+                <a14:useLocalDpi xmlns:a14="http://schemas.microsoft.com/office/drawing/2010/main" val="0"/>
+              </a:ext>
+            </a:extLst>
+          </a:blip>
+          <a:stretch>
+            <a:fillRect/>
+          </a:stretch>
+        </p:blipFill>
+        <p:spPr>
+          <a:xfrm>
+            <a:off x="2789455" y="3217540"/>
+            <a:ext cx="3277057" cy="1267002"/>
+          </a:xfrm>
+          <a:prstGeom prst="rect">
+            <a:avLst/>
+          </a:prstGeom>
+        </p:spPr>
+      </p:pic>
+      <p:pic>
+        <p:nvPicPr>
+          <p:cNvPr id="8" name="Grafik 7"/>
+          <p:cNvPicPr>
+            <a:picLocks noChangeAspect="1"/>
+          </p:cNvPicPr>
+          <p:nvPr/>
+        </p:nvPicPr>
+        <p:blipFill>
+          <a:blip r:embed="rId4">
+            <a:extLst>
+              <a:ext uri="{28A0092B-C50C-407E-A947-70E740481C1C}">
+                <a14:useLocalDpi xmlns:a14="http://schemas.microsoft.com/office/drawing/2010/main" val="0"/>
+              </a:ext>
+            </a:extLst>
+          </a:blip>
+          <a:stretch>
+            <a:fillRect/>
+          </a:stretch>
+        </p:blipFill>
+        <p:spPr>
+          <a:xfrm>
+            <a:off x="2789455" y="3217540"/>
+            <a:ext cx="3277057" cy="1267002"/>
+          </a:xfrm>
+          <a:prstGeom prst="rect">
+            <a:avLst/>
+          </a:prstGeom>
+        </p:spPr>
+      </p:pic>
+    </p:spTree>
+    <p:extLst>
+      <p:ext uri="{BB962C8B-B14F-4D97-AF65-F5344CB8AC3E}">
+        <p14:creationId xmlns:p14="http://schemas.microsoft.com/office/powerpoint/2010/main" val="3135248652"/>
+      </p:ext>
+    </p:extLst>
+  </p:cSld>
+  <p:clrMapOvr>
+    <a:masterClrMapping/>
+  </p:clrMapOvr>
+  <mc:AlternateContent xmlns:mc="http://schemas.openxmlformats.org/markup-compatibility/2006" xmlns:p14="http://schemas.microsoft.com/office/powerpoint/2010/main">
+    <mc:Choice Requires="p14">
+      <p:transition spd="slow" p14:dur="800">
+        <p14:flythrough/>
+      </p:transition>
+    </mc:Choice>
+    <mc:Fallback xmlns="">
+      <p:transition spd="slow">
+        <p:fade/>
+      </p:transition>
+    </mc:Fallback>
+  </mc:AlternateContent>
+  <p:timing>
+    <p:tnLst>
+      <p:par>
+        <p:cTn id="1" dur="indefinite" restart="never" nodeType="tmRoot">
+          <p:childTnLst>
+            <p:seq concurrent="1" nextAc="seek">
+              <p:cTn id="2" dur="indefinite" nodeType="mainSeq">
+                <p:childTnLst>
+                  <p:par>
+                    <p:cTn id="3" fill="hold">
+                      <p:stCondLst>
+                        <p:cond delay="indefinite"/>
+                      </p:stCondLst>
+                      <p:childTnLst>
+                        <p:par>
+                          <p:cTn id="4" fill="hold">
+                            <p:stCondLst>
+                              <p:cond delay="0"/>
+                            </p:stCondLst>
+                            <p:childTnLst>
+                              <p:par>
+                                <p:cTn id="5" presetID="10" presetClass="entr" presetSubtype="0" fill="hold" nodeType="clickEffect">
+                                  <p:stCondLst>
+                                    <p:cond delay="0"/>
+                                  </p:stCondLst>
+                                  <p:childTnLst>
+                                    <p:set>
+                                      <p:cBhvr>
+                                        <p:cTn id="6" dur="1" fill="hold">
+                                          <p:stCondLst>
+                                            <p:cond delay="0"/>
+                                          </p:stCondLst>
+                                        </p:cTn>
+                                        <p:tgtEl>
+                                          <p:spTgt spid="8"/>
+                                        </p:tgtEl>
+                                        <p:attrNameLst>
+                                          <p:attrName>style.visibility</p:attrName>
+                                        </p:attrNameLst>
+                                      </p:cBhvr>
+                                      <p:to>
+                                        <p:strVal val="visible"/>
+                                      </p:to>
+                                    </p:set>
+                                    <p:animEffect transition="in" filter="fade">
+                                      <p:cBhvr>
+                                        <p:cTn id="7" dur="1000"/>
+                                        <p:tgtEl>
+                                          <p:spTgt spid="8"/>
+                                        </p:tgtEl>
+                                      </p:cBhvr>
+                                    </p:animEffect>
+                                  </p:childTnLst>
+                                </p:cTn>
+                              </p:par>
+                            </p:childTnLst>
+                          </p:cTn>
+                        </p:par>
+                      </p:childTnLst>
+                    </p:cTn>
+                  </p:par>
+                </p:childTnLst>
+              </p:cTn>
+              <p:prevCondLst>
+                <p:cond evt="onPrev" delay="0">
+                  <p:tgtEl>
+                    <p:sldTgt/>
+                  </p:tgtEl>
+                </p:cond>
+              </p:prevCondLst>
+              <p:nextCondLst>
+                <p:cond evt="onNext" delay="0">
+                  <p:tgtEl>
+                    <p:sldTgt/>
+                  </p:tgtEl>
+                </p:cond>
+              </p:nextCondLst>
+            </p:seq>
+          </p:childTnLst>
+        </p:cTn>
+      </p:par>
+    </p:tnLst>
+  </p:timing>
+</p:sld>
+</file>
+
+<file path=ppt/slides/slide35.xml><?xml version="1.0" encoding="utf-8"?>
+<p:sld xmlns:a="http://schemas.openxmlformats.org/drawingml/2006/main" xmlns:r="http://schemas.openxmlformats.org/officeDocument/2006/relationships" xmlns:p="http://schemas.openxmlformats.org/presentationml/2006/main">
+  <p:cSld>
+    <p:spTree>
+      <p:nvGrpSpPr>
+        <p:cNvPr id="1" name=""/>
+        <p:cNvGrpSpPr/>
+        <p:nvPr/>
+      </p:nvGrpSpPr>
+      <p:grpSpPr>
+        <a:xfrm>
+          <a:off x="0" y="0"/>
+          <a:ext cx="0" cy="0"/>
+          <a:chOff x="0" y="0"/>
+          <a:chExt cx="0" cy="0"/>
+        </a:xfrm>
+      </p:grpSpPr>
+      <p:sp>
+        <p:nvSpPr>
+          <p:cNvPr id="2" name="Titel 1"/>
+          <p:cNvSpPr>
+            <a:spLocks noGrp="1"/>
+          </p:cNvSpPr>
+          <p:nvPr>
+            <p:ph type="title"/>
+          </p:nvPr>
+        </p:nvSpPr>
+        <p:spPr/>
+        <p:txBody>
+          <a:bodyPr/>
+          <a:lstStyle/>
+          <a:p>
+            <a:r>
+              <a:rPr lang="de-DE" dirty="0" smtClean="0">
+                <a:solidFill>
+                  <a:srgbClr val="831420"/>
+                </a:solidFill>
+              </a:rPr>
+              <a:t>OO: Attribute und Methoden</a:t>
+            </a:r>
+            <a:endParaRPr lang="de-DE" dirty="0">
+              <a:solidFill>
+                <a:srgbClr val="831420"/>
+              </a:solidFill>
+            </a:endParaRPr>
+          </a:p>
+        </p:txBody>
+      </p:sp>
+      <p:sp>
+        <p:nvSpPr>
+          <p:cNvPr id="3" name="Inhaltsplatzhalter 2"/>
+          <p:cNvSpPr>
+            <a:spLocks noGrp="1"/>
+          </p:cNvSpPr>
+          <p:nvPr>
+            <p:ph idx="4294967295"/>
+          </p:nvPr>
+        </p:nvSpPr>
+        <p:spPr>
+          <a:xfrm>
+            <a:off x="179512" y="877280"/>
+            <a:ext cx="8496944" cy="4176464"/>
+          </a:xfrm>
+          <a:prstGeom prst="rect">
+            <a:avLst/>
+          </a:prstGeom>
+        </p:spPr>
+        <p:txBody>
+          <a:bodyPr anchor="t"/>
+          <a:lstStyle/>
+          <a:p>
+            <a:r>
+              <a:rPr lang="de-DE" sz="2000" dirty="0" smtClean="0"/>
+              <a:t>Attribute und Methoden können durch</a:t>
+            </a:r>
+            <a:br>
+              <a:rPr lang="de-DE" sz="2000" dirty="0" smtClean="0"/>
+            </a:br>
+            <a:r>
+              <a:rPr lang="de-DE" sz="2000" dirty="0" smtClean="0"/>
+              <a:t>einen Punkt nach dem Namen des</a:t>
+            </a:r>
+            <a:br>
+              <a:rPr lang="de-DE" sz="2000" dirty="0" smtClean="0"/>
+            </a:br>
+            <a:r>
+              <a:rPr lang="de-DE" sz="2000" dirty="0" smtClean="0"/>
+              <a:t>Objektes aufgerufen werden</a:t>
+            </a:r>
+          </a:p>
+          <a:p>
+            <a:endParaRPr lang="de-DE" sz="2000" dirty="0" smtClean="0"/>
+          </a:p>
+        </p:txBody>
+      </p:sp>
+      <p:pic>
+        <p:nvPicPr>
+          <p:cNvPr id="8" name="Grafik 7"/>
+          <p:cNvPicPr>
+            <a:picLocks noChangeAspect="1"/>
+          </p:cNvPicPr>
+          <p:nvPr/>
+        </p:nvPicPr>
+        <p:blipFill>
+          <a:blip r:embed="rId3">
+            <a:extLst>
+              <a:ext uri="{28A0092B-C50C-407E-A947-70E740481C1C}">
+                <a14:useLocalDpi xmlns:a14="http://schemas.microsoft.com/office/drawing/2010/main" val="0"/>
+              </a:ext>
+            </a:extLst>
+          </a:blip>
+          <a:stretch>
+            <a:fillRect/>
+          </a:stretch>
+        </p:blipFill>
+        <p:spPr>
+          <a:xfrm>
+            <a:off x="5471407" y="877280"/>
+            <a:ext cx="3277057" cy="1267002"/>
+          </a:xfrm>
+          <a:prstGeom prst="rect">
+            <a:avLst/>
+          </a:prstGeom>
+        </p:spPr>
+      </p:pic>
+      <p:pic>
+        <p:nvPicPr>
+          <p:cNvPr id="4" name="Grafik 3"/>
+          <p:cNvPicPr>
+            <a:picLocks noChangeAspect="1"/>
+          </p:cNvPicPr>
+          <p:nvPr/>
+        </p:nvPicPr>
+        <p:blipFill>
+          <a:blip r:embed="rId4">
+            <a:extLst>
+              <a:ext uri="{28A0092B-C50C-407E-A947-70E740481C1C}">
+                <a14:useLocalDpi xmlns:a14="http://schemas.microsoft.com/office/drawing/2010/main" val="0"/>
+              </a:ext>
+            </a:extLst>
+          </a:blip>
+          <a:stretch>
+            <a:fillRect/>
+          </a:stretch>
+        </p:blipFill>
+        <p:spPr>
+          <a:xfrm>
+            <a:off x="2465560" y="2355159"/>
+            <a:ext cx="3924848" cy="943107"/>
+          </a:xfrm>
+          <a:prstGeom prst="rect">
+            <a:avLst/>
+          </a:prstGeom>
+        </p:spPr>
+      </p:pic>
+      <p:pic>
+        <p:nvPicPr>
+          <p:cNvPr id="5" name="Grafik 4"/>
+          <p:cNvPicPr>
+            <a:picLocks noChangeAspect="1"/>
+          </p:cNvPicPr>
+          <p:nvPr/>
+        </p:nvPicPr>
+        <p:blipFill>
+          <a:blip r:embed="rId5">
+            <a:extLst>
+              <a:ext uri="{28A0092B-C50C-407E-A947-70E740481C1C}">
+                <a14:useLocalDpi xmlns:a14="http://schemas.microsoft.com/office/drawing/2010/main" val="0"/>
+              </a:ext>
+            </a:extLst>
+          </a:blip>
+          <a:stretch>
+            <a:fillRect/>
+          </a:stretch>
+        </p:blipFill>
+        <p:spPr>
+          <a:xfrm>
+            <a:off x="2822797" y="4137146"/>
+            <a:ext cx="3210373" cy="781159"/>
+          </a:xfrm>
+          <a:prstGeom prst="rect">
+            <a:avLst/>
+          </a:prstGeom>
+        </p:spPr>
+      </p:pic>
+      <p:sp>
+        <p:nvSpPr>
+          <p:cNvPr id="7" name="Pfeil nach unten 6"/>
+          <p:cNvSpPr/>
+          <p:nvPr/>
+        </p:nvSpPr>
+        <p:spPr bwMode="auto">
+          <a:xfrm>
+            <a:off x="4185668" y="3325552"/>
+            <a:ext cx="484632" cy="622856"/>
+          </a:xfrm>
+          <a:prstGeom prst="downArrow">
+            <a:avLst/>
+          </a:prstGeom>
+          <a:ln>
+            <a:headEnd/>
+            <a:tailEnd/>
+          </a:ln>
+          <a:extLst/>
+        </p:spPr>
+        <p:style>
+          <a:lnRef idx="2">
+            <a:schemeClr val="accent1"/>
+          </a:lnRef>
+          <a:fillRef idx="1">
+            <a:schemeClr val="lt1"/>
+          </a:fillRef>
+          <a:effectRef idx="0">
+            <a:schemeClr val="accent1"/>
+          </a:effectRef>
+          <a:fontRef idx="minor">
+            <a:schemeClr val="dk1"/>
+          </a:fontRef>
+        </p:style>
+        <p:txBody>
+          <a:bodyPr wrap="none" rtlCol="0" anchor="ctr"/>
+          <a:lstStyle/>
+          <a:p>
+            <a:pPr algn="ctr"/>
+            <a:endParaRPr lang="de-DE"/>
+          </a:p>
+        </p:txBody>
+      </p:sp>
+    </p:spTree>
+    <p:extLst>
+      <p:ext uri="{BB962C8B-B14F-4D97-AF65-F5344CB8AC3E}">
+        <p14:creationId xmlns:p14="http://schemas.microsoft.com/office/powerpoint/2010/main" val="1985972752"/>
+      </p:ext>
+    </p:extLst>
+  </p:cSld>
+  <p:clrMapOvr>
+    <a:masterClrMapping/>
+  </p:clrMapOvr>
+  <mc:AlternateContent xmlns:mc="http://schemas.openxmlformats.org/markup-compatibility/2006" xmlns:p14="http://schemas.microsoft.com/office/powerpoint/2010/main">
+    <mc:Choice Requires="p14">
+      <p:transition spd="slow" p14:dur="800">
+        <p14:flythrough/>
+      </p:transition>
+    </mc:Choice>
+    <mc:Fallback xmlns="">
+      <p:transition spd="slow">
+        <p:fade/>
+      </p:transition>
+    </mc:Fallback>
+  </mc:AlternateContent>
+  <p:timing>
+    <p:tnLst>
+      <p:par>
+        <p:cTn id="1" dur="indefinite" restart="never" nodeType="tmRoot">
+          <p:childTnLst>
+            <p:seq concurrent="1" nextAc="seek">
+              <p:cTn id="2" dur="indefinite" nodeType="mainSeq">
+                <p:childTnLst>
+                  <p:par>
+                    <p:cTn id="3" fill="hold">
+                      <p:stCondLst>
+                        <p:cond delay="indefinite"/>
+                      </p:stCondLst>
+                      <p:childTnLst>
+                        <p:par>
+                          <p:cTn id="4" fill="hold">
+                            <p:stCondLst>
+                              <p:cond delay="0"/>
+                            </p:stCondLst>
+                            <p:childTnLst>
+                              <p:par>
+                                <p:cTn id="5" presetID="10" presetClass="entr" presetSubtype="0" fill="hold" grpId="0" nodeType="clickEffect">
+                                  <p:stCondLst>
+                                    <p:cond delay="0"/>
+                                  </p:stCondLst>
+                                  <p:childTnLst>
+                                    <p:set>
+                                      <p:cBhvr>
+                                        <p:cTn id="6" dur="1" fill="hold">
+                                          <p:stCondLst>
+                                            <p:cond delay="0"/>
+                                          </p:stCondLst>
+                                        </p:cTn>
+                                        <p:tgtEl>
+                                          <p:spTgt spid="7"/>
+                                        </p:tgtEl>
+                                        <p:attrNameLst>
+                                          <p:attrName>style.visibility</p:attrName>
+                                        </p:attrNameLst>
+                                      </p:cBhvr>
+                                      <p:to>
+                                        <p:strVal val="visible"/>
+                                      </p:to>
+                                    </p:set>
+                                    <p:animEffect transition="in" filter="fade">
+                                      <p:cBhvr>
+                                        <p:cTn id="7" dur="500"/>
+                                        <p:tgtEl>
+                                          <p:spTgt spid="7"/>
+                                        </p:tgtEl>
+                                      </p:cBhvr>
+                                    </p:animEffect>
+                                  </p:childTnLst>
+                                </p:cTn>
+                              </p:par>
+                              <p:par>
+                                <p:cTn id="8" presetID="10" presetClass="entr" presetSubtype="0" fill="hold" nodeType="withEffect">
+                                  <p:stCondLst>
+                                    <p:cond delay="0"/>
+                                  </p:stCondLst>
+                                  <p:childTnLst>
+                                    <p:set>
+                                      <p:cBhvr>
+                                        <p:cTn id="9" dur="1" fill="hold">
+                                          <p:stCondLst>
+                                            <p:cond delay="0"/>
+                                          </p:stCondLst>
+                                        </p:cTn>
+                                        <p:tgtEl>
+                                          <p:spTgt spid="5"/>
+                                        </p:tgtEl>
+                                        <p:attrNameLst>
+                                          <p:attrName>style.visibility</p:attrName>
+                                        </p:attrNameLst>
+                                      </p:cBhvr>
+                                      <p:to>
+                                        <p:strVal val="visible"/>
+                                      </p:to>
+                                    </p:set>
+                                    <p:animEffect transition="in" filter="fade">
+                                      <p:cBhvr>
+                                        <p:cTn id="10" dur="500"/>
+                                        <p:tgtEl>
+                                          <p:spTgt spid="5"/>
+                                        </p:tgtEl>
+                                      </p:cBhvr>
+                                    </p:animEffect>
+                                  </p:childTnLst>
+                                </p:cTn>
+                              </p:par>
+                            </p:childTnLst>
+                          </p:cTn>
+                        </p:par>
+                      </p:childTnLst>
+                    </p:cTn>
+                  </p:par>
+                </p:childTnLst>
+              </p:cTn>
+              <p:prevCondLst>
+                <p:cond evt="onPrev" delay="0">
+                  <p:tgtEl>
+                    <p:sldTgt/>
+                  </p:tgtEl>
+                </p:cond>
+              </p:prevCondLst>
+              <p:nextCondLst>
+                <p:cond evt="onNext" delay="0">
+                  <p:tgtEl>
+                    <p:sldTgt/>
+                  </p:tgtEl>
+                </p:cond>
+              </p:nextCondLst>
+            </p:seq>
+          </p:childTnLst>
+        </p:cTn>
+      </p:par>
+    </p:tnLst>
+    <p:bldLst>
+      <p:bldP spid="7" grpId="0" animBg="1"/>
+    </p:bldLst>
+  </p:timing>
+</p:sld>
+</file>
+
+<file path=ppt/slides/slide36.xml><?xml version="1.0" encoding="utf-8"?>
+<p:sld xmlns:a="http://schemas.openxmlformats.org/drawingml/2006/main" xmlns:r="http://schemas.openxmlformats.org/officeDocument/2006/relationships" xmlns:p="http://schemas.openxmlformats.org/presentationml/2006/main">
+  <p:cSld>
+    <p:spTree>
+      <p:nvGrpSpPr>
+        <p:cNvPr id="1" name=""/>
+        <p:cNvGrpSpPr/>
+        <p:nvPr/>
+      </p:nvGrpSpPr>
+      <p:grpSpPr>
+        <a:xfrm>
+          <a:off x="0" y="0"/>
+          <a:ext cx="0" cy="0"/>
+          <a:chOff x="0" y="0"/>
+          <a:chExt cx="0" cy="0"/>
+        </a:xfrm>
+      </p:grpSpPr>
+      <p:sp>
+        <p:nvSpPr>
+          <p:cNvPr id="2" name="Titel 1"/>
+          <p:cNvSpPr>
+            <a:spLocks noGrp="1"/>
+          </p:cNvSpPr>
+          <p:nvPr>
+            <p:ph type="title"/>
+          </p:nvPr>
+        </p:nvSpPr>
+        <p:spPr/>
+        <p:txBody>
+          <a:bodyPr/>
+          <a:lstStyle/>
+          <a:p>
+            <a:r>
+              <a:rPr lang="de-DE" dirty="0" smtClean="0">
+                <a:solidFill>
+                  <a:srgbClr val="831420"/>
+                </a:solidFill>
+              </a:rPr>
+              <a:t>OO: Attribute und Methoden</a:t>
+            </a:r>
+            <a:endParaRPr lang="de-DE" dirty="0">
+              <a:solidFill>
+                <a:srgbClr val="831420"/>
+              </a:solidFill>
+            </a:endParaRPr>
+          </a:p>
+        </p:txBody>
+      </p:sp>
+      <p:sp>
+        <p:nvSpPr>
+          <p:cNvPr id="3" name="Inhaltsplatzhalter 2"/>
+          <p:cNvSpPr>
+            <a:spLocks noGrp="1"/>
+          </p:cNvSpPr>
+          <p:nvPr>
+            <p:ph idx="4294967295"/>
+          </p:nvPr>
+        </p:nvSpPr>
+        <p:spPr>
+          <a:xfrm>
+            <a:off x="179512" y="877280"/>
+            <a:ext cx="8496944" cy="4176464"/>
+          </a:xfrm>
+          <a:prstGeom prst="rect">
+            <a:avLst/>
+          </a:prstGeom>
+        </p:spPr>
+        <p:txBody>
+          <a:bodyPr anchor="t"/>
+          <a:lstStyle/>
+          <a:p>
+            <a:r>
+              <a:rPr lang="de-DE" sz="2000" dirty="0" smtClean="0"/>
+              <a:t>Welche Ausgaben erzeugen diese</a:t>
+            </a:r>
+            <a:br>
+              <a:rPr lang="de-DE" sz="2000" dirty="0" smtClean="0"/>
+            </a:br>
+            <a:r>
+              <a:rPr lang="de-DE" sz="2000" dirty="0" smtClean="0"/>
+              <a:t>Programme?</a:t>
+            </a:r>
+          </a:p>
+          <a:p>
+            <a:endParaRPr lang="de-DE" sz="2000" dirty="0" smtClean="0"/>
+          </a:p>
+        </p:txBody>
+      </p:sp>
+      <p:pic>
+        <p:nvPicPr>
+          <p:cNvPr id="8" name="Grafik 7"/>
+          <p:cNvPicPr>
+            <a:picLocks noChangeAspect="1"/>
+          </p:cNvPicPr>
+          <p:nvPr/>
+        </p:nvPicPr>
+        <p:blipFill>
+          <a:blip r:embed="rId3">
+            <a:extLst>
+              <a:ext uri="{28A0092B-C50C-407E-A947-70E740481C1C}">
+                <a14:useLocalDpi xmlns:a14="http://schemas.microsoft.com/office/drawing/2010/main" val="0"/>
+              </a:ext>
+            </a:extLst>
+          </a:blip>
+          <a:stretch>
+            <a:fillRect/>
+          </a:stretch>
+        </p:blipFill>
+        <p:spPr>
+          <a:xfrm>
+            <a:off x="5471407" y="877280"/>
+            <a:ext cx="3277057" cy="1267002"/>
+          </a:xfrm>
+          <a:prstGeom prst="rect">
+            <a:avLst/>
+          </a:prstGeom>
+        </p:spPr>
+      </p:pic>
+      <p:pic>
+        <p:nvPicPr>
+          <p:cNvPr id="6" name="Grafik 5"/>
+          <p:cNvPicPr>
+            <a:picLocks noChangeAspect="1"/>
+          </p:cNvPicPr>
+          <p:nvPr/>
+        </p:nvPicPr>
+        <p:blipFill>
+          <a:blip r:embed="rId4">
+            <a:extLst>
+              <a:ext uri="{28A0092B-C50C-407E-A947-70E740481C1C}">
+                <a14:useLocalDpi xmlns:a14="http://schemas.microsoft.com/office/drawing/2010/main" val="0"/>
+              </a:ext>
+            </a:extLst>
+          </a:blip>
+          <a:stretch>
+            <a:fillRect/>
+          </a:stretch>
+        </p:blipFill>
+        <p:spPr>
+          <a:xfrm>
+            <a:off x="282904" y="3740509"/>
+            <a:ext cx="3067478" cy="1095528"/>
+          </a:xfrm>
+          <a:prstGeom prst="rect">
+            <a:avLst/>
+          </a:prstGeom>
+        </p:spPr>
+      </p:pic>
+      <p:pic>
+        <p:nvPicPr>
+          <p:cNvPr id="9" name="Grafik 8"/>
+          <p:cNvPicPr>
+            <a:picLocks noChangeAspect="1"/>
+          </p:cNvPicPr>
+          <p:nvPr/>
+        </p:nvPicPr>
+        <p:blipFill>
+          <a:blip r:embed="rId5">
+            <a:extLst>
+              <a:ext uri="{28A0092B-C50C-407E-A947-70E740481C1C}">
+                <a14:useLocalDpi xmlns:a14="http://schemas.microsoft.com/office/drawing/2010/main" val="0"/>
+              </a:ext>
+            </a:extLst>
+          </a:blip>
+          <a:stretch>
+            <a:fillRect/>
+          </a:stretch>
+        </p:blipFill>
+        <p:spPr>
+          <a:xfrm>
+            <a:off x="4932040" y="3973904"/>
+            <a:ext cx="3210373" cy="628738"/>
+          </a:xfrm>
+          <a:prstGeom prst="rect">
+            <a:avLst/>
+          </a:prstGeom>
+        </p:spPr>
+      </p:pic>
+      <p:pic>
+        <p:nvPicPr>
+          <p:cNvPr id="10" name="Grafik 9"/>
+          <p:cNvPicPr>
+            <a:picLocks noChangeAspect="1"/>
+          </p:cNvPicPr>
+          <p:nvPr/>
+        </p:nvPicPr>
+        <p:blipFill>
+          <a:blip r:embed="rId6">
+            <a:extLst>
+              <a:ext uri="{28A0092B-C50C-407E-A947-70E740481C1C}">
+                <a14:useLocalDpi xmlns:a14="http://schemas.microsoft.com/office/drawing/2010/main" val="0"/>
+              </a:ext>
+            </a:extLst>
+          </a:blip>
+          <a:stretch>
+            <a:fillRect/>
+          </a:stretch>
+        </p:blipFill>
+        <p:spPr>
+          <a:xfrm>
+            <a:off x="282904" y="2408221"/>
+            <a:ext cx="3105583" cy="1114581"/>
+          </a:xfrm>
+          <a:prstGeom prst="rect">
+            <a:avLst/>
+          </a:prstGeom>
+        </p:spPr>
+      </p:pic>
+      <p:pic>
+        <p:nvPicPr>
+          <p:cNvPr id="11" name="Grafik 10"/>
+          <p:cNvPicPr>
+            <a:picLocks noChangeAspect="1"/>
+          </p:cNvPicPr>
+          <p:nvPr/>
+        </p:nvPicPr>
+        <p:blipFill>
+          <a:blip r:embed="rId7">
+            <a:extLst>
+              <a:ext uri="{28A0092B-C50C-407E-A947-70E740481C1C}">
+                <a14:useLocalDpi xmlns:a14="http://schemas.microsoft.com/office/drawing/2010/main" val="0"/>
+              </a:ext>
+            </a:extLst>
+          </a:blip>
+          <a:stretch>
+            <a:fillRect/>
+          </a:stretch>
+        </p:blipFill>
+        <p:spPr>
+          <a:xfrm>
+            <a:off x="4932412" y="2636852"/>
+            <a:ext cx="3219899" cy="657317"/>
+          </a:xfrm>
+          <a:prstGeom prst="rect">
+            <a:avLst/>
+          </a:prstGeom>
+        </p:spPr>
+      </p:pic>
+      <p:sp>
+        <p:nvSpPr>
+          <p:cNvPr id="12" name="Pfeil nach unten 11"/>
+          <p:cNvSpPr/>
+          <p:nvPr/>
+        </p:nvSpPr>
+        <p:spPr bwMode="auto">
+          <a:xfrm rot="16200000">
+            <a:off x="3918902" y="2654082"/>
+            <a:ext cx="484632" cy="622856"/>
+          </a:xfrm>
+          <a:prstGeom prst="downArrow">
+            <a:avLst/>
+          </a:prstGeom>
+          <a:ln>
+            <a:headEnd/>
+            <a:tailEnd/>
+          </a:ln>
+          <a:extLst/>
+        </p:spPr>
+        <p:style>
+          <a:lnRef idx="2">
+            <a:schemeClr val="accent1"/>
+          </a:lnRef>
+          <a:fillRef idx="1">
+            <a:schemeClr val="lt1"/>
+          </a:fillRef>
+          <a:effectRef idx="0">
+            <a:schemeClr val="accent1"/>
+          </a:effectRef>
+          <a:fontRef idx="minor">
+            <a:schemeClr val="dk1"/>
+          </a:fontRef>
+        </p:style>
+        <p:txBody>
+          <a:bodyPr wrap="none" rtlCol="0" anchor="ctr"/>
+          <a:lstStyle/>
+          <a:p>
+            <a:pPr algn="ctr"/>
+            <a:endParaRPr lang="de-DE"/>
+          </a:p>
+        </p:txBody>
+      </p:sp>
+      <p:sp>
+        <p:nvSpPr>
+          <p:cNvPr id="13" name="Pfeil nach unten 12"/>
+          <p:cNvSpPr/>
+          <p:nvPr/>
+        </p:nvSpPr>
+        <p:spPr bwMode="auto">
+          <a:xfrm rot="16200000">
+            <a:off x="3918902" y="3976845"/>
+            <a:ext cx="484632" cy="622856"/>
+          </a:xfrm>
+          <a:prstGeom prst="downArrow">
+            <a:avLst/>
+          </a:prstGeom>
+          <a:ln>
+            <a:headEnd/>
+            <a:tailEnd/>
+          </a:ln>
+          <a:extLst/>
+        </p:spPr>
+        <p:style>
+          <a:lnRef idx="2">
+            <a:schemeClr val="accent1"/>
+          </a:lnRef>
+          <a:fillRef idx="1">
+            <a:schemeClr val="lt1"/>
+          </a:fillRef>
+          <a:effectRef idx="0">
+            <a:schemeClr val="accent1"/>
+          </a:effectRef>
+          <a:fontRef idx="minor">
+            <a:schemeClr val="dk1"/>
+          </a:fontRef>
+        </p:style>
+        <p:txBody>
+          <a:bodyPr wrap="none" rtlCol="0" anchor="ctr"/>
+          <a:lstStyle/>
+          <a:p>
+            <a:pPr algn="ctr"/>
+            <a:endParaRPr lang="de-DE"/>
+          </a:p>
+        </p:txBody>
+      </p:sp>
+    </p:spTree>
+    <p:extLst>
+      <p:ext uri="{BB962C8B-B14F-4D97-AF65-F5344CB8AC3E}">
+        <p14:creationId xmlns:p14="http://schemas.microsoft.com/office/powerpoint/2010/main" val="2575341618"/>
+      </p:ext>
+    </p:extLst>
+  </p:cSld>
+  <p:clrMapOvr>
+    <a:masterClrMapping/>
+  </p:clrMapOvr>
+  <mc:AlternateContent xmlns:mc="http://schemas.openxmlformats.org/markup-compatibility/2006" xmlns:p14="http://schemas.microsoft.com/office/powerpoint/2010/main">
+    <mc:Choice Requires="p14">
+      <p:transition spd="slow" p14:dur="800">
+        <p14:flythrough/>
+      </p:transition>
+    </mc:Choice>
+    <mc:Fallback xmlns="">
+      <p:transition spd="slow">
+        <p:fade/>
+      </p:transition>
+    </mc:Fallback>
+  </mc:AlternateContent>
+  <p:timing>
+    <p:tnLst>
+      <p:par>
+        <p:cTn id="1" dur="indefinite" restart="never" nodeType="tmRoot">
+          <p:childTnLst>
+            <p:seq concurrent="1" nextAc="seek">
+              <p:cTn id="2" dur="indefinite" nodeType="mainSeq">
+                <p:childTnLst>
+                  <p:par>
+                    <p:cTn id="3" fill="hold">
+                      <p:stCondLst>
+                        <p:cond delay="indefinite"/>
+                      </p:stCondLst>
+                      <p:childTnLst>
+                        <p:par>
+                          <p:cTn id="4" fill="hold">
+                            <p:stCondLst>
+                              <p:cond delay="0"/>
+                            </p:stCondLst>
+                            <p:childTnLst>
+                              <p:par>
+                                <p:cTn id="5" presetID="10" presetClass="entr" presetSubtype="0" fill="hold" grpId="0" nodeType="clickEffect">
+                                  <p:stCondLst>
+                                    <p:cond delay="0"/>
+                                  </p:stCondLst>
+                                  <p:childTnLst>
+                                    <p:set>
+                                      <p:cBhvr>
+                                        <p:cTn id="6" dur="1" fill="hold">
+                                          <p:stCondLst>
+                                            <p:cond delay="0"/>
+                                          </p:stCondLst>
+                                        </p:cTn>
+                                        <p:tgtEl>
+                                          <p:spTgt spid="12"/>
+                                        </p:tgtEl>
+                                        <p:attrNameLst>
+                                          <p:attrName>style.visibility</p:attrName>
+                                        </p:attrNameLst>
+                                      </p:cBhvr>
+                                      <p:to>
+                                        <p:strVal val="visible"/>
+                                      </p:to>
+                                    </p:set>
+                                    <p:animEffect transition="in" filter="fade">
+                                      <p:cBhvr>
+                                        <p:cTn id="7" dur="500"/>
+                                        <p:tgtEl>
+                                          <p:spTgt spid="12"/>
+                                        </p:tgtEl>
+                                      </p:cBhvr>
+                                    </p:animEffect>
+                                  </p:childTnLst>
+                                </p:cTn>
+                              </p:par>
+                              <p:par>
+                                <p:cTn id="8" presetID="10" presetClass="entr" presetSubtype="0" fill="hold" nodeType="withEffect">
+                                  <p:stCondLst>
+                                    <p:cond delay="0"/>
+                                  </p:stCondLst>
+                                  <p:childTnLst>
+                                    <p:set>
+                                      <p:cBhvr>
+                                        <p:cTn id="9" dur="1" fill="hold">
+                                          <p:stCondLst>
+                                            <p:cond delay="0"/>
+                                          </p:stCondLst>
+                                        </p:cTn>
+                                        <p:tgtEl>
+                                          <p:spTgt spid="11"/>
+                                        </p:tgtEl>
+                                        <p:attrNameLst>
+                                          <p:attrName>style.visibility</p:attrName>
+                                        </p:attrNameLst>
+                                      </p:cBhvr>
+                                      <p:to>
+                                        <p:strVal val="visible"/>
+                                      </p:to>
+                                    </p:set>
+                                    <p:animEffect transition="in" filter="fade">
+                                      <p:cBhvr>
+                                        <p:cTn id="10" dur="500"/>
+                                        <p:tgtEl>
+                                          <p:spTgt spid="11"/>
+                                        </p:tgtEl>
+                                      </p:cBhvr>
+                                    </p:animEffect>
+                                  </p:childTnLst>
+                                </p:cTn>
+                              </p:par>
+                              <p:par>
+                                <p:cTn id="11" presetID="10" presetClass="entr" presetSubtype="0" fill="hold" nodeType="withEffect">
+                                  <p:stCondLst>
+                                    <p:cond delay="0"/>
+                                  </p:stCondLst>
+                                  <p:childTnLst>
+                                    <p:set>
+                                      <p:cBhvr>
+                                        <p:cTn id="12" dur="1" fill="hold">
+                                          <p:stCondLst>
+                                            <p:cond delay="0"/>
+                                          </p:stCondLst>
+                                        </p:cTn>
+                                        <p:tgtEl>
+                                          <p:spTgt spid="6"/>
+                                        </p:tgtEl>
+                                        <p:attrNameLst>
+                                          <p:attrName>style.visibility</p:attrName>
+                                        </p:attrNameLst>
+                                      </p:cBhvr>
+                                      <p:to>
+                                        <p:strVal val="visible"/>
+                                      </p:to>
+                                    </p:set>
+                                    <p:animEffect transition="in" filter="fade">
+                                      <p:cBhvr>
+                                        <p:cTn id="13" dur="500"/>
+                                        <p:tgtEl>
+                                          <p:spTgt spid="6"/>
+                                        </p:tgtEl>
+                                      </p:cBhvr>
+                                    </p:animEffect>
+                                  </p:childTnLst>
+                                </p:cTn>
+                              </p:par>
+                            </p:childTnLst>
+                          </p:cTn>
+                        </p:par>
+                      </p:childTnLst>
+                    </p:cTn>
+                  </p:par>
+                  <p:par>
+                    <p:cTn id="14" fill="hold">
+                      <p:stCondLst>
+                        <p:cond delay="indefinite"/>
+                      </p:stCondLst>
+                      <p:childTnLst>
+                        <p:par>
+                          <p:cTn id="15" fill="hold">
+                            <p:stCondLst>
+                              <p:cond delay="0"/>
+                            </p:stCondLst>
+                            <p:childTnLst>
+                              <p:par>
+                                <p:cTn id="16" presetID="10" presetClass="entr" presetSubtype="0" fill="hold" grpId="0" nodeType="clickEffect">
+                                  <p:stCondLst>
+                                    <p:cond delay="0"/>
+                                  </p:stCondLst>
+                                  <p:childTnLst>
+                                    <p:set>
+                                      <p:cBhvr>
+                                        <p:cTn id="17" dur="1" fill="hold">
+                                          <p:stCondLst>
+                                            <p:cond delay="0"/>
+                                          </p:stCondLst>
+                                        </p:cTn>
+                                        <p:tgtEl>
+                                          <p:spTgt spid="13"/>
+                                        </p:tgtEl>
+                                        <p:attrNameLst>
+                                          <p:attrName>style.visibility</p:attrName>
+                                        </p:attrNameLst>
+                                      </p:cBhvr>
+                                      <p:to>
+                                        <p:strVal val="visible"/>
+                                      </p:to>
+                                    </p:set>
+                                    <p:animEffect transition="in" filter="fade">
+                                      <p:cBhvr>
+                                        <p:cTn id="18" dur="500"/>
+                                        <p:tgtEl>
+                                          <p:spTgt spid="13"/>
+                                        </p:tgtEl>
+                                      </p:cBhvr>
+                                    </p:animEffect>
+                                  </p:childTnLst>
+                                </p:cTn>
+                              </p:par>
+                              <p:par>
+                                <p:cTn id="19" presetID="10" presetClass="entr" presetSubtype="0" fill="hold" nodeType="withEffect">
+                                  <p:stCondLst>
+                                    <p:cond delay="0"/>
+                                  </p:stCondLst>
+                                  <p:childTnLst>
+                                    <p:set>
+                                      <p:cBhvr>
+                                        <p:cTn id="20" dur="1" fill="hold">
+                                          <p:stCondLst>
+                                            <p:cond delay="0"/>
+                                          </p:stCondLst>
+                                        </p:cTn>
+                                        <p:tgtEl>
+                                          <p:spTgt spid="9"/>
+                                        </p:tgtEl>
+                                        <p:attrNameLst>
+                                          <p:attrName>style.visibility</p:attrName>
+                                        </p:attrNameLst>
+                                      </p:cBhvr>
+                                      <p:to>
+                                        <p:strVal val="visible"/>
+                                      </p:to>
+                                    </p:set>
+                                    <p:animEffect transition="in" filter="fade">
+                                      <p:cBhvr>
+                                        <p:cTn id="21" dur="500"/>
+                                        <p:tgtEl>
+                                          <p:spTgt spid="9"/>
+                                        </p:tgtEl>
+                                      </p:cBhvr>
+                                    </p:animEffect>
+                                  </p:childTnLst>
+                                </p:cTn>
+                              </p:par>
+                            </p:childTnLst>
+                          </p:cTn>
+                        </p:par>
+                      </p:childTnLst>
+                    </p:cTn>
+                  </p:par>
+                </p:childTnLst>
+              </p:cTn>
+              <p:prevCondLst>
+                <p:cond evt="onPrev" delay="0">
+                  <p:tgtEl>
+                    <p:sldTgt/>
+                  </p:tgtEl>
+                </p:cond>
+              </p:prevCondLst>
+              <p:nextCondLst>
+                <p:cond evt="onNext" delay="0">
+                  <p:tgtEl>
+                    <p:sldTgt/>
+                  </p:tgtEl>
+                </p:cond>
+              </p:nextCondLst>
+            </p:seq>
+          </p:childTnLst>
+        </p:cTn>
+      </p:par>
+    </p:tnLst>
+    <p:bldLst>
+      <p:bldP spid="12" grpId="0" animBg="1"/>
+      <p:bldP spid="13" grpId="0" animBg="1"/>
+    </p:bldLst>
+  </p:timing>
+</p:sld>
+</file>
+
+<file path=ppt/slides/slide37.xml><?xml version="1.0" encoding="utf-8"?>
+<p:sld xmlns:a="http://schemas.openxmlformats.org/drawingml/2006/main" xmlns:r="http://schemas.openxmlformats.org/officeDocument/2006/relationships" xmlns:p="http://schemas.openxmlformats.org/presentationml/2006/main">
+  <p:cSld>
+    <p:spTree>
+      <p:nvGrpSpPr>
+        <p:cNvPr id="1" name=""/>
+        <p:cNvGrpSpPr/>
+        <p:nvPr/>
+      </p:nvGrpSpPr>
+      <p:grpSpPr>
+        <a:xfrm>
+          <a:off x="0" y="0"/>
+          <a:ext cx="0" cy="0"/>
+          <a:chOff x="0" y="0"/>
+          <a:chExt cx="0" cy="0"/>
+        </a:xfrm>
+      </p:grpSpPr>
+      <p:sp>
+        <p:nvSpPr>
+          <p:cNvPr id="2" name="Titel 1"/>
+          <p:cNvSpPr>
+            <a:spLocks noGrp="1"/>
+          </p:cNvSpPr>
+          <p:nvPr>
+            <p:ph type="title"/>
+          </p:nvPr>
+        </p:nvSpPr>
+        <p:spPr/>
+        <p:txBody>
+          <a:bodyPr/>
+          <a:lstStyle/>
+          <a:p>
+            <a:r>
+              <a:rPr lang="de-DE" dirty="0" smtClean="0">
+                <a:solidFill>
+                  <a:srgbClr val="831420"/>
+                </a:solidFill>
+              </a:rPr>
+              <a:t>Themen</a:t>
+            </a:r>
+            <a:endParaRPr lang="de-DE" dirty="0">
+              <a:solidFill>
+                <a:srgbClr val="831420"/>
+              </a:solidFill>
+            </a:endParaRPr>
+          </a:p>
+        </p:txBody>
+      </p:sp>
+      <p:sp>
+        <p:nvSpPr>
+          <p:cNvPr id="3" name="Inhaltsplatzhalter 2"/>
+          <p:cNvSpPr>
+            <a:spLocks noGrp="1"/>
+          </p:cNvSpPr>
+          <p:nvPr>
+            <p:ph idx="4294967295"/>
+          </p:nvPr>
+        </p:nvSpPr>
+        <p:spPr>
+          <a:xfrm>
+            <a:off x="179512" y="900000"/>
+            <a:ext cx="8496944" cy="4153744"/>
+          </a:xfrm>
+          <a:prstGeom prst="rect">
+            <a:avLst/>
+          </a:prstGeom>
+        </p:spPr>
+        <p:txBody>
+          <a:bodyPr anchor="ctr"/>
+          <a:lstStyle/>
+          <a:p>
+            <a:pPr marL="0" indent="0">
+              <a:buNone/>
+            </a:pPr>
+            <a:r>
+              <a:rPr lang="de-DE" sz="2000" dirty="0" smtClean="0">
+                <a:solidFill>
+                  <a:schemeClr val="bg1">
+                    <a:lumMod val="75000"/>
+                  </a:schemeClr>
+                </a:solidFill>
+              </a:rPr>
+              <a:t>Was ist ein Programm</a:t>
+            </a:r>
+            <a:r>
+              <a:rPr lang="de-DE" sz="2000" dirty="0">
+                <a:solidFill>
+                  <a:schemeClr val="bg1">
+                    <a:lumMod val="75000"/>
+                  </a:schemeClr>
+                </a:solidFill>
+              </a:rPr>
+              <a:t>?</a:t>
+            </a:r>
+          </a:p>
+          <a:p>
+            <a:pPr marL="0" indent="0">
+              <a:buNone/>
+            </a:pPr>
+            <a:r>
+              <a:rPr lang="de-DE" sz="2000" dirty="0" smtClean="0">
+                <a:solidFill>
+                  <a:schemeClr val="bg1">
+                    <a:lumMod val="75000"/>
+                  </a:schemeClr>
+                </a:solidFill>
+              </a:rPr>
+              <a:t>Syntax und Semantik</a:t>
+            </a:r>
+            <a:endParaRPr lang="de-DE" sz="2000" dirty="0">
+              <a:solidFill>
+                <a:schemeClr val="bg1">
+                  <a:lumMod val="75000"/>
+                </a:schemeClr>
+              </a:solidFill>
+            </a:endParaRPr>
+          </a:p>
+          <a:p>
+            <a:pPr marL="0" indent="0">
+              <a:buNone/>
+            </a:pPr>
+            <a:r>
+              <a:rPr lang="de-DE" sz="2000" dirty="0" smtClean="0">
+                <a:solidFill>
+                  <a:schemeClr val="bg1">
+                    <a:lumMod val="75000"/>
+                  </a:schemeClr>
+                </a:solidFill>
+              </a:rPr>
+              <a:t>Ein erstes Programm</a:t>
+            </a:r>
+            <a:endParaRPr lang="de-DE" sz="2000" dirty="0">
+              <a:solidFill>
+                <a:schemeClr val="bg1">
+                  <a:lumMod val="75000"/>
+                </a:schemeClr>
+              </a:solidFill>
+            </a:endParaRPr>
+          </a:p>
+          <a:p>
+            <a:pPr marL="0" indent="0">
+              <a:buNone/>
+            </a:pPr>
+            <a:r>
+              <a:rPr lang="de-DE" sz="2000" dirty="0" smtClean="0">
+                <a:solidFill>
+                  <a:schemeClr val="bg1">
+                    <a:lumMod val="75000"/>
+                  </a:schemeClr>
+                </a:solidFill>
+              </a:rPr>
+              <a:t>Primitive Datentypen und Variablen</a:t>
+            </a:r>
+            <a:endParaRPr lang="de-DE" sz="2000" dirty="0">
+              <a:solidFill>
+                <a:schemeClr val="bg1">
+                  <a:lumMod val="75000"/>
+                </a:schemeClr>
+              </a:solidFill>
+            </a:endParaRPr>
+          </a:p>
+          <a:p>
+            <a:pPr marL="0" indent="0">
+              <a:buNone/>
+            </a:pPr>
+            <a:r>
+              <a:rPr lang="de-DE" sz="2000" dirty="0" smtClean="0">
+                <a:solidFill>
+                  <a:schemeClr val="bg1">
+                    <a:lumMod val="75000"/>
+                  </a:schemeClr>
+                </a:solidFill>
+              </a:rPr>
+              <a:t>Abfragen, Schleifen</a:t>
+            </a:r>
+            <a:endParaRPr lang="de-DE" sz="2000" dirty="0">
+              <a:solidFill>
+                <a:schemeClr val="bg1">
+                  <a:lumMod val="75000"/>
+                </a:schemeClr>
+              </a:solidFill>
+            </a:endParaRPr>
+          </a:p>
+          <a:p>
+            <a:pPr marL="0" indent="0">
+              <a:buNone/>
+            </a:pPr>
+            <a:r>
+              <a:rPr lang="de-DE" sz="2000" i="1" dirty="0">
+                <a:solidFill>
+                  <a:schemeClr val="bg1">
+                    <a:lumMod val="75000"/>
+                  </a:schemeClr>
+                </a:solidFill>
+              </a:rPr>
+              <a:t>Objektorientierung:</a:t>
+            </a:r>
+          </a:p>
+          <a:p>
+            <a:pPr marL="0" indent="0">
+              <a:buNone/>
+            </a:pPr>
+            <a:r>
+              <a:rPr lang="de-DE" sz="2000" dirty="0" smtClean="0">
+                <a:solidFill>
+                  <a:schemeClr val="bg1">
+                    <a:lumMod val="75000"/>
+                  </a:schemeClr>
+                </a:solidFill>
+              </a:rPr>
+              <a:t>    Klassen und Objekte</a:t>
+            </a:r>
+            <a:endParaRPr lang="de-DE" sz="2000" dirty="0">
+              <a:solidFill>
+                <a:schemeClr val="bg1">
+                  <a:lumMod val="75000"/>
+                </a:schemeClr>
+              </a:solidFill>
+            </a:endParaRPr>
+          </a:p>
+          <a:p>
+            <a:pPr marL="0" indent="0">
+              <a:buNone/>
+            </a:pPr>
+            <a:r>
+              <a:rPr lang="de-DE" sz="2000" dirty="0" smtClean="0">
+                <a:solidFill>
+                  <a:schemeClr val="bg1">
+                    <a:lumMod val="75000"/>
+                  </a:schemeClr>
+                </a:solidFill>
+              </a:rPr>
+              <a:t>    Attribute und Methoden</a:t>
+            </a:r>
+            <a:endParaRPr lang="de-DE" sz="2000" dirty="0">
+              <a:solidFill>
+                <a:schemeClr val="bg1">
+                  <a:lumMod val="75000"/>
+                </a:schemeClr>
+              </a:solidFill>
+            </a:endParaRPr>
+          </a:p>
+          <a:p>
+            <a:pPr marL="0" indent="0">
+              <a:buNone/>
+            </a:pPr>
+            <a:r>
+              <a:rPr lang="de-DE" sz="2000" b="1" dirty="0"/>
+              <a:t>Namenskonvention</a:t>
+            </a:r>
+          </a:p>
+          <a:p>
+            <a:pPr marL="0" indent="0">
+              <a:buNone/>
+            </a:pPr>
+            <a:r>
+              <a:rPr lang="de-DE" sz="2000" dirty="0" smtClean="0">
+                <a:solidFill>
+                  <a:schemeClr val="bg1">
+                    <a:lumMod val="75000"/>
+                  </a:schemeClr>
+                </a:solidFill>
+              </a:rPr>
+              <a:t>Strings und Arrays</a:t>
+            </a:r>
+            <a:endParaRPr lang="de-DE" sz="2000" dirty="0">
+              <a:solidFill>
+                <a:schemeClr val="bg1">
+                  <a:lumMod val="75000"/>
+                </a:schemeClr>
+              </a:solidFill>
+            </a:endParaRPr>
+          </a:p>
+        </p:txBody>
+      </p:sp>
+    </p:spTree>
+    <p:extLst>
+      <p:ext uri="{BB962C8B-B14F-4D97-AF65-F5344CB8AC3E}">
+        <p14:creationId xmlns:p14="http://schemas.microsoft.com/office/powerpoint/2010/main" val="773947901"/>
+      </p:ext>
+    </p:extLst>
+  </p:cSld>
+  <p:clrMapOvr>
+    <a:masterClrMapping/>
+  </p:clrMapOvr>
+  <mc:AlternateContent xmlns:mc="http://schemas.openxmlformats.org/markup-compatibility/2006" xmlns:p14="http://schemas.microsoft.com/office/powerpoint/2010/main">
+    <mc:Choice Requires="p14">
+      <p:transition spd="slow" p14:dur="800">
+        <p14:flythrough/>
+      </p:transition>
+    </mc:Choice>
+    <mc:Fallback xmlns="">
+      <p:transition spd="slow">
+        <p:fade/>
+      </p:transition>
+    </mc:Fallback>
+  </mc:AlternateContent>
+  <p:timing>
+    <p:tnLst>
+      <p:par>
+        <p:cTn id="1" dur="indefinite" restart="never" nodeType="tmRoot"/>
+      </p:par>
+    </p:tnLst>
+  </p:timing>
+</p:sld>
+</file>
+
+<file path=ppt/slides/slide38.xml><?xml version="1.0" encoding="utf-8"?>
+<p:sld xmlns:a="http://schemas.openxmlformats.org/drawingml/2006/main" xmlns:r="http://schemas.openxmlformats.org/officeDocument/2006/relationships" xmlns:p="http://schemas.openxmlformats.org/presentationml/2006/main">
+  <p:cSld>
+    <p:spTree>
+      <p:nvGrpSpPr>
+        <p:cNvPr id="1" name=""/>
+        <p:cNvGrpSpPr/>
+        <p:nvPr/>
+      </p:nvGrpSpPr>
+      <p:grpSpPr>
+        <a:xfrm>
+          <a:off x="0" y="0"/>
+          <a:ext cx="0" cy="0"/>
+          <a:chOff x="0" y="0"/>
+          <a:chExt cx="0" cy="0"/>
+        </a:xfrm>
+      </p:grpSpPr>
+      <p:sp>
+        <p:nvSpPr>
+          <p:cNvPr id="2" name="Titel 1"/>
+          <p:cNvSpPr>
+            <a:spLocks noGrp="1"/>
+          </p:cNvSpPr>
+          <p:nvPr>
+            <p:ph type="title"/>
+          </p:nvPr>
+        </p:nvSpPr>
+        <p:spPr/>
+        <p:txBody>
+          <a:bodyPr/>
+          <a:lstStyle/>
+          <a:p>
+            <a:r>
+              <a:rPr lang="de-DE" dirty="0" smtClean="0">
+                <a:solidFill>
+                  <a:srgbClr val="831420"/>
+                </a:solidFill>
+              </a:rPr>
+              <a:t>Namenskonvention</a:t>
+            </a:r>
+            <a:endParaRPr lang="de-DE" dirty="0">
+              <a:solidFill>
+                <a:srgbClr val="831420"/>
+              </a:solidFill>
+            </a:endParaRPr>
+          </a:p>
+        </p:txBody>
+      </p:sp>
+      <p:sp>
+        <p:nvSpPr>
+          <p:cNvPr id="3" name="Inhaltsplatzhalter 2"/>
+          <p:cNvSpPr>
+            <a:spLocks noGrp="1"/>
+          </p:cNvSpPr>
+          <p:nvPr>
+            <p:ph idx="4294967295"/>
+          </p:nvPr>
+        </p:nvSpPr>
+        <p:spPr>
+          <a:xfrm>
+            <a:off x="179512" y="877280"/>
+            <a:ext cx="8496944" cy="4176464"/>
+          </a:xfrm>
+          <a:prstGeom prst="rect">
+            <a:avLst/>
+          </a:prstGeom>
+        </p:spPr>
+        <p:txBody>
+          <a:bodyPr anchor="ctr"/>
+          <a:lstStyle/>
+          <a:p>
+            <a:r>
+              <a:rPr lang="de-DE" sz="2000" dirty="0" smtClean="0"/>
+              <a:t>Eine Namenskonvention gibt vor wie man Klassen, Variablen, Konstanten, etc. benennen soll</a:t>
+            </a:r>
+          </a:p>
+          <a:p>
+            <a:endParaRPr lang="de-DE" sz="2000" dirty="0" smtClean="0"/>
+          </a:p>
+          <a:p>
+            <a:r>
+              <a:rPr lang="de-DE" sz="2000" dirty="0" smtClean="0"/>
+              <a:t>Auch wenn es keine Fehler erzeugt ist es wichtig Namen gut zu wählen!</a:t>
+            </a:r>
+          </a:p>
+          <a:p>
+            <a:endParaRPr lang="de-DE" sz="2000" dirty="0"/>
+          </a:p>
+          <a:p>
+            <a:r>
+              <a:rPr lang="de-DE" sz="2000" b="1" dirty="0" smtClean="0"/>
+              <a:t>Code wird deutlich häufiger gelesen als geschrieben</a:t>
+            </a:r>
+          </a:p>
+          <a:p>
+            <a:endParaRPr lang="de-DE" sz="2000" dirty="0" smtClean="0"/>
+          </a:p>
+        </p:txBody>
+      </p:sp>
+    </p:spTree>
+    <p:extLst>
+      <p:ext uri="{BB962C8B-B14F-4D97-AF65-F5344CB8AC3E}">
+        <p14:creationId xmlns:p14="http://schemas.microsoft.com/office/powerpoint/2010/main" val="3676249133"/>
+      </p:ext>
+    </p:extLst>
+  </p:cSld>
+  <p:clrMapOvr>
+    <a:masterClrMapping/>
+  </p:clrMapOvr>
+  <mc:AlternateContent xmlns:mc="http://schemas.openxmlformats.org/markup-compatibility/2006" xmlns:p14="http://schemas.microsoft.com/office/powerpoint/2010/main">
+    <mc:Choice Requires="p14">
+      <p:transition spd="slow" p14:dur="800">
+        <p14:flythrough/>
+      </p:transition>
+    </mc:Choice>
+    <mc:Fallback xmlns="">
+      <p:transition spd="slow">
+        <p:fade/>
+      </p:transition>
+    </mc:Fallback>
+  </mc:AlternateContent>
+  <p:timing>
+    <p:tnLst>
+      <p:par>
+        <p:cTn id="1" dur="indefinite" restart="never" nodeType="tmRoot">
+          <p:childTnLst>
+            <p:seq concurrent="1" nextAc="seek">
+              <p:cTn id="2" dur="indefinite" nodeType="mainSeq">
+                <p:childTnLst>
+                  <p:par>
+                    <p:cTn id="3" fill="hold">
+                      <p:stCondLst>
+                        <p:cond delay="indefinite"/>
+                      </p:stCondLst>
+                      <p:childTnLst>
+                        <p:par>
+                          <p:cTn id="4" fill="hold">
+                            <p:stCondLst>
+                              <p:cond delay="0"/>
+                            </p:stCondLst>
+                            <p:childTnLst>
+                              <p:par>
+                                <p:cTn id="5" presetID="10" presetClass="entr" presetSubtype="0" fill="hold" nodeType="clickEffect">
+                                  <p:stCondLst>
+                                    <p:cond delay="0"/>
+                                  </p:stCondLst>
+                                  <p:childTnLst>
+                                    <p:set>
+                                      <p:cBhvr>
+                                        <p:cTn id="6" dur="1" fill="hold">
+                                          <p:stCondLst>
+                                            <p:cond delay="0"/>
+                                          </p:stCondLst>
+                                        </p:cTn>
+                                        <p:tgtEl>
+                                          <p:spTgt spid="3">
+                                            <p:txEl>
+                                              <p:pRg st="2" end="2"/>
+                                            </p:txEl>
+                                          </p:spTgt>
+                                        </p:tgtEl>
+                                        <p:attrNameLst>
+                                          <p:attrName>style.visibility</p:attrName>
+                                        </p:attrNameLst>
+                                      </p:cBhvr>
+                                      <p:to>
+                                        <p:strVal val="visible"/>
+                                      </p:to>
+                                    </p:set>
+                                    <p:animEffect transition="in" filter="fade">
+                                      <p:cBhvr>
+                                        <p:cTn id="7" dur="500"/>
+                                        <p:tgtEl>
+                                          <p:spTgt spid="3">
+                                            <p:txEl>
+                                              <p:pRg st="2" end="2"/>
+                                            </p:txEl>
+                                          </p:spTgt>
+                                        </p:tgtEl>
+                                      </p:cBhvr>
+                                    </p:animEffect>
+                                  </p:childTnLst>
+                                </p:cTn>
+                              </p:par>
+                            </p:childTnLst>
+                          </p:cTn>
+                        </p:par>
+                      </p:childTnLst>
+                    </p:cTn>
+                  </p:par>
+                  <p:par>
+                    <p:cTn id="8" fill="hold">
+                      <p:stCondLst>
+                        <p:cond delay="indefinite"/>
+                      </p:stCondLst>
+                      <p:childTnLst>
+                        <p:par>
+                          <p:cTn id="9" fill="hold">
+                            <p:stCondLst>
+                              <p:cond delay="0"/>
+                            </p:stCondLst>
+                            <p:childTnLst>
+                              <p:par>
+                                <p:cTn id="10" presetID="10" presetClass="entr" presetSubtype="0" fill="hold" nodeType="clickEffect">
+                                  <p:stCondLst>
+                                    <p:cond delay="0"/>
+                                  </p:stCondLst>
+                                  <p:childTnLst>
+                                    <p:set>
+                                      <p:cBhvr>
+                                        <p:cTn id="11" dur="1" fill="hold">
+                                          <p:stCondLst>
+                                            <p:cond delay="0"/>
+                                          </p:stCondLst>
+                                        </p:cTn>
+                                        <p:tgtEl>
+                                          <p:spTgt spid="3">
+                                            <p:txEl>
+                                              <p:pRg st="4" end="4"/>
+                                            </p:txEl>
+                                          </p:spTgt>
+                                        </p:tgtEl>
+                                        <p:attrNameLst>
+                                          <p:attrName>style.visibility</p:attrName>
+                                        </p:attrNameLst>
+                                      </p:cBhvr>
+                                      <p:to>
+                                        <p:strVal val="visible"/>
+                                      </p:to>
+                                    </p:set>
+                                    <p:animEffect transition="in" filter="fade">
+                                      <p:cBhvr>
+                                        <p:cTn id="12" dur="500"/>
+                                        <p:tgtEl>
+                                          <p:spTgt spid="3">
+                                            <p:txEl>
+                                              <p:pRg st="4" end="4"/>
+                                            </p:txEl>
+                                          </p:spTgt>
+                                        </p:tgtEl>
+                                      </p:cBhvr>
+                                    </p:animEffect>
+                                  </p:childTnLst>
+                                </p:cTn>
+                              </p:par>
+                            </p:childTnLst>
+                          </p:cTn>
+                        </p:par>
+                      </p:childTnLst>
+                    </p:cTn>
+                  </p:par>
+                </p:childTnLst>
+              </p:cTn>
+              <p:prevCondLst>
+                <p:cond evt="onPrev" delay="0">
+                  <p:tgtEl>
+                    <p:sldTgt/>
+                  </p:tgtEl>
+                </p:cond>
+              </p:prevCondLst>
+              <p:nextCondLst>
+                <p:cond evt="onNext" delay="0">
+                  <p:tgtEl>
+                    <p:sldTgt/>
+                  </p:tgtEl>
+                </p:cond>
+              </p:nextCondLst>
+            </p:seq>
+          </p:childTnLst>
+        </p:cTn>
+      </p:par>
+    </p:tnLst>
+  </p:timing>
+</p:sld>
+</file>
+
+<file path=ppt/slides/slide39.xml><?xml version="1.0" encoding="utf-8"?>
+<p:sld xmlns:a="http://schemas.openxmlformats.org/drawingml/2006/main" xmlns:r="http://schemas.openxmlformats.org/officeDocument/2006/relationships" xmlns:p="http://schemas.openxmlformats.org/presentationml/2006/main">
+  <p:cSld>
+    <p:spTree>
+      <p:nvGrpSpPr>
+        <p:cNvPr id="1" name=""/>
+        <p:cNvGrpSpPr/>
+        <p:nvPr/>
+      </p:nvGrpSpPr>
+      <p:grpSpPr>
+        <a:xfrm>
+          <a:off x="0" y="0"/>
+          <a:ext cx="0" cy="0"/>
+          <a:chOff x="0" y="0"/>
+          <a:chExt cx="0" cy="0"/>
+        </a:xfrm>
+      </p:grpSpPr>
+      <p:sp>
+        <p:nvSpPr>
+          <p:cNvPr id="2" name="Titel 1"/>
+          <p:cNvSpPr>
+            <a:spLocks noGrp="1"/>
+          </p:cNvSpPr>
+          <p:nvPr>
+            <p:ph type="title"/>
+          </p:nvPr>
+        </p:nvSpPr>
+        <p:spPr/>
+        <p:txBody>
+          <a:bodyPr/>
+          <a:lstStyle/>
+          <a:p>
+            <a:r>
+              <a:rPr lang="de-DE" dirty="0" smtClean="0">
+                <a:solidFill>
+                  <a:srgbClr val="831420"/>
+                </a:solidFill>
+              </a:rPr>
+              <a:t>Namenskonvention: In Java</a:t>
+            </a:r>
+            <a:endParaRPr lang="de-DE" dirty="0">
+              <a:solidFill>
+                <a:srgbClr val="831420"/>
+              </a:solidFill>
+            </a:endParaRPr>
+          </a:p>
+        </p:txBody>
+      </p:sp>
+      <p:sp>
+        <p:nvSpPr>
+          <p:cNvPr id="3" name="Inhaltsplatzhalter 2"/>
+          <p:cNvSpPr>
+            <a:spLocks noGrp="1"/>
+          </p:cNvSpPr>
+          <p:nvPr>
+            <p:ph idx="4294967295"/>
+          </p:nvPr>
+        </p:nvSpPr>
+        <p:spPr>
+          <a:xfrm>
+            <a:off x="179512" y="877280"/>
+            <a:ext cx="8496944" cy="4176464"/>
+          </a:xfrm>
+          <a:prstGeom prst="rect">
+            <a:avLst/>
+          </a:prstGeom>
+        </p:spPr>
+        <p:txBody>
+          <a:bodyPr anchor="ctr"/>
+          <a:lstStyle/>
+          <a:p>
+            <a:pPr marL="0" indent="0">
+              <a:buNone/>
+            </a:pPr>
+            <a:r>
+              <a:rPr lang="de-DE" sz="2000" u="sng" dirty="0" smtClean="0"/>
+              <a:t>		</a:t>
+            </a:r>
+            <a:r>
+              <a:rPr lang="de-DE" sz="2000" b="1" u="sng" dirty="0" smtClean="0"/>
+              <a:t>Konvention</a:t>
+            </a:r>
+            <a:r>
+              <a:rPr lang="de-DE" sz="2000" u="sng" dirty="0" smtClean="0"/>
+              <a:t>				</a:t>
+            </a:r>
+            <a:r>
+              <a:rPr lang="de-DE" sz="2000" b="1" u="sng" dirty="0" smtClean="0"/>
+              <a:t>Beispiele</a:t>
+            </a:r>
+            <a:r>
+              <a:rPr lang="de-DE" sz="1800" b="1" u="sng" dirty="0" smtClean="0"/>
+              <a:t>	</a:t>
+            </a:r>
+          </a:p>
+          <a:p>
+            <a:pPr marL="0" indent="0">
+              <a:buNone/>
+            </a:pPr>
+            <a:r>
+              <a:rPr lang="de-DE" sz="1800" i="1" dirty="0" smtClean="0"/>
+              <a:t>Klassen</a:t>
+            </a:r>
+            <a:r>
+              <a:rPr lang="de-DE" sz="1800" dirty="0" smtClean="0"/>
+              <a:t>		Startet mit großem Buchstaben,		</a:t>
+            </a:r>
+            <a:r>
+              <a:rPr lang="de-DE" sz="1800" dirty="0" smtClean="0">
+                <a:solidFill>
+                  <a:schemeClr val="tx2"/>
+                </a:solidFill>
+              </a:rPr>
+              <a:t>Planet</a:t>
+            </a:r>
+            <a:r>
+              <a:rPr lang="de-DE" sz="1800" dirty="0" smtClean="0"/>
+              <a:t>,</a:t>
+            </a:r>
+            <a:br>
+              <a:rPr lang="de-DE" sz="1800" dirty="0" smtClean="0"/>
+            </a:br>
+            <a:r>
+              <a:rPr lang="de-DE" sz="1800" dirty="0" smtClean="0"/>
+              <a:t>		Jedes neue Wort beginnt mit			</a:t>
+            </a:r>
+            <a:r>
+              <a:rPr lang="de-DE" sz="1800" dirty="0">
+                <a:solidFill>
+                  <a:schemeClr val="tx2"/>
+                </a:solidFill>
+              </a:rPr>
+              <a:t>Car</a:t>
+            </a:r>
+            <a:r>
+              <a:rPr lang="de-DE" sz="1800" dirty="0"/>
+              <a:t>, </a:t>
+            </a:r>
+            <a:r>
+              <a:rPr lang="de-DE" sz="1800" dirty="0" err="1" smtClean="0">
+                <a:solidFill>
+                  <a:schemeClr val="tx2"/>
+                </a:solidFill>
+              </a:rPr>
+              <a:t>CarFactory</a:t>
+            </a:r>
+            <a:r>
+              <a:rPr lang="de-DE" sz="1800" dirty="0" smtClean="0"/>
+              <a:t>,</a:t>
+            </a:r>
+            <a:br>
+              <a:rPr lang="de-DE" sz="1800" dirty="0" smtClean="0"/>
+            </a:br>
+            <a:r>
+              <a:rPr lang="de-DE" sz="1800" dirty="0" smtClean="0"/>
+              <a:t>		einem großen Buchstaben		</a:t>
+            </a:r>
+            <a:r>
+              <a:rPr lang="de-DE" sz="1800" dirty="0"/>
+              <a:t>	</a:t>
+            </a:r>
+            <a:r>
+              <a:rPr lang="de-DE" sz="1800" dirty="0" smtClean="0">
+                <a:solidFill>
+                  <a:schemeClr val="tx2"/>
+                </a:solidFill>
+              </a:rPr>
+              <a:t>Pants</a:t>
+            </a:r>
+            <a:endParaRPr lang="de-DE" sz="1800" i="1" dirty="0" smtClean="0">
+              <a:solidFill>
+                <a:schemeClr val="tx2"/>
+              </a:solidFill>
+            </a:endParaRPr>
+          </a:p>
+          <a:p>
+            <a:pPr marL="0" indent="0">
+              <a:buNone/>
+            </a:pPr>
+            <a:r>
+              <a:rPr lang="de-DE" sz="1800" u="sng" dirty="0" smtClean="0"/>
+              <a:t>									</a:t>
+            </a:r>
+            <a:endParaRPr lang="de-DE" sz="1800" u="sng" dirty="0"/>
+          </a:p>
+          <a:p>
+            <a:pPr marL="0" indent="0">
+              <a:buNone/>
+            </a:pPr>
+            <a:r>
+              <a:rPr lang="de-DE" sz="1800" i="1" dirty="0" smtClean="0"/>
+              <a:t>Variablen,</a:t>
+            </a:r>
+            <a:r>
+              <a:rPr lang="de-DE" sz="1800" dirty="0" smtClean="0"/>
+              <a:t>	Starten mit kleinem Buchstaben,		</a:t>
+            </a:r>
+            <a:r>
+              <a:rPr lang="de-DE" sz="1800" dirty="0" err="1" smtClean="0">
+                <a:solidFill>
+                  <a:schemeClr val="tx2"/>
+                </a:solidFill>
+              </a:rPr>
+              <a:t>earth</a:t>
+            </a:r>
+            <a:r>
+              <a:rPr lang="de-DE" sz="1800" dirty="0" smtClean="0"/>
+              <a:t>, </a:t>
+            </a:r>
+            <a:r>
+              <a:rPr lang="de-DE" sz="1800" dirty="0" err="1" smtClean="0">
+                <a:solidFill>
+                  <a:schemeClr val="tx2"/>
+                </a:solidFill>
+              </a:rPr>
+              <a:t>mars</a:t>
+            </a:r>
+            <a:r>
+              <a:rPr lang="de-DE" sz="1800" dirty="0" smtClean="0"/>
+              <a:t>,</a:t>
+            </a:r>
+            <a:br>
+              <a:rPr lang="de-DE" sz="1800" dirty="0" smtClean="0"/>
+            </a:br>
+            <a:r>
+              <a:rPr lang="de-DE" sz="1800" i="1" dirty="0" smtClean="0"/>
+              <a:t>Attribute,</a:t>
+            </a:r>
+            <a:r>
+              <a:rPr lang="de-DE" sz="1800" dirty="0" smtClean="0"/>
+              <a:t>							</a:t>
+            </a:r>
+            <a:r>
+              <a:rPr lang="de-DE" sz="1800" dirty="0" err="1" smtClean="0">
+                <a:solidFill>
+                  <a:schemeClr val="tx2"/>
+                </a:solidFill>
+              </a:rPr>
+              <a:t>blackJeans</a:t>
+            </a:r>
+            <a:r>
+              <a:rPr lang="de-DE" sz="1800" dirty="0" smtClean="0"/>
+              <a:t>,</a:t>
+            </a:r>
+            <a:br>
+              <a:rPr lang="de-DE" sz="1800" dirty="0" smtClean="0"/>
+            </a:br>
+            <a:r>
+              <a:rPr lang="de-DE" sz="1800" dirty="0" smtClean="0"/>
+              <a:t>		Jedes neue Wort beginnt mit</a:t>
+            </a:r>
+            <a:br>
+              <a:rPr lang="de-DE" sz="1800" dirty="0" smtClean="0"/>
+            </a:br>
+            <a:r>
+              <a:rPr lang="de-DE" sz="1800" i="1" dirty="0" smtClean="0"/>
+              <a:t>Methoden</a:t>
+            </a:r>
+            <a:r>
+              <a:rPr lang="de-DE" sz="1800" dirty="0" smtClean="0"/>
+              <a:t>	einem großen Buchstaben			</a:t>
+            </a:r>
+            <a:r>
+              <a:rPr lang="de-DE" sz="1800" dirty="0" err="1" smtClean="0">
+                <a:solidFill>
+                  <a:schemeClr val="tx2"/>
+                </a:solidFill>
+              </a:rPr>
+              <a:t>println</a:t>
+            </a:r>
+            <a:r>
+              <a:rPr lang="de-DE" sz="1800" dirty="0" smtClean="0">
+                <a:solidFill>
+                  <a:schemeClr val="tx2"/>
+                </a:solidFill>
+              </a:rPr>
+              <a:t>()</a:t>
+            </a:r>
+            <a:r>
+              <a:rPr lang="de-DE" sz="1800" dirty="0" smtClean="0"/>
+              <a:t>, </a:t>
+            </a:r>
+            <a:r>
+              <a:rPr lang="de-DE" sz="1800" dirty="0" err="1" smtClean="0">
+                <a:solidFill>
+                  <a:schemeClr val="tx2"/>
+                </a:solidFill>
+              </a:rPr>
+              <a:t>buildCar</a:t>
+            </a:r>
+            <a:r>
+              <a:rPr lang="de-DE" sz="1800" dirty="0" smtClean="0">
+                <a:solidFill>
+                  <a:schemeClr val="tx2"/>
+                </a:solidFill>
+              </a:rPr>
+              <a:t>()</a:t>
+            </a:r>
+          </a:p>
+          <a:p>
+            <a:pPr marL="0" indent="0">
+              <a:buNone/>
+            </a:pPr>
+            <a:r>
+              <a:rPr lang="de-DE" sz="1800" u="sng" dirty="0"/>
+              <a:t>	</a:t>
+            </a:r>
+            <a:r>
+              <a:rPr lang="de-DE" sz="1800" u="sng" dirty="0" smtClean="0"/>
+              <a:t>								</a:t>
+            </a:r>
+            <a:endParaRPr lang="de-DE" sz="1800" u="sng" dirty="0"/>
+          </a:p>
+          <a:p>
+            <a:pPr marL="0" indent="0">
+              <a:buNone/>
+            </a:pPr>
+            <a:r>
+              <a:rPr lang="de-DE" sz="1800" i="1" dirty="0" smtClean="0"/>
+              <a:t>Konstanten</a:t>
+            </a:r>
+            <a:r>
+              <a:rPr lang="de-DE" sz="1800" dirty="0" smtClean="0"/>
+              <a:t>	Bestehen komplett aus großen</a:t>
+            </a:r>
+            <a:r>
+              <a:rPr lang="de-DE" sz="1800" dirty="0"/>
+              <a:t> </a:t>
+            </a:r>
+            <a:r>
+              <a:rPr lang="de-DE" sz="1800" dirty="0" smtClean="0"/>
+              <a:t>Buchstaben,	</a:t>
+            </a:r>
+            <a:r>
+              <a:rPr lang="de-DE" sz="1800" dirty="0" smtClean="0">
+                <a:solidFill>
+                  <a:schemeClr val="tx2"/>
+                </a:solidFill>
+              </a:rPr>
+              <a:t>GRAVITY</a:t>
+            </a:r>
+            <a:r>
+              <a:rPr lang="de-DE" sz="1800" dirty="0" smtClean="0"/>
+              <a:t>,</a:t>
+            </a:r>
+            <a:br>
+              <a:rPr lang="de-DE" sz="1800" dirty="0" smtClean="0"/>
+            </a:br>
+            <a:r>
+              <a:rPr lang="de-DE" sz="1800" dirty="0" smtClean="0"/>
+              <a:t>		Zwei Worte werden mit Unterstrich</a:t>
+            </a:r>
+            <a:r>
+              <a:rPr lang="de-DE" sz="1800" dirty="0"/>
+              <a:t> </a:t>
+            </a:r>
+            <a:r>
+              <a:rPr lang="de-DE" sz="1800" dirty="0" smtClean="0"/>
+              <a:t>getrennt</a:t>
+            </a:r>
+            <a:r>
+              <a:rPr lang="de-DE" sz="1800" dirty="0"/>
+              <a:t>	</a:t>
+            </a:r>
+            <a:r>
+              <a:rPr lang="de-DE" sz="1800" dirty="0" smtClean="0">
+                <a:solidFill>
+                  <a:schemeClr val="tx2"/>
+                </a:solidFill>
+              </a:rPr>
+              <a:t>SPEED_OF_LIGHT</a:t>
+            </a:r>
+          </a:p>
+          <a:p>
+            <a:pPr marL="0" indent="0">
+              <a:buNone/>
+            </a:pPr>
+            <a:r>
+              <a:rPr lang="de-DE" sz="1800" u="sng" dirty="0" smtClean="0"/>
+              <a:t>									</a:t>
+            </a:r>
+          </a:p>
+        </p:txBody>
+      </p:sp>
+    </p:spTree>
+    <p:extLst>
+      <p:ext uri="{BB962C8B-B14F-4D97-AF65-F5344CB8AC3E}">
+        <p14:creationId xmlns:p14="http://schemas.microsoft.com/office/powerpoint/2010/main" val="1367577092"/>
+      </p:ext>
+    </p:extLst>
+  </p:cSld>
+  <p:clrMapOvr>
+    <a:masterClrMapping/>
+  </p:clrMapOvr>
+  <mc:AlternateContent xmlns:mc="http://schemas.openxmlformats.org/markup-compatibility/2006" xmlns:p14="http://schemas.microsoft.com/office/powerpoint/2010/main">
+    <mc:Choice Requires="p14">
+      <p:transition spd="slow" p14:dur="800">
+        <p14:flythrough/>
+      </p:transition>
+    </mc:Choice>
+    <mc:Fallback xmlns="">
+      <p:transition spd="slow">
+        <p:fade/>
+      </p:transition>
+    </mc:Fallback>
+  </mc:AlternateContent>
+  <p:timing>
+    <p:tnLst>
+      <p:par>
+        <p:cTn id="1" dur="indefinite" restart="never" nodeType="tmRoot">
+          <p:childTnLst>
+            <p:seq concurrent="1" nextAc="seek">
+              <p:cTn id="2" dur="indefinite" nodeType="mainSeq">
+                <p:childTnLst>
+                  <p:par>
+                    <p:cTn id="3" fill="hold">
+                      <p:stCondLst>
+                        <p:cond delay="indefinite"/>
+                      </p:stCondLst>
+                      <p:childTnLst>
+                        <p:par>
+                          <p:cTn id="4" fill="hold">
+                            <p:stCondLst>
+                              <p:cond delay="0"/>
+                            </p:stCondLst>
+                            <p:childTnLst>
+                              <p:par>
+                                <p:cTn id="5" presetID="10" presetClass="entr" presetSubtype="0" fill="hold" nodeType="clickEffect">
+                                  <p:stCondLst>
+                                    <p:cond delay="0"/>
+                                  </p:stCondLst>
+                                  <p:childTnLst>
+                                    <p:set>
+                                      <p:cBhvr>
+                                        <p:cTn id="6" dur="1" fill="hold">
+                                          <p:stCondLst>
+                                            <p:cond delay="0"/>
+                                          </p:stCondLst>
+                                        </p:cTn>
+                                        <p:tgtEl>
+                                          <p:spTgt spid="3">
+                                            <p:txEl>
+                                              <p:pRg st="1" end="1"/>
+                                            </p:txEl>
+                                          </p:spTgt>
+                                        </p:tgtEl>
+                                        <p:attrNameLst>
+                                          <p:attrName>style.visibility</p:attrName>
+                                        </p:attrNameLst>
+                                      </p:cBhvr>
+                                      <p:to>
+                                        <p:strVal val="visible"/>
+                                      </p:to>
+                                    </p:set>
+                                    <p:animEffect transition="in" filter="fade">
+                                      <p:cBhvr>
+                                        <p:cTn id="7" dur="500"/>
+                                        <p:tgtEl>
+                                          <p:spTgt spid="3">
+                                            <p:txEl>
+                                              <p:pRg st="1" end="1"/>
+                                            </p:txEl>
+                                          </p:spTgt>
+                                        </p:tgtEl>
+                                      </p:cBhvr>
+                                    </p:animEffect>
+                                  </p:childTnLst>
+                                </p:cTn>
+                              </p:par>
+                              <p:par>
+                                <p:cTn id="8" presetID="10" presetClass="entr" presetSubtype="0" fill="hold" nodeType="withEffect">
+                                  <p:stCondLst>
+                                    <p:cond delay="0"/>
+                                  </p:stCondLst>
+                                  <p:childTnLst>
+                                    <p:set>
+                                      <p:cBhvr>
+                                        <p:cTn id="9" dur="1" fill="hold">
+                                          <p:stCondLst>
+                                            <p:cond delay="0"/>
+                                          </p:stCondLst>
+                                        </p:cTn>
+                                        <p:tgtEl>
+                                          <p:spTgt spid="3">
+                                            <p:txEl>
+                                              <p:pRg st="2" end="2"/>
+                                            </p:txEl>
+                                          </p:spTgt>
+                                        </p:tgtEl>
+                                        <p:attrNameLst>
+                                          <p:attrName>style.visibility</p:attrName>
+                                        </p:attrNameLst>
+                                      </p:cBhvr>
+                                      <p:to>
+                                        <p:strVal val="visible"/>
+                                      </p:to>
+                                    </p:set>
+                                    <p:animEffect transition="in" filter="fade">
+                                      <p:cBhvr>
+                                        <p:cTn id="10" dur="500"/>
+                                        <p:tgtEl>
+                                          <p:spTgt spid="3">
+                                            <p:txEl>
+                                              <p:pRg st="2" end="2"/>
+                                            </p:txEl>
+                                          </p:spTgt>
+                                        </p:tgtEl>
+                                      </p:cBhvr>
+                                    </p:animEffect>
+                                  </p:childTnLst>
+                                </p:cTn>
+                              </p:par>
+                            </p:childTnLst>
+                          </p:cTn>
+                        </p:par>
+                      </p:childTnLst>
+                    </p:cTn>
+                  </p:par>
+                  <p:par>
+                    <p:cTn id="11" fill="hold">
+                      <p:stCondLst>
+                        <p:cond delay="indefinite"/>
+                      </p:stCondLst>
+                      <p:childTnLst>
+                        <p:par>
+                          <p:cTn id="12" fill="hold">
+                            <p:stCondLst>
+                              <p:cond delay="0"/>
+                            </p:stCondLst>
+                            <p:childTnLst>
+                              <p:par>
+                                <p:cTn id="13" presetID="10" presetClass="entr" presetSubtype="0" fill="hold" nodeType="clickEffect">
+                                  <p:stCondLst>
+                                    <p:cond delay="0"/>
+                                  </p:stCondLst>
+                                  <p:childTnLst>
+                                    <p:set>
+                                      <p:cBhvr>
+                                        <p:cTn id="14" dur="1" fill="hold">
+                                          <p:stCondLst>
+                                            <p:cond delay="0"/>
+                                          </p:stCondLst>
+                                        </p:cTn>
+                                        <p:tgtEl>
+                                          <p:spTgt spid="3">
+                                            <p:txEl>
+                                              <p:pRg st="3" end="3"/>
+                                            </p:txEl>
+                                          </p:spTgt>
+                                        </p:tgtEl>
+                                        <p:attrNameLst>
+                                          <p:attrName>style.visibility</p:attrName>
+                                        </p:attrNameLst>
+                                      </p:cBhvr>
+                                      <p:to>
+                                        <p:strVal val="visible"/>
+                                      </p:to>
+                                    </p:set>
+                                    <p:animEffect transition="in" filter="fade">
+                                      <p:cBhvr>
+                                        <p:cTn id="15" dur="500"/>
+                                        <p:tgtEl>
+                                          <p:spTgt spid="3">
+                                            <p:txEl>
+                                              <p:pRg st="3" end="3"/>
+                                            </p:txEl>
+                                          </p:spTgt>
+                                        </p:tgtEl>
+                                      </p:cBhvr>
+                                    </p:animEffect>
+                                  </p:childTnLst>
+                                </p:cTn>
+                              </p:par>
+                              <p:par>
+                                <p:cTn id="16" presetID="10" presetClass="entr" presetSubtype="0" fill="hold" nodeType="withEffect">
+                                  <p:stCondLst>
+                                    <p:cond delay="0"/>
+                                  </p:stCondLst>
+                                  <p:childTnLst>
+                                    <p:set>
+                                      <p:cBhvr>
+                                        <p:cTn id="17" dur="1" fill="hold">
+                                          <p:stCondLst>
+                                            <p:cond delay="0"/>
+                                          </p:stCondLst>
+                                        </p:cTn>
+                                        <p:tgtEl>
+                                          <p:spTgt spid="3">
+                                            <p:txEl>
+                                              <p:pRg st="4" end="4"/>
+                                            </p:txEl>
+                                          </p:spTgt>
+                                        </p:tgtEl>
+                                        <p:attrNameLst>
+                                          <p:attrName>style.visibility</p:attrName>
+                                        </p:attrNameLst>
+                                      </p:cBhvr>
+                                      <p:to>
+                                        <p:strVal val="visible"/>
+                                      </p:to>
+                                    </p:set>
+                                    <p:animEffect transition="in" filter="fade">
+                                      <p:cBhvr>
+                                        <p:cTn id="18" dur="500"/>
+                                        <p:tgtEl>
+                                          <p:spTgt spid="3">
+                                            <p:txEl>
+                                              <p:pRg st="4" end="4"/>
+                                            </p:txEl>
+                                          </p:spTgt>
+                                        </p:tgtEl>
+                                      </p:cBhvr>
+                                    </p:animEffect>
+                                  </p:childTnLst>
+                                </p:cTn>
+                              </p:par>
+                            </p:childTnLst>
+                          </p:cTn>
+                        </p:par>
+                      </p:childTnLst>
+                    </p:cTn>
+                  </p:par>
+                  <p:par>
+                    <p:cTn id="19" fill="hold">
+                      <p:stCondLst>
+                        <p:cond delay="indefinite"/>
+                      </p:stCondLst>
+                      <p:childTnLst>
+                        <p:par>
+                          <p:cTn id="20" fill="hold">
+                            <p:stCondLst>
+                              <p:cond delay="0"/>
+                            </p:stCondLst>
+                            <p:childTnLst>
+                              <p:par>
+                                <p:cTn id="21" presetID="10" presetClass="entr" presetSubtype="0" fill="hold" nodeType="clickEffect">
+                                  <p:stCondLst>
+                                    <p:cond delay="0"/>
+                                  </p:stCondLst>
+                                  <p:childTnLst>
+                                    <p:set>
+                                      <p:cBhvr>
+                                        <p:cTn id="22" dur="1" fill="hold">
+                                          <p:stCondLst>
+                                            <p:cond delay="0"/>
+                                          </p:stCondLst>
+                                        </p:cTn>
+                                        <p:tgtEl>
+                                          <p:spTgt spid="3">
+                                            <p:txEl>
+                                              <p:pRg st="5" end="5"/>
+                                            </p:txEl>
+                                          </p:spTgt>
+                                        </p:tgtEl>
+                                        <p:attrNameLst>
+                                          <p:attrName>style.visibility</p:attrName>
+                                        </p:attrNameLst>
+                                      </p:cBhvr>
+                                      <p:to>
+                                        <p:strVal val="visible"/>
+                                      </p:to>
+                                    </p:set>
+                                    <p:animEffect transition="in" filter="fade">
+                                      <p:cBhvr>
+                                        <p:cTn id="23" dur="500"/>
+                                        <p:tgtEl>
+                                          <p:spTgt spid="3">
+                                            <p:txEl>
+                                              <p:pRg st="5" end="5"/>
+                                            </p:txEl>
+                                          </p:spTgt>
+                                        </p:tgtEl>
+                                      </p:cBhvr>
+                                    </p:animEffect>
+                                  </p:childTnLst>
+                                </p:cTn>
+                              </p:par>
+                              <p:par>
+                                <p:cTn id="24" presetID="10" presetClass="entr" presetSubtype="0" fill="hold" nodeType="withEffect">
+                                  <p:stCondLst>
+                                    <p:cond delay="0"/>
+                                  </p:stCondLst>
+                                  <p:childTnLst>
+                                    <p:set>
+                                      <p:cBhvr>
+                                        <p:cTn id="25" dur="1" fill="hold">
+                                          <p:stCondLst>
+                                            <p:cond delay="0"/>
+                                          </p:stCondLst>
+                                        </p:cTn>
+                                        <p:tgtEl>
+                                          <p:spTgt spid="3">
+                                            <p:txEl>
+                                              <p:pRg st="6" end="6"/>
+                                            </p:txEl>
+                                          </p:spTgt>
+                                        </p:tgtEl>
+                                        <p:attrNameLst>
+                                          <p:attrName>style.visibility</p:attrName>
+                                        </p:attrNameLst>
+                                      </p:cBhvr>
+                                      <p:to>
+                                        <p:strVal val="visible"/>
+                                      </p:to>
+                                    </p:set>
+                                    <p:animEffect transition="in" filter="fade">
+                                      <p:cBhvr>
+                                        <p:cTn id="26" dur="500"/>
+                                        <p:tgtEl>
+                                          <p:spTgt spid="3">
+                                            <p:txEl>
+                                              <p:pRg st="6" end="6"/>
+                                            </p:txEl>
+                                          </p:spTgt>
+                                        </p:tgtEl>
+                                      </p:cBhvr>
+                                    </p:animEffect>
+                                  </p:childTnLst>
+                                </p:cTn>
+                              </p:par>
+                            </p:childTnLst>
+                          </p:cTn>
+                        </p:par>
+                      </p:childTnLst>
+                    </p:cTn>
+                  </p:par>
+                </p:childTnLst>
+              </p:cTn>
+              <p:prevCondLst>
+                <p:cond evt="onPrev" delay="0">
+                  <p:tgtEl>
+                    <p:sldTgt/>
+                  </p:tgtEl>
+                </p:cond>
+              </p:prevCondLst>
+              <p:nextCondLst>
+                <p:cond evt="onNext" delay="0">
+                  <p:tgtEl>
+                    <p:sldTgt/>
+                  </p:tgtEl>
+                </p:cond>
+              </p:nextCondLst>
+            </p:seq>
+          </p:childTnLst>
+        </p:cTn>
+      </p:par>
+    </p:tnLst>
+  </p:timing>
+</p:sld>
+</file>
+
 <file path=ppt/slides/slide4.xml><?xml version="1.0" encoding="utf-8"?>
 <p:sld xmlns:a="http://schemas.openxmlformats.org/drawingml/2006/main" xmlns:r="http://schemas.openxmlformats.org/officeDocument/2006/relationships" xmlns:p="http://schemas.openxmlformats.org/presentationml/2006/main">
   <p:cSld>
@@ -16466,7 +22086,7 @@
           <a:lstStyle/>
           <a:p>
             <a:r>
-              <a:rPr lang="de-DE" smtClean="0">
+              <a:rPr lang="de-DE" dirty="0" smtClean="0">
                 <a:solidFill>
                   <a:srgbClr val="831420"/>
                 </a:solidFill>
@@ -16614,6 +22234,3469 @@
     <p:extLst>
       <p:ext uri="{BB962C8B-B14F-4D97-AF65-F5344CB8AC3E}">
         <p14:creationId xmlns:p14="http://schemas.microsoft.com/office/powerpoint/2010/main" val="3433740505"/>
+      </p:ext>
+    </p:extLst>
+  </p:cSld>
+  <p:clrMapOvr>
+    <a:masterClrMapping/>
+  </p:clrMapOvr>
+  <mc:AlternateContent xmlns:mc="http://schemas.openxmlformats.org/markup-compatibility/2006" xmlns:p14="http://schemas.microsoft.com/office/powerpoint/2010/main">
+    <mc:Choice Requires="p14">
+      <p:transition spd="slow" p14:dur="800">
+        <p14:flythrough/>
+      </p:transition>
+    </mc:Choice>
+    <mc:Fallback xmlns="">
+      <p:transition spd="slow">
+        <p:fade/>
+      </p:transition>
+    </mc:Fallback>
+  </mc:AlternateContent>
+  <p:timing>
+    <p:tnLst>
+      <p:par>
+        <p:cTn id="1" dur="indefinite" restart="never" nodeType="tmRoot"/>
+      </p:par>
+    </p:tnLst>
+  </p:timing>
+</p:sld>
+</file>
+
+<file path=ppt/slides/slide40.xml><?xml version="1.0" encoding="utf-8"?>
+<p:sld xmlns:a="http://schemas.openxmlformats.org/drawingml/2006/main" xmlns:r="http://schemas.openxmlformats.org/officeDocument/2006/relationships" xmlns:p="http://schemas.openxmlformats.org/presentationml/2006/main">
+  <p:cSld>
+    <p:spTree>
+      <p:nvGrpSpPr>
+        <p:cNvPr id="1" name=""/>
+        <p:cNvGrpSpPr/>
+        <p:nvPr/>
+      </p:nvGrpSpPr>
+      <p:grpSpPr>
+        <a:xfrm>
+          <a:off x="0" y="0"/>
+          <a:ext cx="0" cy="0"/>
+          <a:chOff x="0" y="0"/>
+          <a:chExt cx="0" cy="0"/>
+        </a:xfrm>
+      </p:grpSpPr>
+      <p:sp>
+        <p:nvSpPr>
+          <p:cNvPr id="2" name="Titel 1"/>
+          <p:cNvSpPr>
+            <a:spLocks noGrp="1"/>
+          </p:cNvSpPr>
+          <p:nvPr>
+            <p:ph type="title"/>
+          </p:nvPr>
+        </p:nvSpPr>
+        <p:spPr/>
+        <p:txBody>
+          <a:bodyPr/>
+          <a:lstStyle/>
+          <a:p>
+            <a:r>
+              <a:rPr lang="de-DE" dirty="0" smtClean="0">
+                <a:solidFill>
+                  <a:srgbClr val="831420"/>
+                </a:solidFill>
+              </a:rPr>
+              <a:t>Aufgabe: </a:t>
+            </a:r>
+            <a:r>
+              <a:rPr lang="de-DE" dirty="0" smtClean="0">
+                <a:solidFill>
+                  <a:srgbClr val="831420"/>
+                </a:solidFill>
+              </a:rPr>
+              <a:t>[4]</a:t>
+            </a:r>
+            <a:endParaRPr lang="de-DE" dirty="0">
+              <a:solidFill>
+                <a:srgbClr val="831420"/>
+              </a:solidFill>
+            </a:endParaRPr>
+          </a:p>
+        </p:txBody>
+      </p:sp>
+      <p:sp>
+        <p:nvSpPr>
+          <p:cNvPr id="3" name="Inhaltsplatzhalter 2"/>
+          <p:cNvSpPr>
+            <a:spLocks noGrp="1"/>
+          </p:cNvSpPr>
+          <p:nvPr>
+            <p:ph idx="4294967295"/>
+          </p:nvPr>
+        </p:nvSpPr>
+        <p:spPr>
+          <a:xfrm>
+            <a:off x="179512" y="877280"/>
+            <a:ext cx="8496944" cy="4176464"/>
+          </a:xfrm>
+          <a:prstGeom prst="rect">
+            <a:avLst/>
+          </a:prstGeom>
+        </p:spPr>
+        <p:txBody>
+          <a:bodyPr anchor="t"/>
+          <a:lstStyle/>
+          <a:p>
+            <a:endParaRPr lang="de-DE" sz="2000" dirty="0" smtClean="0"/>
+          </a:p>
+        </p:txBody>
+      </p:sp>
+    </p:spTree>
+    <p:extLst>
+      <p:ext uri="{BB962C8B-B14F-4D97-AF65-F5344CB8AC3E}">
+        <p14:creationId xmlns:p14="http://schemas.microsoft.com/office/powerpoint/2010/main" val="3685285190"/>
+      </p:ext>
+    </p:extLst>
+  </p:cSld>
+  <p:clrMapOvr>
+    <a:masterClrMapping/>
+  </p:clrMapOvr>
+  <mc:AlternateContent xmlns:mc="http://schemas.openxmlformats.org/markup-compatibility/2006" xmlns:p14="http://schemas.microsoft.com/office/powerpoint/2010/main">
+    <mc:Choice Requires="p14">
+      <p:transition spd="slow" p14:dur="800">
+        <p14:flythrough/>
+      </p:transition>
+    </mc:Choice>
+    <mc:Fallback xmlns="">
+      <p:transition spd="slow">
+        <p:fade/>
+      </p:transition>
+    </mc:Fallback>
+  </mc:AlternateContent>
+  <p:timing>
+    <p:tnLst>
+      <p:par>
+        <p:cTn id="1" dur="indefinite" restart="never" nodeType="tmRoot"/>
+      </p:par>
+    </p:tnLst>
+  </p:timing>
+</p:sld>
+</file>
+
+<file path=ppt/slides/slide41.xml><?xml version="1.0" encoding="utf-8"?>
+<p:sld xmlns:a="http://schemas.openxmlformats.org/drawingml/2006/main" xmlns:r="http://schemas.openxmlformats.org/officeDocument/2006/relationships" xmlns:p="http://schemas.openxmlformats.org/presentationml/2006/main">
+  <p:cSld>
+    <p:spTree>
+      <p:nvGrpSpPr>
+        <p:cNvPr id="1" name=""/>
+        <p:cNvGrpSpPr/>
+        <p:nvPr/>
+      </p:nvGrpSpPr>
+      <p:grpSpPr>
+        <a:xfrm>
+          <a:off x="0" y="0"/>
+          <a:ext cx="0" cy="0"/>
+          <a:chOff x="0" y="0"/>
+          <a:chExt cx="0" cy="0"/>
+        </a:xfrm>
+      </p:grpSpPr>
+      <p:sp>
+        <p:nvSpPr>
+          <p:cNvPr id="2" name="Titel 1"/>
+          <p:cNvSpPr>
+            <a:spLocks noGrp="1"/>
+          </p:cNvSpPr>
+          <p:nvPr>
+            <p:ph type="title"/>
+          </p:nvPr>
+        </p:nvSpPr>
+        <p:spPr/>
+        <p:txBody>
+          <a:bodyPr/>
+          <a:lstStyle/>
+          <a:p>
+            <a:r>
+              <a:rPr lang="de-DE" dirty="0" smtClean="0">
+                <a:solidFill>
+                  <a:srgbClr val="831420"/>
+                </a:solidFill>
+              </a:rPr>
+              <a:t>Themen</a:t>
+            </a:r>
+            <a:endParaRPr lang="de-DE" dirty="0">
+              <a:solidFill>
+                <a:srgbClr val="831420"/>
+              </a:solidFill>
+            </a:endParaRPr>
+          </a:p>
+        </p:txBody>
+      </p:sp>
+      <p:sp>
+        <p:nvSpPr>
+          <p:cNvPr id="3" name="Inhaltsplatzhalter 2"/>
+          <p:cNvSpPr>
+            <a:spLocks noGrp="1"/>
+          </p:cNvSpPr>
+          <p:nvPr>
+            <p:ph idx="4294967295"/>
+          </p:nvPr>
+        </p:nvSpPr>
+        <p:spPr>
+          <a:xfrm>
+            <a:off x="179512" y="900000"/>
+            <a:ext cx="8496944" cy="4153744"/>
+          </a:xfrm>
+          <a:prstGeom prst="rect">
+            <a:avLst/>
+          </a:prstGeom>
+        </p:spPr>
+        <p:txBody>
+          <a:bodyPr anchor="ctr"/>
+          <a:lstStyle/>
+          <a:p>
+            <a:pPr marL="0" indent="0">
+              <a:buNone/>
+            </a:pPr>
+            <a:r>
+              <a:rPr lang="de-DE" sz="2000" dirty="0" smtClean="0">
+                <a:solidFill>
+                  <a:schemeClr val="bg1">
+                    <a:lumMod val="75000"/>
+                  </a:schemeClr>
+                </a:solidFill>
+              </a:rPr>
+              <a:t>Was ist ein Programm</a:t>
+            </a:r>
+            <a:r>
+              <a:rPr lang="de-DE" sz="2000" dirty="0">
+                <a:solidFill>
+                  <a:schemeClr val="bg1">
+                    <a:lumMod val="75000"/>
+                  </a:schemeClr>
+                </a:solidFill>
+              </a:rPr>
+              <a:t>?</a:t>
+            </a:r>
+          </a:p>
+          <a:p>
+            <a:pPr marL="0" indent="0">
+              <a:buNone/>
+            </a:pPr>
+            <a:r>
+              <a:rPr lang="de-DE" sz="2000" dirty="0" smtClean="0">
+                <a:solidFill>
+                  <a:schemeClr val="bg1">
+                    <a:lumMod val="75000"/>
+                  </a:schemeClr>
+                </a:solidFill>
+              </a:rPr>
+              <a:t>Syntax und Semantik</a:t>
+            </a:r>
+            <a:endParaRPr lang="de-DE" sz="2000" dirty="0">
+              <a:solidFill>
+                <a:schemeClr val="bg1">
+                  <a:lumMod val="75000"/>
+                </a:schemeClr>
+              </a:solidFill>
+            </a:endParaRPr>
+          </a:p>
+          <a:p>
+            <a:pPr marL="0" indent="0">
+              <a:buNone/>
+            </a:pPr>
+            <a:r>
+              <a:rPr lang="de-DE" sz="2000" dirty="0" smtClean="0">
+                <a:solidFill>
+                  <a:schemeClr val="bg1">
+                    <a:lumMod val="75000"/>
+                  </a:schemeClr>
+                </a:solidFill>
+              </a:rPr>
+              <a:t>Ein erstes Programm</a:t>
+            </a:r>
+            <a:endParaRPr lang="de-DE" sz="2000" dirty="0">
+              <a:solidFill>
+                <a:schemeClr val="bg1">
+                  <a:lumMod val="75000"/>
+                </a:schemeClr>
+              </a:solidFill>
+            </a:endParaRPr>
+          </a:p>
+          <a:p>
+            <a:pPr marL="0" indent="0">
+              <a:buNone/>
+            </a:pPr>
+            <a:r>
+              <a:rPr lang="de-DE" sz="2000" dirty="0" smtClean="0">
+                <a:solidFill>
+                  <a:schemeClr val="bg1">
+                    <a:lumMod val="75000"/>
+                  </a:schemeClr>
+                </a:solidFill>
+              </a:rPr>
+              <a:t>Primitive Datentypen und Variablen</a:t>
+            </a:r>
+            <a:endParaRPr lang="de-DE" sz="2000" dirty="0">
+              <a:solidFill>
+                <a:schemeClr val="bg1">
+                  <a:lumMod val="75000"/>
+                </a:schemeClr>
+              </a:solidFill>
+            </a:endParaRPr>
+          </a:p>
+          <a:p>
+            <a:pPr marL="0" indent="0">
+              <a:buNone/>
+            </a:pPr>
+            <a:r>
+              <a:rPr lang="de-DE" sz="2000" dirty="0" smtClean="0">
+                <a:solidFill>
+                  <a:schemeClr val="bg1">
+                    <a:lumMod val="75000"/>
+                  </a:schemeClr>
+                </a:solidFill>
+              </a:rPr>
+              <a:t>Abfragen, Schleifen</a:t>
+            </a:r>
+            <a:endParaRPr lang="de-DE" sz="2000" dirty="0">
+              <a:solidFill>
+                <a:schemeClr val="bg1">
+                  <a:lumMod val="75000"/>
+                </a:schemeClr>
+              </a:solidFill>
+            </a:endParaRPr>
+          </a:p>
+          <a:p>
+            <a:pPr marL="0" indent="0">
+              <a:buNone/>
+            </a:pPr>
+            <a:r>
+              <a:rPr lang="de-DE" sz="2000" i="1" dirty="0">
+                <a:solidFill>
+                  <a:schemeClr val="bg1">
+                    <a:lumMod val="75000"/>
+                  </a:schemeClr>
+                </a:solidFill>
+              </a:rPr>
+              <a:t>Objektorientierung:</a:t>
+            </a:r>
+          </a:p>
+          <a:p>
+            <a:pPr marL="0" indent="0">
+              <a:buNone/>
+            </a:pPr>
+            <a:r>
+              <a:rPr lang="de-DE" sz="2000" dirty="0" smtClean="0">
+                <a:solidFill>
+                  <a:schemeClr val="bg1">
+                    <a:lumMod val="75000"/>
+                  </a:schemeClr>
+                </a:solidFill>
+              </a:rPr>
+              <a:t>    Klassen und Objekte</a:t>
+            </a:r>
+            <a:endParaRPr lang="de-DE" sz="2000" dirty="0">
+              <a:solidFill>
+                <a:schemeClr val="bg1">
+                  <a:lumMod val="75000"/>
+                </a:schemeClr>
+              </a:solidFill>
+            </a:endParaRPr>
+          </a:p>
+          <a:p>
+            <a:pPr marL="0" indent="0">
+              <a:buNone/>
+            </a:pPr>
+            <a:r>
+              <a:rPr lang="de-DE" sz="2000" dirty="0" smtClean="0">
+                <a:solidFill>
+                  <a:schemeClr val="bg1">
+                    <a:lumMod val="75000"/>
+                  </a:schemeClr>
+                </a:solidFill>
+              </a:rPr>
+              <a:t>    Attribute und Methoden</a:t>
+            </a:r>
+            <a:endParaRPr lang="de-DE" sz="2000" dirty="0">
+              <a:solidFill>
+                <a:schemeClr val="bg1">
+                  <a:lumMod val="75000"/>
+                </a:schemeClr>
+              </a:solidFill>
+            </a:endParaRPr>
+          </a:p>
+          <a:p>
+            <a:pPr marL="0" indent="0">
+              <a:buNone/>
+            </a:pPr>
+            <a:r>
+              <a:rPr lang="de-DE" sz="2000" dirty="0">
+                <a:solidFill>
+                  <a:schemeClr val="bg1">
+                    <a:lumMod val="75000"/>
+                  </a:schemeClr>
+                </a:solidFill>
+              </a:rPr>
+              <a:t>Namenskonvention</a:t>
+            </a:r>
+          </a:p>
+          <a:p>
+            <a:pPr marL="0" indent="0">
+              <a:buNone/>
+            </a:pPr>
+            <a:r>
+              <a:rPr lang="de-DE" sz="2000" b="1" dirty="0" smtClean="0"/>
+              <a:t>Strings und Arrays</a:t>
+            </a:r>
+            <a:endParaRPr lang="de-DE" sz="2000" b="1" dirty="0"/>
+          </a:p>
+        </p:txBody>
+      </p:sp>
+    </p:spTree>
+    <p:extLst>
+      <p:ext uri="{BB962C8B-B14F-4D97-AF65-F5344CB8AC3E}">
+        <p14:creationId xmlns:p14="http://schemas.microsoft.com/office/powerpoint/2010/main" val="3943623758"/>
+      </p:ext>
+    </p:extLst>
+  </p:cSld>
+  <p:clrMapOvr>
+    <a:masterClrMapping/>
+  </p:clrMapOvr>
+  <mc:AlternateContent xmlns:mc="http://schemas.openxmlformats.org/markup-compatibility/2006" xmlns:p14="http://schemas.microsoft.com/office/powerpoint/2010/main">
+    <mc:Choice Requires="p14">
+      <p:transition spd="slow" p14:dur="800">
+        <p14:flythrough/>
+      </p:transition>
+    </mc:Choice>
+    <mc:Fallback xmlns="">
+      <p:transition spd="slow">
+        <p:fade/>
+      </p:transition>
+    </mc:Fallback>
+  </mc:AlternateContent>
+  <p:timing>
+    <p:tnLst>
+      <p:par>
+        <p:cTn id="1" dur="indefinite" restart="never" nodeType="tmRoot"/>
+      </p:par>
+    </p:tnLst>
+  </p:timing>
+</p:sld>
+</file>
+
+<file path=ppt/slides/slide42.xml><?xml version="1.0" encoding="utf-8"?>
+<p:sld xmlns:a="http://schemas.openxmlformats.org/drawingml/2006/main" xmlns:r="http://schemas.openxmlformats.org/officeDocument/2006/relationships" xmlns:p="http://schemas.openxmlformats.org/presentationml/2006/main">
+  <p:cSld>
+    <p:spTree>
+      <p:nvGrpSpPr>
+        <p:cNvPr id="1" name=""/>
+        <p:cNvGrpSpPr/>
+        <p:nvPr/>
+      </p:nvGrpSpPr>
+      <p:grpSpPr>
+        <a:xfrm>
+          <a:off x="0" y="0"/>
+          <a:ext cx="0" cy="0"/>
+          <a:chOff x="0" y="0"/>
+          <a:chExt cx="0" cy="0"/>
+        </a:xfrm>
+      </p:grpSpPr>
+      <p:sp>
+        <p:nvSpPr>
+          <p:cNvPr id="2" name="Titel 1"/>
+          <p:cNvSpPr>
+            <a:spLocks noGrp="1"/>
+          </p:cNvSpPr>
+          <p:nvPr>
+            <p:ph type="title"/>
+          </p:nvPr>
+        </p:nvSpPr>
+        <p:spPr/>
+        <p:txBody>
+          <a:bodyPr/>
+          <a:lstStyle/>
+          <a:p>
+            <a:r>
+              <a:rPr lang="de-DE" dirty="0" smtClean="0">
+                <a:solidFill>
+                  <a:srgbClr val="831420"/>
+                </a:solidFill>
+              </a:rPr>
+              <a:t>Strings und Arrays</a:t>
+            </a:r>
+            <a:endParaRPr lang="de-DE" dirty="0">
+              <a:solidFill>
+                <a:srgbClr val="831420"/>
+              </a:solidFill>
+            </a:endParaRPr>
+          </a:p>
+        </p:txBody>
+      </p:sp>
+      <p:sp>
+        <p:nvSpPr>
+          <p:cNvPr id="3" name="Inhaltsplatzhalter 2"/>
+          <p:cNvSpPr>
+            <a:spLocks noGrp="1"/>
+          </p:cNvSpPr>
+          <p:nvPr>
+            <p:ph idx="4294967295"/>
+          </p:nvPr>
+        </p:nvSpPr>
+        <p:spPr>
+          <a:xfrm>
+            <a:off x="179512" y="877280"/>
+            <a:ext cx="8496944" cy="4176464"/>
+          </a:xfrm>
+          <a:prstGeom prst="rect">
+            <a:avLst/>
+          </a:prstGeom>
+        </p:spPr>
+        <p:txBody>
+          <a:bodyPr anchor="t"/>
+          <a:lstStyle/>
+          <a:p>
+            <a:r>
+              <a:rPr lang="de-DE" sz="2000" dirty="0" smtClean="0"/>
+              <a:t> </a:t>
+            </a:r>
+            <a:r>
+              <a:rPr lang="de-DE" sz="2000" dirty="0" smtClean="0">
+                <a:solidFill>
+                  <a:schemeClr val="tx2"/>
+                </a:solidFill>
+              </a:rPr>
+              <a:t>String</a:t>
+            </a:r>
+            <a:r>
+              <a:rPr lang="de-DE" sz="2000" dirty="0" smtClean="0"/>
+              <a:t>s sind eine Aneinanderreihung von einzelnen Zeichen (</a:t>
+            </a:r>
+            <a:r>
+              <a:rPr lang="de-DE" sz="2000" dirty="0" err="1" smtClean="0">
+                <a:solidFill>
+                  <a:schemeClr val="tx2"/>
+                </a:solidFill>
+              </a:rPr>
+              <a:t>char</a:t>
+            </a:r>
+            <a:r>
+              <a:rPr lang="de-DE" sz="2000" dirty="0" err="1" smtClean="0"/>
+              <a:t>s</a:t>
+            </a:r>
+            <a:r>
+              <a:rPr lang="de-DE" sz="2000" dirty="0" smtClean="0"/>
+              <a:t>)</a:t>
+            </a:r>
+          </a:p>
+          <a:p>
+            <a:endParaRPr lang="de-DE" sz="2000" dirty="0"/>
+          </a:p>
+          <a:p>
+            <a:r>
+              <a:rPr lang="de-DE" sz="2000" dirty="0" smtClean="0"/>
+              <a:t> Eine Reihe von Zeichen wäre zum Beispiel:</a:t>
+            </a:r>
+            <a:r>
+              <a:rPr lang="de-DE" sz="2000" dirty="0"/>
+              <a:t/>
+            </a:r>
+            <a:br>
+              <a:rPr lang="de-DE" sz="2000" dirty="0"/>
+            </a:br>
+            <a:r>
+              <a:rPr lang="de-DE" sz="2000" dirty="0" smtClean="0"/>
+              <a:t> ‘</a:t>
+            </a:r>
+            <a:r>
+              <a:rPr lang="de-DE" sz="2000" dirty="0" smtClean="0">
+                <a:solidFill>
+                  <a:schemeClr val="accent3">
+                    <a:lumMod val="50000"/>
+                  </a:schemeClr>
+                </a:solidFill>
+              </a:rPr>
+              <a:t>H</a:t>
+            </a:r>
+            <a:r>
+              <a:rPr lang="de-DE" sz="2000" dirty="0" smtClean="0"/>
+              <a:t>‘, </a:t>
+            </a:r>
+            <a:r>
+              <a:rPr lang="de-DE" sz="2000" dirty="0"/>
+              <a:t>‘</a:t>
+            </a:r>
+            <a:r>
+              <a:rPr lang="de-DE" sz="2000" dirty="0" smtClean="0">
+                <a:solidFill>
+                  <a:schemeClr val="accent3">
+                    <a:lumMod val="50000"/>
+                  </a:schemeClr>
+                </a:solidFill>
+              </a:rPr>
+              <a:t>a</a:t>
+            </a:r>
+            <a:r>
+              <a:rPr lang="de-DE" sz="2000" dirty="0"/>
+              <a:t>‘, ‘</a:t>
+            </a:r>
+            <a:r>
+              <a:rPr lang="de-DE" sz="2000" dirty="0" smtClean="0">
+                <a:solidFill>
+                  <a:schemeClr val="accent3">
+                    <a:lumMod val="50000"/>
+                  </a:schemeClr>
+                </a:solidFill>
+              </a:rPr>
+              <a:t>l</a:t>
+            </a:r>
+            <a:r>
+              <a:rPr lang="de-DE" sz="2000" dirty="0"/>
+              <a:t>‘, ‘</a:t>
+            </a:r>
+            <a:r>
+              <a:rPr lang="de-DE" sz="2000" dirty="0" smtClean="0">
+                <a:solidFill>
+                  <a:schemeClr val="accent3">
+                    <a:lumMod val="50000"/>
+                  </a:schemeClr>
+                </a:solidFill>
+              </a:rPr>
+              <a:t>l</a:t>
+            </a:r>
+            <a:r>
+              <a:rPr lang="de-DE" sz="2000" dirty="0"/>
+              <a:t>‘, ‘</a:t>
+            </a:r>
+            <a:r>
+              <a:rPr lang="de-DE" sz="2000" dirty="0" smtClean="0">
+                <a:solidFill>
+                  <a:schemeClr val="accent3">
+                    <a:lumMod val="50000"/>
+                  </a:schemeClr>
+                </a:solidFill>
+              </a:rPr>
+              <a:t>o</a:t>
+            </a:r>
+            <a:r>
+              <a:rPr lang="de-DE" sz="2000" dirty="0" smtClean="0"/>
+              <a:t>‘, ‘ ‘, ‘</a:t>
+            </a:r>
+            <a:r>
+              <a:rPr lang="de-DE" sz="2000" dirty="0">
+                <a:solidFill>
+                  <a:schemeClr val="accent3">
+                    <a:lumMod val="50000"/>
+                  </a:schemeClr>
+                </a:solidFill>
+              </a:rPr>
+              <a:t>W</a:t>
+            </a:r>
+            <a:r>
+              <a:rPr lang="de-DE" sz="2000" dirty="0" smtClean="0"/>
+              <a:t>‘, ‘</a:t>
+            </a:r>
+            <a:r>
+              <a:rPr lang="de-DE" sz="2000" dirty="0" smtClean="0">
+                <a:solidFill>
+                  <a:schemeClr val="accent3">
+                    <a:lumMod val="50000"/>
+                  </a:schemeClr>
+                </a:solidFill>
+              </a:rPr>
+              <a:t>e</a:t>
+            </a:r>
+            <a:r>
+              <a:rPr lang="de-DE" sz="2000" dirty="0" smtClean="0"/>
+              <a:t>‘, ‘</a:t>
+            </a:r>
+            <a:r>
+              <a:rPr lang="de-DE" sz="2000" dirty="0" smtClean="0">
+                <a:solidFill>
+                  <a:schemeClr val="accent3">
+                    <a:lumMod val="50000"/>
+                  </a:schemeClr>
+                </a:solidFill>
+              </a:rPr>
+              <a:t>l</a:t>
+            </a:r>
+            <a:r>
+              <a:rPr lang="de-DE" sz="2000" dirty="0" smtClean="0"/>
+              <a:t>‘, ‘</a:t>
+            </a:r>
+            <a:r>
+              <a:rPr lang="de-DE" sz="2000" dirty="0" smtClean="0">
+                <a:solidFill>
+                  <a:schemeClr val="accent3">
+                    <a:lumMod val="50000"/>
+                  </a:schemeClr>
+                </a:solidFill>
+              </a:rPr>
+              <a:t>t</a:t>
+            </a:r>
+            <a:r>
+              <a:rPr lang="de-DE" sz="2000" dirty="0" smtClean="0"/>
+              <a:t>‘, ‘</a:t>
+            </a:r>
+            <a:r>
+              <a:rPr lang="de-DE" sz="2000" dirty="0" smtClean="0">
+                <a:solidFill>
+                  <a:schemeClr val="accent3">
+                    <a:lumMod val="50000"/>
+                  </a:schemeClr>
+                </a:solidFill>
+              </a:rPr>
+              <a:t>!</a:t>
+            </a:r>
+            <a:r>
+              <a:rPr lang="de-DE" sz="2000" dirty="0" smtClean="0"/>
+              <a:t>‘</a:t>
+            </a:r>
+          </a:p>
+          <a:p>
+            <a:endParaRPr lang="de-DE" sz="2000" dirty="0"/>
+          </a:p>
+          <a:p>
+            <a:r>
+              <a:rPr lang="de-DE" sz="2000" dirty="0" smtClean="0"/>
+              <a:t> Diese Zeichenkette ist äquivalent zum </a:t>
+            </a:r>
+            <a:r>
+              <a:rPr lang="de-DE" sz="2000" dirty="0" smtClean="0">
+                <a:solidFill>
+                  <a:schemeClr val="tx2"/>
+                </a:solidFill>
+              </a:rPr>
+              <a:t>String</a:t>
+            </a:r>
+            <a:r>
+              <a:rPr lang="de-DE" sz="2000" dirty="0" smtClean="0"/>
+              <a:t>: “</a:t>
+            </a:r>
+            <a:r>
+              <a:rPr lang="de-DE" sz="2000" dirty="0" smtClean="0">
+                <a:solidFill>
+                  <a:schemeClr val="accent3">
+                    <a:lumMod val="50000"/>
+                  </a:schemeClr>
+                </a:solidFill>
+              </a:rPr>
+              <a:t>Hallo Welt!</a:t>
+            </a:r>
+            <a:r>
+              <a:rPr lang="de-DE" sz="2000" dirty="0" smtClean="0"/>
+              <a:t>“</a:t>
+            </a:r>
+          </a:p>
+          <a:p>
+            <a:endParaRPr lang="de-DE" sz="2000" dirty="0"/>
+          </a:p>
+          <a:p>
+            <a:r>
+              <a:rPr lang="de-DE" sz="2000" dirty="0" smtClean="0"/>
+              <a:t> Syntax: 	Ein </a:t>
+            </a:r>
+            <a:r>
+              <a:rPr lang="de-DE" sz="2000" dirty="0" err="1" smtClean="0">
+                <a:solidFill>
+                  <a:schemeClr val="tx2"/>
+                </a:solidFill>
+              </a:rPr>
+              <a:t>char</a:t>
+            </a:r>
+            <a:r>
+              <a:rPr lang="de-DE" sz="2000" dirty="0" smtClean="0"/>
+              <a:t> wird von ‘ umschlossen:	‘</a:t>
+            </a:r>
+            <a:r>
+              <a:rPr lang="de-DE" sz="2000" dirty="0" smtClean="0">
+                <a:solidFill>
+                  <a:schemeClr val="accent3">
+                    <a:lumMod val="50000"/>
+                  </a:schemeClr>
+                </a:solidFill>
+              </a:rPr>
+              <a:t>A</a:t>
+            </a:r>
+            <a:r>
+              <a:rPr lang="de-DE" sz="2000" dirty="0" smtClean="0"/>
+              <a:t>‘</a:t>
+            </a:r>
+            <a:br>
+              <a:rPr lang="de-DE" sz="2000" dirty="0" smtClean="0"/>
+            </a:br>
+            <a:r>
+              <a:rPr lang="de-DE" sz="2000" dirty="0" smtClean="0"/>
+              <a:t>		Ein </a:t>
+            </a:r>
+            <a:r>
+              <a:rPr lang="de-DE" sz="2000" dirty="0" smtClean="0">
+                <a:solidFill>
+                  <a:schemeClr val="tx2"/>
+                </a:solidFill>
+              </a:rPr>
+              <a:t>String</a:t>
+            </a:r>
+            <a:r>
+              <a:rPr lang="de-DE" sz="2000" dirty="0" smtClean="0"/>
+              <a:t> von “:			“</a:t>
+            </a:r>
+            <a:r>
+              <a:rPr lang="de-DE" sz="2000" dirty="0" smtClean="0">
+                <a:solidFill>
+                  <a:schemeClr val="accent3">
+                    <a:lumMod val="50000"/>
+                  </a:schemeClr>
+                </a:solidFill>
+              </a:rPr>
+              <a:t>Abc</a:t>
+            </a:r>
+            <a:r>
+              <a:rPr lang="de-DE" sz="2000" dirty="0" smtClean="0"/>
+              <a:t>“</a:t>
+            </a:r>
+          </a:p>
+          <a:p>
+            <a:endParaRPr lang="de-DE" sz="2000" dirty="0"/>
+          </a:p>
+          <a:p>
+            <a:pPr marL="0" indent="0" algn="ctr">
+              <a:buNone/>
+            </a:pPr>
+            <a:r>
+              <a:rPr lang="de-DE" sz="2000" dirty="0" smtClean="0"/>
+              <a:t>(</a:t>
+            </a:r>
+            <a:r>
+              <a:rPr lang="de-DE" sz="2000" dirty="0" smtClean="0">
+                <a:solidFill>
+                  <a:schemeClr val="tx2"/>
+                </a:solidFill>
+              </a:rPr>
+              <a:t>String</a:t>
+            </a:r>
+            <a:r>
+              <a:rPr lang="de-DE" sz="2000" dirty="0" smtClean="0"/>
+              <a:t> ist eine Klasse, die von Java bereitgestellt wird)</a:t>
+            </a:r>
+          </a:p>
+        </p:txBody>
+      </p:sp>
+    </p:spTree>
+    <p:extLst>
+      <p:ext uri="{BB962C8B-B14F-4D97-AF65-F5344CB8AC3E}">
+        <p14:creationId xmlns:p14="http://schemas.microsoft.com/office/powerpoint/2010/main" val="2101018093"/>
+      </p:ext>
+    </p:extLst>
+  </p:cSld>
+  <p:clrMapOvr>
+    <a:masterClrMapping/>
+  </p:clrMapOvr>
+  <mc:AlternateContent xmlns:mc="http://schemas.openxmlformats.org/markup-compatibility/2006" xmlns:p14="http://schemas.microsoft.com/office/powerpoint/2010/main">
+    <mc:Choice Requires="p14">
+      <p:transition spd="slow" p14:dur="800">
+        <p14:flythrough/>
+      </p:transition>
+    </mc:Choice>
+    <mc:Fallback xmlns="">
+      <p:transition spd="slow">
+        <p:fade/>
+      </p:transition>
+    </mc:Fallback>
+  </mc:AlternateContent>
+  <p:timing>
+    <p:tnLst>
+      <p:par>
+        <p:cTn id="1" dur="indefinite" restart="never" nodeType="tmRoot">
+          <p:childTnLst>
+            <p:seq concurrent="1" nextAc="seek">
+              <p:cTn id="2" dur="indefinite" nodeType="mainSeq">
+                <p:childTnLst>
+                  <p:par>
+                    <p:cTn id="3" fill="hold">
+                      <p:stCondLst>
+                        <p:cond delay="indefinite"/>
+                      </p:stCondLst>
+                      <p:childTnLst>
+                        <p:par>
+                          <p:cTn id="4" fill="hold">
+                            <p:stCondLst>
+                              <p:cond delay="0"/>
+                            </p:stCondLst>
+                            <p:childTnLst>
+                              <p:par>
+                                <p:cTn id="5" presetID="10" presetClass="entr" presetSubtype="0" fill="hold" nodeType="clickEffect">
+                                  <p:stCondLst>
+                                    <p:cond delay="0"/>
+                                  </p:stCondLst>
+                                  <p:childTnLst>
+                                    <p:set>
+                                      <p:cBhvr>
+                                        <p:cTn id="6" dur="1" fill="hold">
+                                          <p:stCondLst>
+                                            <p:cond delay="0"/>
+                                          </p:stCondLst>
+                                        </p:cTn>
+                                        <p:tgtEl>
+                                          <p:spTgt spid="3">
+                                            <p:txEl>
+                                              <p:pRg st="2" end="2"/>
+                                            </p:txEl>
+                                          </p:spTgt>
+                                        </p:tgtEl>
+                                        <p:attrNameLst>
+                                          <p:attrName>style.visibility</p:attrName>
+                                        </p:attrNameLst>
+                                      </p:cBhvr>
+                                      <p:to>
+                                        <p:strVal val="visible"/>
+                                      </p:to>
+                                    </p:set>
+                                    <p:animEffect transition="in" filter="fade">
+                                      <p:cBhvr>
+                                        <p:cTn id="7" dur="500"/>
+                                        <p:tgtEl>
+                                          <p:spTgt spid="3">
+                                            <p:txEl>
+                                              <p:pRg st="2" end="2"/>
+                                            </p:txEl>
+                                          </p:spTgt>
+                                        </p:tgtEl>
+                                      </p:cBhvr>
+                                    </p:animEffect>
+                                  </p:childTnLst>
+                                </p:cTn>
+                              </p:par>
+                            </p:childTnLst>
+                          </p:cTn>
+                        </p:par>
+                      </p:childTnLst>
+                    </p:cTn>
+                  </p:par>
+                  <p:par>
+                    <p:cTn id="8" fill="hold">
+                      <p:stCondLst>
+                        <p:cond delay="indefinite"/>
+                      </p:stCondLst>
+                      <p:childTnLst>
+                        <p:par>
+                          <p:cTn id="9" fill="hold">
+                            <p:stCondLst>
+                              <p:cond delay="0"/>
+                            </p:stCondLst>
+                            <p:childTnLst>
+                              <p:par>
+                                <p:cTn id="10" presetID="10" presetClass="entr" presetSubtype="0" fill="hold" nodeType="clickEffect">
+                                  <p:stCondLst>
+                                    <p:cond delay="0"/>
+                                  </p:stCondLst>
+                                  <p:childTnLst>
+                                    <p:set>
+                                      <p:cBhvr>
+                                        <p:cTn id="11" dur="1" fill="hold">
+                                          <p:stCondLst>
+                                            <p:cond delay="0"/>
+                                          </p:stCondLst>
+                                        </p:cTn>
+                                        <p:tgtEl>
+                                          <p:spTgt spid="3">
+                                            <p:txEl>
+                                              <p:pRg st="4" end="4"/>
+                                            </p:txEl>
+                                          </p:spTgt>
+                                        </p:tgtEl>
+                                        <p:attrNameLst>
+                                          <p:attrName>style.visibility</p:attrName>
+                                        </p:attrNameLst>
+                                      </p:cBhvr>
+                                      <p:to>
+                                        <p:strVal val="visible"/>
+                                      </p:to>
+                                    </p:set>
+                                    <p:animEffect transition="in" filter="fade">
+                                      <p:cBhvr>
+                                        <p:cTn id="12" dur="500"/>
+                                        <p:tgtEl>
+                                          <p:spTgt spid="3">
+                                            <p:txEl>
+                                              <p:pRg st="4" end="4"/>
+                                            </p:txEl>
+                                          </p:spTgt>
+                                        </p:tgtEl>
+                                      </p:cBhvr>
+                                    </p:animEffect>
+                                  </p:childTnLst>
+                                </p:cTn>
+                              </p:par>
+                            </p:childTnLst>
+                          </p:cTn>
+                        </p:par>
+                      </p:childTnLst>
+                    </p:cTn>
+                  </p:par>
+                  <p:par>
+                    <p:cTn id="13" fill="hold">
+                      <p:stCondLst>
+                        <p:cond delay="indefinite"/>
+                      </p:stCondLst>
+                      <p:childTnLst>
+                        <p:par>
+                          <p:cTn id="14" fill="hold">
+                            <p:stCondLst>
+                              <p:cond delay="0"/>
+                            </p:stCondLst>
+                            <p:childTnLst>
+                              <p:par>
+                                <p:cTn id="15" presetID="10" presetClass="entr" presetSubtype="0" fill="hold" nodeType="clickEffect">
+                                  <p:stCondLst>
+                                    <p:cond delay="0"/>
+                                  </p:stCondLst>
+                                  <p:childTnLst>
+                                    <p:set>
+                                      <p:cBhvr>
+                                        <p:cTn id="16" dur="1" fill="hold">
+                                          <p:stCondLst>
+                                            <p:cond delay="0"/>
+                                          </p:stCondLst>
+                                        </p:cTn>
+                                        <p:tgtEl>
+                                          <p:spTgt spid="3">
+                                            <p:txEl>
+                                              <p:pRg st="6" end="6"/>
+                                            </p:txEl>
+                                          </p:spTgt>
+                                        </p:tgtEl>
+                                        <p:attrNameLst>
+                                          <p:attrName>style.visibility</p:attrName>
+                                        </p:attrNameLst>
+                                      </p:cBhvr>
+                                      <p:to>
+                                        <p:strVal val="visible"/>
+                                      </p:to>
+                                    </p:set>
+                                    <p:animEffect transition="in" filter="fade">
+                                      <p:cBhvr>
+                                        <p:cTn id="17" dur="500"/>
+                                        <p:tgtEl>
+                                          <p:spTgt spid="3">
+                                            <p:txEl>
+                                              <p:pRg st="6" end="6"/>
+                                            </p:txEl>
+                                          </p:spTgt>
+                                        </p:tgtEl>
+                                      </p:cBhvr>
+                                    </p:animEffect>
+                                  </p:childTnLst>
+                                </p:cTn>
+                              </p:par>
+                              <p:par>
+                                <p:cTn id="18" presetID="10" presetClass="entr" presetSubtype="0" fill="hold" nodeType="withEffect">
+                                  <p:stCondLst>
+                                    <p:cond delay="0"/>
+                                  </p:stCondLst>
+                                  <p:childTnLst>
+                                    <p:set>
+                                      <p:cBhvr>
+                                        <p:cTn id="19" dur="1" fill="hold">
+                                          <p:stCondLst>
+                                            <p:cond delay="0"/>
+                                          </p:stCondLst>
+                                        </p:cTn>
+                                        <p:tgtEl>
+                                          <p:spTgt spid="3">
+                                            <p:txEl>
+                                              <p:pRg st="8" end="8"/>
+                                            </p:txEl>
+                                          </p:spTgt>
+                                        </p:tgtEl>
+                                        <p:attrNameLst>
+                                          <p:attrName>style.visibility</p:attrName>
+                                        </p:attrNameLst>
+                                      </p:cBhvr>
+                                      <p:to>
+                                        <p:strVal val="visible"/>
+                                      </p:to>
+                                    </p:set>
+                                    <p:animEffect transition="in" filter="fade">
+                                      <p:cBhvr>
+                                        <p:cTn id="20" dur="500"/>
+                                        <p:tgtEl>
+                                          <p:spTgt spid="3">
+                                            <p:txEl>
+                                              <p:pRg st="8" end="8"/>
+                                            </p:txEl>
+                                          </p:spTgt>
+                                        </p:tgtEl>
+                                      </p:cBhvr>
+                                    </p:animEffect>
+                                  </p:childTnLst>
+                                </p:cTn>
+                              </p:par>
+                            </p:childTnLst>
+                          </p:cTn>
+                        </p:par>
+                      </p:childTnLst>
+                    </p:cTn>
+                  </p:par>
+                </p:childTnLst>
+              </p:cTn>
+              <p:prevCondLst>
+                <p:cond evt="onPrev" delay="0">
+                  <p:tgtEl>
+                    <p:sldTgt/>
+                  </p:tgtEl>
+                </p:cond>
+              </p:prevCondLst>
+              <p:nextCondLst>
+                <p:cond evt="onNext" delay="0">
+                  <p:tgtEl>
+                    <p:sldTgt/>
+                  </p:tgtEl>
+                </p:cond>
+              </p:nextCondLst>
+            </p:seq>
+          </p:childTnLst>
+        </p:cTn>
+      </p:par>
+    </p:tnLst>
+  </p:timing>
+</p:sld>
+</file>
+
+<file path=ppt/slides/slide43.xml><?xml version="1.0" encoding="utf-8"?>
+<p:sld xmlns:a="http://schemas.openxmlformats.org/drawingml/2006/main" xmlns:r="http://schemas.openxmlformats.org/officeDocument/2006/relationships" xmlns:p="http://schemas.openxmlformats.org/presentationml/2006/main">
+  <p:cSld>
+    <p:spTree>
+      <p:nvGrpSpPr>
+        <p:cNvPr id="1" name=""/>
+        <p:cNvGrpSpPr/>
+        <p:nvPr/>
+      </p:nvGrpSpPr>
+      <p:grpSpPr>
+        <a:xfrm>
+          <a:off x="0" y="0"/>
+          <a:ext cx="0" cy="0"/>
+          <a:chOff x="0" y="0"/>
+          <a:chExt cx="0" cy="0"/>
+        </a:xfrm>
+      </p:grpSpPr>
+      <p:sp>
+        <p:nvSpPr>
+          <p:cNvPr id="2" name="Titel 1"/>
+          <p:cNvSpPr>
+            <a:spLocks noGrp="1"/>
+          </p:cNvSpPr>
+          <p:nvPr>
+            <p:ph type="title"/>
+          </p:nvPr>
+        </p:nvSpPr>
+        <p:spPr/>
+        <p:txBody>
+          <a:bodyPr/>
+          <a:lstStyle/>
+          <a:p>
+            <a:r>
+              <a:rPr lang="de-DE" dirty="0" smtClean="0">
+                <a:solidFill>
+                  <a:srgbClr val="831420"/>
+                </a:solidFill>
+              </a:rPr>
+              <a:t>Strings und Arrays</a:t>
+            </a:r>
+            <a:endParaRPr lang="de-DE" dirty="0">
+              <a:solidFill>
+                <a:srgbClr val="831420"/>
+              </a:solidFill>
+            </a:endParaRPr>
+          </a:p>
+        </p:txBody>
+      </p:sp>
+      <p:sp>
+        <p:nvSpPr>
+          <p:cNvPr id="3" name="Inhaltsplatzhalter 2"/>
+          <p:cNvSpPr>
+            <a:spLocks noGrp="1"/>
+          </p:cNvSpPr>
+          <p:nvPr>
+            <p:ph idx="4294967295"/>
+          </p:nvPr>
+        </p:nvSpPr>
+        <p:spPr>
+          <a:xfrm>
+            <a:off x="179512" y="877280"/>
+            <a:ext cx="8496944" cy="4176464"/>
+          </a:xfrm>
+          <a:prstGeom prst="rect">
+            <a:avLst/>
+          </a:prstGeom>
+        </p:spPr>
+        <p:txBody>
+          <a:bodyPr anchor="t"/>
+          <a:lstStyle/>
+          <a:p>
+            <a:r>
+              <a:rPr lang="de-DE" sz="2000" dirty="0" smtClean="0"/>
+              <a:t>Eine Reihe von Werten eines bestimmten Datentyps nennt man auch </a:t>
+            </a:r>
+            <a:r>
+              <a:rPr lang="de-DE" sz="2000" u="sng" dirty="0" smtClean="0"/>
+              <a:t>Array</a:t>
+            </a:r>
+            <a:br>
+              <a:rPr lang="de-DE" sz="2000" u="sng" dirty="0" smtClean="0"/>
+            </a:br>
+            <a:r>
+              <a:rPr lang="de-DE" sz="2000" dirty="0" smtClean="0"/>
+              <a:t>(</a:t>
+            </a:r>
+            <a:r>
+              <a:rPr lang="de-DE" sz="2000" dirty="0" smtClean="0">
+                <a:solidFill>
+                  <a:schemeClr val="tx2"/>
+                </a:solidFill>
+              </a:rPr>
+              <a:t>String</a:t>
+            </a:r>
+            <a:r>
+              <a:rPr lang="de-DE" sz="2000" dirty="0" smtClean="0"/>
+              <a:t>s sind also nichts anderes als </a:t>
+            </a:r>
+            <a:r>
+              <a:rPr lang="de-DE" sz="2000" dirty="0" err="1" smtClean="0">
+                <a:solidFill>
+                  <a:schemeClr val="tx2"/>
+                </a:solidFill>
+              </a:rPr>
+              <a:t>char</a:t>
+            </a:r>
+            <a:r>
+              <a:rPr lang="de-DE" sz="2000" dirty="0" smtClean="0"/>
+              <a:t>-Arrays)</a:t>
+            </a:r>
+          </a:p>
+          <a:p>
+            <a:endParaRPr lang="de-DE" sz="2000" dirty="0"/>
+          </a:p>
+          <a:p>
+            <a:r>
+              <a:rPr lang="de-DE" sz="2000" dirty="0" smtClean="0"/>
+              <a:t>So geht man in Java mit Arrays um:</a:t>
+            </a:r>
+          </a:p>
+          <a:p>
+            <a:endParaRPr lang="de-DE" sz="2000" dirty="0"/>
+          </a:p>
+          <a:p>
+            <a:endParaRPr lang="de-DE" sz="2000" dirty="0" smtClean="0"/>
+          </a:p>
+          <a:p>
+            <a:endParaRPr lang="de-DE" sz="2000" dirty="0"/>
+          </a:p>
+          <a:p>
+            <a:endParaRPr lang="de-DE" sz="2000" dirty="0" smtClean="0"/>
+          </a:p>
+          <a:p>
+            <a:endParaRPr lang="de-DE" sz="2000" dirty="0"/>
+          </a:p>
+          <a:p>
+            <a:r>
+              <a:rPr lang="de-DE" sz="2000" dirty="0" smtClean="0"/>
+              <a:t> </a:t>
+            </a:r>
+            <a:r>
+              <a:rPr lang="de-DE" sz="2000" dirty="0" smtClean="0">
+                <a:solidFill>
+                  <a:schemeClr val="bg1">
+                    <a:lumMod val="50000"/>
+                  </a:schemeClr>
+                </a:solidFill>
+              </a:rPr>
+              <a:t>x</a:t>
+            </a:r>
+            <a:r>
+              <a:rPr lang="de-DE" sz="2000" dirty="0" smtClean="0"/>
+              <a:t> ist hier ein Array vom Datentyp </a:t>
+            </a:r>
+            <a:r>
+              <a:rPr lang="de-DE" sz="2000" dirty="0" err="1" smtClean="0">
+                <a:solidFill>
+                  <a:schemeClr val="tx2"/>
+                </a:solidFill>
+              </a:rPr>
+              <a:t>int</a:t>
+            </a:r>
+            <a:r>
+              <a:rPr lang="de-DE" sz="2000" dirty="0" smtClean="0">
+                <a:solidFill>
+                  <a:schemeClr val="tx2"/>
+                </a:solidFill>
+              </a:rPr>
+              <a:t> </a:t>
+            </a:r>
+            <a:r>
+              <a:rPr lang="de-DE" sz="2000" dirty="0" smtClean="0"/>
+              <a:t>und zeichnet sich durch [] als Array aus</a:t>
+            </a:r>
+            <a:endParaRPr lang="de-DE" sz="2000" dirty="0" smtClean="0">
+              <a:solidFill>
+                <a:schemeClr val="tx2"/>
+              </a:solidFill>
+            </a:endParaRPr>
+          </a:p>
+        </p:txBody>
+      </p:sp>
+      <p:pic>
+        <p:nvPicPr>
+          <p:cNvPr id="4" name="Grafik 3"/>
+          <p:cNvPicPr>
+            <a:picLocks noChangeAspect="1"/>
+          </p:cNvPicPr>
+          <p:nvPr/>
+        </p:nvPicPr>
+        <p:blipFill>
+          <a:blip r:embed="rId3">
+            <a:extLst>
+              <a:ext uri="{28A0092B-C50C-407E-A947-70E740481C1C}">
+                <a14:useLocalDpi xmlns:a14="http://schemas.microsoft.com/office/drawing/2010/main" val="0"/>
+              </a:ext>
+            </a:extLst>
+          </a:blip>
+          <a:stretch>
+            <a:fillRect/>
+          </a:stretch>
+        </p:blipFill>
+        <p:spPr>
+          <a:xfrm>
+            <a:off x="2546534" y="2821496"/>
+            <a:ext cx="3762900" cy="1124107"/>
+          </a:xfrm>
+          <a:prstGeom prst="rect">
+            <a:avLst/>
+          </a:prstGeom>
+        </p:spPr>
+      </p:pic>
+    </p:spTree>
+    <p:extLst>
+      <p:ext uri="{BB962C8B-B14F-4D97-AF65-F5344CB8AC3E}">
+        <p14:creationId xmlns:p14="http://schemas.microsoft.com/office/powerpoint/2010/main" val="4030089283"/>
+      </p:ext>
+    </p:extLst>
+  </p:cSld>
+  <p:clrMapOvr>
+    <a:masterClrMapping/>
+  </p:clrMapOvr>
+  <mc:AlternateContent xmlns:mc="http://schemas.openxmlformats.org/markup-compatibility/2006" xmlns:p14="http://schemas.microsoft.com/office/powerpoint/2010/main">
+    <mc:Choice Requires="p14">
+      <p:transition spd="slow" p14:dur="800">
+        <p14:flythrough/>
+      </p:transition>
+    </mc:Choice>
+    <mc:Fallback xmlns="">
+      <p:transition spd="slow">
+        <p:fade/>
+      </p:transition>
+    </mc:Fallback>
+  </mc:AlternateContent>
+  <p:timing>
+    <p:tnLst>
+      <p:par>
+        <p:cTn id="1" dur="indefinite" restart="never" nodeType="tmRoot">
+          <p:childTnLst>
+            <p:seq concurrent="1" nextAc="seek">
+              <p:cTn id="2" dur="indefinite" nodeType="mainSeq">
+                <p:childTnLst>
+                  <p:par>
+                    <p:cTn id="3" fill="hold">
+                      <p:stCondLst>
+                        <p:cond delay="indefinite"/>
+                      </p:stCondLst>
+                      <p:childTnLst>
+                        <p:par>
+                          <p:cTn id="4" fill="hold">
+                            <p:stCondLst>
+                              <p:cond delay="0"/>
+                            </p:stCondLst>
+                            <p:childTnLst>
+                              <p:par>
+                                <p:cTn id="5" presetID="10" presetClass="entr" presetSubtype="0" fill="hold" nodeType="clickEffect">
+                                  <p:stCondLst>
+                                    <p:cond delay="0"/>
+                                  </p:stCondLst>
+                                  <p:childTnLst>
+                                    <p:set>
+                                      <p:cBhvr>
+                                        <p:cTn id="6" dur="1" fill="hold">
+                                          <p:stCondLst>
+                                            <p:cond delay="0"/>
+                                          </p:stCondLst>
+                                        </p:cTn>
+                                        <p:tgtEl>
+                                          <p:spTgt spid="3">
+                                            <p:txEl>
+                                              <p:pRg st="2" end="2"/>
+                                            </p:txEl>
+                                          </p:spTgt>
+                                        </p:tgtEl>
+                                        <p:attrNameLst>
+                                          <p:attrName>style.visibility</p:attrName>
+                                        </p:attrNameLst>
+                                      </p:cBhvr>
+                                      <p:to>
+                                        <p:strVal val="visible"/>
+                                      </p:to>
+                                    </p:set>
+                                    <p:animEffect transition="in" filter="fade">
+                                      <p:cBhvr>
+                                        <p:cTn id="7" dur="500"/>
+                                        <p:tgtEl>
+                                          <p:spTgt spid="3">
+                                            <p:txEl>
+                                              <p:pRg st="2" end="2"/>
+                                            </p:txEl>
+                                          </p:spTgt>
+                                        </p:tgtEl>
+                                      </p:cBhvr>
+                                    </p:animEffect>
+                                  </p:childTnLst>
+                                </p:cTn>
+                              </p:par>
+                              <p:par>
+                                <p:cTn id="8" presetID="10" presetClass="entr" presetSubtype="0" fill="hold" nodeType="withEffect">
+                                  <p:stCondLst>
+                                    <p:cond delay="0"/>
+                                  </p:stCondLst>
+                                  <p:childTnLst>
+                                    <p:set>
+                                      <p:cBhvr>
+                                        <p:cTn id="9" dur="1" fill="hold">
+                                          <p:stCondLst>
+                                            <p:cond delay="0"/>
+                                          </p:stCondLst>
+                                        </p:cTn>
+                                        <p:tgtEl>
+                                          <p:spTgt spid="4"/>
+                                        </p:tgtEl>
+                                        <p:attrNameLst>
+                                          <p:attrName>style.visibility</p:attrName>
+                                        </p:attrNameLst>
+                                      </p:cBhvr>
+                                      <p:to>
+                                        <p:strVal val="visible"/>
+                                      </p:to>
+                                    </p:set>
+                                    <p:animEffect transition="in" filter="fade">
+                                      <p:cBhvr>
+                                        <p:cTn id="10" dur="500"/>
+                                        <p:tgtEl>
+                                          <p:spTgt spid="4"/>
+                                        </p:tgtEl>
+                                      </p:cBhvr>
+                                    </p:animEffect>
+                                  </p:childTnLst>
+                                </p:cTn>
+                              </p:par>
+                            </p:childTnLst>
+                          </p:cTn>
+                        </p:par>
+                      </p:childTnLst>
+                    </p:cTn>
+                  </p:par>
+                  <p:par>
+                    <p:cTn id="11" fill="hold">
+                      <p:stCondLst>
+                        <p:cond delay="indefinite"/>
+                      </p:stCondLst>
+                      <p:childTnLst>
+                        <p:par>
+                          <p:cTn id="12" fill="hold">
+                            <p:stCondLst>
+                              <p:cond delay="0"/>
+                            </p:stCondLst>
+                            <p:childTnLst>
+                              <p:par>
+                                <p:cTn id="13" presetID="10" presetClass="entr" presetSubtype="0" fill="hold" nodeType="clickEffect">
+                                  <p:stCondLst>
+                                    <p:cond delay="0"/>
+                                  </p:stCondLst>
+                                  <p:childTnLst>
+                                    <p:set>
+                                      <p:cBhvr>
+                                        <p:cTn id="14" dur="1" fill="hold">
+                                          <p:stCondLst>
+                                            <p:cond delay="0"/>
+                                          </p:stCondLst>
+                                        </p:cTn>
+                                        <p:tgtEl>
+                                          <p:spTgt spid="3">
+                                            <p:txEl>
+                                              <p:pRg st="8" end="8"/>
+                                            </p:txEl>
+                                          </p:spTgt>
+                                        </p:tgtEl>
+                                        <p:attrNameLst>
+                                          <p:attrName>style.visibility</p:attrName>
+                                        </p:attrNameLst>
+                                      </p:cBhvr>
+                                      <p:to>
+                                        <p:strVal val="visible"/>
+                                      </p:to>
+                                    </p:set>
+                                    <p:animEffect transition="in" filter="fade">
+                                      <p:cBhvr>
+                                        <p:cTn id="15" dur="500"/>
+                                        <p:tgtEl>
+                                          <p:spTgt spid="3">
+                                            <p:txEl>
+                                              <p:pRg st="8" end="8"/>
+                                            </p:txEl>
+                                          </p:spTgt>
+                                        </p:tgtEl>
+                                      </p:cBhvr>
+                                    </p:animEffect>
+                                  </p:childTnLst>
+                                </p:cTn>
+                              </p:par>
+                            </p:childTnLst>
+                          </p:cTn>
+                        </p:par>
+                      </p:childTnLst>
+                    </p:cTn>
+                  </p:par>
+                </p:childTnLst>
+              </p:cTn>
+              <p:prevCondLst>
+                <p:cond evt="onPrev" delay="0">
+                  <p:tgtEl>
+                    <p:sldTgt/>
+                  </p:tgtEl>
+                </p:cond>
+              </p:prevCondLst>
+              <p:nextCondLst>
+                <p:cond evt="onNext" delay="0">
+                  <p:tgtEl>
+                    <p:sldTgt/>
+                  </p:tgtEl>
+                </p:cond>
+              </p:nextCondLst>
+            </p:seq>
+          </p:childTnLst>
+        </p:cTn>
+      </p:par>
+    </p:tnLst>
+  </p:timing>
+</p:sld>
+</file>
+
+<file path=ppt/slides/slide44.xml><?xml version="1.0" encoding="utf-8"?>
+<p:sld xmlns:a="http://schemas.openxmlformats.org/drawingml/2006/main" xmlns:r="http://schemas.openxmlformats.org/officeDocument/2006/relationships" xmlns:p="http://schemas.openxmlformats.org/presentationml/2006/main">
+  <p:cSld>
+    <p:spTree>
+      <p:nvGrpSpPr>
+        <p:cNvPr id="1" name=""/>
+        <p:cNvGrpSpPr/>
+        <p:nvPr/>
+      </p:nvGrpSpPr>
+      <p:grpSpPr>
+        <a:xfrm>
+          <a:off x="0" y="0"/>
+          <a:ext cx="0" cy="0"/>
+          <a:chOff x="0" y="0"/>
+          <a:chExt cx="0" cy="0"/>
+        </a:xfrm>
+      </p:grpSpPr>
+      <p:sp>
+        <p:nvSpPr>
+          <p:cNvPr id="2" name="Titel 1"/>
+          <p:cNvSpPr>
+            <a:spLocks noGrp="1"/>
+          </p:cNvSpPr>
+          <p:nvPr>
+            <p:ph type="title"/>
+          </p:nvPr>
+        </p:nvSpPr>
+        <p:spPr/>
+        <p:txBody>
+          <a:bodyPr/>
+          <a:lstStyle/>
+          <a:p>
+            <a:r>
+              <a:rPr lang="de-DE" dirty="0" smtClean="0">
+                <a:solidFill>
+                  <a:srgbClr val="831420"/>
+                </a:solidFill>
+              </a:rPr>
+              <a:t>Strings und Arrays</a:t>
+            </a:r>
+            <a:endParaRPr lang="de-DE" dirty="0">
+              <a:solidFill>
+                <a:srgbClr val="831420"/>
+              </a:solidFill>
+            </a:endParaRPr>
+          </a:p>
+        </p:txBody>
+      </p:sp>
+      <p:sp>
+        <p:nvSpPr>
+          <p:cNvPr id="3" name="Inhaltsplatzhalter 2"/>
+          <p:cNvSpPr>
+            <a:spLocks noGrp="1"/>
+          </p:cNvSpPr>
+          <p:nvPr>
+            <p:ph idx="4294967295"/>
+          </p:nvPr>
+        </p:nvSpPr>
+        <p:spPr>
+          <a:xfrm>
+            <a:off x="179512" y="877280"/>
+            <a:ext cx="8496944" cy="4176464"/>
+          </a:xfrm>
+          <a:prstGeom prst="rect">
+            <a:avLst/>
+          </a:prstGeom>
+        </p:spPr>
+        <p:txBody>
+          <a:bodyPr anchor="t"/>
+          <a:lstStyle/>
+          <a:p>
+            <a:endParaRPr lang="de-DE" sz="2000" dirty="0" smtClean="0"/>
+          </a:p>
+          <a:p>
+            <a:r>
+              <a:rPr lang="de-DE" sz="2000" dirty="0" smtClean="0"/>
+              <a:t>Definition der beiden Arrays</a:t>
+            </a:r>
+          </a:p>
+          <a:p>
+            <a:pPr lvl="1"/>
+            <a:r>
+              <a:rPr lang="de-DE" sz="1600" dirty="0" smtClean="0"/>
+              <a:t> </a:t>
+            </a:r>
+            <a:r>
+              <a:rPr lang="de-DE" sz="1600" dirty="0" smtClean="0">
+                <a:solidFill>
+                  <a:schemeClr val="bg1">
+                    <a:lumMod val="50000"/>
+                  </a:schemeClr>
+                </a:solidFill>
+              </a:rPr>
+              <a:t>x</a:t>
+            </a:r>
+            <a:r>
+              <a:rPr lang="de-DE" sz="1600" dirty="0" smtClean="0"/>
+              <a:t> </a:t>
+            </a:r>
+            <a:r>
+              <a:rPr lang="de-DE" sz="1600" dirty="0" smtClean="0"/>
+              <a:t>über Objektinitialisierung</a:t>
+            </a:r>
+          </a:p>
+          <a:p>
+            <a:pPr lvl="1"/>
+            <a:r>
+              <a:rPr lang="de-DE" sz="1600" dirty="0" smtClean="0"/>
+              <a:t> </a:t>
+            </a:r>
+            <a:r>
+              <a:rPr lang="de-DE" sz="1600" dirty="0" smtClean="0">
+                <a:solidFill>
+                  <a:schemeClr val="bg1">
+                    <a:lumMod val="50000"/>
+                  </a:schemeClr>
+                </a:solidFill>
+              </a:rPr>
+              <a:t>y</a:t>
+            </a:r>
+            <a:r>
+              <a:rPr lang="de-DE" sz="1600" dirty="0" smtClean="0"/>
+              <a:t> </a:t>
+            </a:r>
+            <a:r>
+              <a:rPr lang="de-DE" sz="1600" dirty="0" smtClean="0"/>
+              <a:t>über Arrayinitialisierung</a:t>
+            </a:r>
+          </a:p>
+          <a:p>
+            <a:endParaRPr lang="de-DE" sz="2000" dirty="0"/>
+          </a:p>
+          <a:p>
+            <a:endParaRPr lang="de-DE" sz="2000" dirty="0" smtClean="0"/>
+          </a:p>
+          <a:p>
+            <a:endParaRPr lang="de-DE" sz="2000" dirty="0"/>
+          </a:p>
+          <a:p>
+            <a:endParaRPr lang="de-DE" sz="2000" dirty="0" smtClean="0"/>
+          </a:p>
+          <a:p>
+            <a:endParaRPr lang="de-DE" sz="2000" dirty="0"/>
+          </a:p>
+          <a:p>
+            <a:endParaRPr lang="de-DE" sz="2000" dirty="0" smtClean="0"/>
+          </a:p>
+          <a:p>
+            <a:r>
+              <a:rPr lang="de-DE" sz="2000" dirty="0" smtClean="0"/>
+              <a:t>In beiden Fällen ist die Größe des Arrays von Anfang an fest vorgegeben</a:t>
+            </a:r>
+          </a:p>
+        </p:txBody>
+      </p:sp>
+      <p:pic>
+        <p:nvPicPr>
+          <p:cNvPr id="4" name="Grafik 3"/>
+          <p:cNvPicPr>
+            <a:picLocks noChangeAspect="1"/>
+          </p:cNvPicPr>
+          <p:nvPr/>
+        </p:nvPicPr>
+        <p:blipFill>
+          <a:blip r:embed="rId3">
+            <a:extLst>
+              <a:ext uri="{28A0092B-C50C-407E-A947-70E740481C1C}">
+                <a14:useLocalDpi xmlns:a14="http://schemas.microsoft.com/office/drawing/2010/main" val="0"/>
+              </a:ext>
+            </a:extLst>
+          </a:blip>
+          <a:stretch>
+            <a:fillRect/>
+          </a:stretch>
+        </p:blipFill>
+        <p:spPr>
+          <a:xfrm>
+            <a:off x="2546534" y="2821496"/>
+            <a:ext cx="3762900" cy="1124107"/>
+          </a:xfrm>
+          <a:prstGeom prst="rect">
+            <a:avLst/>
+          </a:prstGeom>
+        </p:spPr>
+      </p:pic>
+    </p:spTree>
+    <p:extLst>
+      <p:ext uri="{BB962C8B-B14F-4D97-AF65-F5344CB8AC3E}">
+        <p14:creationId xmlns:p14="http://schemas.microsoft.com/office/powerpoint/2010/main" val="3702062803"/>
+      </p:ext>
+    </p:extLst>
+  </p:cSld>
+  <p:clrMapOvr>
+    <a:masterClrMapping/>
+  </p:clrMapOvr>
+  <mc:AlternateContent xmlns:mc="http://schemas.openxmlformats.org/markup-compatibility/2006" xmlns:p14="http://schemas.microsoft.com/office/powerpoint/2010/main">
+    <mc:Choice Requires="p14">
+      <p:transition spd="med" p14:dur="700">
+        <p:fade/>
+      </p:transition>
+    </mc:Choice>
+    <mc:Fallback xmlns="">
+      <p:transition spd="med">
+        <p:fade/>
+      </p:transition>
+    </mc:Fallback>
+  </mc:AlternateContent>
+  <p:timing>
+    <p:tnLst>
+      <p:par>
+        <p:cTn id="1" dur="indefinite" restart="never" nodeType="tmRoot">
+          <p:childTnLst>
+            <p:seq concurrent="1" nextAc="seek">
+              <p:cTn id="2" dur="indefinite" nodeType="mainSeq">
+                <p:childTnLst>
+                  <p:par>
+                    <p:cTn id="3" fill="hold">
+                      <p:stCondLst>
+                        <p:cond delay="indefinite"/>
+                      </p:stCondLst>
+                      <p:childTnLst>
+                        <p:par>
+                          <p:cTn id="4" fill="hold">
+                            <p:stCondLst>
+                              <p:cond delay="0"/>
+                            </p:stCondLst>
+                            <p:childTnLst>
+                              <p:par>
+                                <p:cTn id="5" presetID="10" presetClass="entr" presetSubtype="0" fill="hold" nodeType="clickEffect">
+                                  <p:stCondLst>
+                                    <p:cond delay="0"/>
+                                  </p:stCondLst>
+                                  <p:childTnLst>
+                                    <p:set>
+                                      <p:cBhvr>
+                                        <p:cTn id="6" dur="1" fill="hold">
+                                          <p:stCondLst>
+                                            <p:cond delay="0"/>
+                                          </p:stCondLst>
+                                        </p:cTn>
+                                        <p:tgtEl>
+                                          <p:spTgt spid="3">
+                                            <p:txEl>
+                                              <p:pRg st="1" end="1"/>
+                                            </p:txEl>
+                                          </p:spTgt>
+                                        </p:tgtEl>
+                                        <p:attrNameLst>
+                                          <p:attrName>style.visibility</p:attrName>
+                                        </p:attrNameLst>
+                                      </p:cBhvr>
+                                      <p:to>
+                                        <p:strVal val="visible"/>
+                                      </p:to>
+                                    </p:set>
+                                    <p:animEffect transition="in" filter="fade">
+                                      <p:cBhvr>
+                                        <p:cTn id="7" dur="500"/>
+                                        <p:tgtEl>
+                                          <p:spTgt spid="3">
+                                            <p:txEl>
+                                              <p:pRg st="1" end="1"/>
+                                            </p:txEl>
+                                          </p:spTgt>
+                                        </p:tgtEl>
+                                      </p:cBhvr>
+                                    </p:animEffect>
+                                  </p:childTnLst>
+                                </p:cTn>
+                              </p:par>
+                            </p:childTnLst>
+                          </p:cTn>
+                        </p:par>
+                      </p:childTnLst>
+                    </p:cTn>
+                  </p:par>
+                  <p:par>
+                    <p:cTn id="8" fill="hold">
+                      <p:stCondLst>
+                        <p:cond delay="indefinite"/>
+                      </p:stCondLst>
+                      <p:childTnLst>
+                        <p:par>
+                          <p:cTn id="9" fill="hold">
+                            <p:stCondLst>
+                              <p:cond delay="0"/>
+                            </p:stCondLst>
+                            <p:childTnLst>
+                              <p:par>
+                                <p:cTn id="10" presetID="10" presetClass="entr" presetSubtype="0" fill="hold" nodeType="clickEffect">
+                                  <p:stCondLst>
+                                    <p:cond delay="0"/>
+                                  </p:stCondLst>
+                                  <p:childTnLst>
+                                    <p:set>
+                                      <p:cBhvr>
+                                        <p:cTn id="11" dur="1" fill="hold">
+                                          <p:stCondLst>
+                                            <p:cond delay="0"/>
+                                          </p:stCondLst>
+                                        </p:cTn>
+                                        <p:tgtEl>
+                                          <p:spTgt spid="3">
+                                            <p:txEl>
+                                              <p:pRg st="2" end="2"/>
+                                            </p:txEl>
+                                          </p:spTgt>
+                                        </p:tgtEl>
+                                        <p:attrNameLst>
+                                          <p:attrName>style.visibility</p:attrName>
+                                        </p:attrNameLst>
+                                      </p:cBhvr>
+                                      <p:to>
+                                        <p:strVal val="visible"/>
+                                      </p:to>
+                                    </p:set>
+                                    <p:animEffect transition="in" filter="fade">
+                                      <p:cBhvr>
+                                        <p:cTn id="12" dur="500"/>
+                                        <p:tgtEl>
+                                          <p:spTgt spid="3">
+                                            <p:txEl>
+                                              <p:pRg st="2" end="2"/>
+                                            </p:txEl>
+                                          </p:spTgt>
+                                        </p:tgtEl>
+                                      </p:cBhvr>
+                                    </p:animEffect>
+                                  </p:childTnLst>
+                                </p:cTn>
+                              </p:par>
+                              <p:par>
+                                <p:cTn id="13" presetID="10" presetClass="entr" presetSubtype="0" fill="hold" nodeType="withEffect">
+                                  <p:stCondLst>
+                                    <p:cond delay="0"/>
+                                  </p:stCondLst>
+                                  <p:childTnLst>
+                                    <p:set>
+                                      <p:cBhvr>
+                                        <p:cTn id="14" dur="1" fill="hold">
+                                          <p:stCondLst>
+                                            <p:cond delay="0"/>
+                                          </p:stCondLst>
+                                        </p:cTn>
+                                        <p:tgtEl>
+                                          <p:spTgt spid="3">
+                                            <p:txEl>
+                                              <p:pRg st="3" end="3"/>
+                                            </p:txEl>
+                                          </p:spTgt>
+                                        </p:tgtEl>
+                                        <p:attrNameLst>
+                                          <p:attrName>style.visibility</p:attrName>
+                                        </p:attrNameLst>
+                                      </p:cBhvr>
+                                      <p:to>
+                                        <p:strVal val="visible"/>
+                                      </p:to>
+                                    </p:set>
+                                    <p:animEffect transition="in" filter="fade">
+                                      <p:cBhvr>
+                                        <p:cTn id="15" dur="500"/>
+                                        <p:tgtEl>
+                                          <p:spTgt spid="3">
+                                            <p:txEl>
+                                              <p:pRg st="3" end="3"/>
+                                            </p:txEl>
+                                          </p:spTgt>
+                                        </p:tgtEl>
+                                      </p:cBhvr>
+                                    </p:animEffect>
+                                  </p:childTnLst>
+                                </p:cTn>
+                              </p:par>
+                            </p:childTnLst>
+                          </p:cTn>
+                        </p:par>
+                      </p:childTnLst>
+                    </p:cTn>
+                  </p:par>
+                  <p:par>
+                    <p:cTn id="16" fill="hold">
+                      <p:stCondLst>
+                        <p:cond delay="indefinite"/>
+                      </p:stCondLst>
+                      <p:childTnLst>
+                        <p:par>
+                          <p:cTn id="17" fill="hold">
+                            <p:stCondLst>
+                              <p:cond delay="0"/>
+                            </p:stCondLst>
+                            <p:childTnLst>
+                              <p:par>
+                                <p:cTn id="18" presetID="10" presetClass="entr" presetSubtype="0" fill="hold" nodeType="clickEffect">
+                                  <p:stCondLst>
+                                    <p:cond delay="0"/>
+                                  </p:stCondLst>
+                                  <p:childTnLst>
+                                    <p:set>
+                                      <p:cBhvr>
+                                        <p:cTn id="19" dur="1" fill="hold">
+                                          <p:stCondLst>
+                                            <p:cond delay="0"/>
+                                          </p:stCondLst>
+                                        </p:cTn>
+                                        <p:tgtEl>
+                                          <p:spTgt spid="3">
+                                            <p:txEl>
+                                              <p:pRg st="10" end="10"/>
+                                            </p:txEl>
+                                          </p:spTgt>
+                                        </p:tgtEl>
+                                        <p:attrNameLst>
+                                          <p:attrName>style.visibility</p:attrName>
+                                        </p:attrNameLst>
+                                      </p:cBhvr>
+                                      <p:to>
+                                        <p:strVal val="visible"/>
+                                      </p:to>
+                                    </p:set>
+                                    <p:animEffect transition="in" filter="fade">
+                                      <p:cBhvr>
+                                        <p:cTn id="20" dur="500"/>
+                                        <p:tgtEl>
+                                          <p:spTgt spid="3">
+                                            <p:txEl>
+                                              <p:pRg st="10" end="10"/>
+                                            </p:txEl>
+                                          </p:spTgt>
+                                        </p:tgtEl>
+                                      </p:cBhvr>
+                                    </p:animEffect>
+                                  </p:childTnLst>
+                                </p:cTn>
+                              </p:par>
+                            </p:childTnLst>
+                          </p:cTn>
+                        </p:par>
+                      </p:childTnLst>
+                    </p:cTn>
+                  </p:par>
+                </p:childTnLst>
+              </p:cTn>
+              <p:prevCondLst>
+                <p:cond evt="onPrev" delay="0">
+                  <p:tgtEl>
+                    <p:sldTgt/>
+                  </p:tgtEl>
+                </p:cond>
+              </p:prevCondLst>
+              <p:nextCondLst>
+                <p:cond evt="onNext" delay="0">
+                  <p:tgtEl>
+                    <p:sldTgt/>
+                  </p:tgtEl>
+                </p:cond>
+              </p:nextCondLst>
+            </p:seq>
+          </p:childTnLst>
+        </p:cTn>
+      </p:par>
+    </p:tnLst>
+  </p:timing>
+</p:sld>
+</file>
+
+<file path=ppt/slides/slide45.xml><?xml version="1.0" encoding="utf-8"?>
+<p:sld xmlns:a="http://schemas.openxmlformats.org/drawingml/2006/main" xmlns:r="http://schemas.openxmlformats.org/officeDocument/2006/relationships" xmlns:p="http://schemas.openxmlformats.org/presentationml/2006/main">
+  <p:cSld>
+    <p:spTree>
+      <p:nvGrpSpPr>
+        <p:cNvPr id="1" name=""/>
+        <p:cNvGrpSpPr/>
+        <p:nvPr/>
+      </p:nvGrpSpPr>
+      <p:grpSpPr>
+        <a:xfrm>
+          <a:off x="0" y="0"/>
+          <a:ext cx="0" cy="0"/>
+          <a:chOff x="0" y="0"/>
+          <a:chExt cx="0" cy="0"/>
+        </a:xfrm>
+      </p:grpSpPr>
+      <p:sp>
+        <p:nvSpPr>
+          <p:cNvPr id="2" name="Titel 1"/>
+          <p:cNvSpPr>
+            <a:spLocks noGrp="1"/>
+          </p:cNvSpPr>
+          <p:nvPr>
+            <p:ph type="title"/>
+          </p:nvPr>
+        </p:nvSpPr>
+        <p:spPr/>
+        <p:txBody>
+          <a:bodyPr/>
+          <a:lstStyle/>
+          <a:p>
+            <a:r>
+              <a:rPr lang="de-DE" dirty="0" smtClean="0">
+                <a:solidFill>
+                  <a:srgbClr val="831420"/>
+                </a:solidFill>
+              </a:rPr>
+              <a:t>Strings und Arrays</a:t>
+            </a:r>
+            <a:endParaRPr lang="de-DE" dirty="0">
+              <a:solidFill>
+                <a:srgbClr val="831420"/>
+              </a:solidFill>
+            </a:endParaRPr>
+          </a:p>
+        </p:txBody>
+      </p:sp>
+      <p:sp>
+        <p:nvSpPr>
+          <p:cNvPr id="3" name="Inhaltsplatzhalter 2"/>
+          <p:cNvSpPr>
+            <a:spLocks noGrp="1"/>
+          </p:cNvSpPr>
+          <p:nvPr>
+            <p:ph idx="4294967295"/>
+          </p:nvPr>
+        </p:nvSpPr>
+        <p:spPr>
+          <a:xfrm>
+            <a:off x="179512" y="877280"/>
+            <a:ext cx="8496944" cy="4176464"/>
+          </a:xfrm>
+          <a:prstGeom prst="rect">
+            <a:avLst/>
+          </a:prstGeom>
+        </p:spPr>
+        <p:txBody>
+          <a:bodyPr anchor="t"/>
+          <a:lstStyle/>
+          <a:p>
+            <a:endParaRPr lang="de-DE" sz="2000" dirty="0" smtClean="0"/>
+          </a:p>
+          <a:p>
+            <a:r>
+              <a:rPr lang="de-DE" sz="2000" dirty="0" smtClean="0"/>
+              <a:t>Durch eckige Klammern lässt sich ein einzelnes Element des Arrays ändern</a:t>
+            </a:r>
+          </a:p>
+          <a:p>
+            <a:endParaRPr lang="de-DE" sz="2000" dirty="0" smtClean="0"/>
+          </a:p>
+          <a:p>
+            <a:r>
+              <a:rPr lang="de-DE" sz="2000" dirty="0" smtClean="0"/>
+              <a:t>Innerhalb der eckigen Klammern wird der Index des Elements angegeben</a:t>
+            </a:r>
+          </a:p>
+          <a:p>
+            <a:endParaRPr lang="de-DE" sz="2000" dirty="0" smtClean="0"/>
+          </a:p>
+          <a:p>
+            <a:endParaRPr lang="de-DE" sz="2000" dirty="0"/>
+          </a:p>
+          <a:p>
+            <a:endParaRPr lang="de-DE" sz="2000" dirty="0" smtClean="0"/>
+          </a:p>
+          <a:p>
+            <a:endParaRPr lang="de-DE" sz="2000" dirty="0"/>
+          </a:p>
+          <a:p>
+            <a:endParaRPr lang="de-DE" sz="2000" dirty="0" smtClean="0"/>
+          </a:p>
+          <a:p>
+            <a:r>
+              <a:rPr lang="de-DE" sz="2000" dirty="0" smtClean="0"/>
+              <a:t>Achtung: </a:t>
+            </a:r>
+            <a:r>
+              <a:rPr lang="de-DE" sz="2000" u="sng" dirty="0" smtClean="0"/>
+              <a:t>Java fängt bei 0 an zu zählen</a:t>
+            </a:r>
+            <a:r>
+              <a:rPr lang="de-DE" sz="2000" dirty="0" smtClean="0"/>
+              <a:t>!</a:t>
+            </a:r>
+          </a:p>
+        </p:txBody>
+      </p:sp>
+      <p:pic>
+        <p:nvPicPr>
+          <p:cNvPr id="4" name="Grafik 3"/>
+          <p:cNvPicPr>
+            <a:picLocks noChangeAspect="1"/>
+          </p:cNvPicPr>
+          <p:nvPr/>
+        </p:nvPicPr>
+        <p:blipFill>
+          <a:blip r:embed="rId3">
+            <a:extLst>
+              <a:ext uri="{28A0092B-C50C-407E-A947-70E740481C1C}">
+                <a14:useLocalDpi xmlns:a14="http://schemas.microsoft.com/office/drawing/2010/main" val="0"/>
+              </a:ext>
+            </a:extLst>
+          </a:blip>
+          <a:stretch>
+            <a:fillRect/>
+          </a:stretch>
+        </p:blipFill>
+        <p:spPr>
+          <a:xfrm>
+            <a:off x="2546534" y="2821496"/>
+            <a:ext cx="3762900" cy="1124107"/>
+          </a:xfrm>
+          <a:prstGeom prst="rect">
+            <a:avLst/>
+          </a:prstGeom>
+        </p:spPr>
+      </p:pic>
+    </p:spTree>
+    <p:extLst>
+      <p:ext uri="{BB962C8B-B14F-4D97-AF65-F5344CB8AC3E}">
+        <p14:creationId xmlns:p14="http://schemas.microsoft.com/office/powerpoint/2010/main" val="2931941656"/>
+      </p:ext>
+    </p:extLst>
+  </p:cSld>
+  <p:clrMapOvr>
+    <a:masterClrMapping/>
+  </p:clrMapOvr>
+  <mc:AlternateContent xmlns:mc="http://schemas.openxmlformats.org/markup-compatibility/2006" xmlns:p14="http://schemas.microsoft.com/office/powerpoint/2010/main">
+    <mc:Choice Requires="p14">
+      <p:transition spd="med" p14:dur="700">
+        <p:fade/>
+      </p:transition>
+    </mc:Choice>
+    <mc:Fallback xmlns="">
+      <p:transition spd="med">
+        <p:fade/>
+      </p:transition>
+    </mc:Fallback>
+  </mc:AlternateContent>
+  <p:timing>
+    <p:tnLst>
+      <p:par>
+        <p:cTn id="1" dur="indefinite" restart="never" nodeType="tmRoot">
+          <p:childTnLst>
+            <p:seq concurrent="1" nextAc="seek">
+              <p:cTn id="2" dur="indefinite" nodeType="mainSeq">
+                <p:childTnLst>
+                  <p:par>
+                    <p:cTn id="3" fill="hold">
+                      <p:stCondLst>
+                        <p:cond delay="indefinite"/>
+                      </p:stCondLst>
+                      <p:childTnLst>
+                        <p:par>
+                          <p:cTn id="4" fill="hold">
+                            <p:stCondLst>
+                              <p:cond delay="0"/>
+                            </p:stCondLst>
+                            <p:childTnLst>
+                              <p:par>
+                                <p:cTn id="5" presetID="10" presetClass="entr" presetSubtype="0" fill="hold" nodeType="clickEffect">
+                                  <p:stCondLst>
+                                    <p:cond delay="0"/>
+                                  </p:stCondLst>
+                                  <p:childTnLst>
+                                    <p:set>
+                                      <p:cBhvr>
+                                        <p:cTn id="6" dur="1" fill="hold">
+                                          <p:stCondLst>
+                                            <p:cond delay="0"/>
+                                          </p:stCondLst>
+                                        </p:cTn>
+                                        <p:tgtEl>
+                                          <p:spTgt spid="3">
+                                            <p:txEl>
+                                              <p:pRg st="1" end="1"/>
+                                            </p:txEl>
+                                          </p:spTgt>
+                                        </p:tgtEl>
+                                        <p:attrNameLst>
+                                          <p:attrName>style.visibility</p:attrName>
+                                        </p:attrNameLst>
+                                      </p:cBhvr>
+                                      <p:to>
+                                        <p:strVal val="visible"/>
+                                      </p:to>
+                                    </p:set>
+                                    <p:animEffect transition="in" filter="fade">
+                                      <p:cBhvr>
+                                        <p:cTn id="7" dur="500"/>
+                                        <p:tgtEl>
+                                          <p:spTgt spid="3">
+                                            <p:txEl>
+                                              <p:pRg st="1" end="1"/>
+                                            </p:txEl>
+                                          </p:spTgt>
+                                        </p:tgtEl>
+                                      </p:cBhvr>
+                                    </p:animEffect>
+                                  </p:childTnLst>
+                                </p:cTn>
+                              </p:par>
+                            </p:childTnLst>
+                          </p:cTn>
+                        </p:par>
+                      </p:childTnLst>
+                    </p:cTn>
+                  </p:par>
+                  <p:par>
+                    <p:cTn id="8" fill="hold">
+                      <p:stCondLst>
+                        <p:cond delay="indefinite"/>
+                      </p:stCondLst>
+                      <p:childTnLst>
+                        <p:par>
+                          <p:cTn id="9" fill="hold">
+                            <p:stCondLst>
+                              <p:cond delay="0"/>
+                            </p:stCondLst>
+                            <p:childTnLst>
+                              <p:par>
+                                <p:cTn id="10" presetID="10" presetClass="entr" presetSubtype="0" fill="hold" nodeType="clickEffect">
+                                  <p:stCondLst>
+                                    <p:cond delay="0"/>
+                                  </p:stCondLst>
+                                  <p:childTnLst>
+                                    <p:set>
+                                      <p:cBhvr>
+                                        <p:cTn id="11" dur="1" fill="hold">
+                                          <p:stCondLst>
+                                            <p:cond delay="0"/>
+                                          </p:stCondLst>
+                                        </p:cTn>
+                                        <p:tgtEl>
+                                          <p:spTgt spid="3">
+                                            <p:txEl>
+                                              <p:pRg st="3" end="3"/>
+                                            </p:txEl>
+                                          </p:spTgt>
+                                        </p:tgtEl>
+                                        <p:attrNameLst>
+                                          <p:attrName>style.visibility</p:attrName>
+                                        </p:attrNameLst>
+                                      </p:cBhvr>
+                                      <p:to>
+                                        <p:strVal val="visible"/>
+                                      </p:to>
+                                    </p:set>
+                                    <p:animEffect transition="in" filter="fade">
+                                      <p:cBhvr>
+                                        <p:cTn id="12" dur="500"/>
+                                        <p:tgtEl>
+                                          <p:spTgt spid="3">
+                                            <p:txEl>
+                                              <p:pRg st="3" end="3"/>
+                                            </p:txEl>
+                                          </p:spTgt>
+                                        </p:tgtEl>
+                                      </p:cBhvr>
+                                    </p:animEffect>
+                                  </p:childTnLst>
+                                </p:cTn>
+                              </p:par>
+                            </p:childTnLst>
+                          </p:cTn>
+                        </p:par>
+                      </p:childTnLst>
+                    </p:cTn>
+                  </p:par>
+                  <p:par>
+                    <p:cTn id="13" fill="hold">
+                      <p:stCondLst>
+                        <p:cond delay="indefinite"/>
+                      </p:stCondLst>
+                      <p:childTnLst>
+                        <p:par>
+                          <p:cTn id="14" fill="hold">
+                            <p:stCondLst>
+                              <p:cond delay="0"/>
+                            </p:stCondLst>
+                            <p:childTnLst>
+                              <p:par>
+                                <p:cTn id="15" presetID="10" presetClass="entr" presetSubtype="0" fill="hold" nodeType="clickEffect">
+                                  <p:stCondLst>
+                                    <p:cond delay="0"/>
+                                  </p:stCondLst>
+                                  <p:childTnLst>
+                                    <p:set>
+                                      <p:cBhvr>
+                                        <p:cTn id="16" dur="1" fill="hold">
+                                          <p:stCondLst>
+                                            <p:cond delay="0"/>
+                                          </p:stCondLst>
+                                        </p:cTn>
+                                        <p:tgtEl>
+                                          <p:spTgt spid="3">
+                                            <p:txEl>
+                                              <p:pRg st="9" end="9"/>
+                                            </p:txEl>
+                                          </p:spTgt>
+                                        </p:tgtEl>
+                                        <p:attrNameLst>
+                                          <p:attrName>style.visibility</p:attrName>
+                                        </p:attrNameLst>
+                                      </p:cBhvr>
+                                      <p:to>
+                                        <p:strVal val="visible"/>
+                                      </p:to>
+                                    </p:set>
+                                    <p:animEffect transition="in" filter="fade">
+                                      <p:cBhvr>
+                                        <p:cTn id="17" dur="500"/>
+                                        <p:tgtEl>
+                                          <p:spTgt spid="3">
+                                            <p:txEl>
+                                              <p:pRg st="9" end="9"/>
+                                            </p:txEl>
+                                          </p:spTgt>
+                                        </p:tgtEl>
+                                      </p:cBhvr>
+                                    </p:animEffect>
+                                  </p:childTnLst>
+                                </p:cTn>
+                              </p:par>
+                            </p:childTnLst>
+                          </p:cTn>
+                        </p:par>
+                      </p:childTnLst>
+                    </p:cTn>
+                  </p:par>
+                </p:childTnLst>
+              </p:cTn>
+              <p:prevCondLst>
+                <p:cond evt="onPrev" delay="0">
+                  <p:tgtEl>
+                    <p:sldTgt/>
+                  </p:tgtEl>
+                </p:cond>
+              </p:prevCondLst>
+              <p:nextCondLst>
+                <p:cond evt="onNext" delay="0">
+                  <p:tgtEl>
+                    <p:sldTgt/>
+                  </p:tgtEl>
+                </p:cond>
+              </p:nextCondLst>
+            </p:seq>
+          </p:childTnLst>
+        </p:cTn>
+      </p:par>
+    </p:tnLst>
+  </p:timing>
+</p:sld>
+</file>
+
+<file path=ppt/slides/slide46.xml><?xml version="1.0" encoding="utf-8"?>
+<p:sld xmlns:a="http://schemas.openxmlformats.org/drawingml/2006/main" xmlns:r="http://schemas.openxmlformats.org/officeDocument/2006/relationships" xmlns:p="http://schemas.openxmlformats.org/presentationml/2006/main">
+  <p:cSld>
+    <p:spTree>
+      <p:nvGrpSpPr>
+        <p:cNvPr id="1" name=""/>
+        <p:cNvGrpSpPr/>
+        <p:nvPr/>
+      </p:nvGrpSpPr>
+      <p:grpSpPr>
+        <a:xfrm>
+          <a:off x="0" y="0"/>
+          <a:ext cx="0" cy="0"/>
+          <a:chOff x="0" y="0"/>
+          <a:chExt cx="0" cy="0"/>
+        </a:xfrm>
+      </p:grpSpPr>
+      <p:sp>
+        <p:nvSpPr>
+          <p:cNvPr id="2" name="Titel 1"/>
+          <p:cNvSpPr>
+            <a:spLocks noGrp="1"/>
+          </p:cNvSpPr>
+          <p:nvPr>
+            <p:ph type="title"/>
+          </p:nvPr>
+        </p:nvSpPr>
+        <p:spPr/>
+        <p:txBody>
+          <a:bodyPr/>
+          <a:lstStyle/>
+          <a:p>
+            <a:r>
+              <a:rPr lang="de-DE" dirty="0" smtClean="0">
+                <a:solidFill>
+                  <a:srgbClr val="831420"/>
+                </a:solidFill>
+              </a:rPr>
+              <a:t>Strings und Arrays</a:t>
+            </a:r>
+            <a:endParaRPr lang="de-DE" dirty="0">
+              <a:solidFill>
+                <a:srgbClr val="831420"/>
+              </a:solidFill>
+            </a:endParaRPr>
+          </a:p>
+        </p:txBody>
+      </p:sp>
+      <p:sp>
+        <p:nvSpPr>
+          <p:cNvPr id="3" name="Inhaltsplatzhalter 2"/>
+          <p:cNvSpPr>
+            <a:spLocks noGrp="1"/>
+          </p:cNvSpPr>
+          <p:nvPr>
+            <p:ph idx="4294967295"/>
+          </p:nvPr>
+        </p:nvSpPr>
+        <p:spPr>
+          <a:xfrm>
+            <a:off x="179512" y="877280"/>
+            <a:ext cx="8496944" cy="4176464"/>
+          </a:xfrm>
+          <a:prstGeom prst="rect">
+            <a:avLst/>
+          </a:prstGeom>
+        </p:spPr>
+        <p:txBody>
+          <a:bodyPr anchor="t"/>
+          <a:lstStyle/>
+          <a:p>
+            <a:endParaRPr lang="de-DE" sz="2000" dirty="0"/>
+          </a:p>
+          <a:p>
+            <a:r>
+              <a:rPr lang="de-DE" sz="2000" dirty="0" smtClean="0"/>
+              <a:t>Wir können wieder durch Angabe des Index genauso aus dem Array lesen</a:t>
+            </a:r>
+          </a:p>
+        </p:txBody>
+      </p:sp>
+      <p:pic>
+        <p:nvPicPr>
+          <p:cNvPr id="4" name="Grafik 3"/>
+          <p:cNvPicPr>
+            <a:picLocks noChangeAspect="1"/>
+          </p:cNvPicPr>
+          <p:nvPr/>
+        </p:nvPicPr>
+        <p:blipFill>
+          <a:blip r:embed="rId3">
+            <a:extLst>
+              <a:ext uri="{28A0092B-C50C-407E-A947-70E740481C1C}">
+                <a14:useLocalDpi xmlns:a14="http://schemas.microsoft.com/office/drawing/2010/main" val="0"/>
+              </a:ext>
+            </a:extLst>
+          </a:blip>
+          <a:stretch>
+            <a:fillRect/>
+          </a:stretch>
+        </p:blipFill>
+        <p:spPr>
+          <a:xfrm>
+            <a:off x="2546534" y="2821496"/>
+            <a:ext cx="3762900" cy="1124107"/>
+          </a:xfrm>
+          <a:prstGeom prst="rect">
+            <a:avLst/>
+          </a:prstGeom>
+        </p:spPr>
+      </p:pic>
+    </p:spTree>
+    <p:extLst>
+      <p:ext uri="{BB962C8B-B14F-4D97-AF65-F5344CB8AC3E}">
+        <p14:creationId xmlns:p14="http://schemas.microsoft.com/office/powerpoint/2010/main" val="3763236484"/>
+      </p:ext>
+    </p:extLst>
+  </p:cSld>
+  <p:clrMapOvr>
+    <a:masterClrMapping/>
+  </p:clrMapOvr>
+  <mc:AlternateContent xmlns:mc="http://schemas.openxmlformats.org/markup-compatibility/2006" xmlns:p14="http://schemas.microsoft.com/office/powerpoint/2010/main">
+    <mc:Choice Requires="p14">
+      <p:transition spd="med" p14:dur="700">
+        <p:fade/>
+      </p:transition>
+    </mc:Choice>
+    <mc:Fallback xmlns="">
+      <p:transition spd="med">
+        <p:fade/>
+      </p:transition>
+    </mc:Fallback>
+  </mc:AlternateContent>
+  <p:timing>
+    <p:tnLst>
+      <p:par>
+        <p:cTn id="1" dur="indefinite" restart="never" nodeType="tmRoot">
+          <p:childTnLst>
+            <p:seq concurrent="1" nextAc="seek">
+              <p:cTn id="2" dur="indefinite" nodeType="mainSeq">
+                <p:childTnLst>
+                  <p:par>
+                    <p:cTn id="3" fill="hold">
+                      <p:stCondLst>
+                        <p:cond delay="indefinite"/>
+                      </p:stCondLst>
+                      <p:childTnLst>
+                        <p:par>
+                          <p:cTn id="4" fill="hold">
+                            <p:stCondLst>
+                              <p:cond delay="0"/>
+                            </p:stCondLst>
+                            <p:childTnLst>
+                              <p:par>
+                                <p:cTn id="5" presetID="10" presetClass="entr" presetSubtype="0" fill="hold" nodeType="clickEffect">
+                                  <p:stCondLst>
+                                    <p:cond delay="0"/>
+                                  </p:stCondLst>
+                                  <p:childTnLst>
+                                    <p:set>
+                                      <p:cBhvr>
+                                        <p:cTn id="6" dur="1" fill="hold">
+                                          <p:stCondLst>
+                                            <p:cond delay="0"/>
+                                          </p:stCondLst>
+                                        </p:cTn>
+                                        <p:tgtEl>
+                                          <p:spTgt spid="3">
+                                            <p:txEl>
+                                              <p:pRg st="1" end="1"/>
+                                            </p:txEl>
+                                          </p:spTgt>
+                                        </p:tgtEl>
+                                        <p:attrNameLst>
+                                          <p:attrName>style.visibility</p:attrName>
+                                        </p:attrNameLst>
+                                      </p:cBhvr>
+                                      <p:to>
+                                        <p:strVal val="visible"/>
+                                      </p:to>
+                                    </p:set>
+                                    <p:animEffect transition="in" filter="fade">
+                                      <p:cBhvr>
+                                        <p:cTn id="7" dur="500"/>
+                                        <p:tgtEl>
+                                          <p:spTgt spid="3">
+                                            <p:txEl>
+                                              <p:pRg st="1" end="1"/>
+                                            </p:txEl>
+                                          </p:spTgt>
+                                        </p:tgtEl>
+                                      </p:cBhvr>
+                                    </p:animEffect>
+                                  </p:childTnLst>
+                                </p:cTn>
+                              </p:par>
+                            </p:childTnLst>
+                          </p:cTn>
+                        </p:par>
+                      </p:childTnLst>
+                    </p:cTn>
+                  </p:par>
+                </p:childTnLst>
+              </p:cTn>
+              <p:prevCondLst>
+                <p:cond evt="onPrev" delay="0">
+                  <p:tgtEl>
+                    <p:sldTgt/>
+                  </p:tgtEl>
+                </p:cond>
+              </p:prevCondLst>
+              <p:nextCondLst>
+                <p:cond evt="onNext" delay="0">
+                  <p:tgtEl>
+                    <p:sldTgt/>
+                  </p:tgtEl>
+                </p:cond>
+              </p:nextCondLst>
+            </p:seq>
+          </p:childTnLst>
+        </p:cTn>
+      </p:par>
+    </p:tnLst>
+  </p:timing>
+</p:sld>
+</file>
+
+<file path=ppt/slides/slide47.xml><?xml version="1.0" encoding="utf-8"?>
+<p:sld xmlns:a="http://schemas.openxmlformats.org/drawingml/2006/main" xmlns:r="http://schemas.openxmlformats.org/officeDocument/2006/relationships" xmlns:p="http://schemas.openxmlformats.org/presentationml/2006/main">
+  <p:cSld>
+    <p:spTree>
+      <p:nvGrpSpPr>
+        <p:cNvPr id="1" name=""/>
+        <p:cNvGrpSpPr/>
+        <p:nvPr/>
+      </p:nvGrpSpPr>
+      <p:grpSpPr>
+        <a:xfrm>
+          <a:off x="0" y="0"/>
+          <a:ext cx="0" cy="0"/>
+          <a:chOff x="0" y="0"/>
+          <a:chExt cx="0" cy="0"/>
+        </a:xfrm>
+      </p:grpSpPr>
+      <p:sp>
+        <p:nvSpPr>
+          <p:cNvPr id="2" name="Titel 1"/>
+          <p:cNvSpPr>
+            <a:spLocks noGrp="1"/>
+          </p:cNvSpPr>
+          <p:nvPr>
+            <p:ph type="title"/>
+          </p:nvPr>
+        </p:nvSpPr>
+        <p:spPr/>
+        <p:txBody>
+          <a:bodyPr/>
+          <a:lstStyle/>
+          <a:p>
+            <a:r>
+              <a:rPr lang="de-DE" dirty="0" smtClean="0">
+                <a:solidFill>
+                  <a:srgbClr val="831420"/>
+                </a:solidFill>
+              </a:rPr>
+              <a:t>Strings und Arrays</a:t>
+            </a:r>
+            <a:endParaRPr lang="de-DE" dirty="0">
+              <a:solidFill>
+                <a:srgbClr val="831420"/>
+              </a:solidFill>
+            </a:endParaRPr>
+          </a:p>
+        </p:txBody>
+      </p:sp>
+      <p:sp>
+        <p:nvSpPr>
+          <p:cNvPr id="3" name="Inhaltsplatzhalter 2"/>
+          <p:cNvSpPr>
+            <a:spLocks noGrp="1"/>
+          </p:cNvSpPr>
+          <p:nvPr>
+            <p:ph idx="4294967295"/>
+          </p:nvPr>
+        </p:nvSpPr>
+        <p:spPr>
+          <a:xfrm>
+            <a:off x="179512" y="877280"/>
+            <a:ext cx="8496944" cy="4176464"/>
+          </a:xfrm>
+          <a:prstGeom prst="rect">
+            <a:avLst/>
+          </a:prstGeom>
+        </p:spPr>
+        <p:txBody>
+          <a:bodyPr anchor="t"/>
+          <a:lstStyle/>
+          <a:p>
+            <a:endParaRPr lang="de-DE" sz="2000" dirty="0" smtClean="0"/>
+          </a:p>
+          <a:p>
+            <a:r>
+              <a:rPr lang="de-DE" sz="2000" dirty="0" smtClean="0"/>
+              <a:t>Das Attribut </a:t>
+            </a:r>
+            <a:r>
+              <a:rPr lang="de-DE" sz="2000" dirty="0" err="1" smtClean="0">
+                <a:solidFill>
+                  <a:schemeClr val="tx2"/>
+                </a:solidFill>
+              </a:rPr>
+              <a:t>length</a:t>
+            </a:r>
+            <a:r>
+              <a:rPr lang="de-DE" sz="2000" dirty="0" smtClean="0"/>
+              <a:t> eines Arrays enthält die Länge des Arrays</a:t>
+            </a:r>
+          </a:p>
+          <a:p>
+            <a:endParaRPr lang="de-DE" sz="2000" dirty="0"/>
+          </a:p>
+          <a:p>
+            <a:endParaRPr lang="de-DE" sz="2000" dirty="0" smtClean="0"/>
+          </a:p>
+          <a:p>
+            <a:endParaRPr lang="de-DE" sz="2000" dirty="0"/>
+          </a:p>
+          <a:p>
+            <a:endParaRPr lang="de-DE" sz="2000" dirty="0" smtClean="0"/>
+          </a:p>
+          <a:p>
+            <a:endParaRPr lang="de-DE" sz="2000" dirty="0"/>
+          </a:p>
+          <a:p>
+            <a:endParaRPr lang="de-DE" sz="2000" dirty="0" smtClean="0"/>
+          </a:p>
+          <a:p>
+            <a:endParaRPr lang="de-DE" sz="2000" dirty="0"/>
+          </a:p>
+          <a:p>
+            <a:r>
+              <a:rPr lang="de-DE" sz="2000" dirty="0" smtClean="0"/>
+              <a:t>Die Länge lässt sich nachträglich aber nicht mehr verändern!</a:t>
+            </a:r>
+          </a:p>
+        </p:txBody>
+      </p:sp>
+      <p:pic>
+        <p:nvPicPr>
+          <p:cNvPr id="4" name="Grafik 3"/>
+          <p:cNvPicPr>
+            <a:picLocks noChangeAspect="1"/>
+          </p:cNvPicPr>
+          <p:nvPr/>
+        </p:nvPicPr>
+        <p:blipFill>
+          <a:blip r:embed="rId3">
+            <a:extLst>
+              <a:ext uri="{28A0092B-C50C-407E-A947-70E740481C1C}">
+                <a14:useLocalDpi xmlns:a14="http://schemas.microsoft.com/office/drawing/2010/main" val="0"/>
+              </a:ext>
+            </a:extLst>
+          </a:blip>
+          <a:stretch>
+            <a:fillRect/>
+          </a:stretch>
+        </p:blipFill>
+        <p:spPr>
+          <a:xfrm>
+            <a:off x="2546534" y="2821496"/>
+            <a:ext cx="3762900" cy="1124107"/>
+          </a:xfrm>
+          <a:prstGeom prst="rect">
+            <a:avLst/>
+          </a:prstGeom>
+        </p:spPr>
+      </p:pic>
+    </p:spTree>
+    <p:extLst>
+      <p:ext uri="{BB962C8B-B14F-4D97-AF65-F5344CB8AC3E}">
+        <p14:creationId xmlns:p14="http://schemas.microsoft.com/office/powerpoint/2010/main" val="241540906"/>
+      </p:ext>
+    </p:extLst>
+  </p:cSld>
+  <p:clrMapOvr>
+    <a:masterClrMapping/>
+  </p:clrMapOvr>
+  <mc:AlternateContent xmlns:mc="http://schemas.openxmlformats.org/markup-compatibility/2006" xmlns:p14="http://schemas.microsoft.com/office/powerpoint/2010/main">
+    <mc:Choice Requires="p14">
+      <p:transition spd="med" p14:dur="700">
+        <p:fade/>
+      </p:transition>
+    </mc:Choice>
+    <mc:Fallback xmlns="">
+      <p:transition spd="med">
+        <p:fade/>
+      </p:transition>
+    </mc:Fallback>
+  </mc:AlternateContent>
+  <p:timing>
+    <p:tnLst>
+      <p:par>
+        <p:cTn id="1" dur="indefinite" restart="never" nodeType="tmRoot">
+          <p:childTnLst>
+            <p:seq concurrent="1" nextAc="seek">
+              <p:cTn id="2" dur="indefinite" nodeType="mainSeq">
+                <p:childTnLst>
+                  <p:par>
+                    <p:cTn id="3" fill="hold">
+                      <p:stCondLst>
+                        <p:cond delay="indefinite"/>
+                      </p:stCondLst>
+                      <p:childTnLst>
+                        <p:par>
+                          <p:cTn id="4" fill="hold">
+                            <p:stCondLst>
+                              <p:cond delay="0"/>
+                            </p:stCondLst>
+                            <p:childTnLst>
+                              <p:par>
+                                <p:cTn id="5" presetID="10" presetClass="entr" presetSubtype="0" fill="hold" nodeType="clickEffect">
+                                  <p:stCondLst>
+                                    <p:cond delay="0"/>
+                                  </p:stCondLst>
+                                  <p:childTnLst>
+                                    <p:set>
+                                      <p:cBhvr>
+                                        <p:cTn id="6" dur="1" fill="hold">
+                                          <p:stCondLst>
+                                            <p:cond delay="0"/>
+                                          </p:stCondLst>
+                                        </p:cTn>
+                                        <p:tgtEl>
+                                          <p:spTgt spid="3">
+                                            <p:txEl>
+                                              <p:pRg st="1" end="1"/>
+                                            </p:txEl>
+                                          </p:spTgt>
+                                        </p:tgtEl>
+                                        <p:attrNameLst>
+                                          <p:attrName>style.visibility</p:attrName>
+                                        </p:attrNameLst>
+                                      </p:cBhvr>
+                                      <p:to>
+                                        <p:strVal val="visible"/>
+                                      </p:to>
+                                    </p:set>
+                                    <p:animEffect transition="in" filter="fade">
+                                      <p:cBhvr>
+                                        <p:cTn id="7" dur="500"/>
+                                        <p:tgtEl>
+                                          <p:spTgt spid="3">
+                                            <p:txEl>
+                                              <p:pRg st="1" end="1"/>
+                                            </p:txEl>
+                                          </p:spTgt>
+                                        </p:tgtEl>
+                                      </p:cBhvr>
+                                    </p:animEffect>
+                                  </p:childTnLst>
+                                </p:cTn>
+                              </p:par>
+                            </p:childTnLst>
+                          </p:cTn>
+                        </p:par>
+                      </p:childTnLst>
+                    </p:cTn>
+                  </p:par>
+                  <p:par>
+                    <p:cTn id="8" fill="hold">
+                      <p:stCondLst>
+                        <p:cond delay="indefinite"/>
+                      </p:stCondLst>
+                      <p:childTnLst>
+                        <p:par>
+                          <p:cTn id="9" fill="hold">
+                            <p:stCondLst>
+                              <p:cond delay="0"/>
+                            </p:stCondLst>
+                            <p:childTnLst>
+                              <p:par>
+                                <p:cTn id="10" presetID="10" presetClass="entr" presetSubtype="0" fill="hold" nodeType="clickEffect">
+                                  <p:stCondLst>
+                                    <p:cond delay="0"/>
+                                  </p:stCondLst>
+                                  <p:childTnLst>
+                                    <p:set>
+                                      <p:cBhvr>
+                                        <p:cTn id="11" dur="1" fill="hold">
+                                          <p:stCondLst>
+                                            <p:cond delay="0"/>
+                                          </p:stCondLst>
+                                        </p:cTn>
+                                        <p:tgtEl>
+                                          <p:spTgt spid="3">
+                                            <p:txEl>
+                                              <p:pRg st="9" end="9"/>
+                                            </p:txEl>
+                                          </p:spTgt>
+                                        </p:tgtEl>
+                                        <p:attrNameLst>
+                                          <p:attrName>style.visibility</p:attrName>
+                                        </p:attrNameLst>
+                                      </p:cBhvr>
+                                      <p:to>
+                                        <p:strVal val="visible"/>
+                                      </p:to>
+                                    </p:set>
+                                    <p:animEffect transition="in" filter="fade">
+                                      <p:cBhvr>
+                                        <p:cTn id="12" dur="500"/>
+                                        <p:tgtEl>
+                                          <p:spTgt spid="3">
+                                            <p:txEl>
+                                              <p:pRg st="9" end="9"/>
+                                            </p:txEl>
+                                          </p:spTgt>
+                                        </p:tgtEl>
+                                      </p:cBhvr>
+                                    </p:animEffect>
+                                  </p:childTnLst>
+                                </p:cTn>
+                              </p:par>
+                            </p:childTnLst>
+                          </p:cTn>
+                        </p:par>
+                      </p:childTnLst>
+                    </p:cTn>
+                  </p:par>
+                </p:childTnLst>
+              </p:cTn>
+              <p:prevCondLst>
+                <p:cond evt="onPrev" delay="0">
+                  <p:tgtEl>
+                    <p:sldTgt/>
+                  </p:tgtEl>
+                </p:cond>
+              </p:prevCondLst>
+              <p:nextCondLst>
+                <p:cond evt="onNext" delay="0">
+                  <p:tgtEl>
+                    <p:sldTgt/>
+                  </p:tgtEl>
+                </p:cond>
+              </p:nextCondLst>
+            </p:seq>
+          </p:childTnLst>
+        </p:cTn>
+      </p:par>
+    </p:tnLst>
+  </p:timing>
+</p:sld>
+</file>
+
+<file path=ppt/slides/slide48.xml><?xml version="1.0" encoding="utf-8"?>
+<p:sld xmlns:a="http://schemas.openxmlformats.org/drawingml/2006/main" xmlns:r="http://schemas.openxmlformats.org/officeDocument/2006/relationships" xmlns:p="http://schemas.openxmlformats.org/presentationml/2006/main">
+  <p:cSld>
+    <p:spTree>
+      <p:nvGrpSpPr>
+        <p:cNvPr id="1" name=""/>
+        <p:cNvGrpSpPr/>
+        <p:nvPr/>
+      </p:nvGrpSpPr>
+      <p:grpSpPr>
+        <a:xfrm>
+          <a:off x="0" y="0"/>
+          <a:ext cx="0" cy="0"/>
+          <a:chOff x="0" y="0"/>
+          <a:chExt cx="0" cy="0"/>
+        </a:xfrm>
+      </p:grpSpPr>
+      <p:sp>
+        <p:nvSpPr>
+          <p:cNvPr id="2" name="Titel 1"/>
+          <p:cNvSpPr>
+            <a:spLocks noGrp="1"/>
+          </p:cNvSpPr>
+          <p:nvPr>
+            <p:ph type="title"/>
+          </p:nvPr>
+        </p:nvSpPr>
+        <p:spPr/>
+        <p:txBody>
+          <a:bodyPr/>
+          <a:lstStyle/>
+          <a:p>
+            <a:r>
+              <a:rPr lang="de-DE" dirty="0" smtClean="0">
+                <a:solidFill>
+                  <a:srgbClr val="831420"/>
+                </a:solidFill>
+              </a:rPr>
+              <a:t>Strings und Arrays</a:t>
+            </a:r>
+            <a:endParaRPr lang="de-DE" dirty="0">
+              <a:solidFill>
+                <a:srgbClr val="831420"/>
+              </a:solidFill>
+            </a:endParaRPr>
+          </a:p>
+        </p:txBody>
+      </p:sp>
+      <p:sp>
+        <p:nvSpPr>
+          <p:cNvPr id="3" name="Inhaltsplatzhalter 2"/>
+          <p:cNvSpPr>
+            <a:spLocks noGrp="1"/>
+          </p:cNvSpPr>
+          <p:nvPr>
+            <p:ph idx="4294967295"/>
+          </p:nvPr>
+        </p:nvSpPr>
+        <p:spPr>
+          <a:xfrm>
+            <a:off x="179512" y="877280"/>
+            <a:ext cx="8496944" cy="4176464"/>
+          </a:xfrm>
+          <a:prstGeom prst="rect">
+            <a:avLst/>
+          </a:prstGeom>
+        </p:spPr>
+        <p:txBody>
+          <a:bodyPr anchor="t"/>
+          <a:lstStyle/>
+          <a:p>
+            <a:endParaRPr lang="de-DE" sz="2000" dirty="0" smtClean="0"/>
+          </a:p>
+        </p:txBody>
+      </p:sp>
+      <p:pic>
+        <p:nvPicPr>
+          <p:cNvPr id="4" name="Grafik 3"/>
+          <p:cNvPicPr>
+            <a:picLocks noChangeAspect="1"/>
+          </p:cNvPicPr>
+          <p:nvPr/>
+        </p:nvPicPr>
+        <p:blipFill>
+          <a:blip r:embed="rId3">
+            <a:extLst>
+              <a:ext uri="{28A0092B-C50C-407E-A947-70E740481C1C}">
+                <a14:useLocalDpi xmlns:a14="http://schemas.microsoft.com/office/drawing/2010/main" val="0"/>
+              </a:ext>
+            </a:extLst>
+          </a:blip>
+          <a:stretch>
+            <a:fillRect/>
+          </a:stretch>
+        </p:blipFill>
+        <p:spPr>
+          <a:xfrm>
+            <a:off x="2546534" y="2821496"/>
+            <a:ext cx="3762900" cy="1124107"/>
+          </a:xfrm>
+          <a:prstGeom prst="rect">
+            <a:avLst/>
+          </a:prstGeom>
+        </p:spPr>
+      </p:pic>
+      <p:sp>
+        <p:nvSpPr>
+          <p:cNvPr id="5" name="Pfeil nach unten 4"/>
+          <p:cNvSpPr/>
+          <p:nvPr/>
+        </p:nvSpPr>
+        <p:spPr bwMode="auto">
+          <a:xfrm>
+            <a:off x="4185668" y="2821496"/>
+            <a:ext cx="484632" cy="622856"/>
+          </a:xfrm>
+          <a:prstGeom prst="downArrow">
+            <a:avLst/>
+          </a:prstGeom>
+          <a:ln>
+            <a:headEnd/>
+            <a:tailEnd/>
+          </a:ln>
+          <a:extLst/>
+        </p:spPr>
+        <p:style>
+          <a:lnRef idx="2">
+            <a:schemeClr val="accent1"/>
+          </a:lnRef>
+          <a:fillRef idx="1">
+            <a:schemeClr val="lt1"/>
+          </a:fillRef>
+          <a:effectRef idx="0">
+            <a:schemeClr val="accent1"/>
+          </a:effectRef>
+          <a:fontRef idx="minor">
+            <a:schemeClr val="dk1"/>
+          </a:fontRef>
+        </p:style>
+        <p:txBody>
+          <a:bodyPr wrap="none" rtlCol="0" anchor="ctr"/>
+          <a:lstStyle/>
+          <a:p>
+            <a:pPr algn="ctr"/>
+            <a:endParaRPr lang="de-DE"/>
+          </a:p>
+        </p:txBody>
+      </p:sp>
+      <p:pic>
+        <p:nvPicPr>
+          <p:cNvPr id="6" name="Grafik 5"/>
+          <p:cNvPicPr>
+            <a:picLocks noChangeAspect="1"/>
+          </p:cNvPicPr>
+          <p:nvPr/>
+        </p:nvPicPr>
+        <p:blipFill>
+          <a:blip r:embed="rId4">
+            <a:extLst>
+              <a:ext uri="{28A0092B-C50C-407E-A947-70E740481C1C}">
+                <a14:useLocalDpi xmlns:a14="http://schemas.microsoft.com/office/drawing/2010/main" val="0"/>
+              </a:ext>
+            </a:extLst>
+          </a:blip>
+          <a:stretch>
+            <a:fillRect/>
+          </a:stretch>
+        </p:blipFill>
+        <p:spPr>
+          <a:xfrm>
+            <a:off x="2546534" y="1345332"/>
+            <a:ext cx="3762900" cy="1124107"/>
+          </a:xfrm>
+          <a:prstGeom prst="rect">
+            <a:avLst/>
+          </a:prstGeom>
+        </p:spPr>
+      </p:pic>
+      <p:pic>
+        <p:nvPicPr>
+          <p:cNvPr id="7" name="Grafik 6"/>
+          <p:cNvPicPr>
+            <a:picLocks noChangeAspect="1"/>
+          </p:cNvPicPr>
+          <p:nvPr/>
+        </p:nvPicPr>
+        <p:blipFill>
+          <a:blip r:embed="rId5">
+            <a:extLst>
+              <a:ext uri="{28A0092B-C50C-407E-A947-70E740481C1C}">
+                <a14:useLocalDpi xmlns:a14="http://schemas.microsoft.com/office/drawing/2010/main" val="0"/>
+              </a:ext>
+            </a:extLst>
+          </a:blip>
+          <a:stretch>
+            <a:fillRect/>
+          </a:stretch>
+        </p:blipFill>
+        <p:spPr>
+          <a:xfrm>
+            <a:off x="2822797" y="3796409"/>
+            <a:ext cx="3210373" cy="619211"/>
+          </a:xfrm>
+          <a:prstGeom prst="rect">
+            <a:avLst/>
+          </a:prstGeom>
+        </p:spPr>
+      </p:pic>
+    </p:spTree>
+    <p:extLst>
+      <p:ext uri="{BB962C8B-B14F-4D97-AF65-F5344CB8AC3E}">
+        <p14:creationId xmlns:p14="http://schemas.microsoft.com/office/powerpoint/2010/main" val="1236941164"/>
+      </p:ext>
+    </p:extLst>
+  </p:cSld>
+  <p:clrMapOvr>
+    <a:masterClrMapping/>
+  </p:clrMapOvr>
+  <mc:AlternateContent xmlns:mc="http://schemas.openxmlformats.org/markup-compatibility/2006" xmlns:p14="http://schemas.microsoft.com/office/powerpoint/2010/main">
+    <mc:Choice Requires="p14">
+      <p:transition spd="med" p14:dur="700">
+        <p:fade/>
+      </p:transition>
+    </mc:Choice>
+    <mc:Fallback xmlns="">
+      <p:transition spd="med">
+        <p:fade/>
+      </p:transition>
+    </mc:Fallback>
+  </mc:AlternateContent>
+  <p:timing>
+    <p:tnLst>
+      <p:par>
+        <p:cTn id="1" dur="indefinite" restart="never" nodeType="tmRoot">
+          <p:childTnLst>
+            <p:seq concurrent="1" nextAc="seek">
+              <p:cTn id="2" dur="indefinite" nodeType="mainSeq">
+                <p:childTnLst>
+                  <p:par>
+                    <p:cTn id="3" fill="hold">
+                      <p:stCondLst>
+                        <p:cond delay="indefinite"/>
+                        <p:cond evt="onBegin" delay="0">
+                          <p:tn val="2"/>
+                        </p:cond>
+                      </p:stCondLst>
+                      <p:childTnLst>
+                        <p:par>
+                          <p:cTn id="4" fill="hold">
+                            <p:stCondLst>
+                              <p:cond delay="0"/>
+                            </p:stCondLst>
+                            <p:childTnLst>
+                              <p:par>
+                                <p:cTn id="5" presetID="42" presetClass="path" presetSubtype="0" accel="50000" decel="50000" fill="hold" nodeType="afterEffect">
+                                  <p:stCondLst>
+                                    <p:cond delay="0"/>
+                                  </p:stCondLst>
+                                  <p:childTnLst>
+                                    <p:animMotion origin="layout" path="M -1.38889E-6 0.00389 L -1.38889E-6 -0.25805 " pathEditMode="relative" rAng="0" ptsTypes="AA">
+                                      <p:cBhvr>
+                                        <p:cTn id="6" dur="2000" fill="hold"/>
+                                        <p:tgtEl>
+                                          <p:spTgt spid="4"/>
+                                        </p:tgtEl>
+                                        <p:attrNameLst>
+                                          <p:attrName>ppt_x</p:attrName>
+                                          <p:attrName>ppt_y</p:attrName>
+                                        </p:attrNameLst>
+                                      </p:cBhvr>
+                                      <p:rCtr x="0" y="-13111"/>
+                                    </p:animMotion>
+                                  </p:childTnLst>
+                                </p:cTn>
+                              </p:par>
+                            </p:childTnLst>
+                          </p:cTn>
+                        </p:par>
+                        <p:par>
+                          <p:cTn id="7" fill="hold">
+                            <p:stCondLst>
+                              <p:cond delay="2000"/>
+                            </p:stCondLst>
+                            <p:childTnLst>
+                              <p:par>
+                                <p:cTn id="8" presetID="10" presetClass="entr" presetSubtype="0" fill="hold" nodeType="afterEffect">
+                                  <p:stCondLst>
+                                    <p:cond delay="0"/>
+                                  </p:stCondLst>
+                                  <p:childTnLst>
+                                    <p:set>
+                                      <p:cBhvr>
+                                        <p:cTn id="9" dur="1" fill="hold">
+                                          <p:stCondLst>
+                                            <p:cond delay="0"/>
+                                          </p:stCondLst>
+                                        </p:cTn>
+                                        <p:tgtEl>
+                                          <p:spTgt spid="6"/>
+                                        </p:tgtEl>
+                                        <p:attrNameLst>
+                                          <p:attrName>style.visibility</p:attrName>
+                                        </p:attrNameLst>
+                                      </p:cBhvr>
+                                      <p:to>
+                                        <p:strVal val="visible"/>
+                                      </p:to>
+                                    </p:set>
+                                    <p:animEffect transition="in" filter="fade">
+                                      <p:cBhvr>
+                                        <p:cTn id="10" dur="500"/>
+                                        <p:tgtEl>
+                                          <p:spTgt spid="6"/>
+                                        </p:tgtEl>
+                                      </p:cBhvr>
+                                    </p:animEffect>
+                                  </p:childTnLst>
+                                </p:cTn>
+                              </p:par>
+                              <p:par>
+                                <p:cTn id="11" presetID="10" presetClass="entr" presetSubtype="0" fill="hold" grpId="0" nodeType="withEffect">
+                                  <p:stCondLst>
+                                    <p:cond delay="0"/>
+                                  </p:stCondLst>
+                                  <p:childTnLst>
+                                    <p:set>
+                                      <p:cBhvr>
+                                        <p:cTn id="12" dur="1" fill="hold">
+                                          <p:stCondLst>
+                                            <p:cond delay="0"/>
+                                          </p:stCondLst>
+                                        </p:cTn>
+                                        <p:tgtEl>
+                                          <p:spTgt spid="5"/>
+                                        </p:tgtEl>
+                                        <p:attrNameLst>
+                                          <p:attrName>style.visibility</p:attrName>
+                                        </p:attrNameLst>
+                                      </p:cBhvr>
+                                      <p:to>
+                                        <p:strVal val="visible"/>
+                                      </p:to>
+                                    </p:set>
+                                    <p:animEffect transition="in" filter="fade">
+                                      <p:cBhvr>
+                                        <p:cTn id="13" dur="500"/>
+                                        <p:tgtEl>
+                                          <p:spTgt spid="5"/>
+                                        </p:tgtEl>
+                                      </p:cBhvr>
+                                    </p:animEffect>
+                                  </p:childTnLst>
+                                </p:cTn>
+                              </p:par>
+                              <p:par>
+                                <p:cTn id="14" presetID="10" presetClass="entr" presetSubtype="0" fill="hold" nodeType="withEffect">
+                                  <p:stCondLst>
+                                    <p:cond delay="0"/>
+                                  </p:stCondLst>
+                                  <p:childTnLst>
+                                    <p:set>
+                                      <p:cBhvr>
+                                        <p:cTn id="15" dur="1" fill="hold">
+                                          <p:stCondLst>
+                                            <p:cond delay="0"/>
+                                          </p:stCondLst>
+                                        </p:cTn>
+                                        <p:tgtEl>
+                                          <p:spTgt spid="7"/>
+                                        </p:tgtEl>
+                                        <p:attrNameLst>
+                                          <p:attrName>style.visibility</p:attrName>
+                                        </p:attrNameLst>
+                                      </p:cBhvr>
+                                      <p:to>
+                                        <p:strVal val="visible"/>
+                                      </p:to>
+                                    </p:set>
+                                    <p:animEffect transition="in" filter="fade">
+                                      <p:cBhvr>
+                                        <p:cTn id="16" dur="500"/>
+                                        <p:tgtEl>
+                                          <p:spTgt spid="7"/>
+                                        </p:tgtEl>
+                                      </p:cBhvr>
+                                    </p:animEffect>
+                                  </p:childTnLst>
+                                </p:cTn>
+                              </p:par>
+                            </p:childTnLst>
+                          </p:cTn>
+                        </p:par>
+                      </p:childTnLst>
+                    </p:cTn>
+                  </p:par>
+                </p:childTnLst>
+              </p:cTn>
+              <p:prevCondLst>
+                <p:cond evt="onPrev" delay="0">
+                  <p:tgtEl>
+                    <p:sldTgt/>
+                  </p:tgtEl>
+                </p:cond>
+              </p:prevCondLst>
+              <p:nextCondLst>
+                <p:cond evt="onNext" delay="0">
+                  <p:tgtEl>
+                    <p:sldTgt/>
+                  </p:tgtEl>
+                </p:cond>
+              </p:nextCondLst>
+            </p:seq>
+          </p:childTnLst>
+        </p:cTn>
+      </p:par>
+    </p:tnLst>
+    <p:bldLst>
+      <p:bldP spid="5" grpId="0" animBg="1"/>
+    </p:bldLst>
+  </p:timing>
+</p:sld>
+</file>
+
+<file path=ppt/slides/slide49.xml><?xml version="1.0" encoding="utf-8"?>
+<p:sld xmlns:a="http://schemas.openxmlformats.org/drawingml/2006/main" xmlns:r="http://schemas.openxmlformats.org/officeDocument/2006/relationships" xmlns:p="http://schemas.openxmlformats.org/presentationml/2006/main">
+  <p:cSld>
+    <p:spTree>
+      <p:nvGrpSpPr>
+        <p:cNvPr id="1" name=""/>
+        <p:cNvGrpSpPr/>
+        <p:nvPr/>
+      </p:nvGrpSpPr>
+      <p:grpSpPr>
+        <a:xfrm>
+          <a:off x="0" y="0"/>
+          <a:ext cx="0" cy="0"/>
+          <a:chOff x="0" y="0"/>
+          <a:chExt cx="0" cy="0"/>
+        </a:xfrm>
+      </p:grpSpPr>
+      <p:sp>
+        <p:nvSpPr>
+          <p:cNvPr id="2" name="Titel 1"/>
+          <p:cNvSpPr>
+            <a:spLocks noGrp="1"/>
+          </p:cNvSpPr>
+          <p:nvPr>
+            <p:ph type="title"/>
+          </p:nvPr>
+        </p:nvSpPr>
+        <p:spPr/>
+        <p:txBody>
+          <a:bodyPr/>
+          <a:lstStyle/>
+          <a:p>
+            <a:r>
+              <a:rPr lang="de-DE" dirty="0" smtClean="0">
+                <a:solidFill>
+                  <a:srgbClr val="831420"/>
+                </a:solidFill>
+              </a:rPr>
+              <a:t>Aufgabe: </a:t>
+            </a:r>
+            <a:r>
+              <a:rPr lang="de-DE" dirty="0" smtClean="0">
+                <a:solidFill>
+                  <a:srgbClr val="831420"/>
+                </a:solidFill>
+              </a:rPr>
+              <a:t>[5]</a:t>
+            </a:r>
+            <a:endParaRPr lang="de-DE" dirty="0">
+              <a:solidFill>
+                <a:srgbClr val="831420"/>
+              </a:solidFill>
+            </a:endParaRPr>
+          </a:p>
+        </p:txBody>
+      </p:sp>
+      <p:sp>
+        <p:nvSpPr>
+          <p:cNvPr id="3" name="Inhaltsplatzhalter 2"/>
+          <p:cNvSpPr>
+            <a:spLocks noGrp="1"/>
+          </p:cNvSpPr>
+          <p:nvPr>
+            <p:ph idx="4294967295"/>
+          </p:nvPr>
+        </p:nvSpPr>
+        <p:spPr>
+          <a:xfrm>
+            <a:off x="179512" y="877280"/>
+            <a:ext cx="8496944" cy="4176464"/>
+          </a:xfrm>
+          <a:prstGeom prst="rect">
+            <a:avLst/>
+          </a:prstGeom>
+        </p:spPr>
+        <p:txBody>
+          <a:bodyPr anchor="t"/>
+          <a:lstStyle/>
+          <a:p>
+            <a:endParaRPr lang="de-DE" sz="2000" dirty="0" smtClean="0"/>
+          </a:p>
+        </p:txBody>
+      </p:sp>
+    </p:spTree>
+    <p:extLst>
+      <p:ext uri="{BB962C8B-B14F-4D97-AF65-F5344CB8AC3E}">
+        <p14:creationId xmlns:p14="http://schemas.microsoft.com/office/powerpoint/2010/main" val="3218483881"/>
       </p:ext>
     </p:extLst>
   </p:cSld>
@@ -16939,6 +26022,279 @@
     </mc:Choice>
     <mc:Fallback xmlns="">
       <p:transition spd="med">
+        <p:fade/>
+      </p:transition>
+    </mc:Fallback>
+  </mc:AlternateContent>
+  <p:timing>
+    <p:tnLst>
+      <p:par>
+        <p:cTn id="1" dur="indefinite" restart="never" nodeType="tmRoot"/>
+      </p:par>
+    </p:tnLst>
+  </p:timing>
+</p:sld>
+</file>
+
+<file path=ppt/slides/slide50.xml><?xml version="1.0" encoding="utf-8"?>
+<p:sld xmlns:a="http://schemas.openxmlformats.org/drawingml/2006/main" xmlns:r="http://schemas.openxmlformats.org/officeDocument/2006/relationships" xmlns:p="http://schemas.openxmlformats.org/presentationml/2006/main">
+  <p:cSld>
+    <p:spTree>
+      <p:nvGrpSpPr>
+        <p:cNvPr id="1" name=""/>
+        <p:cNvGrpSpPr/>
+        <p:nvPr/>
+      </p:nvGrpSpPr>
+      <p:grpSpPr>
+        <a:xfrm>
+          <a:off x="0" y="0"/>
+          <a:ext cx="0" cy="0"/>
+          <a:chOff x="0" y="0"/>
+          <a:chExt cx="0" cy="0"/>
+        </a:xfrm>
+      </p:grpSpPr>
+      <p:sp>
+        <p:nvSpPr>
+          <p:cNvPr id="3" name="Eine Ecke des Rechtecks abrunden 2"/>
+          <p:cNvSpPr/>
+          <p:nvPr/>
+        </p:nvSpPr>
+        <p:spPr>
+          <a:xfrm>
+            <a:off x="1" y="3361556"/>
+            <a:ext cx="4499991" cy="792088"/>
+          </a:xfrm>
+          <a:prstGeom prst="round1Rect">
+            <a:avLst>
+              <a:gd name="adj" fmla="val 32300"/>
+            </a:avLst>
+          </a:prstGeom>
+          <a:solidFill>
+            <a:srgbClr val="831420"/>
+          </a:solidFill>
+          <a:ln>
+            <a:solidFill>
+              <a:srgbClr val="831420"/>
+            </a:solidFill>
+          </a:ln>
+        </p:spPr>
+        <p:style>
+          <a:lnRef idx="2">
+            <a:schemeClr val="accent1">
+              <a:shade val="50000"/>
+            </a:schemeClr>
+          </a:lnRef>
+          <a:fillRef idx="1">
+            <a:schemeClr val="accent1"/>
+          </a:fillRef>
+          <a:effectRef idx="0">
+            <a:schemeClr val="accent1"/>
+          </a:effectRef>
+          <a:fontRef idx="minor">
+            <a:schemeClr val="lt1"/>
+          </a:fontRef>
+        </p:style>
+        <p:txBody>
+          <a:bodyPr rtlCol="0" anchor="ctr"/>
+          <a:lstStyle/>
+          <a:p>
+            <a:pPr algn="ctr"/>
+            <a:endParaRPr lang="de-DE" dirty="0"/>
+          </a:p>
+        </p:txBody>
+      </p:sp>
+      <p:sp>
+        <p:nvSpPr>
+          <p:cNvPr id="4" name="Titel 3"/>
+          <p:cNvSpPr>
+            <a:spLocks noGrp="1"/>
+          </p:cNvSpPr>
+          <p:nvPr>
+            <p:ph type="title"/>
+          </p:nvPr>
+        </p:nvSpPr>
+        <p:spPr>
+          <a:xfrm>
+            <a:off x="0" y="3361556"/>
+            <a:ext cx="4499992" cy="792088"/>
+          </a:xfrm>
+        </p:spPr>
+        <p:txBody>
+          <a:bodyPr anchor="ctr"/>
+          <a:lstStyle/>
+          <a:p>
+            <a:pPr algn="ctr"/>
+            <a:r>
+              <a:rPr lang="de-DE" sz="2400" b="1" dirty="0" smtClean="0">
+                <a:solidFill>
+                  <a:schemeClr val="bg1"/>
+                </a:solidFill>
+              </a:rPr>
+              <a:t>Und jetzt mit NAO!</a:t>
+            </a:r>
+            <a:endParaRPr lang="de-DE" sz="2400" b="1" dirty="0">
+              <a:solidFill>
+                <a:schemeClr val="bg1"/>
+              </a:solidFill>
+            </a:endParaRPr>
+          </a:p>
+        </p:txBody>
+      </p:sp>
+      <p:pic>
+        <p:nvPicPr>
+          <p:cNvPr id="2" name="Grafik 1"/>
+          <p:cNvPicPr>
+            <a:picLocks noChangeAspect="1"/>
+          </p:cNvPicPr>
+          <p:nvPr/>
+        </p:nvPicPr>
+        <p:blipFill>
+          <a:blip r:embed="rId3">
+            <a:extLst>
+              <a:ext uri="{28A0092B-C50C-407E-A947-70E740481C1C}">
+                <a14:useLocalDpi xmlns:a14="http://schemas.microsoft.com/office/drawing/2010/main" val="0"/>
+              </a:ext>
+            </a:extLst>
+          </a:blip>
+          <a:stretch>
+            <a:fillRect/>
+          </a:stretch>
+        </p:blipFill>
+        <p:spPr>
+          <a:xfrm>
+            <a:off x="5209681" y="348437"/>
+            <a:ext cx="3548156" cy="5188510"/>
+          </a:xfrm>
+          <a:prstGeom prst="rect">
+            <a:avLst/>
+          </a:prstGeom>
+        </p:spPr>
+      </p:pic>
+    </p:spTree>
+    <p:extLst>
+      <p:ext uri="{BB962C8B-B14F-4D97-AF65-F5344CB8AC3E}">
+        <p14:creationId xmlns:p14="http://schemas.microsoft.com/office/powerpoint/2010/main" val="905784362"/>
+      </p:ext>
+    </p:extLst>
+  </p:cSld>
+  <p:clrMapOvr>
+    <a:masterClrMapping/>
+  </p:clrMapOvr>
+  <mc:AlternateContent xmlns:mc="http://schemas.openxmlformats.org/markup-compatibility/2006" xmlns:p14="http://schemas.microsoft.com/office/powerpoint/2010/main">
+    <mc:Choice Requires="p14">
+      <p:transition spd="med" p14:dur="700">
+        <p:fade/>
+      </p:transition>
+    </mc:Choice>
+    <mc:Fallback xmlns="">
+      <p:transition spd="med">
+        <p:fade/>
+      </p:transition>
+    </mc:Fallback>
+  </mc:AlternateContent>
+  <p:timing>
+    <p:tnLst>
+      <p:par>
+        <p:cTn id="1" dur="indefinite" restart="never" nodeType="tmRoot"/>
+      </p:par>
+    </p:tnLst>
+  </p:timing>
+</p:sld>
+</file>
+
+<file path=ppt/slides/slide51.xml><?xml version="1.0" encoding="utf-8"?>
+<p:sld xmlns:a="http://schemas.openxmlformats.org/drawingml/2006/main" xmlns:r="http://schemas.openxmlformats.org/officeDocument/2006/relationships" xmlns:p="http://schemas.openxmlformats.org/presentationml/2006/main">
+  <p:cSld>
+    <p:spTree>
+      <p:nvGrpSpPr>
+        <p:cNvPr id="1" name=""/>
+        <p:cNvGrpSpPr/>
+        <p:nvPr/>
+      </p:nvGrpSpPr>
+      <p:grpSpPr>
+        <a:xfrm>
+          <a:off x="0" y="0"/>
+          <a:ext cx="0" cy="0"/>
+          <a:chOff x="0" y="0"/>
+          <a:chExt cx="0" cy="0"/>
+        </a:xfrm>
+      </p:grpSpPr>
+      <p:sp>
+        <p:nvSpPr>
+          <p:cNvPr id="2" name="Titel 1"/>
+          <p:cNvSpPr>
+            <a:spLocks noGrp="1"/>
+          </p:cNvSpPr>
+          <p:nvPr>
+            <p:ph type="title"/>
+          </p:nvPr>
+        </p:nvSpPr>
+        <p:spPr/>
+        <p:txBody>
+          <a:bodyPr/>
+          <a:lstStyle/>
+          <a:p>
+            <a:r>
+              <a:rPr lang="de-DE" smtClean="0">
+                <a:solidFill>
+                  <a:srgbClr val="831420"/>
+                </a:solidFill>
+              </a:rPr>
+              <a:t>Projekt: </a:t>
+            </a:r>
+            <a:endParaRPr lang="de-DE" dirty="0">
+              <a:solidFill>
+                <a:srgbClr val="831420"/>
+              </a:solidFill>
+            </a:endParaRPr>
+          </a:p>
+        </p:txBody>
+      </p:sp>
+      <p:sp>
+        <p:nvSpPr>
+          <p:cNvPr id="3" name="Inhaltsplatzhalter 2"/>
+          <p:cNvSpPr>
+            <a:spLocks noGrp="1"/>
+          </p:cNvSpPr>
+          <p:nvPr>
+            <p:ph idx="4294967295"/>
+          </p:nvPr>
+        </p:nvSpPr>
+        <p:spPr>
+          <a:xfrm>
+            <a:off x="179512" y="877280"/>
+            <a:ext cx="8496944" cy="4176464"/>
+          </a:xfrm>
+          <a:prstGeom prst="rect">
+            <a:avLst/>
+          </a:prstGeom>
+        </p:spPr>
+        <p:txBody>
+          <a:bodyPr anchor="t"/>
+          <a:lstStyle/>
+          <a:p>
+            <a:endParaRPr lang="de-DE" sz="2000" dirty="0" smtClean="0"/>
+          </a:p>
+        </p:txBody>
+      </p:sp>
+    </p:spTree>
+    <p:extLst>
+      <p:ext uri="{BB962C8B-B14F-4D97-AF65-F5344CB8AC3E}">
+        <p14:creationId xmlns:p14="http://schemas.microsoft.com/office/powerpoint/2010/main" val="4205434427"/>
+      </p:ext>
+    </p:extLst>
+  </p:cSld>
+  <p:clrMapOvr>
+    <a:masterClrMapping/>
+  </p:clrMapOvr>
+  <mc:AlternateContent xmlns:mc="http://schemas.openxmlformats.org/markup-compatibility/2006" xmlns:p14="http://schemas.microsoft.com/office/powerpoint/2010/main">
+    <mc:Choice Requires="p14">
+      <p:transition spd="slow" p14:dur="800">
+        <p14:flythrough/>
+      </p:transition>
+    </mc:Choice>
+    <mc:Fallback xmlns="">
+      <p:transition spd="slow">
         <p:fade/>
       </p:transition>
     </mc:Fallback>

--- a/Präsentationen/Anfänger - Java mit NAO.pptx
+++ b/Präsentationen/Anfänger - Java mit NAO.pptx
@@ -258,7 +258,7 @@
           <a:p>
             <a:fld id="{CC55654B-D41D-4425-B58F-55C2DEAC0691}" type="datetimeFigureOut">
               <a:rPr lang="de-DE" smtClean="0"/>
-              <a:t>31.03.2017</a:t>
+              <a:t>07.04.2017</a:t>
             </a:fld>
             <a:endParaRPr lang="de-DE"/>
           </a:p>
@@ -4113,11 +4113,7 @@
             </a:r>
             <a:r>
               <a:rPr lang="de-DE" i="1" baseline="0" dirty="0" smtClean="0"/>
-              <a:t> den Anfänger-Kurs</a:t>
-            </a:r>
-            <a:r>
-              <a:rPr lang="de-DE" i="1" baseline="0" dirty="0" smtClean="0"/>
-              <a:t>.</a:t>
+              <a:t> den Anfänger-Kurs.</a:t>
             </a:r>
           </a:p>
           <a:p>
@@ -4125,7 +4121,6 @@
               <a:rPr lang="de-DE" i="1" baseline="0" dirty="0" smtClean="0"/>
               <a:t>Leider können die Kids keine Aufgaben mit NAO machen, bevor diese Themen abgehandelt sind. Danach wartet allerdings eine größere Aufgabe auf die Kids, welche den NAO mit einbezieht.</a:t>
             </a:r>
-            <a:endParaRPr lang="de-DE" i="1" baseline="0" dirty="0" smtClean="0"/>
           </a:p>
           <a:p>
             <a:r>
@@ -4269,6 +4264,12 @@
           <a:bodyPr/>
           <a:lstStyle/>
           <a:p>
+            <a:r>
+              <a:rPr lang="de-DE" i="0" u="none" baseline="0" dirty="0" smtClean="0">
+                <a:sym typeface="Wingdings" panose="05000000000000000000" pitchFamily="2" charset="2"/>
+              </a:rPr>
+              <a:t>Fakultät erklären, falls die Kids nicht wissen was die Fakultät ist</a:t>
+            </a:r>
             <a:endParaRPr lang="de-DE" i="0" u="none" baseline="0" dirty="0" smtClean="0">
               <a:sym typeface="Wingdings" panose="05000000000000000000" pitchFamily="2" charset="2"/>
             </a:endParaRPr>
@@ -5056,6 +5057,32 @@
           <a:bodyPr/>
           <a:lstStyle/>
           <a:p>
+            <a:r>
+              <a:rPr lang="de-DE" i="0" u="none" baseline="0" dirty="0" smtClean="0">
+                <a:sym typeface="Wingdings" panose="05000000000000000000" pitchFamily="2" charset="2"/>
+              </a:rPr>
+              <a:t>Ich hoffe spätestens hier kommt die Frage auf, warum denn das eine Plus addiert und das andere nicht.</a:t>
+            </a:r>
+          </a:p>
+          <a:p>
+            <a:r>
+              <a:rPr lang="de-DE" i="0" u="none" baseline="0" dirty="0" smtClean="0">
+                <a:sym typeface="Wingdings" panose="05000000000000000000" pitchFamily="2" charset="2"/>
+              </a:rPr>
+              <a:t>Plus bei einem String ist die „</a:t>
+            </a:r>
+            <a:r>
+              <a:rPr lang="de-DE" i="0" u="none" baseline="0" dirty="0" err="1" smtClean="0">
+                <a:sym typeface="Wingdings" panose="05000000000000000000" pitchFamily="2" charset="2"/>
+              </a:rPr>
+              <a:t>Konkatenation</a:t>
+            </a:r>
+            <a:r>
+              <a:rPr lang="de-DE" i="0" u="none" baseline="0" dirty="0" smtClean="0">
+                <a:sym typeface="Wingdings" panose="05000000000000000000" pitchFamily="2" charset="2"/>
+              </a:rPr>
+              <a:t>“, also das aneinanderhängen von zwei Strings.</a:t>
+            </a:r>
             <a:endParaRPr lang="de-DE" i="0" u="none" baseline="0" dirty="0" smtClean="0">
               <a:sym typeface="Wingdings" panose="05000000000000000000" pitchFamily="2" charset="2"/>
             </a:endParaRPr>
@@ -6191,7 +6218,7 @@
           <a:p>
             <a:fld id="{82DEAF87-53B6-4B16-83D2-2F0231427512}" type="datetimeFigureOut">
               <a:rPr lang="de-DE" smtClean="0"/>
-              <a:t>31.03.2017</a:t>
+              <a:t>07.04.2017</a:t>
             </a:fld>
             <a:endParaRPr lang="de-DE"/>
           </a:p>
@@ -6408,7 +6435,7 @@
           <a:p>
             <a:fld id="{82DEAF87-53B6-4B16-83D2-2F0231427512}" type="datetimeFigureOut">
               <a:rPr lang="de-DE" smtClean="0"/>
-              <a:t>31.03.2017</a:t>
+              <a:t>07.04.2017</a:t>
             </a:fld>
             <a:endParaRPr lang="de-DE"/>
           </a:p>
@@ -6618,7 +6645,7 @@
           <a:p>
             <a:fld id="{82DEAF87-53B6-4B16-83D2-2F0231427512}" type="datetimeFigureOut">
               <a:rPr lang="de-DE" smtClean="0"/>
-              <a:t>31.03.2017</a:t>
+              <a:t>07.04.2017</a:t>
             </a:fld>
             <a:endParaRPr lang="de-DE"/>
           </a:p>
@@ -6894,7 +6921,7 @@
           <a:p>
             <a:fld id="{82DEAF87-53B6-4B16-83D2-2F0231427512}" type="datetimeFigureOut">
               <a:rPr lang="de-DE" smtClean="0"/>
-              <a:t>31.03.2017</a:t>
+              <a:t>07.04.2017</a:t>
             </a:fld>
             <a:endParaRPr lang="de-DE"/>
           </a:p>
@@ -7177,7 +7204,7 @@
           <a:p>
             <a:fld id="{82DEAF87-53B6-4B16-83D2-2F0231427512}" type="datetimeFigureOut">
               <a:rPr lang="de-DE" smtClean="0"/>
-              <a:t>31.03.2017</a:t>
+              <a:t>07.04.2017</a:t>
             </a:fld>
             <a:endParaRPr lang="de-DE"/>
           </a:p>
@@ -7503,7 +7530,7 @@
           <a:p>
             <a:fld id="{82DEAF87-53B6-4B16-83D2-2F0231427512}" type="datetimeFigureOut">
               <a:rPr lang="de-DE" smtClean="0"/>
-              <a:t>31.03.2017</a:t>
+              <a:t>07.04.2017</a:t>
             </a:fld>
             <a:endParaRPr lang="de-DE"/>
           </a:p>
@@ -7969,7 +7996,7 @@
           <a:p>
             <a:fld id="{82DEAF87-53B6-4B16-83D2-2F0231427512}" type="datetimeFigureOut">
               <a:rPr lang="de-DE" smtClean="0"/>
-              <a:t>31.03.2017</a:t>
+              <a:t>07.04.2017</a:t>
             </a:fld>
             <a:endParaRPr lang="de-DE"/>
           </a:p>
@@ -8119,7 +8146,7 @@
           <a:p>
             <a:fld id="{82DEAF87-53B6-4B16-83D2-2F0231427512}" type="datetimeFigureOut">
               <a:rPr lang="de-DE" smtClean="0"/>
-              <a:t>31.03.2017</a:t>
+              <a:t>07.04.2017</a:t>
             </a:fld>
             <a:endParaRPr lang="de-DE"/>
           </a:p>
@@ -8238,7 +8265,7 @@
           <a:p>
             <a:fld id="{82DEAF87-53B6-4B16-83D2-2F0231427512}" type="datetimeFigureOut">
               <a:rPr lang="de-DE" smtClean="0"/>
-              <a:t>31.03.2017</a:t>
+              <a:t>07.04.2017</a:t>
             </a:fld>
             <a:endParaRPr lang="de-DE"/>
           </a:p>
@@ -8548,7 +8575,7 @@
           <a:p>
             <a:fld id="{82DEAF87-53B6-4B16-83D2-2F0231427512}" type="datetimeFigureOut">
               <a:rPr lang="de-DE" smtClean="0"/>
-              <a:t>31.03.2017</a:t>
+              <a:t>07.04.2017</a:t>
             </a:fld>
             <a:endParaRPr lang="de-DE"/>
           </a:p>
@@ -8834,7 +8861,7 @@
           <a:p>
             <a:fld id="{82DEAF87-53B6-4B16-83D2-2F0231427512}" type="datetimeFigureOut">
               <a:rPr lang="de-DE" smtClean="0"/>
-              <a:t>31.03.2017</a:t>
+              <a:t>07.04.2017</a:t>
             </a:fld>
             <a:endParaRPr lang="de-DE"/>
           </a:p>
@@ -13722,7 +13749,23 @@
                   <a:srgbClr val="831420"/>
                 </a:solidFill>
               </a:rPr>
-              <a:t>Aufgabe: Rechnen                                   [1]</a:t>
+              <a:t>Aufgabe: </a:t>
+            </a:r>
+            <a:r>
+              <a:rPr lang="de-DE" dirty="0" smtClean="0">
+                <a:solidFill>
+                  <a:srgbClr val="831420"/>
+                </a:solidFill>
+              </a:rPr>
+              <a:t>Simples Rechnen                    </a:t>
+            </a:r>
+            <a:r>
+              <a:rPr lang="de-DE" dirty="0" smtClean="0">
+                <a:solidFill>
+                  <a:srgbClr val="831420"/>
+                </a:solidFill>
+              </a:rPr>
+              <a:t>[1]</a:t>
             </a:r>
             <a:endParaRPr lang="de-DE" dirty="0">
               <a:solidFill>
@@ -22308,7 +22351,15 @@
                   <a:srgbClr val="831420"/>
                 </a:solidFill>
               </a:rPr>
-              <a:t>[4]</a:t>
+              <a:t>Einfache Mathematik?          [4</a:t>
+            </a:r>
+            <a:r>
+              <a:rPr lang="de-DE" dirty="0" smtClean="0">
+                <a:solidFill>
+                  <a:srgbClr val="831420"/>
+                </a:solidFill>
+              </a:rPr>
+              <a:t>]</a:t>
             </a:r>
             <a:endParaRPr lang="de-DE" dirty="0">
               <a:solidFill>
@@ -22341,6 +22392,123 @@
           <a:bodyPr anchor="t"/>
           <a:lstStyle/>
           <a:p>
+            <a:r>
+              <a:rPr lang="de-DE" sz="2000" dirty="0" smtClean="0"/>
+              <a:t>Erstellt eine neue Klasse mit dem Namen </a:t>
+            </a:r>
+            <a:r>
+              <a:rPr lang="de-DE" sz="2000" dirty="0" err="1" smtClean="0"/>
+              <a:t>EasyMath</a:t>
+            </a:r>
+            <a:r>
+              <a:rPr lang="de-DE" sz="2000" dirty="0" smtClean="0"/>
+              <a:t> im </a:t>
+            </a:r>
+            <a:r>
+              <a:rPr lang="de-DE" sz="2000" dirty="0" err="1" smtClean="0"/>
+              <a:t>src</a:t>
+            </a:r>
+            <a:r>
+              <a:rPr lang="de-DE" sz="2000" dirty="0" smtClean="0"/>
+              <a:t>-Ordner der vierten Aufgabe</a:t>
+            </a:r>
+          </a:p>
+          <a:p>
+            <a:r>
+              <a:rPr lang="de-DE" sz="2000" dirty="0" smtClean="0"/>
+              <a:t>In der Klasse „Main“ findet ihr die main-Methode, in welcher ihr ein</a:t>
+            </a:r>
+            <a:r>
+              <a:rPr lang="de-DE" sz="2000" dirty="0"/>
+              <a:t/>
+            </a:r>
+            <a:br>
+              <a:rPr lang="de-DE" sz="2000" dirty="0"/>
+            </a:br>
+            <a:r>
+              <a:rPr lang="de-DE" sz="2000" dirty="0" smtClean="0"/>
+              <a:t>neues Objekt eurer Klasse erzeugen sollt.</a:t>
+            </a:r>
+          </a:p>
+          <a:p>
+            <a:r>
+              <a:rPr lang="de-DE" sz="2000" dirty="0" smtClean="0"/>
+              <a:t>Implementiert die folgenden Methoden:</a:t>
+            </a:r>
+          </a:p>
+          <a:p>
+            <a:pPr marL="800100" lvl="1" indent="-342900">
+              <a:buFont typeface="+mj-lt"/>
+              <a:buAutoNum type="alphaLcPeriod"/>
+            </a:pPr>
+            <a:endParaRPr lang="de-DE" sz="1600" dirty="0" smtClean="0"/>
+          </a:p>
+          <a:p>
+            <a:pPr marL="800100" lvl="1" indent="-342900">
+              <a:buFont typeface="+mj-lt"/>
+              <a:buAutoNum type="alphaLcPeriod"/>
+            </a:pPr>
+            <a:r>
+              <a:rPr lang="de-DE" sz="1600" dirty="0" smtClean="0"/>
+              <a:t>„</a:t>
+            </a:r>
+            <a:r>
+              <a:rPr lang="de-DE" sz="1600" dirty="0" err="1" smtClean="0"/>
+              <a:t>factorial</a:t>
+            </a:r>
+            <a:r>
+              <a:rPr lang="de-DE" sz="1600" dirty="0" smtClean="0"/>
+              <a:t>“	Akzeptiert eine Ganzzahl als Parameter und gibt die Fakultät der Zahl zurück</a:t>
+            </a:r>
+          </a:p>
+          <a:p>
+            <a:pPr marL="800100" lvl="1" indent="-342900">
+              <a:buFont typeface="+mj-lt"/>
+              <a:buAutoNum type="alphaLcPeriod"/>
+            </a:pPr>
+            <a:r>
+              <a:rPr lang="de-DE" sz="1600" dirty="0" smtClean="0"/>
+              <a:t>„</a:t>
+            </a:r>
+            <a:r>
+              <a:rPr lang="de-DE" sz="1600" dirty="0" err="1" smtClean="0"/>
+              <a:t>modulo</a:t>
+            </a:r>
+            <a:r>
+              <a:rPr lang="de-DE" sz="1600" dirty="0" smtClean="0"/>
+              <a:t>“	Akzeptiert zwei Ganzzahlen als Parameter und gibt den Rest der Division 			zurück, der entsteht, wenn man den ersten durch den zweiten Parameter teilt</a:t>
+            </a:r>
+          </a:p>
+          <a:p>
+            <a:pPr marL="800100" lvl="1" indent="-342900">
+              <a:buFont typeface="+mj-lt"/>
+              <a:buAutoNum type="alphaLcPeriod"/>
+            </a:pPr>
+            <a:r>
+              <a:rPr lang="de-DE" sz="1600" dirty="0" smtClean="0"/>
+              <a:t>„</a:t>
+            </a:r>
+            <a:r>
+              <a:rPr lang="de-DE" sz="1600" dirty="0" err="1" smtClean="0"/>
+              <a:t>gcd</a:t>
+            </a:r>
+            <a:r>
+              <a:rPr lang="de-DE" sz="1600" dirty="0" smtClean="0"/>
+              <a:t>“	Akzeptiert zwei Ganzzahlen als Parameter und gibt den größten gemeinsamen 		Teiler der beiden Zahlen zurück</a:t>
+            </a:r>
+            <a:endParaRPr lang="de-DE" sz="2000" dirty="0" smtClean="0"/>
+          </a:p>
+          <a:p>
+            <a:r>
+              <a:rPr lang="de-DE" sz="2000" dirty="0" smtClean="0"/>
+              <a:t>In der main-Methode könnt ihr eure Methoden testen und die Resultate in der Konsole ausgeben</a:t>
+            </a:r>
+          </a:p>
+          <a:p>
+            <a:pPr marL="457200" indent="-457200">
+              <a:buFont typeface="+mj-lt"/>
+              <a:buAutoNum type="alphaLcPeriod"/>
+            </a:pPr>
             <a:endParaRPr lang="de-DE" sz="2000" dirty="0" smtClean="0"/>
           </a:p>
         </p:txBody>
@@ -23877,11 +24045,7 @@
             </a:r>
             <a:r>
               <a:rPr lang="de-DE" sz="1600" dirty="0" smtClean="0"/>
-              <a:t> </a:t>
-            </a:r>
-            <a:r>
-              <a:rPr lang="de-DE" sz="1600" dirty="0" smtClean="0"/>
-              <a:t>über Objektinitialisierung</a:t>
+              <a:t> über Objektinitialisierung</a:t>
             </a:r>
           </a:p>
           <a:p>
@@ -23902,11 +24066,7 @@
             </a:r>
             <a:r>
               <a:rPr lang="de-DE" sz="1600" dirty="0" smtClean="0"/>
-              <a:t> </a:t>
-            </a:r>
-            <a:r>
-              <a:rPr lang="de-DE" sz="1600" dirty="0" smtClean="0"/>
-              <a:t>über Arrayinitialisierung</a:t>
+              <a:t> über Arrayinitialisierung</a:t>
             </a:r>
           </a:p>
           <a:p>
@@ -24709,8 +24869,36 @@
           <a:p>
             <a:r>
               <a:rPr lang="de-DE" sz="2000" dirty="0" smtClean="0"/>
-              <a:t>Wir können wieder durch Angabe des Index genauso aus dem Array lesen</a:t>
-            </a:r>
+              <a:t>Wir können </a:t>
+            </a:r>
+            <a:r>
+              <a:rPr lang="de-DE" sz="2000" dirty="0" smtClean="0"/>
+              <a:t>durch </a:t>
+            </a:r>
+            <a:r>
+              <a:rPr lang="de-DE" sz="2000" dirty="0" smtClean="0"/>
+              <a:t>Angabe des Index </a:t>
+            </a:r>
+            <a:r>
+              <a:rPr lang="de-DE" sz="2000" dirty="0" smtClean="0"/>
+              <a:t>in eckigen Klammern</a:t>
+            </a:r>
+            <a:br>
+              <a:rPr lang="de-DE" sz="2000" dirty="0" smtClean="0"/>
+            </a:br>
+            <a:r>
+              <a:rPr lang="de-DE" sz="2000" dirty="0" smtClean="0"/>
+              <a:t>genauso </a:t>
+            </a:r>
+            <a:r>
+              <a:rPr lang="de-DE" sz="2000" dirty="0" smtClean="0"/>
+              <a:t>aus dem Array </a:t>
+            </a:r>
+            <a:r>
+              <a:rPr lang="de-DE" sz="2000" dirty="0" smtClean="0"/>
+              <a:t>lesen, wie wir in es schreiben können</a:t>
+            </a:r>
+            <a:endParaRPr lang="de-DE" sz="2000" dirty="0" smtClean="0"/>
           </a:p>
         </p:txBody>
       </p:sp>
@@ -25656,7 +25844,15 @@
                   <a:srgbClr val="831420"/>
                 </a:solidFill>
               </a:rPr>
-              <a:t>[5]</a:t>
+              <a:t>Schwierige Mathematik?      [5</a:t>
+            </a:r>
+            <a:r>
+              <a:rPr lang="de-DE" dirty="0" smtClean="0">
+                <a:solidFill>
+                  <a:srgbClr val="831420"/>
+                </a:solidFill>
+              </a:rPr>
+              <a:t>]</a:t>
             </a:r>
             <a:endParaRPr lang="de-DE" dirty="0">
               <a:solidFill>
@@ -25689,7 +25885,88 @@
           <a:bodyPr anchor="t"/>
           <a:lstStyle/>
           <a:p>
-            <a:endParaRPr lang="de-DE" sz="2000" dirty="0" smtClean="0"/>
+            <a:r>
+              <a:rPr lang="de-DE" sz="2000" dirty="0" smtClean="0"/>
+              <a:t>Verbessert eure Mathematik-Klasse aus Aufgabe 4!</a:t>
+            </a:r>
+          </a:p>
+          <a:p>
+            <a:r>
+              <a:rPr lang="de-DE" sz="2000" dirty="0" smtClean="0"/>
+              <a:t>Folgende Methoden müsst ihr implementieren:</a:t>
+            </a:r>
+          </a:p>
+          <a:p>
+            <a:pPr marL="800100" lvl="1" indent="-342900">
+              <a:buFont typeface="+mj-lt"/>
+              <a:buAutoNum type="alphaLcPeriod"/>
+            </a:pPr>
+            <a:endParaRPr lang="de-DE" sz="1600" dirty="0" smtClean="0"/>
+          </a:p>
+          <a:p>
+            <a:pPr marL="800100" lvl="1" indent="-342900">
+              <a:buFont typeface="+mj-lt"/>
+              <a:buAutoNum type="alphaLcPeriod"/>
+            </a:pPr>
+            <a:r>
+              <a:rPr lang="de-DE" sz="1600" dirty="0" smtClean="0"/>
+              <a:t>„</a:t>
+            </a:r>
+            <a:r>
+              <a:rPr lang="de-DE" sz="1600" dirty="0" err="1" smtClean="0"/>
+              <a:t>arraySum</a:t>
+            </a:r>
+            <a:r>
+              <a:rPr lang="de-DE" sz="1600" dirty="0" smtClean="0"/>
+              <a:t>“		Akzeptiert ein Array von Ganzzahlen als Parameter und gibt die 				Summe aller Zahlen im Array zurück</a:t>
+            </a:r>
+          </a:p>
+          <a:p>
+            <a:pPr marL="800100" lvl="1" indent="-342900">
+              <a:buFont typeface="+mj-lt"/>
+              <a:buAutoNum type="alphaLcPeriod"/>
+            </a:pPr>
+            <a:r>
+              <a:rPr lang="de-DE" sz="1600" dirty="0" smtClean="0"/>
+              <a:t>„</a:t>
+            </a:r>
+            <a:r>
+              <a:rPr lang="de-DE" sz="1600" dirty="0" err="1" smtClean="0"/>
+              <a:t>arraySort</a:t>
+            </a:r>
+            <a:r>
+              <a:rPr lang="de-DE" sz="1600" dirty="0" smtClean="0"/>
+              <a:t>“		Akzeptiert ein Array von Ganzzahlen als Parameter und gibt ein 				Array von Ganzzahlen zurück, welches die gleichen Zahlen in 				aufsteigender Reihenfolge enthält</a:t>
+            </a:r>
+          </a:p>
+          <a:p>
+            <a:pPr marL="800100" lvl="1" indent="-342900">
+              <a:buFont typeface="+mj-lt"/>
+              <a:buAutoNum type="alphaLcPeriod"/>
+            </a:pPr>
+            <a:r>
+              <a:rPr lang="de-DE" sz="1600" dirty="0" smtClean="0"/>
+              <a:t>„</a:t>
+            </a:r>
+            <a:r>
+              <a:rPr lang="de-DE" sz="1600" dirty="0" err="1" smtClean="0"/>
+              <a:t>getWords</a:t>
+            </a:r>
+            <a:r>
+              <a:rPr lang="de-DE" sz="1600" dirty="0" smtClean="0"/>
+              <a:t>“		Akzeptiert einen String und gibt ein String-Array zurück, welches 				die einzelnen Worte enthält (Worte werden durch Leerzeichen 				getrennt).</a:t>
+            </a:r>
+          </a:p>
+          <a:p>
+            <a:pPr marL="400050"/>
+            <a:endParaRPr lang="de-DE" sz="2000" dirty="0"/>
+          </a:p>
+          <a:p>
+            <a:pPr marL="400050"/>
+            <a:r>
+              <a:rPr lang="de-DE" sz="2000" dirty="0" smtClean="0"/>
+              <a:t>Testet eure Methoden in der Main-Klasse, und gebt die Resultate in der Konsole aus!</a:t>
+            </a:r>
           </a:p>
         </p:txBody>
       </p:sp>
@@ -26235,12 +26512,60 @@
           <a:lstStyle/>
           <a:p>
             <a:r>
-              <a:rPr lang="de-DE" smtClean="0">
+              <a:rPr lang="de-DE" dirty="0" smtClean="0">
                 <a:solidFill>
                   <a:srgbClr val="831420"/>
                 </a:solidFill>
               </a:rPr>
               <a:t>Projekt: </a:t>
+            </a:r>
+            <a:r>
+              <a:rPr lang="de-DE" dirty="0" smtClean="0">
+                <a:solidFill>
+                  <a:srgbClr val="831420"/>
+                </a:solidFill>
+              </a:rPr>
+              <a:t>such </a:t>
+            </a:r>
+            <a:r>
+              <a:rPr lang="de-DE" dirty="0" err="1" smtClean="0">
+                <a:solidFill>
+                  <a:srgbClr val="831420"/>
+                </a:solidFill>
+              </a:rPr>
+              <a:t>name</a:t>
+            </a:r>
+            <a:r>
+              <a:rPr lang="de-DE" dirty="0" smtClean="0">
+                <a:solidFill>
+                  <a:srgbClr val="831420"/>
+                </a:solidFill>
+              </a:rPr>
+              <a:t>, </a:t>
+            </a:r>
+            <a:r>
+              <a:rPr lang="de-DE" dirty="0" err="1" smtClean="0">
+                <a:solidFill>
+                  <a:srgbClr val="831420"/>
+                </a:solidFill>
+              </a:rPr>
+              <a:t>many</a:t>
+            </a:r>
+            <a:r>
+              <a:rPr lang="de-DE" dirty="0" smtClean="0">
+                <a:solidFill>
+                  <a:srgbClr val="831420"/>
+                </a:solidFill>
+              </a:rPr>
+              <a:t> </a:t>
+            </a:r>
+            <a:r>
+              <a:rPr lang="de-DE" dirty="0" err="1" smtClean="0">
+                <a:solidFill>
+                  <a:srgbClr val="831420"/>
+                </a:solidFill>
+              </a:rPr>
+              <a:t>fancy</a:t>
             </a:r>
             <a:endParaRPr lang="de-DE" dirty="0">
               <a:solidFill>
@@ -26273,10 +26598,66 @@
           <a:bodyPr anchor="t"/>
           <a:lstStyle/>
           <a:p>
+            <a:r>
+              <a:rPr lang="de-DE" sz="2000" dirty="0" smtClean="0"/>
+              <a:t>so </a:t>
+            </a:r>
+            <a:r>
+              <a:rPr lang="de-DE" sz="2000" dirty="0" err="1" smtClean="0"/>
+              <a:t>description</a:t>
+            </a:r>
             <a:endParaRPr lang="de-DE" sz="2000" dirty="0" smtClean="0"/>
           </a:p>
+          <a:p>
+            <a:r>
+              <a:rPr lang="de-DE" sz="2000" dirty="0" smtClean="0"/>
+              <a:t>wow</a:t>
+            </a:r>
+            <a:endParaRPr lang="de-DE" sz="2000" dirty="0" smtClean="0"/>
+          </a:p>
         </p:txBody>
       </p:sp>
+      <p:pic>
+        <p:nvPicPr>
+          <p:cNvPr id="1028" name="Picture 4" descr="Image result for doge"/>
+          <p:cNvPicPr>
+            <a:picLocks noChangeAspect="1" noChangeArrowheads="1"/>
+          </p:cNvPicPr>
+          <p:nvPr/>
+        </p:nvPicPr>
+        <p:blipFill>
+          <a:blip r:embed="rId3">
+            <a:extLst>
+              <a:ext uri="{28A0092B-C50C-407E-A947-70E740481C1C}">
+                <a14:useLocalDpi xmlns:a14="http://schemas.microsoft.com/office/drawing/2010/main" val="0"/>
+              </a:ext>
+            </a:extLst>
+          </a:blip>
+          <a:srcRect/>
+          <a:stretch>
+            <a:fillRect/>
+          </a:stretch>
+        </p:blipFill>
+        <p:spPr bwMode="auto">
+          <a:xfrm>
+            <a:off x="4031940" y="1453344"/>
+            <a:ext cx="3335286" cy="3285599"/>
+          </a:xfrm>
+          <a:prstGeom prst="rect">
+            <a:avLst/>
+          </a:prstGeom>
+          <a:noFill/>
+          <a:extLst>
+            <a:ext uri="{909E8E84-426E-40DD-AFC4-6F175D3DCCD1}">
+              <a14:hiddenFill xmlns:a14="http://schemas.microsoft.com/office/drawing/2010/main">
+                <a:solidFill>
+                  <a:srgbClr val="FFFFFF"/>
+                </a:solidFill>
+              </a14:hiddenFill>
+            </a:ext>
+          </a:extLst>
+        </p:spPr>
+      </p:pic>
     </p:spTree>
     <p:extLst>
       <p:ext uri="{BB962C8B-B14F-4D97-AF65-F5344CB8AC3E}">

--- a/Präsentationen/Anfänger - Java mit NAO.pptx
+++ b/Präsentationen/Anfänger - Java mit NAO.pptx
@@ -5,7 +5,7 @@
     <p:sldMasterId id="2147483648" r:id="rId1"/>
   </p:sldMasterIdLst>
   <p:notesMasterIdLst>
-    <p:notesMasterId r:id="rId53"/>
+    <p:notesMasterId r:id="rId54"/>
   </p:notesMasterIdLst>
   <p:sldIdLst>
     <p:sldId id="288" r:id="rId2"/>
@@ -43,22 +43,23 @@
     <p:sldId id="316" r:id="rId34"/>
     <p:sldId id="315" r:id="rId35"/>
     <p:sldId id="317" r:id="rId36"/>
-    <p:sldId id="318" r:id="rId37"/>
-    <p:sldId id="321" r:id="rId38"/>
-    <p:sldId id="320" r:id="rId39"/>
-    <p:sldId id="322" r:id="rId40"/>
-    <p:sldId id="319" r:id="rId41"/>
-    <p:sldId id="323" r:id="rId42"/>
-    <p:sldId id="324" r:id="rId43"/>
-    <p:sldId id="326" r:id="rId44"/>
-    <p:sldId id="327" r:id="rId45"/>
-    <p:sldId id="328" r:id="rId46"/>
-    <p:sldId id="329" r:id="rId47"/>
-    <p:sldId id="330" r:id="rId48"/>
-    <p:sldId id="331" r:id="rId49"/>
-    <p:sldId id="332" r:id="rId50"/>
-    <p:sldId id="325" r:id="rId51"/>
-    <p:sldId id="333" r:id="rId52"/>
+    <p:sldId id="334" r:id="rId37"/>
+    <p:sldId id="318" r:id="rId38"/>
+    <p:sldId id="321" r:id="rId39"/>
+    <p:sldId id="320" r:id="rId40"/>
+    <p:sldId id="322" r:id="rId41"/>
+    <p:sldId id="319" r:id="rId42"/>
+    <p:sldId id="323" r:id="rId43"/>
+    <p:sldId id="324" r:id="rId44"/>
+    <p:sldId id="326" r:id="rId45"/>
+    <p:sldId id="327" r:id="rId46"/>
+    <p:sldId id="328" r:id="rId47"/>
+    <p:sldId id="329" r:id="rId48"/>
+    <p:sldId id="330" r:id="rId49"/>
+    <p:sldId id="331" r:id="rId50"/>
+    <p:sldId id="332" r:id="rId51"/>
+    <p:sldId id="325" r:id="rId52"/>
+    <p:sldId id="333" r:id="rId53"/>
   </p:sldIdLst>
   <p:sldSz cx="9144000" cy="5715000" type="screen16x10"/>
   <p:notesSz cx="6858000" cy="9144000"/>
@@ -258,7 +259,7 @@
           <a:p>
             <a:fld id="{CC55654B-D41D-4425-B58F-55C2DEAC0691}" type="datetimeFigureOut">
               <a:rPr lang="de-DE" smtClean="0"/>
-              <a:t>07.04.2017</a:t>
+              <a:t>08.05.2017</a:t>
             </a:fld>
             <a:endParaRPr lang="de-DE"/>
           </a:p>
@@ -2838,16 +2839,12 @@
           <a:lstStyle/>
           <a:p>
             <a:r>
-              <a:rPr lang="de-DE" i="1" smtClean="0"/>
+              <a:rPr lang="de-DE" i="1" dirty="0" smtClean="0"/>
               <a:t>Ein Überblick über</a:t>
             </a:r>
             <a:r>
-              <a:rPr lang="de-DE" i="1" baseline="0" smtClean="0"/>
-              <a:t> die wichtigsten Programmiersprachen. Linien bedeuten dass die obere Programmiersprache die Entwicklung der unteren beeinflusst hat</a:t>
-            </a:r>
-            <a:r>
               <a:rPr lang="de-DE" i="1" baseline="0" dirty="0" smtClean="0"/>
-              <a:t>.</a:t>
+              <a:t> die wichtigsten Programmiersprachen. Linien bedeuten dass die obere Programmiersprache die Entwicklung der unteren beeinflusst hat.</a:t>
             </a:r>
           </a:p>
           <a:p>
@@ -2855,38 +2852,30 @@
           </a:p>
           <a:p>
             <a:r>
-              <a:rPr lang="de-DE" u="sng" baseline="0" smtClean="0"/>
+              <a:rPr lang="de-DE" u="sng" baseline="0" dirty="0" smtClean="0"/>
               <a:t>Prozedural:</a:t>
             </a:r>
             <a:r>
-              <a:rPr lang="de-DE" u="none" baseline="0" smtClean="0"/>
+              <a:rPr lang="de-DE" u="none" baseline="0" dirty="0" smtClean="0"/>
               <a:t> </a:t>
             </a:r>
             <a:r>
-              <a:rPr lang="de-DE" baseline="0" smtClean="0"/>
-              <a:t>Besitzt keine Klassen oder Objekte, kann aber Prozeduren/ Funktionen enthalten</a:t>
-            </a:r>
-            <a:r>
               <a:rPr lang="de-DE" baseline="0" dirty="0" smtClean="0"/>
-              <a:t>.</a:t>
-            </a:r>
-          </a:p>
-          <a:p>
-            <a:r>
-              <a:rPr lang="de-DE" u="sng" baseline="0" smtClean="0"/>
+              <a:t>Besitzt keine Klassen oder Objekte, kann aber Prozeduren/ Funktionen enthalten.</a:t>
+            </a:r>
+          </a:p>
+          <a:p>
+            <a:r>
+              <a:rPr lang="de-DE" u="sng" baseline="0" dirty="0" smtClean="0"/>
               <a:t>Objektorientiert:</a:t>
             </a:r>
             <a:r>
-              <a:rPr lang="de-DE" u="none" baseline="0" smtClean="0"/>
+              <a:rPr lang="de-DE" u="none" baseline="0" dirty="0" smtClean="0"/>
               <a:t> </a:t>
             </a:r>
             <a:r>
-              <a:rPr lang="de-DE" baseline="0" smtClean="0"/>
-              <a:t>Definiert sich durch das Vorhandensein der Konstrukte „Klasse“ und „</a:t>
-            </a:r>
-            <a:r>
               <a:rPr lang="de-DE" baseline="0" dirty="0" smtClean="0"/>
-              <a:t>Objekt“.</a:t>
+              <a:t>Definiert sich durch das Vorhandensein der Konstrukte „Klasse“ und „Objekt“.</a:t>
             </a:r>
           </a:p>
           <a:p>
@@ -2894,71 +2883,58 @@
           </a:p>
           <a:p>
             <a:r>
-              <a:rPr lang="de-DE" i="1" baseline="0" smtClean="0"/>
-              <a:t>Für etwas höhere Klassen</a:t>
-            </a:r>
-            <a:r>
               <a:rPr lang="de-DE" i="1" baseline="0" dirty="0" smtClean="0"/>
-              <a:t>:</a:t>
-            </a:r>
-          </a:p>
-          <a:p>
-            <a:r>
-              <a:rPr lang="de-DE" baseline="0" smtClean="0"/>
+              <a:t>Für etwas höhere Klassen:</a:t>
+            </a:r>
+          </a:p>
+          <a:p>
+            <a:r>
+              <a:rPr lang="de-DE" baseline="0" dirty="0" smtClean="0"/>
               <a:t>Funktionale und Logische Programmiersprachen sind sog. </a:t>
             </a:r>
             <a:r>
-              <a:rPr lang="de-DE" b="1" baseline="0" smtClean="0"/>
+              <a:rPr lang="de-DE" b="1" baseline="0" dirty="0" smtClean="0"/>
               <a:t>deklarative</a:t>
             </a:r>
             <a:r>
-              <a:rPr lang="de-DE" baseline="0" smtClean="0"/>
+              <a:rPr lang="de-DE" baseline="0" dirty="0" smtClean="0"/>
               <a:t> Programmiersprachen. Bei diesen sagt man dem Computer genauestens </a:t>
             </a:r>
             <a:r>
-              <a:rPr lang="de-DE" b="1" baseline="0" smtClean="0"/>
+              <a:rPr lang="de-DE" b="1" baseline="0" dirty="0" smtClean="0"/>
               <a:t>was</a:t>
             </a:r>
             <a:r>
-              <a:rPr lang="de-DE" baseline="0" smtClean="0"/>
+              <a:rPr lang="de-DE" baseline="0" dirty="0" smtClean="0"/>
               <a:t> er berechnen soll, aber </a:t>
             </a:r>
             <a:r>
-              <a:rPr lang="de-DE" b="1" baseline="0" smtClean="0"/>
+              <a:rPr lang="de-DE" b="1" baseline="0" dirty="0" smtClean="0"/>
               <a:t>wie</a:t>
             </a:r>
             <a:r>
-              <a:rPr lang="de-DE" baseline="0" smtClean="0"/>
-              <a:t> er es berechnet entscheidet der Computer</a:t>
-            </a:r>
-            <a:r>
               <a:rPr lang="de-DE" baseline="0" dirty="0" smtClean="0"/>
-              <a:t>.</a:t>
-            </a:r>
-          </a:p>
-          <a:p>
-            <a:r>
-              <a:rPr lang="de-DE" u="sng" baseline="0" smtClean="0"/>
+              <a:t> er es berechnet entscheidet der Computer.</a:t>
+            </a:r>
+          </a:p>
+          <a:p>
+            <a:r>
+              <a:rPr lang="de-DE" u="sng" baseline="0" dirty="0" smtClean="0"/>
               <a:t>Funktional:</a:t>
             </a:r>
             <a:r>
-              <a:rPr lang="de-DE" baseline="0" smtClean="0"/>
+              <a:rPr lang="de-DE" baseline="0" dirty="0" smtClean="0"/>
               <a:t> Basiert auf mathematischen Funktionen</a:t>
             </a:r>
-            <a:endParaRPr lang="de-DE" baseline="0" dirty="0" smtClean="0"/>
-          </a:p>
-          <a:p>
-            <a:r>
-              <a:rPr lang="de-DE" u="sng" baseline="0" smtClean="0"/>
+          </a:p>
+          <a:p>
+            <a:r>
+              <a:rPr lang="de-DE" u="sng" baseline="0" dirty="0" smtClean="0"/>
               <a:t>Logisch:</a:t>
             </a:r>
             <a:r>
-              <a:rPr lang="de-DE" baseline="0" smtClean="0"/>
-              <a:t> Basiert auf mathematischer Logik, muss nicht unbedingt erläutert werden. Im Prinzip, definiert man in der Programmiersprache Wissen, und lässt das Programm von sich aus bestimmte Aussagen auf Wahrheitsgehalt oder Lösungen untersuchen</a:t>
-            </a:r>
-            <a:r>
               <a:rPr lang="de-DE" baseline="0" dirty="0" smtClean="0"/>
-              <a:t>.</a:t>
+              <a:t> Basiert auf mathematischer Logik, muss nicht unbedingt erläutert werden. Im Prinzip, definiert man in der Programmiersprache Wissen, und lässt das Programm von sich aus bestimmte Aussagen auf Wahrheitsgehalt oder Lösungen untersuchen.</a:t>
             </a:r>
           </a:p>
           <a:p>
@@ -2966,48 +2942,35 @@
           </a:p>
           <a:p>
             <a:r>
-              <a:rPr lang="de-DE" b="1" i="1" smtClean="0"/>
+              <a:rPr lang="de-DE" b="1" i="1" dirty="0" smtClean="0"/>
               <a:t>Java:</a:t>
             </a:r>
             <a:r>
-              <a:rPr lang="de-DE" smtClean="0"/>
+              <a:rPr lang="de-DE" dirty="0" smtClean="0"/>
               <a:t> </a:t>
             </a:r>
-            <a:endParaRPr lang="de-DE" dirty="0" smtClean="0"/>
-          </a:p>
-          <a:p>
-            <a:r>
-              <a:rPr lang="de-DE" smtClean="0"/>
+          </a:p>
+          <a:p>
+            <a:r>
+              <a:rPr lang="de-DE" dirty="0" smtClean="0"/>
               <a:t>Ist</a:t>
             </a:r>
             <a:r>
-              <a:rPr lang="de-DE" baseline="0" smtClean="0"/>
-              <a:t> eine objektorientierte, imperative Sprache</a:t>
-            </a:r>
-            <a:r>
               <a:rPr lang="de-DE" baseline="0" dirty="0" smtClean="0"/>
-              <a:t>.</a:t>
-            </a:r>
-          </a:p>
-          <a:p>
-            <a:r>
-              <a:rPr lang="de-DE" baseline="0" smtClean="0"/>
-              <a:t>Imperativ heißt, man drückt mit ihr aus, wie der Computer arbeitet, spezifisch durch die Angabe von aufeinanderfolgenden Befehlen</a:t>
-            </a:r>
+              <a:t> eine objektorientierte, imperative Sprache.</a:t>
+            </a:r>
+          </a:p>
+          <a:p>
             <a:r>
               <a:rPr lang="de-DE" baseline="0" dirty="0" smtClean="0"/>
-              <a:t>.</a:t>
+              <a:t>Imperativ heißt, man drückt mit ihr aus, wie der Computer arbeitet, spezifisch durch die Angabe von aufeinanderfolgenden Befehlen.</a:t>
             </a:r>
             <a:endParaRPr lang="de-DE" baseline="0" dirty="0"/>
           </a:p>
           <a:p>
             <a:r>
-              <a:rPr lang="de-DE" baseline="0" smtClean="0"/>
-              <a:t>Zur Objektorientierung kommen wir gleich noch genauer</a:t>
-            </a:r>
-            <a:r>
               <a:rPr lang="de-DE" baseline="0" dirty="0" smtClean="0"/>
-              <a:t>.</a:t>
+              <a:t>Zur Objektorientierung kommen wir gleich noch genauer.</a:t>
             </a:r>
           </a:p>
         </p:txBody>
@@ -3691,64 +3654,9 @@
           <a:bodyPr/>
           <a:lstStyle/>
           <a:p>
-            <a:r>
-              <a:rPr lang="de-DE" i="0" u="none" baseline="0" dirty="0" smtClean="0">
-                <a:sym typeface="Wingdings" panose="05000000000000000000" pitchFamily="2" charset="2"/>
-              </a:rPr>
-              <a:t>Wenn ein Objekt gleich einem anderen gesetzt wird </a:t>
-            </a:r>
-            <a:r>
-              <a:rPr lang="de-DE" i="0" u="none" baseline="0" dirty="0" err="1" smtClean="0">
-                <a:sym typeface="Wingdings" panose="05000000000000000000" pitchFamily="2" charset="2"/>
-              </a:rPr>
-              <a:t>wird</a:t>
-            </a:r>
-            <a:r>
-              <a:rPr lang="de-DE" i="0" u="none" baseline="0" dirty="0" smtClean="0">
-                <a:sym typeface="Wingdings" panose="05000000000000000000" pitchFamily="2" charset="2"/>
-              </a:rPr>
-              <a:t> kein neues erzeugt. Deshalb spielt es keine Rolle ob wir im zweiten Beispiel</a:t>
-            </a:r>
-          </a:p>
-          <a:p>
-            <a:r>
-              <a:rPr lang="de-DE" i="0" u="none" baseline="0" dirty="0" smtClean="0">
-                <a:sym typeface="Wingdings" panose="05000000000000000000" pitchFamily="2" charset="2"/>
-              </a:rPr>
-              <a:t>das </a:t>
-            </a:r>
-            <a:r>
-              <a:rPr lang="de-DE" i="0" u="none" baseline="0" dirty="0" err="1" smtClean="0">
-                <a:sym typeface="Wingdings" panose="05000000000000000000" pitchFamily="2" charset="2"/>
-              </a:rPr>
-              <a:t>ganzzahlAttribut</a:t>
-            </a:r>
-            <a:r>
-              <a:rPr lang="de-DE" i="0" u="none" baseline="0" dirty="0" smtClean="0">
-                <a:sym typeface="Wingdings" panose="05000000000000000000" pitchFamily="2" charset="2"/>
-              </a:rPr>
-              <a:t> von eins oder von zwei verändern. Beide Variablen enthalten das „selbe“ Objekt.</a:t>
-            </a:r>
-          </a:p>
-          <a:p>
-            <a:r>
-              <a:rPr lang="de-DE" i="0" u="none" baseline="0" dirty="0" smtClean="0">
-                <a:sym typeface="Wingdings" panose="05000000000000000000" pitchFamily="2" charset="2"/>
-              </a:rPr>
-              <a:t>Neue Objekte werden nur durch den </a:t>
-            </a:r>
-            <a:r>
-              <a:rPr lang="de-DE" i="0" u="none" baseline="0" dirty="0" err="1" smtClean="0">
-                <a:sym typeface="Wingdings" panose="05000000000000000000" pitchFamily="2" charset="2"/>
-              </a:rPr>
-              <a:t>new</a:t>
-            </a:r>
-            <a:r>
-              <a:rPr lang="de-DE" i="0" u="none" baseline="0" dirty="0" smtClean="0">
-                <a:sym typeface="Wingdings" panose="05000000000000000000" pitchFamily="2" charset="2"/>
-              </a:rPr>
-              <a:t>-Operator erzeugt!</a:t>
-            </a:r>
+            <a:endParaRPr lang="de-DE" i="0" u="none" baseline="0" dirty="0" smtClean="0">
+              <a:sym typeface="Wingdings" panose="05000000000000000000" pitchFamily="2" charset="2"/>
+            </a:endParaRPr>
           </a:p>
         </p:txBody>
       </p:sp>
@@ -3778,7 +3686,7 @@
     </p:spTree>
     <p:extLst>
       <p:ext uri="{BB962C8B-B14F-4D97-AF65-F5344CB8AC3E}">
-        <p14:creationId xmlns:p14="http://schemas.microsoft.com/office/powerpoint/2010/main" val="2406195495"/>
+        <p14:creationId xmlns:p14="http://schemas.microsoft.com/office/powerpoint/2010/main" val="1725198030"/>
       </p:ext>
     </p:extLst>
   </p:cSld>
@@ -3832,7 +3740,64 @@
           <a:bodyPr/>
           <a:lstStyle/>
           <a:p>
-            <a:endParaRPr lang="de-DE" i="1" baseline="0" dirty="0" smtClean="0"/>
+            <a:r>
+              <a:rPr lang="de-DE" i="0" u="none" baseline="0" dirty="0" smtClean="0">
+                <a:sym typeface="Wingdings" panose="05000000000000000000" pitchFamily="2" charset="2"/>
+              </a:rPr>
+              <a:t>Wenn ein Objekt gleich einem anderen gesetzt wird </a:t>
+            </a:r>
+            <a:r>
+              <a:rPr lang="de-DE" i="0" u="none" baseline="0" dirty="0" err="1" smtClean="0">
+                <a:sym typeface="Wingdings" panose="05000000000000000000" pitchFamily="2" charset="2"/>
+              </a:rPr>
+              <a:t>wird</a:t>
+            </a:r>
+            <a:r>
+              <a:rPr lang="de-DE" i="0" u="none" baseline="0" dirty="0" smtClean="0">
+                <a:sym typeface="Wingdings" panose="05000000000000000000" pitchFamily="2" charset="2"/>
+              </a:rPr>
+              <a:t> kein neues erzeugt. Deshalb spielt es keine Rolle ob wir im zweiten Beispiel</a:t>
+            </a:r>
+          </a:p>
+          <a:p>
+            <a:r>
+              <a:rPr lang="de-DE" i="0" u="none" baseline="0" dirty="0" smtClean="0">
+                <a:sym typeface="Wingdings" panose="05000000000000000000" pitchFamily="2" charset="2"/>
+              </a:rPr>
+              <a:t>das </a:t>
+            </a:r>
+            <a:r>
+              <a:rPr lang="de-DE" i="0" u="none" baseline="0" dirty="0" err="1" smtClean="0">
+                <a:sym typeface="Wingdings" panose="05000000000000000000" pitchFamily="2" charset="2"/>
+              </a:rPr>
+              <a:t>ganzzahlAttribut</a:t>
+            </a:r>
+            <a:r>
+              <a:rPr lang="de-DE" i="0" u="none" baseline="0" dirty="0" smtClean="0">
+                <a:sym typeface="Wingdings" panose="05000000000000000000" pitchFamily="2" charset="2"/>
+              </a:rPr>
+              <a:t> von eins oder von zwei verändern. Beide Variablen enthalten das „selbe“ Objekt.</a:t>
+            </a:r>
+          </a:p>
+          <a:p>
+            <a:r>
+              <a:rPr lang="de-DE" i="0" u="none" baseline="0" dirty="0" smtClean="0">
+                <a:sym typeface="Wingdings" panose="05000000000000000000" pitchFamily="2" charset="2"/>
+              </a:rPr>
+              <a:t>Neue Objekte werden nur durch den </a:t>
+            </a:r>
+            <a:r>
+              <a:rPr lang="de-DE" i="0" u="none" baseline="0" dirty="0" err="1" smtClean="0">
+                <a:sym typeface="Wingdings" panose="05000000000000000000" pitchFamily="2" charset="2"/>
+              </a:rPr>
+              <a:t>new</a:t>
+            </a:r>
+            <a:r>
+              <a:rPr lang="de-DE" i="0" u="none" baseline="0" dirty="0" smtClean="0">
+                <a:sym typeface="Wingdings" panose="05000000000000000000" pitchFamily="2" charset="2"/>
+              </a:rPr>
+              <a:t>-Operator erzeugt!</a:t>
+            </a:r>
           </a:p>
         </p:txBody>
       </p:sp>
@@ -3862,7 +3827,7 @@
     </p:spTree>
     <p:extLst>
       <p:ext uri="{BB962C8B-B14F-4D97-AF65-F5344CB8AC3E}">
-        <p14:creationId xmlns:p14="http://schemas.microsoft.com/office/powerpoint/2010/main" val="256478923"/>
+        <p14:creationId xmlns:p14="http://schemas.microsoft.com/office/powerpoint/2010/main" val="2406195495"/>
       </p:ext>
     </p:extLst>
   </p:cSld>
@@ -3916,9 +3881,7 @@
           <a:bodyPr/>
           <a:lstStyle/>
           <a:p>
-            <a:endParaRPr lang="de-DE" i="0" u="none" baseline="0" dirty="0" smtClean="0">
-              <a:sym typeface="Wingdings" panose="05000000000000000000" pitchFamily="2" charset="2"/>
-            </a:endParaRPr>
+            <a:endParaRPr lang="de-DE" i="1" baseline="0" dirty="0" smtClean="0"/>
           </a:p>
         </p:txBody>
       </p:sp>
@@ -3948,7 +3911,7 @@
     </p:spTree>
     <p:extLst>
       <p:ext uri="{BB962C8B-B14F-4D97-AF65-F5344CB8AC3E}">
-        <p14:creationId xmlns:p14="http://schemas.microsoft.com/office/powerpoint/2010/main" val="508040793"/>
+        <p14:creationId xmlns:p14="http://schemas.microsoft.com/office/powerpoint/2010/main" val="256478923"/>
       </p:ext>
     </p:extLst>
   </p:cSld>
@@ -4002,28 +3965,9 @@
           <a:bodyPr/>
           <a:lstStyle/>
           <a:p>
-            <a:r>
-              <a:rPr lang="de-DE" i="0" u="none" baseline="0" dirty="0" smtClean="0">
-                <a:sym typeface="Wingdings" panose="05000000000000000000" pitchFamily="2" charset="2"/>
-              </a:rPr>
-              <a:t>Klassennamen und Konstanten sind außerdem meistens Nomen,</a:t>
-            </a:r>
-          </a:p>
-          <a:p>
-            <a:r>
-              <a:rPr lang="de-DE" i="0" u="none" baseline="0" dirty="0" smtClean="0">
-                <a:sym typeface="Wingdings" panose="05000000000000000000" pitchFamily="2" charset="2"/>
-              </a:rPr>
-              <a:t>während Variablen und Attribute Adjektive</a:t>
-            </a:r>
-          </a:p>
-          <a:p>
-            <a:r>
-              <a:rPr lang="de-DE" i="0" u="none" baseline="0" dirty="0" smtClean="0">
-                <a:sym typeface="Wingdings" panose="05000000000000000000" pitchFamily="2" charset="2"/>
-              </a:rPr>
-              <a:t>und Methoden Verben sind.</a:t>
-            </a:r>
+            <a:endParaRPr lang="de-DE" i="0" u="none" baseline="0" dirty="0" smtClean="0">
+              <a:sym typeface="Wingdings" panose="05000000000000000000" pitchFamily="2" charset="2"/>
+            </a:endParaRPr>
           </a:p>
         </p:txBody>
       </p:sp>
@@ -4053,7 +3997,7 @@
     </p:spTree>
     <p:extLst>
       <p:ext uri="{BB962C8B-B14F-4D97-AF65-F5344CB8AC3E}">
-        <p14:creationId xmlns:p14="http://schemas.microsoft.com/office/powerpoint/2010/main" val="1584262849"/>
+        <p14:creationId xmlns:p14="http://schemas.microsoft.com/office/powerpoint/2010/main" val="508040793"/>
       </p:ext>
     </p:extLst>
   </p:cSld>
@@ -4268,11 +4212,24 @@
               <a:rPr lang="de-DE" i="0" u="none" baseline="0" dirty="0" smtClean="0">
                 <a:sym typeface="Wingdings" panose="05000000000000000000" pitchFamily="2" charset="2"/>
               </a:rPr>
-              <a:t>Fakultät erklären, falls die Kids nicht wissen was die Fakultät ist</a:t>
-            </a:r>
-            <a:endParaRPr lang="de-DE" i="0" u="none" baseline="0" dirty="0" smtClean="0">
-              <a:sym typeface="Wingdings" panose="05000000000000000000" pitchFamily="2" charset="2"/>
-            </a:endParaRPr>
+              <a:t>Klassennamen und Konstanten sind außerdem meistens Nomen,</a:t>
+            </a:r>
+          </a:p>
+          <a:p>
+            <a:r>
+              <a:rPr lang="de-DE" i="0" u="none" baseline="0" dirty="0" smtClean="0">
+                <a:sym typeface="Wingdings" panose="05000000000000000000" pitchFamily="2" charset="2"/>
+              </a:rPr>
+              <a:t>während Variablen und Attribute Adjektive</a:t>
+            </a:r>
+          </a:p>
+          <a:p>
+            <a:r>
+              <a:rPr lang="de-DE" i="0" u="none" baseline="0" dirty="0" smtClean="0">
+                <a:sym typeface="Wingdings" panose="05000000000000000000" pitchFamily="2" charset="2"/>
+              </a:rPr>
+              <a:t>und Methoden Verben sind.</a:t>
+            </a:r>
           </a:p>
         </p:txBody>
       </p:sp>
@@ -4302,7 +4259,7 @@
     </p:spTree>
     <p:extLst>
       <p:ext uri="{BB962C8B-B14F-4D97-AF65-F5344CB8AC3E}">
-        <p14:creationId xmlns:p14="http://schemas.microsoft.com/office/powerpoint/2010/main" val="2678853194"/>
+        <p14:creationId xmlns:p14="http://schemas.microsoft.com/office/powerpoint/2010/main" val="1584262849"/>
       </p:ext>
     </p:extLst>
   </p:cSld>
@@ -4356,7 +4313,12 @@
           <a:bodyPr/>
           <a:lstStyle/>
           <a:p>
-            <a:endParaRPr lang="de-DE" i="1" baseline="0" dirty="0" smtClean="0"/>
+            <a:r>
+              <a:rPr lang="de-DE" i="0" u="none" baseline="0" dirty="0" smtClean="0">
+                <a:sym typeface="Wingdings" panose="05000000000000000000" pitchFamily="2" charset="2"/>
+              </a:rPr>
+              <a:t>Fakultät erklären, falls die Kids nicht wissen was die Fakultät ist</a:t>
+            </a:r>
           </a:p>
         </p:txBody>
       </p:sp>
@@ -4386,7 +4348,7 @@
     </p:spTree>
     <p:extLst>
       <p:ext uri="{BB962C8B-B14F-4D97-AF65-F5344CB8AC3E}">
-        <p14:creationId xmlns:p14="http://schemas.microsoft.com/office/powerpoint/2010/main" val="3705439041"/>
+        <p14:creationId xmlns:p14="http://schemas.microsoft.com/office/powerpoint/2010/main" val="2678853194"/>
       </p:ext>
     </p:extLst>
   </p:cSld>
@@ -4440,9 +4402,7 @@
           <a:bodyPr/>
           <a:lstStyle/>
           <a:p>
-            <a:endParaRPr lang="de-DE" i="0" u="none" baseline="0" dirty="0" smtClean="0">
-              <a:sym typeface="Wingdings" panose="05000000000000000000" pitchFamily="2" charset="2"/>
-            </a:endParaRPr>
+            <a:endParaRPr lang="de-DE" i="1" baseline="0" dirty="0" smtClean="0"/>
           </a:p>
         </p:txBody>
       </p:sp>
@@ -4472,7 +4432,7 @@
     </p:spTree>
     <p:extLst>
       <p:ext uri="{BB962C8B-B14F-4D97-AF65-F5344CB8AC3E}">
-        <p14:creationId xmlns:p14="http://schemas.microsoft.com/office/powerpoint/2010/main" val="2544278126"/>
+        <p14:creationId xmlns:p14="http://schemas.microsoft.com/office/powerpoint/2010/main" val="3705439041"/>
       </p:ext>
     </p:extLst>
   </p:cSld>
@@ -4526,20 +4486,9 @@
           <a:bodyPr/>
           <a:lstStyle/>
           <a:p>
-            <a:r>
-              <a:rPr lang="de-DE" i="0" u="none" baseline="0" dirty="0" smtClean="0">
-                <a:sym typeface="Wingdings" panose="05000000000000000000" pitchFamily="2" charset="2"/>
-              </a:rPr>
-              <a:t>Hier gibt es viel zu sehen, deshalb gehen wir das Beispiel noch ein Mal im Detail durch…</a:t>
-            </a:r>
-          </a:p>
-          <a:p>
-            <a:r>
-              <a:rPr lang="de-DE" i="0" u="none" baseline="0" dirty="0" smtClean="0">
-                <a:sym typeface="Wingdings" panose="05000000000000000000" pitchFamily="2" charset="2"/>
-              </a:rPr>
-              <a:t>(Auf den nächsten Folien)</a:t>
-            </a:r>
+            <a:endParaRPr lang="de-DE" i="0" u="none" baseline="0" dirty="0" smtClean="0">
+              <a:sym typeface="Wingdings" panose="05000000000000000000" pitchFamily="2" charset="2"/>
+            </a:endParaRPr>
           </a:p>
         </p:txBody>
       </p:sp>
@@ -4569,7 +4518,7 @@
     </p:spTree>
     <p:extLst>
       <p:ext uri="{BB962C8B-B14F-4D97-AF65-F5344CB8AC3E}">
-        <p14:creationId xmlns:p14="http://schemas.microsoft.com/office/powerpoint/2010/main" val="2359612141"/>
+        <p14:creationId xmlns:p14="http://schemas.microsoft.com/office/powerpoint/2010/main" val="2544278126"/>
       </p:ext>
     </p:extLst>
   </p:cSld>
@@ -4627,7 +4576,7 @@
               <a:rPr lang="de-DE" i="0" u="none" baseline="0" dirty="0" smtClean="0">
                 <a:sym typeface="Wingdings" panose="05000000000000000000" pitchFamily="2" charset="2"/>
               </a:rPr>
-              <a:t>Als aller erstes sehen wir hier die möglichen Arten ein Array zu definieren.</a:t>
+              <a:t>Hier gibt es viel zu sehen, deshalb gehen wir das Beispiel noch ein Mal im Detail durch…</a:t>
             </a:r>
           </a:p>
           <a:p>
@@ -4635,35 +4584,7 @@
               <a:rPr lang="de-DE" i="0" u="none" baseline="0" dirty="0" smtClean="0">
                 <a:sym typeface="Wingdings" panose="05000000000000000000" pitchFamily="2" charset="2"/>
               </a:rPr>
-              <a:t>Entweder man benutzt </a:t>
-            </a:r>
-            <a:r>
-              <a:rPr lang="de-DE" i="0" u="none" baseline="0" dirty="0" err="1" smtClean="0">
-                <a:sym typeface="Wingdings" panose="05000000000000000000" pitchFamily="2" charset="2"/>
-              </a:rPr>
-              <a:t>new</a:t>
-            </a:r>
-            <a:r>
-              <a:rPr lang="de-DE" i="0" u="none" baseline="0" dirty="0" smtClean="0">
-                <a:sym typeface="Wingdings" panose="05000000000000000000" pitchFamily="2" charset="2"/>
-              </a:rPr>
-              <a:t> wie bei Objekten und gibt in den eckigen Klammern die Größe an</a:t>
-            </a:r>
-          </a:p>
-          <a:p>
-            <a:r>
-              <a:rPr lang="de-DE" i="0" u="none" baseline="0" dirty="0" smtClean="0">
-                <a:sym typeface="Wingdings" panose="05000000000000000000" pitchFamily="2" charset="2"/>
-              </a:rPr>
-              <a:t>Oder man benutzt {} und gibt dazwischen durch Komma getrennt direkt Werte zum Initialisieren ein</a:t>
-            </a:r>
-          </a:p>
-          <a:p>
-            <a:r>
-              <a:rPr lang="de-DE" i="0" u="none" baseline="0" dirty="0" smtClean="0">
-                <a:sym typeface="Wingdings" panose="05000000000000000000" pitchFamily="2" charset="2"/>
-              </a:rPr>
-              <a:t>Die Größe des Arrays bestimmt sich dann aus der Anzahl der eingegebenen Werte.</a:t>
+              <a:t>(Auf den nächsten Folien)</a:t>
             </a:r>
           </a:p>
         </p:txBody>
@@ -4694,7 +4615,7 @@
     </p:spTree>
     <p:extLst>
       <p:ext uri="{BB962C8B-B14F-4D97-AF65-F5344CB8AC3E}">
-        <p14:creationId xmlns:p14="http://schemas.microsoft.com/office/powerpoint/2010/main" val="2756526697"/>
+        <p14:creationId xmlns:p14="http://schemas.microsoft.com/office/powerpoint/2010/main" val="2359612141"/>
       </p:ext>
     </p:extLst>
   </p:cSld>
@@ -4752,7 +4673,7 @@
               <a:rPr lang="de-DE" i="0" u="none" baseline="0" dirty="0" smtClean="0">
                 <a:sym typeface="Wingdings" panose="05000000000000000000" pitchFamily="2" charset="2"/>
               </a:rPr>
-              <a:t>Hier sehen wir wie man einzelne Elemente des Arrays manipulieren kann.</a:t>
+              <a:t>Als aller erstes sehen wir hier die möglichen Arten ein Array zu definieren.</a:t>
             </a:r>
           </a:p>
           <a:p>
@@ -4760,21 +4681,36 @@
               <a:rPr lang="de-DE" i="0" u="none" baseline="0" dirty="0" smtClean="0">
                 <a:sym typeface="Wingdings" panose="05000000000000000000" pitchFamily="2" charset="2"/>
               </a:rPr>
-              <a:t>Wir schreiben zum Beispiel in das erste Element des Arrays die Ganzzahl 7 und in das zweite die Ganzzahl 5</a:t>
-            </a:r>
-          </a:p>
-          <a:p>
+              <a:t>Entweder man benutzt </a:t>
+            </a:r>
+            <a:r>
+              <a:rPr lang="de-DE" i="0" u="none" baseline="0" dirty="0" err="1" smtClean="0">
+                <a:sym typeface="Wingdings" panose="05000000000000000000" pitchFamily="2" charset="2"/>
+              </a:rPr>
+              <a:t>new</a:t>
+            </a:r>
             <a:r>
               <a:rPr lang="de-DE" i="0" u="none" baseline="0" dirty="0" smtClean="0">
                 <a:sym typeface="Wingdings" panose="05000000000000000000" pitchFamily="2" charset="2"/>
               </a:rPr>
-              <a:t>Achtung: Das erste Element des Arrays hat immer den Index 0!</a:t>
-            </a:r>
-          </a:p>
-          <a:p>
-            <a:endParaRPr lang="de-DE" i="0" u="none" baseline="0" dirty="0" smtClean="0">
-              <a:sym typeface="Wingdings" panose="05000000000000000000" pitchFamily="2" charset="2"/>
-            </a:endParaRPr>
+              <a:t> wie bei Objekten und gibt in den eckigen Klammern die Größe an</a:t>
+            </a:r>
+          </a:p>
+          <a:p>
+            <a:r>
+              <a:rPr lang="de-DE" i="0" u="none" baseline="0" dirty="0" smtClean="0">
+                <a:sym typeface="Wingdings" panose="05000000000000000000" pitchFamily="2" charset="2"/>
+              </a:rPr>
+              <a:t>Oder man benutzt {} und gibt dazwischen durch Komma getrennt direkt Werte zum Initialisieren ein</a:t>
+            </a:r>
+          </a:p>
+          <a:p>
+            <a:r>
+              <a:rPr lang="de-DE" i="0" u="none" baseline="0" dirty="0" smtClean="0">
+                <a:sym typeface="Wingdings" panose="05000000000000000000" pitchFamily="2" charset="2"/>
+              </a:rPr>
+              <a:t>Die Größe des Arrays bestimmt sich dann aus der Anzahl der eingegebenen Werte.</a:t>
+            </a:r>
           </a:p>
         </p:txBody>
       </p:sp>
@@ -4804,7 +4740,7 @@
     </p:spTree>
     <p:extLst>
       <p:ext uri="{BB962C8B-B14F-4D97-AF65-F5344CB8AC3E}">
-        <p14:creationId xmlns:p14="http://schemas.microsoft.com/office/powerpoint/2010/main" val="3502370864"/>
+        <p14:creationId xmlns:p14="http://schemas.microsoft.com/office/powerpoint/2010/main" val="2756526697"/>
       </p:ext>
     </p:extLst>
   </p:cSld>
@@ -4862,7 +4798,7 @@
               <a:rPr lang="de-DE" i="0" u="none" baseline="0" dirty="0" smtClean="0">
                 <a:sym typeface="Wingdings" panose="05000000000000000000" pitchFamily="2" charset="2"/>
               </a:rPr>
-              <a:t>Wir können also praktisch x und y wie Variablen behandeln, solang wir einen Index angeben!</a:t>
+              <a:t>Hier sehen wir wie man einzelne Elemente des Arrays manipulieren kann.</a:t>
             </a:r>
           </a:p>
           <a:p>
@@ -4870,8 +4806,21 @@
               <a:rPr lang="de-DE" i="0" u="none" baseline="0" dirty="0" smtClean="0">
                 <a:sym typeface="Wingdings" panose="05000000000000000000" pitchFamily="2" charset="2"/>
               </a:rPr>
-              <a:t>Aber alle Elemente eines einzelnen Arrays müssen immer den gleichen Datentyp besitzen.</a:t>
-            </a:r>
+              <a:t>Wir schreiben zum Beispiel in das erste Element des Arrays die Ganzzahl 7 und in das zweite die Ganzzahl 5</a:t>
+            </a:r>
+          </a:p>
+          <a:p>
+            <a:r>
+              <a:rPr lang="de-DE" i="0" u="none" baseline="0" dirty="0" smtClean="0">
+                <a:sym typeface="Wingdings" panose="05000000000000000000" pitchFamily="2" charset="2"/>
+              </a:rPr>
+              <a:t>Achtung: Das erste Element des Arrays hat immer den Index 0!</a:t>
+            </a:r>
+          </a:p>
+          <a:p>
+            <a:endParaRPr lang="de-DE" i="0" u="none" baseline="0" dirty="0" smtClean="0">
+              <a:sym typeface="Wingdings" panose="05000000000000000000" pitchFamily="2" charset="2"/>
+            </a:endParaRPr>
           </a:p>
         </p:txBody>
       </p:sp>
@@ -4901,7 +4850,7 @@
     </p:spTree>
     <p:extLst>
       <p:ext uri="{BB962C8B-B14F-4D97-AF65-F5344CB8AC3E}">
-        <p14:creationId xmlns:p14="http://schemas.microsoft.com/office/powerpoint/2010/main" val="3445126100"/>
+        <p14:creationId xmlns:p14="http://schemas.microsoft.com/office/powerpoint/2010/main" val="3502370864"/>
       </p:ext>
     </p:extLst>
   </p:cSld>
@@ -4959,7 +4908,7 @@
               <a:rPr lang="de-DE" i="0" u="none" baseline="0" dirty="0" smtClean="0">
                 <a:sym typeface="Wingdings" panose="05000000000000000000" pitchFamily="2" charset="2"/>
               </a:rPr>
-              <a:t>Schließlich sehen wir hier noch, wie man die Länge des Arrays auslesen kann.</a:t>
+              <a:t>Wir können also praktisch x und y wie Variablen behandeln, solang wir einen Index angeben!</a:t>
             </a:r>
           </a:p>
           <a:p>
@@ -4967,13 +4916,8 @@
               <a:rPr lang="de-DE" i="0" u="none" baseline="0" dirty="0" smtClean="0">
                 <a:sym typeface="Wingdings" panose="05000000000000000000" pitchFamily="2" charset="2"/>
               </a:rPr>
-              <a:t>Allerdings kann man die Länge über dieses Attribut nicht verändern!</a:t>
-            </a:r>
-          </a:p>
-          <a:p>
-            <a:endParaRPr lang="de-DE" i="0" u="none" baseline="0" dirty="0" smtClean="0">
-              <a:sym typeface="Wingdings" panose="05000000000000000000" pitchFamily="2" charset="2"/>
-            </a:endParaRPr>
+              <a:t>Aber alle Elemente eines einzelnen Arrays müssen immer den gleichen Datentyp besitzen.</a:t>
+            </a:r>
           </a:p>
         </p:txBody>
       </p:sp>
@@ -5003,7 +4947,7 @@
     </p:spTree>
     <p:extLst>
       <p:ext uri="{BB962C8B-B14F-4D97-AF65-F5344CB8AC3E}">
-        <p14:creationId xmlns:p14="http://schemas.microsoft.com/office/powerpoint/2010/main" val="2208439998"/>
+        <p14:creationId xmlns:p14="http://schemas.microsoft.com/office/powerpoint/2010/main" val="3445126100"/>
       </p:ext>
     </p:extLst>
   </p:cSld>
@@ -5061,7 +5005,7 @@
               <a:rPr lang="de-DE" i="0" u="none" baseline="0" dirty="0" smtClean="0">
                 <a:sym typeface="Wingdings" panose="05000000000000000000" pitchFamily="2" charset="2"/>
               </a:rPr>
-              <a:t>Ich hoffe spätestens hier kommt die Frage auf, warum denn das eine Plus addiert und das andere nicht.</a:t>
+              <a:t>Schließlich sehen wir hier noch, wie man die Länge des Arrays auslesen kann.</a:t>
             </a:r>
           </a:p>
           <a:p>
@@ -5069,20 +5013,10 @@
               <a:rPr lang="de-DE" i="0" u="none" baseline="0" dirty="0" smtClean="0">
                 <a:sym typeface="Wingdings" panose="05000000000000000000" pitchFamily="2" charset="2"/>
               </a:rPr>
-              <a:t>Plus bei einem String ist die „</a:t>
-            </a:r>
-            <a:r>
-              <a:rPr lang="de-DE" i="0" u="none" baseline="0" dirty="0" err="1" smtClean="0">
-                <a:sym typeface="Wingdings" panose="05000000000000000000" pitchFamily="2" charset="2"/>
-              </a:rPr>
-              <a:t>Konkatenation</a:t>
-            </a:r>
-            <a:r>
-              <a:rPr lang="de-DE" i="0" u="none" baseline="0" dirty="0" smtClean="0">
-                <a:sym typeface="Wingdings" panose="05000000000000000000" pitchFamily="2" charset="2"/>
-              </a:rPr>
-              <a:t>“, also das aneinanderhängen von zwei Strings.</a:t>
-            </a:r>
+              <a:t>Allerdings kann man die Länge über dieses Attribut nicht verändern!</a:t>
+            </a:r>
+          </a:p>
+          <a:p>
             <a:endParaRPr lang="de-DE" i="0" u="none" baseline="0" dirty="0" smtClean="0">
               <a:sym typeface="Wingdings" panose="05000000000000000000" pitchFamily="2" charset="2"/>
             </a:endParaRPr>
@@ -5115,7 +5049,7 @@
     </p:spTree>
     <p:extLst>
       <p:ext uri="{BB962C8B-B14F-4D97-AF65-F5344CB8AC3E}">
-        <p14:creationId xmlns:p14="http://schemas.microsoft.com/office/powerpoint/2010/main" val="2332631835"/>
+        <p14:creationId xmlns:p14="http://schemas.microsoft.com/office/powerpoint/2010/main" val="2208439998"/>
       </p:ext>
     </p:extLst>
   </p:cSld>
@@ -5169,9 +5103,32 @@
           <a:bodyPr/>
           <a:lstStyle/>
           <a:p>
-            <a:endParaRPr lang="de-DE" i="0" u="none" baseline="0" dirty="0" smtClean="0">
-              <a:sym typeface="Wingdings" panose="05000000000000000000" pitchFamily="2" charset="2"/>
-            </a:endParaRPr>
+            <a:r>
+              <a:rPr lang="de-DE" i="0" u="none" baseline="0" dirty="0" smtClean="0">
+                <a:sym typeface="Wingdings" panose="05000000000000000000" pitchFamily="2" charset="2"/>
+              </a:rPr>
+              <a:t>Ich hoffe spätestens hier kommt die Frage auf, warum denn das eine Plus addiert und das andere nicht.</a:t>
+            </a:r>
+          </a:p>
+          <a:p>
+            <a:r>
+              <a:rPr lang="de-DE" i="0" u="none" baseline="0" dirty="0" smtClean="0">
+                <a:sym typeface="Wingdings" panose="05000000000000000000" pitchFamily="2" charset="2"/>
+              </a:rPr>
+              <a:t>Plus bei einem String ist die „</a:t>
+            </a:r>
+            <a:r>
+              <a:rPr lang="de-DE" i="0" u="none" baseline="0" dirty="0" err="1" smtClean="0">
+                <a:sym typeface="Wingdings" panose="05000000000000000000" pitchFamily="2" charset="2"/>
+              </a:rPr>
+              <a:t>Konkatenation</a:t>
+            </a:r>
+            <a:r>
+              <a:rPr lang="de-DE" i="0" u="none" baseline="0" dirty="0" smtClean="0">
+                <a:sym typeface="Wingdings" panose="05000000000000000000" pitchFamily="2" charset="2"/>
+              </a:rPr>
+              <a:t>“, also das aneinanderhängen von zwei Strings.</a:t>
+            </a:r>
           </a:p>
         </p:txBody>
       </p:sp>
@@ -5201,7 +5158,7 @@
     </p:spTree>
     <p:extLst>
       <p:ext uri="{BB962C8B-B14F-4D97-AF65-F5344CB8AC3E}">
-        <p14:creationId xmlns:p14="http://schemas.microsoft.com/office/powerpoint/2010/main" val="2158353836"/>
+        <p14:creationId xmlns:p14="http://schemas.microsoft.com/office/powerpoint/2010/main" val="2332631835"/>
       </p:ext>
     </p:extLst>
   </p:cSld>
@@ -5355,46 +5312,9 @@
           <a:bodyPr/>
           <a:lstStyle/>
           <a:p>
-            <a:r>
-              <a:rPr lang="de-DE" smtClean="0"/>
-              <a:t>Willkommen zum Java-Kurs</a:t>
-            </a:r>
-            <a:r>
-              <a:rPr lang="de-DE" baseline="0" smtClean="0"/>
-              <a:t> mit unserem humanoiden Roboter NAO</a:t>
-            </a:r>
-            <a:r>
-              <a:rPr lang="de-DE" baseline="0" dirty="0" smtClean="0"/>
-              <a:t>.</a:t>
-            </a:r>
-          </a:p>
-          <a:p>
-            <a:r>
-              <a:rPr lang="de-DE" baseline="0" smtClean="0"/>
-              <a:t>Wir lernen heute die ersten Schritte um mit der Programmiersprache „Java“ umzugehen</a:t>
-            </a:r>
-            <a:r>
-              <a:rPr lang="de-DE" baseline="0" dirty="0" smtClean="0"/>
-              <a:t>.</a:t>
-            </a:r>
-          </a:p>
-          <a:p>
-            <a:endParaRPr lang="de-DE" baseline="0" dirty="0" smtClean="0"/>
-          </a:p>
-          <a:p>
-            <a:r>
-              <a:rPr lang="de-DE" i="1" baseline="0" smtClean="0"/>
-              <a:t>Überleitung: </a:t>
-            </a:r>
-            <a:r>
-              <a:rPr lang="de-DE" baseline="0" smtClean="0"/>
-              <a:t>Java ist eine von sehr vielen Programmiersprachen, mit denen man einem Computer genau sagen kann was er machen soll</a:t>
-            </a:r>
-            <a:r>
-              <a:rPr lang="de-DE" baseline="0" dirty="0" smtClean="0"/>
-              <a:t>.</a:t>
-            </a:r>
-            <a:endParaRPr lang="de-DE" baseline="0" dirty="0"/>
+            <a:endParaRPr lang="de-DE" i="0" u="none" baseline="0" dirty="0" smtClean="0">
+              <a:sym typeface="Wingdings" panose="05000000000000000000" pitchFamily="2" charset="2"/>
+            </a:endParaRPr>
           </a:p>
         </p:txBody>
       </p:sp>
@@ -5417,14 +5337,14 @@
               <a:rPr lang="de-DE" smtClean="0"/>
               <a:t>50</a:t>
             </a:fld>
-            <a:endParaRPr lang="de-DE" dirty="0"/>
+            <a:endParaRPr lang="de-DE"/>
           </a:p>
         </p:txBody>
       </p:sp>
     </p:spTree>
     <p:extLst>
       <p:ext uri="{BB962C8B-B14F-4D97-AF65-F5344CB8AC3E}">
-        <p14:creationId xmlns:p14="http://schemas.microsoft.com/office/powerpoint/2010/main" val="1292877850"/>
+        <p14:creationId xmlns:p14="http://schemas.microsoft.com/office/powerpoint/2010/main" val="2158353836"/>
       </p:ext>
     </p:extLst>
   </p:cSld>
@@ -5478,9 +5398,46 @@
           <a:bodyPr/>
           <a:lstStyle/>
           <a:p>
-            <a:endParaRPr lang="de-DE" i="0" u="none" baseline="0" dirty="0" smtClean="0">
-              <a:sym typeface="Wingdings" panose="05000000000000000000" pitchFamily="2" charset="2"/>
-            </a:endParaRPr>
+            <a:r>
+              <a:rPr lang="de-DE" smtClean="0"/>
+              <a:t>Willkommen zum Java-Kurs</a:t>
+            </a:r>
+            <a:r>
+              <a:rPr lang="de-DE" baseline="0" smtClean="0"/>
+              <a:t> mit unserem humanoiden Roboter NAO</a:t>
+            </a:r>
+            <a:r>
+              <a:rPr lang="de-DE" baseline="0" dirty="0" smtClean="0"/>
+              <a:t>.</a:t>
+            </a:r>
+          </a:p>
+          <a:p>
+            <a:r>
+              <a:rPr lang="de-DE" baseline="0" smtClean="0"/>
+              <a:t>Wir lernen heute die ersten Schritte um mit der Programmiersprache „Java“ umzugehen</a:t>
+            </a:r>
+            <a:r>
+              <a:rPr lang="de-DE" baseline="0" dirty="0" smtClean="0"/>
+              <a:t>.</a:t>
+            </a:r>
+          </a:p>
+          <a:p>
+            <a:endParaRPr lang="de-DE" baseline="0" dirty="0" smtClean="0"/>
+          </a:p>
+          <a:p>
+            <a:r>
+              <a:rPr lang="de-DE" i="1" baseline="0" smtClean="0"/>
+              <a:t>Überleitung: </a:t>
+            </a:r>
+            <a:r>
+              <a:rPr lang="de-DE" baseline="0" smtClean="0"/>
+              <a:t>Java ist eine von sehr vielen Programmiersprachen, mit denen man einem Computer genau sagen kann was er machen soll</a:t>
+            </a:r>
+            <a:r>
+              <a:rPr lang="de-DE" baseline="0" dirty="0" smtClean="0"/>
+              <a:t>.</a:t>
+            </a:r>
+            <a:endParaRPr lang="de-DE" baseline="0" dirty="0"/>
           </a:p>
         </p:txBody>
       </p:sp>
@@ -5502,6 +5459,92 @@
             <a:fld id="{16070E50-C463-4A5B-AC29-20274F3F33D2}" type="slidenum">
               <a:rPr lang="de-DE" smtClean="0"/>
               <a:t>51</a:t>
+            </a:fld>
+            <a:endParaRPr lang="de-DE" dirty="0"/>
+          </a:p>
+        </p:txBody>
+      </p:sp>
+    </p:spTree>
+    <p:extLst>
+      <p:ext uri="{BB962C8B-B14F-4D97-AF65-F5344CB8AC3E}">
+        <p14:creationId xmlns:p14="http://schemas.microsoft.com/office/powerpoint/2010/main" val="1292877850"/>
+      </p:ext>
+    </p:extLst>
+  </p:cSld>
+  <p:clrMapOvr>
+    <a:masterClrMapping/>
+  </p:clrMapOvr>
+</p:notes>
+</file>
+
+<file path=ppt/notesSlides/notesSlide52.xml><?xml version="1.0" encoding="utf-8"?>
+<p:notes xmlns:a="http://schemas.openxmlformats.org/drawingml/2006/main" xmlns:r="http://schemas.openxmlformats.org/officeDocument/2006/relationships" xmlns:p="http://schemas.openxmlformats.org/presentationml/2006/main">
+  <p:cSld>
+    <p:spTree>
+      <p:nvGrpSpPr>
+        <p:cNvPr id="1" name=""/>
+        <p:cNvGrpSpPr/>
+        <p:nvPr/>
+      </p:nvGrpSpPr>
+      <p:grpSpPr>
+        <a:xfrm>
+          <a:off x="0" y="0"/>
+          <a:ext cx="0" cy="0"/>
+          <a:chOff x="0" y="0"/>
+          <a:chExt cx="0" cy="0"/>
+        </a:xfrm>
+      </p:grpSpPr>
+      <p:sp>
+        <p:nvSpPr>
+          <p:cNvPr id="2" name="Folienbildplatzhalter 1"/>
+          <p:cNvSpPr>
+            <a:spLocks noGrp="1" noRot="1" noChangeAspect="1"/>
+          </p:cNvSpPr>
+          <p:nvPr>
+            <p:ph type="sldImg"/>
+          </p:nvPr>
+        </p:nvSpPr>
+        <p:spPr/>
+      </p:sp>
+      <p:sp>
+        <p:nvSpPr>
+          <p:cNvPr id="3" name="Notizenplatzhalter 2"/>
+          <p:cNvSpPr>
+            <a:spLocks noGrp="1"/>
+          </p:cNvSpPr>
+          <p:nvPr>
+            <p:ph type="body" idx="1"/>
+          </p:nvPr>
+        </p:nvSpPr>
+        <p:spPr/>
+        <p:txBody>
+          <a:bodyPr/>
+          <a:lstStyle/>
+          <a:p>
+            <a:endParaRPr lang="de-DE" i="0" u="none" baseline="0" dirty="0" smtClean="0">
+              <a:sym typeface="Wingdings" panose="05000000000000000000" pitchFamily="2" charset="2"/>
+            </a:endParaRPr>
+          </a:p>
+        </p:txBody>
+      </p:sp>
+      <p:sp>
+        <p:nvSpPr>
+          <p:cNvPr id="4" name="Foliennummernplatzhalter 3"/>
+          <p:cNvSpPr>
+            <a:spLocks noGrp="1"/>
+          </p:cNvSpPr>
+          <p:nvPr>
+            <p:ph type="sldNum" sz="quarter" idx="10"/>
+          </p:nvPr>
+        </p:nvSpPr>
+        <p:spPr/>
+        <p:txBody>
+          <a:bodyPr/>
+          <a:lstStyle/>
+          <a:p>
+            <a:fld id="{16070E50-C463-4A5B-AC29-20274F3F33D2}" type="slidenum">
+              <a:rPr lang="de-DE" smtClean="0"/>
+              <a:t>52</a:t>
             </a:fld>
             <a:endParaRPr lang="de-DE"/>
           </a:p>
@@ -5852,22 +5895,14 @@
           <a:lstStyle/>
           <a:p>
             <a:r>
-              <a:rPr lang="de-DE" baseline="0" smtClean="0"/>
-              <a:t>Betrachten wir noch einmal die beiden Befehlsfolgen von grade</a:t>
-            </a:r>
-            <a:r>
               <a:rPr lang="de-DE" baseline="0" dirty="0" smtClean="0"/>
-              <a:t>.</a:t>
-            </a:r>
-          </a:p>
-          <a:p>
-            <a:r>
-              <a:rPr lang="de-DE" baseline="0" smtClean="0"/>
-              <a:t>Eine der beiden ist in menschlicher Sprache und eine in der Programmiersprache Java, welche der Computer verstehen kann</a:t>
-            </a:r>
+              <a:t>Betrachten wir noch einmal die beiden Befehlsfolgen von grade.</a:t>
+            </a:r>
+          </a:p>
+          <a:p>
             <a:r>
               <a:rPr lang="de-DE" baseline="0" dirty="0" smtClean="0"/>
-              <a:t>.</a:t>
+              <a:t>Eine der beiden ist in menschlicher Sprache und eine in der Programmiersprache Java, welche der Computer verstehen kann.</a:t>
             </a:r>
           </a:p>
           <a:p>
@@ -5875,42 +5910,34 @@
           </a:p>
           <a:p>
             <a:r>
-              <a:rPr lang="de-DE" u="sng" baseline="0" smtClean="0"/>
+              <a:rPr lang="de-DE" u="sng" baseline="0" dirty="0" smtClean="0"/>
               <a:t>Semantik</a:t>
             </a:r>
             <a:r>
-              <a:rPr lang="de-DE" baseline="0" smtClean="0"/>
-              <a:t> beschreibt die Bedeutung des Programmes</a:t>
-            </a:r>
-            <a:r>
               <a:rPr lang="de-DE" baseline="0" dirty="0" smtClean="0"/>
-              <a:t>.</a:t>
-            </a:r>
-          </a:p>
-          <a:p>
-            <a:r>
-              <a:rPr lang="de-DE" baseline="0" smtClean="0"/>
+              <a:t> beschreibt die Bedeutung des Programmes.</a:t>
+            </a:r>
+          </a:p>
+          <a:p>
+            <a:r>
+              <a:rPr lang="de-DE" baseline="0" dirty="0" smtClean="0"/>
               <a:t>Bezogen auf unsere beiden Befehlsfolgen könnte man also </a:t>
             </a:r>
             <a:r>
-              <a:rPr lang="de-DE" b="1" i="0" baseline="0" smtClean="0"/>
+              <a:rPr lang="de-DE" b="1" i="0" baseline="0" dirty="0" smtClean="0"/>
               <a:t>vereinfacht</a:t>
             </a:r>
             <a:r>
-              <a:rPr lang="de-DE" baseline="0" smtClean="0"/>
+              <a:rPr lang="de-DE" baseline="0" dirty="0" smtClean="0"/>
               <a:t> sagen beide haben </a:t>
             </a:r>
             <a:r>
-              <a:rPr lang="de-DE" b="1" i="0" baseline="0" smtClean="0"/>
+              <a:rPr lang="de-DE" b="1" i="0" baseline="0" dirty="0" smtClean="0"/>
               <a:t>ungefähr </a:t>
             </a:r>
             <a:r>
-              <a:rPr lang="de-DE" baseline="0" smtClean="0"/>
-              <a:t>die selbe Bedeutung</a:t>
-            </a:r>
-            <a:r>
               <a:rPr lang="de-DE" baseline="0" dirty="0" smtClean="0"/>
-              <a:t>.</a:t>
+              <a:t>die selbe Bedeutung.</a:t>
             </a:r>
           </a:p>
           <a:p>
@@ -5918,77 +5945,127 @@
           </a:p>
           <a:p>
             <a:r>
-              <a:rPr lang="de-DE" u="sng" baseline="0" smtClean="0"/>
+              <a:rPr lang="de-DE" u="sng" baseline="0" dirty="0" smtClean="0"/>
               <a:t>Syntax</a:t>
             </a:r>
             <a:r>
-              <a:rPr lang="de-DE" u="none" baseline="0" smtClean="0"/>
-              <a:t> hingegen beschreibt die Form des Programmes</a:t>
-            </a:r>
-            <a:r>
               <a:rPr lang="de-DE" u="none" baseline="0" dirty="0" smtClean="0"/>
-              <a:t>.</a:t>
-            </a:r>
-          </a:p>
-          <a:p>
-            <a:r>
-              <a:rPr lang="de-DE" u="none" baseline="0" smtClean="0"/>
-              <a:t>Also wie es geschrieben ist</a:t>
-            </a:r>
+              <a:t> hingegen beschreibt die Form des Programmes.</a:t>
+            </a:r>
+          </a:p>
+          <a:p>
             <a:r>
               <a:rPr lang="de-DE" u="none" baseline="0" dirty="0" smtClean="0"/>
-              <a:t>.</a:t>
-            </a:r>
-          </a:p>
-          <a:p>
-            <a:r>
-              <a:rPr lang="de-DE" u="none" baseline="0" smtClean="0"/>
-              <a:t>Diese ist bei den beiden Befehlsfolgen stark unterschiedlich</a:t>
-            </a:r>
+              <a:t>Also wie es geschrieben ist.</a:t>
+            </a:r>
+          </a:p>
+          <a:p>
             <a:r>
               <a:rPr lang="de-DE" u="none" baseline="0" dirty="0" smtClean="0"/>
-              <a:t>.</a:t>
-            </a:r>
-          </a:p>
-          <a:p>
-            <a:r>
-              <a:rPr lang="de-DE" u="none" baseline="0" smtClean="0"/>
-              <a:t>Während es für Menschen viele Arten gibt zu sagen das man eine mathematische Variable x mit einem bestimmten Wert hat, gibt es für den Computer nur sehr wenige oder sogar nur eine einzige</a:t>
-            </a:r>
+              <a:t>Diese ist bei den beiden Befehlsfolgen stark unterschiedlich.</a:t>
+            </a:r>
+          </a:p>
+          <a:p>
             <a:r>
               <a:rPr lang="de-DE" u="none" baseline="0" dirty="0" smtClean="0"/>
-              <a:t>.</a:t>
+              <a:t>Während es für Menschen viele Arten gibt zu sagen das man eine mathematische Variable x mit einem bestimmten Wert hat, gibt es für den Computer nur sehr wenige oder sogar nur eine einzige.</a:t>
             </a:r>
           </a:p>
           <a:p>
             <a:endParaRPr lang="de-DE" u="none" baseline="0" dirty="0" smtClean="0"/>
           </a:p>
           <a:p>
-            <a:r>
-              <a:rPr lang="de-DE" u="none" baseline="0" smtClean="0"/>
-              <a:t>Dies ist allerdings besonders wichtig, da es so zu keinen Unklarheiten bei der Kommunikation zwischen Mensch und Computer kommen kann</a:t>
-            </a:r>
+            <a:pPr marL="0" marR="0" lvl="0" indent="0" algn="l" defTabSz="914400" rtl="0" eaLnBrk="1" fontAlgn="auto" latinLnBrk="0" hangingPunct="1">
+              <a:lnSpc>
+                <a:spcPct val="100000"/>
+              </a:lnSpc>
+              <a:spcBef>
+                <a:spcPts val="0"/>
+              </a:spcBef>
+              <a:spcAft>
+                <a:spcPts val="0"/>
+              </a:spcAft>
+              <a:buClrTx/>
+              <a:buSzTx/>
+              <a:buFontTx/>
+              <a:buNone/>
+              <a:tabLst/>
+              <a:defRPr/>
+            </a:pPr>
+            <a:r>
+              <a:rPr lang="de-DE" baseline="0" dirty="0" smtClean="0"/>
+              <a:t>Wenn man beispielsweise den gleichen Satz auf Englisch und Deutsch sagt ist die Semantik gleich,</a:t>
+            </a:r>
+          </a:p>
+          <a:p>
+            <a:pPr marL="0" marR="0" lvl="0" indent="0" algn="l" defTabSz="914400" rtl="0" eaLnBrk="1" fontAlgn="auto" latinLnBrk="0" hangingPunct="1">
+              <a:lnSpc>
+                <a:spcPct val="100000"/>
+              </a:lnSpc>
+              <a:spcBef>
+                <a:spcPts val="0"/>
+              </a:spcBef>
+              <a:spcAft>
+                <a:spcPts val="0"/>
+              </a:spcAft>
+              <a:buClrTx/>
+              <a:buSzTx/>
+              <a:buFontTx/>
+              <a:buNone/>
+              <a:tabLst/>
+              <a:defRPr/>
+            </a:pPr>
             <a:r>
               <a:rPr lang="de-DE" u="none" baseline="0" dirty="0" smtClean="0"/>
-              <a:t>.</a:t>
-            </a:r>
-          </a:p>
-          <a:p>
-            <a:r>
-              <a:rPr lang="de-DE" i="1" u="none" baseline="0" smtClean="0"/>
+              <a:t>aber die Syntax anders. Auch wenn man das gleiche auf Deutsch auf zwei Arten sagen kann ist die Semantik gleich aber die Syntax verschieden.</a:t>
+            </a:r>
+          </a:p>
+          <a:p>
+            <a:pPr marL="0" marR="0" lvl="0" indent="0" algn="l" defTabSz="914400" rtl="0" eaLnBrk="1" fontAlgn="auto" latinLnBrk="0" hangingPunct="1">
+              <a:lnSpc>
+                <a:spcPct val="100000"/>
+              </a:lnSpc>
+              <a:spcBef>
+                <a:spcPts val="0"/>
+              </a:spcBef>
+              <a:spcAft>
+                <a:spcPts val="0"/>
+              </a:spcAft>
+              <a:buClrTx/>
+              <a:buSzTx/>
+              <a:buFontTx/>
+              <a:buNone/>
+              <a:tabLst/>
+              <a:defRPr/>
+            </a:pPr>
+            <a:r>
+              <a:rPr lang="de-DE" u="none" baseline="0" dirty="0" err="1" smtClean="0"/>
+              <a:t>Bsp</a:t>
+            </a:r>
+            <a:r>
+              <a:rPr lang="de-DE" u="none" baseline="0" dirty="0" smtClean="0"/>
+              <a:t>: Mein Name ist Tarek Chebbi. VS Ich heiße Tarek Chebbi.</a:t>
+            </a:r>
+          </a:p>
+          <a:p>
+            <a:endParaRPr lang="de-DE" u="none" baseline="0" dirty="0" smtClean="0"/>
+          </a:p>
+          <a:p>
+            <a:r>
+              <a:rPr lang="de-DE" u="none" baseline="0" dirty="0" smtClean="0"/>
+              <a:t>Dies ist allerdings besonders wichtig, da es so zu keinen Unklarheiten bei der Kommunikation zwischen Mensch und Computer kommen kann.</a:t>
+            </a:r>
+          </a:p>
+          <a:p>
+            <a:r>
+              <a:rPr lang="de-DE" i="1" u="none" baseline="0" dirty="0" smtClean="0"/>
               <a:t>(Und wenn doch, hat der Mensch einen Fehler gemacht </a:t>
-            </a:r>
-            <a:r>
-              <a:rPr lang="de-DE" i="1" u="none" baseline="0" smtClean="0">
-                <a:sym typeface="Wingdings" panose="05000000000000000000" pitchFamily="2" charset="2"/>
-              </a:rPr>
-              <a:t></a:t>
             </a:r>
             <a:r>
               <a:rPr lang="de-DE" i="1" u="none" baseline="0" dirty="0" smtClean="0">
                 <a:sym typeface="Wingdings" panose="05000000000000000000" pitchFamily="2" charset="2"/>
               </a:rPr>
-              <a:t>)</a:t>
+              <a:t>)</a:t>
             </a:r>
           </a:p>
         </p:txBody>
@@ -6218,7 +6295,7 @@
           <a:p>
             <a:fld id="{82DEAF87-53B6-4B16-83D2-2F0231427512}" type="datetimeFigureOut">
               <a:rPr lang="de-DE" smtClean="0"/>
-              <a:t>07.04.2017</a:t>
+              <a:t>08.05.2017</a:t>
             </a:fld>
             <a:endParaRPr lang="de-DE"/>
           </a:p>
@@ -6435,7 +6512,7 @@
           <a:p>
             <a:fld id="{82DEAF87-53B6-4B16-83D2-2F0231427512}" type="datetimeFigureOut">
               <a:rPr lang="de-DE" smtClean="0"/>
-              <a:t>07.04.2017</a:t>
+              <a:t>08.05.2017</a:t>
             </a:fld>
             <a:endParaRPr lang="de-DE"/>
           </a:p>
@@ -6645,7 +6722,7 @@
           <a:p>
             <a:fld id="{82DEAF87-53B6-4B16-83D2-2F0231427512}" type="datetimeFigureOut">
               <a:rPr lang="de-DE" smtClean="0"/>
-              <a:t>07.04.2017</a:t>
+              <a:t>08.05.2017</a:t>
             </a:fld>
             <a:endParaRPr lang="de-DE"/>
           </a:p>
@@ -6921,7 +6998,7 @@
           <a:p>
             <a:fld id="{82DEAF87-53B6-4B16-83D2-2F0231427512}" type="datetimeFigureOut">
               <a:rPr lang="de-DE" smtClean="0"/>
-              <a:t>07.04.2017</a:t>
+              <a:t>08.05.2017</a:t>
             </a:fld>
             <a:endParaRPr lang="de-DE"/>
           </a:p>
@@ -7204,7 +7281,7 @@
           <a:p>
             <a:fld id="{82DEAF87-53B6-4B16-83D2-2F0231427512}" type="datetimeFigureOut">
               <a:rPr lang="de-DE" smtClean="0"/>
-              <a:t>07.04.2017</a:t>
+              <a:t>08.05.2017</a:t>
             </a:fld>
             <a:endParaRPr lang="de-DE"/>
           </a:p>
@@ -7530,7 +7607,7 @@
           <a:p>
             <a:fld id="{82DEAF87-53B6-4B16-83D2-2F0231427512}" type="datetimeFigureOut">
               <a:rPr lang="de-DE" smtClean="0"/>
-              <a:t>07.04.2017</a:t>
+              <a:t>08.05.2017</a:t>
             </a:fld>
             <a:endParaRPr lang="de-DE"/>
           </a:p>
@@ -7996,7 +8073,7 @@
           <a:p>
             <a:fld id="{82DEAF87-53B6-4B16-83D2-2F0231427512}" type="datetimeFigureOut">
               <a:rPr lang="de-DE" smtClean="0"/>
-              <a:t>07.04.2017</a:t>
+              <a:t>08.05.2017</a:t>
             </a:fld>
             <a:endParaRPr lang="de-DE"/>
           </a:p>
@@ -8146,7 +8223,7 @@
           <a:p>
             <a:fld id="{82DEAF87-53B6-4B16-83D2-2F0231427512}" type="datetimeFigureOut">
               <a:rPr lang="de-DE" smtClean="0"/>
-              <a:t>07.04.2017</a:t>
+              <a:t>08.05.2017</a:t>
             </a:fld>
             <a:endParaRPr lang="de-DE"/>
           </a:p>
@@ -8265,7 +8342,7 @@
           <a:p>
             <a:fld id="{82DEAF87-53B6-4B16-83D2-2F0231427512}" type="datetimeFigureOut">
               <a:rPr lang="de-DE" smtClean="0"/>
-              <a:t>07.04.2017</a:t>
+              <a:t>08.05.2017</a:t>
             </a:fld>
             <a:endParaRPr lang="de-DE"/>
           </a:p>
@@ -8575,7 +8652,7 @@
           <a:p>
             <a:fld id="{82DEAF87-53B6-4B16-83D2-2F0231427512}" type="datetimeFigureOut">
               <a:rPr lang="de-DE" smtClean="0"/>
-              <a:t>07.04.2017</a:t>
+              <a:t>08.05.2017</a:t>
             </a:fld>
             <a:endParaRPr lang="de-DE"/>
           </a:p>
@@ -8861,7 +8938,7 @@
           <a:p>
             <a:fld id="{82DEAF87-53B6-4B16-83D2-2F0231427512}" type="datetimeFigureOut">
               <a:rPr lang="de-DE" smtClean="0"/>
-              <a:t>07.04.2017</a:t>
+              <a:t>08.05.2017</a:t>
             </a:fld>
             <a:endParaRPr lang="de-DE"/>
           </a:p>
@@ -10240,7 +10317,7 @@
       </p:sp>
       <p:pic>
         <p:nvPicPr>
-          <p:cNvPr id="7" name="Grafik 6"/>
+          <p:cNvPr id="4" name="Grafik 3"/>
           <p:cNvPicPr>
             <a:picLocks noChangeAspect="1"/>
           </p:cNvPicPr>
@@ -10260,8 +10337,38 @@
         </p:blipFill>
         <p:spPr>
           <a:xfrm>
-            <a:off x="3865660" y="1275008"/>
-            <a:ext cx="4810796" cy="1438476"/>
+            <a:off x="4680012" y="1669368"/>
+            <a:ext cx="3077004" cy="647790"/>
+          </a:xfrm>
+          <a:prstGeom prst="rect">
+            <a:avLst/>
+          </a:prstGeom>
+        </p:spPr>
+      </p:pic>
+      <p:pic>
+        <p:nvPicPr>
+          <p:cNvPr id="5" name="Grafik 4"/>
+          <p:cNvPicPr>
+            <a:picLocks noChangeAspect="1"/>
+          </p:cNvPicPr>
+          <p:nvPr/>
+        </p:nvPicPr>
+        <p:blipFill>
+          <a:blip r:embed="rId4">
+            <a:extLst>
+              <a:ext uri="{28A0092B-C50C-407E-A947-70E740481C1C}">
+                <a14:useLocalDpi xmlns:a14="http://schemas.microsoft.com/office/drawing/2010/main" val="0"/>
+              </a:ext>
+            </a:extLst>
+          </a:blip>
+          <a:stretch>
+            <a:fillRect/>
+          </a:stretch>
+        </p:blipFill>
+        <p:spPr>
+          <a:xfrm>
+            <a:off x="4680012" y="1669368"/>
+            <a:ext cx="3077004" cy="647790"/>
           </a:xfrm>
           <a:prstGeom prst="rect">
             <a:avLst/>
@@ -10353,6 +10460,76 @@
                                   </p:childTnLst>
                                 </p:cTn>
                               </p:par>
+                              <p:par>
+                                <p:cTn id="8" presetID="10" presetClass="exit" presetSubtype="0" fill="hold" nodeType="withEffect">
+                                  <p:stCondLst>
+                                    <p:cond delay="0"/>
+                                  </p:stCondLst>
+                                  <p:childTnLst>
+                                    <p:animEffect transition="out" filter="fade">
+                                      <p:cBhvr>
+                                        <p:cTn id="9" dur="500"/>
+                                        <p:tgtEl>
+                                          <p:spTgt spid="4"/>
+                                        </p:tgtEl>
+                                      </p:cBhvr>
+                                    </p:animEffect>
+                                    <p:set>
+                                      <p:cBhvr>
+                                        <p:cTn id="10" dur="1" fill="hold">
+                                          <p:stCondLst>
+                                            <p:cond delay="499"/>
+                                          </p:stCondLst>
+                                        </p:cTn>
+                                        <p:tgtEl>
+                                          <p:spTgt spid="4"/>
+                                        </p:tgtEl>
+                                        <p:attrNameLst>
+                                          <p:attrName>style.visibility</p:attrName>
+                                        </p:attrNameLst>
+                                      </p:cBhvr>
+                                      <p:to>
+                                        <p:strVal val="hidden"/>
+                                      </p:to>
+                                    </p:set>
+                                  </p:childTnLst>
+                                </p:cTn>
+                              </p:par>
+                              <p:par>
+                                <p:cTn id="11" presetID="10" presetClass="entr" presetSubtype="0" fill="hold" nodeType="withEffect">
+                                  <p:stCondLst>
+                                    <p:cond delay="0"/>
+                                  </p:stCondLst>
+                                  <p:childTnLst>
+                                    <p:set>
+                                      <p:cBhvr>
+                                        <p:cTn id="12" dur="1" fill="hold">
+                                          <p:stCondLst>
+                                            <p:cond delay="0"/>
+                                          </p:stCondLst>
+                                        </p:cTn>
+                                        <p:tgtEl>
+                                          <p:spTgt spid="5"/>
+                                        </p:tgtEl>
+                                        <p:attrNameLst>
+                                          <p:attrName>style.visibility</p:attrName>
+                                        </p:attrNameLst>
+                                      </p:cBhvr>
+                                      <p:to>
+                                        <p:strVal val="visible"/>
+                                      </p:to>
+                                    </p:set>
+                                    <p:animEffect transition="in" filter="fade">
+                                      <p:cBhvr>
+                                        <p:cTn id="13" dur="500"/>
+                                        <p:tgtEl>
+                                          <p:spTgt spid="5"/>
+                                        </p:tgtEl>
+                                      </p:cBhvr>
+                                    </p:animEffect>
+                                  </p:childTnLst>
+                                </p:cTn>
+                              </p:par>
                             </p:childTnLst>
                           </p:cTn>
                         </p:par>
@@ -10507,7 +10684,7 @@
       </p:sp>
       <p:pic>
         <p:nvPicPr>
-          <p:cNvPr id="7" name="Grafik 6"/>
+          <p:cNvPr id="5" name="Grafik 4"/>
           <p:cNvPicPr>
             <a:picLocks noChangeAspect="1"/>
           </p:cNvPicPr>
@@ -10527,8 +10704,8 @@
         </p:blipFill>
         <p:spPr>
           <a:xfrm>
-            <a:off x="3865660" y="2246274"/>
-            <a:ext cx="4810796" cy="1438476"/>
+            <a:off x="4680012" y="1669368"/>
+            <a:ext cx="3077004" cy="647790"/>
           </a:xfrm>
           <a:prstGeom prst="rect">
             <a:avLst/>
@@ -10560,7 +10737,73 @@
   <p:timing>
     <p:tnLst>
       <p:par>
-        <p:cTn id="1" dur="indefinite" restart="never" nodeType="tmRoot"/>
+        <p:cTn id="1" dur="indefinite" restart="never" nodeType="tmRoot">
+          <p:childTnLst>
+            <p:seq concurrent="1" nextAc="seek">
+              <p:cTn id="2" dur="indefinite" nodeType="mainSeq">
+                <p:childTnLst>
+                  <p:par>
+                    <p:cTn id="3" fill="hold">
+                      <p:stCondLst>
+                        <p:cond delay="indefinite"/>
+                        <p:cond evt="onBegin" delay="0">
+                          <p:tn val="2"/>
+                        </p:cond>
+                      </p:stCondLst>
+                      <p:childTnLst>
+                        <p:par>
+                          <p:cTn id="4" fill="hold">
+                            <p:stCondLst>
+                              <p:cond delay="0"/>
+                            </p:stCondLst>
+                            <p:childTnLst>
+                              <p:par>
+                                <p:cTn id="5" presetID="42" presetClass="path" presetSubtype="0" accel="50000" decel="50000" fill="hold" nodeType="withEffect">
+                                  <p:stCondLst>
+                                    <p:cond delay="0"/>
+                                  </p:stCondLst>
+                                  <p:childTnLst>
+                                    <p:animMotion origin="layout" path="M -4.72222E-6 1.11111E-6 L 0.00105 0.17 " pathEditMode="relative" rAng="0" ptsTypes="AA">
+                                      <p:cBhvr>
+                                        <p:cTn id="6" dur="2000" fill="hold"/>
+                                        <p:tgtEl>
+                                          <p:spTgt spid="5"/>
+                                        </p:tgtEl>
+                                        <p:attrNameLst>
+                                          <p:attrName>ppt_x</p:attrName>
+                                          <p:attrName>ppt_y</p:attrName>
+                                        </p:attrNameLst>
+                                      </p:cBhvr>
+                                      <p:rCtr x="52" y="8500"/>
+                                    </p:animMotion>
+                                  </p:childTnLst>
+                                </p:cTn>
+                              </p:par>
+                            </p:childTnLst>
+                          </p:cTn>
+                        </p:par>
+                      </p:childTnLst>
+                    </p:cTn>
+                  </p:par>
+                </p:childTnLst>
+              </p:cTn>
+              <p:prevCondLst>
+                <p:cond evt="onPrev" delay="0">
+                  <p:tgtEl>
+                    <p:sldTgt/>
+                  </p:tgtEl>
+                </p:cond>
+              </p:prevCondLst>
+              <p:nextCondLst>
+                <p:cond evt="onNext" delay="0">
+                  <p:tgtEl>
+                    <p:sldTgt/>
+                  </p:tgtEl>
+                </p:cond>
+              </p:nextCondLst>
+            </p:seq>
+          </p:childTnLst>
+        </p:cTn>
       </p:par>
     </p:tnLst>
   </p:timing>
@@ -11555,7 +11798,7 @@
         </p:blipFill>
         <p:spPr>
           <a:xfrm>
-            <a:off x="5480143" y="1201316"/>
+            <a:off x="5078077" y="1927979"/>
             <a:ext cx="2705478" cy="495369"/>
           </a:xfrm>
           <a:prstGeom prst="rect">
@@ -11585,7 +11828,7 @@
         </p:blipFill>
         <p:spPr>
           <a:xfrm>
-            <a:off x="5477278" y="1935054"/>
+            <a:off x="5076056" y="1597360"/>
             <a:ext cx="2695951" cy="609685"/>
           </a:xfrm>
           <a:prstGeom prst="rect">
@@ -11636,14 +11879,45 @@
                             </p:stCondLst>
                             <p:childTnLst>
                               <p:par>
-                                <p:cTn id="5" presetID="10" presetClass="entr" presetSubtype="0" fill="hold" nodeType="clickEffect">
+                                <p:cTn id="5" presetID="42" presetClass="path" presetSubtype="0" accel="50000" decel="50000" fill="hold" nodeType="clickEffect">
+                                  <p:stCondLst>
+                                    <p:cond delay="0"/>
+                                  </p:stCondLst>
+                                  <p:childTnLst>
+                                    <p:animMotion origin="layout" path="M -4.16667E-6 2.22222E-6 L -4.16667E-6 -0.06584 " pathEditMode="relative" rAng="0" ptsTypes="AA">
+                                      <p:cBhvr>
+                                        <p:cTn id="6" dur="1000" fill="hold"/>
+                                        <p:tgtEl>
+                                          <p:spTgt spid="5"/>
+                                        </p:tgtEl>
+                                        <p:attrNameLst>
+                                          <p:attrName>ppt_x</p:attrName>
+                                          <p:attrName>ppt_y</p:attrName>
+                                        </p:attrNameLst>
+                                      </p:cBhvr>
+                                      <p:rCtr x="0" y="-3306"/>
+                                    </p:animMotion>
+                                  </p:childTnLst>
+                                </p:cTn>
+                              </p:par>
+                            </p:childTnLst>
+                          </p:cTn>
+                        </p:par>
+                        <p:par>
+                          <p:cTn id="7" fill="hold">
+                            <p:stCondLst>
+                              <p:cond delay="1000"/>
+                            </p:stCondLst>
+                            <p:childTnLst>
+                              <p:par>
+                                <p:cTn id="8" presetID="10" presetClass="entr" presetSubtype="0" fill="hold" nodeType="afterEffect">
                                   <p:stCondLst>
                                     <p:cond delay="0"/>
                                   </p:stCondLst>
                                   <p:childTnLst>
                                     <p:set>
                                       <p:cBhvr>
-                                        <p:cTn id="6" dur="1" fill="hold">
+                                        <p:cTn id="9" dur="1" fill="hold">
                                           <p:stCondLst>
                                             <p:cond delay="0"/>
                                           </p:stCondLst>
@@ -11665,54 +11939,11 @@
                                     </p:set>
                                     <p:animEffect transition="in" filter="fade">
                                       <p:cBhvr>
-                                        <p:cTn id="7" dur="500"/>
+                                        <p:cTn id="10" dur="500"/>
                                         <p:tgtEl>
                                           <p:spTgt spid="3">
                                             <p:txEl>
                                               <p:pRg st="5" end="5"/>
-                                            </p:txEl>
-                                          </p:spTgt>
-                                        </p:tgtEl>
-                                      </p:cBhvr>
-                                    </p:animEffect>
-                                  </p:childTnLst>
-                                </p:cTn>
-                              </p:par>
-                              <p:par>
-                                <p:cTn id="8" presetID="10" presetClass="entr" presetSubtype="0" fill="hold" nodeType="withEffect">
-                                  <p:stCondLst>
-                                    <p:cond delay="0"/>
-                                  </p:stCondLst>
-                                  <p:childTnLst>
-                                    <p:set>
-                                      <p:cBhvr>
-                                        <p:cTn id="9" dur="1" fill="hold">
-                                          <p:stCondLst>
-                                            <p:cond delay="0"/>
-                                          </p:stCondLst>
-                                        </p:cTn>
-                                        <p:tgtEl>
-                                          <p:spTgt spid="3">
-                                            <p:txEl>
-                                              <p:pRg st="6" end="6"/>
-                                            </p:txEl>
-                                          </p:spTgt>
-                                        </p:tgtEl>
-                                        <p:attrNameLst>
-                                          <p:attrName>style.visibility</p:attrName>
-                                        </p:attrNameLst>
-                                      </p:cBhvr>
-                                      <p:to>
-                                        <p:strVal val="visible"/>
-                                      </p:to>
-                                    </p:set>
-                                    <p:animEffect transition="in" filter="fade">
-                                      <p:cBhvr>
-                                        <p:cTn id="10" dur="500"/>
-                                        <p:tgtEl>
-                                          <p:spTgt spid="3">
-                                            <p:txEl>
-                                              <p:pRg st="6" end="6"/>
                                             </p:txEl>
                                           </p:spTgt>
                                         </p:tgtEl>
@@ -11737,7 +11968,7 @@
                                         <p:tgtEl>
                                           <p:spTgt spid="3">
                                             <p:txEl>
-                                              <p:pRg st="7" end="7"/>
+                                              <p:pRg st="6" end="6"/>
                                             </p:txEl>
                                           </p:spTgt>
                                         </p:tgtEl>
@@ -11755,7 +11986,7 @@
                                         <p:tgtEl>
                                           <p:spTgt spid="3">
                                             <p:txEl>
-                                              <p:pRg st="7" end="7"/>
+                                              <p:pRg st="6" end="6"/>
                                             </p:txEl>
                                           </p:spTgt>
                                         </p:tgtEl>
@@ -11780,7 +12011,7 @@
                                         <p:tgtEl>
                                           <p:spTgt spid="3">
                                             <p:txEl>
-                                              <p:pRg st="9" end="9"/>
+                                              <p:pRg st="7" end="7"/>
                                             </p:txEl>
                                           </p:spTgt>
                                         </p:tgtEl>
@@ -11798,9 +12029,87 @@
                                         <p:tgtEl>
                                           <p:spTgt spid="3">
                                             <p:txEl>
+                                              <p:pRg st="7" end="7"/>
+                                            </p:txEl>
+                                          </p:spTgt>
+                                        </p:tgtEl>
+                                      </p:cBhvr>
+                                    </p:animEffect>
+                                  </p:childTnLst>
+                                </p:cTn>
+                              </p:par>
+                              <p:par>
+                                <p:cTn id="17" presetID="10" presetClass="entr" presetSubtype="0" fill="hold" nodeType="withEffect">
+                                  <p:stCondLst>
+                                    <p:cond delay="0"/>
+                                  </p:stCondLst>
+                                  <p:childTnLst>
+                                    <p:set>
+                                      <p:cBhvr>
+                                        <p:cTn id="18" dur="1" fill="hold">
+                                          <p:stCondLst>
+                                            <p:cond delay="0"/>
+                                          </p:stCondLst>
+                                        </p:cTn>
+                                        <p:tgtEl>
+                                          <p:spTgt spid="3">
+                                            <p:txEl>
                                               <p:pRg st="9" end="9"/>
                                             </p:txEl>
                                           </p:spTgt>
+                                        </p:tgtEl>
+                                        <p:attrNameLst>
+                                          <p:attrName>style.visibility</p:attrName>
+                                        </p:attrNameLst>
+                                      </p:cBhvr>
+                                      <p:to>
+                                        <p:strVal val="visible"/>
+                                      </p:to>
+                                    </p:set>
+                                    <p:animEffect transition="in" filter="fade">
+                                      <p:cBhvr>
+                                        <p:cTn id="19" dur="500"/>
+                                        <p:tgtEl>
+                                          <p:spTgt spid="3">
+                                            <p:txEl>
+                                              <p:pRg st="9" end="9"/>
+                                            </p:txEl>
+                                          </p:spTgt>
+                                        </p:tgtEl>
+                                      </p:cBhvr>
+                                    </p:animEffect>
+                                  </p:childTnLst>
+                                </p:cTn>
+                              </p:par>
+                              <p:par>
+                                <p:cTn id="20" presetID="10" presetClass="entr" presetSubtype="0" fill="hold" nodeType="withEffect">
+                                  <p:stCondLst>
+                                    <p:cond delay="0"/>
+                                  </p:stCondLst>
+                                  <p:childTnLst>
+                                    <p:set>
+                                      <p:cBhvr>
+                                        <p:cTn id="21" dur="1" fill="hold">
+                                          <p:stCondLst>
+                                            <p:cond delay="0"/>
+                                          </p:stCondLst>
+                                        </p:cTn>
+                                        <p:tgtEl>
+                                          <p:spTgt spid="4"/>
+                                        </p:tgtEl>
+                                        <p:attrNameLst>
+                                          <p:attrName>style.visibility</p:attrName>
+                                        </p:attrNameLst>
+                                      </p:cBhvr>
+                                      <p:to>
+                                        <p:strVal val="visible"/>
+                                      </p:to>
+                                    </p:set>
+                                    <p:animEffect transition="in" filter="fade">
+                                      <p:cBhvr>
+                                        <p:cTn id="22" dur="500"/>
+                                        <p:tgtEl>
+                                          <p:spTgt spid="4"/>
                                         </p:tgtEl>
                                       </p:cBhvr>
                                     </p:animEffect>
@@ -13749,23 +14058,7 @@
                   <a:srgbClr val="831420"/>
                 </a:solidFill>
               </a:rPr>
-              <a:t>Aufgabe: </a:t>
-            </a:r>
-            <a:r>
-              <a:rPr lang="de-DE" dirty="0" smtClean="0">
-                <a:solidFill>
-                  <a:srgbClr val="831420"/>
-                </a:solidFill>
-              </a:rPr>
-              <a:t>Simples Rechnen                    </a:t>
-            </a:r>
-            <a:r>
-              <a:rPr lang="de-DE" dirty="0" smtClean="0">
-                <a:solidFill>
-                  <a:srgbClr val="831420"/>
-                </a:solidFill>
-              </a:rPr>
-              <a:t>[1]</a:t>
+              <a:t>Aufgabe: Simples Rechnen                    [1]</a:t>
             </a:r>
             <a:endParaRPr lang="de-DE" dirty="0">
               <a:solidFill>
@@ -17420,12 +17713,12 @@
               <a:t> dem </a:t>
             </a:r>
             <a:r>
-              <a:rPr lang="de-DE" sz="2000" dirty="0" err="1" smtClean="0"/>
-              <a:t>Asuführen</a:t>
-            </a:r>
-            <a:r>
               <a:rPr lang="de-DE" sz="2000" dirty="0" smtClean="0"/>
-              <a:t> getestet</a:t>
+              <a:t>Ausführen </a:t>
+            </a:r>
+            <a:r>
+              <a:rPr lang="de-DE" sz="2000" dirty="0" smtClean="0"/>
+              <a:t>getestet</a:t>
             </a:r>
           </a:p>
           <a:p>
@@ -17885,6 +18178,3318 @@
           </a:prstGeom>
         </p:spPr>
       </p:pic>
+      <p:graphicFrame>
+        <p:nvGraphicFramePr>
+          <p:cNvPr id="3" name="Tabelle 2"/>
+          <p:cNvGraphicFramePr>
+            <a:graphicFrameLocks noGrp="1"/>
+          </p:cNvGraphicFramePr>
+          <p:nvPr>
+            <p:extLst>
+              <p:ext uri="{D42A27DB-BD31-4B8C-83A1-F6EECF244321}">
+                <p14:modId xmlns:p14="http://schemas.microsoft.com/office/powerpoint/2010/main" val="1360753055"/>
+              </p:ext>
+            </p:extLst>
+          </p:nvPr>
+        </p:nvGraphicFramePr>
+        <p:xfrm>
+          <a:off x="4119761" y="1545563"/>
+          <a:ext cx="1080120" cy="1560000"/>
+        </p:xfrm>
+        <a:graphic>
+          <a:graphicData uri="http://schemas.openxmlformats.org/drawingml/2006/table">
+            <a:tbl>
+              <a:tblPr firstRow="1" bandRow="1">
+                <a:tableStyleId>{5C22544A-7EE6-4342-B048-85BDC9FD1C3A}</a:tableStyleId>
+              </a:tblPr>
+              <a:tblGrid>
+                <a:gridCol w="360040"/>
+                <a:gridCol w="360040"/>
+                <a:gridCol w="360040"/>
+              </a:tblGrid>
+              <a:tr h="114988">
+                <a:tc>
+                  <a:txBody>
+                    <a:bodyPr/>
+                    <a:lstStyle/>
+                    <a:p>
+                      <a:pPr algn="ctr"/>
+                      <a:r>
+                        <a:rPr lang="de-DE" sz="1200" dirty="0" smtClean="0"/>
+                        <a:t>i</a:t>
+                      </a:r>
+                      <a:endParaRPr lang="de-DE" sz="1200" dirty="0"/>
+                    </a:p>
+                  </a:txBody>
+                  <a:tcPr marL="0" marR="0" marT="0" marB="36000" anchor="ctr"/>
+                </a:tc>
+                <a:tc>
+                  <a:txBody>
+                    <a:bodyPr/>
+                    <a:lstStyle/>
+                    <a:p>
+                      <a:pPr algn="ctr"/>
+                      <a:r>
+                        <a:rPr lang="de-DE" sz="1200" dirty="0" smtClean="0"/>
+                        <a:t>x</a:t>
+                      </a:r>
+                      <a:endParaRPr lang="de-DE" sz="1200" dirty="0"/>
+                    </a:p>
+                  </a:txBody>
+                  <a:tcPr marL="0" marR="0" marT="0" marB="36000" anchor="ctr"/>
+                </a:tc>
+                <a:tc>
+                  <a:txBody>
+                    <a:bodyPr/>
+                    <a:lstStyle/>
+                    <a:p>
+                      <a:pPr algn="ctr"/>
+                      <a:r>
+                        <a:rPr lang="de-DE" sz="1200" dirty="0" smtClean="0"/>
+                        <a:t>y</a:t>
+                      </a:r>
+                      <a:endParaRPr lang="de-DE" sz="1200" dirty="0"/>
+                    </a:p>
+                  </a:txBody>
+                  <a:tcPr marL="0" marR="0" marT="0" marB="36000" anchor="ctr"/>
+                </a:tc>
+              </a:tr>
+              <a:tr h="114988">
+                <a:tc>
+                  <a:txBody>
+                    <a:bodyPr/>
+                    <a:lstStyle/>
+                    <a:p>
+                      <a:pPr algn="ctr"/>
+                      <a:r>
+                        <a:rPr lang="de-DE" sz="1100" dirty="0" smtClean="0"/>
+                        <a:t>1</a:t>
+                      </a:r>
+                      <a:endParaRPr lang="de-DE" sz="1100" dirty="0"/>
+                    </a:p>
+                  </a:txBody>
+                  <a:tcPr marL="0" marR="0" marT="0" marB="0" anchor="ctr"/>
+                </a:tc>
+                <a:tc>
+                  <a:txBody>
+                    <a:bodyPr/>
+                    <a:lstStyle/>
+                    <a:p>
+                      <a:pPr algn="ctr"/>
+                      <a:r>
+                        <a:rPr lang="de-DE" sz="1100" dirty="0" smtClean="0"/>
+                        <a:t>2</a:t>
+                      </a:r>
+                      <a:endParaRPr lang="de-DE" sz="1100" dirty="0"/>
+                    </a:p>
+                  </a:txBody>
+                  <a:tcPr marL="0" marR="0" marT="0" marB="0" anchor="ctr"/>
+                </a:tc>
+                <a:tc>
+                  <a:txBody>
+                    <a:bodyPr/>
+                    <a:lstStyle/>
+                    <a:p>
+                      <a:pPr algn="ctr"/>
+                      <a:r>
+                        <a:rPr lang="de-DE" sz="1100" dirty="0" smtClean="0"/>
+                        <a:t>8</a:t>
+                      </a:r>
+                      <a:endParaRPr lang="de-DE" sz="1100" dirty="0"/>
+                    </a:p>
+                  </a:txBody>
+                  <a:tcPr marL="0" marR="0" marT="0" marB="0" anchor="ctr"/>
+                </a:tc>
+              </a:tr>
+              <a:tr h="114988">
+                <a:tc>
+                  <a:txBody>
+                    <a:bodyPr/>
+                    <a:lstStyle/>
+                    <a:p>
+                      <a:pPr algn="ctr"/>
+                      <a:endParaRPr lang="de-DE" sz="1100" dirty="0"/>
+                    </a:p>
+                  </a:txBody>
+                  <a:tcPr marL="0" marR="0" marT="0" marB="0" anchor="ctr"/>
+                </a:tc>
+                <a:tc>
+                  <a:txBody>
+                    <a:bodyPr/>
+                    <a:lstStyle/>
+                    <a:p>
+                      <a:pPr algn="ctr"/>
+                      <a:endParaRPr lang="de-DE" sz="1100" dirty="0"/>
+                    </a:p>
+                  </a:txBody>
+                  <a:tcPr marL="0" marR="0" marT="0" marB="0" anchor="ctr"/>
+                </a:tc>
+                <a:tc>
+                  <a:txBody>
+                    <a:bodyPr/>
+                    <a:lstStyle/>
+                    <a:p>
+                      <a:pPr algn="ctr"/>
+                      <a:endParaRPr lang="de-DE" sz="1100" dirty="0"/>
+                    </a:p>
+                  </a:txBody>
+                  <a:tcPr marL="0" marR="0" marT="0" marB="0" anchor="ctr"/>
+                </a:tc>
+              </a:tr>
+              <a:tr h="114988">
+                <a:tc>
+                  <a:txBody>
+                    <a:bodyPr/>
+                    <a:lstStyle/>
+                    <a:p>
+                      <a:pPr algn="ctr"/>
+                      <a:endParaRPr lang="de-DE" sz="1100" dirty="0"/>
+                    </a:p>
+                  </a:txBody>
+                  <a:tcPr marL="0" marR="0" marT="0" marB="0" anchor="ctr"/>
+                </a:tc>
+                <a:tc>
+                  <a:txBody>
+                    <a:bodyPr/>
+                    <a:lstStyle/>
+                    <a:p>
+                      <a:pPr algn="ctr"/>
+                      <a:endParaRPr lang="de-DE" sz="1100" dirty="0"/>
+                    </a:p>
+                  </a:txBody>
+                  <a:tcPr marL="0" marR="0" marT="0" marB="0" anchor="ctr"/>
+                </a:tc>
+                <a:tc>
+                  <a:txBody>
+                    <a:bodyPr/>
+                    <a:lstStyle/>
+                    <a:p>
+                      <a:pPr algn="ctr"/>
+                      <a:endParaRPr lang="de-DE" sz="1100" dirty="0"/>
+                    </a:p>
+                  </a:txBody>
+                  <a:tcPr marL="0" marR="0" marT="0" marB="0" anchor="ctr"/>
+                </a:tc>
+              </a:tr>
+              <a:tr h="114988">
+                <a:tc>
+                  <a:txBody>
+                    <a:bodyPr/>
+                    <a:lstStyle/>
+                    <a:p>
+                      <a:pPr algn="ctr"/>
+                      <a:endParaRPr lang="de-DE" sz="1100" dirty="0"/>
+                    </a:p>
+                  </a:txBody>
+                  <a:tcPr marL="0" marR="0" marT="0" marB="0" anchor="ctr"/>
+                </a:tc>
+                <a:tc>
+                  <a:txBody>
+                    <a:bodyPr/>
+                    <a:lstStyle/>
+                    <a:p>
+                      <a:pPr algn="ctr"/>
+                      <a:endParaRPr lang="de-DE" sz="1100" dirty="0"/>
+                    </a:p>
+                  </a:txBody>
+                  <a:tcPr marL="0" marR="0" marT="0" marB="0" anchor="ctr"/>
+                </a:tc>
+                <a:tc>
+                  <a:txBody>
+                    <a:bodyPr/>
+                    <a:lstStyle/>
+                    <a:p>
+                      <a:pPr algn="ctr"/>
+                      <a:endParaRPr lang="de-DE" sz="1100" dirty="0"/>
+                    </a:p>
+                  </a:txBody>
+                  <a:tcPr marL="0" marR="0" marT="0" marB="0" anchor="ctr"/>
+                </a:tc>
+              </a:tr>
+              <a:tr h="114988">
+                <a:tc>
+                  <a:txBody>
+                    <a:bodyPr/>
+                    <a:lstStyle/>
+                    <a:p>
+                      <a:pPr algn="ctr"/>
+                      <a:endParaRPr lang="de-DE" sz="1100" dirty="0"/>
+                    </a:p>
+                  </a:txBody>
+                  <a:tcPr marL="0" marR="0" marT="0" marB="0" anchor="ctr"/>
+                </a:tc>
+                <a:tc>
+                  <a:txBody>
+                    <a:bodyPr/>
+                    <a:lstStyle/>
+                    <a:p>
+                      <a:pPr algn="ctr"/>
+                      <a:endParaRPr lang="de-DE" sz="1100" dirty="0"/>
+                    </a:p>
+                  </a:txBody>
+                  <a:tcPr marL="0" marR="0" marT="0" marB="0" anchor="ctr"/>
+                </a:tc>
+                <a:tc>
+                  <a:txBody>
+                    <a:bodyPr/>
+                    <a:lstStyle/>
+                    <a:p>
+                      <a:pPr algn="ctr"/>
+                      <a:endParaRPr lang="de-DE" sz="1100" dirty="0"/>
+                    </a:p>
+                  </a:txBody>
+                  <a:tcPr marL="0" marR="0" marT="0" marB="0" anchor="ctr"/>
+                </a:tc>
+              </a:tr>
+              <a:tr h="114988">
+                <a:tc>
+                  <a:txBody>
+                    <a:bodyPr/>
+                    <a:lstStyle/>
+                    <a:p>
+                      <a:pPr algn="ctr"/>
+                      <a:endParaRPr lang="de-DE" sz="1100" dirty="0"/>
+                    </a:p>
+                  </a:txBody>
+                  <a:tcPr marL="0" marR="0" marT="0" marB="0" anchor="ctr"/>
+                </a:tc>
+                <a:tc>
+                  <a:txBody>
+                    <a:bodyPr/>
+                    <a:lstStyle/>
+                    <a:p>
+                      <a:pPr algn="ctr"/>
+                      <a:endParaRPr lang="de-DE" sz="1100" dirty="0"/>
+                    </a:p>
+                  </a:txBody>
+                  <a:tcPr marL="0" marR="0" marT="0" marB="0" anchor="ctr"/>
+                </a:tc>
+                <a:tc>
+                  <a:txBody>
+                    <a:bodyPr/>
+                    <a:lstStyle/>
+                    <a:p>
+                      <a:pPr algn="ctr"/>
+                      <a:endParaRPr lang="de-DE" sz="1100" dirty="0"/>
+                    </a:p>
+                  </a:txBody>
+                  <a:tcPr marL="0" marR="0" marT="0" marB="0" anchor="ctr"/>
+                </a:tc>
+              </a:tr>
+              <a:tr h="114988">
+                <a:tc>
+                  <a:txBody>
+                    <a:bodyPr/>
+                    <a:lstStyle/>
+                    <a:p>
+                      <a:pPr algn="ctr"/>
+                      <a:endParaRPr lang="de-DE" sz="1100" dirty="0"/>
+                    </a:p>
+                  </a:txBody>
+                  <a:tcPr marL="0" marR="0" marT="0" marB="0" anchor="ctr"/>
+                </a:tc>
+                <a:tc>
+                  <a:txBody>
+                    <a:bodyPr/>
+                    <a:lstStyle/>
+                    <a:p>
+                      <a:pPr algn="ctr"/>
+                      <a:endParaRPr lang="de-DE" sz="1100" dirty="0"/>
+                    </a:p>
+                  </a:txBody>
+                  <a:tcPr marL="0" marR="0" marT="0" marB="0" anchor="ctr"/>
+                </a:tc>
+                <a:tc>
+                  <a:txBody>
+                    <a:bodyPr/>
+                    <a:lstStyle/>
+                    <a:p>
+                      <a:pPr algn="ctr"/>
+                      <a:endParaRPr lang="de-DE" sz="1100" dirty="0"/>
+                    </a:p>
+                  </a:txBody>
+                  <a:tcPr marL="0" marR="0" marT="0" marB="0" anchor="ctr"/>
+                </a:tc>
+              </a:tr>
+              <a:tr h="114988">
+                <a:tc>
+                  <a:txBody>
+                    <a:bodyPr/>
+                    <a:lstStyle/>
+                    <a:p>
+                      <a:pPr algn="ctr"/>
+                      <a:endParaRPr lang="de-DE" sz="1100" dirty="0"/>
+                    </a:p>
+                  </a:txBody>
+                  <a:tcPr marL="0" marR="0" marT="0" marB="0" anchor="ctr"/>
+                </a:tc>
+                <a:tc>
+                  <a:txBody>
+                    <a:bodyPr/>
+                    <a:lstStyle/>
+                    <a:p>
+                      <a:pPr algn="ctr"/>
+                      <a:endParaRPr lang="de-DE" sz="1100" dirty="0"/>
+                    </a:p>
+                  </a:txBody>
+                  <a:tcPr marL="0" marR="0" marT="0" marB="0" anchor="ctr"/>
+                </a:tc>
+                <a:tc>
+                  <a:txBody>
+                    <a:bodyPr/>
+                    <a:lstStyle/>
+                    <a:p>
+                      <a:pPr algn="ctr"/>
+                      <a:endParaRPr lang="de-DE" sz="1100" dirty="0"/>
+                    </a:p>
+                  </a:txBody>
+                  <a:tcPr marL="0" marR="0" marT="0" marB="0" anchor="ctr"/>
+                </a:tc>
+              </a:tr>
+            </a:tbl>
+          </a:graphicData>
+        </a:graphic>
+      </p:graphicFrame>
+      <p:graphicFrame>
+        <p:nvGraphicFramePr>
+          <p:cNvPr id="6" name="Tabelle 5"/>
+          <p:cNvGraphicFramePr>
+            <a:graphicFrameLocks noGrp="1"/>
+          </p:cNvGraphicFramePr>
+          <p:nvPr>
+            <p:extLst>
+              <p:ext uri="{D42A27DB-BD31-4B8C-83A1-F6EECF244321}">
+                <p14:modId xmlns:p14="http://schemas.microsoft.com/office/powerpoint/2010/main" val="3273437830"/>
+              </p:ext>
+            </p:extLst>
+          </p:nvPr>
+        </p:nvGraphicFramePr>
+        <p:xfrm>
+          <a:off x="4119761" y="1545563"/>
+          <a:ext cx="1080120" cy="1560000"/>
+        </p:xfrm>
+        <a:graphic>
+          <a:graphicData uri="http://schemas.openxmlformats.org/drawingml/2006/table">
+            <a:tbl>
+              <a:tblPr firstRow="1" bandRow="1">
+                <a:tableStyleId>{5C22544A-7EE6-4342-B048-85BDC9FD1C3A}</a:tableStyleId>
+              </a:tblPr>
+              <a:tblGrid>
+                <a:gridCol w="360040"/>
+                <a:gridCol w="360040"/>
+                <a:gridCol w="360040"/>
+              </a:tblGrid>
+              <a:tr h="114988">
+                <a:tc>
+                  <a:txBody>
+                    <a:bodyPr/>
+                    <a:lstStyle/>
+                    <a:p>
+                      <a:pPr algn="ctr"/>
+                      <a:r>
+                        <a:rPr lang="de-DE" sz="1200" dirty="0" smtClean="0"/>
+                        <a:t>i</a:t>
+                      </a:r>
+                      <a:endParaRPr lang="de-DE" sz="1200" dirty="0"/>
+                    </a:p>
+                  </a:txBody>
+                  <a:tcPr marL="0" marR="0" marT="0" marB="36000" anchor="ctr"/>
+                </a:tc>
+                <a:tc>
+                  <a:txBody>
+                    <a:bodyPr/>
+                    <a:lstStyle/>
+                    <a:p>
+                      <a:pPr algn="ctr"/>
+                      <a:r>
+                        <a:rPr lang="de-DE" sz="1200" dirty="0" smtClean="0"/>
+                        <a:t>x</a:t>
+                      </a:r>
+                      <a:endParaRPr lang="de-DE" sz="1200" dirty="0"/>
+                    </a:p>
+                  </a:txBody>
+                  <a:tcPr marL="0" marR="0" marT="0" marB="36000" anchor="ctr"/>
+                </a:tc>
+                <a:tc>
+                  <a:txBody>
+                    <a:bodyPr/>
+                    <a:lstStyle/>
+                    <a:p>
+                      <a:pPr algn="ctr"/>
+                      <a:r>
+                        <a:rPr lang="de-DE" sz="1200" dirty="0" smtClean="0"/>
+                        <a:t>y</a:t>
+                      </a:r>
+                      <a:endParaRPr lang="de-DE" sz="1200" dirty="0"/>
+                    </a:p>
+                  </a:txBody>
+                  <a:tcPr marL="0" marR="0" marT="0" marB="36000" anchor="ctr"/>
+                </a:tc>
+              </a:tr>
+              <a:tr h="114988">
+                <a:tc>
+                  <a:txBody>
+                    <a:bodyPr/>
+                    <a:lstStyle/>
+                    <a:p>
+                      <a:pPr algn="ctr"/>
+                      <a:r>
+                        <a:rPr lang="de-DE" sz="1100" dirty="0" smtClean="0"/>
+                        <a:t>1</a:t>
+                      </a:r>
+                      <a:endParaRPr lang="de-DE" sz="1100" dirty="0"/>
+                    </a:p>
+                  </a:txBody>
+                  <a:tcPr marL="0" marR="0" marT="0" marB="0" anchor="ctr"/>
+                </a:tc>
+                <a:tc>
+                  <a:txBody>
+                    <a:bodyPr/>
+                    <a:lstStyle/>
+                    <a:p>
+                      <a:pPr algn="ctr"/>
+                      <a:r>
+                        <a:rPr lang="de-DE" sz="1100" dirty="0" smtClean="0"/>
+                        <a:t>2</a:t>
+                      </a:r>
+                      <a:endParaRPr lang="de-DE" sz="1100" dirty="0"/>
+                    </a:p>
+                  </a:txBody>
+                  <a:tcPr marL="0" marR="0" marT="0" marB="0" anchor="ctr"/>
+                </a:tc>
+                <a:tc>
+                  <a:txBody>
+                    <a:bodyPr/>
+                    <a:lstStyle/>
+                    <a:p>
+                      <a:pPr algn="ctr"/>
+                      <a:r>
+                        <a:rPr lang="de-DE" sz="1100" dirty="0" smtClean="0"/>
+                        <a:t>8</a:t>
+                      </a:r>
+                      <a:endParaRPr lang="de-DE" sz="1100" dirty="0"/>
+                    </a:p>
+                  </a:txBody>
+                  <a:tcPr marL="0" marR="0" marT="0" marB="0" anchor="ctr"/>
+                </a:tc>
+              </a:tr>
+              <a:tr h="114988">
+                <a:tc>
+                  <a:txBody>
+                    <a:bodyPr/>
+                    <a:lstStyle/>
+                    <a:p>
+                      <a:pPr algn="ctr"/>
+                      <a:r>
+                        <a:rPr lang="de-DE" sz="1100" dirty="0" smtClean="0"/>
+                        <a:t>6</a:t>
+                      </a:r>
+                      <a:endParaRPr lang="de-DE" sz="1100" dirty="0"/>
+                    </a:p>
+                  </a:txBody>
+                  <a:tcPr marL="0" marR="0" marT="0" marB="0" anchor="ctr"/>
+                </a:tc>
+                <a:tc>
+                  <a:txBody>
+                    <a:bodyPr/>
+                    <a:lstStyle/>
+                    <a:p>
+                      <a:pPr algn="ctr"/>
+                      <a:r>
+                        <a:rPr lang="de-DE" sz="1100" dirty="0" smtClean="0"/>
+                        <a:t>3</a:t>
+                      </a:r>
+                      <a:endParaRPr lang="de-DE" sz="1100" dirty="0"/>
+                    </a:p>
+                  </a:txBody>
+                  <a:tcPr marL="0" marR="0" marT="0" marB="0" anchor="ctr"/>
+                </a:tc>
+                <a:tc>
+                  <a:txBody>
+                    <a:bodyPr/>
+                    <a:lstStyle/>
+                    <a:p>
+                      <a:pPr algn="ctr"/>
+                      <a:r>
+                        <a:rPr lang="de-DE" sz="1100" dirty="0" smtClean="0"/>
+                        <a:t>8</a:t>
+                      </a:r>
+                      <a:endParaRPr lang="de-DE" sz="1100" dirty="0"/>
+                    </a:p>
+                  </a:txBody>
+                  <a:tcPr marL="0" marR="0" marT="0" marB="0" anchor="ctr"/>
+                </a:tc>
+              </a:tr>
+              <a:tr h="114988">
+                <a:tc>
+                  <a:txBody>
+                    <a:bodyPr/>
+                    <a:lstStyle/>
+                    <a:p>
+                      <a:pPr algn="ctr"/>
+                      <a:endParaRPr lang="de-DE" sz="1100" dirty="0"/>
+                    </a:p>
+                  </a:txBody>
+                  <a:tcPr marL="0" marR="0" marT="0" marB="0" anchor="ctr"/>
+                </a:tc>
+                <a:tc>
+                  <a:txBody>
+                    <a:bodyPr/>
+                    <a:lstStyle/>
+                    <a:p>
+                      <a:pPr algn="ctr"/>
+                      <a:endParaRPr lang="de-DE" sz="1100" dirty="0"/>
+                    </a:p>
+                  </a:txBody>
+                  <a:tcPr marL="0" marR="0" marT="0" marB="0" anchor="ctr"/>
+                </a:tc>
+                <a:tc>
+                  <a:txBody>
+                    <a:bodyPr/>
+                    <a:lstStyle/>
+                    <a:p>
+                      <a:pPr algn="ctr"/>
+                      <a:endParaRPr lang="de-DE" sz="1100" dirty="0"/>
+                    </a:p>
+                  </a:txBody>
+                  <a:tcPr marL="0" marR="0" marT="0" marB="0" anchor="ctr"/>
+                </a:tc>
+              </a:tr>
+              <a:tr h="114988">
+                <a:tc>
+                  <a:txBody>
+                    <a:bodyPr/>
+                    <a:lstStyle/>
+                    <a:p>
+                      <a:pPr algn="ctr"/>
+                      <a:endParaRPr lang="de-DE" sz="1100" dirty="0"/>
+                    </a:p>
+                  </a:txBody>
+                  <a:tcPr marL="0" marR="0" marT="0" marB="0" anchor="ctr"/>
+                </a:tc>
+                <a:tc>
+                  <a:txBody>
+                    <a:bodyPr/>
+                    <a:lstStyle/>
+                    <a:p>
+                      <a:pPr algn="ctr"/>
+                      <a:endParaRPr lang="de-DE" sz="1100" dirty="0"/>
+                    </a:p>
+                  </a:txBody>
+                  <a:tcPr marL="0" marR="0" marT="0" marB="0" anchor="ctr"/>
+                </a:tc>
+                <a:tc>
+                  <a:txBody>
+                    <a:bodyPr/>
+                    <a:lstStyle/>
+                    <a:p>
+                      <a:pPr algn="ctr"/>
+                      <a:endParaRPr lang="de-DE" sz="1100" dirty="0"/>
+                    </a:p>
+                  </a:txBody>
+                  <a:tcPr marL="0" marR="0" marT="0" marB="0" anchor="ctr"/>
+                </a:tc>
+              </a:tr>
+              <a:tr h="114988">
+                <a:tc>
+                  <a:txBody>
+                    <a:bodyPr/>
+                    <a:lstStyle/>
+                    <a:p>
+                      <a:pPr algn="ctr"/>
+                      <a:endParaRPr lang="de-DE" sz="1100" dirty="0"/>
+                    </a:p>
+                  </a:txBody>
+                  <a:tcPr marL="0" marR="0" marT="0" marB="0" anchor="ctr"/>
+                </a:tc>
+                <a:tc>
+                  <a:txBody>
+                    <a:bodyPr/>
+                    <a:lstStyle/>
+                    <a:p>
+                      <a:pPr algn="ctr"/>
+                      <a:endParaRPr lang="de-DE" sz="1100" dirty="0"/>
+                    </a:p>
+                  </a:txBody>
+                  <a:tcPr marL="0" marR="0" marT="0" marB="0" anchor="ctr"/>
+                </a:tc>
+                <a:tc>
+                  <a:txBody>
+                    <a:bodyPr/>
+                    <a:lstStyle/>
+                    <a:p>
+                      <a:pPr algn="ctr"/>
+                      <a:endParaRPr lang="de-DE" sz="1100" dirty="0"/>
+                    </a:p>
+                  </a:txBody>
+                  <a:tcPr marL="0" marR="0" marT="0" marB="0" anchor="ctr"/>
+                </a:tc>
+              </a:tr>
+              <a:tr h="114988">
+                <a:tc>
+                  <a:txBody>
+                    <a:bodyPr/>
+                    <a:lstStyle/>
+                    <a:p>
+                      <a:pPr algn="ctr"/>
+                      <a:endParaRPr lang="de-DE" sz="1100" dirty="0"/>
+                    </a:p>
+                  </a:txBody>
+                  <a:tcPr marL="0" marR="0" marT="0" marB="0" anchor="ctr"/>
+                </a:tc>
+                <a:tc>
+                  <a:txBody>
+                    <a:bodyPr/>
+                    <a:lstStyle/>
+                    <a:p>
+                      <a:pPr algn="ctr"/>
+                      <a:endParaRPr lang="de-DE" sz="1100" dirty="0"/>
+                    </a:p>
+                  </a:txBody>
+                  <a:tcPr marL="0" marR="0" marT="0" marB="0" anchor="ctr"/>
+                </a:tc>
+                <a:tc>
+                  <a:txBody>
+                    <a:bodyPr/>
+                    <a:lstStyle/>
+                    <a:p>
+                      <a:pPr algn="ctr"/>
+                      <a:endParaRPr lang="de-DE" sz="1100" dirty="0"/>
+                    </a:p>
+                  </a:txBody>
+                  <a:tcPr marL="0" marR="0" marT="0" marB="0" anchor="ctr"/>
+                </a:tc>
+              </a:tr>
+              <a:tr h="114988">
+                <a:tc>
+                  <a:txBody>
+                    <a:bodyPr/>
+                    <a:lstStyle/>
+                    <a:p>
+                      <a:pPr algn="ctr"/>
+                      <a:endParaRPr lang="de-DE" sz="1100" dirty="0"/>
+                    </a:p>
+                  </a:txBody>
+                  <a:tcPr marL="0" marR="0" marT="0" marB="0" anchor="ctr"/>
+                </a:tc>
+                <a:tc>
+                  <a:txBody>
+                    <a:bodyPr/>
+                    <a:lstStyle/>
+                    <a:p>
+                      <a:pPr algn="ctr"/>
+                      <a:endParaRPr lang="de-DE" sz="1100" dirty="0"/>
+                    </a:p>
+                  </a:txBody>
+                  <a:tcPr marL="0" marR="0" marT="0" marB="0" anchor="ctr"/>
+                </a:tc>
+                <a:tc>
+                  <a:txBody>
+                    <a:bodyPr/>
+                    <a:lstStyle/>
+                    <a:p>
+                      <a:pPr algn="ctr"/>
+                      <a:endParaRPr lang="de-DE" sz="1100" dirty="0"/>
+                    </a:p>
+                  </a:txBody>
+                  <a:tcPr marL="0" marR="0" marT="0" marB="0" anchor="ctr"/>
+                </a:tc>
+              </a:tr>
+              <a:tr h="114988">
+                <a:tc>
+                  <a:txBody>
+                    <a:bodyPr/>
+                    <a:lstStyle/>
+                    <a:p>
+                      <a:pPr algn="ctr"/>
+                      <a:endParaRPr lang="de-DE" sz="1100" dirty="0"/>
+                    </a:p>
+                  </a:txBody>
+                  <a:tcPr marL="0" marR="0" marT="0" marB="0" anchor="ctr"/>
+                </a:tc>
+                <a:tc>
+                  <a:txBody>
+                    <a:bodyPr/>
+                    <a:lstStyle/>
+                    <a:p>
+                      <a:pPr algn="ctr"/>
+                      <a:endParaRPr lang="de-DE" sz="1100" dirty="0"/>
+                    </a:p>
+                  </a:txBody>
+                  <a:tcPr marL="0" marR="0" marT="0" marB="0" anchor="ctr"/>
+                </a:tc>
+                <a:tc>
+                  <a:txBody>
+                    <a:bodyPr/>
+                    <a:lstStyle/>
+                    <a:p>
+                      <a:pPr algn="ctr"/>
+                      <a:endParaRPr lang="de-DE" sz="1100" dirty="0"/>
+                    </a:p>
+                  </a:txBody>
+                  <a:tcPr marL="0" marR="0" marT="0" marB="0" anchor="ctr"/>
+                </a:tc>
+              </a:tr>
+            </a:tbl>
+          </a:graphicData>
+        </a:graphic>
+      </p:graphicFrame>
+      <p:graphicFrame>
+        <p:nvGraphicFramePr>
+          <p:cNvPr id="8" name="Tabelle 7"/>
+          <p:cNvGraphicFramePr>
+            <a:graphicFrameLocks noGrp="1"/>
+          </p:cNvGraphicFramePr>
+          <p:nvPr>
+            <p:extLst>
+              <p:ext uri="{D42A27DB-BD31-4B8C-83A1-F6EECF244321}">
+                <p14:modId xmlns:p14="http://schemas.microsoft.com/office/powerpoint/2010/main" val="2564806073"/>
+              </p:ext>
+            </p:extLst>
+          </p:nvPr>
+        </p:nvGraphicFramePr>
+        <p:xfrm>
+          <a:off x="4119761" y="1545563"/>
+          <a:ext cx="1080120" cy="1560000"/>
+        </p:xfrm>
+        <a:graphic>
+          <a:graphicData uri="http://schemas.openxmlformats.org/drawingml/2006/table">
+            <a:tbl>
+              <a:tblPr firstRow="1" bandRow="1">
+                <a:tableStyleId>{5C22544A-7EE6-4342-B048-85BDC9FD1C3A}</a:tableStyleId>
+              </a:tblPr>
+              <a:tblGrid>
+                <a:gridCol w="360040"/>
+                <a:gridCol w="360040"/>
+                <a:gridCol w="360040"/>
+              </a:tblGrid>
+              <a:tr h="114988">
+                <a:tc>
+                  <a:txBody>
+                    <a:bodyPr/>
+                    <a:lstStyle/>
+                    <a:p>
+                      <a:pPr algn="ctr"/>
+                      <a:r>
+                        <a:rPr lang="de-DE" sz="1200" dirty="0" smtClean="0"/>
+                        <a:t>i</a:t>
+                      </a:r>
+                      <a:endParaRPr lang="de-DE" sz="1200" dirty="0"/>
+                    </a:p>
+                  </a:txBody>
+                  <a:tcPr marL="0" marR="0" marT="0" marB="36000" anchor="ctr"/>
+                </a:tc>
+                <a:tc>
+                  <a:txBody>
+                    <a:bodyPr/>
+                    <a:lstStyle/>
+                    <a:p>
+                      <a:pPr algn="ctr"/>
+                      <a:r>
+                        <a:rPr lang="de-DE" sz="1200" dirty="0" smtClean="0"/>
+                        <a:t>x</a:t>
+                      </a:r>
+                      <a:endParaRPr lang="de-DE" sz="1200" dirty="0"/>
+                    </a:p>
+                  </a:txBody>
+                  <a:tcPr marL="0" marR="0" marT="0" marB="36000" anchor="ctr"/>
+                </a:tc>
+                <a:tc>
+                  <a:txBody>
+                    <a:bodyPr/>
+                    <a:lstStyle/>
+                    <a:p>
+                      <a:pPr algn="ctr"/>
+                      <a:r>
+                        <a:rPr lang="de-DE" sz="1200" dirty="0" smtClean="0"/>
+                        <a:t>y</a:t>
+                      </a:r>
+                      <a:endParaRPr lang="de-DE" sz="1200" dirty="0"/>
+                    </a:p>
+                  </a:txBody>
+                  <a:tcPr marL="0" marR="0" marT="0" marB="36000" anchor="ctr"/>
+                </a:tc>
+              </a:tr>
+              <a:tr h="114988">
+                <a:tc>
+                  <a:txBody>
+                    <a:bodyPr/>
+                    <a:lstStyle/>
+                    <a:p>
+                      <a:pPr algn="ctr"/>
+                      <a:r>
+                        <a:rPr lang="de-DE" sz="1100" dirty="0" smtClean="0"/>
+                        <a:t>1</a:t>
+                      </a:r>
+                      <a:endParaRPr lang="de-DE" sz="1100" dirty="0"/>
+                    </a:p>
+                  </a:txBody>
+                  <a:tcPr marL="0" marR="0" marT="0" marB="0" anchor="ctr"/>
+                </a:tc>
+                <a:tc>
+                  <a:txBody>
+                    <a:bodyPr/>
+                    <a:lstStyle/>
+                    <a:p>
+                      <a:pPr algn="ctr"/>
+                      <a:r>
+                        <a:rPr lang="de-DE" sz="1100" dirty="0" smtClean="0"/>
+                        <a:t>2</a:t>
+                      </a:r>
+                      <a:endParaRPr lang="de-DE" sz="1100" dirty="0"/>
+                    </a:p>
+                  </a:txBody>
+                  <a:tcPr marL="0" marR="0" marT="0" marB="0" anchor="ctr"/>
+                </a:tc>
+                <a:tc>
+                  <a:txBody>
+                    <a:bodyPr/>
+                    <a:lstStyle/>
+                    <a:p>
+                      <a:pPr algn="ctr"/>
+                      <a:r>
+                        <a:rPr lang="de-DE" sz="1100" dirty="0" smtClean="0"/>
+                        <a:t>8</a:t>
+                      </a:r>
+                      <a:endParaRPr lang="de-DE" sz="1100" dirty="0"/>
+                    </a:p>
+                  </a:txBody>
+                  <a:tcPr marL="0" marR="0" marT="0" marB="0" anchor="ctr"/>
+                </a:tc>
+              </a:tr>
+              <a:tr h="114988">
+                <a:tc>
+                  <a:txBody>
+                    <a:bodyPr/>
+                    <a:lstStyle/>
+                    <a:p>
+                      <a:pPr algn="ctr"/>
+                      <a:r>
+                        <a:rPr lang="de-DE" sz="1100" dirty="0" smtClean="0"/>
+                        <a:t>6</a:t>
+                      </a:r>
+                      <a:endParaRPr lang="de-DE" sz="1100" dirty="0"/>
+                    </a:p>
+                  </a:txBody>
+                  <a:tcPr marL="0" marR="0" marT="0" marB="0" anchor="ctr"/>
+                </a:tc>
+                <a:tc>
+                  <a:txBody>
+                    <a:bodyPr/>
+                    <a:lstStyle/>
+                    <a:p>
+                      <a:pPr algn="ctr"/>
+                      <a:r>
+                        <a:rPr lang="de-DE" sz="1100" dirty="0" smtClean="0"/>
+                        <a:t>3</a:t>
+                      </a:r>
+                      <a:endParaRPr lang="de-DE" sz="1100" dirty="0"/>
+                    </a:p>
+                  </a:txBody>
+                  <a:tcPr marL="0" marR="0" marT="0" marB="0" anchor="ctr"/>
+                </a:tc>
+                <a:tc>
+                  <a:txBody>
+                    <a:bodyPr/>
+                    <a:lstStyle/>
+                    <a:p>
+                      <a:pPr algn="ctr"/>
+                      <a:r>
+                        <a:rPr lang="de-DE" sz="1100" dirty="0" smtClean="0"/>
+                        <a:t>8</a:t>
+                      </a:r>
+                      <a:endParaRPr lang="de-DE" sz="1100" dirty="0"/>
+                    </a:p>
+                  </a:txBody>
+                  <a:tcPr marL="0" marR="0" marT="0" marB="0" anchor="ctr"/>
+                </a:tc>
+              </a:tr>
+              <a:tr h="114988">
+                <a:tc>
+                  <a:txBody>
+                    <a:bodyPr/>
+                    <a:lstStyle/>
+                    <a:p>
+                      <a:pPr algn="ctr"/>
+                      <a:r>
+                        <a:rPr lang="de-DE" sz="1100" dirty="0" smtClean="0"/>
+                        <a:t>5</a:t>
+                      </a:r>
+                      <a:endParaRPr lang="de-DE" sz="1100" dirty="0"/>
+                    </a:p>
+                  </a:txBody>
+                  <a:tcPr marL="0" marR="0" marT="0" marB="0" anchor="ctr"/>
+                </a:tc>
+                <a:tc>
+                  <a:txBody>
+                    <a:bodyPr/>
+                    <a:lstStyle/>
+                    <a:p>
+                      <a:pPr algn="ctr"/>
+                      <a:r>
+                        <a:rPr lang="de-DE" sz="1100" dirty="0" smtClean="0"/>
+                        <a:t>4</a:t>
+                      </a:r>
+                      <a:endParaRPr lang="de-DE" sz="1100" dirty="0"/>
+                    </a:p>
+                  </a:txBody>
+                  <a:tcPr marL="0" marR="0" marT="0" marB="0" anchor="ctr"/>
+                </a:tc>
+                <a:tc>
+                  <a:txBody>
+                    <a:bodyPr/>
+                    <a:lstStyle/>
+                    <a:p>
+                      <a:pPr algn="ctr"/>
+                      <a:r>
+                        <a:rPr lang="de-DE" sz="1100" dirty="0" smtClean="0"/>
+                        <a:t>8</a:t>
+                      </a:r>
+                      <a:endParaRPr lang="de-DE" sz="1100" dirty="0"/>
+                    </a:p>
+                  </a:txBody>
+                  <a:tcPr marL="0" marR="0" marT="0" marB="0" anchor="ctr"/>
+                </a:tc>
+              </a:tr>
+              <a:tr h="114988">
+                <a:tc>
+                  <a:txBody>
+                    <a:bodyPr/>
+                    <a:lstStyle/>
+                    <a:p>
+                      <a:pPr algn="ctr"/>
+                      <a:endParaRPr lang="de-DE" sz="1100" dirty="0"/>
+                    </a:p>
+                  </a:txBody>
+                  <a:tcPr marL="0" marR="0" marT="0" marB="0" anchor="ctr"/>
+                </a:tc>
+                <a:tc>
+                  <a:txBody>
+                    <a:bodyPr/>
+                    <a:lstStyle/>
+                    <a:p>
+                      <a:pPr algn="ctr"/>
+                      <a:endParaRPr lang="de-DE" sz="1100" dirty="0"/>
+                    </a:p>
+                  </a:txBody>
+                  <a:tcPr marL="0" marR="0" marT="0" marB="0" anchor="ctr"/>
+                </a:tc>
+                <a:tc>
+                  <a:txBody>
+                    <a:bodyPr/>
+                    <a:lstStyle/>
+                    <a:p>
+                      <a:pPr algn="ctr"/>
+                      <a:endParaRPr lang="de-DE" sz="1100" dirty="0"/>
+                    </a:p>
+                  </a:txBody>
+                  <a:tcPr marL="0" marR="0" marT="0" marB="0" anchor="ctr"/>
+                </a:tc>
+              </a:tr>
+              <a:tr h="114988">
+                <a:tc>
+                  <a:txBody>
+                    <a:bodyPr/>
+                    <a:lstStyle/>
+                    <a:p>
+                      <a:pPr algn="ctr"/>
+                      <a:endParaRPr lang="de-DE" sz="1100" dirty="0"/>
+                    </a:p>
+                  </a:txBody>
+                  <a:tcPr marL="0" marR="0" marT="0" marB="0" anchor="ctr"/>
+                </a:tc>
+                <a:tc>
+                  <a:txBody>
+                    <a:bodyPr/>
+                    <a:lstStyle/>
+                    <a:p>
+                      <a:pPr algn="ctr"/>
+                      <a:endParaRPr lang="de-DE" sz="1100" dirty="0"/>
+                    </a:p>
+                  </a:txBody>
+                  <a:tcPr marL="0" marR="0" marT="0" marB="0" anchor="ctr"/>
+                </a:tc>
+                <a:tc>
+                  <a:txBody>
+                    <a:bodyPr/>
+                    <a:lstStyle/>
+                    <a:p>
+                      <a:pPr algn="ctr"/>
+                      <a:endParaRPr lang="de-DE" sz="1100" dirty="0"/>
+                    </a:p>
+                  </a:txBody>
+                  <a:tcPr marL="0" marR="0" marT="0" marB="0" anchor="ctr"/>
+                </a:tc>
+              </a:tr>
+              <a:tr h="114988">
+                <a:tc>
+                  <a:txBody>
+                    <a:bodyPr/>
+                    <a:lstStyle/>
+                    <a:p>
+                      <a:pPr algn="ctr"/>
+                      <a:endParaRPr lang="de-DE" sz="1100" dirty="0"/>
+                    </a:p>
+                  </a:txBody>
+                  <a:tcPr marL="0" marR="0" marT="0" marB="0" anchor="ctr"/>
+                </a:tc>
+                <a:tc>
+                  <a:txBody>
+                    <a:bodyPr/>
+                    <a:lstStyle/>
+                    <a:p>
+                      <a:pPr algn="ctr"/>
+                      <a:endParaRPr lang="de-DE" sz="1100" dirty="0"/>
+                    </a:p>
+                  </a:txBody>
+                  <a:tcPr marL="0" marR="0" marT="0" marB="0" anchor="ctr"/>
+                </a:tc>
+                <a:tc>
+                  <a:txBody>
+                    <a:bodyPr/>
+                    <a:lstStyle/>
+                    <a:p>
+                      <a:pPr algn="ctr"/>
+                      <a:endParaRPr lang="de-DE" sz="1100" dirty="0"/>
+                    </a:p>
+                  </a:txBody>
+                  <a:tcPr marL="0" marR="0" marT="0" marB="0" anchor="ctr"/>
+                </a:tc>
+              </a:tr>
+              <a:tr h="114988">
+                <a:tc>
+                  <a:txBody>
+                    <a:bodyPr/>
+                    <a:lstStyle/>
+                    <a:p>
+                      <a:pPr algn="ctr"/>
+                      <a:endParaRPr lang="de-DE" sz="1100" dirty="0"/>
+                    </a:p>
+                  </a:txBody>
+                  <a:tcPr marL="0" marR="0" marT="0" marB="0" anchor="ctr"/>
+                </a:tc>
+                <a:tc>
+                  <a:txBody>
+                    <a:bodyPr/>
+                    <a:lstStyle/>
+                    <a:p>
+                      <a:pPr algn="ctr"/>
+                      <a:endParaRPr lang="de-DE" sz="1100" dirty="0"/>
+                    </a:p>
+                  </a:txBody>
+                  <a:tcPr marL="0" marR="0" marT="0" marB="0" anchor="ctr"/>
+                </a:tc>
+                <a:tc>
+                  <a:txBody>
+                    <a:bodyPr/>
+                    <a:lstStyle/>
+                    <a:p>
+                      <a:pPr algn="ctr"/>
+                      <a:endParaRPr lang="de-DE" sz="1100" dirty="0"/>
+                    </a:p>
+                  </a:txBody>
+                  <a:tcPr marL="0" marR="0" marT="0" marB="0" anchor="ctr"/>
+                </a:tc>
+              </a:tr>
+              <a:tr h="114988">
+                <a:tc>
+                  <a:txBody>
+                    <a:bodyPr/>
+                    <a:lstStyle/>
+                    <a:p>
+                      <a:pPr algn="ctr"/>
+                      <a:endParaRPr lang="de-DE" sz="1100" dirty="0"/>
+                    </a:p>
+                  </a:txBody>
+                  <a:tcPr marL="0" marR="0" marT="0" marB="0" anchor="ctr"/>
+                </a:tc>
+                <a:tc>
+                  <a:txBody>
+                    <a:bodyPr/>
+                    <a:lstStyle/>
+                    <a:p>
+                      <a:pPr algn="ctr"/>
+                      <a:endParaRPr lang="de-DE" sz="1100" dirty="0"/>
+                    </a:p>
+                  </a:txBody>
+                  <a:tcPr marL="0" marR="0" marT="0" marB="0" anchor="ctr"/>
+                </a:tc>
+                <a:tc>
+                  <a:txBody>
+                    <a:bodyPr/>
+                    <a:lstStyle/>
+                    <a:p>
+                      <a:pPr algn="ctr"/>
+                      <a:endParaRPr lang="de-DE" sz="1100" dirty="0"/>
+                    </a:p>
+                  </a:txBody>
+                  <a:tcPr marL="0" marR="0" marT="0" marB="0" anchor="ctr"/>
+                </a:tc>
+              </a:tr>
+            </a:tbl>
+          </a:graphicData>
+        </a:graphic>
+      </p:graphicFrame>
+      <p:graphicFrame>
+        <p:nvGraphicFramePr>
+          <p:cNvPr id="9" name="Tabelle 8"/>
+          <p:cNvGraphicFramePr>
+            <a:graphicFrameLocks noGrp="1"/>
+          </p:cNvGraphicFramePr>
+          <p:nvPr>
+            <p:extLst>
+              <p:ext uri="{D42A27DB-BD31-4B8C-83A1-F6EECF244321}">
+                <p14:modId xmlns:p14="http://schemas.microsoft.com/office/powerpoint/2010/main" val="4284055571"/>
+              </p:ext>
+            </p:extLst>
+          </p:nvPr>
+        </p:nvGraphicFramePr>
+        <p:xfrm>
+          <a:off x="4119761" y="1545563"/>
+          <a:ext cx="1080120" cy="1560000"/>
+        </p:xfrm>
+        <a:graphic>
+          <a:graphicData uri="http://schemas.openxmlformats.org/drawingml/2006/table">
+            <a:tbl>
+              <a:tblPr firstRow="1" bandRow="1">
+                <a:tableStyleId>{5C22544A-7EE6-4342-B048-85BDC9FD1C3A}</a:tableStyleId>
+              </a:tblPr>
+              <a:tblGrid>
+                <a:gridCol w="360040"/>
+                <a:gridCol w="360040"/>
+                <a:gridCol w="360040"/>
+              </a:tblGrid>
+              <a:tr h="114988">
+                <a:tc>
+                  <a:txBody>
+                    <a:bodyPr/>
+                    <a:lstStyle/>
+                    <a:p>
+                      <a:pPr algn="ctr"/>
+                      <a:r>
+                        <a:rPr lang="de-DE" sz="1200" dirty="0" smtClean="0"/>
+                        <a:t>i</a:t>
+                      </a:r>
+                      <a:endParaRPr lang="de-DE" sz="1200" dirty="0"/>
+                    </a:p>
+                  </a:txBody>
+                  <a:tcPr marL="0" marR="0" marT="0" marB="36000" anchor="ctr"/>
+                </a:tc>
+                <a:tc>
+                  <a:txBody>
+                    <a:bodyPr/>
+                    <a:lstStyle/>
+                    <a:p>
+                      <a:pPr algn="ctr"/>
+                      <a:r>
+                        <a:rPr lang="de-DE" sz="1200" dirty="0" smtClean="0"/>
+                        <a:t>x</a:t>
+                      </a:r>
+                      <a:endParaRPr lang="de-DE" sz="1200" dirty="0"/>
+                    </a:p>
+                  </a:txBody>
+                  <a:tcPr marL="0" marR="0" marT="0" marB="36000" anchor="ctr"/>
+                </a:tc>
+                <a:tc>
+                  <a:txBody>
+                    <a:bodyPr/>
+                    <a:lstStyle/>
+                    <a:p>
+                      <a:pPr algn="ctr"/>
+                      <a:r>
+                        <a:rPr lang="de-DE" sz="1200" dirty="0" smtClean="0"/>
+                        <a:t>y</a:t>
+                      </a:r>
+                      <a:endParaRPr lang="de-DE" sz="1200" dirty="0"/>
+                    </a:p>
+                  </a:txBody>
+                  <a:tcPr marL="0" marR="0" marT="0" marB="36000" anchor="ctr"/>
+                </a:tc>
+              </a:tr>
+              <a:tr h="114988">
+                <a:tc>
+                  <a:txBody>
+                    <a:bodyPr/>
+                    <a:lstStyle/>
+                    <a:p>
+                      <a:pPr algn="ctr"/>
+                      <a:r>
+                        <a:rPr lang="de-DE" sz="1100" dirty="0" smtClean="0"/>
+                        <a:t>1</a:t>
+                      </a:r>
+                      <a:endParaRPr lang="de-DE" sz="1100" dirty="0"/>
+                    </a:p>
+                  </a:txBody>
+                  <a:tcPr marL="0" marR="0" marT="0" marB="0" anchor="ctr"/>
+                </a:tc>
+                <a:tc>
+                  <a:txBody>
+                    <a:bodyPr/>
+                    <a:lstStyle/>
+                    <a:p>
+                      <a:pPr algn="ctr"/>
+                      <a:r>
+                        <a:rPr lang="de-DE" sz="1100" dirty="0" smtClean="0"/>
+                        <a:t>2</a:t>
+                      </a:r>
+                      <a:endParaRPr lang="de-DE" sz="1100" dirty="0"/>
+                    </a:p>
+                  </a:txBody>
+                  <a:tcPr marL="0" marR="0" marT="0" marB="0" anchor="ctr"/>
+                </a:tc>
+                <a:tc>
+                  <a:txBody>
+                    <a:bodyPr/>
+                    <a:lstStyle/>
+                    <a:p>
+                      <a:pPr algn="ctr"/>
+                      <a:r>
+                        <a:rPr lang="de-DE" sz="1100" dirty="0" smtClean="0"/>
+                        <a:t>8</a:t>
+                      </a:r>
+                      <a:endParaRPr lang="de-DE" sz="1100" dirty="0"/>
+                    </a:p>
+                  </a:txBody>
+                  <a:tcPr marL="0" marR="0" marT="0" marB="0" anchor="ctr"/>
+                </a:tc>
+              </a:tr>
+              <a:tr h="114988">
+                <a:tc>
+                  <a:txBody>
+                    <a:bodyPr/>
+                    <a:lstStyle/>
+                    <a:p>
+                      <a:pPr algn="ctr"/>
+                      <a:r>
+                        <a:rPr lang="de-DE" sz="1100" dirty="0" smtClean="0"/>
+                        <a:t>6</a:t>
+                      </a:r>
+                      <a:endParaRPr lang="de-DE" sz="1100" dirty="0"/>
+                    </a:p>
+                  </a:txBody>
+                  <a:tcPr marL="0" marR="0" marT="0" marB="0" anchor="ctr"/>
+                </a:tc>
+                <a:tc>
+                  <a:txBody>
+                    <a:bodyPr/>
+                    <a:lstStyle/>
+                    <a:p>
+                      <a:pPr algn="ctr"/>
+                      <a:r>
+                        <a:rPr lang="de-DE" sz="1100" dirty="0" smtClean="0"/>
+                        <a:t>3</a:t>
+                      </a:r>
+                      <a:endParaRPr lang="de-DE" sz="1100" dirty="0"/>
+                    </a:p>
+                  </a:txBody>
+                  <a:tcPr marL="0" marR="0" marT="0" marB="0" anchor="ctr"/>
+                </a:tc>
+                <a:tc>
+                  <a:txBody>
+                    <a:bodyPr/>
+                    <a:lstStyle/>
+                    <a:p>
+                      <a:pPr algn="ctr"/>
+                      <a:r>
+                        <a:rPr lang="de-DE" sz="1100" dirty="0" smtClean="0"/>
+                        <a:t>8</a:t>
+                      </a:r>
+                      <a:endParaRPr lang="de-DE" sz="1100" dirty="0"/>
+                    </a:p>
+                  </a:txBody>
+                  <a:tcPr marL="0" marR="0" marT="0" marB="0" anchor="ctr"/>
+                </a:tc>
+              </a:tr>
+              <a:tr h="114988">
+                <a:tc>
+                  <a:txBody>
+                    <a:bodyPr/>
+                    <a:lstStyle/>
+                    <a:p>
+                      <a:pPr algn="ctr"/>
+                      <a:r>
+                        <a:rPr lang="de-DE" sz="1100" dirty="0" smtClean="0"/>
+                        <a:t>5</a:t>
+                      </a:r>
+                      <a:endParaRPr lang="de-DE" sz="1100" dirty="0"/>
+                    </a:p>
+                  </a:txBody>
+                  <a:tcPr marL="0" marR="0" marT="0" marB="0" anchor="ctr"/>
+                </a:tc>
+                <a:tc>
+                  <a:txBody>
+                    <a:bodyPr/>
+                    <a:lstStyle/>
+                    <a:p>
+                      <a:pPr algn="ctr"/>
+                      <a:r>
+                        <a:rPr lang="de-DE" sz="1100" dirty="0" smtClean="0"/>
+                        <a:t>4</a:t>
+                      </a:r>
+                      <a:endParaRPr lang="de-DE" sz="1100" dirty="0"/>
+                    </a:p>
+                  </a:txBody>
+                  <a:tcPr marL="0" marR="0" marT="0" marB="0" anchor="ctr"/>
+                </a:tc>
+                <a:tc>
+                  <a:txBody>
+                    <a:bodyPr/>
+                    <a:lstStyle/>
+                    <a:p>
+                      <a:pPr algn="ctr"/>
+                      <a:r>
+                        <a:rPr lang="de-DE" sz="1100" dirty="0" smtClean="0"/>
+                        <a:t>8</a:t>
+                      </a:r>
+                      <a:endParaRPr lang="de-DE" sz="1100" dirty="0"/>
+                    </a:p>
+                  </a:txBody>
+                  <a:tcPr marL="0" marR="0" marT="0" marB="0" anchor="ctr"/>
+                </a:tc>
+              </a:tr>
+              <a:tr h="114988">
+                <a:tc>
+                  <a:txBody>
+                    <a:bodyPr/>
+                    <a:lstStyle/>
+                    <a:p>
+                      <a:pPr algn="ctr"/>
+                      <a:r>
+                        <a:rPr lang="de-DE" sz="1100" dirty="0" smtClean="0"/>
+                        <a:t>4</a:t>
+                      </a:r>
+                      <a:endParaRPr lang="de-DE" sz="1100" dirty="0"/>
+                    </a:p>
+                  </a:txBody>
+                  <a:tcPr marL="0" marR="0" marT="0" marB="0" anchor="ctr"/>
+                </a:tc>
+                <a:tc>
+                  <a:txBody>
+                    <a:bodyPr/>
+                    <a:lstStyle/>
+                    <a:p>
+                      <a:pPr algn="ctr"/>
+                      <a:r>
+                        <a:rPr lang="de-DE" sz="1100" dirty="0" smtClean="0"/>
+                        <a:t>5</a:t>
+                      </a:r>
+                      <a:endParaRPr lang="de-DE" sz="1100" dirty="0"/>
+                    </a:p>
+                  </a:txBody>
+                  <a:tcPr marL="0" marR="0" marT="0" marB="0" anchor="ctr"/>
+                </a:tc>
+                <a:tc>
+                  <a:txBody>
+                    <a:bodyPr/>
+                    <a:lstStyle/>
+                    <a:p>
+                      <a:pPr algn="ctr"/>
+                      <a:r>
+                        <a:rPr lang="de-DE" sz="1100" dirty="0" smtClean="0"/>
+                        <a:t>8</a:t>
+                      </a:r>
+                      <a:endParaRPr lang="de-DE" sz="1100" dirty="0"/>
+                    </a:p>
+                  </a:txBody>
+                  <a:tcPr marL="0" marR="0" marT="0" marB="0" anchor="ctr"/>
+                </a:tc>
+              </a:tr>
+              <a:tr h="114988">
+                <a:tc>
+                  <a:txBody>
+                    <a:bodyPr/>
+                    <a:lstStyle/>
+                    <a:p>
+                      <a:pPr algn="ctr"/>
+                      <a:endParaRPr lang="de-DE" sz="1100" dirty="0"/>
+                    </a:p>
+                  </a:txBody>
+                  <a:tcPr marL="0" marR="0" marT="0" marB="0" anchor="ctr"/>
+                </a:tc>
+                <a:tc>
+                  <a:txBody>
+                    <a:bodyPr/>
+                    <a:lstStyle/>
+                    <a:p>
+                      <a:pPr algn="ctr"/>
+                      <a:endParaRPr lang="de-DE" sz="1100" dirty="0"/>
+                    </a:p>
+                  </a:txBody>
+                  <a:tcPr marL="0" marR="0" marT="0" marB="0" anchor="ctr"/>
+                </a:tc>
+                <a:tc>
+                  <a:txBody>
+                    <a:bodyPr/>
+                    <a:lstStyle/>
+                    <a:p>
+                      <a:pPr algn="ctr"/>
+                      <a:endParaRPr lang="de-DE" sz="1100" dirty="0"/>
+                    </a:p>
+                  </a:txBody>
+                  <a:tcPr marL="0" marR="0" marT="0" marB="0" anchor="ctr"/>
+                </a:tc>
+              </a:tr>
+              <a:tr h="114988">
+                <a:tc>
+                  <a:txBody>
+                    <a:bodyPr/>
+                    <a:lstStyle/>
+                    <a:p>
+                      <a:pPr algn="ctr"/>
+                      <a:endParaRPr lang="de-DE" sz="1100" dirty="0"/>
+                    </a:p>
+                  </a:txBody>
+                  <a:tcPr marL="0" marR="0" marT="0" marB="0" anchor="ctr"/>
+                </a:tc>
+                <a:tc>
+                  <a:txBody>
+                    <a:bodyPr/>
+                    <a:lstStyle/>
+                    <a:p>
+                      <a:pPr algn="ctr"/>
+                      <a:endParaRPr lang="de-DE" sz="1100" dirty="0"/>
+                    </a:p>
+                  </a:txBody>
+                  <a:tcPr marL="0" marR="0" marT="0" marB="0" anchor="ctr"/>
+                </a:tc>
+                <a:tc>
+                  <a:txBody>
+                    <a:bodyPr/>
+                    <a:lstStyle/>
+                    <a:p>
+                      <a:pPr algn="ctr"/>
+                      <a:endParaRPr lang="de-DE" sz="1100" dirty="0"/>
+                    </a:p>
+                  </a:txBody>
+                  <a:tcPr marL="0" marR="0" marT="0" marB="0" anchor="ctr"/>
+                </a:tc>
+              </a:tr>
+              <a:tr h="114988">
+                <a:tc>
+                  <a:txBody>
+                    <a:bodyPr/>
+                    <a:lstStyle/>
+                    <a:p>
+                      <a:pPr algn="ctr"/>
+                      <a:endParaRPr lang="de-DE" sz="1100" dirty="0"/>
+                    </a:p>
+                  </a:txBody>
+                  <a:tcPr marL="0" marR="0" marT="0" marB="0" anchor="ctr"/>
+                </a:tc>
+                <a:tc>
+                  <a:txBody>
+                    <a:bodyPr/>
+                    <a:lstStyle/>
+                    <a:p>
+                      <a:pPr algn="ctr"/>
+                      <a:endParaRPr lang="de-DE" sz="1100" dirty="0"/>
+                    </a:p>
+                  </a:txBody>
+                  <a:tcPr marL="0" marR="0" marT="0" marB="0" anchor="ctr"/>
+                </a:tc>
+                <a:tc>
+                  <a:txBody>
+                    <a:bodyPr/>
+                    <a:lstStyle/>
+                    <a:p>
+                      <a:pPr algn="ctr"/>
+                      <a:endParaRPr lang="de-DE" sz="1100" dirty="0"/>
+                    </a:p>
+                  </a:txBody>
+                  <a:tcPr marL="0" marR="0" marT="0" marB="0" anchor="ctr"/>
+                </a:tc>
+              </a:tr>
+              <a:tr h="114988">
+                <a:tc>
+                  <a:txBody>
+                    <a:bodyPr/>
+                    <a:lstStyle/>
+                    <a:p>
+                      <a:pPr algn="ctr"/>
+                      <a:endParaRPr lang="de-DE" sz="1100" dirty="0"/>
+                    </a:p>
+                  </a:txBody>
+                  <a:tcPr marL="0" marR="0" marT="0" marB="0" anchor="ctr"/>
+                </a:tc>
+                <a:tc>
+                  <a:txBody>
+                    <a:bodyPr/>
+                    <a:lstStyle/>
+                    <a:p>
+                      <a:pPr algn="ctr"/>
+                      <a:endParaRPr lang="de-DE" sz="1100" dirty="0"/>
+                    </a:p>
+                  </a:txBody>
+                  <a:tcPr marL="0" marR="0" marT="0" marB="0" anchor="ctr"/>
+                </a:tc>
+                <a:tc>
+                  <a:txBody>
+                    <a:bodyPr/>
+                    <a:lstStyle/>
+                    <a:p>
+                      <a:pPr algn="ctr"/>
+                      <a:endParaRPr lang="de-DE" sz="1100" dirty="0"/>
+                    </a:p>
+                  </a:txBody>
+                  <a:tcPr marL="0" marR="0" marT="0" marB="0" anchor="ctr"/>
+                </a:tc>
+              </a:tr>
+            </a:tbl>
+          </a:graphicData>
+        </a:graphic>
+      </p:graphicFrame>
+      <p:graphicFrame>
+        <p:nvGraphicFramePr>
+          <p:cNvPr id="10" name="Tabelle 9"/>
+          <p:cNvGraphicFramePr>
+            <a:graphicFrameLocks noGrp="1"/>
+          </p:cNvGraphicFramePr>
+          <p:nvPr>
+            <p:extLst>
+              <p:ext uri="{D42A27DB-BD31-4B8C-83A1-F6EECF244321}">
+                <p14:modId xmlns:p14="http://schemas.microsoft.com/office/powerpoint/2010/main" val="2306253984"/>
+              </p:ext>
+            </p:extLst>
+          </p:nvPr>
+        </p:nvGraphicFramePr>
+        <p:xfrm>
+          <a:off x="4119761" y="1545563"/>
+          <a:ext cx="1080120" cy="1560000"/>
+        </p:xfrm>
+        <a:graphic>
+          <a:graphicData uri="http://schemas.openxmlformats.org/drawingml/2006/table">
+            <a:tbl>
+              <a:tblPr firstRow="1" bandRow="1">
+                <a:tableStyleId>{5C22544A-7EE6-4342-B048-85BDC9FD1C3A}</a:tableStyleId>
+              </a:tblPr>
+              <a:tblGrid>
+                <a:gridCol w="360040"/>
+                <a:gridCol w="360040"/>
+                <a:gridCol w="360040"/>
+              </a:tblGrid>
+              <a:tr h="114988">
+                <a:tc>
+                  <a:txBody>
+                    <a:bodyPr/>
+                    <a:lstStyle/>
+                    <a:p>
+                      <a:pPr algn="ctr"/>
+                      <a:r>
+                        <a:rPr lang="de-DE" sz="1200" dirty="0" smtClean="0"/>
+                        <a:t>i</a:t>
+                      </a:r>
+                      <a:endParaRPr lang="de-DE" sz="1200" dirty="0"/>
+                    </a:p>
+                  </a:txBody>
+                  <a:tcPr marL="0" marR="0" marT="0" marB="36000" anchor="ctr"/>
+                </a:tc>
+                <a:tc>
+                  <a:txBody>
+                    <a:bodyPr/>
+                    <a:lstStyle/>
+                    <a:p>
+                      <a:pPr algn="ctr"/>
+                      <a:r>
+                        <a:rPr lang="de-DE" sz="1200" dirty="0" smtClean="0"/>
+                        <a:t>x</a:t>
+                      </a:r>
+                      <a:endParaRPr lang="de-DE" sz="1200" dirty="0"/>
+                    </a:p>
+                  </a:txBody>
+                  <a:tcPr marL="0" marR="0" marT="0" marB="36000" anchor="ctr"/>
+                </a:tc>
+                <a:tc>
+                  <a:txBody>
+                    <a:bodyPr/>
+                    <a:lstStyle/>
+                    <a:p>
+                      <a:pPr algn="ctr"/>
+                      <a:r>
+                        <a:rPr lang="de-DE" sz="1200" dirty="0" smtClean="0"/>
+                        <a:t>y</a:t>
+                      </a:r>
+                      <a:endParaRPr lang="de-DE" sz="1200" dirty="0"/>
+                    </a:p>
+                  </a:txBody>
+                  <a:tcPr marL="0" marR="0" marT="0" marB="36000" anchor="ctr"/>
+                </a:tc>
+              </a:tr>
+              <a:tr h="114988">
+                <a:tc>
+                  <a:txBody>
+                    <a:bodyPr/>
+                    <a:lstStyle/>
+                    <a:p>
+                      <a:pPr algn="ctr"/>
+                      <a:r>
+                        <a:rPr lang="de-DE" sz="1100" dirty="0" smtClean="0"/>
+                        <a:t>1</a:t>
+                      </a:r>
+                      <a:endParaRPr lang="de-DE" sz="1100" dirty="0"/>
+                    </a:p>
+                  </a:txBody>
+                  <a:tcPr marL="0" marR="0" marT="0" marB="0" anchor="ctr"/>
+                </a:tc>
+                <a:tc>
+                  <a:txBody>
+                    <a:bodyPr/>
+                    <a:lstStyle/>
+                    <a:p>
+                      <a:pPr algn="ctr"/>
+                      <a:r>
+                        <a:rPr lang="de-DE" sz="1100" dirty="0" smtClean="0"/>
+                        <a:t>2</a:t>
+                      </a:r>
+                      <a:endParaRPr lang="de-DE" sz="1100" dirty="0"/>
+                    </a:p>
+                  </a:txBody>
+                  <a:tcPr marL="0" marR="0" marT="0" marB="0" anchor="ctr"/>
+                </a:tc>
+                <a:tc>
+                  <a:txBody>
+                    <a:bodyPr/>
+                    <a:lstStyle/>
+                    <a:p>
+                      <a:pPr algn="ctr"/>
+                      <a:r>
+                        <a:rPr lang="de-DE" sz="1100" dirty="0" smtClean="0"/>
+                        <a:t>8</a:t>
+                      </a:r>
+                      <a:endParaRPr lang="de-DE" sz="1100" dirty="0"/>
+                    </a:p>
+                  </a:txBody>
+                  <a:tcPr marL="0" marR="0" marT="0" marB="0" anchor="ctr"/>
+                </a:tc>
+              </a:tr>
+              <a:tr h="114988">
+                <a:tc>
+                  <a:txBody>
+                    <a:bodyPr/>
+                    <a:lstStyle/>
+                    <a:p>
+                      <a:pPr algn="ctr"/>
+                      <a:r>
+                        <a:rPr lang="de-DE" sz="1100" dirty="0" smtClean="0"/>
+                        <a:t>6</a:t>
+                      </a:r>
+                      <a:endParaRPr lang="de-DE" sz="1100" dirty="0"/>
+                    </a:p>
+                  </a:txBody>
+                  <a:tcPr marL="0" marR="0" marT="0" marB="0" anchor="ctr"/>
+                </a:tc>
+                <a:tc>
+                  <a:txBody>
+                    <a:bodyPr/>
+                    <a:lstStyle/>
+                    <a:p>
+                      <a:pPr algn="ctr"/>
+                      <a:r>
+                        <a:rPr lang="de-DE" sz="1100" dirty="0" smtClean="0"/>
+                        <a:t>3</a:t>
+                      </a:r>
+                      <a:endParaRPr lang="de-DE" sz="1100" dirty="0"/>
+                    </a:p>
+                  </a:txBody>
+                  <a:tcPr marL="0" marR="0" marT="0" marB="0" anchor="ctr"/>
+                </a:tc>
+                <a:tc>
+                  <a:txBody>
+                    <a:bodyPr/>
+                    <a:lstStyle/>
+                    <a:p>
+                      <a:pPr algn="ctr"/>
+                      <a:r>
+                        <a:rPr lang="de-DE" sz="1100" dirty="0" smtClean="0"/>
+                        <a:t>8</a:t>
+                      </a:r>
+                      <a:endParaRPr lang="de-DE" sz="1100" dirty="0"/>
+                    </a:p>
+                  </a:txBody>
+                  <a:tcPr marL="0" marR="0" marT="0" marB="0" anchor="ctr"/>
+                </a:tc>
+              </a:tr>
+              <a:tr h="114988">
+                <a:tc>
+                  <a:txBody>
+                    <a:bodyPr/>
+                    <a:lstStyle/>
+                    <a:p>
+                      <a:pPr algn="ctr"/>
+                      <a:r>
+                        <a:rPr lang="de-DE" sz="1100" dirty="0" smtClean="0"/>
+                        <a:t>5</a:t>
+                      </a:r>
+                      <a:endParaRPr lang="de-DE" sz="1100" dirty="0"/>
+                    </a:p>
+                  </a:txBody>
+                  <a:tcPr marL="0" marR="0" marT="0" marB="0" anchor="ctr"/>
+                </a:tc>
+                <a:tc>
+                  <a:txBody>
+                    <a:bodyPr/>
+                    <a:lstStyle/>
+                    <a:p>
+                      <a:pPr algn="ctr"/>
+                      <a:r>
+                        <a:rPr lang="de-DE" sz="1100" dirty="0" smtClean="0"/>
+                        <a:t>4</a:t>
+                      </a:r>
+                      <a:endParaRPr lang="de-DE" sz="1100" dirty="0"/>
+                    </a:p>
+                  </a:txBody>
+                  <a:tcPr marL="0" marR="0" marT="0" marB="0" anchor="ctr"/>
+                </a:tc>
+                <a:tc>
+                  <a:txBody>
+                    <a:bodyPr/>
+                    <a:lstStyle/>
+                    <a:p>
+                      <a:pPr algn="ctr"/>
+                      <a:r>
+                        <a:rPr lang="de-DE" sz="1100" dirty="0" smtClean="0"/>
+                        <a:t>8</a:t>
+                      </a:r>
+                      <a:endParaRPr lang="de-DE" sz="1100" dirty="0"/>
+                    </a:p>
+                  </a:txBody>
+                  <a:tcPr marL="0" marR="0" marT="0" marB="0" anchor="ctr"/>
+                </a:tc>
+              </a:tr>
+              <a:tr h="114988">
+                <a:tc>
+                  <a:txBody>
+                    <a:bodyPr/>
+                    <a:lstStyle/>
+                    <a:p>
+                      <a:pPr algn="ctr"/>
+                      <a:r>
+                        <a:rPr lang="de-DE" sz="1100" dirty="0" smtClean="0"/>
+                        <a:t>4</a:t>
+                      </a:r>
+                      <a:endParaRPr lang="de-DE" sz="1100" dirty="0"/>
+                    </a:p>
+                  </a:txBody>
+                  <a:tcPr marL="0" marR="0" marT="0" marB="0" anchor="ctr"/>
+                </a:tc>
+                <a:tc>
+                  <a:txBody>
+                    <a:bodyPr/>
+                    <a:lstStyle/>
+                    <a:p>
+                      <a:pPr algn="ctr"/>
+                      <a:r>
+                        <a:rPr lang="de-DE" sz="1100" dirty="0" smtClean="0"/>
+                        <a:t>5</a:t>
+                      </a:r>
+                      <a:endParaRPr lang="de-DE" sz="1100" dirty="0"/>
+                    </a:p>
+                  </a:txBody>
+                  <a:tcPr marL="0" marR="0" marT="0" marB="0" anchor="ctr"/>
+                </a:tc>
+                <a:tc>
+                  <a:txBody>
+                    <a:bodyPr/>
+                    <a:lstStyle/>
+                    <a:p>
+                      <a:pPr algn="ctr"/>
+                      <a:r>
+                        <a:rPr lang="de-DE" sz="1100" dirty="0" smtClean="0"/>
+                        <a:t>8</a:t>
+                      </a:r>
+                      <a:endParaRPr lang="de-DE" sz="1100" dirty="0"/>
+                    </a:p>
+                  </a:txBody>
+                  <a:tcPr marL="0" marR="0" marT="0" marB="0" anchor="ctr"/>
+                </a:tc>
+              </a:tr>
+              <a:tr h="114988">
+                <a:tc>
+                  <a:txBody>
+                    <a:bodyPr/>
+                    <a:lstStyle/>
+                    <a:p>
+                      <a:pPr algn="ctr"/>
+                      <a:r>
+                        <a:rPr lang="de-DE" sz="1100" dirty="0" smtClean="0"/>
+                        <a:t>3</a:t>
+                      </a:r>
+                      <a:endParaRPr lang="de-DE" sz="1100" dirty="0"/>
+                    </a:p>
+                  </a:txBody>
+                  <a:tcPr marL="0" marR="0" marT="0" marB="0" anchor="ctr"/>
+                </a:tc>
+                <a:tc>
+                  <a:txBody>
+                    <a:bodyPr/>
+                    <a:lstStyle/>
+                    <a:p>
+                      <a:pPr algn="ctr"/>
+                      <a:r>
+                        <a:rPr lang="de-DE" sz="1100" dirty="0" smtClean="0"/>
+                        <a:t>6</a:t>
+                      </a:r>
+                      <a:endParaRPr lang="de-DE" sz="1100" dirty="0"/>
+                    </a:p>
+                  </a:txBody>
+                  <a:tcPr marL="0" marR="0" marT="0" marB="0" anchor="ctr"/>
+                </a:tc>
+                <a:tc>
+                  <a:txBody>
+                    <a:bodyPr/>
+                    <a:lstStyle/>
+                    <a:p>
+                      <a:pPr algn="ctr"/>
+                      <a:r>
+                        <a:rPr lang="de-DE" sz="1100" dirty="0" smtClean="0"/>
+                        <a:t>8</a:t>
+                      </a:r>
+                      <a:endParaRPr lang="de-DE" sz="1100" dirty="0"/>
+                    </a:p>
+                  </a:txBody>
+                  <a:tcPr marL="0" marR="0" marT="0" marB="0" anchor="ctr"/>
+                </a:tc>
+              </a:tr>
+              <a:tr h="114988">
+                <a:tc>
+                  <a:txBody>
+                    <a:bodyPr/>
+                    <a:lstStyle/>
+                    <a:p>
+                      <a:pPr algn="ctr"/>
+                      <a:endParaRPr lang="de-DE" sz="1100" dirty="0"/>
+                    </a:p>
+                  </a:txBody>
+                  <a:tcPr marL="0" marR="0" marT="0" marB="0" anchor="ctr"/>
+                </a:tc>
+                <a:tc>
+                  <a:txBody>
+                    <a:bodyPr/>
+                    <a:lstStyle/>
+                    <a:p>
+                      <a:pPr algn="ctr"/>
+                      <a:endParaRPr lang="de-DE" sz="1100" dirty="0"/>
+                    </a:p>
+                  </a:txBody>
+                  <a:tcPr marL="0" marR="0" marT="0" marB="0" anchor="ctr"/>
+                </a:tc>
+                <a:tc>
+                  <a:txBody>
+                    <a:bodyPr/>
+                    <a:lstStyle/>
+                    <a:p>
+                      <a:pPr algn="ctr"/>
+                      <a:endParaRPr lang="de-DE" sz="1100" dirty="0"/>
+                    </a:p>
+                  </a:txBody>
+                  <a:tcPr marL="0" marR="0" marT="0" marB="0" anchor="ctr"/>
+                </a:tc>
+              </a:tr>
+              <a:tr h="114988">
+                <a:tc>
+                  <a:txBody>
+                    <a:bodyPr/>
+                    <a:lstStyle/>
+                    <a:p>
+                      <a:pPr algn="ctr"/>
+                      <a:endParaRPr lang="de-DE" sz="1100" dirty="0"/>
+                    </a:p>
+                  </a:txBody>
+                  <a:tcPr marL="0" marR="0" marT="0" marB="0" anchor="ctr"/>
+                </a:tc>
+                <a:tc>
+                  <a:txBody>
+                    <a:bodyPr/>
+                    <a:lstStyle/>
+                    <a:p>
+                      <a:pPr algn="ctr"/>
+                      <a:endParaRPr lang="de-DE" sz="1100" dirty="0"/>
+                    </a:p>
+                  </a:txBody>
+                  <a:tcPr marL="0" marR="0" marT="0" marB="0" anchor="ctr"/>
+                </a:tc>
+                <a:tc>
+                  <a:txBody>
+                    <a:bodyPr/>
+                    <a:lstStyle/>
+                    <a:p>
+                      <a:pPr algn="ctr"/>
+                      <a:endParaRPr lang="de-DE" sz="1100" dirty="0"/>
+                    </a:p>
+                  </a:txBody>
+                  <a:tcPr marL="0" marR="0" marT="0" marB="0" anchor="ctr"/>
+                </a:tc>
+              </a:tr>
+              <a:tr h="114988">
+                <a:tc>
+                  <a:txBody>
+                    <a:bodyPr/>
+                    <a:lstStyle/>
+                    <a:p>
+                      <a:pPr algn="ctr"/>
+                      <a:endParaRPr lang="de-DE" sz="1100" dirty="0"/>
+                    </a:p>
+                  </a:txBody>
+                  <a:tcPr marL="0" marR="0" marT="0" marB="0" anchor="ctr"/>
+                </a:tc>
+                <a:tc>
+                  <a:txBody>
+                    <a:bodyPr/>
+                    <a:lstStyle/>
+                    <a:p>
+                      <a:pPr algn="ctr"/>
+                      <a:endParaRPr lang="de-DE" sz="1100" dirty="0"/>
+                    </a:p>
+                  </a:txBody>
+                  <a:tcPr marL="0" marR="0" marT="0" marB="0" anchor="ctr"/>
+                </a:tc>
+                <a:tc>
+                  <a:txBody>
+                    <a:bodyPr/>
+                    <a:lstStyle/>
+                    <a:p>
+                      <a:pPr algn="ctr"/>
+                      <a:endParaRPr lang="de-DE" sz="1100" dirty="0"/>
+                    </a:p>
+                  </a:txBody>
+                  <a:tcPr marL="0" marR="0" marT="0" marB="0" anchor="ctr"/>
+                </a:tc>
+              </a:tr>
+            </a:tbl>
+          </a:graphicData>
+        </a:graphic>
+      </p:graphicFrame>
+      <p:graphicFrame>
+        <p:nvGraphicFramePr>
+          <p:cNvPr id="11" name="Tabelle 10"/>
+          <p:cNvGraphicFramePr>
+            <a:graphicFrameLocks noGrp="1"/>
+          </p:cNvGraphicFramePr>
+          <p:nvPr>
+            <p:extLst>
+              <p:ext uri="{D42A27DB-BD31-4B8C-83A1-F6EECF244321}">
+                <p14:modId xmlns:p14="http://schemas.microsoft.com/office/powerpoint/2010/main" val="3905608257"/>
+              </p:ext>
+            </p:extLst>
+          </p:nvPr>
+        </p:nvGraphicFramePr>
+        <p:xfrm>
+          <a:off x="4119761" y="1545563"/>
+          <a:ext cx="1080120" cy="1560000"/>
+        </p:xfrm>
+        <a:graphic>
+          <a:graphicData uri="http://schemas.openxmlformats.org/drawingml/2006/table">
+            <a:tbl>
+              <a:tblPr firstRow="1" bandRow="1">
+                <a:tableStyleId>{5C22544A-7EE6-4342-B048-85BDC9FD1C3A}</a:tableStyleId>
+              </a:tblPr>
+              <a:tblGrid>
+                <a:gridCol w="360040"/>
+                <a:gridCol w="360040"/>
+                <a:gridCol w="360040"/>
+              </a:tblGrid>
+              <a:tr h="114988">
+                <a:tc>
+                  <a:txBody>
+                    <a:bodyPr/>
+                    <a:lstStyle/>
+                    <a:p>
+                      <a:pPr algn="ctr"/>
+                      <a:r>
+                        <a:rPr lang="de-DE" sz="1200" dirty="0" smtClean="0"/>
+                        <a:t>i</a:t>
+                      </a:r>
+                      <a:endParaRPr lang="de-DE" sz="1200" dirty="0"/>
+                    </a:p>
+                  </a:txBody>
+                  <a:tcPr marL="0" marR="0" marT="0" marB="36000" anchor="ctr"/>
+                </a:tc>
+                <a:tc>
+                  <a:txBody>
+                    <a:bodyPr/>
+                    <a:lstStyle/>
+                    <a:p>
+                      <a:pPr algn="ctr"/>
+                      <a:r>
+                        <a:rPr lang="de-DE" sz="1200" dirty="0" smtClean="0"/>
+                        <a:t>x</a:t>
+                      </a:r>
+                      <a:endParaRPr lang="de-DE" sz="1200" dirty="0"/>
+                    </a:p>
+                  </a:txBody>
+                  <a:tcPr marL="0" marR="0" marT="0" marB="36000" anchor="ctr"/>
+                </a:tc>
+                <a:tc>
+                  <a:txBody>
+                    <a:bodyPr/>
+                    <a:lstStyle/>
+                    <a:p>
+                      <a:pPr algn="ctr"/>
+                      <a:r>
+                        <a:rPr lang="de-DE" sz="1200" dirty="0" smtClean="0"/>
+                        <a:t>y</a:t>
+                      </a:r>
+                      <a:endParaRPr lang="de-DE" sz="1200" dirty="0"/>
+                    </a:p>
+                  </a:txBody>
+                  <a:tcPr marL="0" marR="0" marT="0" marB="36000" anchor="ctr"/>
+                </a:tc>
+              </a:tr>
+              <a:tr h="114988">
+                <a:tc>
+                  <a:txBody>
+                    <a:bodyPr/>
+                    <a:lstStyle/>
+                    <a:p>
+                      <a:pPr algn="ctr"/>
+                      <a:r>
+                        <a:rPr lang="de-DE" sz="1100" dirty="0" smtClean="0"/>
+                        <a:t>1</a:t>
+                      </a:r>
+                      <a:endParaRPr lang="de-DE" sz="1100" dirty="0"/>
+                    </a:p>
+                  </a:txBody>
+                  <a:tcPr marL="0" marR="0" marT="0" marB="0" anchor="ctr"/>
+                </a:tc>
+                <a:tc>
+                  <a:txBody>
+                    <a:bodyPr/>
+                    <a:lstStyle/>
+                    <a:p>
+                      <a:pPr algn="ctr"/>
+                      <a:r>
+                        <a:rPr lang="de-DE" sz="1100" dirty="0" smtClean="0"/>
+                        <a:t>2</a:t>
+                      </a:r>
+                      <a:endParaRPr lang="de-DE" sz="1100" dirty="0"/>
+                    </a:p>
+                  </a:txBody>
+                  <a:tcPr marL="0" marR="0" marT="0" marB="0" anchor="ctr"/>
+                </a:tc>
+                <a:tc>
+                  <a:txBody>
+                    <a:bodyPr/>
+                    <a:lstStyle/>
+                    <a:p>
+                      <a:pPr algn="ctr"/>
+                      <a:r>
+                        <a:rPr lang="de-DE" sz="1100" dirty="0" smtClean="0"/>
+                        <a:t>8</a:t>
+                      </a:r>
+                      <a:endParaRPr lang="de-DE" sz="1100" dirty="0"/>
+                    </a:p>
+                  </a:txBody>
+                  <a:tcPr marL="0" marR="0" marT="0" marB="0" anchor="ctr"/>
+                </a:tc>
+              </a:tr>
+              <a:tr h="114988">
+                <a:tc>
+                  <a:txBody>
+                    <a:bodyPr/>
+                    <a:lstStyle/>
+                    <a:p>
+                      <a:pPr algn="ctr"/>
+                      <a:r>
+                        <a:rPr lang="de-DE" sz="1100" dirty="0" smtClean="0"/>
+                        <a:t>6</a:t>
+                      </a:r>
+                      <a:endParaRPr lang="de-DE" sz="1100" dirty="0"/>
+                    </a:p>
+                  </a:txBody>
+                  <a:tcPr marL="0" marR="0" marT="0" marB="0" anchor="ctr"/>
+                </a:tc>
+                <a:tc>
+                  <a:txBody>
+                    <a:bodyPr/>
+                    <a:lstStyle/>
+                    <a:p>
+                      <a:pPr algn="ctr"/>
+                      <a:r>
+                        <a:rPr lang="de-DE" sz="1100" dirty="0" smtClean="0"/>
+                        <a:t>3</a:t>
+                      </a:r>
+                      <a:endParaRPr lang="de-DE" sz="1100" dirty="0"/>
+                    </a:p>
+                  </a:txBody>
+                  <a:tcPr marL="0" marR="0" marT="0" marB="0" anchor="ctr"/>
+                </a:tc>
+                <a:tc>
+                  <a:txBody>
+                    <a:bodyPr/>
+                    <a:lstStyle/>
+                    <a:p>
+                      <a:pPr algn="ctr"/>
+                      <a:r>
+                        <a:rPr lang="de-DE" sz="1100" dirty="0" smtClean="0"/>
+                        <a:t>8</a:t>
+                      </a:r>
+                      <a:endParaRPr lang="de-DE" sz="1100" dirty="0"/>
+                    </a:p>
+                  </a:txBody>
+                  <a:tcPr marL="0" marR="0" marT="0" marB="0" anchor="ctr"/>
+                </a:tc>
+              </a:tr>
+              <a:tr h="114988">
+                <a:tc>
+                  <a:txBody>
+                    <a:bodyPr/>
+                    <a:lstStyle/>
+                    <a:p>
+                      <a:pPr algn="ctr"/>
+                      <a:r>
+                        <a:rPr lang="de-DE" sz="1100" dirty="0" smtClean="0"/>
+                        <a:t>5</a:t>
+                      </a:r>
+                      <a:endParaRPr lang="de-DE" sz="1100" dirty="0"/>
+                    </a:p>
+                  </a:txBody>
+                  <a:tcPr marL="0" marR="0" marT="0" marB="0" anchor="ctr"/>
+                </a:tc>
+                <a:tc>
+                  <a:txBody>
+                    <a:bodyPr/>
+                    <a:lstStyle/>
+                    <a:p>
+                      <a:pPr algn="ctr"/>
+                      <a:r>
+                        <a:rPr lang="de-DE" sz="1100" dirty="0" smtClean="0"/>
+                        <a:t>4</a:t>
+                      </a:r>
+                      <a:endParaRPr lang="de-DE" sz="1100" dirty="0"/>
+                    </a:p>
+                  </a:txBody>
+                  <a:tcPr marL="0" marR="0" marT="0" marB="0" anchor="ctr"/>
+                </a:tc>
+                <a:tc>
+                  <a:txBody>
+                    <a:bodyPr/>
+                    <a:lstStyle/>
+                    <a:p>
+                      <a:pPr algn="ctr"/>
+                      <a:r>
+                        <a:rPr lang="de-DE" sz="1100" dirty="0" smtClean="0"/>
+                        <a:t>8</a:t>
+                      </a:r>
+                      <a:endParaRPr lang="de-DE" sz="1100" dirty="0"/>
+                    </a:p>
+                  </a:txBody>
+                  <a:tcPr marL="0" marR="0" marT="0" marB="0" anchor="ctr"/>
+                </a:tc>
+              </a:tr>
+              <a:tr h="114988">
+                <a:tc>
+                  <a:txBody>
+                    <a:bodyPr/>
+                    <a:lstStyle/>
+                    <a:p>
+                      <a:pPr algn="ctr"/>
+                      <a:r>
+                        <a:rPr lang="de-DE" sz="1100" dirty="0" smtClean="0"/>
+                        <a:t>4</a:t>
+                      </a:r>
+                      <a:endParaRPr lang="de-DE" sz="1100" dirty="0"/>
+                    </a:p>
+                  </a:txBody>
+                  <a:tcPr marL="0" marR="0" marT="0" marB="0" anchor="ctr"/>
+                </a:tc>
+                <a:tc>
+                  <a:txBody>
+                    <a:bodyPr/>
+                    <a:lstStyle/>
+                    <a:p>
+                      <a:pPr algn="ctr"/>
+                      <a:r>
+                        <a:rPr lang="de-DE" sz="1100" dirty="0" smtClean="0"/>
+                        <a:t>5</a:t>
+                      </a:r>
+                      <a:endParaRPr lang="de-DE" sz="1100" dirty="0"/>
+                    </a:p>
+                  </a:txBody>
+                  <a:tcPr marL="0" marR="0" marT="0" marB="0" anchor="ctr"/>
+                </a:tc>
+                <a:tc>
+                  <a:txBody>
+                    <a:bodyPr/>
+                    <a:lstStyle/>
+                    <a:p>
+                      <a:pPr algn="ctr"/>
+                      <a:r>
+                        <a:rPr lang="de-DE" sz="1100" dirty="0" smtClean="0"/>
+                        <a:t>8</a:t>
+                      </a:r>
+                      <a:endParaRPr lang="de-DE" sz="1100" dirty="0"/>
+                    </a:p>
+                  </a:txBody>
+                  <a:tcPr marL="0" marR="0" marT="0" marB="0" anchor="ctr"/>
+                </a:tc>
+              </a:tr>
+              <a:tr h="114988">
+                <a:tc>
+                  <a:txBody>
+                    <a:bodyPr/>
+                    <a:lstStyle/>
+                    <a:p>
+                      <a:pPr algn="ctr"/>
+                      <a:r>
+                        <a:rPr lang="de-DE" sz="1100" dirty="0" smtClean="0"/>
+                        <a:t>3</a:t>
+                      </a:r>
+                      <a:endParaRPr lang="de-DE" sz="1100" dirty="0"/>
+                    </a:p>
+                  </a:txBody>
+                  <a:tcPr marL="0" marR="0" marT="0" marB="0" anchor="ctr"/>
+                </a:tc>
+                <a:tc>
+                  <a:txBody>
+                    <a:bodyPr/>
+                    <a:lstStyle/>
+                    <a:p>
+                      <a:pPr algn="ctr"/>
+                      <a:r>
+                        <a:rPr lang="de-DE" sz="1100" dirty="0" smtClean="0"/>
+                        <a:t>6</a:t>
+                      </a:r>
+                      <a:endParaRPr lang="de-DE" sz="1100" dirty="0"/>
+                    </a:p>
+                  </a:txBody>
+                  <a:tcPr marL="0" marR="0" marT="0" marB="0" anchor="ctr"/>
+                </a:tc>
+                <a:tc>
+                  <a:txBody>
+                    <a:bodyPr/>
+                    <a:lstStyle/>
+                    <a:p>
+                      <a:pPr algn="ctr"/>
+                      <a:r>
+                        <a:rPr lang="de-DE" sz="1100" dirty="0" smtClean="0"/>
+                        <a:t>8</a:t>
+                      </a:r>
+                      <a:endParaRPr lang="de-DE" sz="1100" dirty="0"/>
+                    </a:p>
+                  </a:txBody>
+                  <a:tcPr marL="0" marR="0" marT="0" marB="0" anchor="ctr"/>
+                </a:tc>
+              </a:tr>
+              <a:tr h="114988">
+                <a:tc>
+                  <a:txBody>
+                    <a:bodyPr/>
+                    <a:lstStyle/>
+                    <a:p>
+                      <a:pPr algn="ctr"/>
+                      <a:r>
+                        <a:rPr lang="de-DE" sz="1100" dirty="0" smtClean="0"/>
+                        <a:t>2</a:t>
+                      </a:r>
+                      <a:endParaRPr lang="de-DE" sz="1100" dirty="0"/>
+                    </a:p>
+                  </a:txBody>
+                  <a:tcPr marL="0" marR="0" marT="0" marB="0" anchor="ctr"/>
+                </a:tc>
+                <a:tc>
+                  <a:txBody>
+                    <a:bodyPr/>
+                    <a:lstStyle/>
+                    <a:p>
+                      <a:pPr algn="ctr"/>
+                      <a:r>
+                        <a:rPr lang="de-DE" sz="1100" dirty="0" smtClean="0"/>
+                        <a:t>7</a:t>
+                      </a:r>
+                      <a:endParaRPr lang="de-DE" sz="1100" dirty="0"/>
+                    </a:p>
+                  </a:txBody>
+                  <a:tcPr marL="0" marR="0" marT="0" marB="0" anchor="ctr"/>
+                </a:tc>
+                <a:tc>
+                  <a:txBody>
+                    <a:bodyPr/>
+                    <a:lstStyle/>
+                    <a:p>
+                      <a:pPr algn="ctr"/>
+                      <a:r>
+                        <a:rPr lang="de-DE" sz="1100" dirty="0" smtClean="0"/>
+                        <a:t>8</a:t>
+                      </a:r>
+                      <a:endParaRPr lang="de-DE" sz="1100" dirty="0"/>
+                    </a:p>
+                  </a:txBody>
+                  <a:tcPr marL="0" marR="0" marT="0" marB="0" anchor="ctr"/>
+                </a:tc>
+              </a:tr>
+              <a:tr h="114988">
+                <a:tc>
+                  <a:txBody>
+                    <a:bodyPr/>
+                    <a:lstStyle/>
+                    <a:p>
+                      <a:pPr algn="ctr"/>
+                      <a:endParaRPr lang="de-DE" sz="1100" dirty="0"/>
+                    </a:p>
+                  </a:txBody>
+                  <a:tcPr marL="0" marR="0" marT="0" marB="0" anchor="ctr"/>
+                </a:tc>
+                <a:tc>
+                  <a:txBody>
+                    <a:bodyPr/>
+                    <a:lstStyle/>
+                    <a:p>
+                      <a:pPr algn="ctr"/>
+                      <a:endParaRPr lang="de-DE" sz="1100" dirty="0"/>
+                    </a:p>
+                  </a:txBody>
+                  <a:tcPr marL="0" marR="0" marT="0" marB="0" anchor="ctr"/>
+                </a:tc>
+                <a:tc>
+                  <a:txBody>
+                    <a:bodyPr/>
+                    <a:lstStyle/>
+                    <a:p>
+                      <a:pPr algn="ctr"/>
+                      <a:endParaRPr lang="de-DE" sz="1100" dirty="0"/>
+                    </a:p>
+                  </a:txBody>
+                  <a:tcPr marL="0" marR="0" marT="0" marB="0" anchor="ctr"/>
+                </a:tc>
+              </a:tr>
+              <a:tr h="114988">
+                <a:tc>
+                  <a:txBody>
+                    <a:bodyPr/>
+                    <a:lstStyle/>
+                    <a:p>
+                      <a:pPr algn="ctr"/>
+                      <a:endParaRPr lang="de-DE" sz="1100" dirty="0"/>
+                    </a:p>
+                  </a:txBody>
+                  <a:tcPr marL="0" marR="0" marT="0" marB="0" anchor="ctr"/>
+                </a:tc>
+                <a:tc>
+                  <a:txBody>
+                    <a:bodyPr/>
+                    <a:lstStyle/>
+                    <a:p>
+                      <a:pPr algn="ctr"/>
+                      <a:endParaRPr lang="de-DE" sz="1100" dirty="0"/>
+                    </a:p>
+                  </a:txBody>
+                  <a:tcPr marL="0" marR="0" marT="0" marB="0" anchor="ctr"/>
+                </a:tc>
+                <a:tc>
+                  <a:txBody>
+                    <a:bodyPr/>
+                    <a:lstStyle/>
+                    <a:p>
+                      <a:pPr algn="ctr"/>
+                      <a:endParaRPr lang="de-DE" sz="1100" dirty="0"/>
+                    </a:p>
+                  </a:txBody>
+                  <a:tcPr marL="0" marR="0" marT="0" marB="0" anchor="ctr"/>
+                </a:tc>
+              </a:tr>
+            </a:tbl>
+          </a:graphicData>
+        </a:graphic>
+      </p:graphicFrame>
+      <p:graphicFrame>
+        <p:nvGraphicFramePr>
+          <p:cNvPr id="12" name="Tabelle 11"/>
+          <p:cNvGraphicFramePr>
+            <a:graphicFrameLocks noGrp="1"/>
+          </p:cNvGraphicFramePr>
+          <p:nvPr>
+            <p:extLst>
+              <p:ext uri="{D42A27DB-BD31-4B8C-83A1-F6EECF244321}">
+                <p14:modId xmlns:p14="http://schemas.microsoft.com/office/powerpoint/2010/main" val="1136469415"/>
+              </p:ext>
+            </p:extLst>
+          </p:nvPr>
+        </p:nvGraphicFramePr>
+        <p:xfrm>
+          <a:off x="4119761" y="1545563"/>
+          <a:ext cx="1080120" cy="1560000"/>
+        </p:xfrm>
+        <a:graphic>
+          <a:graphicData uri="http://schemas.openxmlformats.org/drawingml/2006/table">
+            <a:tbl>
+              <a:tblPr firstRow="1" bandRow="1">
+                <a:tableStyleId>{5C22544A-7EE6-4342-B048-85BDC9FD1C3A}</a:tableStyleId>
+              </a:tblPr>
+              <a:tblGrid>
+                <a:gridCol w="360040"/>
+                <a:gridCol w="360040"/>
+                <a:gridCol w="360040"/>
+              </a:tblGrid>
+              <a:tr h="114988">
+                <a:tc>
+                  <a:txBody>
+                    <a:bodyPr/>
+                    <a:lstStyle/>
+                    <a:p>
+                      <a:pPr algn="ctr"/>
+                      <a:r>
+                        <a:rPr lang="de-DE" sz="1200" dirty="0" smtClean="0"/>
+                        <a:t>i</a:t>
+                      </a:r>
+                      <a:endParaRPr lang="de-DE" sz="1200" dirty="0"/>
+                    </a:p>
+                  </a:txBody>
+                  <a:tcPr marL="0" marR="0" marT="0" marB="36000" anchor="ctr"/>
+                </a:tc>
+                <a:tc>
+                  <a:txBody>
+                    <a:bodyPr/>
+                    <a:lstStyle/>
+                    <a:p>
+                      <a:pPr algn="ctr"/>
+                      <a:r>
+                        <a:rPr lang="de-DE" sz="1200" dirty="0" smtClean="0"/>
+                        <a:t>x</a:t>
+                      </a:r>
+                      <a:endParaRPr lang="de-DE" sz="1200" dirty="0"/>
+                    </a:p>
+                  </a:txBody>
+                  <a:tcPr marL="0" marR="0" marT="0" marB="36000" anchor="ctr"/>
+                </a:tc>
+                <a:tc>
+                  <a:txBody>
+                    <a:bodyPr/>
+                    <a:lstStyle/>
+                    <a:p>
+                      <a:pPr algn="ctr"/>
+                      <a:r>
+                        <a:rPr lang="de-DE" sz="1200" dirty="0" smtClean="0"/>
+                        <a:t>y</a:t>
+                      </a:r>
+                      <a:endParaRPr lang="de-DE" sz="1200" dirty="0"/>
+                    </a:p>
+                  </a:txBody>
+                  <a:tcPr marL="0" marR="0" marT="0" marB="36000" anchor="ctr"/>
+                </a:tc>
+              </a:tr>
+              <a:tr h="114988">
+                <a:tc>
+                  <a:txBody>
+                    <a:bodyPr/>
+                    <a:lstStyle/>
+                    <a:p>
+                      <a:pPr algn="ctr"/>
+                      <a:r>
+                        <a:rPr lang="de-DE" sz="1100" dirty="0" smtClean="0"/>
+                        <a:t>1</a:t>
+                      </a:r>
+                      <a:endParaRPr lang="de-DE" sz="1100" dirty="0"/>
+                    </a:p>
+                  </a:txBody>
+                  <a:tcPr marL="0" marR="0" marT="0" marB="0" anchor="ctr"/>
+                </a:tc>
+                <a:tc>
+                  <a:txBody>
+                    <a:bodyPr/>
+                    <a:lstStyle/>
+                    <a:p>
+                      <a:pPr algn="ctr"/>
+                      <a:r>
+                        <a:rPr lang="de-DE" sz="1100" dirty="0" smtClean="0"/>
+                        <a:t>2</a:t>
+                      </a:r>
+                      <a:endParaRPr lang="de-DE" sz="1100" dirty="0"/>
+                    </a:p>
+                  </a:txBody>
+                  <a:tcPr marL="0" marR="0" marT="0" marB="0" anchor="ctr"/>
+                </a:tc>
+                <a:tc>
+                  <a:txBody>
+                    <a:bodyPr/>
+                    <a:lstStyle/>
+                    <a:p>
+                      <a:pPr algn="ctr"/>
+                      <a:r>
+                        <a:rPr lang="de-DE" sz="1100" dirty="0" smtClean="0"/>
+                        <a:t>8</a:t>
+                      </a:r>
+                      <a:endParaRPr lang="de-DE" sz="1100" dirty="0"/>
+                    </a:p>
+                  </a:txBody>
+                  <a:tcPr marL="0" marR="0" marT="0" marB="0" anchor="ctr"/>
+                </a:tc>
+              </a:tr>
+              <a:tr h="114988">
+                <a:tc>
+                  <a:txBody>
+                    <a:bodyPr/>
+                    <a:lstStyle/>
+                    <a:p>
+                      <a:pPr algn="ctr"/>
+                      <a:r>
+                        <a:rPr lang="de-DE" sz="1100" dirty="0" smtClean="0"/>
+                        <a:t>6</a:t>
+                      </a:r>
+                      <a:endParaRPr lang="de-DE" sz="1100" dirty="0"/>
+                    </a:p>
+                  </a:txBody>
+                  <a:tcPr marL="0" marR="0" marT="0" marB="0" anchor="ctr"/>
+                </a:tc>
+                <a:tc>
+                  <a:txBody>
+                    <a:bodyPr/>
+                    <a:lstStyle/>
+                    <a:p>
+                      <a:pPr algn="ctr"/>
+                      <a:r>
+                        <a:rPr lang="de-DE" sz="1100" dirty="0" smtClean="0"/>
+                        <a:t>3</a:t>
+                      </a:r>
+                      <a:endParaRPr lang="de-DE" sz="1100" dirty="0"/>
+                    </a:p>
+                  </a:txBody>
+                  <a:tcPr marL="0" marR="0" marT="0" marB="0" anchor="ctr"/>
+                </a:tc>
+                <a:tc>
+                  <a:txBody>
+                    <a:bodyPr/>
+                    <a:lstStyle/>
+                    <a:p>
+                      <a:pPr algn="ctr"/>
+                      <a:r>
+                        <a:rPr lang="de-DE" sz="1100" dirty="0" smtClean="0"/>
+                        <a:t>8</a:t>
+                      </a:r>
+                      <a:endParaRPr lang="de-DE" sz="1100" dirty="0"/>
+                    </a:p>
+                  </a:txBody>
+                  <a:tcPr marL="0" marR="0" marT="0" marB="0" anchor="ctr"/>
+                </a:tc>
+              </a:tr>
+              <a:tr h="114988">
+                <a:tc>
+                  <a:txBody>
+                    <a:bodyPr/>
+                    <a:lstStyle/>
+                    <a:p>
+                      <a:pPr algn="ctr"/>
+                      <a:r>
+                        <a:rPr lang="de-DE" sz="1100" dirty="0" smtClean="0"/>
+                        <a:t>5</a:t>
+                      </a:r>
+                      <a:endParaRPr lang="de-DE" sz="1100" dirty="0"/>
+                    </a:p>
+                  </a:txBody>
+                  <a:tcPr marL="0" marR="0" marT="0" marB="0" anchor="ctr"/>
+                </a:tc>
+                <a:tc>
+                  <a:txBody>
+                    <a:bodyPr/>
+                    <a:lstStyle/>
+                    <a:p>
+                      <a:pPr algn="ctr"/>
+                      <a:r>
+                        <a:rPr lang="de-DE" sz="1100" dirty="0" smtClean="0"/>
+                        <a:t>4</a:t>
+                      </a:r>
+                      <a:endParaRPr lang="de-DE" sz="1100" dirty="0"/>
+                    </a:p>
+                  </a:txBody>
+                  <a:tcPr marL="0" marR="0" marT="0" marB="0" anchor="ctr"/>
+                </a:tc>
+                <a:tc>
+                  <a:txBody>
+                    <a:bodyPr/>
+                    <a:lstStyle/>
+                    <a:p>
+                      <a:pPr algn="ctr"/>
+                      <a:r>
+                        <a:rPr lang="de-DE" sz="1100" dirty="0" smtClean="0"/>
+                        <a:t>8</a:t>
+                      </a:r>
+                      <a:endParaRPr lang="de-DE" sz="1100" dirty="0"/>
+                    </a:p>
+                  </a:txBody>
+                  <a:tcPr marL="0" marR="0" marT="0" marB="0" anchor="ctr"/>
+                </a:tc>
+              </a:tr>
+              <a:tr h="114988">
+                <a:tc>
+                  <a:txBody>
+                    <a:bodyPr/>
+                    <a:lstStyle/>
+                    <a:p>
+                      <a:pPr algn="ctr"/>
+                      <a:r>
+                        <a:rPr lang="de-DE" sz="1100" dirty="0" smtClean="0"/>
+                        <a:t>4</a:t>
+                      </a:r>
+                      <a:endParaRPr lang="de-DE" sz="1100" dirty="0"/>
+                    </a:p>
+                  </a:txBody>
+                  <a:tcPr marL="0" marR="0" marT="0" marB="0" anchor="ctr"/>
+                </a:tc>
+                <a:tc>
+                  <a:txBody>
+                    <a:bodyPr/>
+                    <a:lstStyle/>
+                    <a:p>
+                      <a:pPr algn="ctr"/>
+                      <a:r>
+                        <a:rPr lang="de-DE" sz="1100" dirty="0" smtClean="0"/>
+                        <a:t>5</a:t>
+                      </a:r>
+                      <a:endParaRPr lang="de-DE" sz="1100" dirty="0"/>
+                    </a:p>
+                  </a:txBody>
+                  <a:tcPr marL="0" marR="0" marT="0" marB="0" anchor="ctr"/>
+                </a:tc>
+                <a:tc>
+                  <a:txBody>
+                    <a:bodyPr/>
+                    <a:lstStyle/>
+                    <a:p>
+                      <a:pPr algn="ctr"/>
+                      <a:r>
+                        <a:rPr lang="de-DE" sz="1100" dirty="0" smtClean="0"/>
+                        <a:t>8</a:t>
+                      </a:r>
+                      <a:endParaRPr lang="de-DE" sz="1100" dirty="0"/>
+                    </a:p>
+                  </a:txBody>
+                  <a:tcPr marL="0" marR="0" marT="0" marB="0" anchor="ctr"/>
+                </a:tc>
+              </a:tr>
+              <a:tr h="114988">
+                <a:tc>
+                  <a:txBody>
+                    <a:bodyPr/>
+                    <a:lstStyle/>
+                    <a:p>
+                      <a:pPr algn="ctr"/>
+                      <a:r>
+                        <a:rPr lang="de-DE" sz="1100" dirty="0" smtClean="0"/>
+                        <a:t>3</a:t>
+                      </a:r>
+                      <a:endParaRPr lang="de-DE" sz="1100" dirty="0"/>
+                    </a:p>
+                  </a:txBody>
+                  <a:tcPr marL="0" marR="0" marT="0" marB="0" anchor="ctr"/>
+                </a:tc>
+                <a:tc>
+                  <a:txBody>
+                    <a:bodyPr/>
+                    <a:lstStyle/>
+                    <a:p>
+                      <a:pPr algn="ctr"/>
+                      <a:r>
+                        <a:rPr lang="de-DE" sz="1100" dirty="0" smtClean="0"/>
+                        <a:t>6</a:t>
+                      </a:r>
+                      <a:endParaRPr lang="de-DE" sz="1100" dirty="0"/>
+                    </a:p>
+                  </a:txBody>
+                  <a:tcPr marL="0" marR="0" marT="0" marB="0" anchor="ctr"/>
+                </a:tc>
+                <a:tc>
+                  <a:txBody>
+                    <a:bodyPr/>
+                    <a:lstStyle/>
+                    <a:p>
+                      <a:pPr algn="ctr"/>
+                      <a:r>
+                        <a:rPr lang="de-DE" sz="1100" dirty="0" smtClean="0"/>
+                        <a:t>8</a:t>
+                      </a:r>
+                      <a:endParaRPr lang="de-DE" sz="1100" dirty="0"/>
+                    </a:p>
+                  </a:txBody>
+                  <a:tcPr marL="0" marR="0" marT="0" marB="0" anchor="ctr"/>
+                </a:tc>
+              </a:tr>
+              <a:tr h="114988">
+                <a:tc>
+                  <a:txBody>
+                    <a:bodyPr/>
+                    <a:lstStyle/>
+                    <a:p>
+                      <a:pPr algn="ctr"/>
+                      <a:r>
+                        <a:rPr lang="de-DE" sz="1100" dirty="0" smtClean="0"/>
+                        <a:t>2</a:t>
+                      </a:r>
+                      <a:endParaRPr lang="de-DE" sz="1100" dirty="0"/>
+                    </a:p>
+                  </a:txBody>
+                  <a:tcPr marL="0" marR="0" marT="0" marB="0" anchor="ctr"/>
+                </a:tc>
+                <a:tc>
+                  <a:txBody>
+                    <a:bodyPr/>
+                    <a:lstStyle/>
+                    <a:p>
+                      <a:pPr algn="ctr"/>
+                      <a:r>
+                        <a:rPr lang="de-DE" sz="1100" dirty="0" smtClean="0"/>
+                        <a:t>7</a:t>
+                      </a:r>
+                      <a:endParaRPr lang="de-DE" sz="1100" dirty="0"/>
+                    </a:p>
+                  </a:txBody>
+                  <a:tcPr marL="0" marR="0" marT="0" marB="0" anchor="ctr"/>
+                </a:tc>
+                <a:tc>
+                  <a:txBody>
+                    <a:bodyPr/>
+                    <a:lstStyle/>
+                    <a:p>
+                      <a:pPr algn="ctr"/>
+                      <a:r>
+                        <a:rPr lang="de-DE" sz="1100" dirty="0" smtClean="0"/>
+                        <a:t>8</a:t>
+                      </a:r>
+                      <a:endParaRPr lang="de-DE" sz="1100" dirty="0"/>
+                    </a:p>
+                  </a:txBody>
+                  <a:tcPr marL="0" marR="0" marT="0" marB="0" anchor="ctr"/>
+                </a:tc>
+              </a:tr>
+              <a:tr h="114988">
+                <a:tc>
+                  <a:txBody>
+                    <a:bodyPr/>
+                    <a:lstStyle/>
+                    <a:p>
+                      <a:pPr algn="ctr"/>
+                      <a:r>
+                        <a:rPr lang="de-DE" sz="1100" dirty="0" smtClean="0"/>
+                        <a:t>1</a:t>
+                      </a:r>
+                      <a:endParaRPr lang="de-DE" sz="1100" dirty="0"/>
+                    </a:p>
+                  </a:txBody>
+                  <a:tcPr marL="0" marR="0" marT="0" marB="0" anchor="ctr"/>
+                </a:tc>
+                <a:tc>
+                  <a:txBody>
+                    <a:bodyPr/>
+                    <a:lstStyle/>
+                    <a:p>
+                      <a:pPr algn="ctr"/>
+                      <a:r>
+                        <a:rPr lang="de-DE" sz="1100" dirty="0" smtClean="0"/>
+                        <a:t>8</a:t>
+                      </a:r>
+                      <a:endParaRPr lang="de-DE" sz="1100" dirty="0"/>
+                    </a:p>
+                  </a:txBody>
+                  <a:tcPr marL="0" marR="0" marT="0" marB="0" anchor="ctr"/>
+                </a:tc>
+                <a:tc>
+                  <a:txBody>
+                    <a:bodyPr/>
+                    <a:lstStyle/>
+                    <a:p>
+                      <a:pPr algn="ctr"/>
+                      <a:r>
+                        <a:rPr lang="de-DE" sz="1100" dirty="0" smtClean="0"/>
+                        <a:t>8</a:t>
+                      </a:r>
+                      <a:endParaRPr lang="de-DE" sz="1100" dirty="0"/>
+                    </a:p>
+                  </a:txBody>
+                  <a:tcPr marL="0" marR="0" marT="0" marB="0" anchor="ctr"/>
+                </a:tc>
+              </a:tr>
+              <a:tr h="114988">
+                <a:tc>
+                  <a:txBody>
+                    <a:bodyPr/>
+                    <a:lstStyle/>
+                    <a:p>
+                      <a:pPr algn="ctr"/>
+                      <a:endParaRPr lang="de-DE" sz="1100" dirty="0"/>
+                    </a:p>
+                  </a:txBody>
+                  <a:tcPr marL="0" marR="0" marT="0" marB="0" anchor="ctr"/>
+                </a:tc>
+                <a:tc>
+                  <a:txBody>
+                    <a:bodyPr/>
+                    <a:lstStyle/>
+                    <a:p>
+                      <a:pPr algn="ctr"/>
+                      <a:endParaRPr lang="de-DE" sz="1100" dirty="0"/>
+                    </a:p>
+                  </a:txBody>
+                  <a:tcPr marL="0" marR="0" marT="0" marB="0" anchor="ctr"/>
+                </a:tc>
+                <a:tc>
+                  <a:txBody>
+                    <a:bodyPr/>
+                    <a:lstStyle/>
+                    <a:p>
+                      <a:pPr algn="ctr"/>
+                      <a:endParaRPr lang="de-DE" sz="1100" dirty="0"/>
+                    </a:p>
+                  </a:txBody>
+                  <a:tcPr marL="0" marR="0" marT="0" marB="0" anchor="ctr"/>
+                </a:tc>
+              </a:tr>
+            </a:tbl>
+          </a:graphicData>
+        </a:graphic>
+      </p:graphicFrame>
+      <p:graphicFrame>
+        <p:nvGraphicFramePr>
+          <p:cNvPr id="13" name="Tabelle 12"/>
+          <p:cNvGraphicFramePr>
+            <a:graphicFrameLocks noGrp="1"/>
+          </p:cNvGraphicFramePr>
+          <p:nvPr>
+            <p:extLst>
+              <p:ext uri="{D42A27DB-BD31-4B8C-83A1-F6EECF244321}">
+                <p14:modId xmlns:p14="http://schemas.microsoft.com/office/powerpoint/2010/main" val="1539229727"/>
+              </p:ext>
+            </p:extLst>
+          </p:nvPr>
+        </p:nvGraphicFramePr>
+        <p:xfrm>
+          <a:off x="4119761" y="1545563"/>
+          <a:ext cx="1080120" cy="1560000"/>
+        </p:xfrm>
+        <a:graphic>
+          <a:graphicData uri="http://schemas.openxmlformats.org/drawingml/2006/table">
+            <a:tbl>
+              <a:tblPr firstRow="1" bandRow="1">
+                <a:tableStyleId>{5C22544A-7EE6-4342-B048-85BDC9FD1C3A}</a:tableStyleId>
+              </a:tblPr>
+              <a:tblGrid>
+                <a:gridCol w="360040"/>
+                <a:gridCol w="360040"/>
+                <a:gridCol w="360040"/>
+              </a:tblGrid>
+              <a:tr h="114988">
+                <a:tc>
+                  <a:txBody>
+                    <a:bodyPr/>
+                    <a:lstStyle/>
+                    <a:p>
+                      <a:pPr algn="ctr"/>
+                      <a:r>
+                        <a:rPr lang="de-DE" sz="1200" dirty="0" smtClean="0"/>
+                        <a:t>i</a:t>
+                      </a:r>
+                      <a:endParaRPr lang="de-DE" sz="1200" dirty="0"/>
+                    </a:p>
+                  </a:txBody>
+                  <a:tcPr marL="0" marR="0" marT="0" marB="36000" anchor="ctr"/>
+                </a:tc>
+                <a:tc>
+                  <a:txBody>
+                    <a:bodyPr/>
+                    <a:lstStyle/>
+                    <a:p>
+                      <a:pPr algn="ctr"/>
+                      <a:r>
+                        <a:rPr lang="de-DE" sz="1200" dirty="0" smtClean="0"/>
+                        <a:t>x</a:t>
+                      </a:r>
+                      <a:endParaRPr lang="de-DE" sz="1200" dirty="0"/>
+                    </a:p>
+                  </a:txBody>
+                  <a:tcPr marL="0" marR="0" marT="0" marB="36000" anchor="ctr"/>
+                </a:tc>
+                <a:tc>
+                  <a:txBody>
+                    <a:bodyPr/>
+                    <a:lstStyle/>
+                    <a:p>
+                      <a:pPr algn="ctr"/>
+                      <a:r>
+                        <a:rPr lang="de-DE" sz="1200" dirty="0" smtClean="0"/>
+                        <a:t>y</a:t>
+                      </a:r>
+                      <a:endParaRPr lang="de-DE" sz="1200" dirty="0"/>
+                    </a:p>
+                  </a:txBody>
+                  <a:tcPr marL="0" marR="0" marT="0" marB="36000" anchor="ctr"/>
+                </a:tc>
+              </a:tr>
+              <a:tr h="114988">
+                <a:tc>
+                  <a:txBody>
+                    <a:bodyPr/>
+                    <a:lstStyle/>
+                    <a:p>
+                      <a:pPr algn="ctr"/>
+                      <a:r>
+                        <a:rPr lang="de-DE" sz="1100" dirty="0" smtClean="0"/>
+                        <a:t>1</a:t>
+                      </a:r>
+                      <a:endParaRPr lang="de-DE" sz="1100" dirty="0"/>
+                    </a:p>
+                  </a:txBody>
+                  <a:tcPr marL="0" marR="0" marT="0" marB="0" anchor="ctr"/>
+                </a:tc>
+                <a:tc>
+                  <a:txBody>
+                    <a:bodyPr/>
+                    <a:lstStyle/>
+                    <a:p>
+                      <a:pPr algn="ctr"/>
+                      <a:r>
+                        <a:rPr lang="de-DE" sz="1100" dirty="0" smtClean="0"/>
+                        <a:t>2</a:t>
+                      </a:r>
+                      <a:endParaRPr lang="de-DE" sz="1100" dirty="0"/>
+                    </a:p>
+                  </a:txBody>
+                  <a:tcPr marL="0" marR="0" marT="0" marB="0" anchor="ctr"/>
+                </a:tc>
+                <a:tc>
+                  <a:txBody>
+                    <a:bodyPr/>
+                    <a:lstStyle/>
+                    <a:p>
+                      <a:pPr algn="ctr"/>
+                      <a:r>
+                        <a:rPr lang="de-DE" sz="1100" dirty="0" smtClean="0"/>
+                        <a:t>8</a:t>
+                      </a:r>
+                      <a:endParaRPr lang="de-DE" sz="1100" dirty="0"/>
+                    </a:p>
+                  </a:txBody>
+                  <a:tcPr marL="0" marR="0" marT="0" marB="0" anchor="ctr"/>
+                </a:tc>
+              </a:tr>
+              <a:tr h="114988">
+                <a:tc>
+                  <a:txBody>
+                    <a:bodyPr/>
+                    <a:lstStyle/>
+                    <a:p>
+                      <a:pPr algn="ctr"/>
+                      <a:r>
+                        <a:rPr lang="de-DE" sz="1100" dirty="0" smtClean="0"/>
+                        <a:t>6</a:t>
+                      </a:r>
+                      <a:endParaRPr lang="de-DE" sz="1100" dirty="0"/>
+                    </a:p>
+                  </a:txBody>
+                  <a:tcPr marL="0" marR="0" marT="0" marB="0" anchor="ctr"/>
+                </a:tc>
+                <a:tc>
+                  <a:txBody>
+                    <a:bodyPr/>
+                    <a:lstStyle/>
+                    <a:p>
+                      <a:pPr algn="ctr"/>
+                      <a:r>
+                        <a:rPr lang="de-DE" sz="1100" dirty="0" smtClean="0"/>
+                        <a:t>3</a:t>
+                      </a:r>
+                      <a:endParaRPr lang="de-DE" sz="1100" dirty="0"/>
+                    </a:p>
+                  </a:txBody>
+                  <a:tcPr marL="0" marR="0" marT="0" marB="0" anchor="ctr"/>
+                </a:tc>
+                <a:tc>
+                  <a:txBody>
+                    <a:bodyPr/>
+                    <a:lstStyle/>
+                    <a:p>
+                      <a:pPr algn="ctr"/>
+                      <a:r>
+                        <a:rPr lang="de-DE" sz="1100" dirty="0" smtClean="0"/>
+                        <a:t>8</a:t>
+                      </a:r>
+                      <a:endParaRPr lang="de-DE" sz="1100" dirty="0"/>
+                    </a:p>
+                  </a:txBody>
+                  <a:tcPr marL="0" marR="0" marT="0" marB="0" anchor="ctr"/>
+                </a:tc>
+              </a:tr>
+              <a:tr h="114988">
+                <a:tc>
+                  <a:txBody>
+                    <a:bodyPr/>
+                    <a:lstStyle/>
+                    <a:p>
+                      <a:pPr algn="ctr"/>
+                      <a:r>
+                        <a:rPr lang="de-DE" sz="1100" dirty="0" smtClean="0"/>
+                        <a:t>5</a:t>
+                      </a:r>
+                      <a:endParaRPr lang="de-DE" sz="1100" dirty="0"/>
+                    </a:p>
+                  </a:txBody>
+                  <a:tcPr marL="0" marR="0" marT="0" marB="0" anchor="ctr"/>
+                </a:tc>
+                <a:tc>
+                  <a:txBody>
+                    <a:bodyPr/>
+                    <a:lstStyle/>
+                    <a:p>
+                      <a:pPr algn="ctr"/>
+                      <a:r>
+                        <a:rPr lang="de-DE" sz="1100" dirty="0" smtClean="0"/>
+                        <a:t>4</a:t>
+                      </a:r>
+                      <a:endParaRPr lang="de-DE" sz="1100" dirty="0"/>
+                    </a:p>
+                  </a:txBody>
+                  <a:tcPr marL="0" marR="0" marT="0" marB="0" anchor="ctr"/>
+                </a:tc>
+                <a:tc>
+                  <a:txBody>
+                    <a:bodyPr/>
+                    <a:lstStyle/>
+                    <a:p>
+                      <a:pPr algn="ctr"/>
+                      <a:r>
+                        <a:rPr lang="de-DE" sz="1100" dirty="0" smtClean="0"/>
+                        <a:t>8</a:t>
+                      </a:r>
+                      <a:endParaRPr lang="de-DE" sz="1100" dirty="0"/>
+                    </a:p>
+                  </a:txBody>
+                  <a:tcPr marL="0" marR="0" marT="0" marB="0" anchor="ctr"/>
+                </a:tc>
+              </a:tr>
+              <a:tr h="114988">
+                <a:tc>
+                  <a:txBody>
+                    <a:bodyPr/>
+                    <a:lstStyle/>
+                    <a:p>
+                      <a:pPr algn="ctr"/>
+                      <a:r>
+                        <a:rPr lang="de-DE" sz="1100" dirty="0" smtClean="0"/>
+                        <a:t>4</a:t>
+                      </a:r>
+                      <a:endParaRPr lang="de-DE" sz="1100" dirty="0"/>
+                    </a:p>
+                  </a:txBody>
+                  <a:tcPr marL="0" marR="0" marT="0" marB="0" anchor="ctr"/>
+                </a:tc>
+                <a:tc>
+                  <a:txBody>
+                    <a:bodyPr/>
+                    <a:lstStyle/>
+                    <a:p>
+                      <a:pPr algn="ctr"/>
+                      <a:r>
+                        <a:rPr lang="de-DE" sz="1100" dirty="0" smtClean="0"/>
+                        <a:t>5</a:t>
+                      </a:r>
+                      <a:endParaRPr lang="de-DE" sz="1100" dirty="0"/>
+                    </a:p>
+                  </a:txBody>
+                  <a:tcPr marL="0" marR="0" marT="0" marB="0" anchor="ctr"/>
+                </a:tc>
+                <a:tc>
+                  <a:txBody>
+                    <a:bodyPr/>
+                    <a:lstStyle/>
+                    <a:p>
+                      <a:pPr algn="ctr"/>
+                      <a:r>
+                        <a:rPr lang="de-DE" sz="1100" dirty="0" smtClean="0"/>
+                        <a:t>8</a:t>
+                      </a:r>
+                      <a:endParaRPr lang="de-DE" sz="1100" dirty="0"/>
+                    </a:p>
+                  </a:txBody>
+                  <a:tcPr marL="0" marR="0" marT="0" marB="0" anchor="ctr"/>
+                </a:tc>
+              </a:tr>
+              <a:tr h="114988">
+                <a:tc>
+                  <a:txBody>
+                    <a:bodyPr/>
+                    <a:lstStyle/>
+                    <a:p>
+                      <a:pPr algn="ctr"/>
+                      <a:r>
+                        <a:rPr lang="de-DE" sz="1100" dirty="0" smtClean="0"/>
+                        <a:t>3</a:t>
+                      </a:r>
+                      <a:endParaRPr lang="de-DE" sz="1100" dirty="0"/>
+                    </a:p>
+                  </a:txBody>
+                  <a:tcPr marL="0" marR="0" marT="0" marB="0" anchor="ctr"/>
+                </a:tc>
+                <a:tc>
+                  <a:txBody>
+                    <a:bodyPr/>
+                    <a:lstStyle/>
+                    <a:p>
+                      <a:pPr algn="ctr"/>
+                      <a:r>
+                        <a:rPr lang="de-DE" sz="1100" dirty="0" smtClean="0"/>
+                        <a:t>6</a:t>
+                      </a:r>
+                      <a:endParaRPr lang="de-DE" sz="1100" dirty="0"/>
+                    </a:p>
+                  </a:txBody>
+                  <a:tcPr marL="0" marR="0" marT="0" marB="0" anchor="ctr"/>
+                </a:tc>
+                <a:tc>
+                  <a:txBody>
+                    <a:bodyPr/>
+                    <a:lstStyle/>
+                    <a:p>
+                      <a:pPr algn="ctr"/>
+                      <a:r>
+                        <a:rPr lang="de-DE" sz="1100" dirty="0" smtClean="0"/>
+                        <a:t>8</a:t>
+                      </a:r>
+                      <a:endParaRPr lang="de-DE" sz="1100" dirty="0"/>
+                    </a:p>
+                  </a:txBody>
+                  <a:tcPr marL="0" marR="0" marT="0" marB="0" anchor="ctr"/>
+                </a:tc>
+              </a:tr>
+              <a:tr h="114988">
+                <a:tc>
+                  <a:txBody>
+                    <a:bodyPr/>
+                    <a:lstStyle/>
+                    <a:p>
+                      <a:pPr algn="ctr"/>
+                      <a:r>
+                        <a:rPr lang="de-DE" sz="1100" dirty="0" smtClean="0"/>
+                        <a:t>2</a:t>
+                      </a:r>
+                      <a:endParaRPr lang="de-DE" sz="1100" dirty="0"/>
+                    </a:p>
+                  </a:txBody>
+                  <a:tcPr marL="0" marR="0" marT="0" marB="0" anchor="ctr"/>
+                </a:tc>
+                <a:tc>
+                  <a:txBody>
+                    <a:bodyPr/>
+                    <a:lstStyle/>
+                    <a:p>
+                      <a:pPr algn="ctr"/>
+                      <a:r>
+                        <a:rPr lang="de-DE" sz="1100" dirty="0" smtClean="0"/>
+                        <a:t>7</a:t>
+                      </a:r>
+                      <a:endParaRPr lang="de-DE" sz="1100" dirty="0"/>
+                    </a:p>
+                  </a:txBody>
+                  <a:tcPr marL="0" marR="0" marT="0" marB="0" anchor="ctr"/>
+                </a:tc>
+                <a:tc>
+                  <a:txBody>
+                    <a:bodyPr/>
+                    <a:lstStyle/>
+                    <a:p>
+                      <a:pPr algn="ctr"/>
+                      <a:r>
+                        <a:rPr lang="de-DE" sz="1100" dirty="0" smtClean="0"/>
+                        <a:t>8</a:t>
+                      </a:r>
+                      <a:endParaRPr lang="de-DE" sz="1100" dirty="0"/>
+                    </a:p>
+                  </a:txBody>
+                  <a:tcPr marL="0" marR="0" marT="0" marB="0" anchor="ctr"/>
+                </a:tc>
+              </a:tr>
+              <a:tr h="114988">
+                <a:tc>
+                  <a:txBody>
+                    <a:bodyPr/>
+                    <a:lstStyle/>
+                    <a:p>
+                      <a:pPr algn="ctr"/>
+                      <a:r>
+                        <a:rPr lang="de-DE" sz="1100" dirty="0" smtClean="0"/>
+                        <a:t>1</a:t>
+                      </a:r>
+                      <a:endParaRPr lang="de-DE" sz="1100" dirty="0"/>
+                    </a:p>
+                  </a:txBody>
+                  <a:tcPr marL="0" marR="0" marT="0" marB="0" anchor="ctr"/>
+                </a:tc>
+                <a:tc>
+                  <a:txBody>
+                    <a:bodyPr/>
+                    <a:lstStyle/>
+                    <a:p>
+                      <a:pPr algn="ctr"/>
+                      <a:r>
+                        <a:rPr lang="de-DE" sz="1100" dirty="0" smtClean="0"/>
+                        <a:t>8</a:t>
+                      </a:r>
+                      <a:endParaRPr lang="de-DE" sz="1100" dirty="0"/>
+                    </a:p>
+                  </a:txBody>
+                  <a:tcPr marL="0" marR="0" marT="0" marB="0" anchor="ctr"/>
+                </a:tc>
+                <a:tc>
+                  <a:txBody>
+                    <a:bodyPr/>
+                    <a:lstStyle/>
+                    <a:p>
+                      <a:pPr algn="ctr"/>
+                      <a:r>
+                        <a:rPr lang="de-DE" sz="1100" dirty="0" smtClean="0"/>
+                        <a:t>8</a:t>
+                      </a:r>
+                      <a:endParaRPr lang="de-DE" sz="1100" dirty="0"/>
+                    </a:p>
+                  </a:txBody>
+                  <a:tcPr marL="0" marR="0" marT="0" marB="0" anchor="ctr"/>
+                </a:tc>
+              </a:tr>
+              <a:tr h="114988">
+                <a:tc>
+                  <a:txBody>
+                    <a:bodyPr/>
+                    <a:lstStyle/>
+                    <a:p>
+                      <a:pPr algn="ctr"/>
+                      <a:r>
+                        <a:rPr lang="de-DE" sz="1100" dirty="0" smtClean="0"/>
+                        <a:t>0</a:t>
+                      </a:r>
+                      <a:endParaRPr lang="de-DE" sz="1100" dirty="0"/>
+                    </a:p>
+                  </a:txBody>
+                  <a:tcPr marL="0" marR="0" marT="0" marB="0" anchor="ctr"/>
+                </a:tc>
+                <a:tc>
+                  <a:txBody>
+                    <a:bodyPr/>
+                    <a:lstStyle/>
+                    <a:p>
+                      <a:pPr algn="ctr"/>
+                      <a:r>
+                        <a:rPr lang="de-DE" sz="1100" dirty="0" smtClean="0"/>
+                        <a:t>9</a:t>
+                      </a:r>
+                      <a:endParaRPr lang="de-DE" sz="1100" dirty="0"/>
+                    </a:p>
+                  </a:txBody>
+                  <a:tcPr marL="0" marR="0" marT="0" marB="0" anchor="ctr"/>
+                </a:tc>
+                <a:tc>
+                  <a:txBody>
+                    <a:bodyPr/>
+                    <a:lstStyle/>
+                    <a:p>
+                      <a:pPr algn="ctr"/>
+                      <a:r>
+                        <a:rPr lang="de-DE" sz="1100" dirty="0" smtClean="0"/>
+                        <a:t>8</a:t>
+                      </a:r>
+                      <a:endParaRPr lang="de-DE" sz="1100" dirty="0"/>
+                    </a:p>
+                  </a:txBody>
+                  <a:tcPr marL="0" marR="0" marT="0" marB="0" anchor="ctr"/>
+                </a:tc>
+              </a:tr>
+            </a:tbl>
+          </a:graphicData>
+        </a:graphic>
+      </p:graphicFrame>
     </p:spTree>
     <p:extLst>
       <p:ext uri="{BB962C8B-B14F-4D97-AF65-F5344CB8AC3E}">
@@ -17994,6 +21599,430 @@
                                           </p:stCondLst>
                                         </p:cTn>
                                         <p:tgtEl>
+                                          <p:spTgt spid="3"/>
+                                        </p:tgtEl>
+                                        <p:attrNameLst>
+                                          <p:attrName>style.visibility</p:attrName>
+                                        </p:attrNameLst>
+                                      </p:cBhvr>
+                                      <p:to>
+                                        <p:strVal val="visible"/>
+                                      </p:to>
+                                    </p:set>
+                                    <p:animEffect transition="in" filter="fade">
+                                      <p:cBhvr>
+                                        <p:cTn id="12" dur="500"/>
+                                        <p:tgtEl>
+                                          <p:spTgt spid="3"/>
+                                        </p:tgtEl>
+                                      </p:cBhvr>
+                                    </p:animEffect>
+                                  </p:childTnLst>
+                                </p:cTn>
+                              </p:par>
+                            </p:childTnLst>
+                          </p:cTn>
+                        </p:par>
+                      </p:childTnLst>
+                    </p:cTn>
+                  </p:par>
+                  <p:par>
+                    <p:cTn id="13" fill="hold">
+                      <p:stCondLst>
+                        <p:cond delay="indefinite"/>
+                      </p:stCondLst>
+                      <p:childTnLst>
+                        <p:par>
+                          <p:cTn id="14" fill="hold">
+                            <p:stCondLst>
+                              <p:cond delay="0"/>
+                            </p:stCondLst>
+                            <p:childTnLst>
+                              <p:par>
+                                <p:cTn id="15" presetID="10" presetClass="entr" presetSubtype="0" fill="hold" nodeType="clickEffect">
+                                  <p:stCondLst>
+                                    <p:cond delay="0"/>
+                                  </p:stCondLst>
+                                  <p:childTnLst>
+                                    <p:set>
+                                      <p:cBhvr>
+                                        <p:cTn id="16" dur="1" fill="hold">
+                                          <p:stCondLst>
+                                            <p:cond delay="0"/>
+                                          </p:stCondLst>
+                                        </p:cTn>
+                                        <p:tgtEl>
+                                          <p:spTgt spid="6"/>
+                                        </p:tgtEl>
+                                        <p:attrNameLst>
+                                          <p:attrName>style.visibility</p:attrName>
+                                        </p:attrNameLst>
+                                      </p:cBhvr>
+                                      <p:to>
+                                        <p:strVal val="visible"/>
+                                      </p:to>
+                                    </p:set>
+                                    <p:animEffect transition="in" filter="fade">
+                                      <p:cBhvr>
+                                        <p:cTn id="17" dur="500"/>
+                                        <p:tgtEl>
+                                          <p:spTgt spid="6"/>
+                                        </p:tgtEl>
+                                      </p:cBhvr>
+                                    </p:animEffect>
+                                  </p:childTnLst>
+                                </p:cTn>
+                              </p:par>
+                            </p:childTnLst>
+                          </p:cTn>
+                        </p:par>
+                      </p:childTnLst>
+                    </p:cTn>
+                  </p:par>
+                  <p:par>
+                    <p:cTn id="18" fill="hold">
+                      <p:stCondLst>
+                        <p:cond delay="indefinite"/>
+                      </p:stCondLst>
+                      <p:childTnLst>
+                        <p:par>
+                          <p:cTn id="19" fill="hold">
+                            <p:stCondLst>
+                              <p:cond delay="0"/>
+                            </p:stCondLst>
+                            <p:childTnLst>
+                              <p:par>
+                                <p:cTn id="20" presetID="10" presetClass="entr" presetSubtype="0" fill="hold" nodeType="clickEffect">
+                                  <p:stCondLst>
+                                    <p:cond delay="0"/>
+                                  </p:stCondLst>
+                                  <p:childTnLst>
+                                    <p:set>
+                                      <p:cBhvr>
+                                        <p:cTn id="21" dur="1" fill="hold">
+                                          <p:stCondLst>
+                                            <p:cond delay="0"/>
+                                          </p:stCondLst>
+                                        </p:cTn>
+                                        <p:tgtEl>
+                                          <p:spTgt spid="8"/>
+                                        </p:tgtEl>
+                                        <p:attrNameLst>
+                                          <p:attrName>style.visibility</p:attrName>
+                                        </p:attrNameLst>
+                                      </p:cBhvr>
+                                      <p:to>
+                                        <p:strVal val="visible"/>
+                                      </p:to>
+                                    </p:set>
+                                    <p:animEffect transition="in" filter="fade">
+                                      <p:cBhvr>
+                                        <p:cTn id="22" dur="500"/>
+                                        <p:tgtEl>
+                                          <p:spTgt spid="8"/>
+                                        </p:tgtEl>
+                                      </p:cBhvr>
+                                    </p:animEffect>
+                                  </p:childTnLst>
+                                </p:cTn>
+                              </p:par>
+                            </p:childTnLst>
+                          </p:cTn>
+                        </p:par>
+                      </p:childTnLst>
+                    </p:cTn>
+                  </p:par>
+                  <p:par>
+                    <p:cTn id="23" fill="hold">
+                      <p:stCondLst>
+                        <p:cond delay="indefinite"/>
+                      </p:stCondLst>
+                      <p:childTnLst>
+                        <p:par>
+                          <p:cTn id="24" fill="hold">
+                            <p:stCondLst>
+                              <p:cond delay="0"/>
+                            </p:stCondLst>
+                            <p:childTnLst>
+                              <p:par>
+                                <p:cTn id="25" presetID="10" presetClass="entr" presetSubtype="0" fill="hold" nodeType="clickEffect">
+                                  <p:stCondLst>
+                                    <p:cond delay="0"/>
+                                  </p:stCondLst>
+                                  <p:childTnLst>
+                                    <p:set>
+                                      <p:cBhvr>
+                                        <p:cTn id="26" dur="1" fill="hold">
+                                          <p:stCondLst>
+                                            <p:cond delay="0"/>
+                                          </p:stCondLst>
+                                        </p:cTn>
+                                        <p:tgtEl>
+                                          <p:spTgt spid="9"/>
+                                        </p:tgtEl>
+                                        <p:attrNameLst>
+                                          <p:attrName>style.visibility</p:attrName>
+                                        </p:attrNameLst>
+                                      </p:cBhvr>
+                                      <p:to>
+                                        <p:strVal val="visible"/>
+                                      </p:to>
+                                    </p:set>
+                                    <p:animEffect transition="in" filter="fade">
+                                      <p:cBhvr>
+                                        <p:cTn id="27" dur="500"/>
+                                        <p:tgtEl>
+                                          <p:spTgt spid="9"/>
+                                        </p:tgtEl>
+                                      </p:cBhvr>
+                                    </p:animEffect>
+                                  </p:childTnLst>
+                                </p:cTn>
+                              </p:par>
+                            </p:childTnLst>
+                          </p:cTn>
+                        </p:par>
+                      </p:childTnLst>
+                    </p:cTn>
+                  </p:par>
+                  <p:par>
+                    <p:cTn id="28" fill="hold">
+                      <p:stCondLst>
+                        <p:cond delay="indefinite"/>
+                      </p:stCondLst>
+                      <p:childTnLst>
+                        <p:par>
+                          <p:cTn id="29" fill="hold">
+                            <p:stCondLst>
+                              <p:cond delay="0"/>
+                            </p:stCondLst>
+                            <p:childTnLst>
+                              <p:par>
+                                <p:cTn id="30" presetID="10" presetClass="entr" presetSubtype="0" fill="hold" nodeType="clickEffect">
+                                  <p:stCondLst>
+                                    <p:cond delay="0"/>
+                                  </p:stCondLst>
+                                  <p:childTnLst>
+                                    <p:set>
+                                      <p:cBhvr>
+                                        <p:cTn id="31" dur="1" fill="hold">
+                                          <p:stCondLst>
+                                            <p:cond delay="0"/>
+                                          </p:stCondLst>
+                                        </p:cTn>
+                                        <p:tgtEl>
+                                          <p:spTgt spid="10"/>
+                                        </p:tgtEl>
+                                        <p:attrNameLst>
+                                          <p:attrName>style.visibility</p:attrName>
+                                        </p:attrNameLst>
+                                      </p:cBhvr>
+                                      <p:to>
+                                        <p:strVal val="visible"/>
+                                      </p:to>
+                                    </p:set>
+                                    <p:animEffect transition="in" filter="fade">
+                                      <p:cBhvr>
+                                        <p:cTn id="32" dur="500"/>
+                                        <p:tgtEl>
+                                          <p:spTgt spid="10"/>
+                                        </p:tgtEl>
+                                      </p:cBhvr>
+                                    </p:animEffect>
+                                  </p:childTnLst>
+                                </p:cTn>
+                              </p:par>
+                            </p:childTnLst>
+                          </p:cTn>
+                        </p:par>
+                      </p:childTnLst>
+                    </p:cTn>
+                  </p:par>
+                  <p:par>
+                    <p:cTn id="33" fill="hold">
+                      <p:stCondLst>
+                        <p:cond delay="indefinite"/>
+                      </p:stCondLst>
+                      <p:childTnLst>
+                        <p:par>
+                          <p:cTn id="34" fill="hold">
+                            <p:stCondLst>
+                              <p:cond delay="0"/>
+                            </p:stCondLst>
+                            <p:childTnLst>
+                              <p:par>
+                                <p:cTn id="35" presetID="10" presetClass="entr" presetSubtype="0" fill="hold" nodeType="clickEffect">
+                                  <p:stCondLst>
+                                    <p:cond delay="0"/>
+                                  </p:stCondLst>
+                                  <p:childTnLst>
+                                    <p:set>
+                                      <p:cBhvr>
+                                        <p:cTn id="36" dur="1" fill="hold">
+                                          <p:stCondLst>
+                                            <p:cond delay="0"/>
+                                          </p:stCondLst>
+                                        </p:cTn>
+                                        <p:tgtEl>
+                                          <p:spTgt spid="11"/>
+                                        </p:tgtEl>
+                                        <p:attrNameLst>
+                                          <p:attrName>style.visibility</p:attrName>
+                                        </p:attrNameLst>
+                                      </p:cBhvr>
+                                      <p:to>
+                                        <p:strVal val="visible"/>
+                                      </p:to>
+                                    </p:set>
+                                    <p:animEffect transition="in" filter="fade">
+                                      <p:cBhvr>
+                                        <p:cTn id="37" dur="500"/>
+                                        <p:tgtEl>
+                                          <p:spTgt spid="11"/>
+                                        </p:tgtEl>
+                                      </p:cBhvr>
+                                    </p:animEffect>
+                                  </p:childTnLst>
+                                </p:cTn>
+                              </p:par>
+                            </p:childTnLst>
+                          </p:cTn>
+                        </p:par>
+                      </p:childTnLst>
+                    </p:cTn>
+                  </p:par>
+                  <p:par>
+                    <p:cTn id="38" fill="hold">
+                      <p:stCondLst>
+                        <p:cond delay="indefinite"/>
+                      </p:stCondLst>
+                      <p:childTnLst>
+                        <p:par>
+                          <p:cTn id="39" fill="hold">
+                            <p:stCondLst>
+                              <p:cond delay="0"/>
+                            </p:stCondLst>
+                            <p:childTnLst>
+                              <p:par>
+                                <p:cTn id="40" presetID="10" presetClass="entr" presetSubtype="0" fill="hold" nodeType="clickEffect">
+                                  <p:stCondLst>
+                                    <p:cond delay="0"/>
+                                  </p:stCondLst>
+                                  <p:childTnLst>
+                                    <p:set>
+                                      <p:cBhvr>
+                                        <p:cTn id="41" dur="1" fill="hold">
+                                          <p:stCondLst>
+                                            <p:cond delay="0"/>
+                                          </p:stCondLst>
+                                        </p:cTn>
+                                        <p:tgtEl>
+                                          <p:spTgt spid="12"/>
+                                        </p:tgtEl>
+                                        <p:attrNameLst>
+                                          <p:attrName>style.visibility</p:attrName>
+                                        </p:attrNameLst>
+                                      </p:cBhvr>
+                                      <p:to>
+                                        <p:strVal val="visible"/>
+                                      </p:to>
+                                    </p:set>
+                                    <p:animEffect transition="in" filter="fade">
+                                      <p:cBhvr>
+                                        <p:cTn id="42" dur="500"/>
+                                        <p:tgtEl>
+                                          <p:spTgt spid="12"/>
+                                        </p:tgtEl>
+                                      </p:cBhvr>
+                                    </p:animEffect>
+                                  </p:childTnLst>
+                                </p:cTn>
+                              </p:par>
+                            </p:childTnLst>
+                          </p:cTn>
+                        </p:par>
+                      </p:childTnLst>
+                    </p:cTn>
+                  </p:par>
+                  <p:par>
+                    <p:cTn id="43" fill="hold">
+                      <p:stCondLst>
+                        <p:cond delay="indefinite"/>
+                      </p:stCondLst>
+                      <p:childTnLst>
+                        <p:par>
+                          <p:cTn id="44" fill="hold">
+                            <p:stCondLst>
+                              <p:cond delay="0"/>
+                            </p:stCondLst>
+                            <p:childTnLst>
+                              <p:par>
+                                <p:cTn id="45" presetID="10" presetClass="entr" presetSubtype="0" fill="hold" nodeType="clickEffect">
+                                  <p:stCondLst>
+                                    <p:cond delay="0"/>
+                                  </p:stCondLst>
+                                  <p:childTnLst>
+                                    <p:set>
+                                      <p:cBhvr>
+                                        <p:cTn id="46" dur="1" fill="hold">
+                                          <p:stCondLst>
+                                            <p:cond delay="0"/>
+                                          </p:stCondLst>
+                                        </p:cTn>
+                                        <p:tgtEl>
+                                          <p:spTgt spid="13"/>
+                                        </p:tgtEl>
+                                        <p:attrNameLst>
+                                          <p:attrName>style.visibility</p:attrName>
+                                        </p:attrNameLst>
+                                      </p:cBhvr>
+                                      <p:to>
+                                        <p:strVal val="visible"/>
+                                      </p:to>
+                                    </p:set>
+                                    <p:animEffect transition="in" filter="fade">
+                                      <p:cBhvr>
+                                        <p:cTn id="47" dur="500"/>
+                                        <p:tgtEl>
+                                          <p:spTgt spid="13"/>
+                                        </p:tgtEl>
+                                      </p:cBhvr>
+                                    </p:animEffect>
+                                  </p:childTnLst>
+                                </p:cTn>
+                              </p:par>
+                            </p:childTnLst>
+                          </p:cTn>
+                        </p:par>
+                      </p:childTnLst>
+                    </p:cTn>
+                  </p:par>
+                  <p:par>
+                    <p:cTn id="48" fill="hold">
+                      <p:stCondLst>
+                        <p:cond delay="indefinite"/>
+                      </p:stCondLst>
+                      <p:childTnLst>
+                        <p:par>
+                          <p:cTn id="49" fill="hold">
+                            <p:stCondLst>
+                              <p:cond delay="0"/>
+                            </p:stCondLst>
+                            <p:childTnLst>
+                              <p:par>
+                                <p:cTn id="50" presetID="10" presetClass="entr" presetSubtype="0" fill="hold" nodeType="clickEffect">
+                                  <p:stCondLst>
+                                    <p:cond delay="0"/>
+                                  </p:stCondLst>
+                                  <p:childTnLst>
+                                    <p:set>
+                                      <p:cBhvr>
+                                        <p:cTn id="51" dur="1" fill="hold">
+                                          <p:stCondLst>
+                                            <p:cond delay="0"/>
+                                          </p:stCondLst>
+                                        </p:cTn>
+                                        <p:tgtEl>
                                           <p:spTgt spid="7"/>
                                         </p:tgtEl>
                                         <p:attrNameLst>
@@ -18006,7 +22035,7 @@
                                     </p:set>
                                     <p:animEffect transition="in" filter="fade">
                                       <p:cBhvr>
-                                        <p:cTn id="12" dur="500"/>
+                                        <p:cTn id="52" dur="500"/>
                                         <p:tgtEl>
                                           <p:spTgt spid="7"/>
                                         </p:tgtEl>
@@ -18156,8 +22185,8 @@
         </p:blipFill>
         <p:spPr>
           <a:xfrm>
-            <a:off x="1843705" y="1561356"/>
-            <a:ext cx="6444208" cy="3842294"/>
+            <a:off x="1843705" y="1453344"/>
+            <a:ext cx="6444208" cy="3571141"/>
           </a:xfrm>
           <a:prstGeom prst="rect">
             <a:avLst/>
@@ -19459,7 +23488,22 @@
           <a:p>
             <a:r>
               <a:rPr lang="de-DE" sz="2000" dirty="0" smtClean="0"/>
-              <a:t>Vergleich von Definitionen: Variablen und Objekte</a:t>
+              <a:t>Vergleich von </a:t>
+            </a:r>
+            <a:r>
+              <a:rPr lang="de-DE" sz="2000" dirty="0" smtClean="0"/>
+              <a:t>Deklarationen und Initialisierungen:</a:t>
+            </a:r>
+            <a:br>
+              <a:rPr lang="de-DE" sz="2000" dirty="0" smtClean="0"/>
+            </a:br>
+            <a:r>
+              <a:rPr lang="de-DE" sz="2000" dirty="0" smtClean="0"/>
+              <a:t>	Variablen VS </a:t>
+            </a:r>
+            <a:r>
+              <a:rPr lang="de-DE" sz="2000" dirty="0" smtClean="0"/>
+              <a:t>Objekte</a:t>
             </a:r>
             <a:endParaRPr lang="de-DE" sz="2000" dirty="0"/>
           </a:p>
@@ -19487,7 +23531,7 @@
         </p:blipFill>
         <p:spPr>
           <a:xfrm>
-            <a:off x="1115616" y="2498722"/>
+            <a:off x="1115616" y="2788016"/>
             <a:ext cx="2734057" cy="933580"/>
           </a:xfrm>
           <a:prstGeom prst="rect">
@@ -19607,8 +23651,20 @@
             </a:r>
             <a:r>
               <a:rPr lang="de-DE" sz="2000" dirty="0" smtClean="0"/>
-              <a:t> sind die Eigenschaften die jedes Objekt der Klasse hat</a:t>
-            </a:r>
+              <a:t> sind die Eigenschaften die jedes Objekt der Klasse </a:t>
+            </a:r>
+            <a:r>
+              <a:rPr lang="de-DE" sz="2000" dirty="0" smtClean="0"/>
+              <a:t>hat</a:t>
+            </a:r>
+            <a:br>
+              <a:rPr lang="de-DE" sz="2000" dirty="0" smtClean="0"/>
+            </a:br>
+            <a:r>
+              <a:rPr lang="de-DE" sz="2000" dirty="0" smtClean="0"/>
+              <a:t> (Variablen und Objekte die in der ganzen Klasse verfügbar sind)</a:t>
+            </a:r>
+            <a:endParaRPr lang="de-DE" sz="2000" dirty="0" smtClean="0"/>
           </a:p>
           <a:p>
             <a:endParaRPr lang="de-DE" sz="2000" u="sng" dirty="0" smtClean="0"/>
@@ -19616,11 +23672,22 @@
           <a:p>
             <a:r>
               <a:rPr lang="de-DE" sz="2000" u="sng" dirty="0" smtClean="0"/>
-              <a:t>Methoden </a:t>
+              <a:t>Methoden</a:t>
             </a:r>
             <a:r>
               <a:rPr lang="de-DE" sz="2000" dirty="0" smtClean="0"/>
-              <a:t>sind die Aktionen die jedes Objekt ausführen kann</a:t>
+              <a:t> sind die Aktionen die jedes Objekt ausführen </a:t>
+            </a:r>
+            <a:r>
+              <a:rPr lang="de-DE" sz="2000" dirty="0" smtClean="0"/>
+              <a:t>kann</a:t>
+            </a:r>
+            <a:br>
+              <a:rPr lang="de-DE" sz="2000" dirty="0" smtClean="0"/>
+            </a:br>
+            <a:r>
+              <a:rPr lang="de-DE" sz="2000" dirty="0" smtClean="0"/>
+              <a:t> (Stücke Code die man gezielt ausführen kann)</a:t>
             </a:r>
             <a:endParaRPr lang="de-DE" sz="2000" u="sng" dirty="0" smtClean="0"/>
           </a:p>
@@ -20169,6 +24236,121 @@
 </file>
 
 <file path=ppt/slides/slide36.xml><?xml version="1.0" encoding="utf-8"?>
+<p:sld xmlns:a="http://schemas.openxmlformats.org/drawingml/2006/main" xmlns:r="http://schemas.openxmlformats.org/officeDocument/2006/relationships" xmlns:p="http://schemas.openxmlformats.org/presentationml/2006/main">
+  <p:cSld>
+    <p:spTree>
+      <p:nvGrpSpPr>
+        <p:cNvPr id="1" name=""/>
+        <p:cNvGrpSpPr/>
+        <p:nvPr/>
+      </p:nvGrpSpPr>
+      <p:grpSpPr>
+        <a:xfrm>
+          <a:off x="0" y="0"/>
+          <a:ext cx="0" cy="0"/>
+          <a:chOff x="0" y="0"/>
+          <a:chExt cx="0" cy="0"/>
+        </a:xfrm>
+      </p:grpSpPr>
+      <p:sp>
+        <p:nvSpPr>
+          <p:cNvPr id="2" name="Titel 1"/>
+          <p:cNvSpPr>
+            <a:spLocks noGrp="1"/>
+          </p:cNvSpPr>
+          <p:nvPr>
+            <p:ph type="title"/>
+          </p:nvPr>
+        </p:nvSpPr>
+        <p:spPr/>
+        <p:txBody>
+          <a:bodyPr/>
+          <a:lstStyle/>
+          <a:p>
+            <a:r>
+              <a:rPr lang="de-DE" dirty="0" smtClean="0">
+                <a:solidFill>
+                  <a:srgbClr val="831420"/>
+                </a:solidFill>
+              </a:rPr>
+              <a:t>OO: Attribute und Methoden</a:t>
+            </a:r>
+            <a:endParaRPr lang="de-DE" dirty="0">
+              <a:solidFill>
+                <a:srgbClr val="831420"/>
+              </a:solidFill>
+            </a:endParaRPr>
+          </a:p>
+        </p:txBody>
+      </p:sp>
+      <p:sp>
+        <p:nvSpPr>
+          <p:cNvPr id="3" name="Inhaltsplatzhalter 2"/>
+          <p:cNvSpPr>
+            <a:spLocks noGrp="1"/>
+          </p:cNvSpPr>
+          <p:nvPr>
+            <p:ph idx="4294967295"/>
+          </p:nvPr>
+        </p:nvSpPr>
+        <p:spPr>
+          <a:xfrm>
+            <a:off x="179512" y="877280"/>
+            <a:ext cx="8496944" cy="4176464"/>
+          </a:xfrm>
+          <a:prstGeom prst="rect">
+            <a:avLst/>
+          </a:prstGeom>
+        </p:spPr>
+        <p:txBody>
+          <a:bodyPr anchor="t"/>
+          <a:lstStyle/>
+          <a:p>
+            <a:r>
+              <a:rPr lang="de-DE" sz="2000" u="sng" dirty="0" smtClean="0"/>
+              <a:t>Methoden</a:t>
+            </a:r>
+            <a:r>
+              <a:rPr lang="de-DE" sz="2000" dirty="0" smtClean="0"/>
+              <a:t> können ein oder mehrere Parameter in Klammern erhalten</a:t>
+            </a:r>
+            <a:endParaRPr lang="de-DE" sz="2000" u="sng" dirty="0" smtClean="0"/>
+          </a:p>
+        </p:txBody>
+      </p:sp>
+    </p:spTree>
+    <p:extLst>
+      <p:ext uri="{BB962C8B-B14F-4D97-AF65-F5344CB8AC3E}">
+        <p14:creationId xmlns:p14="http://schemas.microsoft.com/office/powerpoint/2010/main" val="2417995966"/>
+      </p:ext>
+    </p:extLst>
+  </p:cSld>
+  <p:clrMapOvr>
+    <a:masterClrMapping/>
+  </p:clrMapOvr>
+  <mc:AlternateContent xmlns:mc="http://schemas.openxmlformats.org/markup-compatibility/2006" xmlns:p14="http://schemas.microsoft.com/office/powerpoint/2010/main">
+    <mc:Choice Requires="p14">
+      <p:transition spd="slow" p14:dur="800">
+        <p14:flythrough/>
+      </p:transition>
+    </mc:Choice>
+    <mc:Fallback xmlns="">
+      <p:transition spd="slow">
+        <p:fade/>
+      </p:transition>
+    </mc:Fallback>
+  </mc:AlternateContent>
+  <p:timing>
+    <p:tnLst>
+      <p:par>
+        <p:cTn id="1" dur="indefinite" restart="never" nodeType="tmRoot"/>
+      </p:par>
+    </p:tnLst>
+  </p:timing>
+</p:sld>
+</file>
+
+<file path=ppt/slides/slide37.xml><?xml version="1.0" encoding="utf-8"?>
 <p:sld xmlns:a="http://schemas.openxmlformats.org/drawingml/2006/main" xmlns:r="http://schemas.openxmlformats.org/officeDocument/2006/relationships" xmlns:p="http://schemas.openxmlformats.org/presentationml/2006/main">
   <p:cSld>
     <p:spTree>
@@ -20762,7 +24944,7 @@
 </p:sld>
 </file>
 
-<file path=ppt/slides/slide37.xml><?xml version="1.0" encoding="utf-8"?>
+<file path=ppt/slides/slide38.xml><?xml version="1.0" encoding="utf-8"?>
 <p:sld xmlns:a="http://schemas.openxmlformats.org/drawingml/2006/main" xmlns:r="http://schemas.openxmlformats.org/officeDocument/2006/relationships" xmlns:p="http://schemas.openxmlformats.org/presentationml/2006/main">
   <p:cSld>
     <p:spTree>
@@ -21069,7 +25251,7 @@
 </p:sld>
 </file>
 
-<file path=ppt/slides/slide38.xml><?xml version="1.0" encoding="utf-8"?>
+<file path=ppt/slides/slide39.xml><?xml version="1.0" encoding="utf-8"?>
 <p:sld xmlns:a="http://schemas.openxmlformats.org/drawingml/2006/main" xmlns:r="http://schemas.openxmlformats.org/officeDocument/2006/relationships" xmlns:p="http://schemas.openxmlformats.org/presentationml/2006/main">
   <p:cSld>
     <p:spTree>
@@ -21345,7 +25527,7 @@
 </p:sld>
 </file>
 
-<file path=ppt/slides/slide39.xml><?xml version="1.0" encoding="utf-8"?>
+<file path=ppt/slides/slide4.xml><?xml version="1.0" encoding="utf-8"?>
 <p:sld xmlns:a="http://schemas.openxmlformats.org/drawingml/2006/main" xmlns:r="http://schemas.openxmlformats.org/officeDocument/2006/relationships" xmlns:p="http://schemas.openxmlformats.org/presentationml/2006/main">
   <p:cSld>
     <p:spTree>
@@ -21383,6 +25565,215 @@
                   <a:srgbClr val="831420"/>
                 </a:solidFill>
               </a:rPr>
+              <a:t>Themen</a:t>
+            </a:r>
+            <a:endParaRPr lang="de-DE" dirty="0">
+              <a:solidFill>
+                <a:srgbClr val="831420"/>
+              </a:solidFill>
+            </a:endParaRPr>
+          </a:p>
+        </p:txBody>
+      </p:sp>
+      <p:sp>
+        <p:nvSpPr>
+          <p:cNvPr id="3" name="Inhaltsplatzhalter 2"/>
+          <p:cNvSpPr>
+            <a:spLocks noGrp="1"/>
+          </p:cNvSpPr>
+          <p:nvPr>
+            <p:ph idx="4294967295"/>
+          </p:nvPr>
+        </p:nvSpPr>
+        <p:spPr>
+          <a:xfrm>
+            <a:off x="179512" y="900000"/>
+            <a:ext cx="8496944" cy="4153744"/>
+          </a:xfrm>
+          <a:prstGeom prst="rect">
+            <a:avLst/>
+          </a:prstGeom>
+        </p:spPr>
+        <p:txBody>
+          <a:bodyPr anchor="ctr"/>
+          <a:lstStyle/>
+          <a:p>
+            <a:pPr marL="0" indent="0">
+              <a:buNone/>
+            </a:pPr>
+            <a:r>
+              <a:rPr lang="de-DE" sz="2000" smtClean="0"/>
+              <a:t>Was ist ein Programm</a:t>
+            </a:r>
+            <a:r>
+              <a:rPr lang="de-DE" sz="2000" dirty="0"/>
+              <a:t>?</a:t>
+            </a:r>
+          </a:p>
+          <a:p>
+            <a:pPr marL="0" indent="0">
+              <a:buNone/>
+            </a:pPr>
+            <a:r>
+              <a:rPr lang="de-DE" sz="2000" smtClean="0"/>
+              <a:t>Syntax und Semantik</a:t>
+            </a:r>
+            <a:endParaRPr lang="de-DE" sz="2000" dirty="0"/>
+          </a:p>
+          <a:p>
+            <a:pPr marL="0" indent="0">
+              <a:buNone/>
+            </a:pPr>
+            <a:r>
+              <a:rPr lang="de-DE" sz="2000" smtClean="0"/>
+              <a:t>Ein erstes Programm</a:t>
+            </a:r>
+            <a:endParaRPr lang="de-DE" sz="2000" dirty="0"/>
+          </a:p>
+          <a:p>
+            <a:pPr marL="0" indent="0">
+              <a:buNone/>
+            </a:pPr>
+            <a:r>
+              <a:rPr lang="de-DE" sz="2000" smtClean="0"/>
+              <a:t>Primitive Datentypen und Variablen</a:t>
+            </a:r>
+            <a:endParaRPr lang="de-DE" sz="2000" dirty="0"/>
+          </a:p>
+          <a:p>
+            <a:pPr marL="0" indent="0">
+              <a:buNone/>
+            </a:pPr>
+            <a:r>
+              <a:rPr lang="de-DE" sz="2000" err="1" smtClean="0"/>
+              <a:t>Abfragen</a:t>
+            </a:r>
+            <a:r>
+              <a:rPr lang="de-DE" sz="2000" smtClean="0"/>
+              <a:t>, Schleifen</a:t>
+            </a:r>
+            <a:endParaRPr lang="de-DE" sz="2000" dirty="0"/>
+          </a:p>
+          <a:p>
+            <a:pPr marL="0" indent="0">
+              <a:buNone/>
+            </a:pPr>
+            <a:r>
+              <a:rPr lang="de-DE" sz="2000" i="1" dirty="0"/>
+              <a:t>Objektorientierung:</a:t>
+            </a:r>
+          </a:p>
+          <a:p>
+            <a:pPr marL="0" indent="0">
+              <a:buNone/>
+            </a:pPr>
+            <a:r>
+              <a:rPr lang="de-DE" sz="2000" smtClean="0"/>
+              <a:t>    Klassen und Objekte</a:t>
+            </a:r>
+            <a:endParaRPr lang="de-DE" sz="2000" dirty="0"/>
+          </a:p>
+          <a:p>
+            <a:pPr marL="0" indent="0">
+              <a:buNone/>
+            </a:pPr>
+            <a:r>
+              <a:rPr lang="de-DE" sz="2000" smtClean="0"/>
+              <a:t>    Attribute und Methoden</a:t>
+            </a:r>
+            <a:endParaRPr lang="de-DE" sz="2000" dirty="0"/>
+          </a:p>
+          <a:p>
+            <a:pPr marL="0" indent="0">
+              <a:buNone/>
+            </a:pPr>
+            <a:r>
+              <a:rPr lang="de-DE" sz="2000" dirty="0"/>
+              <a:t>Namenskonvention</a:t>
+            </a:r>
+          </a:p>
+          <a:p>
+            <a:pPr marL="0" indent="0">
+              <a:buNone/>
+            </a:pPr>
+            <a:r>
+              <a:rPr lang="de-DE" sz="2000" smtClean="0"/>
+              <a:t>Strings und Arrays</a:t>
+            </a:r>
+            <a:endParaRPr lang="de-DE" sz="2000" dirty="0"/>
+          </a:p>
+        </p:txBody>
+      </p:sp>
+    </p:spTree>
+    <p:extLst>
+      <p:ext uri="{BB962C8B-B14F-4D97-AF65-F5344CB8AC3E}">
+        <p14:creationId xmlns:p14="http://schemas.microsoft.com/office/powerpoint/2010/main" val="3433740505"/>
+      </p:ext>
+    </p:extLst>
+  </p:cSld>
+  <p:clrMapOvr>
+    <a:masterClrMapping/>
+  </p:clrMapOvr>
+  <mc:AlternateContent xmlns:mc="http://schemas.openxmlformats.org/markup-compatibility/2006" xmlns:p14="http://schemas.microsoft.com/office/powerpoint/2010/main">
+    <mc:Choice Requires="p14">
+      <p:transition spd="slow" p14:dur="800">
+        <p14:flythrough/>
+      </p:transition>
+    </mc:Choice>
+    <mc:Fallback xmlns="">
+      <p:transition spd="slow">
+        <p:fade/>
+      </p:transition>
+    </mc:Fallback>
+  </mc:AlternateContent>
+  <p:timing>
+    <p:tnLst>
+      <p:par>
+        <p:cTn id="1" dur="indefinite" restart="never" nodeType="tmRoot"/>
+      </p:par>
+    </p:tnLst>
+  </p:timing>
+</p:sld>
+</file>
+
+<file path=ppt/slides/slide40.xml><?xml version="1.0" encoding="utf-8"?>
+<p:sld xmlns:a="http://schemas.openxmlformats.org/drawingml/2006/main" xmlns:r="http://schemas.openxmlformats.org/officeDocument/2006/relationships" xmlns:p="http://schemas.openxmlformats.org/presentationml/2006/main">
+  <p:cSld>
+    <p:spTree>
+      <p:nvGrpSpPr>
+        <p:cNvPr id="1" name=""/>
+        <p:cNvGrpSpPr/>
+        <p:nvPr/>
+      </p:nvGrpSpPr>
+      <p:grpSpPr>
+        <a:xfrm>
+          <a:off x="0" y="0"/>
+          <a:ext cx="0" cy="0"/>
+          <a:chOff x="0" y="0"/>
+          <a:chExt cx="0" cy="0"/>
+        </a:xfrm>
+      </p:grpSpPr>
+      <p:sp>
+        <p:nvSpPr>
+          <p:cNvPr id="2" name="Titel 1"/>
+          <p:cNvSpPr>
+            <a:spLocks noGrp="1"/>
+          </p:cNvSpPr>
+          <p:nvPr>
+            <p:ph type="title"/>
+          </p:nvPr>
+        </p:nvSpPr>
+        <p:spPr/>
+        <p:txBody>
+          <a:bodyPr/>
+          <a:lstStyle/>
+          <a:p>
+            <a:r>
+              <a:rPr lang="de-DE" dirty="0" smtClean="0">
+                <a:solidFill>
+                  <a:srgbClr val="831420"/>
+                </a:solidFill>
+              </a:rPr>
               <a:t>Namenskonvention: In Java</a:t>
             </a:r>
             <a:endParaRPr lang="de-DE" dirty="0">
@@ -21613,7 +26004,7 @@
                   <a:schemeClr val="tx2"/>
                 </a:solidFill>
               </a:rPr>
-              <a:t>println</a:t>
+              <a:t>explode</a:t>
             </a:r>
             <a:r>
               <a:rPr lang="de-DE" sz="1800" dirty="0" smtClean="0">
@@ -21621,11 +26012,7 @@
                   <a:schemeClr val="tx2"/>
                 </a:solidFill>
               </a:rPr>
-              <a:t>()</a:t>
-            </a:r>
-            <a:r>
-              <a:rPr lang="de-DE" sz="1800" dirty="0" smtClean="0"/>
-              <a:t>, </a:t>
+              <a:t>(), </a:t>
             </a:r>
             <a:r>
               <a:rPr lang="de-DE" sz="1800" dirty="0" err="1" smtClean="0">
@@ -22096,7 +26483,7 @@
 </p:sld>
 </file>
 
-<file path=ppt/slides/slide4.xml><?xml version="1.0" encoding="utf-8"?>
+<file path=ppt/slides/slide41.xml><?xml version="1.0" encoding="utf-8"?>
 <p:sld xmlns:a="http://schemas.openxmlformats.org/drawingml/2006/main" xmlns:r="http://schemas.openxmlformats.org/officeDocument/2006/relationships" xmlns:p="http://schemas.openxmlformats.org/presentationml/2006/main">
   <p:cSld>
     <p:spTree>
@@ -22134,232 +26521,7 @@
                   <a:srgbClr val="831420"/>
                 </a:solidFill>
               </a:rPr>
-              <a:t>Themen</a:t>
-            </a:r>
-            <a:endParaRPr lang="de-DE" dirty="0">
-              <a:solidFill>
-                <a:srgbClr val="831420"/>
-              </a:solidFill>
-            </a:endParaRPr>
-          </a:p>
-        </p:txBody>
-      </p:sp>
-      <p:sp>
-        <p:nvSpPr>
-          <p:cNvPr id="3" name="Inhaltsplatzhalter 2"/>
-          <p:cNvSpPr>
-            <a:spLocks noGrp="1"/>
-          </p:cNvSpPr>
-          <p:nvPr>
-            <p:ph idx="4294967295"/>
-          </p:nvPr>
-        </p:nvSpPr>
-        <p:spPr>
-          <a:xfrm>
-            <a:off x="179512" y="900000"/>
-            <a:ext cx="8496944" cy="4153744"/>
-          </a:xfrm>
-          <a:prstGeom prst="rect">
-            <a:avLst/>
-          </a:prstGeom>
-        </p:spPr>
-        <p:txBody>
-          <a:bodyPr anchor="ctr"/>
-          <a:lstStyle/>
-          <a:p>
-            <a:pPr marL="0" indent="0">
-              <a:buNone/>
-            </a:pPr>
-            <a:r>
-              <a:rPr lang="de-DE" sz="2000" smtClean="0"/>
-              <a:t>Was ist ein Programm</a:t>
-            </a:r>
-            <a:r>
-              <a:rPr lang="de-DE" sz="2000" dirty="0"/>
-              <a:t>?</a:t>
-            </a:r>
-          </a:p>
-          <a:p>
-            <a:pPr marL="0" indent="0">
-              <a:buNone/>
-            </a:pPr>
-            <a:r>
-              <a:rPr lang="de-DE" sz="2000" smtClean="0"/>
-              <a:t>Syntax und Semantik</a:t>
-            </a:r>
-            <a:endParaRPr lang="de-DE" sz="2000" dirty="0"/>
-          </a:p>
-          <a:p>
-            <a:pPr marL="0" indent="0">
-              <a:buNone/>
-            </a:pPr>
-            <a:r>
-              <a:rPr lang="de-DE" sz="2000" smtClean="0"/>
-              <a:t>Ein erstes Programm</a:t>
-            </a:r>
-            <a:endParaRPr lang="de-DE" sz="2000" dirty="0"/>
-          </a:p>
-          <a:p>
-            <a:pPr marL="0" indent="0">
-              <a:buNone/>
-            </a:pPr>
-            <a:r>
-              <a:rPr lang="de-DE" sz="2000" smtClean="0"/>
-              <a:t>Primitive Datentypen und Variablen</a:t>
-            </a:r>
-            <a:endParaRPr lang="de-DE" sz="2000" dirty="0"/>
-          </a:p>
-          <a:p>
-            <a:pPr marL="0" indent="0">
-              <a:buNone/>
-            </a:pPr>
-            <a:r>
-              <a:rPr lang="de-DE" sz="2000" err="1" smtClean="0"/>
-              <a:t>Abfragen</a:t>
-            </a:r>
-            <a:r>
-              <a:rPr lang="de-DE" sz="2000" smtClean="0"/>
-              <a:t>, Schleifen</a:t>
-            </a:r>
-            <a:endParaRPr lang="de-DE" sz="2000" dirty="0"/>
-          </a:p>
-          <a:p>
-            <a:pPr marL="0" indent="0">
-              <a:buNone/>
-            </a:pPr>
-            <a:r>
-              <a:rPr lang="de-DE" sz="2000" i="1" dirty="0"/>
-              <a:t>Objektorientierung:</a:t>
-            </a:r>
-          </a:p>
-          <a:p>
-            <a:pPr marL="0" indent="0">
-              <a:buNone/>
-            </a:pPr>
-            <a:r>
-              <a:rPr lang="de-DE" sz="2000" smtClean="0"/>
-              <a:t>    Klassen und Objekte</a:t>
-            </a:r>
-            <a:endParaRPr lang="de-DE" sz="2000" dirty="0"/>
-          </a:p>
-          <a:p>
-            <a:pPr marL="0" indent="0">
-              <a:buNone/>
-            </a:pPr>
-            <a:r>
-              <a:rPr lang="de-DE" sz="2000" smtClean="0"/>
-              <a:t>    Attribute und Methoden</a:t>
-            </a:r>
-            <a:endParaRPr lang="de-DE" sz="2000" dirty="0"/>
-          </a:p>
-          <a:p>
-            <a:pPr marL="0" indent="0">
-              <a:buNone/>
-            </a:pPr>
-            <a:r>
-              <a:rPr lang="de-DE" sz="2000" dirty="0"/>
-              <a:t>Namenskonvention</a:t>
-            </a:r>
-          </a:p>
-          <a:p>
-            <a:pPr marL="0" indent="0">
-              <a:buNone/>
-            </a:pPr>
-            <a:r>
-              <a:rPr lang="de-DE" sz="2000" smtClean="0"/>
-              <a:t>Strings und Arrays</a:t>
-            </a:r>
-            <a:endParaRPr lang="de-DE" sz="2000" dirty="0"/>
-          </a:p>
-        </p:txBody>
-      </p:sp>
-    </p:spTree>
-    <p:extLst>
-      <p:ext uri="{BB962C8B-B14F-4D97-AF65-F5344CB8AC3E}">
-        <p14:creationId xmlns:p14="http://schemas.microsoft.com/office/powerpoint/2010/main" val="3433740505"/>
-      </p:ext>
-    </p:extLst>
-  </p:cSld>
-  <p:clrMapOvr>
-    <a:masterClrMapping/>
-  </p:clrMapOvr>
-  <mc:AlternateContent xmlns:mc="http://schemas.openxmlformats.org/markup-compatibility/2006" xmlns:p14="http://schemas.microsoft.com/office/powerpoint/2010/main">
-    <mc:Choice Requires="p14">
-      <p:transition spd="slow" p14:dur="800">
-        <p14:flythrough/>
-      </p:transition>
-    </mc:Choice>
-    <mc:Fallback xmlns="">
-      <p:transition spd="slow">
-        <p:fade/>
-      </p:transition>
-    </mc:Fallback>
-  </mc:AlternateContent>
-  <p:timing>
-    <p:tnLst>
-      <p:par>
-        <p:cTn id="1" dur="indefinite" restart="never" nodeType="tmRoot"/>
-      </p:par>
-    </p:tnLst>
-  </p:timing>
-</p:sld>
-</file>
-
-<file path=ppt/slides/slide40.xml><?xml version="1.0" encoding="utf-8"?>
-<p:sld xmlns:a="http://schemas.openxmlformats.org/drawingml/2006/main" xmlns:r="http://schemas.openxmlformats.org/officeDocument/2006/relationships" xmlns:p="http://schemas.openxmlformats.org/presentationml/2006/main">
-  <p:cSld>
-    <p:spTree>
-      <p:nvGrpSpPr>
-        <p:cNvPr id="1" name=""/>
-        <p:cNvGrpSpPr/>
-        <p:nvPr/>
-      </p:nvGrpSpPr>
-      <p:grpSpPr>
-        <a:xfrm>
-          <a:off x="0" y="0"/>
-          <a:ext cx="0" cy="0"/>
-          <a:chOff x="0" y="0"/>
-          <a:chExt cx="0" cy="0"/>
-        </a:xfrm>
-      </p:grpSpPr>
-      <p:sp>
-        <p:nvSpPr>
-          <p:cNvPr id="2" name="Titel 1"/>
-          <p:cNvSpPr>
-            <a:spLocks noGrp="1"/>
-          </p:cNvSpPr>
-          <p:nvPr>
-            <p:ph type="title"/>
-          </p:nvPr>
-        </p:nvSpPr>
-        <p:spPr/>
-        <p:txBody>
-          <a:bodyPr/>
-          <a:lstStyle/>
-          <a:p>
-            <a:r>
-              <a:rPr lang="de-DE" dirty="0" smtClean="0">
-                <a:solidFill>
-                  <a:srgbClr val="831420"/>
-                </a:solidFill>
-              </a:rPr>
-              <a:t>Aufgabe: </a:t>
-            </a:r>
-            <a:r>
-              <a:rPr lang="de-DE" dirty="0" smtClean="0">
-                <a:solidFill>
-                  <a:srgbClr val="831420"/>
-                </a:solidFill>
-              </a:rPr>
-              <a:t>Einfache Mathematik?          [4</a:t>
-            </a:r>
-            <a:r>
-              <a:rPr lang="de-DE" dirty="0" smtClean="0">
-                <a:solidFill>
-                  <a:srgbClr val="831420"/>
-                </a:solidFill>
-              </a:rPr>
-              <a:t>]</a:t>
+              <a:t>Aufgabe: Einfache Mathematik?          [4]</a:t>
             </a:r>
             <a:endParaRPr lang="de-DE" dirty="0">
               <a:solidFill>
@@ -22480,28 +26642,16 @@
             </a:r>
           </a:p>
           <a:p>
-            <a:pPr marL="800100" lvl="1" indent="-342900">
-              <a:buFont typeface="+mj-lt"/>
-              <a:buAutoNum type="alphaLcPeriod"/>
-            </a:pPr>
-            <a:r>
-              <a:rPr lang="de-DE" sz="1600" dirty="0" smtClean="0"/>
-              <a:t>„</a:t>
-            </a:r>
-            <a:r>
-              <a:rPr lang="de-DE" sz="1600" dirty="0" err="1" smtClean="0"/>
-              <a:t>gcd</a:t>
-            </a:r>
-            <a:r>
-              <a:rPr lang="de-DE" sz="1600" dirty="0" smtClean="0"/>
-              <a:t>“	Akzeptiert zwei Ganzzahlen als Parameter und gibt den größten gemeinsamen 		Teiler der beiden Zahlen zurück</a:t>
-            </a:r>
             <a:endParaRPr lang="de-DE" sz="2000" dirty="0" smtClean="0"/>
           </a:p>
           <a:p>
             <a:r>
               <a:rPr lang="de-DE" sz="2000" dirty="0" smtClean="0"/>
-              <a:t>In der main-Methode könnt ihr eure Methoden testen und die Resultate in der Konsole ausgeben</a:t>
+              <a:t>In </a:t>
+            </a:r>
+            <a:r>
+              <a:rPr lang="de-DE" sz="2000" dirty="0" smtClean="0"/>
+              <a:t>der main-Methode könnt ihr eure Methoden testen und die Resultate in der Konsole ausgeben</a:t>
             </a:r>
           </a:p>
           <a:p>
@@ -22545,7 +26695,7 @@
 </p:sld>
 </file>
 
-<file path=ppt/slides/slide41.xml><?xml version="1.0" encoding="utf-8"?>
+<file path=ppt/slides/slide42.xml><?xml version="1.0" encoding="utf-8"?>
 <p:sld xmlns:a="http://schemas.openxmlformats.org/drawingml/2006/main" xmlns:r="http://schemas.openxmlformats.org/officeDocument/2006/relationships" xmlns:p="http://schemas.openxmlformats.org/presentationml/2006/main">
   <p:cSld>
     <p:spTree>
@@ -22846,7 +26996,7 @@
 </p:sld>
 </file>
 
-<file path=ppt/slides/slide42.xml><?xml version="1.0" encoding="utf-8"?>
+<file path=ppt/slides/slide43.xml><?xml version="1.0" encoding="utf-8"?>
 <p:sld xmlns:a="http://schemas.openxmlformats.org/drawingml/2006/main" xmlns:r="http://schemas.openxmlformats.org/officeDocument/2006/relationships" xmlns:p="http://schemas.openxmlformats.org/presentationml/2006/main">
   <p:cSld>
     <p:spTree>
@@ -23524,7 +27674,7 @@
 </p:sld>
 </file>
 
-<file path=ppt/slides/slide43.xml><?xml version="1.0" encoding="utf-8"?>
+<file path=ppt/slides/slide44.xml><?xml version="1.0" encoding="utf-8"?>
 <p:sld xmlns:a="http://schemas.openxmlformats.org/drawingml/2006/main" xmlns:r="http://schemas.openxmlformats.org/officeDocument/2006/relationships" xmlns:p="http://schemas.openxmlformats.org/presentationml/2006/main">
   <p:cSld>
     <p:spTree>
@@ -23948,7 +28098,7 @@
 </p:sld>
 </file>
 
-<file path=ppt/slides/slide44.xml><?xml version="1.0" encoding="utf-8"?>
+<file path=ppt/slides/slide45.xml><?xml version="1.0" encoding="utf-8"?>
 <p:sld xmlns:a="http://schemas.openxmlformats.org/drawingml/2006/main" xmlns:r="http://schemas.openxmlformats.org/officeDocument/2006/relationships" xmlns:p="http://schemas.openxmlformats.org/presentationml/2006/main">
   <p:cSld>
     <p:spTree>
@@ -24406,7 +28556,7 @@
 </p:sld>
 </file>
 
-<file path=ppt/slides/slide45.xml><?xml version="1.0" encoding="utf-8"?>
+<file path=ppt/slides/slide46.xml><?xml version="1.0" encoding="utf-8"?>
 <p:sld xmlns:a="http://schemas.openxmlformats.org/drawingml/2006/main" xmlns:r="http://schemas.openxmlformats.org/officeDocument/2006/relationships" xmlns:p="http://schemas.openxmlformats.org/presentationml/2006/main">
   <p:cSld>
     <p:spTree>
@@ -24793,7 +28943,7 @@
 </p:sld>
 </file>
 
-<file path=ppt/slides/slide46.xml><?xml version="1.0" encoding="utf-8"?>
+<file path=ppt/slides/slide47.xml><?xml version="1.0" encoding="utf-8"?>
 <p:sld xmlns:a="http://schemas.openxmlformats.org/drawingml/2006/main" xmlns:r="http://schemas.openxmlformats.org/officeDocument/2006/relationships" xmlns:p="http://schemas.openxmlformats.org/presentationml/2006/main">
   <p:cSld>
     <p:spTree>
@@ -24869,36 +29019,15 @@
           <a:p>
             <a:r>
               <a:rPr lang="de-DE" sz="2000" dirty="0" smtClean="0"/>
-              <a:t>Wir können </a:t>
-            </a:r>
-            <a:r>
-              <a:rPr lang="de-DE" sz="2000" dirty="0" smtClean="0"/>
-              <a:t>durch </a:t>
-            </a:r>
-            <a:r>
-              <a:rPr lang="de-DE" sz="2000" dirty="0" smtClean="0"/>
-              <a:t>Angabe des Index </a:t>
-            </a:r>
-            <a:r>
-              <a:rPr lang="de-DE" sz="2000" dirty="0" smtClean="0"/>
-              <a:t>in eckigen Klammern</a:t>
+              <a:t>Wir können durch Angabe des Index in eckigen Klammern</a:t>
             </a:r>
             <a:br>
               <a:rPr lang="de-DE" sz="2000" dirty="0" smtClean="0"/>
             </a:br>
             <a:r>
               <a:rPr lang="de-DE" sz="2000" dirty="0" smtClean="0"/>
-              <a:t>genauso </a:t>
-            </a:r>
-            <a:r>
-              <a:rPr lang="de-DE" sz="2000" dirty="0" smtClean="0"/>
-              <a:t>aus dem Array </a:t>
-            </a:r>
-            <a:r>
-              <a:rPr lang="de-DE" sz="2000" dirty="0" smtClean="0"/>
-              <a:t>lesen, wie wir in es schreiben können</a:t>
-            </a:r>
-            <a:endParaRPr lang="de-DE" sz="2000" dirty="0" smtClean="0"/>
+              <a:t>genauso aus dem Array lesen, wie wir in es schreiben können</a:t>
+            </a:r>
           </a:p>
         </p:txBody>
       </p:sp>
@@ -25048,7 +29177,7 @@
 </p:sld>
 </file>
 
-<file path=ppt/slides/slide47.xml><?xml version="1.0" encoding="utf-8"?>
+<file path=ppt/slides/slide48.xml><?xml version="1.0" encoding="utf-8"?>
 <p:sld xmlns:a="http://schemas.openxmlformats.org/drawingml/2006/main" xmlns:r="http://schemas.openxmlformats.org/officeDocument/2006/relationships" xmlns:p="http://schemas.openxmlformats.org/presentationml/2006/main">
   <p:cSld>
     <p:spTree>
@@ -25375,7 +29504,7 @@
 </p:sld>
 </file>
 
-<file path=ppt/slides/slide48.xml><?xml version="1.0" encoding="utf-8"?>
+<file path=ppt/slides/slide49.xml><?xml version="1.0" encoding="utf-8"?>
 <p:sld xmlns:a="http://schemas.openxmlformats.org/drawingml/2006/main" xmlns:r="http://schemas.openxmlformats.org/officeDocument/2006/relationships" xmlns:p="http://schemas.openxmlformats.org/presentationml/2006/main">
   <p:cSld>
     <p:spTree>
@@ -25798,210 +29927,6 @@
 </p:sld>
 </file>
 
-<file path=ppt/slides/slide49.xml><?xml version="1.0" encoding="utf-8"?>
-<p:sld xmlns:a="http://schemas.openxmlformats.org/drawingml/2006/main" xmlns:r="http://schemas.openxmlformats.org/officeDocument/2006/relationships" xmlns:p="http://schemas.openxmlformats.org/presentationml/2006/main">
-  <p:cSld>
-    <p:spTree>
-      <p:nvGrpSpPr>
-        <p:cNvPr id="1" name=""/>
-        <p:cNvGrpSpPr/>
-        <p:nvPr/>
-      </p:nvGrpSpPr>
-      <p:grpSpPr>
-        <a:xfrm>
-          <a:off x="0" y="0"/>
-          <a:ext cx="0" cy="0"/>
-          <a:chOff x="0" y="0"/>
-          <a:chExt cx="0" cy="0"/>
-        </a:xfrm>
-      </p:grpSpPr>
-      <p:sp>
-        <p:nvSpPr>
-          <p:cNvPr id="2" name="Titel 1"/>
-          <p:cNvSpPr>
-            <a:spLocks noGrp="1"/>
-          </p:cNvSpPr>
-          <p:nvPr>
-            <p:ph type="title"/>
-          </p:nvPr>
-        </p:nvSpPr>
-        <p:spPr/>
-        <p:txBody>
-          <a:bodyPr/>
-          <a:lstStyle/>
-          <a:p>
-            <a:r>
-              <a:rPr lang="de-DE" dirty="0" smtClean="0">
-                <a:solidFill>
-                  <a:srgbClr val="831420"/>
-                </a:solidFill>
-              </a:rPr>
-              <a:t>Aufgabe: </a:t>
-            </a:r>
-            <a:r>
-              <a:rPr lang="de-DE" dirty="0" smtClean="0">
-                <a:solidFill>
-                  <a:srgbClr val="831420"/>
-                </a:solidFill>
-              </a:rPr>
-              <a:t>Schwierige Mathematik?      [5</a:t>
-            </a:r>
-            <a:r>
-              <a:rPr lang="de-DE" dirty="0" smtClean="0">
-                <a:solidFill>
-                  <a:srgbClr val="831420"/>
-                </a:solidFill>
-              </a:rPr>
-              <a:t>]</a:t>
-            </a:r>
-            <a:endParaRPr lang="de-DE" dirty="0">
-              <a:solidFill>
-                <a:srgbClr val="831420"/>
-              </a:solidFill>
-            </a:endParaRPr>
-          </a:p>
-        </p:txBody>
-      </p:sp>
-      <p:sp>
-        <p:nvSpPr>
-          <p:cNvPr id="3" name="Inhaltsplatzhalter 2"/>
-          <p:cNvSpPr>
-            <a:spLocks noGrp="1"/>
-          </p:cNvSpPr>
-          <p:nvPr>
-            <p:ph idx="4294967295"/>
-          </p:nvPr>
-        </p:nvSpPr>
-        <p:spPr>
-          <a:xfrm>
-            <a:off x="179512" y="877280"/>
-            <a:ext cx="8496944" cy="4176464"/>
-          </a:xfrm>
-          <a:prstGeom prst="rect">
-            <a:avLst/>
-          </a:prstGeom>
-        </p:spPr>
-        <p:txBody>
-          <a:bodyPr anchor="t"/>
-          <a:lstStyle/>
-          <a:p>
-            <a:r>
-              <a:rPr lang="de-DE" sz="2000" dirty="0" smtClean="0"/>
-              <a:t>Verbessert eure Mathematik-Klasse aus Aufgabe 4!</a:t>
-            </a:r>
-          </a:p>
-          <a:p>
-            <a:r>
-              <a:rPr lang="de-DE" sz="2000" dirty="0" smtClean="0"/>
-              <a:t>Folgende Methoden müsst ihr implementieren:</a:t>
-            </a:r>
-          </a:p>
-          <a:p>
-            <a:pPr marL="800100" lvl="1" indent="-342900">
-              <a:buFont typeface="+mj-lt"/>
-              <a:buAutoNum type="alphaLcPeriod"/>
-            </a:pPr>
-            <a:endParaRPr lang="de-DE" sz="1600" dirty="0" smtClean="0"/>
-          </a:p>
-          <a:p>
-            <a:pPr marL="800100" lvl="1" indent="-342900">
-              <a:buFont typeface="+mj-lt"/>
-              <a:buAutoNum type="alphaLcPeriod"/>
-            </a:pPr>
-            <a:r>
-              <a:rPr lang="de-DE" sz="1600" dirty="0" smtClean="0"/>
-              <a:t>„</a:t>
-            </a:r>
-            <a:r>
-              <a:rPr lang="de-DE" sz="1600" dirty="0" err="1" smtClean="0"/>
-              <a:t>arraySum</a:t>
-            </a:r>
-            <a:r>
-              <a:rPr lang="de-DE" sz="1600" dirty="0" smtClean="0"/>
-              <a:t>“		Akzeptiert ein Array von Ganzzahlen als Parameter und gibt die 				Summe aller Zahlen im Array zurück</a:t>
-            </a:r>
-          </a:p>
-          <a:p>
-            <a:pPr marL="800100" lvl="1" indent="-342900">
-              <a:buFont typeface="+mj-lt"/>
-              <a:buAutoNum type="alphaLcPeriod"/>
-            </a:pPr>
-            <a:r>
-              <a:rPr lang="de-DE" sz="1600" dirty="0" smtClean="0"/>
-              <a:t>„</a:t>
-            </a:r>
-            <a:r>
-              <a:rPr lang="de-DE" sz="1600" dirty="0" err="1" smtClean="0"/>
-              <a:t>arraySort</a:t>
-            </a:r>
-            <a:r>
-              <a:rPr lang="de-DE" sz="1600" dirty="0" smtClean="0"/>
-              <a:t>“		Akzeptiert ein Array von Ganzzahlen als Parameter und gibt ein 				Array von Ganzzahlen zurück, welches die gleichen Zahlen in 				aufsteigender Reihenfolge enthält</a:t>
-            </a:r>
-          </a:p>
-          <a:p>
-            <a:pPr marL="800100" lvl="1" indent="-342900">
-              <a:buFont typeface="+mj-lt"/>
-              <a:buAutoNum type="alphaLcPeriod"/>
-            </a:pPr>
-            <a:r>
-              <a:rPr lang="de-DE" sz="1600" dirty="0" smtClean="0"/>
-              <a:t>„</a:t>
-            </a:r>
-            <a:r>
-              <a:rPr lang="de-DE" sz="1600" dirty="0" err="1" smtClean="0"/>
-              <a:t>getWords</a:t>
-            </a:r>
-            <a:r>
-              <a:rPr lang="de-DE" sz="1600" dirty="0" smtClean="0"/>
-              <a:t>“		Akzeptiert einen String und gibt ein String-Array zurück, welches 				die einzelnen Worte enthält (Worte werden durch Leerzeichen 				getrennt).</a:t>
-            </a:r>
-          </a:p>
-          <a:p>
-            <a:pPr marL="400050"/>
-            <a:endParaRPr lang="de-DE" sz="2000" dirty="0"/>
-          </a:p>
-          <a:p>
-            <a:pPr marL="400050"/>
-            <a:r>
-              <a:rPr lang="de-DE" sz="2000" dirty="0" smtClean="0"/>
-              <a:t>Testet eure Methoden in der Main-Klasse, und gebt die Resultate in der Konsole aus!</a:t>
-            </a:r>
-          </a:p>
-        </p:txBody>
-      </p:sp>
-    </p:spTree>
-    <p:extLst>
-      <p:ext uri="{BB962C8B-B14F-4D97-AF65-F5344CB8AC3E}">
-        <p14:creationId xmlns:p14="http://schemas.microsoft.com/office/powerpoint/2010/main" val="3218483881"/>
-      </p:ext>
-    </p:extLst>
-  </p:cSld>
-  <p:clrMapOvr>
-    <a:masterClrMapping/>
-  </p:clrMapOvr>
-  <mc:AlternateContent xmlns:mc="http://schemas.openxmlformats.org/markup-compatibility/2006" xmlns:p14="http://schemas.microsoft.com/office/powerpoint/2010/main">
-    <mc:Choice Requires="p14">
-      <p:transition spd="slow" p14:dur="800">
-        <p14:flythrough/>
-      </p:transition>
-    </mc:Choice>
-    <mc:Fallback xmlns="">
-      <p:transition spd="slow">
-        <p:fade/>
-      </p:transition>
-    </mc:Fallback>
-  </mc:AlternateContent>
-  <p:timing>
-    <p:tnLst>
-      <p:par>
-        <p:cTn id="1" dur="indefinite" restart="never" nodeType="tmRoot"/>
-      </p:par>
-    </p:tnLst>
-  </p:timing>
-</p:sld>
-</file>
-
 <file path=ppt/slides/slide5.xml><?xml version="1.0" encoding="utf-8"?>
 <p:sld xmlns:a="http://schemas.openxmlformats.org/drawingml/2006/main" xmlns:r="http://schemas.openxmlformats.org/officeDocument/2006/relationships" xmlns:p="http://schemas.openxmlformats.org/presentationml/2006/main">
   <p:cSld>
@@ -26314,6 +30239,194 @@
 </file>
 
 <file path=ppt/slides/slide50.xml><?xml version="1.0" encoding="utf-8"?>
+<p:sld xmlns:a="http://schemas.openxmlformats.org/drawingml/2006/main" xmlns:r="http://schemas.openxmlformats.org/officeDocument/2006/relationships" xmlns:p="http://schemas.openxmlformats.org/presentationml/2006/main">
+  <p:cSld>
+    <p:spTree>
+      <p:nvGrpSpPr>
+        <p:cNvPr id="1" name=""/>
+        <p:cNvGrpSpPr/>
+        <p:nvPr/>
+      </p:nvGrpSpPr>
+      <p:grpSpPr>
+        <a:xfrm>
+          <a:off x="0" y="0"/>
+          <a:ext cx="0" cy="0"/>
+          <a:chOff x="0" y="0"/>
+          <a:chExt cx="0" cy="0"/>
+        </a:xfrm>
+      </p:grpSpPr>
+      <p:sp>
+        <p:nvSpPr>
+          <p:cNvPr id="2" name="Titel 1"/>
+          <p:cNvSpPr>
+            <a:spLocks noGrp="1"/>
+          </p:cNvSpPr>
+          <p:nvPr>
+            <p:ph type="title"/>
+          </p:nvPr>
+        </p:nvSpPr>
+        <p:spPr/>
+        <p:txBody>
+          <a:bodyPr/>
+          <a:lstStyle/>
+          <a:p>
+            <a:r>
+              <a:rPr lang="de-DE" dirty="0" smtClean="0">
+                <a:solidFill>
+                  <a:srgbClr val="831420"/>
+                </a:solidFill>
+              </a:rPr>
+              <a:t>Aufgabe: Schwierige Mathematik?      [5]</a:t>
+            </a:r>
+            <a:endParaRPr lang="de-DE" dirty="0">
+              <a:solidFill>
+                <a:srgbClr val="831420"/>
+              </a:solidFill>
+            </a:endParaRPr>
+          </a:p>
+        </p:txBody>
+      </p:sp>
+      <p:sp>
+        <p:nvSpPr>
+          <p:cNvPr id="3" name="Inhaltsplatzhalter 2"/>
+          <p:cNvSpPr>
+            <a:spLocks noGrp="1"/>
+          </p:cNvSpPr>
+          <p:nvPr>
+            <p:ph idx="4294967295"/>
+          </p:nvPr>
+        </p:nvSpPr>
+        <p:spPr>
+          <a:xfrm>
+            <a:off x="179512" y="877280"/>
+            <a:ext cx="8496944" cy="4176464"/>
+          </a:xfrm>
+          <a:prstGeom prst="rect">
+            <a:avLst/>
+          </a:prstGeom>
+        </p:spPr>
+        <p:txBody>
+          <a:bodyPr anchor="t"/>
+          <a:lstStyle/>
+          <a:p>
+            <a:r>
+              <a:rPr lang="de-DE" sz="2000" dirty="0" smtClean="0"/>
+              <a:t>Verbessert eure Mathematik-Klasse aus Aufgabe 4!</a:t>
+            </a:r>
+          </a:p>
+          <a:p>
+            <a:r>
+              <a:rPr lang="de-DE" sz="2000" dirty="0" smtClean="0"/>
+              <a:t>Folgende Methoden müsst ihr implementieren:</a:t>
+            </a:r>
+          </a:p>
+          <a:p>
+            <a:pPr marL="800100" lvl="1" indent="-342900">
+              <a:buFont typeface="+mj-lt"/>
+              <a:buAutoNum type="alphaLcPeriod"/>
+            </a:pPr>
+            <a:endParaRPr lang="de-DE" sz="1600" dirty="0" smtClean="0"/>
+          </a:p>
+          <a:p>
+            <a:pPr marL="800100" lvl="1" indent="-342900">
+              <a:buFont typeface="+mj-lt"/>
+              <a:buAutoNum type="alphaLcPeriod"/>
+            </a:pPr>
+            <a:r>
+              <a:rPr lang="de-DE" sz="1600" dirty="0" smtClean="0"/>
+              <a:t>„</a:t>
+            </a:r>
+            <a:r>
+              <a:rPr lang="de-DE" sz="1600" dirty="0" err="1" smtClean="0"/>
+              <a:t>arraySum</a:t>
+            </a:r>
+            <a:r>
+              <a:rPr lang="de-DE" sz="1600" dirty="0" smtClean="0"/>
+              <a:t>“		Akzeptiert ein Array von Ganzzahlen als Parameter und gibt die 				Summe aller Zahlen im Array zurück</a:t>
+            </a:r>
+          </a:p>
+          <a:p>
+            <a:pPr marL="800100" lvl="1" indent="-342900">
+              <a:buFont typeface="+mj-lt"/>
+              <a:buAutoNum type="alphaLcPeriod"/>
+            </a:pPr>
+            <a:r>
+              <a:rPr lang="de-DE" sz="1600" dirty="0" smtClean="0"/>
+              <a:t>„</a:t>
+            </a:r>
+            <a:r>
+              <a:rPr lang="de-DE" sz="1600" dirty="0" err="1" smtClean="0"/>
+              <a:t>arraySort</a:t>
+            </a:r>
+            <a:r>
+              <a:rPr lang="de-DE" sz="1600" dirty="0" smtClean="0"/>
+              <a:t>“		Akzeptiert ein Array von Ganzzahlen als Parameter und gibt ein 				Array von Ganzzahlen zurück, welches die gleichen Zahlen in 				aufsteigender Reihenfolge enthält</a:t>
+            </a:r>
+          </a:p>
+          <a:p>
+            <a:pPr marL="800100" lvl="1" indent="-342900">
+              <a:buFont typeface="+mj-lt"/>
+              <a:buAutoNum type="alphaLcPeriod"/>
+            </a:pPr>
+            <a:r>
+              <a:rPr lang="de-DE" sz="1600" dirty="0" smtClean="0"/>
+              <a:t>„</a:t>
+            </a:r>
+            <a:r>
+              <a:rPr lang="de-DE" sz="1600" dirty="0" err="1" smtClean="0"/>
+              <a:t>getWords</a:t>
+            </a:r>
+            <a:r>
+              <a:rPr lang="de-DE" sz="1600" dirty="0" smtClean="0"/>
+              <a:t>“		Akzeptiert einen String und gibt ein String-Array zurück, welches 				die einzelnen Worte enthält (Worte werden durch Leerzeichen 				getrennt).</a:t>
+            </a:r>
+          </a:p>
+          <a:p>
+            <a:pPr marL="400050"/>
+            <a:endParaRPr lang="de-DE" sz="2000" dirty="0"/>
+          </a:p>
+          <a:p>
+            <a:pPr marL="400050"/>
+            <a:r>
+              <a:rPr lang="de-DE" sz="2000" dirty="0" smtClean="0"/>
+              <a:t>Testet eure Methoden in der Main-Klasse, und gebt die Resultate in der Konsole aus!</a:t>
+            </a:r>
+          </a:p>
+        </p:txBody>
+      </p:sp>
+    </p:spTree>
+    <p:extLst>
+      <p:ext uri="{BB962C8B-B14F-4D97-AF65-F5344CB8AC3E}">
+        <p14:creationId xmlns:p14="http://schemas.microsoft.com/office/powerpoint/2010/main" val="3218483881"/>
+      </p:ext>
+    </p:extLst>
+  </p:cSld>
+  <p:clrMapOvr>
+    <a:masterClrMapping/>
+  </p:clrMapOvr>
+  <mc:AlternateContent xmlns:mc="http://schemas.openxmlformats.org/markup-compatibility/2006" xmlns:p14="http://schemas.microsoft.com/office/powerpoint/2010/main">
+    <mc:Choice Requires="p14">
+      <p:transition spd="slow" p14:dur="800">
+        <p14:flythrough/>
+      </p:transition>
+    </mc:Choice>
+    <mc:Fallback xmlns="">
+      <p:transition spd="slow">
+        <p:fade/>
+      </p:transition>
+    </mc:Fallback>
+  </mc:AlternateContent>
+  <p:timing>
+    <p:tnLst>
+      <p:par>
+        <p:cTn id="1" dur="indefinite" restart="never" nodeType="tmRoot"/>
+      </p:par>
+    </p:tnLst>
+  </p:timing>
+</p:sld>
+</file>
+
+<file path=ppt/slides/slide51.xml><?xml version="1.0" encoding="utf-8"?>
 <p:sld xmlns:a="http://schemas.openxmlformats.org/drawingml/2006/main" xmlns:r="http://schemas.openxmlformats.org/officeDocument/2006/relationships" xmlns:p="http://schemas.openxmlformats.org/presentationml/2006/main">
   <p:cSld>
     <p:spTree>
@@ -26479,7 +30592,7 @@
 </p:sld>
 </file>
 
-<file path=ppt/slides/slide51.xml><?xml version="1.0" encoding="utf-8"?>
+<file path=ppt/slides/slide52.xml><?xml version="1.0" encoding="utf-8"?>
 <p:sld xmlns:a="http://schemas.openxmlformats.org/drawingml/2006/main" xmlns:r="http://schemas.openxmlformats.org/officeDocument/2006/relationships" xmlns:p="http://schemas.openxmlformats.org/presentationml/2006/main">
   <p:cSld>
     <p:spTree>
@@ -26517,15 +30630,7 @@
                   <a:srgbClr val="831420"/>
                 </a:solidFill>
               </a:rPr>
-              <a:t>Projekt: </a:t>
-            </a:r>
-            <a:r>
-              <a:rPr lang="de-DE" dirty="0" smtClean="0">
-                <a:solidFill>
-                  <a:srgbClr val="831420"/>
-                </a:solidFill>
-              </a:rPr>
-              <a:t>such </a:t>
+              <a:t>Projekt: such </a:t>
             </a:r>
             <a:r>
               <a:rPr lang="de-DE" dirty="0" err="1" smtClean="0">
@@ -26613,7 +30718,6 @@
               <a:rPr lang="de-DE" sz="2000" dirty="0" smtClean="0"/>
               <a:t>wow</a:t>
             </a:r>
-            <a:endParaRPr lang="de-DE" sz="2000" dirty="0" smtClean="0"/>
           </a:p>
         </p:txBody>
       </p:sp>

--- a/Präsentationen/Anfänger - Java mit NAO.pptx
+++ b/Präsentationen/Anfänger - Java mit NAO.pptx
@@ -5,7 +5,7 @@
     <p:sldMasterId id="2147483648" r:id="rId1"/>
   </p:sldMasterIdLst>
   <p:notesMasterIdLst>
-    <p:notesMasterId r:id="rId54"/>
+    <p:notesMasterId r:id="rId56"/>
   </p:notesMasterIdLst>
   <p:sldIdLst>
     <p:sldId id="288" r:id="rId2"/>
@@ -44,22 +44,24 @@
     <p:sldId id="315" r:id="rId35"/>
     <p:sldId id="317" r:id="rId36"/>
     <p:sldId id="334" r:id="rId37"/>
-    <p:sldId id="318" r:id="rId38"/>
-    <p:sldId id="321" r:id="rId39"/>
-    <p:sldId id="320" r:id="rId40"/>
-    <p:sldId id="322" r:id="rId41"/>
-    <p:sldId id="319" r:id="rId42"/>
-    <p:sldId id="323" r:id="rId43"/>
-    <p:sldId id="324" r:id="rId44"/>
-    <p:sldId id="326" r:id="rId45"/>
-    <p:sldId id="327" r:id="rId46"/>
-    <p:sldId id="328" r:id="rId47"/>
-    <p:sldId id="329" r:id="rId48"/>
-    <p:sldId id="330" r:id="rId49"/>
-    <p:sldId id="331" r:id="rId50"/>
-    <p:sldId id="332" r:id="rId51"/>
-    <p:sldId id="325" r:id="rId52"/>
-    <p:sldId id="333" r:id="rId53"/>
+    <p:sldId id="335" r:id="rId38"/>
+    <p:sldId id="336" r:id="rId39"/>
+    <p:sldId id="318" r:id="rId40"/>
+    <p:sldId id="321" r:id="rId41"/>
+    <p:sldId id="320" r:id="rId42"/>
+    <p:sldId id="322" r:id="rId43"/>
+    <p:sldId id="319" r:id="rId44"/>
+    <p:sldId id="323" r:id="rId45"/>
+    <p:sldId id="324" r:id="rId46"/>
+    <p:sldId id="326" r:id="rId47"/>
+    <p:sldId id="327" r:id="rId48"/>
+    <p:sldId id="328" r:id="rId49"/>
+    <p:sldId id="329" r:id="rId50"/>
+    <p:sldId id="330" r:id="rId51"/>
+    <p:sldId id="331" r:id="rId52"/>
+    <p:sldId id="332" r:id="rId53"/>
+    <p:sldId id="325" r:id="rId54"/>
+    <p:sldId id="333" r:id="rId55"/>
   </p:sldIdLst>
   <p:sldSz cx="9144000" cy="5715000" type="screen16x10"/>
   <p:notesSz cx="6858000" cy="9144000"/>
@@ -259,7 +261,7 @@
           <a:p>
             <a:fld id="{CC55654B-D41D-4425-B58F-55C2DEAC0691}" type="datetimeFigureOut">
               <a:rPr lang="de-DE" smtClean="0"/>
-              <a:t>08.05.2017</a:t>
+              <a:t>12.05.2017</a:t>
             </a:fld>
             <a:endParaRPr lang="de-DE"/>
           </a:p>
@@ -3740,64 +3742,9 @@
           <a:bodyPr/>
           <a:lstStyle/>
           <a:p>
-            <a:r>
-              <a:rPr lang="de-DE" i="0" u="none" baseline="0" dirty="0" smtClean="0">
-                <a:sym typeface="Wingdings" panose="05000000000000000000" pitchFamily="2" charset="2"/>
-              </a:rPr>
-              <a:t>Wenn ein Objekt gleich einem anderen gesetzt wird </a:t>
-            </a:r>
-            <a:r>
-              <a:rPr lang="de-DE" i="0" u="none" baseline="0" dirty="0" err="1" smtClean="0">
-                <a:sym typeface="Wingdings" panose="05000000000000000000" pitchFamily="2" charset="2"/>
-              </a:rPr>
-              <a:t>wird</a:t>
-            </a:r>
-            <a:r>
-              <a:rPr lang="de-DE" i="0" u="none" baseline="0" dirty="0" smtClean="0">
-                <a:sym typeface="Wingdings" panose="05000000000000000000" pitchFamily="2" charset="2"/>
-              </a:rPr>
-              <a:t> kein neues erzeugt. Deshalb spielt es keine Rolle ob wir im zweiten Beispiel</a:t>
-            </a:r>
-          </a:p>
-          <a:p>
-            <a:r>
-              <a:rPr lang="de-DE" i="0" u="none" baseline="0" dirty="0" smtClean="0">
-                <a:sym typeface="Wingdings" panose="05000000000000000000" pitchFamily="2" charset="2"/>
-              </a:rPr>
-              <a:t>das </a:t>
-            </a:r>
-            <a:r>
-              <a:rPr lang="de-DE" i="0" u="none" baseline="0" dirty="0" err="1" smtClean="0">
-                <a:sym typeface="Wingdings" panose="05000000000000000000" pitchFamily="2" charset="2"/>
-              </a:rPr>
-              <a:t>ganzzahlAttribut</a:t>
-            </a:r>
-            <a:r>
-              <a:rPr lang="de-DE" i="0" u="none" baseline="0" dirty="0" smtClean="0">
-                <a:sym typeface="Wingdings" panose="05000000000000000000" pitchFamily="2" charset="2"/>
-              </a:rPr>
-              <a:t> von eins oder von zwei verändern. Beide Variablen enthalten das „selbe“ Objekt.</a:t>
-            </a:r>
-          </a:p>
-          <a:p>
-            <a:r>
-              <a:rPr lang="de-DE" i="0" u="none" baseline="0" dirty="0" smtClean="0">
-                <a:sym typeface="Wingdings" panose="05000000000000000000" pitchFamily="2" charset="2"/>
-              </a:rPr>
-              <a:t>Neue Objekte werden nur durch den </a:t>
-            </a:r>
-            <a:r>
-              <a:rPr lang="de-DE" i="0" u="none" baseline="0" dirty="0" err="1" smtClean="0">
-                <a:sym typeface="Wingdings" panose="05000000000000000000" pitchFamily="2" charset="2"/>
-              </a:rPr>
-              <a:t>new</a:t>
-            </a:r>
-            <a:r>
-              <a:rPr lang="de-DE" i="0" u="none" baseline="0" dirty="0" smtClean="0">
-                <a:sym typeface="Wingdings" panose="05000000000000000000" pitchFamily="2" charset="2"/>
-              </a:rPr>
-              <a:t>-Operator erzeugt!</a:t>
-            </a:r>
+            <a:endParaRPr lang="de-DE" i="0" u="none" baseline="0" dirty="0" smtClean="0">
+              <a:sym typeface="Wingdings" panose="05000000000000000000" pitchFamily="2" charset="2"/>
+            </a:endParaRPr>
           </a:p>
         </p:txBody>
       </p:sp>
@@ -3827,7 +3774,7 @@
     </p:spTree>
     <p:extLst>
       <p:ext uri="{BB962C8B-B14F-4D97-AF65-F5344CB8AC3E}">
-        <p14:creationId xmlns:p14="http://schemas.microsoft.com/office/powerpoint/2010/main" val="2406195495"/>
+        <p14:creationId xmlns:p14="http://schemas.microsoft.com/office/powerpoint/2010/main" val="1025808771"/>
       </p:ext>
     </p:extLst>
   </p:cSld>
@@ -3881,7 +3828,9 @@
           <a:bodyPr/>
           <a:lstStyle/>
           <a:p>
-            <a:endParaRPr lang="de-DE" i="1" baseline="0" dirty="0" smtClean="0"/>
+            <a:endParaRPr lang="de-DE" i="0" u="none" baseline="0" dirty="0" smtClean="0">
+              <a:sym typeface="Wingdings" panose="05000000000000000000" pitchFamily="2" charset="2"/>
+            </a:endParaRPr>
           </a:p>
         </p:txBody>
       </p:sp>
@@ -3911,7 +3860,7 @@
     </p:spTree>
     <p:extLst>
       <p:ext uri="{BB962C8B-B14F-4D97-AF65-F5344CB8AC3E}">
-        <p14:creationId xmlns:p14="http://schemas.microsoft.com/office/powerpoint/2010/main" val="256478923"/>
+        <p14:creationId xmlns:p14="http://schemas.microsoft.com/office/powerpoint/2010/main" val="1496437762"/>
       </p:ext>
     </p:extLst>
   </p:cSld>
@@ -3965,9 +3914,64 @@
           <a:bodyPr/>
           <a:lstStyle/>
           <a:p>
-            <a:endParaRPr lang="de-DE" i="0" u="none" baseline="0" dirty="0" smtClean="0">
-              <a:sym typeface="Wingdings" panose="05000000000000000000" pitchFamily="2" charset="2"/>
-            </a:endParaRPr>
+            <a:r>
+              <a:rPr lang="de-DE" i="0" u="none" baseline="0" dirty="0" smtClean="0">
+                <a:sym typeface="Wingdings" panose="05000000000000000000" pitchFamily="2" charset="2"/>
+              </a:rPr>
+              <a:t>Wenn ein Objekt gleich einem anderen gesetzt wird </a:t>
+            </a:r>
+            <a:r>
+              <a:rPr lang="de-DE" i="0" u="none" baseline="0" dirty="0" err="1" smtClean="0">
+                <a:sym typeface="Wingdings" panose="05000000000000000000" pitchFamily="2" charset="2"/>
+              </a:rPr>
+              <a:t>wird</a:t>
+            </a:r>
+            <a:r>
+              <a:rPr lang="de-DE" i="0" u="none" baseline="0" dirty="0" smtClean="0">
+                <a:sym typeface="Wingdings" panose="05000000000000000000" pitchFamily="2" charset="2"/>
+              </a:rPr>
+              <a:t> kein neues erzeugt. Deshalb spielt es keine Rolle ob wir im zweiten Beispiel</a:t>
+            </a:r>
+          </a:p>
+          <a:p>
+            <a:r>
+              <a:rPr lang="de-DE" i="0" u="none" baseline="0" dirty="0" smtClean="0">
+                <a:sym typeface="Wingdings" panose="05000000000000000000" pitchFamily="2" charset="2"/>
+              </a:rPr>
+              <a:t>das </a:t>
+            </a:r>
+            <a:r>
+              <a:rPr lang="de-DE" i="0" u="none" baseline="0" dirty="0" err="1" smtClean="0">
+                <a:sym typeface="Wingdings" panose="05000000000000000000" pitchFamily="2" charset="2"/>
+              </a:rPr>
+              <a:t>ganzzahlAttribut</a:t>
+            </a:r>
+            <a:r>
+              <a:rPr lang="de-DE" i="0" u="none" baseline="0" dirty="0" smtClean="0">
+                <a:sym typeface="Wingdings" panose="05000000000000000000" pitchFamily="2" charset="2"/>
+              </a:rPr>
+              <a:t> von eins oder von zwei verändern. Beide Variablen enthalten das „selbe“ Objekt.</a:t>
+            </a:r>
+          </a:p>
+          <a:p>
+            <a:r>
+              <a:rPr lang="de-DE" i="0" u="none" baseline="0" dirty="0" smtClean="0">
+                <a:sym typeface="Wingdings" panose="05000000000000000000" pitchFamily="2" charset="2"/>
+              </a:rPr>
+              <a:t>Neue Objekte werden nur durch den </a:t>
+            </a:r>
+            <a:r>
+              <a:rPr lang="de-DE" i="0" u="none" baseline="0" dirty="0" err="1" smtClean="0">
+                <a:sym typeface="Wingdings" panose="05000000000000000000" pitchFamily="2" charset="2"/>
+              </a:rPr>
+              <a:t>new</a:t>
+            </a:r>
+            <a:r>
+              <a:rPr lang="de-DE" i="0" u="none" baseline="0" dirty="0" smtClean="0">
+                <a:sym typeface="Wingdings" panose="05000000000000000000" pitchFamily="2" charset="2"/>
+              </a:rPr>
+              <a:t>-Operator erzeugt!</a:t>
+            </a:r>
           </a:p>
         </p:txBody>
       </p:sp>
@@ -3997,7 +4001,7 @@
     </p:spTree>
     <p:extLst>
       <p:ext uri="{BB962C8B-B14F-4D97-AF65-F5344CB8AC3E}">
-        <p14:creationId xmlns:p14="http://schemas.microsoft.com/office/powerpoint/2010/main" val="508040793"/>
+        <p14:creationId xmlns:p14="http://schemas.microsoft.com/office/powerpoint/2010/main" val="2406195495"/>
       </p:ext>
     </p:extLst>
   </p:cSld>
@@ -4208,28 +4212,7 @@
           <a:bodyPr/>
           <a:lstStyle/>
           <a:p>
-            <a:r>
-              <a:rPr lang="de-DE" i="0" u="none" baseline="0" dirty="0" smtClean="0">
-                <a:sym typeface="Wingdings" panose="05000000000000000000" pitchFamily="2" charset="2"/>
-              </a:rPr>
-              <a:t>Klassennamen und Konstanten sind außerdem meistens Nomen,</a:t>
-            </a:r>
-          </a:p>
-          <a:p>
-            <a:r>
-              <a:rPr lang="de-DE" i="0" u="none" baseline="0" dirty="0" smtClean="0">
-                <a:sym typeface="Wingdings" panose="05000000000000000000" pitchFamily="2" charset="2"/>
-              </a:rPr>
-              <a:t>während Variablen und Attribute Adjektive</a:t>
-            </a:r>
-          </a:p>
-          <a:p>
-            <a:r>
-              <a:rPr lang="de-DE" i="0" u="none" baseline="0" dirty="0" smtClean="0">
-                <a:sym typeface="Wingdings" panose="05000000000000000000" pitchFamily="2" charset="2"/>
-              </a:rPr>
-              <a:t>und Methoden Verben sind.</a:t>
-            </a:r>
+            <a:endParaRPr lang="de-DE" i="1" baseline="0" dirty="0" smtClean="0"/>
           </a:p>
         </p:txBody>
       </p:sp>
@@ -4259,7 +4242,7 @@
     </p:spTree>
     <p:extLst>
       <p:ext uri="{BB962C8B-B14F-4D97-AF65-F5344CB8AC3E}">
-        <p14:creationId xmlns:p14="http://schemas.microsoft.com/office/powerpoint/2010/main" val="1584262849"/>
+        <p14:creationId xmlns:p14="http://schemas.microsoft.com/office/powerpoint/2010/main" val="256478923"/>
       </p:ext>
     </p:extLst>
   </p:cSld>
@@ -4313,12 +4296,9 @@
           <a:bodyPr/>
           <a:lstStyle/>
           <a:p>
-            <a:r>
-              <a:rPr lang="de-DE" i="0" u="none" baseline="0" dirty="0" smtClean="0">
-                <a:sym typeface="Wingdings" panose="05000000000000000000" pitchFamily="2" charset="2"/>
-              </a:rPr>
-              <a:t>Fakultät erklären, falls die Kids nicht wissen was die Fakultät ist</a:t>
-            </a:r>
+            <a:endParaRPr lang="de-DE" i="0" u="none" baseline="0" dirty="0" smtClean="0">
+              <a:sym typeface="Wingdings" panose="05000000000000000000" pitchFamily="2" charset="2"/>
+            </a:endParaRPr>
           </a:p>
         </p:txBody>
       </p:sp>
@@ -4348,7 +4328,7 @@
     </p:spTree>
     <p:extLst>
       <p:ext uri="{BB962C8B-B14F-4D97-AF65-F5344CB8AC3E}">
-        <p14:creationId xmlns:p14="http://schemas.microsoft.com/office/powerpoint/2010/main" val="2678853194"/>
+        <p14:creationId xmlns:p14="http://schemas.microsoft.com/office/powerpoint/2010/main" val="508040793"/>
       </p:ext>
     </p:extLst>
   </p:cSld>
@@ -4402,7 +4382,28 @@
           <a:bodyPr/>
           <a:lstStyle/>
           <a:p>
-            <a:endParaRPr lang="de-DE" i="1" baseline="0" dirty="0" smtClean="0"/>
+            <a:r>
+              <a:rPr lang="de-DE" i="0" u="none" baseline="0" dirty="0" smtClean="0">
+                <a:sym typeface="Wingdings" panose="05000000000000000000" pitchFamily="2" charset="2"/>
+              </a:rPr>
+              <a:t>Klassennamen und Konstanten sind außerdem meistens Nomen,</a:t>
+            </a:r>
+          </a:p>
+          <a:p>
+            <a:r>
+              <a:rPr lang="de-DE" i="0" u="none" baseline="0" dirty="0" smtClean="0">
+                <a:sym typeface="Wingdings" panose="05000000000000000000" pitchFamily="2" charset="2"/>
+              </a:rPr>
+              <a:t>während Variablen und Attribute Adjektive</a:t>
+            </a:r>
+          </a:p>
+          <a:p>
+            <a:r>
+              <a:rPr lang="de-DE" i="0" u="none" baseline="0" dirty="0" smtClean="0">
+                <a:sym typeface="Wingdings" panose="05000000000000000000" pitchFamily="2" charset="2"/>
+              </a:rPr>
+              <a:t>und Methoden Verben sind.</a:t>
+            </a:r>
           </a:p>
         </p:txBody>
       </p:sp>
@@ -4432,7 +4433,7 @@
     </p:spTree>
     <p:extLst>
       <p:ext uri="{BB962C8B-B14F-4D97-AF65-F5344CB8AC3E}">
-        <p14:creationId xmlns:p14="http://schemas.microsoft.com/office/powerpoint/2010/main" val="3705439041"/>
+        <p14:creationId xmlns:p14="http://schemas.microsoft.com/office/powerpoint/2010/main" val="1584262849"/>
       </p:ext>
     </p:extLst>
   </p:cSld>
@@ -4486,9 +4487,12 @@
           <a:bodyPr/>
           <a:lstStyle/>
           <a:p>
-            <a:endParaRPr lang="de-DE" i="0" u="none" baseline="0" dirty="0" smtClean="0">
-              <a:sym typeface="Wingdings" panose="05000000000000000000" pitchFamily="2" charset="2"/>
-            </a:endParaRPr>
+            <a:r>
+              <a:rPr lang="de-DE" i="0" u="none" baseline="0" dirty="0" smtClean="0">
+                <a:sym typeface="Wingdings" panose="05000000000000000000" pitchFamily="2" charset="2"/>
+              </a:rPr>
+              <a:t>Fakultät erklären, falls die Kids nicht wissen was die Fakultät ist</a:t>
+            </a:r>
           </a:p>
         </p:txBody>
       </p:sp>
@@ -4518,7 +4522,7 @@
     </p:spTree>
     <p:extLst>
       <p:ext uri="{BB962C8B-B14F-4D97-AF65-F5344CB8AC3E}">
-        <p14:creationId xmlns:p14="http://schemas.microsoft.com/office/powerpoint/2010/main" val="2544278126"/>
+        <p14:creationId xmlns:p14="http://schemas.microsoft.com/office/powerpoint/2010/main" val="2678853194"/>
       </p:ext>
     </p:extLst>
   </p:cSld>
@@ -4572,20 +4576,7 @@
           <a:bodyPr/>
           <a:lstStyle/>
           <a:p>
-            <a:r>
-              <a:rPr lang="de-DE" i="0" u="none" baseline="0" dirty="0" smtClean="0">
-                <a:sym typeface="Wingdings" panose="05000000000000000000" pitchFamily="2" charset="2"/>
-              </a:rPr>
-              <a:t>Hier gibt es viel zu sehen, deshalb gehen wir das Beispiel noch ein Mal im Detail durch…</a:t>
-            </a:r>
-          </a:p>
-          <a:p>
-            <a:r>
-              <a:rPr lang="de-DE" i="0" u="none" baseline="0" dirty="0" smtClean="0">
-                <a:sym typeface="Wingdings" panose="05000000000000000000" pitchFamily="2" charset="2"/>
-              </a:rPr>
-              <a:t>(Auf den nächsten Folien)</a:t>
-            </a:r>
+            <a:endParaRPr lang="de-DE" i="1" baseline="0" dirty="0" smtClean="0"/>
           </a:p>
         </p:txBody>
       </p:sp>
@@ -4615,7 +4606,7 @@
     </p:spTree>
     <p:extLst>
       <p:ext uri="{BB962C8B-B14F-4D97-AF65-F5344CB8AC3E}">
-        <p14:creationId xmlns:p14="http://schemas.microsoft.com/office/powerpoint/2010/main" val="2359612141"/>
+        <p14:creationId xmlns:p14="http://schemas.microsoft.com/office/powerpoint/2010/main" val="3705439041"/>
       </p:ext>
     </p:extLst>
   </p:cSld>
@@ -4669,48 +4660,9 @@
           <a:bodyPr/>
           <a:lstStyle/>
           <a:p>
-            <a:r>
-              <a:rPr lang="de-DE" i="0" u="none" baseline="0" dirty="0" smtClean="0">
-                <a:sym typeface="Wingdings" panose="05000000000000000000" pitchFamily="2" charset="2"/>
-              </a:rPr>
-              <a:t>Als aller erstes sehen wir hier die möglichen Arten ein Array zu definieren.</a:t>
-            </a:r>
-          </a:p>
-          <a:p>
-            <a:r>
-              <a:rPr lang="de-DE" i="0" u="none" baseline="0" dirty="0" smtClean="0">
-                <a:sym typeface="Wingdings" panose="05000000000000000000" pitchFamily="2" charset="2"/>
-              </a:rPr>
-              <a:t>Entweder man benutzt </a:t>
-            </a:r>
-            <a:r>
-              <a:rPr lang="de-DE" i="0" u="none" baseline="0" dirty="0" err="1" smtClean="0">
-                <a:sym typeface="Wingdings" panose="05000000000000000000" pitchFamily="2" charset="2"/>
-              </a:rPr>
-              <a:t>new</a:t>
-            </a:r>
-            <a:r>
-              <a:rPr lang="de-DE" i="0" u="none" baseline="0" dirty="0" smtClean="0">
-                <a:sym typeface="Wingdings" panose="05000000000000000000" pitchFamily="2" charset="2"/>
-              </a:rPr>
-              <a:t> wie bei Objekten und gibt in den eckigen Klammern die Größe an</a:t>
-            </a:r>
-          </a:p>
-          <a:p>
-            <a:r>
-              <a:rPr lang="de-DE" i="0" u="none" baseline="0" dirty="0" smtClean="0">
-                <a:sym typeface="Wingdings" panose="05000000000000000000" pitchFamily="2" charset="2"/>
-              </a:rPr>
-              <a:t>Oder man benutzt {} und gibt dazwischen durch Komma getrennt direkt Werte zum Initialisieren ein</a:t>
-            </a:r>
-          </a:p>
-          <a:p>
-            <a:r>
-              <a:rPr lang="de-DE" i="0" u="none" baseline="0" dirty="0" smtClean="0">
-                <a:sym typeface="Wingdings" panose="05000000000000000000" pitchFamily="2" charset="2"/>
-              </a:rPr>
-              <a:t>Die Größe des Arrays bestimmt sich dann aus der Anzahl der eingegebenen Werte.</a:t>
-            </a:r>
+            <a:endParaRPr lang="de-DE" i="0" u="none" baseline="0" dirty="0" smtClean="0">
+              <a:sym typeface="Wingdings" panose="05000000000000000000" pitchFamily="2" charset="2"/>
+            </a:endParaRPr>
           </a:p>
         </p:txBody>
       </p:sp>
@@ -4740,7 +4692,7 @@
     </p:spTree>
     <p:extLst>
       <p:ext uri="{BB962C8B-B14F-4D97-AF65-F5344CB8AC3E}">
-        <p14:creationId xmlns:p14="http://schemas.microsoft.com/office/powerpoint/2010/main" val="2756526697"/>
+        <p14:creationId xmlns:p14="http://schemas.microsoft.com/office/powerpoint/2010/main" val="2544278126"/>
       </p:ext>
     </p:extLst>
   </p:cSld>
@@ -4798,7 +4750,7 @@
               <a:rPr lang="de-DE" i="0" u="none" baseline="0" dirty="0" smtClean="0">
                 <a:sym typeface="Wingdings" panose="05000000000000000000" pitchFamily="2" charset="2"/>
               </a:rPr>
-              <a:t>Hier sehen wir wie man einzelne Elemente des Arrays manipulieren kann.</a:t>
+              <a:t>Hier gibt es viel zu sehen, deshalb gehen wir das Beispiel noch ein Mal im Detail durch…</a:t>
             </a:r>
           </a:p>
           <a:p>
@@ -4806,21 +4758,8 @@
               <a:rPr lang="de-DE" i="0" u="none" baseline="0" dirty="0" smtClean="0">
                 <a:sym typeface="Wingdings" panose="05000000000000000000" pitchFamily="2" charset="2"/>
               </a:rPr>
-              <a:t>Wir schreiben zum Beispiel in das erste Element des Arrays die Ganzzahl 7 und in das zweite die Ganzzahl 5</a:t>
-            </a:r>
-          </a:p>
-          <a:p>
-            <a:r>
-              <a:rPr lang="de-DE" i="0" u="none" baseline="0" dirty="0" smtClean="0">
-                <a:sym typeface="Wingdings" panose="05000000000000000000" pitchFamily="2" charset="2"/>
-              </a:rPr>
-              <a:t>Achtung: Das erste Element des Arrays hat immer den Index 0!</a:t>
-            </a:r>
-          </a:p>
-          <a:p>
-            <a:endParaRPr lang="de-DE" i="0" u="none" baseline="0" dirty="0" smtClean="0">
-              <a:sym typeface="Wingdings" panose="05000000000000000000" pitchFamily="2" charset="2"/>
-            </a:endParaRPr>
+              <a:t>(Auf den nächsten Folien)</a:t>
+            </a:r>
           </a:p>
         </p:txBody>
       </p:sp>
@@ -4850,7 +4789,7 @@
     </p:spTree>
     <p:extLst>
       <p:ext uri="{BB962C8B-B14F-4D97-AF65-F5344CB8AC3E}">
-        <p14:creationId xmlns:p14="http://schemas.microsoft.com/office/powerpoint/2010/main" val="3502370864"/>
+        <p14:creationId xmlns:p14="http://schemas.microsoft.com/office/powerpoint/2010/main" val="2359612141"/>
       </p:ext>
     </p:extLst>
   </p:cSld>
@@ -4908,7 +4847,7 @@
               <a:rPr lang="de-DE" i="0" u="none" baseline="0" dirty="0" smtClean="0">
                 <a:sym typeface="Wingdings" panose="05000000000000000000" pitchFamily="2" charset="2"/>
               </a:rPr>
-              <a:t>Wir können also praktisch x und y wie Variablen behandeln, solang wir einen Index angeben!</a:t>
+              <a:t>Als aller erstes sehen wir hier die möglichen Arten ein Array zu definieren.</a:t>
             </a:r>
           </a:p>
           <a:p>
@@ -4916,7 +4855,35 @@
               <a:rPr lang="de-DE" i="0" u="none" baseline="0" dirty="0" smtClean="0">
                 <a:sym typeface="Wingdings" panose="05000000000000000000" pitchFamily="2" charset="2"/>
               </a:rPr>
-              <a:t>Aber alle Elemente eines einzelnen Arrays müssen immer den gleichen Datentyp besitzen.</a:t>
+              <a:t>Entweder man benutzt </a:t>
+            </a:r>
+            <a:r>
+              <a:rPr lang="de-DE" i="0" u="none" baseline="0" dirty="0" err="1" smtClean="0">
+                <a:sym typeface="Wingdings" panose="05000000000000000000" pitchFamily="2" charset="2"/>
+              </a:rPr>
+              <a:t>new</a:t>
+            </a:r>
+            <a:r>
+              <a:rPr lang="de-DE" i="0" u="none" baseline="0" dirty="0" smtClean="0">
+                <a:sym typeface="Wingdings" panose="05000000000000000000" pitchFamily="2" charset="2"/>
+              </a:rPr>
+              <a:t> wie bei Objekten und gibt in den eckigen Klammern die Größe an</a:t>
+            </a:r>
+          </a:p>
+          <a:p>
+            <a:r>
+              <a:rPr lang="de-DE" i="0" u="none" baseline="0" dirty="0" smtClean="0">
+                <a:sym typeface="Wingdings" panose="05000000000000000000" pitchFamily="2" charset="2"/>
+              </a:rPr>
+              <a:t>Oder man benutzt {} und gibt dazwischen durch Komma getrennt direkt Werte zum Initialisieren ein</a:t>
+            </a:r>
+          </a:p>
+          <a:p>
+            <a:r>
+              <a:rPr lang="de-DE" i="0" u="none" baseline="0" dirty="0" smtClean="0">
+                <a:sym typeface="Wingdings" panose="05000000000000000000" pitchFamily="2" charset="2"/>
+              </a:rPr>
+              <a:t>Die Größe des Arrays bestimmt sich dann aus der Anzahl der eingegebenen Werte.</a:t>
             </a:r>
           </a:p>
         </p:txBody>
@@ -4947,7 +4914,7 @@
     </p:spTree>
     <p:extLst>
       <p:ext uri="{BB962C8B-B14F-4D97-AF65-F5344CB8AC3E}">
-        <p14:creationId xmlns:p14="http://schemas.microsoft.com/office/powerpoint/2010/main" val="3445126100"/>
+        <p14:creationId xmlns:p14="http://schemas.microsoft.com/office/powerpoint/2010/main" val="2756526697"/>
       </p:ext>
     </p:extLst>
   </p:cSld>
@@ -5005,7 +4972,7 @@
               <a:rPr lang="de-DE" i="0" u="none" baseline="0" dirty="0" smtClean="0">
                 <a:sym typeface="Wingdings" panose="05000000000000000000" pitchFamily="2" charset="2"/>
               </a:rPr>
-              <a:t>Schließlich sehen wir hier noch, wie man die Länge des Arrays auslesen kann.</a:t>
+              <a:t>Hier sehen wir wie man einzelne Elemente des Arrays manipulieren kann.</a:t>
             </a:r>
           </a:p>
           <a:p>
@@ -5013,7 +4980,15 @@
               <a:rPr lang="de-DE" i="0" u="none" baseline="0" dirty="0" smtClean="0">
                 <a:sym typeface="Wingdings" panose="05000000000000000000" pitchFamily="2" charset="2"/>
               </a:rPr>
-              <a:t>Allerdings kann man die Länge über dieses Attribut nicht verändern!</a:t>
+              <a:t>Wir schreiben zum Beispiel in das erste Element des Arrays die Ganzzahl 7 und in das zweite die Ganzzahl 5</a:t>
+            </a:r>
+          </a:p>
+          <a:p>
+            <a:r>
+              <a:rPr lang="de-DE" i="0" u="none" baseline="0" dirty="0" smtClean="0">
+                <a:sym typeface="Wingdings" panose="05000000000000000000" pitchFamily="2" charset="2"/>
+              </a:rPr>
+              <a:t>Achtung: Das erste Element des Arrays hat immer den Index 0!</a:t>
             </a:r>
           </a:p>
           <a:p>
@@ -5049,7 +5024,7 @@
     </p:spTree>
     <p:extLst>
       <p:ext uri="{BB962C8B-B14F-4D97-AF65-F5344CB8AC3E}">
-        <p14:creationId xmlns:p14="http://schemas.microsoft.com/office/powerpoint/2010/main" val="2208439998"/>
+        <p14:creationId xmlns:p14="http://schemas.microsoft.com/office/powerpoint/2010/main" val="3502370864"/>
       </p:ext>
     </p:extLst>
   </p:cSld>
@@ -5107,7 +5082,7 @@
               <a:rPr lang="de-DE" i="0" u="none" baseline="0" dirty="0" smtClean="0">
                 <a:sym typeface="Wingdings" panose="05000000000000000000" pitchFamily="2" charset="2"/>
               </a:rPr>
-              <a:t>Ich hoffe spätestens hier kommt die Frage auf, warum denn das eine Plus addiert und das andere nicht.</a:t>
+              <a:t>Wir können also praktisch x und y wie Variablen behandeln, solang wir einen Index angeben!</a:t>
             </a:r>
           </a:p>
           <a:p>
@@ -5115,19 +5090,7 @@
               <a:rPr lang="de-DE" i="0" u="none" baseline="0" dirty="0" smtClean="0">
                 <a:sym typeface="Wingdings" panose="05000000000000000000" pitchFamily="2" charset="2"/>
               </a:rPr>
-              <a:t>Plus bei einem String ist die „</a:t>
-            </a:r>
-            <a:r>
-              <a:rPr lang="de-DE" i="0" u="none" baseline="0" dirty="0" err="1" smtClean="0">
-                <a:sym typeface="Wingdings" panose="05000000000000000000" pitchFamily="2" charset="2"/>
-              </a:rPr>
-              <a:t>Konkatenation</a:t>
-            </a:r>
-            <a:r>
-              <a:rPr lang="de-DE" i="0" u="none" baseline="0" dirty="0" smtClean="0">
-                <a:sym typeface="Wingdings" panose="05000000000000000000" pitchFamily="2" charset="2"/>
-              </a:rPr>
-              <a:t>“, also das aneinanderhängen von zwei Strings.</a:t>
+              <a:t>Aber alle Elemente eines einzelnen Arrays müssen immer den gleichen Datentyp besitzen.</a:t>
             </a:r>
           </a:p>
         </p:txBody>
@@ -5158,7 +5121,7 @@
     </p:spTree>
     <p:extLst>
       <p:ext uri="{BB962C8B-B14F-4D97-AF65-F5344CB8AC3E}">
-        <p14:creationId xmlns:p14="http://schemas.microsoft.com/office/powerpoint/2010/main" val="2332631835"/>
+        <p14:creationId xmlns:p14="http://schemas.microsoft.com/office/powerpoint/2010/main" val="3445126100"/>
       </p:ext>
     </p:extLst>
   </p:cSld>
@@ -5312,6 +5275,22 @@
           <a:bodyPr/>
           <a:lstStyle/>
           <a:p>
+            <a:r>
+              <a:rPr lang="de-DE" i="0" u="none" baseline="0" dirty="0" smtClean="0">
+                <a:sym typeface="Wingdings" panose="05000000000000000000" pitchFamily="2" charset="2"/>
+              </a:rPr>
+              <a:t>Schließlich sehen wir hier noch, wie man die Länge des Arrays auslesen kann.</a:t>
+            </a:r>
+          </a:p>
+          <a:p>
+            <a:r>
+              <a:rPr lang="de-DE" i="0" u="none" baseline="0" dirty="0" smtClean="0">
+                <a:sym typeface="Wingdings" panose="05000000000000000000" pitchFamily="2" charset="2"/>
+              </a:rPr>
+              <a:t>Allerdings kann man die Länge über dieses Attribut nicht verändern!</a:t>
+            </a:r>
+          </a:p>
+          <a:p>
             <a:endParaRPr lang="de-DE" i="0" u="none" baseline="0" dirty="0" smtClean="0">
               <a:sym typeface="Wingdings" panose="05000000000000000000" pitchFamily="2" charset="2"/>
             </a:endParaRPr>
@@ -5344,7 +5323,7 @@
     </p:spTree>
     <p:extLst>
       <p:ext uri="{BB962C8B-B14F-4D97-AF65-F5344CB8AC3E}">
-        <p14:creationId xmlns:p14="http://schemas.microsoft.com/office/powerpoint/2010/main" val="2158353836"/>
+        <p14:creationId xmlns:p14="http://schemas.microsoft.com/office/powerpoint/2010/main" val="2208439998"/>
       </p:ext>
     </p:extLst>
   </p:cSld>
@@ -5399,45 +5378,31 @@
           <a:lstStyle/>
           <a:p>
             <a:r>
-              <a:rPr lang="de-DE" smtClean="0"/>
-              <a:t>Willkommen zum Java-Kurs</a:t>
-            </a:r>
-            <a:r>
-              <a:rPr lang="de-DE" baseline="0" smtClean="0"/>
-              <a:t> mit unserem humanoiden Roboter NAO</a:t>
-            </a:r>
-            <a:r>
-              <a:rPr lang="de-DE" baseline="0" dirty="0" smtClean="0"/>
-              <a:t>.</a:t>
-            </a:r>
-          </a:p>
-          <a:p>
-            <a:r>
-              <a:rPr lang="de-DE" baseline="0" smtClean="0"/>
-              <a:t>Wir lernen heute die ersten Schritte um mit der Programmiersprache „Java“ umzugehen</a:t>
-            </a:r>
-            <a:r>
-              <a:rPr lang="de-DE" baseline="0" dirty="0" smtClean="0"/>
-              <a:t>.</a:t>
-            </a:r>
-          </a:p>
-          <a:p>
-            <a:endParaRPr lang="de-DE" baseline="0" dirty="0" smtClean="0"/>
-          </a:p>
-          <a:p>
-            <a:r>
-              <a:rPr lang="de-DE" i="1" baseline="0" smtClean="0"/>
-              <a:t>Überleitung: </a:t>
-            </a:r>
-            <a:r>
-              <a:rPr lang="de-DE" baseline="0" smtClean="0"/>
-              <a:t>Java ist eine von sehr vielen Programmiersprachen, mit denen man einem Computer genau sagen kann was er machen soll</a:t>
-            </a:r>
-            <a:r>
-              <a:rPr lang="de-DE" baseline="0" dirty="0" smtClean="0"/>
-              <a:t>.</a:t>
-            </a:r>
-            <a:endParaRPr lang="de-DE" baseline="0" dirty="0"/>
+              <a:rPr lang="de-DE" i="0" u="none" baseline="0" dirty="0" smtClean="0">
+                <a:sym typeface="Wingdings" panose="05000000000000000000" pitchFamily="2" charset="2"/>
+              </a:rPr>
+              <a:t>Ich hoffe spätestens hier kommt die Frage auf, warum denn das eine Plus addiert und das andere nicht.</a:t>
+            </a:r>
+          </a:p>
+          <a:p>
+            <a:r>
+              <a:rPr lang="de-DE" i="0" u="none" baseline="0" dirty="0" smtClean="0">
+                <a:sym typeface="Wingdings" panose="05000000000000000000" pitchFamily="2" charset="2"/>
+              </a:rPr>
+              <a:t>Plus bei einem String ist die „</a:t>
+            </a:r>
+            <a:r>
+              <a:rPr lang="de-DE" i="0" u="none" baseline="0" dirty="0" err="1" smtClean="0">
+                <a:sym typeface="Wingdings" panose="05000000000000000000" pitchFamily="2" charset="2"/>
+              </a:rPr>
+              <a:t>Konkatenation</a:t>
+            </a:r>
+            <a:r>
+              <a:rPr lang="de-DE" i="0" u="none" baseline="0" dirty="0" smtClean="0">
+                <a:sym typeface="Wingdings" panose="05000000000000000000" pitchFamily="2" charset="2"/>
+              </a:rPr>
+              <a:t>“, also das aneinanderhängen von zwei Strings.</a:t>
+            </a:r>
           </a:p>
         </p:txBody>
       </p:sp>
@@ -5460,14 +5425,14 @@
               <a:rPr lang="de-DE" smtClean="0"/>
               <a:t>51</a:t>
             </a:fld>
-            <a:endParaRPr lang="de-DE" dirty="0"/>
+            <a:endParaRPr lang="de-DE"/>
           </a:p>
         </p:txBody>
       </p:sp>
     </p:spTree>
     <p:extLst>
       <p:ext uri="{BB962C8B-B14F-4D97-AF65-F5344CB8AC3E}">
-        <p14:creationId xmlns:p14="http://schemas.microsoft.com/office/powerpoint/2010/main" val="1292877850"/>
+        <p14:creationId xmlns:p14="http://schemas.microsoft.com/office/powerpoint/2010/main" val="2332631835"/>
       </p:ext>
     </p:extLst>
   </p:cSld>
@@ -5545,6 +5510,215 @@
             <a:fld id="{16070E50-C463-4A5B-AC29-20274F3F33D2}" type="slidenum">
               <a:rPr lang="de-DE" smtClean="0"/>
               <a:t>52</a:t>
+            </a:fld>
+            <a:endParaRPr lang="de-DE"/>
+          </a:p>
+        </p:txBody>
+      </p:sp>
+    </p:spTree>
+    <p:extLst>
+      <p:ext uri="{BB962C8B-B14F-4D97-AF65-F5344CB8AC3E}">
+        <p14:creationId xmlns:p14="http://schemas.microsoft.com/office/powerpoint/2010/main" val="2158353836"/>
+      </p:ext>
+    </p:extLst>
+  </p:cSld>
+  <p:clrMapOvr>
+    <a:masterClrMapping/>
+  </p:clrMapOvr>
+</p:notes>
+</file>
+
+<file path=ppt/notesSlides/notesSlide53.xml><?xml version="1.0" encoding="utf-8"?>
+<p:notes xmlns:a="http://schemas.openxmlformats.org/drawingml/2006/main" xmlns:r="http://schemas.openxmlformats.org/officeDocument/2006/relationships" xmlns:p="http://schemas.openxmlformats.org/presentationml/2006/main">
+  <p:cSld>
+    <p:spTree>
+      <p:nvGrpSpPr>
+        <p:cNvPr id="1" name=""/>
+        <p:cNvGrpSpPr/>
+        <p:nvPr/>
+      </p:nvGrpSpPr>
+      <p:grpSpPr>
+        <a:xfrm>
+          <a:off x="0" y="0"/>
+          <a:ext cx="0" cy="0"/>
+          <a:chOff x="0" y="0"/>
+          <a:chExt cx="0" cy="0"/>
+        </a:xfrm>
+      </p:grpSpPr>
+      <p:sp>
+        <p:nvSpPr>
+          <p:cNvPr id="2" name="Folienbildplatzhalter 1"/>
+          <p:cNvSpPr>
+            <a:spLocks noGrp="1" noRot="1" noChangeAspect="1"/>
+          </p:cNvSpPr>
+          <p:nvPr>
+            <p:ph type="sldImg"/>
+          </p:nvPr>
+        </p:nvSpPr>
+        <p:spPr/>
+      </p:sp>
+      <p:sp>
+        <p:nvSpPr>
+          <p:cNvPr id="3" name="Notizenplatzhalter 2"/>
+          <p:cNvSpPr>
+            <a:spLocks noGrp="1"/>
+          </p:cNvSpPr>
+          <p:nvPr>
+            <p:ph type="body" idx="1"/>
+          </p:nvPr>
+        </p:nvSpPr>
+        <p:spPr/>
+        <p:txBody>
+          <a:bodyPr/>
+          <a:lstStyle/>
+          <a:p>
+            <a:r>
+              <a:rPr lang="de-DE" smtClean="0"/>
+              <a:t>Willkommen zum Java-Kurs</a:t>
+            </a:r>
+            <a:r>
+              <a:rPr lang="de-DE" baseline="0" smtClean="0"/>
+              <a:t> mit unserem humanoiden Roboter NAO</a:t>
+            </a:r>
+            <a:r>
+              <a:rPr lang="de-DE" baseline="0" dirty="0" smtClean="0"/>
+              <a:t>.</a:t>
+            </a:r>
+          </a:p>
+          <a:p>
+            <a:r>
+              <a:rPr lang="de-DE" baseline="0" smtClean="0"/>
+              <a:t>Wir lernen heute die ersten Schritte um mit der Programmiersprache „Java“ umzugehen</a:t>
+            </a:r>
+            <a:r>
+              <a:rPr lang="de-DE" baseline="0" dirty="0" smtClean="0"/>
+              <a:t>.</a:t>
+            </a:r>
+          </a:p>
+          <a:p>
+            <a:endParaRPr lang="de-DE" baseline="0" dirty="0" smtClean="0"/>
+          </a:p>
+          <a:p>
+            <a:r>
+              <a:rPr lang="de-DE" i="1" baseline="0" smtClean="0"/>
+              <a:t>Überleitung: </a:t>
+            </a:r>
+            <a:r>
+              <a:rPr lang="de-DE" baseline="0" smtClean="0"/>
+              <a:t>Java ist eine von sehr vielen Programmiersprachen, mit denen man einem Computer genau sagen kann was er machen soll</a:t>
+            </a:r>
+            <a:r>
+              <a:rPr lang="de-DE" baseline="0" dirty="0" smtClean="0"/>
+              <a:t>.</a:t>
+            </a:r>
+            <a:endParaRPr lang="de-DE" baseline="0" dirty="0"/>
+          </a:p>
+        </p:txBody>
+      </p:sp>
+      <p:sp>
+        <p:nvSpPr>
+          <p:cNvPr id="4" name="Foliennummernplatzhalter 3"/>
+          <p:cNvSpPr>
+            <a:spLocks noGrp="1"/>
+          </p:cNvSpPr>
+          <p:nvPr>
+            <p:ph type="sldNum" sz="quarter" idx="10"/>
+          </p:nvPr>
+        </p:nvSpPr>
+        <p:spPr/>
+        <p:txBody>
+          <a:bodyPr/>
+          <a:lstStyle/>
+          <a:p>
+            <a:fld id="{16070E50-C463-4A5B-AC29-20274F3F33D2}" type="slidenum">
+              <a:rPr lang="de-DE" smtClean="0"/>
+              <a:t>53</a:t>
+            </a:fld>
+            <a:endParaRPr lang="de-DE" dirty="0"/>
+          </a:p>
+        </p:txBody>
+      </p:sp>
+    </p:spTree>
+    <p:extLst>
+      <p:ext uri="{BB962C8B-B14F-4D97-AF65-F5344CB8AC3E}">
+        <p14:creationId xmlns:p14="http://schemas.microsoft.com/office/powerpoint/2010/main" val="1292877850"/>
+      </p:ext>
+    </p:extLst>
+  </p:cSld>
+  <p:clrMapOvr>
+    <a:masterClrMapping/>
+  </p:clrMapOvr>
+</p:notes>
+</file>
+
+<file path=ppt/notesSlides/notesSlide54.xml><?xml version="1.0" encoding="utf-8"?>
+<p:notes xmlns:a="http://schemas.openxmlformats.org/drawingml/2006/main" xmlns:r="http://schemas.openxmlformats.org/officeDocument/2006/relationships" xmlns:p="http://schemas.openxmlformats.org/presentationml/2006/main">
+  <p:cSld>
+    <p:spTree>
+      <p:nvGrpSpPr>
+        <p:cNvPr id="1" name=""/>
+        <p:cNvGrpSpPr/>
+        <p:nvPr/>
+      </p:nvGrpSpPr>
+      <p:grpSpPr>
+        <a:xfrm>
+          <a:off x="0" y="0"/>
+          <a:ext cx="0" cy="0"/>
+          <a:chOff x="0" y="0"/>
+          <a:chExt cx="0" cy="0"/>
+        </a:xfrm>
+      </p:grpSpPr>
+      <p:sp>
+        <p:nvSpPr>
+          <p:cNvPr id="2" name="Folienbildplatzhalter 1"/>
+          <p:cNvSpPr>
+            <a:spLocks noGrp="1" noRot="1" noChangeAspect="1"/>
+          </p:cNvSpPr>
+          <p:nvPr>
+            <p:ph type="sldImg"/>
+          </p:nvPr>
+        </p:nvSpPr>
+        <p:spPr/>
+      </p:sp>
+      <p:sp>
+        <p:nvSpPr>
+          <p:cNvPr id="3" name="Notizenplatzhalter 2"/>
+          <p:cNvSpPr>
+            <a:spLocks noGrp="1"/>
+          </p:cNvSpPr>
+          <p:nvPr>
+            <p:ph type="body" idx="1"/>
+          </p:nvPr>
+        </p:nvSpPr>
+        <p:spPr/>
+        <p:txBody>
+          <a:bodyPr/>
+          <a:lstStyle/>
+          <a:p>
+            <a:endParaRPr lang="de-DE" i="0" u="none" baseline="0" dirty="0" smtClean="0">
+              <a:sym typeface="Wingdings" panose="05000000000000000000" pitchFamily="2" charset="2"/>
+            </a:endParaRPr>
+          </a:p>
+        </p:txBody>
+      </p:sp>
+      <p:sp>
+        <p:nvSpPr>
+          <p:cNvPr id="4" name="Foliennummernplatzhalter 3"/>
+          <p:cNvSpPr>
+            <a:spLocks noGrp="1"/>
+          </p:cNvSpPr>
+          <p:nvPr>
+            <p:ph type="sldNum" sz="quarter" idx="10"/>
+          </p:nvPr>
+        </p:nvSpPr>
+        <p:spPr/>
+        <p:txBody>
+          <a:bodyPr/>
+          <a:lstStyle/>
+          <a:p>
+            <a:fld id="{16070E50-C463-4A5B-AC29-20274F3F33D2}" type="slidenum">
+              <a:rPr lang="de-DE" smtClean="0"/>
+              <a:t>54</a:t>
             </a:fld>
             <a:endParaRPr lang="de-DE"/>
           </a:p>
@@ -6295,7 +6469,7 @@
           <a:p>
             <a:fld id="{82DEAF87-53B6-4B16-83D2-2F0231427512}" type="datetimeFigureOut">
               <a:rPr lang="de-DE" smtClean="0"/>
-              <a:t>08.05.2017</a:t>
+              <a:t>12.05.2017</a:t>
             </a:fld>
             <a:endParaRPr lang="de-DE"/>
           </a:p>
@@ -6512,7 +6686,7 @@
           <a:p>
             <a:fld id="{82DEAF87-53B6-4B16-83D2-2F0231427512}" type="datetimeFigureOut">
               <a:rPr lang="de-DE" smtClean="0"/>
-              <a:t>08.05.2017</a:t>
+              <a:t>12.05.2017</a:t>
             </a:fld>
             <a:endParaRPr lang="de-DE"/>
           </a:p>
@@ -6722,7 +6896,7 @@
           <a:p>
             <a:fld id="{82DEAF87-53B6-4B16-83D2-2F0231427512}" type="datetimeFigureOut">
               <a:rPr lang="de-DE" smtClean="0"/>
-              <a:t>08.05.2017</a:t>
+              <a:t>12.05.2017</a:t>
             </a:fld>
             <a:endParaRPr lang="de-DE"/>
           </a:p>
@@ -6998,7 +7172,7 @@
           <a:p>
             <a:fld id="{82DEAF87-53B6-4B16-83D2-2F0231427512}" type="datetimeFigureOut">
               <a:rPr lang="de-DE" smtClean="0"/>
-              <a:t>08.05.2017</a:t>
+              <a:t>12.05.2017</a:t>
             </a:fld>
             <a:endParaRPr lang="de-DE"/>
           </a:p>
@@ -7281,7 +7455,7 @@
           <a:p>
             <a:fld id="{82DEAF87-53B6-4B16-83D2-2F0231427512}" type="datetimeFigureOut">
               <a:rPr lang="de-DE" smtClean="0"/>
-              <a:t>08.05.2017</a:t>
+              <a:t>12.05.2017</a:t>
             </a:fld>
             <a:endParaRPr lang="de-DE"/>
           </a:p>
@@ -7607,7 +7781,7 @@
           <a:p>
             <a:fld id="{82DEAF87-53B6-4B16-83D2-2F0231427512}" type="datetimeFigureOut">
               <a:rPr lang="de-DE" smtClean="0"/>
-              <a:t>08.05.2017</a:t>
+              <a:t>12.05.2017</a:t>
             </a:fld>
             <a:endParaRPr lang="de-DE"/>
           </a:p>
@@ -8073,7 +8247,7 @@
           <a:p>
             <a:fld id="{82DEAF87-53B6-4B16-83D2-2F0231427512}" type="datetimeFigureOut">
               <a:rPr lang="de-DE" smtClean="0"/>
-              <a:t>08.05.2017</a:t>
+              <a:t>12.05.2017</a:t>
             </a:fld>
             <a:endParaRPr lang="de-DE"/>
           </a:p>
@@ -8223,7 +8397,7 @@
           <a:p>
             <a:fld id="{82DEAF87-53B6-4B16-83D2-2F0231427512}" type="datetimeFigureOut">
               <a:rPr lang="de-DE" smtClean="0"/>
-              <a:t>08.05.2017</a:t>
+              <a:t>12.05.2017</a:t>
             </a:fld>
             <a:endParaRPr lang="de-DE"/>
           </a:p>
@@ -8342,7 +8516,7 @@
           <a:p>
             <a:fld id="{82DEAF87-53B6-4B16-83D2-2F0231427512}" type="datetimeFigureOut">
               <a:rPr lang="de-DE" smtClean="0"/>
-              <a:t>08.05.2017</a:t>
+              <a:t>12.05.2017</a:t>
             </a:fld>
             <a:endParaRPr lang="de-DE"/>
           </a:p>
@@ -8652,7 +8826,7 @@
           <a:p>
             <a:fld id="{82DEAF87-53B6-4B16-83D2-2F0231427512}" type="datetimeFigureOut">
               <a:rPr lang="de-DE" smtClean="0"/>
-              <a:t>08.05.2017</a:t>
+              <a:t>12.05.2017</a:t>
             </a:fld>
             <a:endParaRPr lang="de-DE"/>
           </a:p>
@@ -8938,7 +9112,7 @@
           <a:p>
             <a:fld id="{82DEAF87-53B6-4B16-83D2-2F0231427512}" type="datetimeFigureOut">
               <a:rPr lang="de-DE" smtClean="0"/>
-              <a:t>08.05.2017</a:t>
+              <a:t>12.05.2017</a:t>
             </a:fld>
             <a:endParaRPr lang="de-DE"/>
           </a:p>
@@ -17710,15 +17884,7 @@
             </a:r>
             <a:r>
               <a:rPr lang="de-DE" sz="2000" dirty="0" smtClean="0"/>
-              <a:t> dem </a:t>
-            </a:r>
-            <a:r>
-              <a:rPr lang="de-DE" sz="2000" dirty="0" smtClean="0"/>
-              <a:t>Ausführen </a:t>
-            </a:r>
-            <a:r>
-              <a:rPr lang="de-DE" sz="2000" dirty="0" smtClean="0"/>
-              <a:t>getestet</a:t>
+              <a:t> dem Ausführen getestet</a:t>
             </a:r>
           </a:p>
           <a:p>
@@ -23020,8 +23186,8 @@
         </p:blipFill>
         <p:spPr>
           <a:xfrm>
-            <a:off x="4964623" y="3973622"/>
-            <a:ext cx="2705478" cy="466790"/>
+            <a:off x="4964623" y="3974441"/>
+            <a:ext cx="2705478" cy="465152"/>
           </a:xfrm>
           <a:prstGeom prst="rect">
             <a:avLst/>
@@ -23050,8 +23216,8 @@
         </p:blipFill>
         <p:spPr>
           <a:xfrm>
-            <a:off x="933539" y="3573516"/>
-            <a:ext cx="3277057" cy="1267002"/>
+            <a:off x="933539" y="3575352"/>
+            <a:ext cx="3277057" cy="1263329"/>
           </a:xfrm>
           <a:prstGeom prst="rect">
             <a:avLst/>
@@ -23488,22 +23654,14 @@
           <a:p>
             <a:r>
               <a:rPr lang="de-DE" sz="2000" dirty="0" smtClean="0"/>
-              <a:t>Vergleich von </a:t>
-            </a:r>
-            <a:r>
-              <a:rPr lang="de-DE" sz="2000" dirty="0" smtClean="0"/>
-              <a:t>Deklarationen und Initialisierungen:</a:t>
+              <a:t>Vergleich von Deklarationen und Initialisierungen:</a:t>
             </a:r>
             <a:br>
               <a:rPr lang="de-DE" sz="2000" dirty="0" smtClean="0"/>
             </a:br>
             <a:r>
               <a:rPr lang="de-DE" sz="2000" dirty="0" smtClean="0"/>
-              <a:t>	Variablen VS </a:t>
-            </a:r>
-            <a:r>
-              <a:rPr lang="de-DE" sz="2000" dirty="0" smtClean="0"/>
-              <a:t>Objekte</a:t>
+              <a:t>	Variablen VS Objekte</a:t>
             </a:r>
             <a:endParaRPr lang="de-DE" sz="2000" dirty="0"/>
           </a:p>
@@ -23531,8 +23689,8 @@
         </p:blipFill>
         <p:spPr>
           <a:xfrm>
-            <a:off x="1115616" y="2788016"/>
-            <a:ext cx="2734057" cy="933580"/>
+            <a:off x="1156960" y="2788016"/>
+            <a:ext cx="2705478" cy="952633"/>
           </a:xfrm>
           <a:prstGeom prst="rect">
             <a:avLst/>
@@ -23651,11 +23809,7 @@
             </a:r>
             <a:r>
               <a:rPr lang="de-DE" sz="2000" dirty="0" smtClean="0"/>
-              <a:t> sind die Eigenschaften die jedes Objekt der Klasse </a:t>
-            </a:r>
-            <a:r>
-              <a:rPr lang="de-DE" sz="2000" dirty="0" smtClean="0"/>
-              <a:t>hat</a:t>
+              <a:t> sind die Eigenschaften die jedes Objekt der Klasse hat</a:t>
             </a:r>
             <a:br>
               <a:rPr lang="de-DE" sz="2000" dirty="0" smtClean="0"/>
@@ -23664,7 +23818,6 @@
               <a:rPr lang="de-DE" sz="2000" dirty="0" smtClean="0"/>
               <a:t> (Variablen und Objekte die in der ganzen Klasse verfügbar sind)</a:t>
             </a:r>
-            <a:endParaRPr lang="de-DE" sz="2000" dirty="0" smtClean="0"/>
           </a:p>
           <a:p>
             <a:endParaRPr lang="de-DE" sz="2000" u="sng" dirty="0" smtClean="0"/>
@@ -23676,11 +23829,7 @@
             </a:r>
             <a:r>
               <a:rPr lang="de-DE" sz="2000" dirty="0" smtClean="0"/>
-              <a:t> sind die Aktionen die jedes Objekt ausführen </a:t>
-            </a:r>
-            <a:r>
-              <a:rPr lang="de-DE" sz="2000" dirty="0" smtClean="0"/>
-              <a:t>kann</a:t>
+              <a:t> sind die Aktionen die jedes Objekt ausführen kann</a:t>
             </a:r>
             <a:br>
               <a:rPr lang="de-DE" sz="2000" dirty="0" smtClean="0"/>
@@ -23715,8 +23864,8 @@
         </p:blipFill>
         <p:spPr>
           <a:xfrm>
-            <a:off x="2789455" y="3217540"/>
-            <a:ext cx="3277057" cy="1267002"/>
+            <a:off x="2813279" y="3487801"/>
+            <a:ext cx="3296110" cy="1267002"/>
           </a:xfrm>
           <a:prstGeom prst="rect">
             <a:avLst/>
@@ -23745,8 +23894,8 @@
         </p:blipFill>
         <p:spPr>
           <a:xfrm>
-            <a:off x="2789455" y="3217540"/>
-            <a:ext cx="3277057" cy="1267002"/>
+            <a:off x="2808901" y="3487801"/>
+            <a:ext cx="3296110" cy="1267002"/>
           </a:xfrm>
           <a:prstGeom prst="rect">
             <a:avLst/>
@@ -23978,8 +24127,8 @@
         </p:blipFill>
         <p:spPr>
           <a:xfrm>
-            <a:off x="5471407" y="877280"/>
-            <a:ext cx="3277057" cy="1267002"/>
+            <a:off x="5471406" y="880942"/>
+            <a:ext cx="3295650" cy="1266825"/>
           </a:xfrm>
           <a:prstGeom prst="rect">
             <a:avLst/>
@@ -24008,8 +24157,8 @@
         </p:blipFill>
         <p:spPr>
           <a:xfrm>
-            <a:off x="2465560" y="2355159"/>
-            <a:ext cx="3924848" cy="943107"/>
+            <a:off x="2960928" y="2417328"/>
+            <a:ext cx="2934109" cy="800212"/>
           </a:xfrm>
           <a:prstGeom prst="rect">
             <a:avLst/>
@@ -24038,8 +24187,8 @@
         </p:blipFill>
         <p:spPr>
           <a:xfrm>
-            <a:off x="2822797" y="4137146"/>
-            <a:ext cx="3210373" cy="781159"/>
+            <a:off x="2822797" y="4178139"/>
+            <a:ext cx="3210373" cy="645873"/>
           </a:xfrm>
           <a:prstGeom prst="rect">
             <a:avLst/>
@@ -24312,12 +24461,89 @@
             </a:r>
             <a:r>
               <a:rPr lang="de-DE" sz="2000" dirty="0" smtClean="0"/>
-              <a:t> können ein oder mehrere Parameter in Klammern erhalten</a:t>
-            </a:r>
-            <a:endParaRPr lang="de-DE" sz="2000" u="sng" dirty="0" smtClean="0"/>
+              <a:t> können ein oder mehrere </a:t>
+            </a:r>
+            <a:r>
+              <a:rPr lang="de-DE" sz="2000" u="sng" dirty="0" smtClean="0"/>
+              <a:t>Parameter</a:t>
+            </a:r>
+            <a:r>
+              <a:rPr lang="de-DE" sz="2000" dirty="0" smtClean="0"/>
+              <a:t> in Klammern erhalten</a:t>
+            </a:r>
+            <a:endParaRPr lang="de-DE" sz="1600" u="sng" dirty="0" smtClean="0"/>
+          </a:p>
+          <a:p>
+            <a:endParaRPr lang="de-DE" sz="1600" u="sng" dirty="0"/>
+          </a:p>
+          <a:p>
+            <a:r>
+              <a:rPr lang="de-DE" sz="2000" dirty="0" smtClean="0"/>
+              <a:t>Parameter müssen bei Aufruf der Methode mit Werten gefüllt werden</a:t>
+            </a:r>
           </a:p>
         </p:txBody>
       </p:sp>
+      <p:pic>
+        <p:nvPicPr>
+          <p:cNvPr id="4" name="Grafik 3"/>
+          <p:cNvPicPr>
+            <a:picLocks noChangeAspect="1"/>
+          </p:cNvPicPr>
+          <p:nvPr/>
+        </p:nvPicPr>
+        <p:blipFill>
+          <a:blip r:embed="rId3">
+            <a:extLst>
+              <a:ext uri="{28A0092B-C50C-407E-A947-70E740481C1C}">
+                <a14:useLocalDpi xmlns:a14="http://schemas.microsoft.com/office/drawing/2010/main" val="0"/>
+              </a:ext>
+            </a:extLst>
+          </a:blip>
+          <a:stretch>
+            <a:fillRect/>
+          </a:stretch>
+        </p:blipFill>
+        <p:spPr>
+          <a:xfrm>
+            <a:off x="611560" y="2606042"/>
+            <a:ext cx="3419952" cy="1914792"/>
+          </a:xfrm>
+          <a:prstGeom prst="rect">
+            <a:avLst/>
+          </a:prstGeom>
+        </p:spPr>
+      </p:pic>
+      <p:pic>
+        <p:nvPicPr>
+          <p:cNvPr id="5" name="Grafik 4"/>
+          <p:cNvPicPr>
+            <a:picLocks noChangeAspect="1"/>
+          </p:cNvPicPr>
+          <p:nvPr/>
+        </p:nvPicPr>
+        <p:blipFill>
+          <a:blip r:embed="rId4">
+            <a:extLst>
+              <a:ext uri="{28A0092B-C50C-407E-A947-70E740481C1C}">
+                <a14:useLocalDpi xmlns:a14="http://schemas.microsoft.com/office/drawing/2010/main" val="0"/>
+              </a:ext>
+            </a:extLst>
+          </a:blip>
+          <a:stretch>
+            <a:fillRect/>
+          </a:stretch>
+        </p:blipFill>
+        <p:spPr>
+          <a:xfrm>
+            <a:off x="4444508" y="2605472"/>
+            <a:ext cx="3372321" cy="828791"/>
+          </a:xfrm>
+          <a:prstGeom prst="rect">
+            <a:avLst/>
+          </a:prstGeom>
+        </p:spPr>
+      </p:pic>
     </p:spTree>
     <p:extLst>
       <p:ext uri="{BB962C8B-B14F-4D97-AF65-F5344CB8AC3E}">
@@ -24343,7 +24569,126 @@
   <p:timing>
     <p:tnLst>
       <p:par>
-        <p:cTn id="1" dur="indefinite" restart="never" nodeType="tmRoot"/>
+        <p:cTn id="1" dur="indefinite" restart="never" nodeType="tmRoot">
+          <p:childTnLst>
+            <p:seq concurrent="1" nextAc="seek">
+              <p:cTn id="2" dur="indefinite" nodeType="mainSeq">
+                <p:childTnLst>
+                  <p:par>
+                    <p:cTn id="3" fill="hold">
+                      <p:stCondLst>
+                        <p:cond delay="indefinite"/>
+                      </p:stCondLst>
+                      <p:childTnLst>
+                        <p:par>
+                          <p:cTn id="4" fill="hold">
+                            <p:stCondLst>
+                              <p:cond delay="0"/>
+                            </p:stCondLst>
+                            <p:childTnLst>
+                              <p:par>
+                                <p:cTn id="5" presetID="10" presetClass="entr" presetSubtype="0" fill="hold" nodeType="clickEffect">
+                                  <p:stCondLst>
+                                    <p:cond delay="0"/>
+                                  </p:stCondLst>
+                                  <p:childTnLst>
+                                    <p:set>
+                                      <p:cBhvr>
+                                        <p:cTn id="6" dur="1" fill="hold">
+                                          <p:stCondLst>
+                                            <p:cond delay="0"/>
+                                          </p:stCondLst>
+                                        </p:cTn>
+                                        <p:tgtEl>
+                                          <p:spTgt spid="3">
+                                            <p:txEl>
+                                              <p:pRg st="2" end="2"/>
+                                            </p:txEl>
+                                          </p:spTgt>
+                                        </p:tgtEl>
+                                        <p:attrNameLst>
+                                          <p:attrName>style.visibility</p:attrName>
+                                        </p:attrNameLst>
+                                      </p:cBhvr>
+                                      <p:to>
+                                        <p:strVal val="visible"/>
+                                      </p:to>
+                                    </p:set>
+                                    <p:animEffect transition="in" filter="fade">
+                                      <p:cBhvr>
+                                        <p:cTn id="7" dur="500"/>
+                                        <p:tgtEl>
+                                          <p:spTgt spid="3">
+                                            <p:txEl>
+                                              <p:pRg st="2" end="2"/>
+                                            </p:txEl>
+                                          </p:spTgt>
+                                        </p:tgtEl>
+                                      </p:cBhvr>
+                                    </p:animEffect>
+                                  </p:childTnLst>
+                                </p:cTn>
+                              </p:par>
+                              <p:par>
+                                <p:cTn id="8" presetID="10" presetClass="entr" presetSubtype="0" fill="hold" nodeType="withEffect">
+                                  <p:stCondLst>
+                                    <p:cond delay="0"/>
+                                  </p:stCondLst>
+                                  <p:childTnLst>
+                                    <p:set>
+                                      <p:cBhvr>
+                                        <p:cTn id="9" dur="1" fill="hold">
+                                          <p:stCondLst>
+                                            <p:cond delay="0"/>
+                                          </p:stCondLst>
+                                        </p:cTn>
+                                        <p:tgtEl>
+                                          <p:spTgt spid="5"/>
+                                        </p:tgtEl>
+                                        <p:attrNameLst>
+                                          <p:attrName>style.visibility</p:attrName>
+                                        </p:attrNameLst>
+                                      </p:cBhvr>
+                                      <p:to>
+                                        <p:strVal val="visible"/>
+                                      </p:to>
+                                    </p:set>
+                                    <p:animEffect transition="in" filter="fade">
+                                      <p:cBhvr>
+                                        <p:cTn id="10" dur="500"/>
+                                        <p:tgtEl>
+                                          <p:spTgt spid="5"/>
+                                        </p:tgtEl>
+                                      </p:cBhvr>
+                                    </p:animEffect>
+                                  </p:childTnLst>
+                                </p:cTn>
+                              </p:par>
+                            </p:childTnLst>
+                          </p:cTn>
+                        </p:par>
+                      </p:childTnLst>
+                    </p:cTn>
+                  </p:par>
+                </p:childTnLst>
+              </p:cTn>
+              <p:prevCondLst>
+                <p:cond evt="onPrev" delay="0">
+                  <p:tgtEl>
+                    <p:sldTgt/>
+                  </p:tgtEl>
+                </p:cond>
+              </p:prevCondLst>
+              <p:nextCondLst>
+                <p:cond evt="onNext" delay="0">
+                  <p:tgtEl>
+                    <p:sldTgt/>
+                  </p:tgtEl>
+                </p:cond>
+              </p:nextCondLst>
+            </p:seq>
+          </p:childTnLst>
+        </p:cTn>
       </p:par>
     </p:tnLst>
   </p:timing>
@@ -24351,6 +24696,957 @@
 </file>
 
 <file path=ppt/slides/slide37.xml><?xml version="1.0" encoding="utf-8"?>
+<p:sld xmlns:a="http://schemas.openxmlformats.org/drawingml/2006/main" xmlns:r="http://schemas.openxmlformats.org/officeDocument/2006/relationships" xmlns:p="http://schemas.openxmlformats.org/presentationml/2006/main">
+  <p:cSld>
+    <p:spTree>
+      <p:nvGrpSpPr>
+        <p:cNvPr id="1" name=""/>
+        <p:cNvGrpSpPr/>
+        <p:nvPr/>
+      </p:nvGrpSpPr>
+      <p:grpSpPr>
+        <a:xfrm>
+          <a:off x="0" y="0"/>
+          <a:ext cx="0" cy="0"/>
+          <a:chOff x="0" y="0"/>
+          <a:chExt cx="0" cy="0"/>
+        </a:xfrm>
+      </p:grpSpPr>
+      <p:sp>
+        <p:nvSpPr>
+          <p:cNvPr id="2" name="Titel 1"/>
+          <p:cNvSpPr>
+            <a:spLocks noGrp="1"/>
+          </p:cNvSpPr>
+          <p:nvPr>
+            <p:ph type="title"/>
+          </p:nvPr>
+        </p:nvSpPr>
+        <p:spPr/>
+        <p:txBody>
+          <a:bodyPr/>
+          <a:lstStyle/>
+          <a:p>
+            <a:r>
+              <a:rPr lang="de-DE" dirty="0" smtClean="0">
+                <a:solidFill>
+                  <a:srgbClr val="831420"/>
+                </a:solidFill>
+              </a:rPr>
+              <a:t>OO: Attribute und Methoden</a:t>
+            </a:r>
+            <a:endParaRPr lang="de-DE" dirty="0">
+              <a:solidFill>
+                <a:srgbClr val="831420"/>
+              </a:solidFill>
+            </a:endParaRPr>
+          </a:p>
+        </p:txBody>
+      </p:sp>
+      <p:sp>
+        <p:nvSpPr>
+          <p:cNvPr id="3" name="Inhaltsplatzhalter 2"/>
+          <p:cNvSpPr>
+            <a:spLocks noGrp="1"/>
+          </p:cNvSpPr>
+          <p:nvPr>
+            <p:ph idx="4294967295"/>
+          </p:nvPr>
+        </p:nvSpPr>
+        <p:spPr>
+          <a:xfrm>
+            <a:off x="179512" y="877280"/>
+            <a:ext cx="8496944" cy="4176464"/>
+          </a:xfrm>
+          <a:prstGeom prst="rect">
+            <a:avLst/>
+          </a:prstGeom>
+        </p:spPr>
+        <p:txBody>
+          <a:bodyPr anchor="t"/>
+          <a:lstStyle/>
+          <a:p>
+            <a:r>
+              <a:rPr lang="de-DE" sz="2000" dirty="0" smtClean="0"/>
+              <a:t> </a:t>
+            </a:r>
+            <a:r>
+              <a:rPr lang="de-DE" sz="2000" u="sng" dirty="0" smtClean="0"/>
+              <a:t>Methoden</a:t>
+            </a:r>
+            <a:r>
+              <a:rPr lang="de-DE" sz="2000" dirty="0" smtClean="0"/>
+              <a:t> </a:t>
+            </a:r>
+            <a:r>
+              <a:rPr lang="de-DE" sz="2000" dirty="0" smtClean="0"/>
+              <a:t>haben zudem einen </a:t>
+            </a:r>
+            <a:r>
+              <a:rPr lang="de-DE" sz="2000" u="sng" dirty="0" smtClean="0"/>
+              <a:t>Rückgabetyp</a:t>
+            </a:r>
+            <a:r>
+              <a:rPr lang="de-DE" sz="2000" dirty="0" smtClean="0"/>
+              <a:t>,</a:t>
+            </a:r>
+            <a:br>
+              <a:rPr lang="de-DE" sz="2000" dirty="0" smtClean="0"/>
+            </a:br>
+            <a:r>
+              <a:rPr lang="de-DE" sz="2000" dirty="0" smtClean="0"/>
+              <a:t> der Datentyp, des Werts den die Methode zurückgibt</a:t>
+            </a:r>
+            <a:endParaRPr lang="de-DE" sz="1600" dirty="0" smtClean="0"/>
+          </a:p>
+          <a:p>
+            <a:endParaRPr lang="de-DE" sz="1600" u="sng" dirty="0"/>
+          </a:p>
+          <a:p>
+            <a:r>
+              <a:rPr lang="de-DE" sz="2000" dirty="0" smtClean="0"/>
+              <a:t> </a:t>
+            </a:r>
+            <a:r>
+              <a:rPr lang="de-DE" sz="2000" dirty="0" err="1" smtClean="0">
+                <a:solidFill>
+                  <a:schemeClr val="tx2"/>
+                </a:solidFill>
+              </a:rPr>
+              <a:t>void</a:t>
+            </a:r>
+            <a:r>
+              <a:rPr lang="de-DE" sz="2000" dirty="0" smtClean="0"/>
+              <a:t> </a:t>
+            </a:r>
+            <a:r>
+              <a:rPr lang="de-DE" sz="2000" dirty="0"/>
+              <a:t>bedeutet, dass die Methode keinen Wert zurückgibt</a:t>
+            </a:r>
+          </a:p>
+          <a:p>
+            <a:endParaRPr lang="de-DE" sz="2000" dirty="0"/>
+          </a:p>
+          <a:p>
+            <a:r>
+              <a:rPr lang="de-DE" sz="2000" dirty="0" smtClean="0"/>
+              <a:t> </a:t>
+            </a:r>
+            <a:r>
+              <a:rPr lang="de-DE" sz="2000" dirty="0" err="1" smtClean="0">
+                <a:solidFill>
+                  <a:schemeClr val="tx2"/>
+                </a:solidFill>
+              </a:rPr>
+              <a:t>return</a:t>
+            </a:r>
+            <a:r>
+              <a:rPr lang="de-DE" sz="2000" dirty="0" smtClean="0"/>
+              <a:t> </a:t>
+            </a:r>
+            <a:r>
+              <a:rPr lang="de-DE" sz="2000" dirty="0"/>
+              <a:t>wird benutzt um den </a:t>
+            </a:r>
+            <a:r>
+              <a:rPr lang="de-DE" sz="2000" dirty="0" smtClean="0"/>
+              <a:t>Wert der Methode zurückzugeben</a:t>
+            </a:r>
+            <a:endParaRPr lang="de-DE" sz="2000" dirty="0"/>
+          </a:p>
+        </p:txBody>
+      </p:sp>
+      <p:pic>
+        <p:nvPicPr>
+          <p:cNvPr id="4" name="Grafik 3"/>
+          <p:cNvPicPr>
+            <a:picLocks noChangeAspect="1"/>
+          </p:cNvPicPr>
+          <p:nvPr/>
+        </p:nvPicPr>
+        <p:blipFill>
+          <a:blip r:embed="rId3">
+            <a:extLst>
+              <a:ext uri="{28A0092B-C50C-407E-A947-70E740481C1C}">
+                <a14:useLocalDpi xmlns:a14="http://schemas.microsoft.com/office/drawing/2010/main" val="0"/>
+              </a:ext>
+            </a:extLst>
+          </a:blip>
+          <a:stretch>
+            <a:fillRect/>
+          </a:stretch>
+        </p:blipFill>
+        <p:spPr>
+          <a:xfrm>
+            <a:off x="611560" y="3201293"/>
+            <a:ext cx="3419952" cy="1600423"/>
+          </a:xfrm>
+          <a:prstGeom prst="rect">
+            <a:avLst/>
+          </a:prstGeom>
+        </p:spPr>
+      </p:pic>
+    </p:spTree>
+    <p:extLst>
+      <p:ext uri="{BB962C8B-B14F-4D97-AF65-F5344CB8AC3E}">
+        <p14:creationId xmlns:p14="http://schemas.microsoft.com/office/powerpoint/2010/main" val="3104929931"/>
+      </p:ext>
+    </p:extLst>
+  </p:cSld>
+  <p:clrMapOvr>
+    <a:masterClrMapping/>
+  </p:clrMapOvr>
+  <mc:AlternateContent xmlns:mc="http://schemas.openxmlformats.org/markup-compatibility/2006" xmlns:p14="http://schemas.microsoft.com/office/powerpoint/2010/main">
+    <mc:Choice Requires="p14">
+      <p:transition spd="slow" p14:dur="800">
+        <p14:flythrough/>
+      </p:transition>
+    </mc:Choice>
+    <mc:Fallback xmlns="">
+      <p:transition spd="slow">
+        <p:fade/>
+      </p:transition>
+    </mc:Fallback>
+  </mc:AlternateContent>
+  <p:timing>
+    <p:tnLst>
+      <p:par>
+        <p:cTn id="1" dur="indefinite" restart="never" nodeType="tmRoot">
+          <p:childTnLst>
+            <p:seq concurrent="1" nextAc="seek">
+              <p:cTn id="2" dur="indefinite" nodeType="mainSeq">
+                <p:childTnLst>
+                  <p:par>
+                    <p:cTn id="3" fill="hold">
+                      <p:stCondLst>
+                        <p:cond delay="indefinite"/>
+                      </p:stCondLst>
+                      <p:childTnLst>
+                        <p:par>
+                          <p:cTn id="4" fill="hold">
+                            <p:stCondLst>
+                              <p:cond delay="0"/>
+                            </p:stCondLst>
+                            <p:childTnLst>
+                              <p:par>
+                                <p:cTn id="5" presetID="10" presetClass="entr" presetSubtype="0" fill="hold" nodeType="clickEffect">
+                                  <p:stCondLst>
+                                    <p:cond delay="0"/>
+                                  </p:stCondLst>
+                                  <p:childTnLst>
+                                    <p:set>
+                                      <p:cBhvr>
+                                        <p:cTn id="6" dur="1" fill="hold">
+                                          <p:stCondLst>
+                                            <p:cond delay="0"/>
+                                          </p:stCondLst>
+                                        </p:cTn>
+                                        <p:tgtEl>
+                                          <p:spTgt spid="3">
+                                            <p:txEl>
+                                              <p:pRg st="2" end="2"/>
+                                            </p:txEl>
+                                          </p:spTgt>
+                                        </p:tgtEl>
+                                        <p:attrNameLst>
+                                          <p:attrName>style.visibility</p:attrName>
+                                        </p:attrNameLst>
+                                      </p:cBhvr>
+                                      <p:to>
+                                        <p:strVal val="visible"/>
+                                      </p:to>
+                                    </p:set>
+                                    <p:animEffect transition="in" filter="fade">
+                                      <p:cBhvr>
+                                        <p:cTn id="7" dur="500"/>
+                                        <p:tgtEl>
+                                          <p:spTgt spid="3">
+                                            <p:txEl>
+                                              <p:pRg st="2" end="2"/>
+                                            </p:txEl>
+                                          </p:spTgt>
+                                        </p:tgtEl>
+                                      </p:cBhvr>
+                                    </p:animEffect>
+                                  </p:childTnLst>
+                                </p:cTn>
+                              </p:par>
+                            </p:childTnLst>
+                          </p:cTn>
+                        </p:par>
+                      </p:childTnLst>
+                    </p:cTn>
+                  </p:par>
+                  <p:par>
+                    <p:cTn id="8" fill="hold">
+                      <p:stCondLst>
+                        <p:cond delay="indefinite"/>
+                      </p:stCondLst>
+                      <p:childTnLst>
+                        <p:par>
+                          <p:cTn id="9" fill="hold">
+                            <p:stCondLst>
+                              <p:cond delay="0"/>
+                            </p:stCondLst>
+                            <p:childTnLst>
+                              <p:par>
+                                <p:cTn id="10" presetID="10" presetClass="entr" presetSubtype="0" fill="hold" nodeType="clickEffect">
+                                  <p:stCondLst>
+                                    <p:cond delay="0"/>
+                                  </p:stCondLst>
+                                  <p:childTnLst>
+                                    <p:set>
+                                      <p:cBhvr>
+                                        <p:cTn id="11" dur="1" fill="hold">
+                                          <p:stCondLst>
+                                            <p:cond delay="0"/>
+                                          </p:stCondLst>
+                                        </p:cTn>
+                                        <p:tgtEl>
+                                          <p:spTgt spid="3">
+                                            <p:txEl>
+                                              <p:pRg st="4" end="4"/>
+                                            </p:txEl>
+                                          </p:spTgt>
+                                        </p:tgtEl>
+                                        <p:attrNameLst>
+                                          <p:attrName>style.visibility</p:attrName>
+                                        </p:attrNameLst>
+                                      </p:cBhvr>
+                                      <p:to>
+                                        <p:strVal val="visible"/>
+                                      </p:to>
+                                    </p:set>
+                                    <p:animEffect transition="in" filter="fade">
+                                      <p:cBhvr>
+                                        <p:cTn id="12" dur="500"/>
+                                        <p:tgtEl>
+                                          <p:spTgt spid="3">
+                                            <p:txEl>
+                                              <p:pRg st="4" end="4"/>
+                                            </p:txEl>
+                                          </p:spTgt>
+                                        </p:tgtEl>
+                                      </p:cBhvr>
+                                    </p:animEffect>
+                                  </p:childTnLst>
+                                </p:cTn>
+                              </p:par>
+                            </p:childTnLst>
+                          </p:cTn>
+                        </p:par>
+                      </p:childTnLst>
+                    </p:cTn>
+                  </p:par>
+                </p:childTnLst>
+              </p:cTn>
+              <p:prevCondLst>
+                <p:cond evt="onPrev" delay="0">
+                  <p:tgtEl>
+                    <p:sldTgt/>
+                  </p:tgtEl>
+                </p:cond>
+              </p:prevCondLst>
+              <p:nextCondLst>
+                <p:cond evt="onNext" delay="0">
+                  <p:tgtEl>
+                    <p:sldTgt/>
+                  </p:tgtEl>
+                </p:cond>
+              </p:nextCondLst>
+            </p:seq>
+          </p:childTnLst>
+        </p:cTn>
+      </p:par>
+    </p:tnLst>
+  </p:timing>
+</p:sld>
+</file>
+
+<file path=ppt/slides/slide38.xml><?xml version="1.0" encoding="utf-8"?>
+<p:sld xmlns:a="http://schemas.openxmlformats.org/drawingml/2006/main" xmlns:r="http://schemas.openxmlformats.org/officeDocument/2006/relationships" xmlns:p="http://schemas.openxmlformats.org/presentationml/2006/main">
+  <p:cSld>
+    <p:spTree>
+      <p:nvGrpSpPr>
+        <p:cNvPr id="1" name=""/>
+        <p:cNvGrpSpPr/>
+        <p:nvPr/>
+      </p:nvGrpSpPr>
+      <p:grpSpPr>
+        <a:xfrm>
+          <a:off x="0" y="0"/>
+          <a:ext cx="0" cy="0"/>
+          <a:chOff x="0" y="0"/>
+          <a:chExt cx="0" cy="0"/>
+        </a:xfrm>
+      </p:grpSpPr>
+      <p:sp>
+        <p:nvSpPr>
+          <p:cNvPr id="2" name="Titel 1"/>
+          <p:cNvSpPr>
+            <a:spLocks noGrp="1"/>
+          </p:cNvSpPr>
+          <p:nvPr>
+            <p:ph type="title"/>
+          </p:nvPr>
+        </p:nvSpPr>
+        <p:spPr/>
+        <p:txBody>
+          <a:bodyPr/>
+          <a:lstStyle/>
+          <a:p>
+            <a:r>
+              <a:rPr lang="de-DE" dirty="0" smtClean="0">
+                <a:solidFill>
+                  <a:srgbClr val="831420"/>
+                </a:solidFill>
+              </a:rPr>
+              <a:t>OO: Attribute und Methoden</a:t>
+            </a:r>
+            <a:endParaRPr lang="de-DE" dirty="0">
+              <a:solidFill>
+                <a:srgbClr val="831420"/>
+              </a:solidFill>
+            </a:endParaRPr>
+          </a:p>
+        </p:txBody>
+      </p:sp>
+      <p:sp>
+        <p:nvSpPr>
+          <p:cNvPr id="3" name="Inhaltsplatzhalter 2"/>
+          <p:cNvSpPr>
+            <a:spLocks noGrp="1"/>
+          </p:cNvSpPr>
+          <p:nvPr>
+            <p:ph idx="4294967295"/>
+          </p:nvPr>
+        </p:nvSpPr>
+        <p:spPr>
+          <a:xfrm>
+            <a:off x="179512" y="877280"/>
+            <a:ext cx="8496944" cy="4176464"/>
+          </a:xfrm>
+          <a:prstGeom prst="rect">
+            <a:avLst/>
+          </a:prstGeom>
+        </p:spPr>
+        <p:txBody>
+          <a:bodyPr anchor="t"/>
+          <a:lstStyle/>
+          <a:p>
+            <a:r>
+              <a:rPr lang="de-DE" sz="2000" dirty="0"/>
+              <a:t> </a:t>
+            </a:r>
+            <a:r>
+              <a:rPr lang="de-DE" sz="2000" u="sng" dirty="0"/>
+              <a:t>Methoden</a:t>
+            </a:r>
+            <a:r>
+              <a:rPr lang="de-DE" sz="2000" dirty="0"/>
+              <a:t> haben zudem einen </a:t>
+            </a:r>
+            <a:r>
+              <a:rPr lang="de-DE" sz="2000" u="sng" dirty="0"/>
+              <a:t>Rückgabetyp</a:t>
+            </a:r>
+            <a:r>
+              <a:rPr lang="de-DE" sz="2000" dirty="0"/>
+              <a:t>,</a:t>
+            </a:r>
+            <a:br>
+              <a:rPr lang="de-DE" sz="2000" dirty="0"/>
+            </a:br>
+            <a:r>
+              <a:rPr lang="de-DE" sz="2000" dirty="0"/>
+              <a:t> der Datentyp, des Werts den die Methode zurückgibt</a:t>
+            </a:r>
+            <a:endParaRPr lang="de-DE" sz="1600" dirty="0"/>
+          </a:p>
+          <a:p>
+            <a:endParaRPr lang="de-DE" sz="1600" u="sng" dirty="0"/>
+          </a:p>
+          <a:p>
+            <a:r>
+              <a:rPr lang="de-DE" sz="2000" dirty="0" smtClean="0"/>
+              <a:t> Der </a:t>
+            </a:r>
+            <a:r>
+              <a:rPr lang="de-DE" sz="2000" dirty="0" smtClean="0"/>
+              <a:t>Rückgabewert kann direkt in einer Variable mit gleichem </a:t>
+            </a:r>
+            <a:r>
+              <a:rPr lang="de-DE" sz="2000" dirty="0" smtClean="0"/>
+              <a:t>Datentyp</a:t>
+            </a:r>
+            <a:br>
+              <a:rPr lang="de-DE" sz="2000" dirty="0" smtClean="0"/>
+            </a:br>
+            <a:r>
+              <a:rPr lang="de-DE" sz="2000" dirty="0" smtClean="0"/>
+              <a:t> gespeichert </a:t>
+            </a:r>
+            <a:r>
+              <a:rPr lang="de-DE" sz="2000" dirty="0" smtClean="0"/>
+              <a:t>werden</a:t>
+            </a:r>
+          </a:p>
+        </p:txBody>
+      </p:sp>
+      <p:pic>
+        <p:nvPicPr>
+          <p:cNvPr id="4" name="Grafik 3"/>
+          <p:cNvPicPr>
+            <a:picLocks noChangeAspect="1"/>
+          </p:cNvPicPr>
+          <p:nvPr/>
+        </p:nvPicPr>
+        <p:blipFill>
+          <a:blip r:embed="rId3">
+            <a:extLst>
+              <a:ext uri="{28A0092B-C50C-407E-A947-70E740481C1C}">
+                <a14:useLocalDpi xmlns:a14="http://schemas.microsoft.com/office/drawing/2010/main" val="0"/>
+              </a:ext>
+            </a:extLst>
+          </a:blip>
+          <a:stretch>
+            <a:fillRect/>
+          </a:stretch>
+        </p:blipFill>
+        <p:spPr>
+          <a:xfrm>
+            <a:off x="611560" y="3201293"/>
+            <a:ext cx="3419952" cy="1600423"/>
+          </a:xfrm>
+          <a:prstGeom prst="rect">
+            <a:avLst/>
+          </a:prstGeom>
+        </p:spPr>
+      </p:pic>
+      <p:pic>
+        <p:nvPicPr>
+          <p:cNvPr id="5" name="Grafik 4"/>
+          <p:cNvPicPr>
+            <a:picLocks noChangeAspect="1"/>
+          </p:cNvPicPr>
+          <p:nvPr/>
+        </p:nvPicPr>
+        <p:blipFill>
+          <a:blip r:embed="rId4">
+            <a:extLst>
+              <a:ext uri="{28A0092B-C50C-407E-A947-70E740481C1C}">
+                <a14:useLocalDpi xmlns:a14="http://schemas.microsoft.com/office/drawing/2010/main" val="0"/>
+              </a:ext>
+            </a:extLst>
+          </a:blip>
+          <a:stretch>
+            <a:fillRect/>
+          </a:stretch>
+        </p:blipFill>
+        <p:spPr>
+          <a:xfrm>
+            <a:off x="4463560" y="3200031"/>
+            <a:ext cx="3753374" cy="1133633"/>
+          </a:xfrm>
+          <a:prstGeom prst="rect">
+            <a:avLst/>
+          </a:prstGeom>
+        </p:spPr>
+      </p:pic>
+      <p:sp>
+        <p:nvSpPr>
+          <p:cNvPr id="6" name="Pfeil nach unten 5"/>
+          <p:cNvSpPr/>
+          <p:nvPr/>
+        </p:nvSpPr>
+        <p:spPr bwMode="auto">
+          <a:xfrm rot="16200000">
+            <a:off x="4425088" y="3455419"/>
+            <a:ext cx="484632" cy="622856"/>
+          </a:xfrm>
+          <a:prstGeom prst="downArrow">
+            <a:avLst/>
+          </a:prstGeom>
+          <a:ln>
+            <a:headEnd/>
+            <a:tailEnd/>
+          </a:ln>
+          <a:extLst/>
+        </p:spPr>
+        <p:style>
+          <a:lnRef idx="2">
+            <a:schemeClr val="accent1"/>
+          </a:lnRef>
+          <a:fillRef idx="1">
+            <a:schemeClr val="lt1"/>
+          </a:fillRef>
+          <a:effectRef idx="0">
+            <a:schemeClr val="accent1"/>
+          </a:effectRef>
+          <a:fontRef idx="minor">
+            <a:schemeClr val="dk1"/>
+          </a:fontRef>
+        </p:style>
+        <p:txBody>
+          <a:bodyPr wrap="none" rtlCol="0" anchor="ctr"/>
+          <a:lstStyle/>
+          <a:p>
+            <a:pPr algn="ctr"/>
+            <a:endParaRPr lang="de-DE"/>
+          </a:p>
+        </p:txBody>
+      </p:sp>
+      <p:pic>
+        <p:nvPicPr>
+          <p:cNvPr id="7" name="Grafik 6"/>
+          <p:cNvPicPr>
+            <a:picLocks noChangeAspect="1"/>
+          </p:cNvPicPr>
+          <p:nvPr/>
+        </p:nvPicPr>
+        <p:blipFill>
+          <a:blip r:embed="rId5">
+            <a:extLst>
+              <a:ext uri="{28A0092B-C50C-407E-A947-70E740481C1C}">
+                <a14:useLocalDpi xmlns:a14="http://schemas.microsoft.com/office/drawing/2010/main" val="0"/>
+              </a:ext>
+            </a:extLst>
+          </a:blip>
+          <a:stretch>
+            <a:fillRect/>
+          </a:stretch>
+        </p:blipFill>
+        <p:spPr>
+          <a:xfrm>
+            <a:off x="5086416" y="3457240"/>
+            <a:ext cx="3219899" cy="619211"/>
+          </a:xfrm>
+          <a:prstGeom prst="rect">
+            <a:avLst/>
+          </a:prstGeom>
+        </p:spPr>
+      </p:pic>
+    </p:spTree>
+    <p:extLst>
+      <p:ext uri="{BB962C8B-B14F-4D97-AF65-F5344CB8AC3E}">
+        <p14:creationId xmlns:p14="http://schemas.microsoft.com/office/powerpoint/2010/main" val="609459851"/>
+      </p:ext>
+    </p:extLst>
+  </p:cSld>
+  <p:clrMapOvr>
+    <a:masterClrMapping/>
+  </p:clrMapOvr>
+  <mc:AlternateContent xmlns:mc="http://schemas.openxmlformats.org/markup-compatibility/2006">
+    <mc:Choice xmlns:p14="http://schemas.microsoft.com/office/powerpoint/2010/main" Requires="p14">
+      <p:transition spd="med" p14:dur="700">
+        <p:fade/>
+      </p:transition>
+    </mc:Choice>
+    <mc:Fallback>
+      <p:transition spd="med">
+        <p:fade/>
+      </p:transition>
+    </mc:Fallback>
+  </mc:AlternateContent>
+  <p:timing>
+    <p:tnLst>
+      <p:par>
+        <p:cTn id="1" dur="indefinite" restart="never" nodeType="tmRoot">
+          <p:childTnLst>
+            <p:seq concurrent="1" nextAc="seek">
+              <p:cTn id="2" dur="indefinite" nodeType="mainSeq">
+                <p:childTnLst>
+                  <p:par>
+                    <p:cTn id="3" fill="hold">
+                      <p:stCondLst>
+                        <p:cond delay="indefinite"/>
+                        <p:cond evt="onBegin" delay="0">
+                          <p:tn val="2"/>
+                        </p:cond>
+                      </p:stCondLst>
+                      <p:childTnLst>
+                        <p:par>
+                          <p:cTn id="4" fill="hold">
+                            <p:stCondLst>
+                              <p:cond delay="0"/>
+                            </p:stCondLst>
+                            <p:childTnLst>
+                              <p:par>
+                                <p:cTn id="5" presetID="10" presetClass="entr" presetSubtype="0" fill="hold" nodeType="withEffect">
+                                  <p:stCondLst>
+                                    <p:cond delay="0"/>
+                                  </p:stCondLst>
+                                  <p:childTnLst>
+                                    <p:set>
+                                      <p:cBhvr>
+                                        <p:cTn id="6" dur="1" fill="hold">
+                                          <p:stCondLst>
+                                            <p:cond delay="0"/>
+                                          </p:stCondLst>
+                                        </p:cTn>
+                                        <p:tgtEl>
+                                          <p:spTgt spid="3">
+                                            <p:txEl>
+                                              <p:pRg st="2" end="2"/>
+                                            </p:txEl>
+                                          </p:spTgt>
+                                        </p:tgtEl>
+                                        <p:attrNameLst>
+                                          <p:attrName>style.visibility</p:attrName>
+                                        </p:attrNameLst>
+                                      </p:cBhvr>
+                                      <p:to>
+                                        <p:strVal val="visible"/>
+                                      </p:to>
+                                    </p:set>
+                                    <p:animEffect transition="in" filter="fade">
+                                      <p:cBhvr>
+                                        <p:cTn id="7" dur="500"/>
+                                        <p:tgtEl>
+                                          <p:spTgt spid="3">
+                                            <p:txEl>
+                                              <p:pRg st="2" end="2"/>
+                                            </p:txEl>
+                                          </p:spTgt>
+                                        </p:tgtEl>
+                                      </p:cBhvr>
+                                    </p:animEffect>
+                                  </p:childTnLst>
+                                </p:cTn>
+                              </p:par>
+                              <p:par>
+                                <p:cTn id="8" presetID="10" presetClass="entr" presetSubtype="0" fill="hold" nodeType="withEffect">
+                                  <p:stCondLst>
+                                    <p:cond delay="0"/>
+                                  </p:stCondLst>
+                                  <p:childTnLst>
+                                    <p:set>
+                                      <p:cBhvr>
+                                        <p:cTn id="9" dur="1" fill="hold">
+                                          <p:stCondLst>
+                                            <p:cond delay="0"/>
+                                          </p:stCondLst>
+                                        </p:cTn>
+                                        <p:tgtEl>
+                                          <p:spTgt spid="5"/>
+                                        </p:tgtEl>
+                                        <p:attrNameLst>
+                                          <p:attrName>style.visibility</p:attrName>
+                                        </p:attrNameLst>
+                                      </p:cBhvr>
+                                      <p:to>
+                                        <p:strVal val="visible"/>
+                                      </p:to>
+                                    </p:set>
+                                    <p:animEffect transition="in" filter="fade">
+                                      <p:cBhvr>
+                                        <p:cTn id="10" dur="500"/>
+                                        <p:tgtEl>
+                                          <p:spTgt spid="5"/>
+                                        </p:tgtEl>
+                                      </p:cBhvr>
+                                    </p:animEffect>
+                                  </p:childTnLst>
+                                </p:cTn>
+                              </p:par>
+                            </p:childTnLst>
+                          </p:cTn>
+                        </p:par>
+                      </p:childTnLst>
+                    </p:cTn>
+                  </p:par>
+                  <p:par>
+                    <p:cTn id="11" fill="hold">
+                      <p:stCondLst>
+                        <p:cond delay="indefinite"/>
+                      </p:stCondLst>
+                      <p:childTnLst>
+                        <p:par>
+                          <p:cTn id="12" fill="hold">
+                            <p:stCondLst>
+                              <p:cond delay="0"/>
+                            </p:stCondLst>
+                            <p:childTnLst>
+                              <p:par>
+                                <p:cTn id="13" presetID="10" presetClass="exit" presetSubtype="0" fill="hold" nodeType="clickEffect">
+                                  <p:stCondLst>
+                                    <p:cond delay="0"/>
+                                  </p:stCondLst>
+                                  <p:childTnLst>
+                                    <p:animEffect transition="out" filter="fade">
+                                      <p:cBhvr>
+                                        <p:cTn id="14" dur="500"/>
+                                        <p:tgtEl>
+                                          <p:spTgt spid="4"/>
+                                        </p:tgtEl>
+                                      </p:cBhvr>
+                                    </p:animEffect>
+                                    <p:set>
+                                      <p:cBhvr>
+                                        <p:cTn id="15" dur="1" fill="hold">
+                                          <p:stCondLst>
+                                            <p:cond delay="499"/>
+                                          </p:stCondLst>
+                                        </p:cTn>
+                                        <p:tgtEl>
+                                          <p:spTgt spid="4"/>
+                                        </p:tgtEl>
+                                        <p:attrNameLst>
+                                          <p:attrName>style.visibility</p:attrName>
+                                        </p:attrNameLst>
+                                      </p:cBhvr>
+                                      <p:to>
+                                        <p:strVal val="hidden"/>
+                                      </p:to>
+                                    </p:set>
+                                  </p:childTnLst>
+                                </p:cTn>
+                              </p:par>
+                            </p:childTnLst>
+                          </p:cTn>
+                        </p:par>
+                        <p:par>
+                          <p:cTn id="16" fill="hold">
+                            <p:stCondLst>
+                              <p:cond delay="500"/>
+                            </p:stCondLst>
+                            <p:childTnLst>
+                              <p:par>
+                                <p:cTn id="17" presetID="35" presetClass="path" presetSubtype="0" accel="50000" decel="50000" fill="hold" nodeType="afterEffect">
+                                  <p:stCondLst>
+                                    <p:cond delay="0"/>
+                                  </p:stCondLst>
+                                  <p:childTnLst>
+                                    <p:animMotion origin="layout" path="M -2.77778E-6 3.33333E-6 L -0.42569 3.33333E-6 " pathEditMode="relative" rAng="0" ptsTypes="AA">
+                                      <p:cBhvr>
+                                        <p:cTn id="18" dur="2000" fill="hold"/>
+                                        <p:tgtEl>
+                                          <p:spTgt spid="5"/>
+                                        </p:tgtEl>
+                                        <p:attrNameLst>
+                                          <p:attrName>ppt_x</p:attrName>
+                                          <p:attrName>ppt_y</p:attrName>
+                                        </p:attrNameLst>
+                                      </p:cBhvr>
+                                      <p:rCtr x="-21285" y="0"/>
+                                    </p:animMotion>
+                                  </p:childTnLst>
+                                </p:cTn>
+                              </p:par>
+                            </p:childTnLst>
+                          </p:cTn>
+                        </p:par>
+                        <p:par>
+                          <p:cTn id="19" fill="hold">
+                            <p:stCondLst>
+                              <p:cond delay="2500"/>
+                            </p:stCondLst>
+                            <p:childTnLst>
+                              <p:par>
+                                <p:cTn id="20" presetID="10" presetClass="entr" presetSubtype="0" fill="hold" grpId="0" nodeType="afterEffect">
+                                  <p:stCondLst>
+                                    <p:cond delay="0"/>
+                                  </p:stCondLst>
+                                  <p:childTnLst>
+                                    <p:set>
+                                      <p:cBhvr>
+                                        <p:cTn id="21" dur="1" fill="hold">
+                                          <p:stCondLst>
+                                            <p:cond delay="0"/>
+                                          </p:stCondLst>
+                                        </p:cTn>
+                                        <p:tgtEl>
+                                          <p:spTgt spid="6"/>
+                                        </p:tgtEl>
+                                        <p:attrNameLst>
+                                          <p:attrName>style.visibility</p:attrName>
+                                        </p:attrNameLst>
+                                      </p:cBhvr>
+                                      <p:to>
+                                        <p:strVal val="visible"/>
+                                      </p:to>
+                                    </p:set>
+                                    <p:animEffect transition="in" filter="fade">
+                                      <p:cBhvr>
+                                        <p:cTn id="22" dur="500"/>
+                                        <p:tgtEl>
+                                          <p:spTgt spid="6"/>
+                                        </p:tgtEl>
+                                      </p:cBhvr>
+                                    </p:animEffect>
+                                  </p:childTnLst>
+                                </p:cTn>
+                              </p:par>
+                              <p:par>
+                                <p:cTn id="23" presetID="10" presetClass="entr" presetSubtype="0" fill="hold" nodeType="withEffect">
+                                  <p:stCondLst>
+                                    <p:cond delay="0"/>
+                                  </p:stCondLst>
+                                  <p:childTnLst>
+                                    <p:set>
+                                      <p:cBhvr>
+                                        <p:cTn id="24" dur="1" fill="hold">
+                                          <p:stCondLst>
+                                            <p:cond delay="0"/>
+                                          </p:stCondLst>
+                                        </p:cTn>
+                                        <p:tgtEl>
+                                          <p:spTgt spid="7"/>
+                                        </p:tgtEl>
+                                        <p:attrNameLst>
+                                          <p:attrName>style.visibility</p:attrName>
+                                        </p:attrNameLst>
+                                      </p:cBhvr>
+                                      <p:to>
+                                        <p:strVal val="visible"/>
+                                      </p:to>
+                                    </p:set>
+                                    <p:animEffect transition="in" filter="fade">
+                                      <p:cBhvr>
+                                        <p:cTn id="25" dur="500"/>
+                                        <p:tgtEl>
+                                          <p:spTgt spid="7"/>
+                                        </p:tgtEl>
+                                      </p:cBhvr>
+                                    </p:animEffect>
+                                  </p:childTnLst>
+                                </p:cTn>
+                              </p:par>
+                            </p:childTnLst>
+                          </p:cTn>
+                        </p:par>
+                      </p:childTnLst>
+                    </p:cTn>
+                  </p:par>
+                </p:childTnLst>
+              </p:cTn>
+              <p:prevCondLst>
+                <p:cond evt="onPrev" delay="0">
+                  <p:tgtEl>
+                    <p:sldTgt/>
+                  </p:tgtEl>
+                </p:cond>
+              </p:prevCondLst>
+              <p:nextCondLst>
+                <p:cond evt="onNext" delay="0">
+                  <p:tgtEl>
+                    <p:sldTgt/>
+                  </p:tgtEl>
+                </p:cond>
+              </p:nextCondLst>
+            </p:seq>
+          </p:childTnLst>
+        </p:cTn>
+      </p:par>
+    </p:tnLst>
+    <p:bldLst>
+      <p:bldP spid="6" grpId="0" animBg="1"/>
+    </p:bldLst>
+  </p:timing>
+</p:sld>
+</file>
+
+<file path=ppt/slides/slide39.xml><?xml version="1.0" encoding="utf-8"?>
 <p:sld xmlns:a="http://schemas.openxmlformats.org/drawingml/2006/main" xmlns:r="http://schemas.openxmlformats.org/officeDocument/2006/relationships" xmlns:p="http://schemas.openxmlformats.org/presentationml/2006/main">
   <p:cSld>
     <p:spTree>
@@ -24944,7 +26240,216 @@
 </p:sld>
 </file>
 
-<file path=ppt/slides/slide38.xml><?xml version="1.0" encoding="utf-8"?>
+<file path=ppt/slides/slide4.xml><?xml version="1.0" encoding="utf-8"?>
+<p:sld xmlns:a="http://schemas.openxmlformats.org/drawingml/2006/main" xmlns:r="http://schemas.openxmlformats.org/officeDocument/2006/relationships" xmlns:p="http://schemas.openxmlformats.org/presentationml/2006/main">
+  <p:cSld>
+    <p:spTree>
+      <p:nvGrpSpPr>
+        <p:cNvPr id="1" name=""/>
+        <p:cNvGrpSpPr/>
+        <p:nvPr/>
+      </p:nvGrpSpPr>
+      <p:grpSpPr>
+        <a:xfrm>
+          <a:off x="0" y="0"/>
+          <a:ext cx="0" cy="0"/>
+          <a:chOff x="0" y="0"/>
+          <a:chExt cx="0" cy="0"/>
+        </a:xfrm>
+      </p:grpSpPr>
+      <p:sp>
+        <p:nvSpPr>
+          <p:cNvPr id="2" name="Titel 1"/>
+          <p:cNvSpPr>
+            <a:spLocks noGrp="1"/>
+          </p:cNvSpPr>
+          <p:nvPr>
+            <p:ph type="title"/>
+          </p:nvPr>
+        </p:nvSpPr>
+        <p:spPr/>
+        <p:txBody>
+          <a:bodyPr/>
+          <a:lstStyle/>
+          <a:p>
+            <a:r>
+              <a:rPr lang="de-DE" dirty="0" smtClean="0">
+                <a:solidFill>
+                  <a:srgbClr val="831420"/>
+                </a:solidFill>
+              </a:rPr>
+              <a:t>Themen</a:t>
+            </a:r>
+            <a:endParaRPr lang="de-DE" dirty="0">
+              <a:solidFill>
+                <a:srgbClr val="831420"/>
+              </a:solidFill>
+            </a:endParaRPr>
+          </a:p>
+        </p:txBody>
+      </p:sp>
+      <p:sp>
+        <p:nvSpPr>
+          <p:cNvPr id="3" name="Inhaltsplatzhalter 2"/>
+          <p:cNvSpPr>
+            <a:spLocks noGrp="1"/>
+          </p:cNvSpPr>
+          <p:nvPr>
+            <p:ph idx="4294967295"/>
+          </p:nvPr>
+        </p:nvSpPr>
+        <p:spPr>
+          <a:xfrm>
+            <a:off x="179512" y="900000"/>
+            <a:ext cx="8496944" cy="4153744"/>
+          </a:xfrm>
+          <a:prstGeom prst="rect">
+            <a:avLst/>
+          </a:prstGeom>
+        </p:spPr>
+        <p:txBody>
+          <a:bodyPr anchor="ctr"/>
+          <a:lstStyle/>
+          <a:p>
+            <a:pPr marL="0" indent="0">
+              <a:buNone/>
+            </a:pPr>
+            <a:r>
+              <a:rPr lang="de-DE" sz="2000" smtClean="0"/>
+              <a:t>Was ist ein Programm</a:t>
+            </a:r>
+            <a:r>
+              <a:rPr lang="de-DE" sz="2000" dirty="0"/>
+              <a:t>?</a:t>
+            </a:r>
+          </a:p>
+          <a:p>
+            <a:pPr marL="0" indent="0">
+              <a:buNone/>
+            </a:pPr>
+            <a:r>
+              <a:rPr lang="de-DE" sz="2000" smtClean="0"/>
+              <a:t>Syntax und Semantik</a:t>
+            </a:r>
+            <a:endParaRPr lang="de-DE" sz="2000" dirty="0"/>
+          </a:p>
+          <a:p>
+            <a:pPr marL="0" indent="0">
+              <a:buNone/>
+            </a:pPr>
+            <a:r>
+              <a:rPr lang="de-DE" sz="2000" smtClean="0"/>
+              <a:t>Ein erstes Programm</a:t>
+            </a:r>
+            <a:endParaRPr lang="de-DE" sz="2000" dirty="0"/>
+          </a:p>
+          <a:p>
+            <a:pPr marL="0" indent="0">
+              <a:buNone/>
+            </a:pPr>
+            <a:r>
+              <a:rPr lang="de-DE" sz="2000" smtClean="0"/>
+              <a:t>Primitive Datentypen und Variablen</a:t>
+            </a:r>
+            <a:endParaRPr lang="de-DE" sz="2000" dirty="0"/>
+          </a:p>
+          <a:p>
+            <a:pPr marL="0" indent="0">
+              <a:buNone/>
+            </a:pPr>
+            <a:r>
+              <a:rPr lang="de-DE" sz="2000" err="1" smtClean="0"/>
+              <a:t>Abfragen</a:t>
+            </a:r>
+            <a:r>
+              <a:rPr lang="de-DE" sz="2000" smtClean="0"/>
+              <a:t>, Schleifen</a:t>
+            </a:r>
+            <a:endParaRPr lang="de-DE" sz="2000" dirty="0"/>
+          </a:p>
+          <a:p>
+            <a:pPr marL="0" indent="0">
+              <a:buNone/>
+            </a:pPr>
+            <a:r>
+              <a:rPr lang="de-DE" sz="2000" i="1" dirty="0"/>
+              <a:t>Objektorientierung:</a:t>
+            </a:r>
+          </a:p>
+          <a:p>
+            <a:pPr marL="0" indent="0">
+              <a:buNone/>
+            </a:pPr>
+            <a:r>
+              <a:rPr lang="de-DE" sz="2000" smtClean="0"/>
+              <a:t>    Klassen und Objekte</a:t>
+            </a:r>
+            <a:endParaRPr lang="de-DE" sz="2000" dirty="0"/>
+          </a:p>
+          <a:p>
+            <a:pPr marL="0" indent="0">
+              <a:buNone/>
+            </a:pPr>
+            <a:r>
+              <a:rPr lang="de-DE" sz="2000" smtClean="0"/>
+              <a:t>    Attribute und Methoden</a:t>
+            </a:r>
+            <a:endParaRPr lang="de-DE" sz="2000" dirty="0"/>
+          </a:p>
+          <a:p>
+            <a:pPr marL="0" indent="0">
+              <a:buNone/>
+            </a:pPr>
+            <a:r>
+              <a:rPr lang="de-DE" sz="2000" dirty="0"/>
+              <a:t>Namenskonvention</a:t>
+            </a:r>
+          </a:p>
+          <a:p>
+            <a:pPr marL="0" indent="0">
+              <a:buNone/>
+            </a:pPr>
+            <a:r>
+              <a:rPr lang="de-DE" sz="2000" smtClean="0"/>
+              <a:t>Strings und Arrays</a:t>
+            </a:r>
+            <a:endParaRPr lang="de-DE" sz="2000" dirty="0"/>
+          </a:p>
+        </p:txBody>
+      </p:sp>
+    </p:spTree>
+    <p:extLst>
+      <p:ext uri="{BB962C8B-B14F-4D97-AF65-F5344CB8AC3E}">
+        <p14:creationId xmlns:p14="http://schemas.microsoft.com/office/powerpoint/2010/main" val="3433740505"/>
+      </p:ext>
+    </p:extLst>
+  </p:cSld>
+  <p:clrMapOvr>
+    <a:masterClrMapping/>
+  </p:clrMapOvr>
+  <mc:AlternateContent xmlns:mc="http://schemas.openxmlformats.org/markup-compatibility/2006" xmlns:p14="http://schemas.microsoft.com/office/powerpoint/2010/main">
+    <mc:Choice Requires="p14">
+      <p:transition spd="slow" p14:dur="800">
+        <p14:flythrough/>
+      </p:transition>
+    </mc:Choice>
+    <mc:Fallback xmlns="">
+      <p:transition spd="slow">
+        <p:fade/>
+      </p:transition>
+    </mc:Fallback>
+  </mc:AlternateContent>
+  <p:timing>
+    <p:tnLst>
+      <p:par>
+        <p:cTn id="1" dur="indefinite" restart="never" nodeType="tmRoot"/>
+      </p:par>
+    </p:tnLst>
+  </p:timing>
+</p:sld>
+</file>
+
+<file path=ppt/slides/slide40.xml><?xml version="1.0" encoding="utf-8"?>
 <p:sld xmlns:a="http://schemas.openxmlformats.org/drawingml/2006/main" xmlns:r="http://schemas.openxmlformats.org/officeDocument/2006/relationships" xmlns:p="http://schemas.openxmlformats.org/presentationml/2006/main">
   <p:cSld>
     <p:spTree>
@@ -25251,7 +26756,7 @@
 </p:sld>
 </file>
 
-<file path=ppt/slides/slide39.xml><?xml version="1.0" encoding="utf-8"?>
+<file path=ppt/slides/slide41.xml><?xml version="1.0" encoding="utf-8"?>
 <p:sld xmlns:a="http://schemas.openxmlformats.org/drawingml/2006/main" xmlns:r="http://schemas.openxmlformats.org/officeDocument/2006/relationships" xmlns:p="http://schemas.openxmlformats.org/presentationml/2006/main">
   <p:cSld>
     <p:spTree>
@@ -25527,216 +27032,7 @@
 </p:sld>
 </file>
 
-<file path=ppt/slides/slide4.xml><?xml version="1.0" encoding="utf-8"?>
-<p:sld xmlns:a="http://schemas.openxmlformats.org/drawingml/2006/main" xmlns:r="http://schemas.openxmlformats.org/officeDocument/2006/relationships" xmlns:p="http://schemas.openxmlformats.org/presentationml/2006/main">
-  <p:cSld>
-    <p:spTree>
-      <p:nvGrpSpPr>
-        <p:cNvPr id="1" name=""/>
-        <p:cNvGrpSpPr/>
-        <p:nvPr/>
-      </p:nvGrpSpPr>
-      <p:grpSpPr>
-        <a:xfrm>
-          <a:off x="0" y="0"/>
-          <a:ext cx="0" cy="0"/>
-          <a:chOff x="0" y="0"/>
-          <a:chExt cx="0" cy="0"/>
-        </a:xfrm>
-      </p:grpSpPr>
-      <p:sp>
-        <p:nvSpPr>
-          <p:cNvPr id="2" name="Titel 1"/>
-          <p:cNvSpPr>
-            <a:spLocks noGrp="1"/>
-          </p:cNvSpPr>
-          <p:nvPr>
-            <p:ph type="title"/>
-          </p:nvPr>
-        </p:nvSpPr>
-        <p:spPr/>
-        <p:txBody>
-          <a:bodyPr/>
-          <a:lstStyle/>
-          <a:p>
-            <a:r>
-              <a:rPr lang="de-DE" dirty="0" smtClean="0">
-                <a:solidFill>
-                  <a:srgbClr val="831420"/>
-                </a:solidFill>
-              </a:rPr>
-              <a:t>Themen</a:t>
-            </a:r>
-            <a:endParaRPr lang="de-DE" dirty="0">
-              <a:solidFill>
-                <a:srgbClr val="831420"/>
-              </a:solidFill>
-            </a:endParaRPr>
-          </a:p>
-        </p:txBody>
-      </p:sp>
-      <p:sp>
-        <p:nvSpPr>
-          <p:cNvPr id="3" name="Inhaltsplatzhalter 2"/>
-          <p:cNvSpPr>
-            <a:spLocks noGrp="1"/>
-          </p:cNvSpPr>
-          <p:nvPr>
-            <p:ph idx="4294967295"/>
-          </p:nvPr>
-        </p:nvSpPr>
-        <p:spPr>
-          <a:xfrm>
-            <a:off x="179512" y="900000"/>
-            <a:ext cx="8496944" cy="4153744"/>
-          </a:xfrm>
-          <a:prstGeom prst="rect">
-            <a:avLst/>
-          </a:prstGeom>
-        </p:spPr>
-        <p:txBody>
-          <a:bodyPr anchor="ctr"/>
-          <a:lstStyle/>
-          <a:p>
-            <a:pPr marL="0" indent="0">
-              <a:buNone/>
-            </a:pPr>
-            <a:r>
-              <a:rPr lang="de-DE" sz="2000" smtClean="0"/>
-              <a:t>Was ist ein Programm</a:t>
-            </a:r>
-            <a:r>
-              <a:rPr lang="de-DE" sz="2000" dirty="0"/>
-              <a:t>?</a:t>
-            </a:r>
-          </a:p>
-          <a:p>
-            <a:pPr marL="0" indent="0">
-              <a:buNone/>
-            </a:pPr>
-            <a:r>
-              <a:rPr lang="de-DE" sz="2000" smtClean="0"/>
-              <a:t>Syntax und Semantik</a:t>
-            </a:r>
-            <a:endParaRPr lang="de-DE" sz="2000" dirty="0"/>
-          </a:p>
-          <a:p>
-            <a:pPr marL="0" indent="0">
-              <a:buNone/>
-            </a:pPr>
-            <a:r>
-              <a:rPr lang="de-DE" sz="2000" smtClean="0"/>
-              <a:t>Ein erstes Programm</a:t>
-            </a:r>
-            <a:endParaRPr lang="de-DE" sz="2000" dirty="0"/>
-          </a:p>
-          <a:p>
-            <a:pPr marL="0" indent="0">
-              <a:buNone/>
-            </a:pPr>
-            <a:r>
-              <a:rPr lang="de-DE" sz="2000" smtClean="0"/>
-              <a:t>Primitive Datentypen und Variablen</a:t>
-            </a:r>
-            <a:endParaRPr lang="de-DE" sz="2000" dirty="0"/>
-          </a:p>
-          <a:p>
-            <a:pPr marL="0" indent="0">
-              <a:buNone/>
-            </a:pPr>
-            <a:r>
-              <a:rPr lang="de-DE" sz="2000" err="1" smtClean="0"/>
-              <a:t>Abfragen</a:t>
-            </a:r>
-            <a:r>
-              <a:rPr lang="de-DE" sz="2000" smtClean="0"/>
-              <a:t>, Schleifen</a:t>
-            </a:r>
-            <a:endParaRPr lang="de-DE" sz="2000" dirty="0"/>
-          </a:p>
-          <a:p>
-            <a:pPr marL="0" indent="0">
-              <a:buNone/>
-            </a:pPr>
-            <a:r>
-              <a:rPr lang="de-DE" sz="2000" i="1" dirty="0"/>
-              <a:t>Objektorientierung:</a:t>
-            </a:r>
-          </a:p>
-          <a:p>
-            <a:pPr marL="0" indent="0">
-              <a:buNone/>
-            </a:pPr>
-            <a:r>
-              <a:rPr lang="de-DE" sz="2000" smtClean="0"/>
-              <a:t>    Klassen und Objekte</a:t>
-            </a:r>
-            <a:endParaRPr lang="de-DE" sz="2000" dirty="0"/>
-          </a:p>
-          <a:p>
-            <a:pPr marL="0" indent="0">
-              <a:buNone/>
-            </a:pPr>
-            <a:r>
-              <a:rPr lang="de-DE" sz="2000" smtClean="0"/>
-              <a:t>    Attribute und Methoden</a:t>
-            </a:r>
-            <a:endParaRPr lang="de-DE" sz="2000" dirty="0"/>
-          </a:p>
-          <a:p>
-            <a:pPr marL="0" indent="0">
-              <a:buNone/>
-            </a:pPr>
-            <a:r>
-              <a:rPr lang="de-DE" sz="2000" dirty="0"/>
-              <a:t>Namenskonvention</a:t>
-            </a:r>
-          </a:p>
-          <a:p>
-            <a:pPr marL="0" indent="0">
-              <a:buNone/>
-            </a:pPr>
-            <a:r>
-              <a:rPr lang="de-DE" sz="2000" smtClean="0"/>
-              <a:t>Strings und Arrays</a:t>
-            </a:r>
-            <a:endParaRPr lang="de-DE" sz="2000" dirty="0"/>
-          </a:p>
-        </p:txBody>
-      </p:sp>
-    </p:spTree>
-    <p:extLst>
-      <p:ext uri="{BB962C8B-B14F-4D97-AF65-F5344CB8AC3E}">
-        <p14:creationId xmlns:p14="http://schemas.microsoft.com/office/powerpoint/2010/main" val="3433740505"/>
-      </p:ext>
-    </p:extLst>
-  </p:cSld>
-  <p:clrMapOvr>
-    <a:masterClrMapping/>
-  </p:clrMapOvr>
-  <mc:AlternateContent xmlns:mc="http://schemas.openxmlformats.org/markup-compatibility/2006" xmlns:p14="http://schemas.microsoft.com/office/powerpoint/2010/main">
-    <mc:Choice Requires="p14">
-      <p:transition spd="slow" p14:dur="800">
-        <p14:flythrough/>
-      </p:transition>
-    </mc:Choice>
-    <mc:Fallback xmlns="">
-      <p:transition spd="slow">
-        <p:fade/>
-      </p:transition>
-    </mc:Fallback>
-  </mc:AlternateContent>
-  <p:timing>
-    <p:tnLst>
-      <p:par>
-        <p:cTn id="1" dur="indefinite" restart="never" nodeType="tmRoot"/>
-      </p:par>
-    </p:tnLst>
-  </p:timing>
-</p:sld>
-</file>
-
-<file path=ppt/slides/slide40.xml><?xml version="1.0" encoding="utf-8"?>
+<file path=ppt/slides/slide42.xml><?xml version="1.0" encoding="utf-8"?>
 <p:sld xmlns:a="http://schemas.openxmlformats.org/drawingml/2006/main" xmlns:r="http://schemas.openxmlformats.org/officeDocument/2006/relationships" xmlns:p="http://schemas.openxmlformats.org/presentationml/2006/main">
   <p:cSld>
     <p:spTree>
@@ -26483,7 +27779,7 @@
 </p:sld>
 </file>
 
-<file path=ppt/slides/slide41.xml><?xml version="1.0" encoding="utf-8"?>
+<file path=ppt/slides/slide43.xml><?xml version="1.0" encoding="utf-8"?>
 <p:sld xmlns:a="http://schemas.openxmlformats.org/drawingml/2006/main" xmlns:r="http://schemas.openxmlformats.org/officeDocument/2006/relationships" xmlns:p="http://schemas.openxmlformats.org/presentationml/2006/main">
   <p:cSld>
     <p:spTree>
@@ -26647,11 +27943,7 @@
           <a:p>
             <a:r>
               <a:rPr lang="de-DE" sz="2000" dirty="0" smtClean="0"/>
-              <a:t>In </a:t>
-            </a:r>
-            <a:r>
-              <a:rPr lang="de-DE" sz="2000" dirty="0" smtClean="0"/>
-              <a:t>der main-Methode könnt ihr eure Methoden testen und die Resultate in der Konsole ausgeben</a:t>
+              <a:t>In der main-Methode könnt ihr eure Methoden testen und die Resultate in der Konsole ausgeben</a:t>
             </a:r>
           </a:p>
           <a:p>
@@ -26695,7 +27987,7 @@
 </p:sld>
 </file>
 
-<file path=ppt/slides/slide42.xml><?xml version="1.0" encoding="utf-8"?>
+<file path=ppt/slides/slide44.xml><?xml version="1.0" encoding="utf-8"?>
 <p:sld xmlns:a="http://schemas.openxmlformats.org/drawingml/2006/main" xmlns:r="http://schemas.openxmlformats.org/officeDocument/2006/relationships" xmlns:p="http://schemas.openxmlformats.org/presentationml/2006/main">
   <p:cSld>
     <p:spTree>
@@ -26996,7 +28288,7 @@
 </p:sld>
 </file>
 
-<file path=ppt/slides/slide43.xml><?xml version="1.0" encoding="utf-8"?>
+<file path=ppt/slides/slide45.xml><?xml version="1.0" encoding="utf-8"?>
 <p:sld xmlns:a="http://schemas.openxmlformats.org/drawingml/2006/main" xmlns:r="http://schemas.openxmlformats.org/officeDocument/2006/relationships" xmlns:p="http://schemas.openxmlformats.org/presentationml/2006/main">
   <p:cSld>
     <p:spTree>
@@ -27674,7 +28966,7 @@
 </p:sld>
 </file>
 
-<file path=ppt/slides/slide44.xml><?xml version="1.0" encoding="utf-8"?>
+<file path=ppt/slides/slide46.xml><?xml version="1.0" encoding="utf-8"?>
 <p:sld xmlns:a="http://schemas.openxmlformats.org/drawingml/2006/main" xmlns:r="http://schemas.openxmlformats.org/officeDocument/2006/relationships" xmlns:p="http://schemas.openxmlformats.org/presentationml/2006/main">
   <p:cSld>
     <p:spTree>
@@ -28098,7 +29390,7 @@
 </p:sld>
 </file>
 
-<file path=ppt/slides/slide45.xml><?xml version="1.0" encoding="utf-8"?>
+<file path=ppt/slides/slide47.xml><?xml version="1.0" encoding="utf-8"?>
 <p:sld xmlns:a="http://schemas.openxmlformats.org/drawingml/2006/main" xmlns:r="http://schemas.openxmlformats.org/officeDocument/2006/relationships" xmlns:p="http://schemas.openxmlformats.org/presentationml/2006/main">
   <p:cSld>
     <p:spTree>
@@ -28556,7 +29848,7 @@
 </p:sld>
 </file>
 
-<file path=ppt/slides/slide46.xml><?xml version="1.0" encoding="utf-8"?>
+<file path=ppt/slides/slide48.xml><?xml version="1.0" encoding="utf-8"?>
 <p:sld xmlns:a="http://schemas.openxmlformats.org/drawingml/2006/main" xmlns:r="http://schemas.openxmlformats.org/officeDocument/2006/relationships" xmlns:p="http://schemas.openxmlformats.org/presentationml/2006/main">
   <p:cSld>
     <p:spTree>
@@ -28943,7 +30235,7 @@
 </p:sld>
 </file>
 
-<file path=ppt/slides/slide47.xml><?xml version="1.0" encoding="utf-8"?>
+<file path=ppt/slides/slide49.xml><?xml version="1.0" encoding="utf-8"?>
 <p:sld xmlns:a="http://schemas.openxmlformats.org/drawingml/2006/main" xmlns:r="http://schemas.openxmlformats.org/officeDocument/2006/relationships" xmlns:p="http://schemas.openxmlformats.org/presentationml/2006/main">
   <p:cSld>
     <p:spTree>
@@ -29177,7 +30469,318 @@
 </p:sld>
 </file>
 
-<file path=ppt/slides/slide48.xml><?xml version="1.0" encoding="utf-8"?>
+<file path=ppt/slides/slide5.xml><?xml version="1.0" encoding="utf-8"?>
+<p:sld xmlns:a="http://schemas.openxmlformats.org/drawingml/2006/main" xmlns:r="http://schemas.openxmlformats.org/officeDocument/2006/relationships" xmlns:p="http://schemas.openxmlformats.org/presentationml/2006/main">
+  <p:cSld>
+    <p:spTree>
+      <p:nvGrpSpPr>
+        <p:cNvPr id="1" name=""/>
+        <p:cNvGrpSpPr/>
+        <p:nvPr/>
+      </p:nvGrpSpPr>
+      <p:grpSpPr>
+        <a:xfrm>
+          <a:off x="0" y="0"/>
+          <a:ext cx="0" cy="0"/>
+          <a:chOff x="0" y="0"/>
+          <a:chExt cx="0" cy="0"/>
+        </a:xfrm>
+      </p:grpSpPr>
+      <p:sp>
+        <p:nvSpPr>
+          <p:cNvPr id="2" name="Titel 1"/>
+          <p:cNvSpPr>
+            <a:spLocks noGrp="1"/>
+          </p:cNvSpPr>
+          <p:nvPr>
+            <p:ph type="title"/>
+          </p:nvPr>
+        </p:nvSpPr>
+        <p:spPr/>
+        <p:txBody>
+          <a:bodyPr/>
+          <a:lstStyle/>
+          <a:p>
+            <a:r>
+              <a:rPr lang="de-DE" smtClean="0">
+                <a:solidFill>
+                  <a:srgbClr val="831420"/>
+                </a:solidFill>
+              </a:rPr>
+              <a:t>Themen</a:t>
+            </a:r>
+            <a:endParaRPr lang="de-DE" dirty="0">
+              <a:solidFill>
+                <a:srgbClr val="831420"/>
+              </a:solidFill>
+            </a:endParaRPr>
+          </a:p>
+        </p:txBody>
+      </p:sp>
+      <p:sp>
+        <p:nvSpPr>
+          <p:cNvPr id="3" name="Inhaltsplatzhalter 2"/>
+          <p:cNvSpPr>
+            <a:spLocks noGrp="1"/>
+          </p:cNvSpPr>
+          <p:nvPr>
+            <p:ph idx="4294967295"/>
+          </p:nvPr>
+        </p:nvSpPr>
+        <p:spPr>
+          <a:xfrm>
+            <a:off x="179512" y="900000"/>
+            <a:ext cx="8496944" cy="4153744"/>
+          </a:xfrm>
+          <a:prstGeom prst="rect">
+            <a:avLst/>
+          </a:prstGeom>
+        </p:spPr>
+        <p:txBody>
+          <a:bodyPr anchor="ctr"/>
+          <a:lstStyle/>
+          <a:p>
+            <a:pPr marL="0" indent="0">
+              <a:buNone/>
+            </a:pPr>
+            <a:r>
+              <a:rPr lang="de-DE" sz="2000" b="1" smtClean="0"/>
+              <a:t>Was ist ein Programm</a:t>
+            </a:r>
+            <a:r>
+              <a:rPr lang="de-DE" sz="2000" b="1" dirty="0"/>
+              <a:t>?</a:t>
+            </a:r>
+          </a:p>
+          <a:p>
+            <a:pPr marL="0" indent="0">
+              <a:buNone/>
+            </a:pPr>
+            <a:r>
+              <a:rPr lang="de-DE" sz="2000" smtClean="0">
+                <a:solidFill>
+                  <a:schemeClr val="bg1">
+                    <a:lumMod val="75000"/>
+                  </a:schemeClr>
+                </a:solidFill>
+              </a:rPr>
+              <a:t>Syntax und Semantik</a:t>
+            </a:r>
+            <a:endParaRPr lang="de-DE" sz="2000" dirty="0">
+              <a:solidFill>
+                <a:schemeClr val="bg1">
+                  <a:lumMod val="75000"/>
+                </a:schemeClr>
+              </a:solidFill>
+            </a:endParaRPr>
+          </a:p>
+          <a:p>
+            <a:pPr marL="0" indent="0">
+              <a:buNone/>
+            </a:pPr>
+            <a:r>
+              <a:rPr lang="de-DE" sz="2000" smtClean="0">
+                <a:solidFill>
+                  <a:schemeClr val="bg1">
+                    <a:lumMod val="75000"/>
+                  </a:schemeClr>
+                </a:solidFill>
+              </a:rPr>
+              <a:t>Ein erstes Programm</a:t>
+            </a:r>
+            <a:endParaRPr lang="de-DE" sz="2000" dirty="0">
+              <a:solidFill>
+                <a:schemeClr val="bg1">
+                  <a:lumMod val="75000"/>
+                </a:schemeClr>
+              </a:solidFill>
+            </a:endParaRPr>
+          </a:p>
+          <a:p>
+            <a:pPr marL="0" indent="0">
+              <a:buNone/>
+            </a:pPr>
+            <a:r>
+              <a:rPr lang="de-DE" sz="2000" smtClean="0">
+                <a:solidFill>
+                  <a:schemeClr val="bg1">
+                    <a:lumMod val="75000"/>
+                  </a:schemeClr>
+                </a:solidFill>
+              </a:rPr>
+              <a:t>Primitive Datentypen und Variablen</a:t>
+            </a:r>
+            <a:endParaRPr lang="de-DE" sz="2000" dirty="0">
+              <a:solidFill>
+                <a:schemeClr val="bg1">
+                  <a:lumMod val="75000"/>
+                </a:schemeClr>
+              </a:solidFill>
+            </a:endParaRPr>
+          </a:p>
+          <a:p>
+            <a:pPr marL="0" indent="0">
+              <a:buNone/>
+            </a:pPr>
+            <a:r>
+              <a:rPr lang="de-DE" sz="2000" err="1" smtClean="0">
+                <a:solidFill>
+                  <a:schemeClr val="bg1">
+                    <a:lumMod val="75000"/>
+                  </a:schemeClr>
+                </a:solidFill>
+              </a:rPr>
+              <a:t>Abfragen</a:t>
+            </a:r>
+            <a:r>
+              <a:rPr lang="de-DE" sz="2000" smtClean="0">
+                <a:solidFill>
+                  <a:schemeClr val="bg1">
+                    <a:lumMod val="75000"/>
+                  </a:schemeClr>
+                </a:solidFill>
+              </a:rPr>
+              <a:t>, Schleifen</a:t>
+            </a:r>
+            <a:endParaRPr lang="de-DE" sz="2000" dirty="0">
+              <a:solidFill>
+                <a:schemeClr val="bg1">
+                  <a:lumMod val="75000"/>
+                </a:schemeClr>
+              </a:solidFill>
+            </a:endParaRPr>
+          </a:p>
+          <a:p>
+            <a:pPr marL="0" indent="0">
+              <a:buNone/>
+            </a:pPr>
+            <a:r>
+              <a:rPr lang="de-DE" sz="2000" i="1" dirty="0">
+                <a:solidFill>
+                  <a:schemeClr val="bg1">
+                    <a:lumMod val="75000"/>
+                  </a:schemeClr>
+                </a:solidFill>
+              </a:rPr>
+              <a:t>Objektorientierung:</a:t>
+            </a:r>
+          </a:p>
+          <a:p>
+            <a:pPr marL="0" indent="0">
+              <a:buNone/>
+            </a:pPr>
+            <a:r>
+              <a:rPr lang="de-DE" sz="2000" smtClean="0">
+                <a:solidFill>
+                  <a:schemeClr val="bg1">
+                    <a:lumMod val="75000"/>
+                  </a:schemeClr>
+                </a:solidFill>
+              </a:rPr>
+              <a:t>    Klassen und Objekte</a:t>
+            </a:r>
+            <a:endParaRPr lang="de-DE" sz="2000" dirty="0">
+              <a:solidFill>
+                <a:schemeClr val="bg1">
+                  <a:lumMod val="75000"/>
+                </a:schemeClr>
+              </a:solidFill>
+            </a:endParaRPr>
+          </a:p>
+          <a:p>
+            <a:pPr marL="0" indent="0">
+              <a:buNone/>
+            </a:pPr>
+            <a:r>
+              <a:rPr lang="de-DE" sz="2000" smtClean="0">
+                <a:solidFill>
+                  <a:schemeClr val="bg1">
+                    <a:lumMod val="75000"/>
+                  </a:schemeClr>
+                </a:solidFill>
+              </a:rPr>
+              <a:t>    Attribute und Methoden</a:t>
+            </a:r>
+            <a:endParaRPr lang="de-DE" sz="2000" dirty="0">
+              <a:solidFill>
+                <a:schemeClr val="bg1">
+                  <a:lumMod val="75000"/>
+                </a:schemeClr>
+              </a:solidFill>
+            </a:endParaRPr>
+          </a:p>
+          <a:p>
+            <a:pPr marL="0" indent="0">
+              <a:buNone/>
+            </a:pPr>
+            <a:r>
+              <a:rPr lang="de-DE" sz="2000" dirty="0">
+                <a:solidFill>
+                  <a:schemeClr val="bg1">
+                    <a:lumMod val="75000"/>
+                  </a:schemeClr>
+                </a:solidFill>
+              </a:rPr>
+              <a:t>Namenskonvention</a:t>
+            </a:r>
+          </a:p>
+          <a:p>
+            <a:pPr marL="0" indent="0">
+              <a:buNone/>
+            </a:pPr>
+            <a:r>
+              <a:rPr lang="de-DE" sz="2000" smtClean="0">
+                <a:solidFill>
+                  <a:schemeClr val="bg1">
+                    <a:lumMod val="75000"/>
+                  </a:schemeClr>
+                </a:solidFill>
+              </a:rPr>
+              <a:t>Strings und Arrays</a:t>
+            </a:r>
+            <a:endParaRPr lang="de-DE" sz="2000" dirty="0">
+              <a:solidFill>
+                <a:schemeClr val="bg1">
+                  <a:lumMod val="75000"/>
+                </a:schemeClr>
+              </a:solidFill>
+            </a:endParaRPr>
+          </a:p>
+        </p:txBody>
+      </p:sp>
+    </p:spTree>
+    <p:extLst>
+      <p:ext uri="{BB962C8B-B14F-4D97-AF65-F5344CB8AC3E}">
+        <p14:creationId xmlns:p14="http://schemas.microsoft.com/office/powerpoint/2010/main" val="3514032384"/>
+      </p:ext>
+    </p:extLst>
+  </p:cSld>
+  <p:clrMapOvr>
+    <a:masterClrMapping/>
+  </p:clrMapOvr>
+  <mc:AlternateContent xmlns:mc="http://schemas.openxmlformats.org/markup-compatibility/2006" xmlns:p14="http://schemas.microsoft.com/office/powerpoint/2010/main">
+    <mc:Choice Requires="p14">
+      <p:transition spd="med" p14:dur="700">
+        <p:fade/>
+      </p:transition>
+    </mc:Choice>
+    <mc:Fallback xmlns="">
+      <p:transition spd="med">
+        <p:fade/>
+      </p:transition>
+    </mc:Fallback>
+  </mc:AlternateContent>
+  <p:timing>
+    <p:tnLst>
+      <p:par>
+        <p:cTn id="1" dur="indefinite" restart="never" nodeType="tmRoot"/>
+      </p:par>
+    </p:tnLst>
+  </p:timing>
+</p:sld>
+</file>
+
+<file path=ppt/slides/slide50.xml><?xml version="1.0" encoding="utf-8"?>
 <p:sld xmlns:a="http://schemas.openxmlformats.org/drawingml/2006/main" xmlns:r="http://schemas.openxmlformats.org/officeDocument/2006/relationships" xmlns:p="http://schemas.openxmlformats.org/presentationml/2006/main">
   <p:cSld>
     <p:spTree>
@@ -29504,7 +31107,7 @@
 </p:sld>
 </file>
 
-<file path=ppt/slides/slide49.xml><?xml version="1.0" encoding="utf-8"?>
+<file path=ppt/slides/slide51.xml><?xml version="1.0" encoding="utf-8"?>
 <p:sld xmlns:a="http://schemas.openxmlformats.org/drawingml/2006/main" xmlns:r="http://schemas.openxmlformats.org/officeDocument/2006/relationships" xmlns:p="http://schemas.openxmlformats.org/presentationml/2006/main">
   <p:cSld>
     <p:spTree>
@@ -29927,318 +31530,7 @@
 </p:sld>
 </file>
 
-<file path=ppt/slides/slide5.xml><?xml version="1.0" encoding="utf-8"?>
-<p:sld xmlns:a="http://schemas.openxmlformats.org/drawingml/2006/main" xmlns:r="http://schemas.openxmlformats.org/officeDocument/2006/relationships" xmlns:p="http://schemas.openxmlformats.org/presentationml/2006/main">
-  <p:cSld>
-    <p:spTree>
-      <p:nvGrpSpPr>
-        <p:cNvPr id="1" name=""/>
-        <p:cNvGrpSpPr/>
-        <p:nvPr/>
-      </p:nvGrpSpPr>
-      <p:grpSpPr>
-        <a:xfrm>
-          <a:off x="0" y="0"/>
-          <a:ext cx="0" cy="0"/>
-          <a:chOff x="0" y="0"/>
-          <a:chExt cx="0" cy="0"/>
-        </a:xfrm>
-      </p:grpSpPr>
-      <p:sp>
-        <p:nvSpPr>
-          <p:cNvPr id="2" name="Titel 1"/>
-          <p:cNvSpPr>
-            <a:spLocks noGrp="1"/>
-          </p:cNvSpPr>
-          <p:nvPr>
-            <p:ph type="title"/>
-          </p:nvPr>
-        </p:nvSpPr>
-        <p:spPr/>
-        <p:txBody>
-          <a:bodyPr/>
-          <a:lstStyle/>
-          <a:p>
-            <a:r>
-              <a:rPr lang="de-DE" smtClean="0">
-                <a:solidFill>
-                  <a:srgbClr val="831420"/>
-                </a:solidFill>
-              </a:rPr>
-              <a:t>Themen</a:t>
-            </a:r>
-            <a:endParaRPr lang="de-DE" dirty="0">
-              <a:solidFill>
-                <a:srgbClr val="831420"/>
-              </a:solidFill>
-            </a:endParaRPr>
-          </a:p>
-        </p:txBody>
-      </p:sp>
-      <p:sp>
-        <p:nvSpPr>
-          <p:cNvPr id="3" name="Inhaltsplatzhalter 2"/>
-          <p:cNvSpPr>
-            <a:spLocks noGrp="1"/>
-          </p:cNvSpPr>
-          <p:nvPr>
-            <p:ph idx="4294967295"/>
-          </p:nvPr>
-        </p:nvSpPr>
-        <p:spPr>
-          <a:xfrm>
-            <a:off x="179512" y="900000"/>
-            <a:ext cx="8496944" cy="4153744"/>
-          </a:xfrm>
-          <a:prstGeom prst="rect">
-            <a:avLst/>
-          </a:prstGeom>
-        </p:spPr>
-        <p:txBody>
-          <a:bodyPr anchor="ctr"/>
-          <a:lstStyle/>
-          <a:p>
-            <a:pPr marL="0" indent="0">
-              <a:buNone/>
-            </a:pPr>
-            <a:r>
-              <a:rPr lang="de-DE" sz="2000" b="1" smtClean="0"/>
-              <a:t>Was ist ein Programm</a:t>
-            </a:r>
-            <a:r>
-              <a:rPr lang="de-DE" sz="2000" b="1" dirty="0"/>
-              <a:t>?</a:t>
-            </a:r>
-          </a:p>
-          <a:p>
-            <a:pPr marL="0" indent="0">
-              <a:buNone/>
-            </a:pPr>
-            <a:r>
-              <a:rPr lang="de-DE" sz="2000" smtClean="0">
-                <a:solidFill>
-                  <a:schemeClr val="bg1">
-                    <a:lumMod val="75000"/>
-                  </a:schemeClr>
-                </a:solidFill>
-              </a:rPr>
-              <a:t>Syntax und Semantik</a:t>
-            </a:r>
-            <a:endParaRPr lang="de-DE" sz="2000" dirty="0">
-              <a:solidFill>
-                <a:schemeClr val="bg1">
-                  <a:lumMod val="75000"/>
-                </a:schemeClr>
-              </a:solidFill>
-            </a:endParaRPr>
-          </a:p>
-          <a:p>
-            <a:pPr marL="0" indent="0">
-              <a:buNone/>
-            </a:pPr>
-            <a:r>
-              <a:rPr lang="de-DE" sz="2000" smtClean="0">
-                <a:solidFill>
-                  <a:schemeClr val="bg1">
-                    <a:lumMod val="75000"/>
-                  </a:schemeClr>
-                </a:solidFill>
-              </a:rPr>
-              <a:t>Ein erstes Programm</a:t>
-            </a:r>
-            <a:endParaRPr lang="de-DE" sz="2000" dirty="0">
-              <a:solidFill>
-                <a:schemeClr val="bg1">
-                  <a:lumMod val="75000"/>
-                </a:schemeClr>
-              </a:solidFill>
-            </a:endParaRPr>
-          </a:p>
-          <a:p>
-            <a:pPr marL="0" indent="0">
-              <a:buNone/>
-            </a:pPr>
-            <a:r>
-              <a:rPr lang="de-DE" sz="2000" smtClean="0">
-                <a:solidFill>
-                  <a:schemeClr val="bg1">
-                    <a:lumMod val="75000"/>
-                  </a:schemeClr>
-                </a:solidFill>
-              </a:rPr>
-              <a:t>Primitive Datentypen und Variablen</a:t>
-            </a:r>
-            <a:endParaRPr lang="de-DE" sz="2000" dirty="0">
-              <a:solidFill>
-                <a:schemeClr val="bg1">
-                  <a:lumMod val="75000"/>
-                </a:schemeClr>
-              </a:solidFill>
-            </a:endParaRPr>
-          </a:p>
-          <a:p>
-            <a:pPr marL="0" indent="0">
-              <a:buNone/>
-            </a:pPr>
-            <a:r>
-              <a:rPr lang="de-DE" sz="2000" err="1" smtClean="0">
-                <a:solidFill>
-                  <a:schemeClr val="bg1">
-                    <a:lumMod val="75000"/>
-                  </a:schemeClr>
-                </a:solidFill>
-              </a:rPr>
-              <a:t>Abfragen</a:t>
-            </a:r>
-            <a:r>
-              <a:rPr lang="de-DE" sz="2000" smtClean="0">
-                <a:solidFill>
-                  <a:schemeClr val="bg1">
-                    <a:lumMod val="75000"/>
-                  </a:schemeClr>
-                </a:solidFill>
-              </a:rPr>
-              <a:t>, Schleifen</a:t>
-            </a:r>
-            <a:endParaRPr lang="de-DE" sz="2000" dirty="0">
-              <a:solidFill>
-                <a:schemeClr val="bg1">
-                  <a:lumMod val="75000"/>
-                </a:schemeClr>
-              </a:solidFill>
-            </a:endParaRPr>
-          </a:p>
-          <a:p>
-            <a:pPr marL="0" indent="0">
-              <a:buNone/>
-            </a:pPr>
-            <a:r>
-              <a:rPr lang="de-DE" sz="2000" i="1" dirty="0">
-                <a:solidFill>
-                  <a:schemeClr val="bg1">
-                    <a:lumMod val="75000"/>
-                  </a:schemeClr>
-                </a:solidFill>
-              </a:rPr>
-              <a:t>Objektorientierung:</a:t>
-            </a:r>
-          </a:p>
-          <a:p>
-            <a:pPr marL="0" indent="0">
-              <a:buNone/>
-            </a:pPr>
-            <a:r>
-              <a:rPr lang="de-DE" sz="2000" smtClean="0">
-                <a:solidFill>
-                  <a:schemeClr val="bg1">
-                    <a:lumMod val="75000"/>
-                  </a:schemeClr>
-                </a:solidFill>
-              </a:rPr>
-              <a:t>    Klassen und Objekte</a:t>
-            </a:r>
-            <a:endParaRPr lang="de-DE" sz="2000" dirty="0">
-              <a:solidFill>
-                <a:schemeClr val="bg1">
-                  <a:lumMod val="75000"/>
-                </a:schemeClr>
-              </a:solidFill>
-            </a:endParaRPr>
-          </a:p>
-          <a:p>
-            <a:pPr marL="0" indent="0">
-              <a:buNone/>
-            </a:pPr>
-            <a:r>
-              <a:rPr lang="de-DE" sz="2000" smtClean="0">
-                <a:solidFill>
-                  <a:schemeClr val="bg1">
-                    <a:lumMod val="75000"/>
-                  </a:schemeClr>
-                </a:solidFill>
-              </a:rPr>
-              <a:t>    Attribute und Methoden</a:t>
-            </a:r>
-            <a:endParaRPr lang="de-DE" sz="2000" dirty="0">
-              <a:solidFill>
-                <a:schemeClr val="bg1">
-                  <a:lumMod val="75000"/>
-                </a:schemeClr>
-              </a:solidFill>
-            </a:endParaRPr>
-          </a:p>
-          <a:p>
-            <a:pPr marL="0" indent="0">
-              <a:buNone/>
-            </a:pPr>
-            <a:r>
-              <a:rPr lang="de-DE" sz="2000" dirty="0">
-                <a:solidFill>
-                  <a:schemeClr val="bg1">
-                    <a:lumMod val="75000"/>
-                  </a:schemeClr>
-                </a:solidFill>
-              </a:rPr>
-              <a:t>Namenskonvention</a:t>
-            </a:r>
-          </a:p>
-          <a:p>
-            <a:pPr marL="0" indent="0">
-              <a:buNone/>
-            </a:pPr>
-            <a:r>
-              <a:rPr lang="de-DE" sz="2000" smtClean="0">
-                <a:solidFill>
-                  <a:schemeClr val="bg1">
-                    <a:lumMod val="75000"/>
-                  </a:schemeClr>
-                </a:solidFill>
-              </a:rPr>
-              <a:t>Strings und Arrays</a:t>
-            </a:r>
-            <a:endParaRPr lang="de-DE" sz="2000" dirty="0">
-              <a:solidFill>
-                <a:schemeClr val="bg1">
-                  <a:lumMod val="75000"/>
-                </a:schemeClr>
-              </a:solidFill>
-            </a:endParaRPr>
-          </a:p>
-        </p:txBody>
-      </p:sp>
-    </p:spTree>
-    <p:extLst>
-      <p:ext uri="{BB962C8B-B14F-4D97-AF65-F5344CB8AC3E}">
-        <p14:creationId xmlns:p14="http://schemas.microsoft.com/office/powerpoint/2010/main" val="3514032384"/>
-      </p:ext>
-    </p:extLst>
-  </p:cSld>
-  <p:clrMapOvr>
-    <a:masterClrMapping/>
-  </p:clrMapOvr>
-  <mc:AlternateContent xmlns:mc="http://schemas.openxmlformats.org/markup-compatibility/2006" xmlns:p14="http://schemas.microsoft.com/office/powerpoint/2010/main">
-    <mc:Choice Requires="p14">
-      <p:transition spd="med" p14:dur="700">
-        <p:fade/>
-      </p:transition>
-    </mc:Choice>
-    <mc:Fallback xmlns="">
-      <p:transition spd="med">
-        <p:fade/>
-      </p:transition>
-    </mc:Fallback>
-  </mc:AlternateContent>
-  <p:timing>
-    <p:tnLst>
-      <p:par>
-        <p:cTn id="1" dur="indefinite" restart="never" nodeType="tmRoot"/>
-      </p:par>
-    </p:tnLst>
-  </p:timing>
-</p:sld>
-</file>
-
-<file path=ppt/slides/slide50.xml><?xml version="1.0" encoding="utf-8"?>
+<file path=ppt/slides/slide52.xml><?xml version="1.0" encoding="utf-8"?>
 <p:sld xmlns:a="http://schemas.openxmlformats.org/drawingml/2006/main" xmlns:r="http://schemas.openxmlformats.org/officeDocument/2006/relationships" xmlns:p="http://schemas.openxmlformats.org/presentationml/2006/main">
   <p:cSld>
     <p:spTree>
@@ -30426,7 +31718,7 @@
 </p:sld>
 </file>
 
-<file path=ppt/slides/slide51.xml><?xml version="1.0" encoding="utf-8"?>
+<file path=ppt/slides/slide53.xml><?xml version="1.0" encoding="utf-8"?>
 <p:sld xmlns:a="http://schemas.openxmlformats.org/drawingml/2006/main" xmlns:r="http://schemas.openxmlformats.org/officeDocument/2006/relationships" xmlns:p="http://schemas.openxmlformats.org/presentationml/2006/main">
   <p:cSld>
     <p:spTree>
@@ -30592,7 +31884,7 @@
 </p:sld>
 </file>
 
-<file path=ppt/slides/slide52.xml><?xml version="1.0" encoding="utf-8"?>
+<file path=ppt/slides/slide54.xml><?xml version="1.0" encoding="utf-8"?>
 <p:sld xmlns:a="http://schemas.openxmlformats.org/drawingml/2006/main" xmlns:r="http://schemas.openxmlformats.org/officeDocument/2006/relationships" xmlns:p="http://schemas.openxmlformats.org/presentationml/2006/main">
   <p:cSld>
     <p:spTree>

--- a/Präsentationen/Anfänger - Java mit NAO.pptx
+++ b/Präsentationen/Anfänger - Java mit NAO.pptx
@@ -261,7 +261,7 @@
           <a:p>
             <a:fld id="{CC55654B-D41D-4425-B58F-55C2DEAC0691}" type="datetimeFigureOut">
               <a:rPr lang="de-DE" smtClean="0"/>
-              <a:t>12.05.2017</a:t>
+              <a:t>19.06.2017</a:t>
             </a:fld>
             <a:endParaRPr lang="de-DE"/>
           </a:p>
@@ -6469,7 +6469,7 @@
           <a:p>
             <a:fld id="{82DEAF87-53B6-4B16-83D2-2F0231427512}" type="datetimeFigureOut">
               <a:rPr lang="de-DE" smtClean="0"/>
-              <a:t>12.05.2017</a:t>
+              <a:t>19.06.2017</a:t>
             </a:fld>
             <a:endParaRPr lang="de-DE"/>
           </a:p>
@@ -6686,7 +6686,7 @@
           <a:p>
             <a:fld id="{82DEAF87-53B6-4B16-83D2-2F0231427512}" type="datetimeFigureOut">
               <a:rPr lang="de-DE" smtClean="0"/>
-              <a:t>12.05.2017</a:t>
+              <a:t>19.06.2017</a:t>
             </a:fld>
             <a:endParaRPr lang="de-DE"/>
           </a:p>
@@ -6896,7 +6896,7 @@
           <a:p>
             <a:fld id="{82DEAF87-53B6-4B16-83D2-2F0231427512}" type="datetimeFigureOut">
               <a:rPr lang="de-DE" smtClean="0"/>
-              <a:t>12.05.2017</a:t>
+              <a:t>19.06.2017</a:t>
             </a:fld>
             <a:endParaRPr lang="de-DE"/>
           </a:p>
@@ -7172,7 +7172,7 @@
           <a:p>
             <a:fld id="{82DEAF87-53B6-4B16-83D2-2F0231427512}" type="datetimeFigureOut">
               <a:rPr lang="de-DE" smtClean="0"/>
-              <a:t>12.05.2017</a:t>
+              <a:t>19.06.2017</a:t>
             </a:fld>
             <a:endParaRPr lang="de-DE"/>
           </a:p>
@@ -7455,7 +7455,7 @@
           <a:p>
             <a:fld id="{82DEAF87-53B6-4B16-83D2-2F0231427512}" type="datetimeFigureOut">
               <a:rPr lang="de-DE" smtClean="0"/>
-              <a:t>12.05.2017</a:t>
+              <a:t>19.06.2017</a:t>
             </a:fld>
             <a:endParaRPr lang="de-DE"/>
           </a:p>
@@ -7781,7 +7781,7 @@
           <a:p>
             <a:fld id="{82DEAF87-53B6-4B16-83D2-2F0231427512}" type="datetimeFigureOut">
               <a:rPr lang="de-DE" smtClean="0"/>
-              <a:t>12.05.2017</a:t>
+              <a:t>19.06.2017</a:t>
             </a:fld>
             <a:endParaRPr lang="de-DE"/>
           </a:p>
@@ -8247,7 +8247,7 @@
           <a:p>
             <a:fld id="{82DEAF87-53B6-4B16-83D2-2F0231427512}" type="datetimeFigureOut">
               <a:rPr lang="de-DE" smtClean="0"/>
-              <a:t>12.05.2017</a:t>
+              <a:t>19.06.2017</a:t>
             </a:fld>
             <a:endParaRPr lang="de-DE"/>
           </a:p>
@@ -8397,7 +8397,7 @@
           <a:p>
             <a:fld id="{82DEAF87-53B6-4B16-83D2-2F0231427512}" type="datetimeFigureOut">
               <a:rPr lang="de-DE" smtClean="0"/>
-              <a:t>12.05.2017</a:t>
+              <a:t>19.06.2017</a:t>
             </a:fld>
             <a:endParaRPr lang="de-DE"/>
           </a:p>
@@ -8516,7 +8516,7 @@
           <a:p>
             <a:fld id="{82DEAF87-53B6-4B16-83D2-2F0231427512}" type="datetimeFigureOut">
               <a:rPr lang="de-DE" smtClean="0"/>
-              <a:t>12.05.2017</a:t>
+              <a:t>19.06.2017</a:t>
             </a:fld>
             <a:endParaRPr lang="de-DE"/>
           </a:p>
@@ -8826,7 +8826,7 @@
           <a:p>
             <a:fld id="{82DEAF87-53B6-4B16-83D2-2F0231427512}" type="datetimeFigureOut">
               <a:rPr lang="de-DE" smtClean="0"/>
-              <a:t>12.05.2017</a:t>
+              <a:t>19.06.2017</a:t>
             </a:fld>
             <a:endParaRPr lang="de-DE"/>
           </a:p>
@@ -9112,7 +9112,7 @@
           <a:p>
             <a:fld id="{82DEAF87-53B6-4B16-83D2-2F0231427512}" type="datetimeFigureOut">
               <a:rPr lang="de-DE" smtClean="0"/>
-              <a:t>12.05.2017</a:t>
+              <a:t>19.06.2017</a:t>
             </a:fld>
             <a:endParaRPr lang="de-DE"/>
           </a:p>
@@ -13637,7 +13637,7 @@
           <p:nvPr>
             <p:extLst>
               <p:ext uri="{D42A27DB-BD31-4B8C-83A1-F6EECF244321}">
-                <p14:modId xmlns:p14="http://schemas.microsoft.com/office/powerpoint/2010/main" val="348139863"/>
+                <p14:modId xmlns:p14="http://schemas.microsoft.com/office/powerpoint/2010/main" val="2616915472"/>
               </p:ext>
             </p:extLst>
           </p:nvPr>
@@ -14019,7 +14019,7 @@
                             <a:schemeClr val="tx2"/>
                           </a:solidFill>
                         </a:rPr>
-                        <a:t>-4 294 967 296</a:t>
+                        <a:t>-2 147 483 648</a:t>
                       </a:r>
                       <a:endParaRPr lang="de-DE" sz="1600" dirty="0">
                         <a:solidFill>
@@ -14044,7 +14044,7 @@
                             <a:schemeClr val="tx2"/>
                           </a:solidFill>
                         </a:rPr>
-                        <a:t>4 294 967 296</a:t>
+                        <a:t>2 147 483 647</a:t>
                       </a:r>
                       <a:endParaRPr lang="de-DE" sz="1600" dirty="0">
                         <a:solidFill>
@@ -24776,11 +24776,7 @@
             </a:r>
             <a:r>
               <a:rPr lang="de-DE" sz="2000" dirty="0" smtClean="0"/>
-              <a:t> </a:t>
-            </a:r>
-            <a:r>
-              <a:rPr lang="de-DE" sz="2000" dirty="0" smtClean="0"/>
-              <a:t>haben zudem einen </a:t>
+              <a:t> haben zudem einen </a:t>
             </a:r>
             <a:r>
               <a:rPr lang="de-DE" sz="2000" u="sng" dirty="0" smtClean="0"/>
@@ -25169,26 +25165,14 @@
           <a:p>
             <a:r>
               <a:rPr lang="de-DE" sz="2000" dirty="0" smtClean="0"/>
-              <a:t> Der </a:t>
-            </a:r>
-            <a:r>
-              <a:rPr lang="de-DE" sz="2000" dirty="0" smtClean="0"/>
-              <a:t>Rückgabewert kann direkt in einer Variable mit gleichem </a:t>
-            </a:r>
-            <a:r>
-              <a:rPr lang="de-DE" sz="2000" dirty="0" smtClean="0"/>
-              <a:t>Datentyp</a:t>
+              <a:t> Der Rückgabewert kann direkt in einer Variable mit gleichem Datentyp</a:t>
             </a:r>
             <a:br>
               <a:rPr lang="de-DE" sz="2000" dirty="0" smtClean="0"/>
             </a:br>
             <a:r>
               <a:rPr lang="de-DE" sz="2000" dirty="0" smtClean="0"/>
-              <a:t> gespeichert </a:t>
-            </a:r>
-            <a:r>
-              <a:rPr lang="de-DE" sz="2000" dirty="0" smtClean="0"/>
-              <a:t>werden</a:t>
+              <a:t> gespeichert werden</a:t>
             </a:r>
           </a:p>
         </p:txBody>
@@ -25336,13 +25320,13 @@
   <p:clrMapOvr>
     <a:masterClrMapping/>
   </p:clrMapOvr>
-  <mc:AlternateContent xmlns:mc="http://schemas.openxmlformats.org/markup-compatibility/2006">
-    <mc:Choice xmlns:p14="http://schemas.microsoft.com/office/powerpoint/2010/main" Requires="p14">
+  <mc:AlternateContent xmlns:mc="http://schemas.openxmlformats.org/markup-compatibility/2006" xmlns:p14="http://schemas.microsoft.com/office/powerpoint/2010/main">
+    <mc:Choice Requires="p14">
       <p:transition spd="med" p14:dur="700">
         <p:fade/>
       </p:transition>
     </mc:Choice>
-    <mc:Fallback>
+    <mc:Fallback xmlns="">
       <p:transition spd="med">
         <p:fade/>
       </p:transition>
@@ -25736,7 +25720,7 @@
       </p:sp>
       <p:pic>
         <p:nvPicPr>
-          <p:cNvPr id="8" name="Grafik 7"/>
+          <p:cNvPr id="6" name="Grafik 5"/>
           <p:cNvPicPr>
             <a:picLocks noChangeAspect="1"/>
           </p:cNvPicPr>
@@ -25756,8 +25740,8 @@
         </p:blipFill>
         <p:spPr>
           <a:xfrm>
-            <a:off x="5471407" y="877280"/>
-            <a:ext cx="3277057" cy="1267002"/>
+            <a:off x="276849" y="3729631"/>
+            <a:ext cx="2924583" cy="1124107"/>
           </a:xfrm>
           <a:prstGeom prst="rect">
             <a:avLst/>
@@ -25766,7 +25750,7 @@
       </p:pic>
       <p:pic>
         <p:nvPicPr>
-          <p:cNvPr id="6" name="Grafik 5"/>
+          <p:cNvPr id="9" name="Grafik 8"/>
           <p:cNvPicPr>
             <a:picLocks noChangeAspect="1"/>
           </p:cNvPicPr>
@@ -25786,8 +25770,8 @@
         </p:blipFill>
         <p:spPr>
           <a:xfrm>
-            <a:off x="282904" y="3740509"/>
-            <a:ext cx="3067478" cy="1095528"/>
+            <a:off x="4932411" y="3969140"/>
+            <a:ext cx="3238952" cy="638264"/>
           </a:xfrm>
           <a:prstGeom prst="rect">
             <a:avLst/>
@@ -25796,7 +25780,7 @@
       </p:pic>
       <p:pic>
         <p:nvPicPr>
-          <p:cNvPr id="9" name="Grafik 8"/>
+          <p:cNvPr id="10" name="Grafik 9"/>
           <p:cNvPicPr>
             <a:picLocks noChangeAspect="1"/>
           </p:cNvPicPr>
@@ -25816,8 +25800,8 @@
         </p:blipFill>
         <p:spPr>
           <a:xfrm>
-            <a:off x="4932040" y="3973904"/>
-            <a:ext cx="3210373" cy="628738"/>
+            <a:off x="282904" y="2408218"/>
+            <a:ext cx="2905530" cy="1114581"/>
           </a:xfrm>
           <a:prstGeom prst="rect">
             <a:avLst/>
@@ -25826,7 +25810,7 @@
       </p:pic>
       <p:pic>
         <p:nvPicPr>
-          <p:cNvPr id="10" name="Grafik 9"/>
+          <p:cNvPr id="11" name="Grafik 10"/>
           <p:cNvPicPr>
             <a:picLocks noChangeAspect="1"/>
           </p:cNvPicPr>
@@ -25846,38 +25830,8 @@
         </p:blipFill>
         <p:spPr>
           <a:xfrm>
-            <a:off x="282904" y="2408221"/>
-            <a:ext cx="3105583" cy="1114581"/>
-          </a:xfrm>
-          <a:prstGeom prst="rect">
-            <a:avLst/>
-          </a:prstGeom>
-        </p:spPr>
-      </p:pic>
-      <p:pic>
-        <p:nvPicPr>
-          <p:cNvPr id="11" name="Grafik 10"/>
-          <p:cNvPicPr>
-            <a:picLocks noChangeAspect="1"/>
-          </p:cNvPicPr>
-          <p:nvPr/>
-        </p:nvPicPr>
-        <p:blipFill>
-          <a:blip r:embed="rId7">
-            <a:extLst>
-              <a:ext uri="{28A0092B-C50C-407E-A947-70E740481C1C}">
-                <a14:useLocalDpi xmlns:a14="http://schemas.microsoft.com/office/drawing/2010/main" val="0"/>
-              </a:ext>
-            </a:extLst>
-          </a:blip>
-          <a:stretch>
-            <a:fillRect/>
-          </a:stretch>
-        </p:blipFill>
-        <p:spPr>
-          <a:xfrm>
-            <a:off x="4932412" y="2636852"/>
-            <a:ext cx="3219899" cy="657317"/>
+            <a:off x="4932412" y="2642571"/>
+            <a:ext cx="3219899" cy="645878"/>
           </a:xfrm>
           <a:prstGeom prst="rect">
             <a:avLst/>
@@ -25970,6 +25924,36 @@
           </a:p>
         </p:txBody>
       </p:sp>
+      <p:pic>
+        <p:nvPicPr>
+          <p:cNvPr id="14" name="Grafik 13"/>
+          <p:cNvPicPr>
+            <a:picLocks noChangeAspect="1"/>
+          </p:cNvPicPr>
+          <p:nvPr/>
+        </p:nvPicPr>
+        <p:blipFill>
+          <a:blip r:embed="rId7">
+            <a:extLst>
+              <a:ext uri="{28A0092B-C50C-407E-A947-70E740481C1C}">
+                <a14:useLocalDpi xmlns:a14="http://schemas.microsoft.com/office/drawing/2010/main" val="0"/>
+              </a:ext>
+            </a:extLst>
+          </a:blip>
+          <a:stretch>
+            <a:fillRect/>
+          </a:stretch>
+        </p:blipFill>
+        <p:spPr>
+          <a:xfrm>
+            <a:off x="5473478" y="877280"/>
+            <a:ext cx="3295650" cy="1266825"/>
+          </a:xfrm>
+          <a:prstGeom prst="rect">
+            <a:avLst/>
+          </a:prstGeom>
+        </p:spPr>
+      </p:pic>
     </p:spTree>
     <p:extLst>
       <p:ext uri="{BB962C8B-B14F-4D97-AF65-F5344CB8AC3E}">

--- a/Präsentationen/Anfänger - Java mit NAO.pptx
+++ b/Präsentationen/Anfänger - Java mit NAO.pptx
@@ -5,7 +5,7 @@
     <p:sldMasterId id="2147483648" r:id="rId1"/>
   </p:sldMasterIdLst>
   <p:notesMasterIdLst>
-    <p:notesMasterId r:id="rId56"/>
+    <p:notesMasterId r:id="rId57"/>
   </p:notesMasterIdLst>
   <p:sldIdLst>
     <p:sldId id="288" r:id="rId2"/>
@@ -47,21 +47,22 @@
     <p:sldId id="335" r:id="rId38"/>
     <p:sldId id="336" r:id="rId39"/>
     <p:sldId id="318" r:id="rId40"/>
-    <p:sldId id="321" r:id="rId41"/>
-    <p:sldId id="320" r:id="rId42"/>
-    <p:sldId id="322" r:id="rId43"/>
-    <p:sldId id="319" r:id="rId44"/>
-    <p:sldId id="323" r:id="rId45"/>
-    <p:sldId id="324" r:id="rId46"/>
-    <p:sldId id="326" r:id="rId47"/>
-    <p:sldId id="327" r:id="rId48"/>
-    <p:sldId id="328" r:id="rId49"/>
-    <p:sldId id="329" r:id="rId50"/>
-    <p:sldId id="330" r:id="rId51"/>
-    <p:sldId id="331" r:id="rId52"/>
-    <p:sldId id="332" r:id="rId53"/>
-    <p:sldId id="325" r:id="rId54"/>
-    <p:sldId id="333" r:id="rId55"/>
+    <p:sldId id="337" r:id="rId41"/>
+    <p:sldId id="321" r:id="rId42"/>
+    <p:sldId id="320" r:id="rId43"/>
+    <p:sldId id="322" r:id="rId44"/>
+    <p:sldId id="319" r:id="rId45"/>
+    <p:sldId id="323" r:id="rId46"/>
+    <p:sldId id="324" r:id="rId47"/>
+    <p:sldId id="326" r:id="rId48"/>
+    <p:sldId id="327" r:id="rId49"/>
+    <p:sldId id="328" r:id="rId50"/>
+    <p:sldId id="329" r:id="rId51"/>
+    <p:sldId id="330" r:id="rId52"/>
+    <p:sldId id="331" r:id="rId53"/>
+    <p:sldId id="332" r:id="rId54"/>
+    <p:sldId id="325" r:id="rId55"/>
+    <p:sldId id="333" r:id="rId56"/>
   </p:sldIdLst>
   <p:sldSz cx="9144000" cy="5715000" type="screen16x10"/>
   <p:notesSz cx="6858000" cy="9144000"/>
@@ -261,7 +262,7 @@
           <a:p>
             <a:fld id="{CC55654B-D41D-4425-B58F-55C2DEAC0691}" type="datetimeFigureOut">
               <a:rPr lang="de-DE" smtClean="0"/>
-              <a:t>19.06.2017</a:t>
+              <a:t>23.06.2017</a:t>
             </a:fld>
             <a:endParaRPr lang="de-DE"/>
           </a:p>
@@ -4212,7 +4213,60 @@
           <a:bodyPr/>
           <a:lstStyle/>
           <a:p>
-            <a:endParaRPr lang="de-DE" i="1" baseline="0" dirty="0" smtClean="0"/>
+            <a:r>
+              <a:rPr lang="de-DE" i="0" u="none" baseline="0" dirty="0" smtClean="0">
+                <a:sym typeface="Wingdings" panose="05000000000000000000" pitchFamily="2" charset="2"/>
+              </a:rPr>
+              <a:t>Im ersten Beispiel ist zu sehen wie man zwei Parameter gleichzeitig an eine Methode übergibt.</a:t>
+            </a:r>
+          </a:p>
+          <a:p>
+            <a:r>
+              <a:rPr lang="de-DE" i="0" u="none" baseline="0" dirty="0" smtClean="0">
+                <a:sym typeface="Wingdings" panose="05000000000000000000" pitchFamily="2" charset="2"/>
+              </a:rPr>
+              <a:t>Hinzu kommt (ist aber nicht ganz so wichtig), dass man auch „innerhalb“ des </a:t>
+            </a:r>
+            <a:r>
+              <a:rPr lang="de-DE" i="0" u="none" baseline="0" dirty="0" err="1" smtClean="0">
+                <a:sym typeface="Wingdings" panose="05000000000000000000" pitchFamily="2" charset="2"/>
+              </a:rPr>
+              <a:t>return</a:t>
+            </a:r>
+            <a:r>
+              <a:rPr lang="de-DE" i="0" u="none" baseline="0" dirty="0" smtClean="0">
+                <a:sym typeface="Wingdings" panose="05000000000000000000" pitchFamily="2" charset="2"/>
+              </a:rPr>
+              <a:t>-Statements noch einen Rückgabewert berechnen kann.</a:t>
+            </a:r>
+          </a:p>
+          <a:p>
+            <a:endParaRPr lang="de-DE" i="0" u="none" baseline="0" dirty="0" smtClean="0">
+              <a:sym typeface="Wingdings" panose="05000000000000000000" pitchFamily="2" charset="2"/>
+            </a:endParaRPr>
+          </a:p>
+          <a:p>
+            <a:r>
+              <a:rPr lang="de-DE" i="0" u="none" baseline="0" dirty="0" smtClean="0">
+                <a:sym typeface="Wingdings" panose="05000000000000000000" pitchFamily="2" charset="2"/>
+              </a:rPr>
+              <a:t>Im zweiten Beispiel ist zu sehen, dass die Methode nach einem </a:t>
+            </a:r>
+            <a:r>
+              <a:rPr lang="de-DE" i="0" u="none" baseline="0" dirty="0" err="1" smtClean="0">
+                <a:sym typeface="Wingdings" panose="05000000000000000000" pitchFamily="2" charset="2"/>
+              </a:rPr>
+              <a:t>return</a:t>
+            </a:r>
+            <a:r>
+              <a:rPr lang="de-DE" i="0" u="none" baseline="0" dirty="0" smtClean="0">
+                <a:sym typeface="Wingdings" panose="05000000000000000000" pitchFamily="2" charset="2"/>
+              </a:rPr>
+              <a:t>-Statement abbricht, und wie man Methoden mit Parametern korrekt aufruft.</a:t>
+            </a:r>
+            <a:endParaRPr lang="de-DE" i="0" u="none" baseline="0" dirty="0" smtClean="0">
+              <a:sym typeface="Wingdings" panose="05000000000000000000" pitchFamily="2" charset="2"/>
+            </a:endParaRPr>
           </a:p>
         </p:txBody>
       </p:sp>
@@ -4242,7 +4296,7 @@
     </p:spTree>
     <p:extLst>
       <p:ext uri="{BB962C8B-B14F-4D97-AF65-F5344CB8AC3E}">
-        <p14:creationId xmlns:p14="http://schemas.microsoft.com/office/powerpoint/2010/main" val="256478923"/>
+        <p14:creationId xmlns:p14="http://schemas.microsoft.com/office/powerpoint/2010/main" val="104421355"/>
       </p:ext>
     </p:extLst>
   </p:cSld>
@@ -4296,9 +4350,7 @@
           <a:bodyPr/>
           <a:lstStyle/>
           <a:p>
-            <a:endParaRPr lang="de-DE" i="0" u="none" baseline="0" dirty="0" smtClean="0">
-              <a:sym typeface="Wingdings" panose="05000000000000000000" pitchFamily="2" charset="2"/>
-            </a:endParaRPr>
+            <a:endParaRPr lang="de-DE" i="1" baseline="0" dirty="0" smtClean="0"/>
           </a:p>
         </p:txBody>
       </p:sp>
@@ -4328,7 +4380,7 @@
     </p:spTree>
     <p:extLst>
       <p:ext uri="{BB962C8B-B14F-4D97-AF65-F5344CB8AC3E}">
-        <p14:creationId xmlns:p14="http://schemas.microsoft.com/office/powerpoint/2010/main" val="508040793"/>
+        <p14:creationId xmlns:p14="http://schemas.microsoft.com/office/powerpoint/2010/main" val="256478923"/>
       </p:ext>
     </p:extLst>
   </p:cSld>
@@ -4382,28 +4434,9 @@
           <a:bodyPr/>
           <a:lstStyle/>
           <a:p>
-            <a:r>
-              <a:rPr lang="de-DE" i="0" u="none" baseline="0" dirty="0" smtClean="0">
-                <a:sym typeface="Wingdings" panose="05000000000000000000" pitchFamily="2" charset="2"/>
-              </a:rPr>
-              <a:t>Klassennamen und Konstanten sind außerdem meistens Nomen,</a:t>
-            </a:r>
-          </a:p>
-          <a:p>
-            <a:r>
-              <a:rPr lang="de-DE" i="0" u="none" baseline="0" dirty="0" smtClean="0">
-                <a:sym typeface="Wingdings" panose="05000000000000000000" pitchFamily="2" charset="2"/>
-              </a:rPr>
-              <a:t>während Variablen und Attribute Adjektive</a:t>
-            </a:r>
-          </a:p>
-          <a:p>
-            <a:r>
-              <a:rPr lang="de-DE" i="0" u="none" baseline="0" dirty="0" smtClean="0">
-                <a:sym typeface="Wingdings" panose="05000000000000000000" pitchFamily="2" charset="2"/>
-              </a:rPr>
-              <a:t>und Methoden Verben sind.</a:t>
-            </a:r>
+            <a:endParaRPr lang="de-DE" i="0" u="none" baseline="0" dirty="0" smtClean="0">
+              <a:sym typeface="Wingdings" panose="05000000000000000000" pitchFamily="2" charset="2"/>
+            </a:endParaRPr>
           </a:p>
         </p:txBody>
       </p:sp>
@@ -4433,7 +4466,7 @@
     </p:spTree>
     <p:extLst>
       <p:ext uri="{BB962C8B-B14F-4D97-AF65-F5344CB8AC3E}">
-        <p14:creationId xmlns:p14="http://schemas.microsoft.com/office/powerpoint/2010/main" val="1584262849"/>
+        <p14:creationId xmlns:p14="http://schemas.microsoft.com/office/powerpoint/2010/main" val="508040793"/>
       </p:ext>
     </p:extLst>
   </p:cSld>
@@ -4491,7 +4524,23 @@
               <a:rPr lang="de-DE" i="0" u="none" baseline="0" dirty="0" smtClean="0">
                 <a:sym typeface="Wingdings" panose="05000000000000000000" pitchFamily="2" charset="2"/>
               </a:rPr>
-              <a:t>Fakultät erklären, falls die Kids nicht wissen was die Fakultät ist</a:t>
+              <a:t>Klassennamen und Konstanten sind außerdem meistens Nomen,</a:t>
+            </a:r>
+          </a:p>
+          <a:p>
+            <a:r>
+              <a:rPr lang="de-DE" i="0" u="none" baseline="0" dirty="0" smtClean="0">
+                <a:sym typeface="Wingdings" panose="05000000000000000000" pitchFamily="2" charset="2"/>
+              </a:rPr>
+              <a:t>während Variablen und Attribute Adjektive</a:t>
+            </a:r>
+          </a:p>
+          <a:p>
+            <a:r>
+              <a:rPr lang="de-DE" i="0" u="none" baseline="0" dirty="0" smtClean="0">
+                <a:sym typeface="Wingdings" panose="05000000000000000000" pitchFamily="2" charset="2"/>
+              </a:rPr>
+              <a:t>und Methoden Verben sind.</a:t>
             </a:r>
           </a:p>
         </p:txBody>
@@ -4522,7 +4571,7 @@
     </p:spTree>
     <p:extLst>
       <p:ext uri="{BB962C8B-B14F-4D97-AF65-F5344CB8AC3E}">
-        <p14:creationId xmlns:p14="http://schemas.microsoft.com/office/powerpoint/2010/main" val="2678853194"/>
+        <p14:creationId xmlns:p14="http://schemas.microsoft.com/office/powerpoint/2010/main" val="1584262849"/>
       </p:ext>
     </p:extLst>
   </p:cSld>
@@ -4576,7 +4625,12 @@
           <a:bodyPr/>
           <a:lstStyle/>
           <a:p>
-            <a:endParaRPr lang="de-DE" i="1" baseline="0" dirty="0" smtClean="0"/>
+            <a:r>
+              <a:rPr lang="de-DE" i="0" u="none" baseline="0" dirty="0" smtClean="0">
+                <a:sym typeface="Wingdings" panose="05000000000000000000" pitchFamily="2" charset="2"/>
+              </a:rPr>
+              <a:t>Fakultät erklären, falls die Kids nicht wissen was die Fakultät ist</a:t>
+            </a:r>
           </a:p>
         </p:txBody>
       </p:sp>
@@ -4606,7 +4660,7 @@
     </p:spTree>
     <p:extLst>
       <p:ext uri="{BB962C8B-B14F-4D97-AF65-F5344CB8AC3E}">
-        <p14:creationId xmlns:p14="http://schemas.microsoft.com/office/powerpoint/2010/main" val="3705439041"/>
+        <p14:creationId xmlns:p14="http://schemas.microsoft.com/office/powerpoint/2010/main" val="2678853194"/>
       </p:ext>
     </p:extLst>
   </p:cSld>
@@ -4660,9 +4714,7 @@
           <a:bodyPr/>
           <a:lstStyle/>
           <a:p>
-            <a:endParaRPr lang="de-DE" i="0" u="none" baseline="0" dirty="0" smtClean="0">
-              <a:sym typeface="Wingdings" panose="05000000000000000000" pitchFamily="2" charset="2"/>
-            </a:endParaRPr>
+            <a:endParaRPr lang="de-DE" i="1" baseline="0" dirty="0" smtClean="0"/>
           </a:p>
         </p:txBody>
       </p:sp>
@@ -4692,7 +4744,7 @@
     </p:spTree>
     <p:extLst>
       <p:ext uri="{BB962C8B-B14F-4D97-AF65-F5344CB8AC3E}">
-        <p14:creationId xmlns:p14="http://schemas.microsoft.com/office/powerpoint/2010/main" val="2544278126"/>
+        <p14:creationId xmlns:p14="http://schemas.microsoft.com/office/powerpoint/2010/main" val="3705439041"/>
       </p:ext>
     </p:extLst>
   </p:cSld>
@@ -4746,20 +4798,9 @@
           <a:bodyPr/>
           <a:lstStyle/>
           <a:p>
-            <a:r>
-              <a:rPr lang="de-DE" i="0" u="none" baseline="0" dirty="0" smtClean="0">
-                <a:sym typeface="Wingdings" panose="05000000000000000000" pitchFamily="2" charset="2"/>
-              </a:rPr>
-              <a:t>Hier gibt es viel zu sehen, deshalb gehen wir das Beispiel noch ein Mal im Detail durch…</a:t>
-            </a:r>
-          </a:p>
-          <a:p>
-            <a:r>
-              <a:rPr lang="de-DE" i="0" u="none" baseline="0" dirty="0" smtClean="0">
-                <a:sym typeface="Wingdings" panose="05000000000000000000" pitchFamily="2" charset="2"/>
-              </a:rPr>
-              <a:t>(Auf den nächsten Folien)</a:t>
-            </a:r>
+            <a:endParaRPr lang="de-DE" i="0" u="none" baseline="0" dirty="0" smtClean="0">
+              <a:sym typeface="Wingdings" panose="05000000000000000000" pitchFamily="2" charset="2"/>
+            </a:endParaRPr>
           </a:p>
         </p:txBody>
       </p:sp>
@@ -4789,7 +4830,7 @@
     </p:spTree>
     <p:extLst>
       <p:ext uri="{BB962C8B-B14F-4D97-AF65-F5344CB8AC3E}">
-        <p14:creationId xmlns:p14="http://schemas.microsoft.com/office/powerpoint/2010/main" val="2359612141"/>
+        <p14:creationId xmlns:p14="http://schemas.microsoft.com/office/powerpoint/2010/main" val="2544278126"/>
       </p:ext>
     </p:extLst>
   </p:cSld>
@@ -4847,7 +4888,7 @@
               <a:rPr lang="de-DE" i="0" u="none" baseline="0" dirty="0" smtClean="0">
                 <a:sym typeface="Wingdings" panose="05000000000000000000" pitchFamily="2" charset="2"/>
               </a:rPr>
-              <a:t>Als aller erstes sehen wir hier die möglichen Arten ein Array zu definieren.</a:t>
+              <a:t>Hier gibt es viel zu sehen, deshalb gehen wir das Beispiel noch ein Mal im Detail durch…</a:t>
             </a:r>
           </a:p>
           <a:p>
@@ -4855,35 +4896,7 @@
               <a:rPr lang="de-DE" i="0" u="none" baseline="0" dirty="0" smtClean="0">
                 <a:sym typeface="Wingdings" panose="05000000000000000000" pitchFamily="2" charset="2"/>
               </a:rPr>
-              <a:t>Entweder man benutzt </a:t>
-            </a:r>
-            <a:r>
-              <a:rPr lang="de-DE" i="0" u="none" baseline="0" dirty="0" err="1" smtClean="0">
-                <a:sym typeface="Wingdings" panose="05000000000000000000" pitchFamily="2" charset="2"/>
-              </a:rPr>
-              <a:t>new</a:t>
-            </a:r>
-            <a:r>
-              <a:rPr lang="de-DE" i="0" u="none" baseline="0" dirty="0" smtClean="0">
-                <a:sym typeface="Wingdings" panose="05000000000000000000" pitchFamily="2" charset="2"/>
-              </a:rPr>
-              <a:t> wie bei Objekten und gibt in den eckigen Klammern die Größe an</a:t>
-            </a:r>
-          </a:p>
-          <a:p>
-            <a:r>
-              <a:rPr lang="de-DE" i="0" u="none" baseline="0" dirty="0" smtClean="0">
-                <a:sym typeface="Wingdings" panose="05000000000000000000" pitchFamily="2" charset="2"/>
-              </a:rPr>
-              <a:t>Oder man benutzt {} und gibt dazwischen durch Komma getrennt direkt Werte zum Initialisieren ein</a:t>
-            </a:r>
-          </a:p>
-          <a:p>
-            <a:r>
-              <a:rPr lang="de-DE" i="0" u="none" baseline="0" dirty="0" smtClean="0">
-                <a:sym typeface="Wingdings" panose="05000000000000000000" pitchFamily="2" charset="2"/>
-              </a:rPr>
-              <a:t>Die Größe des Arrays bestimmt sich dann aus der Anzahl der eingegebenen Werte.</a:t>
+              <a:t>(Auf den nächsten Folien)</a:t>
             </a:r>
           </a:p>
         </p:txBody>
@@ -4914,7 +4927,7 @@
     </p:spTree>
     <p:extLst>
       <p:ext uri="{BB962C8B-B14F-4D97-AF65-F5344CB8AC3E}">
-        <p14:creationId xmlns:p14="http://schemas.microsoft.com/office/powerpoint/2010/main" val="2756526697"/>
+        <p14:creationId xmlns:p14="http://schemas.microsoft.com/office/powerpoint/2010/main" val="2359612141"/>
       </p:ext>
     </p:extLst>
   </p:cSld>
@@ -4972,7 +4985,7 @@
               <a:rPr lang="de-DE" i="0" u="none" baseline="0" dirty="0" smtClean="0">
                 <a:sym typeface="Wingdings" panose="05000000000000000000" pitchFamily="2" charset="2"/>
               </a:rPr>
-              <a:t>Hier sehen wir wie man einzelne Elemente des Arrays manipulieren kann.</a:t>
+              <a:t>Als aller erstes sehen wir hier die möglichen Arten ein Array zu definieren.</a:t>
             </a:r>
           </a:p>
           <a:p>
@@ -4980,21 +4993,36 @@
               <a:rPr lang="de-DE" i="0" u="none" baseline="0" dirty="0" smtClean="0">
                 <a:sym typeface="Wingdings" panose="05000000000000000000" pitchFamily="2" charset="2"/>
               </a:rPr>
-              <a:t>Wir schreiben zum Beispiel in das erste Element des Arrays die Ganzzahl 7 und in das zweite die Ganzzahl 5</a:t>
-            </a:r>
-          </a:p>
-          <a:p>
+              <a:t>Entweder man benutzt </a:t>
+            </a:r>
+            <a:r>
+              <a:rPr lang="de-DE" i="0" u="none" baseline="0" dirty="0" err="1" smtClean="0">
+                <a:sym typeface="Wingdings" panose="05000000000000000000" pitchFamily="2" charset="2"/>
+              </a:rPr>
+              <a:t>new</a:t>
+            </a:r>
             <a:r>
               <a:rPr lang="de-DE" i="0" u="none" baseline="0" dirty="0" smtClean="0">
                 <a:sym typeface="Wingdings" panose="05000000000000000000" pitchFamily="2" charset="2"/>
               </a:rPr>
-              <a:t>Achtung: Das erste Element des Arrays hat immer den Index 0!</a:t>
-            </a:r>
-          </a:p>
-          <a:p>
-            <a:endParaRPr lang="de-DE" i="0" u="none" baseline="0" dirty="0" smtClean="0">
-              <a:sym typeface="Wingdings" panose="05000000000000000000" pitchFamily="2" charset="2"/>
-            </a:endParaRPr>
+              <a:t> wie bei Objekten und gibt in den eckigen Klammern die Größe an</a:t>
+            </a:r>
+          </a:p>
+          <a:p>
+            <a:r>
+              <a:rPr lang="de-DE" i="0" u="none" baseline="0" dirty="0" smtClean="0">
+                <a:sym typeface="Wingdings" panose="05000000000000000000" pitchFamily="2" charset="2"/>
+              </a:rPr>
+              <a:t>Oder man benutzt {} und gibt dazwischen durch Komma getrennt direkt Werte zum Initialisieren ein</a:t>
+            </a:r>
+          </a:p>
+          <a:p>
+            <a:r>
+              <a:rPr lang="de-DE" i="0" u="none" baseline="0" dirty="0" smtClean="0">
+                <a:sym typeface="Wingdings" panose="05000000000000000000" pitchFamily="2" charset="2"/>
+              </a:rPr>
+              <a:t>Die Größe des Arrays bestimmt sich dann aus der Anzahl der eingegebenen Werte.</a:t>
+            </a:r>
           </a:p>
         </p:txBody>
       </p:sp>
@@ -5024,7 +5052,7 @@
     </p:spTree>
     <p:extLst>
       <p:ext uri="{BB962C8B-B14F-4D97-AF65-F5344CB8AC3E}">
-        <p14:creationId xmlns:p14="http://schemas.microsoft.com/office/powerpoint/2010/main" val="3502370864"/>
+        <p14:creationId xmlns:p14="http://schemas.microsoft.com/office/powerpoint/2010/main" val="2756526697"/>
       </p:ext>
     </p:extLst>
   </p:cSld>
@@ -5082,7 +5110,7 @@
               <a:rPr lang="de-DE" i="0" u="none" baseline="0" dirty="0" smtClean="0">
                 <a:sym typeface="Wingdings" panose="05000000000000000000" pitchFamily="2" charset="2"/>
               </a:rPr>
-              <a:t>Wir können also praktisch x und y wie Variablen behandeln, solang wir einen Index angeben!</a:t>
+              <a:t>Hier sehen wir wie man einzelne Elemente des Arrays manipulieren kann.</a:t>
             </a:r>
           </a:p>
           <a:p>
@@ -5090,8 +5118,21 @@
               <a:rPr lang="de-DE" i="0" u="none" baseline="0" dirty="0" smtClean="0">
                 <a:sym typeface="Wingdings" panose="05000000000000000000" pitchFamily="2" charset="2"/>
               </a:rPr>
-              <a:t>Aber alle Elemente eines einzelnen Arrays müssen immer den gleichen Datentyp besitzen.</a:t>
-            </a:r>
+              <a:t>Wir schreiben zum Beispiel in das erste Element des Arrays die Ganzzahl 7 und in das zweite die Ganzzahl 5</a:t>
+            </a:r>
+          </a:p>
+          <a:p>
+            <a:r>
+              <a:rPr lang="de-DE" i="0" u="none" baseline="0" dirty="0" smtClean="0">
+                <a:sym typeface="Wingdings" panose="05000000000000000000" pitchFamily="2" charset="2"/>
+              </a:rPr>
+              <a:t>Achtung: Das erste Element des Arrays hat immer den Index 0!</a:t>
+            </a:r>
+          </a:p>
+          <a:p>
+            <a:endParaRPr lang="de-DE" i="0" u="none" baseline="0" dirty="0" smtClean="0">
+              <a:sym typeface="Wingdings" panose="05000000000000000000" pitchFamily="2" charset="2"/>
+            </a:endParaRPr>
           </a:p>
         </p:txBody>
       </p:sp>
@@ -5121,7 +5162,7 @@
     </p:spTree>
     <p:extLst>
       <p:ext uri="{BB962C8B-B14F-4D97-AF65-F5344CB8AC3E}">
-        <p14:creationId xmlns:p14="http://schemas.microsoft.com/office/powerpoint/2010/main" val="3445126100"/>
+        <p14:creationId xmlns:p14="http://schemas.microsoft.com/office/powerpoint/2010/main" val="3502370864"/>
       </p:ext>
     </p:extLst>
   </p:cSld>
@@ -5279,7 +5320,7 @@
               <a:rPr lang="de-DE" i="0" u="none" baseline="0" dirty="0" smtClean="0">
                 <a:sym typeface="Wingdings" panose="05000000000000000000" pitchFamily="2" charset="2"/>
               </a:rPr>
-              <a:t>Schließlich sehen wir hier noch, wie man die Länge des Arrays auslesen kann.</a:t>
+              <a:t>Wir können also praktisch x und y wie Variablen behandeln, solang wir einen Index angeben!</a:t>
             </a:r>
           </a:p>
           <a:p>
@@ -5287,13 +5328,8 @@
               <a:rPr lang="de-DE" i="0" u="none" baseline="0" dirty="0" smtClean="0">
                 <a:sym typeface="Wingdings" panose="05000000000000000000" pitchFamily="2" charset="2"/>
               </a:rPr>
-              <a:t>Allerdings kann man die Länge über dieses Attribut nicht verändern!</a:t>
-            </a:r>
-          </a:p>
-          <a:p>
-            <a:endParaRPr lang="de-DE" i="0" u="none" baseline="0" dirty="0" smtClean="0">
-              <a:sym typeface="Wingdings" panose="05000000000000000000" pitchFamily="2" charset="2"/>
-            </a:endParaRPr>
+              <a:t>Aber alle Elemente eines einzelnen Arrays müssen immer den gleichen Datentyp besitzen.</a:t>
+            </a:r>
           </a:p>
         </p:txBody>
       </p:sp>
@@ -5323,7 +5359,7 @@
     </p:spTree>
     <p:extLst>
       <p:ext uri="{BB962C8B-B14F-4D97-AF65-F5344CB8AC3E}">
-        <p14:creationId xmlns:p14="http://schemas.microsoft.com/office/powerpoint/2010/main" val="2208439998"/>
+        <p14:creationId xmlns:p14="http://schemas.microsoft.com/office/powerpoint/2010/main" val="3445126100"/>
       </p:ext>
     </p:extLst>
   </p:cSld>
@@ -5381,7 +5417,7 @@
               <a:rPr lang="de-DE" i="0" u="none" baseline="0" dirty="0" smtClean="0">
                 <a:sym typeface="Wingdings" panose="05000000000000000000" pitchFamily="2" charset="2"/>
               </a:rPr>
-              <a:t>Ich hoffe spätestens hier kommt die Frage auf, warum denn das eine Plus addiert und das andere nicht.</a:t>
+              <a:t>Schließlich sehen wir hier noch, wie man die Länge des Arrays auslesen kann.</a:t>
             </a:r>
           </a:p>
           <a:p>
@@ -5389,20 +5425,13 @@
               <a:rPr lang="de-DE" i="0" u="none" baseline="0" dirty="0" smtClean="0">
                 <a:sym typeface="Wingdings" panose="05000000000000000000" pitchFamily="2" charset="2"/>
               </a:rPr>
-              <a:t>Plus bei einem String ist die „</a:t>
-            </a:r>
-            <a:r>
-              <a:rPr lang="de-DE" i="0" u="none" baseline="0" dirty="0" err="1" smtClean="0">
-                <a:sym typeface="Wingdings" panose="05000000000000000000" pitchFamily="2" charset="2"/>
-              </a:rPr>
-              <a:t>Konkatenation</a:t>
-            </a:r>
-            <a:r>
-              <a:rPr lang="de-DE" i="0" u="none" baseline="0" dirty="0" smtClean="0">
-                <a:sym typeface="Wingdings" panose="05000000000000000000" pitchFamily="2" charset="2"/>
-              </a:rPr>
-              <a:t>“, also das aneinanderhängen von zwei Strings.</a:t>
-            </a:r>
+              <a:t>Allerdings kann man die Länge über dieses Attribut nicht verändern!</a:t>
+            </a:r>
+          </a:p>
+          <a:p>
+            <a:endParaRPr lang="de-DE" i="0" u="none" baseline="0" dirty="0" smtClean="0">
+              <a:sym typeface="Wingdings" panose="05000000000000000000" pitchFamily="2" charset="2"/>
+            </a:endParaRPr>
           </a:p>
         </p:txBody>
       </p:sp>
@@ -5432,7 +5461,7 @@
     </p:spTree>
     <p:extLst>
       <p:ext uri="{BB962C8B-B14F-4D97-AF65-F5344CB8AC3E}">
-        <p14:creationId xmlns:p14="http://schemas.microsoft.com/office/powerpoint/2010/main" val="2332631835"/>
+        <p14:creationId xmlns:p14="http://schemas.microsoft.com/office/powerpoint/2010/main" val="2208439998"/>
       </p:ext>
     </p:extLst>
   </p:cSld>
@@ -5486,9 +5515,32 @@
           <a:bodyPr/>
           <a:lstStyle/>
           <a:p>
-            <a:endParaRPr lang="de-DE" i="0" u="none" baseline="0" dirty="0" smtClean="0">
-              <a:sym typeface="Wingdings" panose="05000000000000000000" pitchFamily="2" charset="2"/>
-            </a:endParaRPr>
+            <a:r>
+              <a:rPr lang="de-DE" i="0" u="none" baseline="0" dirty="0" smtClean="0">
+                <a:sym typeface="Wingdings" panose="05000000000000000000" pitchFamily="2" charset="2"/>
+              </a:rPr>
+              <a:t>Ich hoffe spätestens hier kommt die Frage auf, warum denn das eine Plus addiert und das andere nicht.</a:t>
+            </a:r>
+          </a:p>
+          <a:p>
+            <a:r>
+              <a:rPr lang="de-DE" i="0" u="none" baseline="0" dirty="0" smtClean="0">
+                <a:sym typeface="Wingdings" panose="05000000000000000000" pitchFamily="2" charset="2"/>
+              </a:rPr>
+              <a:t>Plus bei einem String ist die „</a:t>
+            </a:r>
+            <a:r>
+              <a:rPr lang="de-DE" i="0" u="none" baseline="0" dirty="0" err="1" smtClean="0">
+                <a:sym typeface="Wingdings" panose="05000000000000000000" pitchFamily="2" charset="2"/>
+              </a:rPr>
+              <a:t>Konkatenation</a:t>
+            </a:r>
+            <a:r>
+              <a:rPr lang="de-DE" i="0" u="none" baseline="0" dirty="0" smtClean="0">
+                <a:sym typeface="Wingdings" panose="05000000000000000000" pitchFamily="2" charset="2"/>
+              </a:rPr>
+              <a:t>“, also das aneinanderhängen von zwei Strings.</a:t>
+            </a:r>
           </a:p>
         </p:txBody>
       </p:sp>
@@ -5518,7 +5570,7 @@
     </p:spTree>
     <p:extLst>
       <p:ext uri="{BB962C8B-B14F-4D97-AF65-F5344CB8AC3E}">
-        <p14:creationId xmlns:p14="http://schemas.microsoft.com/office/powerpoint/2010/main" val="2158353836"/>
+        <p14:creationId xmlns:p14="http://schemas.microsoft.com/office/powerpoint/2010/main" val="2332631835"/>
       </p:ext>
     </p:extLst>
   </p:cSld>
@@ -5572,46 +5624,9 @@
           <a:bodyPr/>
           <a:lstStyle/>
           <a:p>
-            <a:r>
-              <a:rPr lang="de-DE" smtClean="0"/>
-              <a:t>Willkommen zum Java-Kurs</a:t>
-            </a:r>
-            <a:r>
-              <a:rPr lang="de-DE" baseline="0" smtClean="0"/>
-              <a:t> mit unserem humanoiden Roboter NAO</a:t>
-            </a:r>
-            <a:r>
-              <a:rPr lang="de-DE" baseline="0" dirty="0" smtClean="0"/>
-              <a:t>.</a:t>
-            </a:r>
-          </a:p>
-          <a:p>
-            <a:r>
-              <a:rPr lang="de-DE" baseline="0" smtClean="0"/>
-              <a:t>Wir lernen heute die ersten Schritte um mit der Programmiersprache „Java“ umzugehen</a:t>
-            </a:r>
-            <a:r>
-              <a:rPr lang="de-DE" baseline="0" dirty="0" smtClean="0"/>
-              <a:t>.</a:t>
-            </a:r>
-          </a:p>
-          <a:p>
-            <a:endParaRPr lang="de-DE" baseline="0" dirty="0" smtClean="0"/>
-          </a:p>
-          <a:p>
-            <a:r>
-              <a:rPr lang="de-DE" i="1" baseline="0" smtClean="0"/>
-              <a:t>Überleitung: </a:t>
-            </a:r>
-            <a:r>
-              <a:rPr lang="de-DE" baseline="0" smtClean="0"/>
-              <a:t>Java ist eine von sehr vielen Programmiersprachen, mit denen man einem Computer genau sagen kann was er machen soll</a:t>
-            </a:r>
-            <a:r>
-              <a:rPr lang="de-DE" baseline="0" dirty="0" smtClean="0"/>
-              <a:t>.</a:t>
-            </a:r>
-            <a:endParaRPr lang="de-DE" baseline="0" dirty="0"/>
+            <a:endParaRPr lang="de-DE" i="0" u="none" baseline="0" dirty="0" smtClean="0">
+              <a:sym typeface="Wingdings" panose="05000000000000000000" pitchFamily="2" charset="2"/>
+            </a:endParaRPr>
           </a:p>
         </p:txBody>
       </p:sp>
@@ -5634,14 +5649,14 @@
               <a:rPr lang="de-DE" smtClean="0"/>
               <a:t>53</a:t>
             </a:fld>
-            <a:endParaRPr lang="de-DE" dirty="0"/>
+            <a:endParaRPr lang="de-DE"/>
           </a:p>
         </p:txBody>
       </p:sp>
     </p:spTree>
     <p:extLst>
       <p:ext uri="{BB962C8B-B14F-4D97-AF65-F5344CB8AC3E}">
-        <p14:creationId xmlns:p14="http://schemas.microsoft.com/office/powerpoint/2010/main" val="1292877850"/>
+        <p14:creationId xmlns:p14="http://schemas.microsoft.com/office/powerpoint/2010/main" val="2158353836"/>
       </p:ext>
     </p:extLst>
   </p:cSld>
@@ -5695,9 +5710,46 @@
           <a:bodyPr/>
           <a:lstStyle/>
           <a:p>
-            <a:endParaRPr lang="de-DE" i="0" u="none" baseline="0" dirty="0" smtClean="0">
-              <a:sym typeface="Wingdings" panose="05000000000000000000" pitchFamily="2" charset="2"/>
-            </a:endParaRPr>
+            <a:r>
+              <a:rPr lang="de-DE" smtClean="0"/>
+              <a:t>Willkommen zum Java-Kurs</a:t>
+            </a:r>
+            <a:r>
+              <a:rPr lang="de-DE" baseline="0" smtClean="0"/>
+              <a:t> mit unserem humanoiden Roboter NAO</a:t>
+            </a:r>
+            <a:r>
+              <a:rPr lang="de-DE" baseline="0" dirty="0" smtClean="0"/>
+              <a:t>.</a:t>
+            </a:r>
+          </a:p>
+          <a:p>
+            <a:r>
+              <a:rPr lang="de-DE" baseline="0" smtClean="0"/>
+              <a:t>Wir lernen heute die ersten Schritte um mit der Programmiersprache „Java“ umzugehen</a:t>
+            </a:r>
+            <a:r>
+              <a:rPr lang="de-DE" baseline="0" dirty="0" smtClean="0"/>
+              <a:t>.</a:t>
+            </a:r>
+          </a:p>
+          <a:p>
+            <a:endParaRPr lang="de-DE" baseline="0" dirty="0" smtClean="0"/>
+          </a:p>
+          <a:p>
+            <a:r>
+              <a:rPr lang="de-DE" i="1" baseline="0" smtClean="0"/>
+              <a:t>Überleitung: </a:t>
+            </a:r>
+            <a:r>
+              <a:rPr lang="de-DE" baseline="0" smtClean="0"/>
+              <a:t>Java ist eine von sehr vielen Programmiersprachen, mit denen man einem Computer genau sagen kann was er machen soll</a:t>
+            </a:r>
+            <a:r>
+              <a:rPr lang="de-DE" baseline="0" dirty="0" smtClean="0"/>
+              <a:t>.</a:t>
+            </a:r>
+            <a:endParaRPr lang="de-DE" baseline="0" dirty="0"/>
           </a:p>
         </p:txBody>
       </p:sp>
@@ -5719,6 +5771,92 @@
             <a:fld id="{16070E50-C463-4A5B-AC29-20274F3F33D2}" type="slidenum">
               <a:rPr lang="de-DE" smtClean="0"/>
               <a:t>54</a:t>
+            </a:fld>
+            <a:endParaRPr lang="de-DE" dirty="0"/>
+          </a:p>
+        </p:txBody>
+      </p:sp>
+    </p:spTree>
+    <p:extLst>
+      <p:ext uri="{BB962C8B-B14F-4D97-AF65-F5344CB8AC3E}">
+        <p14:creationId xmlns:p14="http://schemas.microsoft.com/office/powerpoint/2010/main" val="1292877850"/>
+      </p:ext>
+    </p:extLst>
+  </p:cSld>
+  <p:clrMapOvr>
+    <a:masterClrMapping/>
+  </p:clrMapOvr>
+</p:notes>
+</file>
+
+<file path=ppt/notesSlides/notesSlide55.xml><?xml version="1.0" encoding="utf-8"?>
+<p:notes xmlns:a="http://schemas.openxmlformats.org/drawingml/2006/main" xmlns:r="http://schemas.openxmlformats.org/officeDocument/2006/relationships" xmlns:p="http://schemas.openxmlformats.org/presentationml/2006/main">
+  <p:cSld>
+    <p:spTree>
+      <p:nvGrpSpPr>
+        <p:cNvPr id="1" name=""/>
+        <p:cNvGrpSpPr/>
+        <p:nvPr/>
+      </p:nvGrpSpPr>
+      <p:grpSpPr>
+        <a:xfrm>
+          <a:off x="0" y="0"/>
+          <a:ext cx="0" cy="0"/>
+          <a:chOff x="0" y="0"/>
+          <a:chExt cx="0" cy="0"/>
+        </a:xfrm>
+      </p:grpSpPr>
+      <p:sp>
+        <p:nvSpPr>
+          <p:cNvPr id="2" name="Folienbildplatzhalter 1"/>
+          <p:cNvSpPr>
+            <a:spLocks noGrp="1" noRot="1" noChangeAspect="1"/>
+          </p:cNvSpPr>
+          <p:nvPr>
+            <p:ph type="sldImg"/>
+          </p:nvPr>
+        </p:nvSpPr>
+        <p:spPr/>
+      </p:sp>
+      <p:sp>
+        <p:nvSpPr>
+          <p:cNvPr id="3" name="Notizenplatzhalter 2"/>
+          <p:cNvSpPr>
+            <a:spLocks noGrp="1"/>
+          </p:cNvSpPr>
+          <p:nvPr>
+            <p:ph type="body" idx="1"/>
+          </p:nvPr>
+        </p:nvSpPr>
+        <p:spPr/>
+        <p:txBody>
+          <a:bodyPr/>
+          <a:lstStyle/>
+          <a:p>
+            <a:endParaRPr lang="de-DE" i="0" u="none" baseline="0" dirty="0" smtClean="0">
+              <a:sym typeface="Wingdings" panose="05000000000000000000" pitchFamily="2" charset="2"/>
+            </a:endParaRPr>
+          </a:p>
+        </p:txBody>
+      </p:sp>
+      <p:sp>
+        <p:nvSpPr>
+          <p:cNvPr id="4" name="Foliennummernplatzhalter 3"/>
+          <p:cNvSpPr>
+            <a:spLocks noGrp="1"/>
+          </p:cNvSpPr>
+          <p:nvPr>
+            <p:ph type="sldNum" sz="quarter" idx="10"/>
+          </p:nvPr>
+        </p:nvSpPr>
+        <p:spPr/>
+        <p:txBody>
+          <a:bodyPr/>
+          <a:lstStyle/>
+          <a:p>
+            <a:fld id="{16070E50-C463-4A5B-AC29-20274F3F33D2}" type="slidenum">
+              <a:rPr lang="de-DE" smtClean="0"/>
+              <a:t>55</a:t>
             </a:fld>
             <a:endParaRPr lang="de-DE"/>
           </a:p>
@@ -6469,7 +6607,7 @@
           <a:p>
             <a:fld id="{82DEAF87-53B6-4B16-83D2-2F0231427512}" type="datetimeFigureOut">
               <a:rPr lang="de-DE" smtClean="0"/>
-              <a:t>19.06.2017</a:t>
+              <a:t>23.06.2017</a:t>
             </a:fld>
             <a:endParaRPr lang="de-DE"/>
           </a:p>
@@ -6686,7 +6824,7 @@
           <a:p>
             <a:fld id="{82DEAF87-53B6-4B16-83D2-2F0231427512}" type="datetimeFigureOut">
               <a:rPr lang="de-DE" smtClean="0"/>
-              <a:t>19.06.2017</a:t>
+              <a:t>23.06.2017</a:t>
             </a:fld>
             <a:endParaRPr lang="de-DE"/>
           </a:p>
@@ -6896,7 +7034,7 @@
           <a:p>
             <a:fld id="{82DEAF87-53B6-4B16-83D2-2F0231427512}" type="datetimeFigureOut">
               <a:rPr lang="de-DE" smtClean="0"/>
-              <a:t>19.06.2017</a:t>
+              <a:t>23.06.2017</a:t>
             </a:fld>
             <a:endParaRPr lang="de-DE"/>
           </a:p>
@@ -7172,7 +7310,7 @@
           <a:p>
             <a:fld id="{82DEAF87-53B6-4B16-83D2-2F0231427512}" type="datetimeFigureOut">
               <a:rPr lang="de-DE" smtClean="0"/>
-              <a:t>19.06.2017</a:t>
+              <a:t>23.06.2017</a:t>
             </a:fld>
             <a:endParaRPr lang="de-DE"/>
           </a:p>
@@ -7455,7 +7593,7 @@
           <a:p>
             <a:fld id="{82DEAF87-53B6-4B16-83D2-2F0231427512}" type="datetimeFigureOut">
               <a:rPr lang="de-DE" smtClean="0"/>
-              <a:t>19.06.2017</a:t>
+              <a:t>23.06.2017</a:t>
             </a:fld>
             <a:endParaRPr lang="de-DE"/>
           </a:p>
@@ -7781,7 +7919,7 @@
           <a:p>
             <a:fld id="{82DEAF87-53B6-4B16-83D2-2F0231427512}" type="datetimeFigureOut">
               <a:rPr lang="de-DE" smtClean="0"/>
-              <a:t>19.06.2017</a:t>
+              <a:t>23.06.2017</a:t>
             </a:fld>
             <a:endParaRPr lang="de-DE"/>
           </a:p>
@@ -8247,7 +8385,7 @@
           <a:p>
             <a:fld id="{82DEAF87-53B6-4B16-83D2-2F0231427512}" type="datetimeFigureOut">
               <a:rPr lang="de-DE" smtClean="0"/>
-              <a:t>19.06.2017</a:t>
+              <a:t>23.06.2017</a:t>
             </a:fld>
             <a:endParaRPr lang="de-DE"/>
           </a:p>
@@ -8397,7 +8535,7 @@
           <a:p>
             <a:fld id="{82DEAF87-53B6-4B16-83D2-2F0231427512}" type="datetimeFigureOut">
               <a:rPr lang="de-DE" smtClean="0"/>
-              <a:t>19.06.2017</a:t>
+              <a:t>23.06.2017</a:t>
             </a:fld>
             <a:endParaRPr lang="de-DE"/>
           </a:p>
@@ -8516,7 +8654,7 @@
           <a:p>
             <a:fld id="{82DEAF87-53B6-4B16-83D2-2F0231427512}" type="datetimeFigureOut">
               <a:rPr lang="de-DE" smtClean="0"/>
-              <a:t>19.06.2017</a:t>
+              <a:t>23.06.2017</a:t>
             </a:fld>
             <a:endParaRPr lang="de-DE"/>
           </a:p>
@@ -8826,7 +8964,7 @@
           <a:p>
             <a:fld id="{82DEAF87-53B6-4B16-83D2-2F0231427512}" type="datetimeFigureOut">
               <a:rPr lang="de-DE" smtClean="0"/>
-              <a:t>19.06.2017</a:t>
+              <a:t>23.06.2017</a:t>
             </a:fld>
             <a:endParaRPr lang="de-DE"/>
           </a:p>
@@ -9112,7 +9250,7 @@
           <a:p>
             <a:fld id="{82DEAF87-53B6-4B16-83D2-2F0231427512}" type="datetimeFigureOut">
               <a:rPr lang="de-DE" smtClean="0"/>
-              <a:t>19.06.2017</a:t>
+              <a:t>23.06.2017</a:t>
             </a:fld>
             <a:endParaRPr lang="de-DE"/>
           </a:p>
@@ -17105,9 +17243,16 @@
             <a:endParaRPr lang="de-DE" sz="2000" b="1" dirty="0"/>
           </a:p>
           <a:p>
+            <a:endParaRPr lang="de-DE" sz="2000" dirty="0" smtClean="0"/>
+          </a:p>
+          <a:p>
             <a:r>
               <a:rPr lang="de-DE" sz="2000" dirty="0" smtClean="0"/>
-              <a:t>Die Initialisierung wird ein einziges Mal ausgeführt</a:t>
+              <a:t>Die </a:t>
+            </a:r>
+            <a:r>
+              <a:rPr lang="de-DE" sz="2000" dirty="0" smtClean="0"/>
+              <a:t>Initialisierung wird ein einziges Mal ausgeführt</a:t>
             </a:r>
             <a:br>
               <a:rPr lang="de-DE" sz="2000" dirty="0" smtClean="0"/>
@@ -17159,8 +17304,8 @@
         </p:blipFill>
         <p:spPr>
           <a:xfrm>
-            <a:off x="1007604" y="1417340"/>
-            <a:ext cx="3324689" cy="828791"/>
+            <a:off x="1007605" y="1417341"/>
+            <a:ext cx="4654565" cy="1160307"/>
           </a:xfrm>
           <a:prstGeom prst="rect">
             <a:avLst/>
@@ -17225,7 +17370,7 @@
                                         <p:tgtEl>
                                           <p:spTgt spid="3">
                                             <p:txEl>
-                                              <p:pRg st="4" end="4"/>
+                                              <p:pRg st="5" end="5"/>
                                             </p:txEl>
                                           </p:spTgt>
                                         </p:tgtEl>
@@ -17243,7 +17388,7 @@
                                         <p:tgtEl>
                                           <p:spTgt spid="3">
                                             <p:txEl>
-                                              <p:pRg st="4" end="4"/>
+                                              <p:pRg st="5" end="5"/>
                                             </p:txEl>
                                           </p:spTgt>
                                         </p:tgtEl>
@@ -17286,7 +17431,7 @@
                                         <p:tgtEl>
                                           <p:spTgt spid="3">
                                             <p:txEl>
-                                              <p:pRg st="6" end="6"/>
+                                              <p:pRg st="7" end="7"/>
                                             </p:txEl>
                                           </p:spTgt>
                                         </p:tgtEl>
@@ -17304,7 +17449,7 @@
                                         <p:tgtEl>
                                           <p:spTgt spid="3">
                                             <p:txEl>
-                                              <p:pRg st="6" end="6"/>
+                                              <p:pRg st="7" end="7"/>
                                             </p:txEl>
                                           </p:spTgt>
                                         </p:tgtEl>
@@ -17347,7 +17492,7 @@
                                         <p:tgtEl>
                                           <p:spTgt spid="3">
                                             <p:txEl>
-                                              <p:pRg st="8" end="8"/>
+                                              <p:pRg st="9" end="9"/>
                                             </p:txEl>
                                           </p:spTgt>
                                         </p:tgtEl>
@@ -17365,7 +17510,7 @@
                                         <p:tgtEl>
                                           <p:spTgt spid="3">
                                             <p:txEl>
-                                              <p:pRg st="8" end="8"/>
+                                              <p:pRg st="9" end="9"/>
                                             </p:txEl>
                                           </p:spTgt>
                                         </p:tgtEl>
@@ -17491,8 +17636,8 @@
         </p:blipFill>
         <p:spPr>
           <a:xfrm>
-            <a:off x="1115616" y="1849388"/>
-            <a:ext cx="2791215" cy="790685"/>
+            <a:off x="440088" y="1273324"/>
+            <a:ext cx="4186823" cy="1186028"/>
           </a:xfrm>
           <a:prstGeom prst="rect">
             <a:avLst/>
@@ -17515,8 +17660,8 @@
         </p:blipFill>
         <p:spPr>
           <a:xfrm>
-            <a:off x="3887142" y="3145532"/>
-            <a:ext cx="2809875" cy="1447800"/>
+            <a:off x="3959933" y="2749488"/>
+            <a:ext cx="4214813" cy="2171700"/>
           </a:xfrm>
           <a:prstGeom prst="rect">
             <a:avLst/>
@@ -18306,8 +18451,8 @@
         </p:blipFill>
         <p:spPr>
           <a:xfrm>
-            <a:off x="1115616" y="1525352"/>
-            <a:ext cx="2715004" cy="1600423"/>
+            <a:off x="611560" y="1165312"/>
+            <a:ext cx="3393755" cy="2000529"/>
           </a:xfrm>
           <a:prstGeom prst="rect">
             <a:avLst/>
@@ -18336,8 +18481,8 @@
         </p:blipFill>
         <p:spPr>
           <a:xfrm>
-            <a:off x="3830620" y="3721596"/>
-            <a:ext cx="3829584" cy="809738"/>
+            <a:off x="2627784" y="3866790"/>
+            <a:ext cx="4786980" cy="1012173"/>
           </a:xfrm>
           <a:prstGeom prst="rect">
             <a:avLst/>
@@ -18353,14 +18498,14 @@
           <p:nvPr>
             <p:extLst>
               <p:ext uri="{D42A27DB-BD31-4B8C-83A1-F6EECF244321}">
-                <p14:modId xmlns:p14="http://schemas.microsoft.com/office/powerpoint/2010/main" val="1360753055"/>
+                <p14:modId xmlns:p14="http://schemas.microsoft.com/office/powerpoint/2010/main" val="166888849"/>
               </p:ext>
             </p:extLst>
           </p:nvPr>
         </p:nvGraphicFramePr>
         <p:xfrm>
-          <a:off x="4119761" y="1545563"/>
-          <a:ext cx="1080120" cy="1560000"/>
+          <a:off x="5148064" y="1165312"/>
+          <a:ext cx="1664655" cy="2000530"/>
         </p:xfrm>
         <a:graphic>
           <a:graphicData uri="http://schemas.openxmlformats.org/drawingml/2006/table">
@@ -18369,11 +18514,11 @@
                 <a:tableStyleId>{5C22544A-7EE6-4342-B048-85BDC9FD1C3A}</a:tableStyleId>
               </a:tblPr>
               <a:tblGrid>
-                <a:gridCol w="360040"/>
-                <a:gridCol w="360040"/>
-                <a:gridCol w="360040"/>
+                <a:gridCol w="554885"/>
+                <a:gridCol w="554885"/>
+                <a:gridCol w="554885"/>
               </a:tblGrid>
-              <a:tr h="114988">
+              <a:tr h="280690">
                 <a:tc>
                   <a:txBody>
                     <a:bodyPr/>
@@ -18381,10 +18526,10 @@
                     <a:p>
                       <a:pPr algn="ctr"/>
                       <a:r>
-                        <a:rPr lang="de-DE" sz="1200" dirty="0" smtClean="0"/>
+                        <a:rPr lang="de-DE" sz="1400" dirty="0" smtClean="0"/>
                         <a:t>i</a:t>
                       </a:r>
-                      <a:endParaRPr lang="de-DE" sz="1200" dirty="0"/>
+                      <a:endParaRPr lang="de-DE" sz="1400" dirty="0"/>
                     </a:p>
                   </a:txBody>
                   <a:tcPr marL="0" marR="0" marT="0" marB="36000" anchor="ctr"/>
@@ -18396,10 +18541,10 @@
                     <a:p>
                       <a:pPr algn="ctr"/>
                       <a:r>
-                        <a:rPr lang="de-DE" sz="1200" dirty="0" smtClean="0"/>
+                        <a:rPr lang="de-DE" sz="1400" dirty="0" smtClean="0"/>
                         <a:t>x</a:t>
                       </a:r>
-                      <a:endParaRPr lang="de-DE" sz="1200" dirty="0"/>
+                      <a:endParaRPr lang="de-DE" sz="1400" dirty="0"/>
                     </a:p>
                   </a:txBody>
                   <a:tcPr marL="0" marR="0" marT="0" marB="36000" anchor="ctr"/>
@@ -18411,16 +18556,16 @@
                     <a:p>
                       <a:pPr algn="ctr"/>
                       <a:r>
-                        <a:rPr lang="de-DE" sz="1200" dirty="0" smtClean="0"/>
+                        <a:rPr lang="de-DE" sz="1400" dirty="0" smtClean="0"/>
                         <a:t>y</a:t>
                       </a:r>
-                      <a:endParaRPr lang="de-DE" sz="1200" dirty="0"/>
+                      <a:endParaRPr lang="de-DE" sz="1400" dirty="0"/>
                     </a:p>
                   </a:txBody>
                   <a:tcPr marL="0" marR="0" marT="0" marB="36000" anchor="ctr"/>
                 </a:tc>
               </a:tr>
-              <a:tr h="114988">
+              <a:tr h="214980">
                 <a:tc>
                   <a:txBody>
                     <a:bodyPr/>
@@ -18428,10 +18573,10 @@
                     <a:p>
                       <a:pPr algn="ctr"/>
                       <a:r>
-                        <a:rPr lang="de-DE" sz="1100" dirty="0" smtClean="0"/>
+                        <a:rPr lang="de-DE" sz="1400" dirty="0" smtClean="0"/>
                         <a:t>1</a:t>
                       </a:r>
-                      <a:endParaRPr lang="de-DE" sz="1100" dirty="0"/>
+                      <a:endParaRPr lang="de-DE" sz="1400" dirty="0"/>
                     </a:p>
                   </a:txBody>
                   <a:tcPr marL="0" marR="0" marT="0" marB="0" anchor="ctr"/>
@@ -18443,10 +18588,10 @@
                     <a:p>
                       <a:pPr algn="ctr"/>
                       <a:r>
-                        <a:rPr lang="de-DE" sz="1100" dirty="0" smtClean="0"/>
+                        <a:rPr lang="de-DE" sz="1400" dirty="0" smtClean="0"/>
                         <a:t>2</a:t>
                       </a:r>
-                      <a:endParaRPr lang="de-DE" sz="1100" dirty="0"/>
+                      <a:endParaRPr lang="de-DE" sz="1400" dirty="0"/>
                     </a:p>
                   </a:txBody>
                   <a:tcPr marL="0" marR="0" marT="0" marB="0" anchor="ctr"/>
@@ -18458,23 +18603,23 @@
                     <a:p>
                       <a:pPr algn="ctr"/>
                       <a:r>
-                        <a:rPr lang="de-DE" sz="1100" dirty="0" smtClean="0"/>
+                        <a:rPr lang="de-DE" sz="1400" dirty="0" smtClean="0"/>
                         <a:t>8</a:t>
                       </a:r>
-                      <a:endParaRPr lang="de-DE" sz="1100" dirty="0"/>
+                      <a:endParaRPr lang="de-DE" sz="1400" dirty="0"/>
                     </a:p>
                   </a:txBody>
                   <a:tcPr marL="0" marR="0" marT="0" marB="0" anchor="ctr"/>
                 </a:tc>
               </a:tr>
-              <a:tr h="114988">
+              <a:tr h="214980">
                 <a:tc>
                   <a:txBody>
                     <a:bodyPr/>
                     <a:lstStyle/>
                     <a:p>
                       <a:pPr algn="ctr"/>
-                      <a:endParaRPr lang="de-DE" sz="1100" dirty="0"/>
+                      <a:endParaRPr lang="de-DE" sz="1400" dirty="0"/>
                     </a:p>
                   </a:txBody>
                   <a:tcPr marL="0" marR="0" marT="0" marB="0" anchor="ctr"/>
@@ -18485,7 +18630,7 @@
                     <a:lstStyle/>
                     <a:p>
                       <a:pPr algn="ctr"/>
-                      <a:endParaRPr lang="de-DE" sz="1100" dirty="0"/>
+                      <a:endParaRPr lang="de-DE" sz="1400" dirty="0"/>
                     </a:p>
                   </a:txBody>
                   <a:tcPr marL="0" marR="0" marT="0" marB="0" anchor="ctr"/>
@@ -18496,20 +18641,20 @@
                     <a:lstStyle/>
                     <a:p>
                       <a:pPr algn="ctr"/>
-                      <a:endParaRPr lang="de-DE" sz="1100" dirty="0"/>
+                      <a:endParaRPr lang="de-DE" sz="1400" dirty="0"/>
                     </a:p>
                   </a:txBody>
                   <a:tcPr marL="0" marR="0" marT="0" marB="0" anchor="ctr"/>
                 </a:tc>
               </a:tr>
-              <a:tr h="114988">
+              <a:tr h="214980">
                 <a:tc>
                   <a:txBody>
                     <a:bodyPr/>
                     <a:lstStyle/>
                     <a:p>
                       <a:pPr algn="ctr"/>
-                      <a:endParaRPr lang="de-DE" sz="1100" dirty="0"/>
+                      <a:endParaRPr lang="de-DE" sz="1400" dirty="0"/>
                     </a:p>
                   </a:txBody>
                   <a:tcPr marL="0" marR="0" marT="0" marB="0" anchor="ctr"/>
@@ -18520,7 +18665,7 @@
                     <a:lstStyle/>
                     <a:p>
                       <a:pPr algn="ctr"/>
-                      <a:endParaRPr lang="de-DE" sz="1100" dirty="0"/>
+                      <a:endParaRPr lang="de-DE" sz="1400" dirty="0"/>
                     </a:p>
                   </a:txBody>
                   <a:tcPr marL="0" marR="0" marT="0" marB="0" anchor="ctr"/>
@@ -18531,20 +18676,20 @@
                     <a:lstStyle/>
                     <a:p>
                       <a:pPr algn="ctr"/>
-                      <a:endParaRPr lang="de-DE" sz="1100" dirty="0"/>
+                      <a:endParaRPr lang="de-DE" sz="1400" dirty="0"/>
                     </a:p>
                   </a:txBody>
                   <a:tcPr marL="0" marR="0" marT="0" marB="0" anchor="ctr"/>
                 </a:tc>
               </a:tr>
-              <a:tr h="114988">
+              <a:tr h="214980">
                 <a:tc>
                   <a:txBody>
                     <a:bodyPr/>
                     <a:lstStyle/>
                     <a:p>
                       <a:pPr algn="ctr"/>
-                      <a:endParaRPr lang="de-DE" sz="1100" dirty="0"/>
+                      <a:endParaRPr lang="de-DE" sz="1400" dirty="0"/>
                     </a:p>
                   </a:txBody>
                   <a:tcPr marL="0" marR="0" marT="0" marB="0" anchor="ctr"/>
@@ -18555,7 +18700,7 @@
                     <a:lstStyle/>
                     <a:p>
                       <a:pPr algn="ctr"/>
-                      <a:endParaRPr lang="de-DE" sz="1100" dirty="0"/>
+                      <a:endParaRPr lang="de-DE" sz="1400" dirty="0"/>
                     </a:p>
                   </a:txBody>
                   <a:tcPr marL="0" marR="0" marT="0" marB="0" anchor="ctr"/>
@@ -18566,20 +18711,20 @@
                     <a:lstStyle/>
                     <a:p>
                       <a:pPr algn="ctr"/>
-                      <a:endParaRPr lang="de-DE" sz="1100" dirty="0"/>
+                      <a:endParaRPr lang="de-DE" sz="1400" dirty="0"/>
                     </a:p>
                   </a:txBody>
                   <a:tcPr marL="0" marR="0" marT="0" marB="0" anchor="ctr"/>
                 </a:tc>
               </a:tr>
-              <a:tr h="114988">
+              <a:tr h="214980">
                 <a:tc>
                   <a:txBody>
                     <a:bodyPr/>
                     <a:lstStyle/>
                     <a:p>
                       <a:pPr algn="ctr"/>
-                      <a:endParaRPr lang="de-DE" sz="1100" dirty="0"/>
+                      <a:endParaRPr lang="de-DE" sz="1400" dirty="0"/>
                     </a:p>
                   </a:txBody>
                   <a:tcPr marL="0" marR="0" marT="0" marB="0" anchor="ctr"/>
@@ -18590,7 +18735,7 @@
                     <a:lstStyle/>
                     <a:p>
                       <a:pPr algn="ctr"/>
-                      <a:endParaRPr lang="de-DE" sz="1100" dirty="0"/>
+                      <a:endParaRPr lang="de-DE" sz="1400" dirty="0"/>
                     </a:p>
                   </a:txBody>
                   <a:tcPr marL="0" marR="0" marT="0" marB="0" anchor="ctr"/>
@@ -18601,20 +18746,20 @@
                     <a:lstStyle/>
                     <a:p>
                       <a:pPr algn="ctr"/>
-                      <a:endParaRPr lang="de-DE" sz="1100" dirty="0"/>
+                      <a:endParaRPr lang="de-DE" sz="1400" dirty="0"/>
                     </a:p>
                   </a:txBody>
                   <a:tcPr marL="0" marR="0" marT="0" marB="0" anchor="ctr"/>
                 </a:tc>
               </a:tr>
-              <a:tr h="114988">
+              <a:tr h="214980">
                 <a:tc>
                   <a:txBody>
                     <a:bodyPr/>
                     <a:lstStyle/>
                     <a:p>
                       <a:pPr algn="ctr"/>
-                      <a:endParaRPr lang="de-DE" sz="1100" dirty="0"/>
+                      <a:endParaRPr lang="de-DE" sz="1400" dirty="0"/>
                     </a:p>
                   </a:txBody>
                   <a:tcPr marL="0" marR="0" marT="0" marB="0" anchor="ctr"/>
@@ -18625,7 +18770,7 @@
                     <a:lstStyle/>
                     <a:p>
                       <a:pPr algn="ctr"/>
-                      <a:endParaRPr lang="de-DE" sz="1100" dirty="0"/>
+                      <a:endParaRPr lang="de-DE" sz="1400" dirty="0"/>
                     </a:p>
                   </a:txBody>
                   <a:tcPr marL="0" marR="0" marT="0" marB="0" anchor="ctr"/>
@@ -18636,20 +18781,20 @@
                     <a:lstStyle/>
                     <a:p>
                       <a:pPr algn="ctr"/>
-                      <a:endParaRPr lang="de-DE" sz="1100" dirty="0"/>
+                      <a:endParaRPr lang="de-DE" sz="1400" dirty="0"/>
                     </a:p>
                   </a:txBody>
                   <a:tcPr marL="0" marR="0" marT="0" marB="0" anchor="ctr"/>
                 </a:tc>
               </a:tr>
-              <a:tr h="114988">
+              <a:tr h="214980">
                 <a:tc>
                   <a:txBody>
                     <a:bodyPr/>
                     <a:lstStyle/>
                     <a:p>
                       <a:pPr algn="ctr"/>
-                      <a:endParaRPr lang="de-DE" sz="1100" dirty="0"/>
+                      <a:endParaRPr lang="de-DE" sz="1400" dirty="0"/>
                     </a:p>
                   </a:txBody>
                   <a:tcPr marL="0" marR="0" marT="0" marB="0" anchor="ctr"/>
@@ -18660,7 +18805,7 @@
                     <a:lstStyle/>
                     <a:p>
                       <a:pPr algn="ctr"/>
-                      <a:endParaRPr lang="de-DE" sz="1100" dirty="0"/>
+                      <a:endParaRPr lang="de-DE" sz="1400" dirty="0"/>
                     </a:p>
                   </a:txBody>
                   <a:tcPr marL="0" marR="0" marT="0" marB="0" anchor="ctr"/>
@@ -18671,20 +18816,20 @@
                     <a:lstStyle/>
                     <a:p>
                       <a:pPr algn="ctr"/>
-                      <a:endParaRPr lang="de-DE" sz="1100" dirty="0"/>
+                      <a:endParaRPr lang="de-DE" sz="1400" dirty="0"/>
                     </a:p>
                   </a:txBody>
                   <a:tcPr marL="0" marR="0" marT="0" marB="0" anchor="ctr"/>
                 </a:tc>
               </a:tr>
-              <a:tr h="114988">
+              <a:tr h="214980">
                 <a:tc>
                   <a:txBody>
                     <a:bodyPr/>
                     <a:lstStyle/>
                     <a:p>
                       <a:pPr algn="ctr"/>
-                      <a:endParaRPr lang="de-DE" sz="1100" dirty="0"/>
+                      <a:endParaRPr lang="de-DE" sz="1400" dirty="0"/>
                     </a:p>
                   </a:txBody>
                   <a:tcPr marL="0" marR="0" marT="0" marB="0" anchor="ctr"/>
@@ -18695,7 +18840,7 @@
                     <a:lstStyle/>
                     <a:p>
                       <a:pPr algn="ctr"/>
-                      <a:endParaRPr lang="de-DE" sz="1100" dirty="0"/>
+                      <a:endParaRPr lang="de-DE" sz="1400" dirty="0"/>
                     </a:p>
                   </a:txBody>
                   <a:tcPr marL="0" marR="0" marT="0" marB="0" anchor="ctr"/>
@@ -18706,7 +18851,7 @@
                     <a:lstStyle/>
                     <a:p>
                       <a:pPr algn="ctr"/>
-                      <a:endParaRPr lang="de-DE" sz="1100" dirty="0"/>
+                      <a:endParaRPr lang="de-DE" sz="1400" dirty="0"/>
                     </a:p>
                   </a:txBody>
                   <a:tcPr marL="0" marR="0" marT="0" marB="0" anchor="ctr"/>
@@ -18725,14 +18870,14 @@
           <p:nvPr>
             <p:extLst>
               <p:ext uri="{D42A27DB-BD31-4B8C-83A1-F6EECF244321}">
-                <p14:modId xmlns:p14="http://schemas.microsoft.com/office/powerpoint/2010/main" val="3273437830"/>
+                <p14:modId xmlns:p14="http://schemas.microsoft.com/office/powerpoint/2010/main" val="269273645"/>
               </p:ext>
             </p:extLst>
           </p:nvPr>
         </p:nvGraphicFramePr>
         <p:xfrm>
-          <a:off x="4119761" y="1545563"/>
-          <a:ext cx="1080120" cy="1560000"/>
+          <a:off x="5148064" y="1165312"/>
+          <a:ext cx="1664655" cy="2000530"/>
         </p:xfrm>
         <a:graphic>
           <a:graphicData uri="http://schemas.openxmlformats.org/drawingml/2006/table">
@@ -18741,11 +18886,11 @@
                 <a:tableStyleId>{5C22544A-7EE6-4342-B048-85BDC9FD1C3A}</a:tableStyleId>
               </a:tblPr>
               <a:tblGrid>
-                <a:gridCol w="360040"/>
-                <a:gridCol w="360040"/>
-                <a:gridCol w="360040"/>
+                <a:gridCol w="554885"/>
+                <a:gridCol w="554885"/>
+                <a:gridCol w="554885"/>
               </a:tblGrid>
-              <a:tr h="114988">
+              <a:tr h="280690">
                 <a:tc>
                   <a:txBody>
                     <a:bodyPr/>
@@ -18753,10 +18898,10 @@
                     <a:p>
                       <a:pPr algn="ctr"/>
                       <a:r>
-                        <a:rPr lang="de-DE" sz="1200" dirty="0" smtClean="0"/>
+                        <a:rPr lang="de-DE" sz="1400" dirty="0" smtClean="0"/>
                         <a:t>i</a:t>
                       </a:r>
-                      <a:endParaRPr lang="de-DE" sz="1200" dirty="0"/>
+                      <a:endParaRPr lang="de-DE" sz="1400" dirty="0"/>
                     </a:p>
                   </a:txBody>
                   <a:tcPr marL="0" marR="0" marT="0" marB="36000" anchor="ctr"/>
@@ -18768,10 +18913,10 @@
                     <a:p>
                       <a:pPr algn="ctr"/>
                       <a:r>
-                        <a:rPr lang="de-DE" sz="1200" dirty="0" smtClean="0"/>
+                        <a:rPr lang="de-DE" sz="1400" dirty="0" smtClean="0"/>
                         <a:t>x</a:t>
                       </a:r>
-                      <a:endParaRPr lang="de-DE" sz="1200" dirty="0"/>
+                      <a:endParaRPr lang="de-DE" sz="1400" dirty="0"/>
                     </a:p>
                   </a:txBody>
                   <a:tcPr marL="0" marR="0" marT="0" marB="36000" anchor="ctr"/>
@@ -18783,16 +18928,16 @@
                     <a:p>
                       <a:pPr algn="ctr"/>
                       <a:r>
-                        <a:rPr lang="de-DE" sz="1200" dirty="0" smtClean="0"/>
+                        <a:rPr lang="de-DE" sz="1400" dirty="0" smtClean="0"/>
                         <a:t>y</a:t>
                       </a:r>
-                      <a:endParaRPr lang="de-DE" sz="1200" dirty="0"/>
+                      <a:endParaRPr lang="de-DE" sz="1400" dirty="0"/>
                     </a:p>
                   </a:txBody>
                   <a:tcPr marL="0" marR="0" marT="0" marB="36000" anchor="ctr"/>
                 </a:tc>
               </a:tr>
-              <a:tr h="114988">
+              <a:tr h="214980">
                 <a:tc>
                   <a:txBody>
                     <a:bodyPr/>
@@ -18800,10 +18945,10 @@
                     <a:p>
                       <a:pPr algn="ctr"/>
                       <a:r>
-                        <a:rPr lang="de-DE" sz="1100" dirty="0" smtClean="0"/>
+                        <a:rPr lang="de-DE" sz="1400" dirty="0" smtClean="0"/>
                         <a:t>1</a:t>
                       </a:r>
-                      <a:endParaRPr lang="de-DE" sz="1100" dirty="0"/>
+                      <a:endParaRPr lang="de-DE" sz="1400" dirty="0"/>
                     </a:p>
                   </a:txBody>
                   <a:tcPr marL="0" marR="0" marT="0" marB="0" anchor="ctr"/>
@@ -18815,10 +18960,10 @@
                     <a:p>
                       <a:pPr algn="ctr"/>
                       <a:r>
-                        <a:rPr lang="de-DE" sz="1100" dirty="0" smtClean="0"/>
+                        <a:rPr lang="de-DE" sz="1400" dirty="0" smtClean="0"/>
                         <a:t>2</a:t>
                       </a:r>
-                      <a:endParaRPr lang="de-DE" sz="1100" dirty="0"/>
+                      <a:endParaRPr lang="de-DE" sz="1400" dirty="0"/>
                     </a:p>
                   </a:txBody>
                   <a:tcPr marL="0" marR="0" marT="0" marB="0" anchor="ctr"/>
@@ -18830,16 +18975,16 @@
                     <a:p>
                       <a:pPr algn="ctr"/>
                       <a:r>
-                        <a:rPr lang="de-DE" sz="1100" dirty="0" smtClean="0"/>
+                        <a:rPr lang="de-DE" sz="1400" dirty="0" smtClean="0"/>
                         <a:t>8</a:t>
                       </a:r>
-                      <a:endParaRPr lang="de-DE" sz="1100" dirty="0"/>
+                      <a:endParaRPr lang="de-DE" sz="1400" dirty="0"/>
                     </a:p>
                   </a:txBody>
                   <a:tcPr marL="0" marR="0" marT="0" marB="0" anchor="ctr"/>
                 </a:tc>
               </a:tr>
-              <a:tr h="114988">
+              <a:tr h="214980">
                 <a:tc>
                   <a:txBody>
                     <a:bodyPr/>
@@ -18847,10 +18992,10 @@
                     <a:p>
                       <a:pPr algn="ctr"/>
                       <a:r>
-                        <a:rPr lang="de-DE" sz="1100" dirty="0" smtClean="0"/>
+                        <a:rPr lang="de-DE" sz="1400" dirty="0" smtClean="0"/>
                         <a:t>6</a:t>
                       </a:r>
-                      <a:endParaRPr lang="de-DE" sz="1100" dirty="0"/>
+                      <a:endParaRPr lang="de-DE" sz="1400" dirty="0"/>
                     </a:p>
                   </a:txBody>
                   <a:tcPr marL="0" marR="0" marT="0" marB="0" anchor="ctr"/>
@@ -18862,10 +19007,10 @@
                     <a:p>
                       <a:pPr algn="ctr"/>
                       <a:r>
-                        <a:rPr lang="de-DE" sz="1100" dirty="0" smtClean="0"/>
+                        <a:rPr lang="de-DE" sz="1400" dirty="0" smtClean="0"/>
                         <a:t>3</a:t>
                       </a:r>
-                      <a:endParaRPr lang="de-DE" sz="1100" dirty="0"/>
+                      <a:endParaRPr lang="de-DE" sz="1400" dirty="0"/>
                     </a:p>
                   </a:txBody>
                   <a:tcPr marL="0" marR="0" marT="0" marB="0" anchor="ctr"/>
@@ -18877,23 +19022,23 @@
                     <a:p>
                       <a:pPr algn="ctr"/>
                       <a:r>
-                        <a:rPr lang="de-DE" sz="1100" dirty="0" smtClean="0"/>
+                        <a:rPr lang="de-DE" sz="1400" dirty="0" smtClean="0"/>
                         <a:t>8</a:t>
                       </a:r>
-                      <a:endParaRPr lang="de-DE" sz="1100" dirty="0"/>
+                      <a:endParaRPr lang="de-DE" sz="1400" dirty="0"/>
                     </a:p>
                   </a:txBody>
                   <a:tcPr marL="0" marR="0" marT="0" marB="0" anchor="ctr"/>
                 </a:tc>
               </a:tr>
-              <a:tr h="114988">
+              <a:tr h="214980">
                 <a:tc>
                   <a:txBody>
                     <a:bodyPr/>
                     <a:lstStyle/>
                     <a:p>
                       <a:pPr algn="ctr"/>
-                      <a:endParaRPr lang="de-DE" sz="1100" dirty="0"/>
+                      <a:endParaRPr lang="de-DE" sz="1400" dirty="0"/>
                     </a:p>
                   </a:txBody>
                   <a:tcPr marL="0" marR="0" marT="0" marB="0" anchor="ctr"/>
@@ -18904,7 +19049,7 @@
                     <a:lstStyle/>
                     <a:p>
                       <a:pPr algn="ctr"/>
-                      <a:endParaRPr lang="de-DE" sz="1100" dirty="0"/>
+                      <a:endParaRPr lang="de-DE" sz="1400" dirty="0"/>
                     </a:p>
                   </a:txBody>
                   <a:tcPr marL="0" marR="0" marT="0" marB="0" anchor="ctr"/>
@@ -18915,20 +19060,20 @@
                     <a:lstStyle/>
                     <a:p>
                       <a:pPr algn="ctr"/>
-                      <a:endParaRPr lang="de-DE" sz="1100" dirty="0"/>
+                      <a:endParaRPr lang="de-DE" sz="1400" dirty="0"/>
                     </a:p>
                   </a:txBody>
                   <a:tcPr marL="0" marR="0" marT="0" marB="0" anchor="ctr"/>
                 </a:tc>
               </a:tr>
-              <a:tr h="114988">
+              <a:tr h="214980">
                 <a:tc>
                   <a:txBody>
                     <a:bodyPr/>
                     <a:lstStyle/>
                     <a:p>
                       <a:pPr algn="ctr"/>
-                      <a:endParaRPr lang="de-DE" sz="1100" dirty="0"/>
+                      <a:endParaRPr lang="de-DE" sz="1400" dirty="0"/>
                     </a:p>
                   </a:txBody>
                   <a:tcPr marL="0" marR="0" marT="0" marB="0" anchor="ctr"/>
@@ -18939,7 +19084,7 @@
                     <a:lstStyle/>
                     <a:p>
                       <a:pPr algn="ctr"/>
-                      <a:endParaRPr lang="de-DE" sz="1100" dirty="0"/>
+                      <a:endParaRPr lang="de-DE" sz="1400" dirty="0"/>
                     </a:p>
                   </a:txBody>
                   <a:tcPr marL="0" marR="0" marT="0" marB="0" anchor="ctr"/>
@@ -18950,20 +19095,20 @@
                     <a:lstStyle/>
                     <a:p>
                       <a:pPr algn="ctr"/>
-                      <a:endParaRPr lang="de-DE" sz="1100" dirty="0"/>
+                      <a:endParaRPr lang="de-DE" sz="1400" dirty="0"/>
                     </a:p>
                   </a:txBody>
                   <a:tcPr marL="0" marR="0" marT="0" marB="0" anchor="ctr"/>
                 </a:tc>
               </a:tr>
-              <a:tr h="114988">
+              <a:tr h="214980">
                 <a:tc>
                   <a:txBody>
                     <a:bodyPr/>
                     <a:lstStyle/>
                     <a:p>
                       <a:pPr algn="ctr"/>
-                      <a:endParaRPr lang="de-DE" sz="1100" dirty="0"/>
+                      <a:endParaRPr lang="de-DE" sz="1400" dirty="0"/>
                     </a:p>
                   </a:txBody>
                   <a:tcPr marL="0" marR="0" marT="0" marB="0" anchor="ctr"/>
@@ -18974,7 +19119,7 @@
                     <a:lstStyle/>
                     <a:p>
                       <a:pPr algn="ctr"/>
-                      <a:endParaRPr lang="de-DE" sz="1100" dirty="0"/>
+                      <a:endParaRPr lang="de-DE" sz="1400" dirty="0"/>
                     </a:p>
                   </a:txBody>
                   <a:tcPr marL="0" marR="0" marT="0" marB="0" anchor="ctr"/>
@@ -18985,20 +19130,20 @@
                     <a:lstStyle/>
                     <a:p>
                       <a:pPr algn="ctr"/>
-                      <a:endParaRPr lang="de-DE" sz="1100" dirty="0"/>
+                      <a:endParaRPr lang="de-DE" sz="1400" dirty="0"/>
                     </a:p>
                   </a:txBody>
                   <a:tcPr marL="0" marR="0" marT="0" marB="0" anchor="ctr"/>
                 </a:tc>
               </a:tr>
-              <a:tr h="114988">
+              <a:tr h="214980">
                 <a:tc>
                   <a:txBody>
                     <a:bodyPr/>
                     <a:lstStyle/>
                     <a:p>
                       <a:pPr algn="ctr"/>
-                      <a:endParaRPr lang="de-DE" sz="1100" dirty="0"/>
+                      <a:endParaRPr lang="de-DE" sz="1400" dirty="0"/>
                     </a:p>
                   </a:txBody>
                   <a:tcPr marL="0" marR="0" marT="0" marB="0" anchor="ctr"/>
@@ -19009,7 +19154,7 @@
                     <a:lstStyle/>
                     <a:p>
                       <a:pPr algn="ctr"/>
-                      <a:endParaRPr lang="de-DE" sz="1100" dirty="0"/>
+                      <a:endParaRPr lang="de-DE" sz="1400" dirty="0"/>
                     </a:p>
                   </a:txBody>
                   <a:tcPr marL="0" marR="0" marT="0" marB="0" anchor="ctr"/>
@@ -19020,20 +19165,20 @@
                     <a:lstStyle/>
                     <a:p>
                       <a:pPr algn="ctr"/>
-                      <a:endParaRPr lang="de-DE" sz="1100" dirty="0"/>
+                      <a:endParaRPr lang="de-DE" sz="1400" dirty="0"/>
                     </a:p>
                   </a:txBody>
                   <a:tcPr marL="0" marR="0" marT="0" marB="0" anchor="ctr"/>
                 </a:tc>
               </a:tr>
-              <a:tr h="114988">
+              <a:tr h="214980">
                 <a:tc>
                   <a:txBody>
                     <a:bodyPr/>
                     <a:lstStyle/>
                     <a:p>
                       <a:pPr algn="ctr"/>
-                      <a:endParaRPr lang="de-DE" sz="1100" dirty="0"/>
+                      <a:endParaRPr lang="de-DE" sz="1400" dirty="0"/>
                     </a:p>
                   </a:txBody>
                   <a:tcPr marL="0" marR="0" marT="0" marB="0" anchor="ctr"/>
@@ -19044,7 +19189,7 @@
                     <a:lstStyle/>
                     <a:p>
                       <a:pPr algn="ctr"/>
-                      <a:endParaRPr lang="de-DE" sz="1100" dirty="0"/>
+                      <a:endParaRPr lang="de-DE" sz="1400" dirty="0"/>
                     </a:p>
                   </a:txBody>
                   <a:tcPr marL="0" marR="0" marT="0" marB="0" anchor="ctr"/>
@@ -19055,20 +19200,20 @@
                     <a:lstStyle/>
                     <a:p>
                       <a:pPr algn="ctr"/>
-                      <a:endParaRPr lang="de-DE" sz="1100" dirty="0"/>
+                      <a:endParaRPr lang="de-DE" sz="1400" dirty="0"/>
                     </a:p>
                   </a:txBody>
                   <a:tcPr marL="0" marR="0" marT="0" marB="0" anchor="ctr"/>
                 </a:tc>
               </a:tr>
-              <a:tr h="114988">
+              <a:tr h="214980">
                 <a:tc>
                   <a:txBody>
                     <a:bodyPr/>
                     <a:lstStyle/>
                     <a:p>
                       <a:pPr algn="ctr"/>
-                      <a:endParaRPr lang="de-DE" sz="1100" dirty="0"/>
+                      <a:endParaRPr lang="de-DE" sz="1400" dirty="0"/>
                     </a:p>
                   </a:txBody>
                   <a:tcPr marL="0" marR="0" marT="0" marB="0" anchor="ctr"/>
@@ -19079,7 +19224,7 @@
                     <a:lstStyle/>
                     <a:p>
                       <a:pPr algn="ctr"/>
-                      <a:endParaRPr lang="de-DE" sz="1100" dirty="0"/>
+                      <a:endParaRPr lang="de-DE" sz="1400" dirty="0"/>
                     </a:p>
                   </a:txBody>
                   <a:tcPr marL="0" marR="0" marT="0" marB="0" anchor="ctr"/>
@@ -19090,7 +19235,7 @@
                     <a:lstStyle/>
                     <a:p>
                       <a:pPr algn="ctr"/>
-                      <a:endParaRPr lang="de-DE" sz="1100" dirty="0"/>
+                      <a:endParaRPr lang="de-DE" sz="1400" dirty="0"/>
                     </a:p>
                   </a:txBody>
                   <a:tcPr marL="0" marR="0" marT="0" marB="0" anchor="ctr"/>
@@ -19109,14 +19254,14 @@
           <p:nvPr>
             <p:extLst>
               <p:ext uri="{D42A27DB-BD31-4B8C-83A1-F6EECF244321}">
-                <p14:modId xmlns:p14="http://schemas.microsoft.com/office/powerpoint/2010/main" val="2564806073"/>
+                <p14:modId xmlns:p14="http://schemas.microsoft.com/office/powerpoint/2010/main" val="2757105332"/>
               </p:ext>
             </p:extLst>
           </p:nvPr>
         </p:nvGraphicFramePr>
         <p:xfrm>
-          <a:off x="4119761" y="1545563"/>
-          <a:ext cx="1080120" cy="1560000"/>
+          <a:off x="5148064" y="1165312"/>
+          <a:ext cx="1664655" cy="2000530"/>
         </p:xfrm>
         <a:graphic>
           <a:graphicData uri="http://schemas.openxmlformats.org/drawingml/2006/table">
@@ -19125,11 +19270,11 @@
                 <a:tableStyleId>{5C22544A-7EE6-4342-B048-85BDC9FD1C3A}</a:tableStyleId>
               </a:tblPr>
               <a:tblGrid>
-                <a:gridCol w="360040"/>
-                <a:gridCol w="360040"/>
-                <a:gridCol w="360040"/>
+                <a:gridCol w="554885"/>
+                <a:gridCol w="554885"/>
+                <a:gridCol w="554885"/>
               </a:tblGrid>
-              <a:tr h="114988">
+              <a:tr h="280690">
                 <a:tc>
                   <a:txBody>
                     <a:bodyPr/>
@@ -19137,10 +19282,10 @@
                     <a:p>
                       <a:pPr algn="ctr"/>
                       <a:r>
-                        <a:rPr lang="de-DE" sz="1200" dirty="0" smtClean="0"/>
+                        <a:rPr lang="de-DE" sz="1400" dirty="0" smtClean="0"/>
                         <a:t>i</a:t>
                       </a:r>
-                      <a:endParaRPr lang="de-DE" sz="1200" dirty="0"/>
+                      <a:endParaRPr lang="de-DE" sz="1400" dirty="0"/>
                     </a:p>
                   </a:txBody>
                   <a:tcPr marL="0" marR="0" marT="0" marB="36000" anchor="ctr"/>
@@ -19152,10 +19297,10 @@
                     <a:p>
                       <a:pPr algn="ctr"/>
                       <a:r>
-                        <a:rPr lang="de-DE" sz="1200" dirty="0" smtClean="0"/>
+                        <a:rPr lang="de-DE" sz="1400" dirty="0" smtClean="0"/>
                         <a:t>x</a:t>
                       </a:r>
-                      <a:endParaRPr lang="de-DE" sz="1200" dirty="0"/>
+                      <a:endParaRPr lang="de-DE" sz="1400" dirty="0"/>
                     </a:p>
                   </a:txBody>
                   <a:tcPr marL="0" marR="0" marT="0" marB="36000" anchor="ctr"/>
@@ -19167,16 +19312,16 @@
                     <a:p>
                       <a:pPr algn="ctr"/>
                       <a:r>
-                        <a:rPr lang="de-DE" sz="1200" dirty="0" smtClean="0"/>
+                        <a:rPr lang="de-DE" sz="1400" dirty="0" smtClean="0"/>
                         <a:t>y</a:t>
                       </a:r>
-                      <a:endParaRPr lang="de-DE" sz="1200" dirty="0"/>
+                      <a:endParaRPr lang="de-DE" sz="1400" dirty="0"/>
                     </a:p>
                   </a:txBody>
                   <a:tcPr marL="0" marR="0" marT="0" marB="36000" anchor="ctr"/>
                 </a:tc>
               </a:tr>
-              <a:tr h="114988">
+              <a:tr h="214980">
                 <a:tc>
                   <a:txBody>
                     <a:bodyPr/>
@@ -19184,10 +19329,10 @@
                     <a:p>
                       <a:pPr algn="ctr"/>
                       <a:r>
-                        <a:rPr lang="de-DE" sz="1100" dirty="0" smtClean="0"/>
+                        <a:rPr lang="de-DE" sz="1400" dirty="0" smtClean="0"/>
                         <a:t>1</a:t>
                       </a:r>
-                      <a:endParaRPr lang="de-DE" sz="1100" dirty="0"/>
+                      <a:endParaRPr lang="de-DE" sz="1400" dirty="0"/>
                     </a:p>
                   </a:txBody>
                   <a:tcPr marL="0" marR="0" marT="0" marB="0" anchor="ctr"/>
@@ -19199,10 +19344,10 @@
                     <a:p>
                       <a:pPr algn="ctr"/>
                       <a:r>
-                        <a:rPr lang="de-DE" sz="1100" dirty="0" smtClean="0"/>
+                        <a:rPr lang="de-DE" sz="1400" dirty="0" smtClean="0"/>
                         <a:t>2</a:t>
                       </a:r>
-                      <a:endParaRPr lang="de-DE" sz="1100" dirty="0"/>
+                      <a:endParaRPr lang="de-DE" sz="1400" dirty="0"/>
                     </a:p>
                   </a:txBody>
                   <a:tcPr marL="0" marR="0" marT="0" marB="0" anchor="ctr"/>
@@ -19214,16 +19359,16 @@
                     <a:p>
                       <a:pPr algn="ctr"/>
                       <a:r>
-                        <a:rPr lang="de-DE" sz="1100" dirty="0" smtClean="0"/>
+                        <a:rPr lang="de-DE" sz="1400" dirty="0" smtClean="0"/>
                         <a:t>8</a:t>
                       </a:r>
-                      <a:endParaRPr lang="de-DE" sz="1100" dirty="0"/>
+                      <a:endParaRPr lang="de-DE" sz="1400" dirty="0"/>
                     </a:p>
                   </a:txBody>
                   <a:tcPr marL="0" marR="0" marT="0" marB="0" anchor="ctr"/>
                 </a:tc>
               </a:tr>
-              <a:tr h="114988">
+              <a:tr h="214980">
                 <a:tc>
                   <a:txBody>
                     <a:bodyPr/>
@@ -19231,10 +19376,10 @@
                     <a:p>
                       <a:pPr algn="ctr"/>
                       <a:r>
-                        <a:rPr lang="de-DE" sz="1100" dirty="0" smtClean="0"/>
+                        <a:rPr lang="de-DE" sz="1400" dirty="0" smtClean="0"/>
                         <a:t>6</a:t>
                       </a:r>
-                      <a:endParaRPr lang="de-DE" sz="1100" dirty="0"/>
+                      <a:endParaRPr lang="de-DE" sz="1400" dirty="0"/>
                     </a:p>
                   </a:txBody>
                   <a:tcPr marL="0" marR="0" marT="0" marB="0" anchor="ctr"/>
@@ -19246,10 +19391,10 @@
                     <a:p>
                       <a:pPr algn="ctr"/>
                       <a:r>
-                        <a:rPr lang="de-DE" sz="1100" dirty="0" smtClean="0"/>
+                        <a:rPr lang="de-DE" sz="1400" dirty="0" smtClean="0"/>
                         <a:t>3</a:t>
                       </a:r>
-                      <a:endParaRPr lang="de-DE" sz="1100" dirty="0"/>
+                      <a:endParaRPr lang="de-DE" sz="1400" dirty="0"/>
                     </a:p>
                   </a:txBody>
                   <a:tcPr marL="0" marR="0" marT="0" marB="0" anchor="ctr"/>
@@ -19261,16 +19406,16 @@
                     <a:p>
                       <a:pPr algn="ctr"/>
                       <a:r>
-                        <a:rPr lang="de-DE" sz="1100" dirty="0" smtClean="0"/>
+                        <a:rPr lang="de-DE" sz="1400" dirty="0" smtClean="0"/>
                         <a:t>8</a:t>
                       </a:r>
-                      <a:endParaRPr lang="de-DE" sz="1100" dirty="0"/>
+                      <a:endParaRPr lang="de-DE" sz="1400" dirty="0"/>
                     </a:p>
                   </a:txBody>
                   <a:tcPr marL="0" marR="0" marT="0" marB="0" anchor="ctr"/>
                 </a:tc>
               </a:tr>
-              <a:tr h="114988">
+              <a:tr h="214980">
                 <a:tc>
                   <a:txBody>
                     <a:bodyPr/>
@@ -19278,10 +19423,10 @@
                     <a:p>
                       <a:pPr algn="ctr"/>
                       <a:r>
-                        <a:rPr lang="de-DE" sz="1100" dirty="0" smtClean="0"/>
+                        <a:rPr lang="de-DE" sz="1400" dirty="0" smtClean="0"/>
                         <a:t>5</a:t>
                       </a:r>
-                      <a:endParaRPr lang="de-DE" sz="1100" dirty="0"/>
+                      <a:endParaRPr lang="de-DE" sz="1400" dirty="0"/>
                     </a:p>
                   </a:txBody>
                   <a:tcPr marL="0" marR="0" marT="0" marB="0" anchor="ctr"/>
@@ -19293,10 +19438,10 @@
                     <a:p>
                       <a:pPr algn="ctr"/>
                       <a:r>
-                        <a:rPr lang="de-DE" sz="1100" dirty="0" smtClean="0"/>
+                        <a:rPr lang="de-DE" sz="1400" dirty="0" smtClean="0"/>
                         <a:t>4</a:t>
                       </a:r>
-                      <a:endParaRPr lang="de-DE" sz="1100" dirty="0"/>
+                      <a:endParaRPr lang="de-DE" sz="1400" dirty="0"/>
                     </a:p>
                   </a:txBody>
                   <a:tcPr marL="0" marR="0" marT="0" marB="0" anchor="ctr"/>
@@ -19308,23 +19453,23 @@
                     <a:p>
                       <a:pPr algn="ctr"/>
                       <a:r>
-                        <a:rPr lang="de-DE" sz="1100" dirty="0" smtClean="0"/>
+                        <a:rPr lang="de-DE" sz="1400" dirty="0" smtClean="0"/>
                         <a:t>8</a:t>
                       </a:r>
-                      <a:endParaRPr lang="de-DE" sz="1100" dirty="0"/>
+                      <a:endParaRPr lang="de-DE" sz="1400" dirty="0"/>
                     </a:p>
                   </a:txBody>
                   <a:tcPr marL="0" marR="0" marT="0" marB="0" anchor="ctr"/>
                 </a:tc>
               </a:tr>
-              <a:tr h="114988">
+              <a:tr h="214980">
                 <a:tc>
                   <a:txBody>
                     <a:bodyPr/>
                     <a:lstStyle/>
                     <a:p>
                       <a:pPr algn="ctr"/>
-                      <a:endParaRPr lang="de-DE" sz="1100" dirty="0"/>
+                      <a:endParaRPr lang="de-DE" sz="1400" dirty="0"/>
                     </a:p>
                   </a:txBody>
                   <a:tcPr marL="0" marR="0" marT="0" marB="0" anchor="ctr"/>
@@ -19335,7 +19480,7 @@
                     <a:lstStyle/>
                     <a:p>
                       <a:pPr algn="ctr"/>
-                      <a:endParaRPr lang="de-DE" sz="1100" dirty="0"/>
+                      <a:endParaRPr lang="de-DE" sz="1400" dirty="0"/>
                     </a:p>
                   </a:txBody>
                   <a:tcPr marL="0" marR="0" marT="0" marB="0" anchor="ctr"/>
@@ -19346,20 +19491,20 @@
                     <a:lstStyle/>
                     <a:p>
                       <a:pPr algn="ctr"/>
-                      <a:endParaRPr lang="de-DE" sz="1100" dirty="0"/>
+                      <a:endParaRPr lang="de-DE" sz="1400" dirty="0"/>
                     </a:p>
                   </a:txBody>
                   <a:tcPr marL="0" marR="0" marT="0" marB="0" anchor="ctr"/>
                 </a:tc>
               </a:tr>
-              <a:tr h="114988">
+              <a:tr h="214980">
                 <a:tc>
                   <a:txBody>
                     <a:bodyPr/>
                     <a:lstStyle/>
                     <a:p>
                       <a:pPr algn="ctr"/>
-                      <a:endParaRPr lang="de-DE" sz="1100" dirty="0"/>
+                      <a:endParaRPr lang="de-DE" sz="1400" dirty="0"/>
                     </a:p>
                   </a:txBody>
                   <a:tcPr marL="0" marR="0" marT="0" marB="0" anchor="ctr"/>
@@ -19370,7 +19515,7 @@
                     <a:lstStyle/>
                     <a:p>
                       <a:pPr algn="ctr"/>
-                      <a:endParaRPr lang="de-DE" sz="1100" dirty="0"/>
+                      <a:endParaRPr lang="de-DE" sz="1400" dirty="0"/>
                     </a:p>
                   </a:txBody>
                   <a:tcPr marL="0" marR="0" marT="0" marB="0" anchor="ctr"/>
@@ -19381,20 +19526,20 @@
                     <a:lstStyle/>
                     <a:p>
                       <a:pPr algn="ctr"/>
-                      <a:endParaRPr lang="de-DE" sz="1100" dirty="0"/>
+                      <a:endParaRPr lang="de-DE" sz="1400" dirty="0"/>
                     </a:p>
                   </a:txBody>
                   <a:tcPr marL="0" marR="0" marT="0" marB="0" anchor="ctr"/>
                 </a:tc>
               </a:tr>
-              <a:tr h="114988">
+              <a:tr h="214980">
                 <a:tc>
                   <a:txBody>
                     <a:bodyPr/>
                     <a:lstStyle/>
                     <a:p>
                       <a:pPr algn="ctr"/>
-                      <a:endParaRPr lang="de-DE" sz="1100" dirty="0"/>
+                      <a:endParaRPr lang="de-DE" sz="1400" dirty="0"/>
                     </a:p>
                   </a:txBody>
                   <a:tcPr marL="0" marR="0" marT="0" marB="0" anchor="ctr"/>
@@ -19405,7 +19550,7 @@
                     <a:lstStyle/>
                     <a:p>
                       <a:pPr algn="ctr"/>
-                      <a:endParaRPr lang="de-DE" sz="1100" dirty="0"/>
+                      <a:endParaRPr lang="de-DE" sz="1400" dirty="0"/>
                     </a:p>
                   </a:txBody>
                   <a:tcPr marL="0" marR="0" marT="0" marB="0" anchor="ctr"/>
@@ -19416,20 +19561,20 @@
                     <a:lstStyle/>
                     <a:p>
                       <a:pPr algn="ctr"/>
-                      <a:endParaRPr lang="de-DE" sz="1100" dirty="0"/>
+                      <a:endParaRPr lang="de-DE" sz="1400" dirty="0"/>
                     </a:p>
                   </a:txBody>
                   <a:tcPr marL="0" marR="0" marT="0" marB="0" anchor="ctr"/>
                 </a:tc>
               </a:tr>
-              <a:tr h="114988">
+              <a:tr h="214980">
                 <a:tc>
                   <a:txBody>
                     <a:bodyPr/>
                     <a:lstStyle/>
                     <a:p>
                       <a:pPr algn="ctr"/>
-                      <a:endParaRPr lang="de-DE" sz="1100" dirty="0"/>
+                      <a:endParaRPr lang="de-DE" sz="1400" dirty="0"/>
                     </a:p>
                   </a:txBody>
                   <a:tcPr marL="0" marR="0" marT="0" marB="0" anchor="ctr"/>
@@ -19440,7 +19585,7 @@
                     <a:lstStyle/>
                     <a:p>
                       <a:pPr algn="ctr"/>
-                      <a:endParaRPr lang="de-DE" sz="1100" dirty="0"/>
+                      <a:endParaRPr lang="de-DE" sz="1400" dirty="0"/>
                     </a:p>
                   </a:txBody>
                   <a:tcPr marL="0" marR="0" marT="0" marB="0" anchor="ctr"/>
@@ -19451,20 +19596,20 @@
                     <a:lstStyle/>
                     <a:p>
                       <a:pPr algn="ctr"/>
-                      <a:endParaRPr lang="de-DE" sz="1100" dirty="0"/>
+                      <a:endParaRPr lang="de-DE" sz="1400" dirty="0"/>
                     </a:p>
                   </a:txBody>
                   <a:tcPr marL="0" marR="0" marT="0" marB="0" anchor="ctr"/>
                 </a:tc>
               </a:tr>
-              <a:tr h="114988">
+              <a:tr h="214980">
                 <a:tc>
                   <a:txBody>
                     <a:bodyPr/>
                     <a:lstStyle/>
                     <a:p>
                       <a:pPr algn="ctr"/>
-                      <a:endParaRPr lang="de-DE" sz="1100" dirty="0"/>
+                      <a:endParaRPr lang="de-DE" sz="1400" dirty="0"/>
                     </a:p>
                   </a:txBody>
                   <a:tcPr marL="0" marR="0" marT="0" marB="0" anchor="ctr"/>
@@ -19475,7 +19620,7 @@
                     <a:lstStyle/>
                     <a:p>
                       <a:pPr algn="ctr"/>
-                      <a:endParaRPr lang="de-DE" sz="1100" dirty="0"/>
+                      <a:endParaRPr lang="de-DE" sz="1400" dirty="0"/>
                     </a:p>
                   </a:txBody>
                   <a:tcPr marL="0" marR="0" marT="0" marB="0" anchor="ctr"/>
@@ -19486,7 +19631,7 @@
                     <a:lstStyle/>
                     <a:p>
                       <a:pPr algn="ctr"/>
-                      <a:endParaRPr lang="de-DE" sz="1100" dirty="0"/>
+                      <a:endParaRPr lang="de-DE" sz="1400" dirty="0"/>
                     </a:p>
                   </a:txBody>
                   <a:tcPr marL="0" marR="0" marT="0" marB="0" anchor="ctr"/>
@@ -19505,14 +19650,14 @@
           <p:nvPr>
             <p:extLst>
               <p:ext uri="{D42A27DB-BD31-4B8C-83A1-F6EECF244321}">
-                <p14:modId xmlns:p14="http://schemas.microsoft.com/office/powerpoint/2010/main" val="4284055571"/>
+                <p14:modId xmlns:p14="http://schemas.microsoft.com/office/powerpoint/2010/main" val="2609339453"/>
               </p:ext>
             </p:extLst>
           </p:nvPr>
         </p:nvGraphicFramePr>
         <p:xfrm>
-          <a:off x="4119761" y="1545563"/>
-          <a:ext cx="1080120" cy="1560000"/>
+          <a:off x="5148064" y="1165312"/>
+          <a:ext cx="1664655" cy="2000530"/>
         </p:xfrm>
         <a:graphic>
           <a:graphicData uri="http://schemas.openxmlformats.org/drawingml/2006/table">
@@ -19521,11 +19666,11 @@
                 <a:tableStyleId>{5C22544A-7EE6-4342-B048-85BDC9FD1C3A}</a:tableStyleId>
               </a:tblPr>
               <a:tblGrid>
-                <a:gridCol w="360040"/>
-                <a:gridCol w="360040"/>
-                <a:gridCol w="360040"/>
+                <a:gridCol w="554885"/>
+                <a:gridCol w="554885"/>
+                <a:gridCol w="554885"/>
               </a:tblGrid>
-              <a:tr h="114988">
+              <a:tr h="280690">
                 <a:tc>
                   <a:txBody>
                     <a:bodyPr/>
@@ -19533,10 +19678,10 @@
                     <a:p>
                       <a:pPr algn="ctr"/>
                       <a:r>
-                        <a:rPr lang="de-DE" sz="1200" dirty="0" smtClean="0"/>
+                        <a:rPr lang="de-DE" sz="1400" dirty="0" smtClean="0"/>
                         <a:t>i</a:t>
                       </a:r>
-                      <a:endParaRPr lang="de-DE" sz="1200" dirty="0"/>
+                      <a:endParaRPr lang="de-DE" sz="1400" dirty="0"/>
                     </a:p>
                   </a:txBody>
                   <a:tcPr marL="0" marR="0" marT="0" marB="36000" anchor="ctr"/>
@@ -19548,10 +19693,10 @@
                     <a:p>
                       <a:pPr algn="ctr"/>
                       <a:r>
-                        <a:rPr lang="de-DE" sz="1200" dirty="0" smtClean="0"/>
+                        <a:rPr lang="de-DE" sz="1400" dirty="0" smtClean="0"/>
                         <a:t>x</a:t>
                       </a:r>
-                      <a:endParaRPr lang="de-DE" sz="1200" dirty="0"/>
+                      <a:endParaRPr lang="de-DE" sz="1400" dirty="0"/>
                     </a:p>
                   </a:txBody>
                   <a:tcPr marL="0" marR="0" marT="0" marB="36000" anchor="ctr"/>
@@ -19563,16 +19708,16 @@
                     <a:p>
                       <a:pPr algn="ctr"/>
                       <a:r>
-                        <a:rPr lang="de-DE" sz="1200" dirty="0" smtClean="0"/>
+                        <a:rPr lang="de-DE" sz="1400" dirty="0" smtClean="0"/>
                         <a:t>y</a:t>
                       </a:r>
-                      <a:endParaRPr lang="de-DE" sz="1200" dirty="0"/>
+                      <a:endParaRPr lang="de-DE" sz="1400" dirty="0"/>
                     </a:p>
                   </a:txBody>
                   <a:tcPr marL="0" marR="0" marT="0" marB="36000" anchor="ctr"/>
                 </a:tc>
               </a:tr>
-              <a:tr h="114988">
+              <a:tr h="214980">
                 <a:tc>
                   <a:txBody>
                     <a:bodyPr/>
@@ -19580,10 +19725,10 @@
                     <a:p>
                       <a:pPr algn="ctr"/>
                       <a:r>
-                        <a:rPr lang="de-DE" sz="1100" dirty="0" smtClean="0"/>
+                        <a:rPr lang="de-DE" sz="1400" dirty="0" smtClean="0"/>
                         <a:t>1</a:t>
                       </a:r>
-                      <a:endParaRPr lang="de-DE" sz="1100" dirty="0"/>
+                      <a:endParaRPr lang="de-DE" sz="1400" dirty="0"/>
                     </a:p>
                   </a:txBody>
                   <a:tcPr marL="0" marR="0" marT="0" marB="0" anchor="ctr"/>
@@ -19595,10 +19740,10 @@
                     <a:p>
                       <a:pPr algn="ctr"/>
                       <a:r>
-                        <a:rPr lang="de-DE" sz="1100" dirty="0" smtClean="0"/>
+                        <a:rPr lang="de-DE" sz="1400" dirty="0" smtClean="0"/>
                         <a:t>2</a:t>
                       </a:r>
-                      <a:endParaRPr lang="de-DE" sz="1100" dirty="0"/>
+                      <a:endParaRPr lang="de-DE" sz="1400" dirty="0"/>
                     </a:p>
                   </a:txBody>
                   <a:tcPr marL="0" marR="0" marT="0" marB="0" anchor="ctr"/>
@@ -19610,16 +19755,16 @@
                     <a:p>
                       <a:pPr algn="ctr"/>
                       <a:r>
-                        <a:rPr lang="de-DE" sz="1100" dirty="0" smtClean="0"/>
+                        <a:rPr lang="de-DE" sz="1400" dirty="0" smtClean="0"/>
                         <a:t>8</a:t>
                       </a:r>
-                      <a:endParaRPr lang="de-DE" sz="1100" dirty="0"/>
+                      <a:endParaRPr lang="de-DE" sz="1400" dirty="0"/>
                     </a:p>
                   </a:txBody>
                   <a:tcPr marL="0" marR="0" marT="0" marB="0" anchor="ctr"/>
                 </a:tc>
               </a:tr>
-              <a:tr h="114988">
+              <a:tr h="214980">
                 <a:tc>
                   <a:txBody>
                     <a:bodyPr/>
@@ -19627,10 +19772,10 @@
                     <a:p>
                       <a:pPr algn="ctr"/>
                       <a:r>
-                        <a:rPr lang="de-DE" sz="1100" dirty="0" smtClean="0"/>
+                        <a:rPr lang="de-DE" sz="1400" dirty="0" smtClean="0"/>
                         <a:t>6</a:t>
                       </a:r>
-                      <a:endParaRPr lang="de-DE" sz="1100" dirty="0"/>
+                      <a:endParaRPr lang="de-DE" sz="1400" dirty="0"/>
                     </a:p>
                   </a:txBody>
                   <a:tcPr marL="0" marR="0" marT="0" marB="0" anchor="ctr"/>
@@ -19642,10 +19787,10 @@
                     <a:p>
                       <a:pPr algn="ctr"/>
                       <a:r>
-                        <a:rPr lang="de-DE" sz="1100" dirty="0" smtClean="0"/>
+                        <a:rPr lang="de-DE" sz="1400" dirty="0" smtClean="0"/>
                         <a:t>3</a:t>
                       </a:r>
-                      <a:endParaRPr lang="de-DE" sz="1100" dirty="0"/>
+                      <a:endParaRPr lang="de-DE" sz="1400" dirty="0"/>
                     </a:p>
                   </a:txBody>
                   <a:tcPr marL="0" marR="0" marT="0" marB="0" anchor="ctr"/>
@@ -19657,16 +19802,16 @@
                     <a:p>
                       <a:pPr algn="ctr"/>
                       <a:r>
-                        <a:rPr lang="de-DE" sz="1100" dirty="0" smtClean="0"/>
+                        <a:rPr lang="de-DE" sz="1400" dirty="0" smtClean="0"/>
                         <a:t>8</a:t>
                       </a:r>
-                      <a:endParaRPr lang="de-DE" sz="1100" dirty="0"/>
+                      <a:endParaRPr lang="de-DE" sz="1400" dirty="0"/>
                     </a:p>
                   </a:txBody>
                   <a:tcPr marL="0" marR="0" marT="0" marB="0" anchor="ctr"/>
                 </a:tc>
               </a:tr>
-              <a:tr h="114988">
+              <a:tr h="214980">
                 <a:tc>
                   <a:txBody>
                     <a:bodyPr/>
@@ -19674,10 +19819,10 @@
                     <a:p>
                       <a:pPr algn="ctr"/>
                       <a:r>
-                        <a:rPr lang="de-DE" sz="1100" dirty="0" smtClean="0"/>
+                        <a:rPr lang="de-DE" sz="1400" dirty="0" smtClean="0"/>
                         <a:t>5</a:t>
                       </a:r>
-                      <a:endParaRPr lang="de-DE" sz="1100" dirty="0"/>
+                      <a:endParaRPr lang="de-DE" sz="1400" dirty="0"/>
                     </a:p>
                   </a:txBody>
                   <a:tcPr marL="0" marR="0" marT="0" marB="0" anchor="ctr"/>
@@ -19689,10 +19834,10 @@
                     <a:p>
                       <a:pPr algn="ctr"/>
                       <a:r>
-                        <a:rPr lang="de-DE" sz="1100" dirty="0" smtClean="0"/>
+                        <a:rPr lang="de-DE" sz="1400" dirty="0" smtClean="0"/>
                         <a:t>4</a:t>
                       </a:r>
-                      <a:endParaRPr lang="de-DE" sz="1100" dirty="0"/>
+                      <a:endParaRPr lang="de-DE" sz="1400" dirty="0"/>
                     </a:p>
                   </a:txBody>
                   <a:tcPr marL="0" marR="0" marT="0" marB="0" anchor="ctr"/>
@@ -19704,16 +19849,16 @@
                     <a:p>
                       <a:pPr algn="ctr"/>
                       <a:r>
-                        <a:rPr lang="de-DE" sz="1100" dirty="0" smtClean="0"/>
+                        <a:rPr lang="de-DE" sz="1400" dirty="0" smtClean="0"/>
                         <a:t>8</a:t>
                       </a:r>
-                      <a:endParaRPr lang="de-DE" sz="1100" dirty="0"/>
+                      <a:endParaRPr lang="de-DE" sz="1400" dirty="0"/>
                     </a:p>
                   </a:txBody>
                   <a:tcPr marL="0" marR="0" marT="0" marB="0" anchor="ctr"/>
                 </a:tc>
               </a:tr>
-              <a:tr h="114988">
+              <a:tr h="214980">
                 <a:tc>
                   <a:txBody>
                     <a:bodyPr/>
@@ -19721,10 +19866,10 @@
                     <a:p>
                       <a:pPr algn="ctr"/>
                       <a:r>
-                        <a:rPr lang="de-DE" sz="1100" dirty="0" smtClean="0"/>
+                        <a:rPr lang="de-DE" sz="1400" dirty="0" smtClean="0"/>
                         <a:t>4</a:t>
                       </a:r>
-                      <a:endParaRPr lang="de-DE" sz="1100" dirty="0"/>
+                      <a:endParaRPr lang="de-DE" sz="1400" dirty="0"/>
                     </a:p>
                   </a:txBody>
                   <a:tcPr marL="0" marR="0" marT="0" marB="0" anchor="ctr"/>
@@ -19736,10 +19881,10 @@
                     <a:p>
                       <a:pPr algn="ctr"/>
                       <a:r>
-                        <a:rPr lang="de-DE" sz="1100" dirty="0" smtClean="0"/>
+                        <a:rPr lang="de-DE" sz="1400" dirty="0" smtClean="0"/>
                         <a:t>5</a:t>
                       </a:r>
-                      <a:endParaRPr lang="de-DE" sz="1100" dirty="0"/>
+                      <a:endParaRPr lang="de-DE" sz="1400" dirty="0"/>
                     </a:p>
                   </a:txBody>
                   <a:tcPr marL="0" marR="0" marT="0" marB="0" anchor="ctr"/>
@@ -19751,23 +19896,23 @@
                     <a:p>
                       <a:pPr algn="ctr"/>
                       <a:r>
-                        <a:rPr lang="de-DE" sz="1100" dirty="0" smtClean="0"/>
+                        <a:rPr lang="de-DE" sz="1400" dirty="0" smtClean="0"/>
                         <a:t>8</a:t>
                       </a:r>
-                      <a:endParaRPr lang="de-DE" sz="1100" dirty="0"/>
+                      <a:endParaRPr lang="de-DE" sz="1400" dirty="0"/>
                     </a:p>
                   </a:txBody>
                   <a:tcPr marL="0" marR="0" marT="0" marB="0" anchor="ctr"/>
                 </a:tc>
               </a:tr>
-              <a:tr h="114988">
+              <a:tr h="214980">
                 <a:tc>
                   <a:txBody>
                     <a:bodyPr/>
                     <a:lstStyle/>
                     <a:p>
                       <a:pPr algn="ctr"/>
-                      <a:endParaRPr lang="de-DE" sz="1100" dirty="0"/>
+                      <a:endParaRPr lang="de-DE" sz="1400" dirty="0"/>
                     </a:p>
                   </a:txBody>
                   <a:tcPr marL="0" marR="0" marT="0" marB="0" anchor="ctr"/>
@@ -19778,7 +19923,7 @@
                     <a:lstStyle/>
                     <a:p>
                       <a:pPr algn="ctr"/>
-                      <a:endParaRPr lang="de-DE" sz="1100" dirty="0"/>
+                      <a:endParaRPr lang="de-DE" sz="1400" dirty="0"/>
                     </a:p>
                   </a:txBody>
                   <a:tcPr marL="0" marR="0" marT="0" marB="0" anchor="ctr"/>
@@ -19789,20 +19934,20 @@
                     <a:lstStyle/>
                     <a:p>
                       <a:pPr algn="ctr"/>
-                      <a:endParaRPr lang="de-DE" sz="1100" dirty="0"/>
+                      <a:endParaRPr lang="de-DE" sz="1400" dirty="0"/>
                     </a:p>
                   </a:txBody>
                   <a:tcPr marL="0" marR="0" marT="0" marB="0" anchor="ctr"/>
                 </a:tc>
               </a:tr>
-              <a:tr h="114988">
+              <a:tr h="214980">
                 <a:tc>
                   <a:txBody>
                     <a:bodyPr/>
                     <a:lstStyle/>
                     <a:p>
                       <a:pPr algn="ctr"/>
-                      <a:endParaRPr lang="de-DE" sz="1100" dirty="0"/>
+                      <a:endParaRPr lang="de-DE" sz="1400" dirty="0"/>
                     </a:p>
                   </a:txBody>
                   <a:tcPr marL="0" marR="0" marT="0" marB="0" anchor="ctr"/>
@@ -19813,7 +19958,7 @@
                     <a:lstStyle/>
                     <a:p>
                       <a:pPr algn="ctr"/>
-                      <a:endParaRPr lang="de-DE" sz="1100" dirty="0"/>
+                      <a:endParaRPr lang="de-DE" sz="1400" dirty="0"/>
                     </a:p>
                   </a:txBody>
                   <a:tcPr marL="0" marR="0" marT="0" marB="0" anchor="ctr"/>
@@ -19824,20 +19969,20 @@
                     <a:lstStyle/>
                     <a:p>
                       <a:pPr algn="ctr"/>
-                      <a:endParaRPr lang="de-DE" sz="1100" dirty="0"/>
+                      <a:endParaRPr lang="de-DE" sz="1400" dirty="0"/>
                     </a:p>
                   </a:txBody>
                   <a:tcPr marL="0" marR="0" marT="0" marB="0" anchor="ctr"/>
                 </a:tc>
               </a:tr>
-              <a:tr h="114988">
+              <a:tr h="214980">
                 <a:tc>
                   <a:txBody>
                     <a:bodyPr/>
                     <a:lstStyle/>
                     <a:p>
                       <a:pPr algn="ctr"/>
-                      <a:endParaRPr lang="de-DE" sz="1100" dirty="0"/>
+                      <a:endParaRPr lang="de-DE" sz="1400" dirty="0"/>
                     </a:p>
                   </a:txBody>
                   <a:tcPr marL="0" marR="0" marT="0" marB="0" anchor="ctr"/>
@@ -19848,7 +19993,7 @@
                     <a:lstStyle/>
                     <a:p>
                       <a:pPr algn="ctr"/>
-                      <a:endParaRPr lang="de-DE" sz="1100" dirty="0"/>
+                      <a:endParaRPr lang="de-DE" sz="1400" dirty="0"/>
                     </a:p>
                   </a:txBody>
                   <a:tcPr marL="0" marR="0" marT="0" marB="0" anchor="ctr"/>
@@ -19859,20 +20004,20 @@
                     <a:lstStyle/>
                     <a:p>
                       <a:pPr algn="ctr"/>
-                      <a:endParaRPr lang="de-DE" sz="1100" dirty="0"/>
+                      <a:endParaRPr lang="de-DE" sz="1400" dirty="0"/>
                     </a:p>
                   </a:txBody>
                   <a:tcPr marL="0" marR="0" marT="0" marB="0" anchor="ctr"/>
                 </a:tc>
               </a:tr>
-              <a:tr h="114988">
+              <a:tr h="214980">
                 <a:tc>
                   <a:txBody>
                     <a:bodyPr/>
                     <a:lstStyle/>
                     <a:p>
                       <a:pPr algn="ctr"/>
-                      <a:endParaRPr lang="de-DE" sz="1100" dirty="0"/>
+                      <a:endParaRPr lang="de-DE" sz="1400" dirty="0"/>
                     </a:p>
                   </a:txBody>
                   <a:tcPr marL="0" marR="0" marT="0" marB="0" anchor="ctr"/>
@@ -19883,7 +20028,7 @@
                     <a:lstStyle/>
                     <a:p>
                       <a:pPr algn="ctr"/>
-                      <a:endParaRPr lang="de-DE" sz="1100" dirty="0"/>
+                      <a:endParaRPr lang="de-DE" sz="1400" dirty="0"/>
                     </a:p>
                   </a:txBody>
                   <a:tcPr marL="0" marR="0" marT="0" marB="0" anchor="ctr"/>
@@ -19894,7 +20039,7 @@
                     <a:lstStyle/>
                     <a:p>
                       <a:pPr algn="ctr"/>
-                      <a:endParaRPr lang="de-DE" sz="1100" dirty="0"/>
+                      <a:endParaRPr lang="de-DE" sz="1400" dirty="0"/>
                     </a:p>
                   </a:txBody>
                   <a:tcPr marL="0" marR="0" marT="0" marB="0" anchor="ctr"/>
@@ -19913,14 +20058,14 @@
           <p:nvPr>
             <p:extLst>
               <p:ext uri="{D42A27DB-BD31-4B8C-83A1-F6EECF244321}">
-                <p14:modId xmlns:p14="http://schemas.microsoft.com/office/powerpoint/2010/main" val="2306253984"/>
+                <p14:modId xmlns:p14="http://schemas.microsoft.com/office/powerpoint/2010/main" val="1643765771"/>
               </p:ext>
             </p:extLst>
           </p:nvPr>
         </p:nvGraphicFramePr>
         <p:xfrm>
-          <a:off x="4119761" y="1545563"/>
-          <a:ext cx="1080120" cy="1560000"/>
+          <a:off x="5148064" y="1165312"/>
+          <a:ext cx="1664655" cy="2000530"/>
         </p:xfrm>
         <a:graphic>
           <a:graphicData uri="http://schemas.openxmlformats.org/drawingml/2006/table">
@@ -19929,11 +20074,11 @@
                 <a:tableStyleId>{5C22544A-7EE6-4342-B048-85BDC9FD1C3A}</a:tableStyleId>
               </a:tblPr>
               <a:tblGrid>
-                <a:gridCol w="360040"/>
-                <a:gridCol w="360040"/>
-                <a:gridCol w="360040"/>
+                <a:gridCol w="554885"/>
+                <a:gridCol w="554885"/>
+                <a:gridCol w="554885"/>
               </a:tblGrid>
-              <a:tr h="114988">
+              <a:tr h="280690">
                 <a:tc>
                   <a:txBody>
                     <a:bodyPr/>
@@ -19941,10 +20086,10 @@
                     <a:p>
                       <a:pPr algn="ctr"/>
                       <a:r>
-                        <a:rPr lang="de-DE" sz="1200" dirty="0" smtClean="0"/>
+                        <a:rPr lang="de-DE" sz="1400" dirty="0" smtClean="0"/>
                         <a:t>i</a:t>
                       </a:r>
-                      <a:endParaRPr lang="de-DE" sz="1200" dirty="0"/>
+                      <a:endParaRPr lang="de-DE" sz="1400" dirty="0"/>
                     </a:p>
                   </a:txBody>
                   <a:tcPr marL="0" marR="0" marT="0" marB="36000" anchor="ctr"/>
@@ -19956,10 +20101,10 @@
                     <a:p>
                       <a:pPr algn="ctr"/>
                       <a:r>
-                        <a:rPr lang="de-DE" sz="1200" dirty="0" smtClean="0"/>
+                        <a:rPr lang="de-DE" sz="1400" dirty="0" smtClean="0"/>
                         <a:t>x</a:t>
                       </a:r>
-                      <a:endParaRPr lang="de-DE" sz="1200" dirty="0"/>
+                      <a:endParaRPr lang="de-DE" sz="1400" dirty="0"/>
                     </a:p>
                   </a:txBody>
                   <a:tcPr marL="0" marR="0" marT="0" marB="36000" anchor="ctr"/>
@@ -19971,16 +20116,16 @@
                     <a:p>
                       <a:pPr algn="ctr"/>
                       <a:r>
-                        <a:rPr lang="de-DE" sz="1200" dirty="0" smtClean="0"/>
+                        <a:rPr lang="de-DE" sz="1400" dirty="0" smtClean="0"/>
                         <a:t>y</a:t>
                       </a:r>
-                      <a:endParaRPr lang="de-DE" sz="1200" dirty="0"/>
+                      <a:endParaRPr lang="de-DE" sz="1400" dirty="0"/>
                     </a:p>
                   </a:txBody>
                   <a:tcPr marL="0" marR="0" marT="0" marB="36000" anchor="ctr"/>
                 </a:tc>
               </a:tr>
-              <a:tr h="114988">
+              <a:tr h="214980">
                 <a:tc>
                   <a:txBody>
                     <a:bodyPr/>
@@ -19988,10 +20133,10 @@
                     <a:p>
                       <a:pPr algn="ctr"/>
                       <a:r>
-                        <a:rPr lang="de-DE" sz="1100" dirty="0" smtClean="0"/>
+                        <a:rPr lang="de-DE" sz="1400" dirty="0" smtClean="0"/>
                         <a:t>1</a:t>
                       </a:r>
-                      <a:endParaRPr lang="de-DE" sz="1100" dirty="0"/>
+                      <a:endParaRPr lang="de-DE" sz="1400" dirty="0"/>
                     </a:p>
                   </a:txBody>
                   <a:tcPr marL="0" marR="0" marT="0" marB="0" anchor="ctr"/>
@@ -20003,10 +20148,10 @@
                     <a:p>
                       <a:pPr algn="ctr"/>
                       <a:r>
-                        <a:rPr lang="de-DE" sz="1100" dirty="0" smtClean="0"/>
+                        <a:rPr lang="de-DE" sz="1400" dirty="0" smtClean="0"/>
                         <a:t>2</a:t>
                       </a:r>
-                      <a:endParaRPr lang="de-DE" sz="1100" dirty="0"/>
+                      <a:endParaRPr lang="de-DE" sz="1400" dirty="0"/>
                     </a:p>
                   </a:txBody>
                   <a:tcPr marL="0" marR="0" marT="0" marB="0" anchor="ctr"/>
@@ -20018,16 +20163,16 @@
                     <a:p>
                       <a:pPr algn="ctr"/>
                       <a:r>
-                        <a:rPr lang="de-DE" sz="1100" dirty="0" smtClean="0"/>
+                        <a:rPr lang="de-DE" sz="1400" dirty="0" smtClean="0"/>
                         <a:t>8</a:t>
                       </a:r>
-                      <a:endParaRPr lang="de-DE" sz="1100" dirty="0"/>
+                      <a:endParaRPr lang="de-DE" sz="1400" dirty="0"/>
                     </a:p>
                   </a:txBody>
                   <a:tcPr marL="0" marR="0" marT="0" marB="0" anchor="ctr"/>
                 </a:tc>
               </a:tr>
-              <a:tr h="114988">
+              <a:tr h="214980">
                 <a:tc>
                   <a:txBody>
                     <a:bodyPr/>
@@ -20035,10 +20180,10 @@
                     <a:p>
                       <a:pPr algn="ctr"/>
                       <a:r>
-                        <a:rPr lang="de-DE" sz="1100" dirty="0" smtClean="0"/>
+                        <a:rPr lang="de-DE" sz="1400" dirty="0" smtClean="0"/>
                         <a:t>6</a:t>
                       </a:r>
-                      <a:endParaRPr lang="de-DE" sz="1100" dirty="0"/>
+                      <a:endParaRPr lang="de-DE" sz="1400" dirty="0"/>
                     </a:p>
                   </a:txBody>
                   <a:tcPr marL="0" marR="0" marT="0" marB="0" anchor="ctr"/>
@@ -20050,10 +20195,10 @@
                     <a:p>
                       <a:pPr algn="ctr"/>
                       <a:r>
-                        <a:rPr lang="de-DE" sz="1100" dirty="0" smtClean="0"/>
+                        <a:rPr lang="de-DE" sz="1400" dirty="0" smtClean="0"/>
                         <a:t>3</a:t>
                       </a:r>
-                      <a:endParaRPr lang="de-DE" sz="1100" dirty="0"/>
+                      <a:endParaRPr lang="de-DE" sz="1400" dirty="0"/>
                     </a:p>
                   </a:txBody>
                   <a:tcPr marL="0" marR="0" marT="0" marB="0" anchor="ctr"/>
@@ -20065,16 +20210,16 @@
                     <a:p>
                       <a:pPr algn="ctr"/>
                       <a:r>
-                        <a:rPr lang="de-DE" sz="1100" dirty="0" smtClean="0"/>
+                        <a:rPr lang="de-DE" sz="1400" dirty="0" smtClean="0"/>
                         <a:t>8</a:t>
                       </a:r>
-                      <a:endParaRPr lang="de-DE" sz="1100" dirty="0"/>
+                      <a:endParaRPr lang="de-DE" sz="1400" dirty="0"/>
                     </a:p>
                   </a:txBody>
                   <a:tcPr marL="0" marR="0" marT="0" marB="0" anchor="ctr"/>
                 </a:tc>
               </a:tr>
-              <a:tr h="114988">
+              <a:tr h="214980">
                 <a:tc>
                   <a:txBody>
                     <a:bodyPr/>
@@ -20082,10 +20227,10 @@
                     <a:p>
                       <a:pPr algn="ctr"/>
                       <a:r>
-                        <a:rPr lang="de-DE" sz="1100" dirty="0" smtClean="0"/>
+                        <a:rPr lang="de-DE" sz="1400" dirty="0" smtClean="0"/>
                         <a:t>5</a:t>
                       </a:r>
-                      <a:endParaRPr lang="de-DE" sz="1100" dirty="0"/>
+                      <a:endParaRPr lang="de-DE" sz="1400" dirty="0"/>
                     </a:p>
                   </a:txBody>
                   <a:tcPr marL="0" marR="0" marT="0" marB="0" anchor="ctr"/>
@@ -20097,10 +20242,10 @@
                     <a:p>
                       <a:pPr algn="ctr"/>
                       <a:r>
-                        <a:rPr lang="de-DE" sz="1100" dirty="0" smtClean="0"/>
+                        <a:rPr lang="de-DE" sz="1400" dirty="0" smtClean="0"/>
                         <a:t>4</a:t>
                       </a:r>
-                      <a:endParaRPr lang="de-DE" sz="1100" dirty="0"/>
+                      <a:endParaRPr lang="de-DE" sz="1400" dirty="0"/>
                     </a:p>
                   </a:txBody>
                   <a:tcPr marL="0" marR="0" marT="0" marB="0" anchor="ctr"/>
@@ -20112,16 +20257,16 @@
                     <a:p>
                       <a:pPr algn="ctr"/>
                       <a:r>
-                        <a:rPr lang="de-DE" sz="1100" dirty="0" smtClean="0"/>
+                        <a:rPr lang="de-DE" sz="1400" dirty="0" smtClean="0"/>
                         <a:t>8</a:t>
                       </a:r>
-                      <a:endParaRPr lang="de-DE" sz="1100" dirty="0"/>
+                      <a:endParaRPr lang="de-DE" sz="1400" dirty="0"/>
                     </a:p>
                   </a:txBody>
                   <a:tcPr marL="0" marR="0" marT="0" marB="0" anchor="ctr"/>
                 </a:tc>
               </a:tr>
-              <a:tr h="114988">
+              <a:tr h="214980">
                 <a:tc>
                   <a:txBody>
                     <a:bodyPr/>
@@ -20129,10 +20274,10 @@
                     <a:p>
                       <a:pPr algn="ctr"/>
                       <a:r>
-                        <a:rPr lang="de-DE" sz="1100" dirty="0" smtClean="0"/>
+                        <a:rPr lang="de-DE" sz="1400" dirty="0" smtClean="0"/>
                         <a:t>4</a:t>
                       </a:r>
-                      <a:endParaRPr lang="de-DE" sz="1100" dirty="0"/>
+                      <a:endParaRPr lang="de-DE" sz="1400" dirty="0"/>
                     </a:p>
                   </a:txBody>
                   <a:tcPr marL="0" marR="0" marT="0" marB="0" anchor="ctr"/>
@@ -20144,10 +20289,10 @@
                     <a:p>
                       <a:pPr algn="ctr"/>
                       <a:r>
-                        <a:rPr lang="de-DE" sz="1100" dirty="0" smtClean="0"/>
+                        <a:rPr lang="de-DE" sz="1400" dirty="0" smtClean="0"/>
                         <a:t>5</a:t>
                       </a:r>
-                      <a:endParaRPr lang="de-DE" sz="1100" dirty="0"/>
+                      <a:endParaRPr lang="de-DE" sz="1400" dirty="0"/>
                     </a:p>
                   </a:txBody>
                   <a:tcPr marL="0" marR="0" marT="0" marB="0" anchor="ctr"/>
@@ -20159,16 +20304,16 @@
                     <a:p>
                       <a:pPr algn="ctr"/>
                       <a:r>
-                        <a:rPr lang="de-DE" sz="1100" dirty="0" smtClean="0"/>
+                        <a:rPr lang="de-DE" sz="1400" dirty="0" smtClean="0"/>
                         <a:t>8</a:t>
                       </a:r>
-                      <a:endParaRPr lang="de-DE" sz="1100" dirty="0"/>
+                      <a:endParaRPr lang="de-DE" sz="1400" dirty="0"/>
                     </a:p>
                   </a:txBody>
                   <a:tcPr marL="0" marR="0" marT="0" marB="0" anchor="ctr"/>
                 </a:tc>
               </a:tr>
-              <a:tr h="114988">
+              <a:tr h="214980">
                 <a:tc>
                   <a:txBody>
                     <a:bodyPr/>
@@ -20176,10 +20321,10 @@
                     <a:p>
                       <a:pPr algn="ctr"/>
                       <a:r>
-                        <a:rPr lang="de-DE" sz="1100" dirty="0" smtClean="0"/>
+                        <a:rPr lang="de-DE" sz="1400" dirty="0" smtClean="0"/>
                         <a:t>3</a:t>
                       </a:r>
-                      <a:endParaRPr lang="de-DE" sz="1100" dirty="0"/>
+                      <a:endParaRPr lang="de-DE" sz="1400" dirty="0"/>
                     </a:p>
                   </a:txBody>
                   <a:tcPr marL="0" marR="0" marT="0" marB="0" anchor="ctr"/>
@@ -20191,10 +20336,10 @@
                     <a:p>
                       <a:pPr algn="ctr"/>
                       <a:r>
-                        <a:rPr lang="de-DE" sz="1100" dirty="0" smtClean="0"/>
+                        <a:rPr lang="de-DE" sz="1400" dirty="0" smtClean="0"/>
                         <a:t>6</a:t>
                       </a:r>
-                      <a:endParaRPr lang="de-DE" sz="1100" dirty="0"/>
+                      <a:endParaRPr lang="de-DE" sz="1400" dirty="0"/>
                     </a:p>
                   </a:txBody>
                   <a:tcPr marL="0" marR="0" marT="0" marB="0" anchor="ctr"/>
@@ -20206,23 +20351,23 @@
                     <a:p>
                       <a:pPr algn="ctr"/>
                       <a:r>
-                        <a:rPr lang="de-DE" sz="1100" dirty="0" smtClean="0"/>
+                        <a:rPr lang="de-DE" sz="1400" dirty="0" smtClean="0"/>
                         <a:t>8</a:t>
                       </a:r>
-                      <a:endParaRPr lang="de-DE" sz="1100" dirty="0"/>
+                      <a:endParaRPr lang="de-DE" sz="1400" dirty="0"/>
                     </a:p>
                   </a:txBody>
                   <a:tcPr marL="0" marR="0" marT="0" marB="0" anchor="ctr"/>
                 </a:tc>
               </a:tr>
-              <a:tr h="114988">
+              <a:tr h="214980">
                 <a:tc>
                   <a:txBody>
                     <a:bodyPr/>
                     <a:lstStyle/>
                     <a:p>
                       <a:pPr algn="ctr"/>
-                      <a:endParaRPr lang="de-DE" sz="1100" dirty="0"/>
+                      <a:endParaRPr lang="de-DE" sz="1400" dirty="0"/>
                     </a:p>
                   </a:txBody>
                   <a:tcPr marL="0" marR="0" marT="0" marB="0" anchor="ctr"/>
@@ -20233,7 +20378,7 @@
                     <a:lstStyle/>
                     <a:p>
                       <a:pPr algn="ctr"/>
-                      <a:endParaRPr lang="de-DE" sz="1100" dirty="0"/>
+                      <a:endParaRPr lang="de-DE" sz="1400" dirty="0"/>
                     </a:p>
                   </a:txBody>
                   <a:tcPr marL="0" marR="0" marT="0" marB="0" anchor="ctr"/>
@@ -20244,20 +20389,20 @@
                     <a:lstStyle/>
                     <a:p>
                       <a:pPr algn="ctr"/>
-                      <a:endParaRPr lang="de-DE" sz="1100" dirty="0"/>
+                      <a:endParaRPr lang="de-DE" sz="1400" dirty="0"/>
                     </a:p>
                   </a:txBody>
                   <a:tcPr marL="0" marR="0" marT="0" marB="0" anchor="ctr"/>
                 </a:tc>
               </a:tr>
-              <a:tr h="114988">
+              <a:tr h="214980">
                 <a:tc>
                   <a:txBody>
                     <a:bodyPr/>
                     <a:lstStyle/>
                     <a:p>
                       <a:pPr algn="ctr"/>
-                      <a:endParaRPr lang="de-DE" sz="1100" dirty="0"/>
+                      <a:endParaRPr lang="de-DE" sz="1400" dirty="0"/>
                     </a:p>
                   </a:txBody>
                   <a:tcPr marL="0" marR="0" marT="0" marB="0" anchor="ctr"/>
@@ -20268,7 +20413,7 @@
                     <a:lstStyle/>
                     <a:p>
                       <a:pPr algn="ctr"/>
-                      <a:endParaRPr lang="de-DE" sz="1100" dirty="0"/>
+                      <a:endParaRPr lang="de-DE" sz="1400" dirty="0"/>
                     </a:p>
                   </a:txBody>
                   <a:tcPr marL="0" marR="0" marT="0" marB="0" anchor="ctr"/>
@@ -20279,20 +20424,20 @@
                     <a:lstStyle/>
                     <a:p>
                       <a:pPr algn="ctr"/>
-                      <a:endParaRPr lang="de-DE" sz="1100" dirty="0"/>
+                      <a:endParaRPr lang="de-DE" sz="1400" dirty="0"/>
                     </a:p>
                   </a:txBody>
                   <a:tcPr marL="0" marR="0" marT="0" marB="0" anchor="ctr"/>
                 </a:tc>
               </a:tr>
-              <a:tr h="114988">
+              <a:tr h="214980">
                 <a:tc>
                   <a:txBody>
                     <a:bodyPr/>
                     <a:lstStyle/>
                     <a:p>
                       <a:pPr algn="ctr"/>
-                      <a:endParaRPr lang="de-DE" sz="1100" dirty="0"/>
+                      <a:endParaRPr lang="de-DE" sz="1400" dirty="0"/>
                     </a:p>
                   </a:txBody>
                   <a:tcPr marL="0" marR="0" marT="0" marB="0" anchor="ctr"/>
@@ -20303,7 +20448,7 @@
                     <a:lstStyle/>
                     <a:p>
                       <a:pPr algn="ctr"/>
-                      <a:endParaRPr lang="de-DE" sz="1100" dirty="0"/>
+                      <a:endParaRPr lang="de-DE" sz="1400" dirty="0"/>
                     </a:p>
                   </a:txBody>
                   <a:tcPr marL="0" marR="0" marT="0" marB="0" anchor="ctr"/>
@@ -20314,7 +20459,7 @@
                     <a:lstStyle/>
                     <a:p>
                       <a:pPr algn="ctr"/>
-                      <a:endParaRPr lang="de-DE" sz="1100" dirty="0"/>
+                      <a:endParaRPr lang="de-DE" sz="1400" dirty="0"/>
                     </a:p>
                   </a:txBody>
                   <a:tcPr marL="0" marR="0" marT="0" marB="0" anchor="ctr"/>
@@ -20333,14 +20478,14 @@
           <p:nvPr>
             <p:extLst>
               <p:ext uri="{D42A27DB-BD31-4B8C-83A1-F6EECF244321}">
-                <p14:modId xmlns:p14="http://schemas.microsoft.com/office/powerpoint/2010/main" val="3905608257"/>
+                <p14:modId xmlns:p14="http://schemas.microsoft.com/office/powerpoint/2010/main" val="3548900669"/>
               </p:ext>
             </p:extLst>
           </p:nvPr>
         </p:nvGraphicFramePr>
         <p:xfrm>
-          <a:off x="4119761" y="1545563"/>
-          <a:ext cx="1080120" cy="1560000"/>
+          <a:off x="5148064" y="1165312"/>
+          <a:ext cx="1664655" cy="2000530"/>
         </p:xfrm>
         <a:graphic>
           <a:graphicData uri="http://schemas.openxmlformats.org/drawingml/2006/table">
@@ -20349,11 +20494,11 @@
                 <a:tableStyleId>{5C22544A-7EE6-4342-B048-85BDC9FD1C3A}</a:tableStyleId>
               </a:tblPr>
               <a:tblGrid>
-                <a:gridCol w="360040"/>
-                <a:gridCol w="360040"/>
-                <a:gridCol w="360040"/>
+                <a:gridCol w="554885"/>
+                <a:gridCol w="554885"/>
+                <a:gridCol w="554885"/>
               </a:tblGrid>
-              <a:tr h="114988">
+              <a:tr h="280690">
                 <a:tc>
                   <a:txBody>
                     <a:bodyPr/>
@@ -20361,10 +20506,10 @@
                     <a:p>
                       <a:pPr algn="ctr"/>
                       <a:r>
-                        <a:rPr lang="de-DE" sz="1200" dirty="0" smtClean="0"/>
+                        <a:rPr lang="de-DE" sz="1400" dirty="0" smtClean="0"/>
                         <a:t>i</a:t>
                       </a:r>
-                      <a:endParaRPr lang="de-DE" sz="1200" dirty="0"/>
+                      <a:endParaRPr lang="de-DE" sz="1400" dirty="0"/>
                     </a:p>
                   </a:txBody>
                   <a:tcPr marL="0" marR="0" marT="0" marB="36000" anchor="ctr"/>
@@ -20376,10 +20521,10 @@
                     <a:p>
                       <a:pPr algn="ctr"/>
                       <a:r>
-                        <a:rPr lang="de-DE" sz="1200" dirty="0" smtClean="0"/>
+                        <a:rPr lang="de-DE" sz="1400" dirty="0" smtClean="0"/>
                         <a:t>x</a:t>
                       </a:r>
-                      <a:endParaRPr lang="de-DE" sz="1200" dirty="0"/>
+                      <a:endParaRPr lang="de-DE" sz="1400" dirty="0"/>
                     </a:p>
                   </a:txBody>
                   <a:tcPr marL="0" marR="0" marT="0" marB="36000" anchor="ctr"/>
@@ -20391,16 +20536,16 @@
                     <a:p>
                       <a:pPr algn="ctr"/>
                       <a:r>
-                        <a:rPr lang="de-DE" sz="1200" dirty="0" smtClean="0"/>
+                        <a:rPr lang="de-DE" sz="1400" dirty="0" smtClean="0"/>
                         <a:t>y</a:t>
                       </a:r>
-                      <a:endParaRPr lang="de-DE" sz="1200" dirty="0"/>
+                      <a:endParaRPr lang="de-DE" sz="1400" dirty="0"/>
                     </a:p>
                   </a:txBody>
                   <a:tcPr marL="0" marR="0" marT="0" marB="36000" anchor="ctr"/>
                 </a:tc>
               </a:tr>
-              <a:tr h="114988">
+              <a:tr h="214980">
                 <a:tc>
                   <a:txBody>
                     <a:bodyPr/>
@@ -20408,10 +20553,10 @@
                     <a:p>
                       <a:pPr algn="ctr"/>
                       <a:r>
-                        <a:rPr lang="de-DE" sz="1100" dirty="0" smtClean="0"/>
+                        <a:rPr lang="de-DE" sz="1400" dirty="0" smtClean="0"/>
                         <a:t>1</a:t>
                       </a:r>
-                      <a:endParaRPr lang="de-DE" sz="1100" dirty="0"/>
+                      <a:endParaRPr lang="de-DE" sz="1400" dirty="0"/>
                     </a:p>
                   </a:txBody>
                   <a:tcPr marL="0" marR="0" marT="0" marB="0" anchor="ctr"/>
@@ -20423,10 +20568,10 @@
                     <a:p>
                       <a:pPr algn="ctr"/>
                       <a:r>
-                        <a:rPr lang="de-DE" sz="1100" dirty="0" smtClean="0"/>
+                        <a:rPr lang="de-DE" sz="1400" dirty="0" smtClean="0"/>
                         <a:t>2</a:t>
                       </a:r>
-                      <a:endParaRPr lang="de-DE" sz="1100" dirty="0"/>
+                      <a:endParaRPr lang="de-DE" sz="1400" dirty="0"/>
                     </a:p>
                   </a:txBody>
                   <a:tcPr marL="0" marR="0" marT="0" marB="0" anchor="ctr"/>
@@ -20438,16 +20583,16 @@
                     <a:p>
                       <a:pPr algn="ctr"/>
                       <a:r>
-                        <a:rPr lang="de-DE" sz="1100" dirty="0" smtClean="0"/>
+                        <a:rPr lang="de-DE" sz="1400" dirty="0" smtClean="0"/>
                         <a:t>8</a:t>
                       </a:r>
-                      <a:endParaRPr lang="de-DE" sz="1100" dirty="0"/>
+                      <a:endParaRPr lang="de-DE" sz="1400" dirty="0"/>
                     </a:p>
                   </a:txBody>
                   <a:tcPr marL="0" marR="0" marT="0" marB="0" anchor="ctr"/>
                 </a:tc>
               </a:tr>
-              <a:tr h="114988">
+              <a:tr h="214980">
                 <a:tc>
                   <a:txBody>
                     <a:bodyPr/>
@@ -20455,10 +20600,10 @@
                     <a:p>
                       <a:pPr algn="ctr"/>
                       <a:r>
-                        <a:rPr lang="de-DE" sz="1100" dirty="0" smtClean="0"/>
+                        <a:rPr lang="de-DE" sz="1400" dirty="0" smtClean="0"/>
                         <a:t>6</a:t>
                       </a:r>
-                      <a:endParaRPr lang="de-DE" sz="1100" dirty="0"/>
+                      <a:endParaRPr lang="de-DE" sz="1400" dirty="0"/>
                     </a:p>
                   </a:txBody>
                   <a:tcPr marL="0" marR="0" marT="0" marB="0" anchor="ctr"/>
@@ -20470,10 +20615,10 @@
                     <a:p>
                       <a:pPr algn="ctr"/>
                       <a:r>
-                        <a:rPr lang="de-DE" sz="1100" dirty="0" smtClean="0"/>
+                        <a:rPr lang="de-DE" sz="1400" dirty="0" smtClean="0"/>
                         <a:t>3</a:t>
                       </a:r>
-                      <a:endParaRPr lang="de-DE" sz="1100" dirty="0"/>
+                      <a:endParaRPr lang="de-DE" sz="1400" dirty="0"/>
                     </a:p>
                   </a:txBody>
                   <a:tcPr marL="0" marR="0" marT="0" marB="0" anchor="ctr"/>
@@ -20485,16 +20630,16 @@
                     <a:p>
                       <a:pPr algn="ctr"/>
                       <a:r>
-                        <a:rPr lang="de-DE" sz="1100" dirty="0" smtClean="0"/>
+                        <a:rPr lang="de-DE" sz="1400" dirty="0" smtClean="0"/>
                         <a:t>8</a:t>
                       </a:r>
-                      <a:endParaRPr lang="de-DE" sz="1100" dirty="0"/>
+                      <a:endParaRPr lang="de-DE" sz="1400" dirty="0"/>
                     </a:p>
                   </a:txBody>
                   <a:tcPr marL="0" marR="0" marT="0" marB="0" anchor="ctr"/>
                 </a:tc>
               </a:tr>
-              <a:tr h="114988">
+              <a:tr h="214980">
                 <a:tc>
                   <a:txBody>
                     <a:bodyPr/>
@@ -20502,10 +20647,10 @@
                     <a:p>
                       <a:pPr algn="ctr"/>
                       <a:r>
-                        <a:rPr lang="de-DE" sz="1100" dirty="0" smtClean="0"/>
+                        <a:rPr lang="de-DE" sz="1400" dirty="0" smtClean="0"/>
                         <a:t>5</a:t>
                       </a:r>
-                      <a:endParaRPr lang="de-DE" sz="1100" dirty="0"/>
+                      <a:endParaRPr lang="de-DE" sz="1400" dirty="0"/>
                     </a:p>
                   </a:txBody>
                   <a:tcPr marL="0" marR="0" marT="0" marB="0" anchor="ctr"/>
@@ -20517,10 +20662,10 @@
                     <a:p>
                       <a:pPr algn="ctr"/>
                       <a:r>
-                        <a:rPr lang="de-DE" sz="1100" dirty="0" smtClean="0"/>
+                        <a:rPr lang="de-DE" sz="1400" dirty="0" smtClean="0"/>
                         <a:t>4</a:t>
                       </a:r>
-                      <a:endParaRPr lang="de-DE" sz="1100" dirty="0"/>
+                      <a:endParaRPr lang="de-DE" sz="1400" dirty="0"/>
                     </a:p>
                   </a:txBody>
                   <a:tcPr marL="0" marR="0" marT="0" marB="0" anchor="ctr"/>
@@ -20532,16 +20677,16 @@
                     <a:p>
                       <a:pPr algn="ctr"/>
                       <a:r>
-                        <a:rPr lang="de-DE" sz="1100" dirty="0" smtClean="0"/>
+                        <a:rPr lang="de-DE" sz="1400" dirty="0" smtClean="0"/>
                         <a:t>8</a:t>
                       </a:r>
-                      <a:endParaRPr lang="de-DE" sz="1100" dirty="0"/>
+                      <a:endParaRPr lang="de-DE" sz="1400" dirty="0"/>
                     </a:p>
                   </a:txBody>
                   <a:tcPr marL="0" marR="0" marT="0" marB="0" anchor="ctr"/>
                 </a:tc>
               </a:tr>
-              <a:tr h="114988">
+              <a:tr h="214980">
                 <a:tc>
                   <a:txBody>
                     <a:bodyPr/>
@@ -20549,10 +20694,10 @@
                     <a:p>
                       <a:pPr algn="ctr"/>
                       <a:r>
-                        <a:rPr lang="de-DE" sz="1100" dirty="0" smtClean="0"/>
+                        <a:rPr lang="de-DE" sz="1400" dirty="0" smtClean="0"/>
                         <a:t>4</a:t>
                       </a:r>
-                      <a:endParaRPr lang="de-DE" sz="1100" dirty="0"/>
+                      <a:endParaRPr lang="de-DE" sz="1400" dirty="0"/>
                     </a:p>
                   </a:txBody>
                   <a:tcPr marL="0" marR="0" marT="0" marB="0" anchor="ctr"/>
@@ -20564,10 +20709,10 @@
                     <a:p>
                       <a:pPr algn="ctr"/>
                       <a:r>
-                        <a:rPr lang="de-DE" sz="1100" dirty="0" smtClean="0"/>
+                        <a:rPr lang="de-DE" sz="1400" dirty="0" smtClean="0"/>
                         <a:t>5</a:t>
                       </a:r>
-                      <a:endParaRPr lang="de-DE" sz="1100" dirty="0"/>
+                      <a:endParaRPr lang="de-DE" sz="1400" dirty="0"/>
                     </a:p>
                   </a:txBody>
                   <a:tcPr marL="0" marR="0" marT="0" marB="0" anchor="ctr"/>
@@ -20579,16 +20724,16 @@
                     <a:p>
                       <a:pPr algn="ctr"/>
                       <a:r>
-                        <a:rPr lang="de-DE" sz="1100" dirty="0" smtClean="0"/>
+                        <a:rPr lang="de-DE" sz="1400" dirty="0" smtClean="0"/>
                         <a:t>8</a:t>
                       </a:r>
-                      <a:endParaRPr lang="de-DE" sz="1100" dirty="0"/>
+                      <a:endParaRPr lang="de-DE" sz="1400" dirty="0"/>
                     </a:p>
                   </a:txBody>
                   <a:tcPr marL="0" marR="0" marT="0" marB="0" anchor="ctr"/>
                 </a:tc>
               </a:tr>
-              <a:tr h="114988">
+              <a:tr h="214980">
                 <a:tc>
                   <a:txBody>
                     <a:bodyPr/>
@@ -20596,10 +20741,10 @@
                     <a:p>
                       <a:pPr algn="ctr"/>
                       <a:r>
-                        <a:rPr lang="de-DE" sz="1100" dirty="0" smtClean="0"/>
+                        <a:rPr lang="de-DE" sz="1400" dirty="0" smtClean="0"/>
                         <a:t>3</a:t>
                       </a:r>
-                      <a:endParaRPr lang="de-DE" sz="1100" dirty="0"/>
+                      <a:endParaRPr lang="de-DE" sz="1400" dirty="0"/>
                     </a:p>
                   </a:txBody>
                   <a:tcPr marL="0" marR="0" marT="0" marB="0" anchor="ctr"/>
@@ -20611,10 +20756,10 @@
                     <a:p>
                       <a:pPr algn="ctr"/>
                       <a:r>
-                        <a:rPr lang="de-DE" sz="1100" dirty="0" smtClean="0"/>
+                        <a:rPr lang="de-DE" sz="1400" dirty="0" smtClean="0"/>
                         <a:t>6</a:t>
                       </a:r>
-                      <a:endParaRPr lang="de-DE" sz="1100" dirty="0"/>
+                      <a:endParaRPr lang="de-DE" sz="1400" dirty="0"/>
                     </a:p>
                   </a:txBody>
                   <a:tcPr marL="0" marR="0" marT="0" marB="0" anchor="ctr"/>
@@ -20626,16 +20771,16 @@
                     <a:p>
                       <a:pPr algn="ctr"/>
                       <a:r>
-                        <a:rPr lang="de-DE" sz="1100" dirty="0" smtClean="0"/>
+                        <a:rPr lang="de-DE" sz="1400" dirty="0" smtClean="0"/>
                         <a:t>8</a:t>
                       </a:r>
-                      <a:endParaRPr lang="de-DE" sz="1100" dirty="0"/>
+                      <a:endParaRPr lang="de-DE" sz="1400" dirty="0"/>
                     </a:p>
                   </a:txBody>
                   <a:tcPr marL="0" marR="0" marT="0" marB="0" anchor="ctr"/>
                 </a:tc>
               </a:tr>
-              <a:tr h="114988">
+              <a:tr h="214980">
                 <a:tc>
                   <a:txBody>
                     <a:bodyPr/>
@@ -20643,10 +20788,10 @@
                     <a:p>
                       <a:pPr algn="ctr"/>
                       <a:r>
-                        <a:rPr lang="de-DE" sz="1100" dirty="0" smtClean="0"/>
+                        <a:rPr lang="de-DE" sz="1400" dirty="0" smtClean="0"/>
                         <a:t>2</a:t>
                       </a:r>
-                      <a:endParaRPr lang="de-DE" sz="1100" dirty="0"/>
+                      <a:endParaRPr lang="de-DE" sz="1400" dirty="0"/>
                     </a:p>
                   </a:txBody>
                   <a:tcPr marL="0" marR="0" marT="0" marB="0" anchor="ctr"/>
@@ -20658,10 +20803,10 @@
                     <a:p>
                       <a:pPr algn="ctr"/>
                       <a:r>
-                        <a:rPr lang="de-DE" sz="1100" dirty="0" smtClean="0"/>
+                        <a:rPr lang="de-DE" sz="1400" dirty="0" smtClean="0"/>
                         <a:t>7</a:t>
                       </a:r>
-                      <a:endParaRPr lang="de-DE" sz="1100" dirty="0"/>
+                      <a:endParaRPr lang="de-DE" sz="1400" dirty="0"/>
                     </a:p>
                   </a:txBody>
                   <a:tcPr marL="0" marR="0" marT="0" marB="0" anchor="ctr"/>
@@ -20673,23 +20818,23 @@
                     <a:p>
                       <a:pPr algn="ctr"/>
                       <a:r>
-                        <a:rPr lang="de-DE" sz="1100" dirty="0" smtClean="0"/>
+                        <a:rPr lang="de-DE" sz="1400" dirty="0" smtClean="0"/>
                         <a:t>8</a:t>
                       </a:r>
-                      <a:endParaRPr lang="de-DE" sz="1100" dirty="0"/>
+                      <a:endParaRPr lang="de-DE" sz="1400" dirty="0"/>
                     </a:p>
                   </a:txBody>
                   <a:tcPr marL="0" marR="0" marT="0" marB="0" anchor="ctr"/>
                 </a:tc>
               </a:tr>
-              <a:tr h="114988">
+              <a:tr h="214980">
                 <a:tc>
                   <a:txBody>
                     <a:bodyPr/>
                     <a:lstStyle/>
                     <a:p>
                       <a:pPr algn="ctr"/>
-                      <a:endParaRPr lang="de-DE" sz="1100" dirty="0"/>
+                      <a:endParaRPr lang="de-DE" sz="1400" dirty="0"/>
                     </a:p>
                   </a:txBody>
                   <a:tcPr marL="0" marR="0" marT="0" marB="0" anchor="ctr"/>
@@ -20700,7 +20845,7 @@
                     <a:lstStyle/>
                     <a:p>
                       <a:pPr algn="ctr"/>
-                      <a:endParaRPr lang="de-DE" sz="1100" dirty="0"/>
+                      <a:endParaRPr lang="de-DE" sz="1400" dirty="0"/>
                     </a:p>
                   </a:txBody>
                   <a:tcPr marL="0" marR="0" marT="0" marB="0" anchor="ctr"/>
@@ -20711,20 +20856,20 @@
                     <a:lstStyle/>
                     <a:p>
                       <a:pPr algn="ctr"/>
-                      <a:endParaRPr lang="de-DE" sz="1100" dirty="0"/>
+                      <a:endParaRPr lang="de-DE" sz="1400" dirty="0"/>
                     </a:p>
                   </a:txBody>
                   <a:tcPr marL="0" marR="0" marT="0" marB="0" anchor="ctr"/>
                 </a:tc>
               </a:tr>
-              <a:tr h="114988">
+              <a:tr h="214980">
                 <a:tc>
                   <a:txBody>
                     <a:bodyPr/>
                     <a:lstStyle/>
                     <a:p>
                       <a:pPr algn="ctr"/>
-                      <a:endParaRPr lang="de-DE" sz="1100" dirty="0"/>
+                      <a:endParaRPr lang="de-DE" sz="1400" dirty="0"/>
                     </a:p>
                   </a:txBody>
                   <a:tcPr marL="0" marR="0" marT="0" marB="0" anchor="ctr"/>
@@ -20735,7 +20880,7 @@
                     <a:lstStyle/>
                     <a:p>
                       <a:pPr algn="ctr"/>
-                      <a:endParaRPr lang="de-DE" sz="1100" dirty="0"/>
+                      <a:endParaRPr lang="de-DE" sz="1400" dirty="0"/>
                     </a:p>
                   </a:txBody>
                   <a:tcPr marL="0" marR="0" marT="0" marB="0" anchor="ctr"/>
@@ -20746,7 +20891,7 @@
                     <a:lstStyle/>
                     <a:p>
                       <a:pPr algn="ctr"/>
-                      <a:endParaRPr lang="de-DE" sz="1100" dirty="0"/>
+                      <a:endParaRPr lang="de-DE" sz="1400" dirty="0"/>
                     </a:p>
                   </a:txBody>
                   <a:tcPr marL="0" marR="0" marT="0" marB="0" anchor="ctr"/>
@@ -20765,14 +20910,14 @@
           <p:nvPr>
             <p:extLst>
               <p:ext uri="{D42A27DB-BD31-4B8C-83A1-F6EECF244321}">
-                <p14:modId xmlns:p14="http://schemas.microsoft.com/office/powerpoint/2010/main" val="1136469415"/>
+                <p14:modId xmlns:p14="http://schemas.microsoft.com/office/powerpoint/2010/main" val="3803216086"/>
               </p:ext>
             </p:extLst>
           </p:nvPr>
         </p:nvGraphicFramePr>
         <p:xfrm>
-          <a:off x="4119761" y="1545563"/>
-          <a:ext cx="1080120" cy="1560000"/>
+          <a:off x="5148064" y="1165312"/>
+          <a:ext cx="1664655" cy="2000530"/>
         </p:xfrm>
         <a:graphic>
           <a:graphicData uri="http://schemas.openxmlformats.org/drawingml/2006/table">
@@ -20781,11 +20926,11 @@
                 <a:tableStyleId>{5C22544A-7EE6-4342-B048-85BDC9FD1C3A}</a:tableStyleId>
               </a:tblPr>
               <a:tblGrid>
-                <a:gridCol w="360040"/>
-                <a:gridCol w="360040"/>
-                <a:gridCol w="360040"/>
+                <a:gridCol w="554885"/>
+                <a:gridCol w="554885"/>
+                <a:gridCol w="554885"/>
               </a:tblGrid>
-              <a:tr h="114988">
+              <a:tr h="280690">
                 <a:tc>
                   <a:txBody>
                     <a:bodyPr/>
@@ -20793,10 +20938,10 @@
                     <a:p>
                       <a:pPr algn="ctr"/>
                       <a:r>
-                        <a:rPr lang="de-DE" sz="1200" dirty="0" smtClean="0"/>
+                        <a:rPr lang="de-DE" sz="1400" dirty="0" smtClean="0"/>
                         <a:t>i</a:t>
                       </a:r>
-                      <a:endParaRPr lang="de-DE" sz="1200" dirty="0"/>
+                      <a:endParaRPr lang="de-DE" sz="1400" dirty="0"/>
                     </a:p>
                   </a:txBody>
                   <a:tcPr marL="0" marR="0" marT="0" marB="36000" anchor="ctr"/>
@@ -20808,10 +20953,10 @@
                     <a:p>
                       <a:pPr algn="ctr"/>
                       <a:r>
-                        <a:rPr lang="de-DE" sz="1200" dirty="0" smtClean="0"/>
+                        <a:rPr lang="de-DE" sz="1400" dirty="0" smtClean="0"/>
                         <a:t>x</a:t>
                       </a:r>
-                      <a:endParaRPr lang="de-DE" sz="1200" dirty="0"/>
+                      <a:endParaRPr lang="de-DE" sz="1400" dirty="0"/>
                     </a:p>
                   </a:txBody>
                   <a:tcPr marL="0" marR="0" marT="0" marB="36000" anchor="ctr"/>
@@ -20823,16 +20968,16 @@
                     <a:p>
                       <a:pPr algn="ctr"/>
                       <a:r>
-                        <a:rPr lang="de-DE" sz="1200" dirty="0" smtClean="0"/>
+                        <a:rPr lang="de-DE" sz="1400" dirty="0" smtClean="0"/>
                         <a:t>y</a:t>
                       </a:r>
-                      <a:endParaRPr lang="de-DE" sz="1200" dirty="0"/>
+                      <a:endParaRPr lang="de-DE" sz="1400" dirty="0"/>
                     </a:p>
                   </a:txBody>
                   <a:tcPr marL="0" marR="0" marT="0" marB="36000" anchor="ctr"/>
                 </a:tc>
               </a:tr>
-              <a:tr h="114988">
+              <a:tr h="214980">
                 <a:tc>
                   <a:txBody>
                     <a:bodyPr/>
@@ -20840,10 +20985,10 @@
                     <a:p>
                       <a:pPr algn="ctr"/>
                       <a:r>
-                        <a:rPr lang="de-DE" sz="1100" dirty="0" smtClean="0"/>
+                        <a:rPr lang="de-DE" sz="1400" dirty="0" smtClean="0"/>
                         <a:t>1</a:t>
                       </a:r>
-                      <a:endParaRPr lang="de-DE" sz="1100" dirty="0"/>
+                      <a:endParaRPr lang="de-DE" sz="1400" dirty="0"/>
                     </a:p>
                   </a:txBody>
                   <a:tcPr marL="0" marR="0" marT="0" marB="0" anchor="ctr"/>
@@ -20855,10 +21000,10 @@
                     <a:p>
                       <a:pPr algn="ctr"/>
                       <a:r>
-                        <a:rPr lang="de-DE" sz="1100" dirty="0" smtClean="0"/>
+                        <a:rPr lang="de-DE" sz="1400" dirty="0" smtClean="0"/>
                         <a:t>2</a:t>
                       </a:r>
-                      <a:endParaRPr lang="de-DE" sz="1100" dirty="0"/>
+                      <a:endParaRPr lang="de-DE" sz="1400" dirty="0"/>
                     </a:p>
                   </a:txBody>
                   <a:tcPr marL="0" marR="0" marT="0" marB="0" anchor="ctr"/>
@@ -20870,16 +21015,16 @@
                     <a:p>
                       <a:pPr algn="ctr"/>
                       <a:r>
-                        <a:rPr lang="de-DE" sz="1100" dirty="0" smtClean="0"/>
+                        <a:rPr lang="de-DE" sz="1400" dirty="0" smtClean="0"/>
                         <a:t>8</a:t>
                       </a:r>
-                      <a:endParaRPr lang="de-DE" sz="1100" dirty="0"/>
+                      <a:endParaRPr lang="de-DE" sz="1400" dirty="0"/>
                     </a:p>
                   </a:txBody>
                   <a:tcPr marL="0" marR="0" marT="0" marB="0" anchor="ctr"/>
                 </a:tc>
               </a:tr>
-              <a:tr h="114988">
+              <a:tr h="214980">
                 <a:tc>
                   <a:txBody>
                     <a:bodyPr/>
@@ -20887,10 +21032,10 @@
                     <a:p>
                       <a:pPr algn="ctr"/>
                       <a:r>
-                        <a:rPr lang="de-DE" sz="1100" dirty="0" smtClean="0"/>
+                        <a:rPr lang="de-DE" sz="1400" dirty="0" smtClean="0"/>
                         <a:t>6</a:t>
                       </a:r>
-                      <a:endParaRPr lang="de-DE" sz="1100" dirty="0"/>
+                      <a:endParaRPr lang="de-DE" sz="1400" dirty="0"/>
                     </a:p>
                   </a:txBody>
                   <a:tcPr marL="0" marR="0" marT="0" marB="0" anchor="ctr"/>
@@ -20902,10 +21047,10 @@
                     <a:p>
                       <a:pPr algn="ctr"/>
                       <a:r>
-                        <a:rPr lang="de-DE" sz="1100" dirty="0" smtClean="0"/>
+                        <a:rPr lang="de-DE" sz="1400" dirty="0" smtClean="0"/>
                         <a:t>3</a:t>
                       </a:r>
-                      <a:endParaRPr lang="de-DE" sz="1100" dirty="0"/>
+                      <a:endParaRPr lang="de-DE" sz="1400" dirty="0"/>
                     </a:p>
                   </a:txBody>
                   <a:tcPr marL="0" marR="0" marT="0" marB="0" anchor="ctr"/>
@@ -20917,16 +21062,16 @@
                     <a:p>
                       <a:pPr algn="ctr"/>
                       <a:r>
-                        <a:rPr lang="de-DE" sz="1100" dirty="0" smtClean="0"/>
+                        <a:rPr lang="de-DE" sz="1400" dirty="0" smtClean="0"/>
                         <a:t>8</a:t>
                       </a:r>
-                      <a:endParaRPr lang="de-DE" sz="1100" dirty="0"/>
+                      <a:endParaRPr lang="de-DE" sz="1400" dirty="0"/>
                     </a:p>
                   </a:txBody>
                   <a:tcPr marL="0" marR="0" marT="0" marB="0" anchor="ctr"/>
                 </a:tc>
               </a:tr>
-              <a:tr h="114988">
+              <a:tr h="214980">
                 <a:tc>
                   <a:txBody>
                     <a:bodyPr/>
@@ -20934,10 +21079,10 @@
                     <a:p>
                       <a:pPr algn="ctr"/>
                       <a:r>
-                        <a:rPr lang="de-DE" sz="1100" dirty="0" smtClean="0"/>
+                        <a:rPr lang="de-DE" sz="1400" dirty="0" smtClean="0"/>
                         <a:t>5</a:t>
                       </a:r>
-                      <a:endParaRPr lang="de-DE" sz="1100" dirty="0"/>
+                      <a:endParaRPr lang="de-DE" sz="1400" dirty="0"/>
                     </a:p>
                   </a:txBody>
                   <a:tcPr marL="0" marR="0" marT="0" marB="0" anchor="ctr"/>
@@ -20949,10 +21094,10 @@
                     <a:p>
                       <a:pPr algn="ctr"/>
                       <a:r>
-                        <a:rPr lang="de-DE" sz="1100" dirty="0" smtClean="0"/>
+                        <a:rPr lang="de-DE" sz="1400" dirty="0" smtClean="0"/>
                         <a:t>4</a:t>
                       </a:r>
-                      <a:endParaRPr lang="de-DE" sz="1100" dirty="0"/>
+                      <a:endParaRPr lang="de-DE" sz="1400" dirty="0"/>
                     </a:p>
                   </a:txBody>
                   <a:tcPr marL="0" marR="0" marT="0" marB="0" anchor="ctr"/>
@@ -20964,16 +21109,16 @@
                     <a:p>
                       <a:pPr algn="ctr"/>
                       <a:r>
-                        <a:rPr lang="de-DE" sz="1100" dirty="0" smtClean="0"/>
+                        <a:rPr lang="de-DE" sz="1400" dirty="0" smtClean="0"/>
                         <a:t>8</a:t>
                       </a:r>
-                      <a:endParaRPr lang="de-DE" sz="1100" dirty="0"/>
+                      <a:endParaRPr lang="de-DE" sz="1400" dirty="0"/>
                     </a:p>
                   </a:txBody>
                   <a:tcPr marL="0" marR="0" marT="0" marB="0" anchor="ctr"/>
                 </a:tc>
               </a:tr>
-              <a:tr h="114988">
+              <a:tr h="214980">
                 <a:tc>
                   <a:txBody>
                     <a:bodyPr/>
@@ -20981,10 +21126,10 @@
                     <a:p>
                       <a:pPr algn="ctr"/>
                       <a:r>
-                        <a:rPr lang="de-DE" sz="1100" dirty="0" smtClean="0"/>
+                        <a:rPr lang="de-DE" sz="1400" dirty="0" smtClean="0"/>
                         <a:t>4</a:t>
                       </a:r>
-                      <a:endParaRPr lang="de-DE" sz="1100" dirty="0"/>
+                      <a:endParaRPr lang="de-DE" sz="1400" dirty="0"/>
                     </a:p>
                   </a:txBody>
                   <a:tcPr marL="0" marR="0" marT="0" marB="0" anchor="ctr"/>
@@ -20996,10 +21141,10 @@
                     <a:p>
                       <a:pPr algn="ctr"/>
                       <a:r>
-                        <a:rPr lang="de-DE" sz="1100" dirty="0" smtClean="0"/>
+                        <a:rPr lang="de-DE" sz="1400" dirty="0" smtClean="0"/>
                         <a:t>5</a:t>
                       </a:r>
-                      <a:endParaRPr lang="de-DE" sz="1100" dirty="0"/>
+                      <a:endParaRPr lang="de-DE" sz="1400" dirty="0"/>
                     </a:p>
                   </a:txBody>
                   <a:tcPr marL="0" marR="0" marT="0" marB="0" anchor="ctr"/>
@@ -21011,16 +21156,16 @@
                     <a:p>
                       <a:pPr algn="ctr"/>
                       <a:r>
-                        <a:rPr lang="de-DE" sz="1100" dirty="0" smtClean="0"/>
+                        <a:rPr lang="de-DE" sz="1400" dirty="0" smtClean="0"/>
                         <a:t>8</a:t>
                       </a:r>
-                      <a:endParaRPr lang="de-DE" sz="1100" dirty="0"/>
+                      <a:endParaRPr lang="de-DE" sz="1400" dirty="0"/>
                     </a:p>
                   </a:txBody>
                   <a:tcPr marL="0" marR="0" marT="0" marB="0" anchor="ctr"/>
                 </a:tc>
               </a:tr>
-              <a:tr h="114988">
+              <a:tr h="214980">
                 <a:tc>
                   <a:txBody>
                     <a:bodyPr/>
@@ -21028,10 +21173,10 @@
                     <a:p>
                       <a:pPr algn="ctr"/>
                       <a:r>
-                        <a:rPr lang="de-DE" sz="1100" dirty="0" smtClean="0"/>
+                        <a:rPr lang="de-DE" sz="1400" dirty="0" smtClean="0"/>
                         <a:t>3</a:t>
                       </a:r>
-                      <a:endParaRPr lang="de-DE" sz="1100" dirty="0"/>
+                      <a:endParaRPr lang="de-DE" sz="1400" dirty="0"/>
                     </a:p>
                   </a:txBody>
                   <a:tcPr marL="0" marR="0" marT="0" marB="0" anchor="ctr"/>
@@ -21043,10 +21188,10 @@
                     <a:p>
                       <a:pPr algn="ctr"/>
                       <a:r>
-                        <a:rPr lang="de-DE" sz="1100" dirty="0" smtClean="0"/>
+                        <a:rPr lang="de-DE" sz="1400" dirty="0" smtClean="0"/>
                         <a:t>6</a:t>
                       </a:r>
-                      <a:endParaRPr lang="de-DE" sz="1100" dirty="0"/>
+                      <a:endParaRPr lang="de-DE" sz="1400" dirty="0"/>
                     </a:p>
                   </a:txBody>
                   <a:tcPr marL="0" marR="0" marT="0" marB="0" anchor="ctr"/>
@@ -21058,16 +21203,16 @@
                     <a:p>
                       <a:pPr algn="ctr"/>
                       <a:r>
-                        <a:rPr lang="de-DE" sz="1100" dirty="0" smtClean="0"/>
+                        <a:rPr lang="de-DE" sz="1400" dirty="0" smtClean="0"/>
                         <a:t>8</a:t>
                       </a:r>
-                      <a:endParaRPr lang="de-DE" sz="1100" dirty="0"/>
+                      <a:endParaRPr lang="de-DE" sz="1400" dirty="0"/>
                     </a:p>
                   </a:txBody>
                   <a:tcPr marL="0" marR="0" marT="0" marB="0" anchor="ctr"/>
                 </a:tc>
               </a:tr>
-              <a:tr h="114988">
+              <a:tr h="214980">
                 <a:tc>
                   <a:txBody>
                     <a:bodyPr/>
@@ -21075,10 +21220,10 @@
                     <a:p>
                       <a:pPr algn="ctr"/>
                       <a:r>
-                        <a:rPr lang="de-DE" sz="1100" dirty="0" smtClean="0"/>
+                        <a:rPr lang="de-DE" sz="1400" dirty="0" smtClean="0"/>
                         <a:t>2</a:t>
                       </a:r>
-                      <a:endParaRPr lang="de-DE" sz="1100" dirty="0"/>
+                      <a:endParaRPr lang="de-DE" sz="1400" dirty="0"/>
                     </a:p>
                   </a:txBody>
                   <a:tcPr marL="0" marR="0" marT="0" marB="0" anchor="ctr"/>
@@ -21090,10 +21235,10 @@
                     <a:p>
                       <a:pPr algn="ctr"/>
                       <a:r>
-                        <a:rPr lang="de-DE" sz="1100" dirty="0" smtClean="0"/>
+                        <a:rPr lang="de-DE" sz="1400" dirty="0" smtClean="0"/>
                         <a:t>7</a:t>
                       </a:r>
-                      <a:endParaRPr lang="de-DE" sz="1100" dirty="0"/>
+                      <a:endParaRPr lang="de-DE" sz="1400" dirty="0"/>
                     </a:p>
                   </a:txBody>
                   <a:tcPr marL="0" marR="0" marT="0" marB="0" anchor="ctr"/>
@@ -21105,16 +21250,16 @@
                     <a:p>
                       <a:pPr algn="ctr"/>
                       <a:r>
-                        <a:rPr lang="de-DE" sz="1100" dirty="0" smtClean="0"/>
+                        <a:rPr lang="de-DE" sz="1400" dirty="0" smtClean="0"/>
                         <a:t>8</a:t>
                       </a:r>
-                      <a:endParaRPr lang="de-DE" sz="1100" dirty="0"/>
+                      <a:endParaRPr lang="de-DE" sz="1400" dirty="0"/>
                     </a:p>
                   </a:txBody>
                   <a:tcPr marL="0" marR="0" marT="0" marB="0" anchor="ctr"/>
                 </a:tc>
               </a:tr>
-              <a:tr h="114988">
+              <a:tr h="214980">
                 <a:tc>
                   <a:txBody>
                     <a:bodyPr/>
@@ -21122,10 +21267,10 @@
                     <a:p>
                       <a:pPr algn="ctr"/>
                       <a:r>
-                        <a:rPr lang="de-DE" sz="1100" dirty="0" smtClean="0"/>
+                        <a:rPr lang="de-DE" sz="1400" dirty="0" smtClean="0"/>
                         <a:t>1</a:t>
                       </a:r>
-                      <a:endParaRPr lang="de-DE" sz="1100" dirty="0"/>
+                      <a:endParaRPr lang="de-DE" sz="1400" dirty="0"/>
                     </a:p>
                   </a:txBody>
                   <a:tcPr marL="0" marR="0" marT="0" marB="0" anchor="ctr"/>
@@ -21137,10 +21282,10 @@
                     <a:p>
                       <a:pPr algn="ctr"/>
                       <a:r>
-                        <a:rPr lang="de-DE" sz="1100" dirty="0" smtClean="0"/>
+                        <a:rPr lang="de-DE" sz="1400" dirty="0" smtClean="0"/>
                         <a:t>8</a:t>
                       </a:r>
-                      <a:endParaRPr lang="de-DE" sz="1100" dirty="0"/>
+                      <a:endParaRPr lang="de-DE" sz="1400" dirty="0"/>
                     </a:p>
                   </a:txBody>
                   <a:tcPr marL="0" marR="0" marT="0" marB="0" anchor="ctr"/>
@@ -21152,23 +21297,23 @@
                     <a:p>
                       <a:pPr algn="ctr"/>
                       <a:r>
-                        <a:rPr lang="de-DE" sz="1100" dirty="0" smtClean="0"/>
+                        <a:rPr lang="de-DE" sz="1400" dirty="0" smtClean="0"/>
                         <a:t>8</a:t>
                       </a:r>
-                      <a:endParaRPr lang="de-DE" sz="1100" dirty="0"/>
+                      <a:endParaRPr lang="de-DE" sz="1400" dirty="0"/>
                     </a:p>
                   </a:txBody>
                   <a:tcPr marL="0" marR="0" marT="0" marB="0" anchor="ctr"/>
                 </a:tc>
               </a:tr>
-              <a:tr h="114988">
+              <a:tr h="214980">
                 <a:tc>
                   <a:txBody>
                     <a:bodyPr/>
                     <a:lstStyle/>
                     <a:p>
                       <a:pPr algn="ctr"/>
-                      <a:endParaRPr lang="de-DE" sz="1100" dirty="0"/>
+                      <a:endParaRPr lang="de-DE" sz="1400" dirty="0"/>
                     </a:p>
                   </a:txBody>
                   <a:tcPr marL="0" marR="0" marT="0" marB="0" anchor="ctr"/>
@@ -21179,7 +21324,7 @@
                     <a:lstStyle/>
                     <a:p>
                       <a:pPr algn="ctr"/>
-                      <a:endParaRPr lang="de-DE" sz="1100" dirty="0"/>
+                      <a:endParaRPr lang="de-DE" sz="1400" dirty="0"/>
                     </a:p>
                   </a:txBody>
                   <a:tcPr marL="0" marR="0" marT="0" marB="0" anchor="ctr"/>
@@ -21190,7 +21335,7 @@
                     <a:lstStyle/>
                     <a:p>
                       <a:pPr algn="ctr"/>
-                      <a:endParaRPr lang="de-DE" sz="1100" dirty="0"/>
+                      <a:endParaRPr lang="de-DE" sz="1400" dirty="0"/>
                     </a:p>
                   </a:txBody>
                   <a:tcPr marL="0" marR="0" marT="0" marB="0" anchor="ctr"/>
@@ -21209,14 +21354,14 @@
           <p:nvPr>
             <p:extLst>
               <p:ext uri="{D42A27DB-BD31-4B8C-83A1-F6EECF244321}">
-                <p14:modId xmlns:p14="http://schemas.microsoft.com/office/powerpoint/2010/main" val="1539229727"/>
+                <p14:modId xmlns:p14="http://schemas.microsoft.com/office/powerpoint/2010/main" val="4110231303"/>
               </p:ext>
             </p:extLst>
           </p:nvPr>
         </p:nvGraphicFramePr>
         <p:xfrm>
-          <a:off x="4119761" y="1545563"/>
-          <a:ext cx="1080120" cy="1560000"/>
+          <a:off x="5148064" y="1165312"/>
+          <a:ext cx="1664655" cy="2000530"/>
         </p:xfrm>
         <a:graphic>
           <a:graphicData uri="http://schemas.openxmlformats.org/drawingml/2006/table">
@@ -21225,11 +21370,11 @@
                 <a:tableStyleId>{5C22544A-7EE6-4342-B048-85BDC9FD1C3A}</a:tableStyleId>
               </a:tblPr>
               <a:tblGrid>
-                <a:gridCol w="360040"/>
-                <a:gridCol w="360040"/>
-                <a:gridCol w="360040"/>
+                <a:gridCol w="554885"/>
+                <a:gridCol w="554885"/>
+                <a:gridCol w="554885"/>
               </a:tblGrid>
-              <a:tr h="114988">
+              <a:tr h="280690">
                 <a:tc>
                   <a:txBody>
                     <a:bodyPr/>
@@ -21237,10 +21382,10 @@
                     <a:p>
                       <a:pPr algn="ctr"/>
                       <a:r>
-                        <a:rPr lang="de-DE" sz="1200" dirty="0" smtClean="0"/>
+                        <a:rPr lang="de-DE" sz="1400" dirty="0" smtClean="0"/>
                         <a:t>i</a:t>
                       </a:r>
-                      <a:endParaRPr lang="de-DE" sz="1200" dirty="0"/>
+                      <a:endParaRPr lang="de-DE" sz="1400" dirty="0"/>
                     </a:p>
                   </a:txBody>
                   <a:tcPr marL="0" marR="0" marT="0" marB="36000" anchor="ctr"/>
@@ -21252,10 +21397,10 @@
                     <a:p>
                       <a:pPr algn="ctr"/>
                       <a:r>
-                        <a:rPr lang="de-DE" sz="1200" dirty="0" smtClean="0"/>
+                        <a:rPr lang="de-DE" sz="1400" dirty="0" smtClean="0"/>
                         <a:t>x</a:t>
                       </a:r>
-                      <a:endParaRPr lang="de-DE" sz="1200" dirty="0"/>
+                      <a:endParaRPr lang="de-DE" sz="1400" dirty="0"/>
                     </a:p>
                   </a:txBody>
                   <a:tcPr marL="0" marR="0" marT="0" marB="36000" anchor="ctr"/>
@@ -21267,16 +21412,16 @@
                     <a:p>
                       <a:pPr algn="ctr"/>
                       <a:r>
-                        <a:rPr lang="de-DE" sz="1200" dirty="0" smtClean="0"/>
+                        <a:rPr lang="de-DE" sz="1400" dirty="0" smtClean="0"/>
                         <a:t>y</a:t>
                       </a:r>
-                      <a:endParaRPr lang="de-DE" sz="1200" dirty="0"/>
+                      <a:endParaRPr lang="de-DE" sz="1400" dirty="0"/>
                     </a:p>
                   </a:txBody>
                   <a:tcPr marL="0" marR="0" marT="0" marB="36000" anchor="ctr"/>
                 </a:tc>
               </a:tr>
-              <a:tr h="114988">
+              <a:tr h="214980">
                 <a:tc>
                   <a:txBody>
                     <a:bodyPr/>
@@ -21284,10 +21429,10 @@
                     <a:p>
                       <a:pPr algn="ctr"/>
                       <a:r>
-                        <a:rPr lang="de-DE" sz="1100" dirty="0" smtClean="0"/>
+                        <a:rPr lang="de-DE" sz="1400" dirty="0" smtClean="0"/>
                         <a:t>1</a:t>
                       </a:r>
-                      <a:endParaRPr lang="de-DE" sz="1100" dirty="0"/>
+                      <a:endParaRPr lang="de-DE" sz="1400" dirty="0"/>
                     </a:p>
                   </a:txBody>
                   <a:tcPr marL="0" marR="0" marT="0" marB="0" anchor="ctr"/>
@@ -21299,10 +21444,10 @@
                     <a:p>
                       <a:pPr algn="ctr"/>
                       <a:r>
-                        <a:rPr lang="de-DE" sz="1100" dirty="0" smtClean="0"/>
+                        <a:rPr lang="de-DE" sz="1400" dirty="0" smtClean="0"/>
                         <a:t>2</a:t>
                       </a:r>
-                      <a:endParaRPr lang="de-DE" sz="1100" dirty="0"/>
+                      <a:endParaRPr lang="de-DE" sz="1400" dirty="0"/>
                     </a:p>
                   </a:txBody>
                   <a:tcPr marL="0" marR="0" marT="0" marB="0" anchor="ctr"/>
@@ -21314,16 +21459,16 @@
                     <a:p>
                       <a:pPr algn="ctr"/>
                       <a:r>
-                        <a:rPr lang="de-DE" sz="1100" dirty="0" smtClean="0"/>
+                        <a:rPr lang="de-DE" sz="1400" dirty="0" smtClean="0"/>
                         <a:t>8</a:t>
                       </a:r>
-                      <a:endParaRPr lang="de-DE" sz="1100" dirty="0"/>
+                      <a:endParaRPr lang="de-DE" sz="1400" dirty="0"/>
                     </a:p>
                   </a:txBody>
                   <a:tcPr marL="0" marR="0" marT="0" marB="0" anchor="ctr"/>
                 </a:tc>
               </a:tr>
-              <a:tr h="114988">
+              <a:tr h="214980">
                 <a:tc>
                   <a:txBody>
                     <a:bodyPr/>
@@ -21331,10 +21476,10 @@
                     <a:p>
                       <a:pPr algn="ctr"/>
                       <a:r>
-                        <a:rPr lang="de-DE" sz="1100" dirty="0" smtClean="0"/>
+                        <a:rPr lang="de-DE" sz="1400" dirty="0" smtClean="0"/>
                         <a:t>6</a:t>
                       </a:r>
-                      <a:endParaRPr lang="de-DE" sz="1100" dirty="0"/>
+                      <a:endParaRPr lang="de-DE" sz="1400" dirty="0"/>
                     </a:p>
                   </a:txBody>
                   <a:tcPr marL="0" marR="0" marT="0" marB="0" anchor="ctr"/>
@@ -21346,10 +21491,10 @@
                     <a:p>
                       <a:pPr algn="ctr"/>
                       <a:r>
-                        <a:rPr lang="de-DE" sz="1100" dirty="0" smtClean="0"/>
+                        <a:rPr lang="de-DE" sz="1400" dirty="0" smtClean="0"/>
                         <a:t>3</a:t>
                       </a:r>
-                      <a:endParaRPr lang="de-DE" sz="1100" dirty="0"/>
+                      <a:endParaRPr lang="de-DE" sz="1400" dirty="0"/>
                     </a:p>
                   </a:txBody>
                   <a:tcPr marL="0" marR="0" marT="0" marB="0" anchor="ctr"/>
@@ -21361,16 +21506,16 @@
                     <a:p>
                       <a:pPr algn="ctr"/>
                       <a:r>
-                        <a:rPr lang="de-DE" sz="1100" dirty="0" smtClean="0"/>
+                        <a:rPr lang="de-DE" sz="1400" dirty="0" smtClean="0"/>
                         <a:t>8</a:t>
                       </a:r>
-                      <a:endParaRPr lang="de-DE" sz="1100" dirty="0"/>
+                      <a:endParaRPr lang="de-DE" sz="1400" dirty="0"/>
                     </a:p>
                   </a:txBody>
                   <a:tcPr marL="0" marR="0" marT="0" marB="0" anchor="ctr"/>
                 </a:tc>
               </a:tr>
-              <a:tr h="114988">
+              <a:tr h="214980">
                 <a:tc>
                   <a:txBody>
                     <a:bodyPr/>
@@ -21378,10 +21523,10 @@
                     <a:p>
                       <a:pPr algn="ctr"/>
                       <a:r>
-                        <a:rPr lang="de-DE" sz="1100" dirty="0" smtClean="0"/>
+                        <a:rPr lang="de-DE" sz="1400" dirty="0" smtClean="0"/>
                         <a:t>5</a:t>
                       </a:r>
-                      <a:endParaRPr lang="de-DE" sz="1100" dirty="0"/>
+                      <a:endParaRPr lang="de-DE" sz="1400" dirty="0"/>
                     </a:p>
                   </a:txBody>
                   <a:tcPr marL="0" marR="0" marT="0" marB="0" anchor="ctr"/>
@@ -21393,10 +21538,10 @@
                     <a:p>
                       <a:pPr algn="ctr"/>
                       <a:r>
-                        <a:rPr lang="de-DE" sz="1100" dirty="0" smtClean="0"/>
+                        <a:rPr lang="de-DE" sz="1400" dirty="0" smtClean="0"/>
                         <a:t>4</a:t>
                       </a:r>
-                      <a:endParaRPr lang="de-DE" sz="1100" dirty="0"/>
+                      <a:endParaRPr lang="de-DE" sz="1400" dirty="0"/>
                     </a:p>
                   </a:txBody>
                   <a:tcPr marL="0" marR="0" marT="0" marB="0" anchor="ctr"/>
@@ -21408,16 +21553,16 @@
                     <a:p>
                       <a:pPr algn="ctr"/>
                       <a:r>
-                        <a:rPr lang="de-DE" sz="1100" dirty="0" smtClean="0"/>
+                        <a:rPr lang="de-DE" sz="1400" dirty="0" smtClean="0"/>
                         <a:t>8</a:t>
                       </a:r>
-                      <a:endParaRPr lang="de-DE" sz="1100" dirty="0"/>
+                      <a:endParaRPr lang="de-DE" sz="1400" dirty="0"/>
                     </a:p>
                   </a:txBody>
                   <a:tcPr marL="0" marR="0" marT="0" marB="0" anchor="ctr"/>
                 </a:tc>
               </a:tr>
-              <a:tr h="114988">
+              <a:tr h="214980">
                 <a:tc>
                   <a:txBody>
                     <a:bodyPr/>
@@ -21425,10 +21570,10 @@
                     <a:p>
                       <a:pPr algn="ctr"/>
                       <a:r>
-                        <a:rPr lang="de-DE" sz="1100" dirty="0" smtClean="0"/>
+                        <a:rPr lang="de-DE" sz="1400" dirty="0" smtClean="0"/>
                         <a:t>4</a:t>
                       </a:r>
-                      <a:endParaRPr lang="de-DE" sz="1100" dirty="0"/>
+                      <a:endParaRPr lang="de-DE" sz="1400" dirty="0"/>
                     </a:p>
                   </a:txBody>
                   <a:tcPr marL="0" marR="0" marT="0" marB="0" anchor="ctr"/>
@@ -21440,10 +21585,10 @@
                     <a:p>
                       <a:pPr algn="ctr"/>
                       <a:r>
-                        <a:rPr lang="de-DE" sz="1100" dirty="0" smtClean="0"/>
+                        <a:rPr lang="de-DE" sz="1400" dirty="0" smtClean="0"/>
                         <a:t>5</a:t>
                       </a:r>
-                      <a:endParaRPr lang="de-DE" sz="1100" dirty="0"/>
+                      <a:endParaRPr lang="de-DE" sz="1400" dirty="0"/>
                     </a:p>
                   </a:txBody>
                   <a:tcPr marL="0" marR="0" marT="0" marB="0" anchor="ctr"/>
@@ -21455,16 +21600,16 @@
                     <a:p>
                       <a:pPr algn="ctr"/>
                       <a:r>
-                        <a:rPr lang="de-DE" sz="1100" dirty="0" smtClean="0"/>
+                        <a:rPr lang="de-DE" sz="1400" dirty="0" smtClean="0"/>
                         <a:t>8</a:t>
                       </a:r>
-                      <a:endParaRPr lang="de-DE" sz="1100" dirty="0"/>
+                      <a:endParaRPr lang="de-DE" sz="1400" dirty="0"/>
                     </a:p>
                   </a:txBody>
                   <a:tcPr marL="0" marR="0" marT="0" marB="0" anchor="ctr"/>
                 </a:tc>
               </a:tr>
-              <a:tr h="114988">
+              <a:tr h="214980">
                 <a:tc>
                   <a:txBody>
                     <a:bodyPr/>
@@ -21472,10 +21617,10 @@
                     <a:p>
                       <a:pPr algn="ctr"/>
                       <a:r>
-                        <a:rPr lang="de-DE" sz="1100" dirty="0" smtClean="0"/>
+                        <a:rPr lang="de-DE" sz="1400" dirty="0" smtClean="0"/>
                         <a:t>3</a:t>
                       </a:r>
-                      <a:endParaRPr lang="de-DE" sz="1100" dirty="0"/>
+                      <a:endParaRPr lang="de-DE" sz="1400" dirty="0"/>
                     </a:p>
                   </a:txBody>
                   <a:tcPr marL="0" marR="0" marT="0" marB="0" anchor="ctr"/>
@@ -21487,10 +21632,10 @@
                     <a:p>
                       <a:pPr algn="ctr"/>
                       <a:r>
-                        <a:rPr lang="de-DE" sz="1100" dirty="0" smtClean="0"/>
+                        <a:rPr lang="de-DE" sz="1400" dirty="0" smtClean="0"/>
                         <a:t>6</a:t>
                       </a:r>
-                      <a:endParaRPr lang="de-DE" sz="1100" dirty="0"/>
+                      <a:endParaRPr lang="de-DE" sz="1400" dirty="0"/>
                     </a:p>
                   </a:txBody>
                   <a:tcPr marL="0" marR="0" marT="0" marB="0" anchor="ctr"/>
@@ -21502,16 +21647,16 @@
                     <a:p>
                       <a:pPr algn="ctr"/>
                       <a:r>
-                        <a:rPr lang="de-DE" sz="1100" dirty="0" smtClean="0"/>
+                        <a:rPr lang="de-DE" sz="1400" dirty="0" smtClean="0"/>
                         <a:t>8</a:t>
                       </a:r>
-                      <a:endParaRPr lang="de-DE" sz="1100" dirty="0"/>
+                      <a:endParaRPr lang="de-DE" sz="1400" dirty="0"/>
                     </a:p>
                   </a:txBody>
                   <a:tcPr marL="0" marR="0" marT="0" marB="0" anchor="ctr"/>
                 </a:tc>
               </a:tr>
-              <a:tr h="114988">
+              <a:tr h="214980">
                 <a:tc>
                   <a:txBody>
                     <a:bodyPr/>
@@ -21519,10 +21664,10 @@
                     <a:p>
                       <a:pPr algn="ctr"/>
                       <a:r>
-                        <a:rPr lang="de-DE" sz="1100" dirty="0" smtClean="0"/>
+                        <a:rPr lang="de-DE" sz="1400" dirty="0" smtClean="0"/>
                         <a:t>2</a:t>
                       </a:r>
-                      <a:endParaRPr lang="de-DE" sz="1100" dirty="0"/>
+                      <a:endParaRPr lang="de-DE" sz="1400" dirty="0"/>
                     </a:p>
                   </a:txBody>
                   <a:tcPr marL="0" marR="0" marT="0" marB="0" anchor="ctr"/>
@@ -21534,10 +21679,10 @@
                     <a:p>
                       <a:pPr algn="ctr"/>
                       <a:r>
-                        <a:rPr lang="de-DE" sz="1100" dirty="0" smtClean="0"/>
+                        <a:rPr lang="de-DE" sz="1400" dirty="0" smtClean="0"/>
                         <a:t>7</a:t>
                       </a:r>
-                      <a:endParaRPr lang="de-DE" sz="1100" dirty="0"/>
+                      <a:endParaRPr lang="de-DE" sz="1400" dirty="0"/>
                     </a:p>
                   </a:txBody>
                   <a:tcPr marL="0" marR="0" marT="0" marB="0" anchor="ctr"/>
@@ -21549,16 +21694,16 @@
                     <a:p>
                       <a:pPr algn="ctr"/>
                       <a:r>
-                        <a:rPr lang="de-DE" sz="1100" dirty="0" smtClean="0"/>
+                        <a:rPr lang="de-DE" sz="1400" dirty="0" smtClean="0"/>
                         <a:t>8</a:t>
                       </a:r>
-                      <a:endParaRPr lang="de-DE" sz="1100" dirty="0"/>
+                      <a:endParaRPr lang="de-DE" sz="1400" dirty="0"/>
                     </a:p>
                   </a:txBody>
                   <a:tcPr marL="0" marR="0" marT="0" marB="0" anchor="ctr"/>
                 </a:tc>
               </a:tr>
-              <a:tr h="114988">
+              <a:tr h="214980">
                 <a:tc>
                   <a:txBody>
                     <a:bodyPr/>
@@ -21566,10 +21711,10 @@
                     <a:p>
                       <a:pPr algn="ctr"/>
                       <a:r>
-                        <a:rPr lang="de-DE" sz="1100" dirty="0" smtClean="0"/>
+                        <a:rPr lang="de-DE" sz="1400" dirty="0" smtClean="0"/>
                         <a:t>1</a:t>
                       </a:r>
-                      <a:endParaRPr lang="de-DE" sz="1100" dirty="0"/>
+                      <a:endParaRPr lang="de-DE" sz="1400" dirty="0"/>
                     </a:p>
                   </a:txBody>
                   <a:tcPr marL="0" marR="0" marT="0" marB="0" anchor="ctr"/>
@@ -21581,10 +21726,10 @@
                     <a:p>
                       <a:pPr algn="ctr"/>
                       <a:r>
-                        <a:rPr lang="de-DE" sz="1100" dirty="0" smtClean="0"/>
+                        <a:rPr lang="de-DE" sz="1400" dirty="0" smtClean="0"/>
                         <a:t>8</a:t>
                       </a:r>
-                      <a:endParaRPr lang="de-DE" sz="1100" dirty="0"/>
+                      <a:endParaRPr lang="de-DE" sz="1400" dirty="0"/>
                     </a:p>
                   </a:txBody>
                   <a:tcPr marL="0" marR="0" marT="0" marB="0" anchor="ctr"/>
@@ -21596,16 +21741,16 @@
                     <a:p>
                       <a:pPr algn="ctr"/>
                       <a:r>
-                        <a:rPr lang="de-DE" sz="1100" dirty="0" smtClean="0"/>
+                        <a:rPr lang="de-DE" sz="1400" dirty="0" smtClean="0"/>
                         <a:t>8</a:t>
                       </a:r>
-                      <a:endParaRPr lang="de-DE" sz="1100" dirty="0"/>
+                      <a:endParaRPr lang="de-DE" sz="1400" dirty="0"/>
                     </a:p>
                   </a:txBody>
                   <a:tcPr marL="0" marR="0" marT="0" marB="0" anchor="ctr"/>
                 </a:tc>
               </a:tr>
-              <a:tr h="114988">
+              <a:tr h="214980">
                 <a:tc>
                   <a:txBody>
                     <a:bodyPr/>
@@ -21613,10 +21758,10 @@
                     <a:p>
                       <a:pPr algn="ctr"/>
                       <a:r>
-                        <a:rPr lang="de-DE" sz="1100" dirty="0" smtClean="0"/>
+                        <a:rPr lang="de-DE" sz="1400" dirty="0" smtClean="0"/>
                         <a:t>0</a:t>
                       </a:r>
-                      <a:endParaRPr lang="de-DE" sz="1100" dirty="0"/>
+                      <a:endParaRPr lang="de-DE" sz="1400" dirty="0"/>
                     </a:p>
                   </a:txBody>
                   <a:tcPr marL="0" marR="0" marT="0" marB="0" anchor="ctr"/>
@@ -21628,10 +21773,10 @@
                     <a:p>
                       <a:pPr algn="ctr"/>
                       <a:r>
-                        <a:rPr lang="de-DE" sz="1100" dirty="0" smtClean="0"/>
+                        <a:rPr lang="de-DE" sz="1400" dirty="0" smtClean="0"/>
                         <a:t>9</a:t>
                       </a:r>
-                      <a:endParaRPr lang="de-DE" sz="1100" dirty="0"/>
+                      <a:endParaRPr lang="de-DE" sz="1400" dirty="0"/>
                     </a:p>
                   </a:txBody>
                   <a:tcPr marL="0" marR="0" marT="0" marB="0" anchor="ctr"/>
@@ -21643,10 +21788,10 @@
                     <a:p>
                       <a:pPr algn="ctr"/>
                       <a:r>
-                        <a:rPr lang="de-DE" sz="1100" dirty="0" smtClean="0"/>
+                        <a:rPr lang="de-DE" sz="1400" dirty="0" smtClean="0"/>
                         <a:t>8</a:t>
                       </a:r>
-                      <a:endParaRPr lang="de-DE" sz="1100" dirty="0"/>
+                      <a:endParaRPr lang="de-DE" sz="1400" dirty="0"/>
                     </a:p>
                   </a:txBody>
                   <a:tcPr marL="0" marR="0" marT="0" marB="0" anchor="ctr"/>
@@ -23649,21 +23794,79 @@
             <a:endParaRPr lang="de-DE" sz="2000" dirty="0" smtClean="0"/>
           </a:p>
           <a:p>
-            <a:endParaRPr lang="de-DE" sz="2000" dirty="0"/>
-          </a:p>
-          <a:p>
             <a:r>
               <a:rPr lang="de-DE" sz="2000" dirty="0" smtClean="0"/>
-              <a:t>Vergleich von Deklarationen und Initialisierungen:</a:t>
+              <a:t>Vergleich </a:t>
+            </a:r>
+            <a:r>
+              <a:rPr lang="de-DE" sz="2000" dirty="0" smtClean="0"/>
+              <a:t>von Deklarationen und Initialisierungen:</a:t>
             </a:r>
             <a:br>
               <a:rPr lang="de-DE" sz="2000" dirty="0" smtClean="0"/>
             </a:br>
             <a:r>
               <a:rPr lang="de-DE" sz="2000" dirty="0" smtClean="0"/>
-              <a:t>	Variablen VS Objekte</a:t>
-            </a:r>
+              <a:t>	Variablen VS </a:t>
+            </a:r>
+            <a:r>
+              <a:rPr lang="de-DE" sz="2000" dirty="0" smtClean="0"/>
+              <a:t>Objekte</a:t>
+            </a:r>
+          </a:p>
+          <a:p>
             <a:endParaRPr lang="de-DE" sz="2000" dirty="0"/>
+          </a:p>
+          <a:p>
+            <a:endParaRPr lang="de-DE" sz="2000" dirty="0" smtClean="0"/>
+          </a:p>
+          <a:p>
+            <a:endParaRPr lang="de-DE" sz="2000" dirty="0"/>
+          </a:p>
+          <a:p>
+            <a:endParaRPr lang="de-DE" sz="2000" dirty="0" smtClean="0"/>
+          </a:p>
+          <a:p>
+            <a:endParaRPr lang="de-DE" sz="2000" dirty="0"/>
+          </a:p>
+          <a:p>
+            <a:r>
+              <a:rPr lang="de-DE" sz="2000" dirty="0" smtClean="0"/>
+              <a:t>Die Initialisierung mit „</a:t>
+            </a:r>
+            <a:r>
+              <a:rPr lang="de-DE" sz="2000" dirty="0" err="1" smtClean="0">
+                <a:solidFill>
+                  <a:schemeClr val="tx2"/>
+                </a:solidFill>
+              </a:rPr>
+              <a:t>new</a:t>
+            </a:r>
+            <a:r>
+              <a:rPr lang="de-DE" sz="2000" dirty="0" smtClean="0"/>
+              <a:t>“ ruft den </a:t>
+            </a:r>
+            <a:r>
+              <a:rPr lang="de-DE" sz="2000" u="sng" dirty="0" smtClean="0"/>
+              <a:t>Konstruktor</a:t>
+            </a:r>
+            <a:r>
+              <a:rPr lang="de-DE" sz="2000" dirty="0" smtClean="0"/>
+              <a:t> der Klasse auf</a:t>
+            </a:r>
+          </a:p>
+          <a:p>
+            <a:r>
+              <a:rPr lang="de-DE" sz="2000" dirty="0" smtClean="0"/>
+              <a:t>Der Konstruktor bereitet das Objekt der Klasse vor</a:t>
+            </a:r>
+            <a:br>
+              <a:rPr lang="de-DE" sz="2000" dirty="0" smtClean="0"/>
+            </a:br>
+            <a:r>
+              <a:rPr lang="de-DE" sz="2000" dirty="0" smtClean="0"/>
+              <a:t> (Legt also hauptsächlich die anfänglichen Werte von Eigenschaften fest)</a:t>
+            </a:r>
           </a:p>
         </p:txBody>
       </p:sp>
@@ -23689,8 +23892,98 @@
         </p:blipFill>
         <p:spPr>
           <a:xfrm>
-            <a:off x="1156960" y="2788016"/>
+            <a:off x="752987" y="2137420"/>
             <a:ext cx="2705478" cy="952633"/>
+          </a:xfrm>
+          <a:prstGeom prst="rect">
+            <a:avLst/>
+          </a:prstGeom>
+        </p:spPr>
+      </p:pic>
+      <p:pic>
+        <p:nvPicPr>
+          <p:cNvPr id="4" name="Grafik 3"/>
+          <p:cNvPicPr>
+            <a:picLocks noChangeAspect="1"/>
+          </p:cNvPicPr>
+          <p:nvPr/>
+        </p:nvPicPr>
+        <p:blipFill>
+          <a:blip r:embed="rId4">
+            <a:extLst>
+              <a:ext uri="{28A0092B-C50C-407E-A947-70E740481C1C}">
+                <a14:useLocalDpi xmlns:a14="http://schemas.microsoft.com/office/drawing/2010/main" val="0"/>
+              </a:ext>
+            </a:extLst>
+          </a:blip>
+          <a:stretch>
+            <a:fillRect/>
+          </a:stretch>
+        </p:blipFill>
+        <p:spPr>
+          <a:xfrm>
+            <a:off x="4031940" y="1818287"/>
+            <a:ext cx="4143953" cy="1590897"/>
+          </a:xfrm>
+          <a:prstGeom prst="rect">
+            <a:avLst/>
+          </a:prstGeom>
+        </p:spPr>
+      </p:pic>
+      <p:pic>
+        <p:nvPicPr>
+          <p:cNvPr id="9" name="Grafik 8"/>
+          <p:cNvPicPr>
+            <a:picLocks noChangeAspect="1"/>
+          </p:cNvPicPr>
+          <p:nvPr/>
+        </p:nvPicPr>
+        <p:blipFill>
+          <a:blip r:embed="rId5">
+            <a:extLst>
+              <a:ext uri="{28A0092B-C50C-407E-A947-70E740481C1C}">
+                <a14:useLocalDpi xmlns:a14="http://schemas.microsoft.com/office/drawing/2010/main" val="0"/>
+              </a:ext>
+            </a:extLst>
+          </a:blip>
+          <a:stretch>
+            <a:fillRect/>
+          </a:stretch>
+        </p:blipFill>
+        <p:spPr>
+          <a:xfrm>
+            <a:off x="752987" y="2137418"/>
+            <a:ext cx="2705478" cy="952633"/>
+          </a:xfrm>
+          <a:prstGeom prst="rect">
+            <a:avLst/>
+          </a:prstGeom>
+        </p:spPr>
+      </p:pic>
+      <p:pic>
+        <p:nvPicPr>
+          <p:cNvPr id="10" name="Grafik 9"/>
+          <p:cNvPicPr>
+            <a:picLocks noChangeAspect="1"/>
+          </p:cNvPicPr>
+          <p:nvPr/>
+        </p:nvPicPr>
+        <p:blipFill>
+          <a:blip r:embed="rId6">
+            <a:extLst>
+              <a:ext uri="{28A0092B-C50C-407E-A947-70E740481C1C}">
+                <a14:useLocalDpi xmlns:a14="http://schemas.microsoft.com/office/drawing/2010/main" val="0"/>
+              </a:ext>
+            </a:extLst>
+          </a:blip>
+          <a:stretch>
+            <a:fillRect/>
+          </a:stretch>
+        </p:blipFill>
+        <p:spPr>
+          <a:xfrm>
+            <a:off x="4030799" y="1818285"/>
+            <a:ext cx="4382112" cy="1590897"/>
           </a:xfrm>
           <a:prstGeom prst="rect">
             <a:avLst/>
@@ -23722,7 +24015,188 @@
   <p:timing>
     <p:tnLst>
       <p:par>
-        <p:cTn id="1" dur="indefinite" restart="never" nodeType="tmRoot"/>
+        <p:cTn id="1" dur="indefinite" restart="never" nodeType="tmRoot">
+          <p:childTnLst>
+            <p:seq concurrent="1" nextAc="seek">
+              <p:cTn id="2" dur="indefinite" nodeType="mainSeq">
+                <p:childTnLst>
+                  <p:par>
+                    <p:cTn id="3" fill="hold">
+                      <p:stCondLst>
+                        <p:cond delay="indefinite"/>
+                      </p:stCondLst>
+                      <p:childTnLst>
+                        <p:par>
+                          <p:cTn id="4" fill="hold">
+                            <p:stCondLst>
+                              <p:cond delay="0"/>
+                            </p:stCondLst>
+                            <p:childTnLst>
+                              <p:par>
+                                <p:cTn id="5" presetID="10" presetClass="exit" presetSubtype="0" fill="hold" nodeType="clickEffect">
+                                  <p:stCondLst>
+                                    <p:cond delay="0"/>
+                                  </p:stCondLst>
+                                  <p:childTnLst>
+                                    <p:animEffect transition="out" filter="fade">
+                                      <p:cBhvr>
+                                        <p:cTn id="6" dur="500"/>
+                                        <p:tgtEl>
+                                          <p:spTgt spid="6"/>
+                                        </p:tgtEl>
+                                      </p:cBhvr>
+                                    </p:animEffect>
+                                    <p:set>
+                                      <p:cBhvr>
+                                        <p:cTn id="7" dur="1" fill="hold">
+                                          <p:stCondLst>
+                                            <p:cond delay="499"/>
+                                          </p:stCondLst>
+                                        </p:cTn>
+                                        <p:tgtEl>
+                                          <p:spTgt spid="6"/>
+                                        </p:tgtEl>
+                                        <p:attrNameLst>
+                                          <p:attrName>style.visibility</p:attrName>
+                                        </p:attrNameLst>
+                                      </p:cBhvr>
+                                      <p:to>
+                                        <p:strVal val="hidden"/>
+                                      </p:to>
+                                    </p:set>
+                                  </p:childTnLst>
+                                </p:cTn>
+                              </p:par>
+                              <p:par>
+                                <p:cTn id="8" presetID="10" presetClass="exit" presetSubtype="0" fill="hold" nodeType="withEffect">
+                                  <p:stCondLst>
+                                    <p:cond delay="0"/>
+                                  </p:stCondLst>
+                                  <p:childTnLst>
+                                    <p:animEffect transition="out" filter="fade">
+                                      <p:cBhvr>
+                                        <p:cTn id="9" dur="500"/>
+                                        <p:tgtEl>
+                                          <p:spTgt spid="4"/>
+                                        </p:tgtEl>
+                                      </p:cBhvr>
+                                    </p:animEffect>
+                                    <p:set>
+                                      <p:cBhvr>
+                                        <p:cTn id="10" dur="1" fill="hold">
+                                          <p:stCondLst>
+                                            <p:cond delay="499"/>
+                                          </p:stCondLst>
+                                        </p:cTn>
+                                        <p:tgtEl>
+                                          <p:spTgt spid="4"/>
+                                        </p:tgtEl>
+                                        <p:attrNameLst>
+                                          <p:attrName>style.visibility</p:attrName>
+                                        </p:attrNameLst>
+                                      </p:cBhvr>
+                                      <p:to>
+                                        <p:strVal val="hidden"/>
+                                      </p:to>
+                                    </p:set>
+                                  </p:childTnLst>
+                                </p:cTn>
+                              </p:par>
+                              <p:par>
+                                <p:cTn id="11" presetID="10" presetClass="entr" presetSubtype="0" fill="hold" nodeType="withEffect">
+                                  <p:stCondLst>
+                                    <p:cond delay="0"/>
+                                  </p:stCondLst>
+                                  <p:childTnLst>
+                                    <p:set>
+                                      <p:cBhvr>
+                                        <p:cTn id="12" dur="1" fill="hold">
+                                          <p:stCondLst>
+                                            <p:cond delay="0"/>
+                                          </p:stCondLst>
+                                        </p:cTn>
+                                        <p:tgtEl>
+                                          <p:spTgt spid="9"/>
+                                        </p:tgtEl>
+                                        <p:attrNameLst>
+                                          <p:attrName>style.visibility</p:attrName>
+                                        </p:attrNameLst>
+                                      </p:cBhvr>
+                                      <p:to>
+                                        <p:strVal val="visible"/>
+                                      </p:to>
+                                    </p:set>
+                                    <p:animEffect transition="in" filter="fade">
+                                      <p:cBhvr>
+                                        <p:cTn id="13" dur="500"/>
+                                        <p:tgtEl>
+                                          <p:spTgt spid="9"/>
+                                        </p:tgtEl>
+                                      </p:cBhvr>
+                                    </p:animEffect>
+                                  </p:childTnLst>
+                                </p:cTn>
+                              </p:par>
+                              <p:par>
+                                <p:cTn id="14" presetID="10" presetClass="entr" presetSubtype="0" fill="hold" nodeType="withEffect">
+                                  <p:stCondLst>
+                                    <p:cond delay="0"/>
+                                  </p:stCondLst>
+                                  <p:childTnLst>
+                                    <p:set>
+                                      <p:cBhvr>
+                                        <p:cTn id="15" dur="1" fill="hold">
+                                          <p:stCondLst>
+                                            <p:cond delay="0"/>
+                                          </p:stCondLst>
+                                        </p:cTn>
+                                        <p:tgtEl>
+                                          <p:spTgt spid="10"/>
+                                        </p:tgtEl>
+                                        <p:attrNameLst>
+                                          <p:attrName>style.visibility</p:attrName>
+                                        </p:attrNameLst>
+                                      </p:cBhvr>
+                                      <p:to>
+                                        <p:strVal val="visible"/>
+                                      </p:to>
+                                    </p:set>
+                                    <p:animEffect transition="in" filter="fade">
+                                      <p:cBhvr>
+                                        <p:cTn id="16" dur="500"/>
+                                        <p:tgtEl>
+                                          <p:spTgt spid="10"/>
+                                        </p:tgtEl>
+                                      </p:cBhvr>
+                                    </p:animEffect>
+                                  </p:childTnLst>
+                                </p:cTn>
+                              </p:par>
+                            </p:childTnLst>
+                          </p:cTn>
+                        </p:par>
+                      </p:childTnLst>
+                    </p:cTn>
+                  </p:par>
+                </p:childTnLst>
+              </p:cTn>
+              <p:prevCondLst>
+                <p:cond evt="onPrev" delay="0">
+                  <p:tgtEl>
+                    <p:sldTgt/>
+                  </p:tgtEl>
+                </p:cond>
+              </p:prevCondLst>
+              <p:nextCondLst>
+                <p:cond evt="onNext" delay="0">
+                  <p:tgtEl>
+                    <p:sldTgt/>
+                  </p:tgtEl>
+                </p:cond>
+              </p:nextCondLst>
+            </p:seq>
+          </p:childTnLst>
+        </p:cTn>
       </p:par>
     </p:tnLst>
   </p:timing>
@@ -23836,9 +24310,24 @@
             </a:br>
             <a:r>
               <a:rPr lang="de-DE" sz="2000" dirty="0" smtClean="0"/>
-              <a:t> (Stücke Code die man gezielt ausführen kann)</a:t>
-            </a:r>
-            <a:endParaRPr lang="de-DE" sz="2000" u="sng" dirty="0" smtClean="0"/>
+              <a:t> (Stücke Code die man gezielt ausführen kann</a:t>
+            </a:r>
+            <a:r>
+              <a:rPr lang="de-DE" sz="2000" dirty="0" smtClean="0"/>
+              <a:t>)</a:t>
+            </a:r>
+            <a:r>
+              <a:rPr lang="de-DE" sz="2000" u="sng" dirty="0"/>
+              <a:t/>
+            </a:r>
+            <a:br>
+              <a:rPr lang="de-DE" sz="2000" u="sng" dirty="0"/>
+            </a:br>
+            <a:r>
+              <a:rPr lang="de-DE" sz="2000" dirty="0" smtClean="0"/>
+              <a:t> (Auch der Konstruktor ist eine Methode)</a:t>
+            </a:r>
+            <a:endParaRPr lang="de-DE" sz="2000" dirty="0" smtClean="0"/>
           </a:p>
         </p:txBody>
       </p:sp>
@@ -23864,7 +24353,7 @@
         </p:blipFill>
         <p:spPr>
           <a:xfrm>
-            <a:off x="2813279" y="3487801"/>
+            <a:off x="2813279" y="3606722"/>
             <a:ext cx="3296110" cy="1267002"/>
           </a:xfrm>
           <a:prstGeom prst="rect">
@@ -23894,7 +24383,7 @@
         </p:blipFill>
         <p:spPr>
           <a:xfrm>
-            <a:off x="2808901" y="3487801"/>
+            <a:off x="2813279" y="3609562"/>
             <a:ext cx="3296110" cy="1267002"/>
           </a:xfrm>
           <a:prstGeom prst="rect">
@@ -25668,7 +26157,15 @@
                   <a:srgbClr val="831420"/>
                 </a:solidFill>
               </a:rPr>
-              <a:t>OO: Attribute und Methoden</a:t>
+              <a:t>OO: Attribute und </a:t>
+            </a:r>
+            <a:r>
+              <a:rPr lang="de-DE" dirty="0" smtClean="0">
+                <a:solidFill>
+                  <a:srgbClr val="831420"/>
+                </a:solidFill>
+              </a:rPr>
+              <a:t>Methoden: Beispiele</a:t>
             </a:r>
             <a:endParaRPr lang="de-DE" dirty="0">
               <a:solidFill>
@@ -26471,6 +26968,720 @@
                   <a:srgbClr val="831420"/>
                 </a:solidFill>
               </a:rPr>
+              <a:t>OO: Attribute und </a:t>
+            </a:r>
+            <a:r>
+              <a:rPr lang="de-DE" dirty="0">
+                <a:solidFill>
+                  <a:srgbClr val="831420"/>
+                </a:solidFill>
+              </a:rPr>
+              <a:t>Methoden: Beispiele</a:t>
+            </a:r>
+            <a:endParaRPr lang="de-DE" dirty="0">
+              <a:solidFill>
+                <a:srgbClr val="831420"/>
+              </a:solidFill>
+            </a:endParaRPr>
+          </a:p>
+        </p:txBody>
+      </p:sp>
+      <p:sp>
+        <p:nvSpPr>
+          <p:cNvPr id="3" name="Inhaltsplatzhalter 2"/>
+          <p:cNvSpPr>
+            <a:spLocks noGrp="1"/>
+          </p:cNvSpPr>
+          <p:nvPr>
+            <p:ph idx="4294967295"/>
+          </p:nvPr>
+        </p:nvSpPr>
+        <p:spPr>
+          <a:xfrm>
+            <a:off x="179512" y="877280"/>
+            <a:ext cx="8496944" cy="4176464"/>
+          </a:xfrm>
+          <a:prstGeom prst="rect">
+            <a:avLst/>
+          </a:prstGeom>
+        </p:spPr>
+        <p:txBody>
+          <a:bodyPr anchor="t"/>
+          <a:lstStyle/>
+          <a:p>
+            <a:r>
+              <a:rPr lang="de-DE" sz="2000" dirty="0" smtClean="0"/>
+              <a:t>Was berechnen diese Methoden?</a:t>
+            </a:r>
+            <a:endParaRPr lang="de-DE" sz="2000" dirty="0" smtClean="0"/>
+          </a:p>
+          <a:p>
+            <a:endParaRPr lang="de-DE" sz="2000" dirty="0" smtClean="0"/>
+          </a:p>
+        </p:txBody>
+      </p:sp>
+      <p:pic>
+        <p:nvPicPr>
+          <p:cNvPr id="7" name="Grafik 6"/>
+          <p:cNvPicPr>
+            <a:picLocks noChangeAspect="1"/>
+          </p:cNvPicPr>
+          <p:nvPr/>
+        </p:nvPicPr>
+        <p:blipFill>
+          <a:blip r:embed="rId3">
+            <a:extLst>
+              <a:ext uri="{28A0092B-C50C-407E-A947-70E740481C1C}">
+                <a14:useLocalDpi xmlns:a14="http://schemas.microsoft.com/office/drawing/2010/main" val="0"/>
+              </a:ext>
+            </a:extLst>
+          </a:blip>
+          <a:stretch>
+            <a:fillRect/>
+          </a:stretch>
+        </p:blipFill>
+        <p:spPr>
+          <a:xfrm>
+            <a:off x="431540" y="1633364"/>
+            <a:ext cx="3648584" cy="943107"/>
+          </a:xfrm>
+          <a:prstGeom prst="rect">
+            <a:avLst/>
+          </a:prstGeom>
+        </p:spPr>
+      </p:pic>
+      <p:pic>
+        <p:nvPicPr>
+          <p:cNvPr id="8" name="Grafik 7"/>
+          <p:cNvPicPr>
+            <a:picLocks noChangeAspect="1"/>
+          </p:cNvPicPr>
+          <p:nvPr/>
+        </p:nvPicPr>
+        <p:blipFill>
+          <a:blip r:embed="rId4">
+            <a:extLst>
+              <a:ext uri="{28A0092B-C50C-407E-A947-70E740481C1C}">
+                <a14:useLocalDpi xmlns:a14="http://schemas.microsoft.com/office/drawing/2010/main" val="0"/>
+              </a:ext>
+            </a:extLst>
+          </a:blip>
+          <a:stretch>
+            <a:fillRect/>
+          </a:stretch>
+        </p:blipFill>
+        <p:spPr>
+          <a:xfrm>
+            <a:off x="431540" y="1633364"/>
+            <a:ext cx="3286584" cy="933580"/>
+          </a:xfrm>
+          <a:prstGeom prst="rect">
+            <a:avLst/>
+          </a:prstGeom>
+        </p:spPr>
+      </p:pic>
+      <p:pic>
+        <p:nvPicPr>
+          <p:cNvPr id="16" name="Grafik 15"/>
+          <p:cNvPicPr>
+            <a:picLocks noChangeAspect="1"/>
+          </p:cNvPicPr>
+          <p:nvPr/>
+        </p:nvPicPr>
+        <p:blipFill>
+          <a:blip r:embed="rId5">
+            <a:extLst>
+              <a:ext uri="{28A0092B-C50C-407E-A947-70E740481C1C}">
+                <a14:useLocalDpi xmlns:a14="http://schemas.microsoft.com/office/drawing/2010/main" val="0"/>
+              </a:ext>
+            </a:extLst>
+          </a:blip>
+          <a:stretch>
+            <a:fillRect/>
+          </a:stretch>
+        </p:blipFill>
+        <p:spPr>
+          <a:xfrm>
+            <a:off x="431540" y="3332555"/>
+            <a:ext cx="3143689" cy="1247949"/>
+          </a:xfrm>
+          <a:prstGeom prst="rect">
+            <a:avLst/>
+          </a:prstGeom>
+        </p:spPr>
+      </p:pic>
+      <p:pic>
+        <p:nvPicPr>
+          <p:cNvPr id="17" name="Grafik 16"/>
+          <p:cNvPicPr>
+            <a:picLocks noChangeAspect="1"/>
+          </p:cNvPicPr>
+          <p:nvPr/>
+        </p:nvPicPr>
+        <p:blipFill>
+          <a:blip r:embed="rId6">
+            <a:extLst>
+              <a:ext uri="{28A0092B-C50C-407E-A947-70E740481C1C}">
+                <a14:useLocalDpi xmlns:a14="http://schemas.microsoft.com/office/drawing/2010/main" val="0"/>
+              </a:ext>
+            </a:extLst>
+          </a:blip>
+          <a:stretch>
+            <a:fillRect/>
+          </a:stretch>
+        </p:blipFill>
+        <p:spPr>
+          <a:xfrm>
+            <a:off x="431540" y="3332555"/>
+            <a:ext cx="2562583" cy="1257475"/>
+          </a:xfrm>
+          <a:prstGeom prst="rect">
+            <a:avLst/>
+          </a:prstGeom>
+        </p:spPr>
+      </p:pic>
+      <p:pic>
+        <p:nvPicPr>
+          <p:cNvPr id="18" name="Grafik 17"/>
+          <p:cNvPicPr>
+            <a:picLocks noChangeAspect="1"/>
+          </p:cNvPicPr>
+          <p:nvPr/>
+        </p:nvPicPr>
+        <p:blipFill>
+          <a:blip r:embed="rId7">
+            <a:extLst>
+              <a:ext uri="{28A0092B-C50C-407E-A947-70E740481C1C}">
+                <a14:useLocalDpi xmlns:a14="http://schemas.microsoft.com/office/drawing/2010/main" val="0"/>
+              </a:ext>
+            </a:extLst>
+          </a:blip>
+          <a:stretch>
+            <a:fillRect/>
+          </a:stretch>
+        </p:blipFill>
+        <p:spPr>
+          <a:xfrm>
+            <a:off x="5025551" y="1790548"/>
+            <a:ext cx="2705478" cy="619211"/>
+          </a:xfrm>
+          <a:prstGeom prst="rect">
+            <a:avLst/>
+          </a:prstGeom>
+        </p:spPr>
+      </p:pic>
+      <p:sp>
+        <p:nvSpPr>
+          <p:cNvPr id="19" name="Pfeil nach unten 18"/>
+          <p:cNvSpPr/>
+          <p:nvPr/>
+        </p:nvSpPr>
+        <p:spPr bwMode="auto">
+          <a:xfrm>
+            <a:off x="6135974" y="2654082"/>
+            <a:ext cx="484632" cy="622856"/>
+          </a:xfrm>
+          <a:prstGeom prst="downArrow">
+            <a:avLst/>
+          </a:prstGeom>
+          <a:ln>
+            <a:headEnd/>
+            <a:tailEnd/>
+          </a:ln>
+          <a:extLst/>
+        </p:spPr>
+        <p:style>
+          <a:lnRef idx="2">
+            <a:schemeClr val="accent1"/>
+          </a:lnRef>
+          <a:fillRef idx="1">
+            <a:schemeClr val="lt1"/>
+          </a:fillRef>
+          <a:effectRef idx="0">
+            <a:schemeClr val="accent1"/>
+          </a:effectRef>
+          <a:fontRef idx="minor">
+            <a:schemeClr val="dk1"/>
+          </a:fontRef>
+        </p:style>
+        <p:txBody>
+          <a:bodyPr wrap="none" rtlCol="0" anchor="ctr"/>
+          <a:lstStyle/>
+          <a:p>
+            <a:pPr algn="ctr"/>
+            <a:endParaRPr lang="de-DE"/>
+          </a:p>
+        </p:txBody>
+      </p:sp>
+      <p:pic>
+        <p:nvPicPr>
+          <p:cNvPr id="20" name="Grafik 19"/>
+          <p:cNvPicPr>
+            <a:picLocks noChangeAspect="1"/>
+          </p:cNvPicPr>
+          <p:nvPr/>
+        </p:nvPicPr>
+        <p:blipFill>
+          <a:blip r:embed="rId8">
+            <a:extLst>
+              <a:ext uri="{28A0092B-C50C-407E-A947-70E740481C1C}">
+                <a14:useLocalDpi xmlns:a14="http://schemas.microsoft.com/office/drawing/2010/main" val="0"/>
+              </a:ext>
+            </a:extLst>
+          </a:blip>
+          <a:stretch>
+            <a:fillRect/>
+          </a:stretch>
+        </p:blipFill>
+        <p:spPr>
+          <a:xfrm>
+            <a:off x="4730235" y="3565949"/>
+            <a:ext cx="3296110" cy="781159"/>
+          </a:xfrm>
+          <a:prstGeom prst="rect">
+            <a:avLst/>
+          </a:prstGeom>
+        </p:spPr>
+      </p:pic>
+    </p:spTree>
+    <p:extLst>
+      <p:ext uri="{BB962C8B-B14F-4D97-AF65-F5344CB8AC3E}">
+        <p14:creationId xmlns:p14="http://schemas.microsoft.com/office/powerpoint/2010/main" val="232766304"/>
+      </p:ext>
+    </p:extLst>
+  </p:cSld>
+  <p:clrMapOvr>
+    <a:masterClrMapping/>
+  </p:clrMapOvr>
+  <mc:AlternateContent xmlns:mc="http://schemas.openxmlformats.org/markup-compatibility/2006" xmlns:p14="http://schemas.microsoft.com/office/powerpoint/2010/main">
+    <mc:Choice Requires="p14">
+      <p:transition spd="slow" p14:dur="800">
+        <p14:flythrough/>
+      </p:transition>
+    </mc:Choice>
+    <mc:Fallback xmlns="">
+      <p:transition spd="slow">
+        <p:fade/>
+      </p:transition>
+    </mc:Fallback>
+  </mc:AlternateContent>
+  <p:timing>
+    <p:tnLst>
+      <p:par>
+        <p:cTn id="1" dur="indefinite" restart="never" nodeType="tmRoot">
+          <p:childTnLst>
+            <p:seq concurrent="1" nextAc="seek">
+              <p:cTn id="2" dur="indefinite" nodeType="mainSeq">
+                <p:childTnLst>
+                  <p:par>
+                    <p:cTn id="3" fill="hold">
+                      <p:stCondLst>
+                        <p:cond delay="indefinite"/>
+                      </p:stCondLst>
+                      <p:childTnLst>
+                        <p:par>
+                          <p:cTn id="4" fill="hold">
+                            <p:stCondLst>
+                              <p:cond delay="0"/>
+                            </p:stCondLst>
+                            <p:childTnLst>
+                              <p:par>
+                                <p:cTn id="5" presetID="10" presetClass="entr" presetSubtype="0" fill="hold" nodeType="clickEffect">
+                                  <p:stCondLst>
+                                    <p:cond delay="0"/>
+                                  </p:stCondLst>
+                                  <p:childTnLst>
+                                    <p:set>
+                                      <p:cBhvr>
+                                        <p:cTn id="6" dur="1" fill="hold">
+                                          <p:stCondLst>
+                                            <p:cond delay="0"/>
+                                          </p:stCondLst>
+                                        </p:cTn>
+                                        <p:tgtEl>
+                                          <p:spTgt spid="8"/>
+                                        </p:tgtEl>
+                                        <p:attrNameLst>
+                                          <p:attrName>style.visibility</p:attrName>
+                                        </p:attrNameLst>
+                                      </p:cBhvr>
+                                      <p:to>
+                                        <p:strVal val="visible"/>
+                                      </p:to>
+                                    </p:set>
+                                    <p:animEffect transition="in" filter="fade">
+                                      <p:cBhvr>
+                                        <p:cTn id="7" dur="500"/>
+                                        <p:tgtEl>
+                                          <p:spTgt spid="8"/>
+                                        </p:tgtEl>
+                                      </p:cBhvr>
+                                    </p:animEffect>
+                                  </p:childTnLst>
+                                </p:cTn>
+                              </p:par>
+                              <p:par>
+                                <p:cTn id="8" presetID="10" presetClass="exit" presetSubtype="0" fill="hold" nodeType="withEffect">
+                                  <p:stCondLst>
+                                    <p:cond delay="0"/>
+                                  </p:stCondLst>
+                                  <p:childTnLst>
+                                    <p:animEffect transition="out" filter="fade">
+                                      <p:cBhvr>
+                                        <p:cTn id="9" dur="500"/>
+                                        <p:tgtEl>
+                                          <p:spTgt spid="7"/>
+                                        </p:tgtEl>
+                                      </p:cBhvr>
+                                    </p:animEffect>
+                                    <p:set>
+                                      <p:cBhvr>
+                                        <p:cTn id="10" dur="1" fill="hold">
+                                          <p:stCondLst>
+                                            <p:cond delay="499"/>
+                                          </p:stCondLst>
+                                        </p:cTn>
+                                        <p:tgtEl>
+                                          <p:spTgt spid="7"/>
+                                        </p:tgtEl>
+                                        <p:attrNameLst>
+                                          <p:attrName>style.visibility</p:attrName>
+                                        </p:attrNameLst>
+                                      </p:cBhvr>
+                                      <p:to>
+                                        <p:strVal val="hidden"/>
+                                      </p:to>
+                                    </p:set>
+                                  </p:childTnLst>
+                                </p:cTn>
+                              </p:par>
+                            </p:childTnLst>
+                          </p:cTn>
+                        </p:par>
+                        <p:par>
+                          <p:cTn id="11" fill="hold">
+                            <p:stCondLst>
+                              <p:cond delay="500"/>
+                            </p:stCondLst>
+                            <p:childTnLst>
+                              <p:par>
+                                <p:cTn id="12" presetID="10" presetClass="entr" presetSubtype="0" fill="hold" nodeType="afterEffect">
+                                  <p:stCondLst>
+                                    <p:cond delay="0"/>
+                                  </p:stCondLst>
+                                  <p:childTnLst>
+                                    <p:set>
+                                      <p:cBhvr>
+                                        <p:cTn id="13" dur="1" fill="hold">
+                                          <p:stCondLst>
+                                            <p:cond delay="0"/>
+                                          </p:stCondLst>
+                                        </p:cTn>
+                                        <p:tgtEl>
+                                          <p:spTgt spid="16"/>
+                                        </p:tgtEl>
+                                        <p:attrNameLst>
+                                          <p:attrName>style.visibility</p:attrName>
+                                        </p:attrNameLst>
+                                      </p:cBhvr>
+                                      <p:to>
+                                        <p:strVal val="visible"/>
+                                      </p:to>
+                                    </p:set>
+                                    <p:animEffect transition="in" filter="fade">
+                                      <p:cBhvr>
+                                        <p:cTn id="14" dur="500"/>
+                                        <p:tgtEl>
+                                          <p:spTgt spid="16"/>
+                                        </p:tgtEl>
+                                      </p:cBhvr>
+                                    </p:animEffect>
+                                  </p:childTnLst>
+                                </p:cTn>
+                              </p:par>
+                            </p:childTnLst>
+                          </p:cTn>
+                        </p:par>
+                      </p:childTnLst>
+                    </p:cTn>
+                  </p:par>
+                  <p:par>
+                    <p:cTn id="15" fill="hold">
+                      <p:stCondLst>
+                        <p:cond delay="indefinite"/>
+                      </p:stCondLst>
+                      <p:childTnLst>
+                        <p:par>
+                          <p:cTn id="16" fill="hold">
+                            <p:stCondLst>
+                              <p:cond delay="0"/>
+                            </p:stCondLst>
+                            <p:childTnLst>
+                              <p:par>
+                                <p:cTn id="17" presetID="10" presetClass="entr" presetSubtype="0" fill="hold" nodeType="clickEffect">
+                                  <p:stCondLst>
+                                    <p:cond delay="0"/>
+                                  </p:stCondLst>
+                                  <p:childTnLst>
+                                    <p:set>
+                                      <p:cBhvr>
+                                        <p:cTn id="18" dur="1" fill="hold">
+                                          <p:stCondLst>
+                                            <p:cond delay="0"/>
+                                          </p:stCondLst>
+                                        </p:cTn>
+                                        <p:tgtEl>
+                                          <p:spTgt spid="17"/>
+                                        </p:tgtEl>
+                                        <p:attrNameLst>
+                                          <p:attrName>style.visibility</p:attrName>
+                                        </p:attrNameLst>
+                                      </p:cBhvr>
+                                      <p:to>
+                                        <p:strVal val="visible"/>
+                                      </p:to>
+                                    </p:set>
+                                    <p:animEffect transition="in" filter="fade">
+                                      <p:cBhvr>
+                                        <p:cTn id="19" dur="500"/>
+                                        <p:tgtEl>
+                                          <p:spTgt spid="17"/>
+                                        </p:tgtEl>
+                                      </p:cBhvr>
+                                    </p:animEffect>
+                                  </p:childTnLst>
+                                </p:cTn>
+                              </p:par>
+                              <p:par>
+                                <p:cTn id="20" presetID="10" presetClass="exit" presetSubtype="0" fill="hold" nodeType="withEffect">
+                                  <p:stCondLst>
+                                    <p:cond delay="0"/>
+                                  </p:stCondLst>
+                                  <p:childTnLst>
+                                    <p:animEffect transition="out" filter="fade">
+                                      <p:cBhvr>
+                                        <p:cTn id="21" dur="500"/>
+                                        <p:tgtEl>
+                                          <p:spTgt spid="16"/>
+                                        </p:tgtEl>
+                                      </p:cBhvr>
+                                    </p:animEffect>
+                                    <p:set>
+                                      <p:cBhvr>
+                                        <p:cTn id="22" dur="1" fill="hold">
+                                          <p:stCondLst>
+                                            <p:cond delay="499"/>
+                                          </p:stCondLst>
+                                        </p:cTn>
+                                        <p:tgtEl>
+                                          <p:spTgt spid="16"/>
+                                        </p:tgtEl>
+                                        <p:attrNameLst>
+                                          <p:attrName>style.visibility</p:attrName>
+                                        </p:attrNameLst>
+                                      </p:cBhvr>
+                                      <p:to>
+                                        <p:strVal val="hidden"/>
+                                      </p:to>
+                                    </p:set>
+                                  </p:childTnLst>
+                                </p:cTn>
+                              </p:par>
+                            </p:childTnLst>
+                          </p:cTn>
+                        </p:par>
+                        <p:par>
+                          <p:cTn id="23" fill="hold">
+                            <p:stCondLst>
+                              <p:cond delay="500"/>
+                            </p:stCondLst>
+                            <p:childTnLst>
+                              <p:par>
+                                <p:cTn id="24" presetID="10" presetClass="entr" presetSubtype="0" fill="hold" nodeType="afterEffect">
+                                  <p:stCondLst>
+                                    <p:cond delay="0"/>
+                                  </p:stCondLst>
+                                  <p:childTnLst>
+                                    <p:set>
+                                      <p:cBhvr>
+                                        <p:cTn id="25" dur="1" fill="hold">
+                                          <p:stCondLst>
+                                            <p:cond delay="0"/>
+                                          </p:stCondLst>
+                                        </p:cTn>
+                                        <p:tgtEl>
+                                          <p:spTgt spid="18"/>
+                                        </p:tgtEl>
+                                        <p:attrNameLst>
+                                          <p:attrName>style.visibility</p:attrName>
+                                        </p:attrNameLst>
+                                      </p:cBhvr>
+                                      <p:to>
+                                        <p:strVal val="visible"/>
+                                      </p:to>
+                                    </p:set>
+                                    <p:animEffect transition="in" filter="fade">
+                                      <p:cBhvr>
+                                        <p:cTn id="26" dur="500"/>
+                                        <p:tgtEl>
+                                          <p:spTgt spid="18"/>
+                                        </p:tgtEl>
+                                      </p:cBhvr>
+                                    </p:animEffect>
+                                  </p:childTnLst>
+                                </p:cTn>
+                              </p:par>
+                            </p:childTnLst>
+                          </p:cTn>
+                        </p:par>
+                        <p:par>
+                          <p:cTn id="27" fill="hold">
+                            <p:stCondLst>
+                              <p:cond delay="1000"/>
+                            </p:stCondLst>
+                            <p:childTnLst>
+                              <p:par>
+                                <p:cTn id="28" presetID="10" presetClass="entr" presetSubtype="0" fill="hold" grpId="0" nodeType="afterEffect">
+                                  <p:stCondLst>
+                                    <p:cond delay="500"/>
+                                  </p:stCondLst>
+                                  <p:childTnLst>
+                                    <p:set>
+                                      <p:cBhvr>
+                                        <p:cTn id="29" dur="1" fill="hold">
+                                          <p:stCondLst>
+                                            <p:cond delay="0"/>
+                                          </p:stCondLst>
+                                        </p:cTn>
+                                        <p:tgtEl>
+                                          <p:spTgt spid="19"/>
+                                        </p:tgtEl>
+                                        <p:attrNameLst>
+                                          <p:attrName>style.visibility</p:attrName>
+                                        </p:attrNameLst>
+                                      </p:cBhvr>
+                                      <p:to>
+                                        <p:strVal val="visible"/>
+                                      </p:to>
+                                    </p:set>
+                                    <p:animEffect transition="in" filter="fade">
+                                      <p:cBhvr>
+                                        <p:cTn id="30" dur="500"/>
+                                        <p:tgtEl>
+                                          <p:spTgt spid="19"/>
+                                        </p:tgtEl>
+                                      </p:cBhvr>
+                                    </p:animEffect>
+                                  </p:childTnLst>
+                                </p:cTn>
+                              </p:par>
+                              <p:par>
+                                <p:cTn id="31" presetID="10" presetClass="entr" presetSubtype="0" fill="hold" nodeType="withEffect">
+                                  <p:stCondLst>
+                                    <p:cond delay="500"/>
+                                  </p:stCondLst>
+                                  <p:childTnLst>
+                                    <p:set>
+                                      <p:cBhvr>
+                                        <p:cTn id="32" dur="1" fill="hold">
+                                          <p:stCondLst>
+                                            <p:cond delay="0"/>
+                                          </p:stCondLst>
+                                        </p:cTn>
+                                        <p:tgtEl>
+                                          <p:spTgt spid="20"/>
+                                        </p:tgtEl>
+                                        <p:attrNameLst>
+                                          <p:attrName>style.visibility</p:attrName>
+                                        </p:attrNameLst>
+                                      </p:cBhvr>
+                                      <p:to>
+                                        <p:strVal val="visible"/>
+                                      </p:to>
+                                    </p:set>
+                                    <p:animEffect transition="in" filter="fade">
+                                      <p:cBhvr>
+                                        <p:cTn id="33" dur="500"/>
+                                        <p:tgtEl>
+                                          <p:spTgt spid="20"/>
+                                        </p:tgtEl>
+                                      </p:cBhvr>
+                                    </p:animEffect>
+                                  </p:childTnLst>
+                                </p:cTn>
+                              </p:par>
+                            </p:childTnLst>
+                          </p:cTn>
+                        </p:par>
+                      </p:childTnLst>
+                    </p:cTn>
+                  </p:par>
+                </p:childTnLst>
+              </p:cTn>
+              <p:prevCondLst>
+                <p:cond evt="onPrev" delay="0">
+                  <p:tgtEl>
+                    <p:sldTgt/>
+                  </p:tgtEl>
+                </p:cond>
+              </p:prevCondLst>
+              <p:nextCondLst>
+                <p:cond evt="onNext" delay="0">
+                  <p:tgtEl>
+                    <p:sldTgt/>
+                  </p:tgtEl>
+                </p:cond>
+              </p:nextCondLst>
+            </p:seq>
+          </p:childTnLst>
+        </p:cTn>
+      </p:par>
+    </p:tnLst>
+    <p:bldLst>
+      <p:bldP spid="19" grpId="0" animBg="1"/>
+    </p:bldLst>
+  </p:timing>
+</p:sld>
+</file>
+
+<file path=ppt/slides/slide41.xml><?xml version="1.0" encoding="utf-8"?>
+<p:sld xmlns:a="http://schemas.openxmlformats.org/drawingml/2006/main" xmlns:r="http://schemas.openxmlformats.org/officeDocument/2006/relationships" xmlns:p="http://schemas.openxmlformats.org/presentationml/2006/main">
+  <p:cSld>
+    <p:spTree>
+      <p:nvGrpSpPr>
+        <p:cNvPr id="1" name=""/>
+        <p:cNvGrpSpPr/>
+        <p:nvPr/>
+      </p:nvGrpSpPr>
+      <p:grpSpPr>
+        <a:xfrm>
+          <a:off x="0" y="0"/>
+          <a:ext cx="0" cy="0"/>
+          <a:chOff x="0" y="0"/>
+          <a:chExt cx="0" cy="0"/>
+        </a:xfrm>
+      </p:grpSpPr>
+      <p:sp>
+        <p:nvSpPr>
+          <p:cNvPr id="2" name="Titel 1"/>
+          <p:cNvSpPr>
+            <a:spLocks noGrp="1"/>
+          </p:cNvSpPr>
+          <p:nvPr>
+            <p:ph type="title"/>
+          </p:nvPr>
+        </p:nvSpPr>
+        <p:spPr/>
+        <p:txBody>
+          <a:bodyPr/>
+          <a:lstStyle/>
+          <a:p>
+            <a:r>
+              <a:rPr lang="de-DE" dirty="0" smtClean="0">
+                <a:solidFill>
+                  <a:srgbClr val="831420"/>
+                </a:solidFill>
+              </a:rPr>
               <a:t>Themen</a:t>
             </a:r>
             <a:endParaRPr lang="de-DE" dirty="0">
@@ -26740,7 +27951,7 @@
 </p:sld>
 </file>
 
-<file path=ppt/slides/slide41.xml><?xml version="1.0" encoding="utf-8"?>
+<file path=ppt/slides/slide42.xml><?xml version="1.0" encoding="utf-8"?>
 <p:sld xmlns:a="http://schemas.openxmlformats.org/drawingml/2006/main" xmlns:r="http://schemas.openxmlformats.org/officeDocument/2006/relationships" xmlns:p="http://schemas.openxmlformats.org/presentationml/2006/main">
   <p:cSld>
     <p:spTree>
@@ -27016,7 +28227,7 @@
 </p:sld>
 </file>
 
-<file path=ppt/slides/slide42.xml><?xml version="1.0" encoding="utf-8"?>
+<file path=ppt/slides/slide43.xml><?xml version="1.0" encoding="utf-8"?>
 <p:sld xmlns:a="http://schemas.openxmlformats.org/drawingml/2006/main" xmlns:r="http://schemas.openxmlformats.org/officeDocument/2006/relationships" xmlns:p="http://schemas.openxmlformats.org/presentationml/2006/main">
   <p:cSld>
     <p:spTree>
@@ -27763,7 +28974,7 @@
 </p:sld>
 </file>
 
-<file path=ppt/slides/slide43.xml><?xml version="1.0" encoding="utf-8"?>
+<file path=ppt/slides/slide44.xml><?xml version="1.0" encoding="utf-8"?>
 <p:sld xmlns:a="http://schemas.openxmlformats.org/drawingml/2006/main" xmlns:r="http://schemas.openxmlformats.org/officeDocument/2006/relationships" xmlns:p="http://schemas.openxmlformats.org/presentationml/2006/main">
   <p:cSld>
     <p:spTree>
@@ -27971,7 +29182,7 @@
 </p:sld>
 </file>
 
-<file path=ppt/slides/slide44.xml><?xml version="1.0" encoding="utf-8"?>
+<file path=ppt/slides/slide45.xml><?xml version="1.0" encoding="utf-8"?>
 <p:sld xmlns:a="http://schemas.openxmlformats.org/drawingml/2006/main" xmlns:r="http://schemas.openxmlformats.org/officeDocument/2006/relationships" xmlns:p="http://schemas.openxmlformats.org/presentationml/2006/main">
   <p:cSld>
     <p:spTree>
@@ -28272,7 +29483,7 @@
 </p:sld>
 </file>
 
-<file path=ppt/slides/slide45.xml><?xml version="1.0" encoding="utf-8"?>
+<file path=ppt/slides/slide46.xml><?xml version="1.0" encoding="utf-8"?>
 <p:sld xmlns:a="http://schemas.openxmlformats.org/drawingml/2006/main" xmlns:r="http://schemas.openxmlformats.org/officeDocument/2006/relationships" xmlns:p="http://schemas.openxmlformats.org/presentationml/2006/main">
   <p:cSld>
     <p:spTree>
@@ -28950,7 +30161,7 @@
 </p:sld>
 </file>
 
-<file path=ppt/slides/slide46.xml><?xml version="1.0" encoding="utf-8"?>
+<file path=ppt/slides/slide47.xml><?xml version="1.0" encoding="utf-8"?>
 <p:sld xmlns:a="http://schemas.openxmlformats.org/drawingml/2006/main" xmlns:r="http://schemas.openxmlformats.org/officeDocument/2006/relationships" xmlns:p="http://schemas.openxmlformats.org/presentationml/2006/main">
   <p:cSld>
     <p:spTree>
@@ -29071,6 +30282,12 @@
             </a:r>
           </a:p>
           <a:p>
+            <a:endParaRPr lang="de-DE" sz="2000" dirty="0" smtClean="0"/>
+          </a:p>
+          <a:p>
+            <a:endParaRPr lang="de-DE" sz="2000" dirty="0" smtClean="0"/>
+          </a:p>
+          <a:p>
             <a:endParaRPr lang="de-DE" sz="2000" dirty="0"/>
           </a:p>
           <a:p>
@@ -29081,9 +30298,6 @@
           </a:p>
           <a:p>
             <a:endParaRPr lang="de-DE" sz="2000" dirty="0" smtClean="0"/>
-          </a:p>
-          <a:p>
-            <a:endParaRPr lang="de-DE" sz="2000" dirty="0"/>
           </a:p>
           <a:p>
             <a:r>
@@ -29093,16 +30307,18 @@
             <a:r>
               <a:rPr lang="de-DE" sz="2000" dirty="0" smtClean="0">
                 <a:solidFill>
-                  <a:schemeClr val="bg1">
-                    <a:lumMod val="50000"/>
-                  </a:schemeClr>
+                  <a:schemeClr val="tx2"/>
                 </a:solidFill>
               </a:rPr>
               <a:t>x</a:t>
             </a:r>
             <a:r>
               <a:rPr lang="de-DE" sz="2000" dirty="0" smtClean="0"/>
-              <a:t> ist hier ein Array vom Datentyp </a:t>
+              <a:t> </a:t>
+            </a:r>
+            <a:r>
+              <a:rPr lang="de-DE" sz="2000" dirty="0" smtClean="0"/>
+              <a:t>ist hier ein Array vom Datentyp </a:t>
             </a:r>
             <a:r>
               <a:rPr lang="de-DE" sz="2000" dirty="0" err="1" smtClean="0">
@@ -29154,7 +30370,7 @@
         </p:blipFill>
         <p:spPr>
           <a:xfrm>
-            <a:off x="2546534" y="2821496"/>
+            <a:off x="1043608" y="2683442"/>
             <a:ext cx="3762900" cy="1124107"/>
           </a:xfrm>
           <a:prstGeom prst="rect">
@@ -29162,6 +30378,270 @@
           </a:prstGeom>
         </p:spPr>
       </p:pic>
+      <p:graphicFrame>
+        <p:nvGraphicFramePr>
+          <p:cNvPr id="5" name="Tabelle 4"/>
+          <p:cNvGraphicFramePr>
+            <a:graphicFrameLocks noGrp="1"/>
+          </p:cNvGraphicFramePr>
+          <p:nvPr>
+            <p:extLst>
+              <p:ext uri="{D42A27DB-BD31-4B8C-83A1-F6EECF244321}">
+                <p14:modId xmlns:p14="http://schemas.microsoft.com/office/powerpoint/2010/main" val="28487583"/>
+              </p:ext>
+            </p:extLst>
+          </p:nvPr>
+        </p:nvGraphicFramePr>
+        <p:xfrm>
+          <a:off x="5679363" y="2677480"/>
+          <a:ext cx="2124237" cy="1130069"/>
+        </p:xfrm>
+        <a:graphic>
+          <a:graphicData uri="http://schemas.openxmlformats.org/drawingml/2006/table">
+            <a:tbl>
+              <a:tblPr firstRow="1" bandRow="1">
+                <a:tableStyleId>{5C22544A-7EE6-4342-B048-85BDC9FD1C3A}</a:tableStyleId>
+              </a:tblPr>
+              <a:tblGrid>
+                <a:gridCol w="708079"/>
+                <a:gridCol w="708079"/>
+                <a:gridCol w="708079"/>
+              </a:tblGrid>
+              <a:tr h="276629">
+                <a:tc>
+                  <a:txBody>
+                    <a:bodyPr/>
+                    <a:lstStyle/>
+                    <a:p>
+                      <a:pPr algn="ctr"/>
+                      <a:r>
+                        <a:rPr lang="de-DE" sz="1400" dirty="0" smtClean="0"/>
+                        <a:t>Index</a:t>
+                      </a:r>
+                      <a:endParaRPr lang="de-DE" sz="1400" dirty="0"/>
+                    </a:p>
+                  </a:txBody>
+                  <a:tcPr marL="0" marR="0" marT="0" marB="36000" anchor="ctr"/>
+                </a:tc>
+                <a:tc>
+                  <a:txBody>
+                    <a:bodyPr/>
+                    <a:lstStyle/>
+                    <a:p>
+                      <a:pPr algn="ctr"/>
+                      <a:r>
+                        <a:rPr lang="de-DE" sz="1400" dirty="0" smtClean="0"/>
+                        <a:t>x</a:t>
+                      </a:r>
+                      <a:endParaRPr lang="de-DE" sz="1400" dirty="0"/>
+                    </a:p>
+                  </a:txBody>
+                  <a:tcPr marL="0" marR="0" marT="0" marB="36000" anchor="ctr"/>
+                </a:tc>
+                <a:tc>
+                  <a:txBody>
+                    <a:bodyPr/>
+                    <a:lstStyle/>
+                    <a:p>
+                      <a:pPr algn="ctr"/>
+                      <a:r>
+                        <a:rPr lang="de-DE" sz="1400" dirty="0" smtClean="0"/>
+                        <a:t>y</a:t>
+                      </a:r>
+                      <a:endParaRPr lang="de-DE" sz="1400" dirty="0"/>
+                    </a:p>
+                  </a:txBody>
+                  <a:tcPr marL="0" marR="0" marT="0" marB="36000" anchor="ctr"/>
+                </a:tc>
+              </a:tr>
+              <a:tr h="211870">
+                <a:tc>
+                  <a:txBody>
+                    <a:bodyPr/>
+                    <a:lstStyle/>
+                    <a:p>
+                      <a:pPr algn="ctr"/>
+                      <a:r>
+                        <a:rPr lang="de-DE" sz="1400" dirty="0" smtClean="0"/>
+                        <a:t>0</a:t>
+                      </a:r>
+                      <a:endParaRPr lang="de-DE" sz="1400" dirty="0"/>
+                    </a:p>
+                  </a:txBody>
+                  <a:tcPr marL="0" marR="0" marT="0" marB="0" anchor="ctr"/>
+                </a:tc>
+                <a:tc>
+                  <a:txBody>
+                    <a:bodyPr/>
+                    <a:lstStyle/>
+                    <a:p>
+                      <a:pPr algn="ctr"/>
+                      <a:r>
+                        <a:rPr lang="de-DE" sz="1400" dirty="0" smtClean="0"/>
+                        <a:t>7</a:t>
+                      </a:r>
+                      <a:endParaRPr lang="de-DE" sz="1400" dirty="0"/>
+                    </a:p>
+                  </a:txBody>
+                  <a:tcPr marL="0" marR="0" marT="0" marB="0" anchor="ctr"/>
+                </a:tc>
+                <a:tc>
+                  <a:txBody>
+                    <a:bodyPr/>
+                    <a:lstStyle/>
+                    <a:p>
+                      <a:pPr algn="ctr"/>
+                      <a:r>
+                        <a:rPr lang="de-DE" sz="1400" dirty="0" smtClean="0"/>
+                        <a:t>Eins</a:t>
+                      </a:r>
+                      <a:endParaRPr lang="de-DE" sz="1400" dirty="0"/>
+                    </a:p>
+                  </a:txBody>
+                  <a:tcPr marL="0" marR="0" marT="0" marB="0" anchor="ctr"/>
+                </a:tc>
+              </a:tr>
+              <a:tr h="211870">
+                <a:tc>
+                  <a:txBody>
+                    <a:bodyPr/>
+                    <a:lstStyle/>
+                    <a:p>
+                      <a:pPr algn="ctr"/>
+                      <a:r>
+                        <a:rPr lang="de-DE" sz="1400" dirty="0" smtClean="0"/>
+                        <a:t>1</a:t>
+                      </a:r>
+                      <a:endParaRPr lang="de-DE" sz="1400" dirty="0"/>
+                    </a:p>
+                  </a:txBody>
+                  <a:tcPr marL="0" marR="0" marT="0" marB="0" anchor="ctr"/>
+                </a:tc>
+                <a:tc>
+                  <a:txBody>
+                    <a:bodyPr/>
+                    <a:lstStyle/>
+                    <a:p>
+                      <a:pPr algn="ctr"/>
+                      <a:r>
+                        <a:rPr lang="de-DE" sz="1400" dirty="0" smtClean="0"/>
+                        <a:t>5</a:t>
+                      </a:r>
+                      <a:endParaRPr lang="de-DE" sz="1400" dirty="0"/>
+                    </a:p>
+                  </a:txBody>
+                  <a:tcPr marL="0" marR="0" marT="0" marB="0" anchor="ctr"/>
+                </a:tc>
+                <a:tc>
+                  <a:txBody>
+                    <a:bodyPr/>
+                    <a:lstStyle/>
+                    <a:p>
+                      <a:pPr algn="ctr"/>
+                      <a:r>
+                        <a:rPr lang="de-DE" sz="1400" dirty="0" smtClean="0"/>
+                        <a:t>Zwei</a:t>
+                      </a:r>
+                      <a:endParaRPr lang="de-DE" sz="1400" dirty="0"/>
+                    </a:p>
+                  </a:txBody>
+                  <a:tcPr marL="0" marR="0" marT="0" marB="0" anchor="ctr"/>
+                </a:tc>
+              </a:tr>
+              <a:tr h="211870">
+                <a:tc>
+                  <a:txBody>
+                    <a:bodyPr/>
+                    <a:lstStyle/>
+                    <a:p>
+                      <a:pPr algn="ctr"/>
+                      <a:r>
+                        <a:rPr lang="de-DE" sz="1400" dirty="0" smtClean="0"/>
+                        <a:t>2</a:t>
+                      </a:r>
+                      <a:endParaRPr lang="de-DE" sz="1400" dirty="0"/>
+                    </a:p>
+                  </a:txBody>
+                  <a:tcPr marL="0" marR="0" marT="0" marB="0" anchor="ctr"/>
+                </a:tc>
+                <a:tc>
+                  <a:txBody>
+                    <a:bodyPr/>
+                    <a:lstStyle/>
+                    <a:p>
+                      <a:pPr algn="ctr"/>
+                      <a:endParaRPr lang="de-DE" sz="1400" dirty="0"/>
+                    </a:p>
+                  </a:txBody>
+                  <a:tcPr marL="0" marR="0" marT="0" marB="0" anchor="ctr">
+                    <a:noFill/>
+                  </a:tcPr>
+                </a:tc>
+                <a:tc>
+                  <a:txBody>
+                    <a:bodyPr/>
+                    <a:lstStyle/>
+                    <a:p>
+                      <a:pPr algn="ctr"/>
+                      <a:r>
+                        <a:rPr lang="de-DE" sz="1400" dirty="0" smtClean="0"/>
+                        <a:t>Drei</a:t>
+                      </a:r>
+                      <a:endParaRPr lang="de-DE" sz="1400" dirty="0"/>
+                    </a:p>
+                  </a:txBody>
+                  <a:tcPr marL="0" marR="0" marT="0" marB="0" anchor="ctr"/>
+                </a:tc>
+              </a:tr>
+              <a:tr h="211870">
+                <a:tc>
+                  <a:txBody>
+                    <a:bodyPr/>
+                    <a:lstStyle/>
+                    <a:p>
+                      <a:pPr algn="ctr"/>
+                      <a:r>
+                        <a:rPr lang="de-DE" sz="1400" dirty="0" smtClean="0"/>
+                        <a:t>3</a:t>
+                      </a:r>
+                      <a:endParaRPr lang="de-DE" sz="1400" dirty="0"/>
+                    </a:p>
+                  </a:txBody>
+                  <a:tcPr marL="0" marR="0" marT="0" marB="0" anchor="ctr"/>
+                </a:tc>
+                <a:tc>
+                  <a:txBody>
+                    <a:bodyPr/>
+                    <a:lstStyle/>
+                    <a:p>
+                      <a:pPr algn="ctr"/>
+                      <a:endParaRPr lang="de-DE" sz="1400" dirty="0"/>
+                    </a:p>
+                  </a:txBody>
+                  <a:tcPr marL="0" marR="0" marT="0" marB="0" anchor="ctr">
+                    <a:noFill/>
+                  </a:tcPr>
+                </a:tc>
+                <a:tc>
+                  <a:txBody>
+                    <a:bodyPr/>
+                    <a:lstStyle/>
+                    <a:p>
+                      <a:pPr algn="ctr"/>
+                      <a:r>
+                        <a:rPr lang="de-DE" sz="1400" dirty="0" smtClean="0"/>
+                        <a:t>Vier</a:t>
+                      </a:r>
+                      <a:endParaRPr lang="de-DE" sz="1400" dirty="0"/>
+                    </a:p>
+                  </a:txBody>
+                  <a:tcPr marL="0" marR="0" marT="0" marB="0" anchor="ctr"/>
+                </a:tc>
+              </a:tr>
+            </a:tbl>
+          </a:graphicData>
+        </a:graphic>
+      </p:graphicFrame>
     </p:spTree>
     <p:extLst>
       <p:ext uri="{BB962C8B-B14F-4D97-AF65-F5344CB8AC3E}">
@@ -29285,30 +30765,74 @@
                             </p:childTnLst>
                           </p:cTn>
                         </p:par>
-                      </p:childTnLst>
-                    </p:cTn>
-                  </p:par>
-                  <p:par>
-                    <p:cTn id="11" fill="hold">
-                      <p:stCondLst>
-                        <p:cond delay="indefinite"/>
-                      </p:stCondLst>
-                      <p:childTnLst>
                         <p:par>
-                          <p:cTn id="12" fill="hold">
+                          <p:cTn id="11" fill="hold">
                             <p:stCondLst>
-                              <p:cond delay="0"/>
+                              <p:cond delay="500"/>
                             </p:stCondLst>
                             <p:childTnLst>
                               <p:par>
-                                <p:cTn id="13" presetID="10" presetClass="entr" presetSubtype="0" fill="hold" nodeType="clickEffect">
+                                <p:cTn id="12" presetID="10" presetClass="entr" presetSubtype="0" fill="hold" nodeType="afterEffect">
                                   <p:stCondLst>
                                     <p:cond delay="0"/>
                                   </p:stCondLst>
                                   <p:childTnLst>
                                     <p:set>
                                       <p:cBhvr>
-                                        <p:cTn id="14" dur="1" fill="hold">
+                                        <p:cTn id="13" dur="1" fill="hold">
+                                          <p:stCondLst>
+                                            <p:cond delay="0"/>
+                                          </p:stCondLst>
+                                        </p:cTn>
+                                        <p:tgtEl>
+                                          <p:spTgt spid="5"/>
+                                        </p:tgtEl>
+                                        <p:attrNameLst>
+                                          <p:attrName>style.visibility</p:attrName>
+                                        </p:attrNameLst>
+                                      </p:cBhvr>
+                                      <p:to>
+                                        <p:strVal val="visible"/>
+                                      </p:to>
+                                    </p:set>
+                                    <p:animEffect transition="in" filter="fade">
+                                      <p:cBhvr>
+                                        <p:cTn id="14" dur="500"/>
+                                        <p:tgtEl>
+                                          <p:spTgt spid="5"/>
+                                        </p:tgtEl>
+                                      </p:cBhvr>
+                                    </p:animEffect>
+                                  </p:childTnLst>
+                                </p:cTn>
+                              </p:par>
+                            </p:childTnLst>
+                          </p:cTn>
+                        </p:par>
+                      </p:childTnLst>
+                    </p:cTn>
+                  </p:par>
+                  <p:par>
+                    <p:cTn id="15" fill="hold">
+                      <p:stCondLst>
+                        <p:cond delay="indefinite"/>
+                      </p:stCondLst>
+                      <p:childTnLst>
+                        <p:par>
+                          <p:cTn id="16" fill="hold">
+                            <p:stCondLst>
+                              <p:cond delay="0"/>
+                            </p:stCondLst>
+                            <p:childTnLst>
+                              <p:par>
+                                <p:cTn id="17" presetID="10" presetClass="entr" presetSubtype="0" fill="hold" nodeType="clickEffect">
+                                  <p:stCondLst>
+                                    <p:cond delay="0"/>
+                                  </p:stCondLst>
+                                  <p:childTnLst>
+                                    <p:set>
+                                      <p:cBhvr>
+                                        <p:cTn id="18" dur="1" fill="hold">
                                           <p:stCondLst>
                                             <p:cond delay="0"/>
                                           </p:stCondLst>
@@ -29316,7 +30840,7 @@
                                         <p:tgtEl>
                                           <p:spTgt spid="3">
                                             <p:txEl>
-                                              <p:pRg st="8" end="8"/>
+                                              <p:pRg st="9" end="9"/>
                                             </p:txEl>
                                           </p:spTgt>
                                         </p:tgtEl>
@@ -29330,11 +30854,11 @@
                                     </p:set>
                                     <p:animEffect transition="in" filter="fade">
                                       <p:cBhvr>
-                                        <p:cTn id="15" dur="500"/>
+                                        <p:cTn id="19" dur="500"/>
                                         <p:tgtEl>
                                           <p:spTgt spid="3">
                                             <p:txEl>
-                                              <p:pRg st="8" end="8"/>
+                                              <p:pRg st="9" end="9"/>
                                             </p:txEl>
                                           </p:spTgt>
                                         </p:tgtEl>
@@ -29374,7 +30898,7 @@
 </p:sld>
 </file>
 
-<file path=ppt/slides/slide47.xml><?xml version="1.0" encoding="utf-8"?>
+<file path=ppt/slides/slide48.xml><?xml version="1.0" encoding="utf-8"?>
 <p:sld xmlns:a="http://schemas.openxmlformats.org/drawingml/2006/main" xmlns:r="http://schemas.openxmlformats.org/officeDocument/2006/relationships" xmlns:p="http://schemas.openxmlformats.org/presentationml/2006/main">
   <p:cSld>
     <p:spTree>
@@ -29516,8 +31040,17 @@
           <a:p>
             <a:r>
               <a:rPr lang="de-DE" sz="2000" dirty="0" smtClean="0"/>
-              <a:t>In beiden Fällen ist die Größe des Arrays von Anfang an fest vorgegeben</a:t>
-            </a:r>
+              <a:t>In beiden Fällen ist die </a:t>
+            </a:r>
+            <a:r>
+              <a:rPr lang="de-DE" sz="2000" dirty="0" smtClean="0"/>
+              <a:t>Größe des Arrays </a:t>
+            </a:r>
+            <a:r>
+              <a:rPr lang="de-DE" sz="2000" dirty="0" smtClean="0"/>
+              <a:t>von Anfang an fest vorgegeben</a:t>
+            </a:r>
+            <a:endParaRPr lang="de-DE" sz="2000" dirty="0" smtClean="0"/>
           </a:p>
         </p:txBody>
       </p:sp>
@@ -29544,6 +31077,36 @@
         <p:spPr>
           <a:xfrm>
             <a:off x="2546534" y="2821496"/>
+            <a:ext cx="3762900" cy="1124107"/>
+          </a:xfrm>
+          <a:prstGeom prst="rect">
+            <a:avLst/>
+          </a:prstGeom>
+        </p:spPr>
+      </p:pic>
+      <p:pic>
+        <p:nvPicPr>
+          <p:cNvPr id="5" name="Grafik 4"/>
+          <p:cNvPicPr>
+            <a:picLocks noChangeAspect="1"/>
+          </p:cNvPicPr>
+          <p:nvPr/>
+        </p:nvPicPr>
+        <p:blipFill>
+          <a:blip r:embed="rId4">
+            <a:extLst>
+              <a:ext uri="{28A0092B-C50C-407E-A947-70E740481C1C}">
+                <a14:useLocalDpi xmlns:a14="http://schemas.microsoft.com/office/drawing/2010/main" val="0"/>
+              </a:ext>
+            </a:extLst>
+          </a:blip>
+          <a:stretch>
+            <a:fillRect/>
+          </a:stretch>
+        </p:blipFill>
+        <p:spPr>
+          <a:xfrm>
+            <a:off x="1043608" y="2683442"/>
             <a:ext cx="3762900" cy="1124107"/>
           </a:xfrm>
           <a:prstGeom prst="rect">
@@ -29585,6 +31148,9 @@
                     <p:cTn id="3" fill="hold">
                       <p:stCondLst>
                         <p:cond delay="indefinite"/>
+                        <p:cond evt="onBegin" delay="0">
+                          <p:tn val="2"/>
+                        </p:cond>
                       </p:stCondLst>
                       <p:childTnLst>
                         <p:par>
@@ -29594,14 +31160,133 @@
                             </p:stCondLst>
                             <p:childTnLst>
                               <p:par>
-                                <p:cTn id="5" presetID="10" presetClass="entr" presetSubtype="0" fill="hold" nodeType="clickEffect">
+                                <p:cTn id="5" presetID="42" presetClass="path" presetSubtype="0" accel="50000" decel="50000" fill="hold" nodeType="withEffect">
+                                  <p:stCondLst>
+                                    <p:cond delay="0"/>
+                                  </p:stCondLst>
+                                  <p:childTnLst>
+                                    <p:animMotion origin="layout" path="M -1.66667E-6 2.22222E-6 L 0.16424 0.025 " pathEditMode="relative" rAng="0" ptsTypes="AA">
+                                      <p:cBhvr>
+                                        <p:cTn id="6" dur="2000" fill="hold"/>
+                                        <p:tgtEl>
+                                          <p:spTgt spid="5"/>
+                                        </p:tgtEl>
+                                        <p:attrNameLst>
+                                          <p:attrName>ppt_x</p:attrName>
+                                          <p:attrName>ppt_y</p:attrName>
+                                        </p:attrNameLst>
+                                      </p:cBhvr>
+                                      <p:rCtr x="8212" y="1250"/>
+                                    </p:animMotion>
+                                  </p:childTnLst>
+                                </p:cTn>
+                              </p:par>
+                            </p:childTnLst>
+                          </p:cTn>
+                        </p:par>
+                        <p:par>
+                          <p:cTn id="7" fill="hold">
+                            <p:stCondLst>
+                              <p:cond delay="2000"/>
+                            </p:stCondLst>
+                            <p:childTnLst>
+                              <p:par>
+                                <p:cTn id="8" presetID="10" presetClass="exit" presetSubtype="0" fill="hold" nodeType="afterEffect">
+                                  <p:stCondLst>
+                                    <p:cond delay="0"/>
+                                  </p:stCondLst>
+                                  <p:childTnLst>
+                                    <p:animEffect transition="out" filter="fade">
+                                      <p:cBhvr>
+                                        <p:cTn id="9" dur="500"/>
+                                        <p:tgtEl>
+                                          <p:spTgt spid="5"/>
+                                        </p:tgtEl>
+                                      </p:cBhvr>
+                                    </p:animEffect>
+                                    <p:set>
+                                      <p:cBhvr>
+                                        <p:cTn id="10" dur="1" fill="hold">
+                                          <p:stCondLst>
+                                            <p:cond delay="499"/>
+                                          </p:stCondLst>
+                                        </p:cTn>
+                                        <p:tgtEl>
+                                          <p:spTgt spid="5"/>
+                                        </p:tgtEl>
+                                        <p:attrNameLst>
+                                          <p:attrName>style.visibility</p:attrName>
+                                        </p:attrNameLst>
+                                      </p:cBhvr>
+                                      <p:to>
+                                        <p:strVal val="hidden"/>
+                                      </p:to>
+                                    </p:set>
+                                  </p:childTnLst>
+                                </p:cTn>
+                              </p:par>
+                              <p:par>
+                                <p:cTn id="11" presetID="10" presetClass="entr" presetSubtype="0" fill="hold" nodeType="withEffect">
                                   <p:stCondLst>
                                     <p:cond delay="0"/>
                                   </p:stCondLst>
                                   <p:childTnLst>
                                     <p:set>
                                       <p:cBhvr>
-                                        <p:cTn id="6" dur="1" fill="hold">
+                                        <p:cTn id="12" dur="1" fill="hold">
+                                          <p:stCondLst>
+                                            <p:cond delay="0"/>
+                                          </p:stCondLst>
+                                        </p:cTn>
+                                        <p:tgtEl>
+                                          <p:spTgt spid="4"/>
+                                        </p:tgtEl>
+                                        <p:attrNameLst>
+                                          <p:attrName>style.visibility</p:attrName>
+                                        </p:attrNameLst>
+                                      </p:cBhvr>
+                                      <p:to>
+                                        <p:strVal val="visible"/>
+                                      </p:to>
+                                    </p:set>
+                                    <p:animEffect transition="in" filter="fade">
+                                      <p:cBhvr>
+                                        <p:cTn id="13" dur="500"/>
+                                        <p:tgtEl>
+                                          <p:spTgt spid="4"/>
+                                        </p:tgtEl>
+                                      </p:cBhvr>
+                                    </p:animEffect>
+                                  </p:childTnLst>
+                                </p:cTn>
+                              </p:par>
+                            </p:childTnLst>
+                          </p:cTn>
+                        </p:par>
+                      </p:childTnLst>
+                    </p:cTn>
+                  </p:par>
+                  <p:par>
+                    <p:cTn id="14" fill="hold">
+                      <p:stCondLst>
+                        <p:cond delay="indefinite"/>
+                      </p:stCondLst>
+                      <p:childTnLst>
+                        <p:par>
+                          <p:cTn id="15" fill="hold">
+                            <p:stCondLst>
+                              <p:cond delay="0"/>
+                            </p:stCondLst>
+                            <p:childTnLst>
+                              <p:par>
+                                <p:cTn id="16" presetID="10" presetClass="entr" presetSubtype="0" fill="hold" nodeType="clickEffect">
+                                  <p:stCondLst>
+                                    <p:cond delay="0"/>
+                                  </p:stCondLst>
+                                  <p:childTnLst>
+                                    <p:set>
+                                      <p:cBhvr>
+                                        <p:cTn id="17" dur="1" fill="hold">
                                           <p:stCondLst>
                                             <p:cond delay="0"/>
                                           </p:stCondLst>
@@ -29623,7 +31308,7 @@
                                     </p:set>
                                     <p:animEffect transition="in" filter="fade">
                                       <p:cBhvr>
-                                        <p:cTn id="7" dur="500"/>
+                                        <p:cTn id="18" dur="500"/>
                                         <p:tgtEl>
                                           <p:spTgt spid="3">
                                             <p:txEl>
@@ -29643,26 +31328,26 @@
                     </p:cTn>
                   </p:par>
                   <p:par>
-                    <p:cTn id="8" fill="hold">
+                    <p:cTn id="19" fill="hold">
                       <p:stCondLst>
                         <p:cond delay="indefinite"/>
                       </p:stCondLst>
                       <p:childTnLst>
                         <p:par>
-                          <p:cTn id="9" fill="hold">
+                          <p:cTn id="20" fill="hold">
                             <p:stCondLst>
                               <p:cond delay="0"/>
                             </p:stCondLst>
                             <p:childTnLst>
                               <p:par>
-                                <p:cTn id="10" presetID="10" presetClass="entr" presetSubtype="0" fill="hold" nodeType="clickEffect">
+                                <p:cTn id="21" presetID="10" presetClass="entr" presetSubtype="0" fill="hold" nodeType="clickEffect">
                                   <p:stCondLst>
                                     <p:cond delay="0"/>
                                   </p:stCondLst>
                                   <p:childTnLst>
                                     <p:set>
                                       <p:cBhvr>
-                                        <p:cTn id="11" dur="1" fill="hold">
+                                        <p:cTn id="22" dur="1" fill="hold">
                                           <p:stCondLst>
                                             <p:cond delay="0"/>
                                           </p:stCondLst>
@@ -29684,7 +31369,7 @@
                                     </p:set>
                                     <p:animEffect transition="in" filter="fade">
                                       <p:cBhvr>
-                                        <p:cTn id="12" dur="500"/>
+                                        <p:cTn id="23" dur="500"/>
                                         <p:tgtEl>
                                           <p:spTgt spid="3">
                                             <p:txEl>
@@ -29698,14 +31383,14 @@
                                 </p:cTn>
                               </p:par>
                               <p:par>
-                                <p:cTn id="13" presetID="10" presetClass="entr" presetSubtype="0" fill="hold" nodeType="withEffect">
+                                <p:cTn id="24" presetID="10" presetClass="entr" presetSubtype="0" fill="hold" nodeType="withEffect">
                                   <p:stCondLst>
                                     <p:cond delay="0"/>
                                   </p:stCondLst>
                                   <p:childTnLst>
                                     <p:set>
                                       <p:cBhvr>
-                                        <p:cTn id="14" dur="1" fill="hold">
+                                        <p:cTn id="25" dur="1" fill="hold">
                                           <p:stCondLst>
                                             <p:cond delay="0"/>
                                           </p:stCondLst>
@@ -29727,7 +31412,7 @@
                                     </p:set>
                                     <p:animEffect transition="in" filter="fade">
                                       <p:cBhvr>
-                                        <p:cTn id="15" dur="500"/>
+                                        <p:cTn id="26" dur="500"/>
                                         <p:tgtEl>
                                           <p:spTgt spid="3">
                                             <p:txEl>
@@ -29747,26 +31432,26 @@
                     </p:cTn>
                   </p:par>
                   <p:par>
-                    <p:cTn id="16" fill="hold">
+                    <p:cTn id="27" fill="hold">
                       <p:stCondLst>
                         <p:cond delay="indefinite"/>
                       </p:stCondLst>
                       <p:childTnLst>
                         <p:par>
-                          <p:cTn id="17" fill="hold">
+                          <p:cTn id="28" fill="hold">
                             <p:stCondLst>
                               <p:cond delay="0"/>
                             </p:stCondLst>
                             <p:childTnLst>
                               <p:par>
-                                <p:cTn id="18" presetID="10" presetClass="entr" presetSubtype="0" fill="hold" nodeType="clickEffect">
+                                <p:cTn id="29" presetID="10" presetClass="entr" presetSubtype="0" fill="hold" nodeType="clickEffect">
                                   <p:stCondLst>
                                     <p:cond delay="0"/>
                                   </p:stCondLst>
                                   <p:childTnLst>
                                     <p:set>
                                       <p:cBhvr>
-                                        <p:cTn id="19" dur="1" fill="hold">
+                                        <p:cTn id="30" dur="1" fill="hold">
                                           <p:stCondLst>
                                             <p:cond delay="0"/>
                                           </p:stCondLst>
@@ -29788,7 +31473,7 @@
                                     </p:set>
                                     <p:animEffect transition="in" filter="fade">
                                       <p:cBhvr>
-                                        <p:cTn id="20" dur="500"/>
+                                        <p:cTn id="31" dur="500"/>
                                         <p:tgtEl>
                                           <p:spTgt spid="3">
                                             <p:txEl>
@@ -29832,7 +31517,7 @@
 </p:sld>
 </file>
 
-<file path=ppt/slides/slide48.xml><?xml version="1.0" encoding="utf-8"?>
+<file path=ppt/slides/slide49.xml><?xml version="1.0" encoding="utf-8"?>
 <p:sld xmlns:a="http://schemas.openxmlformats.org/drawingml/2006/main" xmlns:r="http://schemas.openxmlformats.org/officeDocument/2006/relationships" xmlns:p="http://schemas.openxmlformats.org/presentationml/2006/main">
   <p:cSld>
     <p:spTree>
@@ -30219,7 +31904,318 @@
 </p:sld>
 </file>
 
-<file path=ppt/slides/slide49.xml><?xml version="1.0" encoding="utf-8"?>
+<file path=ppt/slides/slide5.xml><?xml version="1.0" encoding="utf-8"?>
+<p:sld xmlns:a="http://schemas.openxmlformats.org/drawingml/2006/main" xmlns:r="http://schemas.openxmlformats.org/officeDocument/2006/relationships" xmlns:p="http://schemas.openxmlformats.org/presentationml/2006/main">
+  <p:cSld>
+    <p:spTree>
+      <p:nvGrpSpPr>
+        <p:cNvPr id="1" name=""/>
+        <p:cNvGrpSpPr/>
+        <p:nvPr/>
+      </p:nvGrpSpPr>
+      <p:grpSpPr>
+        <a:xfrm>
+          <a:off x="0" y="0"/>
+          <a:ext cx="0" cy="0"/>
+          <a:chOff x="0" y="0"/>
+          <a:chExt cx="0" cy="0"/>
+        </a:xfrm>
+      </p:grpSpPr>
+      <p:sp>
+        <p:nvSpPr>
+          <p:cNvPr id="2" name="Titel 1"/>
+          <p:cNvSpPr>
+            <a:spLocks noGrp="1"/>
+          </p:cNvSpPr>
+          <p:nvPr>
+            <p:ph type="title"/>
+          </p:nvPr>
+        </p:nvSpPr>
+        <p:spPr/>
+        <p:txBody>
+          <a:bodyPr/>
+          <a:lstStyle/>
+          <a:p>
+            <a:r>
+              <a:rPr lang="de-DE" smtClean="0">
+                <a:solidFill>
+                  <a:srgbClr val="831420"/>
+                </a:solidFill>
+              </a:rPr>
+              <a:t>Themen</a:t>
+            </a:r>
+            <a:endParaRPr lang="de-DE" dirty="0">
+              <a:solidFill>
+                <a:srgbClr val="831420"/>
+              </a:solidFill>
+            </a:endParaRPr>
+          </a:p>
+        </p:txBody>
+      </p:sp>
+      <p:sp>
+        <p:nvSpPr>
+          <p:cNvPr id="3" name="Inhaltsplatzhalter 2"/>
+          <p:cNvSpPr>
+            <a:spLocks noGrp="1"/>
+          </p:cNvSpPr>
+          <p:nvPr>
+            <p:ph idx="4294967295"/>
+          </p:nvPr>
+        </p:nvSpPr>
+        <p:spPr>
+          <a:xfrm>
+            <a:off x="179512" y="900000"/>
+            <a:ext cx="8496944" cy="4153744"/>
+          </a:xfrm>
+          <a:prstGeom prst="rect">
+            <a:avLst/>
+          </a:prstGeom>
+        </p:spPr>
+        <p:txBody>
+          <a:bodyPr anchor="ctr"/>
+          <a:lstStyle/>
+          <a:p>
+            <a:pPr marL="0" indent="0">
+              <a:buNone/>
+            </a:pPr>
+            <a:r>
+              <a:rPr lang="de-DE" sz="2000" b="1" smtClean="0"/>
+              <a:t>Was ist ein Programm</a:t>
+            </a:r>
+            <a:r>
+              <a:rPr lang="de-DE" sz="2000" b="1" dirty="0"/>
+              <a:t>?</a:t>
+            </a:r>
+          </a:p>
+          <a:p>
+            <a:pPr marL="0" indent="0">
+              <a:buNone/>
+            </a:pPr>
+            <a:r>
+              <a:rPr lang="de-DE" sz="2000" smtClean="0">
+                <a:solidFill>
+                  <a:schemeClr val="bg1">
+                    <a:lumMod val="75000"/>
+                  </a:schemeClr>
+                </a:solidFill>
+              </a:rPr>
+              <a:t>Syntax und Semantik</a:t>
+            </a:r>
+            <a:endParaRPr lang="de-DE" sz="2000" dirty="0">
+              <a:solidFill>
+                <a:schemeClr val="bg1">
+                  <a:lumMod val="75000"/>
+                </a:schemeClr>
+              </a:solidFill>
+            </a:endParaRPr>
+          </a:p>
+          <a:p>
+            <a:pPr marL="0" indent="0">
+              <a:buNone/>
+            </a:pPr>
+            <a:r>
+              <a:rPr lang="de-DE" sz="2000" smtClean="0">
+                <a:solidFill>
+                  <a:schemeClr val="bg1">
+                    <a:lumMod val="75000"/>
+                  </a:schemeClr>
+                </a:solidFill>
+              </a:rPr>
+              <a:t>Ein erstes Programm</a:t>
+            </a:r>
+            <a:endParaRPr lang="de-DE" sz="2000" dirty="0">
+              <a:solidFill>
+                <a:schemeClr val="bg1">
+                  <a:lumMod val="75000"/>
+                </a:schemeClr>
+              </a:solidFill>
+            </a:endParaRPr>
+          </a:p>
+          <a:p>
+            <a:pPr marL="0" indent="0">
+              <a:buNone/>
+            </a:pPr>
+            <a:r>
+              <a:rPr lang="de-DE" sz="2000" smtClean="0">
+                <a:solidFill>
+                  <a:schemeClr val="bg1">
+                    <a:lumMod val="75000"/>
+                  </a:schemeClr>
+                </a:solidFill>
+              </a:rPr>
+              <a:t>Primitive Datentypen und Variablen</a:t>
+            </a:r>
+            <a:endParaRPr lang="de-DE" sz="2000" dirty="0">
+              <a:solidFill>
+                <a:schemeClr val="bg1">
+                  <a:lumMod val="75000"/>
+                </a:schemeClr>
+              </a:solidFill>
+            </a:endParaRPr>
+          </a:p>
+          <a:p>
+            <a:pPr marL="0" indent="0">
+              <a:buNone/>
+            </a:pPr>
+            <a:r>
+              <a:rPr lang="de-DE" sz="2000" err="1" smtClean="0">
+                <a:solidFill>
+                  <a:schemeClr val="bg1">
+                    <a:lumMod val="75000"/>
+                  </a:schemeClr>
+                </a:solidFill>
+              </a:rPr>
+              <a:t>Abfragen</a:t>
+            </a:r>
+            <a:r>
+              <a:rPr lang="de-DE" sz="2000" smtClean="0">
+                <a:solidFill>
+                  <a:schemeClr val="bg1">
+                    <a:lumMod val="75000"/>
+                  </a:schemeClr>
+                </a:solidFill>
+              </a:rPr>
+              <a:t>, Schleifen</a:t>
+            </a:r>
+            <a:endParaRPr lang="de-DE" sz="2000" dirty="0">
+              <a:solidFill>
+                <a:schemeClr val="bg1">
+                  <a:lumMod val="75000"/>
+                </a:schemeClr>
+              </a:solidFill>
+            </a:endParaRPr>
+          </a:p>
+          <a:p>
+            <a:pPr marL="0" indent="0">
+              <a:buNone/>
+            </a:pPr>
+            <a:r>
+              <a:rPr lang="de-DE" sz="2000" i="1" dirty="0">
+                <a:solidFill>
+                  <a:schemeClr val="bg1">
+                    <a:lumMod val="75000"/>
+                  </a:schemeClr>
+                </a:solidFill>
+              </a:rPr>
+              <a:t>Objektorientierung:</a:t>
+            </a:r>
+          </a:p>
+          <a:p>
+            <a:pPr marL="0" indent="0">
+              <a:buNone/>
+            </a:pPr>
+            <a:r>
+              <a:rPr lang="de-DE" sz="2000" smtClean="0">
+                <a:solidFill>
+                  <a:schemeClr val="bg1">
+                    <a:lumMod val="75000"/>
+                  </a:schemeClr>
+                </a:solidFill>
+              </a:rPr>
+              <a:t>    Klassen und Objekte</a:t>
+            </a:r>
+            <a:endParaRPr lang="de-DE" sz="2000" dirty="0">
+              <a:solidFill>
+                <a:schemeClr val="bg1">
+                  <a:lumMod val="75000"/>
+                </a:schemeClr>
+              </a:solidFill>
+            </a:endParaRPr>
+          </a:p>
+          <a:p>
+            <a:pPr marL="0" indent="0">
+              <a:buNone/>
+            </a:pPr>
+            <a:r>
+              <a:rPr lang="de-DE" sz="2000" smtClean="0">
+                <a:solidFill>
+                  <a:schemeClr val="bg1">
+                    <a:lumMod val="75000"/>
+                  </a:schemeClr>
+                </a:solidFill>
+              </a:rPr>
+              <a:t>    Attribute und Methoden</a:t>
+            </a:r>
+            <a:endParaRPr lang="de-DE" sz="2000" dirty="0">
+              <a:solidFill>
+                <a:schemeClr val="bg1">
+                  <a:lumMod val="75000"/>
+                </a:schemeClr>
+              </a:solidFill>
+            </a:endParaRPr>
+          </a:p>
+          <a:p>
+            <a:pPr marL="0" indent="0">
+              <a:buNone/>
+            </a:pPr>
+            <a:r>
+              <a:rPr lang="de-DE" sz="2000" dirty="0">
+                <a:solidFill>
+                  <a:schemeClr val="bg1">
+                    <a:lumMod val="75000"/>
+                  </a:schemeClr>
+                </a:solidFill>
+              </a:rPr>
+              <a:t>Namenskonvention</a:t>
+            </a:r>
+          </a:p>
+          <a:p>
+            <a:pPr marL="0" indent="0">
+              <a:buNone/>
+            </a:pPr>
+            <a:r>
+              <a:rPr lang="de-DE" sz="2000" smtClean="0">
+                <a:solidFill>
+                  <a:schemeClr val="bg1">
+                    <a:lumMod val="75000"/>
+                  </a:schemeClr>
+                </a:solidFill>
+              </a:rPr>
+              <a:t>Strings und Arrays</a:t>
+            </a:r>
+            <a:endParaRPr lang="de-DE" sz="2000" dirty="0">
+              <a:solidFill>
+                <a:schemeClr val="bg1">
+                  <a:lumMod val="75000"/>
+                </a:schemeClr>
+              </a:solidFill>
+            </a:endParaRPr>
+          </a:p>
+        </p:txBody>
+      </p:sp>
+    </p:spTree>
+    <p:extLst>
+      <p:ext uri="{BB962C8B-B14F-4D97-AF65-F5344CB8AC3E}">
+        <p14:creationId xmlns:p14="http://schemas.microsoft.com/office/powerpoint/2010/main" val="3514032384"/>
+      </p:ext>
+    </p:extLst>
+  </p:cSld>
+  <p:clrMapOvr>
+    <a:masterClrMapping/>
+  </p:clrMapOvr>
+  <mc:AlternateContent xmlns:mc="http://schemas.openxmlformats.org/markup-compatibility/2006" xmlns:p14="http://schemas.microsoft.com/office/powerpoint/2010/main">
+    <mc:Choice Requires="p14">
+      <p:transition spd="med" p14:dur="700">
+        <p:fade/>
+      </p:transition>
+    </mc:Choice>
+    <mc:Fallback xmlns="">
+      <p:transition spd="med">
+        <p:fade/>
+      </p:transition>
+    </mc:Fallback>
+  </mc:AlternateContent>
+  <p:timing>
+    <p:tnLst>
+      <p:par>
+        <p:cTn id="1" dur="indefinite" restart="never" nodeType="tmRoot"/>
+      </p:par>
+    </p:tnLst>
+  </p:timing>
+</p:sld>
+</file>
+
+<file path=ppt/slides/slide50.xml><?xml version="1.0" encoding="utf-8"?>
 <p:sld xmlns:a="http://schemas.openxmlformats.org/drawingml/2006/main" xmlns:r="http://schemas.openxmlformats.org/officeDocument/2006/relationships" xmlns:p="http://schemas.openxmlformats.org/presentationml/2006/main">
   <p:cSld>
     <p:spTree>
@@ -30453,318 +32449,7 @@
 </p:sld>
 </file>
 
-<file path=ppt/slides/slide5.xml><?xml version="1.0" encoding="utf-8"?>
-<p:sld xmlns:a="http://schemas.openxmlformats.org/drawingml/2006/main" xmlns:r="http://schemas.openxmlformats.org/officeDocument/2006/relationships" xmlns:p="http://schemas.openxmlformats.org/presentationml/2006/main">
-  <p:cSld>
-    <p:spTree>
-      <p:nvGrpSpPr>
-        <p:cNvPr id="1" name=""/>
-        <p:cNvGrpSpPr/>
-        <p:nvPr/>
-      </p:nvGrpSpPr>
-      <p:grpSpPr>
-        <a:xfrm>
-          <a:off x="0" y="0"/>
-          <a:ext cx="0" cy="0"/>
-          <a:chOff x="0" y="0"/>
-          <a:chExt cx="0" cy="0"/>
-        </a:xfrm>
-      </p:grpSpPr>
-      <p:sp>
-        <p:nvSpPr>
-          <p:cNvPr id="2" name="Titel 1"/>
-          <p:cNvSpPr>
-            <a:spLocks noGrp="1"/>
-          </p:cNvSpPr>
-          <p:nvPr>
-            <p:ph type="title"/>
-          </p:nvPr>
-        </p:nvSpPr>
-        <p:spPr/>
-        <p:txBody>
-          <a:bodyPr/>
-          <a:lstStyle/>
-          <a:p>
-            <a:r>
-              <a:rPr lang="de-DE" smtClean="0">
-                <a:solidFill>
-                  <a:srgbClr val="831420"/>
-                </a:solidFill>
-              </a:rPr>
-              <a:t>Themen</a:t>
-            </a:r>
-            <a:endParaRPr lang="de-DE" dirty="0">
-              <a:solidFill>
-                <a:srgbClr val="831420"/>
-              </a:solidFill>
-            </a:endParaRPr>
-          </a:p>
-        </p:txBody>
-      </p:sp>
-      <p:sp>
-        <p:nvSpPr>
-          <p:cNvPr id="3" name="Inhaltsplatzhalter 2"/>
-          <p:cNvSpPr>
-            <a:spLocks noGrp="1"/>
-          </p:cNvSpPr>
-          <p:nvPr>
-            <p:ph idx="4294967295"/>
-          </p:nvPr>
-        </p:nvSpPr>
-        <p:spPr>
-          <a:xfrm>
-            <a:off x="179512" y="900000"/>
-            <a:ext cx="8496944" cy="4153744"/>
-          </a:xfrm>
-          <a:prstGeom prst="rect">
-            <a:avLst/>
-          </a:prstGeom>
-        </p:spPr>
-        <p:txBody>
-          <a:bodyPr anchor="ctr"/>
-          <a:lstStyle/>
-          <a:p>
-            <a:pPr marL="0" indent="0">
-              <a:buNone/>
-            </a:pPr>
-            <a:r>
-              <a:rPr lang="de-DE" sz="2000" b="1" smtClean="0"/>
-              <a:t>Was ist ein Programm</a:t>
-            </a:r>
-            <a:r>
-              <a:rPr lang="de-DE" sz="2000" b="1" dirty="0"/>
-              <a:t>?</a:t>
-            </a:r>
-          </a:p>
-          <a:p>
-            <a:pPr marL="0" indent="0">
-              <a:buNone/>
-            </a:pPr>
-            <a:r>
-              <a:rPr lang="de-DE" sz="2000" smtClean="0">
-                <a:solidFill>
-                  <a:schemeClr val="bg1">
-                    <a:lumMod val="75000"/>
-                  </a:schemeClr>
-                </a:solidFill>
-              </a:rPr>
-              <a:t>Syntax und Semantik</a:t>
-            </a:r>
-            <a:endParaRPr lang="de-DE" sz="2000" dirty="0">
-              <a:solidFill>
-                <a:schemeClr val="bg1">
-                  <a:lumMod val="75000"/>
-                </a:schemeClr>
-              </a:solidFill>
-            </a:endParaRPr>
-          </a:p>
-          <a:p>
-            <a:pPr marL="0" indent="0">
-              <a:buNone/>
-            </a:pPr>
-            <a:r>
-              <a:rPr lang="de-DE" sz="2000" smtClean="0">
-                <a:solidFill>
-                  <a:schemeClr val="bg1">
-                    <a:lumMod val="75000"/>
-                  </a:schemeClr>
-                </a:solidFill>
-              </a:rPr>
-              <a:t>Ein erstes Programm</a:t>
-            </a:r>
-            <a:endParaRPr lang="de-DE" sz="2000" dirty="0">
-              <a:solidFill>
-                <a:schemeClr val="bg1">
-                  <a:lumMod val="75000"/>
-                </a:schemeClr>
-              </a:solidFill>
-            </a:endParaRPr>
-          </a:p>
-          <a:p>
-            <a:pPr marL="0" indent="0">
-              <a:buNone/>
-            </a:pPr>
-            <a:r>
-              <a:rPr lang="de-DE" sz="2000" smtClean="0">
-                <a:solidFill>
-                  <a:schemeClr val="bg1">
-                    <a:lumMod val="75000"/>
-                  </a:schemeClr>
-                </a:solidFill>
-              </a:rPr>
-              <a:t>Primitive Datentypen und Variablen</a:t>
-            </a:r>
-            <a:endParaRPr lang="de-DE" sz="2000" dirty="0">
-              <a:solidFill>
-                <a:schemeClr val="bg1">
-                  <a:lumMod val="75000"/>
-                </a:schemeClr>
-              </a:solidFill>
-            </a:endParaRPr>
-          </a:p>
-          <a:p>
-            <a:pPr marL="0" indent="0">
-              <a:buNone/>
-            </a:pPr>
-            <a:r>
-              <a:rPr lang="de-DE" sz="2000" err="1" smtClean="0">
-                <a:solidFill>
-                  <a:schemeClr val="bg1">
-                    <a:lumMod val="75000"/>
-                  </a:schemeClr>
-                </a:solidFill>
-              </a:rPr>
-              <a:t>Abfragen</a:t>
-            </a:r>
-            <a:r>
-              <a:rPr lang="de-DE" sz="2000" smtClean="0">
-                <a:solidFill>
-                  <a:schemeClr val="bg1">
-                    <a:lumMod val="75000"/>
-                  </a:schemeClr>
-                </a:solidFill>
-              </a:rPr>
-              <a:t>, Schleifen</a:t>
-            </a:r>
-            <a:endParaRPr lang="de-DE" sz="2000" dirty="0">
-              <a:solidFill>
-                <a:schemeClr val="bg1">
-                  <a:lumMod val="75000"/>
-                </a:schemeClr>
-              </a:solidFill>
-            </a:endParaRPr>
-          </a:p>
-          <a:p>
-            <a:pPr marL="0" indent="0">
-              <a:buNone/>
-            </a:pPr>
-            <a:r>
-              <a:rPr lang="de-DE" sz="2000" i="1" dirty="0">
-                <a:solidFill>
-                  <a:schemeClr val="bg1">
-                    <a:lumMod val="75000"/>
-                  </a:schemeClr>
-                </a:solidFill>
-              </a:rPr>
-              <a:t>Objektorientierung:</a:t>
-            </a:r>
-          </a:p>
-          <a:p>
-            <a:pPr marL="0" indent="0">
-              <a:buNone/>
-            </a:pPr>
-            <a:r>
-              <a:rPr lang="de-DE" sz="2000" smtClean="0">
-                <a:solidFill>
-                  <a:schemeClr val="bg1">
-                    <a:lumMod val="75000"/>
-                  </a:schemeClr>
-                </a:solidFill>
-              </a:rPr>
-              <a:t>    Klassen und Objekte</a:t>
-            </a:r>
-            <a:endParaRPr lang="de-DE" sz="2000" dirty="0">
-              <a:solidFill>
-                <a:schemeClr val="bg1">
-                  <a:lumMod val="75000"/>
-                </a:schemeClr>
-              </a:solidFill>
-            </a:endParaRPr>
-          </a:p>
-          <a:p>
-            <a:pPr marL="0" indent="0">
-              <a:buNone/>
-            </a:pPr>
-            <a:r>
-              <a:rPr lang="de-DE" sz="2000" smtClean="0">
-                <a:solidFill>
-                  <a:schemeClr val="bg1">
-                    <a:lumMod val="75000"/>
-                  </a:schemeClr>
-                </a:solidFill>
-              </a:rPr>
-              <a:t>    Attribute und Methoden</a:t>
-            </a:r>
-            <a:endParaRPr lang="de-DE" sz="2000" dirty="0">
-              <a:solidFill>
-                <a:schemeClr val="bg1">
-                  <a:lumMod val="75000"/>
-                </a:schemeClr>
-              </a:solidFill>
-            </a:endParaRPr>
-          </a:p>
-          <a:p>
-            <a:pPr marL="0" indent="0">
-              <a:buNone/>
-            </a:pPr>
-            <a:r>
-              <a:rPr lang="de-DE" sz="2000" dirty="0">
-                <a:solidFill>
-                  <a:schemeClr val="bg1">
-                    <a:lumMod val="75000"/>
-                  </a:schemeClr>
-                </a:solidFill>
-              </a:rPr>
-              <a:t>Namenskonvention</a:t>
-            </a:r>
-          </a:p>
-          <a:p>
-            <a:pPr marL="0" indent="0">
-              <a:buNone/>
-            </a:pPr>
-            <a:r>
-              <a:rPr lang="de-DE" sz="2000" smtClean="0">
-                <a:solidFill>
-                  <a:schemeClr val="bg1">
-                    <a:lumMod val="75000"/>
-                  </a:schemeClr>
-                </a:solidFill>
-              </a:rPr>
-              <a:t>Strings und Arrays</a:t>
-            </a:r>
-            <a:endParaRPr lang="de-DE" sz="2000" dirty="0">
-              <a:solidFill>
-                <a:schemeClr val="bg1">
-                  <a:lumMod val="75000"/>
-                </a:schemeClr>
-              </a:solidFill>
-            </a:endParaRPr>
-          </a:p>
-        </p:txBody>
-      </p:sp>
-    </p:spTree>
-    <p:extLst>
-      <p:ext uri="{BB962C8B-B14F-4D97-AF65-F5344CB8AC3E}">
-        <p14:creationId xmlns:p14="http://schemas.microsoft.com/office/powerpoint/2010/main" val="3514032384"/>
-      </p:ext>
-    </p:extLst>
-  </p:cSld>
-  <p:clrMapOvr>
-    <a:masterClrMapping/>
-  </p:clrMapOvr>
-  <mc:AlternateContent xmlns:mc="http://schemas.openxmlformats.org/markup-compatibility/2006" xmlns:p14="http://schemas.microsoft.com/office/powerpoint/2010/main">
-    <mc:Choice Requires="p14">
-      <p:transition spd="med" p14:dur="700">
-        <p:fade/>
-      </p:transition>
-    </mc:Choice>
-    <mc:Fallback xmlns="">
-      <p:transition spd="med">
-        <p:fade/>
-      </p:transition>
-    </mc:Fallback>
-  </mc:AlternateContent>
-  <p:timing>
-    <p:tnLst>
-      <p:par>
-        <p:cTn id="1" dur="indefinite" restart="never" nodeType="tmRoot"/>
-      </p:par>
-    </p:tnLst>
-  </p:timing>
-</p:sld>
-</file>
-
-<file path=ppt/slides/slide50.xml><?xml version="1.0" encoding="utf-8"?>
+<file path=ppt/slides/slide51.xml><?xml version="1.0" encoding="utf-8"?>
 <p:sld xmlns:a="http://schemas.openxmlformats.org/drawingml/2006/main" xmlns:r="http://schemas.openxmlformats.org/officeDocument/2006/relationships" xmlns:p="http://schemas.openxmlformats.org/presentationml/2006/main">
   <p:cSld>
     <p:spTree>
@@ -31091,7 +32776,7 @@
 </p:sld>
 </file>
 
-<file path=ppt/slides/slide51.xml><?xml version="1.0" encoding="utf-8"?>
+<file path=ppt/slides/slide52.xml><?xml version="1.0" encoding="utf-8"?>
 <p:sld xmlns:a="http://schemas.openxmlformats.org/drawingml/2006/main" xmlns:r="http://schemas.openxmlformats.org/officeDocument/2006/relationships" xmlns:p="http://schemas.openxmlformats.org/presentationml/2006/main">
   <p:cSld>
     <p:spTree>
@@ -31514,7 +33199,7 @@
 </p:sld>
 </file>
 
-<file path=ppt/slides/slide52.xml><?xml version="1.0" encoding="utf-8"?>
+<file path=ppt/slides/slide53.xml><?xml version="1.0" encoding="utf-8"?>
 <p:sld xmlns:a="http://schemas.openxmlformats.org/drawingml/2006/main" xmlns:r="http://schemas.openxmlformats.org/officeDocument/2006/relationships" xmlns:p="http://schemas.openxmlformats.org/presentationml/2006/main">
   <p:cSld>
     <p:spTree>
@@ -31654,7 +33339,23 @@
             </a:r>
             <a:r>
               <a:rPr lang="de-DE" sz="1600" dirty="0" smtClean="0"/>
-              <a:t>“		Akzeptiert einen String und gibt ein String-Array zurück, welches 				die einzelnen Worte enthält (Worte werden durch Leerzeichen 				getrennt).</a:t>
+              <a:t>“		Akzeptiert einen String und gibt ein String-Array zurück, welches 				die einzelnen Worte enthält (Worte </a:t>
+            </a:r>
+            <a:r>
+              <a:rPr lang="de-DE" sz="1600" dirty="0" smtClean="0"/>
+              <a:t>in einem String sind </a:t>
+            </a:r>
+            <a:r>
+              <a:rPr lang="de-DE" sz="1600" dirty="0" smtClean="0"/>
+              <a:t>durch </a:t>
+            </a:r>
+            <a:r>
+              <a:rPr lang="de-DE" sz="1600" dirty="0" smtClean="0"/>
+              <a:t>				ein Leerzeichen getrennt</a:t>
+            </a:r>
+            <a:r>
+              <a:rPr lang="de-DE" sz="1600" dirty="0" smtClean="0"/>
+              <a:t>).</a:t>
             </a:r>
           </a:p>
           <a:p>
@@ -31702,7 +33403,7 @@
 </p:sld>
 </file>
 
-<file path=ppt/slides/slide53.xml><?xml version="1.0" encoding="utf-8"?>
+<file path=ppt/slides/slide54.xml><?xml version="1.0" encoding="utf-8"?>
 <p:sld xmlns:a="http://schemas.openxmlformats.org/drawingml/2006/main" xmlns:r="http://schemas.openxmlformats.org/officeDocument/2006/relationships" xmlns:p="http://schemas.openxmlformats.org/presentationml/2006/main">
   <p:cSld>
     <p:spTree>
@@ -31868,7 +33569,7 @@
 </p:sld>
 </file>
 
-<file path=ppt/slides/slide54.xml><?xml version="1.0" encoding="utf-8"?>
+<file path=ppt/slides/slide55.xml><?xml version="1.0" encoding="utf-8"?>
 <p:sld xmlns:a="http://schemas.openxmlformats.org/drawingml/2006/main" xmlns:r="http://schemas.openxmlformats.org/officeDocument/2006/relationships" xmlns:p="http://schemas.openxmlformats.org/presentationml/2006/main">
   <p:cSld>
     <p:spTree>
@@ -32156,10 +33857,9 @@
           </a:p>
           <a:p>
             <a:r>
-              <a:rPr lang="de-DE" sz="2000" smtClean="0"/>
+              <a:rPr lang="de-DE" sz="2000" dirty="0" smtClean="0"/>
               <a:t>Computer sind dumm und faul</a:t>
             </a:r>
-            <a:endParaRPr lang="de-DE" sz="2000" dirty="0" smtClean="0"/>
           </a:p>
           <a:p>
             <a:pPr lvl="1">
@@ -32167,10 +33867,9 @@
               <a:buChar char="•"/>
             </a:pPr>
             <a:r>
-              <a:rPr lang="de-DE" sz="1600" smtClean="0"/>
+              <a:rPr lang="de-DE" sz="1600" dirty="0" smtClean="0"/>
               <a:t>sie können nichts von allein</a:t>
             </a:r>
-            <a:endParaRPr lang="de-DE" sz="1600" dirty="0" smtClean="0"/>
           </a:p>
           <a:p>
             <a:pPr lvl="1">
@@ -32178,17 +33877,24 @@
               <a:buChar char="•"/>
             </a:pPr>
             <a:r>
-              <a:rPr lang="de-DE" sz="1600" smtClean="0"/>
-              <a:t>und machen nur was man ihnen sagt</a:t>
+              <a:rPr lang="de-DE" sz="1600" dirty="0" smtClean="0"/>
+              <a:t>sondern machen nur </a:t>
+            </a:r>
+            <a:r>
+              <a:rPr lang="de-DE" sz="1600" i="1" dirty="0" smtClean="0"/>
+              <a:t>exakt</a:t>
+            </a:r>
+            <a:r>
+              <a:rPr lang="de-DE" sz="1600" dirty="0" smtClean="0"/>
+              <a:t> was man ihnen sagt</a:t>
             </a:r>
             <a:endParaRPr lang="de-DE" sz="1600" dirty="0" smtClean="0"/>
           </a:p>
           <a:p>
             <a:r>
-              <a:rPr lang="de-DE" sz="2000" smtClean="0"/>
+              <a:rPr lang="de-DE" sz="2000" dirty="0" smtClean="0"/>
               <a:t>Ein Computerprogramm ist</a:t>
             </a:r>
-            <a:endParaRPr lang="de-DE" sz="2000" dirty="0" smtClean="0"/>
           </a:p>
           <a:p>
             <a:pPr lvl="1">
@@ -32196,7 +33902,7 @@
               <a:buChar char="•"/>
             </a:pPr>
             <a:r>
-              <a:rPr lang="de-DE" sz="1600" smtClean="0"/>
+              <a:rPr lang="de-DE" sz="1600" dirty="0" smtClean="0"/>
               <a:t>eine Abfolge von Befehlen</a:t>
             </a:r>
             <a:endParaRPr lang="de-DE" sz="1600" dirty="0"/>
@@ -32207,7 +33913,7 @@
               <a:buChar char="•"/>
             </a:pPr>
             <a:r>
-              <a:rPr lang="de-DE" sz="1600" smtClean="0"/>
+              <a:rPr lang="de-DE" sz="1600" dirty="0" smtClean="0"/>
               <a:t>für den Computer verständlich</a:t>
             </a:r>
             <a:endParaRPr lang="de-DE" sz="1600" dirty="0"/>
@@ -33031,11 +34737,11 @@
             </a:pPr>
             <a:r>
               <a:rPr lang="de-DE" sz="1600" dirty="0"/>
-              <a:t>Beispiele: Geschweifte Klammern, Semikolon nach jedem </a:t>
+              <a:t>Beispiele: </a:t>
             </a:r>
             <a:r>
               <a:rPr lang="de-DE" sz="1600" dirty="0" smtClean="0"/>
-              <a:t>Befehl</a:t>
+              <a:t>Semikolon nach jedem Befehl, Geschweifte Klammern</a:t>
             </a:r>
             <a:endParaRPr lang="de-DE" sz="1600" dirty="0"/>
           </a:p>

--- a/Präsentationen/Anfänger - Java mit NAO.pptx
+++ b/Präsentationen/Anfänger - Java mit NAO.pptx
@@ -262,7 +262,7 @@
           <a:p>
             <a:fld id="{CC55654B-D41D-4425-B58F-55C2DEAC0691}" type="datetimeFigureOut">
               <a:rPr lang="de-DE" smtClean="0"/>
-              <a:t>23.06.2017</a:t>
+              <a:t>25.01.2018</a:t>
             </a:fld>
             <a:endParaRPr lang="de-DE"/>
           </a:p>
@@ -4264,9 +4264,6 @@
               </a:rPr>
               <a:t>-Statement abbricht, und wie man Methoden mit Parametern korrekt aufruft.</a:t>
             </a:r>
-            <a:endParaRPr lang="de-DE" i="0" u="none" baseline="0" dirty="0" smtClean="0">
-              <a:sym typeface="Wingdings" panose="05000000000000000000" pitchFamily="2" charset="2"/>
-            </a:endParaRPr>
           </a:p>
         </p:txBody>
       </p:sp>
@@ -6607,7 +6604,7 @@
           <a:p>
             <a:fld id="{82DEAF87-53B6-4B16-83D2-2F0231427512}" type="datetimeFigureOut">
               <a:rPr lang="de-DE" smtClean="0"/>
-              <a:t>23.06.2017</a:t>
+              <a:t>25.01.2018</a:t>
             </a:fld>
             <a:endParaRPr lang="de-DE"/>
           </a:p>
@@ -6824,7 +6821,7 @@
           <a:p>
             <a:fld id="{82DEAF87-53B6-4B16-83D2-2F0231427512}" type="datetimeFigureOut">
               <a:rPr lang="de-DE" smtClean="0"/>
-              <a:t>23.06.2017</a:t>
+              <a:t>25.01.2018</a:t>
             </a:fld>
             <a:endParaRPr lang="de-DE"/>
           </a:p>
@@ -7034,7 +7031,7 @@
           <a:p>
             <a:fld id="{82DEAF87-53B6-4B16-83D2-2F0231427512}" type="datetimeFigureOut">
               <a:rPr lang="de-DE" smtClean="0"/>
-              <a:t>23.06.2017</a:t>
+              <a:t>25.01.2018</a:t>
             </a:fld>
             <a:endParaRPr lang="de-DE"/>
           </a:p>
@@ -7310,7 +7307,7 @@
           <a:p>
             <a:fld id="{82DEAF87-53B6-4B16-83D2-2F0231427512}" type="datetimeFigureOut">
               <a:rPr lang="de-DE" smtClean="0"/>
-              <a:t>23.06.2017</a:t>
+              <a:t>25.01.2018</a:t>
             </a:fld>
             <a:endParaRPr lang="de-DE"/>
           </a:p>
@@ -7593,7 +7590,7 @@
           <a:p>
             <a:fld id="{82DEAF87-53B6-4B16-83D2-2F0231427512}" type="datetimeFigureOut">
               <a:rPr lang="de-DE" smtClean="0"/>
-              <a:t>23.06.2017</a:t>
+              <a:t>25.01.2018</a:t>
             </a:fld>
             <a:endParaRPr lang="de-DE"/>
           </a:p>
@@ -7919,7 +7916,7 @@
           <a:p>
             <a:fld id="{82DEAF87-53B6-4B16-83D2-2F0231427512}" type="datetimeFigureOut">
               <a:rPr lang="de-DE" smtClean="0"/>
-              <a:t>23.06.2017</a:t>
+              <a:t>25.01.2018</a:t>
             </a:fld>
             <a:endParaRPr lang="de-DE"/>
           </a:p>
@@ -8385,7 +8382,7 @@
           <a:p>
             <a:fld id="{82DEAF87-53B6-4B16-83D2-2F0231427512}" type="datetimeFigureOut">
               <a:rPr lang="de-DE" smtClean="0"/>
-              <a:t>23.06.2017</a:t>
+              <a:t>25.01.2018</a:t>
             </a:fld>
             <a:endParaRPr lang="de-DE"/>
           </a:p>
@@ -8535,7 +8532,7 @@
           <a:p>
             <a:fld id="{82DEAF87-53B6-4B16-83D2-2F0231427512}" type="datetimeFigureOut">
               <a:rPr lang="de-DE" smtClean="0"/>
-              <a:t>23.06.2017</a:t>
+              <a:t>25.01.2018</a:t>
             </a:fld>
             <a:endParaRPr lang="de-DE"/>
           </a:p>
@@ -8654,7 +8651,7 @@
           <a:p>
             <a:fld id="{82DEAF87-53B6-4B16-83D2-2F0231427512}" type="datetimeFigureOut">
               <a:rPr lang="de-DE" smtClean="0"/>
-              <a:t>23.06.2017</a:t>
+              <a:t>25.01.2018</a:t>
             </a:fld>
             <a:endParaRPr lang="de-DE"/>
           </a:p>
@@ -8964,7 +8961,7 @@
           <a:p>
             <a:fld id="{82DEAF87-53B6-4B16-83D2-2F0231427512}" type="datetimeFigureOut">
               <a:rPr lang="de-DE" smtClean="0"/>
-              <a:t>23.06.2017</a:t>
+              <a:t>25.01.2018</a:t>
             </a:fld>
             <a:endParaRPr lang="de-DE"/>
           </a:p>
@@ -9250,7 +9247,7 @@
           <a:p>
             <a:fld id="{82DEAF87-53B6-4B16-83D2-2F0231427512}" type="datetimeFigureOut">
               <a:rPr lang="de-DE" smtClean="0"/>
-              <a:t>23.06.2017</a:t>
+              <a:t>25.01.2018</a:t>
             </a:fld>
             <a:endParaRPr lang="de-DE"/>
           </a:p>
@@ -17248,11 +17245,7 @@
           <a:p>
             <a:r>
               <a:rPr lang="de-DE" sz="2000" dirty="0" smtClean="0"/>
-              <a:t>Die </a:t>
-            </a:r>
-            <a:r>
-              <a:rPr lang="de-DE" sz="2000" dirty="0" smtClean="0"/>
-              <a:t>Initialisierung wird ein einziges Mal ausgeführt</a:t>
+              <a:t>Die Initialisierung wird ein einziges Mal ausgeführt</a:t>
             </a:r>
             <a:br>
               <a:rPr lang="de-DE" sz="2000" dirty="0" smtClean="0"/>
@@ -23796,22 +23789,14 @@
           <a:p>
             <a:r>
               <a:rPr lang="de-DE" sz="2000" dirty="0" smtClean="0"/>
-              <a:t>Vergleich </a:t>
-            </a:r>
-            <a:r>
-              <a:rPr lang="de-DE" sz="2000" dirty="0" smtClean="0"/>
-              <a:t>von Deklarationen und Initialisierungen:</a:t>
+              <a:t>Vergleich von Deklarationen und Initialisierungen:</a:t>
             </a:r>
             <a:br>
               <a:rPr lang="de-DE" sz="2000" dirty="0" smtClean="0"/>
             </a:br>
             <a:r>
               <a:rPr lang="de-DE" sz="2000" dirty="0" smtClean="0"/>
-              <a:t>	Variablen VS </a:t>
-            </a:r>
-            <a:r>
-              <a:rPr lang="de-DE" sz="2000" dirty="0" smtClean="0"/>
-              <a:t>Objekte</a:t>
+              <a:t>	Variablen VS Objekte</a:t>
             </a:r>
           </a:p>
           <a:p>
@@ -24310,11 +24295,7 @@
             </a:br>
             <a:r>
               <a:rPr lang="de-DE" sz="2000" dirty="0" smtClean="0"/>
-              <a:t> (Stücke Code die man gezielt ausführen kann</a:t>
-            </a:r>
-            <a:r>
-              <a:rPr lang="de-DE" sz="2000" dirty="0" smtClean="0"/>
-              <a:t>)</a:t>
+              <a:t> (Stücke Code die man gezielt ausführen kann)</a:t>
             </a:r>
             <a:r>
               <a:rPr lang="de-DE" sz="2000" u="sng" dirty="0"/>
@@ -24327,7 +24308,6 @@
               <a:rPr lang="de-DE" sz="2000" dirty="0" smtClean="0"/>
               <a:t> (Auch der Konstruktor ist eine Methode)</a:t>
             </a:r>
-            <a:endParaRPr lang="de-DE" sz="2000" dirty="0" smtClean="0"/>
           </a:p>
         </p:txBody>
       </p:sp>
@@ -26157,15 +26137,7 @@
                   <a:srgbClr val="831420"/>
                 </a:solidFill>
               </a:rPr>
-              <a:t>OO: Attribute und </a:t>
-            </a:r>
-            <a:r>
-              <a:rPr lang="de-DE" dirty="0" smtClean="0">
-                <a:solidFill>
-                  <a:srgbClr val="831420"/>
-                </a:solidFill>
-              </a:rPr>
-              <a:t>Methoden: Beispiele</a:t>
+              <a:t>OO: Attribute und Methoden: Beispiele</a:t>
             </a:r>
             <a:endParaRPr lang="de-DE" dirty="0">
               <a:solidFill>
@@ -26978,11 +26950,6 @@
               </a:rPr>
               <a:t>Methoden: Beispiele</a:t>
             </a:r>
-            <a:endParaRPr lang="de-DE" dirty="0">
-              <a:solidFill>
-                <a:srgbClr val="831420"/>
-              </a:solidFill>
-            </a:endParaRPr>
           </a:p>
         </p:txBody>
       </p:sp>
@@ -27013,7 +26980,6 @@
               <a:rPr lang="de-DE" sz="2000" dirty="0" smtClean="0"/>
               <a:t>Was berechnen diese Methoden?</a:t>
             </a:r>
-            <a:endParaRPr lang="de-DE" sz="2000" dirty="0" smtClean="0"/>
           </a:p>
           <a:p>
             <a:endParaRPr lang="de-DE" sz="2000" dirty="0" smtClean="0"/>
@@ -30314,11 +30280,7 @@
             </a:r>
             <a:r>
               <a:rPr lang="de-DE" sz="2000" dirty="0" smtClean="0"/>
-              <a:t> </a:t>
-            </a:r>
-            <a:r>
-              <a:rPr lang="de-DE" sz="2000" dirty="0" smtClean="0"/>
-              <a:t>ist hier ein Array vom Datentyp </a:t>
+              <a:t> ist hier ein Array vom Datentyp </a:t>
             </a:r>
             <a:r>
               <a:rPr lang="de-DE" sz="2000" dirty="0" err="1" smtClean="0">
@@ -31040,17 +31002,8 @@
           <a:p>
             <a:r>
               <a:rPr lang="de-DE" sz="2000" dirty="0" smtClean="0"/>
-              <a:t>In beiden Fällen ist die </a:t>
-            </a:r>
-            <a:r>
-              <a:rPr lang="de-DE" sz="2000" dirty="0" smtClean="0"/>
-              <a:t>Größe des Arrays </a:t>
-            </a:r>
-            <a:r>
-              <a:rPr lang="de-DE" sz="2000" dirty="0" smtClean="0"/>
-              <a:t>von Anfang an fest vorgegeben</a:t>
-            </a:r>
-            <a:endParaRPr lang="de-DE" sz="2000" dirty="0" smtClean="0"/>
+              <a:t>In beiden Fällen ist die Größe des Arrays von Anfang an fest vorgegeben</a:t>
+            </a:r>
           </a:p>
         </p:txBody>
       </p:sp>
@@ -33339,23 +33292,7 @@
             </a:r>
             <a:r>
               <a:rPr lang="de-DE" sz="1600" dirty="0" smtClean="0"/>
-              <a:t>“		Akzeptiert einen String und gibt ein String-Array zurück, welches 				die einzelnen Worte enthält (Worte </a:t>
-            </a:r>
-            <a:r>
-              <a:rPr lang="de-DE" sz="1600" dirty="0" smtClean="0"/>
-              <a:t>in einem String sind </a:t>
-            </a:r>
-            <a:r>
-              <a:rPr lang="de-DE" sz="1600" dirty="0" smtClean="0"/>
-              <a:t>durch </a:t>
-            </a:r>
-            <a:r>
-              <a:rPr lang="de-DE" sz="1600" dirty="0" smtClean="0"/>
-              <a:t>				ein Leerzeichen getrennt</a:t>
-            </a:r>
-            <a:r>
-              <a:rPr lang="de-DE" sz="1600" dirty="0" smtClean="0"/>
-              <a:t>).</a:t>
+              <a:t>“		Akzeptiert einen String und gibt ein String-Array zurück, welches 				die einzelnen Worte enthält (Worte in einem String sind durch 				ein Leerzeichen getrennt).</a:t>
             </a:r>
           </a:p>
           <a:p>
@@ -33607,15 +33544,7 @@
                   <a:srgbClr val="831420"/>
                 </a:solidFill>
               </a:rPr>
-              <a:t>Projekt: such </a:t>
-            </a:r>
-            <a:r>
-              <a:rPr lang="de-DE" dirty="0" err="1" smtClean="0">
-                <a:solidFill>
-                  <a:srgbClr val="831420"/>
-                </a:solidFill>
-              </a:rPr>
-              <a:t>name</a:t>
+              <a:t>Projekt: </a:t>
             </a:r>
             <a:r>
               <a:rPr lang="de-DE" dirty="0" smtClean="0">
@@ -33623,15 +33552,7 @@
                   <a:srgbClr val="831420"/>
                 </a:solidFill>
               </a:rPr>
-              <a:t>, </a:t>
-            </a:r>
-            <a:r>
-              <a:rPr lang="de-DE" dirty="0" err="1" smtClean="0">
-                <a:solidFill>
-                  <a:srgbClr val="831420"/>
-                </a:solidFill>
-              </a:rPr>
-              <a:t>many</a:t>
+              <a:t>Findet aus dem</a:t>
             </a:r>
             <a:r>
               <a:rPr lang="de-DE" dirty="0" smtClean="0">
@@ -33639,15 +33560,7 @@
                   <a:srgbClr val="831420"/>
                 </a:solidFill>
               </a:rPr>
-              <a:t> </a:t>
-            </a:r>
-            <a:r>
-              <a:rPr lang="de-DE" dirty="0" err="1" smtClean="0">
-                <a:solidFill>
-                  <a:srgbClr val="831420"/>
-                </a:solidFill>
-              </a:rPr>
-              <a:t>fancy</a:t>
+              <a:t> Labyrinth</a:t>
             </a:r>
             <a:endParaRPr lang="de-DE" dirty="0">
               <a:solidFill>
@@ -33677,32 +33590,65 @@
           </a:prstGeom>
         </p:spPr>
         <p:txBody>
-          <a:bodyPr anchor="t"/>
+          <a:bodyPr anchor="ctr"/>
           <a:lstStyle/>
           <a:p>
             <a:r>
               <a:rPr lang="de-DE" sz="2000" dirty="0" smtClean="0"/>
-              <a:t>so </a:t>
-            </a:r>
-            <a:r>
-              <a:rPr lang="de-DE" sz="2000" dirty="0" err="1" smtClean="0"/>
-              <a:t>description</a:t>
+              <a:t>Eure Aufgabe ist es den NAO durch ein aufgebautes Labyrinth</a:t>
+            </a:r>
+            <a:br>
+              <a:rPr lang="de-DE" sz="2000" dirty="0" smtClean="0"/>
+            </a:br>
+            <a:r>
+              <a:rPr lang="de-DE" sz="2000" dirty="0" smtClean="0"/>
+              <a:t>zu manövrieren</a:t>
             </a:r>
             <a:endParaRPr lang="de-DE" sz="2000" dirty="0" smtClean="0"/>
           </a:p>
           <a:p>
+            <a:endParaRPr lang="de-DE" sz="2000" dirty="0" smtClean="0"/>
+          </a:p>
+          <a:p>
+            <a:endParaRPr lang="de-DE" sz="2000" dirty="0" smtClean="0"/>
+          </a:p>
+          <a:p>
             <a:r>
               <a:rPr lang="de-DE" sz="2000" dirty="0" smtClean="0"/>
-              <a:t>wow</a:t>
-            </a:r>
+              <a:t>Welche Sensoren eignen sich</a:t>
+            </a:r>
+            <a:br>
+              <a:rPr lang="de-DE" sz="2000" dirty="0" smtClean="0"/>
+            </a:br>
+            <a:r>
+              <a:rPr lang="de-DE" sz="2000" dirty="0" smtClean="0"/>
+              <a:t>um Mauern zu erkennen?</a:t>
+            </a:r>
+          </a:p>
+          <a:p>
+            <a:endParaRPr lang="de-DE" sz="2000" dirty="0"/>
+          </a:p>
+          <a:p>
+            <a:r>
+              <a:rPr lang="de-DE" sz="2000" dirty="0" smtClean="0"/>
+              <a:t>Wie findet man überhaupt</a:t>
+            </a:r>
+            <a:br>
+              <a:rPr lang="de-DE" sz="2000" dirty="0" smtClean="0"/>
+            </a:br>
+            <a:r>
+              <a:rPr lang="de-DE" sz="2000" dirty="0" smtClean="0"/>
+              <a:t>den Ausgang?</a:t>
+            </a:r>
+            <a:endParaRPr lang="de-DE" sz="2000" dirty="0" smtClean="0"/>
           </a:p>
         </p:txBody>
       </p:sp>
       <p:pic>
         <p:nvPicPr>
-          <p:cNvPr id="1028" name="Picture 4" descr="Image result for doge"/>
+          <p:cNvPr id="4" name="Grafik 3"/>
           <p:cNvPicPr>
-            <a:picLocks noChangeAspect="1" noChangeArrowheads="1"/>
+            <a:picLocks noChangeAspect="1"/>
           </p:cNvPicPr>
           <p:nvPr/>
         </p:nvPicPr>
@@ -33714,29 +33660,18 @@
               </a:ext>
             </a:extLst>
           </a:blip>
-          <a:srcRect/>
           <a:stretch>
             <a:fillRect/>
           </a:stretch>
         </p:blipFill>
-        <p:spPr bwMode="auto">
+        <p:spPr>
           <a:xfrm>
-            <a:off x="4031940" y="1453344"/>
-            <a:ext cx="3335286" cy="3285599"/>
+            <a:off x="4115544" y="2506163"/>
+            <a:ext cx="4463988" cy="2259549"/>
           </a:xfrm>
           <a:prstGeom prst="rect">
             <a:avLst/>
           </a:prstGeom>
-          <a:noFill/>
-          <a:extLst>
-            <a:ext uri="{909E8E84-426E-40DD-AFC4-6F175D3DCCD1}">
-              <a14:hiddenFill xmlns:a14="http://schemas.microsoft.com/office/drawing/2010/main">
-                <a:solidFill>
-                  <a:srgbClr val="FFFFFF"/>
-                </a:solidFill>
-              </a14:hiddenFill>
-            </a:ext>
-          </a:extLst>
         </p:spPr>
       </p:pic>
     </p:spTree>
@@ -33888,7 +33823,6 @@
               <a:rPr lang="de-DE" sz="1600" dirty="0" smtClean="0"/>
               <a:t> was man ihnen sagt</a:t>
             </a:r>
-            <a:endParaRPr lang="de-DE" sz="1600" dirty="0" smtClean="0"/>
           </a:p>
           <a:p>
             <a:r>

--- a/Präsentationen/Anfänger - Java mit NAO.pptx
+++ b/Präsentationen/Anfänger - Java mit NAO.pptx
@@ -262,7 +262,7 @@
           <a:p>
             <a:fld id="{CC55654B-D41D-4425-B58F-55C2DEAC0691}" type="datetimeFigureOut">
               <a:rPr lang="de-DE" smtClean="0"/>
-              <a:t>25.01.2018</a:t>
+              <a:t>27.02.2018</a:t>
             </a:fld>
             <a:endParaRPr lang="de-DE"/>
           </a:p>
@@ -6604,7 +6604,7 @@
           <a:p>
             <a:fld id="{82DEAF87-53B6-4B16-83D2-2F0231427512}" type="datetimeFigureOut">
               <a:rPr lang="de-DE" smtClean="0"/>
-              <a:t>25.01.2018</a:t>
+              <a:t>27.02.2018</a:t>
             </a:fld>
             <a:endParaRPr lang="de-DE"/>
           </a:p>
@@ -6821,7 +6821,7 @@
           <a:p>
             <a:fld id="{82DEAF87-53B6-4B16-83D2-2F0231427512}" type="datetimeFigureOut">
               <a:rPr lang="de-DE" smtClean="0"/>
-              <a:t>25.01.2018</a:t>
+              <a:t>27.02.2018</a:t>
             </a:fld>
             <a:endParaRPr lang="de-DE"/>
           </a:p>
@@ -7031,7 +7031,7 @@
           <a:p>
             <a:fld id="{82DEAF87-53B6-4B16-83D2-2F0231427512}" type="datetimeFigureOut">
               <a:rPr lang="de-DE" smtClean="0"/>
-              <a:t>25.01.2018</a:t>
+              <a:t>27.02.2018</a:t>
             </a:fld>
             <a:endParaRPr lang="de-DE"/>
           </a:p>
@@ -7307,7 +7307,7 @@
           <a:p>
             <a:fld id="{82DEAF87-53B6-4B16-83D2-2F0231427512}" type="datetimeFigureOut">
               <a:rPr lang="de-DE" smtClean="0"/>
-              <a:t>25.01.2018</a:t>
+              <a:t>27.02.2018</a:t>
             </a:fld>
             <a:endParaRPr lang="de-DE"/>
           </a:p>
@@ -7590,7 +7590,7 @@
           <a:p>
             <a:fld id="{82DEAF87-53B6-4B16-83D2-2F0231427512}" type="datetimeFigureOut">
               <a:rPr lang="de-DE" smtClean="0"/>
-              <a:t>25.01.2018</a:t>
+              <a:t>27.02.2018</a:t>
             </a:fld>
             <a:endParaRPr lang="de-DE"/>
           </a:p>
@@ -7916,7 +7916,7 @@
           <a:p>
             <a:fld id="{82DEAF87-53B6-4B16-83D2-2F0231427512}" type="datetimeFigureOut">
               <a:rPr lang="de-DE" smtClean="0"/>
-              <a:t>25.01.2018</a:t>
+              <a:t>27.02.2018</a:t>
             </a:fld>
             <a:endParaRPr lang="de-DE"/>
           </a:p>
@@ -8382,7 +8382,7 @@
           <a:p>
             <a:fld id="{82DEAF87-53B6-4B16-83D2-2F0231427512}" type="datetimeFigureOut">
               <a:rPr lang="de-DE" smtClean="0"/>
-              <a:t>25.01.2018</a:t>
+              <a:t>27.02.2018</a:t>
             </a:fld>
             <a:endParaRPr lang="de-DE"/>
           </a:p>
@@ -8532,7 +8532,7 @@
           <a:p>
             <a:fld id="{82DEAF87-53B6-4B16-83D2-2F0231427512}" type="datetimeFigureOut">
               <a:rPr lang="de-DE" smtClean="0"/>
-              <a:t>25.01.2018</a:t>
+              <a:t>27.02.2018</a:t>
             </a:fld>
             <a:endParaRPr lang="de-DE"/>
           </a:p>
@@ -8651,7 +8651,7 @@
           <a:p>
             <a:fld id="{82DEAF87-53B6-4B16-83D2-2F0231427512}" type="datetimeFigureOut">
               <a:rPr lang="de-DE" smtClean="0"/>
-              <a:t>25.01.2018</a:t>
+              <a:t>27.02.2018</a:t>
             </a:fld>
             <a:endParaRPr lang="de-DE"/>
           </a:p>
@@ -8961,7 +8961,7 @@
           <a:p>
             <a:fld id="{82DEAF87-53B6-4B16-83D2-2F0231427512}" type="datetimeFigureOut">
               <a:rPr lang="de-DE" smtClean="0"/>
-              <a:t>25.01.2018</a:t>
+              <a:t>27.02.2018</a:t>
             </a:fld>
             <a:endParaRPr lang="de-DE"/>
           </a:p>
@@ -9247,7 +9247,7 @@
           <a:p>
             <a:fld id="{82DEAF87-53B6-4B16-83D2-2F0231427512}" type="datetimeFigureOut">
               <a:rPr lang="de-DE" smtClean="0"/>
-              <a:t>25.01.2018</a:t>
+              <a:t>27.02.2018</a:t>
             </a:fld>
             <a:endParaRPr lang="de-DE"/>
           </a:p>
@@ -10544,7 +10544,15 @@
           <a:p>
             <a:r>
               <a:rPr lang="de-DE" sz="2000" dirty="0" smtClean="0"/>
-              <a:t>Jedes Java-Programm</a:t>
+              <a:t>Jedes </a:t>
+            </a:r>
+            <a:r>
+              <a:rPr lang="de-DE" sz="2000" dirty="0" smtClean="0"/>
+              <a:t>Java-Programm</a:t>
+            </a:r>
+            <a:r>
+              <a:rPr lang="de-DE" sz="2000" dirty="0" smtClean="0"/>
+              <a:t/>
             </a:r>
             <a:br>
               <a:rPr lang="de-DE" sz="2000" dirty="0" smtClean="0"/>
@@ -10624,66 +10632,220 @@
           </a:p>
         </p:txBody>
       </p:sp>
-      <p:pic>
-        <p:nvPicPr>
-          <p:cNvPr id="4" name="Grafik 3"/>
-          <p:cNvPicPr>
-            <a:picLocks noChangeAspect="1"/>
-          </p:cNvPicPr>
+      <p:sp>
+        <p:nvSpPr>
+          <p:cNvPr id="6" name="Textfeld 5"/>
+          <p:cNvSpPr txBox="1"/>
           <p:nvPr/>
-        </p:nvPicPr>
-        <p:blipFill>
-          <a:blip r:embed="rId3">
-            <a:extLst>
-              <a:ext uri="{28A0092B-C50C-407E-A947-70E740481C1C}">
-                <a14:useLocalDpi xmlns:a14="http://schemas.microsoft.com/office/drawing/2010/main" val="0"/>
-              </a:ext>
-            </a:extLst>
-          </a:blip>
-          <a:stretch>
-            <a:fillRect/>
-          </a:stretch>
-        </p:blipFill>
+        </p:nvSpPr>
         <p:spPr>
           <a:xfrm>
-            <a:off x="4680012" y="1669368"/>
-            <a:ext cx="3077004" cy="647790"/>
+            <a:off x="4480358" y="1705372"/>
+            <a:ext cx="4284477" cy="707886"/>
           </a:xfrm>
           <a:prstGeom prst="rect">
             <a:avLst/>
           </a:prstGeom>
+          <a:noFill/>
         </p:spPr>
-      </p:pic>
-      <p:pic>
-        <p:nvPicPr>
-          <p:cNvPr id="5" name="Grafik 4"/>
-          <p:cNvPicPr>
-            <a:picLocks noChangeAspect="1"/>
-          </p:cNvPicPr>
-          <p:nvPr/>
-        </p:nvPicPr>
-        <p:blipFill>
-          <a:blip r:embed="rId4">
-            <a:extLst>
-              <a:ext uri="{28A0092B-C50C-407E-A947-70E740481C1C}">
-                <a14:useLocalDpi xmlns:a14="http://schemas.microsoft.com/office/drawing/2010/main" val="0"/>
-              </a:ext>
-            </a:extLst>
-          </a:blip>
-          <a:stretch>
-            <a:fillRect/>
-          </a:stretch>
-        </p:blipFill>
-        <p:spPr>
-          <a:xfrm>
-            <a:off x="4680012" y="1669368"/>
-            <a:ext cx="3077004" cy="647790"/>
-          </a:xfrm>
-          <a:prstGeom prst="rect">
-            <a:avLst/>
-          </a:prstGeom>
-        </p:spPr>
-      </p:pic>
+        <p:txBody>
+          <a:bodyPr wrap="square" rtlCol="0">
+            <a:spAutoFit/>
+          </a:bodyPr>
+          <a:lstStyle/>
+          <a:p>
+            <a:r>
+              <a:rPr lang="de-DE" sz="1000" b="1" kern="1000" dirty="0" err="1" smtClean="0">
+                <a:solidFill>
+                  <a:schemeClr val="tx2"/>
+                </a:solidFill>
+                <a:latin typeface="Miriam Fixed" panose="020B0509050101010101" pitchFamily="49" charset="-79"/>
+                <a:cs typeface="Miriam Fixed" panose="020B0509050101010101" pitchFamily="49" charset="-79"/>
+              </a:rPr>
+              <a:t>public</a:t>
+            </a:r>
+            <a:r>
+              <a:rPr lang="de-DE" sz="1000" kern="1000" dirty="0" smtClean="0">
+                <a:solidFill>
+                  <a:schemeClr val="tx2"/>
+                </a:solidFill>
+                <a:latin typeface="Miriam Fixed" panose="020B0509050101010101" pitchFamily="49" charset="-79"/>
+                <a:cs typeface="Miriam Fixed" panose="020B0509050101010101" pitchFamily="49" charset="-79"/>
+              </a:rPr>
+              <a:t> </a:t>
+            </a:r>
+            <a:r>
+              <a:rPr lang="de-DE" sz="1000" b="1" kern="1000" dirty="0" err="1" smtClean="0">
+                <a:solidFill>
+                  <a:schemeClr val="tx2"/>
+                </a:solidFill>
+                <a:latin typeface="Miriam Fixed" panose="020B0509050101010101" pitchFamily="49" charset="-79"/>
+                <a:cs typeface="Miriam Fixed" panose="020B0509050101010101" pitchFamily="49" charset="-79"/>
+              </a:rPr>
+              <a:t>static</a:t>
+            </a:r>
+            <a:r>
+              <a:rPr lang="de-DE" sz="1000" kern="1000" dirty="0" smtClean="0">
+                <a:solidFill>
+                  <a:schemeClr val="tx2"/>
+                </a:solidFill>
+                <a:latin typeface="Miriam Fixed" panose="020B0509050101010101" pitchFamily="49" charset="-79"/>
+                <a:cs typeface="Miriam Fixed" panose="020B0509050101010101" pitchFamily="49" charset="-79"/>
+              </a:rPr>
+              <a:t> </a:t>
+            </a:r>
+            <a:r>
+              <a:rPr lang="de-DE" sz="1000" b="1" kern="1000" dirty="0" err="1" smtClean="0">
+                <a:solidFill>
+                  <a:schemeClr val="tx2"/>
+                </a:solidFill>
+                <a:latin typeface="Miriam Fixed" panose="020B0509050101010101" pitchFamily="49" charset="-79"/>
+                <a:cs typeface="Miriam Fixed" panose="020B0509050101010101" pitchFamily="49" charset="-79"/>
+              </a:rPr>
+              <a:t>void</a:t>
+            </a:r>
+            <a:r>
+              <a:rPr lang="de-DE" sz="1000" kern="1000" dirty="0" smtClean="0">
+                <a:latin typeface="Miriam Fixed" panose="020B0509050101010101" pitchFamily="49" charset="-79"/>
+                <a:cs typeface="Miriam Fixed" panose="020B0509050101010101" pitchFamily="49" charset="-79"/>
+              </a:rPr>
+              <a:t> </a:t>
+            </a:r>
+            <a:r>
+              <a:rPr lang="de-DE" sz="1000" kern="1000" dirty="0" err="1" smtClean="0">
+                <a:latin typeface="Miriam Fixed" panose="020B0509050101010101" pitchFamily="49" charset="-79"/>
+                <a:cs typeface="Miriam Fixed" panose="020B0509050101010101" pitchFamily="49" charset="-79"/>
+              </a:rPr>
+              <a:t>main</a:t>
+            </a:r>
+            <a:r>
+              <a:rPr lang="de-DE" sz="1000" kern="1000" dirty="0" smtClean="0">
+                <a:latin typeface="Miriam Fixed" panose="020B0509050101010101" pitchFamily="49" charset="-79"/>
+                <a:cs typeface="Miriam Fixed" panose="020B0509050101010101" pitchFamily="49" charset="-79"/>
+              </a:rPr>
+              <a:t>(String[] </a:t>
+            </a:r>
+            <a:r>
+              <a:rPr lang="de-DE" sz="1000" kern="1000" dirty="0" err="1" smtClean="0">
+                <a:latin typeface="Miriam Fixed" panose="020B0509050101010101" pitchFamily="49" charset="-79"/>
+                <a:cs typeface="Miriam Fixed" panose="020B0509050101010101" pitchFamily="49" charset="-79"/>
+              </a:rPr>
+              <a:t>args</a:t>
+            </a:r>
+            <a:r>
+              <a:rPr lang="de-DE" sz="1000" kern="1000" dirty="0" smtClean="0">
+                <a:latin typeface="Miriam Fixed" panose="020B0509050101010101" pitchFamily="49" charset="-79"/>
+                <a:cs typeface="Miriam Fixed" panose="020B0509050101010101" pitchFamily="49" charset="-79"/>
+              </a:rPr>
+              <a:t>) {</a:t>
+            </a:r>
+          </a:p>
+          <a:p>
+            <a:r>
+              <a:rPr lang="de-DE" sz="1000" kern="1000" dirty="0" smtClean="0">
+                <a:latin typeface="Miriam Fixed" panose="020B0509050101010101" pitchFamily="49" charset="-79"/>
+                <a:cs typeface="Miriam Fixed" panose="020B0509050101010101" pitchFamily="49" charset="-79"/>
+              </a:rPr>
+              <a:t>    </a:t>
+            </a:r>
+            <a:r>
+              <a:rPr lang="de-DE" sz="1000" kern="1000" dirty="0" err="1" smtClean="0">
+                <a:latin typeface="Miriam Fixed" panose="020B0509050101010101" pitchFamily="49" charset="-79"/>
+                <a:cs typeface="Miriam Fixed" panose="020B0509050101010101" pitchFamily="49" charset="-79"/>
+              </a:rPr>
+              <a:t>NaoRheagal</a:t>
+            </a:r>
+            <a:r>
+              <a:rPr lang="de-DE" sz="1000" kern="1000" dirty="0" smtClean="0">
+                <a:latin typeface="Miriam Fixed" panose="020B0509050101010101" pitchFamily="49" charset="-79"/>
+                <a:cs typeface="Miriam Fixed" panose="020B0509050101010101" pitchFamily="49" charset="-79"/>
+              </a:rPr>
+              <a:t> </a:t>
+            </a:r>
+            <a:r>
+              <a:rPr lang="de-DE" sz="1000" kern="1000" dirty="0" err="1" smtClean="0">
+                <a:latin typeface="Miriam Fixed" panose="020B0509050101010101" pitchFamily="49" charset="-79"/>
+                <a:cs typeface="Miriam Fixed" panose="020B0509050101010101" pitchFamily="49" charset="-79"/>
+              </a:rPr>
+              <a:t>nao</a:t>
+            </a:r>
+            <a:r>
+              <a:rPr lang="de-DE" sz="1000" kern="1000" dirty="0" smtClean="0">
+                <a:latin typeface="Miriam Fixed" panose="020B0509050101010101" pitchFamily="49" charset="-79"/>
+                <a:cs typeface="Miriam Fixed" panose="020B0509050101010101" pitchFamily="49" charset="-79"/>
+              </a:rPr>
+              <a:t> = </a:t>
+            </a:r>
+            <a:r>
+              <a:rPr lang="de-DE" sz="1000" kern="1000" dirty="0" err="1" smtClean="0">
+                <a:latin typeface="Miriam Fixed" panose="020B0509050101010101" pitchFamily="49" charset="-79"/>
+                <a:cs typeface="Miriam Fixed" panose="020B0509050101010101" pitchFamily="49" charset="-79"/>
+              </a:rPr>
+              <a:t>naoInterface.connectToRhaegal</a:t>
+            </a:r>
+            <a:r>
+              <a:rPr lang="de-DE" sz="1000" kern="1000" dirty="0" smtClean="0">
+                <a:latin typeface="Miriam Fixed" panose="020B0509050101010101" pitchFamily="49" charset="-79"/>
+                <a:cs typeface="Miriam Fixed" panose="020B0509050101010101" pitchFamily="49" charset="-79"/>
+              </a:rPr>
+              <a:t>();</a:t>
+            </a:r>
+          </a:p>
+          <a:p>
+            <a:r>
+              <a:rPr lang="de-DE" sz="1000" kern="1000" dirty="0" smtClean="0">
+                <a:latin typeface="Miriam Fixed" panose="020B0509050101010101" pitchFamily="49" charset="-79"/>
+                <a:cs typeface="Miriam Fixed" panose="020B0509050101010101" pitchFamily="49" charset="-79"/>
+              </a:rPr>
+              <a:t>    </a:t>
+            </a:r>
+            <a:r>
+              <a:rPr lang="de-DE" sz="1000" kern="1000" dirty="0" err="1" smtClean="0">
+                <a:latin typeface="Miriam Fixed" panose="020B0509050101010101" pitchFamily="49" charset="-79"/>
+                <a:cs typeface="Miriam Fixed" panose="020B0509050101010101" pitchFamily="49" charset="-79"/>
+              </a:rPr>
+              <a:t>nao.say</a:t>
+            </a:r>
+            <a:r>
+              <a:rPr lang="de-DE" sz="1000" kern="1000" dirty="0" smtClean="0">
+                <a:latin typeface="Miriam Fixed" panose="020B0509050101010101" pitchFamily="49" charset="-79"/>
+                <a:cs typeface="Miriam Fixed" panose="020B0509050101010101" pitchFamily="49" charset="-79"/>
+              </a:rPr>
+              <a:t>(</a:t>
+            </a:r>
+            <a:r>
+              <a:rPr lang="de-DE" sz="1000" b="1" kern="1000" dirty="0" smtClean="0">
+                <a:solidFill>
+                  <a:srgbClr val="008000"/>
+                </a:solidFill>
+                <a:latin typeface="Miriam Fixed" panose="020B0509050101010101" pitchFamily="49" charset="-79"/>
+                <a:cs typeface="Miriam Fixed" panose="020B0509050101010101" pitchFamily="49" charset="-79"/>
+              </a:rPr>
+              <a:t>“Hallo zusammen!“</a:t>
+            </a:r>
+            <a:r>
+              <a:rPr lang="de-DE" sz="1000" kern="1000" dirty="0" smtClean="0">
+                <a:latin typeface="Miriam Fixed" panose="020B0509050101010101" pitchFamily="49" charset="-79"/>
+                <a:cs typeface="Miriam Fixed" panose="020B0509050101010101" pitchFamily="49" charset="-79"/>
+              </a:rPr>
+              <a:t>);</a:t>
+            </a:r>
+          </a:p>
+          <a:p>
+            <a:r>
+              <a:rPr lang="de-DE" sz="1000" kern="1000" dirty="0" smtClean="0">
+                <a:latin typeface="Miriam Fixed" panose="020B0509050101010101" pitchFamily="49" charset="-79"/>
+                <a:cs typeface="Miriam Fixed" panose="020B0509050101010101" pitchFamily="49" charset="-79"/>
+              </a:rPr>
+              <a:t>}</a:t>
+            </a:r>
+            <a:endParaRPr lang="de-DE" sz="1000" kern="1000" dirty="0">
+              <a:latin typeface="Miriam Fixed" panose="020B0509050101010101" pitchFamily="49" charset="-79"/>
+              <a:cs typeface="Miriam Fixed" panose="020B0509050101010101" pitchFamily="49" charset="-79"/>
+            </a:endParaRPr>
+          </a:p>
+        </p:txBody>
+      </p:sp>
     </p:spTree>
     <p:extLst>
       <p:ext uri="{BB962C8B-B14F-4D97-AF65-F5344CB8AC3E}">
@@ -10740,9 +10902,9 @@
                                           </p:stCondLst>
                                         </p:cTn>
                                         <p:tgtEl>
-                                          <p:spTgt spid="3">
+                                          <p:spTgt spid="6">
                                             <p:txEl>
-                                              <p:pRg st="4" end="4"/>
+                                              <p:pRg st="1" end="1"/>
                                             </p:txEl>
                                           </p:spTgt>
                                         </p:tgtEl>
@@ -10758,9 +10920,9 @@
                                       <p:cBhvr>
                                         <p:cTn id="7" dur="500"/>
                                         <p:tgtEl>
-                                          <p:spTgt spid="3">
+                                          <p:spTgt spid="6">
                                             <p:txEl>
-                                              <p:pRg st="4" end="4"/>
+                                              <p:pRg st="1" end="1"/>
                                             </p:txEl>
                                           </p:spTgt>
                                         </p:tgtEl>
@@ -10770,55 +10932,24 @@
                                 </p:cTn>
                               </p:par>
                               <p:par>
-                                <p:cTn id="8" presetID="10" presetClass="exit" presetSubtype="0" fill="hold" nodeType="withEffect">
-                                  <p:stCondLst>
-                                    <p:cond delay="0"/>
-                                  </p:stCondLst>
-                                  <p:childTnLst>
-                                    <p:animEffect transition="out" filter="fade">
-                                      <p:cBhvr>
-                                        <p:cTn id="9" dur="500"/>
-                                        <p:tgtEl>
-                                          <p:spTgt spid="4"/>
-                                        </p:tgtEl>
-                                      </p:cBhvr>
-                                    </p:animEffect>
-                                    <p:set>
-                                      <p:cBhvr>
-                                        <p:cTn id="10" dur="1" fill="hold">
-                                          <p:stCondLst>
-                                            <p:cond delay="499"/>
-                                          </p:stCondLst>
-                                        </p:cTn>
-                                        <p:tgtEl>
-                                          <p:spTgt spid="4"/>
-                                        </p:tgtEl>
-                                        <p:attrNameLst>
-                                          <p:attrName>style.visibility</p:attrName>
-                                        </p:attrNameLst>
-                                      </p:cBhvr>
-                                      <p:to>
-                                        <p:strVal val="hidden"/>
-                                      </p:to>
-                                    </p:set>
-                                  </p:childTnLst>
-                                </p:cTn>
-                              </p:par>
-                              <p:par>
-                                <p:cTn id="11" presetID="10" presetClass="entr" presetSubtype="0" fill="hold" nodeType="withEffect">
+                                <p:cTn id="8" presetID="10" presetClass="entr" presetSubtype="0" fill="hold" nodeType="withEffect">
                                   <p:stCondLst>
                                     <p:cond delay="0"/>
                                   </p:stCondLst>
                                   <p:childTnLst>
                                     <p:set>
                                       <p:cBhvr>
-                                        <p:cTn id="12" dur="1" fill="hold">
+                                        <p:cTn id="9" dur="1" fill="hold">
                                           <p:stCondLst>
                                             <p:cond delay="0"/>
                                           </p:stCondLst>
                                         </p:cTn>
                                         <p:tgtEl>
-                                          <p:spTgt spid="5"/>
+                                          <p:spTgt spid="6">
+                                            <p:txEl>
+                                              <p:pRg st="2" end="2"/>
+                                            </p:txEl>
+                                          </p:spTgt>
                                         </p:tgtEl>
                                         <p:attrNameLst>
                                           <p:attrName>style.visibility</p:attrName>
@@ -10830,9 +10961,13 @@
                                     </p:set>
                                     <p:animEffect transition="in" filter="fade">
                                       <p:cBhvr>
-                                        <p:cTn id="13" dur="500"/>
+                                        <p:cTn id="10" dur="500"/>
                                         <p:tgtEl>
-                                          <p:spTgt spid="5"/>
+                                          <p:spTgt spid="6">
+                                            <p:txEl>
+                                              <p:pRg st="2" end="2"/>
+                                            </p:txEl>
+                                          </p:spTgt>
                                         </p:tgtEl>
                                       </p:cBhvr>
                                     </p:animEffect>
@@ -10971,8 +11106,12 @@
               <a:rPr lang="de-DE" sz="2000" dirty="0"/>
             </a:br>
             <a:r>
+              <a:rPr lang="de-DE" sz="2000" dirty="0" err="1" smtClean="0"/>
+              <a:t>Rhaegal</a:t>
+            </a:r>
+            <a:r>
               <a:rPr lang="de-DE" sz="2000" dirty="0" smtClean="0"/>
-              <a:t>Jay und lässt ihn dann</a:t>
+              <a:t> und lässt ihn dann</a:t>
             </a:r>
             <a:br>
               <a:rPr lang="de-DE" sz="2000" dirty="0" smtClean="0"/>
@@ -10991,36 +11130,220 @@
           </a:p>
         </p:txBody>
       </p:sp>
-      <p:pic>
-        <p:nvPicPr>
-          <p:cNvPr id="5" name="Grafik 4"/>
-          <p:cNvPicPr>
-            <a:picLocks noChangeAspect="1"/>
-          </p:cNvPicPr>
+      <p:sp>
+        <p:nvSpPr>
+          <p:cNvPr id="6" name="Textfeld 5"/>
+          <p:cNvSpPr txBox="1"/>
           <p:nvPr/>
-        </p:nvPicPr>
-        <p:blipFill>
-          <a:blip r:embed="rId3">
-            <a:extLst>
-              <a:ext uri="{28A0092B-C50C-407E-A947-70E740481C1C}">
-                <a14:useLocalDpi xmlns:a14="http://schemas.microsoft.com/office/drawing/2010/main" val="0"/>
-              </a:ext>
-            </a:extLst>
-          </a:blip>
-          <a:stretch>
-            <a:fillRect/>
-          </a:stretch>
-        </p:blipFill>
+        </p:nvSpPr>
         <p:spPr>
           <a:xfrm>
-            <a:off x="4680012" y="1669368"/>
-            <a:ext cx="3077004" cy="647790"/>
+            <a:off x="4480358" y="1705372"/>
+            <a:ext cx="4284477" cy="707886"/>
           </a:xfrm>
           <a:prstGeom prst="rect">
             <a:avLst/>
           </a:prstGeom>
+          <a:noFill/>
         </p:spPr>
-      </p:pic>
+        <p:txBody>
+          <a:bodyPr wrap="square" rtlCol="0">
+            <a:spAutoFit/>
+          </a:bodyPr>
+          <a:lstStyle/>
+          <a:p>
+            <a:r>
+              <a:rPr lang="de-DE" sz="1000" b="1" kern="1000" dirty="0" err="1" smtClean="0">
+                <a:solidFill>
+                  <a:schemeClr val="tx2"/>
+                </a:solidFill>
+                <a:latin typeface="Miriam Fixed" panose="020B0509050101010101" pitchFamily="49" charset="-79"/>
+                <a:cs typeface="Miriam Fixed" panose="020B0509050101010101" pitchFamily="49" charset="-79"/>
+              </a:rPr>
+              <a:t>public</a:t>
+            </a:r>
+            <a:r>
+              <a:rPr lang="de-DE" sz="1000" kern="1000" dirty="0" smtClean="0">
+                <a:solidFill>
+                  <a:schemeClr val="tx2"/>
+                </a:solidFill>
+                <a:latin typeface="Miriam Fixed" panose="020B0509050101010101" pitchFamily="49" charset="-79"/>
+                <a:cs typeface="Miriam Fixed" panose="020B0509050101010101" pitchFamily="49" charset="-79"/>
+              </a:rPr>
+              <a:t> </a:t>
+            </a:r>
+            <a:r>
+              <a:rPr lang="de-DE" sz="1000" b="1" kern="1000" dirty="0" err="1" smtClean="0">
+                <a:solidFill>
+                  <a:schemeClr val="tx2"/>
+                </a:solidFill>
+                <a:latin typeface="Miriam Fixed" panose="020B0509050101010101" pitchFamily="49" charset="-79"/>
+                <a:cs typeface="Miriam Fixed" panose="020B0509050101010101" pitchFamily="49" charset="-79"/>
+              </a:rPr>
+              <a:t>static</a:t>
+            </a:r>
+            <a:r>
+              <a:rPr lang="de-DE" sz="1000" kern="1000" dirty="0" smtClean="0">
+                <a:solidFill>
+                  <a:schemeClr val="tx2"/>
+                </a:solidFill>
+                <a:latin typeface="Miriam Fixed" panose="020B0509050101010101" pitchFamily="49" charset="-79"/>
+                <a:cs typeface="Miriam Fixed" panose="020B0509050101010101" pitchFamily="49" charset="-79"/>
+              </a:rPr>
+              <a:t> </a:t>
+            </a:r>
+            <a:r>
+              <a:rPr lang="de-DE" sz="1000" b="1" kern="1000" dirty="0" err="1" smtClean="0">
+                <a:solidFill>
+                  <a:schemeClr val="tx2"/>
+                </a:solidFill>
+                <a:latin typeface="Miriam Fixed" panose="020B0509050101010101" pitchFamily="49" charset="-79"/>
+                <a:cs typeface="Miriam Fixed" panose="020B0509050101010101" pitchFamily="49" charset="-79"/>
+              </a:rPr>
+              <a:t>void</a:t>
+            </a:r>
+            <a:r>
+              <a:rPr lang="de-DE" sz="1000" kern="1000" dirty="0" smtClean="0">
+                <a:latin typeface="Miriam Fixed" panose="020B0509050101010101" pitchFamily="49" charset="-79"/>
+                <a:cs typeface="Miriam Fixed" panose="020B0509050101010101" pitchFamily="49" charset="-79"/>
+              </a:rPr>
+              <a:t> </a:t>
+            </a:r>
+            <a:r>
+              <a:rPr lang="de-DE" sz="1000" kern="1000" dirty="0" err="1" smtClean="0">
+                <a:latin typeface="Miriam Fixed" panose="020B0509050101010101" pitchFamily="49" charset="-79"/>
+                <a:cs typeface="Miriam Fixed" panose="020B0509050101010101" pitchFamily="49" charset="-79"/>
+              </a:rPr>
+              <a:t>main</a:t>
+            </a:r>
+            <a:r>
+              <a:rPr lang="de-DE" sz="1000" kern="1000" dirty="0" smtClean="0">
+                <a:latin typeface="Miriam Fixed" panose="020B0509050101010101" pitchFamily="49" charset="-79"/>
+                <a:cs typeface="Miriam Fixed" panose="020B0509050101010101" pitchFamily="49" charset="-79"/>
+              </a:rPr>
+              <a:t>(String[] </a:t>
+            </a:r>
+            <a:r>
+              <a:rPr lang="de-DE" sz="1000" kern="1000" dirty="0" err="1" smtClean="0">
+                <a:latin typeface="Miriam Fixed" panose="020B0509050101010101" pitchFamily="49" charset="-79"/>
+                <a:cs typeface="Miriam Fixed" panose="020B0509050101010101" pitchFamily="49" charset="-79"/>
+              </a:rPr>
+              <a:t>args</a:t>
+            </a:r>
+            <a:r>
+              <a:rPr lang="de-DE" sz="1000" kern="1000" dirty="0" smtClean="0">
+                <a:latin typeface="Miriam Fixed" panose="020B0509050101010101" pitchFamily="49" charset="-79"/>
+                <a:cs typeface="Miriam Fixed" panose="020B0509050101010101" pitchFamily="49" charset="-79"/>
+              </a:rPr>
+              <a:t>) {</a:t>
+            </a:r>
+          </a:p>
+          <a:p>
+            <a:r>
+              <a:rPr lang="de-DE" sz="1000" kern="1000" dirty="0" smtClean="0">
+                <a:latin typeface="Miriam Fixed" panose="020B0509050101010101" pitchFamily="49" charset="-79"/>
+                <a:cs typeface="Miriam Fixed" panose="020B0509050101010101" pitchFamily="49" charset="-79"/>
+              </a:rPr>
+              <a:t>    </a:t>
+            </a:r>
+            <a:r>
+              <a:rPr lang="de-DE" sz="1000" kern="1000" dirty="0" err="1" smtClean="0">
+                <a:latin typeface="Miriam Fixed" panose="020B0509050101010101" pitchFamily="49" charset="-79"/>
+                <a:cs typeface="Miriam Fixed" panose="020B0509050101010101" pitchFamily="49" charset="-79"/>
+              </a:rPr>
+              <a:t>NaoRheagal</a:t>
+            </a:r>
+            <a:r>
+              <a:rPr lang="de-DE" sz="1000" kern="1000" dirty="0" smtClean="0">
+                <a:latin typeface="Miriam Fixed" panose="020B0509050101010101" pitchFamily="49" charset="-79"/>
+                <a:cs typeface="Miriam Fixed" panose="020B0509050101010101" pitchFamily="49" charset="-79"/>
+              </a:rPr>
+              <a:t> </a:t>
+            </a:r>
+            <a:r>
+              <a:rPr lang="de-DE" sz="1000" kern="1000" dirty="0" err="1" smtClean="0">
+                <a:latin typeface="Miriam Fixed" panose="020B0509050101010101" pitchFamily="49" charset="-79"/>
+                <a:cs typeface="Miriam Fixed" panose="020B0509050101010101" pitchFamily="49" charset="-79"/>
+              </a:rPr>
+              <a:t>nao</a:t>
+            </a:r>
+            <a:r>
+              <a:rPr lang="de-DE" sz="1000" kern="1000" dirty="0" smtClean="0">
+                <a:latin typeface="Miriam Fixed" panose="020B0509050101010101" pitchFamily="49" charset="-79"/>
+                <a:cs typeface="Miriam Fixed" panose="020B0509050101010101" pitchFamily="49" charset="-79"/>
+              </a:rPr>
+              <a:t> = </a:t>
+            </a:r>
+            <a:r>
+              <a:rPr lang="de-DE" sz="1000" kern="1000" dirty="0" err="1" smtClean="0">
+                <a:latin typeface="Miriam Fixed" panose="020B0509050101010101" pitchFamily="49" charset="-79"/>
+                <a:cs typeface="Miriam Fixed" panose="020B0509050101010101" pitchFamily="49" charset="-79"/>
+              </a:rPr>
+              <a:t>naoInterface.connectToRhaegal</a:t>
+            </a:r>
+            <a:r>
+              <a:rPr lang="de-DE" sz="1000" kern="1000" dirty="0" smtClean="0">
+                <a:latin typeface="Miriam Fixed" panose="020B0509050101010101" pitchFamily="49" charset="-79"/>
+                <a:cs typeface="Miriam Fixed" panose="020B0509050101010101" pitchFamily="49" charset="-79"/>
+              </a:rPr>
+              <a:t>();</a:t>
+            </a:r>
+          </a:p>
+          <a:p>
+            <a:r>
+              <a:rPr lang="de-DE" sz="1000" kern="1000" dirty="0" smtClean="0">
+                <a:latin typeface="Miriam Fixed" panose="020B0509050101010101" pitchFamily="49" charset="-79"/>
+                <a:cs typeface="Miriam Fixed" panose="020B0509050101010101" pitchFamily="49" charset="-79"/>
+              </a:rPr>
+              <a:t>    </a:t>
+            </a:r>
+            <a:r>
+              <a:rPr lang="de-DE" sz="1000" kern="1000" dirty="0" err="1" smtClean="0">
+                <a:latin typeface="Miriam Fixed" panose="020B0509050101010101" pitchFamily="49" charset="-79"/>
+                <a:cs typeface="Miriam Fixed" panose="020B0509050101010101" pitchFamily="49" charset="-79"/>
+              </a:rPr>
+              <a:t>nao.say</a:t>
+            </a:r>
+            <a:r>
+              <a:rPr lang="de-DE" sz="1000" kern="1000" dirty="0" smtClean="0">
+                <a:latin typeface="Miriam Fixed" panose="020B0509050101010101" pitchFamily="49" charset="-79"/>
+                <a:cs typeface="Miriam Fixed" panose="020B0509050101010101" pitchFamily="49" charset="-79"/>
+              </a:rPr>
+              <a:t>(</a:t>
+            </a:r>
+            <a:r>
+              <a:rPr lang="de-DE" sz="1000" b="1" kern="1000" dirty="0" smtClean="0">
+                <a:solidFill>
+                  <a:srgbClr val="008000"/>
+                </a:solidFill>
+                <a:latin typeface="Miriam Fixed" panose="020B0509050101010101" pitchFamily="49" charset="-79"/>
+                <a:cs typeface="Miriam Fixed" panose="020B0509050101010101" pitchFamily="49" charset="-79"/>
+              </a:rPr>
+              <a:t>“Hallo zusammen!“</a:t>
+            </a:r>
+            <a:r>
+              <a:rPr lang="de-DE" sz="1000" kern="1000" dirty="0" smtClean="0">
+                <a:latin typeface="Miriam Fixed" panose="020B0509050101010101" pitchFamily="49" charset="-79"/>
+                <a:cs typeface="Miriam Fixed" panose="020B0509050101010101" pitchFamily="49" charset="-79"/>
+              </a:rPr>
+              <a:t>);</a:t>
+            </a:r>
+          </a:p>
+          <a:p>
+            <a:r>
+              <a:rPr lang="de-DE" sz="1000" kern="1000" dirty="0" smtClean="0">
+                <a:latin typeface="Miriam Fixed" panose="020B0509050101010101" pitchFamily="49" charset="-79"/>
+                <a:cs typeface="Miriam Fixed" panose="020B0509050101010101" pitchFamily="49" charset="-79"/>
+              </a:rPr>
+              <a:t>}</a:t>
+            </a:r>
+            <a:endParaRPr lang="de-DE" sz="1000" kern="1000" dirty="0">
+              <a:latin typeface="Miriam Fixed" panose="020B0509050101010101" pitchFamily="49" charset="-79"/>
+              <a:cs typeface="Miriam Fixed" panose="020B0509050101010101" pitchFamily="49" charset="-79"/>
+            </a:endParaRPr>
+          </a:p>
+        </p:txBody>
+      </p:sp>
     </p:spTree>
     <p:extLst>
       <p:ext uri="{BB962C8B-B14F-4D97-AF65-F5344CB8AC3E}">
@@ -11067,23 +11390,23 @@
                             </p:stCondLst>
                             <p:childTnLst>
                               <p:par>
-                                <p:cTn id="5" presetID="42" presetClass="path" presetSubtype="0" accel="50000" decel="50000" fill="hold" nodeType="withEffect">
+                                <p:cTn id="5" presetID="42" presetClass="path" presetSubtype="0" accel="50000" decel="50000" fill="hold" grpId="0" nodeType="withEffect">
                                   <p:stCondLst>
                                     <p:cond delay="0"/>
                                   </p:stCondLst>
                                   <p:childTnLst>
-                                    <p:animMotion origin="layout" path="M -4.72222E-6 1.11111E-6 L 0.00105 0.17 " pathEditMode="relative" rAng="0" ptsTypes="AA">
+                                    <p:animMotion origin="layout" path="M -1.94444E-6 2.22222E-6 L 0.00035 0.15222 " pathEditMode="relative" rAng="0" ptsTypes="AA">
                                       <p:cBhvr>
                                         <p:cTn id="6" dur="2000" fill="hold"/>
                                         <p:tgtEl>
-                                          <p:spTgt spid="5"/>
+                                          <p:spTgt spid="6"/>
                                         </p:tgtEl>
                                         <p:attrNameLst>
                                           <p:attrName>ppt_x</p:attrName>
                                           <p:attrName>ppt_y</p:attrName>
                                         </p:attrNameLst>
                                       </p:cBhvr>
-                                      <p:rCtr x="52" y="8500"/>
+                                      <p:rCtr x="17" y="7611"/>
                                     </p:animMotion>
                                   </p:childTnLst>
                                 </p:cTn>
@@ -11115,6 +11438,9 @@
         </p:cTn>
       </p:par>
     </p:tnLst>
+    <p:bldLst>
+      <p:bldP spid="6" grpId="0"/>
+    </p:bldLst>
   </p:timing>
 </p:sld>
 </file>
@@ -12085,66 +12411,347 @@
           </a:p>
         </p:txBody>
       </p:sp>
-      <p:pic>
-        <p:nvPicPr>
-          <p:cNvPr id="4" name="Grafik 3"/>
-          <p:cNvPicPr>
-            <a:picLocks noChangeAspect="1"/>
-          </p:cNvPicPr>
+      <p:sp>
+        <p:nvSpPr>
+          <p:cNvPr id="6" name="Textfeld 5"/>
+          <p:cNvSpPr txBox="1"/>
           <p:nvPr/>
-        </p:nvPicPr>
-        <p:blipFill>
-          <a:blip r:embed="rId3">
-            <a:extLst>
-              <a:ext uri="{28A0092B-C50C-407E-A947-70E740481C1C}">
-                <a14:useLocalDpi xmlns:a14="http://schemas.microsoft.com/office/drawing/2010/main" val="0"/>
-              </a:ext>
-            </a:extLst>
-          </a:blip>
-          <a:stretch>
-            <a:fillRect/>
-          </a:stretch>
-        </p:blipFill>
+        </p:nvSpPr>
         <p:spPr>
           <a:xfrm>
-            <a:off x="5078077" y="1927979"/>
-            <a:ext cx="2705478" cy="495369"/>
+            <a:off x="4824028" y="1597360"/>
+            <a:ext cx="3240360" cy="707886"/>
           </a:xfrm>
           <a:prstGeom prst="rect">
             <a:avLst/>
           </a:prstGeom>
+          <a:noFill/>
         </p:spPr>
-      </p:pic>
-      <p:pic>
-        <p:nvPicPr>
-          <p:cNvPr id="5" name="Grafik 4"/>
-          <p:cNvPicPr>
-            <a:picLocks noChangeAspect="1"/>
-          </p:cNvPicPr>
+        <p:txBody>
+          <a:bodyPr wrap="square" rtlCol="0">
+            <a:spAutoFit/>
+          </a:bodyPr>
+          <a:lstStyle/>
+          <a:p>
+            <a:r>
+              <a:rPr lang="de-DE" sz="1000" b="1" kern="1000" dirty="0" err="1" smtClean="0">
+                <a:solidFill>
+                  <a:schemeClr val="tx2"/>
+                </a:solidFill>
+                <a:latin typeface="Miriam Fixed" panose="020B0509050101010101" pitchFamily="49" charset="-79"/>
+                <a:cs typeface="Miriam Fixed" panose="020B0509050101010101" pitchFamily="49" charset="-79"/>
+              </a:rPr>
+              <a:t>public</a:t>
+            </a:r>
+            <a:r>
+              <a:rPr lang="de-DE" sz="1000" kern="1000" dirty="0" smtClean="0">
+                <a:solidFill>
+                  <a:schemeClr val="tx2"/>
+                </a:solidFill>
+                <a:latin typeface="Miriam Fixed" panose="020B0509050101010101" pitchFamily="49" charset="-79"/>
+                <a:cs typeface="Miriam Fixed" panose="020B0509050101010101" pitchFamily="49" charset="-79"/>
+              </a:rPr>
+              <a:t> </a:t>
+            </a:r>
+            <a:r>
+              <a:rPr lang="de-DE" sz="1000" b="1" kern="1000" dirty="0" err="1" smtClean="0">
+                <a:solidFill>
+                  <a:schemeClr val="tx2"/>
+                </a:solidFill>
+                <a:latin typeface="Miriam Fixed" panose="020B0509050101010101" pitchFamily="49" charset="-79"/>
+                <a:cs typeface="Miriam Fixed" panose="020B0509050101010101" pitchFamily="49" charset="-79"/>
+              </a:rPr>
+              <a:t>static</a:t>
+            </a:r>
+            <a:r>
+              <a:rPr lang="de-DE" sz="1000" kern="1000" dirty="0" smtClean="0">
+                <a:solidFill>
+                  <a:schemeClr val="tx2"/>
+                </a:solidFill>
+                <a:latin typeface="Miriam Fixed" panose="020B0509050101010101" pitchFamily="49" charset="-79"/>
+                <a:cs typeface="Miriam Fixed" panose="020B0509050101010101" pitchFamily="49" charset="-79"/>
+              </a:rPr>
+              <a:t> </a:t>
+            </a:r>
+            <a:r>
+              <a:rPr lang="de-DE" sz="1000" b="1" kern="1000" dirty="0" err="1" smtClean="0">
+                <a:solidFill>
+                  <a:schemeClr val="tx2"/>
+                </a:solidFill>
+                <a:latin typeface="Miriam Fixed" panose="020B0509050101010101" pitchFamily="49" charset="-79"/>
+                <a:cs typeface="Miriam Fixed" panose="020B0509050101010101" pitchFamily="49" charset="-79"/>
+              </a:rPr>
+              <a:t>void</a:t>
+            </a:r>
+            <a:r>
+              <a:rPr lang="de-DE" sz="1000" kern="1000" dirty="0" smtClean="0">
+                <a:latin typeface="Miriam Fixed" panose="020B0509050101010101" pitchFamily="49" charset="-79"/>
+                <a:cs typeface="Miriam Fixed" panose="020B0509050101010101" pitchFamily="49" charset="-79"/>
+              </a:rPr>
+              <a:t> </a:t>
+            </a:r>
+            <a:r>
+              <a:rPr lang="de-DE" sz="1000" kern="1000" dirty="0" err="1" smtClean="0">
+                <a:latin typeface="Miriam Fixed" panose="020B0509050101010101" pitchFamily="49" charset="-79"/>
+                <a:cs typeface="Miriam Fixed" panose="020B0509050101010101" pitchFamily="49" charset="-79"/>
+              </a:rPr>
+              <a:t>main</a:t>
+            </a:r>
+            <a:r>
+              <a:rPr lang="de-DE" sz="1000" kern="1000" dirty="0" smtClean="0">
+                <a:latin typeface="Miriam Fixed" panose="020B0509050101010101" pitchFamily="49" charset="-79"/>
+                <a:cs typeface="Miriam Fixed" panose="020B0509050101010101" pitchFamily="49" charset="-79"/>
+              </a:rPr>
+              <a:t>(String[] </a:t>
+            </a:r>
+            <a:r>
+              <a:rPr lang="de-DE" sz="1000" kern="1000" dirty="0" err="1" smtClean="0">
+                <a:latin typeface="Miriam Fixed" panose="020B0509050101010101" pitchFamily="49" charset="-79"/>
+                <a:cs typeface="Miriam Fixed" panose="020B0509050101010101" pitchFamily="49" charset="-79"/>
+              </a:rPr>
+              <a:t>args</a:t>
+            </a:r>
+            <a:r>
+              <a:rPr lang="de-DE" sz="1000" kern="1000" dirty="0" smtClean="0">
+                <a:latin typeface="Miriam Fixed" panose="020B0509050101010101" pitchFamily="49" charset="-79"/>
+                <a:cs typeface="Miriam Fixed" panose="020B0509050101010101" pitchFamily="49" charset="-79"/>
+              </a:rPr>
+              <a:t>) {</a:t>
+            </a:r>
+          </a:p>
+          <a:p>
+            <a:r>
+              <a:rPr lang="de-DE" sz="1000" kern="1000" dirty="0" smtClean="0">
+                <a:latin typeface="Miriam Fixed" panose="020B0509050101010101" pitchFamily="49" charset="-79"/>
+                <a:cs typeface="Miriam Fixed" panose="020B0509050101010101" pitchFamily="49" charset="-79"/>
+              </a:rPr>
+              <a:t>    </a:t>
+            </a:r>
+            <a:r>
+              <a:rPr lang="de-DE" sz="1000" b="1" kern="1000" dirty="0" err="1" smtClean="0">
+                <a:solidFill>
+                  <a:schemeClr val="tx2"/>
+                </a:solidFill>
+                <a:latin typeface="Miriam Fixed" panose="020B0509050101010101" pitchFamily="49" charset="-79"/>
+                <a:cs typeface="Miriam Fixed" panose="020B0509050101010101" pitchFamily="49" charset="-79"/>
+              </a:rPr>
+              <a:t>int</a:t>
+            </a:r>
+            <a:r>
+              <a:rPr lang="de-DE" sz="1000" kern="1000" dirty="0" smtClean="0">
+                <a:latin typeface="Miriam Fixed" panose="020B0509050101010101" pitchFamily="49" charset="-79"/>
+                <a:cs typeface="Miriam Fixed" panose="020B0509050101010101" pitchFamily="49" charset="-79"/>
+              </a:rPr>
+              <a:t> x;</a:t>
+            </a:r>
+          </a:p>
+          <a:p>
+            <a:r>
+              <a:rPr lang="de-DE" sz="1000" kern="1000" dirty="0" smtClean="0">
+                <a:latin typeface="Miriam Fixed" panose="020B0509050101010101" pitchFamily="49" charset="-79"/>
+                <a:cs typeface="Miriam Fixed" panose="020B0509050101010101" pitchFamily="49" charset="-79"/>
+              </a:rPr>
+              <a:t>    x = </a:t>
+            </a:r>
+            <a:r>
+              <a:rPr lang="de-DE" sz="1000" kern="1000" dirty="0" smtClean="0">
+                <a:solidFill>
+                  <a:schemeClr val="accent1"/>
+                </a:solidFill>
+                <a:latin typeface="Miriam Fixed" panose="020B0509050101010101" pitchFamily="49" charset="-79"/>
+                <a:cs typeface="Miriam Fixed" panose="020B0509050101010101" pitchFamily="49" charset="-79"/>
+              </a:rPr>
+              <a:t>1</a:t>
+            </a:r>
+            <a:r>
+              <a:rPr lang="de-DE" sz="1000" kern="1000" dirty="0" smtClean="0">
+                <a:latin typeface="Miriam Fixed" panose="020B0509050101010101" pitchFamily="49" charset="-79"/>
+                <a:cs typeface="Miriam Fixed" panose="020B0509050101010101" pitchFamily="49" charset="-79"/>
+              </a:rPr>
+              <a:t>;</a:t>
+            </a:r>
+          </a:p>
+          <a:p>
+            <a:r>
+              <a:rPr lang="de-DE" sz="1000" kern="1000" dirty="0" smtClean="0">
+                <a:latin typeface="Miriam Fixed" panose="020B0509050101010101" pitchFamily="49" charset="-79"/>
+                <a:cs typeface="Miriam Fixed" panose="020B0509050101010101" pitchFamily="49" charset="-79"/>
+              </a:rPr>
+              <a:t>}</a:t>
+            </a:r>
+            <a:endParaRPr lang="de-DE" sz="1000" kern="1000" dirty="0">
+              <a:latin typeface="Miriam Fixed" panose="020B0509050101010101" pitchFamily="49" charset="-79"/>
+              <a:cs typeface="Miriam Fixed" panose="020B0509050101010101" pitchFamily="49" charset="-79"/>
+            </a:endParaRPr>
+          </a:p>
+        </p:txBody>
+      </p:sp>
+      <p:sp>
+        <p:nvSpPr>
+          <p:cNvPr id="7" name="Textfeld 6"/>
+          <p:cNvSpPr txBox="1"/>
           <p:nvPr/>
-        </p:nvPicPr>
-        <p:blipFill>
-          <a:blip r:embed="rId4">
-            <a:extLst>
-              <a:ext uri="{28A0092B-C50C-407E-A947-70E740481C1C}">
-                <a14:useLocalDpi xmlns:a14="http://schemas.microsoft.com/office/drawing/2010/main" val="0"/>
-              </a:ext>
-            </a:extLst>
-          </a:blip>
-          <a:stretch>
-            <a:fillRect/>
-          </a:stretch>
-        </p:blipFill>
+        </p:nvSpPr>
         <p:spPr>
           <a:xfrm>
-            <a:off x="5076056" y="1597360"/>
-            <a:ext cx="2695951" cy="609685"/>
+            <a:off x="4824028" y="1871454"/>
+            <a:ext cx="3240360" cy="553998"/>
           </a:xfrm>
           <a:prstGeom prst="rect">
             <a:avLst/>
           </a:prstGeom>
+          <a:noFill/>
         </p:spPr>
-      </p:pic>
+        <p:txBody>
+          <a:bodyPr wrap="square" rtlCol="0">
+            <a:spAutoFit/>
+          </a:bodyPr>
+          <a:lstStyle/>
+          <a:p>
+            <a:r>
+              <a:rPr lang="de-DE" sz="1000" b="1" kern="1000" dirty="0" err="1" smtClean="0">
+                <a:solidFill>
+                  <a:schemeClr val="tx2"/>
+                </a:solidFill>
+                <a:latin typeface="Miriam Fixed" panose="020B0509050101010101" pitchFamily="49" charset="-79"/>
+                <a:cs typeface="Miriam Fixed" panose="020B0509050101010101" pitchFamily="49" charset="-79"/>
+              </a:rPr>
+              <a:t>public</a:t>
+            </a:r>
+            <a:r>
+              <a:rPr lang="de-DE" sz="1000" kern="1000" dirty="0" smtClean="0">
+                <a:solidFill>
+                  <a:schemeClr val="tx2"/>
+                </a:solidFill>
+                <a:latin typeface="Miriam Fixed" panose="020B0509050101010101" pitchFamily="49" charset="-79"/>
+                <a:cs typeface="Miriam Fixed" panose="020B0509050101010101" pitchFamily="49" charset="-79"/>
+              </a:rPr>
+              <a:t> </a:t>
+            </a:r>
+            <a:r>
+              <a:rPr lang="de-DE" sz="1000" b="1" kern="1000" dirty="0" err="1" smtClean="0">
+                <a:solidFill>
+                  <a:schemeClr val="tx2"/>
+                </a:solidFill>
+                <a:latin typeface="Miriam Fixed" panose="020B0509050101010101" pitchFamily="49" charset="-79"/>
+                <a:cs typeface="Miriam Fixed" panose="020B0509050101010101" pitchFamily="49" charset="-79"/>
+              </a:rPr>
+              <a:t>static</a:t>
+            </a:r>
+            <a:r>
+              <a:rPr lang="de-DE" sz="1000" kern="1000" dirty="0" smtClean="0">
+                <a:solidFill>
+                  <a:schemeClr val="tx2"/>
+                </a:solidFill>
+                <a:latin typeface="Miriam Fixed" panose="020B0509050101010101" pitchFamily="49" charset="-79"/>
+                <a:cs typeface="Miriam Fixed" panose="020B0509050101010101" pitchFamily="49" charset="-79"/>
+              </a:rPr>
+              <a:t> </a:t>
+            </a:r>
+            <a:r>
+              <a:rPr lang="de-DE" sz="1000" b="1" kern="1000" dirty="0" err="1" smtClean="0">
+                <a:solidFill>
+                  <a:schemeClr val="tx2"/>
+                </a:solidFill>
+                <a:latin typeface="Miriam Fixed" panose="020B0509050101010101" pitchFamily="49" charset="-79"/>
+                <a:cs typeface="Miriam Fixed" panose="020B0509050101010101" pitchFamily="49" charset="-79"/>
+              </a:rPr>
+              <a:t>void</a:t>
+            </a:r>
+            <a:r>
+              <a:rPr lang="de-DE" sz="1000" kern="1000" dirty="0" smtClean="0">
+                <a:latin typeface="Miriam Fixed" panose="020B0509050101010101" pitchFamily="49" charset="-79"/>
+                <a:cs typeface="Miriam Fixed" panose="020B0509050101010101" pitchFamily="49" charset="-79"/>
+              </a:rPr>
+              <a:t> </a:t>
+            </a:r>
+            <a:r>
+              <a:rPr lang="de-DE" sz="1000" kern="1000" dirty="0" err="1" smtClean="0">
+                <a:latin typeface="Miriam Fixed" panose="020B0509050101010101" pitchFamily="49" charset="-79"/>
+                <a:cs typeface="Miriam Fixed" panose="020B0509050101010101" pitchFamily="49" charset="-79"/>
+              </a:rPr>
+              <a:t>main</a:t>
+            </a:r>
+            <a:r>
+              <a:rPr lang="de-DE" sz="1000" kern="1000" dirty="0" smtClean="0">
+                <a:latin typeface="Miriam Fixed" panose="020B0509050101010101" pitchFamily="49" charset="-79"/>
+                <a:cs typeface="Miriam Fixed" panose="020B0509050101010101" pitchFamily="49" charset="-79"/>
+              </a:rPr>
+              <a:t>(String[] </a:t>
+            </a:r>
+            <a:r>
+              <a:rPr lang="de-DE" sz="1000" kern="1000" dirty="0" err="1" smtClean="0">
+                <a:latin typeface="Miriam Fixed" panose="020B0509050101010101" pitchFamily="49" charset="-79"/>
+                <a:cs typeface="Miriam Fixed" panose="020B0509050101010101" pitchFamily="49" charset="-79"/>
+              </a:rPr>
+              <a:t>args</a:t>
+            </a:r>
+            <a:r>
+              <a:rPr lang="de-DE" sz="1000" kern="1000" dirty="0" smtClean="0">
+                <a:latin typeface="Miriam Fixed" panose="020B0509050101010101" pitchFamily="49" charset="-79"/>
+                <a:cs typeface="Miriam Fixed" panose="020B0509050101010101" pitchFamily="49" charset="-79"/>
+              </a:rPr>
+              <a:t>) {</a:t>
+            </a:r>
+          </a:p>
+          <a:p>
+            <a:r>
+              <a:rPr lang="de-DE" sz="1000" kern="1000" dirty="0" smtClean="0">
+                <a:latin typeface="Miriam Fixed" panose="020B0509050101010101" pitchFamily="49" charset="-79"/>
+                <a:cs typeface="Miriam Fixed" panose="020B0509050101010101" pitchFamily="49" charset="-79"/>
+              </a:rPr>
+              <a:t>    </a:t>
+            </a:r>
+            <a:r>
+              <a:rPr lang="de-DE" sz="1000" b="1" kern="1000" dirty="0" err="1" smtClean="0">
+                <a:solidFill>
+                  <a:schemeClr val="tx2"/>
+                </a:solidFill>
+                <a:latin typeface="Miriam Fixed" panose="020B0509050101010101" pitchFamily="49" charset="-79"/>
+                <a:cs typeface="Miriam Fixed" panose="020B0509050101010101" pitchFamily="49" charset="-79"/>
+              </a:rPr>
+              <a:t>int</a:t>
+            </a:r>
+            <a:r>
+              <a:rPr lang="de-DE" sz="1000" kern="1000" dirty="0" smtClean="0">
+                <a:latin typeface="Miriam Fixed" panose="020B0509050101010101" pitchFamily="49" charset="-79"/>
+                <a:cs typeface="Miriam Fixed" panose="020B0509050101010101" pitchFamily="49" charset="-79"/>
+              </a:rPr>
+              <a:t> x = </a:t>
+            </a:r>
+            <a:r>
+              <a:rPr lang="de-DE" sz="1000" kern="1000" dirty="0" smtClean="0">
+                <a:solidFill>
+                  <a:schemeClr val="accent1"/>
+                </a:solidFill>
+                <a:latin typeface="Miriam Fixed" panose="020B0509050101010101" pitchFamily="49" charset="-79"/>
+                <a:cs typeface="Miriam Fixed" panose="020B0509050101010101" pitchFamily="49" charset="-79"/>
+              </a:rPr>
+              <a:t>1</a:t>
+            </a:r>
+            <a:r>
+              <a:rPr lang="de-DE" sz="1000" kern="1000" dirty="0" smtClean="0">
+                <a:latin typeface="Miriam Fixed" panose="020B0509050101010101" pitchFamily="49" charset="-79"/>
+                <a:cs typeface="Miriam Fixed" panose="020B0509050101010101" pitchFamily="49" charset="-79"/>
+              </a:rPr>
+              <a:t>;</a:t>
+            </a:r>
+          </a:p>
+          <a:p>
+            <a:r>
+              <a:rPr lang="de-DE" sz="1000" kern="1000" dirty="0" smtClean="0">
+                <a:latin typeface="Miriam Fixed" panose="020B0509050101010101" pitchFamily="49" charset="-79"/>
+                <a:cs typeface="Miriam Fixed" panose="020B0509050101010101" pitchFamily="49" charset="-79"/>
+              </a:rPr>
+              <a:t>}</a:t>
+            </a:r>
+            <a:endParaRPr lang="de-DE" sz="1000" kern="1000" dirty="0">
+              <a:latin typeface="Miriam Fixed" panose="020B0509050101010101" pitchFamily="49" charset="-79"/>
+              <a:cs typeface="Miriam Fixed" panose="020B0509050101010101" pitchFamily="49" charset="-79"/>
+            </a:endParaRPr>
+          </a:p>
+        </p:txBody>
+      </p:sp>
     </p:spTree>
     <p:extLst>
       <p:ext uri="{BB962C8B-B14F-4D97-AF65-F5344CB8AC3E}">
@@ -12188,23 +12795,23 @@
                             </p:stCondLst>
                             <p:childTnLst>
                               <p:par>
-                                <p:cTn id="5" presetID="42" presetClass="path" presetSubtype="0" accel="50000" decel="50000" fill="hold" nodeType="clickEffect">
+                                <p:cTn id="5" presetID="42" presetClass="path" presetSubtype="0" accel="50000" decel="50000" fill="hold" grpId="0" nodeType="clickEffect">
                                   <p:stCondLst>
                                     <p:cond delay="0"/>
                                   </p:stCondLst>
                                   <p:childTnLst>
-                                    <p:animMotion origin="layout" path="M -4.16667E-6 2.22222E-6 L -4.16667E-6 -0.06584 " pathEditMode="relative" rAng="0" ptsTypes="AA">
+                                    <p:animMotion origin="layout" path="M 2.5E-6 1.11111E-6 L 2.5E-6 -0.06195 " pathEditMode="relative" rAng="0" ptsTypes="AA">
                                       <p:cBhvr>
-                                        <p:cTn id="6" dur="1000" fill="hold"/>
+                                        <p:cTn id="6" dur="2000" fill="hold"/>
                                         <p:tgtEl>
-                                          <p:spTgt spid="5"/>
+                                          <p:spTgt spid="6"/>
                                         </p:tgtEl>
                                         <p:attrNameLst>
                                           <p:attrName>ppt_x</p:attrName>
                                           <p:attrName>ppt_y</p:attrName>
                                         </p:attrNameLst>
                                       </p:cBhvr>
-                                      <p:rCtr x="0" y="-3306"/>
+                                      <p:rCtr x="0" y="-3111"/>
                                     </p:animMotion>
                                   </p:childTnLst>
                                 </p:cTn>
@@ -12215,11 +12822,11 @@
                         <p:par>
                           <p:cTn id="7" fill="hold">
                             <p:stCondLst>
-                              <p:cond delay="1000"/>
+                              <p:cond delay="2000"/>
                             </p:stCondLst>
                             <p:childTnLst>
                               <p:par>
-                                <p:cTn id="8" presetID="10" presetClass="entr" presetSubtype="0" fill="hold" nodeType="afterEffect">
+                                <p:cTn id="8" presetID="10" presetClass="entr" presetSubtype="0" fill="hold" grpId="0" nodeType="afterEffect">
                                   <p:stCondLst>
                                     <p:cond delay="0"/>
                                   </p:stCondLst>
@@ -12227,6 +12834,50 @@
                                     <p:set>
                                       <p:cBhvr>
                                         <p:cTn id="9" dur="1" fill="hold">
+                                          <p:stCondLst>
+                                            <p:cond delay="0"/>
+                                          </p:stCondLst>
+                                        </p:cTn>
+                                        <p:tgtEl>
+                                          <p:spTgt spid="7"/>
+                                        </p:tgtEl>
+                                        <p:attrNameLst>
+                                          <p:attrName>style.visibility</p:attrName>
+                                        </p:attrNameLst>
+                                      </p:cBhvr>
+                                      <p:to>
+                                        <p:strVal val="visible"/>
+                                      </p:to>
+                                    </p:set>
+                                    <p:animEffect transition="in" filter="fade">
+                                      <p:cBhvr>
+                                        <p:cTn id="10" dur="500"/>
+                                        <p:tgtEl>
+                                          <p:spTgt spid="7"/>
+                                        </p:tgtEl>
+                                      </p:cBhvr>
+                                    </p:animEffect>
+                                  </p:childTnLst>
+                                </p:cTn>
+                              </p:par>
+                            </p:childTnLst>
+                          </p:cTn>
+                        </p:par>
+                        <p:par>
+                          <p:cTn id="11" fill="hold">
+                            <p:stCondLst>
+                              <p:cond delay="2500"/>
+                            </p:stCondLst>
+                            <p:childTnLst>
+                              <p:par>
+                                <p:cTn id="12" presetID="10" presetClass="entr" presetSubtype="0" fill="hold" nodeType="afterEffect">
+                                  <p:stCondLst>
+                                    <p:cond delay="0"/>
+                                  </p:stCondLst>
+                                  <p:childTnLst>
+                                    <p:set>
+                                      <p:cBhvr>
+                                        <p:cTn id="13" dur="1" fill="hold">
                                           <p:stCondLst>
                                             <p:cond delay="0"/>
                                           </p:stCondLst>
@@ -12248,7 +12899,7 @@
                                     </p:set>
                                     <p:animEffect transition="in" filter="fade">
                                       <p:cBhvr>
-                                        <p:cTn id="10" dur="500"/>
+                                        <p:cTn id="14" dur="500"/>
                                         <p:tgtEl>
                                           <p:spTgt spid="3">
                                             <p:txEl>
@@ -12262,14 +12913,14 @@
                                 </p:cTn>
                               </p:par>
                               <p:par>
-                                <p:cTn id="11" presetID="10" presetClass="entr" presetSubtype="0" fill="hold" nodeType="withEffect">
+                                <p:cTn id="15" presetID="10" presetClass="entr" presetSubtype="0" fill="hold" nodeType="withEffect">
                                   <p:stCondLst>
                                     <p:cond delay="0"/>
                                   </p:stCondLst>
                                   <p:childTnLst>
                                     <p:set>
                                       <p:cBhvr>
-                                        <p:cTn id="12" dur="1" fill="hold">
+                                        <p:cTn id="16" dur="1" fill="hold">
                                           <p:stCondLst>
                                             <p:cond delay="0"/>
                                           </p:stCondLst>
@@ -12291,7 +12942,7 @@
                                     </p:set>
                                     <p:animEffect transition="in" filter="fade">
                                       <p:cBhvr>
-                                        <p:cTn id="13" dur="500"/>
+                                        <p:cTn id="17" dur="500"/>
                                         <p:tgtEl>
                                           <p:spTgt spid="3">
                                             <p:txEl>
@@ -12305,14 +12956,14 @@
                                 </p:cTn>
                               </p:par>
                               <p:par>
-                                <p:cTn id="14" presetID="10" presetClass="entr" presetSubtype="0" fill="hold" nodeType="withEffect">
+                                <p:cTn id="18" presetID="10" presetClass="entr" presetSubtype="0" fill="hold" nodeType="withEffect">
                                   <p:stCondLst>
                                     <p:cond delay="0"/>
                                   </p:stCondLst>
                                   <p:childTnLst>
                                     <p:set>
                                       <p:cBhvr>
-                                        <p:cTn id="15" dur="1" fill="hold">
+                                        <p:cTn id="19" dur="1" fill="hold">
                                           <p:stCondLst>
                                             <p:cond delay="0"/>
                                           </p:stCondLst>
@@ -12334,7 +12985,7 @@
                                     </p:set>
                                     <p:animEffect transition="in" filter="fade">
                                       <p:cBhvr>
-                                        <p:cTn id="16" dur="500"/>
+                                        <p:cTn id="20" dur="500"/>
                                         <p:tgtEl>
                                           <p:spTgt spid="3">
                                             <p:txEl>
@@ -12348,14 +12999,14 @@
                                 </p:cTn>
                               </p:par>
                               <p:par>
-                                <p:cTn id="17" presetID="10" presetClass="entr" presetSubtype="0" fill="hold" nodeType="withEffect">
+                                <p:cTn id="21" presetID="10" presetClass="entr" presetSubtype="0" fill="hold" nodeType="withEffect">
                                   <p:stCondLst>
                                     <p:cond delay="0"/>
                                   </p:stCondLst>
                                   <p:childTnLst>
                                     <p:set>
                                       <p:cBhvr>
-                                        <p:cTn id="18" dur="1" fill="hold">
+                                        <p:cTn id="22" dur="1" fill="hold">
                                           <p:stCondLst>
                                             <p:cond delay="0"/>
                                           </p:stCondLst>
@@ -12377,48 +13028,13 @@
                                     </p:set>
                                     <p:animEffect transition="in" filter="fade">
                                       <p:cBhvr>
-                                        <p:cTn id="19" dur="500"/>
+                                        <p:cTn id="23" dur="500"/>
                                         <p:tgtEl>
                                           <p:spTgt spid="3">
                                             <p:txEl>
                                               <p:pRg st="9" end="9"/>
                                             </p:txEl>
                                           </p:spTgt>
-                                        </p:tgtEl>
-                                      </p:cBhvr>
-                                    </p:animEffect>
-                                  </p:childTnLst>
-                                </p:cTn>
-                              </p:par>
-                              <p:par>
-                                <p:cTn id="20" presetID="10" presetClass="entr" presetSubtype="0" fill="hold" nodeType="withEffect">
-                                  <p:stCondLst>
-                                    <p:cond delay="0"/>
-                                  </p:stCondLst>
-                                  <p:childTnLst>
-                                    <p:set>
-                                      <p:cBhvr>
-                                        <p:cTn id="21" dur="1" fill="hold">
-                                          <p:stCondLst>
-                                            <p:cond delay="0"/>
-                                          </p:stCondLst>
-                                        </p:cTn>
-                                        <p:tgtEl>
-                                          <p:spTgt spid="4"/>
-                                        </p:tgtEl>
-                                        <p:attrNameLst>
-                                          <p:attrName>style.visibility</p:attrName>
-                                        </p:attrNameLst>
-                                      </p:cBhvr>
-                                      <p:to>
-                                        <p:strVal val="visible"/>
-                                      </p:to>
-                                    </p:set>
-                                    <p:animEffect transition="in" filter="fade">
-                                      <p:cBhvr>
-                                        <p:cTn id="22" dur="500"/>
-                                        <p:tgtEl>
-                                          <p:spTgt spid="4"/>
                                         </p:tgtEl>
                                       </p:cBhvr>
                                     </p:animEffect>
@@ -12452,6 +13068,10 @@
         </p:cTn>
       </p:par>
     </p:tnLst>
+    <p:bldLst>
+      <p:bldP spid="6" grpId="0"/>
+      <p:bldP spid="7" grpId="0"/>
+    </p:bldLst>
   </p:timing>
 </p:sld>
 </file>
@@ -14924,7 +15544,7 @@
       </p:sp>
       <p:pic>
         <p:nvPicPr>
-          <p:cNvPr id="5" name="Grafik 4"/>
+          <p:cNvPr id="15" name="Grafik 14"/>
           <p:cNvPicPr>
             <a:picLocks noChangeAspect="1"/>
           </p:cNvPicPr>
@@ -14944,14 +15564,488 @@
         </p:blipFill>
         <p:spPr>
           <a:xfrm>
-            <a:off x="585292" y="1641728"/>
-            <a:ext cx="3682540" cy="1130159"/>
+            <a:off x="603963" y="3132866"/>
+            <a:ext cx="3874885" cy="1015663"/>
           </a:xfrm>
           <a:prstGeom prst="rect">
             <a:avLst/>
           </a:prstGeom>
         </p:spPr>
       </p:pic>
+      <p:sp>
+        <p:nvSpPr>
+          <p:cNvPr id="16" name="Textfeld 15"/>
+          <p:cNvSpPr txBox="1"/>
+          <p:nvPr/>
+        </p:nvSpPr>
+        <p:spPr>
+          <a:xfrm>
+            <a:off x="605777" y="1609596"/>
+            <a:ext cx="3711684" cy="1015663"/>
+          </a:xfrm>
+          <a:prstGeom prst="rect">
+            <a:avLst/>
+          </a:prstGeom>
+          <a:noFill/>
+        </p:spPr>
+        <p:txBody>
+          <a:bodyPr wrap="square" rtlCol="0">
+            <a:spAutoFit/>
+          </a:bodyPr>
+          <a:lstStyle/>
+          <a:p>
+            <a:r>
+              <a:rPr lang="de-DE" sz="1200" b="1" kern="1000" dirty="0" err="1" smtClean="0">
+                <a:solidFill>
+                  <a:schemeClr val="tx2"/>
+                </a:solidFill>
+                <a:latin typeface="Miriam Fixed" panose="020B0509050101010101" pitchFamily="49" charset="-79"/>
+                <a:cs typeface="Miriam Fixed" panose="020B0509050101010101" pitchFamily="49" charset="-79"/>
+              </a:rPr>
+              <a:t>public</a:t>
+            </a:r>
+            <a:r>
+              <a:rPr lang="de-DE" sz="1200" kern="1000" dirty="0" smtClean="0">
+                <a:solidFill>
+                  <a:schemeClr val="tx2"/>
+                </a:solidFill>
+                <a:latin typeface="Miriam Fixed" panose="020B0509050101010101" pitchFamily="49" charset="-79"/>
+                <a:cs typeface="Miriam Fixed" panose="020B0509050101010101" pitchFamily="49" charset="-79"/>
+              </a:rPr>
+              <a:t> </a:t>
+            </a:r>
+            <a:r>
+              <a:rPr lang="de-DE" sz="1200" b="1" kern="1000" dirty="0" err="1" smtClean="0">
+                <a:solidFill>
+                  <a:schemeClr val="tx2"/>
+                </a:solidFill>
+                <a:latin typeface="Miriam Fixed" panose="020B0509050101010101" pitchFamily="49" charset="-79"/>
+                <a:cs typeface="Miriam Fixed" panose="020B0509050101010101" pitchFamily="49" charset="-79"/>
+              </a:rPr>
+              <a:t>static</a:t>
+            </a:r>
+            <a:r>
+              <a:rPr lang="de-DE" sz="1200" kern="1000" dirty="0" smtClean="0">
+                <a:solidFill>
+                  <a:schemeClr val="tx2"/>
+                </a:solidFill>
+                <a:latin typeface="Miriam Fixed" panose="020B0509050101010101" pitchFamily="49" charset="-79"/>
+                <a:cs typeface="Miriam Fixed" panose="020B0509050101010101" pitchFamily="49" charset="-79"/>
+              </a:rPr>
+              <a:t> </a:t>
+            </a:r>
+            <a:r>
+              <a:rPr lang="de-DE" sz="1200" b="1" kern="1000" dirty="0" err="1" smtClean="0">
+                <a:solidFill>
+                  <a:schemeClr val="tx2"/>
+                </a:solidFill>
+                <a:latin typeface="Miriam Fixed" panose="020B0509050101010101" pitchFamily="49" charset="-79"/>
+                <a:cs typeface="Miriam Fixed" panose="020B0509050101010101" pitchFamily="49" charset="-79"/>
+              </a:rPr>
+              <a:t>void</a:t>
+            </a:r>
+            <a:r>
+              <a:rPr lang="de-DE" sz="1200" kern="1000" dirty="0" smtClean="0">
+                <a:latin typeface="Miriam Fixed" panose="020B0509050101010101" pitchFamily="49" charset="-79"/>
+                <a:cs typeface="Miriam Fixed" panose="020B0509050101010101" pitchFamily="49" charset="-79"/>
+              </a:rPr>
+              <a:t> </a:t>
+            </a:r>
+            <a:r>
+              <a:rPr lang="de-DE" sz="1200" kern="1000" dirty="0" err="1" smtClean="0">
+                <a:latin typeface="Miriam Fixed" panose="020B0509050101010101" pitchFamily="49" charset="-79"/>
+                <a:cs typeface="Miriam Fixed" panose="020B0509050101010101" pitchFamily="49" charset="-79"/>
+              </a:rPr>
+              <a:t>main</a:t>
+            </a:r>
+            <a:r>
+              <a:rPr lang="de-DE" sz="1200" kern="1000" dirty="0" smtClean="0">
+                <a:latin typeface="Miriam Fixed" panose="020B0509050101010101" pitchFamily="49" charset="-79"/>
+                <a:cs typeface="Miriam Fixed" panose="020B0509050101010101" pitchFamily="49" charset="-79"/>
+              </a:rPr>
+              <a:t>(String[] </a:t>
+            </a:r>
+            <a:r>
+              <a:rPr lang="de-DE" sz="1200" kern="1000" dirty="0" err="1" smtClean="0">
+                <a:latin typeface="Miriam Fixed" panose="020B0509050101010101" pitchFamily="49" charset="-79"/>
+                <a:cs typeface="Miriam Fixed" panose="020B0509050101010101" pitchFamily="49" charset="-79"/>
+              </a:rPr>
+              <a:t>args</a:t>
+            </a:r>
+            <a:r>
+              <a:rPr lang="de-DE" sz="1200" kern="1000" dirty="0" smtClean="0">
+                <a:latin typeface="Miriam Fixed" panose="020B0509050101010101" pitchFamily="49" charset="-79"/>
+                <a:cs typeface="Miriam Fixed" panose="020B0509050101010101" pitchFamily="49" charset="-79"/>
+              </a:rPr>
+              <a:t>) </a:t>
+            </a:r>
+          </a:p>
+          <a:p>
+            <a:r>
+              <a:rPr lang="de-DE" sz="1200" kern="1000" dirty="0" smtClean="0">
+                <a:latin typeface="Miriam Fixed" panose="020B0509050101010101" pitchFamily="49" charset="-79"/>
+                <a:cs typeface="Miriam Fixed" panose="020B0509050101010101" pitchFamily="49" charset="-79"/>
+              </a:rPr>
+              <a:t>    </a:t>
+            </a:r>
+            <a:r>
+              <a:rPr lang="de-DE" sz="1200" b="1" kern="1000" dirty="0" smtClean="0">
+                <a:solidFill>
+                  <a:schemeClr val="tx2"/>
+                </a:solidFill>
+                <a:latin typeface="Miriam Fixed" panose="020B0509050101010101" pitchFamily="49" charset="-79"/>
+                <a:cs typeface="Miriam Fixed" panose="020B0509050101010101" pitchFamily="49" charset="-79"/>
+              </a:rPr>
+              <a:t>double</a:t>
+            </a:r>
+            <a:r>
+              <a:rPr lang="de-DE" sz="1200" kern="1000" dirty="0" smtClean="0">
+                <a:latin typeface="Miriam Fixed" panose="020B0509050101010101" pitchFamily="49" charset="-79"/>
+                <a:cs typeface="Miriam Fixed" panose="020B0509050101010101" pitchFamily="49" charset="-79"/>
+              </a:rPr>
+              <a:t> a = </a:t>
+            </a:r>
+            <a:r>
+              <a:rPr lang="de-DE" sz="1200" kern="1000" dirty="0" smtClean="0">
+                <a:solidFill>
+                  <a:schemeClr val="accent1"/>
+                </a:solidFill>
+                <a:latin typeface="Miriam Fixed" panose="020B0509050101010101" pitchFamily="49" charset="-79"/>
+                <a:cs typeface="Miriam Fixed" panose="020B0509050101010101" pitchFamily="49" charset="-79"/>
+              </a:rPr>
+              <a:t>0.2</a:t>
+            </a:r>
+            <a:r>
+              <a:rPr lang="de-DE" sz="1200" kern="1000" dirty="0" smtClean="0">
+                <a:latin typeface="Miriam Fixed" panose="020B0509050101010101" pitchFamily="49" charset="-79"/>
+                <a:cs typeface="Miriam Fixed" panose="020B0509050101010101" pitchFamily="49" charset="-79"/>
+              </a:rPr>
+              <a:t>;</a:t>
+            </a:r>
+          </a:p>
+          <a:p>
+            <a:r>
+              <a:rPr lang="de-DE" sz="1200" kern="1000" dirty="0" smtClean="0">
+                <a:latin typeface="Miriam Fixed" panose="020B0509050101010101" pitchFamily="49" charset="-79"/>
+                <a:cs typeface="Miriam Fixed" panose="020B0509050101010101" pitchFamily="49" charset="-79"/>
+              </a:rPr>
+              <a:t>    </a:t>
+            </a:r>
+            <a:r>
+              <a:rPr lang="de-DE" sz="1200" b="1" kern="1000" dirty="0" smtClean="0">
+                <a:solidFill>
+                  <a:schemeClr val="tx2"/>
+                </a:solidFill>
+                <a:latin typeface="Miriam Fixed" panose="020B0509050101010101" pitchFamily="49" charset="-79"/>
+                <a:cs typeface="Miriam Fixed" panose="020B0509050101010101" pitchFamily="49" charset="-79"/>
+              </a:rPr>
+              <a:t>double</a:t>
+            </a:r>
+            <a:r>
+              <a:rPr lang="de-DE" sz="1200" kern="1000" dirty="0" smtClean="0">
+                <a:latin typeface="Miriam Fixed" panose="020B0509050101010101" pitchFamily="49" charset="-79"/>
+                <a:cs typeface="Miriam Fixed" panose="020B0509050101010101" pitchFamily="49" charset="-79"/>
+              </a:rPr>
+              <a:t> b = </a:t>
+            </a:r>
+            <a:r>
+              <a:rPr lang="de-DE" sz="1200" kern="1000" dirty="0" smtClean="0">
+                <a:solidFill>
+                  <a:schemeClr val="accent1"/>
+                </a:solidFill>
+                <a:latin typeface="Miriam Fixed" panose="020B0509050101010101" pitchFamily="49" charset="-79"/>
+                <a:cs typeface="Miriam Fixed" panose="020B0509050101010101" pitchFamily="49" charset="-79"/>
+              </a:rPr>
+              <a:t>0.8</a:t>
+            </a:r>
+          </a:p>
+          <a:p>
+            <a:r>
+              <a:rPr lang="de-DE" sz="1200" kern="1000" dirty="0" smtClean="0">
+                <a:latin typeface="Miriam Fixed" panose="020B0509050101010101" pitchFamily="49" charset="-79"/>
+                <a:cs typeface="Miriam Fixed" panose="020B0509050101010101" pitchFamily="49" charset="-79"/>
+              </a:rPr>
+              <a:t>    </a:t>
+            </a:r>
+            <a:r>
+              <a:rPr lang="de-DE" sz="1200" kern="1000" dirty="0" err="1" smtClean="0">
+                <a:latin typeface="Miriam Fixed" panose="020B0509050101010101" pitchFamily="49" charset="-79"/>
+                <a:cs typeface="Miriam Fixed" panose="020B0509050101010101" pitchFamily="49" charset="-79"/>
+              </a:rPr>
+              <a:t>differenz</a:t>
+            </a:r>
+            <a:r>
+              <a:rPr lang="de-DE" sz="1200" kern="1000" dirty="0" smtClean="0">
+                <a:latin typeface="Miriam Fixed" panose="020B0509050101010101" pitchFamily="49" charset="-79"/>
+                <a:cs typeface="Miriam Fixed" panose="020B0509050101010101" pitchFamily="49" charset="-79"/>
+              </a:rPr>
+              <a:t> = a + b;</a:t>
+            </a:r>
+          </a:p>
+          <a:p>
+            <a:r>
+              <a:rPr lang="de-DE" sz="1200" kern="1000" dirty="0" smtClean="0">
+                <a:latin typeface="Miriam Fixed" panose="020B0509050101010101" pitchFamily="49" charset="-79"/>
+                <a:cs typeface="Miriam Fixed" panose="020B0509050101010101" pitchFamily="49" charset="-79"/>
+              </a:rPr>
+              <a:t>}</a:t>
+            </a:r>
+            <a:endParaRPr lang="de-DE" sz="1200" kern="1000" dirty="0">
+              <a:latin typeface="Miriam Fixed" panose="020B0509050101010101" pitchFamily="49" charset="-79"/>
+              <a:cs typeface="Miriam Fixed" panose="020B0509050101010101" pitchFamily="49" charset="-79"/>
+            </a:endParaRPr>
+          </a:p>
+        </p:txBody>
+      </p:sp>
+      <p:sp>
+        <p:nvSpPr>
+          <p:cNvPr id="17" name="Textfeld 16"/>
+          <p:cNvSpPr txBox="1"/>
+          <p:nvPr/>
+        </p:nvSpPr>
+        <p:spPr>
+          <a:xfrm>
+            <a:off x="605777" y="3132866"/>
+            <a:ext cx="3873072" cy="1015663"/>
+          </a:xfrm>
+          <a:prstGeom prst="rect">
+            <a:avLst/>
+          </a:prstGeom>
+          <a:noFill/>
+        </p:spPr>
+        <p:txBody>
+          <a:bodyPr wrap="square" rtlCol="0">
+            <a:spAutoFit/>
+          </a:bodyPr>
+          <a:lstStyle/>
+          <a:p>
+            <a:r>
+              <a:rPr lang="de-DE" sz="1200" b="1" kern="1000" dirty="0" err="1" smtClean="0">
+                <a:solidFill>
+                  <a:schemeClr val="tx2"/>
+                </a:solidFill>
+                <a:latin typeface="Miriam Fixed" panose="020B0509050101010101" pitchFamily="49" charset="-79"/>
+                <a:cs typeface="Miriam Fixed" panose="020B0509050101010101" pitchFamily="49" charset="-79"/>
+              </a:rPr>
+              <a:t>public</a:t>
+            </a:r>
+            <a:r>
+              <a:rPr lang="de-DE" sz="1200" kern="1000" dirty="0" smtClean="0">
+                <a:solidFill>
+                  <a:schemeClr val="tx2"/>
+                </a:solidFill>
+                <a:latin typeface="Miriam Fixed" panose="020B0509050101010101" pitchFamily="49" charset="-79"/>
+                <a:cs typeface="Miriam Fixed" panose="020B0509050101010101" pitchFamily="49" charset="-79"/>
+              </a:rPr>
+              <a:t> </a:t>
+            </a:r>
+            <a:r>
+              <a:rPr lang="de-DE" sz="1200" b="1" kern="1000" dirty="0" err="1" smtClean="0">
+                <a:solidFill>
+                  <a:schemeClr val="tx2"/>
+                </a:solidFill>
+                <a:latin typeface="Miriam Fixed" panose="020B0509050101010101" pitchFamily="49" charset="-79"/>
+                <a:cs typeface="Miriam Fixed" panose="020B0509050101010101" pitchFamily="49" charset="-79"/>
+              </a:rPr>
+              <a:t>static</a:t>
+            </a:r>
+            <a:r>
+              <a:rPr lang="de-DE" sz="1200" kern="1000" dirty="0" smtClean="0">
+                <a:solidFill>
+                  <a:schemeClr val="tx2"/>
+                </a:solidFill>
+                <a:latin typeface="Miriam Fixed" panose="020B0509050101010101" pitchFamily="49" charset="-79"/>
+                <a:cs typeface="Miriam Fixed" panose="020B0509050101010101" pitchFamily="49" charset="-79"/>
+              </a:rPr>
+              <a:t> </a:t>
+            </a:r>
+            <a:r>
+              <a:rPr lang="de-DE" sz="1200" b="1" kern="1000" dirty="0" err="1" smtClean="0">
+                <a:solidFill>
+                  <a:schemeClr val="tx2"/>
+                </a:solidFill>
+                <a:latin typeface="Miriam Fixed" panose="020B0509050101010101" pitchFamily="49" charset="-79"/>
+                <a:cs typeface="Miriam Fixed" panose="020B0509050101010101" pitchFamily="49" charset="-79"/>
+              </a:rPr>
+              <a:t>void</a:t>
+            </a:r>
+            <a:r>
+              <a:rPr lang="de-DE" sz="1200" kern="1000" dirty="0" smtClean="0">
+                <a:latin typeface="Miriam Fixed" panose="020B0509050101010101" pitchFamily="49" charset="-79"/>
+                <a:cs typeface="Miriam Fixed" panose="020B0509050101010101" pitchFamily="49" charset="-79"/>
+              </a:rPr>
+              <a:t> </a:t>
+            </a:r>
+            <a:r>
+              <a:rPr lang="de-DE" sz="1200" kern="1000" dirty="0" err="1" smtClean="0">
+                <a:latin typeface="Miriam Fixed" panose="020B0509050101010101" pitchFamily="49" charset="-79"/>
+                <a:cs typeface="Miriam Fixed" panose="020B0509050101010101" pitchFamily="49" charset="-79"/>
+              </a:rPr>
+              <a:t>main</a:t>
+            </a:r>
+            <a:r>
+              <a:rPr lang="de-DE" sz="1200" kern="1000" dirty="0" smtClean="0">
+                <a:latin typeface="Miriam Fixed" panose="020B0509050101010101" pitchFamily="49" charset="-79"/>
+                <a:cs typeface="Miriam Fixed" panose="020B0509050101010101" pitchFamily="49" charset="-79"/>
+              </a:rPr>
+              <a:t>(String[] </a:t>
+            </a:r>
+            <a:r>
+              <a:rPr lang="de-DE" sz="1200" kern="1000" dirty="0" err="1" smtClean="0">
+                <a:latin typeface="Miriam Fixed" panose="020B0509050101010101" pitchFamily="49" charset="-79"/>
+                <a:cs typeface="Miriam Fixed" panose="020B0509050101010101" pitchFamily="49" charset="-79"/>
+              </a:rPr>
+              <a:t>args</a:t>
+            </a:r>
+            <a:r>
+              <a:rPr lang="de-DE" sz="1200" kern="1000" dirty="0" smtClean="0">
+                <a:latin typeface="Miriam Fixed" panose="020B0509050101010101" pitchFamily="49" charset="-79"/>
+                <a:cs typeface="Miriam Fixed" panose="020B0509050101010101" pitchFamily="49" charset="-79"/>
+              </a:rPr>
+              <a:t>) {</a:t>
+            </a:r>
+          </a:p>
+          <a:p>
+            <a:r>
+              <a:rPr lang="de-DE" sz="1200" kern="1000" dirty="0" smtClean="0">
+                <a:latin typeface="Miriam Fixed" panose="020B0509050101010101" pitchFamily="49" charset="-79"/>
+                <a:cs typeface="Miriam Fixed" panose="020B0509050101010101" pitchFamily="49" charset="-79"/>
+              </a:rPr>
+              <a:t>    </a:t>
+            </a:r>
+            <a:r>
+              <a:rPr lang="de-DE" sz="1200" b="1" kern="1000" dirty="0" smtClean="0">
+                <a:solidFill>
+                  <a:schemeClr val="tx2"/>
+                </a:solidFill>
+                <a:latin typeface="Miriam Fixed" panose="020B0509050101010101" pitchFamily="49" charset="-79"/>
+                <a:cs typeface="Miriam Fixed" panose="020B0509050101010101" pitchFamily="49" charset="-79"/>
+              </a:rPr>
+              <a:t>double</a:t>
+            </a:r>
+            <a:r>
+              <a:rPr lang="de-DE" sz="1200" kern="1000" dirty="0" smtClean="0">
+                <a:latin typeface="Miriam Fixed" panose="020B0509050101010101" pitchFamily="49" charset="-79"/>
+                <a:cs typeface="Miriam Fixed" panose="020B0509050101010101" pitchFamily="49" charset="-79"/>
+              </a:rPr>
+              <a:t> a = </a:t>
+            </a:r>
+            <a:r>
+              <a:rPr lang="de-DE" sz="1200" kern="1000" dirty="0" smtClean="0">
+                <a:solidFill>
+                  <a:schemeClr val="accent1"/>
+                </a:solidFill>
+                <a:latin typeface="Miriam Fixed" panose="020B0509050101010101" pitchFamily="49" charset="-79"/>
+                <a:cs typeface="Miriam Fixed" panose="020B0509050101010101" pitchFamily="49" charset="-79"/>
+              </a:rPr>
+              <a:t>0.2</a:t>
+            </a:r>
+            <a:r>
+              <a:rPr lang="de-DE" sz="1200" kern="1000" dirty="0" smtClean="0">
+                <a:latin typeface="Miriam Fixed" panose="020B0509050101010101" pitchFamily="49" charset="-79"/>
+                <a:cs typeface="Miriam Fixed" panose="020B0509050101010101" pitchFamily="49" charset="-79"/>
+              </a:rPr>
+              <a:t>;</a:t>
+            </a:r>
+          </a:p>
+          <a:p>
+            <a:r>
+              <a:rPr lang="de-DE" sz="1200" kern="1000" dirty="0" smtClean="0">
+                <a:latin typeface="Miriam Fixed" panose="020B0509050101010101" pitchFamily="49" charset="-79"/>
+                <a:cs typeface="Miriam Fixed" panose="020B0509050101010101" pitchFamily="49" charset="-79"/>
+              </a:rPr>
+              <a:t>    </a:t>
+            </a:r>
+            <a:r>
+              <a:rPr lang="de-DE" sz="1200" b="1" kern="1000" dirty="0" smtClean="0">
+                <a:solidFill>
+                  <a:schemeClr val="tx2"/>
+                </a:solidFill>
+                <a:latin typeface="Miriam Fixed" panose="020B0509050101010101" pitchFamily="49" charset="-79"/>
+                <a:cs typeface="Miriam Fixed" panose="020B0509050101010101" pitchFamily="49" charset="-79"/>
+              </a:rPr>
+              <a:t>double</a:t>
+            </a:r>
+            <a:r>
+              <a:rPr lang="de-DE" sz="1200" kern="1000" dirty="0" smtClean="0">
+                <a:latin typeface="Miriam Fixed" panose="020B0509050101010101" pitchFamily="49" charset="-79"/>
+                <a:cs typeface="Miriam Fixed" panose="020B0509050101010101" pitchFamily="49" charset="-79"/>
+              </a:rPr>
+              <a:t> b = </a:t>
+            </a:r>
+            <a:r>
+              <a:rPr lang="de-DE" sz="1200" kern="1000" dirty="0" smtClean="0">
+                <a:solidFill>
+                  <a:schemeClr val="accent1"/>
+                </a:solidFill>
+                <a:latin typeface="Miriam Fixed" panose="020B0509050101010101" pitchFamily="49" charset="-79"/>
+                <a:cs typeface="Miriam Fixed" panose="020B0509050101010101" pitchFamily="49" charset="-79"/>
+              </a:rPr>
+              <a:t>0.8</a:t>
+            </a:r>
+            <a:r>
+              <a:rPr lang="de-DE" sz="1200" kern="1000" dirty="0" smtClean="0">
+                <a:latin typeface="Miriam Fixed" panose="020B0509050101010101" pitchFamily="49" charset="-79"/>
+                <a:cs typeface="Miriam Fixed" panose="020B0509050101010101" pitchFamily="49" charset="-79"/>
+              </a:rPr>
+              <a:t>;</a:t>
+            </a:r>
+          </a:p>
+          <a:p>
+            <a:r>
+              <a:rPr lang="de-DE" sz="1200" kern="1000" dirty="0" smtClean="0">
+                <a:latin typeface="Miriam Fixed" panose="020B0509050101010101" pitchFamily="49" charset="-79"/>
+                <a:cs typeface="Miriam Fixed" panose="020B0509050101010101" pitchFamily="49" charset="-79"/>
+              </a:rPr>
+              <a:t>    </a:t>
+            </a:r>
+            <a:r>
+              <a:rPr lang="de-DE" sz="1200" b="1" kern="1000" dirty="0" smtClean="0">
+                <a:solidFill>
+                  <a:schemeClr val="tx2"/>
+                </a:solidFill>
+                <a:latin typeface="Miriam Fixed" panose="020B0509050101010101" pitchFamily="49" charset="-79"/>
+                <a:cs typeface="Miriam Fixed" panose="020B0509050101010101" pitchFamily="49" charset="-79"/>
+              </a:rPr>
+              <a:t>double</a:t>
+            </a:r>
+            <a:r>
+              <a:rPr lang="de-DE" sz="1200" kern="1000" dirty="0" smtClean="0">
+                <a:latin typeface="Miriam Fixed" panose="020B0509050101010101" pitchFamily="49" charset="-79"/>
+                <a:cs typeface="Miriam Fixed" panose="020B0509050101010101" pitchFamily="49" charset="-79"/>
+              </a:rPr>
+              <a:t> </a:t>
+            </a:r>
+            <a:r>
+              <a:rPr lang="de-DE" sz="1200" kern="1000" dirty="0" err="1" smtClean="0">
+                <a:latin typeface="Miriam Fixed" panose="020B0509050101010101" pitchFamily="49" charset="-79"/>
+                <a:cs typeface="Miriam Fixed" panose="020B0509050101010101" pitchFamily="49" charset="-79"/>
+              </a:rPr>
+              <a:t>differenz</a:t>
+            </a:r>
+            <a:r>
+              <a:rPr lang="de-DE" sz="1200" kern="1000" dirty="0" smtClean="0">
+                <a:latin typeface="Miriam Fixed" panose="020B0509050101010101" pitchFamily="49" charset="-79"/>
+                <a:cs typeface="Miriam Fixed" panose="020B0509050101010101" pitchFamily="49" charset="-79"/>
+              </a:rPr>
+              <a:t> = a + b;</a:t>
+            </a:r>
+          </a:p>
+          <a:p>
+            <a:r>
+              <a:rPr lang="de-DE" sz="1200" kern="1000" dirty="0" smtClean="0">
+                <a:latin typeface="Miriam Fixed" panose="020B0509050101010101" pitchFamily="49" charset="-79"/>
+                <a:cs typeface="Miriam Fixed" panose="020B0509050101010101" pitchFamily="49" charset="-79"/>
+              </a:rPr>
+              <a:t>}</a:t>
+            </a:r>
+            <a:endParaRPr lang="de-DE" sz="1200" kern="1000" dirty="0">
+              <a:latin typeface="Miriam Fixed" panose="020B0509050101010101" pitchFamily="49" charset="-79"/>
+              <a:cs typeface="Miriam Fixed" panose="020B0509050101010101" pitchFamily="49" charset="-79"/>
+            </a:endParaRPr>
+          </a:p>
+        </p:txBody>
+      </p:sp>
       <p:pic>
         <p:nvPicPr>
           <p:cNvPr id="4" name="Grafik 3"/>
@@ -14974,7 +16068,37 @@
         </p:blipFill>
         <p:spPr>
           <a:xfrm>
-            <a:off x="3679052" y="1381410"/>
+            <a:off x="3882103" y="1344960"/>
+            <a:ext cx="761905" cy="825397"/>
+          </a:xfrm>
+          <a:prstGeom prst="rect">
+            <a:avLst/>
+          </a:prstGeom>
+        </p:spPr>
+      </p:pic>
+      <p:pic>
+        <p:nvPicPr>
+          <p:cNvPr id="12" name="Grafik 11"/>
+          <p:cNvPicPr>
+            <a:picLocks noChangeAspect="1"/>
+          </p:cNvPicPr>
+          <p:nvPr/>
+        </p:nvPicPr>
+        <p:blipFill>
+          <a:blip r:embed="rId5">
+            <a:extLst>
+              <a:ext uri="{28A0092B-C50C-407E-A947-70E740481C1C}">
+                <a14:useLocalDpi xmlns:a14="http://schemas.microsoft.com/office/drawing/2010/main" val="0"/>
+              </a:ext>
+            </a:extLst>
+          </a:blip>
+          <a:stretch>
+            <a:fillRect/>
+          </a:stretch>
+        </p:blipFill>
+        <p:spPr>
+          <a:xfrm>
+            <a:off x="3882103" y="1344960"/>
             <a:ext cx="761905" cy="825397"/>
           </a:xfrm>
           <a:prstGeom prst="rect">
@@ -15004,7 +16128,7 @@
         </p:blipFill>
         <p:spPr>
           <a:xfrm>
-            <a:off x="1917440" y="1794108"/>
+            <a:off x="2045899" y="1705372"/>
             <a:ext cx="761905" cy="825397"/>
           </a:xfrm>
           <a:prstGeom prst="rect">
@@ -15034,7 +16158,7 @@
         </p:blipFill>
         <p:spPr>
           <a:xfrm>
-            <a:off x="585292" y="2001768"/>
+            <a:off x="641743" y="1912520"/>
             <a:ext cx="761905" cy="825397"/>
           </a:xfrm>
           <a:prstGeom prst="rect">
@@ -15044,7 +16168,7 @@
       </p:pic>
       <p:pic>
         <p:nvPicPr>
-          <p:cNvPr id="11" name="Grafik 10"/>
+          <p:cNvPr id="13" name="Grafik 12"/>
           <p:cNvPicPr>
             <a:picLocks noChangeAspect="1"/>
           </p:cNvPicPr>
@@ -15064,67 +16188,7 @@
         </p:blipFill>
         <p:spPr>
           <a:xfrm>
-            <a:off x="603520" y="3385617"/>
-            <a:ext cx="3644444" cy="1092063"/>
-          </a:xfrm>
-          <a:prstGeom prst="rect">
-            <a:avLst/>
-          </a:prstGeom>
-        </p:spPr>
-      </p:pic>
-      <p:pic>
-        <p:nvPicPr>
-          <p:cNvPr id="12" name="Grafik 11"/>
-          <p:cNvPicPr>
-            <a:picLocks noChangeAspect="1"/>
-          </p:cNvPicPr>
-          <p:nvPr/>
-        </p:nvPicPr>
-        <p:blipFill>
-          <a:blip r:embed="rId6">
-            <a:extLst>
-              <a:ext uri="{28A0092B-C50C-407E-A947-70E740481C1C}">
-                <a14:useLocalDpi xmlns:a14="http://schemas.microsoft.com/office/drawing/2010/main" val="0"/>
-              </a:ext>
-            </a:extLst>
-          </a:blip>
-          <a:stretch>
-            <a:fillRect/>
-          </a:stretch>
-        </p:blipFill>
-        <p:spPr>
-          <a:xfrm>
-            <a:off x="3679052" y="1381410"/>
-            <a:ext cx="761905" cy="825397"/>
-          </a:xfrm>
-          <a:prstGeom prst="rect">
-            <a:avLst/>
-          </a:prstGeom>
-        </p:spPr>
-      </p:pic>
-      <p:pic>
-        <p:nvPicPr>
-          <p:cNvPr id="13" name="Grafik 12"/>
-          <p:cNvPicPr>
-            <a:picLocks noChangeAspect="1"/>
-          </p:cNvPicPr>
-          <p:nvPr/>
-        </p:nvPicPr>
-        <p:blipFill>
-          <a:blip r:embed="rId6">
-            <a:extLst>
-              <a:ext uri="{28A0092B-C50C-407E-A947-70E740481C1C}">
-                <a14:useLocalDpi xmlns:a14="http://schemas.microsoft.com/office/drawing/2010/main" val="0"/>
-              </a:ext>
-            </a:extLst>
-          </a:blip>
-          <a:stretch>
-            <a:fillRect/>
-          </a:stretch>
-        </p:blipFill>
-        <p:spPr>
-          <a:xfrm>
-            <a:off x="1917439" y="1794108"/>
+            <a:off x="2045898" y="1705372"/>
             <a:ext cx="761905" cy="825397"/>
           </a:xfrm>
           <a:prstGeom prst="rect">
@@ -15141,7 +16205,7 @@
           <p:nvPr/>
         </p:nvPicPr>
         <p:blipFill>
-          <a:blip r:embed="rId6">
+          <a:blip r:embed="rId5">
             <a:extLst>
               <a:ext uri="{28A0092B-C50C-407E-A947-70E740481C1C}">
                 <a14:useLocalDpi xmlns:a14="http://schemas.microsoft.com/office/drawing/2010/main" val="0"/>
@@ -15154,38 +16218,8 @@
         </p:blipFill>
         <p:spPr>
           <a:xfrm>
-            <a:off x="585292" y="2001768"/>
+            <a:off x="641743" y="1912520"/>
             <a:ext cx="761905" cy="825397"/>
-          </a:xfrm>
-          <a:prstGeom prst="rect">
-            <a:avLst/>
-          </a:prstGeom>
-        </p:spPr>
-      </p:pic>
-      <p:pic>
-        <p:nvPicPr>
-          <p:cNvPr id="15" name="Grafik 14"/>
-          <p:cNvPicPr>
-            <a:picLocks noChangeAspect="1"/>
-          </p:cNvPicPr>
-          <p:nvPr/>
-        </p:nvPicPr>
-        <p:blipFill>
-          <a:blip r:embed="rId7">
-            <a:extLst>
-              <a:ext uri="{28A0092B-C50C-407E-A947-70E740481C1C}">
-                <a14:useLocalDpi xmlns:a14="http://schemas.microsoft.com/office/drawing/2010/main" val="0"/>
-              </a:ext>
-            </a:extLst>
-          </a:blip>
-          <a:stretch>
-            <a:fillRect/>
-          </a:stretch>
-        </p:blipFill>
-        <p:spPr>
-          <a:xfrm>
-            <a:off x="603520" y="3385617"/>
-            <a:ext cx="3644444" cy="1092063"/>
           </a:xfrm>
           <a:prstGeom prst="rect">
             <a:avLst/>
@@ -15280,6 +16314,41 @@
                                   </p:childTnLst>
                                 </p:cTn>
                               </p:par>
+                              <p:par>
+                                <p:cTn id="8" presetID="10" presetClass="entr" presetSubtype="0" fill="hold" grpId="0" nodeType="withEffect">
+                                  <p:stCondLst>
+                                    <p:cond delay="0"/>
+                                  </p:stCondLst>
+                                  <p:childTnLst>
+                                    <p:set>
+                                      <p:cBhvr>
+                                        <p:cTn id="9" dur="1" fill="hold">
+                                          <p:stCondLst>
+                                            <p:cond delay="0"/>
+                                          </p:stCondLst>
+                                        </p:cTn>
+                                        <p:tgtEl>
+                                          <p:spTgt spid="16"/>
+                                        </p:tgtEl>
+                                        <p:attrNameLst>
+                                          <p:attrName>style.visibility</p:attrName>
+                                        </p:attrNameLst>
+                                      </p:cBhvr>
+                                      <p:to>
+                                        <p:strVal val="visible"/>
+                                      </p:to>
+                                    </p:set>
+                                    <p:animEffect transition="in" filter="fade">
+                                      <p:cBhvr>
+                                        <p:cTn id="10" dur="500"/>
+                                        <p:tgtEl>
+                                          <p:spTgt spid="16"/>
+                                        </p:tgtEl>
+                                      </p:cBhvr>
+                                    </p:animEffect>
+                                  </p:childTnLst>
+                                </p:cTn>
+                              </p:par>
                             </p:childTnLst>
                           </p:cTn>
                         </p:par>
@@ -15304,7 +16373,7 @@
               </p:nextCondLst>
             </p:seq>
             <p:seq concurrent="1" nextAc="seek">
-              <p:cTn id="8" restart="whenNotActive" fill="hold" evtFilter="cancelBubble" nodeType="interactiveSeq">
+              <p:cTn id="11" restart="whenNotActive" fill="hold" evtFilter="cancelBubble" nodeType="interactiveSeq">
                 <p:stCondLst>
                   <p:cond evt="onClick" delay="0">
                     <p:tgtEl>
@@ -15317,32 +16386,32 @@
                 </p:endSync>
                 <p:childTnLst>
                   <p:par>
-                    <p:cTn id="9" fill="hold">
+                    <p:cTn id="12" fill="hold">
                       <p:stCondLst>
                         <p:cond delay="0"/>
                       </p:stCondLst>
                       <p:childTnLst>
                         <p:par>
-                          <p:cTn id="10" fill="hold">
+                          <p:cTn id="13" fill="hold">
                             <p:stCondLst>
                               <p:cond delay="0"/>
                             </p:stCondLst>
                             <p:childTnLst>
                               <p:par>
-                                <p:cTn id="11" presetID="10" presetClass="entr" presetSubtype="0" fill="hold" nodeType="clickEffect">
+                                <p:cTn id="14" presetID="10" presetClass="entr" presetSubtype="0" fill="hold" grpId="0" nodeType="clickEffect">
                                   <p:stCondLst>
                                     <p:cond delay="0"/>
                                   </p:stCondLst>
                                   <p:childTnLst>
                                     <p:set>
                                       <p:cBhvr>
-                                        <p:cTn id="12" dur="1" fill="hold">
+                                        <p:cTn id="15" dur="1" fill="hold">
                                           <p:stCondLst>
                                             <p:cond delay="0"/>
                                           </p:stCondLst>
                                         </p:cTn>
                                         <p:tgtEl>
-                                          <p:spTgt spid="11"/>
+                                          <p:spTgt spid="17"/>
                                         </p:tgtEl>
                                         <p:attrNameLst>
                                           <p:attrName>style.visibility</p:attrName>
@@ -15354,9 +16423,9 @@
                                     </p:set>
                                     <p:animEffect transition="in" filter="fade">
                                       <p:cBhvr>
-                                        <p:cTn id="13" dur="500"/>
+                                        <p:cTn id="16" dur="500"/>
                                         <p:tgtEl>
-                                          <p:spTgt spid="11"/>
+                                          <p:spTgt spid="17"/>
                                         </p:tgtEl>
                                       </p:cBhvr>
                                     </p:animEffect>
@@ -15364,14 +16433,14 @@
                                 </p:cTn>
                               </p:par>
                               <p:par>
-                                <p:cTn id="14" presetID="1" presetClass="exit" presetSubtype="0" fill="hold" nodeType="withEffect">
+                                <p:cTn id="17" presetID="1" presetClass="exit" presetSubtype="0" fill="hold" nodeType="withEffect">
                                   <p:stCondLst>
                                     <p:cond delay="0"/>
                                   </p:stCondLst>
                                   <p:childTnLst>
                                     <p:set>
                                       <p:cBhvr>
-                                        <p:cTn id="15" dur="1" fill="hold">
+                                        <p:cTn id="18" dur="1" fill="hold">
                                           <p:stCondLst>
                                             <p:cond delay="0"/>
                                           </p:stCondLst>
@@ -15407,7 +16476,7 @@
               </p:nextCondLst>
             </p:seq>
             <p:seq concurrent="1" nextAc="seek">
-              <p:cTn id="16" restart="whenNotActive" fill="hold" evtFilter="cancelBubble" nodeType="interactiveSeq">
+              <p:cTn id="19" restart="whenNotActive" fill="hold" evtFilter="cancelBubble" nodeType="interactiveSeq">
                 <p:stCondLst>
                   <p:cond evt="onClick" delay="0">
                     <p:tgtEl>
@@ -15420,26 +16489,26 @@
                 </p:endSync>
                 <p:childTnLst>
                   <p:par>
-                    <p:cTn id="17" fill="hold">
+                    <p:cTn id="20" fill="hold">
                       <p:stCondLst>
                         <p:cond delay="0"/>
                       </p:stCondLst>
                       <p:childTnLst>
                         <p:par>
-                          <p:cTn id="18" fill="hold">
+                          <p:cTn id="21" fill="hold">
                             <p:stCondLst>
                               <p:cond delay="0"/>
                             </p:stCondLst>
                             <p:childTnLst>
                               <p:par>
-                                <p:cTn id="19" presetID="10" presetClass="entr" presetSubtype="0" fill="hold" nodeType="clickEffect">
+                                <p:cTn id="22" presetID="10" presetClass="entr" presetSubtype="0" fill="hold" nodeType="clickEffect">
                                   <p:stCondLst>
                                     <p:cond delay="0"/>
                                   </p:stCondLst>
                                   <p:childTnLst>
                                     <p:set>
                                       <p:cBhvr>
-                                        <p:cTn id="20" dur="1" fill="hold">
+                                        <p:cTn id="23" dur="1" fill="hold">
                                           <p:stCondLst>
                                             <p:cond delay="0"/>
                                           </p:stCondLst>
@@ -15457,7 +16526,7 @@
                                     </p:set>
                                     <p:animEffect transition="in" filter="fade">
                                       <p:cBhvr>
-                                        <p:cTn id="21" dur="500"/>
+                                        <p:cTn id="24" dur="500"/>
                                         <p:tgtEl>
                                           <p:spTgt spid="10"/>
                                         </p:tgtEl>
@@ -15467,14 +16536,14 @@
                                 </p:cTn>
                               </p:par>
                               <p:par>
-                                <p:cTn id="22" presetID="1" presetClass="exit" presetSubtype="0" fill="hold" nodeType="withEffect">
+                                <p:cTn id="25" presetID="1" presetClass="exit" presetSubtype="0" fill="hold" nodeType="withEffect">
                                   <p:stCondLst>
                                     <p:cond delay="0"/>
                                   </p:stCondLst>
                                   <p:childTnLst>
                                     <p:set>
                                       <p:cBhvr>
-                                        <p:cTn id="23" dur="1" fill="hold">
+                                        <p:cTn id="26" dur="1" fill="hold">
                                           <p:stCondLst>
                                             <p:cond delay="0"/>
                                           </p:stCondLst>
@@ -15510,7 +16579,7 @@
               </p:nextCondLst>
             </p:seq>
             <p:seq concurrent="1" nextAc="seek">
-              <p:cTn id="24" restart="whenNotActive" fill="hold" evtFilter="cancelBubble" nodeType="interactiveSeq">
+              <p:cTn id="27" restart="whenNotActive" fill="hold" evtFilter="cancelBubble" nodeType="interactiveSeq">
                 <p:stCondLst>
                   <p:cond evt="onClick" delay="0">
                     <p:tgtEl>
@@ -15523,26 +16592,26 @@
                 </p:endSync>
                 <p:childTnLst>
                   <p:par>
-                    <p:cTn id="25" fill="hold">
+                    <p:cTn id="28" fill="hold">
                       <p:stCondLst>
                         <p:cond delay="0"/>
                       </p:stCondLst>
                       <p:childTnLst>
                         <p:par>
-                          <p:cTn id="26" fill="hold">
+                          <p:cTn id="29" fill="hold">
                             <p:stCondLst>
                               <p:cond delay="0"/>
                             </p:stCondLst>
                             <p:childTnLst>
                               <p:par>
-                                <p:cTn id="27" presetID="10" presetClass="entr" presetSubtype="0" fill="hold" nodeType="clickEffect">
+                                <p:cTn id="30" presetID="10" presetClass="entr" presetSubtype="0" fill="hold" nodeType="clickEffect">
                                   <p:stCondLst>
                                     <p:cond delay="0"/>
                                   </p:stCondLst>
                                   <p:childTnLst>
                                     <p:set>
                                       <p:cBhvr>
-                                        <p:cTn id="28" dur="1" fill="hold">
+                                        <p:cTn id="31" dur="1" fill="hold">
                                           <p:stCondLst>
                                             <p:cond delay="0"/>
                                           </p:stCondLst>
@@ -15560,7 +16629,7 @@
                                     </p:set>
                                     <p:animEffect transition="in" filter="fade">
                                       <p:cBhvr>
-                                        <p:cTn id="29" dur="500"/>
+                                        <p:cTn id="32" dur="500"/>
                                         <p:tgtEl>
                                           <p:spTgt spid="9"/>
                                         </p:tgtEl>
@@ -15570,14 +16639,14 @@
                                 </p:cTn>
                               </p:par>
                               <p:par>
-                                <p:cTn id="30" presetID="1" presetClass="exit" presetSubtype="0" fill="hold" nodeType="withEffect">
+                                <p:cTn id="33" presetID="1" presetClass="exit" presetSubtype="0" fill="hold" nodeType="withEffect">
                                   <p:stCondLst>
                                     <p:cond delay="0"/>
                                   </p:stCondLst>
                                   <p:childTnLst>
                                     <p:set>
                                       <p:cBhvr>
-                                        <p:cTn id="31" dur="1" fill="hold">
+                                        <p:cTn id="34" dur="1" fill="hold">
                                           <p:stCondLst>
                                             <p:cond delay="0"/>
                                           </p:stCondLst>
@@ -15613,7 +16682,7 @@
               </p:nextCondLst>
             </p:seq>
             <p:seq concurrent="1" nextAc="seek">
-              <p:cTn id="32" restart="whenNotActive" fill="hold" evtFilter="cancelBubble" nodeType="interactiveSeq">
+              <p:cTn id="35" restart="whenNotActive" fill="hold" evtFilter="cancelBubble" nodeType="interactiveSeq">
                 <p:stCondLst>
                   <p:cond evt="onClick" delay="0">
                     <p:tgtEl>
@@ -15626,26 +16695,26 @@
                 </p:endSync>
                 <p:childTnLst>
                   <p:par>
-                    <p:cTn id="33" fill="hold">
+                    <p:cTn id="36" fill="hold">
                       <p:stCondLst>
                         <p:cond delay="0"/>
                       </p:stCondLst>
                       <p:childTnLst>
                         <p:par>
-                          <p:cTn id="34" fill="hold">
+                          <p:cTn id="37" fill="hold">
                             <p:stCondLst>
                               <p:cond delay="0"/>
                             </p:stCondLst>
                             <p:childTnLst>
                               <p:par>
-                                <p:cTn id="35" presetID="10" presetClass="entr" presetSubtype="0" fill="hold" nodeType="clickEffect">
+                                <p:cTn id="38" presetID="10" presetClass="entr" presetSubtype="0" fill="hold" nodeType="clickEffect">
                                   <p:stCondLst>
                                     <p:cond delay="0"/>
                                   </p:stCondLst>
                                   <p:childTnLst>
                                     <p:set>
                                       <p:cBhvr>
-                                        <p:cTn id="36" dur="1" fill="hold">
+                                        <p:cTn id="39" dur="1" fill="hold">
                                           <p:stCondLst>
                                             <p:cond delay="0"/>
                                           </p:stCondLst>
@@ -15663,7 +16732,7 @@
                                     </p:set>
                                     <p:animEffect transition="in" filter="fade">
                                       <p:cBhvr>
-                                        <p:cTn id="37" dur="500"/>
+                                        <p:cTn id="40" dur="500"/>
                                         <p:tgtEl>
                                           <p:spTgt spid="4"/>
                                         </p:tgtEl>
@@ -15673,14 +16742,14 @@
                                 </p:cTn>
                               </p:par>
                               <p:par>
-                                <p:cTn id="38" presetID="1" presetClass="exit" presetSubtype="0" fill="hold" nodeType="withEffect">
+                                <p:cTn id="41" presetID="1" presetClass="exit" presetSubtype="0" fill="hold" nodeType="withEffect">
                                   <p:stCondLst>
                                     <p:cond delay="0"/>
                                   </p:stCondLst>
                                   <p:childTnLst>
                                     <p:set>
                                       <p:cBhvr>
-                                        <p:cTn id="39" dur="1" fill="hold">
+                                        <p:cTn id="42" dur="1" fill="hold">
                                           <p:stCondLst>
                                             <p:cond delay="0"/>
                                           </p:stCondLst>
@@ -15719,6 +16788,10 @@
         </p:cTn>
       </p:par>
     </p:tnLst>
+    <p:bldLst>
+      <p:bldP spid="16" grpId="0"/>
+      <p:bldP spid="17" grpId="0"/>
+    </p:bldLst>
   </p:timing>
 </p:sld>
 </file>
@@ -16341,66 +17414,502 @@
           </a:p>
         </p:txBody>
       </p:sp>
-      <p:pic>
-        <p:nvPicPr>
-          <p:cNvPr id="5" name="Grafik 4"/>
-          <p:cNvPicPr>
-            <a:picLocks noChangeAspect="1"/>
-          </p:cNvPicPr>
+      <p:sp>
+        <p:nvSpPr>
+          <p:cNvPr id="7" name="Textfeld 6"/>
+          <p:cNvSpPr txBox="1"/>
           <p:nvPr/>
-        </p:nvPicPr>
-        <p:blipFill>
-          <a:blip r:embed="rId3">
-            <a:extLst>
-              <a:ext uri="{28A0092B-C50C-407E-A947-70E740481C1C}">
-                <a14:useLocalDpi xmlns:a14="http://schemas.microsoft.com/office/drawing/2010/main" val="0"/>
-              </a:ext>
-            </a:extLst>
-          </a:blip>
-          <a:stretch>
-            <a:fillRect/>
-          </a:stretch>
-        </p:blipFill>
+        </p:nvSpPr>
         <p:spPr>
           <a:xfrm>
-            <a:off x="4719656" y="1453344"/>
-            <a:ext cx="2715004" cy="1143160"/>
+            <a:off x="811402" y="1453344"/>
+            <a:ext cx="3276364" cy="861774"/>
           </a:xfrm>
           <a:prstGeom prst="rect">
             <a:avLst/>
           </a:prstGeom>
+          <a:noFill/>
         </p:spPr>
-      </p:pic>
-      <p:pic>
-        <p:nvPicPr>
-          <p:cNvPr id="6" name="Grafik 5"/>
-          <p:cNvPicPr>
-            <a:picLocks noChangeAspect="1"/>
-          </p:cNvPicPr>
+        <p:txBody>
+          <a:bodyPr wrap="square" rtlCol="0">
+            <a:spAutoFit/>
+          </a:bodyPr>
+          <a:lstStyle/>
+          <a:p>
+            <a:r>
+              <a:rPr lang="de-DE" sz="1000" b="1" kern="1000" dirty="0" err="1" smtClean="0">
+                <a:solidFill>
+                  <a:schemeClr val="tx2"/>
+                </a:solidFill>
+                <a:latin typeface="Miriam Fixed" panose="020B0509050101010101" pitchFamily="49" charset="-79"/>
+                <a:cs typeface="Miriam Fixed" panose="020B0509050101010101" pitchFamily="49" charset="-79"/>
+              </a:rPr>
+              <a:t>public</a:t>
+            </a:r>
+            <a:r>
+              <a:rPr lang="de-DE" sz="1000" kern="1000" dirty="0" smtClean="0">
+                <a:solidFill>
+                  <a:schemeClr val="tx2"/>
+                </a:solidFill>
+                <a:latin typeface="Miriam Fixed" panose="020B0509050101010101" pitchFamily="49" charset="-79"/>
+                <a:cs typeface="Miriam Fixed" panose="020B0509050101010101" pitchFamily="49" charset="-79"/>
+              </a:rPr>
+              <a:t> </a:t>
+            </a:r>
+            <a:r>
+              <a:rPr lang="de-DE" sz="1000" b="1" kern="1000" dirty="0" err="1" smtClean="0">
+                <a:solidFill>
+                  <a:schemeClr val="tx2"/>
+                </a:solidFill>
+                <a:latin typeface="Miriam Fixed" panose="020B0509050101010101" pitchFamily="49" charset="-79"/>
+                <a:cs typeface="Miriam Fixed" panose="020B0509050101010101" pitchFamily="49" charset="-79"/>
+              </a:rPr>
+              <a:t>static</a:t>
+            </a:r>
+            <a:r>
+              <a:rPr lang="de-DE" sz="1000" kern="1000" dirty="0" smtClean="0">
+                <a:solidFill>
+                  <a:schemeClr val="tx2"/>
+                </a:solidFill>
+                <a:latin typeface="Miriam Fixed" panose="020B0509050101010101" pitchFamily="49" charset="-79"/>
+                <a:cs typeface="Miriam Fixed" panose="020B0509050101010101" pitchFamily="49" charset="-79"/>
+              </a:rPr>
+              <a:t> </a:t>
+            </a:r>
+            <a:r>
+              <a:rPr lang="de-DE" sz="1000" b="1" kern="1000" dirty="0" err="1" smtClean="0">
+                <a:solidFill>
+                  <a:schemeClr val="tx2"/>
+                </a:solidFill>
+                <a:latin typeface="Miriam Fixed" panose="020B0509050101010101" pitchFamily="49" charset="-79"/>
+                <a:cs typeface="Miriam Fixed" panose="020B0509050101010101" pitchFamily="49" charset="-79"/>
+              </a:rPr>
+              <a:t>void</a:t>
+            </a:r>
+            <a:r>
+              <a:rPr lang="de-DE" sz="1000" kern="1000" dirty="0" smtClean="0">
+                <a:latin typeface="Miriam Fixed" panose="020B0509050101010101" pitchFamily="49" charset="-79"/>
+                <a:cs typeface="Miriam Fixed" panose="020B0509050101010101" pitchFamily="49" charset="-79"/>
+              </a:rPr>
+              <a:t> </a:t>
+            </a:r>
+            <a:r>
+              <a:rPr lang="de-DE" sz="1000" kern="1000" dirty="0" err="1" smtClean="0">
+                <a:latin typeface="Miriam Fixed" panose="020B0509050101010101" pitchFamily="49" charset="-79"/>
+                <a:cs typeface="Miriam Fixed" panose="020B0509050101010101" pitchFamily="49" charset="-79"/>
+              </a:rPr>
+              <a:t>main</a:t>
+            </a:r>
+            <a:r>
+              <a:rPr lang="de-DE" sz="1000" kern="1000" dirty="0" smtClean="0">
+                <a:latin typeface="Miriam Fixed" panose="020B0509050101010101" pitchFamily="49" charset="-79"/>
+                <a:cs typeface="Miriam Fixed" panose="020B0509050101010101" pitchFamily="49" charset="-79"/>
+              </a:rPr>
+              <a:t>(String[] </a:t>
+            </a:r>
+            <a:r>
+              <a:rPr lang="de-DE" sz="1000" kern="1000" dirty="0" err="1" smtClean="0">
+                <a:latin typeface="Miriam Fixed" panose="020B0509050101010101" pitchFamily="49" charset="-79"/>
+                <a:cs typeface="Miriam Fixed" panose="020B0509050101010101" pitchFamily="49" charset="-79"/>
+              </a:rPr>
+              <a:t>args</a:t>
+            </a:r>
+            <a:r>
+              <a:rPr lang="de-DE" sz="1000" kern="1000" dirty="0" smtClean="0">
+                <a:latin typeface="Miriam Fixed" panose="020B0509050101010101" pitchFamily="49" charset="-79"/>
+                <a:cs typeface="Miriam Fixed" panose="020B0509050101010101" pitchFamily="49" charset="-79"/>
+              </a:rPr>
+              <a:t>) {</a:t>
+            </a:r>
+          </a:p>
+          <a:p>
+            <a:r>
+              <a:rPr lang="de-DE" sz="1000" kern="1000" dirty="0" smtClean="0">
+                <a:latin typeface="Miriam Fixed" panose="020B0509050101010101" pitchFamily="49" charset="-79"/>
+                <a:cs typeface="Miriam Fixed" panose="020B0509050101010101" pitchFamily="49" charset="-79"/>
+              </a:rPr>
+              <a:t>    </a:t>
+            </a:r>
+            <a:r>
+              <a:rPr lang="de-DE" sz="1000" b="1" kern="1000" dirty="0" err="1" smtClean="0">
+                <a:solidFill>
+                  <a:schemeClr val="tx2"/>
+                </a:solidFill>
+                <a:latin typeface="Miriam Fixed" panose="020B0509050101010101" pitchFamily="49" charset="-79"/>
+                <a:cs typeface="Miriam Fixed" panose="020B0509050101010101" pitchFamily="49" charset="-79"/>
+              </a:rPr>
+              <a:t>if</a:t>
+            </a:r>
+            <a:r>
+              <a:rPr lang="de-DE" sz="1000" kern="1000" dirty="0" smtClean="0">
+                <a:latin typeface="Miriam Fixed" panose="020B0509050101010101" pitchFamily="49" charset="-79"/>
+                <a:cs typeface="Miriam Fixed" panose="020B0509050101010101" pitchFamily="49" charset="-79"/>
+              </a:rPr>
+              <a:t> (</a:t>
+            </a:r>
+            <a:r>
+              <a:rPr lang="de-DE" sz="1000" kern="1000" dirty="0" smtClean="0">
+                <a:solidFill>
+                  <a:srgbClr val="FF0000"/>
+                </a:solidFill>
+                <a:latin typeface="Miriam Fixed" panose="020B0509050101010101" pitchFamily="49" charset="-79"/>
+                <a:cs typeface="Miriam Fixed" panose="020B0509050101010101" pitchFamily="49" charset="-79"/>
+              </a:rPr>
+              <a:t>Bedingung</a:t>
+            </a:r>
+            <a:r>
+              <a:rPr lang="de-DE" sz="1000" kern="1000" dirty="0" smtClean="0">
+                <a:latin typeface="Miriam Fixed" panose="020B0509050101010101" pitchFamily="49" charset="-79"/>
+                <a:cs typeface="Miriam Fixed" panose="020B0509050101010101" pitchFamily="49" charset="-79"/>
+              </a:rPr>
+              <a:t>) {</a:t>
+            </a:r>
+          </a:p>
+          <a:p>
+            <a:r>
+              <a:rPr lang="de-DE" sz="1000" kern="1000" dirty="0">
+                <a:latin typeface="Miriam Fixed" panose="020B0509050101010101" pitchFamily="49" charset="-79"/>
+                <a:cs typeface="Miriam Fixed" panose="020B0509050101010101" pitchFamily="49" charset="-79"/>
+              </a:rPr>
+              <a:t> </a:t>
+            </a:r>
+            <a:r>
+              <a:rPr lang="de-DE" sz="1000" kern="1000" dirty="0" smtClean="0">
+                <a:latin typeface="Miriam Fixed" panose="020B0509050101010101" pitchFamily="49" charset="-79"/>
+                <a:cs typeface="Miriam Fixed" panose="020B0509050101010101" pitchFamily="49" charset="-79"/>
+              </a:rPr>
+              <a:t>       </a:t>
+            </a:r>
+            <a:r>
+              <a:rPr lang="de-DE" sz="1000" kern="1000" dirty="0" smtClean="0">
+                <a:solidFill>
+                  <a:srgbClr val="FF0000"/>
+                </a:solidFill>
+                <a:latin typeface="Miriam Fixed" panose="020B0509050101010101" pitchFamily="49" charset="-79"/>
+                <a:cs typeface="Miriam Fixed" panose="020B0509050101010101" pitchFamily="49" charset="-79"/>
+              </a:rPr>
+              <a:t>Code</a:t>
+            </a:r>
+            <a:r>
+              <a:rPr lang="de-DE" sz="1000" kern="1000" dirty="0" smtClean="0">
+                <a:latin typeface="Miriam Fixed" panose="020B0509050101010101" pitchFamily="49" charset="-79"/>
+                <a:cs typeface="Miriam Fixed" panose="020B0509050101010101" pitchFamily="49" charset="-79"/>
+              </a:rPr>
+              <a:t>;</a:t>
+            </a:r>
+          </a:p>
+          <a:p>
+            <a:r>
+              <a:rPr lang="de-DE" sz="1000" kern="1000" dirty="0">
+                <a:latin typeface="Miriam Fixed" panose="020B0509050101010101" pitchFamily="49" charset="-79"/>
+                <a:cs typeface="Miriam Fixed" panose="020B0509050101010101" pitchFamily="49" charset="-79"/>
+              </a:rPr>
+              <a:t> </a:t>
+            </a:r>
+            <a:r>
+              <a:rPr lang="de-DE" sz="1000" kern="1000" dirty="0" smtClean="0">
+                <a:latin typeface="Miriam Fixed" panose="020B0509050101010101" pitchFamily="49" charset="-79"/>
+                <a:cs typeface="Miriam Fixed" panose="020B0509050101010101" pitchFamily="49" charset="-79"/>
+              </a:rPr>
+              <a:t>   }</a:t>
+            </a:r>
+          </a:p>
+          <a:p>
+            <a:r>
+              <a:rPr lang="de-DE" sz="1000" kern="1000" dirty="0" smtClean="0">
+                <a:latin typeface="Miriam Fixed" panose="020B0509050101010101" pitchFamily="49" charset="-79"/>
+                <a:cs typeface="Miriam Fixed" panose="020B0509050101010101" pitchFamily="49" charset="-79"/>
+              </a:rPr>
+              <a:t>}</a:t>
+            </a:r>
+            <a:endParaRPr lang="de-DE" sz="1000" kern="1000" dirty="0">
+              <a:latin typeface="Miriam Fixed" panose="020B0509050101010101" pitchFamily="49" charset="-79"/>
+              <a:cs typeface="Miriam Fixed" panose="020B0509050101010101" pitchFamily="49" charset="-79"/>
+            </a:endParaRPr>
+          </a:p>
+        </p:txBody>
+      </p:sp>
+      <p:sp>
+        <p:nvSpPr>
+          <p:cNvPr id="8" name="Textfeld 7"/>
+          <p:cNvSpPr txBox="1"/>
           <p:nvPr/>
-        </p:nvPicPr>
-        <p:blipFill>
-          <a:blip r:embed="rId4">
-            <a:extLst>
-              <a:ext uri="{28A0092B-C50C-407E-A947-70E740481C1C}">
-                <a14:useLocalDpi xmlns:a14="http://schemas.microsoft.com/office/drawing/2010/main" val="0"/>
-              </a:ext>
-            </a:extLst>
-          </a:blip>
-          <a:stretch>
-            <a:fillRect/>
-          </a:stretch>
-        </p:blipFill>
+        </p:nvSpPr>
         <p:spPr>
           <a:xfrm>
-            <a:off x="1151620" y="1453344"/>
-            <a:ext cx="2743583" cy="819264"/>
+            <a:off x="4719656" y="1453344"/>
+            <a:ext cx="3276364" cy="1169551"/>
           </a:xfrm>
           <a:prstGeom prst="rect">
             <a:avLst/>
           </a:prstGeom>
+          <a:noFill/>
         </p:spPr>
-      </p:pic>
+        <p:txBody>
+          <a:bodyPr wrap="square" rtlCol="0">
+            <a:spAutoFit/>
+          </a:bodyPr>
+          <a:lstStyle/>
+          <a:p>
+            <a:r>
+              <a:rPr lang="de-DE" sz="1000" b="1" kern="1000" dirty="0" err="1" smtClean="0">
+                <a:solidFill>
+                  <a:schemeClr val="tx2"/>
+                </a:solidFill>
+                <a:latin typeface="Miriam Fixed" panose="020B0509050101010101" pitchFamily="49" charset="-79"/>
+                <a:cs typeface="Miriam Fixed" panose="020B0509050101010101" pitchFamily="49" charset="-79"/>
+              </a:rPr>
+              <a:t>public</a:t>
+            </a:r>
+            <a:r>
+              <a:rPr lang="de-DE" sz="1000" kern="1000" dirty="0" smtClean="0">
+                <a:solidFill>
+                  <a:schemeClr val="tx2"/>
+                </a:solidFill>
+                <a:latin typeface="Miriam Fixed" panose="020B0509050101010101" pitchFamily="49" charset="-79"/>
+                <a:cs typeface="Miriam Fixed" panose="020B0509050101010101" pitchFamily="49" charset="-79"/>
+              </a:rPr>
+              <a:t> </a:t>
+            </a:r>
+            <a:r>
+              <a:rPr lang="de-DE" sz="1000" b="1" kern="1000" dirty="0" err="1" smtClean="0">
+                <a:solidFill>
+                  <a:schemeClr val="tx2"/>
+                </a:solidFill>
+                <a:latin typeface="Miriam Fixed" panose="020B0509050101010101" pitchFamily="49" charset="-79"/>
+                <a:cs typeface="Miriam Fixed" panose="020B0509050101010101" pitchFamily="49" charset="-79"/>
+              </a:rPr>
+              <a:t>static</a:t>
+            </a:r>
+            <a:r>
+              <a:rPr lang="de-DE" sz="1000" kern="1000" dirty="0" smtClean="0">
+                <a:solidFill>
+                  <a:schemeClr val="tx2"/>
+                </a:solidFill>
+                <a:latin typeface="Miriam Fixed" panose="020B0509050101010101" pitchFamily="49" charset="-79"/>
+                <a:cs typeface="Miriam Fixed" panose="020B0509050101010101" pitchFamily="49" charset="-79"/>
+              </a:rPr>
+              <a:t> </a:t>
+            </a:r>
+            <a:r>
+              <a:rPr lang="de-DE" sz="1000" b="1" kern="1000" dirty="0" err="1" smtClean="0">
+                <a:solidFill>
+                  <a:schemeClr val="tx2"/>
+                </a:solidFill>
+                <a:latin typeface="Miriam Fixed" panose="020B0509050101010101" pitchFamily="49" charset="-79"/>
+                <a:cs typeface="Miriam Fixed" panose="020B0509050101010101" pitchFamily="49" charset="-79"/>
+              </a:rPr>
+              <a:t>void</a:t>
+            </a:r>
+            <a:r>
+              <a:rPr lang="de-DE" sz="1000" kern="1000" dirty="0" smtClean="0">
+                <a:latin typeface="Miriam Fixed" panose="020B0509050101010101" pitchFamily="49" charset="-79"/>
+                <a:cs typeface="Miriam Fixed" panose="020B0509050101010101" pitchFamily="49" charset="-79"/>
+              </a:rPr>
+              <a:t> </a:t>
+            </a:r>
+            <a:r>
+              <a:rPr lang="de-DE" sz="1000" kern="1000" dirty="0" err="1" smtClean="0">
+                <a:latin typeface="Miriam Fixed" panose="020B0509050101010101" pitchFamily="49" charset="-79"/>
+                <a:cs typeface="Miriam Fixed" panose="020B0509050101010101" pitchFamily="49" charset="-79"/>
+              </a:rPr>
+              <a:t>main</a:t>
+            </a:r>
+            <a:r>
+              <a:rPr lang="de-DE" sz="1000" kern="1000" dirty="0" smtClean="0">
+                <a:latin typeface="Miriam Fixed" panose="020B0509050101010101" pitchFamily="49" charset="-79"/>
+                <a:cs typeface="Miriam Fixed" panose="020B0509050101010101" pitchFamily="49" charset="-79"/>
+              </a:rPr>
+              <a:t>(String[] </a:t>
+            </a:r>
+            <a:r>
+              <a:rPr lang="de-DE" sz="1000" kern="1000" dirty="0" err="1" smtClean="0">
+                <a:latin typeface="Miriam Fixed" panose="020B0509050101010101" pitchFamily="49" charset="-79"/>
+                <a:cs typeface="Miriam Fixed" panose="020B0509050101010101" pitchFamily="49" charset="-79"/>
+              </a:rPr>
+              <a:t>args</a:t>
+            </a:r>
+            <a:r>
+              <a:rPr lang="de-DE" sz="1000" kern="1000" dirty="0" smtClean="0">
+                <a:latin typeface="Miriam Fixed" panose="020B0509050101010101" pitchFamily="49" charset="-79"/>
+                <a:cs typeface="Miriam Fixed" panose="020B0509050101010101" pitchFamily="49" charset="-79"/>
+              </a:rPr>
+              <a:t>) {</a:t>
+            </a:r>
+          </a:p>
+          <a:p>
+            <a:r>
+              <a:rPr lang="de-DE" sz="1000" kern="1000" dirty="0" smtClean="0">
+                <a:latin typeface="Miriam Fixed" panose="020B0509050101010101" pitchFamily="49" charset="-79"/>
+                <a:cs typeface="Miriam Fixed" panose="020B0509050101010101" pitchFamily="49" charset="-79"/>
+              </a:rPr>
+              <a:t>    </a:t>
+            </a:r>
+            <a:r>
+              <a:rPr lang="de-DE" sz="1000" b="1" kern="1000" dirty="0" err="1" smtClean="0">
+                <a:solidFill>
+                  <a:schemeClr val="tx2"/>
+                </a:solidFill>
+                <a:latin typeface="Miriam Fixed" panose="020B0509050101010101" pitchFamily="49" charset="-79"/>
+                <a:cs typeface="Miriam Fixed" panose="020B0509050101010101" pitchFamily="49" charset="-79"/>
+              </a:rPr>
+              <a:t>if</a:t>
+            </a:r>
+            <a:r>
+              <a:rPr lang="de-DE" sz="1000" kern="1000" dirty="0" smtClean="0">
+                <a:latin typeface="Miriam Fixed" panose="020B0509050101010101" pitchFamily="49" charset="-79"/>
+                <a:cs typeface="Miriam Fixed" panose="020B0509050101010101" pitchFamily="49" charset="-79"/>
+              </a:rPr>
+              <a:t> (</a:t>
+            </a:r>
+            <a:r>
+              <a:rPr lang="de-DE" sz="1000" kern="1000" dirty="0" smtClean="0">
+                <a:solidFill>
+                  <a:srgbClr val="FF0000"/>
+                </a:solidFill>
+                <a:latin typeface="Miriam Fixed" panose="020B0509050101010101" pitchFamily="49" charset="-79"/>
+                <a:cs typeface="Miriam Fixed" panose="020B0509050101010101" pitchFamily="49" charset="-79"/>
+              </a:rPr>
+              <a:t>Bedingung</a:t>
+            </a:r>
+            <a:r>
+              <a:rPr lang="de-DE" sz="1000" kern="1000" dirty="0" smtClean="0">
+                <a:latin typeface="Miriam Fixed" panose="020B0509050101010101" pitchFamily="49" charset="-79"/>
+                <a:cs typeface="Miriam Fixed" panose="020B0509050101010101" pitchFamily="49" charset="-79"/>
+              </a:rPr>
+              <a:t>) {</a:t>
+            </a:r>
+          </a:p>
+          <a:p>
+            <a:r>
+              <a:rPr lang="de-DE" sz="1000" kern="1000" dirty="0">
+                <a:latin typeface="Miriam Fixed" panose="020B0509050101010101" pitchFamily="49" charset="-79"/>
+                <a:cs typeface="Miriam Fixed" panose="020B0509050101010101" pitchFamily="49" charset="-79"/>
+              </a:rPr>
+              <a:t> </a:t>
+            </a:r>
+            <a:r>
+              <a:rPr lang="de-DE" sz="1000" kern="1000" dirty="0" smtClean="0">
+                <a:latin typeface="Miriam Fixed" panose="020B0509050101010101" pitchFamily="49" charset="-79"/>
+                <a:cs typeface="Miriam Fixed" panose="020B0509050101010101" pitchFamily="49" charset="-79"/>
+              </a:rPr>
+              <a:t>       </a:t>
+            </a:r>
+            <a:r>
+              <a:rPr lang="de-DE" sz="1000" kern="1000" dirty="0" smtClean="0">
+                <a:solidFill>
+                  <a:srgbClr val="FF0000"/>
+                </a:solidFill>
+                <a:latin typeface="Miriam Fixed" panose="020B0509050101010101" pitchFamily="49" charset="-79"/>
+                <a:cs typeface="Miriam Fixed" panose="020B0509050101010101" pitchFamily="49" charset="-79"/>
+              </a:rPr>
+              <a:t>Code</a:t>
+            </a:r>
+            <a:r>
+              <a:rPr lang="de-DE" sz="1000" kern="1000" dirty="0" smtClean="0">
+                <a:latin typeface="Miriam Fixed" panose="020B0509050101010101" pitchFamily="49" charset="-79"/>
+                <a:cs typeface="Miriam Fixed" panose="020B0509050101010101" pitchFamily="49" charset="-79"/>
+              </a:rPr>
+              <a:t>;</a:t>
+            </a:r>
+          </a:p>
+          <a:p>
+            <a:r>
+              <a:rPr lang="de-DE" sz="1000" kern="1000" dirty="0">
+                <a:latin typeface="Miriam Fixed" panose="020B0509050101010101" pitchFamily="49" charset="-79"/>
+                <a:cs typeface="Miriam Fixed" panose="020B0509050101010101" pitchFamily="49" charset="-79"/>
+              </a:rPr>
+              <a:t> </a:t>
+            </a:r>
+            <a:r>
+              <a:rPr lang="de-DE" sz="1000" kern="1000" dirty="0" smtClean="0">
+                <a:latin typeface="Miriam Fixed" panose="020B0509050101010101" pitchFamily="49" charset="-79"/>
+                <a:cs typeface="Miriam Fixed" panose="020B0509050101010101" pitchFamily="49" charset="-79"/>
+              </a:rPr>
+              <a:t>   } </a:t>
+            </a:r>
+            <a:r>
+              <a:rPr lang="de-DE" sz="1000" b="1" kern="1000" dirty="0" err="1" smtClean="0">
+                <a:solidFill>
+                  <a:schemeClr val="tx2"/>
+                </a:solidFill>
+                <a:latin typeface="Miriam Fixed" panose="020B0509050101010101" pitchFamily="49" charset="-79"/>
+                <a:cs typeface="Miriam Fixed" panose="020B0509050101010101" pitchFamily="49" charset="-79"/>
+              </a:rPr>
+              <a:t>else</a:t>
+            </a:r>
+            <a:r>
+              <a:rPr lang="de-DE" sz="1000" kern="1000" dirty="0" smtClean="0">
+                <a:latin typeface="Miriam Fixed" panose="020B0509050101010101" pitchFamily="49" charset="-79"/>
+                <a:cs typeface="Miriam Fixed" panose="020B0509050101010101" pitchFamily="49" charset="-79"/>
+              </a:rPr>
+              <a:t> {</a:t>
+            </a:r>
+          </a:p>
+          <a:p>
+            <a:r>
+              <a:rPr lang="de-DE" sz="1000" kern="1000" dirty="0">
+                <a:latin typeface="Miriam Fixed" panose="020B0509050101010101" pitchFamily="49" charset="-79"/>
+                <a:cs typeface="Miriam Fixed" panose="020B0509050101010101" pitchFamily="49" charset="-79"/>
+              </a:rPr>
+              <a:t> </a:t>
+            </a:r>
+            <a:r>
+              <a:rPr lang="de-DE" sz="1000" kern="1000" dirty="0" smtClean="0">
+                <a:latin typeface="Miriam Fixed" panose="020B0509050101010101" pitchFamily="49" charset="-79"/>
+                <a:cs typeface="Miriam Fixed" panose="020B0509050101010101" pitchFamily="49" charset="-79"/>
+              </a:rPr>
+              <a:t>       </a:t>
+            </a:r>
+            <a:r>
+              <a:rPr lang="de-DE" sz="1000" kern="1000" dirty="0" smtClean="0">
+                <a:solidFill>
+                  <a:srgbClr val="FF0000"/>
+                </a:solidFill>
+                <a:latin typeface="Miriam Fixed" panose="020B0509050101010101" pitchFamily="49" charset="-79"/>
+                <a:cs typeface="Miriam Fixed" panose="020B0509050101010101" pitchFamily="49" charset="-79"/>
+              </a:rPr>
+              <a:t>Code</a:t>
+            </a:r>
+            <a:r>
+              <a:rPr lang="de-DE" sz="1000" kern="1000" dirty="0" smtClean="0">
+                <a:latin typeface="Miriam Fixed" panose="020B0509050101010101" pitchFamily="49" charset="-79"/>
+                <a:cs typeface="Miriam Fixed" panose="020B0509050101010101" pitchFamily="49" charset="-79"/>
+              </a:rPr>
+              <a:t>;</a:t>
+            </a:r>
+          </a:p>
+          <a:p>
+            <a:r>
+              <a:rPr lang="de-DE" sz="1000" kern="1000" dirty="0">
+                <a:latin typeface="Miriam Fixed" panose="020B0509050101010101" pitchFamily="49" charset="-79"/>
+                <a:cs typeface="Miriam Fixed" panose="020B0509050101010101" pitchFamily="49" charset="-79"/>
+              </a:rPr>
+              <a:t> </a:t>
+            </a:r>
+            <a:r>
+              <a:rPr lang="de-DE" sz="1000" kern="1000" dirty="0" smtClean="0">
+                <a:latin typeface="Miriam Fixed" panose="020B0509050101010101" pitchFamily="49" charset="-79"/>
+                <a:cs typeface="Miriam Fixed" panose="020B0509050101010101" pitchFamily="49" charset="-79"/>
+              </a:rPr>
+              <a:t>   }</a:t>
+            </a:r>
+          </a:p>
+          <a:p>
+            <a:r>
+              <a:rPr lang="de-DE" sz="1000" kern="1000" dirty="0" smtClean="0">
+                <a:latin typeface="Miriam Fixed" panose="020B0509050101010101" pitchFamily="49" charset="-79"/>
+                <a:cs typeface="Miriam Fixed" panose="020B0509050101010101" pitchFamily="49" charset="-79"/>
+              </a:rPr>
+              <a:t>}</a:t>
+            </a:r>
+            <a:endParaRPr lang="de-DE" sz="1000" kern="1000" dirty="0">
+              <a:latin typeface="Miriam Fixed" panose="020B0509050101010101" pitchFamily="49" charset="-79"/>
+              <a:cs typeface="Miriam Fixed" panose="020B0509050101010101" pitchFamily="49" charset="-79"/>
+            </a:endParaRPr>
+          </a:p>
+        </p:txBody>
+      </p:sp>
     </p:spTree>
     <p:extLst>
       <p:ext uri="{BB962C8B-B14F-4D97-AF65-F5344CB8AC3E}">
@@ -16626,68 +18135,714 @@
           </a:p>
         </p:txBody>
       </p:sp>
-      <p:pic>
-        <p:nvPicPr>
-          <p:cNvPr id="4" name="Inhaltsplatzhalter 3"/>
-          <p:cNvPicPr>
-            <a:picLocks noGrp="1" noChangeAspect="1"/>
-          </p:cNvPicPr>
-          <p:nvPr>
-            <p:ph idx="4294967295"/>
-          </p:nvPr>
-        </p:nvPicPr>
-        <p:blipFill>
-          <a:blip r:embed="rId3">
-            <a:extLst>
-              <a:ext uri="{28A0092B-C50C-407E-A947-70E740481C1C}">
-                <a14:useLocalDpi xmlns:a14="http://schemas.microsoft.com/office/drawing/2010/main" val="0"/>
-              </a:ext>
-            </a:extLst>
-          </a:blip>
-          <a:stretch>
-            <a:fillRect/>
-          </a:stretch>
-        </p:blipFill>
+      <p:sp>
+        <p:nvSpPr>
+          <p:cNvPr id="6" name="Textfeld 5"/>
+          <p:cNvSpPr txBox="1"/>
+          <p:nvPr/>
+        </p:nvSpPr>
         <p:spPr>
           <a:xfrm>
-            <a:off x="899592" y="1561356"/>
-            <a:ext cx="3734321" cy="1152686"/>
+            <a:off x="719572" y="1561356"/>
+            <a:ext cx="4032448" cy="1169551"/>
           </a:xfrm>
           <a:prstGeom prst="rect">
             <a:avLst/>
           </a:prstGeom>
+          <a:noFill/>
         </p:spPr>
-      </p:pic>
-      <p:pic>
-        <p:nvPicPr>
-          <p:cNvPr id="5" name="Grafik 4"/>
-          <p:cNvPicPr>
-            <a:picLocks noChangeAspect="1"/>
-          </p:cNvPicPr>
+        <p:txBody>
+          <a:bodyPr wrap="square" rtlCol="0">
+            <a:spAutoFit/>
+          </a:bodyPr>
+          <a:lstStyle/>
+          <a:p>
+            <a:r>
+              <a:rPr lang="de-DE" sz="1000" b="1" kern="1000" dirty="0" err="1" smtClean="0">
+                <a:solidFill>
+                  <a:schemeClr val="tx2"/>
+                </a:solidFill>
+                <a:latin typeface="Miriam Fixed" panose="020B0509050101010101" pitchFamily="49" charset="-79"/>
+                <a:cs typeface="Miriam Fixed" panose="020B0509050101010101" pitchFamily="49" charset="-79"/>
+              </a:rPr>
+              <a:t>public</a:t>
+            </a:r>
+            <a:r>
+              <a:rPr lang="de-DE" sz="1000" kern="1000" dirty="0" smtClean="0">
+                <a:solidFill>
+                  <a:schemeClr val="tx2"/>
+                </a:solidFill>
+                <a:latin typeface="Miriam Fixed" panose="020B0509050101010101" pitchFamily="49" charset="-79"/>
+                <a:cs typeface="Miriam Fixed" panose="020B0509050101010101" pitchFamily="49" charset="-79"/>
+              </a:rPr>
+              <a:t> </a:t>
+            </a:r>
+            <a:r>
+              <a:rPr lang="de-DE" sz="1000" b="1" kern="1000" dirty="0" err="1" smtClean="0">
+                <a:solidFill>
+                  <a:schemeClr val="tx2"/>
+                </a:solidFill>
+                <a:latin typeface="Miriam Fixed" panose="020B0509050101010101" pitchFamily="49" charset="-79"/>
+                <a:cs typeface="Miriam Fixed" panose="020B0509050101010101" pitchFamily="49" charset="-79"/>
+              </a:rPr>
+              <a:t>static</a:t>
+            </a:r>
+            <a:r>
+              <a:rPr lang="de-DE" sz="1000" kern="1000" dirty="0" smtClean="0">
+                <a:solidFill>
+                  <a:schemeClr val="tx2"/>
+                </a:solidFill>
+                <a:latin typeface="Miriam Fixed" panose="020B0509050101010101" pitchFamily="49" charset="-79"/>
+                <a:cs typeface="Miriam Fixed" panose="020B0509050101010101" pitchFamily="49" charset="-79"/>
+              </a:rPr>
+              <a:t> </a:t>
+            </a:r>
+            <a:r>
+              <a:rPr lang="de-DE" sz="1000" b="1" kern="1000" dirty="0" err="1" smtClean="0">
+                <a:solidFill>
+                  <a:schemeClr val="tx2"/>
+                </a:solidFill>
+                <a:latin typeface="Miriam Fixed" panose="020B0509050101010101" pitchFamily="49" charset="-79"/>
+                <a:cs typeface="Miriam Fixed" panose="020B0509050101010101" pitchFamily="49" charset="-79"/>
+              </a:rPr>
+              <a:t>void</a:t>
+            </a:r>
+            <a:r>
+              <a:rPr lang="de-DE" sz="1000" kern="1000" dirty="0" smtClean="0">
+                <a:latin typeface="Miriam Fixed" panose="020B0509050101010101" pitchFamily="49" charset="-79"/>
+                <a:cs typeface="Miriam Fixed" panose="020B0509050101010101" pitchFamily="49" charset="-79"/>
+              </a:rPr>
+              <a:t> </a:t>
+            </a:r>
+            <a:r>
+              <a:rPr lang="de-DE" sz="1000" kern="1000" dirty="0" err="1" smtClean="0">
+                <a:latin typeface="Miriam Fixed" panose="020B0509050101010101" pitchFamily="49" charset="-79"/>
+                <a:cs typeface="Miriam Fixed" panose="020B0509050101010101" pitchFamily="49" charset="-79"/>
+              </a:rPr>
+              <a:t>main</a:t>
+            </a:r>
+            <a:r>
+              <a:rPr lang="de-DE" sz="1000" kern="1000" dirty="0" smtClean="0">
+                <a:latin typeface="Miriam Fixed" panose="020B0509050101010101" pitchFamily="49" charset="-79"/>
+                <a:cs typeface="Miriam Fixed" panose="020B0509050101010101" pitchFamily="49" charset="-79"/>
+              </a:rPr>
+              <a:t>(String[] </a:t>
+            </a:r>
+            <a:r>
+              <a:rPr lang="de-DE" sz="1000" kern="1000" dirty="0" err="1" smtClean="0">
+                <a:latin typeface="Miriam Fixed" panose="020B0509050101010101" pitchFamily="49" charset="-79"/>
+                <a:cs typeface="Miriam Fixed" panose="020B0509050101010101" pitchFamily="49" charset="-79"/>
+              </a:rPr>
+              <a:t>args</a:t>
+            </a:r>
+            <a:r>
+              <a:rPr lang="de-DE" sz="1000" kern="1000" dirty="0" smtClean="0">
+                <a:latin typeface="Miriam Fixed" panose="020B0509050101010101" pitchFamily="49" charset="-79"/>
+                <a:cs typeface="Miriam Fixed" panose="020B0509050101010101" pitchFamily="49" charset="-79"/>
+              </a:rPr>
+              <a:t>) {</a:t>
+            </a:r>
+          </a:p>
+          <a:p>
+            <a:r>
+              <a:rPr lang="de-DE" sz="1000" kern="1000" dirty="0" smtClean="0">
+                <a:latin typeface="Miriam Fixed" panose="020B0509050101010101" pitchFamily="49" charset="-79"/>
+                <a:cs typeface="Miriam Fixed" panose="020B0509050101010101" pitchFamily="49" charset="-79"/>
+              </a:rPr>
+              <a:t>    </a:t>
+            </a:r>
+            <a:r>
+              <a:rPr lang="de-DE" sz="1000" b="1" kern="1000" dirty="0" err="1" smtClean="0">
+                <a:solidFill>
+                  <a:schemeClr val="tx2"/>
+                </a:solidFill>
+                <a:latin typeface="Miriam Fixed" panose="020B0509050101010101" pitchFamily="49" charset="-79"/>
+                <a:cs typeface="Miriam Fixed" panose="020B0509050101010101" pitchFamily="49" charset="-79"/>
+              </a:rPr>
+              <a:t>if</a:t>
+            </a:r>
+            <a:r>
+              <a:rPr lang="de-DE" sz="1000" kern="1000" dirty="0" smtClean="0">
+                <a:latin typeface="Miriam Fixed" panose="020B0509050101010101" pitchFamily="49" charset="-79"/>
+                <a:cs typeface="Miriam Fixed" panose="020B0509050101010101" pitchFamily="49" charset="-79"/>
+              </a:rPr>
+              <a:t> (</a:t>
+            </a:r>
+            <a:r>
+              <a:rPr lang="de-DE" sz="1000" i="1" kern="1000" dirty="0" smtClean="0">
+                <a:solidFill>
+                  <a:schemeClr val="accent4"/>
+                </a:solidFill>
+                <a:latin typeface="Miriam Fixed" panose="020B0509050101010101" pitchFamily="49" charset="-79"/>
+                <a:cs typeface="Miriam Fixed" panose="020B0509050101010101" pitchFamily="49" charset="-79"/>
+              </a:rPr>
+              <a:t>ZUFAELLIGE_ZAHL_VON_0_BIS_9</a:t>
+            </a:r>
+            <a:r>
+              <a:rPr lang="de-DE" sz="1000" kern="1000" dirty="0" smtClean="0">
+                <a:latin typeface="Miriam Fixed" panose="020B0509050101010101" pitchFamily="49" charset="-79"/>
+                <a:cs typeface="Miriam Fixed" panose="020B0509050101010101" pitchFamily="49" charset="-79"/>
+              </a:rPr>
+              <a:t> &gt; </a:t>
+            </a:r>
+            <a:r>
+              <a:rPr lang="de-DE" sz="1000" kern="1000" dirty="0" smtClean="0">
+                <a:solidFill>
+                  <a:schemeClr val="accent1"/>
+                </a:solidFill>
+                <a:latin typeface="Miriam Fixed" panose="020B0509050101010101" pitchFamily="49" charset="-79"/>
+                <a:cs typeface="Miriam Fixed" panose="020B0509050101010101" pitchFamily="49" charset="-79"/>
+              </a:rPr>
+              <a:t>4</a:t>
+            </a:r>
+            <a:r>
+              <a:rPr lang="de-DE" sz="1000" kern="1000" dirty="0" smtClean="0">
+                <a:latin typeface="Miriam Fixed" panose="020B0509050101010101" pitchFamily="49" charset="-79"/>
+                <a:cs typeface="Miriam Fixed" panose="020B0509050101010101" pitchFamily="49" charset="-79"/>
+              </a:rPr>
+              <a:t>) {</a:t>
+            </a:r>
+          </a:p>
+          <a:p>
+            <a:r>
+              <a:rPr lang="de-DE" sz="1000" kern="1000" dirty="0">
+                <a:latin typeface="Miriam Fixed" panose="020B0509050101010101" pitchFamily="49" charset="-79"/>
+                <a:cs typeface="Miriam Fixed" panose="020B0509050101010101" pitchFamily="49" charset="-79"/>
+              </a:rPr>
+              <a:t> </a:t>
+            </a:r>
+            <a:r>
+              <a:rPr lang="de-DE" sz="1000" kern="1000" dirty="0" smtClean="0">
+                <a:latin typeface="Miriam Fixed" panose="020B0509050101010101" pitchFamily="49" charset="-79"/>
+                <a:cs typeface="Miriam Fixed" panose="020B0509050101010101" pitchFamily="49" charset="-79"/>
+              </a:rPr>
+              <a:t>       </a:t>
+            </a:r>
+            <a:r>
+              <a:rPr lang="de-DE" sz="1000" i="1" kern="1000" dirty="0" err="1" smtClean="0">
+                <a:solidFill>
+                  <a:schemeClr val="accent4"/>
+                </a:solidFill>
+                <a:latin typeface="Miriam Fixed" panose="020B0509050101010101" pitchFamily="49" charset="-79"/>
+                <a:cs typeface="Miriam Fixed" panose="020B0509050101010101" pitchFamily="49" charset="-79"/>
+              </a:rPr>
+              <a:t>nao</a:t>
+            </a:r>
+            <a:r>
+              <a:rPr lang="de-DE" sz="1000" kern="1000" dirty="0" err="1" smtClean="0">
+                <a:latin typeface="Miriam Fixed" panose="020B0509050101010101" pitchFamily="49" charset="-79"/>
+                <a:cs typeface="Miriam Fixed" panose="020B0509050101010101" pitchFamily="49" charset="-79"/>
+              </a:rPr>
+              <a:t>.say</a:t>
+            </a:r>
+            <a:r>
+              <a:rPr lang="de-DE" sz="1000" kern="1000" dirty="0" smtClean="0">
+                <a:latin typeface="Miriam Fixed" panose="020B0509050101010101" pitchFamily="49" charset="-79"/>
+                <a:cs typeface="Miriam Fixed" panose="020B0509050101010101" pitchFamily="49" charset="-79"/>
+              </a:rPr>
+              <a:t>(</a:t>
+            </a:r>
+            <a:r>
+              <a:rPr lang="de-DE" sz="1000" b="1" kern="1000" dirty="0" smtClean="0">
+                <a:solidFill>
+                  <a:srgbClr val="008000"/>
+                </a:solidFill>
+                <a:latin typeface="Miriam Fixed" panose="020B0509050101010101" pitchFamily="49" charset="-79"/>
+                <a:cs typeface="Miriam Fixed" panose="020B0509050101010101" pitchFamily="49" charset="-79"/>
+              </a:rPr>
+              <a:t>“Die Zahl ist größer als 4“</a:t>
+            </a:r>
+            <a:r>
+              <a:rPr lang="de-DE" sz="1000" kern="1000" dirty="0" smtClean="0">
+                <a:latin typeface="Miriam Fixed" panose="020B0509050101010101" pitchFamily="49" charset="-79"/>
+                <a:cs typeface="Miriam Fixed" panose="020B0509050101010101" pitchFamily="49" charset="-79"/>
+              </a:rPr>
+              <a:t>);</a:t>
+            </a:r>
+          </a:p>
+          <a:p>
+            <a:r>
+              <a:rPr lang="de-DE" sz="1000" kern="1000" dirty="0">
+                <a:latin typeface="Miriam Fixed" panose="020B0509050101010101" pitchFamily="49" charset="-79"/>
+                <a:cs typeface="Miriam Fixed" panose="020B0509050101010101" pitchFamily="49" charset="-79"/>
+              </a:rPr>
+              <a:t> </a:t>
+            </a:r>
+            <a:r>
+              <a:rPr lang="de-DE" sz="1000" kern="1000" dirty="0" smtClean="0">
+                <a:latin typeface="Miriam Fixed" panose="020B0509050101010101" pitchFamily="49" charset="-79"/>
+                <a:cs typeface="Miriam Fixed" panose="020B0509050101010101" pitchFamily="49" charset="-79"/>
+              </a:rPr>
+              <a:t>   } </a:t>
+            </a:r>
+            <a:r>
+              <a:rPr lang="de-DE" sz="1000" b="1" kern="1000" dirty="0" err="1" smtClean="0">
+                <a:solidFill>
+                  <a:schemeClr val="tx2"/>
+                </a:solidFill>
+                <a:latin typeface="Miriam Fixed" panose="020B0509050101010101" pitchFamily="49" charset="-79"/>
+                <a:cs typeface="Miriam Fixed" panose="020B0509050101010101" pitchFamily="49" charset="-79"/>
+              </a:rPr>
+              <a:t>else</a:t>
+            </a:r>
+            <a:r>
+              <a:rPr lang="de-DE" sz="1000" kern="1000" dirty="0" smtClean="0">
+                <a:latin typeface="Miriam Fixed" panose="020B0509050101010101" pitchFamily="49" charset="-79"/>
+                <a:cs typeface="Miriam Fixed" panose="020B0509050101010101" pitchFamily="49" charset="-79"/>
+              </a:rPr>
+              <a:t> {</a:t>
+            </a:r>
+          </a:p>
+          <a:p>
+            <a:r>
+              <a:rPr lang="de-DE" sz="1000" kern="1000" dirty="0">
+                <a:latin typeface="Miriam Fixed" panose="020B0509050101010101" pitchFamily="49" charset="-79"/>
+                <a:cs typeface="Miriam Fixed" panose="020B0509050101010101" pitchFamily="49" charset="-79"/>
+              </a:rPr>
+              <a:t> </a:t>
+            </a:r>
+            <a:r>
+              <a:rPr lang="de-DE" sz="1000" kern="1000" dirty="0" smtClean="0">
+                <a:latin typeface="Miriam Fixed" panose="020B0509050101010101" pitchFamily="49" charset="-79"/>
+                <a:cs typeface="Miriam Fixed" panose="020B0509050101010101" pitchFamily="49" charset="-79"/>
+              </a:rPr>
+              <a:t>       </a:t>
+            </a:r>
+            <a:r>
+              <a:rPr lang="de-DE" sz="1000" i="1" kern="1000" dirty="0" err="1" smtClean="0">
+                <a:solidFill>
+                  <a:schemeClr val="accent4"/>
+                </a:solidFill>
+                <a:latin typeface="Miriam Fixed" panose="020B0509050101010101" pitchFamily="49" charset="-79"/>
+                <a:cs typeface="Miriam Fixed" panose="020B0509050101010101" pitchFamily="49" charset="-79"/>
+              </a:rPr>
+              <a:t>nao</a:t>
+            </a:r>
+            <a:r>
+              <a:rPr lang="de-DE" sz="1000" kern="1000" dirty="0" err="1" smtClean="0">
+                <a:latin typeface="Miriam Fixed" panose="020B0509050101010101" pitchFamily="49" charset="-79"/>
+                <a:cs typeface="Miriam Fixed" panose="020B0509050101010101" pitchFamily="49" charset="-79"/>
+              </a:rPr>
+              <a:t>.say</a:t>
+            </a:r>
+            <a:r>
+              <a:rPr lang="de-DE" sz="1000" kern="1000" dirty="0" smtClean="0">
+                <a:latin typeface="Miriam Fixed" panose="020B0509050101010101" pitchFamily="49" charset="-79"/>
+                <a:cs typeface="Miriam Fixed" panose="020B0509050101010101" pitchFamily="49" charset="-79"/>
+              </a:rPr>
+              <a:t>(</a:t>
+            </a:r>
+            <a:r>
+              <a:rPr lang="de-DE" sz="1000" b="1" kern="1000" dirty="0" smtClean="0">
+                <a:solidFill>
+                  <a:srgbClr val="008000"/>
+                </a:solidFill>
+                <a:latin typeface="Miriam Fixed" panose="020B0509050101010101" pitchFamily="49" charset="-79"/>
+                <a:cs typeface="Miriam Fixed" panose="020B0509050101010101" pitchFamily="49" charset="-79"/>
+              </a:rPr>
+              <a:t>“Die Zahl ist kleiner als 5“</a:t>
+            </a:r>
+            <a:r>
+              <a:rPr lang="de-DE" sz="1000" kern="1000" dirty="0" smtClean="0">
+                <a:latin typeface="Miriam Fixed" panose="020B0509050101010101" pitchFamily="49" charset="-79"/>
+                <a:cs typeface="Miriam Fixed" panose="020B0509050101010101" pitchFamily="49" charset="-79"/>
+              </a:rPr>
+              <a:t>);</a:t>
+            </a:r>
+          </a:p>
+          <a:p>
+            <a:r>
+              <a:rPr lang="de-DE" sz="1000" kern="1000" dirty="0">
+                <a:latin typeface="Miriam Fixed" panose="020B0509050101010101" pitchFamily="49" charset="-79"/>
+                <a:cs typeface="Miriam Fixed" panose="020B0509050101010101" pitchFamily="49" charset="-79"/>
+              </a:rPr>
+              <a:t> </a:t>
+            </a:r>
+            <a:r>
+              <a:rPr lang="de-DE" sz="1000" kern="1000" dirty="0" smtClean="0">
+                <a:latin typeface="Miriam Fixed" panose="020B0509050101010101" pitchFamily="49" charset="-79"/>
+                <a:cs typeface="Miriam Fixed" panose="020B0509050101010101" pitchFamily="49" charset="-79"/>
+              </a:rPr>
+              <a:t>   }</a:t>
+            </a:r>
+          </a:p>
+          <a:p>
+            <a:r>
+              <a:rPr lang="de-DE" sz="1000" kern="1000" dirty="0" smtClean="0">
+                <a:latin typeface="Miriam Fixed" panose="020B0509050101010101" pitchFamily="49" charset="-79"/>
+                <a:cs typeface="Miriam Fixed" panose="020B0509050101010101" pitchFamily="49" charset="-79"/>
+              </a:rPr>
+              <a:t>}</a:t>
+            </a:r>
+            <a:endParaRPr lang="de-DE" sz="1000" kern="1000" dirty="0">
+              <a:latin typeface="Miriam Fixed" panose="020B0509050101010101" pitchFamily="49" charset="-79"/>
+              <a:cs typeface="Miriam Fixed" panose="020B0509050101010101" pitchFamily="49" charset="-79"/>
+            </a:endParaRPr>
+          </a:p>
+        </p:txBody>
+      </p:sp>
+      <p:sp>
+        <p:nvSpPr>
+          <p:cNvPr id="7" name="Textfeld 6"/>
+          <p:cNvSpPr txBox="1"/>
           <p:nvPr/>
-        </p:nvPicPr>
-        <p:blipFill>
-          <a:blip r:embed="rId4">
-            <a:extLst>
-              <a:ext uri="{28A0092B-C50C-407E-A947-70E740481C1C}">
-                <a14:useLocalDpi xmlns:a14="http://schemas.microsoft.com/office/drawing/2010/main" val="0"/>
-              </a:ext>
-            </a:extLst>
-          </a:blip>
-          <a:stretch>
-            <a:fillRect/>
-          </a:stretch>
-        </p:blipFill>
+        </p:nvSpPr>
         <p:spPr>
           <a:xfrm>
-            <a:off x="3131840" y="3254102"/>
-            <a:ext cx="4848902" cy="1324160"/>
+            <a:off x="3275856" y="3109528"/>
+            <a:ext cx="5004556" cy="1323439"/>
           </a:xfrm>
           <a:prstGeom prst="rect">
             <a:avLst/>
           </a:prstGeom>
+          <a:noFill/>
         </p:spPr>
-      </p:pic>
+        <p:txBody>
+          <a:bodyPr wrap="square" rtlCol="0">
+            <a:spAutoFit/>
+          </a:bodyPr>
+          <a:lstStyle/>
+          <a:p>
+            <a:r>
+              <a:rPr lang="de-DE" sz="1000" b="1" kern="1000" dirty="0" err="1" smtClean="0">
+                <a:solidFill>
+                  <a:schemeClr val="tx2"/>
+                </a:solidFill>
+                <a:latin typeface="Miriam Fixed" panose="020B0509050101010101" pitchFamily="49" charset="-79"/>
+                <a:cs typeface="Miriam Fixed" panose="020B0509050101010101" pitchFamily="49" charset="-79"/>
+              </a:rPr>
+              <a:t>public</a:t>
+            </a:r>
+            <a:r>
+              <a:rPr lang="de-DE" sz="1000" kern="1000" dirty="0" smtClean="0">
+                <a:solidFill>
+                  <a:schemeClr val="tx2"/>
+                </a:solidFill>
+                <a:latin typeface="Miriam Fixed" panose="020B0509050101010101" pitchFamily="49" charset="-79"/>
+                <a:cs typeface="Miriam Fixed" panose="020B0509050101010101" pitchFamily="49" charset="-79"/>
+              </a:rPr>
+              <a:t> </a:t>
+            </a:r>
+            <a:r>
+              <a:rPr lang="de-DE" sz="1000" b="1" kern="1000" dirty="0" err="1" smtClean="0">
+                <a:solidFill>
+                  <a:schemeClr val="tx2"/>
+                </a:solidFill>
+                <a:latin typeface="Miriam Fixed" panose="020B0509050101010101" pitchFamily="49" charset="-79"/>
+                <a:cs typeface="Miriam Fixed" panose="020B0509050101010101" pitchFamily="49" charset="-79"/>
+              </a:rPr>
+              <a:t>static</a:t>
+            </a:r>
+            <a:r>
+              <a:rPr lang="de-DE" sz="1000" kern="1000" dirty="0" smtClean="0">
+                <a:solidFill>
+                  <a:schemeClr val="tx2"/>
+                </a:solidFill>
+                <a:latin typeface="Miriam Fixed" panose="020B0509050101010101" pitchFamily="49" charset="-79"/>
+                <a:cs typeface="Miriam Fixed" panose="020B0509050101010101" pitchFamily="49" charset="-79"/>
+              </a:rPr>
+              <a:t> </a:t>
+            </a:r>
+            <a:r>
+              <a:rPr lang="de-DE" sz="1000" b="1" kern="1000" dirty="0" err="1" smtClean="0">
+                <a:solidFill>
+                  <a:schemeClr val="tx2"/>
+                </a:solidFill>
+                <a:latin typeface="Miriam Fixed" panose="020B0509050101010101" pitchFamily="49" charset="-79"/>
+                <a:cs typeface="Miriam Fixed" panose="020B0509050101010101" pitchFamily="49" charset="-79"/>
+              </a:rPr>
+              <a:t>void</a:t>
+            </a:r>
+            <a:r>
+              <a:rPr lang="de-DE" sz="1000" kern="1000" dirty="0" smtClean="0">
+                <a:latin typeface="Miriam Fixed" panose="020B0509050101010101" pitchFamily="49" charset="-79"/>
+                <a:cs typeface="Miriam Fixed" panose="020B0509050101010101" pitchFamily="49" charset="-79"/>
+              </a:rPr>
+              <a:t> </a:t>
+            </a:r>
+            <a:r>
+              <a:rPr lang="de-DE" sz="1000" kern="1000" dirty="0" err="1" smtClean="0">
+                <a:latin typeface="Miriam Fixed" panose="020B0509050101010101" pitchFamily="49" charset="-79"/>
+                <a:cs typeface="Miriam Fixed" panose="020B0509050101010101" pitchFamily="49" charset="-79"/>
+              </a:rPr>
+              <a:t>main</a:t>
+            </a:r>
+            <a:r>
+              <a:rPr lang="de-DE" sz="1000" kern="1000" dirty="0" smtClean="0">
+                <a:latin typeface="Miriam Fixed" panose="020B0509050101010101" pitchFamily="49" charset="-79"/>
+                <a:cs typeface="Miriam Fixed" panose="020B0509050101010101" pitchFamily="49" charset="-79"/>
+              </a:rPr>
+              <a:t>(String[] </a:t>
+            </a:r>
+            <a:r>
+              <a:rPr lang="de-DE" sz="1000" kern="1000" dirty="0" err="1" smtClean="0">
+                <a:latin typeface="Miriam Fixed" panose="020B0509050101010101" pitchFamily="49" charset="-79"/>
+                <a:cs typeface="Miriam Fixed" panose="020B0509050101010101" pitchFamily="49" charset="-79"/>
+              </a:rPr>
+              <a:t>args</a:t>
+            </a:r>
+            <a:r>
+              <a:rPr lang="de-DE" sz="1000" kern="1000" dirty="0" smtClean="0">
+                <a:latin typeface="Miriam Fixed" panose="020B0509050101010101" pitchFamily="49" charset="-79"/>
+                <a:cs typeface="Miriam Fixed" panose="020B0509050101010101" pitchFamily="49" charset="-79"/>
+              </a:rPr>
+              <a:t>) {</a:t>
+            </a:r>
+          </a:p>
+          <a:p>
+            <a:r>
+              <a:rPr lang="de-DE" sz="1000" kern="1000" dirty="0">
+                <a:latin typeface="Miriam Fixed" panose="020B0509050101010101" pitchFamily="49" charset="-79"/>
+                <a:cs typeface="Miriam Fixed" panose="020B0509050101010101" pitchFamily="49" charset="-79"/>
+              </a:rPr>
+              <a:t> </a:t>
+            </a:r>
+            <a:r>
+              <a:rPr lang="de-DE" sz="1000" kern="1000" dirty="0" smtClean="0">
+                <a:latin typeface="Miriam Fixed" panose="020B0509050101010101" pitchFamily="49" charset="-79"/>
+                <a:cs typeface="Miriam Fixed" panose="020B0509050101010101" pitchFamily="49" charset="-79"/>
+              </a:rPr>
+              <a:t>   </a:t>
+            </a:r>
+            <a:r>
+              <a:rPr lang="de-DE" sz="1000" b="1" kern="1000" dirty="0" err="1" smtClean="0">
+                <a:solidFill>
+                  <a:schemeClr val="tx2"/>
+                </a:solidFill>
+                <a:latin typeface="Miriam Fixed" panose="020B0509050101010101" pitchFamily="49" charset="-79"/>
+                <a:cs typeface="Miriam Fixed" panose="020B0509050101010101" pitchFamily="49" charset="-79"/>
+              </a:rPr>
+              <a:t>boolean</a:t>
+            </a:r>
+            <a:r>
+              <a:rPr lang="de-DE" sz="1000" kern="1000" dirty="0" smtClean="0">
+                <a:latin typeface="Miriam Fixed" panose="020B0509050101010101" pitchFamily="49" charset="-79"/>
+                <a:cs typeface="Miriam Fixed" panose="020B0509050101010101" pitchFamily="49" charset="-79"/>
+              </a:rPr>
+              <a:t> wahr = </a:t>
+            </a:r>
+            <a:r>
+              <a:rPr lang="de-DE" sz="1000" b="1" kern="1000" dirty="0" err="1" smtClean="0">
+                <a:solidFill>
+                  <a:schemeClr val="tx2"/>
+                </a:solidFill>
+                <a:latin typeface="Miriam Fixed" panose="020B0509050101010101" pitchFamily="49" charset="-79"/>
+                <a:cs typeface="Miriam Fixed" panose="020B0509050101010101" pitchFamily="49" charset="-79"/>
+              </a:rPr>
+              <a:t>true</a:t>
+            </a:r>
+            <a:r>
+              <a:rPr lang="de-DE" sz="1000" kern="1000" dirty="0" smtClean="0">
+                <a:latin typeface="Miriam Fixed" panose="020B0509050101010101" pitchFamily="49" charset="-79"/>
+                <a:cs typeface="Miriam Fixed" panose="020B0509050101010101" pitchFamily="49" charset="-79"/>
+              </a:rPr>
+              <a:t>;</a:t>
+            </a:r>
+          </a:p>
+          <a:p>
+            <a:r>
+              <a:rPr lang="de-DE" sz="1000" kern="1000" dirty="0" smtClean="0">
+                <a:latin typeface="Miriam Fixed" panose="020B0509050101010101" pitchFamily="49" charset="-79"/>
+                <a:cs typeface="Miriam Fixed" panose="020B0509050101010101" pitchFamily="49" charset="-79"/>
+              </a:rPr>
+              <a:t>    </a:t>
+            </a:r>
+            <a:r>
+              <a:rPr lang="de-DE" sz="1000" b="1" kern="1000" dirty="0" err="1" smtClean="0">
+                <a:solidFill>
+                  <a:schemeClr val="tx2"/>
+                </a:solidFill>
+                <a:latin typeface="Miriam Fixed" panose="020B0509050101010101" pitchFamily="49" charset="-79"/>
+                <a:cs typeface="Miriam Fixed" panose="020B0509050101010101" pitchFamily="49" charset="-79"/>
+              </a:rPr>
+              <a:t>if</a:t>
+            </a:r>
+            <a:r>
+              <a:rPr lang="de-DE" sz="1000" kern="1000" dirty="0" smtClean="0">
+                <a:latin typeface="Miriam Fixed" panose="020B0509050101010101" pitchFamily="49" charset="-79"/>
+                <a:cs typeface="Miriam Fixed" panose="020B0509050101010101" pitchFamily="49" charset="-79"/>
+              </a:rPr>
+              <a:t> (wahr) {</a:t>
+            </a:r>
+          </a:p>
+          <a:p>
+            <a:r>
+              <a:rPr lang="de-DE" sz="1000" kern="1000" dirty="0">
+                <a:latin typeface="Miriam Fixed" panose="020B0509050101010101" pitchFamily="49" charset="-79"/>
+                <a:cs typeface="Miriam Fixed" panose="020B0509050101010101" pitchFamily="49" charset="-79"/>
+              </a:rPr>
+              <a:t> </a:t>
+            </a:r>
+            <a:r>
+              <a:rPr lang="de-DE" sz="1000" kern="1000" dirty="0" smtClean="0">
+                <a:latin typeface="Miriam Fixed" panose="020B0509050101010101" pitchFamily="49" charset="-79"/>
+                <a:cs typeface="Miriam Fixed" panose="020B0509050101010101" pitchFamily="49" charset="-79"/>
+              </a:rPr>
+              <a:t>       </a:t>
+            </a:r>
+            <a:r>
+              <a:rPr lang="de-DE" sz="1000" i="1" kern="1000" dirty="0" err="1" smtClean="0">
+                <a:solidFill>
+                  <a:schemeClr val="accent4"/>
+                </a:solidFill>
+                <a:latin typeface="Miriam Fixed" panose="020B0509050101010101" pitchFamily="49" charset="-79"/>
+                <a:cs typeface="Miriam Fixed" panose="020B0509050101010101" pitchFamily="49" charset="-79"/>
+              </a:rPr>
+              <a:t>nao</a:t>
+            </a:r>
+            <a:r>
+              <a:rPr lang="de-DE" sz="1000" kern="1000" dirty="0" err="1" smtClean="0">
+                <a:latin typeface="Miriam Fixed" panose="020B0509050101010101" pitchFamily="49" charset="-79"/>
+                <a:cs typeface="Miriam Fixed" panose="020B0509050101010101" pitchFamily="49" charset="-79"/>
+              </a:rPr>
+              <a:t>.say</a:t>
+            </a:r>
+            <a:r>
+              <a:rPr lang="de-DE" sz="1000" kern="1000" dirty="0" smtClean="0">
+                <a:latin typeface="Miriam Fixed" panose="020B0509050101010101" pitchFamily="49" charset="-79"/>
+                <a:cs typeface="Miriam Fixed" panose="020B0509050101010101" pitchFamily="49" charset="-79"/>
+              </a:rPr>
+              <a:t>(</a:t>
+            </a:r>
+            <a:r>
+              <a:rPr lang="de-DE" sz="1000" b="1" kern="1000" dirty="0" smtClean="0">
+                <a:solidFill>
+                  <a:srgbClr val="008000"/>
+                </a:solidFill>
+                <a:latin typeface="Miriam Fixed" panose="020B0509050101010101" pitchFamily="49" charset="-79"/>
+                <a:cs typeface="Miriam Fixed" panose="020B0509050101010101" pitchFamily="49" charset="-79"/>
+              </a:rPr>
+              <a:t>“Ich sage jedes Mal diesen Satz!“</a:t>
+            </a:r>
+            <a:r>
+              <a:rPr lang="de-DE" sz="1000" kern="1000" dirty="0" smtClean="0">
+                <a:latin typeface="Miriam Fixed" panose="020B0509050101010101" pitchFamily="49" charset="-79"/>
+                <a:cs typeface="Miriam Fixed" panose="020B0509050101010101" pitchFamily="49" charset="-79"/>
+              </a:rPr>
+              <a:t>);</a:t>
+            </a:r>
+          </a:p>
+          <a:p>
+            <a:r>
+              <a:rPr lang="de-DE" sz="1000" kern="1000" dirty="0">
+                <a:latin typeface="Miriam Fixed" panose="020B0509050101010101" pitchFamily="49" charset="-79"/>
+                <a:cs typeface="Miriam Fixed" panose="020B0509050101010101" pitchFamily="49" charset="-79"/>
+              </a:rPr>
+              <a:t> </a:t>
+            </a:r>
+            <a:r>
+              <a:rPr lang="de-DE" sz="1000" kern="1000" dirty="0" smtClean="0">
+                <a:latin typeface="Miriam Fixed" panose="020B0509050101010101" pitchFamily="49" charset="-79"/>
+                <a:cs typeface="Miriam Fixed" panose="020B0509050101010101" pitchFamily="49" charset="-79"/>
+              </a:rPr>
+              <a:t>   } </a:t>
+            </a:r>
+            <a:r>
+              <a:rPr lang="de-DE" sz="1000" b="1" kern="1000" dirty="0" err="1" smtClean="0">
+                <a:solidFill>
+                  <a:schemeClr val="tx2"/>
+                </a:solidFill>
+                <a:latin typeface="Miriam Fixed" panose="020B0509050101010101" pitchFamily="49" charset="-79"/>
+                <a:cs typeface="Miriam Fixed" panose="020B0509050101010101" pitchFamily="49" charset="-79"/>
+              </a:rPr>
+              <a:t>else</a:t>
+            </a:r>
+            <a:r>
+              <a:rPr lang="de-DE" sz="1000" kern="1000" dirty="0" smtClean="0">
+                <a:latin typeface="Miriam Fixed" panose="020B0509050101010101" pitchFamily="49" charset="-79"/>
+                <a:cs typeface="Miriam Fixed" panose="020B0509050101010101" pitchFamily="49" charset="-79"/>
+              </a:rPr>
+              <a:t> {</a:t>
+            </a:r>
+          </a:p>
+          <a:p>
+            <a:r>
+              <a:rPr lang="de-DE" sz="1000" kern="1000" dirty="0">
+                <a:latin typeface="Miriam Fixed" panose="020B0509050101010101" pitchFamily="49" charset="-79"/>
+                <a:cs typeface="Miriam Fixed" panose="020B0509050101010101" pitchFamily="49" charset="-79"/>
+              </a:rPr>
+              <a:t> </a:t>
+            </a:r>
+            <a:r>
+              <a:rPr lang="de-DE" sz="1000" kern="1000" dirty="0" smtClean="0">
+                <a:latin typeface="Miriam Fixed" panose="020B0509050101010101" pitchFamily="49" charset="-79"/>
+                <a:cs typeface="Miriam Fixed" panose="020B0509050101010101" pitchFamily="49" charset="-79"/>
+              </a:rPr>
+              <a:t>       </a:t>
+            </a:r>
+            <a:r>
+              <a:rPr lang="de-DE" sz="1000" i="1" kern="1000" dirty="0" err="1" smtClean="0">
+                <a:solidFill>
+                  <a:schemeClr val="accent4"/>
+                </a:solidFill>
+                <a:latin typeface="Miriam Fixed" panose="020B0509050101010101" pitchFamily="49" charset="-79"/>
+                <a:cs typeface="Miriam Fixed" panose="020B0509050101010101" pitchFamily="49" charset="-79"/>
+              </a:rPr>
+              <a:t>nao</a:t>
+            </a:r>
+            <a:r>
+              <a:rPr lang="de-DE" sz="1000" kern="1000" dirty="0" err="1" smtClean="0">
+                <a:latin typeface="Miriam Fixed" panose="020B0509050101010101" pitchFamily="49" charset="-79"/>
+                <a:cs typeface="Miriam Fixed" panose="020B0509050101010101" pitchFamily="49" charset="-79"/>
+              </a:rPr>
+              <a:t>.say</a:t>
+            </a:r>
+            <a:r>
+              <a:rPr lang="de-DE" sz="1000" kern="1000" dirty="0" smtClean="0">
+                <a:latin typeface="Miriam Fixed" panose="020B0509050101010101" pitchFamily="49" charset="-79"/>
+                <a:cs typeface="Miriam Fixed" panose="020B0509050101010101" pitchFamily="49" charset="-79"/>
+              </a:rPr>
+              <a:t>(</a:t>
+            </a:r>
+            <a:r>
+              <a:rPr lang="de-DE" sz="1000" b="1" kern="1000" dirty="0" smtClean="0">
+                <a:solidFill>
+                  <a:srgbClr val="008000"/>
+                </a:solidFill>
+                <a:latin typeface="Miriam Fixed" panose="020B0509050101010101" pitchFamily="49" charset="-79"/>
+                <a:cs typeface="Miriam Fixed" panose="020B0509050101010101" pitchFamily="49" charset="-79"/>
+              </a:rPr>
+              <a:t>“Und niemals wirst du mich dies sagen hören!“</a:t>
+            </a:r>
+            <a:r>
+              <a:rPr lang="de-DE" sz="1000" kern="1000" dirty="0" smtClean="0">
+                <a:latin typeface="Miriam Fixed" panose="020B0509050101010101" pitchFamily="49" charset="-79"/>
+                <a:cs typeface="Miriam Fixed" panose="020B0509050101010101" pitchFamily="49" charset="-79"/>
+              </a:rPr>
+              <a:t>);</a:t>
+            </a:r>
+          </a:p>
+          <a:p>
+            <a:r>
+              <a:rPr lang="de-DE" sz="1000" kern="1000" dirty="0">
+                <a:latin typeface="Miriam Fixed" panose="020B0509050101010101" pitchFamily="49" charset="-79"/>
+                <a:cs typeface="Miriam Fixed" panose="020B0509050101010101" pitchFamily="49" charset="-79"/>
+              </a:rPr>
+              <a:t> </a:t>
+            </a:r>
+            <a:r>
+              <a:rPr lang="de-DE" sz="1000" kern="1000" dirty="0" smtClean="0">
+                <a:latin typeface="Miriam Fixed" panose="020B0509050101010101" pitchFamily="49" charset="-79"/>
+                <a:cs typeface="Miriam Fixed" panose="020B0509050101010101" pitchFamily="49" charset="-79"/>
+              </a:rPr>
+              <a:t>   }</a:t>
+            </a:r>
+          </a:p>
+          <a:p>
+            <a:r>
+              <a:rPr lang="de-DE" sz="1000" kern="1000" dirty="0" smtClean="0">
+                <a:latin typeface="Miriam Fixed" panose="020B0509050101010101" pitchFamily="49" charset="-79"/>
+                <a:cs typeface="Miriam Fixed" panose="020B0509050101010101" pitchFamily="49" charset="-79"/>
+              </a:rPr>
+              <a:t>}</a:t>
+            </a:r>
+            <a:endParaRPr lang="de-DE" sz="1000" kern="1000" dirty="0">
+              <a:latin typeface="Miriam Fixed" panose="020B0509050101010101" pitchFamily="49" charset="-79"/>
+              <a:cs typeface="Miriam Fixed" panose="020B0509050101010101" pitchFamily="49" charset="-79"/>
+            </a:endParaRPr>
+          </a:p>
+        </p:txBody>
+      </p:sp>
     </p:spTree>
     <p:extLst>
       <p:ext uri="{BB962C8B-B14F-4D97-AF65-F5344CB8AC3E}">
@@ -16731,7 +18886,7 @@
                             </p:stCondLst>
                             <p:childTnLst>
                               <p:par>
-                                <p:cTn id="5" presetID="10" presetClass="entr" presetSubtype="0" fill="hold" nodeType="clickEffect">
+                                <p:cTn id="5" presetID="10" presetClass="entr" presetSubtype="0" fill="hold" grpId="0" nodeType="clickEffect">
                                   <p:stCondLst>
                                     <p:cond delay="0"/>
                                   </p:stCondLst>
@@ -16744,7 +18899,7 @@
                                           </p:stCondLst>
                                         </p:cTn>
                                         <p:tgtEl>
-                                          <p:spTgt spid="4"/>
+                                          <p:spTgt spid="6"/>
                                         </p:tgtEl>
                                         <p:attrNameLst>
                                           <p:attrName>style.visibility</p:attrName>
@@ -16758,7 +18913,7 @@
                                       <p:cBhvr>
                                         <p:cTn id="7" dur="500"/>
                                         <p:tgtEl>
-                                          <p:spTgt spid="4"/>
+                                          <p:spTgt spid="6"/>
                                         </p:tgtEl>
                                       </p:cBhvr>
                                     </p:animEffect>
@@ -16784,7 +18939,7 @@
                             </p:stCondLst>
                             <p:childTnLst>
                               <p:par>
-                                <p:cTn id="10" presetID="10" presetClass="entr" presetSubtype="0" fill="hold" nodeType="clickEffect">
+                                <p:cTn id="10" presetID="10" presetClass="entr" presetSubtype="0" fill="hold" grpId="0" nodeType="clickEffect">
                                   <p:stCondLst>
                                     <p:cond delay="0"/>
                                   </p:stCondLst>
@@ -16797,7 +18952,7 @@
                                           </p:stCondLst>
                                         </p:cTn>
                                         <p:tgtEl>
-                                          <p:spTgt spid="5"/>
+                                          <p:spTgt spid="7"/>
                                         </p:tgtEl>
                                         <p:attrNameLst>
                                           <p:attrName>style.visibility</p:attrName>
@@ -16811,7 +18966,7 @@
                                       <p:cBhvr>
                                         <p:cTn id="12" dur="500"/>
                                         <p:tgtEl>
-                                          <p:spTgt spid="5"/>
+                                          <p:spTgt spid="7"/>
                                         </p:tgtEl>
                                       </p:cBhvr>
                                     </p:animEffect>
@@ -16845,6 +19000,10 @@
         </p:cTn>
       </p:par>
     </p:tnLst>
+    <p:bldLst>
+      <p:bldP spid="6" grpId="0"/>
+      <p:bldP spid="7" grpId="0"/>
+    </p:bldLst>
   </p:timing>
 </p:sld>
 </file>
@@ -17275,36 +19434,265 @@
           </a:p>
         </p:txBody>
       </p:sp>
-      <p:pic>
-        <p:nvPicPr>
-          <p:cNvPr id="4" name="Grafik 3"/>
-          <p:cNvPicPr>
-            <a:picLocks noChangeAspect="1"/>
-          </p:cNvPicPr>
+      <p:sp>
+        <p:nvSpPr>
+          <p:cNvPr id="5" name="Textfeld 4"/>
+          <p:cNvSpPr txBox="1"/>
           <p:nvPr/>
-        </p:nvPicPr>
-        <p:blipFill>
-          <a:blip r:embed="rId3">
-            <a:extLst>
-              <a:ext uri="{28A0092B-C50C-407E-A947-70E740481C1C}">
-                <a14:useLocalDpi xmlns:a14="http://schemas.microsoft.com/office/drawing/2010/main" val="0"/>
-              </a:ext>
-            </a:extLst>
-          </a:blip>
-          <a:stretch>
-            <a:fillRect/>
-          </a:stretch>
-        </p:blipFill>
+        </p:nvSpPr>
         <p:spPr>
           <a:xfrm>
-            <a:off x="1007605" y="1417341"/>
-            <a:ext cx="4654565" cy="1160307"/>
+            <a:off x="899592" y="1445793"/>
+            <a:ext cx="4716523" cy="1015663"/>
           </a:xfrm>
           <a:prstGeom prst="rect">
             <a:avLst/>
           </a:prstGeom>
+          <a:noFill/>
         </p:spPr>
-      </p:pic>
+        <p:txBody>
+          <a:bodyPr wrap="square" rtlCol="0">
+            <a:spAutoFit/>
+          </a:bodyPr>
+          <a:lstStyle/>
+          <a:p>
+            <a:r>
+              <a:rPr lang="de-DE" sz="1200" b="1" kern="1000" dirty="0" err="1" smtClean="0">
+                <a:solidFill>
+                  <a:schemeClr val="tx2"/>
+                </a:solidFill>
+                <a:latin typeface="Miriam Fixed" panose="020B0509050101010101" pitchFamily="49" charset="-79"/>
+                <a:cs typeface="Miriam Fixed" panose="020B0509050101010101" pitchFamily="49" charset="-79"/>
+              </a:rPr>
+              <a:t>public</a:t>
+            </a:r>
+            <a:r>
+              <a:rPr lang="de-DE" sz="1200" kern="1000" dirty="0" smtClean="0">
+                <a:solidFill>
+                  <a:schemeClr val="tx2"/>
+                </a:solidFill>
+                <a:latin typeface="Miriam Fixed" panose="020B0509050101010101" pitchFamily="49" charset="-79"/>
+                <a:cs typeface="Miriam Fixed" panose="020B0509050101010101" pitchFamily="49" charset="-79"/>
+              </a:rPr>
+              <a:t> </a:t>
+            </a:r>
+            <a:r>
+              <a:rPr lang="de-DE" sz="1200" b="1" kern="1000" dirty="0" err="1" smtClean="0">
+                <a:solidFill>
+                  <a:schemeClr val="tx2"/>
+                </a:solidFill>
+                <a:latin typeface="Miriam Fixed" panose="020B0509050101010101" pitchFamily="49" charset="-79"/>
+                <a:cs typeface="Miriam Fixed" panose="020B0509050101010101" pitchFamily="49" charset="-79"/>
+              </a:rPr>
+              <a:t>static</a:t>
+            </a:r>
+            <a:r>
+              <a:rPr lang="de-DE" sz="1200" kern="1000" dirty="0" smtClean="0">
+                <a:solidFill>
+                  <a:schemeClr val="tx2"/>
+                </a:solidFill>
+                <a:latin typeface="Miriam Fixed" panose="020B0509050101010101" pitchFamily="49" charset="-79"/>
+                <a:cs typeface="Miriam Fixed" panose="020B0509050101010101" pitchFamily="49" charset="-79"/>
+              </a:rPr>
+              <a:t> </a:t>
+            </a:r>
+            <a:r>
+              <a:rPr lang="de-DE" sz="1200" b="1" kern="1000" dirty="0" err="1" smtClean="0">
+                <a:solidFill>
+                  <a:schemeClr val="tx2"/>
+                </a:solidFill>
+                <a:latin typeface="Miriam Fixed" panose="020B0509050101010101" pitchFamily="49" charset="-79"/>
+                <a:cs typeface="Miriam Fixed" panose="020B0509050101010101" pitchFamily="49" charset="-79"/>
+              </a:rPr>
+              <a:t>void</a:t>
+            </a:r>
+            <a:r>
+              <a:rPr lang="de-DE" sz="1200" kern="1000" dirty="0" smtClean="0">
+                <a:latin typeface="Miriam Fixed" panose="020B0509050101010101" pitchFamily="49" charset="-79"/>
+                <a:cs typeface="Miriam Fixed" panose="020B0509050101010101" pitchFamily="49" charset="-79"/>
+              </a:rPr>
+              <a:t> </a:t>
+            </a:r>
+            <a:r>
+              <a:rPr lang="de-DE" sz="1200" kern="1000" dirty="0" err="1" smtClean="0">
+                <a:latin typeface="Miriam Fixed" panose="020B0509050101010101" pitchFamily="49" charset="-79"/>
+                <a:cs typeface="Miriam Fixed" panose="020B0509050101010101" pitchFamily="49" charset="-79"/>
+              </a:rPr>
+              <a:t>main</a:t>
+            </a:r>
+            <a:r>
+              <a:rPr lang="de-DE" sz="1200" kern="1000" dirty="0" smtClean="0">
+                <a:latin typeface="Miriam Fixed" panose="020B0509050101010101" pitchFamily="49" charset="-79"/>
+                <a:cs typeface="Miriam Fixed" panose="020B0509050101010101" pitchFamily="49" charset="-79"/>
+              </a:rPr>
+              <a:t>(String[] </a:t>
+            </a:r>
+            <a:r>
+              <a:rPr lang="de-DE" sz="1200" kern="1000" dirty="0" err="1" smtClean="0">
+                <a:latin typeface="Miriam Fixed" panose="020B0509050101010101" pitchFamily="49" charset="-79"/>
+                <a:cs typeface="Miriam Fixed" panose="020B0509050101010101" pitchFamily="49" charset="-79"/>
+              </a:rPr>
+              <a:t>args</a:t>
+            </a:r>
+            <a:r>
+              <a:rPr lang="de-DE" sz="1200" kern="1000" dirty="0" smtClean="0">
+                <a:latin typeface="Miriam Fixed" panose="020B0509050101010101" pitchFamily="49" charset="-79"/>
+                <a:cs typeface="Miriam Fixed" panose="020B0509050101010101" pitchFamily="49" charset="-79"/>
+              </a:rPr>
+              <a:t>) {</a:t>
+            </a:r>
+          </a:p>
+          <a:p>
+            <a:r>
+              <a:rPr lang="de-DE" sz="1200" kern="1000" dirty="0" smtClean="0">
+                <a:latin typeface="Miriam Fixed" panose="020B0509050101010101" pitchFamily="49" charset="-79"/>
+                <a:cs typeface="Miriam Fixed" panose="020B0509050101010101" pitchFamily="49" charset="-79"/>
+              </a:rPr>
+              <a:t>    </a:t>
+            </a:r>
+            <a:r>
+              <a:rPr lang="de-DE" sz="1200" b="1" kern="1000" dirty="0" err="1" smtClean="0">
+                <a:solidFill>
+                  <a:schemeClr val="tx2"/>
+                </a:solidFill>
+                <a:latin typeface="Miriam Fixed" panose="020B0509050101010101" pitchFamily="49" charset="-79"/>
+                <a:cs typeface="Miriam Fixed" panose="020B0509050101010101" pitchFamily="49" charset="-79"/>
+              </a:rPr>
+              <a:t>for</a:t>
+            </a:r>
+            <a:r>
+              <a:rPr lang="de-DE" sz="1200" kern="1000" dirty="0" smtClean="0">
+                <a:solidFill>
+                  <a:schemeClr val="tx2"/>
+                </a:solidFill>
+                <a:latin typeface="Miriam Fixed" panose="020B0509050101010101" pitchFamily="49" charset="-79"/>
+                <a:cs typeface="Miriam Fixed" panose="020B0509050101010101" pitchFamily="49" charset="-79"/>
+              </a:rPr>
+              <a:t> </a:t>
+            </a:r>
+            <a:r>
+              <a:rPr lang="de-DE" sz="1200" kern="1000" dirty="0" smtClean="0">
+                <a:latin typeface="Miriam Fixed" panose="020B0509050101010101" pitchFamily="49" charset="-79"/>
+                <a:cs typeface="Miriam Fixed" panose="020B0509050101010101" pitchFamily="49" charset="-79"/>
+              </a:rPr>
+              <a:t>(</a:t>
+            </a:r>
+            <a:r>
+              <a:rPr lang="de-DE" sz="1200" kern="1000" dirty="0" smtClean="0">
+                <a:solidFill>
+                  <a:srgbClr val="FF0000"/>
+                </a:solidFill>
+                <a:latin typeface="Miriam Fixed" panose="020B0509050101010101" pitchFamily="49" charset="-79"/>
+                <a:cs typeface="Miriam Fixed" panose="020B0509050101010101" pitchFamily="49" charset="-79"/>
+              </a:rPr>
+              <a:t>Initialisierung</a:t>
+            </a:r>
+            <a:r>
+              <a:rPr lang="de-DE" sz="1200" kern="1000" dirty="0" smtClean="0">
+                <a:latin typeface="Miriam Fixed" panose="020B0509050101010101" pitchFamily="49" charset="-79"/>
+                <a:cs typeface="Miriam Fixed" panose="020B0509050101010101" pitchFamily="49" charset="-79"/>
+              </a:rPr>
+              <a:t>; </a:t>
+            </a:r>
+            <a:r>
+              <a:rPr lang="de-DE" sz="1200" kern="1000" dirty="0" smtClean="0">
+                <a:solidFill>
+                  <a:srgbClr val="FF0000"/>
+                </a:solidFill>
+                <a:latin typeface="Miriam Fixed" panose="020B0509050101010101" pitchFamily="49" charset="-79"/>
+                <a:cs typeface="Miriam Fixed" panose="020B0509050101010101" pitchFamily="49" charset="-79"/>
+              </a:rPr>
+              <a:t>Bedingung</a:t>
+            </a:r>
+            <a:r>
+              <a:rPr lang="de-DE" sz="1200" kern="1000" dirty="0" smtClean="0">
+                <a:latin typeface="Miriam Fixed" panose="020B0509050101010101" pitchFamily="49" charset="-79"/>
+                <a:cs typeface="Miriam Fixed" panose="020B0509050101010101" pitchFamily="49" charset="-79"/>
+              </a:rPr>
+              <a:t>; </a:t>
+            </a:r>
+            <a:r>
+              <a:rPr lang="de-DE" sz="1200" kern="1000" dirty="0" smtClean="0">
+                <a:solidFill>
+                  <a:srgbClr val="FF0000"/>
+                </a:solidFill>
+                <a:latin typeface="Miriam Fixed" panose="020B0509050101010101" pitchFamily="49" charset="-79"/>
+                <a:cs typeface="Miriam Fixed" panose="020B0509050101010101" pitchFamily="49" charset="-79"/>
+              </a:rPr>
+              <a:t>Iteration</a:t>
+            </a:r>
+            <a:r>
+              <a:rPr lang="de-DE" sz="1200" kern="1000" dirty="0" smtClean="0">
+                <a:latin typeface="Miriam Fixed" panose="020B0509050101010101" pitchFamily="49" charset="-79"/>
+                <a:cs typeface="Miriam Fixed" panose="020B0509050101010101" pitchFamily="49" charset="-79"/>
+              </a:rPr>
+              <a:t>) {</a:t>
+            </a:r>
+          </a:p>
+          <a:p>
+            <a:r>
+              <a:rPr lang="de-DE" sz="1200" kern="1000" dirty="0">
+                <a:latin typeface="Miriam Fixed" panose="020B0509050101010101" pitchFamily="49" charset="-79"/>
+                <a:cs typeface="Miriam Fixed" panose="020B0509050101010101" pitchFamily="49" charset="-79"/>
+              </a:rPr>
+              <a:t> </a:t>
+            </a:r>
+            <a:r>
+              <a:rPr lang="de-DE" sz="1200" kern="1000" dirty="0" smtClean="0">
+                <a:latin typeface="Miriam Fixed" panose="020B0509050101010101" pitchFamily="49" charset="-79"/>
+                <a:cs typeface="Miriam Fixed" panose="020B0509050101010101" pitchFamily="49" charset="-79"/>
+              </a:rPr>
+              <a:t>       </a:t>
+            </a:r>
+            <a:r>
+              <a:rPr lang="de-DE" sz="1200" kern="1000" dirty="0" smtClean="0">
+                <a:solidFill>
+                  <a:srgbClr val="FF0000"/>
+                </a:solidFill>
+                <a:latin typeface="Miriam Fixed" panose="020B0509050101010101" pitchFamily="49" charset="-79"/>
+                <a:cs typeface="Miriam Fixed" panose="020B0509050101010101" pitchFamily="49" charset="-79"/>
+              </a:rPr>
+              <a:t>Code</a:t>
+            </a:r>
+            <a:r>
+              <a:rPr lang="de-DE" sz="1200" kern="1000" dirty="0" smtClean="0">
+                <a:latin typeface="Miriam Fixed" panose="020B0509050101010101" pitchFamily="49" charset="-79"/>
+                <a:cs typeface="Miriam Fixed" panose="020B0509050101010101" pitchFamily="49" charset="-79"/>
+              </a:rPr>
+              <a:t>;</a:t>
+            </a:r>
+          </a:p>
+          <a:p>
+            <a:r>
+              <a:rPr lang="de-DE" sz="1200" kern="1000" dirty="0">
+                <a:latin typeface="Miriam Fixed" panose="020B0509050101010101" pitchFamily="49" charset="-79"/>
+                <a:cs typeface="Miriam Fixed" panose="020B0509050101010101" pitchFamily="49" charset="-79"/>
+              </a:rPr>
+              <a:t> </a:t>
+            </a:r>
+            <a:r>
+              <a:rPr lang="de-DE" sz="1200" kern="1000" dirty="0" smtClean="0">
+                <a:latin typeface="Miriam Fixed" panose="020B0509050101010101" pitchFamily="49" charset="-79"/>
+                <a:cs typeface="Miriam Fixed" panose="020B0509050101010101" pitchFamily="49" charset="-79"/>
+              </a:rPr>
+              <a:t>   }</a:t>
+            </a:r>
+          </a:p>
+          <a:p>
+            <a:r>
+              <a:rPr lang="de-DE" sz="1200" kern="1000" dirty="0" smtClean="0">
+                <a:latin typeface="Miriam Fixed" panose="020B0509050101010101" pitchFamily="49" charset="-79"/>
+                <a:cs typeface="Miriam Fixed" panose="020B0509050101010101" pitchFamily="49" charset="-79"/>
+              </a:rPr>
+              <a:t>}</a:t>
+            </a:r>
+            <a:endParaRPr lang="de-DE" sz="1200" kern="1000" dirty="0">
+              <a:latin typeface="Miriam Fixed" panose="020B0509050101010101" pitchFamily="49" charset="-79"/>
+              <a:cs typeface="Miriam Fixed" panose="020B0509050101010101" pitchFamily="49" charset="-79"/>
+            </a:endParaRPr>
+          </a:p>
+        </p:txBody>
+      </p:sp>
     </p:spTree>
     <p:extLst>
       <p:ext uri="{BB962C8B-B14F-4D97-AF65-F5344CB8AC3E}">
@@ -17607,60 +19995,715 @@
           </a:p>
         </p:txBody>
       </p:sp>
-      <p:pic>
-        <p:nvPicPr>
-          <p:cNvPr id="6" name="Grafik 5"/>
-          <p:cNvPicPr>
-            <a:picLocks noChangeAspect="1"/>
-          </p:cNvPicPr>
+      <p:sp>
+        <p:nvSpPr>
+          <p:cNvPr id="5" name="Textfeld 4"/>
+          <p:cNvSpPr txBox="1"/>
           <p:nvPr/>
-        </p:nvPicPr>
-        <p:blipFill>
-          <a:blip r:embed="rId3">
-            <a:extLst>
-              <a:ext uri="{28A0092B-C50C-407E-A947-70E740481C1C}">
-                <a14:useLocalDpi xmlns:a14="http://schemas.microsoft.com/office/drawing/2010/main" val="0"/>
-              </a:ext>
-            </a:extLst>
-          </a:blip>
-          <a:stretch>
-            <a:fillRect/>
-          </a:stretch>
-        </p:blipFill>
+        </p:nvSpPr>
         <p:spPr>
           <a:xfrm>
-            <a:off x="440088" y="1273324"/>
-            <a:ext cx="4186823" cy="1186028"/>
+            <a:off x="550083" y="1525352"/>
+            <a:ext cx="4716523" cy="1015663"/>
           </a:xfrm>
           <a:prstGeom prst="rect">
             <a:avLst/>
           </a:prstGeom>
+          <a:noFill/>
         </p:spPr>
-      </p:pic>
-      <p:pic>
-        <p:nvPicPr>
-          <p:cNvPr id="7" name="Grafik 6"/>
-          <p:cNvPicPr>
-            <a:picLocks noChangeAspect="1"/>
-          </p:cNvPicPr>
+        <p:txBody>
+          <a:bodyPr wrap="square" rtlCol="0">
+            <a:spAutoFit/>
+          </a:bodyPr>
+          <a:lstStyle/>
+          <a:p>
+            <a:r>
+              <a:rPr lang="de-DE" sz="1200" b="1" kern="1000" dirty="0" err="1" smtClean="0">
+                <a:solidFill>
+                  <a:schemeClr val="tx2"/>
+                </a:solidFill>
+                <a:latin typeface="Miriam Fixed" panose="020B0509050101010101" pitchFamily="49" charset="-79"/>
+                <a:cs typeface="Miriam Fixed" panose="020B0509050101010101" pitchFamily="49" charset="-79"/>
+              </a:rPr>
+              <a:t>public</a:t>
+            </a:r>
+            <a:r>
+              <a:rPr lang="de-DE" sz="1200" kern="1000" dirty="0" smtClean="0">
+                <a:solidFill>
+                  <a:schemeClr val="tx2"/>
+                </a:solidFill>
+                <a:latin typeface="Miriam Fixed" panose="020B0509050101010101" pitchFamily="49" charset="-79"/>
+                <a:cs typeface="Miriam Fixed" panose="020B0509050101010101" pitchFamily="49" charset="-79"/>
+              </a:rPr>
+              <a:t> </a:t>
+            </a:r>
+            <a:r>
+              <a:rPr lang="de-DE" sz="1200" b="1" kern="1000" dirty="0" err="1" smtClean="0">
+                <a:solidFill>
+                  <a:schemeClr val="tx2"/>
+                </a:solidFill>
+                <a:latin typeface="Miriam Fixed" panose="020B0509050101010101" pitchFamily="49" charset="-79"/>
+                <a:cs typeface="Miriam Fixed" panose="020B0509050101010101" pitchFamily="49" charset="-79"/>
+              </a:rPr>
+              <a:t>static</a:t>
+            </a:r>
+            <a:r>
+              <a:rPr lang="de-DE" sz="1200" kern="1000" dirty="0" smtClean="0">
+                <a:solidFill>
+                  <a:schemeClr val="tx2"/>
+                </a:solidFill>
+                <a:latin typeface="Miriam Fixed" panose="020B0509050101010101" pitchFamily="49" charset="-79"/>
+                <a:cs typeface="Miriam Fixed" panose="020B0509050101010101" pitchFamily="49" charset="-79"/>
+              </a:rPr>
+              <a:t> </a:t>
+            </a:r>
+            <a:r>
+              <a:rPr lang="de-DE" sz="1200" b="1" kern="1000" dirty="0" err="1" smtClean="0">
+                <a:solidFill>
+                  <a:schemeClr val="tx2"/>
+                </a:solidFill>
+                <a:latin typeface="Miriam Fixed" panose="020B0509050101010101" pitchFamily="49" charset="-79"/>
+                <a:cs typeface="Miriam Fixed" panose="020B0509050101010101" pitchFamily="49" charset="-79"/>
+              </a:rPr>
+              <a:t>void</a:t>
+            </a:r>
+            <a:r>
+              <a:rPr lang="de-DE" sz="1200" kern="1000" dirty="0" smtClean="0">
+                <a:latin typeface="Miriam Fixed" panose="020B0509050101010101" pitchFamily="49" charset="-79"/>
+                <a:cs typeface="Miriam Fixed" panose="020B0509050101010101" pitchFamily="49" charset="-79"/>
+              </a:rPr>
+              <a:t> </a:t>
+            </a:r>
+            <a:r>
+              <a:rPr lang="de-DE" sz="1200" kern="1000" dirty="0" err="1" smtClean="0">
+                <a:latin typeface="Miriam Fixed" panose="020B0509050101010101" pitchFamily="49" charset="-79"/>
+                <a:cs typeface="Miriam Fixed" panose="020B0509050101010101" pitchFamily="49" charset="-79"/>
+              </a:rPr>
+              <a:t>main</a:t>
+            </a:r>
+            <a:r>
+              <a:rPr lang="de-DE" sz="1200" kern="1000" dirty="0" smtClean="0">
+                <a:latin typeface="Miriam Fixed" panose="020B0509050101010101" pitchFamily="49" charset="-79"/>
+                <a:cs typeface="Miriam Fixed" panose="020B0509050101010101" pitchFamily="49" charset="-79"/>
+              </a:rPr>
+              <a:t>(String[] </a:t>
+            </a:r>
+            <a:r>
+              <a:rPr lang="de-DE" sz="1200" kern="1000" dirty="0" err="1" smtClean="0">
+                <a:latin typeface="Miriam Fixed" panose="020B0509050101010101" pitchFamily="49" charset="-79"/>
+                <a:cs typeface="Miriam Fixed" panose="020B0509050101010101" pitchFamily="49" charset="-79"/>
+              </a:rPr>
+              <a:t>args</a:t>
+            </a:r>
+            <a:r>
+              <a:rPr lang="de-DE" sz="1200" kern="1000" dirty="0" smtClean="0">
+                <a:latin typeface="Miriam Fixed" panose="020B0509050101010101" pitchFamily="49" charset="-79"/>
+                <a:cs typeface="Miriam Fixed" panose="020B0509050101010101" pitchFamily="49" charset="-79"/>
+              </a:rPr>
+              <a:t>) {</a:t>
+            </a:r>
+          </a:p>
+          <a:p>
+            <a:r>
+              <a:rPr lang="de-DE" sz="1200" kern="1000" dirty="0" smtClean="0">
+                <a:latin typeface="Miriam Fixed" panose="020B0509050101010101" pitchFamily="49" charset="-79"/>
+                <a:cs typeface="Miriam Fixed" panose="020B0509050101010101" pitchFamily="49" charset="-79"/>
+              </a:rPr>
+              <a:t>    </a:t>
+            </a:r>
+            <a:r>
+              <a:rPr lang="de-DE" sz="1200" b="1" kern="1000" dirty="0" err="1" smtClean="0">
+                <a:solidFill>
+                  <a:schemeClr val="tx2"/>
+                </a:solidFill>
+                <a:latin typeface="Miriam Fixed" panose="020B0509050101010101" pitchFamily="49" charset="-79"/>
+                <a:cs typeface="Miriam Fixed" panose="020B0509050101010101" pitchFamily="49" charset="-79"/>
+              </a:rPr>
+              <a:t>for</a:t>
+            </a:r>
+            <a:r>
+              <a:rPr lang="de-DE" sz="1200" kern="1000" dirty="0" smtClean="0">
+                <a:solidFill>
+                  <a:schemeClr val="tx2"/>
+                </a:solidFill>
+                <a:latin typeface="Miriam Fixed" panose="020B0509050101010101" pitchFamily="49" charset="-79"/>
+                <a:cs typeface="Miriam Fixed" panose="020B0509050101010101" pitchFamily="49" charset="-79"/>
+              </a:rPr>
+              <a:t> </a:t>
+            </a:r>
+            <a:r>
+              <a:rPr lang="de-DE" sz="1200" kern="1000" dirty="0" smtClean="0">
+                <a:latin typeface="Miriam Fixed" panose="020B0509050101010101" pitchFamily="49" charset="-79"/>
+                <a:cs typeface="Miriam Fixed" panose="020B0509050101010101" pitchFamily="49" charset="-79"/>
+              </a:rPr>
+              <a:t>(</a:t>
+            </a:r>
+            <a:r>
+              <a:rPr lang="de-DE" sz="1200" b="1" kern="1000" dirty="0" err="1" smtClean="0">
+                <a:solidFill>
+                  <a:schemeClr val="tx2"/>
+                </a:solidFill>
+                <a:latin typeface="Miriam Fixed" panose="020B0509050101010101" pitchFamily="49" charset="-79"/>
+                <a:cs typeface="Miriam Fixed" panose="020B0509050101010101" pitchFamily="49" charset="-79"/>
+              </a:rPr>
+              <a:t>int</a:t>
+            </a:r>
+            <a:r>
+              <a:rPr lang="de-DE" sz="1200" kern="1000" dirty="0" smtClean="0">
+                <a:latin typeface="Miriam Fixed" panose="020B0509050101010101" pitchFamily="49" charset="-79"/>
+                <a:cs typeface="Miriam Fixed" panose="020B0509050101010101" pitchFamily="49" charset="-79"/>
+              </a:rPr>
+              <a:t> i = </a:t>
+            </a:r>
+            <a:r>
+              <a:rPr lang="de-DE" sz="1200" kern="1000" dirty="0" smtClean="0">
+                <a:solidFill>
+                  <a:schemeClr val="accent1"/>
+                </a:solidFill>
+                <a:latin typeface="Miriam Fixed" panose="020B0509050101010101" pitchFamily="49" charset="-79"/>
+                <a:cs typeface="Miriam Fixed" panose="020B0509050101010101" pitchFamily="49" charset="-79"/>
+              </a:rPr>
+              <a:t>1</a:t>
+            </a:r>
+            <a:r>
+              <a:rPr lang="de-DE" sz="1200" kern="1000" dirty="0" smtClean="0">
+                <a:latin typeface="Miriam Fixed" panose="020B0509050101010101" pitchFamily="49" charset="-79"/>
+                <a:cs typeface="Miriam Fixed" panose="020B0509050101010101" pitchFamily="49" charset="-79"/>
+              </a:rPr>
+              <a:t>; i &lt;= </a:t>
+            </a:r>
+            <a:r>
+              <a:rPr lang="de-DE" sz="1200" kern="1000" dirty="0" smtClean="0">
+                <a:solidFill>
+                  <a:schemeClr val="accent1"/>
+                </a:solidFill>
+                <a:latin typeface="Miriam Fixed" panose="020B0509050101010101" pitchFamily="49" charset="-79"/>
+                <a:cs typeface="Miriam Fixed" panose="020B0509050101010101" pitchFamily="49" charset="-79"/>
+              </a:rPr>
+              <a:t>10</a:t>
+            </a:r>
+            <a:r>
+              <a:rPr lang="de-DE" sz="1200" kern="1000" dirty="0" smtClean="0">
+                <a:latin typeface="Miriam Fixed" panose="020B0509050101010101" pitchFamily="49" charset="-79"/>
+                <a:cs typeface="Miriam Fixed" panose="020B0509050101010101" pitchFamily="49" charset="-79"/>
+              </a:rPr>
+              <a:t>; i = i + </a:t>
+            </a:r>
+            <a:r>
+              <a:rPr lang="de-DE" sz="1200" kern="1000" dirty="0" smtClean="0">
+                <a:solidFill>
+                  <a:schemeClr val="accent1"/>
+                </a:solidFill>
+                <a:latin typeface="Miriam Fixed" panose="020B0509050101010101" pitchFamily="49" charset="-79"/>
+                <a:cs typeface="Miriam Fixed" panose="020B0509050101010101" pitchFamily="49" charset="-79"/>
+              </a:rPr>
+              <a:t>1</a:t>
+            </a:r>
+            <a:r>
+              <a:rPr lang="de-DE" sz="1200" kern="1000" dirty="0" smtClean="0">
+                <a:latin typeface="Miriam Fixed" panose="020B0509050101010101" pitchFamily="49" charset="-79"/>
+                <a:cs typeface="Miriam Fixed" panose="020B0509050101010101" pitchFamily="49" charset="-79"/>
+              </a:rPr>
+              <a:t>) {</a:t>
+            </a:r>
+          </a:p>
+          <a:p>
+            <a:r>
+              <a:rPr lang="de-DE" sz="1200" kern="1000" dirty="0">
+                <a:latin typeface="Miriam Fixed" panose="020B0509050101010101" pitchFamily="49" charset="-79"/>
+                <a:cs typeface="Miriam Fixed" panose="020B0509050101010101" pitchFamily="49" charset="-79"/>
+              </a:rPr>
+              <a:t> </a:t>
+            </a:r>
+            <a:r>
+              <a:rPr lang="de-DE" sz="1200" kern="1000" dirty="0" smtClean="0">
+                <a:latin typeface="Miriam Fixed" panose="020B0509050101010101" pitchFamily="49" charset="-79"/>
+                <a:cs typeface="Miriam Fixed" panose="020B0509050101010101" pitchFamily="49" charset="-79"/>
+              </a:rPr>
+              <a:t>       </a:t>
+            </a:r>
+            <a:r>
+              <a:rPr lang="de-DE" sz="1200" i="1" kern="1000" dirty="0" err="1" smtClean="0">
+                <a:solidFill>
+                  <a:schemeClr val="accent4"/>
+                </a:solidFill>
+                <a:latin typeface="Miriam Fixed" panose="020B0509050101010101" pitchFamily="49" charset="-79"/>
+                <a:cs typeface="Miriam Fixed" panose="020B0509050101010101" pitchFamily="49" charset="-79"/>
+              </a:rPr>
+              <a:t>nao</a:t>
+            </a:r>
+            <a:r>
+              <a:rPr lang="de-DE" sz="1200" kern="1000" dirty="0" err="1" smtClean="0">
+                <a:latin typeface="Miriam Fixed" panose="020B0509050101010101" pitchFamily="49" charset="-79"/>
+                <a:cs typeface="Miriam Fixed" panose="020B0509050101010101" pitchFamily="49" charset="-79"/>
+              </a:rPr>
+              <a:t>.say</a:t>
+            </a:r>
+            <a:r>
+              <a:rPr lang="de-DE" sz="1200" kern="1000" dirty="0" smtClean="0">
+                <a:latin typeface="Miriam Fixed" panose="020B0509050101010101" pitchFamily="49" charset="-79"/>
+                <a:cs typeface="Miriam Fixed" panose="020B0509050101010101" pitchFamily="49" charset="-79"/>
+              </a:rPr>
+              <a:t>(</a:t>
+            </a:r>
+            <a:r>
+              <a:rPr lang="de-DE" sz="1200" b="1" kern="1000" dirty="0" smtClean="0">
+                <a:solidFill>
+                  <a:srgbClr val="008000"/>
+                </a:solidFill>
+                <a:latin typeface="Miriam Fixed" panose="020B0509050101010101" pitchFamily="49" charset="-79"/>
+                <a:cs typeface="Miriam Fixed" panose="020B0509050101010101" pitchFamily="49" charset="-79"/>
+              </a:rPr>
+              <a:t>“I ist “</a:t>
+            </a:r>
+            <a:r>
+              <a:rPr lang="de-DE" sz="1200" kern="1000" dirty="0" smtClean="0">
+                <a:latin typeface="Miriam Fixed" panose="020B0509050101010101" pitchFamily="49" charset="-79"/>
+                <a:cs typeface="Miriam Fixed" panose="020B0509050101010101" pitchFamily="49" charset="-79"/>
+              </a:rPr>
+              <a:t> + i);</a:t>
+            </a:r>
+          </a:p>
+          <a:p>
+            <a:r>
+              <a:rPr lang="de-DE" sz="1200" kern="1000" dirty="0">
+                <a:latin typeface="Miriam Fixed" panose="020B0509050101010101" pitchFamily="49" charset="-79"/>
+                <a:cs typeface="Miriam Fixed" panose="020B0509050101010101" pitchFamily="49" charset="-79"/>
+              </a:rPr>
+              <a:t> </a:t>
+            </a:r>
+            <a:r>
+              <a:rPr lang="de-DE" sz="1200" kern="1000" dirty="0" smtClean="0">
+                <a:latin typeface="Miriam Fixed" panose="020B0509050101010101" pitchFamily="49" charset="-79"/>
+                <a:cs typeface="Miriam Fixed" panose="020B0509050101010101" pitchFamily="49" charset="-79"/>
+              </a:rPr>
+              <a:t>   }</a:t>
+            </a:r>
+          </a:p>
+          <a:p>
+            <a:r>
+              <a:rPr lang="de-DE" sz="1200" kern="1000" dirty="0" smtClean="0">
+                <a:latin typeface="Miriam Fixed" panose="020B0509050101010101" pitchFamily="49" charset="-79"/>
+                <a:cs typeface="Miriam Fixed" panose="020B0509050101010101" pitchFamily="49" charset="-79"/>
+              </a:rPr>
+              <a:t>}</a:t>
+            </a:r>
+            <a:endParaRPr lang="de-DE" sz="1200" kern="1000" dirty="0">
+              <a:latin typeface="Miriam Fixed" panose="020B0509050101010101" pitchFamily="49" charset="-79"/>
+              <a:cs typeface="Miriam Fixed" panose="020B0509050101010101" pitchFamily="49" charset="-79"/>
+            </a:endParaRPr>
+          </a:p>
+        </p:txBody>
+      </p:sp>
+      <p:sp>
+        <p:nvSpPr>
+          <p:cNvPr id="8" name="Textfeld 7"/>
+          <p:cNvSpPr txBox="1"/>
           <p:nvPr/>
-        </p:nvPicPr>
-        <p:blipFill>
-          <a:blip r:embed="rId4"/>
-          <a:stretch>
-            <a:fillRect/>
-          </a:stretch>
-        </p:blipFill>
+        </p:nvSpPr>
         <p:spPr>
           <a:xfrm>
-            <a:off x="3959933" y="2749488"/>
-            <a:ext cx="4214813" cy="2171700"/>
+            <a:off x="3527884" y="2929508"/>
+            <a:ext cx="4716523" cy="1754326"/>
           </a:xfrm>
           <a:prstGeom prst="rect">
             <a:avLst/>
           </a:prstGeom>
+          <a:noFill/>
         </p:spPr>
-      </p:pic>
+        <p:txBody>
+          <a:bodyPr wrap="square" rtlCol="0">
+            <a:spAutoFit/>
+          </a:bodyPr>
+          <a:lstStyle/>
+          <a:p>
+            <a:r>
+              <a:rPr lang="de-DE" sz="1200" b="1" kern="1000" dirty="0" err="1" smtClean="0">
+                <a:solidFill>
+                  <a:schemeClr val="tx2"/>
+                </a:solidFill>
+                <a:latin typeface="Miriam Fixed" panose="020B0509050101010101" pitchFamily="49" charset="-79"/>
+                <a:cs typeface="Miriam Fixed" panose="020B0509050101010101" pitchFamily="49" charset="-79"/>
+              </a:rPr>
+              <a:t>public</a:t>
+            </a:r>
+            <a:r>
+              <a:rPr lang="de-DE" sz="1200" kern="1000" dirty="0" smtClean="0">
+                <a:solidFill>
+                  <a:schemeClr val="tx2"/>
+                </a:solidFill>
+                <a:latin typeface="Miriam Fixed" panose="020B0509050101010101" pitchFamily="49" charset="-79"/>
+                <a:cs typeface="Miriam Fixed" panose="020B0509050101010101" pitchFamily="49" charset="-79"/>
+              </a:rPr>
+              <a:t> </a:t>
+            </a:r>
+            <a:r>
+              <a:rPr lang="de-DE" sz="1200" b="1" kern="1000" dirty="0" err="1" smtClean="0">
+                <a:solidFill>
+                  <a:schemeClr val="tx2"/>
+                </a:solidFill>
+                <a:latin typeface="Miriam Fixed" panose="020B0509050101010101" pitchFamily="49" charset="-79"/>
+                <a:cs typeface="Miriam Fixed" panose="020B0509050101010101" pitchFamily="49" charset="-79"/>
+              </a:rPr>
+              <a:t>static</a:t>
+            </a:r>
+            <a:r>
+              <a:rPr lang="de-DE" sz="1200" kern="1000" dirty="0" smtClean="0">
+                <a:solidFill>
+                  <a:schemeClr val="tx2"/>
+                </a:solidFill>
+                <a:latin typeface="Miriam Fixed" panose="020B0509050101010101" pitchFamily="49" charset="-79"/>
+                <a:cs typeface="Miriam Fixed" panose="020B0509050101010101" pitchFamily="49" charset="-79"/>
+              </a:rPr>
+              <a:t> </a:t>
+            </a:r>
+            <a:r>
+              <a:rPr lang="de-DE" sz="1200" b="1" kern="1000" dirty="0" err="1" smtClean="0">
+                <a:solidFill>
+                  <a:schemeClr val="tx2"/>
+                </a:solidFill>
+                <a:latin typeface="Miriam Fixed" panose="020B0509050101010101" pitchFamily="49" charset="-79"/>
+                <a:cs typeface="Miriam Fixed" panose="020B0509050101010101" pitchFamily="49" charset="-79"/>
+              </a:rPr>
+              <a:t>void</a:t>
+            </a:r>
+            <a:r>
+              <a:rPr lang="de-DE" sz="1200" kern="1000" dirty="0" smtClean="0">
+                <a:latin typeface="Miriam Fixed" panose="020B0509050101010101" pitchFamily="49" charset="-79"/>
+                <a:cs typeface="Miriam Fixed" panose="020B0509050101010101" pitchFamily="49" charset="-79"/>
+              </a:rPr>
+              <a:t> </a:t>
+            </a:r>
+            <a:r>
+              <a:rPr lang="de-DE" sz="1200" kern="1000" dirty="0" err="1" smtClean="0">
+                <a:latin typeface="Miriam Fixed" panose="020B0509050101010101" pitchFamily="49" charset="-79"/>
+                <a:cs typeface="Miriam Fixed" panose="020B0509050101010101" pitchFamily="49" charset="-79"/>
+              </a:rPr>
+              <a:t>main</a:t>
+            </a:r>
+            <a:r>
+              <a:rPr lang="de-DE" sz="1200" kern="1000" dirty="0" smtClean="0">
+                <a:latin typeface="Miriam Fixed" panose="020B0509050101010101" pitchFamily="49" charset="-79"/>
+                <a:cs typeface="Miriam Fixed" panose="020B0509050101010101" pitchFamily="49" charset="-79"/>
+              </a:rPr>
+              <a:t>(String[] </a:t>
+            </a:r>
+            <a:r>
+              <a:rPr lang="de-DE" sz="1200" kern="1000" dirty="0" err="1" smtClean="0">
+                <a:latin typeface="Miriam Fixed" panose="020B0509050101010101" pitchFamily="49" charset="-79"/>
+                <a:cs typeface="Miriam Fixed" panose="020B0509050101010101" pitchFamily="49" charset="-79"/>
+              </a:rPr>
+              <a:t>args</a:t>
+            </a:r>
+            <a:r>
+              <a:rPr lang="de-DE" sz="1200" kern="1000" dirty="0" smtClean="0">
+                <a:latin typeface="Miriam Fixed" panose="020B0509050101010101" pitchFamily="49" charset="-79"/>
+                <a:cs typeface="Miriam Fixed" panose="020B0509050101010101" pitchFamily="49" charset="-79"/>
+              </a:rPr>
+              <a:t>) {</a:t>
+            </a:r>
+          </a:p>
+          <a:p>
+            <a:r>
+              <a:rPr lang="de-DE" sz="1200" kern="1000" dirty="0" smtClean="0">
+                <a:latin typeface="Miriam Fixed" panose="020B0509050101010101" pitchFamily="49" charset="-79"/>
+                <a:cs typeface="Miriam Fixed" panose="020B0509050101010101" pitchFamily="49" charset="-79"/>
+              </a:rPr>
+              <a:t>    </a:t>
+            </a:r>
+            <a:r>
+              <a:rPr lang="de-DE" sz="1200" b="1" kern="1000" dirty="0" err="1" smtClean="0">
+                <a:solidFill>
+                  <a:schemeClr val="tx2"/>
+                </a:solidFill>
+                <a:latin typeface="Miriam Fixed" panose="020B0509050101010101" pitchFamily="49" charset="-79"/>
+                <a:cs typeface="Miriam Fixed" panose="020B0509050101010101" pitchFamily="49" charset="-79"/>
+              </a:rPr>
+              <a:t>boolean</a:t>
+            </a:r>
+            <a:r>
+              <a:rPr lang="de-DE" sz="1200" kern="1000" dirty="0" smtClean="0">
+                <a:latin typeface="Miriam Fixed" panose="020B0509050101010101" pitchFamily="49" charset="-79"/>
+                <a:cs typeface="Miriam Fixed" panose="020B0509050101010101" pitchFamily="49" charset="-79"/>
+              </a:rPr>
+              <a:t> weitermachen = </a:t>
+            </a:r>
+            <a:r>
+              <a:rPr lang="de-DE" sz="1200" b="1" kern="1000" dirty="0" err="1" smtClean="0">
+                <a:solidFill>
+                  <a:schemeClr val="tx2"/>
+                </a:solidFill>
+                <a:latin typeface="Miriam Fixed" panose="020B0509050101010101" pitchFamily="49" charset="-79"/>
+                <a:cs typeface="Miriam Fixed" panose="020B0509050101010101" pitchFamily="49" charset="-79"/>
+              </a:rPr>
+              <a:t>true</a:t>
+            </a:r>
+            <a:r>
+              <a:rPr lang="de-DE" sz="1200" kern="1000" dirty="0" smtClean="0">
+                <a:latin typeface="Miriam Fixed" panose="020B0509050101010101" pitchFamily="49" charset="-79"/>
+                <a:cs typeface="Miriam Fixed" panose="020B0509050101010101" pitchFamily="49" charset="-79"/>
+              </a:rPr>
+              <a:t>;</a:t>
+            </a:r>
+          </a:p>
+          <a:p>
+            <a:r>
+              <a:rPr lang="de-DE" sz="1200" kern="1000" dirty="0">
+                <a:latin typeface="Miriam Fixed" panose="020B0509050101010101" pitchFamily="49" charset="-79"/>
+                <a:cs typeface="Miriam Fixed" panose="020B0509050101010101" pitchFamily="49" charset="-79"/>
+              </a:rPr>
+              <a:t> </a:t>
+            </a:r>
+            <a:r>
+              <a:rPr lang="de-DE" sz="1200" kern="1000" dirty="0" smtClean="0">
+                <a:latin typeface="Miriam Fixed" panose="020B0509050101010101" pitchFamily="49" charset="-79"/>
+                <a:cs typeface="Miriam Fixed" panose="020B0509050101010101" pitchFamily="49" charset="-79"/>
+              </a:rPr>
+              <a:t>   </a:t>
+            </a:r>
+            <a:r>
+              <a:rPr lang="de-DE" sz="1200" b="1" kern="1000" dirty="0" err="1" smtClean="0">
+                <a:solidFill>
+                  <a:schemeClr val="tx2"/>
+                </a:solidFill>
+                <a:latin typeface="Miriam Fixed" panose="020B0509050101010101" pitchFamily="49" charset="-79"/>
+                <a:cs typeface="Miriam Fixed" panose="020B0509050101010101" pitchFamily="49" charset="-79"/>
+              </a:rPr>
+              <a:t>for</a:t>
+            </a:r>
+            <a:r>
+              <a:rPr lang="de-DE" sz="1200" kern="1000" dirty="0" smtClean="0">
+                <a:latin typeface="Miriam Fixed" panose="020B0509050101010101" pitchFamily="49" charset="-79"/>
+                <a:cs typeface="Miriam Fixed" panose="020B0509050101010101" pitchFamily="49" charset="-79"/>
+              </a:rPr>
+              <a:t> (</a:t>
+            </a:r>
+            <a:r>
+              <a:rPr lang="de-DE" sz="1200" b="1" kern="1000" dirty="0" err="1" smtClean="0">
+                <a:solidFill>
+                  <a:schemeClr val="tx2"/>
+                </a:solidFill>
+                <a:latin typeface="Miriam Fixed" panose="020B0509050101010101" pitchFamily="49" charset="-79"/>
+                <a:cs typeface="Miriam Fixed" panose="020B0509050101010101" pitchFamily="49" charset="-79"/>
+              </a:rPr>
+              <a:t>int</a:t>
+            </a:r>
+            <a:r>
+              <a:rPr lang="de-DE" sz="1200" kern="1000" dirty="0" smtClean="0">
+                <a:latin typeface="Miriam Fixed" panose="020B0509050101010101" pitchFamily="49" charset="-79"/>
+                <a:cs typeface="Miriam Fixed" panose="020B0509050101010101" pitchFamily="49" charset="-79"/>
+              </a:rPr>
+              <a:t> i = </a:t>
+            </a:r>
+            <a:r>
+              <a:rPr lang="de-DE" sz="1200" kern="1000" dirty="0" smtClean="0">
+                <a:solidFill>
+                  <a:schemeClr val="accent1"/>
+                </a:solidFill>
+                <a:latin typeface="Miriam Fixed" panose="020B0509050101010101" pitchFamily="49" charset="-79"/>
+                <a:cs typeface="Miriam Fixed" panose="020B0509050101010101" pitchFamily="49" charset="-79"/>
+              </a:rPr>
+              <a:t>1</a:t>
+            </a:r>
+            <a:r>
+              <a:rPr lang="de-DE" sz="1200" kern="1000" dirty="0" smtClean="0">
+                <a:latin typeface="Miriam Fixed" panose="020B0509050101010101" pitchFamily="49" charset="-79"/>
+                <a:cs typeface="Miriam Fixed" panose="020B0509050101010101" pitchFamily="49" charset="-79"/>
+              </a:rPr>
+              <a:t>; weitermachen; i = i + </a:t>
+            </a:r>
+            <a:r>
+              <a:rPr lang="de-DE" sz="1200" kern="1000" dirty="0" smtClean="0">
+                <a:solidFill>
+                  <a:schemeClr val="accent1"/>
+                </a:solidFill>
+                <a:latin typeface="Miriam Fixed" panose="020B0509050101010101" pitchFamily="49" charset="-79"/>
+                <a:cs typeface="Miriam Fixed" panose="020B0509050101010101" pitchFamily="49" charset="-79"/>
+              </a:rPr>
+              <a:t>1</a:t>
+            </a:r>
+            <a:r>
+              <a:rPr lang="de-DE" sz="1200" kern="1000" dirty="0" smtClean="0">
+                <a:latin typeface="Miriam Fixed" panose="020B0509050101010101" pitchFamily="49" charset="-79"/>
+                <a:cs typeface="Miriam Fixed" panose="020B0509050101010101" pitchFamily="49" charset="-79"/>
+              </a:rPr>
+              <a:t>) {</a:t>
+            </a:r>
+          </a:p>
+          <a:p>
+            <a:r>
+              <a:rPr lang="de-DE" sz="1200" kern="1000" dirty="0">
+                <a:latin typeface="Miriam Fixed" panose="020B0509050101010101" pitchFamily="49" charset="-79"/>
+                <a:cs typeface="Miriam Fixed" panose="020B0509050101010101" pitchFamily="49" charset="-79"/>
+              </a:rPr>
+              <a:t> </a:t>
+            </a:r>
+            <a:r>
+              <a:rPr lang="de-DE" sz="1200" kern="1000" dirty="0" smtClean="0">
+                <a:latin typeface="Miriam Fixed" panose="020B0509050101010101" pitchFamily="49" charset="-79"/>
+                <a:cs typeface="Miriam Fixed" panose="020B0509050101010101" pitchFamily="49" charset="-79"/>
+              </a:rPr>
+              <a:t>       </a:t>
+            </a:r>
+            <a:r>
+              <a:rPr lang="de-DE" sz="1200" i="1" kern="1000" dirty="0" err="1" smtClean="0">
+                <a:solidFill>
+                  <a:schemeClr val="accent4"/>
+                </a:solidFill>
+                <a:latin typeface="Miriam Fixed" panose="020B0509050101010101" pitchFamily="49" charset="-79"/>
+                <a:cs typeface="Miriam Fixed" panose="020B0509050101010101" pitchFamily="49" charset="-79"/>
+              </a:rPr>
+              <a:t>nao</a:t>
+            </a:r>
+            <a:r>
+              <a:rPr lang="de-DE" sz="1200" kern="1000" dirty="0" err="1" smtClean="0">
+                <a:latin typeface="Miriam Fixed" panose="020B0509050101010101" pitchFamily="49" charset="-79"/>
+                <a:cs typeface="Miriam Fixed" panose="020B0509050101010101" pitchFamily="49" charset="-79"/>
+              </a:rPr>
+              <a:t>.say</a:t>
+            </a:r>
+            <a:r>
+              <a:rPr lang="de-DE" sz="1200" kern="1000" dirty="0" smtClean="0">
+                <a:latin typeface="Miriam Fixed" panose="020B0509050101010101" pitchFamily="49" charset="-79"/>
+                <a:cs typeface="Miriam Fixed" panose="020B0509050101010101" pitchFamily="49" charset="-79"/>
+              </a:rPr>
+              <a:t>(“I ist “ + i);</a:t>
+            </a:r>
+          </a:p>
+          <a:p>
+            <a:r>
+              <a:rPr lang="de-DE" sz="1200" kern="1000" dirty="0">
+                <a:latin typeface="Miriam Fixed" panose="020B0509050101010101" pitchFamily="49" charset="-79"/>
+                <a:cs typeface="Miriam Fixed" panose="020B0509050101010101" pitchFamily="49" charset="-79"/>
+              </a:rPr>
+              <a:t> </a:t>
+            </a:r>
+            <a:r>
+              <a:rPr lang="de-DE" sz="1200" kern="1000" dirty="0" smtClean="0">
+                <a:latin typeface="Miriam Fixed" panose="020B0509050101010101" pitchFamily="49" charset="-79"/>
+                <a:cs typeface="Miriam Fixed" panose="020B0509050101010101" pitchFamily="49" charset="-79"/>
+              </a:rPr>
+              <a:t>       </a:t>
+            </a:r>
+            <a:r>
+              <a:rPr lang="de-DE" sz="1200" b="1" kern="1000" dirty="0" err="1" smtClean="0">
+                <a:solidFill>
+                  <a:schemeClr val="tx2"/>
+                </a:solidFill>
+                <a:latin typeface="Miriam Fixed" panose="020B0509050101010101" pitchFamily="49" charset="-79"/>
+                <a:cs typeface="Miriam Fixed" panose="020B0509050101010101" pitchFamily="49" charset="-79"/>
+              </a:rPr>
+              <a:t>if</a:t>
+            </a:r>
+            <a:r>
+              <a:rPr lang="de-DE" sz="1200" kern="1000" dirty="0" smtClean="0">
+                <a:latin typeface="Miriam Fixed" panose="020B0509050101010101" pitchFamily="49" charset="-79"/>
+                <a:cs typeface="Miriam Fixed" panose="020B0509050101010101" pitchFamily="49" charset="-79"/>
+              </a:rPr>
+              <a:t> (i == </a:t>
+            </a:r>
+            <a:r>
+              <a:rPr lang="de-DE" sz="1200" kern="1000" dirty="0" smtClean="0">
+                <a:solidFill>
+                  <a:schemeClr val="accent1"/>
+                </a:solidFill>
+                <a:latin typeface="Miriam Fixed" panose="020B0509050101010101" pitchFamily="49" charset="-79"/>
+                <a:cs typeface="Miriam Fixed" panose="020B0509050101010101" pitchFamily="49" charset="-79"/>
+              </a:rPr>
+              <a:t>10</a:t>
+            </a:r>
+            <a:r>
+              <a:rPr lang="de-DE" sz="1200" kern="1000" dirty="0" smtClean="0">
+                <a:latin typeface="Miriam Fixed" panose="020B0509050101010101" pitchFamily="49" charset="-79"/>
+                <a:cs typeface="Miriam Fixed" panose="020B0509050101010101" pitchFamily="49" charset="-79"/>
+              </a:rPr>
+              <a:t>) {</a:t>
+            </a:r>
+          </a:p>
+          <a:p>
+            <a:r>
+              <a:rPr lang="de-DE" sz="1200" kern="1000" dirty="0">
+                <a:latin typeface="Miriam Fixed" panose="020B0509050101010101" pitchFamily="49" charset="-79"/>
+                <a:cs typeface="Miriam Fixed" panose="020B0509050101010101" pitchFamily="49" charset="-79"/>
+              </a:rPr>
+              <a:t> </a:t>
+            </a:r>
+            <a:r>
+              <a:rPr lang="de-DE" sz="1200" kern="1000" dirty="0" smtClean="0">
+                <a:latin typeface="Miriam Fixed" panose="020B0509050101010101" pitchFamily="49" charset="-79"/>
+                <a:cs typeface="Miriam Fixed" panose="020B0509050101010101" pitchFamily="49" charset="-79"/>
+              </a:rPr>
+              <a:t>           weitermachen = </a:t>
+            </a:r>
+            <a:r>
+              <a:rPr lang="de-DE" sz="1200" b="1" kern="1000" dirty="0" err="1" smtClean="0">
+                <a:solidFill>
+                  <a:schemeClr val="tx2"/>
+                </a:solidFill>
+                <a:latin typeface="Miriam Fixed" panose="020B0509050101010101" pitchFamily="49" charset="-79"/>
+                <a:cs typeface="Miriam Fixed" panose="020B0509050101010101" pitchFamily="49" charset="-79"/>
+              </a:rPr>
+              <a:t>false</a:t>
+            </a:r>
+            <a:r>
+              <a:rPr lang="de-DE" sz="1200" kern="1000" dirty="0" smtClean="0">
+                <a:latin typeface="Miriam Fixed" panose="020B0509050101010101" pitchFamily="49" charset="-79"/>
+                <a:cs typeface="Miriam Fixed" panose="020B0509050101010101" pitchFamily="49" charset="-79"/>
+              </a:rPr>
+              <a:t>;</a:t>
+            </a:r>
+          </a:p>
+          <a:p>
+            <a:r>
+              <a:rPr lang="de-DE" sz="1200" kern="1000" dirty="0">
+                <a:latin typeface="Miriam Fixed" panose="020B0509050101010101" pitchFamily="49" charset="-79"/>
+                <a:cs typeface="Miriam Fixed" panose="020B0509050101010101" pitchFamily="49" charset="-79"/>
+              </a:rPr>
+              <a:t> </a:t>
+            </a:r>
+            <a:r>
+              <a:rPr lang="de-DE" sz="1200" kern="1000" dirty="0" smtClean="0">
+                <a:latin typeface="Miriam Fixed" panose="020B0509050101010101" pitchFamily="49" charset="-79"/>
+                <a:cs typeface="Miriam Fixed" panose="020B0509050101010101" pitchFamily="49" charset="-79"/>
+              </a:rPr>
+              <a:t>       }</a:t>
+            </a:r>
+          </a:p>
+          <a:p>
+            <a:r>
+              <a:rPr lang="de-DE" sz="1200" kern="1000" dirty="0">
+                <a:latin typeface="Miriam Fixed" panose="020B0509050101010101" pitchFamily="49" charset="-79"/>
+                <a:cs typeface="Miriam Fixed" panose="020B0509050101010101" pitchFamily="49" charset="-79"/>
+              </a:rPr>
+              <a:t> </a:t>
+            </a:r>
+            <a:r>
+              <a:rPr lang="de-DE" sz="1200" kern="1000" dirty="0" smtClean="0">
+                <a:latin typeface="Miriam Fixed" panose="020B0509050101010101" pitchFamily="49" charset="-79"/>
+                <a:cs typeface="Miriam Fixed" panose="020B0509050101010101" pitchFamily="49" charset="-79"/>
+              </a:rPr>
+              <a:t>   }</a:t>
+            </a:r>
+            <a:endParaRPr lang="de-DE" sz="1200" kern="1000" dirty="0">
+              <a:latin typeface="Miriam Fixed" panose="020B0509050101010101" pitchFamily="49" charset="-79"/>
+              <a:cs typeface="Miriam Fixed" panose="020B0509050101010101" pitchFamily="49" charset="-79"/>
+            </a:endParaRPr>
+          </a:p>
+          <a:p>
+            <a:r>
+              <a:rPr lang="de-DE" sz="1200" kern="1000" dirty="0" smtClean="0">
+                <a:latin typeface="Miriam Fixed" panose="020B0509050101010101" pitchFamily="49" charset="-79"/>
+                <a:cs typeface="Miriam Fixed" panose="020B0509050101010101" pitchFamily="49" charset="-79"/>
+              </a:rPr>
+              <a:t>}</a:t>
+            </a:r>
+            <a:endParaRPr lang="de-DE" sz="1200" kern="1000" dirty="0">
+              <a:latin typeface="Miriam Fixed" panose="020B0509050101010101" pitchFamily="49" charset="-79"/>
+              <a:cs typeface="Miriam Fixed" panose="020B0509050101010101" pitchFamily="49" charset="-79"/>
+            </a:endParaRPr>
+          </a:p>
+        </p:txBody>
+      </p:sp>
     </p:spTree>
     <p:extLst>
       <p:ext uri="{BB962C8B-B14F-4D97-AF65-F5344CB8AC3E}">
@@ -17704,7 +20747,7 @@
                             </p:stCondLst>
                             <p:childTnLst>
                               <p:par>
-                                <p:cTn id="5" presetID="10" presetClass="entr" presetSubtype="0" fill="hold" nodeType="clickEffect">
+                                <p:cTn id="5" presetID="10" presetClass="entr" presetSubtype="0" fill="hold" grpId="0" nodeType="clickEffect">
                                   <p:stCondLst>
                                     <p:cond delay="0"/>
                                   </p:stCondLst>
@@ -17717,7 +20760,7 @@
                                           </p:stCondLst>
                                         </p:cTn>
                                         <p:tgtEl>
-                                          <p:spTgt spid="6"/>
+                                          <p:spTgt spid="5"/>
                                         </p:tgtEl>
                                         <p:attrNameLst>
                                           <p:attrName>style.visibility</p:attrName>
@@ -17731,7 +20774,7 @@
                                       <p:cBhvr>
                                         <p:cTn id="7" dur="500"/>
                                         <p:tgtEl>
-                                          <p:spTgt spid="6"/>
+                                          <p:spTgt spid="5"/>
                                         </p:tgtEl>
                                       </p:cBhvr>
                                     </p:animEffect>
@@ -17757,7 +20800,7 @@
                             </p:stCondLst>
                             <p:childTnLst>
                               <p:par>
-                                <p:cTn id="10" presetID="10" presetClass="entr" presetSubtype="0" fill="hold" nodeType="clickEffect">
+                                <p:cTn id="10" presetID="10" presetClass="entr" presetSubtype="0" fill="hold" grpId="0" nodeType="clickEffect">
                                   <p:stCondLst>
                                     <p:cond delay="0"/>
                                   </p:stCondLst>
@@ -17770,7 +20813,7 @@
                                           </p:stCondLst>
                                         </p:cTn>
                                         <p:tgtEl>
-                                          <p:spTgt spid="7"/>
+                                          <p:spTgt spid="8"/>
                                         </p:tgtEl>
                                         <p:attrNameLst>
                                           <p:attrName>style.visibility</p:attrName>
@@ -17784,7 +20827,7 @@
                                       <p:cBhvr>
                                         <p:cTn id="12" dur="500"/>
                                         <p:tgtEl>
-                                          <p:spTgt spid="7"/>
+                                          <p:spTgt spid="8"/>
                                         </p:tgtEl>
                                       </p:cBhvr>
                                     </p:animEffect>
@@ -17818,6 +20861,10 @@
         </p:cTn>
       </p:par>
     </p:tnLst>
+    <p:bldLst>
+      <p:bldP spid="5" grpId="0"/>
+      <p:bldP spid="8" grpId="0"/>
+    </p:bldLst>
   </p:timing>
 </p:sld>
 </file>
@@ -18044,66 +21091,463 @@
           </a:p>
         </p:txBody>
       </p:sp>
-      <p:pic>
-        <p:nvPicPr>
-          <p:cNvPr id="5" name="Grafik 4"/>
-          <p:cNvPicPr>
-            <a:picLocks noChangeAspect="1"/>
-          </p:cNvPicPr>
+      <p:sp>
+        <p:nvSpPr>
+          <p:cNvPr id="7" name="Textfeld 6"/>
+          <p:cNvSpPr txBox="1"/>
           <p:nvPr/>
-        </p:nvPicPr>
-        <p:blipFill>
-          <a:blip r:embed="rId3">
-            <a:extLst>
-              <a:ext uri="{28A0092B-C50C-407E-A947-70E740481C1C}">
-                <a14:useLocalDpi xmlns:a14="http://schemas.microsoft.com/office/drawing/2010/main" val="0"/>
-              </a:ext>
-            </a:extLst>
-          </a:blip>
-          <a:stretch>
-            <a:fillRect/>
-          </a:stretch>
-        </p:blipFill>
+        </p:nvSpPr>
         <p:spPr>
           <a:xfrm>
-            <a:off x="1223628" y="1741959"/>
-            <a:ext cx="2695951" cy="771633"/>
+            <a:off x="827584" y="1651235"/>
+            <a:ext cx="3240360" cy="861774"/>
           </a:xfrm>
           <a:prstGeom prst="rect">
             <a:avLst/>
           </a:prstGeom>
+          <a:noFill/>
         </p:spPr>
-      </p:pic>
-      <p:pic>
-        <p:nvPicPr>
-          <p:cNvPr id="6" name="Grafik 5"/>
-          <p:cNvPicPr>
-            <a:picLocks noChangeAspect="1"/>
-          </p:cNvPicPr>
+        <p:txBody>
+          <a:bodyPr wrap="square" rtlCol="0">
+            <a:spAutoFit/>
+          </a:bodyPr>
+          <a:lstStyle/>
+          <a:p>
+            <a:r>
+              <a:rPr lang="de-DE" sz="1000" b="1" kern="1000" dirty="0" err="1" smtClean="0">
+                <a:solidFill>
+                  <a:schemeClr val="tx2"/>
+                </a:solidFill>
+                <a:latin typeface="Miriam Fixed" panose="020B0509050101010101" pitchFamily="49" charset="-79"/>
+                <a:cs typeface="Miriam Fixed" panose="020B0509050101010101" pitchFamily="49" charset="-79"/>
+              </a:rPr>
+              <a:t>public</a:t>
+            </a:r>
+            <a:r>
+              <a:rPr lang="de-DE" sz="1000" kern="1000" dirty="0" smtClean="0">
+                <a:solidFill>
+                  <a:schemeClr val="tx2"/>
+                </a:solidFill>
+                <a:latin typeface="Miriam Fixed" panose="020B0509050101010101" pitchFamily="49" charset="-79"/>
+                <a:cs typeface="Miriam Fixed" panose="020B0509050101010101" pitchFamily="49" charset="-79"/>
+              </a:rPr>
+              <a:t> </a:t>
+            </a:r>
+            <a:r>
+              <a:rPr lang="de-DE" sz="1000" b="1" kern="1000" dirty="0" err="1" smtClean="0">
+                <a:solidFill>
+                  <a:schemeClr val="tx2"/>
+                </a:solidFill>
+                <a:latin typeface="Miriam Fixed" panose="020B0509050101010101" pitchFamily="49" charset="-79"/>
+                <a:cs typeface="Miriam Fixed" panose="020B0509050101010101" pitchFamily="49" charset="-79"/>
+              </a:rPr>
+              <a:t>static</a:t>
+            </a:r>
+            <a:r>
+              <a:rPr lang="de-DE" sz="1000" kern="1000" dirty="0" smtClean="0">
+                <a:solidFill>
+                  <a:schemeClr val="tx2"/>
+                </a:solidFill>
+                <a:latin typeface="Miriam Fixed" panose="020B0509050101010101" pitchFamily="49" charset="-79"/>
+                <a:cs typeface="Miriam Fixed" panose="020B0509050101010101" pitchFamily="49" charset="-79"/>
+              </a:rPr>
+              <a:t> </a:t>
+            </a:r>
+            <a:r>
+              <a:rPr lang="de-DE" sz="1000" b="1" kern="1000" dirty="0" err="1" smtClean="0">
+                <a:solidFill>
+                  <a:schemeClr val="tx2"/>
+                </a:solidFill>
+                <a:latin typeface="Miriam Fixed" panose="020B0509050101010101" pitchFamily="49" charset="-79"/>
+                <a:cs typeface="Miriam Fixed" panose="020B0509050101010101" pitchFamily="49" charset="-79"/>
+              </a:rPr>
+              <a:t>void</a:t>
+            </a:r>
+            <a:r>
+              <a:rPr lang="de-DE" sz="1000" kern="1000" dirty="0" smtClean="0">
+                <a:latin typeface="Miriam Fixed" panose="020B0509050101010101" pitchFamily="49" charset="-79"/>
+                <a:cs typeface="Miriam Fixed" panose="020B0509050101010101" pitchFamily="49" charset="-79"/>
+              </a:rPr>
+              <a:t> </a:t>
+            </a:r>
+            <a:r>
+              <a:rPr lang="de-DE" sz="1000" kern="1000" dirty="0" err="1" smtClean="0">
+                <a:latin typeface="Miriam Fixed" panose="020B0509050101010101" pitchFamily="49" charset="-79"/>
+                <a:cs typeface="Miriam Fixed" panose="020B0509050101010101" pitchFamily="49" charset="-79"/>
+              </a:rPr>
+              <a:t>main</a:t>
+            </a:r>
+            <a:r>
+              <a:rPr lang="de-DE" sz="1000" kern="1000" dirty="0" smtClean="0">
+                <a:latin typeface="Miriam Fixed" panose="020B0509050101010101" pitchFamily="49" charset="-79"/>
+                <a:cs typeface="Miriam Fixed" panose="020B0509050101010101" pitchFamily="49" charset="-79"/>
+              </a:rPr>
+              <a:t>(String[] </a:t>
+            </a:r>
+            <a:r>
+              <a:rPr lang="de-DE" sz="1000" kern="1000" dirty="0" err="1" smtClean="0">
+                <a:latin typeface="Miriam Fixed" panose="020B0509050101010101" pitchFamily="49" charset="-79"/>
+                <a:cs typeface="Miriam Fixed" panose="020B0509050101010101" pitchFamily="49" charset="-79"/>
+              </a:rPr>
+              <a:t>args</a:t>
+            </a:r>
+            <a:r>
+              <a:rPr lang="de-DE" sz="1000" kern="1000" dirty="0" smtClean="0">
+                <a:latin typeface="Miriam Fixed" panose="020B0509050101010101" pitchFamily="49" charset="-79"/>
+                <a:cs typeface="Miriam Fixed" panose="020B0509050101010101" pitchFamily="49" charset="-79"/>
+              </a:rPr>
+              <a:t>) {</a:t>
+            </a:r>
+          </a:p>
+          <a:p>
+            <a:r>
+              <a:rPr lang="de-DE" sz="1000" kern="1000" dirty="0" smtClean="0">
+                <a:latin typeface="Miriam Fixed" panose="020B0509050101010101" pitchFamily="49" charset="-79"/>
+                <a:cs typeface="Miriam Fixed" panose="020B0509050101010101" pitchFamily="49" charset="-79"/>
+              </a:rPr>
+              <a:t>    </a:t>
+            </a:r>
+            <a:r>
+              <a:rPr lang="de-DE" sz="1000" b="1" kern="1000" dirty="0" err="1" smtClean="0">
+                <a:solidFill>
+                  <a:schemeClr val="tx2"/>
+                </a:solidFill>
+                <a:latin typeface="Miriam Fixed" panose="020B0509050101010101" pitchFamily="49" charset="-79"/>
+                <a:cs typeface="Miriam Fixed" panose="020B0509050101010101" pitchFamily="49" charset="-79"/>
+              </a:rPr>
+              <a:t>while</a:t>
+            </a:r>
+            <a:r>
+              <a:rPr lang="de-DE" sz="1000" kern="1000" dirty="0" smtClean="0">
+                <a:solidFill>
+                  <a:schemeClr val="tx2"/>
+                </a:solidFill>
+                <a:latin typeface="Miriam Fixed" panose="020B0509050101010101" pitchFamily="49" charset="-79"/>
+                <a:cs typeface="Miriam Fixed" panose="020B0509050101010101" pitchFamily="49" charset="-79"/>
+              </a:rPr>
+              <a:t> </a:t>
+            </a:r>
+            <a:r>
+              <a:rPr lang="de-DE" sz="1000" kern="1000" dirty="0" smtClean="0">
+                <a:latin typeface="Miriam Fixed" panose="020B0509050101010101" pitchFamily="49" charset="-79"/>
+                <a:cs typeface="Miriam Fixed" panose="020B0509050101010101" pitchFamily="49" charset="-79"/>
+              </a:rPr>
+              <a:t>(</a:t>
+            </a:r>
+            <a:r>
+              <a:rPr lang="de-DE" sz="1000" kern="1000" dirty="0" smtClean="0">
+                <a:solidFill>
+                  <a:srgbClr val="FF0000"/>
+                </a:solidFill>
+                <a:latin typeface="Miriam Fixed" panose="020B0509050101010101" pitchFamily="49" charset="-79"/>
+                <a:cs typeface="Miriam Fixed" panose="020B0509050101010101" pitchFamily="49" charset="-79"/>
+              </a:rPr>
+              <a:t>Bedingung</a:t>
+            </a:r>
+            <a:r>
+              <a:rPr lang="de-DE" sz="1000" kern="1000" dirty="0" smtClean="0">
+                <a:latin typeface="Miriam Fixed" panose="020B0509050101010101" pitchFamily="49" charset="-79"/>
+                <a:cs typeface="Miriam Fixed" panose="020B0509050101010101" pitchFamily="49" charset="-79"/>
+              </a:rPr>
+              <a:t>) {</a:t>
+            </a:r>
+          </a:p>
+          <a:p>
+            <a:r>
+              <a:rPr lang="de-DE" sz="1000" kern="1000" dirty="0">
+                <a:latin typeface="Miriam Fixed" panose="020B0509050101010101" pitchFamily="49" charset="-79"/>
+                <a:cs typeface="Miriam Fixed" panose="020B0509050101010101" pitchFamily="49" charset="-79"/>
+              </a:rPr>
+              <a:t> </a:t>
+            </a:r>
+            <a:r>
+              <a:rPr lang="de-DE" sz="1000" kern="1000" dirty="0" smtClean="0">
+                <a:latin typeface="Miriam Fixed" panose="020B0509050101010101" pitchFamily="49" charset="-79"/>
+                <a:cs typeface="Miriam Fixed" panose="020B0509050101010101" pitchFamily="49" charset="-79"/>
+              </a:rPr>
+              <a:t>       </a:t>
+            </a:r>
+            <a:r>
+              <a:rPr lang="de-DE" sz="1000" kern="1000" dirty="0" smtClean="0">
+                <a:solidFill>
+                  <a:srgbClr val="FF0000"/>
+                </a:solidFill>
+                <a:latin typeface="Miriam Fixed" panose="020B0509050101010101" pitchFamily="49" charset="-79"/>
+                <a:cs typeface="Miriam Fixed" panose="020B0509050101010101" pitchFamily="49" charset="-79"/>
+              </a:rPr>
+              <a:t>Code</a:t>
+            </a:r>
+            <a:r>
+              <a:rPr lang="de-DE" sz="1000" kern="1000" dirty="0" smtClean="0">
+                <a:latin typeface="Miriam Fixed" panose="020B0509050101010101" pitchFamily="49" charset="-79"/>
+                <a:cs typeface="Miriam Fixed" panose="020B0509050101010101" pitchFamily="49" charset="-79"/>
+              </a:rPr>
+              <a:t>;</a:t>
+            </a:r>
+          </a:p>
+          <a:p>
+            <a:r>
+              <a:rPr lang="de-DE" sz="1000" kern="1000" dirty="0">
+                <a:latin typeface="Miriam Fixed" panose="020B0509050101010101" pitchFamily="49" charset="-79"/>
+                <a:cs typeface="Miriam Fixed" panose="020B0509050101010101" pitchFamily="49" charset="-79"/>
+              </a:rPr>
+              <a:t> </a:t>
+            </a:r>
+            <a:r>
+              <a:rPr lang="de-DE" sz="1000" kern="1000" dirty="0" smtClean="0">
+                <a:latin typeface="Miriam Fixed" panose="020B0509050101010101" pitchFamily="49" charset="-79"/>
+                <a:cs typeface="Miriam Fixed" panose="020B0509050101010101" pitchFamily="49" charset="-79"/>
+              </a:rPr>
+              <a:t>   }</a:t>
+            </a:r>
+          </a:p>
+          <a:p>
+            <a:r>
+              <a:rPr lang="de-DE" sz="1000" kern="1000" dirty="0" smtClean="0">
+                <a:latin typeface="Miriam Fixed" panose="020B0509050101010101" pitchFamily="49" charset="-79"/>
+                <a:cs typeface="Miriam Fixed" panose="020B0509050101010101" pitchFamily="49" charset="-79"/>
+              </a:rPr>
+              <a:t>}</a:t>
+            </a:r>
+            <a:endParaRPr lang="de-DE" sz="1000" kern="1000" dirty="0">
+              <a:latin typeface="Miriam Fixed" panose="020B0509050101010101" pitchFamily="49" charset="-79"/>
+              <a:cs typeface="Miriam Fixed" panose="020B0509050101010101" pitchFamily="49" charset="-79"/>
+            </a:endParaRPr>
+          </a:p>
+        </p:txBody>
+      </p:sp>
+      <p:sp>
+        <p:nvSpPr>
+          <p:cNvPr id="8" name="Textfeld 7"/>
+          <p:cNvSpPr txBox="1"/>
           <p:nvPr/>
-        </p:nvPicPr>
-        <p:blipFill>
-          <a:blip r:embed="rId4">
-            <a:extLst>
-              <a:ext uri="{28A0092B-C50C-407E-A947-70E740481C1C}">
-                <a14:useLocalDpi xmlns:a14="http://schemas.microsoft.com/office/drawing/2010/main" val="0"/>
-              </a:ext>
-            </a:extLst>
-          </a:blip>
-          <a:stretch>
-            <a:fillRect/>
-          </a:stretch>
-        </p:blipFill>
+        </p:nvSpPr>
         <p:spPr>
           <a:xfrm>
-            <a:off x="4950042" y="1741376"/>
-            <a:ext cx="2695951" cy="771633"/>
+            <a:off x="4608004" y="1640947"/>
+            <a:ext cx="3240360" cy="861774"/>
           </a:xfrm>
           <a:prstGeom prst="rect">
             <a:avLst/>
           </a:prstGeom>
+          <a:noFill/>
         </p:spPr>
-      </p:pic>
+        <p:txBody>
+          <a:bodyPr wrap="square" rtlCol="0">
+            <a:spAutoFit/>
+          </a:bodyPr>
+          <a:lstStyle/>
+          <a:p>
+            <a:r>
+              <a:rPr lang="de-DE" sz="1000" b="1" kern="1000" dirty="0" err="1" smtClean="0">
+                <a:solidFill>
+                  <a:schemeClr val="tx2"/>
+                </a:solidFill>
+                <a:latin typeface="Miriam Fixed" panose="020B0509050101010101" pitchFamily="49" charset="-79"/>
+                <a:cs typeface="Miriam Fixed" panose="020B0509050101010101" pitchFamily="49" charset="-79"/>
+              </a:rPr>
+              <a:t>public</a:t>
+            </a:r>
+            <a:r>
+              <a:rPr lang="de-DE" sz="1000" kern="1000" dirty="0" smtClean="0">
+                <a:solidFill>
+                  <a:schemeClr val="tx2"/>
+                </a:solidFill>
+                <a:latin typeface="Miriam Fixed" panose="020B0509050101010101" pitchFamily="49" charset="-79"/>
+                <a:cs typeface="Miriam Fixed" panose="020B0509050101010101" pitchFamily="49" charset="-79"/>
+              </a:rPr>
+              <a:t> </a:t>
+            </a:r>
+            <a:r>
+              <a:rPr lang="de-DE" sz="1000" b="1" kern="1000" dirty="0" err="1" smtClean="0">
+                <a:solidFill>
+                  <a:schemeClr val="tx2"/>
+                </a:solidFill>
+                <a:latin typeface="Miriam Fixed" panose="020B0509050101010101" pitchFamily="49" charset="-79"/>
+                <a:cs typeface="Miriam Fixed" panose="020B0509050101010101" pitchFamily="49" charset="-79"/>
+              </a:rPr>
+              <a:t>static</a:t>
+            </a:r>
+            <a:r>
+              <a:rPr lang="de-DE" sz="1000" kern="1000" dirty="0" smtClean="0">
+                <a:solidFill>
+                  <a:schemeClr val="tx2"/>
+                </a:solidFill>
+                <a:latin typeface="Miriam Fixed" panose="020B0509050101010101" pitchFamily="49" charset="-79"/>
+                <a:cs typeface="Miriam Fixed" panose="020B0509050101010101" pitchFamily="49" charset="-79"/>
+              </a:rPr>
+              <a:t> </a:t>
+            </a:r>
+            <a:r>
+              <a:rPr lang="de-DE" sz="1000" b="1" kern="1000" dirty="0" err="1" smtClean="0">
+                <a:solidFill>
+                  <a:schemeClr val="tx2"/>
+                </a:solidFill>
+                <a:latin typeface="Miriam Fixed" panose="020B0509050101010101" pitchFamily="49" charset="-79"/>
+                <a:cs typeface="Miriam Fixed" panose="020B0509050101010101" pitchFamily="49" charset="-79"/>
+              </a:rPr>
+              <a:t>void</a:t>
+            </a:r>
+            <a:r>
+              <a:rPr lang="de-DE" sz="1000" kern="1000" dirty="0" smtClean="0">
+                <a:latin typeface="Miriam Fixed" panose="020B0509050101010101" pitchFamily="49" charset="-79"/>
+                <a:cs typeface="Miriam Fixed" panose="020B0509050101010101" pitchFamily="49" charset="-79"/>
+              </a:rPr>
+              <a:t> </a:t>
+            </a:r>
+            <a:r>
+              <a:rPr lang="de-DE" sz="1000" kern="1000" dirty="0" err="1" smtClean="0">
+                <a:latin typeface="Miriam Fixed" panose="020B0509050101010101" pitchFamily="49" charset="-79"/>
+                <a:cs typeface="Miriam Fixed" panose="020B0509050101010101" pitchFamily="49" charset="-79"/>
+              </a:rPr>
+              <a:t>main</a:t>
+            </a:r>
+            <a:r>
+              <a:rPr lang="de-DE" sz="1000" kern="1000" dirty="0" smtClean="0">
+                <a:latin typeface="Miriam Fixed" panose="020B0509050101010101" pitchFamily="49" charset="-79"/>
+                <a:cs typeface="Miriam Fixed" panose="020B0509050101010101" pitchFamily="49" charset="-79"/>
+              </a:rPr>
+              <a:t>(String[] </a:t>
+            </a:r>
+            <a:r>
+              <a:rPr lang="de-DE" sz="1000" kern="1000" dirty="0" err="1" smtClean="0">
+                <a:latin typeface="Miriam Fixed" panose="020B0509050101010101" pitchFamily="49" charset="-79"/>
+                <a:cs typeface="Miriam Fixed" panose="020B0509050101010101" pitchFamily="49" charset="-79"/>
+              </a:rPr>
+              <a:t>args</a:t>
+            </a:r>
+            <a:r>
+              <a:rPr lang="de-DE" sz="1000" kern="1000" dirty="0" smtClean="0">
+                <a:latin typeface="Miriam Fixed" panose="020B0509050101010101" pitchFamily="49" charset="-79"/>
+                <a:cs typeface="Miriam Fixed" panose="020B0509050101010101" pitchFamily="49" charset="-79"/>
+              </a:rPr>
+              <a:t>) {</a:t>
+            </a:r>
+          </a:p>
+          <a:p>
+            <a:r>
+              <a:rPr lang="de-DE" sz="1000" kern="1000" dirty="0" smtClean="0">
+                <a:latin typeface="Miriam Fixed" panose="020B0509050101010101" pitchFamily="49" charset="-79"/>
+                <a:cs typeface="Miriam Fixed" panose="020B0509050101010101" pitchFamily="49" charset="-79"/>
+              </a:rPr>
+              <a:t>    </a:t>
+            </a:r>
+            <a:r>
+              <a:rPr lang="de-DE" sz="1000" b="1" kern="1000" dirty="0" smtClean="0">
+                <a:solidFill>
+                  <a:schemeClr val="tx2"/>
+                </a:solidFill>
+                <a:latin typeface="Miriam Fixed" panose="020B0509050101010101" pitchFamily="49" charset="-79"/>
+                <a:cs typeface="Miriam Fixed" panose="020B0509050101010101" pitchFamily="49" charset="-79"/>
+              </a:rPr>
+              <a:t>do</a:t>
+            </a:r>
+            <a:r>
+              <a:rPr lang="de-DE" sz="1000" kern="1000" dirty="0" smtClean="0">
+                <a:latin typeface="Miriam Fixed" panose="020B0509050101010101" pitchFamily="49" charset="-79"/>
+                <a:cs typeface="Miriam Fixed" panose="020B0509050101010101" pitchFamily="49" charset="-79"/>
+              </a:rPr>
+              <a:t> {</a:t>
+            </a:r>
+          </a:p>
+          <a:p>
+            <a:r>
+              <a:rPr lang="de-DE" sz="1000" kern="1000" dirty="0">
+                <a:latin typeface="Miriam Fixed" panose="020B0509050101010101" pitchFamily="49" charset="-79"/>
+                <a:cs typeface="Miriam Fixed" panose="020B0509050101010101" pitchFamily="49" charset="-79"/>
+              </a:rPr>
+              <a:t> </a:t>
+            </a:r>
+            <a:r>
+              <a:rPr lang="de-DE" sz="1000" kern="1000" dirty="0" smtClean="0">
+                <a:latin typeface="Miriam Fixed" panose="020B0509050101010101" pitchFamily="49" charset="-79"/>
+                <a:cs typeface="Miriam Fixed" panose="020B0509050101010101" pitchFamily="49" charset="-79"/>
+              </a:rPr>
+              <a:t>       </a:t>
+            </a:r>
+            <a:r>
+              <a:rPr lang="de-DE" sz="1000" kern="1000" dirty="0" smtClean="0">
+                <a:solidFill>
+                  <a:srgbClr val="FF0000"/>
+                </a:solidFill>
+                <a:latin typeface="Miriam Fixed" panose="020B0509050101010101" pitchFamily="49" charset="-79"/>
+                <a:cs typeface="Miriam Fixed" panose="020B0509050101010101" pitchFamily="49" charset="-79"/>
+              </a:rPr>
+              <a:t>Code</a:t>
+            </a:r>
+            <a:r>
+              <a:rPr lang="de-DE" sz="1000" kern="1000" dirty="0" smtClean="0">
+                <a:latin typeface="Miriam Fixed" panose="020B0509050101010101" pitchFamily="49" charset="-79"/>
+                <a:cs typeface="Miriam Fixed" panose="020B0509050101010101" pitchFamily="49" charset="-79"/>
+              </a:rPr>
+              <a:t>;</a:t>
+            </a:r>
+          </a:p>
+          <a:p>
+            <a:r>
+              <a:rPr lang="de-DE" sz="1000" kern="1000" dirty="0">
+                <a:latin typeface="Miriam Fixed" panose="020B0509050101010101" pitchFamily="49" charset="-79"/>
+                <a:cs typeface="Miriam Fixed" panose="020B0509050101010101" pitchFamily="49" charset="-79"/>
+              </a:rPr>
+              <a:t> </a:t>
+            </a:r>
+            <a:r>
+              <a:rPr lang="de-DE" sz="1000" kern="1000" dirty="0" smtClean="0">
+                <a:latin typeface="Miriam Fixed" panose="020B0509050101010101" pitchFamily="49" charset="-79"/>
+                <a:cs typeface="Miriam Fixed" panose="020B0509050101010101" pitchFamily="49" charset="-79"/>
+              </a:rPr>
+              <a:t>   } </a:t>
+            </a:r>
+            <a:r>
+              <a:rPr lang="de-DE" sz="1000" b="1" kern="1000" dirty="0" err="1" smtClean="0">
+                <a:solidFill>
+                  <a:schemeClr val="tx2"/>
+                </a:solidFill>
+                <a:latin typeface="Miriam Fixed" panose="020B0509050101010101" pitchFamily="49" charset="-79"/>
+                <a:cs typeface="Miriam Fixed" panose="020B0509050101010101" pitchFamily="49" charset="-79"/>
+              </a:rPr>
+              <a:t>while</a:t>
+            </a:r>
+            <a:r>
+              <a:rPr lang="de-DE" sz="1000" kern="1000" dirty="0" smtClean="0">
+                <a:latin typeface="Miriam Fixed" panose="020B0509050101010101" pitchFamily="49" charset="-79"/>
+                <a:cs typeface="Miriam Fixed" panose="020B0509050101010101" pitchFamily="49" charset="-79"/>
+              </a:rPr>
+              <a:t> (</a:t>
+            </a:r>
+            <a:r>
+              <a:rPr lang="de-DE" sz="1000" kern="1000" dirty="0" smtClean="0">
+                <a:solidFill>
+                  <a:srgbClr val="FF0000"/>
+                </a:solidFill>
+                <a:latin typeface="Miriam Fixed" panose="020B0509050101010101" pitchFamily="49" charset="-79"/>
+                <a:cs typeface="Miriam Fixed" panose="020B0509050101010101" pitchFamily="49" charset="-79"/>
+              </a:rPr>
+              <a:t>Bedingung</a:t>
+            </a:r>
+            <a:r>
+              <a:rPr lang="de-DE" sz="1000" kern="1000" dirty="0" smtClean="0">
+                <a:latin typeface="Miriam Fixed" panose="020B0509050101010101" pitchFamily="49" charset="-79"/>
+                <a:cs typeface="Miriam Fixed" panose="020B0509050101010101" pitchFamily="49" charset="-79"/>
+              </a:rPr>
+              <a:t>);</a:t>
+            </a:r>
+          </a:p>
+          <a:p>
+            <a:r>
+              <a:rPr lang="de-DE" sz="1000" kern="1000" dirty="0" smtClean="0">
+                <a:latin typeface="Miriam Fixed" panose="020B0509050101010101" pitchFamily="49" charset="-79"/>
+                <a:cs typeface="Miriam Fixed" panose="020B0509050101010101" pitchFamily="49" charset="-79"/>
+              </a:rPr>
+              <a:t>}</a:t>
+            </a:r>
+            <a:endParaRPr lang="de-DE" sz="1000" kern="1000" dirty="0">
+              <a:latin typeface="Miriam Fixed" panose="020B0509050101010101" pitchFamily="49" charset="-79"/>
+              <a:cs typeface="Miriam Fixed" panose="020B0509050101010101" pitchFamily="49" charset="-79"/>
+            </a:endParaRPr>
+          </a:p>
+        </p:txBody>
+      </p:sp>
     </p:spTree>
     <p:extLst>
       <p:ext uri="{BB962C8B-B14F-4D97-AF65-F5344CB8AC3E}">
@@ -18422,66 +21866,6 @@
           </a:p>
         </p:txBody>
       </p:sp>
-      <p:pic>
-        <p:nvPicPr>
-          <p:cNvPr id="4" name="Grafik 3"/>
-          <p:cNvPicPr>
-            <a:picLocks noChangeAspect="1"/>
-          </p:cNvPicPr>
-          <p:nvPr/>
-        </p:nvPicPr>
-        <p:blipFill>
-          <a:blip r:embed="rId3">
-            <a:extLst>
-              <a:ext uri="{28A0092B-C50C-407E-A947-70E740481C1C}">
-                <a14:useLocalDpi xmlns:a14="http://schemas.microsoft.com/office/drawing/2010/main" val="0"/>
-              </a:ext>
-            </a:extLst>
-          </a:blip>
-          <a:stretch>
-            <a:fillRect/>
-          </a:stretch>
-        </p:blipFill>
-        <p:spPr>
-          <a:xfrm>
-            <a:off x="611560" y="1165312"/>
-            <a:ext cx="3393755" cy="2000529"/>
-          </a:xfrm>
-          <a:prstGeom prst="rect">
-            <a:avLst/>
-          </a:prstGeom>
-        </p:spPr>
-      </p:pic>
-      <p:pic>
-        <p:nvPicPr>
-          <p:cNvPr id="7" name="Grafik 6"/>
-          <p:cNvPicPr>
-            <a:picLocks noChangeAspect="1"/>
-          </p:cNvPicPr>
-          <p:nvPr/>
-        </p:nvPicPr>
-        <p:blipFill>
-          <a:blip r:embed="rId4">
-            <a:extLst>
-              <a:ext uri="{28A0092B-C50C-407E-A947-70E740481C1C}">
-                <a14:useLocalDpi xmlns:a14="http://schemas.microsoft.com/office/drawing/2010/main" val="0"/>
-              </a:ext>
-            </a:extLst>
-          </a:blip>
-          <a:stretch>
-            <a:fillRect/>
-          </a:stretch>
-        </p:blipFill>
-        <p:spPr>
-          <a:xfrm>
-            <a:off x="2627784" y="3866790"/>
-            <a:ext cx="4786980" cy="1012173"/>
-          </a:xfrm>
-          <a:prstGeom prst="rect">
-            <a:avLst/>
-          </a:prstGeom>
-        </p:spPr>
-      </p:pic>
       <p:graphicFrame>
         <p:nvGraphicFramePr>
           <p:cNvPr id="3" name="Tabelle 2"/>
@@ -21794,6 +25178,700 @@
           </a:graphicData>
         </a:graphic>
       </p:graphicFrame>
+      <p:sp>
+        <p:nvSpPr>
+          <p:cNvPr id="14" name="Textfeld 13"/>
+          <p:cNvSpPr txBox="1"/>
+          <p:nvPr/>
+        </p:nvSpPr>
+        <p:spPr>
+          <a:xfrm>
+            <a:off x="503548" y="1349969"/>
+            <a:ext cx="3240360" cy="1631216"/>
+          </a:xfrm>
+          <a:prstGeom prst="rect">
+            <a:avLst/>
+          </a:prstGeom>
+          <a:noFill/>
+        </p:spPr>
+        <p:txBody>
+          <a:bodyPr wrap="square" rtlCol="0">
+            <a:spAutoFit/>
+          </a:bodyPr>
+          <a:lstStyle/>
+          <a:p>
+            <a:r>
+              <a:rPr lang="de-DE" sz="1000" b="1" kern="1000" dirty="0" err="1" smtClean="0">
+                <a:solidFill>
+                  <a:schemeClr val="tx2"/>
+                </a:solidFill>
+                <a:latin typeface="Miriam Fixed" panose="020B0509050101010101" pitchFamily="49" charset="-79"/>
+                <a:cs typeface="Miriam Fixed" panose="020B0509050101010101" pitchFamily="49" charset="-79"/>
+              </a:rPr>
+              <a:t>public</a:t>
+            </a:r>
+            <a:r>
+              <a:rPr lang="de-DE" sz="1000" kern="1000" dirty="0" smtClean="0">
+                <a:solidFill>
+                  <a:schemeClr val="tx2"/>
+                </a:solidFill>
+                <a:latin typeface="Miriam Fixed" panose="020B0509050101010101" pitchFamily="49" charset="-79"/>
+                <a:cs typeface="Miriam Fixed" panose="020B0509050101010101" pitchFamily="49" charset="-79"/>
+              </a:rPr>
+              <a:t> </a:t>
+            </a:r>
+            <a:r>
+              <a:rPr lang="de-DE" sz="1000" b="1" kern="1000" dirty="0" err="1" smtClean="0">
+                <a:solidFill>
+                  <a:schemeClr val="tx2"/>
+                </a:solidFill>
+                <a:latin typeface="Miriam Fixed" panose="020B0509050101010101" pitchFamily="49" charset="-79"/>
+                <a:cs typeface="Miriam Fixed" panose="020B0509050101010101" pitchFamily="49" charset="-79"/>
+              </a:rPr>
+              <a:t>static</a:t>
+            </a:r>
+            <a:r>
+              <a:rPr lang="de-DE" sz="1000" kern="1000" dirty="0" smtClean="0">
+                <a:solidFill>
+                  <a:schemeClr val="tx2"/>
+                </a:solidFill>
+                <a:latin typeface="Miriam Fixed" panose="020B0509050101010101" pitchFamily="49" charset="-79"/>
+                <a:cs typeface="Miriam Fixed" panose="020B0509050101010101" pitchFamily="49" charset="-79"/>
+              </a:rPr>
+              <a:t> </a:t>
+            </a:r>
+            <a:r>
+              <a:rPr lang="de-DE" sz="1000" b="1" kern="1000" dirty="0" err="1" smtClean="0">
+                <a:solidFill>
+                  <a:schemeClr val="tx2"/>
+                </a:solidFill>
+                <a:latin typeface="Miriam Fixed" panose="020B0509050101010101" pitchFamily="49" charset="-79"/>
+                <a:cs typeface="Miriam Fixed" panose="020B0509050101010101" pitchFamily="49" charset="-79"/>
+              </a:rPr>
+              <a:t>void</a:t>
+            </a:r>
+            <a:r>
+              <a:rPr lang="de-DE" sz="1000" kern="1000" dirty="0" smtClean="0">
+                <a:latin typeface="Miriam Fixed" panose="020B0509050101010101" pitchFamily="49" charset="-79"/>
+                <a:cs typeface="Miriam Fixed" panose="020B0509050101010101" pitchFamily="49" charset="-79"/>
+              </a:rPr>
+              <a:t> </a:t>
+            </a:r>
+            <a:r>
+              <a:rPr lang="de-DE" sz="1000" kern="1000" dirty="0" err="1" smtClean="0">
+                <a:latin typeface="Miriam Fixed" panose="020B0509050101010101" pitchFamily="49" charset="-79"/>
+                <a:cs typeface="Miriam Fixed" panose="020B0509050101010101" pitchFamily="49" charset="-79"/>
+              </a:rPr>
+              <a:t>main</a:t>
+            </a:r>
+            <a:r>
+              <a:rPr lang="de-DE" sz="1000" kern="1000" dirty="0" smtClean="0">
+                <a:latin typeface="Miriam Fixed" panose="020B0509050101010101" pitchFamily="49" charset="-79"/>
+                <a:cs typeface="Miriam Fixed" panose="020B0509050101010101" pitchFamily="49" charset="-79"/>
+              </a:rPr>
+              <a:t>(String[] </a:t>
+            </a:r>
+            <a:r>
+              <a:rPr lang="de-DE" sz="1000" kern="1000" dirty="0" err="1" smtClean="0">
+                <a:latin typeface="Miriam Fixed" panose="020B0509050101010101" pitchFamily="49" charset="-79"/>
+                <a:cs typeface="Miriam Fixed" panose="020B0509050101010101" pitchFamily="49" charset="-79"/>
+              </a:rPr>
+              <a:t>args</a:t>
+            </a:r>
+            <a:r>
+              <a:rPr lang="de-DE" sz="1000" kern="1000" dirty="0" smtClean="0">
+                <a:latin typeface="Miriam Fixed" panose="020B0509050101010101" pitchFamily="49" charset="-79"/>
+                <a:cs typeface="Miriam Fixed" panose="020B0509050101010101" pitchFamily="49" charset="-79"/>
+              </a:rPr>
+              <a:t>) {</a:t>
+            </a:r>
+          </a:p>
+          <a:p>
+            <a:r>
+              <a:rPr lang="de-DE" sz="1000" kern="1000" dirty="0" smtClean="0">
+                <a:latin typeface="Miriam Fixed" panose="020B0509050101010101" pitchFamily="49" charset="-79"/>
+                <a:cs typeface="Miriam Fixed" panose="020B0509050101010101" pitchFamily="49" charset="-79"/>
+              </a:rPr>
+              <a:t>    </a:t>
+            </a:r>
+            <a:r>
+              <a:rPr lang="de-DE" sz="1000" b="1" kern="1000" dirty="0" err="1" smtClean="0">
+                <a:solidFill>
+                  <a:schemeClr val="tx2"/>
+                </a:solidFill>
+                <a:latin typeface="Miriam Fixed" panose="020B0509050101010101" pitchFamily="49" charset="-79"/>
+                <a:cs typeface="Miriam Fixed" panose="020B0509050101010101" pitchFamily="49" charset="-79"/>
+              </a:rPr>
+              <a:t>int</a:t>
+            </a:r>
+            <a:r>
+              <a:rPr lang="de-DE" sz="1000" kern="1000" dirty="0" smtClean="0">
+                <a:latin typeface="Miriam Fixed" panose="020B0509050101010101" pitchFamily="49" charset="-79"/>
+                <a:cs typeface="Miriam Fixed" panose="020B0509050101010101" pitchFamily="49" charset="-79"/>
+              </a:rPr>
+              <a:t> i = </a:t>
+            </a:r>
+            <a:r>
+              <a:rPr lang="de-DE" sz="1000" kern="1000" dirty="0" smtClean="0">
+                <a:solidFill>
+                  <a:schemeClr val="accent1"/>
+                </a:solidFill>
+                <a:latin typeface="Miriam Fixed" panose="020B0509050101010101" pitchFamily="49" charset="-79"/>
+                <a:cs typeface="Miriam Fixed" panose="020B0509050101010101" pitchFamily="49" charset="-79"/>
+              </a:rPr>
+              <a:t>1</a:t>
+            </a:r>
+            <a:r>
+              <a:rPr lang="de-DE" sz="1000" kern="1000" dirty="0" smtClean="0">
+                <a:latin typeface="Miriam Fixed" panose="020B0509050101010101" pitchFamily="49" charset="-79"/>
+                <a:cs typeface="Miriam Fixed" panose="020B0509050101010101" pitchFamily="49" charset="-79"/>
+              </a:rPr>
+              <a:t>;</a:t>
+            </a:r>
+          </a:p>
+          <a:p>
+            <a:r>
+              <a:rPr lang="de-DE" sz="1000" kern="1000" dirty="0">
+                <a:latin typeface="Miriam Fixed" panose="020B0509050101010101" pitchFamily="49" charset="-79"/>
+                <a:cs typeface="Miriam Fixed" panose="020B0509050101010101" pitchFamily="49" charset="-79"/>
+              </a:rPr>
+              <a:t> </a:t>
+            </a:r>
+            <a:r>
+              <a:rPr lang="de-DE" sz="1000" kern="1000" dirty="0" smtClean="0">
+                <a:latin typeface="Miriam Fixed" panose="020B0509050101010101" pitchFamily="49" charset="-79"/>
+                <a:cs typeface="Miriam Fixed" panose="020B0509050101010101" pitchFamily="49" charset="-79"/>
+              </a:rPr>
+              <a:t>   </a:t>
+            </a:r>
+            <a:r>
+              <a:rPr lang="de-DE" sz="1000" b="1" kern="1000" dirty="0" err="1" smtClean="0">
+                <a:solidFill>
+                  <a:schemeClr val="tx2"/>
+                </a:solidFill>
+                <a:latin typeface="Miriam Fixed" panose="020B0509050101010101" pitchFamily="49" charset="-79"/>
+                <a:cs typeface="Miriam Fixed" panose="020B0509050101010101" pitchFamily="49" charset="-79"/>
+              </a:rPr>
+              <a:t>int</a:t>
+            </a:r>
+            <a:r>
+              <a:rPr lang="de-DE" sz="1000" kern="1000" dirty="0" smtClean="0">
+                <a:latin typeface="Miriam Fixed" panose="020B0509050101010101" pitchFamily="49" charset="-79"/>
+                <a:cs typeface="Miriam Fixed" panose="020B0509050101010101" pitchFamily="49" charset="-79"/>
+              </a:rPr>
+              <a:t> x = </a:t>
+            </a:r>
+            <a:r>
+              <a:rPr lang="de-DE" sz="1000" kern="1000" dirty="0" smtClean="0">
+                <a:solidFill>
+                  <a:schemeClr val="accent1"/>
+                </a:solidFill>
+                <a:latin typeface="Miriam Fixed" panose="020B0509050101010101" pitchFamily="49" charset="-79"/>
+                <a:cs typeface="Miriam Fixed" panose="020B0509050101010101" pitchFamily="49" charset="-79"/>
+              </a:rPr>
+              <a:t>2</a:t>
+            </a:r>
+            <a:r>
+              <a:rPr lang="de-DE" sz="1000" kern="1000" dirty="0" smtClean="0">
+                <a:latin typeface="Miriam Fixed" panose="020B0509050101010101" pitchFamily="49" charset="-79"/>
+                <a:cs typeface="Miriam Fixed" panose="020B0509050101010101" pitchFamily="49" charset="-79"/>
+              </a:rPr>
+              <a:t>;</a:t>
+            </a:r>
+          </a:p>
+          <a:p>
+            <a:r>
+              <a:rPr lang="de-DE" sz="1000" kern="1000" dirty="0">
+                <a:latin typeface="Miriam Fixed" panose="020B0509050101010101" pitchFamily="49" charset="-79"/>
+                <a:cs typeface="Miriam Fixed" panose="020B0509050101010101" pitchFamily="49" charset="-79"/>
+              </a:rPr>
+              <a:t> </a:t>
+            </a:r>
+            <a:r>
+              <a:rPr lang="de-DE" sz="1000" kern="1000" dirty="0" smtClean="0">
+                <a:latin typeface="Miriam Fixed" panose="020B0509050101010101" pitchFamily="49" charset="-79"/>
+                <a:cs typeface="Miriam Fixed" panose="020B0509050101010101" pitchFamily="49" charset="-79"/>
+              </a:rPr>
+              <a:t>   </a:t>
+            </a:r>
+            <a:r>
+              <a:rPr lang="de-DE" sz="1000" b="1" kern="1000" dirty="0" err="1" smtClean="0">
+                <a:solidFill>
+                  <a:schemeClr val="tx2"/>
+                </a:solidFill>
+                <a:latin typeface="Miriam Fixed" panose="020B0509050101010101" pitchFamily="49" charset="-79"/>
+                <a:cs typeface="Miriam Fixed" panose="020B0509050101010101" pitchFamily="49" charset="-79"/>
+              </a:rPr>
+              <a:t>int</a:t>
+            </a:r>
+            <a:r>
+              <a:rPr lang="de-DE" sz="1000" kern="1000" dirty="0" smtClean="0">
+                <a:latin typeface="Miriam Fixed" panose="020B0509050101010101" pitchFamily="49" charset="-79"/>
+                <a:cs typeface="Miriam Fixed" panose="020B0509050101010101" pitchFamily="49" charset="-79"/>
+              </a:rPr>
+              <a:t> y = </a:t>
+            </a:r>
+            <a:r>
+              <a:rPr lang="de-DE" sz="1000" kern="1000" dirty="0" smtClean="0">
+                <a:solidFill>
+                  <a:schemeClr val="accent1"/>
+                </a:solidFill>
+                <a:latin typeface="Miriam Fixed" panose="020B0509050101010101" pitchFamily="49" charset="-79"/>
+                <a:cs typeface="Miriam Fixed" panose="020B0509050101010101" pitchFamily="49" charset="-79"/>
+              </a:rPr>
+              <a:t>8</a:t>
+            </a:r>
+            <a:r>
+              <a:rPr lang="de-DE" sz="1000" kern="1000" dirty="0" smtClean="0">
+                <a:latin typeface="Miriam Fixed" panose="020B0509050101010101" pitchFamily="49" charset="-79"/>
+                <a:cs typeface="Miriam Fixed" panose="020B0509050101010101" pitchFamily="49" charset="-79"/>
+              </a:rPr>
+              <a:t>;</a:t>
+            </a:r>
+          </a:p>
+          <a:p>
+            <a:r>
+              <a:rPr lang="de-DE" sz="1000" kern="1000" dirty="0">
+                <a:latin typeface="Miriam Fixed" panose="020B0509050101010101" pitchFamily="49" charset="-79"/>
+                <a:cs typeface="Miriam Fixed" panose="020B0509050101010101" pitchFamily="49" charset="-79"/>
+              </a:rPr>
+              <a:t> </a:t>
+            </a:r>
+            <a:r>
+              <a:rPr lang="de-DE" sz="1000" kern="1000" dirty="0" smtClean="0">
+                <a:latin typeface="Miriam Fixed" panose="020B0509050101010101" pitchFamily="49" charset="-79"/>
+                <a:cs typeface="Miriam Fixed" panose="020B0509050101010101" pitchFamily="49" charset="-79"/>
+              </a:rPr>
+              <a:t>   </a:t>
+            </a:r>
+            <a:r>
+              <a:rPr lang="de-DE" sz="1000" b="1" kern="1000" dirty="0" err="1" smtClean="0">
+                <a:solidFill>
+                  <a:schemeClr val="tx2"/>
+                </a:solidFill>
+                <a:latin typeface="Miriam Fixed" panose="020B0509050101010101" pitchFamily="49" charset="-79"/>
+                <a:cs typeface="Miriam Fixed" panose="020B0509050101010101" pitchFamily="49" charset="-79"/>
+              </a:rPr>
+              <a:t>while</a:t>
+            </a:r>
+            <a:r>
+              <a:rPr lang="de-DE" sz="1000" kern="1000" dirty="0" smtClean="0">
+                <a:latin typeface="Miriam Fixed" panose="020B0509050101010101" pitchFamily="49" charset="-79"/>
+                <a:cs typeface="Miriam Fixed" panose="020B0509050101010101" pitchFamily="49" charset="-79"/>
+              </a:rPr>
+              <a:t> (i &gt; </a:t>
+            </a:r>
+            <a:r>
+              <a:rPr lang="de-DE" sz="1000" kern="1000" dirty="0" smtClean="0">
+                <a:solidFill>
+                  <a:schemeClr val="accent1"/>
+                </a:solidFill>
+                <a:latin typeface="Miriam Fixed" panose="020B0509050101010101" pitchFamily="49" charset="-79"/>
+                <a:cs typeface="Miriam Fixed" panose="020B0509050101010101" pitchFamily="49" charset="-79"/>
+              </a:rPr>
+              <a:t>0</a:t>
+            </a:r>
+            <a:r>
+              <a:rPr lang="de-DE" sz="1000" kern="1000" dirty="0" smtClean="0">
+                <a:latin typeface="Miriam Fixed" panose="020B0509050101010101" pitchFamily="49" charset="-79"/>
+                <a:cs typeface="Miriam Fixed" panose="020B0509050101010101" pitchFamily="49" charset="-79"/>
+              </a:rPr>
+              <a:t>) {</a:t>
+            </a:r>
+          </a:p>
+          <a:p>
+            <a:r>
+              <a:rPr lang="de-DE" sz="1000" kern="1000" dirty="0">
+                <a:latin typeface="Miriam Fixed" panose="020B0509050101010101" pitchFamily="49" charset="-79"/>
+                <a:cs typeface="Miriam Fixed" panose="020B0509050101010101" pitchFamily="49" charset="-79"/>
+              </a:rPr>
+              <a:t> </a:t>
+            </a:r>
+            <a:r>
+              <a:rPr lang="de-DE" sz="1000" kern="1000" dirty="0" smtClean="0">
+                <a:latin typeface="Miriam Fixed" panose="020B0509050101010101" pitchFamily="49" charset="-79"/>
+                <a:cs typeface="Miriam Fixed" panose="020B0509050101010101" pitchFamily="49" charset="-79"/>
+              </a:rPr>
+              <a:t>       </a:t>
+            </a:r>
+            <a:r>
+              <a:rPr lang="de-DE" sz="1000" i="1" kern="1000" dirty="0" err="1" smtClean="0">
+                <a:solidFill>
+                  <a:schemeClr val="accent4"/>
+                </a:solidFill>
+                <a:latin typeface="Miriam Fixed" panose="020B0509050101010101" pitchFamily="49" charset="-79"/>
+                <a:cs typeface="Miriam Fixed" panose="020B0509050101010101" pitchFamily="49" charset="-79"/>
+              </a:rPr>
+              <a:t>nao</a:t>
+            </a:r>
+            <a:r>
+              <a:rPr lang="de-DE" sz="1000" kern="1000" dirty="0" err="1" smtClean="0">
+                <a:latin typeface="Miriam Fixed" panose="020B0509050101010101" pitchFamily="49" charset="-79"/>
+                <a:cs typeface="Miriam Fixed" panose="020B0509050101010101" pitchFamily="49" charset="-79"/>
+              </a:rPr>
+              <a:t>.say</a:t>
+            </a:r>
+            <a:r>
+              <a:rPr lang="de-DE" sz="1000" kern="1000" dirty="0" smtClean="0">
+                <a:latin typeface="Miriam Fixed" panose="020B0509050101010101" pitchFamily="49" charset="-79"/>
+                <a:cs typeface="Miriam Fixed" panose="020B0509050101010101" pitchFamily="49" charset="-79"/>
+              </a:rPr>
+              <a:t>(</a:t>
+            </a:r>
+            <a:r>
+              <a:rPr lang="de-DE" sz="1000" b="1" kern="1000" dirty="0" smtClean="0">
+                <a:solidFill>
+                  <a:srgbClr val="008000"/>
+                </a:solidFill>
+                <a:latin typeface="Miriam Fixed" panose="020B0509050101010101" pitchFamily="49" charset="-79"/>
+                <a:cs typeface="Miriam Fixed" panose="020B0509050101010101" pitchFamily="49" charset="-79"/>
+              </a:rPr>
+              <a:t>“I ist “</a:t>
+            </a:r>
+            <a:r>
+              <a:rPr lang="de-DE" sz="1000" kern="1000" dirty="0" smtClean="0">
+                <a:latin typeface="Miriam Fixed" panose="020B0509050101010101" pitchFamily="49" charset="-79"/>
+                <a:cs typeface="Miriam Fixed" panose="020B0509050101010101" pitchFamily="49" charset="-79"/>
+              </a:rPr>
+              <a:t> + i);</a:t>
+            </a:r>
+          </a:p>
+          <a:p>
+            <a:r>
+              <a:rPr lang="de-DE" sz="1000" kern="1000" dirty="0">
+                <a:latin typeface="Miriam Fixed" panose="020B0509050101010101" pitchFamily="49" charset="-79"/>
+                <a:cs typeface="Miriam Fixed" panose="020B0509050101010101" pitchFamily="49" charset="-79"/>
+              </a:rPr>
+              <a:t> </a:t>
+            </a:r>
+            <a:r>
+              <a:rPr lang="de-DE" sz="1000" kern="1000" dirty="0" smtClean="0">
+                <a:latin typeface="Miriam Fixed" panose="020B0509050101010101" pitchFamily="49" charset="-79"/>
+                <a:cs typeface="Miriam Fixed" panose="020B0509050101010101" pitchFamily="49" charset="-79"/>
+              </a:rPr>
+              <a:t>       i = y – x;</a:t>
+            </a:r>
+          </a:p>
+          <a:p>
+            <a:r>
+              <a:rPr lang="de-DE" sz="1000" kern="1000" dirty="0">
+                <a:latin typeface="Miriam Fixed" panose="020B0509050101010101" pitchFamily="49" charset="-79"/>
+                <a:cs typeface="Miriam Fixed" panose="020B0509050101010101" pitchFamily="49" charset="-79"/>
+              </a:rPr>
+              <a:t> </a:t>
+            </a:r>
+            <a:r>
+              <a:rPr lang="de-DE" sz="1000" kern="1000" dirty="0" smtClean="0">
+                <a:latin typeface="Miriam Fixed" panose="020B0509050101010101" pitchFamily="49" charset="-79"/>
+                <a:cs typeface="Miriam Fixed" panose="020B0509050101010101" pitchFamily="49" charset="-79"/>
+              </a:rPr>
+              <a:t>       x = x + </a:t>
+            </a:r>
+            <a:r>
+              <a:rPr lang="de-DE" sz="1000" kern="1000" dirty="0" smtClean="0">
+                <a:solidFill>
+                  <a:schemeClr val="accent1"/>
+                </a:solidFill>
+                <a:latin typeface="Miriam Fixed" panose="020B0509050101010101" pitchFamily="49" charset="-79"/>
+                <a:cs typeface="Miriam Fixed" panose="020B0509050101010101" pitchFamily="49" charset="-79"/>
+              </a:rPr>
+              <a:t>1</a:t>
+            </a:r>
+            <a:r>
+              <a:rPr lang="de-DE" sz="1000" kern="1000" dirty="0" smtClean="0">
+                <a:latin typeface="Miriam Fixed" panose="020B0509050101010101" pitchFamily="49" charset="-79"/>
+                <a:cs typeface="Miriam Fixed" panose="020B0509050101010101" pitchFamily="49" charset="-79"/>
+              </a:rPr>
+              <a:t>;</a:t>
+            </a:r>
+          </a:p>
+          <a:p>
+            <a:r>
+              <a:rPr lang="de-DE" sz="1000" kern="1000" dirty="0">
+                <a:latin typeface="Miriam Fixed" panose="020B0509050101010101" pitchFamily="49" charset="-79"/>
+                <a:cs typeface="Miriam Fixed" panose="020B0509050101010101" pitchFamily="49" charset="-79"/>
+              </a:rPr>
+              <a:t> </a:t>
+            </a:r>
+            <a:r>
+              <a:rPr lang="de-DE" sz="1000" kern="1000" dirty="0" smtClean="0">
+                <a:latin typeface="Miriam Fixed" panose="020B0509050101010101" pitchFamily="49" charset="-79"/>
+                <a:cs typeface="Miriam Fixed" panose="020B0509050101010101" pitchFamily="49" charset="-79"/>
+              </a:rPr>
+              <a:t>   }</a:t>
+            </a:r>
+          </a:p>
+          <a:p>
+            <a:r>
+              <a:rPr lang="de-DE" sz="1000" kern="1000" dirty="0" smtClean="0">
+                <a:latin typeface="Miriam Fixed" panose="020B0509050101010101" pitchFamily="49" charset="-79"/>
+                <a:cs typeface="Miriam Fixed" panose="020B0509050101010101" pitchFamily="49" charset="-79"/>
+              </a:rPr>
+              <a:t>}</a:t>
+            </a:r>
+            <a:endParaRPr lang="de-DE" sz="1000" kern="1000" dirty="0">
+              <a:latin typeface="Miriam Fixed" panose="020B0509050101010101" pitchFamily="49" charset="-79"/>
+              <a:cs typeface="Miriam Fixed" panose="020B0509050101010101" pitchFamily="49" charset="-79"/>
+            </a:endParaRPr>
+          </a:p>
+        </p:txBody>
+      </p:sp>
+      <p:sp>
+        <p:nvSpPr>
+          <p:cNvPr id="15" name="Textfeld 14"/>
+          <p:cNvSpPr txBox="1"/>
+          <p:nvPr/>
+        </p:nvSpPr>
+        <p:spPr>
+          <a:xfrm>
+            <a:off x="2957151" y="3746543"/>
+            <a:ext cx="3843387" cy="861774"/>
+          </a:xfrm>
+          <a:prstGeom prst="rect">
+            <a:avLst/>
+          </a:prstGeom>
+          <a:noFill/>
+        </p:spPr>
+        <p:txBody>
+          <a:bodyPr wrap="square" rtlCol="0">
+            <a:spAutoFit/>
+          </a:bodyPr>
+          <a:lstStyle/>
+          <a:p>
+            <a:r>
+              <a:rPr lang="de-DE" sz="1000" b="1" kern="1000" dirty="0" err="1" smtClean="0">
+                <a:solidFill>
+                  <a:schemeClr val="tx2"/>
+                </a:solidFill>
+                <a:latin typeface="Miriam Fixed" panose="020B0509050101010101" pitchFamily="49" charset="-79"/>
+                <a:cs typeface="Miriam Fixed" panose="020B0509050101010101" pitchFamily="49" charset="-79"/>
+              </a:rPr>
+              <a:t>public</a:t>
+            </a:r>
+            <a:r>
+              <a:rPr lang="de-DE" sz="1000" kern="1000" dirty="0" smtClean="0">
+                <a:solidFill>
+                  <a:schemeClr val="tx2"/>
+                </a:solidFill>
+                <a:latin typeface="Miriam Fixed" panose="020B0509050101010101" pitchFamily="49" charset="-79"/>
+                <a:cs typeface="Miriam Fixed" panose="020B0509050101010101" pitchFamily="49" charset="-79"/>
+              </a:rPr>
+              <a:t> </a:t>
+            </a:r>
+            <a:r>
+              <a:rPr lang="de-DE" sz="1000" b="1" kern="1000" dirty="0" err="1" smtClean="0">
+                <a:solidFill>
+                  <a:schemeClr val="tx2"/>
+                </a:solidFill>
+                <a:latin typeface="Miriam Fixed" panose="020B0509050101010101" pitchFamily="49" charset="-79"/>
+                <a:cs typeface="Miriam Fixed" panose="020B0509050101010101" pitchFamily="49" charset="-79"/>
+              </a:rPr>
+              <a:t>static</a:t>
+            </a:r>
+            <a:r>
+              <a:rPr lang="de-DE" sz="1000" kern="1000" dirty="0" smtClean="0">
+                <a:solidFill>
+                  <a:schemeClr val="tx2"/>
+                </a:solidFill>
+                <a:latin typeface="Miriam Fixed" panose="020B0509050101010101" pitchFamily="49" charset="-79"/>
+                <a:cs typeface="Miriam Fixed" panose="020B0509050101010101" pitchFamily="49" charset="-79"/>
+              </a:rPr>
+              <a:t> </a:t>
+            </a:r>
+            <a:r>
+              <a:rPr lang="de-DE" sz="1000" b="1" kern="1000" dirty="0" err="1" smtClean="0">
+                <a:solidFill>
+                  <a:schemeClr val="tx2"/>
+                </a:solidFill>
+                <a:latin typeface="Miriam Fixed" panose="020B0509050101010101" pitchFamily="49" charset="-79"/>
+                <a:cs typeface="Miriam Fixed" panose="020B0509050101010101" pitchFamily="49" charset="-79"/>
+              </a:rPr>
+              <a:t>void</a:t>
+            </a:r>
+            <a:r>
+              <a:rPr lang="de-DE" sz="1000" kern="1000" dirty="0" smtClean="0">
+                <a:latin typeface="Miriam Fixed" panose="020B0509050101010101" pitchFamily="49" charset="-79"/>
+                <a:cs typeface="Miriam Fixed" panose="020B0509050101010101" pitchFamily="49" charset="-79"/>
+              </a:rPr>
+              <a:t> </a:t>
+            </a:r>
+            <a:r>
+              <a:rPr lang="de-DE" sz="1000" kern="1000" dirty="0" err="1" smtClean="0">
+                <a:latin typeface="Miriam Fixed" panose="020B0509050101010101" pitchFamily="49" charset="-79"/>
+                <a:cs typeface="Miriam Fixed" panose="020B0509050101010101" pitchFamily="49" charset="-79"/>
+              </a:rPr>
+              <a:t>main</a:t>
+            </a:r>
+            <a:r>
+              <a:rPr lang="de-DE" sz="1000" kern="1000" dirty="0" smtClean="0">
+                <a:latin typeface="Miriam Fixed" panose="020B0509050101010101" pitchFamily="49" charset="-79"/>
+                <a:cs typeface="Miriam Fixed" panose="020B0509050101010101" pitchFamily="49" charset="-79"/>
+              </a:rPr>
+              <a:t>(String[] </a:t>
+            </a:r>
+            <a:r>
+              <a:rPr lang="de-DE" sz="1000" kern="1000" dirty="0" err="1" smtClean="0">
+                <a:latin typeface="Miriam Fixed" panose="020B0509050101010101" pitchFamily="49" charset="-79"/>
+                <a:cs typeface="Miriam Fixed" panose="020B0509050101010101" pitchFamily="49" charset="-79"/>
+              </a:rPr>
+              <a:t>args</a:t>
+            </a:r>
+            <a:r>
+              <a:rPr lang="de-DE" sz="1000" kern="1000" dirty="0" smtClean="0">
+                <a:latin typeface="Miriam Fixed" panose="020B0509050101010101" pitchFamily="49" charset="-79"/>
+                <a:cs typeface="Miriam Fixed" panose="020B0509050101010101" pitchFamily="49" charset="-79"/>
+              </a:rPr>
+              <a:t>) {</a:t>
+            </a:r>
+          </a:p>
+          <a:p>
+            <a:r>
+              <a:rPr lang="de-DE" sz="1000" kern="1000" dirty="0" smtClean="0">
+                <a:latin typeface="Miriam Fixed" panose="020B0509050101010101" pitchFamily="49" charset="-79"/>
+                <a:cs typeface="Miriam Fixed" panose="020B0509050101010101" pitchFamily="49" charset="-79"/>
+              </a:rPr>
+              <a:t>    </a:t>
+            </a:r>
+            <a:r>
+              <a:rPr lang="de-DE" sz="1000" b="1" kern="1000" dirty="0" smtClean="0">
+                <a:solidFill>
+                  <a:schemeClr val="tx2"/>
+                </a:solidFill>
+                <a:latin typeface="Miriam Fixed" panose="020B0509050101010101" pitchFamily="49" charset="-79"/>
+                <a:cs typeface="Miriam Fixed" panose="020B0509050101010101" pitchFamily="49" charset="-79"/>
+              </a:rPr>
+              <a:t>do</a:t>
+            </a:r>
+            <a:r>
+              <a:rPr lang="de-DE" sz="1000" kern="1000" dirty="0" smtClean="0">
+                <a:latin typeface="Miriam Fixed" panose="020B0509050101010101" pitchFamily="49" charset="-79"/>
+                <a:cs typeface="Miriam Fixed" panose="020B0509050101010101" pitchFamily="49" charset="-79"/>
+              </a:rPr>
+              <a:t> {</a:t>
+            </a:r>
+          </a:p>
+          <a:p>
+            <a:r>
+              <a:rPr lang="de-DE" sz="1000" kern="1000" dirty="0">
+                <a:latin typeface="Miriam Fixed" panose="020B0509050101010101" pitchFamily="49" charset="-79"/>
+                <a:cs typeface="Miriam Fixed" panose="020B0509050101010101" pitchFamily="49" charset="-79"/>
+              </a:rPr>
+              <a:t> </a:t>
+            </a:r>
+            <a:r>
+              <a:rPr lang="de-DE" sz="1000" kern="1000" dirty="0" smtClean="0">
+                <a:latin typeface="Miriam Fixed" panose="020B0509050101010101" pitchFamily="49" charset="-79"/>
+                <a:cs typeface="Miriam Fixed" panose="020B0509050101010101" pitchFamily="49" charset="-79"/>
+              </a:rPr>
+              <a:t>       </a:t>
+            </a:r>
+            <a:r>
+              <a:rPr lang="de-DE" sz="1000" i="1" kern="1000" dirty="0" err="1" smtClean="0">
+                <a:solidFill>
+                  <a:schemeClr val="accent4"/>
+                </a:solidFill>
+                <a:latin typeface="Miriam Fixed" panose="020B0509050101010101" pitchFamily="49" charset="-79"/>
+                <a:cs typeface="Miriam Fixed" panose="020B0509050101010101" pitchFamily="49" charset="-79"/>
+              </a:rPr>
+              <a:t>nao</a:t>
+            </a:r>
+            <a:r>
+              <a:rPr lang="de-DE" sz="1000" kern="1000" dirty="0" err="1" smtClean="0">
+                <a:latin typeface="Miriam Fixed" panose="020B0509050101010101" pitchFamily="49" charset="-79"/>
+                <a:cs typeface="Miriam Fixed" panose="020B0509050101010101" pitchFamily="49" charset="-79"/>
+              </a:rPr>
+              <a:t>.say</a:t>
+            </a:r>
+            <a:r>
+              <a:rPr lang="de-DE" sz="1000" kern="1000" dirty="0" smtClean="0">
+                <a:latin typeface="Miriam Fixed" panose="020B0509050101010101" pitchFamily="49" charset="-79"/>
+                <a:cs typeface="Miriam Fixed" panose="020B0509050101010101" pitchFamily="49" charset="-79"/>
+              </a:rPr>
+              <a:t>(</a:t>
+            </a:r>
+            <a:r>
+              <a:rPr lang="de-DE" sz="1000" b="1" kern="1000" dirty="0" smtClean="0">
+                <a:solidFill>
+                  <a:srgbClr val="008000"/>
+                </a:solidFill>
+                <a:latin typeface="Miriam Fixed" panose="020B0509050101010101" pitchFamily="49" charset="-79"/>
+                <a:cs typeface="Miriam Fixed" panose="020B0509050101010101" pitchFamily="49" charset="-79"/>
+              </a:rPr>
+              <a:t>“Werde ich diesen Satz sagen?“</a:t>
+            </a:r>
+            <a:r>
+              <a:rPr lang="de-DE" sz="1000" kern="1000" dirty="0" smtClean="0">
+                <a:latin typeface="Miriam Fixed" panose="020B0509050101010101" pitchFamily="49" charset="-79"/>
+                <a:cs typeface="Miriam Fixed" panose="020B0509050101010101" pitchFamily="49" charset="-79"/>
+              </a:rPr>
+              <a:t>);</a:t>
+            </a:r>
+          </a:p>
+          <a:p>
+            <a:r>
+              <a:rPr lang="de-DE" sz="1000" kern="1000" dirty="0">
+                <a:latin typeface="Miriam Fixed" panose="020B0509050101010101" pitchFamily="49" charset="-79"/>
+                <a:cs typeface="Miriam Fixed" panose="020B0509050101010101" pitchFamily="49" charset="-79"/>
+              </a:rPr>
+              <a:t> </a:t>
+            </a:r>
+            <a:r>
+              <a:rPr lang="de-DE" sz="1000" kern="1000" dirty="0" smtClean="0">
+                <a:latin typeface="Miriam Fixed" panose="020B0509050101010101" pitchFamily="49" charset="-79"/>
+                <a:cs typeface="Miriam Fixed" panose="020B0509050101010101" pitchFamily="49" charset="-79"/>
+              </a:rPr>
+              <a:t>   } </a:t>
+            </a:r>
+            <a:r>
+              <a:rPr lang="de-DE" sz="1000" b="1" kern="1000" dirty="0" err="1" smtClean="0">
+                <a:solidFill>
+                  <a:schemeClr val="tx2"/>
+                </a:solidFill>
+                <a:latin typeface="Miriam Fixed" panose="020B0509050101010101" pitchFamily="49" charset="-79"/>
+                <a:cs typeface="Miriam Fixed" panose="020B0509050101010101" pitchFamily="49" charset="-79"/>
+              </a:rPr>
+              <a:t>while</a:t>
+            </a:r>
+            <a:r>
+              <a:rPr lang="de-DE" sz="1000" kern="1000" dirty="0" smtClean="0">
+                <a:latin typeface="Miriam Fixed" panose="020B0509050101010101" pitchFamily="49" charset="-79"/>
+                <a:cs typeface="Miriam Fixed" panose="020B0509050101010101" pitchFamily="49" charset="-79"/>
+              </a:rPr>
+              <a:t> (</a:t>
+            </a:r>
+            <a:r>
+              <a:rPr lang="de-DE" sz="1000" b="1" kern="1000" dirty="0" err="1" smtClean="0">
+                <a:solidFill>
+                  <a:schemeClr val="tx2"/>
+                </a:solidFill>
+                <a:latin typeface="Miriam Fixed" panose="020B0509050101010101" pitchFamily="49" charset="-79"/>
+                <a:cs typeface="Miriam Fixed" panose="020B0509050101010101" pitchFamily="49" charset="-79"/>
+              </a:rPr>
+              <a:t>false</a:t>
+            </a:r>
+            <a:r>
+              <a:rPr lang="de-DE" sz="1000" kern="1000" dirty="0" smtClean="0">
+                <a:latin typeface="Miriam Fixed" panose="020B0509050101010101" pitchFamily="49" charset="-79"/>
+                <a:cs typeface="Miriam Fixed" panose="020B0509050101010101" pitchFamily="49" charset="-79"/>
+              </a:rPr>
+              <a:t>);</a:t>
+            </a:r>
+          </a:p>
+          <a:p>
+            <a:r>
+              <a:rPr lang="de-DE" sz="1000" kern="1000" dirty="0" smtClean="0">
+                <a:latin typeface="Miriam Fixed" panose="020B0509050101010101" pitchFamily="49" charset="-79"/>
+                <a:cs typeface="Miriam Fixed" panose="020B0509050101010101" pitchFamily="49" charset="-79"/>
+              </a:rPr>
+              <a:t>}</a:t>
+            </a:r>
+            <a:endParaRPr lang="de-DE" sz="1000" kern="1000" dirty="0">
+              <a:latin typeface="Miriam Fixed" panose="020B0509050101010101" pitchFamily="49" charset="-79"/>
+              <a:cs typeface="Miriam Fixed" panose="020B0509050101010101" pitchFamily="49" charset="-79"/>
+            </a:endParaRPr>
+          </a:p>
+        </p:txBody>
+      </p:sp>
     </p:spTree>
     <p:extLst>
       <p:ext uri="{BB962C8B-B14F-4D97-AF65-F5344CB8AC3E}">
@@ -21837,7 +25915,7 @@
                             </p:stCondLst>
                             <p:childTnLst>
                               <p:par>
-                                <p:cTn id="5" presetID="10" presetClass="entr" presetSubtype="0" fill="hold" nodeType="clickEffect">
+                                <p:cTn id="5" presetID="10" presetClass="entr" presetSubtype="0" fill="hold" grpId="0" nodeType="clickEffect">
                                   <p:stCondLst>
                                     <p:cond delay="0"/>
                                   </p:stCondLst>
@@ -21850,7 +25928,7 @@
                                           </p:stCondLst>
                                         </p:cTn>
                                         <p:tgtEl>
-                                          <p:spTgt spid="4"/>
+                                          <p:spTgt spid="14"/>
                                         </p:tgtEl>
                                         <p:attrNameLst>
                                           <p:attrName>style.visibility</p:attrName>
@@ -21864,7 +25942,7 @@
                                       <p:cBhvr>
                                         <p:cTn id="7" dur="500"/>
                                         <p:tgtEl>
-                                          <p:spTgt spid="4"/>
+                                          <p:spTgt spid="14"/>
                                         </p:tgtEl>
                                       </p:cBhvr>
                                     </p:animEffect>
@@ -22314,7 +26392,7 @@
                             </p:stCondLst>
                             <p:childTnLst>
                               <p:par>
-                                <p:cTn id="50" presetID="10" presetClass="entr" presetSubtype="0" fill="hold" nodeType="clickEffect">
+                                <p:cTn id="50" presetID="10" presetClass="entr" presetSubtype="0" fill="hold" grpId="0" nodeType="clickEffect">
                                   <p:stCondLst>
                                     <p:cond delay="0"/>
                                   </p:stCondLst>
@@ -22327,7 +26405,7 @@
                                           </p:stCondLst>
                                         </p:cTn>
                                         <p:tgtEl>
-                                          <p:spTgt spid="7"/>
+                                          <p:spTgt spid="15"/>
                                         </p:tgtEl>
                                         <p:attrNameLst>
                                           <p:attrName>style.visibility</p:attrName>
@@ -22341,7 +26419,7 @@
                                       <p:cBhvr>
                                         <p:cTn id="52" dur="500"/>
                                         <p:tgtEl>
-                                          <p:spTgt spid="7"/>
+                                          <p:spTgt spid="15"/>
                                         </p:tgtEl>
                                       </p:cBhvr>
                                     </p:animEffect>
@@ -22375,6 +26453,10 @@
         </p:cTn>
       </p:par>
     </p:tnLst>
+    <p:bldLst>
+      <p:bldP spid="14" grpId="0"/>
+      <p:bldP spid="15" grpId="0"/>
+    </p:bldLst>
   </p:timing>
 </p:sld>
 </file>
@@ -26423,6 +30505,121 @@
           </a:prstGeom>
         </p:spPr>
       </p:pic>
+      <p:sp>
+        <p:nvSpPr>
+          <p:cNvPr id="5" name="Textfeld 4"/>
+          <p:cNvSpPr txBox="1"/>
+          <p:nvPr/>
+        </p:nvSpPr>
+        <p:spPr>
+          <a:xfrm>
+            <a:off x="961792" y="1856417"/>
+            <a:ext cx="3583032" cy="430887"/>
+          </a:xfrm>
+          <a:prstGeom prst="rect">
+            <a:avLst/>
+          </a:prstGeom>
+          <a:noFill/>
+        </p:spPr>
+        <p:txBody>
+          <a:bodyPr wrap="none" rtlCol="0">
+            <a:spAutoFit/>
+          </a:bodyPr>
+          <a:lstStyle/>
+          <a:p>
+            <a:r>
+              <a:rPr lang="de-DE" sz="1100" dirty="0" err="1" smtClean="0">
+                <a:latin typeface="Miriam Fixed" panose="020B0509050101010101" pitchFamily="49" charset="-79"/>
+                <a:cs typeface="Miriam Fixed" panose="020B0509050101010101" pitchFamily="49" charset="-79"/>
+              </a:rPr>
+              <a:t>public</a:t>
+            </a:r>
+            <a:r>
+              <a:rPr lang="de-DE" sz="1100" dirty="0" smtClean="0">
+                <a:latin typeface="Miriam Fixed" panose="020B0509050101010101" pitchFamily="49" charset="-79"/>
+                <a:cs typeface="Miriam Fixed" panose="020B0509050101010101" pitchFamily="49" charset="-79"/>
+              </a:rPr>
+              <a:t> </a:t>
+            </a:r>
+            <a:r>
+              <a:rPr lang="de-DE" sz="1100" dirty="0" err="1" smtClean="0">
+                <a:latin typeface="Miriam Fixed" panose="020B0509050101010101" pitchFamily="49" charset="-79"/>
+                <a:cs typeface="Miriam Fixed" panose="020B0509050101010101" pitchFamily="49" charset="-79"/>
+              </a:rPr>
+              <a:t>static</a:t>
+            </a:r>
+            <a:r>
+              <a:rPr lang="de-DE" sz="1100" dirty="0" smtClean="0">
+                <a:latin typeface="Miriam Fixed" panose="020B0509050101010101" pitchFamily="49" charset="-79"/>
+                <a:cs typeface="Miriam Fixed" panose="020B0509050101010101" pitchFamily="49" charset="-79"/>
+              </a:rPr>
+              <a:t> </a:t>
+            </a:r>
+            <a:r>
+              <a:rPr lang="de-DE" sz="1100" dirty="0" err="1" smtClean="0">
+                <a:latin typeface="Miriam Fixed" panose="020B0509050101010101" pitchFamily="49" charset="-79"/>
+                <a:cs typeface="Miriam Fixed" panose="020B0509050101010101" pitchFamily="49" charset="-79"/>
+              </a:rPr>
+              <a:t>void</a:t>
+            </a:r>
+            <a:r>
+              <a:rPr lang="de-DE" sz="1100" dirty="0" smtClean="0">
+                <a:latin typeface="Miriam Fixed" panose="020B0509050101010101" pitchFamily="49" charset="-79"/>
+                <a:cs typeface="Miriam Fixed" panose="020B0509050101010101" pitchFamily="49" charset="-79"/>
+              </a:rPr>
+              <a:t> </a:t>
+            </a:r>
+            <a:r>
+              <a:rPr lang="de-DE" sz="1100" dirty="0" err="1" smtClean="0">
+                <a:latin typeface="Miriam Fixed" panose="020B0509050101010101" pitchFamily="49" charset="-79"/>
+                <a:cs typeface="Miriam Fixed" panose="020B0509050101010101" pitchFamily="49" charset="-79"/>
+              </a:rPr>
+              <a:t>main</a:t>
+            </a:r>
+            <a:r>
+              <a:rPr lang="de-DE" sz="1100" dirty="0" smtClean="0">
+                <a:latin typeface="Miriam Fixed" panose="020B0509050101010101" pitchFamily="49" charset="-79"/>
+                <a:cs typeface="Miriam Fixed" panose="020B0509050101010101" pitchFamily="49" charset="-79"/>
+              </a:rPr>
+              <a:t>(String[] </a:t>
+            </a:r>
+            <a:r>
+              <a:rPr lang="de-DE" sz="1100" dirty="0" err="1" smtClean="0">
+                <a:latin typeface="Miriam Fixed" panose="020B0509050101010101" pitchFamily="49" charset="-79"/>
+                <a:cs typeface="Miriam Fixed" panose="020B0509050101010101" pitchFamily="49" charset="-79"/>
+              </a:rPr>
+              <a:t>args</a:t>
+            </a:r>
+            <a:r>
+              <a:rPr lang="de-DE" sz="1100" dirty="0" smtClean="0">
+                <a:latin typeface="Miriam Fixed" panose="020B0509050101010101" pitchFamily="49" charset="-79"/>
+                <a:cs typeface="Miriam Fixed" panose="020B0509050101010101" pitchFamily="49" charset="-79"/>
+              </a:rPr>
+              <a:t>) {</a:t>
+            </a:r>
+          </a:p>
+          <a:p>
+            <a:r>
+              <a:rPr lang="de-DE" sz="1100" dirty="0" smtClean="0">
+                <a:latin typeface="Miriam Fixed" panose="020B0509050101010101" pitchFamily="49" charset="-79"/>
+                <a:cs typeface="Miriam Fixed" panose="020B0509050101010101" pitchFamily="49" charset="-79"/>
+              </a:rPr>
+              <a:t>   Profile </a:t>
+            </a:r>
+            <a:r>
+              <a:rPr lang="de-DE" sz="1100" dirty="0" err="1" smtClean="0">
+                <a:latin typeface="Miriam Fixed" panose="020B0509050101010101" pitchFamily="49" charset="-79"/>
+                <a:cs typeface="Miriam Fixed" panose="020B0509050101010101" pitchFamily="49" charset="-79"/>
+              </a:rPr>
+              <a:t>miri</a:t>
+            </a:r>
+            <a:endParaRPr lang="de-DE" sz="1100" dirty="0">
+              <a:latin typeface="Miriam Fixed" panose="020B0509050101010101" pitchFamily="49" charset="-79"/>
+              <a:cs typeface="Miriam Fixed" panose="020B0509050101010101" pitchFamily="49" charset="-79"/>
+            </a:endParaRPr>
+          </a:p>
+        </p:txBody>
+      </p:sp>
     </p:spTree>
     <p:extLst>
       <p:ext uri="{BB962C8B-B14F-4D97-AF65-F5344CB8AC3E}">
@@ -33544,23 +37741,7 @@
                   <a:srgbClr val="831420"/>
                 </a:solidFill>
               </a:rPr>
-              <a:t>Projekt: </a:t>
-            </a:r>
-            <a:r>
-              <a:rPr lang="de-DE" dirty="0" smtClean="0">
-                <a:solidFill>
-                  <a:srgbClr val="831420"/>
-                </a:solidFill>
-              </a:rPr>
-              <a:t>Findet aus dem</a:t>
-            </a:r>
-            <a:r>
-              <a:rPr lang="de-DE" dirty="0" smtClean="0">
-                <a:solidFill>
-                  <a:srgbClr val="831420"/>
-                </a:solidFill>
-              </a:rPr>
-              <a:t> Labyrinth</a:t>
+              <a:t>Projekt: Findet aus dem Labyrinth</a:t>
             </a:r>
             <a:endParaRPr lang="de-DE" dirty="0">
               <a:solidFill>
@@ -33604,7 +37785,6 @@
               <a:rPr lang="de-DE" sz="2000" dirty="0" smtClean="0"/>
               <a:t>zu manövrieren</a:t>
             </a:r>
-            <a:endParaRPr lang="de-DE" sz="2000" dirty="0" smtClean="0"/>
           </a:p>
           <a:p>
             <a:endParaRPr lang="de-DE" sz="2000" dirty="0" smtClean="0"/>
@@ -33640,7 +37820,6 @@
               <a:rPr lang="de-DE" sz="2000" dirty="0" smtClean="0"/>
               <a:t>den Ausgang?</a:t>
             </a:r>
-            <a:endParaRPr lang="de-DE" sz="2000" dirty="0" smtClean="0"/>
           </a:p>
         </p:txBody>
       </p:sp>
@@ -33857,66 +38036,347 @@
           </a:p>
         </p:txBody>
       </p:sp>
-      <p:pic>
-        <p:nvPicPr>
-          <p:cNvPr id="5" name="Grafik 4"/>
-          <p:cNvPicPr>
-            <a:picLocks noChangeAspect="1"/>
-          </p:cNvPicPr>
+      <p:sp>
+        <p:nvSpPr>
+          <p:cNvPr id="7" name="Textfeld 6"/>
+          <p:cNvSpPr txBox="1"/>
           <p:nvPr/>
-        </p:nvPicPr>
-        <p:blipFill>
-          <a:blip r:embed="rId3">
-            <a:extLst>
-              <a:ext uri="{28A0092B-C50C-407E-A947-70E740481C1C}">
-                <a14:useLocalDpi xmlns:a14="http://schemas.microsoft.com/office/drawing/2010/main" val="0"/>
-              </a:ext>
-            </a:extLst>
-          </a:blip>
-          <a:stretch>
-            <a:fillRect/>
-          </a:stretch>
-        </p:blipFill>
+        </p:nvSpPr>
         <p:spPr>
           <a:xfrm>
-            <a:off x="5452354" y="3073524"/>
-            <a:ext cx="3057952" cy="743054"/>
+            <a:off x="5220073" y="2100175"/>
+            <a:ext cx="3528391" cy="861774"/>
           </a:xfrm>
           <a:prstGeom prst="rect">
             <a:avLst/>
           </a:prstGeom>
+          <a:noFill/>
         </p:spPr>
-      </p:pic>
-      <p:pic>
-        <p:nvPicPr>
-          <p:cNvPr id="6" name="Grafik 5"/>
-          <p:cNvPicPr>
-            <a:picLocks noChangeAspect="1"/>
-          </p:cNvPicPr>
+        <p:txBody>
+          <a:bodyPr wrap="square" rtlCol="0">
+            <a:spAutoFit/>
+          </a:bodyPr>
+          <a:lstStyle/>
+          <a:p>
+            <a:r>
+              <a:rPr lang="de-DE" sz="1000" kern="1000" dirty="0" smtClean="0">
+                <a:latin typeface="Miriam Fixed" panose="020B0509050101010101" pitchFamily="49" charset="-79"/>
+                <a:cs typeface="Miriam Fixed" panose="020B0509050101010101" pitchFamily="49" charset="-79"/>
+              </a:rPr>
+              <a:t>Hallo Computer.</a:t>
+            </a:r>
+          </a:p>
+          <a:p>
+            <a:r>
+              <a:rPr lang="de-DE" sz="1000" kern="1000" dirty="0" smtClean="0">
+                <a:latin typeface="Miriam Fixed" panose="020B0509050101010101" pitchFamily="49" charset="-79"/>
+                <a:cs typeface="Miriam Fixed" panose="020B0509050101010101" pitchFamily="49" charset="-79"/>
+              </a:rPr>
+              <a:t>Es gibt da so ein x, dessen Wert ist </a:t>
+            </a:r>
+            <a:r>
+              <a:rPr lang="de-DE" sz="1000" kern="1000" dirty="0" smtClean="0">
+                <a:solidFill>
+                  <a:schemeClr val="accent1"/>
+                </a:solidFill>
+                <a:latin typeface="Miriam Fixed" panose="020B0509050101010101" pitchFamily="49" charset="-79"/>
+                <a:cs typeface="Miriam Fixed" panose="020B0509050101010101" pitchFamily="49" charset="-79"/>
+              </a:rPr>
+              <a:t>3</a:t>
+            </a:r>
+            <a:r>
+              <a:rPr lang="de-DE" sz="1000" kern="1000" dirty="0" smtClean="0">
+                <a:latin typeface="Miriam Fixed" panose="020B0509050101010101" pitchFamily="49" charset="-79"/>
+                <a:cs typeface="Miriam Fixed" panose="020B0509050101010101" pitchFamily="49" charset="-79"/>
+              </a:rPr>
+              <a:t>.</a:t>
+            </a:r>
+          </a:p>
+          <a:p>
+            <a:r>
+              <a:rPr lang="de-DE" sz="1000" kern="1000" dirty="0" smtClean="0">
+                <a:latin typeface="Miriam Fixed" panose="020B0509050101010101" pitchFamily="49" charset="-79"/>
+                <a:cs typeface="Miriam Fixed" panose="020B05090